--- a/Open Repositories 2017/Charon Poster/OR2017_Charon_Poster_Working.pptx
+++ b/Open Repositories 2017/Charon Poster/OR2017_Charon_Poster_Working.pptx
@@ -4993,11 +4993,6 @@
               </a:rPr>
               <a:t>                   : 18 absolute min – 40 absolute max</a:t>
             </a:r>
-            <a:endParaRPr lang="en-US" sz="1800" dirty="0">
-              <a:solidFill>
-                <a:schemeClr val="bg1"/>
-              </a:solidFill>
-            </a:endParaRPr>
           </a:p>
         </p:txBody>
       </p:sp>
@@ -5253,14 +5248,6 @@
               </a:rPr>
               <a:t>absolute min – 40 absolute max</a:t>
             </a:r>
-            <a:endParaRPr lang="en-US" sz="1600" dirty="0">
-              <a:solidFill>
-                <a:schemeClr val="bg1"/>
-              </a:solidFill>
-              <a:latin typeface="Tahoma" charset="0"/>
-              <a:ea typeface="Tahoma" charset="0"/>
-              <a:cs typeface="Tahoma" charset="0"/>
-            </a:endParaRPr>
           </a:p>
         </p:txBody>
       </p:sp>
@@ -6978,7 +6965,7 @@
     <p:bg>
       <p:bgPr>
         <a:solidFill>
-          <a:schemeClr val="tx1"/>
+          <a:srgbClr val="413E4A"/>
         </a:solidFill>
         <a:effectLst/>
       </p:bgPr>
@@ -6999,66 +6986,20 @@
       </p:grpSpPr>
       <p:sp>
         <p:nvSpPr>
-          <p:cNvPr id="7" name="TextBox 6"/>
-          <p:cNvSpPr txBox="1"/>
+          <p:cNvPr id="4" name="Rectangle 3"/>
+          <p:cNvSpPr/>
           <p:nvPr/>
         </p:nvSpPr>
         <p:spPr>
           <a:xfrm>
-            <a:off x="8625343" y="0"/>
-            <a:ext cx="1688704" cy="1446550"/>
+            <a:off x="10883988" y="-572"/>
+            <a:ext cx="274320" cy="18288000"/>
           </a:xfrm>
           <a:prstGeom prst="rect">
             <a:avLst/>
           </a:prstGeom>
           <a:solidFill>
-            <a:schemeClr val="bg1">
-              <a:lumMod val="85000"/>
-            </a:schemeClr>
-          </a:solidFill>
-        </p:spPr>
-        <p:txBody>
-          <a:bodyPr wrap="square" rtlCol="0">
-            <a:spAutoFit/>
-          </a:bodyPr>
-          <a:lstStyle/>
-          <a:p>
-            <a:pPr algn="ctr"/>
-            <a:endParaRPr lang="en-AU" sz="2800" dirty="0" smtClean="0"/>
-          </a:p>
-          <a:p>
-            <a:pPr algn="ctr"/>
-            <a:r>
-              <a:rPr lang="en-AU" sz="3200" b="1" dirty="0" smtClean="0"/>
-              <a:t>115</a:t>
-            </a:r>
-          </a:p>
-          <a:p>
-            <a:pPr algn="ctr"/>
-            <a:endParaRPr lang="en-AU" sz="2800" dirty="0" smtClean="0">
-              <a:solidFill>
-                <a:schemeClr val="bg1"/>
-              </a:solidFill>
-            </a:endParaRPr>
-          </a:p>
-        </p:txBody>
-      </p:sp>
-      <p:sp>
-        <p:nvSpPr>
-          <p:cNvPr id="4" name="Rectangle 3"/>
-          <p:cNvSpPr/>
-          <p:nvPr/>
-        </p:nvSpPr>
-        <p:spPr>
-          <a:xfrm>
-            <a:off x="0" y="0"/>
-            <a:ext cx="274320" cy="18288000"/>
-          </a:xfrm>
-          <a:prstGeom prst="rect">
-            <a:avLst/>
-          </a:prstGeom>
-          <a:solidFill>
-            <a:schemeClr val="bg1"/>
+            <a:schemeClr val="tx1"/>
           </a:solidFill>
           <a:ln>
             <a:solidFill>
@@ -7099,14 +7040,14 @@
         </p:nvSpPr>
         <p:spPr>
           <a:xfrm>
-            <a:off x="10015855" y="-17794"/>
+            <a:off x="20899843" y="-18366"/>
             <a:ext cx="274320" cy="18288000"/>
           </a:xfrm>
           <a:prstGeom prst="rect">
             <a:avLst/>
           </a:prstGeom>
           <a:solidFill>
-            <a:schemeClr val="bg1"/>
+            <a:schemeClr val="tx1"/>
           </a:solidFill>
           <a:ln>
             <a:solidFill>
@@ -7147,14 +7088,14 @@
         </p:nvSpPr>
         <p:spPr>
           <a:xfrm rot="5400000">
-            <a:off x="5017717" y="-5006340"/>
+            <a:off x="15901705" y="-5006912"/>
             <a:ext cx="274320" cy="10287000"/>
           </a:xfrm>
           <a:prstGeom prst="rect">
             <a:avLst/>
           </a:prstGeom>
           <a:solidFill>
-            <a:schemeClr val="bg1"/>
+            <a:schemeClr val="tx1"/>
           </a:solidFill>
           <a:ln>
             <a:solidFill>
@@ -7195,14 +7136,14 @@
         </p:nvSpPr>
         <p:spPr>
           <a:xfrm rot="5400000">
-            <a:off x="5006340" y="13010515"/>
+            <a:off x="15890328" y="13009943"/>
             <a:ext cx="274320" cy="10287000"/>
           </a:xfrm>
           <a:prstGeom prst="rect">
             <a:avLst/>
           </a:prstGeom>
           <a:solidFill>
-            <a:schemeClr val="bg1"/>
+            <a:schemeClr val="tx1"/>
           </a:solidFill>
           <a:ln>
             <a:solidFill>
@@ -7243,14 +7184,14 @@
         </p:nvSpPr>
         <p:spPr>
           <a:xfrm>
-            <a:off x="31883" y="3240931"/>
+            <a:off x="10915871" y="3240359"/>
             <a:ext cx="10287000" cy="228600"/>
           </a:xfrm>
           <a:prstGeom prst="rect">
             <a:avLst/>
           </a:prstGeom>
           <a:solidFill>
-            <a:schemeClr val="bg1"/>
+            <a:schemeClr val="tx1"/>
           </a:solidFill>
           <a:ln>
             <a:solidFill>
@@ -7285,153 +7226,20 @@
       </p:sp>
       <p:sp>
         <p:nvSpPr>
-          <p:cNvPr id="3" name="TextBox 2"/>
-          <p:cNvSpPr txBox="1"/>
-          <p:nvPr/>
-        </p:nvSpPr>
-        <p:spPr>
-          <a:xfrm>
-            <a:off x="320552" y="1080691"/>
-            <a:ext cx="9649072" cy="2154436"/>
-          </a:xfrm>
-          <a:prstGeom prst="rect">
-            <a:avLst/>
-          </a:prstGeom>
-          <a:noFill/>
-          <a:ln>
-            <a:solidFill>
-              <a:srgbClr val="00B050"/>
-            </a:solidFill>
-          </a:ln>
-        </p:spPr>
-        <p:txBody>
-          <a:bodyPr wrap="square" lIns="0" tIns="0" rIns="0" bIns="0" rtlCol="0">
-            <a:spAutoFit/>
-          </a:bodyPr>
-          <a:lstStyle/>
-          <a:p>
-            <a:r>
-              <a:rPr lang="en-US" sz="8000" dirty="0" smtClean="0">
-                <a:solidFill>
-                  <a:srgbClr val="F2F0DF"/>
-                </a:solidFill>
-                <a:latin typeface="Corbel" charset="0"/>
-                <a:ea typeface="Corbel" charset="0"/>
-                <a:cs typeface="Corbel" charset="0"/>
-              </a:rPr>
-              <a:t>Charon</a:t>
-            </a:r>
-            <a:r>
-              <a:rPr lang="en-US" sz="6000" dirty="0" smtClean="0">
-                <a:solidFill>
-                  <a:srgbClr val="F2F0DF"/>
-                </a:solidFill>
-                <a:latin typeface="Corbel" charset="0"/>
-                <a:ea typeface="Corbel" charset="0"/>
-                <a:cs typeface="Corbel" charset="0"/>
-              </a:rPr>
-              <a:t>: Workflow Support for Digital Humanities Projects</a:t>
-            </a:r>
-            <a:endParaRPr lang="en-US" sz="6000" dirty="0">
-              <a:solidFill>
-                <a:srgbClr val="F2F0DF"/>
-              </a:solidFill>
-              <a:latin typeface="Corbel" charset="0"/>
-              <a:ea typeface="Corbel" charset="0"/>
-              <a:cs typeface="Corbel" charset="0"/>
-            </a:endParaRPr>
-          </a:p>
-        </p:txBody>
-      </p:sp>
-      <p:sp>
-        <p:nvSpPr>
-          <p:cNvPr id="19" name="TextBox 18"/>
-          <p:cNvSpPr txBox="1"/>
-          <p:nvPr/>
-        </p:nvSpPr>
-        <p:spPr>
-          <a:xfrm>
-            <a:off x="320552" y="288603"/>
-            <a:ext cx="9649072" cy="800219"/>
-          </a:xfrm>
-          <a:prstGeom prst="rect">
-            <a:avLst/>
-          </a:prstGeom>
-          <a:noFill/>
-          <a:ln>
-            <a:solidFill>
-              <a:srgbClr val="00B050"/>
-            </a:solidFill>
-          </a:ln>
-        </p:spPr>
-        <p:txBody>
-          <a:bodyPr wrap="square" lIns="0" tIns="0" rIns="0" bIns="0" rtlCol="0">
-            <a:spAutoFit/>
-          </a:bodyPr>
-          <a:lstStyle/>
-          <a:p>
-            <a:r>
-              <a:rPr lang="en-US" sz="2600" dirty="0">
-                <a:solidFill>
-                  <a:schemeClr val="bg1"/>
-                </a:solidFill>
-                <a:latin typeface="Corbel" charset="0"/>
-                <a:ea typeface="Corbel" charset="0"/>
-                <a:cs typeface="Corbel" charset="0"/>
-              </a:rPr>
-              <a:t>Sarah Sweeney, </a:t>
-            </a:r>
-            <a:r>
-              <a:rPr lang="en-US" sz="2600" dirty="0" err="1">
-                <a:solidFill>
-                  <a:schemeClr val="bg1"/>
-                </a:solidFill>
-                <a:latin typeface="Corbel" charset="0"/>
-                <a:ea typeface="Corbel" charset="0"/>
-                <a:cs typeface="Corbel" charset="0"/>
-              </a:rPr>
-              <a:t>sj.sweeney@northeastern.edu</a:t>
-            </a:r>
-            <a:endParaRPr lang="en-US" sz="2600" dirty="0">
-              <a:solidFill>
-                <a:schemeClr val="bg1"/>
-              </a:solidFill>
-              <a:latin typeface="Corbel" charset="0"/>
-              <a:ea typeface="Corbel" charset="0"/>
-              <a:cs typeface="Corbel" charset="0"/>
-            </a:endParaRPr>
-          </a:p>
-          <a:p>
-            <a:r>
-              <a:rPr lang="en-US" sz="2600" dirty="0" smtClean="0">
-                <a:solidFill>
-                  <a:schemeClr val="bg1"/>
-                </a:solidFill>
-                <a:latin typeface="Corbel" charset="0"/>
-                <a:ea typeface="Corbel" charset="0"/>
-                <a:cs typeface="Corbel" charset="0"/>
-              </a:rPr>
-              <a:t>Northeastern University Libraries, Digital Scholarship Group</a:t>
-            </a:r>
-          </a:p>
-        </p:txBody>
-      </p:sp>
-      <p:sp>
-        <p:nvSpPr>
           <p:cNvPr id="22" name="Rectangle 21"/>
           <p:cNvSpPr/>
           <p:nvPr/>
         </p:nvSpPr>
         <p:spPr>
           <a:xfrm>
-            <a:off x="3175" y="6337275"/>
+            <a:off x="10887163" y="6336703"/>
             <a:ext cx="10287000" cy="228600"/>
           </a:xfrm>
           <a:prstGeom prst="rect">
             <a:avLst/>
           </a:prstGeom>
           <a:solidFill>
-            <a:schemeClr val="bg1"/>
+            <a:schemeClr val="tx1"/>
           </a:solidFill>
           <a:ln>
             <a:solidFill>
@@ -7472,14 +7280,14 @@
         </p:nvSpPr>
         <p:spPr>
           <a:xfrm>
-            <a:off x="3175" y="15986347"/>
+            <a:off x="10887163" y="15985775"/>
             <a:ext cx="10287000" cy="228600"/>
           </a:xfrm>
           <a:prstGeom prst="rect">
             <a:avLst/>
           </a:prstGeom>
           <a:solidFill>
-            <a:schemeClr val="bg1"/>
+            <a:schemeClr val="tx1"/>
           </a:solidFill>
           <a:ln>
             <a:solidFill>
@@ -7514,916 +7322,20 @@
       </p:sp>
       <p:sp>
         <p:nvSpPr>
-          <p:cNvPr id="24" name="TextBox 23"/>
-          <p:cNvSpPr txBox="1"/>
-          <p:nvPr/>
-        </p:nvSpPr>
-        <p:spPr>
-          <a:xfrm>
-            <a:off x="320550" y="3456955"/>
-            <a:ext cx="4824538" cy="2769989"/>
-          </a:xfrm>
-          <a:prstGeom prst="rect">
-            <a:avLst/>
-          </a:prstGeom>
-          <a:noFill/>
-          <a:ln>
-            <a:solidFill>
-              <a:srgbClr val="00B050"/>
-            </a:solidFill>
-          </a:ln>
-        </p:spPr>
-        <p:txBody>
-          <a:bodyPr wrap="square" lIns="0" tIns="0" rIns="0" bIns="0" rtlCol="0">
-            <a:spAutoFit/>
-          </a:bodyPr>
-          <a:lstStyle/>
-          <a:p>
-            <a:r>
-              <a:rPr lang="en-US" sz="2000" dirty="0" smtClean="0">
-                <a:solidFill>
-                  <a:schemeClr val="bg1"/>
-                </a:solidFill>
-                <a:latin typeface="Tahoma" charset="0"/>
-                <a:ea typeface="Tahoma" charset="0"/>
-                <a:cs typeface="Tahoma" charset="0"/>
-              </a:rPr>
-              <a:t>Lorem ipsum dolor sit </a:t>
-            </a:r>
-            <a:r>
-              <a:rPr lang="en-US" sz="2000" dirty="0" err="1" smtClean="0">
-                <a:solidFill>
-                  <a:schemeClr val="bg1"/>
-                </a:solidFill>
-                <a:latin typeface="Tahoma" charset="0"/>
-                <a:ea typeface="Tahoma" charset="0"/>
-                <a:cs typeface="Tahoma" charset="0"/>
-              </a:rPr>
-              <a:t>amet</a:t>
-            </a:r>
-            <a:r>
-              <a:rPr lang="en-US" sz="2000" dirty="0" smtClean="0">
-                <a:solidFill>
-                  <a:schemeClr val="bg1"/>
-                </a:solidFill>
-                <a:latin typeface="Tahoma" charset="0"/>
-                <a:ea typeface="Tahoma" charset="0"/>
-                <a:cs typeface="Tahoma" charset="0"/>
-              </a:rPr>
-              <a:t>, </a:t>
-            </a:r>
-            <a:r>
-              <a:rPr lang="en-US" sz="2000" dirty="0" err="1" smtClean="0">
-                <a:solidFill>
-                  <a:schemeClr val="bg1"/>
-                </a:solidFill>
-                <a:latin typeface="Tahoma" charset="0"/>
-                <a:ea typeface="Tahoma" charset="0"/>
-                <a:cs typeface="Tahoma" charset="0"/>
-              </a:rPr>
-              <a:t>consectetur</a:t>
-            </a:r>
-            <a:r>
-              <a:rPr lang="en-US" sz="2000" dirty="0" smtClean="0">
-                <a:solidFill>
-                  <a:schemeClr val="bg1"/>
-                </a:solidFill>
-                <a:latin typeface="Tahoma" charset="0"/>
-                <a:ea typeface="Tahoma" charset="0"/>
-                <a:cs typeface="Tahoma" charset="0"/>
-              </a:rPr>
-              <a:t> </a:t>
-            </a:r>
-            <a:r>
-              <a:rPr lang="en-US" sz="2000" dirty="0" err="1" smtClean="0">
-                <a:solidFill>
-                  <a:schemeClr val="bg1"/>
-                </a:solidFill>
-                <a:latin typeface="Tahoma" charset="0"/>
-                <a:ea typeface="Tahoma" charset="0"/>
-                <a:cs typeface="Tahoma" charset="0"/>
-              </a:rPr>
-              <a:t>adipiscing</a:t>
-            </a:r>
-            <a:r>
-              <a:rPr lang="en-US" sz="2000" dirty="0" smtClean="0">
-                <a:solidFill>
-                  <a:schemeClr val="bg1"/>
-                </a:solidFill>
-                <a:latin typeface="Tahoma" charset="0"/>
-                <a:ea typeface="Tahoma" charset="0"/>
-                <a:cs typeface="Tahoma" charset="0"/>
-              </a:rPr>
-              <a:t> </a:t>
-            </a:r>
-            <a:r>
-              <a:rPr lang="en-US" sz="2000" dirty="0" err="1" smtClean="0">
-                <a:solidFill>
-                  <a:schemeClr val="bg1"/>
-                </a:solidFill>
-                <a:latin typeface="Tahoma" charset="0"/>
-                <a:ea typeface="Tahoma" charset="0"/>
-                <a:cs typeface="Tahoma" charset="0"/>
-              </a:rPr>
-              <a:t>elit</a:t>
-            </a:r>
-            <a:r>
-              <a:rPr lang="en-US" sz="2000" dirty="0" smtClean="0">
-                <a:solidFill>
-                  <a:schemeClr val="bg1"/>
-                </a:solidFill>
-                <a:latin typeface="Tahoma" charset="0"/>
-                <a:ea typeface="Tahoma" charset="0"/>
-                <a:cs typeface="Tahoma" charset="0"/>
-              </a:rPr>
-              <a:t>, </a:t>
-            </a:r>
-            <a:r>
-              <a:rPr lang="en-US" sz="2000" dirty="0" err="1" smtClean="0">
-                <a:solidFill>
-                  <a:schemeClr val="bg1"/>
-                </a:solidFill>
-                <a:latin typeface="Tahoma" charset="0"/>
-                <a:ea typeface="Tahoma" charset="0"/>
-                <a:cs typeface="Tahoma" charset="0"/>
-              </a:rPr>
-              <a:t>sed</a:t>
-            </a:r>
-            <a:r>
-              <a:rPr lang="en-US" sz="2000" dirty="0" smtClean="0">
-                <a:solidFill>
-                  <a:schemeClr val="bg1"/>
-                </a:solidFill>
-                <a:latin typeface="Tahoma" charset="0"/>
-                <a:ea typeface="Tahoma" charset="0"/>
-                <a:cs typeface="Tahoma" charset="0"/>
-              </a:rPr>
-              <a:t> do </a:t>
-            </a:r>
-            <a:r>
-              <a:rPr lang="en-US" sz="2000" dirty="0" err="1" smtClean="0">
-                <a:solidFill>
-                  <a:schemeClr val="bg1"/>
-                </a:solidFill>
-                <a:latin typeface="Tahoma" charset="0"/>
-                <a:ea typeface="Tahoma" charset="0"/>
-                <a:cs typeface="Tahoma" charset="0"/>
-              </a:rPr>
-              <a:t>eiusmod</a:t>
-            </a:r>
-            <a:r>
-              <a:rPr lang="en-US" sz="2000" dirty="0" smtClean="0">
-                <a:solidFill>
-                  <a:schemeClr val="bg1"/>
-                </a:solidFill>
-                <a:latin typeface="Tahoma" charset="0"/>
-                <a:ea typeface="Tahoma" charset="0"/>
-                <a:cs typeface="Tahoma" charset="0"/>
-              </a:rPr>
-              <a:t> </a:t>
-            </a:r>
-            <a:r>
-              <a:rPr lang="en-US" sz="2000" dirty="0" err="1" smtClean="0">
-                <a:solidFill>
-                  <a:schemeClr val="bg1"/>
-                </a:solidFill>
-                <a:latin typeface="Tahoma" charset="0"/>
-                <a:ea typeface="Tahoma" charset="0"/>
-                <a:cs typeface="Tahoma" charset="0"/>
-              </a:rPr>
-              <a:t>tempor</a:t>
-            </a:r>
-            <a:r>
-              <a:rPr lang="en-US" sz="2000" dirty="0" smtClean="0">
-                <a:solidFill>
-                  <a:schemeClr val="bg1"/>
-                </a:solidFill>
-                <a:latin typeface="Tahoma" charset="0"/>
-                <a:ea typeface="Tahoma" charset="0"/>
-                <a:cs typeface="Tahoma" charset="0"/>
-              </a:rPr>
-              <a:t> </a:t>
-            </a:r>
-            <a:r>
-              <a:rPr lang="en-US" sz="2000" dirty="0" err="1" smtClean="0">
-                <a:solidFill>
-                  <a:schemeClr val="bg1"/>
-                </a:solidFill>
-                <a:latin typeface="Tahoma" charset="0"/>
-                <a:ea typeface="Tahoma" charset="0"/>
-                <a:cs typeface="Tahoma" charset="0"/>
-              </a:rPr>
-              <a:t>incididunt</a:t>
-            </a:r>
-            <a:r>
-              <a:rPr lang="en-US" sz="2000" dirty="0" smtClean="0">
-                <a:solidFill>
-                  <a:schemeClr val="bg1"/>
-                </a:solidFill>
-                <a:latin typeface="Tahoma" charset="0"/>
-                <a:ea typeface="Tahoma" charset="0"/>
-                <a:cs typeface="Tahoma" charset="0"/>
-              </a:rPr>
-              <a:t> </a:t>
-            </a:r>
-            <a:r>
-              <a:rPr lang="en-US" sz="2000" dirty="0" err="1" smtClean="0">
-                <a:solidFill>
-                  <a:schemeClr val="bg1"/>
-                </a:solidFill>
-                <a:latin typeface="Tahoma" charset="0"/>
-                <a:ea typeface="Tahoma" charset="0"/>
-                <a:cs typeface="Tahoma" charset="0"/>
-              </a:rPr>
-              <a:t>ut</a:t>
-            </a:r>
-            <a:r>
-              <a:rPr lang="en-US" sz="2000" dirty="0" smtClean="0">
-                <a:solidFill>
-                  <a:schemeClr val="bg1"/>
-                </a:solidFill>
-                <a:latin typeface="Tahoma" charset="0"/>
-                <a:ea typeface="Tahoma" charset="0"/>
-                <a:cs typeface="Tahoma" charset="0"/>
-              </a:rPr>
-              <a:t> </a:t>
-            </a:r>
-            <a:r>
-              <a:rPr lang="en-US" sz="2000" dirty="0" err="1" smtClean="0">
-                <a:solidFill>
-                  <a:schemeClr val="bg1"/>
-                </a:solidFill>
-                <a:latin typeface="Tahoma" charset="0"/>
-                <a:ea typeface="Tahoma" charset="0"/>
-                <a:cs typeface="Tahoma" charset="0"/>
-              </a:rPr>
-              <a:t>labore</a:t>
-            </a:r>
-            <a:r>
-              <a:rPr lang="en-US" sz="2000" dirty="0" smtClean="0">
-                <a:solidFill>
-                  <a:schemeClr val="bg1"/>
-                </a:solidFill>
-                <a:latin typeface="Tahoma" charset="0"/>
-                <a:ea typeface="Tahoma" charset="0"/>
-                <a:cs typeface="Tahoma" charset="0"/>
-              </a:rPr>
-              <a:t> et </a:t>
-            </a:r>
-            <a:r>
-              <a:rPr lang="en-US" sz="2000" dirty="0" err="1" smtClean="0">
-                <a:solidFill>
-                  <a:schemeClr val="bg1"/>
-                </a:solidFill>
-                <a:latin typeface="Tahoma" charset="0"/>
-                <a:ea typeface="Tahoma" charset="0"/>
-                <a:cs typeface="Tahoma" charset="0"/>
-              </a:rPr>
-              <a:t>dolore</a:t>
-            </a:r>
-            <a:r>
-              <a:rPr lang="en-US" sz="2000" dirty="0" smtClean="0">
-                <a:solidFill>
-                  <a:schemeClr val="bg1"/>
-                </a:solidFill>
-                <a:latin typeface="Tahoma" charset="0"/>
-                <a:ea typeface="Tahoma" charset="0"/>
-                <a:cs typeface="Tahoma" charset="0"/>
-              </a:rPr>
-              <a:t> magna </a:t>
-            </a:r>
-            <a:r>
-              <a:rPr lang="en-US" sz="2000" dirty="0" err="1" smtClean="0">
-                <a:solidFill>
-                  <a:schemeClr val="bg1"/>
-                </a:solidFill>
-                <a:latin typeface="Tahoma" charset="0"/>
-                <a:ea typeface="Tahoma" charset="0"/>
-                <a:cs typeface="Tahoma" charset="0"/>
-              </a:rPr>
-              <a:t>aliqua</a:t>
-            </a:r>
-            <a:r>
-              <a:rPr lang="en-US" sz="2000" dirty="0" smtClean="0">
-                <a:solidFill>
-                  <a:schemeClr val="bg1"/>
-                </a:solidFill>
-                <a:latin typeface="Tahoma" charset="0"/>
-                <a:ea typeface="Tahoma" charset="0"/>
-                <a:cs typeface="Tahoma" charset="0"/>
-              </a:rPr>
-              <a:t>. </a:t>
-            </a:r>
-            <a:r>
-              <a:rPr lang="en-US" sz="2000" dirty="0" err="1" smtClean="0">
-                <a:solidFill>
-                  <a:schemeClr val="bg1"/>
-                </a:solidFill>
-                <a:latin typeface="Tahoma" charset="0"/>
-                <a:ea typeface="Tahoma" charset="0"/>
-                <a:cs typeface="Tahoma" charset="0"/>
-              </a:rPr>
-              <a:t>Ut</a:t>
-            </a:r>
-            <a:r>
-              <a:rPr lang="en-US" sz="2000" dirty="0" smtClean="0">
-                <a:solidFill>
-                  <a:schemeClr val="bg1"/>
-                </a:solidFill>
-                <a:latin typeface="Tahoma" charset="0"/>
-                <a:ea typeface="Tahoma" charset="0"/>
-                <a:cs typeface="Tahoma" charset="0"/>
-              </a:rPr>
-              <a:t> </a:t>
-            </a:r>
-            <a:r>
-              <a:rPr lang="en-US" sz="2000" dirty="0" err="1" smtClean="0">
-                <a:solidFill>
-                  <a:schemeClr val="bg1"/>
-                </a:solidFill>
-                <a:latin typeface="Tahoma" charset="0"/>
-                <a:ea typeface="Tahoma" charset="0"/>
-                <a:cs typeface="Tahoma" charset="0"/>
-              </a:rPr>
-              <a:t>enim</a:t>
-            </a:r>
-            <a:r>
-              <a:rPr lang="en-US" sz="2000" dirty="0" smtClean="0">
-                <a:solidFill>
-                  <a:schemeClr val="bg1"/>
-                </a:solidFill>
-                <a:latin typeface="Tahoma" charset="0"/>
-                <a:ea typeface="Tahoma" charset="0"/>
-                <a:cs typeface="Tahoma" charset="0"/>
-              </a:rPr>
-              <a:t> ad minim </a:t>
-            </a:r>
-            <a:r>
-              <a:rPr lang="en-US" sz="2000" dirty="0" err="1" smtClean="0">
-                <a:solidFill>
-                  <a:schemeClr val="bg1"/>
-                </a:solidFill>
-                <a:latin typeface="Tahoma" charset="0"/>
-                <a:ea typeface="Tahoma" charset="0"/>
-                <a:cs typeface="Tahoma" charset="0"/>
-              </a:rPr>
-              <a:t>veniam</a:t>
-            </a:r>
-            <a:r>
-              <a:rPr lang="en-US" sz="2000" dirty="0" smtClean="0">
-                <a:solidFill>
-                  <a:schemeClr val="bg1"/>
-                </a:solidFill>
-                <a:latin typeface="Tahoma" charset="0"/>
-                <a:ea typeface="Tahoma" charset="0"/>
-                <a:cs typeface="Tahoma" charset="0"/>
-              </a:rPr>
-              <a:t>, </a:t>
-            </a:r>
-            <a:r>
-              <a:rPr lang="en-US" sz="2000" dirty="0" err="1" smtClean="0">
-                <a:solidFill>
-                  <a:schemeClr val="bg1"/>
-                </a:solidFill>
-                <a:latin typeface="Tahoma" charset="0"/>
-                <a:ea typeface="Tahoma" charset="0"/>
-                <a:cs typeface="Tahoma" charset="0"/>
-              </a:rPr>
-              <a:t>quis</a:t>
-            </a:r>
-            <a:r>
-              <a:rPr lang="en-US" sz="2000" dirty="0" smtClean="0">
-                <a:solidFill>
-                  <a:schemeClr val="bg1"/>
-                </a:solidFill>
-                <a:latin typeface="Tahoma" charset="0"/>
-                <a:ea typeface="Tahoma" charset="0"/>
-                <a:cs typeface="Tahoma" charset="0"/>
-              </a:rPr>
-              <a:t> </a:t>
-            </a:r>
-            <a:r>
-              <a:rPr lang="en-US" sz="2000" dirty="0" err="1" smtClean="0">
-                <a:solidFill>
-                  <a:schemeClr val="bg1"/>
-                </a:solidFill>
-                <a:latin typeface="Tahoma" charset="0"/>
-                <a:ea typeface="Tahoma" charset="0"/>
-                <a:cs typeface="Tahoma" charset="0"/>
-              </a:rPr>
-              <a:t>nostrud</a:t>
-            </a:r>
-            <a:r>
-              <a:rPr lang="en-US" sz="2000" dirty="0" smtClean="0">
-                <a:solidFill>
-                  <a:schemeClr val="bg1"/>
-                </a:solidFill>
-                <a:latin typeface="Tahoma" charset="0"/>
-                <a:ea typeface="Tahoma" charset="0"/>
-                <a:cs typeface="Tahoma" charset="0"/>
-              </a:rPr>
-              <a:t> exercitation </a:t>
-            </a:r>
-            <a:r>
-              <a:rPr lang="en-US" sz="2000" dirty="0" err="1" smtClean="0">
-                <a:solidFill>
-                  <a:schemeClr val="bg1"/>
-                </a:solidFill>
-                <a:latin typeface="Tahoma" charset="0"/>
-                <a:ea typeface="Tahoma" charset="0"/>
-                <a:cs typeface="Tahoma" charset="0"/>
-              </a:rPr>
-              <a:t>ullamco</a:t>
-            </a:r>
-            <a:r>
-              <a:rPr lang="en-US" sz="2000" dirty="0" smtClean="0">
-                <a:solidFill>
-                  <a:schemeClr val="bg1"/>
-                </a:solidFill>
-                <a:latin typeface="Tahoma" charset="0"/>
-                <a:ea typeface="Tahoma" charset="0"/>
-                <a:cs typeface="Tahoma" charset="0"/>
-              </a:rPr>
-              <a:t> </a:t>
-            </a:r>
-            <a:r>
-              <a:rPr lang="en-US" sz="2000" dirty="0" err="1" smtClean="0">
-                <a:solidFill>
-                  <a:schemeClr val="bg1"/>
-                </a:solidFill>
-                <a:latin typeface="Tahoma" charset="0"/>
-                <a:ea typeface="Tahoma" charset="0"/>
-                <a:cs typeface="Tahoma" charset="0"/>
-              </a:rPr>
-              <a:t>laboris</a:t>
-            </a:r>
-            <a:r>
-              <a:rPr lang="en-US" sz="2000" dirty="0" smtClean="0">
-                <a:solidFill>
-                  <a:schemeClr val="bg1"/>
-                </a:solidFill>
-                <a:latin typeface="Tahoma" charset="0"/>
-                <a:ea typeface="Tahoma" charset="0"/>
-                <a:cs typeface="Tahoma" charset="0"/>
-              </a:rPr>
-              <a:t> nisi </a:t>
-            </a:r>
-            <a:r>
-              <a:rPr lang="en-US" sz="2000" dirty="0" err="1" smtClean="0">
-                <a:solidFill>
-                  <a:schemeClr val="bg1"/>
-                </a:solidFill>
-                <a:latin typeface="Tahoma" charset="0"/>
-                <a:ea typeface="Tahoma" charset="0"/>
-                <a:cs typeface="Tahoma" charset="0"/>
-              </a:rPr>
-              <a:t>ut</a:t>
-            </a:r>
-            <a:r>
-              <a:rPr lang="en-US" sz="2000" dirty="0" smtClean="0">
-                <a:solidFill>
-                  <a:schemeClr val="bg1"/>
-                </a:solidFill>
-                <a:latin typeface="Tahoma" charset="0"/>
-                <a:ea typeface="Tahoma" charset="0"/>
-                <a:cs typeface="Tahoma" charset="0"/>
-              </a:rPr>
-              <a:t> </a:t>
-            </a:r>
-            <a:r>
-              <a:rPr lang="en-US" sz="2000" dirty="0" err="1" smtClean="0">
-                <a:solidFill>
-                  <a:schemeClr val="bg1"/>
-                </a:solidFill>
-                <a:latin typeface="Tahoma" charset="0"/>
-                <a:ea typeface="Tahoma" charset="0"/>
-                <a:cs typeface="Tahoma" charset="0"/>
-              </a:rPr>
-              <a:t>aliquip</a:t>
-            </a:r>
-            <a:r>
-              <a:rPr lang="en-US" sz="2000" dirty="0" smtClean="0">
-                <a:solidFill>
-                  <a:schemeClr val="bg1"/>
-                </a:solidFill>
-                <a:latin typeface="Tahoma" charset="0"/>
-                <a:ea typeface="Tahoma" charset="0"/>
-                <a:cs typeface="Tahoma" charset="0"/>
-              </a:rPr>
-              <a:t> ex </a:t>
-            </a:r>
-            <a:r>
-              <a:rPr lang="en-US" sz="2000" dirty="0" err="1" smtClean="0">
-                <a:solidFill>
-                  <a:schemeClr val="bg1"/>
-                </a:solidFill>
-                <a:latin typeface="Tahoma" charset="0"/>
-                <a:ea typeface="Tahoma" charset="0"/>
-                <a:cs typeface="Tahoma" charset="0"/>
-              </a:rPr>
-              <a:t>ea</a:t>
-            </a:r>
-            <a:r>
-              <a:rPr lang="en-US" sz="2000" dirty="0" smtClean="0">
-                <a:solidFill>
-                  <a:schemeClr val="bg1"/>
-                </a:solidFill>
-                <a:latin typeface="Tahoma" charset="0"/>
-                <a:ea typeface="Tahoma" charset="0"/>
-                <a:cs typeface="Tahoma" charset="0"/>
-              </a:rPr>
-              <a:t> </a:t>
-            </a:r>
-            <a:r>
-              <a:rPr lang="en-US" sz="2000" dirty="0" err="1" smtClean="0">
-                <a:solidFill>
-                  <a:schemeClr val="bg1"/>
-                </a:solidFill>
-                <a:latin typeface="Tahoma" charset="0"/>
-                <a:ea typeface="Tahoma" charset="0"/>
-                <a:cs typeface="Tahoma" charset="0"/>
-              </a:rPr>
-              <a:t>commodo</a:t>
-            </a:r>
-            <a:r>
-              <a:rPr lang="en-US" sz="2000" dirty="0" smtClean="0">
-                <a:solidFill>
-                  <a:schemeClr val="bg1"/>
-                </a:solidFill>
-                <a:latin typeface="Tahoma" charset="0"/>
-                <a:ea typeface="Tahoma" charset="0"/>
-                <a:cs typeface="Tahoma" charset="0"/>
-              </a:rPr>
-              <a:t> </a:t>
-            </a:r>
-            <a:r>
-              <a:rPr lang="en-US" sz="2000" dirty="0" err="1" smtClean="0">
-                <a:solidFill>
-                  <a:schemeClr val="bg1"/>
-                </a:solidFill>
-                <a:latin typeface="Tahoma" charset="0"/>
-                <a:ea typeface="Tahoma" charset="0"/>
-                <a:cs typeface="Tahoma" charset="0"/>
-              </a:rPr>
-              <a:t>consequat</a:t>
-            </a:r>
-            <a:r>
-              <a:rPr lang="en-US" sz="2000" dirty="0" smtClean="0">
-                <a:solidFill>
-                  <a:schemeClr val="bg1"/>
-                </a:solidFill>
-                <a:latin typeface="Tahoma" charset="0"/>
-                <a:ea typeface="Tahoma" charset="0"/>
-                <a:cs typeface="Tahoma" charset="0"/>
-              </a:rPr>
-              <a:t> </a:t>
-            </a:r>
-            <a:r>
-              <a:rPr lang="en-US" sz="2000" dirty="0" err="1">
-                <a:solidFill>
-                  <a:schemeClr val="bg1"/>
-                </a:solidFill>
-                <a:latin typeface="Tahoma" charset="0"/>
-                <a:ea typeface="Tahoma" charset="0"/>
-                <a:cs typeface="Tahoma" charset="0"/>
-              </a:rPr>
-              <a:t>eiusmod</a:t>
-            </a:r>
-            <a:r>
-              <a:rPr lang="en-US" sz="2000" dirty="0">
-                <a:solidFill>
-                  <a:schemeClr val="bg1"/>
-                </a:solidFill>
-                <a:latin typeface="Tahoma" charset="0"/>
-                <a:ea typeface="Tahoma" charset="0"/>
-                <a:cs typeface="Tahoma" charset="0"/>
-              </a:rPr>
-              <a:t> </a:t>
-            </a:r>
-            <a:r>
-              <a:rPr lang="en-US" sz="2000" dirty="0" err="1">
-                <a:solidFill>
-                  <a:schemeClr val="bg1"/>
-                </a:solidFill>
-                <a:latin typeface="Tahoma" charset="0"/>
-                <a:ea typeface="Tahoma" charset="0"/>
-                <a:cs typeface="Tahoma" charset="0"/>
-              </a:rPr>
-              <a:t>tempor</a:t>
-            </a:r>
-            <a:r>
-              <a:rPr lang="en-US" sz="2000" dirty="0">
-                <a:solidFill>
-                  <a:schemeClr val="bg1"/>
-                </a:solidFill>
-                <a:latin typeface="Tahoma" charset="0"/>
-                <a:ea typeface="Tahoma" charset="0"/>
-                <a:cs typeface="Tahoma" charset="0"/>
-              </a:rPr>
-              <a:t> </a:t>
-            </a:r>
-            <a:r>
-              <a:rPr lang="en-US" sz="2000" dirty="0" err="1">
-                <a:solidFill>
-                  <a:schemeClr val="bg1"/>
-                </a:solidFill>
-                <a:latin typeface="Tahoma" charset="0"/>
-                <a:ea typeface="Tahoma" charset="0"/>
-                <a:cs typeface="Tahoma" charset="0"/>
-              </a:rPr>
-              <a:t>incididunt</a:t>
-            </a:r>
-            <a:r>
-              <a:rPr lang="en-US" sz="2000" dirty="0">
-                <a:solidFill>
-                  <a:schemeClr val="bg1"/>
-                </a:solidFill>
-                <a:latin typeface="Tahoma" charset="0"/>
-                <a:ea typeface="Tahoma" charset="0"/>
-                <a:cs typeface="Tahoma" charset="0"/>
-              </a:rPr>
-              <a:t> </a:t>
-            </a:r>
-            <a:r>
-              <a:rPr lang="en-US" sz="2000" dirty="0" err="1">
-                <a:solidFill>
-                  <a:schemeClr val="bg1"/>
-                </a:solidFill>
-                <a:latin typeface="Tahoma" charset="0"/>
-                <a:ea typeface="Tahoma" charset="0"/>
-                <a:cs typeface="Tahoma" charset="0"/>
-              </a:rPr>
-              <a:t>ut</a:t>
-            </a:r>
-            <a:r>
-              <a:rPr lang="en-US" sz="2000" dirty="0">
-                <a:solidFill>
-                  <a:schemeClr val="bg1"/>
-                </a:solidFill>
-                <a:latin typeface="Tahoma" charset="0"/>
-                <a:ea typeface="Tahoma" charset="0"/>
-                <a:cs typeface="Tahoma" charset="0"/>
-              </a:rPr>
-              <a:t> </a:t>
-            </a:r>
-            <a:r>
-              <a:rPr lang="en-US" sz="2000" dirty="0" err="1">
-                <a:solidFill>
-                  <a:schemeClr val="bg1"/>
-                </a:solidFill>
-                <a:latin typeface="Tahoma" charset="0"/>
-                <a:ea typeface="Tahoma" charset="0"/>
-                <a:cs typeface="Tahoma" charset="0"/>
-              </a:rPr>
-              <a:t>labore</a:t>
-            </a:r>
-            <a:r>
-              <a:rPr lang="en-US" sz="2000" dirty="0">
-                <a:solidFill>
-                  <a:schemeClr val="bg1"/>
-                </a:solidFill>
-                <a:latin typeface="Tahoma" charset="0"/>
-                <a:ea typeface="Tahoma" charset="0"/>
-                <a:cs typeface="Tahoma" charset="0"/>
-              </a:rPr>
-              <a:t> </a:t>
-            </a:r>
-            <a:r>
-              <a:rPr lang="en-US" sz="2000" dirty="0" err="1">
-                <a:solidFill>
-                  <a:schemeClr val="bg1"/>
-                </a:solidFill>
-                <a:latin typeface="Tahoma" charset="0"/>
-                <a:ea typeface="Tahoma" charset="0"/>
-                <a:cs typeface="Tahoma" charset="0"/>
-              </a:rPr>
-              <a:t>adipiscing</a:t>
-            </a:r>
-            <a:r>
-              <a:rPr lang="en-US" sz="2000" dirty="0">
-                <a:solidFill>
-                  <a:schemeClr val="bg1"/>
-                </a:solidFill>
-                <a:latin typeface="Tahoma" charset="0"/>
-                <a:ea typeface="Tahoma" charset="0"/>
-                <a:cs typeface="Tahoma" charset="0"/>
-              </a:rPr>
-              <a:t> </a:t>
-            </a:r>
-            <a:r>
-              <a:rPr lang="en-US" sz="2000" dirty="0" err="1">
-                <a:solidFill>
-                  <a:schemeClr val="bg1"/>
-                </a:solidFill>
-                <a:latin typeface="Tahoma" charset="0"/>
-                <a:ea typeface="Tahoma" charset="0"/>
-                <a:cs typeface="Tahoma" charset="0"/>
-              </a:rPr>
-              <a:t>elit</a:t>
-            </a:r>
-            <a:r>
-              <a:rPr lang="en-US" sz="2000" dirty="0">
-                <a:solidFill>
-                  <a:schemeClr val="bg1"/>
-                </a:solidFill>
-                <a:latin typeface="Tahoma" charset="0"/>
-                <a:ea typeface="Tahoma" charset="0"/>
-                <a:cs typeface="Tahoma" charset="0"/>
-              </a:rPr>
-              <a:t>, </a:t>
-            </a:r>
-            <a:r>
-              <a:rPr lang="en-US" sz="2000" dirty="0" err="1">
-                <a:solidFill>
-                  <a:schemeClr val="bg1"/>
-                </a:solidFill>
-                <a:latin typeface="Tahoma" charset="0"/>
-                <a:ea typeface="Tahoma" charset="0"/>
-                <a:cs typeface="Tahoma" charset="0"/>
-              </a:rPr>
-              <a:t>sed</a:t>
-            </a:r>
-            <a:r>
-              <a:rPr lang="en-US" sz="2000" dirty="0">
-                <a:solidFill>
-                  <a:schemeClr val="bg1"/>
-                </a:solidFill>
-                <a:latin typeface="Tahoma" charset="0"/>
-                <a:ea typeface="Tahoma" charset="0"/>
-                <a:cs typeface="Tahoma" charset="0"/>
-              </a:rPr>
-              <a:t> do </a:t>
-            </a:r>
-            <a:r>
-              <a:rPr lang="en-US" sz="2000" dirty="0" err="1">
-                <a:solidFill>
-                  <a:schemeClr val="bg1"/>
-                </a:solidFill>
-                <a:latin typeface="Tahoma" charset="0"/>
-                <a:ea typeface="Tahoma" charset="0"/>
-                <a:cs typeface="Tahoma" charset="0"/>
-              </a:rPr>
-              <a:t>eiusmod</a:t>
-            </a:r>
-            <a:r>
-              <a:rPr lang="en-US" sz="2000" dirty="0">
-                <a:solidFill>
-                  <a:schemeClr val="bg1"/>
-                </a:solidFill>
-                <a:latin typeface="Tahoma" charset="0"/>
-                <a:ea typeface="Tahoma" charset="0"/>
-                <a:cs typeface="Tahoma" charset="0"/>
-              </a:rPr>
-              <a:t> </a:t>
-            </a:r>
-            <a:r>
-              <a:rPr lang="en-US" sz="2000" dirty="0" err="1">
-                <a:solidFill>
-                  <a:schemeClr val="bg1"/>
-                </a:solidFill>
-                <a:latin typeface="Tahoma" charset="0"/>
-                <a:ea typeface="Tahoma" charset="0"/>
-                <a:cs typeface="Tahoma" charset="0"/>
-              </a:rPr>
-              <a:t>tempor</a:t>
-            </a:r>
-            <a:r>
-              <a:rPr lang="en-US" sz="2000" dirty="0">
-                <a:solidFill>
-                  <a:schemeClr val="bg1"/>
-                </a:solidFill>
-                <a:latin typeface="Tahoma" charset="0"/>
-                <a:ea typeface="Tahoma" charset="0"/>
-                <a:cs typeface="Tahoma" charset="0"/>
-              </a:rPr>
-              <a:t> </a:t>
-            </a:r>
-            <a:r>
-              <a:rPr lang="en-US" sz="2000" dirty="0" err="1">
-                <a:solidFill>
-                  <a:schemeClr val="bg1"/>
-                </a:solidFill>
-                <a:latin typeface="Tahoma" charset="0"/>
-                <a:ea typeface="Tahoma" charset="0"/>
-                <a:cs typeface="Tahoma" charset="0"/>
-              </a:rPr>
-              <a:t>incididunt</a:t>
-            </a:r>
-            <a:r>
-              <a:rPr lang="en-US" sz="2000" dirty="0">
-                <a:solidFill>
-                  <a:schemeClr val="bg1"/>
-                </a:solidFill>
-                <a:latin typeface="Tahoma" charset="0"/>
-                <a:ea typeface="Tahoma" charset="0"/>
-                <a:cs typeface="Tahoma" charset="0"/>
-              </a:rPr>
-              <a:t> </a:t>
-            </a:r>
-            <a:r>
-              <a:rPr lang="en-US" sz="2000" dirty="0" err="1">
-                <a:solidFill>
-                  <a:schemeClr val="bg1"/>
-                </a:solidFill>
-                <a:latin typeface="Tahoma" charset="0"/>
-                <a:ea typeface="Tahoma" charset="0"/>
-                <a:cs typeface="Tahoma" charset="0"/>
-              </a:rPr>
-              <a:t>ut</a:t>
-            </a:r>
-            <a:r>
-              <a:rPr lang="en-US" sz="2000" dirty="0">
-                <a:solidFill>
-                  <a:schemeClr val="bg1"/>
-                </a:solidFill>
-                <a:latin typeface="Tahoma" charset="0"/>
-                <a:ea typeface="Tahoma" charset="0"/>
-                <a:cs typeface="Tahoma" charset="0"/>
-              </a:rPr>
-              <a:t> </a:t>
-            </a:r>
-            <a:r>
-              <a:rPr lang="en-US" sz="2000" dirty="0" err="1">
-                <a:solidFill>
-                  <a:schemeClr val="bg1"/>
-                </a:solidFill>
-                <a:latin typeface="Tahoma" charset="0"/>
-                <a:ea typeface="Tahoma" charset="0"/>
-                <a:cs typeface="Tahoma" charset="0"/>
-              </a:rPr>
-              <a:t>labore</a:t>
-            </a:r>
-            <a:r>
-              <a:rPr lang="en-US" sz="2000" dirty="0">
-                <a:solidFill>
-                  <a:schemeClr val="bg1"/>
-                </a:solidFill>
-                <a:latin typeface="Tahoma" charset="0"/>
-                <a:ea typeface="Tahoma" charset="0"/>
-                <a:cs typeface="Tahoma" charset="0"/>
-              </a:rPr>
-              <a:t> et </a:t>
-            </a:r>
-            <a:r>
-              <a:rPr lang="en-US" sz="2000" dirty="0" err="1">
-                <a:solidFill>
-                  <a:schemeClr val="bg1"/>
-                </a:solidFill>
-                <a:latin typeface="Tahoma" charset="0"/>
-                <a:ea typeface="Tahoma" charset="0"/>
-                <a:cs typeface="Tahoma" charset="0"/>
-              </a:rPr>
-              <a:t>dolore</a:t>
-            </a:r>
-            <a:r>
-              <a:rPr lang="en-US" sz="2000" dirty="0">
-                <a:solidFill>
-                  <a:schemeClr val="bg1"/>
-                </a:solidFill>
-                <a:latin typeface="Tahoma" charset="0"/>
-                <a:ea typeface="Tahoma" charset="0"/>
-                <a:cs typeface="Tahoma" charset="0"/>
-              </a:rPr>
-              <a:t> </a:t>
-            </a:r>
-            <a:r>
-              <a:rPr lang="en-US" sz="2000" dirty="0" smtClean="0">
-                <a:solidFill>
-                  <a:schemeClr val="bg1"/>
-                </a:solidFill>
-                <a:latin typeface="Tahoma" charset="0"/>
-                <a:ea typeface="Tahoma" charset="0"/>
-                <a:cs typeface="Tahoma" charset="0"/>
-              </a:rPr>
-              <a:t>magna.</a:t>
-            </a:r>
-            <a:endParaRPr lang="en-US" sz="2000" dirty="0">
-              <a:solidFill>
-                <a:schemeClr val="bg1"/>
-              </a:solidFill>
-              <a:latin typeface="Tahoma" charset="0"/>
-              <a:ea typeface="Tahoma" charset="0"/>
-              <a:cs typeface="Tahoma" charset="0"/>
-            </a:endParaRPr>
-          </a:p>
-        </p:txBody>
-      </p:sp>
-      <p:sp>
-        <p:nvSpPr>
           <p:cNvPr id="25" name="Rectangle 24"/>
           <p:cNvSpPr/>
           <p:nvPr/>
         </p:nvSpPr>
         <p:spPr>
           <a:xfrm>
-            <a:off x="5030788" y="3384947"/>
-            <a:ext cx="228600" cy="12801600"/>
+            <a:off x="15914776" y="3384375"/>
+            <a:ext cx="228600" cy="2971800"/>
           </a:xfrm>
           <a:prstGeom prst="rect">
             <a:avLst/>
           </a:prstGeom>
           <a:solidFill>
-            <a:schemeClr val="bg1"/>
+            <a:schemeClr val="tx1"/>
           </a:solidFill>
           <a:ln>
             <a:solidFill>
@@ -8458,66 +7370,24 @@
       </p:sp>
       <p:sp>
         <p:nvSpPr>
-          <p:cNvPr id="26" name="TextBox 25"/>
-          <p:cNvSpPr txBox="1"/>
+          <p:cNvPr id="43" name="Rectangle 42"/>
+          <p:cNvSpPr/>
           <p:nvPr/>
         </p:nvSpPr>
         <p:spPr>
           <a:xfrm>
-            <a:off x="5282596" y="3456955"/>
-            <a:ext cx="4687027" cy="553998"/>
+            <a:off x="18981403" y="16202371"/>
+            <a:ext cx="228600" cy="2057400"/>
           </a:xfrm>
           <a:prstGeom prst="rect">
             <a:avLst/>
           </a:prstGeom>
-          <a:noFill/>
-          <a:ln>
-            <a:solidFill>
-              <a:srgbClr val="00B050"/>
-            </a:solidFill>
-          </a:ln>
-        </p:spPr>
-        <p:txBody>
-          <a:bodyPr wrap="square" lIns="0" tIns="0" rIns="0" bIns="0" rtlCol="0">
-            <a:spAutoFit/>
-          </a:bodyPr>
-          <a:lstStyle/>
-          <a:p>
-            <a:pPr algn="ctr"/>
-            <a:r>
-              <a:rPr lang="en-US" dirty="0" smtClean="0">
-                <a:solidFill>
-                  <a:srgbClr val="607890"/>
-                </a:solidFill>
-                <a:latin typeface="Corbel" charset="0"/>
-                <a:ea typeface="Corbel" charset="0"/>
-                <a:cs typeface="Corbel" charset="0"/>
-              </a:rPr>
-              <a:t>Components</a:t>
-            </a:r>
-          </a:p>
-        </p:txBody>
-      </p:sp>
-      <p:sp>
-        <p:nvSpPr>
-          <p:cNvPr id="6" name="5-Point Star 5"/>
-          <p:cNvSpPr/>
-          <p:nvPr/>
-        </p:nvSpPr>
-        <p:spPr>
-          <a:xfrm>
-            <a:off x="5577135" y="4393059"/>
-            <a:ext cx="432048" cy="432048"/>
-          </a:xfrm>
-          <a:prstGeom prst="star5">
-            <a:avLst/>
-          </a:prstGeom>
           <a:solidFill>
-            <a:srgbClr val="8E9E82"/>
+            <a:schemeClr val="tx1"/>
           </a:solidFill>
           <a:ln>
             <a:solidFill>
-              <a:srgbClr val="8E9E82"/>
+              <a:schemeClr val="bg1"/>
             </a:solidFill>
           </a:ln>
         </p:spPr>
@@ -8548,24 +7418,24 @@
       </p:sp>
       <p:sp>
         <p:nvSpPr>
-          <p:cNvPr id="28" name="5-Point Star 27"/>
+          <p:cNvPr id="37" name="Rectangle 36"/>
           <p:cNvSpPr/>
           <p:nvPr/>
         </p:nvSpPr>
         <p:spPr>
           <a:xfrm>
-            <a:off x="5721151" y="4969123"/>
-            <a:ext cx="432048" cy="432048"/>
-          </a:xfrm>
-          <a:prstGeom prst="star5">
+            <a:off x="10883988" y="11377263"/>
+            <a:ext cx="10287000" cy="228600"/>
+          </a:xfrm>
+          <a:prstGeom prst="rect">
             <a:avLst/>
           </a:prstGeom>
           <a:solidFill>
-            <a:srgbClr val="8E9E82"/>
+            <a:schemeClr val="tx1"/>
           </a:solidFill>
           <a:ln>
             <a:solidFill>
-              <a:srgbClr val="8E9E82"/>
+              <a:schemeClr val="bg1"/>
             </a:solidFill>
           </a:ln>
         </p:spPr>
@@ -8596,25 +7466,26 @@
       </p:sp>
       <p:sp>
         <p:nvSpPr>
-          <p:cNvPr id="29" name="5-Point Star 28"/>
+          <p:cNvPr id="48" name="Rounded Rectangle 47"/>
           <p:cNvSpPr/>
           <p:nvPr/>
         </p:nvSpPr>
         <p:spPr>
           <a:xfrm>
-            <a:off x="6729263" y="4321051"/>
-            <a:ext cx="432048" cy="432048"/>
-          </a:xfrm>
-          <a:prstGeom prst="star5">
+            <a:off x="320551" y="16274379"/>
+            <a:ext cx="7776864" cy="1800200"/>
+          </a:xfrm>
+          <a:prstGeom prst="roundRect">
             <a:avLst/>
           </a:prstGeom>
           <a:solidFill>
-            <a:srgbClr val="8E9E82"/>
+            <a:srgbClr val="73626E"/>
           </a:solidFill>
-          <a:ln>
+          <a:ln cap="rnd">
             <a:solidFill>
-              <a:srgbClr val="8E9E82"/>
+              <a:srgbClr val="73626E"/>
             </a:solidFill>
+            <a:prstDash val="solid"/>
           </a:ln>
         </p:spPr>
         <p:style>
@@ -8644,25 +7515,26 @@
       </p:sp>
       <p:sp>
         <p:nvSpPr>
-          <p:cNvPr id="30" name="5-Point Star 29"/>
+          <p:cNvPr id="47" name="Rounded Rectangle 46"/>
           <p:cNvSpPr/>
           <p:nvPr/>
         </p:nvSpPr>
         <p:spPr>
           <a:xfrm>
-            <a:off x="8169423" y="4609083"/>
-            <a:ext cx="432048" cy="432048"/>
-          </a:xfrm>
-          <a:prstGeom prst="star5">
+            <a:off x="284548" y="11665867"/>
+            <a:ext cx="9757084" cy="4248472"/>
+          </a:xfrm>
+          <a:prstGeom prst="roundRect">
             <a:avLst/>
           </a:prstGeom>
           <a:solidFill>
-            <a:srgbClr val="8E9E82"/>
+            <a:srgbClr val="73626E"/>
           </a:solidFill>
-          <a:ln>
+          <a:ln cap="rnd">
             <a:solidFill>
-              <a:srgbClr val="8E9E82"/>
+              <a:srgbClr val="73626E"/>
             </a:solidFill>
+            <a:prstDash val="solid"/>
           </a:ln>
         </p:spPr>
         <p:style>
@@ -8692,25 +7564,26 @@
       </p:sp>
       <p:sp>
         <p:nvSpPr>
-          <p:cNvPr id="31" name="5-Point Star 30"/>
+          <p:cNvPr id="46" name="Rounded Rectangle 45"/>
           <p:cNvSpPr/>
           <p:nvPr/>
         </p:nvSpPr>
         <p:spPr>
           <a:xfrm>
-            <a:off x="7089303" y="5113139"/>
-            <a:ext cx="432048" cy="432048"/>
-          </a:xfrm>
-          <a:prstGeom prst="star5">
+            <a:off x="320551" y="6625307"/>
+            <a:ext cx="9649072" cy="4680520"/>
+          </a:xfrm>
+          <a:prstGeom prst="roundRect">
             <a:avLst/>
           </a:prstGeom>
           <a:solidFill>
-            <a:srgbClr val="8E9E82"/>
+            <a:srgbClr val="73626E"/>
           </a:solidFill>
-          <a:ln>
+          <a:ln cap="rnd">
             <a:solidFill>
-              <a:srgbClr val="8E9E82"/>
+              <a:srgbClr val="73626E"/>
             </a:solidFill>
+            <a:prstDash val="solid"/>
           </a:ln>
         </p:spPr>
         <p:style>
@@ -8740,25 +7613,26 @@
       </p:sp>
       <p:sp>
         <p:nvSpPr>
-          <p:cNvPr id="32" name="5-Point Star 31"/>
+          <p:cNvPr id="42" name="Rounded Rectangle 41"/>
           <p:cNvSpPr/>
           <p:nvPr/>
         </p:nvSpPr>
         <p:spPr>
           <a:xfrm>
-            <a:off x="8745487" y="5401171"/>
-            <a:ext cx="432048" cy="432048"/>
-          </a:xfrm>
-          <a:prstGeom prst="star5">
+            <a:off x="320551" y="3528963"/>
+            <a:ext cx="4680520" cy="2808312"/>
+          </a:xfrm>
+          <a:prstGeom prst="roundRect">
             <a:avLst/>
           </a:prstGeom>
           <a:solidFill>
-            <a:srgbClr val="8E9E82"/>
+            <a:srgbClr val="73626E"/>
           </a:solidFill>
-          <a:ln>
+          <a:ln cap="rnd">
             <a:solidFill>
-              <a:srgbClr val="8E9E82"/>
+              <a:srgbClr val="73626E"/>
             </a:solidFill>
+            <a:prstDash val="solid"/>
           </a:ln>
         </p:spPr>
         <p:style>
@@ -8788,23 +7662,116 @@
       </p:sp>
       <p:sp>
         <p:nvSpPr>
-          <p:cNvPr id="33" name="TextBox 32"/>
+          <p:cNvPr id="17" name="Rounded Rectangle 16"/>
+          <p:cNvSpPr/>
+          <p:nvPr/>
+        </p:nvSpPr>
+        <p:spPr>
+          <a:xfrm>
+            <a:off x="5361111" y="3456955"/>
+            <a:ext cx="4680520" cy="2808312"/>
+          </a:xfrm>
+          <a:prstGeom prst="roundRect">
+            <a:avLst/>
+          </a:prstGeom>
+          <a:solidFill>
+            <a:srgbClr val="73626E"/>
+          </a:solidFill>
+          <a:ln cap="rnd">
+            <a:solidFill>
+              <a:srgbClr val="73626E"/>
+            </a:solidFill>
+            <a:prstDash val="solid"/>
+          </a:ln>
+        </p:spPr>
+        <p:style>
+          <a:lnRef idx="2">
+            <a:schemeClr val="accent1">
+              <a:shade val="50000"/>
+            </a:schemeClr>
+          </a:lnRef>
+          <a:fillRef idx="1">
+            <a:schemeClr val="accent1"/>
+          </a:fillRef>
+          <a:effectRef idx="0">
+            <a:schemeClr val="accent1"/>
+          </a:effectRef>
+          <a:fontRef idx="minor">
+            <a:schemeClr val="lt1"/>
+          </a:fontRef>
+        </p:style>
+        <p:txBody>
+          <a:bodyPr rtlCol="0" anchor="ctr"/>
+          <a:lstStyle/>
+          <a:p>
+            <a:pPr algn="ctr"/>
+            <a:endParaRPr lang="en-US"/>
+          </a:p>
+        </p:txBody>
+      </p:sp>
+      <p:sp>
+        <p:nvSpPr>
+          <p:cNvPr id="7" name="TextBox 6"/>
           <p:cNvSpPr txBox="1"/>
           <p:nvPr/>
         </p:nvSpPr>
         <p:spPr>
           <a:xfrm>
-            <a:off x="320550" y="6553299"/>
-            <a:ext cx="4680521" cy="553998"/>
+            <a:off x="8625343" y="0"/>
+            <a:ext cx="1688704" cy="1446550"/>
+          </a:xfrm>
+          <a:prstGeom prst="rect">
+            <a:avLst/>
+          </a:prstGeom>
+          <a:solidFill>
+            <a:schemeClr val="bg1">
+              <a:lumMod val="85000"/>
+            </a:schemeClr>
+          </a:solidFill>
+        </p:spPr>
+        <p:txBody>
+          <a:bodyPr wrap="square" rtlCol="0">
+            <a:spAutoFit/>
+          </a:bodyPr>
+          <a:lstStyle/>
+          <a:p>
+            <a:pPr algn="ctr"/>
+            <a:endParaRPr lang="en-AU" sz="2800" dirty="0" smtClean="0"/>
+          </a:p>
+          <a:p>
+            <a:pPr algn="ctr"/>
+            <a:r>
+              <a:rPr lang="en-AU" sz="3200" b="1" dirty="0" smtClean="0"/>
+              <a:t>115</a:t>
+            </a:r>
+          </a:p>
+          <a:p>
+            <a:pPr algn="ctr"/>
+            <a:endParaRPr lang="en-AU" sz="2800" dirty="0" smtClean="0">
+              <a:solidFill>
+                <a:schemeClr val="bg1"/>
+              </a:solidFill>
+            </a:endParaRPr>
+          </a:p>
+        </p:txBody>
+      </p:sp>
+      <p:sp>
+        <p:nvSpPr>
+          <p:cNvPr id="3" name="TextBox 2"/>
+          <p:cNvSpPr txBox="1"/>
+          <p:nvPr/>
+        </p:nvSpPr>
+        <p:spPr>
+          <a:xfrm>
+            <a:off x="320552" y="1080691"/>
+            <a:ext cx="9649072" cy="2154436"/>
           </a:xfrm>
           <a:prstGeom prst="rect">
             <a:avLst/>
           </a:prstGeom>
           <a:noFill/>
           <a:ln>
-            <a:solidFill>
-              <a:srgbClr val="00B050"/>
-            </a:solidFill>
+            <a:noFill/>
           </a:ln>
         </p:spPr>
         <p:txBody>
@@ -8813,40 +7780,56 @@
           </a:bodyPr>
           <a:lstStyle/>
           <a:p>
-            <a:pPr algn="ctr"/>
-            <a:r>
-              <a:rPr lang="en-US" dirty="0" smtClean="0">
-                <a:solidFill>
-                  <a:srgbClr val="607890"/>
+            <a:r>
+              <a:rPr lang="en-US" sz="8000" dirty="0" smtClean="0">
+                <a:solidFill>
+                  <a:srgbClr val="F2F0DF"/>
                 </a:solidFill>
                 <a:latin typeface="Corbel" charset="0"/>
                 <a:ea typeface="Corbel" charset="0"/>
                 <a:cs typeface="Corbel" charset="0"/>
               </a:rPr>
-              <a:t>DH Workflows</a:t>
-            </a:r>
-          </a:p>
-        </p:txBody>
-      </p:sp>
-      <p:sp>
-        <p:nvSpPr>
-          <p:cNvPr id="34" name="TextBox 33"/>
+              <a:t>Charon</a:t>
+            </a:r>
+            <a:r>
+              <a:rPr lang="en-US" sz="6000" dirty="0" smtClean="0">
+                <a:solidFill>
+                  <a:srgbClr val="F2F0DF"/>
+                </a:solidFill>
+                <a:latin typeface="Corbel" charset="0"/>
+                <a:ea typeface="Corbel" charset="0"/>
+                <a:cs typeface="Corbel" charset="0"/>
+              </a:rPr>
+              <a:t>: Workflow Support for Digital Humanities Projects</a:t>
+            </a:r>
+            <a:endParaRPr lang="en-US" sz="6000" dirty="0">
+              <a:solidFill>
+                <a:srgbClr val="F2F0DF"/>
+              </a:solidFill>
+              <a:latin typeface="Corbel" charset="0"/>
+              <a:ea typeface="Corbel" charset="0"/>
+              <a:cs typeface="Corbel" charset="0"/>
+            </a:endParaRPr>
+          </a:p>
+        </p:txBody>
+      </p:sp>
+      <p:sp>
+        <p:nvSpPr>
+          <p:cNvPr id="19" name="TextBox 18"/>
           <p:cNvSpPr txBox="1"/>
           <p:nvPr/>
         </p:nvSpPr>
         <p:spPr>
           <a:xfrm>
-            <a:off x="5289103" y="6553299"/>
-            <a:ext cx="4824538" cy="553998"/>
+            <a:off x="320552" y="288603"/>
+            <a:ext cx="9649072" cy="800219"/>
           </a:xfrm>
           <a:prstGeom prst="rect">
             <a:avLst/>
           </a:prstGeom>
           <a:noFill/>
           <a:ln>
-            <a:solidFill>
-              <a:srgbClr val="00B050"/>
-            </a:solidFill>
+            <a:noFill/>
           </a:ln>
         </p:spPr>
         <p:txBody>
@@ -8855,40 +7838,69 @@
           </a:bodyPr>
           <a:lstStyle/>
           <a:p>
-            <a:pPr algn="ctr"/>
-            <a:r>
-              <a:rPr lang="en-US" dirty="0" smtClean="0">
-                <a:solidFill>
-                  <a:srgbClr val="607890"/>
+            <a:r>
+              <a:rPr lang="en-US" sz="2600" dirty="0">
+                <a:solidFill>
+                  <a:schemeClr val="bg1"/>
                 </a:solidFill>
                 <a:latin typeface="Corbel" charset="0"/>
                 <a:ea typeface="Corbel" charset="0"/>
                 <a:cs typeface="Corbel" charset="0"/>
               </a:rPr>
-              <a:t>User Roles</a:t>
-            </a:r>
-          </a:p>
-        </p:txBody>
-      </p:sp>
-      <p:sp>
-        <p:nvSpPr>
-          <p:cNvPr id="35" name="TextBox 34"/>
+              <a:t>Sarah Sweeney, </a:t>
+            </a:r>
+            <a:r>
+              <a:rPr lang="en-US" sz="2600" dirty="0" err="1">
+                <a:solidFill>
+                  <a:schemeClr val="bg1"/>
+                </a:solidFill>
+                <a:latin typeface="Corbel" charset="0"/>
+                <a:ea typeface="Corbel" charset="0"/>
+                <a:cs typeface="Corbel" charset="0"/>
+              </a:rPr>
+              <a:t>sj.sweeney@northeastern.edu</a:t>
+            </a:r>
+            <a:endParaRPr lang="en-US" sz="2600" dirty="0">
+              <a:solidFill>
+                <a:schemeClr val="bg1"/>
+              </a:solidFill>
+              <a:latin typeface="Corbel" charset="0"/>
+              <a:ea typeface="Corbel" charset="0"/>
+              <a:cs typeface="Corbel" charset="0"/>
+            </a:endParaRPr>
+          </a:p>
+          <a:p>
+            <a:r>
+              <a:rPr lang="en-US" sz="2600" dirty="0" smtClean="0">
+                <a:solidFill>
+                  <a:schemeClr val="bg1"/>
+                </a:solidFill>
+                <a:latin typeface="Corbel" charset="0"/>
+                <a:ea typeface="Corbel" charset="0"/>
+                <a:cs typeface="Corbel" charset="0"/>
+              </a:rPr>
+              <a:t>Northeastern University Libraries, Digital Scholarship Group</a:t>
+            </a:r>
+          </a:p>
+        </p:txBody>
+      </p:sp>
+      <p:sp>
+        <p:nvSpPr>
+          <p:cNvPr id="24" name="TextBox 23"/>
           <p:cNvSpPr txBox="1"/>
           <p:nvPr/>
         </p:nvSpPr>
         <p:spPr>
           <a:xfrm>
-            <a:off x="320550" y="7129363"/>
-            <a:ext cx="4680521" cy="430887"/>
+            <a:off x="536575" y="3672979"/>
+            <a:ext cx="4248472" cy="2462213"/>
           </a:xfrm>
           <a:prstGeom prst="rect">
             <a:avLst/>
           </a:prstGeom>
           <a:noFill/>
           <a:ln>
-            <a:solidFill>
-              <a:srgbClr val="00B050"/>
-            </a:solidFill>
+            <a:noFill/>
           </a:ln>
         </p:spPr>
         <p:txBody>
@@ -8897,40 +7909,89 @@
           </a:bodyPr>
           <a:lstStyle/>
           <a:p>
-            <a:pPr algn="ctr"/>
-            <a:r>
-              <a:rPr lang="en-US" sz="2800" dirty="0" smtClean="0">
-                <a:solidFill>
-                  <a:srgbClr val="B38184"/>
-                </a:solidFill>
-                <a:latin typeface="Corbel" charset="0"/>
-                <a:ea typeface="Corbel" charset="0"/>
-                <a:cs typeface="Corbel" charset="0"/>
-              </a:rPr>
-              <a:t>Manual</a:t>
-            </a:r>
-          </a:p>
-        </p:txBody>
-      </p:sp>
-      <p:sp>
-        <p:nvSpPr>
-          <p:cNvPr id="36" name="TextBox 35"/>
+            <a:r>
+              <a:rPr lang="en-US" sz="2000" dirty="0" smtClean="0">
+                <a:solidFill>
+                  <a:schemeClr val="bg1"/>
+                </a:solidFill>
+                <a:latin typeface="Tahoma" charset="0"/>
+                <a:ea typeface="Tahoma" charset="0"/>
+                <a:cs typeface="Tahoma" charset="0"/>
+              </a:rPr>
+              <a:t>We are designing </a:t>
+            </a:r>
+            <a:r>
+              <a:rPr lang="en-US" sz="2000" dirty="0">
+                <a:solidFill>
+                  <a:schemeClr val="bg1"/>
+                </a:solidFill>
+                <a:latin typeface="Tahoma" charset="0"/>
+                <a:ea typeface="Tahoma" charset="0"/>
+                <a:cs typeface="Tahoma" charset="0"/>
+              </a:rPr>
+              <a:t>a Hydra head to </a:t>
+            </a:r>
+            <a:r>
+              <a:rPr lang="en-US" sz="2000" dirty="0" smtClean="0">
+                <a:solidFill>
+                  <a:schemeClr val="bg1"/>
+                </a:solidFill>
+                <a:latin typeface="Tahoma" charset="0"/>
+                <a:ea typeface="Tahoma" charset="0"/>
+                <a:cs typeface="Tahoma" charset="0"/>
+              </a:rPr>
+              <a:t>support </a:t>
+            </a:r>
+            <a:r>
+              <a:rPr lang="en-US" sz="2000" dirty="0">
+                <a:solidFill>
+                  <a:schemeClr val="bg1"/>
+                </a:solidFill>
+                <a:latin typeface="Tahoma" charset="0"/>
+                <a:ea typeface="Tahoma" charset="0"/>
+                <a:cs typeface="Tahoma" charset="0"/>
+              </a:rPr>
+              <a:t>common DH project tasks: annotating, cataloging, proofreading, publishing, text encoding, transcribing, and translating. The end result will be a contributory and collaborative repository environment for many types of users, which </a:t>
+            </a:r>
+            <a:r>
+              <a:rPr lang="en-US" sz="2000" dirty="0" smtClean="0">
+                <a:solidFill>
+                  <a:schemeClr val="bg1"/>
+                </a:solidFill>
+                <a:latin typeface="Tahoma" charset="0"/>
+                <a:ea typeface="Tahoma" charset="0"/>
+                <a:cs typeface="Tahoma" charset="0"/>
+              </a:rPr>
+              <a:t>ideally</a:t>
+            </a:r>
+            <a:endParaRPr lang="en-US" sz="2000" dirty="0">
+              <a:solidFill>
+                <a:schemeClr val="bg1"/>
+              </a:solidFill>
+              <a:latin typeface="Tahoma" charset="0"/>
+              <a:ea typeface="Tahoma" charset="0"/>
+              <a:cs typeface="Tahoma" charset="0"/>
+            </a:endParaRPr>
+          </a:p>
+        </p:txBody>
+      </p:sp>
+      <p:sp>
+        <p:nvSpPr>
+          <p:cNvPr id="26" name="TextBox 25"/>
           <p:cNvSpPr txBox="1"/>
           <p:nvPr/>
         </p:nvSpPr>
         <p:spPr>
           <a:xfrm>
-            <a:off x="319349" y="11305827"/>
-            <a:ext cx="4681722" cy="430887"/>
+            <a:off x="5282596" y="3456955"/>
+            <a:ext cx="4687027" cy="553998"/>
           </a:xfrm>
           <a:prstGeom prst="rect">
             <a:avLst/>
           </a:prstGeom>
           <a:noFill/>
           <a:ln>
-            <a:solidFill>
-              <a:srgbClr val="00B050"/>
-            </a:solidFill>
+            <a:noFill/>
           </a:ln>
         </p:spPr>
         <p:txBody>
@@ -8941,15 +8002,95 @@
           <a:p>
             <a:pPr algn="ctr"/>
             <a:r>
-              <a:rPr lang="en-US" sz="2800" dirty="0" smtClean="0">
-                <a:solidFill>
-                  <a:srgbClr val="B38184"/>
+              <a:rPr lang="en-US" dirty="0" smtClean="0">
+                <a:solidFill>
+                  <a:schemeClr val="bg1"/>
                 </a:solidFill>
                 <a:latin typeface="Corbel" charset="0"/>
                 <a:ea typeface="Corbel" charset="0"/>
                 <a:cs typeface="Corbel" charset="0"/>
               </a:rPr>
-              <a:t>Automatic</a:t>
+              <a:t>Components</a:t>
+            </a:r>
+          </a:p>
+        </p:txBody>
+      </p:sp>
+      <p:sp>
+        <p:nvSpPr>
+          <p:cNvPr id="33" name="TextBox 32"/>
+          <p:cNvSpPr txBox="1"/>
+          <p:nvPr/>
+        </p:nvSpPr>
+        <p:spPr>
+          <a:xfrm>
+            <a:off x="320551" y="6625307"/>
+            <a:ext cx="9692640" cy="553998"/>
+          </a:xfrm>
+          <a:prstGeom prst="rect">
+            <a:avLst/>
+          </a:prstGeom>
+          <a:noFill/>
+          <a:ln>
+            <a:noFill/>
+          </a:ln>
+        </p:spPr>
+        <p:txBody>
+          <a:bodyPr wrap="square" lIns="0" tIns="0" rIns="0" bIns="0" rtlCol="0">
+            <a:spAutoFit/>
+          </a:bodyPr>
+          <a:lstStyle/>
+          <a:p>
+            <a:pPr algn="ctr"/>
+            <a:r>
+              <a:rPr lang="en-US" dirty="0" smtClean="0">
+                <a:solidFill>
+                  <a:schemeClr val="bg1"/>
+                </a:solidFill>
+                <a:latin typeface="Corbel" charset="0"/>
+                <a:ea typeface="Corbel" charset="0"/>
+                <a:cs typeface="Corbel" charset="0"/>
+              </a:rPr>
+              <a:t>DH Workflows</a:t>
+            </a:r>
+          </a:p>
+        </p:txBody>
+      </p:sp>
+      <p:sp>
+        <p:nvSpPr>
+          <p:cNvPr id="34" name="TextBox 33"/>
+          <p:cNvSpPr txBox="1"/>
+          <p:nvPr/>
+        </p:nvSpPr>
+        <p:spPr>
+          <a:xfrm>
+            <a:off x="298768" y="11665867"/>
+            <a:ext cx="9692640" cy="553998"/>
+          </a:xfrm>
+          <a:prstGeom prst="rect">
+            <a:avLst/>
+          </a:prstGeom>
+          <a:noFill/>
+          <a:ln>
+            <a:noFill/>
+          </a:ln>
+        </p:spPr>
+        <p:txBody>
+          <a:bodyPr wrap="square" lIns="0" tIns="0" rIns="0" bIns="0" rtlCol="0">
+            <a:spAutoFit/>
+          </a:bodyPr>
+          <a:lstStyle/>
+          <a:p>
+            <a:pPr algn="ctr"/>
+            <a:r>
+              <a:rPr lang="en-US" dirty="0" smtClean="0">
+                <a:solidFill>
+                  <a:schemeClr val="bg1"/>
+                </a:solidFill>
+                <a:latin typeface="Corbel" charset="0"/>
+                <a:ea typeface="Corbel" charset="0"/>
+                <a:cs typeface="Corbel" charset="0"/>
+              </a:rPr>
+              <a:t>User Roles</a:t>
             </a:r>
           </a:p>
         </p:txBody>
@@ -8976,8 +8117,8 @@
         </p:blipFill>
         <p:spPr>
           <a:xfrm>
-            <a:off x="464567" y="7777435"/>
-            <a:ext cx="4136975" cy="3205180"/>
+            <a:off x="608583" y="7201371"/>
+            <a:ext cx="3252964" cy="2520280"/>
           </a:xfrm>
           <a:prstGeom prst="rect">
             <a:avLst/>
@@ -9006,62 +8147,14 @@
         </p:blipFill>
         <p:spPr>
           <a:xfrm>
-            <a:off x="5433119" y="7201371"/>
-            <a:ext cx="4392488" cy="2764814"/>
+            <a:off x="6081191" y="12241931"/>
+            <a:ext cx="3888432" cy="2447540"/>
           </a:xfrm>
           <a:prstGeom prst="rect">
             <a:avLst/>
           </a:prstGeom>
         </p:spPr>
       </p:pic>
-      <p:sp>
-        <p:nvSpPr>
-          <p:cNvPr id="43" name="Rectangle 42"/>
-          <p:cNvSpPr/>
-          <p:nvPr/>
-        </p:nvSpPr>
-        <p:spPr>
-          <a:xfrm>
-            <a:off x="8097415" y="16202371"/>
-            <a:ext cx="228600" cy="2057400"/>
-          </a:xfrm>
-          <a:prstGeom prst="rect">
-            <a:avLst/>
-          </a:prstGeom>
-          <a:solidFill>
-            <a:schemeClr val="bg1"/>
-          </a:solidFill>
-          <a:ln>
-            <a:solidFill>
-              <a:schemeClr val="bg1"/>
-            </a:solidFill>
-          </a:ln>
-        </p:spPr>
-        <p:style>
-          <a:lnRef idx="2">
-            <a:schemeClr val="accent1">
-              <a:shade val="50000"/>
-            </a:schemeClr>
-          </a:lnRef>
-          <a:fillRef idx="1">
-            <a:schemeClr val="accent1"/>
-          </a:fillRef>
-          <a:effectRef idx="0">
-            <a:schemeClr val="accent1"/>
-          </a:effectRef>
-          <a:fontRef idx="minor">
-            <a:schemeClr val="lt1"/>
-          </a:fontRef>
-        </p:style>
-        <p:txBody>
-          <a:bodyPr rtlCol="0" anchor="ctr"/>
-          <a:lstStyle/>
-          <a:p>
-            <a:pPr algn="ctr"/>
-            <a:endParaRPr lang="en-US"/>
-          </a:p>
-        </p:txBody>
-      </p:sp>
       <p:pic>
         <p:nvPicPr>
           <p:cNvPr id="44" name="Picture 43"/>
@@ -9108,9 +8201,7 @@
           </a:prstGeom>
           <a:noFill/>
           <a:ln>
-            <a:solidFill>
-              <a:srgbClr val="00B050"/>
-            </a:solidFill>
+            <a:noFill/>
           </a:ln>
         </p:spPr>
         <p:txBody>
@@ -9122,7 +8213,7 @@
             <a:r>
               <a:rPr lang="en-US" dirty="0" smtClean="0">
                 <a:solidFill>
-                  <a:srgbClr val="607890"/>
+                  <a:schemeClr val="bg1"/>
                 </a:solidFill>
                 <a:latin typeface="Tahoma" charset="0"/>
                 <a:ea typeface="Tahoma" charset="0"/>
@@ -9748,6 +8839,308 @@
           </a:p>
         </p:txBody>
       </p:sp>
+      <p:pic>
+        <p:nvPicPr>
+          <p:cNvPr id="2" name="Picture 1"/>
+          <p:cNvPicPr>
+            <a:picLocks noChangeAspect="1"/>
+          </p:cNvPicPr>
+          <p:nvPr/>
+        </p:nvPicPr>
+        <p:blipFill>
+          <a:blip r:embed="rId6">
+            <a:extLst>
+              <a:ext uri="{28A0092B-C50C-407E-A947-70E740481C1C}">
+                <a14:useLocalDpi xmlns:a14="http://schemas.microsoft.com/office/drawing/2010/main" val="0"/>
+              </a:ext>
+            </a:extLst>
+          </a:blip>
+          <a:stretch>
+            <a:fillRect/>
+          </a:stretch>
+        </p:blipFill>
+        <p:spPr>
+          <a:xfrm>
+            <a:off x="5433119" y="4177035"/>
+            <a:ext cx="1398588" cy="508577"/>
+          </a:xfrm>
+          <a:prstGeom prst="rect">
+            <a:avLst/>
+          </a:prstGeom>
+        </p:spPr>
+      </p:pic>
+      <p:pic>
+        <p:nvPicPr>
+          <p:cNvPr id="5" name="Picture 4"/>
+          <p:cNvPicPr>
+            <a:picLocks noChangeAspect="1"/>
+          </p:cNvPicPr>
+          <p:nvPr/>
+        </p:nvPicPr>
+        <p:blipFill>
+          <a:blip r:embed="rId7">
+            <a:extLst>
+              <a:ext uri="{28A0092B-C50C-407E-A947-70E740481C1C}">
+                <a14:useLocalDpi xmlns:a14="http://schemas.microsoft.com/office/drawing/2010/main" val="0"/>
+              </a:ext>
+            </a:extLst>
+          </a:blip>
+          <a:stretch>
+            <a:fillRect/>
+          </a:stretch>
+        </p:blipFill>
+        <p:spPr>
+          <a:xfrm>
+            <a:off x="7089303" y="5401171"/>
+            <a:ext cx="1130300" cy="317500"/>
+          </a:xfrm>
+          <a:prstGeom prst="rect">
+            <a:avLst/>
+          </a:prstGeom>
+        </p:spPr>
+      </p:pic>
+      <p:pic>
+        <p:nvPicPr>
+          <p:cNvPr id="11" name="Picture 10"/>
+          <p:cNvPicPr>
+            <a:picLocks noChangeAspect="1"/>
+          </p:cNvPicPr>
+          <p:nvPr/>
+        </p:nvPicPr>
+        <p:blipFill rotWithShape="1">
+          <a:blip r:embed="rId8">
+            <a:extLst>
+              <a:ext uri="{28A0092B-C50C-407E-A947-70E740481C1C}">
+                <a14:useLocalDpi xmlns:a14="http://schemas.microsoft.com/office/drawing/2010/main" val="0"/>
+              </a:ext>
+            </a:extLst>
+          </a:blip>
+          <a:srcRect r="73359" b="5290"/>
+          <a:stretch/>
+        </p:blipFill>
+        <p:spPr>
+          <a:xfrm>
+            <a:off x="5134595" y="4825107"/>
+            <a:ext cx="1845341" cy="1381819"/>
+          </a:xfrm>
+          <a:prstGeom prst="rect">
+            <a:avLst/>
+          </a:prstGeom>
+        </p:spPr>
+      </p:pic>
+      <p:pic>
+        <p:nvPicPr>
+          <p:cNvPr id="13" name="Picture 12"/>
+          <p:cNvPicPr>
+            <a:picLocks noChangeAspect="1"/>
+          </p:cNvPicPr>
+          <p:nvPr/>
+        </p:nvPicPr>
+        <p:blipFill>
+          <a:blip r:embed="rId9">
+            <a:extLst>
+              <a:ext uri="{28A0092B-C50C-407E-A947-70E740481C1C}">
+                <a14:useLocalDpi xmlns:a14="http://schemas.microsoft.com/office/drawing/2010/main" val="0"/>
+              </a:ext>
+            </a:extLst>
+          </a:blip>
+          <a:stretch>
+            <a:fillRect/>
+          </a:stretch>
+        </p:blipFill>
+        <p:spPr>
+          <a:xfrm>
+            <a:off x="8385447" y="5185147"/>
+            <a:ext cx="1369889" cy="1369889"/>
+          </a:xfrm>
+          <a:prstGeom prst="rect">
+            <a:avLst/>
+          </a:prstGeom>
+        </p:spPr>
+      </p:pic>
+      <p:pic>
+        <p:nvPicPr>
+          <p:cNvPr id="14" name="Picture 13"/>
+          <p:cNvPicPr>
+            <a:picLocks noChangeAspect="1"/>
+          </p:cNvPicPr>
+          <p:nvPr/>
+        </p:nvPicPr>
+        <p:blipFill>
+          <a:blip r:embed="rId10">
+            <a:extLst>
+              <a:ext uri="{28A0092B-C50C-407E-A947-70E740481C1C}">
+                <a14:useLocalDpi xmlns:a14="http://schemas.microsoft.com/office/drawing/2010/main" val="0"/>
+              </a:ext>
+            </a:extLst>
+          </a:blip>
+          <a:stretch>
+            <a:fillRect/>
+          </a:stretch>
+        </p:blipFill>
+        <p:spPr>
+          <a:xfrm>
+            <a:off x="9033519" y="4681091"/>
+            <a:ext cx="720080" cy="472032"/>
+          </a:xfrm>
+          <a:prstGeom prst="rect">
+            <a:avLst/>
+          </a:prstGeom>
+        </p:spPr>
+      </p:pic>
+      <p:pic>
+        <p:nvPicPr>
+          <p:cNvPr id="15" name="Picture 14"/>
+          <p:cNvPicPr>
+            <a:picLocks noChangeAspect="1"/>
+          </p:cNvPicPr>
+          <p:nvPr/>
+        </p:nvPicPr>
+        <p:blipFill>
+          <a:blip r:embed="rId11">
+            <a:extLst>
+              <a:ext uri="{28A0092B-C50C-407E-A947-70E740481C1C}">
+                <a14:useLocalDpi xmlns:a14="http://schemas.microsoft.com/office/drawing/2010/main" val="0"/>
+              </a:ext>
+            </a:extLst>
+          </a:blip>
+          <a:stretch>
+            <a:fillRect/>
+          </a:stretch>
+        </p:blipFill>
+        <p:spPr>
+          <a:xfrm>
+            <a:off x="7089303" y="4465067"/>
+            <a:ext cx="1292175" cy="744522"/>
+          </a:xfrm>
+          <a:prstGeom prst="rect">
+            <a:avLst/>
+          </a:prstGeom>
+        </p:spPr>
+      </p:pic>
+      <p:sp>
+        <p:nvSpPr>
+          <p:cNvPr id="38" name="TextBox 37"/>
+          <p:cNvSpPr txBox="1"/>
+          <p:nvPr/>
+        </p:nvSpPr>
+        <p:spPr>
+          <a:xfrm>
+            <a:off x="6657255" y="5833219"/>
+            <a:ext cx="1609627" cy="307777"/>
+          </a:xfrm>
+          <a:prstGeom prst="rect">
+            <a:avLst/>
+          </a:prstGeom>
+          <a:noFill/>
+          <a:ln>
+            <a:noFill/>
+          </a:ln>
+        </p:spPr>
+        <p:txBody>
+          <a:bodyPr wrap="square" lIns="0" tIns="0" rIns="0" bIns="0" rtlCol="0">
+            <a:spAutoFit/>
+          </a:bodyPr>
+          <a:lstStyle/>
+          <a:p>
+            <a:r>
+              <a:rPr lang="en-US" sz="2000" dirty="0" err="1" smtClean="0">
+                <a:solidFill>
+                  <a:schemeClr val="bg1"/>
+                </a:solidFill>
+                <a:latin typeface="Tahoma" charset="0"/>
+                <a:ea typeface="Tahoma" charset="0"/>
+                <a:cs typeface="Tahoma" charset="0"/>
+              </a:rPr>
+              <a:t>ImageMagick</a:t>
+            </a:r>
+            <a:endParaRPr lang="en-US" sz="2000" dirty="0">
+              <a:solidFill>
+                <a:schemeClr val="bg1"/>
+              </a:solidFill>
+              <a:latin typeface="Tahoma" charset="0"/>
+              <a:ea typeface="Tahoma" charset="0"/>
+              <a:cs typeface="Tahoma" charset="0"/>
+            </a:endParaRPr>
+          </a:p>
+        </p:txBody>
+      </p:sp>
+      <p:sp>
+        <p:nvSpPr>
+          <p:cNvPr id="41" name="TextBox 40"/>
+          <p:cNvSpPr txBox="1"/>
+          <p:nvPr/>
+        </p:nvSpPr>
+        <p:spPr>
+          <a:xfrm>
+            <a:off x="8673479" y="4177035"/>
+            <a:ext cx="1025179" cy="307777"/>
+          </a:xfrm>
+          <a:prstGeom prst="rect">
+            <a:avLst/>
+          </a:prstGeom>
+          <a:noFill/>
+          <a:ln>
+            <a:noFill/>
+          </a:ln>
+        </p:spPr>
+        <p:txBody>
+          <a:bodyPr wrap="square" lIns="0" tIns="0" rIns="0" bIns="0" rtlCol="0">
+            <a:spAutoFit/>
+          </a:bodyPr>
+          <a:lstStyle/>
+          <a:p>
+            <a:r>
+              <a:rPr lang="en-US" sz="2000" dirty="0" err="1" smtClean="0">
+                <a:solidFill>
+                  <a:schemeClr val="bg1"/>
+                </a:solidFill>
+                <a:latin typeface="Tahoma" charset="0"/>
+                <a:ea typeface="Tahoma" charset="0"/>
+                <a:cs typeface="Tahoma" charset="0"/>
+              </a:rPr>
+              <a:t>Kakadu</a:t>
+            </a:r>
+            <a:endParaRPr lang="en-US" sz="2000" dirty="0">
+              <a:solidFill>
+                <a:schemeClr val="bg1"/>
+              </a:solidFill>
+              <a:latin typeface="Tahoma" charset="0"/>
+              <a:ea typeface="Tahoma" charset="0"/>
+              <a:cs typeface="Tahoma" charset="0"/>
+            </a:endParaRPr>
+          </a:p>
+        </p:txBody>
+      </p:sp>
+      <p:pic>
+        <p:nvPicPr>
+          <p:cNvPr id="16" name="Picture 15"/>
+          <p:cNvPicPr>
+            <a:picLocks noChangeAspect="1"/>
+          </p:cNvPicPr>
+          <p:nvPr/>
+        </p:nvPicPr>
+        <p:blipFill rotWithShape="1">
+          <a:blip r:embed="rId12">
+            <a:extLst>
+              <a:ext uri="{28A0092B-C50C-407E-A947-70E740481C1C}">
+                <a14:useLocalDpi xmlns:a14="http://schemas.microsoft.com/office/drawing/2010/main" val="0"/>
+              </a:ext>
+            </a:extLst>
+          </a:blip>
+          <a:srcRect l="11490" t="35522"/>
+          <a:stretch/>
+        </p:blipFill>
+        <p:spPr>
+          <a:xfrm>
+            <a:off x="536576" y="12601972"/>
+            <a:ext cx="2808312" cy="1534356"/>
+          </a:xfrm>
+          <a:prstGeom prst="rect">
+            <a:avLst/>
+          </a:prstGeom>
+        </p:spPr>
+      </p:pic>
     </p:spTree>
     <p:extLst>
       <p:ext uri="{BB962C8B-B14F-4D97-AF65-F5344CB8AC3E}">

--- a/Open Repositories 2017/Charon Poster/OR2017_Charon_Poster_Working.pptx
+++ b/Open Repositories 2017/Charon Poster/OR2017_Charon_Poster_Working.pptx
@@ -5,17 +5,18 @@
     <p:sldMasterId id="2147483648" r:id="rId1"/>
   </p:sldMasterIdLst>
   <p:notesMasterIdLst>
-    <p:notesMasterId r:id="rId10"/>
+    <p:notesMasterId r:id="rId11"/>
   </p:notesMasterIdLst>
   <p:sldIdLst>
-    <p:sldId id="257" r:id="rId2"/>
-    <p:sldId id="258" r:id="rId3"/>
-    <p:sldId id="259" r:id="rId4"/>
-    <p:sldId id="263" r:id="rId5"/>
-    <p:sldId id="260" r:id="rId6"/>
-    <p:sldId id="261" r:id="rId7"/>
-    <p:sldId id="262" r:id="rId8"/>
-    <p:sldId id="264" r:id="rId9"/>
+    <p:sldId id="260" r:id="rId2"/>
+    <p:sldId id="265" r:id="rId3"/>
+    <p:sldId id="257" r:id="rId4"/>
+    <p:sldId id="258" r:id="rId5"/>
+    <p:sldId id="259" r:id="rId6"/>
+    <p:sldId id="263" r:id="rId7"/>
+    <p:sldId id="264" r:id="rId8"/>
+    <p:sldId id="261" r:id="rId9"/>
+    <p:sldId id="262" r:id="rId10"/>
   </p:sldIdLst>
   <p:sldSz cx="10290175" cy="18291175"/>
   <p:notesSz cx="6858000" cy="9144000"/>
@@ -122,9 +123,14 @@
             <a:srgbClr val="A4A3A4"/>
           </p15:clr>
         </p15:guide>
-        <p15:guide id="2" pos="3241">
+        <p15:guide id="4" orient="horz" pos="5761" userDrawn="1">
           <p15:clr>
             <a:srgbClr val="A4A3A4"/>
+          </p15:clr>
+        </p15:guide>
+        <p15:guide id="5" orient="horz" pos="2223" userDrawn="1">
+          <p15:clr>
+            <a:srgbClr val="9FCC3B"/>
           </p15:clr>
         </p15:guide>
       </p15:sldGuideLst>
@@ -179,34 +185,6 @@
 
 <file path=ppt/comments/comment1.xml><?xml version="1.0" encoding="utf-8"?>
 <p:cmLst xmlns:a="http://schemas.openxmlformats.org/drawingml/2006/main" xmlns:r="http://schemas.openxmlformats.org/officeDocument/2006/relationships" xmlns:p="http://schemas.openxmlformats.org/presentationml/2006/main">
-  <p:cm authorId="1" dt="2017-04-26T09:01:24.161" idx="1">
-    <p:pos x="10" y="10"/>
-    <p:text>Default, with basic configuration</p:text>
-    <p:extLst>
-      <p:ext uri="{C676402C-5697-4E1C-873F-D02D1690AC5C}">
-        <p15:threadingInfo xmlns:p15="http://schemas.microsoft.com/office/powerpoint/2012/main" timeZoneBias="240"/>
-      </p:ext>
-    </p:extLst>
-  </p:cm>
-</p:cmLst>
-</file>
-
-<file path=ppt/comments/comment2.xml><?xml version="1.0" encoding="utf-8"?>
-<p:cmLst xmlns:a="http://schemas.openxmlformats.org/drawingml/2006/main" xmlns:r="http://schemas.openxmlformats.org/officeDocument/2006/relationships" xmlns:p="http://schemas.openxmlformats.org/presentationml/2006/main">
-  <p:cm authorId="13" dt="2017-04-26T09:01:24.161" idx="1">
-    <p:pos x="10" y="10"/>
-    <p:text>Default, with basic configuration</p:text>
-    <p:extLst>
-      <p:ext uri="{C676402C-5697-4E1C-873F-D02D1690AC5C}">
-        <p15:threadingInfo xmlns:p15="http://schemas.microsoft.com/office/powerpoint/2012/main" timeZoneBias="240"/>
-      </p:ext>
-    </p:extLst>
-  </p:cm>
-</p:cmLst>
-</file>
-
-<file path=ppt/comments/comment3.xml><?xml version="1.0" encoding="utf-8"?>
-<p:cmLst xmlns:a="http://schemas.openxmlformats.org/drawingml/2006/main" xmlns:r="http://schemas.openxmlformats.org/officeDocument/2006/relationships" xmlns:p="http://schemas.openxmlformats.org/presentationml/2006/main">
   <p:cm authorId="4" dt="2017-04-26T09:03:31.982" idx="1">
     <p:pos x="10" y="10"/>
     <p:text>Color option 1</p:text>
@@ -224,6 +202,34 @@
         <p15:threadingInfo xmlns:p15="http://schemas.microsoft.com/office/powerpoint/2012/main" timeZoneBias="240">
           <p15:parentCm authorId="4" idx="1"/>
         </p15:threadingInfo>
+      </p:ext>
+    </p:extLst>
+  </p:cm>
+</p:cmLst>
+</file>
+
+<file path=ppt/comments/comment2.xml><?xml version="1.0" encoding="utf-8"?>
+<p:cmLst xmlns:a="http://schemas.openxmlformats.org/drawingml/2006/main" xmlns:r="http://schemas.openxmlformats.org/officeDocument/2006/relationships" xmlns:p="http://schemas.openxmlformats.org/presentationml/2006/main">
+  <p:cm authorId="1" dt="2017-04-26T09:01:24.161" idx="1">
+    <p:pos x="10" y="10"/>
+    <p:text>Default, with basic configuration</p:text>
+    <p:extLst>
+      <p:ext uri="{C676402C-5697-4E1C-873F-D02D1690AC5C}">
+        <p15:threadingInfo xmlns:p15="http://schemas.microsoft.com/office/powerpoint/2012/main" timeZoneBias="240"/>
+      </p:ext>
+    </p:extLst>
+  </p:cm>
+</p:cmLst>
+</file>
+
+<file path=ppt/comments/comment3.xml><?xml version="1.0" encoding="utf-8"?>
+<p:cmLst xmlns:a="http://schemas.openxmlformats.org/drawingml/2006/main" xmlns:r="http://schemas.openxmlformats.org/officeDocument/2006/relationships" xmlns:p="http://schemas.openxmlformats.org/presentationml/2006/main">
+  <p:cm authorId="13" dt="2017-04-26T09:01:24.161" idx="1">
+    <p:pos x="10" y="10"/>
+    <p:text>Default, with basic configuration</p:text>
+    <p:extLst>
+      <p:ext uri="{C676402C-5697-4E1C-873F-D02D1690AC5C}">
+        <p15:threadingInfo xmlns:p15="http://schemas.microsoft.com/office/powerpoint/2012/main" timeZoneBias="240"/>
       </p:ext>
     </p:extLst>
   </p:cm>
@@ -362,7 +368,7 @@
           <a:p>
             <a:fld id="{60829E41-64EF-604D-A40A-7DA186A06455}" type="datetimeFigureOut">
               <a:rPr lang="en-US" smtClean="0"/>
-              <a:t>5/12/17</a:t>
+              <a:t>5/19/17</a:t>
             </a:fld>
             <a:endParaRPr lang="en-US"/>
           </a:p>
@@ -695,7 +701,7 @@
           <a:p>
             <a:fld id="{456ECFE9-4772-DA44-9FFF-804C79B2B95E}" type="slidenum">
               <a:rPr lang="en-US" smtClean="0"/>
-              <a:t>3</a:t>
+              <a:t>1</a:t>
             </a:fld>
             <a:endParaRPr lang="en-US"/>
           </a:p>
@@ -704,7 +710,7 @@
     </p:spTree>
     <p:extLst>
       <p:ext uri="{BB962C8B-B14F-4D97-AF65-F5344CB8AC3E}">
-        <p14:creationId xmlns:p14="http://schemas.microsoft.com/office/powerpoint/2010/main" val="1481759625"/>
+        <p14:creationId xmlns:p14="http://schemas.microsoft.com/office/powerpoint/2010/main" val="1518096617"/>
       </p:ext>
     </p:extLst>
   </p:cSld>
@@ -779,7 +785,7 @@
           <a:p>
             <a:fld id="{456ECFE9-4772-DA44-9FFF-804C79B2B95E}" type="slidenum">
               <a:rPr lang="en-US" smtClean="0"/>
-              <a:t>4</a:t>
+              <a:t>5</a:t>
             </a:fld>
             <a:endParaRPr lang="en-US"/>
           </a:p>
@@ -788,7 +794,7 @@
     </p:spTree>
     <p:extLst>
       <p:ext uri="{BB962C8B-B14F-4D97-AF65-F5344CB8AC3E}">
-        <p14:creationId xmlns:p14="http://schemas.microsoft.com/office/powerpoint/2010/main" val="664969720"/>
+        <p14:creationId xmlns:p14="http://schemas.microsoft.com/office/powerpoint/2010/main" val="1481759625"/>
       </p:ext>
     </p:extLst>
   </p:cSld>
@@ -863,7 +869,7 @@
           <a:p>
             <a:fld id="{456ECFE9-4772-DA44-9FFF-804C79B2B95E}" type="slidenum">
               <a:rPr lang="en-US" smtClean="0"/>
-              <a:t>5</a:t>
+              <a:t>6</a:t>
             </a:fld>
             <a:endParaRPr lang="en-US"/>
           </a:p>
@@ -872,7 +878,7 @@
     </p:spTree>
     <p:extLst>
       <p:ext uri="{BB962C8B-B14F-4D97-AF65-F5344CB8AC3E}">
-        <p14:creationId xmlns:p14="http://schemas.microsoft.com/office/powerpoint/2010/main" val="1518096617"/>
+        <p14:creationId xmlns:p14="http://schemas.microsoft.com/office/powerpoint/2010/main" val="664969720"/>
       </p:ext>
     </p:extLst>
   </p:cSld>
@@ -947,7 +953,7 @@
           <a:p>
             <a:fld id="{456ECFE9-4772-DA44-9FFF-804C79B2B95E}" type="slidenum">
               <a:rPr lang="en-US" smtClean="0"/>
-              <a:t>6</a:t>
+              <a:t>7</a:t>
             </a:fld>
             <a:endParaRPr lang="en-US"/>
           </a:p>
@@ -956,7 +962,7 @@
     </p:spTree>
     <p:extLst>
       <p:ext uri="{BB962C8B-B14F-4D97-AF65-F5344CB8AC3E}">
-        <p14:creationId xmlns:p14="http://schemas.microsoft.com/office/powerpoint/2010/main" val="168486916"/>
+        <p14:creationId xmlns:p14="http://schemas.microsoft.com/office/powerpoint/2010/main" val="658931779"/>
       </p:ext>
     </p:extLst>
   </p:cSld>
@@ -1031,7 +1037,7 @@
           <a:p>
             <a:fld id="{456ECFE9-4772-DA44-9FFF-804C79B2B95E}" type="slidenum">
               <a:rPr lang="en-US" smtClean="0"/>
-              <a:t>7</a:t>
+              <a:t>8</a:t>
             </a:fld>
             <a:endParaRPr lang="en-US"/>
           </a:p>
@@ -1040,7 +1046,7 @@
     </p:spTree>
     <p:extLst>
       <p:ext uri="{BB962C8B-B14F-4D97-AF65-F5344CB8AC3E}">
-        <p14:creationId xmlns:p14="http://schemas.microsoft.com/office/powerpoint/2010/main" val="1395087426"/>
+        <p14:creationId xmlns:p14="http://schemas.microsoft.com/office/powerpoint/2010/main" val="168486916"/>
       </p:ext>
     </p:extLst>
   </p:cSld>
@@ -1115,7 +1121,7 @@
           <a:p>
             <a:fld id="{456ECFE9-4772-DA44-9FFF-804C79B2B95E}" type="slidenum">
               <a:rPr lang="en-US" smtClean="0"/>
-              <a:t>8</a:t>
+              <a:t>9</a:t>
             </a:fld>
             <a:endParaRPr lang="en-US"/>
           </a:p>
@@ -1124,7 +1130,7 @@
     </p:spTree>
     <p:extLst>
       <p:ext uri="{BB962C8B-B14F-4D97-AF65-F5344CB8AC3E}">
-        <p14:creationId xmlns:p14="http://schemas.microsoft.com/office/powerpoint/2010/main" val="658931779"/>
+        <p14:creationId xmlns:p14="http://schemas.microsoft.com/office/powerpoint/2010/main" val="1395087426"/>
       </p:ext>
     </p:extLst>
   </p:cSld>
@@ -1316,7 +1322,7 @@
             <a:fld id="{E8B92B60-3ACF-4E3B-ACCA-3CF86291A092}" type="datetimeFigureOut">
               <a:rPr lang="en-AU" smtClean="0"/>
               <a:pPr/>
-              <a:t>12/05/2017</a:t>
+              <a:t>19/05/2017</a:t>
             </a:fld>
             <a:endParaRPr lang="en-AU"/>
           </a:p>
@@ -1483,7 +1489,7 @@
             <a:fld id="{E8B92B60-3ACF-4E3B-ACCA-3CF86291A092}" type="datetimeFigureOut">
               <a:rPr lang="en-AU" smtClean="0"/>
               <a:pPr/>
-              <a:t>12/05/2017</a:t>
+              <a:t>19/05/2017</a:t>
             </a:fld>
             <a:endParaRPr lang="en-AU"/>
           </a:p>
@@ -1660,7 +1666,7 @@
             <a:fld id="{E8B92B60-3ACF-4E3B-ACCA-3CF86291A092}" type="datetimeFigureOut">
               <a:rPr lang="en-AU" smtClean="0"/>
               <a:pPr/>
-              <a:t>12/05/2017</a:t>
+              <a:t>19/05/2017</a:t>
             </a:fld>
             <a:endParaRPr lang="en-AU"/>
           </a:p>
@@ -1827,7 +1833,7 @@
             <a:fld id="{E8B92B60-3ACF-4E3B-ACCA-3CF86291A092}" type="datetimeFigureOut">
               <a:rPr lang="en-AU" smtClean="0"/>
               <a:pPr/>
-              <a:t>12/05/2017</a:t>
+              <a:t>19/05/2017</a:t>
             </a:fld>
             <a:endParaRPr lang="en-AU"/>
           </a:p>
@@ -2070,7 +2076,7 @@
             <a:fld id="{E8B92B60-3ACF-4E3B-ACCA-3CF86291A092}" type="datetimeFigureOut">
               <a:rPr lang="en-AU" smtClean="0"/>
               <a:pPr/>
-              <a:t>12/05/2017</a:t>
+              <a:t>19/05/2017</a:t>
             </a:fld>
             <a:endParaRPr lang="en-AU"/>
           </a:p>
@@ -2355,7 +2361,7 @@
             <a:fld id="{E8B92B60-3ACF-4E3B-ACCA-3CF86291A092}" type="datetimeFigureOut">
               <a:rPr lang="en-AU" smtClean="0"/>
               <a:pPr/>
-              <a:t>12/05/2017</a:t>
+              <a:t>19/05/2017</a:t>
             </a:fld>
             <a:endParaRPr lang="en-AU"/>
           </a:p>
@@ -2779,7 +2785,7 @@
             <a:fld id="{E8B92B60-3ACF-4E3B-ACCA-3CF86291A092}" type="datetimeFigureOut">
               <a:rPr lang="en-AU" smtClean="0"/>
               <a:pPr/>
-              <a:t>12/05/2017</a:t>
+              <a:t>19/05/2017</a:t>
             </a:fld>
             <a:endParaRPr lang="en-AU"/>
           </a:p>
@@ -2894,7 +2900,7 @@
             <a:fld id="{E8B92B60-3ACF-4E3B-ACCA-3CF86291A092}" type="datetimeFigureOut">
               <a:rPr lang="en-AU" smtClean="0"/>
               <a:pPr/>
-              <a:t>12/05/2017</a:t>
+              <a:t>19/05/2017</a:t>
             </a:fld>
             <a:endParaRPr lang="en-AU"/>
           </a:p>
@@ -2986,7 +2992,7 @@
             <a:fld id="{E8B92B60-3ACF-4E3B-ACCA-3CF86291A092}" type="datetimeFigureOut">
               <a:rPr lang="en-AU" smtClean="0"/>
               <a:pPr/>
-              <a:t>12/05/2017</a:t>
+              <a:t>19/05/2017</a:t>
             </a:fld>
             <a:endParaRPr lang="en-AU"/>
           </a:p>
@@ -3260,7 +3266,7 @@
             <a:fld id="{E8B92B60-3ACF-4E3B-ACCA-3CF86291A092}" type="datetimeFigureOut">
               <a:rPr lang="en-AU" smtClean="0"/>
               <a:pPr/>
-              <a:t>12/05/2017</a:t>
+              <a:t>19/05/2017</a:t>
             </a:fld>
             <a:endParaRPr lang="en-AU"/>
           </a:p>
@@ -3510,7 +3516,7 @@
             <a:fld id="{E8B92B60-3ACF-4E3B-ACCA-3CF86291A092}" type="datetimeFigureOut">
               <a:rPr lang="en-AU" smtClean="0"/>
               <a:pPr/>
-              <a:t>12/05/2017</a:t>
+              <a:t>19/05/2017</a:t>
             </a:fld>
             <a:endParaRPr lang="en-AU"/>
           </a:p>
@@ -3720,7 +3726,7 @@
             <a:fld id="{E8B92B60-3ACF-4E3B-ACCA-3CF86291A092}" type="datetimeFigureOut">
               <a:rPr lang="en-AU" smtClean="0"/>
               <a:pPr/>
-              <a:t>12/05/2017</a:t>
+              <a:t>19/05/2017</a:t>
             </a:fld>
             <a:endParaRPr lang="en-AU"/>
           </a:p>
@@ -4080,9 +4086,7 @@
     <p:bg>
       <p:bgPr>
         <a:solidFill>
-          <a:schemeClr val="accent1">
-            <a:lumMod val="50000"/>
-          </a:schemeClr>
+          <a:srgbClr val="413E4A"/>
         </a:solidFill>
         <a:effectLst/>
       </p:bgPr>
@@ -4103,44 +4107,768 @@
       </p:grpSpPr>
       <p:sp>
         <p:nvSpPr>
-          <p:cNvPr id="2" name="Title 1"/>
-          <p:cNvSpPr>
-            <a:spLocks noGrp="1"/>
-          </p:cNvSpPr>
-          <p:nvPr>
-            <p:ph type="ctrTitle"/>
-          </p:nvPr>
+          <p:cNvPr id="4" name="Rectangle 3"/>
+          <p:cNvSpPr/>
+          <p:nvPr/>
         </p:nvSpPr>
         <p:spPr>
           <a:xfrm>
-            <a:off x="2480791" y="79828"/>
-            <a:ext cx="6408712" cy="2088232"/>
-          </a:xfrm>
-        </p:spPr>
-        <p:txBody>
-          <a:bodyPr>
-            <a:noAutofit/>
+            <a:off x="10780" y="-572"/>
+            <a:ext cx="274320" cy="18288000"/>
+          </a:xfrm>
+          <a:prstGeom prst="rect">
+            <a:avLst/>
+          </a:prstGeom>
+          <a:solidFill>
+            <a:schemeClr val="tx1"/>
+          </a:solidFill>
+          <a:ln>
+            <a:solidFill>
+              <a:schemeClr val="bg1"/>
+            </a:solidFill>
+          </a:ln>
+        </p:spPr>
+        <p:style>
+          <a:lnRef idx="2">
+            <a:schemeClr val="accent1">
+              <a:shade val="50000"/>
+            </a:schemeClr>
+          </a:lnRef>
+          <a:fillRef idx="1">
+            <a:schemeClr val="accent1"/>
+          </a:fillRef>
+          <a:effectRef idx="0">
+            <a:schemeClr val="accent1"/>
+          </a:effectRef>
+          <a:fontRef idx="minor">
+            <a:schemeClr val="lt1"/>
+          </a:fontRef>
+        </p:style>
+        <p:txBody>
+          <a:bodyPr rtlCol="0" anchor="ctr"/>
+          <a:lstStyle/>
+          <a:p>
+            <a:pPr algn="ctr"/>
+            <a:endParaRPr lang="en-US"/>
+          </a:p>
+        </p:txBody>
+      </p:sp>
+      <p:sp>
+        <p:nvSpPr>
+          <p:cNvPr id="8" name="Rectangle 7"/>
+          <p:cNvSpPr/>
+          <p:nvPr/>
+        </p:nvSpPr>
+        <p:spPr>
+          <a:xfrm>
+            <a:off x="10026635" y="-18366"/>
+            <a:ext cx="274320" cy="18288000"/>
+          </a:xfrm>
+          <a:prstGeom prst="rect">
+            <a:avLst/>
+          </a:prstGeom>
+          <a:solidFill>
+            <a:schemeClr val="tx1"/>
+          </a:solidFill>
+          <a:ln>
+            <a:solidFill>
+              <a:schemeClr val="bg1"/>
+            </a:solidFill>
+          </a:ln>
+        </p:spPr>
+        <p:style>
+          <a:lnRef idx="2">
+            <a:schemeClr val="accent1">
+              <a:shade val="50000"/>
+            </a:schemeClr>
+          </a:lnRef>
+          <a:fillRef idx="1">
+            <a:schemeClr val="accent1"/>
+          </a:fillRef>
+          <a:effectRef idx="0">
+            <a:schemeClr val="accent1"/>
+          </a:effectRef>
+          <a:fontRef idx="minor">
+            <a:schemeClr val="lt1"/>
+          </a:fontRef>
+        </p:style>
+        <p:txBody>
+          <a:bodyPr rtlCol="0" anchor="ctr"/>
+          <a:lstStyle/>
+          <a:p>
+            <a:pPr algn="ctr"/>
+            <a:endParaRPr lang="en-US"/>
+          </a:p>
+        </p:txBody>
+      </p:sp>
+      <p:sp>
+        <p:nvSpPr>
+          <p:cNvPr id="9" name="Rectangle 8"/>
+          <p:cNvSpPr/>
+          <p:nvPr/>
+        </p:nvSpPr>
+        <p:spPr>
+          <a:xfrm rot="5400000">
+            <a:off x="5028497" y="-5006912"/>
+            <a:ext cx="274320" cy="10287000"/>
+          </a:xfrm>
+          <a:prstGeom prst="rect">
+            <a:avLst/>
+          </a:prstGeom>
+          <a:solidFill>
+            <a:schemeClr val="tx1"/>
+          </a:solidFill>
+          <a:ln>
+            <a:solidFill>
+              <a:schemeClr val="bg1"/>
+            </a:solidFill>
+          </a:ln>
+        </p:spPr>
+        <p:style>
+          <a:lnRef idx="2">
+            <a:schemeClr val="accent1">
+              <a:shade val="50000"/>
+            </a:schemeClr>
+          </a:lnRef>
+          <a:fillRef idx="1">
+            <a:schemeClr val="accent1"/>
+          </a:fillRef>
+          <a:effectRef idx="0">
+            <a:schemeClr val="accent1"/>
+          </a:effectRef>
+          <a:fontRef idx="minor">
+            <a:schemeClr val="lt1"/>
+          </a:fontRef>
+        </p:style>
+        <p:txBody>
+          <a:bodyPr rtlCol="0" anchor="ctr"/>
+          <a:lstStyle/>
+          <a:p>
+            <a:pPr algn="ctr"/>
+            <a:endParaRPr lang="en-US"/>
+          </a:p>
+        </p:txBody>
+      </p:sp>
+      <p:sp>
+        <p:nvSpPr>
+          <p:cNvPr id="10" name="Rectangle 9"/>
+          <p:cNvSpPr/>
+          <p:nvPr/>
+        </p:nvSpPr>
+        <p:spPr>
+          <a:xfrm rot="5400000">
+            <a:off x="5017120" y="13009943"/>
+            <a:ext cx="274320" cy="10287000"/>
+          </a:xfrm>
+          <a:prstGeom prst="rect">
+            <a:avLst/>
+          </a:prstGeom>
+          <a:solidFill>
+            <a:schemeClr val="tx1"/>
+          </a:solidFill>
+          <a:ln>
+            <a:solidFill>
+              <a:schemeClr val="bg1"/>
+            </a:solidFill>
+          </a:ln>
+        </p:spPr>
+        <p:style>
+          <a:lnRef idx="2">
+            <a:schemeClr val="accent1">
+              <a:shade val="50000"/>
+            </a:schemeClr>
+          </a:lnRef>
+          <a:fillRef idx="1">
+            <a:schemeClr val="accent1"/>
+          </a:fillRef>
+          <a:effectRef idx="0">
+            <a:schemeClr val="accent1"/>
+          </a:effectRef>
+          <a:fontRef idx="minor">
+            <a:schemeClr val="lt1"/>
+          </a:fontRef>
+        </p:style>
+        <p:txBody>
+          <a:bodyPr rtlCol="0" anchor="ctr"/>
+          <a:lstStyle/>
+          <a:p>
+            <a:pPr algn="ctr"/>
+            <a:endParaRPr lang="en-US"/>
+          </a:p>
+        </p:txBody>
+      </p:sp>
+      <p:sp>
+        <p:nvSpPr>
+          <p:cNvPr id="12" name="Rectangle 11"/>
+          <p:cNvSpPr/>
+          <p:nvPr/>
+        </p:nvSpPr>
+        <p:spPr>
+          <a:xfrm>
+            <a:off x="42663" y="3240359"/>
+            <a:ext cx="10287000" cy="228600"/>
+          </a:xfrm>
+          <a:prstGeom prst="rect">
+            <a:avLst/>
+          </a:prstGeom>
+          <a:solidFill>
+            <a:schemeClr val="tx1"/>
+          </a:solidFill>
+          <a:ln>
+            <a:solidFill>
+              <a:schemeClr val="bg1"/>
+            </a:solidFill>
+          </a:ln>
+        </p:spPr>
+        <p:style>
+          <a:lnRef idx="2">
+            <a:schemeClr val="accent1">
+              <a:shade val="50000"/>
+            </a:schemeClr>
+          </a:lnRef>
+          <a:fillRef idx="1">
+            <a:schemeClr val="accent1"/>
+          </a:fillRef>
+          <a:effectRef idx="0">
+            <a:schemeClr val="accent1"/>
+          </a:effectRef>
+          <a:fontRef idx="minor">
+            <a:schemeClr val="lt1"/>
+          </a:fontRef>
+        </p:style>
+        <p:txBody>
+          <a:bodyPr rtlCol="0" anchor="ctr"/>
+          <a:lstStyle/>
+          <a:p>
+            <a:pPr algn="ctr"/>
+            <a:endParaRPr lang="en-US"/>
+          </a:p>
+        </p:txBody>
+      </p:sp>
+      <p:sp>
+        <p:nvSpPr>
+          <p:cNvPr id="22" name="Rectangle 21"/>
+          <p:cNvSpPr/>
+          <p:nvPr/>
+        </p:nvSpPr>
+        <p:spPr>
+          <a:xfrm>
+            <a:off x="0" y="6265267"/>
+            <a:ext cx="10287000" cy="228600"/>
+          </a:xfrm>
+          <a:prstGeom prst="rect">
+            <a:avLst/>
+          </a:prstGeom>
+          <a:solidFill>
+            <a:schemeClr val="tx1"/>
+          </a:solidFill>
+          <a:ln>
+            <a:solidFill>
+              <a:schemeClr val="bg1"/>
+            </a:solidFill>
+          </a:ln>
+        </p:spPr>
+        <p:style>
+          <a:lnRef idx="2">
+            <a:schemeClr val="accent1">
+              <a:shade val="50000"/>
+            </a:schemeClr>
+          </a:lnRef>
+          <a:fillRef idx="1">
+            <a:schemeClr val="accent1"/>
+          </a:fillRef>
+          <a:effectRef idx="0">
+            <a:schemeClr val="accent1"/>
+          </a:effectRef>
+          <a:fontRef idx="minor">
+            <a:schemeClr val="lt1"/>
+          </a:fontRef>
+        </p:style>
+        <p:txBody>
+          <a:bodyPr rtlCol="0" anchor="ctr"/>
+          <a:lstStyle/>
+          <a:p>
+            <a:pPr algn="ctr"/>
+            <a:endParaRPr lang="en-US"/>
+          </a:p>
+        </p:txBody>
+      </p:sp>
+      <p:sp>
+        <p:nvSpPr>
+          <p:cNvPr id="23" name="Rectangle 22"/>
+          <p:cNvSpPr/>
+          <p:nvPr/>
+        </p:nvSpPr>
+        <p:spPr>
+          <a:xfrm>
+            <a:off x="13955" y="15985775"/>
+            <a:ext cx="10287000" cy="228600"/>
+          </a:xfrm>
+          <a:prstGeom prst="rect">
+            <a:avLst/>
+          </a:prstGeom>
+          <a:solidFill>
+            <a:schemeClr val="tx1"/>
+          </a:solidFill>
+          <a:ln>
+            <a:solidFill>
+              <a:schemeClr val="bg1"/>
+            </a:solidFill>
+          </a:ln>
+        </p:spPr>
+        <p:style>
+          <a:lnRef idx="2">
+            <a:schemeClr val="accent1">
+              <a:shade val="50000"/>
+            </a:schemeClr>
+          </a:lnRef>
+          <a:fillRef idx="1">
+            <a:schemeClr val="accent1"/>
+          </a:fillRef>
+          <a:effectRef idx="0">
+            <a:schemeClr val="accent1"/>
+          </a:effectRef>
+          <a:fontRef idx="minor">
+            <a:schemeClr val="lt1"/>
+          </a:fontRef>
+        </p:style>
+        <p:txBody>
+          <a:bodyPr rtlCol="0" anchor="ctr"/>
+          <a:lstStyle/>
+          <a:p>
+            <a:pPr algn="ctr"/>
+            <a:endParaRPr lang="en-US"/>
+          </a:p>
+        </p:txBody>
+      </p:sp>
+      <p:sp>
+        <p:nvSpPr>
+          <p:cNvPr id="25" name="Rectangle 24"/>
+          <p:cNvSpPr/>
+          <p:nvPr/>
+        </p:nvSpPr>
+        <p:spPr>
+          <a:xfrm>
+            <a:off x="5030787" y="3384375"/>
+            <a:ext cx="228600" cy="2971800"/>
+          </a:xfrm>
+          <a:prstGeom prst="rect">
+            <a:avLst/>
+          </a:prstGeom>
+          <a:solidFill>
+            <a:schemeClr val="tx1"/>
+          </a:solidFill>
+          <a:ln>
+            <a:solidFill>
+              <a:schemeClr val="bg1"/>
+            </a:solidFill>
+          </a:ln>
+        </p:spPr>
+        <p:style>
+          <a:lnRef idx="2">
+            <a:schemeClr val="accent1">
+              <a:shade val="50000"/>
+            </a:schemeClr>
+          </a:lnRef>
+          <a:fillRef idx="1">
+            <a:schemeClr val="accent1"/>
+          </a:fillRef>
+          <a:effectRef idx="0">
+            <a:schemeClr val="accent1"/>
+          </a:effectRef>
+          <a:fontRef idx="minor">
+            <a:schemeClr val="lt1"/>
+          </a:fontRef>
+        </p:style>
+        <p:txBody>
+          <a:bodyPr rtlCol="0" anchor="ctr"/>
+          <a:lstStyle/>
+          <a:p>
+            <a:pPr algn="ctr"/>
+            <a:endParaRPr lang="en-US"/>
+          </a:p>
+        </p:txBody>
+      </p:sp>
+      <p:sp>
+        <p:nvSpPr>
+          <p:cNvPr id="43" name="Rectangle 42"/>
+          <p:cNvSpPr/>
+          <p:nvPr/>
+        </p:nvSpPr>
+        <p:spPr>
+          <a:xfrm>
+            <a:off x="8108195" y="16202371"/>
+            <a:ext cx="228600" cy="2057400"/>
+          </a:xfrm>
+          <a:prstGeom prst="rect">
+            <a:avLst/>
+          </a:prstGeom>
+          <a:solidFill>
+            <a:schemeClr val="tx1"/>
+          </a:solidFill>
+          <a:ln>
+            <a:solidFill>
+              <a:schemeClr val="bg1"/>
+            </a:solidFill>
+          </a:ln>
+        </p:spPr>
+        <p:style>
+          <a:lnRef idx="2">
+            <a:schemeClr val="accent1">
+              <a:shade val="50000"/>
+            </a:schemeClr>
+          </a:lnRef>
+          <a:fillRef idx="1">
+            <a:schemeClr val="accent1"/>
+          </a:fillRef>
+          <a:effectRef idx="0">
+            <a:schemeClr val="accent1"/>
+          </a:effectRef>
+          <a:fontRef idx="minor">
+            <a:schemeClr val="lt1"/>
+          </a:fontRef>
+        </p:style>
+        <p:txBody>
+          <a:bodyPr rtlCol="0" anchor="ctr"/>
+          <a:lstStyle/>
+          <a:p>
+            <a:pPr algn="ctr"/>
+            <a:endParaRPr lang="en-US"/>
+          </a:p>
+        </p:txBody>
+      </p:sp>
+      <p:sp>
+        <p:nvSpPr>
+          <p:cNvPr id="37" name="Rectangle 36"/>
+          <p:cNvSpPr/>
+          <p:nvPr/>
+        </p:nvSpPr>
+        <p:spPr>
+          <a:xfrm>
+            <a:off x="10780" y="11377263"/>
+            <a:ext cx="10287000" cy="228600"/>
+          </a:xfrm>
+          <a:prstGeom prst="rect">
+            <a:avLst/>
+          </a:prstGeom>
+          <a:solidFill>
+            <a:schemeClr val="tx1"/>
+          </a:solidFill>
+          <a:ln>
+            <a:solidFill>
+              <a:schemeClr val="bg1"/>
+            </a:solidFill>
+          </a:ln>
+        </p:spPr>
+        <p:style>
+          <a:lnRef idx="2">
+            <a:schemeClr val="accent1">
+              <a:shade val="50000"/>
+            </a:schemeClr>
+          </a:lnRef>
+          <a:fillRef idx="1">
+            <a:schemeClr val="accent1"/>
+          </a:fillRef>
+          <a:effectRef idx="0">
+            <a:schemeClr val="accent1"/>
+          </a:effectRef>
+          <a:fontRef idx="minor">
+            <a:schemeClr val="lt1"/>
+          </a:fontRef>
+        </p:style>
+        <p:txBody>
+          <a:bodyPr rtlCol="0" anchor="ctr"/>
+          <a:lstStyle/>
+          <a:p>
+            <a:pPr algn="ctr"/>
+            <a:endParaRPr lang="en-US"/>
+          </a:p>
+        </p:txBody>
+      </p:sp>
+      <p:sp>
+        <p:nvSpPr>
+          <p:cNvPr id="48" name="Rounded Rectangle 47"/>
+          <p:cNvSpPr/>
+          <p:nvPr/>
+        </p:nvSpPr>
+        <p:spPr>
+          <a:xfrm>
+            <a:off x="320551" y="16274379"/>
+            <a:ext cx="7776864" cy="1728192"/>
+          </a:xfrm>
+          <a:prstGeom prst="roundRect">
+            <a:avLst/>
+          </a:prstGeom>
+          <a:solidFill>
+            <a:srgbClr val="73626E"/>
+          </a:solidFill>
+          <a:ln cap="rnd">
+            <a:solidFill>
+              <a:srgbClr val="73626E"/>
+            </a:solidFill>
+            <a:prstDash val="solid"/>
+          </a:ln>
+        </p:spPr>
+        <p:style>
+          <a:lnRef idx="2">
+            <a:schemeClr val="accent1">
+              <a:shade val="50000"/>
+            </a:schemeClr>
+          </a:lnRef>
+          <a:fillRef idx="1">
+            <a:schemeClr val="accent1"/>
+          </a:fillRef>
+          <a:effectRef idx="0">
+            <a:schemeClr val="accent1"/>
+          </a:effectRef>
+          <a:fontRef idx="minor">
+            <a:schemeClr val="lt1"/>
+          </a:fontRef>
+        </p:style>
+        <p:txBody>
+          <a:bodyPr rtlCol="0" anchor="ctr"/>
+          <a:lstStyle/>
+          <a:p>
+            <a:pPr algn="ctr"/>
+            <a:endParaRPr lang="en-US"/>
+          </a:p>
+        </p:txBody>
+      </p:sp>
+      <p:sp>
+        <p:nvSpPr>
+          <p:cNvPr id="47" name="Rounded Rectangle 46"/>
+          <p:cNvSpPr/>
+          <p:nvPr/>
+        </p:nvSpPr>
+        <p:spPr>
+          <a:xfrm>
+            <a:off x="266545" y="11665867"/>
+            <a:ext cx="9703078" cy="4248472"/>
+          </a:xfrm>
+          <a:prstGeom prst="roundRect">
+            <a:avLst/>
+          </a:prstGeom>
+          <a:solidFill>
+            <a:srgbClr val="73626E"/>
+          </a:solidFill>
+          <a:ln cap="rnd">
+            <a:solidFill>
+              <a:srgbClr val="73626E"/>
+            </a:solidFill>
+            <a:prstDash val="solid"/>
+          </a:ln>
+        </p:spPr>
+        <p:style>
+          <a:lnRef idx="2">
+            <a:schemeClr val="accent1">
+              <a:shade val="50000"/>
+            </a:schemeClr>
+          </a:lnRef>
+          <a:fillRef idx="1">
+            <a:schemeClr val="accent1"/>
+          </a:fillRef>
+          <a:effectRef idx="0">
+            <a:schemeClr val="accent1"/>
+          </a:effectRef>
+          <a:fontRef idx="minor">
+            <a:schemeClr val="lt1"/>
+          </a:fontRef>
+        </p:style>
+        <p:txBody>
+          <a:bodyPr rtlCol="0" anchor="ctr"/>
+          <a:lstStyle/>
+          <a:p>
+            <a:pPr algn="ctr"/>
+            <a:endParaRPr lang="en-US"/>
+          </a:p>
+        </p:txBody>
+      </p:sp>
+      <p:sp>
+        <p:nvSpPr>
+          <p:cNvPr id="46" name="Rounded Rectangle 45"/>
+          <p:cNvSpPr/>
+          <p:nvPr/>
+        </p:nvSpPr>
+        <p:spPr>
+          <a:xfrm>
+            <a:off x="320551" y="6481291"/>
+            <a:ext cx="9649072" cy="4896544"/>
+          </a:xfrm>
+          <a:prstGeom prst="roundRect">
+            <a:avLst/>
+          </a:prstGeom>
+          <a:solidFill>
+            <a:srgbClr val="73626E"/>
+          </a:solidFill>
+          <a:ln cap="rnd">
+            <a:solidFill>
+              <a:srgbClr val="73626E"/>
+            </a:solidFill>
+            <a:prstDash val="solid"/>
+          </a:ln>
+        </p:spPr>
+        <p:style>
+          <a:lnRef idx="2">
+            <a:schemeClr val="accent1">
+              <a:shade val="50000"/>
+            </a:schemeClr>
+          </a:lnRef>
+          <a:fillRef idx="1">
+            <a:schemeClr val="accent1"/>
+          </a:fillRef>
+          <a:effectRef idx="0">
+            <a:schemeClr val="accent1"/>
+          </a:effectRef>
+          <a:fontRef idx="minor">
+            <a:schemeClr val="lt1"/>
+          </a:fontRef>
+        </p:style>
+        <p:txBody>
+          <a:bodyPr rtlCol="0" anchor="ctr"/>
+          <a:lstStyle/>
+          <a:p>
+            <a:pPr algn="ctr"/>
+            <a:endParaRPr lang="en-US"/>
+          </a:p>
+        </p:txBody>
+      </p:sp>
+      <p:sp>
+        <p:nvSpPr>
+          <p:cNvPr id="42" name="Rounded Rectangle 41"/>
+          <p:cNvSpPr/>
+          <p:nvPr/>
+        </p:nvSpPr>
+        <p:spPr>
+          <a:xfrm>
+            <a:off x="320551" y="3456955"/>
+            <a:ext cx="4680520" cy="2808312"/>
+          </a:xfrm>
+          <a:prstGeom prst="roundRect">
+            <a:avLst/>
+          </a:prstGeom>
+          <a:solidFill>
+            <a:srgbClr val="73626E"/>
+          </a:solidFill>
+          <a:ln cap="rnd">
+            <a:solidFill>
+              <a:srgbClr val="73626E"/>
+            </a:solidFill>
+            <a:prstDash val="solid"/>
+          </a:ln>
+        </p:spPr>
+        <p:style>
+          <a:lnRef idx="2">
+            <a:schemeClr val="accent1">
+              <a:shade val="50000"/>
+            </a:schemeClr>
+          </a:lnRef>
+          <a:fillRef idx="1">
+            <a:schemeClr val="accent1"/>
+          </a:fillRef>
+          <a:effectRef idx="0">
+            <a:schemeClr val="accent1"/>
+          </a:effectRef>
+          <a:fontRef idx="minor">
+            <a:schemeClr val="lt1"/>
+          </a:fontRef>
+        </p:style>
+        <p:txBody>
+          <a:bodyPr rtlCol="0" anchor="ctr"/>
+          <a:lstStyle/>
+          <a:p>
+            <a:pPr algn="ctr"/>
+            <a:endParaRPr lang="en-US"/>
+          </a:p>
+        </p:txBody>
+      </p:sp>
+      <p:sp>
+        <p:nvSpPr>
+          <p:cNvPr id="17" name="Rounded Rectangle 16"/>
+          <p:cNvSpPr/>
+          <p:nvPr/>
+        </p:nvSpPr>
+        <p:spPr>
+          <a:xfrm>
+            <a:off x="5289103" y="3456955"/>
+            <a:ext cx="4680520" cy="2808312"/>
+          </a:xfrm>
+          <a:prstGeom prst="roundRect">
+            <a:avLst/>
+          </a:prstGeom>
+          <a:solidFill>
+            <a:srgbClr val="73626E"/>
+          </a:solidFill>
+          <a:ln cap="rnd">
+            <a:solidFill>
+              <a:srgbClr val="73626E"/>
+            </a:solidFill>
+            <a:prstDash val="solid"/>
+          </a:ln>
+        </p:spPr>
+        <p:style>
+          <a:lnRef idx="2">
+            <a:schemeClr val="accent1">
+              <a:shade val="50000"/>
+            </a:schemeClr>
+          </a:lnRef>
+          <a:fillRef idx="1">
+            <a:schemeClr val="accent1"/>
+          </a:fillRef>
+          <a:effectRef idx="0">
+            <a:schemeClr val="accent1"/>
+          </a:effectRef>
+          <a:fontRef idx="minor">
+            <a:schemeClr val="lt1"/>
+          </a:fontRef>
+        </p:style>
+        <p:txBody>
+          <a:bodyPr rtlCol="0" anchor="ctr"/>
+          <a:lstStyle/>
+          <a:p>
+            <a:pPr algn="ctr"/>
+            <a:endParaRPr lang="en-US"/>
+          </a:p>
+        </p:txBody>
+      </p:sp>
+      <p:sp>
+        <p:nvSpPr>
+          <p:cNvPr id="7" name="TextBox 6"/>
+          <p:cNvSpPr txBox="1"/>
+          <p:nvPr/>
+        </p:nvSpPr>
+        <p:spPr>
+          <a:xfrm>
+            <a:off x="8625343" y="0"/>
+            <a:ext cx="1688704" cy="1446550"/>
+          </a:xfrm>
+          <a:prstGeom prst="rect">
+            <a:avLst/>
+          </a:prstGeom>
+          <a:solidFill>
+            <a:schemeClr val="bg1">
+              <a:lumMod val="85000"/>
+            </a:schemeClr>
+          </a:solidFill>
+        </p:spPr>
+        <p:txBody>
+          <a:bodyPr wrap="square" rtlCol="0">
+            <a:spAutoFit/>
           </a:bodyPr>
           <a:lstStyle/>
           <a:p>
-            <a:pPr algn="l"/>
-            <a:r>
-              <a:rPr lang="en-AU" sz="6600" dirty="0">
-                <a:solidFill>
-                  <a:schemeClr val="bg1"/>
-                </a:solidFill>
-              </a:rPr>
-              <a:t>Poster T</a:t>
-            </a:r>
-            <a:r>
-              <a:rPr lang="en-AU" sz="6600" dirty="0" smtClean="0">
-                <a:solidFill>
-                  <a:schemeClr val="bg1"/>
-                </a:solidFill>
-              </a:rPr>
-              <a:t>emplate</a:t>
-            </a:r>
-            <a:endParaRPr lang="en-AU" sz="6600" dirty="0">
+            <a:pPr algn="ctr"/>
+            <a:endParaRPr lang="en-AU" sz="2800" dirty="0" smtClean="0"/>
+          </a:p>
+          <a:p>
+            <a:pPr algn="ctr"/>
+            <a:r>
+              <a:rPr lang="en-AU" sz="3200" b="1" dirty="0" smtClean="0"/>
+              <a:t>115</a:t>
+            </a:r>
+          </a:p>
+          <a:p>
+            <a:pPr algn="ctr"/>
+            <a:endParaRPr lang="en-AU" sz="2800" dirty="0" smtClean="0">
               <a:solidFill>
                 <a:schemeClr val="bg1"/>
               </a:solidFill>
@@ -4150,592 +4878,1238 @@
       </p:sp>
       <p:sp>
         <p:nvSpPr>
-          <p:cNvPr id="3" name="Subtitle 2"/>
-          <p:cNvSpPr>
-            <a:spLocks noGrp="1"/>
-          </p:cNvSpPr>
-          <p:nvPr>
-            <p:ph type="subTitle" idx="1"/>
-          </p:nvPr>
+          <p:cNvPr id="3" name="TextBox 2"/>
+          <p:cNvSpPr txBox="1"/>
+          <p:nvPr/>
         </p:nvSpPr>
         <p:spPr>
           <a:xfrm>
-            <a:off x="248543" y="1756868"/>
-            <a:ext cx="9793088" cy="16561840"/>
-          </a:xfrm>
-        </p:spPr>
-        <p:txBody>
-          <a:bodyPr>
-            <a:normAutofit fontScale="85000" lnSpcReduction="10000"/>
+            <a:off x="320551" y="1440731"/>
+            <a:ext cx="9721080" cy="1846659"/>
+          </a:xfrm>
+          <a:prstGeom prst="rect">
+            <a:avLst/>
+          </a:prstGeom>
+          <a:noFill/>
+          <a:ln>
+            <a:solidFill>
+              <a:schemeClr val="bg1"/>
+            </a:solidFill>
+          </a:ln>
+        </p:spPr>
+        <p:txBody>
+          <a:bodyPr wrap="square" lIns="0" tIns="0" rIns="0" bIns="0" rtlCol="0">
+            <a:spAutoFit/>
           </a:bodyPr>
           <a:lstStyle/>
           <a:p>
-            <a:pPr algn="l"/>
-            <a:r>
-              <a:rPr lang="en-US" sz="3200" b="1" dirty="0">
-                <a:solidFill>
-                  <a:schemeClr val="bg1"/>
-                </a:solidFill>
-              </a:rPr>
-              <a:t>IMPORTANT: </a:t>
-            </a:r>
-          </a:p>
-          <a:p>
-            <a:pPr marL="457200" indent="-457200" algn="l">
-              <a:buFont typeface="Arial" panose="020B0604020202020204" pitchFamily="34" charset="0"/>
-              <a:buChar char="•"/>
-            </a:pPr>
-            <a:r>
-              <a:rPr lang="en-US" sz="3200" b="1" dirty="0">
-                <a:solidFill>
-                  <a:schemeClr val="bg1"/>
-                </a:solidFill>
-              </a:rPr>
-              <a:t>This slide has been configured for the screens that will be used to display your poster. </a:t>
-            </a:r>
-          </a:p>
-          <a:p>
-            <a:pPr marL="457200" indent="-457200" algn="l">
-              <a:buFont typeface="Arial" panose="020B0604020202020204" pitchFamily="34" charset="0"/>
-              <a:buChar char="•"/>
-            </a:pPr>
-            <a:r>
-              <a:rPr lang="en-US" sz="3200" b="1" dirty="0">
-                <a:solidFill>
-                  <a:schemeClr val="bg1"/>
-                </a:solidFill>
-              </a:rPr>
-              <a:t>Original template dimensions are 28.584cm x 50.809cm</a:t>
-            </a:r>
-          </a:p>
-          <a:p>
-            <a:pPr marL="457200" indent="-457200" algn="l">
-              <a:buFont typeface="Arial" panose="020B0604020202020204" pitchFamily="34" charset="0"/>
-              <a:buChar char="•"/>
-            </a:pPr>
-            <a:r>
-              <a:rPr lang="en-US" sz="3200" b="1" dirty="0">
-                <a:solidFill>
-                  <a:schemeClr val="bg1"/>
-                </a:solidFill>
-              </a:rPr>
-              <a:t>Do not change these dimensions, otherwise your poster may not display correctly</a:t>
-            </a:r>
-            <a:r>
-              <a:rPr lang="en-US" sz="3200" b="1" dirty="0" smtClean="0">
-                <a:solidFill>
-                  <a:schemeClr val="bg1"/>
-                </a:solidFill>
-              </a:rPr>
-              <a:t>.</a:t>
-            </a:r>
-          </a:p>
-          <a:p>
-            <a:pPr marL="457200" indent="-457200" algn="l">
-              <a:buFont typeface="Arial" panose="020B0604020202020204" pitchFamily="34" charset="0"/>
-              <a:buChar char="•"/>
-            </a:pPr>
-            <a:r>
-              <a:rPr lang="en-US" sz="3200" b="1" dirty="0" smtClean="0">
-                <a:solidFill>
-                  <a:schemeClr val="bg1"/>
-                </a:solidFill>
-              </a:rPr>
-              <a:t>If you are not using PowerPoint to create your poster, then you must ensure that your poster dimensions conforms to the same ratio as the template</a:t>
-            </a:r>
-          </a:p>
-          <a:p>
-            <a:pPr marL="457200" indent="-457200" algn="l">
-              <a:buFont typeface="Arial" panose="020B0604020202020204" pitchFamily="34" charset="0"/>
-              <a:buChar char="•"/>
-            </a:pPr>
-            <a:r>
-              <a:rPr lang="en-US" sz="3200" b="1" dirty="0" smtClean="0">
-                <a:solidFill>
-                  <a:schemeClr val="bg1"/>
-                </a:solidFill>
-              </a:rPr>
-              <a:t>Insert the 3 digit poster number in the box provided at in the top right-hand corner (see </a:t>
-            </a:r>
-            <a:r>
-              <a:rPr lang="en-US" sz="3200" b="1" dirty="0" err="1" smtClean="0">
-                <a:solidFill>
-                  <a:schemeClr val="bg1"/>
-                </a:solidFill>
-              </a:rPr>
-              <a:t>Conftool</a:t>
-            </a:r>
-            <a:r>
-              <a:rPr lang="en-US" sz="3200" b="1" dirty="0" smtClean="0">
-                <a:solidFill>
-                  <a:schemeClr val="bg1"/>
-                </a:solidFill>
-              </a:rPr>
-              <a:t> for your poster number). </a:t>
-            </a:r>
-          </a:p>
-          <a:p>
-            <a:pPr marL="457200" indent="-457200" algn="l">
-              <a:buFont typeface="Arial" panose="020B0604020202020204" pitchFamily="34" charset="0"/>
-              <a:buChar char="•"/>
-            </a:pPr>
-            <a:r>
-              <a:rPr lang="en-US" sz="3200" b="1" dirty="0">
-                <a:solidFill>
-                  <a:schemeClr val="bg1"/>
-                </a:solidFill>
-              </a:rPr>
-              <a:t>Final poster must be submitted (via </a:t>
-            </a:r>
-            <a:r>
-              <a:rPr lang="en-US" sz="3200" b="1" dirty="0" err="1">
-                <a:solidFill>
-                  <a:schemeClr val="bg1"/>
-                </a:solidFill>
-              </a:rPr>
-              <a:t>Conftool</a:t>
-            </a:r>
-            <a:r>
-              <a:rPr lang="en-US" sz="3200" b="1" dirty="0">
-                <a:solidFill>
-                  <a:schemeClr val="bg1"/>
-                </a:solidFill>
-              </a:rPr>
-              <a:t>) in both PDF and PNG format</a:t>
-            </a:r>
-          </a:p>
-          <a:p>
-            <a:pPr algn="l"/>
-            <a:endParaRPr lang="en-US" sz="3200" dirty="0">
+            <a:pPr algn="ctr"/>
+            <a:r>
+              <a:rPr lang="en-US" sz="6000" dirty="0">
+                <a:solidFill>
+                  <a:schemeClr val="bg1">
+                    <a:lumMod val="95000"/>
+                  </a:schemeClr>
+                </a:solidFill>
+                <a:latin typeface="Corbel" charset="0"/>
+                <a:ea typeface="Corbel" charset="0"/>
+                <a:cs typeface="Corbel" charset="0"/>
+              </a:rPr>
+              <a:t>Charon: </a:t>
+            </a:r>
+            <a:r>
+              <a:rPr lang="en-US" sz="6000" dirty="0" smtClean="0">
+                <a:solidFill>
+                  <a:schemeClr val="bg1">
+                    <a:lumMod val="95000"/>
+                  </a:schemeClr>
+                </a:solidFill>
+                <a:latin typeface="Corbel" charset="0"/>
+                <a:ea typeface="Corbel" charset="0"/>
+                <a:cs typeface="Corbel" charset="0"/>
+              </a:rPr>
+              <a:t>A </a:t>
+            </a:r>
+            <a:r>
+              <a:rPr lang="en-US" sz="6000" dirty="0">
+                <a:solidFill>
+                  <a:schemeClr val="bg1">
+                    <a:lumMod val="95000"/>
+                  </a:schemeClr>
+                </a:solidFill>
+                <a:latin typeface="Corbel" charset="0"/>
+                <a:ea typeface="Corbel" charset="0"/>
+                <a:cs typeface="Corbel" charset="0"/>
+              </a:rPr>
+              <a:t>Repository to Support DH Workflows</a:t>
+            </a:r>
+            <a:endParaRPr lang="en-US" sz="6000" dirty="0">
               <a:solidFill>
-                <a:schemeClr val="bg1"/>
+                <a:schemeClr val="bg1">
+                  <a:lumMod val="95000"/>
+                </a:schemeClr>
               </a:solidFill>
+              <a:latin typeface="Corbel" charset="0"/>
+              <a:ea typeface="Corbel" charset="0"/>
+              <a:cs typeface="Corbel" charset="0"/>
             </a:endParaRPr>
           </a:p>
-          <a:p>
-            <a:pPr algn="l"/>
-            <a:r>
-              <a:rPr lang="en-US" sz="3200" b="1" dirty="0">
-                <a:solidFill>
-                  <a:schemeClr val="bg1"/>
-                </a:solidFill>
-              </a:rPr>
-              <a:t>Recommended Font Sizes:</a:t>
-            </a:r>
-            <a:r>
-              <a:rPr lang="en-US" sz="3200" dirty="0">
-                <a:solidFill>
-                  <a:schemeClr val="bg1"/>
-                </a:solidFill>
-              </a:rPr>
-              <a:t/>
-            </a:r>
-            <a:br>
-              <a:rPr lang="en-US" sz="3200" dirty="0">
-                <a:solidFill>
-                  <a:schemeClr val="bg1"/>
-                </a:solidFill>
-              </a:rPr>
-            </a:br>
-            <a:r>
-              <a:rPr lang="en-US" sz="3200" dirty="0">
-                <a:solidFill>
-                  <a:schemeClr val="bg1"/>
-                </a:solidFill>
-              </a:rPr>
-              <a:t>Title: 60min – 80max</a:t>
-            </a:r>
-            <a:br>
-              <a:rPr lang="en-US" sz="3200" dirty="0">
-                <a:solidFill>
-                  <a:schemeClr val="bg1"/>
-                </a:solidFill>
-              </a:rPr>
-            </a:br>
-            <a:r>
-              <a:rPr lang="en-US" sz="3200" dirty="0">
-                <a:solidFill>
-                  <a:schemeClr val="bg1"/>
-                </a:solidFill>
-              </a:rPr>
-              <a:t>Body Text : 22min – 32max (for best effect) </a:t>
-            </a:r>
-          </a:p>
-          <a:p>
-            <a:pPr algn="l"/>
-            <a:r>
-              <a:rPr lang="en-US" sz="3200" dirty="0">
-                <a:solidFill>
-                  <a:schemeClr val="bg1"/>
-                </a:solidFill>
-              </a:rPr>
-              <a:t>                   : 18 absolute min – 40 absolute max</a:t>
-            </a:r>
-          </a:p>
-          <a:p>
-            <a:pPr algn="l"/>
-            <a:endParaRPr lang="en-US" sz="3200" b="1" dirty="0">
+        </p:txBody>
+      </p:sp>
+      <p:sp>
+        <p:nvSpPr>
+          <p:cNvPr id="19" name="TextBox 18"/>
+          <p:cNvSpPr txBox="1"/>
+          <p:nvPr/>
+        </p:nvSpPr>
+        <p:spPr>
+          <a:xfrm>
+            <a:off x="320552" y="288603"/>
+            <a:ext cx="8280919" cy="1107996"/>
+          </a:xfrm>
+          <a:prstGeom prst="rect">
+            <a:avLst/>
+          </a:prstGeom>
+          <a:noFill/>
+          <a:ln>
+            <a:solidFill>
+              <a:schemeClr val="bg1"/>
+            </a:solidFill>
+          </a:ln>
+        </p:spPr>
+        <p:txBody>
+          <a:bodyPr wrap="square" lIns="0" tIns="0" rIns="0" bIns="0" rtlCol="0">
+            <a:spAutoFit/>
+          </a:bodyPr>
+          <a:lstStyle/>
+          <a:p>
+            <a:r>
+              <a:rPr lang="en-US" sz="2400" dirty="0">
+                <a:solidFill>
+                  <a:schemeClr val="bg1">
+                    <a:lumMod val="95000"/>
+                  </a:schemeClr>
+                </a:solidFill>
+                <a:latin typeface="Corbel" charset="0"/>
+                <a:ea typeface="Corbel" charset="0"/>
+                <a:cs typeface="Corbel" charset="0"/>
+              </a:rPr>
+              <a:t>Sarah Sweeney, </a:t>
+            </a:r>
+            <a:r>
+              <a:rPr lang="en-US" sz="2400" dirty="0" err="1">
+                <a:solidFill>
+                  <a:schemeClr val="bg1">
+                    <a:lumMod val="95000"/>
+                  </a:schemeClr>
+                </a:solidFill>
+                <a:latin typeface="Corbel" charset="0"/>
+                <a:ea typeface="Corbel" charset="0"/>
+                <a:cs typeface="Corbel" charset="0"/>
+              </a:rPr>
+              <a:t>sj.sweeney@northeastern.edu</a:t>
+            </a:r>
+            <a:endParaRPr lang="en-US" sz="2400" dirty="0">
               <a:solidFill>
-                <a:schemeClr val="bg1"/>
+                <a:schemeClr val="bg1">
+                  <a:lumMod val="95000"/>
+                </a:schemeClr>
               </a:solidFill>
+              <a:latin typeface="Corbel" charset="0"/>
+              <a:ea typeface="Corbel" charset="0"/>
+              <a:cs typeface="Corbel" charset="0"/>
             </a:endParaRPr>
           </a:p>
           <a:p>
-            <a:pPr algn="l"/>
-            <a:r>
-              <a:rPr lang="en-US" sz="3200" b="1" dirty="0" err="1" smtClean="0">
-                <a:solidFill>
-                  <a:schemeClr val="bg1"/>
-                </a:solidFill>
-              </a:rPr>
-              <a:t>Colour</a:t>
-            </a:r>
-            <a:r>
-              <a:rPr lang="en-US" sz="3200" b="1" dirty="0" smtClean="0">
-                <a:solidFill>
-                  <a:schemeClr val="bg1"/>
-                </a:solidFill>
-              </a:rPr>
-              <a:t>:</a:t>
-            </a:r>
-            <a:endParaRPr lang="en-US" sz="3200" b="1" dirty="0">
+            <a:r>
+              <a:rPr lang="en-US" sz="2400" dirty="0" smtClean="0">
+                <a:solidFill>
+                  <a:schemeClr val="bg1">
+                    <a:lumMod val="95000"/>
+                  </a:schemeClr>
+                </a:solidFill>
+                <a:latin typeface="Corbel" charset="0"/>
+                <a:ea typeface="Corbel" charset="0"/>
+                <a:cs typeface="Corbel" charset="0"/>
+              </a:rPr>
+              <a:t>Northeastern University </a:t>
+            </a:r>
+            <a:r>
+              <a:rPr lang="en-US" sz="2400" dirty="0" smtClean="0">
+                <a:solidFill>
+                  <a:schemeClr val="bg1">
+                    <a:lumMod val="95000"/>
+                  </a:schemeClr>
+                </a:solidFill>
+                <a:latin typeface="Corbel" charset="0"/>
+                <a:ea typeface="Corbel" charset="0"/>
+                <a:cs typeface="Corbel" charset="0"/>
+              </a:rPr>
+              <a:t>Libraries</a:t>
+            </a:r>
+          </a:p>
+          <a:p>
+            <a:r>
+              <a:rPr lang="en-US" sz="2400" dirty="0" smtClean="0">
+                <a:solidFill>
+                  <a:schemeClr val="bg1">
+                    <a:lumMod val="95000"/>
+                  </a:schemeClr>
+                </a:solidFill>
+                <a:latin typeface="Corbel" charset="0"/>
+                <a:ea typeface="Corbel" charset="0"/>
+                <a:cs typeface="Corbel" charset="0"/>
+              </a:rPr>
+              <a:t>Digital </a:t>
+            </a:r>
+            <a:r>
+              <a:rPr lang="en-US" sz="2400" dirty="0" smtClean="0">
+                <a:solidFill>
+                  <a:schemeClr val="bg1">
+                    <a:lumMod val="95000"/>
+                  </a:schemeClr>
+                </a:solidFill>
+                <a:latin typeface="Corbel" charset="0"/>
+                <a:ea typeface="Corbel" charset="0"/>
+                <a:cs typeface="Corbel" charset="0"/>
+              </a:rPr>
+              <a:t>Scholarship Group</a:t>
+            </a:r>
+          </a:p>
+        </p:txBody>
+      </p:sp>
+      <p:sp>
+        <p:nvSpPr>
+          <p:cNvPr id="24" name="TextBox 23"/>
+          <p:cNvSpPr txBox="1"/>
+          <p:nvPr/>
+        </p:nvSpPr>
+        <p:spPr>
+          <a:xfrm>
+            <a:off x="536575" y="3672979"/>
+            <a:ext cx="4248472" cy="2462213"/>
+          </a:xfrm>
+          <a:prstGeom prst="rect">
+            <a:avLst/>
+          </a:prstGeom>
+          <a:noFill/>
+          <a:ln>
+            <a:noFill/>
+          </a:ln>
+        </p:spPr>
+        <p:txBody>
+          <a:bodyPr wrap="square" lIns="0" tIns="0" rIns="0" bIns="0" rtlCol="0">
+            <a:spAutoFit/>
+          </a:bodyPr>
+          <a:lstStyle/>
+          <a:p>
+            <a:r>
+              <a:rPr lang="en-US" sz="2000" dirty="0">
+                <a:solidFill>
+                  <a:schemeClr val="bg1">
+                    <a:lumMod val="95000"/>
+                  </a:schemeClr>
+                </a:solidFill>
+                <a:latin typeface="Tahoma" charset="0"/>
+                <a:ea typeface="Tahoma" charset="0"/>
+                <a:cs typeface="Tahoma" charset="0"/>
+              </a:rPr>
+              <a:t>How can we use Hydra to enable the creation, dissemination, and long-term support of digital projects and publications? We seek to answer this question by developing a workflow-based digital framework to provide editorial and workflow management tools for digital humanities projects.</a:t>
+            </a:r>
+          </a:p>
+        </p:txBody>
+      </p:sp>
+      <p:sp>
+        <p:nvSpPr>
+          <p:cNvPr id="26" name="TextBox 25"/>
+          <p:cNvSpPr txBox="1"/>
+          <p:nvPr/>
+        </p:nvSpPr>
+        <p:spPr>
+          <a:xfrm>
+            <a:off x="5282596" y="3456955"/>
+            <a:ext cx="4687027" cy="553998"/>
+          </a:xfrm>
+          <a:prstGeom prst="rect">
+            <a:avLst/>
+          </a:prstGeom>
+          <a:noFill/>
+          <a:ln>
+            <a:noFill/>
+          </a:ln>
+        </p:spPr>
+        <p:txBody>
+          <a:bodyPr wrap="square" lIns="0" tIns="0" rIns="0" bIns="0" rtlCol="0">
+            <a:spAutoFit/>
+          </a:bodyPr>
+          <a:lstStyle/>
+          <a:p>
+            <a:pPr algn="ctr"/>
+            <a:r>
+              <a:rPr lang="en-US" dirty="0" smtClean="0">
+                <a:solidFill>
+                  <a:schemeClr val="bg1">
+                    <a:lumMod val="95000"/>
+                  </a:schemeClr>
+                </a:solidFill>
+                <a:latin typeface="Corbel" charset="0"/>
+                <a:ea typeface="Corbel" charset="0"/>
+                <a:cs typeface="Corbel" charset="0"/>
+              </a:rPr>
+              <a:t>Components</a:t>
+            </a:r>
+          </a:p>
+        </p:txBody>
+      </p:sp>
+      <p:sp>
+        <p:nvSpPr>
+          <p:cNvPr id="33" name="TextBox 32"/>
+          <p:cNvSpPr txBox="1"/>
+          <p:nvPr/>
+        </p:nvSpPr>
+        <p:spPr>
+          <a:xfrm>
+            <a:off x="320551" y="6481291"/>
+            <a:ext cx="9692640" cy="553998"/>
+          </a:xfrm>
+          <a:prstGeom prst="rect">
+            <a:avLst/>
+          </a:prstGeom>
+          <a:noFill/>
+          <a:ln>
+            <a:noFill/>
+          </a:ln>
+        </p:spPr>
+        <p:txBody>
+          <a:bodyPr wrap="square" lIns="0" tIns="0" rIns="0" bIns="0" rtlCol="0">
+            <a:spAutoFit/>
+          </a:bodyPr>
+          <a:lstStyle/>
+          <a:p>
+            <a:pPr algn="ctr"/>
+            <a:r>
+              <a:rPr lang="en-US" dirty="0" smtClean="0">
+                <a:solidFill>
+                  <a:schemeClr val="bg1">
+                    <a:lumMod val="95000"/>
+                  </a:schemeClr>
+                </a:solidFill>
+                <a:latin typeface="Corbel" charset="0"/>
+                <a:ea typeface="Corbel" charset="0"/>
+                <a:cs typeface="Corbel" charset="0"/>
+              </a:rPr>
+              <a:t>DH Workflows</a:t>
+            </a:r>
+          </a:p>
+        </p:txBody>
+      </p:sp>
+      <p:sp>
+        <p:nvSpPr>
+          <p:cNvPr id="34" name="TextBox 33"/>
+          <p:cNvSpPr txBox="1"/>
+          <p:nvPr/>
+        </p:nvSpPr>
+        <p:spPr>
+          <a:xfrm>
+            <a:off x="298768" y="11665867"/>
+            <a:ext cx="9692640" cy="553998"/>
+          </a:xfrm>
+          <a:prstGeom prst="rect">
+            <a:avLst/>
+          </a:prstGeom>
+          <a:noFill/>
+          <a:ln>
+            <a:noFill/>
+          </a:ln>
+        </p:spPr>
+        <p:txBody>
+          <a:bodyPr wrap="square" lIns="0" tIns="0" rIns="0" bIns="0" rtlCol="0">
+            <a:spAutoFit/>
+          </a:bodyPr>
+          <a:lstStyle/>
+          <a:p>
+            <a:pPr algn="ctr"/>
+            <a:r>
+              <a:rPr lang="en-US" dirty="0" smtClean="0">
+                <a:solidFill>
+                  <a:schemeClr val="bg1">
+                    <a:lumMod val="95000"/>
+                  </a:schemeClr>
+                </a:solidFill>
+                <a:latin typeface="Corbel" charset="0"/>
+                <a:ea typeface="Corbel" charset="0"/>
+                <a:cs typeface="Corbel" charset="0"/>
+              </a:rPr>
+              <a:t>User Roles</a:t>
+            </a:r>
+          </a:p>
+        </p:txBody>
+      </p:sp>
+      <p:pic>
+        <p:nvPicPr>
+          <p:cNvPr id="44" name="Picture 43"/>
+          <p:cNvPicPr>
+            <a:picLocks noChangeAspect="1"/>
+          </p:cNvPicPr>
+          <p:nvPr/>
+        </p:nvPicPr>
+        <p:blipFill>
+          <a:blip r:embed="rId3">
+            <a:extLst>
+              <a:ext uri="{28A0092B-C50C-407E-A947-70E740481C1C}">
+                <a14:useLocalDpi xmlns:a14="http://schemas.microsoft.com/office/drawing/2010/main" val="0"/>
+              </a:ext>
+            </a:extLst>
+          </a:blip>
+          <a:stretch>
+            <a:fillRect/>
+          </a:stretch>
+        </p:blipFill>
+        <p:spPr>
+          <a:xfrm>
+            <a:off x="8241431" y="16202371"/>
+            <a:ext cx="1800200" cy="1800200"/>
+          </a:xfrm>
+          <a:prstGeom prst="rect">
+            <a:avLst/>
+          </a:prstGeom>
+        </p:spPr>
+      </p:pic>
+      <p:sp>
+        <p:nvSpPr>
+          <p:cNvPr id="45" name="TextBox 44"/>
+          <p:cNvSpPr txBox="1"/>
+          <p:nvPr/>
+        </p:nvSpPr>
+        <p:spPr>
+          <a:xfrm>
+            <a:off x="392559" y="16699457"/>
+            <a:ext cx="7704857" cy="1231106"/>
+          </a:xfrm>
+          <a:prstGeom prst="rect">
+            <a:avLst/>
+          </a:prstGeom>
+          <a:noFill/>
+          <a:ln>
+            <a:noFill/>
+          </a:ln>
+        </p:spPr>
+        <p:txBody>
+          <a:bodyPr wrap="square" lIns="0" tIns="0" rIns="0" bIns="0" rtlCol="0">
+            <a:spAutoFit/>
+          </a:bodyPr>
+          <a:lstStyle/>
+          <a:p>
+            <a:r>
+              <a:rPr lang="en-US" sz="2000" dirty="0" smtClean="0">
+                <a:solidFill>
+                  <a:schemeClr val="bg1">
+                    <a:lumMod val="95000"/>
+                  </a:schemeClr>
+                </a:solidFill>
+                <a:latin typeface="Tahoma" charset="0"/>
+                <a:ea typeface="Tahoma" charset="0"/>
+                <a:cs typeface="Tahoma" charset="0"/>
+              </a:rPr>
+              <a:t>Lorem </a:t>
+            </a:r>
+            <a:r>
+              <a:rPr lang="en-US" sz="2000" dirty="0" smtClean="0">
+                <a:solidFill>
+                  <a:schemeClr val="bg1">
+                    <a:lumMod val="95000"/>
+                  </a:schemeClr>
+                </a:solidFill>
+                <a:latin typeface="Tahoma" charset="0"/>
+                <a:ea typeface="Tahoma" charset="0"/>
+                <a:cs typeface="Tahoma" charset="0"/>
+              </a:rPr>
+              <a:t>ipsum dolor sit </a:t>
+            </a:r>
+            <a:r>
+              <a:rPr lang="en-US" sz="2000" dirty="0" err="1" smtClean="0">
+                <a:solidFill>
+                  <a:schemeClr val="bg1">
+                    <a:lumMod val="95000"/>
+                  </a:schemeClr>
+                </a:solidFill>
+                <a:latin typeface="Tahoma" charset="0"/>
+                <a:ea typeface="Tahoma" charset="0"/>
+                <a:cs typeface="Tahoma" charset="0"/>
+              </a:rPr>
+              <a:t>amet</a:t>
+            </a:r>
+            <a:r>
+              <a:rPr lang="en-US" sz="2000" dirty="0" smtClean="0">
+                <a:solidFill>
+                  <a:schemeClr val="bg1">
+                    <a:lumMod val="95000"/>
+                  </a:schemeClr>
+                </a:solidFill>
+                <a:latin typeface="Tahoma" charset="0"/>
+                <a:ea typeface="Tahoma" charset="0"/>
+                <a:cs typeface="Tahoma" charset="0"/>
+              </a:rPr>
+              <a:t>, </a:t>
+            </a:r>
+            <a:r>
+              <a:rPr lang="en-US" sz="2000" dirty="0" err="1" smtClean="0">
+                <a:solidFill>
+                  <a:schemeClr val="bg1">
+                    <a:lumMod val="95000"/>
+                  </a:schemeClr>
+                </a:solidFill>
+                <a:latin typeface="Tahoma" charset="0"/>
+                <a:ea typeface="Tahoma" charset="0"/>
+                <a:cs typeface="Tahoma" charset="0"/>
+              </a:rPr>
+              <a:t>consectetur</a:t>
+            </a:r>
+            <a:r>
+              <a:rPr lang="en-US" sz="2000" dirty="0" smtClean="0">
+                <a:solidFill>
+                  <a:schemeClr val="bg1">
+                    <a:lumMod val="95000"/>
+                  </a:schemeClr>
+                </a:solidFill>
+                <a:latin typeface="Tahoma" charset="0"/>
+                <a:ea typeface="Tahoma" charset="0"/>
+                <a:cs typeface="Tahoma" charset="0"/>
+              </a:rPr>
+              <a:t> </a:t>
+            </a:r>
+            <a:r>
+              <a:rPr lang="en-US" sz="2000" dirty="0" err="1" smtClean="0">
+                <a:solidFill>
+                  <a:schemeClr val="bg1">
+                    <a:lumMod val="95000"/>
+                  </a:schemeClr>
+                </a:solidFill>
+                <a:latin typeface="Tahoma" charset="0"/>
+                <a:ea typeface="Tahoma" charset="0"/>
+                <a:cs typeface="Tahoma" charset="0"/>
+              </a:rPr>
+              <a:t>adipiscing</a:t>
+            </a:r>
+            <a:r>
+              <a:rPr lang="en-US" sz="2000" dirty="0" smtClean="0">
+                <a:solidFill>
+                  <a:schemeClr val="bg1">
+                    <a:lumMod val="95000"/>
+                  </a:schemeClr>
+                </a:solidFill>
+                <a:latin typeface="Tahoma" charset="0"/>
+                <a:ea typeface="Tahoma" charset="0"/>
+                <a:cs typeface="Tahoma" charset="0"/>
+              </a:rPr>
+              <a:t> </a:t>
+            </a:r>
+            <a:r>
+              <a:rPr lang="en-US" sz="2000" dirty="0" err="1" smtClean="0">
+                <a:solidFill>
+                  <a:schemeClr val="bg1">
+                    <a:lumMod val="95000"/>
+                  </a:schemeClr>
+                </a:solidFill>
+                <a:latin typeface="Tahoma" charset="0"/>
+                <a:ea typeface="Tahoma" charset="0"/>
+                <a:cs typeface="Tahoma" charset="0"/>
+              </a:rPr>
+              <a:t>elit</a:t>
+            </a:r>
+            <a:r>
+              <a:rPr lang="en-US" sz="2000" dirty="0" smtClean="0">
+                <a:solidFill>
+                  <a:schemeClr val="bg1">
+                    <a:lumMod val="95000"/>
+                  </a:schemeClr>
+                </a:solidFill>
+                <a:latin typeface="Tahoma" charset="0"/>
+                <a:ea typeface="Tahoma" charset="0"/>
+                <a:cs typeface="Tahoma" charset="0"/>
+              </a:rPr>
+              <a:t>, </a:t>
+            </a:r>
+            <a:r>
+              <a:rPr lang="en-US" sz="2000" dirty="0" err="1" smtClean="0">
+                <a:solidFill>
+                  <a:schemeClr val="bg1">
+                    <a:lumMod val="95000"/>
+                  </a:schemeClr>
+                </a:solidFill>
+                <a:latin typeface="Tahoma" charset="0"/>
+                <a:ea typeface="Tahoma" charset="0"/>
+                <a:cs typeface="Tahoma" charset="0"/>
+              </a:rPr>
+              <a:t>sed</a:t>
+            </a:r>
+            <a:r>
+              <a:rPr lang="en-US" sz="2000" dirty="0" smtClean="0">
+                <a:solidFill>
+                  <a:schemeClr val="bg1">
+                    <a:lumMod val="95000"/>
+                  </a:schemeClr>
+                </a:solidFill>
+                <a:latin typeface="Tahoma" charset="0"/>
+                <a:ea typeface="Tahoma" charset="0"/>
+                <a:cs typeface="Tahoma" charset="0"/>
+              </a:rPr>
+              <a:t> do </a:t>
+            </a:r>
+            <a:r>
+              <a:rPr lang="en-US" sz="2000" dirty="0" err="1" smtClean="0">
+                <a:solidFill>
+                  <a:schemeClr val="bg1">
+                    <a:lumMod val="95000"/>
+                  </a:schemeClr>
+                </a:solidFill>
+                <a:latin typeface="Tahoma" charset="0"/>
+                <a:ea typeface="Tahoma" charset="0"/>
+                <a:cs typeface="Tahoma" charset="0"/>
+              </a:rPr>
+              <a:t>eiusmod</a:t>
+            </a:r>
+            <a:r>
+              <a:rPr lang="en-US" sz="2000" dirty="0" smtClean="0">
+                <a:solidFill>
+                  <a:schemeClr val="bg1">
+                    <a:lumMod val="95000"/>
+                  </a:schemeClr>
+                </a:solidFill>
+                <a:latin typeface="Tahoma" charset="0"/>
+                <a:ea typeface="Tahoma" charset="0"/>
+                <a:cs typeface="Tahoma" charset="0"/>
+              </a:rPr>
+              <a:t> </a:t>
+            </a:r>
+            <a:r>
+              <a:rPr lang="en-US" sz="2000" dirty="0" err="1" smtClean="0">
+                <a:solidFill>
+                  <a:schemeClr val="bg1">
+                    <a:lumMod val="95000"/>
+                  </a:schemeClr>
+                </a:solidFill>
+                <a:latin typeface="Tahoma" charset="0"/>
+                <a:ea typeface="Tahoma" charset="0"/>
+                <a:cs typeface="Tahoma" charset="0"/>
+              </a:rPr>
+              <a:t>tempor</a:t>
+            </a:r>
+            <a:r>
+              <a:rPr lang="en-US" sz="2000" dirty="0" smtClean="0">
+                <a:solidFill>
+                  <a:schemeClr val="bg1">
+                    <a:lumMod val="95000"/>
+                  </a:schemeClr>
+                </a:solidFill>
+                <a:latin typeface="Tahoma" charset="0"/>
+                <a:ea typeface="Tahoma" charset="0"/>
+                <a:cs typeface="Tahoma" charset="0"/>
+              </a:rPr>
+              <a:t> </a:t>
+            </a:r>
+            <a:r>
+              <a:rPr lang="en-US" sz="2000" dirty="0" err="1" smtClean="0">
+                <a:solidFill>
+                  <a:schemeClr val="bg1">
+                    <a:lumMod val="95000"/>
+                  </a:schemeClr>
+                </a:solidFill>
+                <a:latin typeface="Tahoma" charset="0"/>
+                <a:ea typeface="Tahoma" charset="0"/>
+                <a:cs typeface="Tahoma" charset="0"/>
+              </a:rPr>
+              <a:t>incididunt</a:t>
+            </a:r>
+            <a:r>
+              <a:rPr lang="en-US" sz="2000" dirty="0" smtClean="0">
+                <a:solidFill>
+                  <a:schemeClr val="bg1">
+                    <a:lumMod val="95000"/>
+                  </a:schemeClr>
+                </a:solidFill>
+                <a:latin typeface="Tahoma" charset="0"/>
+                <a:ea typeface="Tahoma" charset="0"/>
+                <a:cs typeface="Tahoma" charset="0"/>
+              </a:rPr>
+              <a:t> </a:t>
+            </a:r>
+            <a:r>
+              <a:rPr lang="en-US" sz="2000" dirty="0" err="1" smtClean="0">
+                <a:solidFill>
+                  <a:schemeClr val="bg1">
+                    <a:lumMod val="95000"/>
+                  </a:schemeClr>
+                </a:solidFill>
+                <a:latin typeface="Tahoma" charset="0"/>
+                <a:ea typeface="Tahoma" charset="0"/>
+                <a:cs typeface="Tahoma" charset="0"/>
+              </a:rPr>
+              <a:t>ut</a:t>
+            </a:r>
+            <a:r>
+              <a:rPr lang="en-US" sz="2000" dirty="0" smtClean="0">
+                <a:solidFill>
+                  <a:schemeClr val="bg1">
+                    <a:lumMod val="95000"/>
+                  </a:schemeClr>
+                </a:solidFill>
+                <a:latin typeface="Tahoma" charset="0"/>
+                <a:ea typeface="Tahoma" charset="0"/>
+                <a:cs typeface="Tahoma" charset="0"/>
+              </a:rPr>
+              <a:t> </a:t>
+            </a:r>
+            <a:r>
+              <a:rPr lang="en-US" sz="2000" dirty="0" err="1" smtClean="0">
+                <a:solidFill>
+                  <a:schemeClr val="bg1">
+                    <a:lumMod val="95000"/>
+                  </a:schemeClr>
+                </a:solidFill>
+                <a:latin typeface="Tahoma" charset="0"/>
+                <a:ea typeface="Tahoma" charset="0"/>
+                <a:cs typeface="Tahoma" charset="0"/>
+              </a:rPr>
+              <a:t>labore</a:t>
+            </a:r>
+            <a:r>
+              <a:rPr lang="en-US" sz="2000" dirty="0" smtClean="0">
+                <a:solidFill>
+                  <a:schemeClr val="bg1">
+                    <a:lumMod val="95000"/>
+                  </a:schemeClr>
+                </a:solidFill>
+                <a:latin typeface="Tahoma" charset="0"/>
+                <a:ea typeface="Tahoma" charset="0"/>
+                <a:cs typeface="Tahoma" charset="0"/>
+              </a:rPr>
+              <a:t> et </a:t>
+            </a:r>
+            <a:r>
+              <a:rPr lang="en-US" sz="2000" dirty="0" err="1" smtClean="0">
+                <a:solidFill>
+                  <a:schemeClr val="bg1">
+                    <a:lumMod val="95000"/>
+                  </a:schemeClr>
+                </a:solidFill>
+                <a:latin typeface="Tahoma" charset="0"/>
+                <a:ea typeface="Tahoma" charset="0"/>
+                <a:cs typeface="Tahoma" charset="0"/>
+              </a:rPr>
+              <a:t>dolore</a:t>
+            </a:r>
+            <a:r>
+              <a:rPr lang="en-US" sz="2000" dirty="0" smtClean="0">
+                <a:solidFill>
+                  <a:schemeClr val="bg1">
+                    <a:lumMod val="95000"/>
+                  </a:schemeClr>
+                </a:solidFill>
+                <a:latin typeface="Tahoma" charset="0"/>
+                <a:ea typeface="Tahoma" charset="0"/>
+                <a:cs typeface="Tahoma" charset="0"/>
+              </a:rPr>
+              <a:t> magna </a:t>
+            </a:r>
+            <a:r>
+              <a:rPr lang="en-US" sz="2000" dirty="0" err="1" smtClean="0">
+                <a:solidFill>
+                  <a:schemeClr val="bg1">
+                    <a:lumMod val="95000"/>
+                  </a:schemeClr>
+                </a:solidFill>
+                <a:latin typeface="Tahoma" charset="0"/>
+                <a:ea typeface="Tahoma" charset="0"/>
+                <a:cs typeface="Tahoma" charset="0"/>
+              </a:rPr>
+              <a:t>aliqua</a:t>
+            </a:r>
+            <a:r>
+              <a:rPr lang="en-US" sz="2000" dirty="0" smtClean="0">
+                <a:solidFill>
+                  <a:schemeClr val="bg1">
+                    <a:lumMod val="95000"/>
+                  </a:schemeClr>
+                </a:solidFill>
+                <a:latin typeface="Tahoma" charset="0"/>
+                <a:ea typeface="Tahoma" charset="0"/>
+                <a:cs typeface="Tahoma" charset="0"/>
+              </a:rPr>
+              <a:t>. </a:t>
+            </a:r>
+            <a:r>
+              <a:rPr lang="en-US" sz="2000" dirty="0" err="1" smtClean="0">
+                <a:solidFill>
+                  <a:schemeClr val="bg1">
+                    <a:lumMod val="95000"/>
+                  </a:schemeClr>
+                </a:solidFill>
+                <a:latin typeface="Tahoma" charset="0"/>
+                <a:ea typeface="Tahoma" charset="0"/>
+                <a:cs typeface="Tahoma" charset="0"/>
+              </a:rPr>
+              <a:t>Ut</a:t>
+            </a:r>
+            <a:r>
+              <a:rPr lang="en-US" sz="2000" dirty="0" smtClean="0">
+                <a:solidFill>
+                  <a:schemeClr val="bg1">
+                    <a:lumMod val="95000"/>
+                  </a:schemeClr>
+                </a:solidFill>
+                <a:latin typeface="Tahoma" charset="0"/>
+                <a:ea typeface="Tahoma" charset="0"/>
+                <a:cs typeface="Tahoma" charset="0"/>
+              </a:rPr>
+              <a:t> </a:t>
+            </a:r>
+            <a:r>
+              <a:rPr lang="en-US" sz="2000" dirty="0" err="1" smtClean="0">
+                <a:solidFill>
+                  <a:schemeClr val="bg1">
+                    <a:lumMod val="95000"/>
+                  </a:schemeClr>
+                </a:solidFill>
+                <a:latin typeface="Tahoma" charset="0"/>
+                <a:ea typeface="Tahoma" charset="0"/>
+                <a:cs typeface="Tahoma" charset="0"/>
+              </a:rPr>
+              <a:t>enim</a:t>
+            </a:r>
+            <a:r>
+              <a:rPr lang="en-US" sz="2000" dirty="0" smtClean="0">
+                <a:solidFill>
+                  <a:schemeClr val="bg1">
+                    <a:lumMod val="95000"/>
+                  </a:schemeClr>
+                </a:solidFill>
+                <a:latin typeface="Tahoma" charset="0"/>
+                <a:ea typeface="Tahoma" charset="0"/>
+                <a:cs typeface="Tahoma" charset="0"/>
+              </a:rPr>
+              <a:t> ad minim </a:t>
+            </a:r>
+            <a:r>
+              <a:rPr lang="en-US" sz="2000" dirty="0" err="1" smtClean="0">
+                <a:solidFill>
+                  <a:schemeClr val="bg1">
+                    <a:lumMod val="95000"/>
+                  </a:schemeClr>
+                </a:solidFill>
+                <a:latin typeface="Tahoma" charset="0"/>
+                <a:ea typeface="Tahoma" charset="0"/>
+                <a:cs typeface="Tahoma" charset="0"/>
+              </a:rPr>
+              <a:t>veniam</a:t>
+            </a:r>
+            <a:r>
+              <a:rPr lang="en-US" sz="2000" dirty="0" smtClean="0">
+                <a:solidFill>
+                  <a:schemeClr val="bg1">
+                    <a:lumMod val="95000"/>
+                  </a:schemeClr>
+                </a:solidFill>
+                <a:latin typeface="Tahoma" charset="0"/>
+                <a:ea typeface="Tahoma" charset="0"/>
+                <a:cs typeface="Tahoma" charset="0"/>
+              </a:rPr>
+              <a:t>, </a:t>
+            </a:r>
+            <a:r>
+              <a:rPr lang="en-US" sz="2000" dirty="0" err="1" smtClean="0">
+                <a:solidFill>
+                  <a:schemeClr val="bg1">
+                    <a:lumMod val="95000"/>
+                  </a:schemeClr>
+                </a:solidFill>
+                <a:latin typeface="Tahoma" charset="0"/>
+                <a:ea typeface="Tahoma" charset="0"/>
+                <a:cs typeface="Tahoma" charset="0"/>
+              </a:rPr>
+              <a:t>quis</a:t>
+            </a:r>
+            <a:r>
+              <a:rPr lang="en-US" sz="2000" dirty="0" smtClean="0">
+                <a:solidFill>
+                  <a:schemeClr val="bg1">
+                    <a:lumMod val="95000"/>
+                  </a:schemeClr>
+                </a:solidFill>
+                <a:latin typeface="Tahoma" charset="0"/>
+                <a:ea typeface="Tahoma" charset="0"/>
+                <a:cs typeface="Tahoma" charset="0"/>
+              </a:rPr>
+              <a:t> </a:t>
+            </a:r>
+            <a:r>
+              <a:rPr lang="en-US" sz="2000" dirty="0" err="1" smtClean="0">
+                <a:solidFill>
+                  <a:schemeClr val="bg1">
+                    <a:lumMod val="95000"/>
+                  </a:schemeClr>
+                </a:solidFill>
+                <a:latin typeface="Tahoma" charset="0"/>
+                <a:ea typeface="Tahoma" charset="0"/>
+                <a:cs typeface="Tahoma" charset="0"/>
+              </a:rPr>
+              <a:t>nostrud</a:t>
+            </a:r>
+            <a:r>
+              <a:rPr lang="en-US" sz="2000" dirty="0" smtClean="0">
+                <a:solidFill>
+                  <a:schemeClr val="bg1">
+                    <a:lumMod val="95000"/>
+                  </a:schemeClr>
+                </a:solidFill>
+                <a:latin typeface="Tahoma" charset="0"/>
+                <a:ea typeface="Tahoma" charset="0"/>
+                <a:cs typeface="Tahoma" charset="0"/>
+              </a:rPr>
+              <a:t> exercitation </a:t>
+            </a:r>
+            <a:r>
+              <a:rPr lang="en-US" sz="2000" dirty="0" err="1">
+                <a:solidFill>
+                  <a:schemeClr val="bg1">
+                    <a:lumMod val="95000"/>
+                  </a:schemeClr>
+                </a:solidFill>
+                <a:latin typeface="Tahoma" charset="0"/>
+                <a:ea typeface="Tahoma" charset="0"/>
+                <a:cs typeface="Tahoma" charset="0"/>
+              </a:rPr>
+              <a:t>ullamco</a:t>
+            </a:r>
+            <a:r>
+              <a:rPr lang="en-US" sz="2000" dirty="0">
+                <a:solidFill>
+                  <a:schemeClr val="bg1">
+                    <a:lumMod val="95000"/>
+                  </a:schemeClr>
+                </a:solidFill>
+                <a:latin typeface="Tahoma" charset="0"/>
+                <a:ea typeface="Tahoma" charset="0"/>
+                <a:cs typeface="Tahoma" charset="0"/>
+              </a:rPr>
+              <a:t> </a:t>
+            </a:r>
+            <a:r>
+              <a:rPr lang="en-US" sz="2000" dirty="0" err="1">
+                <a:solidFill>
+                  <a:schemeClr val="bg1">
+                    <a:lumMod val="95000"/>
+                  </a:schemeClr>
+                </a:solidFill>
+                <a:latin typeface="Tahoma" charset="0"/>
+                <a:ea typeface="Tahoma" charset="0"/>
+                <a:cs typeface="Tahoma" charset="0"/>
+              </a:rPr>
+              <a:t>eiusmod</a:t>
+            </a:r>
+            <a:r>
+              <a:rPr lang="en-US" sz="2000" dirty="0">
+                <a:solidFill>
+                  <a:schemeClr val="bg1">
+                    <a:lumMod val="95000"/>
+                  </a:schemeClr>
+                </a:solidFill>
+                <a:latin typeface="Tahoma" charset="0"/>
+                <a:ea typeface="Tahoma" charset="0"/>
+                <a:cs typeface="Tahoma" charset="0"/>
+              </a:rPr>
+              <a:t> </a:t>
+            </a:r>
+            <a:r>
+              <a:rPr lang="en-US" sz="2000" dirty="0" err="1" smtClean="0">
+                <a:solidFill>
+                  <a:schemeClr val="bg1">
+                    <a:lumMod val="95000"/>
+                  </a:schemeClr>
+                </a:solidFill>
+                <a:latin typeface="Tahoma" charset="0"/>
+                <a:ea typeface="Tahoma" charset="0"/>
+                <a:cs typeface="Tahoma" charset="0"/>
+              </a:rPr>
+              <a:t>tempor</a:t>
+            </a:r>
+            <a:r>
+              <a:rPr lang="en-US" sz="2000" dirty="0" smtClean="0">
+                <a:solidFill>
+                  <a:schemeClr val="bg1">
+                    <a:lumMod val="95000"/>
+                  </a:schemeClr>
+                </a:solidFill>
+                <a:latin typeface="Tahoma" charset="0"/>
+                <a:ea typeface="Tahoma" charset="0"/>
+                <a:cs typeface="Tahoma" charset="0"/>
+              </a:rPr>
+              <a:t> </a:t>
+            </a:r>
+            <a:r>
+              <a:rPr lang="en-US" sz="2000" dirty="0" err="1" smtClean="0">
+                <a:solidFill>
+                  <a:schemeClr val="bg1">
+                    <a:lumMod val="95000"/>
+                  </a:schemeClr>
+                </a:solidFill>
+                <a:latin typeface="Tahoma" charset="0"/>
+                <a:ea typeface="Tahoma" charset="0"/>
+                <a:cs typeface="Tahoma" charset="0"/>
+              </a:rPr>
+              <a:t>incididunt</a:t>
+            </a:r>
+            <a:r>
+              <a:rPr lang="en-US" sz="2000" dirty="0" smtClean="0">
+                <a:solidFill>
+                  <a:schemeClr val="bg1">
+                    <a:lumMod val="95000"/>
+                  </a:schemeClr>
+                </a:solidFill>
+                <a:latin typeface="Tahoma" charset="0"/>
+                <a:ea typeface="Tahoma" charset="0"/>
+                <a:cs typeface="Tahoma" charset="0"/>
+              </a:rPr>
+              <a:t> </a:t>
+            </a:r>
+            <a:r>
+              <a:rPr lang="en-US" sz="2000" dirty="0" err="1" smtClean="0">
+                <a:solidFill>
+                  <a:schemeClr val="bg1">
+                    <a:lumMod val="95000"/>
+                  </a:schemeClr>
+                </a:solidFill>
+                <a:latin typeface="Tahoma" charset="0"/>
+                <a:ea typeface="Tahoma" charset="0"/>
+                <a:cs typeface="Tahoma" charset="0"/>
+              </a:rPr>
+              <a:t>ut</a:t>
+            </a:r>
+            <a:r>
+              <a:rPr lang="en-US" sz="2000" dirty="0" smtClean="0">
+                <a:solidFill>
+                  <a:schemeClr val="bg1">
+                    <a:lumMod val="95000"/>
+                  </a:schemeClr>
+                </a:solidFill>
+                <a:latin typeface="Tahoma" charset="0"/>
+                <a:ea typeface="Tahoma" charset="0"/>
+                <a:cs typeface="Tahoma" charset="0"/>
+              </a:rPr>
+              <a:t> </a:t>
+            </a:r>
+            <a:r>
+              <a:rPr lang="en-US" sz="2000" dirty="0" err="1" smtClean="0">
+                <a:solidFill>
+                  <a:schemeClr val="bg1">
+                    <a:lumMod val="95000"/>
+                  </a:schemeClr>
+                </a:solidFill>
+                <a:latin typeface="Tahoma" charset="0"/>
+                <a:ea typeface="Tahoma" charset="0"/>
+                <a:cs typeface="Tahoma" charset="0"/>
+              </a:rPr>
+              <a:t>labore</a:t>
+            </a:r>
+            <a:r>
+              <a:rPr lang="en-US" sz="2000" dirty="0" smtClean="0">
+                <a:solidFill>
+                  <a:schemeClr val="bg1">
+                    <a:lumMod val="95000"/>
+                  </a:schemeClr>
+                </a:solidFill>
+                <a:latin typeface="Tahoma" charset="0"/>
+                <a:ea typeface="Tahoma" charset="0"/>
+                <a:cs typeface="Tahoma" charset="0"/>
+              </a:rPr>
+              <a:t> et </a:t>
+            </a:r>
+            <a:r>
+              <a:rPr lang="en-US" sz="2000" dirty="0" err="1" smtClean="0">
+                <a:solidFill>
+                  <a:schemeClr val="bg1">
+                    <a:lumMod val="95000"/>
+                  </a:schemeClr>
+                </a:solidFill>
+                <a:latin typeface="Tahoma" charset="0"/>
+                <a:ea typeface="Tahoma" charset="0"/>
+                <a:cs typeface="Tahoma" charset="0"/>
+              </a:rPr>
+              <a:t>dolore</a:t>
+            </a:r>
+            <a:r>
+              <a:rPr lang="en-US" sz="2000" dirty="0" smtClean="0">
+                <a:solidFill>
+                  <a:schemeClr val="bg1">
+                    <a:lumMod val="95000"/>
+                  </a:schemeClr>
+                </a:solidFill>
+                <a:latin typeface="Tahoma" charset="0"/>
+                <a:ea typeface="Tahoma" charset="0"/>
+                <a:cs typeface="Tahoma" charset="0"/>
+              </a:rPr>
+              <a:t> magna </a:t>
+            </a:r>
+            <a:r>
+              <a:rPr lang="en-US" sz="2000" dirty="0" err="1" smtClean="0">
+                <a:solidFill>
+                  <a:schemeClr val="bg1">
+                    <a:lumMod val="95000"/>
+                  </a:schemeClr>
+                </a:solidFill>
+                <a:latin typeface="Tahoma" charset="0"/>
+                <a:ea typeface="Tahoma" charset="0"/>
+                <a:cs typeface="Tahoma" charset="0"/>
+              </a:rPr>
+              <a:t>aliqua</a:t>
+            </a:r>
+            <a:r>
+              <a:rPr lang="en-US" sz="2000" dirty="0" smtClean="0">
+                <a:solidFill>
+                  <a:schemeClr val="bg1">
+                    <a:lumMod val="95000"/>
+                  </a:schemeClr>
+                </a:solidFill>
+                <a:latin typeface="Tahoma" charset="0"/>
+                <a:ea typeface="Tahoma" charset="0"/>
+                <a:cs typeface="Tahoma" charset="0"/>
+              </a:rPr>
+              <a:t> </a:t>
+            </a:r>
+            <a:r>
+              <a:rPr lang="en-US" sz="2000" dirty="0" err="1" smtClean="0">
+                <a:solidFill>
+                  <a:schemeClr val="bg1">
+                    <a:lumMod val="95000"/>
+                  </a:schemeClr>
+                </a:solidFill>
+                <a:latin typeface="Tahoma" charset="0"/>
+                <a:ea typeface="Tahoma" charset="0"/>
+                <a:cs typeface="Tahoma" charset="0"/>
+              </a:rPr>
+              <a:t>eiusmod</a:t>
+            </a:r>
+            <a:r>
+              <a:rPr lang="en-US" sz="2000" dirty="0" smtClean="0">
+                <a:solidFill>
+                  <a:schemeClr val="bg1">
+                    <a:lumMod val="95000"/>
+                  </a:schemeClr>
+                </a:solidFill>
+                <a:latin typeface="Tahoma" charset="0"/>
+                <a:ea typeface="Tahoma" charset="0"/>
+                <a:cs typeface="Tahoma" charset="0"/>
+              </a:rPr>
+              <a:t> </a:t>
+            </a:r>
+            <a:r>
+              <a:rPr lang="en-US" sz="2000" dirty="0" err="1" smtClean="0">
+                <a:solidFill>
+                  <a:schemeClr val="bg1">
+                    <a:lumMod val="95000"/>
+                  </a:schemeClr>
+                </a:solidFill>
+                <a:latin typeface="Tahoma" charset="0"/>
+                <a:ea typeface="Tahoma" charset="0"/>
+                <a:cs typeface="Tahoma" charset="0"/>
+              </a:rPr>
+              <a:t>tempor</a:t>
+            </a:r>
+            <a:r>
+              <a:rPr lang="en-US" sz="2000" dirty="0" smtClean="0">
+                <a:solidFill>
+                  <a:schemeClr val="bg1">
+                    <a:lumMod val="95000"/>
+                  </a:schemeClr>
+                </a:solidFill>
+                <a:latin typeface="Tahoma" charset="0"/>
+                <a:ea typeface="Tahoma" charset="0"/>
+                <a:cs typeface="Tahoma" charset="0"/>
+              </a:rPr>
+              <a:t>. </a:t>
+            </a:r>
+            <a:endParaRPr lang="en-US" sz="2000" dirty="0">
               <a:solidFill>
-                <a:schemeClr val="bg1"/>
+                <a:schemeClr val="bg1">
+                  <a:lumMod val="95000"/>
+                </a:schemeClr>
               </a:solidFill>
+              <a:latin typeface="Tahoma" charset="0"/>
+              <a:ea typeface="Tahoma" charset="0"/>
+              <a:cs typeface="Tahoma" charset="0"/>
             </a:endParaRPr>
           </a:p>
-          <a:p>
-            <a:pPr marL="457200" indent="-457200" algn="l">
-              <a:buFont typeface="Arial" panose="020B0604020202020204" pitchFamily="34" charset="0"/>
-              <a:buChar char="•"/>
-            </a:pPr>
-            <a:r>
-              <a:rPr lang="en-US" sz="3200" dirty="0">
-                <a:solidFill>
-                  <a:schemeClr val="bg1"/>
-                </a:solidFill>
-              </a:rPr>
-              <a:t>Solid background colours are recommended, however white should not be used as the brightness of the panel can make it difficult to read when standing in front of it.</a:t>
-            </a:r>
-          </a:p>
-          <a:p>
-            <a:endParaRPr lang="en-US" sz="3200" dirty="0">
+        </p:txBody>
+      </p:sp>
+      <p:sp>
+        <p:nvSpPr>
+          <p:cNvPr id="27" name="TextBox 26"/>
+          <p:cNvSpPr txBox="1"/>
+          <p:nvPr/>
+        </p:nvSpPr>
+        <p:spPr>
+          <a:xfrm>
+            <a:off x="320551" y="16202371"/>
+            <a:ext cx="7776864" cy="553998"/>
+          </a:xfrm>
+          <a:prstGeom prst="rect">
+            <a:avLst/>
+          </a:prstGeom>
+          <a:noFill/>
+          <a:ln>
+            <a:noFill/>
+          </a:ln>
+        </p:spPr>
+        <p:txBody>
+          <a:bodyPr wrap="square" lIns="0" tIns="0" rIns="0" bIns="0" rtlCol="0">
+            <a:spAutoFit/>
+          </a:bodyPr>
+          <a:lstStyle/>
+          <a:p>
+            <a:pPr algn="ctr"/>
+            <a:r>
+              <a:rPr lang="en-US" smtClean="0">
+                <a:solidFill>
+                  <a:schemeClr val="bg1">
+                    <a:lumMod val="95000"/>
+                  </a:schemeClr>
+                </a:solidFill>
+                <a:latin typeface="Tahoma" charset="0"/>
+                <a:ea typeface="Tahoma" charset="0"/>
+                <a:cs typeface="Tahoma" charset="0"/>
+              </a:rPr>
+              <a:t>Next </a:t>
+            </a:r>
+            <a:r>
+              <a:rPr lang="en-US" smtClean="0">
+                <a:solidFill>
+                  <a:schemeClr val="bg1">
+                    <a:lumMod val="95000"/>
+                  </a:schemeClr>
+                </a:solidFill>
+                <a:latin typeface="Tahoma" charset="0"/>
+                <a:ea typeface="Tahoma" charset="0"/>
+                <a:cs typeface="Tahoma" charset="0"/>
+              </a:rPr>
+              <a:t>Steps</a:t>
+            </a:r>
+            <a:endParaRPr lang="en-US" dirty="0" smtClean="0">
               <a:solidFill>
-                <a:schemeClr val="bg1"/>
+                <a:schemeClr val="bg1">
+                  <a:lumMod val="95000"/>
+                </a:schemeClr>
               </a:solidFill>
+              <a:latin typeface="Tahoma" charset="0"/>
+              <a:ea typeface="Tahoma" charset="0"/>
+              <a:cs typeface="Tahoma" charset="0"/>
             </a:endParaRPr>
-          </a:p>
-          <a:p>
-            <a:pPr algn="l"/>
-            <a:r>
-              <a:rPr lang="en-US" sz="3200" dirty="0">
-                <a:solidFill>
-                  <a:schemeClr val="bg1"/>
-                </a:solidFill>
-              </a:rPr>
-              <a:t>To save your poster as an </a:t>
-            </a:r>
-            <a:r>
-              <a:rPr lang="en-US" sz="3200" b="1" dirty="0" smtClean="0">
-                <a:solidFill>
-                  <a:schemeClr val="bg1"/>
-                </a:solidFill>
-              </a:rPr>
-              <a:t>PNG</a:t>
-            </a:r>
-            <a:r>
-              <a:rPr lang="en-US" sz="3200" dirty="0" smtClean="0">
-                <a:solidFill>
-                  <a:schemeClr val="bg1"/>
-                </a:solidFill>
-              </a:rPr>
-              <a:t> image </a:t>
-            </a:r>
-            <a:r>
-              <a:rPr lang="en-US" sz="3200" dirty="0">
-                <a:solidFill>
-                  <a:schemeClr val="bg1"/>
-                </a:solidFill>
-              </a:rPr>
-              <a:t>for display on the Cube:</a:t>
-            </a:r>
-          </a:p>
-          <a:p>
-            <a:pPr marL="457200" indent="-457200" algn="l">
-              <a:buFont typeface="Arial" panose="020B0604020202020204" pitchFamily="34" charset="0"/>
-              <a:buChar char="•"/>
-            </a:pPr>
-            <a:r>
-              <a:rPr lang="en-US" sz="3200" dirty="0">
-                <a:solidFill>
-                  <a:schemeClr val="bg1"/>
-                </a:solidFill>
-              </a:rPr>
-              <a:t>Click </a:t>
-            </a:r>
-            <a:r>
-              <a:rPr lang="en-US" sz="3200" b="1" dirty="0">
-                <a:solidFill>
-                  <a:schemeClr val="bg1"/>
-                </a:solidFill>
-              </a:rPr>
-              <a:t>File &gt; Save As</a:t>
-            </a:r>
-          </a:p>
-          <a:p>
-            <a:pPr marL="457200" indent="-457200" algn="l">
-              <a:buFont typeface="Arial" panose="020B0604020202020204" pitchFamily="34" charset="0"/>
-              <a:buChar char="•"/>
-            </a:pPr>
-            <a:r>
-              <a:rPr lang="en-US" sz="3200" dirty="0">
-                <a:solidFill>
-                  <a:schemeClr val="bg1"/>
-                </a:solidFill>
-              </a:rPr>
-              <a:t>Select </a:t>
-            </a:r>
-            <a:r>
-              <a:rPr lang="en-US" sz="3200" b="1" dirty="0" smtClean="0">
-                <a:solidFill>
-                  <a:schemeClr val="bg1"/>
-                </a:solidFill>
-              </a:rPr>
-              <a:t>PNG </a:t>
-            </a:r>
-            <a:r>
-              <a:rPr lang="en-US" sz="3200" dirty="0">
-                <a:solidFill>
-                  <a:schemeClr val="bg1"/>
-                </a:solidFill>
-              </a:rPr>
-              <a:t>from the dropdown </a:t>
-            </a:r>
-            <a:r>
-              <a:rPr lang="en-US" sz="3200" b="1" dirty="0">
-                <a:solidFill>
-                  <a:schemeClr val="bg1"/>
-                </a:solidFill>
-              </a:rPr>
-              <a:t>Save as type </a:t>
-            </a:r>
-            <a:r>
-              <a:rPr lang="en-US" sz="3200" dirty="0">
-                <a:solidFill>
-                  <a:schemeClr val="bg1"/>
-                </a:solidFill>
-              </a:rPr>
-              <a:t>box</a:t>
-            </a:r>
-          </a:p>
-          <a:p>
-            <a:pPr marL="457200" indent="-457200" algn="l">
-              <a:buFont typeface="Arial" panose="020B0604020202020204" pitchFamily="34" charset="0"/>
-              <a:buChar char="•"/>
-            </a:pPr>
-            <a:r>
-              <a:rPr lang="en-US" sz="3200" dirty="0">
-                <a:solidFill>
-                  <a:schemeClr val="bg1"/>
-                </a:solidFill>
-              </a:rPr>
-              <a:t>Click </a:t>
-            </a:r>
-            <a:r>
-              <a:rPr lang="en-US" sz="3200" b="1" dirty="0">
-                <a:solidFill>
-                  <a:schemeClr val="bg1"/>
-                </a:solidFill>
-              </a:rPr>
-              <a:t>Save </a:t>
-            </a:r>
-            <a:r>
-              <a:rPr lang="en-US" sz="3200" dirty="0">
-                <a:solidFill>
-                  <a:schemeClr val="bg1"/>
-                </a:solidFill>
-              </a:rPr>
-              <a:t>and select </a:t>
-            </a:r>
-            <a:r>
-              <a:rPr lang="en-US" sz="3200" dirty="0" smtClean="0">
-                <a:solidFill>
-                  <a:schemeClr val="bg1"/>
-                </a:solidFill>
-              </a:rPr>
-              <a:t>“</a:t>
-            </a:r>
-            <a:r>
-              <a:rPr lang="en-US" sz="3200" b="1" dirty="0" smtClean="0">
-                <a:solidFill>
-                  <a:schemeClr val="bg1"/>
-                </a:solidFill>
-              </a:rPr>
-              <a:t>Just </a:t>
-            </a:r>
-            <a:r>
-              <a:rPr lang="en-US" sz="3200" b="1" dirty="0">
-                <a:solidFill>
-                  <a:schemeClr val="bg1"/>
-                </a:solidFill>
-              </a:rPr>
-              <a:t>This </a:t>
-            </a:r>
-            <a:r>
-              <a:rPr lang="en-US" sz="3200" b="1" dirty="0" smtClean="0">
-                <a:solidFill>
-                  <a:schemeClr val="bg1"/>
-                </a:solidFill>
-              </a:rPr>
-              <a:t>One”</a:t>
-            </a:r>
-            <a:r>
-              <a:rPr lang="en-US" sz="3200" dirty="0" smtClean="0">
-                <a:solidFill>
-                  <a:schemeClr val="bg1"/>
-                </a:solidFill>
-              </a:rPr>
-              <a:t> </a:t>
-            </a:r>
-            <a:r>
-              <a:rPr lang="en-US" sz="3200" dirty="0">
-                <a:solidFill>
-                  <a:schemeClr val="bg1"/>
-                </a:solidFill>
-              </a:rPr>
-              <a:t>when </a:t>
-            </a:r>
-            <a:r>
-              <a:rPr lang="en-US" sz="3200" dirty="0" smtClean="0">
-                <a:solidFill>
-                  <a:schemeClr val="bg1"/>
-                </a:solidFill>
-              </a:rPr>
-              <a:t>prompted</a:t>
-            </a:r>
-            <a:endParaRPr lang="en-US" sz="3200" dirty="0">
-              <a:solidFill>
-                <a:schemeClr val="bg1"/>
-              </a:solidFill>
-            </a:endParaRPr>
-          </a:p>
-          <a:p>
-            <a:pPr marL="457200" indent="-457200" algn="l">
-              <a:buFont typeface="Arial" panose="020B0604020202020204" pitchFamily="34" charset="0"/>
-              <a:buChar char="•"/>
-            </a:pPr>
-            <a:endParaRPr lang="en-US" sz="3200" dirty="0">
-              <a:solidFill>
-                <a:schemeClr val="bg1"/>
-              </a:solidFill>
-            </a:endParaRPr>
-          </a:p>
-          <a:p>
-            <a:pPr algn="l"/>
-            <a:r>
-              <a:rPr lang="en-US" sz="3200" dirty="0">
-                <a:solidFill>
-                  <a:schemeClr val="bg1"/>
-                </a:solidFill>
-              </a:rPr>
-              <a:t>Please keep a copy of your </a:t>
-            </a:r>
-            <a:r>
-              <a:rPr lang="en-US" sz="3200" dirty="0" smtClean="0">
-                <a:solidFill>
-                  <a:schemeClr val="bg1"/>
-                </a:solidFill>
-              </a:rPr>
-              <a:t>poster in the original format (eg PowerPoint) as </a:t>
-            </a:r>
-            <a:r>
-              <a:rPr lang="en-US" sz="3200" dirty="0">
-                <a:solidFill>
-                  <a:schemeClr val="bg1"/>
-                </a:solidFill>
-              </a:rPr>
-              <a:t>this will allow you to go back and edit your poster again if required</a:t>
-            </a:r>
-          </a:p>
-          <a:p>
-            <a:endParaRPr lang="en-US" sz="3200" dirty="0" smtClean="0">
-              <a:solidFill>
-                <a:schemeClr val="bg1"/>
-              </a:solidFill>
-            </a:endParaRPr>
-          </a:p>
-          <a:p>
-            <a:r>
-              <a:rPr lang="en-AU" sz="3200" dirty="0">
-                <a:solidFill>
-                  <a:schemeClr val="bg1"/>
-                </a:solidFill>
-              </a:rPr>
-              <a:t>Please </a:t>
-            </a:r>
-            <a:r>
-              <a:rPr lang="en-AU" sz="3200" dirty="0" smtClean="0">
-                <a:solidFill>
-                  <a:schemeClr val="bg1"/>
-                </a:solidFill>
-              </a:rPr>
-              <a:t>enter </a:t>
-            </a:r>
-            <a:r>
-              <a:rPr lang="en-AU" sz="3200" dirty="0">
-                <a:solidFill>
-                  <a:schemeClr val="bg1"/>
-                </a:solidFill>
-              </a:rPr>
-              <a:t>your poster content on the next slide</a:t>
-            </a:r>
-            <a:r>
-              <a:rPr lang="en-AU" sz="3200" b="1" dirty="0">
-                <a:solidFill>
-                  <a:schemeClr val="bg1"/>
-                </a:solidFill>
-              </a:rPr>
-              <a:t>.</a:t>
-            </a:r>
-          </a:p>
-          <a:p>
-            <a:pPr algn="l"/>
-            <a:endParaRPr lang="en-US" sz="3600" b="1" dirty="0"/>
-          </a:p>
-          <a:p>
-            <a:r>
-              <a:rPr lang="en-AU" sz="3600" b="1" dirty="0" smtClean="0">
-                <a:solidFill>
-                  <a:schemeClr val="bg1"/>
-                </a:solidFill>
-              </a:rPr>
-              <a:t>Please upload your final poster  (PNG and PDF) by Friday 9th June </a:t>
-            </a:r>
-            <a:r>
-              <a:rPr lang="en-AU" sz="3600" b="1" dirty="0">
-                <a:solidFill>
-                  <a:schemeClr val="bg1"/>
-                </a:solidFill>
-              </a:rPr>
-              <a:t>2017.</a:t>
-            </a:r>
-          </a:p>
-          <a:p>
-            <a:pPr algn="l"/>
-            <a:endParaRPr lang="en-AU" sz="2800" dirty="0"/>
-          </a:p>
-          <a:p>
-            <a:endParaRPr lang="en-AU" sz="2800" dirty="0"/>
-          </a:p>
-          <a:p>
-            <a:endParaRPr lang="en-AU" sz="2800" dirty="0"/>
           </a:p>
         </p:txBody>
       </p:sp>
     </p:spTree>
     <p:extLst>
       <p:ext uri="{BB962C8B-B14F-4D97-AF65-F5344CB8AC3E}">
-        <p14:creationId xmlns:p14="http://schemas.microsoft.com/office/powerpoint/2010/main" val="1142254548"/>
+        <p14:creationId xmlns:p14="http://schemas.microsoft.com/office/powerpoint/2010/main" val="395164963"/>
       </p:ext>
     </p:extLst>
   </p:cSld>
@@ -4755,16 +6129,6 @@
 <file path=ppt/slides/slide2.xml><?xml version="1.0" encoding="utf-8"?>
 <p:sld xmlns:a="http://schemas.openxmlformats.org/drawingml/2006/main" xmlns:r="http://schemas.openxmlformats.org/officeDocument/2006/relationships" xmlns:p="http://schemas.openxmlformats.org/presentationml/2006/main">
   <p:cSld>
-    <p:bg>
-      <p:bgPr>
-        <a:solidFill>
-          <a:schemeClr val="accent1">
-            <a:lumMod val="50000"/>
-          </a:schemeClr>
-        </a:solidFill>
-        <a:effectLst/>
-      </p:bgPr>
-    </p:bg>
     <p:spTree>
       <p:nvGrpSpPr>
         <p:cNvPr id="1" name=""/>
@@ -4779,495 +6143,366 @@
           <a:chExt cx="0" cy="0"/>
         </a:xfrm>
       </p:grpSpPr>
-      <p:sp>
-        <p:nvSpPr>
-          <p:cNvPr id="6" name="Rectangle 5"/>
-          <p:cNvSpPr/>
+      <p:pic>
+        <p:nvPicPr>
+          <p:cNvPr id="4" name="Picture 3"/>
+          <p:cNvPicPr>
+            <a:picLocks noChangeAspect="1"/>
+          </p:cNvPicPr>
           <p:nvPr/>
-        </p:nvSpPr>
+        </p:nvPicPr>
+        <p:blipFill rotWithShape="1">
+          <a:blip r:embed="rId2">
+            <a:extLst>
+              <a:ext uri="{28A0092B-C50C-407E-A947-70E740481C1C}">
+                <a14:useLocalDpi xmlns:a14="http://schemas.microsoft.com/office/drawing/2010/main" val="0"/>
+              </a:ext>
+            </a:extLst>
+          </a:blip>
+          <a:srcRect l="11490" t="35522"/>
+          <a:stretch/>
+        </p:blipFill>
         <p:spPr>
           <a:xfrm>
-            <a:off x="0" y="6553299"/>
-            <a:ext cx="10290174" cy="4154984"/>
+            <a:off x="680591" y="792659"/>
+            <a:ext cx="2808312" cy="1534356"/>
           </a:xfrm>
           <a:prstGeom prst="rect">
             <a:avLst/>
           </a:prstGeom>
         </p:spPr>
-        <p:txBody>
-          <a:bodyPr wrap="square">
-            <a:spAutoFit/>
-          </a:bodyPr>
-          <a:lstStyle/>
-          <a:p>
-            <a:pPr algn="ctr"/>
-            <a:r>
-              <a:rPr lang="en-US" sz="6600" dirty="0">
-                <a:solidFill>
-                  <a:schemeClr val="bg1"/>
-                </a:solidFill>
-                <a:latin typeface="Meiryo UI" panose="020B0604030504040204" pitchFamily="34" charset="-128"/>
-                <a:ea typeface="Meiryo UI" panose="020B0604030504040204" pitchFamily="34" charset="-128"/>
-              </a:rPr>
-              <a:t>Usable Area</a:t>
-            </a:r>
-          </a:p>
-          <a:p>
-            <a:pPr algn="ctr"/>
-            <a:endParaRPr lang="en-US" sz="6600" dirty="0">
-              <a:solidFill>
-                <a:schemeClr val="bg1"/>
-              </a:solidFill>
-              <a:latin typeface="Meiryo UI" panose="020B0604030504040204" pitchFamily="34" charset="-128"/>
-              <a:ea typeface="Meiryo UI" panose="020B0604030504040204" pitchFamily="34" charset="-128"/>
-            </a:endParaRPr>
-          </a:p>
-          <a:p>
-            <a:pPr algn="ctr"/>
-            <a:r>
-              <a:rPr lang="en-US" sz="6600" dirty="0">
-                <a:solidFill>
-                  <a:schemeClr val="bg1"/>
-                </a:solidFill>
-                <a:latin typeface="Meiryo UI" panose="020B0604030504040204" pitchFamily="34" charset="-128"/>
-                <a:ea typeface="Meiryo UI" panose="020B0604030504040204" pitchFamily="34" charset="-128"/>
-              </a:rPr>
-              <a:t>Enter poster content here.</a:t>
-            </a:r>
-          </a:p>
-        </p:txBody>
-      </p:sp>
-      <p:sp>
-        <p:nvSpPr>
-          <p:cNvPr id="7" name="TextBox 6"/>
-          <p:cNvSpPr txBox="1"/>
+      </p:pic>
+      <p:pic>
+        <p:nvPicPr>
+          <p:cNvPr id="5" name="Picture 4"/>
+          <p:cNvPicPr>
+            <a:picLocks noChangeAspect="1"/>
+          </p:cNvPicPr>
           <p:nvPr/>
-        </p:nvSpPr>
+        </p:nvPicPr>
+        <p:blipFill>
+          <a:blip r:embed="rId3">
+            <a:extLst>
+              <a:ext uri="{28A0092B-C50C-407E-A947-70E740481C1C}">
+                <a14:useLocalDpi xmlns:a14="http://schemas.microsoft.com/office/drawing/2010/main" val="0"/>
+              </a:ext>
+            </a:extLst>
+          </a:blip>
+          <a:stretch>
+            <a:fillRect/>
+          </a:stretch>
+        </p:blipFill>
         <p:spPr>
           <a:xfrm>
-            <a:off x="8625343" y="0"/>
-            <a:ext cx="1688704" cy="1446550"/>
+            <a:off x="5649143" y="1152699"/>
+            <a:ext cx="3252964" cy="2520280"/>
           </a:xfrm>
           <a:prstGeom prst="rect">
             <a:avLst/>
           </a:prstGeom>
-          <a:solidFill>
-            <a:schemeClr val="bg1">
-              <a:lumMod val="85000"/>
-            </a:schemeClr>
-          </a:solidFill>
-        </p:spPr>
-        <p:txBody>
-          <a:bodyPr wrap="square" rtlCol="0">
-            <a:spAutoFit/>
-          </a:bodyPr>
-          <a:lstStyle/>
-          <a:p>
-            <a:pPr algn="ctr"/>
-            <a:endParaRPr lang="en-AU" sz="2800" dirty="0" smtClean="0"/>
-          </a:p>
-          <a:p>
-            <a:pPr algn="ctr"/>
-            <a:r>
-              <a:rPr lang="en-AU" sz="3200" b="1" dirty="0" smtClean="0"/>
-              <a:t>115</a:t>
-            </a:r>
-          </a:p>
-          <a:p>
-            <a:pPr algn="ctr"/>
-            <a:endParaRPr lang="en-AU" sz="2800" dirty="0" smtClean="0">
-              <a:solidFill>
-                <a:schemeClr val="bg1"/>
-              </a:solidFill>
-            </a:endParaRPr>
-          </a:p>
-        </p:txBody>
-      </p:sp>
-      <p:sp>
-        <p:nvSpPr>
-          <p:cNvPr id="2" name="Rectangle 1"/>
-          <p:cNvSpPr/>
+        </p:spPr>
+      </p:pic>
+      <p:pic>
+        <p:nvPicPr>
+          <p:cNvPr id="6" name="Picture 5"/>
+          <p:cNvPicPr>
+            <a:picLocks noChangeAspect="1"/>
+          </p:cNvPicPr>
           <p:nvPr/>
-        </p:nvSpPr>
+        </p:nvPicPr>
+        <p:blipFill>
+          <a:blip r:embed="rId4">
+            <a:extLst>
+              <a:ext uri="{28A0092B-C50C-407E-A947-70E740481C1C}">
+                <a14:useLocalDpi xmlns:a14="http://schemas.microsoft.com/office/drawing/2010/main" val="0"/>
+              </a:ext>
+            </a:extLst>
+          </a:blip>
+          <a:stretch>
+            <a:fillRect/>
+          </a:stretch>
+        </p:blipFill>
         <p:spPr>
           <a:xfrm>
-            <a:off x="248543" y="10153699"/>
-            <a:ext cx="4752528" cy="4985980"/>
+            <a:off x="5649143" y="4465067"/>
+            <a:ext cx="3888432" cy="2447540"/>
           </a:xfrm>
           <a:prstGeom prst="rect">
             <a:avLst/>
           </a:prstGeom>
-          <a:ln>
-            <a:solidFill>
-              <a:schemeClr val="bg1"/>
-            </a:solidFill>
-          </a:ln>
-        </p:spPr>
-        <p:txBody>
-          <a:bodyPr wrap="square">
-            <a:spAutoFit/>
-          </a:bodyPr>
-          <a:lstStyle/>
-          <a:p>
-            <a:r>
-              <a:rPr lang="en-US" b="1" dirty="0" smtClean="0">
-                <a:solidFill>
-                  <a:schemeClr val="bg1"/>
-                </a:solidFill>
-              </a:rPr>
-              <a:t>Recommended Font Sizes:</a:t>
-            </a:r>
-            <a:r>
-              <a:rPr lang="en-US" dirty="0" smtClean="0">
-                <a:solidFill>
-                  <a:schemeClr val="bg1"/>
-                </a:solidFill>
-              </a:rPr>
-              <a:t/>
-            </a:r>
-            <a:br>
-              <a:rPr lang="en-US" dirty="0" smtClean="0">
-                <a:solidFill>
-                  <a:schemeClr val="bg1"/>
-                </a:solidFill>
-              </a:rPr>
-            </a:br>
-            <a:r>
-              <a:rPr lang="en-US" sz="6000" dirty="0" smtClean="0">
-                <a:solidFill>
-                  <a:schemeClr val="bg1"/>
-                </a:solidFill>
-              </a:rPr>
-              <a:t>Title: 60min – 80max</a:t>
-            </a:r>
-            <a:br>
-              <a:rPr lang="en-US" sz="6000" dirty="0" smtClean="0">
-                <a:solidFill>
-                  <a:schemeClr val="bg1"/>
-                </a:solidFill>
-              </a:rPr>
-            </a:br>
-            <a:r>
-              <a:rPr lang="en-US" dirty="0" smtClean="0">
-                <a:solidFill>
-                  <a:schemeClr val="bg1"/>
-                </a:solidFill>
-              </a:rPr>
-              <a:t>Header 1</a:t>
-            </a:r>
-          </a:p>
-          <a:p>
-            <a:r>
-              <a:rPr lang="en-US" sz="2800" dirty="0" smtClean="0">
-                <a:solidFill>
-                  <a:schemeClr val="bg1"/>
-                </a:solidFill>
-              </a:rPr>
-              <a:t>Header 2</a:t>
-            </a:r>
-          </a:p>
-          <a:p>
-            <a:r>
-              <a:rPr lang="en-US" sz="2200" dirty="0" smtClean="0">
-                <a:solidFill>
-                  <a:schemeClr val="bg1"/>
-                </a:solidFill>
-              </a:rPr>
-              <a:t>Body </a:t>
-            </a:r>
-            <a:r>
-              <a:rPr lang="en-US" sz="2200" dirty="0">
-                <a:solidFill>
-                  <a:schemeClr val="bg1"/>
-                </a:solidFill>
-              </a:rPr>
-              <a:t>Text : 22min – 32max (for best effect) </a:t>
-            </a:r>
-          </a:p>
-          <a:p>
-            <a:r>
-              <a:rPr lang="en-US" sz="1800" dirty="0">
-                <a:solidFill>
-                  <a:schemeClr val="bg1"/>
-                </a:solidFill>
-              </a:rPr>
-              <a:t>                   : 18 absolute min – 40 absolute max</a:t>
-            </a:r>
-          </a:p>
-        </p:txBody>
-      </p:sp>
-      <p:sp>
-        <p:nvSpPr>
-          <p:cNvPr id="8" name="Rectangle 7"/>
-          <p:cNvSpPr/>
+        </p:spPr>
+      </p:pic>
+      <p:pic>
+        <p:nvPicPr>
+          <p:cNvPr id="7" name="Picture 6"/>
+          <p:cNvPicPr>
+            <a:picLocks noChangeAspect="1"/>
+          </p:cNvPicPr>
           <p:nvPr/>
-        </p:nvSpPr>
+        </p:nvPicPr>
+        <p:blipFill>
+          <a:blip r:embed="rId5">
+            <a:extLst>
+              <a:ext uri="{28A0092B-C50C-407E-A947-70E740481C1C}">
+                <a14:useLocalDpi xmlns:a14="http://schemas.microsoft.com/office/drawing/2010/main" val="0"/>
+              </a:ext>
+            </a:extLst>
+          </a:blip>
+          <a:stretch>
+            <a:fillRect/>
+          </a:stretch>
+        </p:blipFill>
         <p:spPr>
           <a:xfrm>
-            <a:off x="5289103" y="10153699"/>
-            <a:ext cx="4752528" cy="4893647"/>
+            <a:off x="281828" y="2952899"/>
+            <a:ext cx="1398588" cy="508577"/>
           </a:xfrm>
           <a:prstGeom prst="rect">
             <a:avLst/>
           </a:prstGeom>
+        </p:spPr>
+      </p:pic>
+      <p:pic>
+        <p:nvPicPr>
+          <p:cNvPr id="8" name="Picture 7"/>
+          <p:cNvPicPr>
+            <a:picLocks noChangeAspect="1"/>
+          </p:cNvPicPr>
+          <p:nvPr/>
+        </p:nvPicPr>
+        <p:blipFill>
+          <a:blip r:embed="rId6">
+            <a:extLst>
+              <a:ext uri="{28A0092B-C50C-407E-A947-70E740481C1C}">
+                <a14:useLocalDpi xmlns:a14="http://schemas.microsoft.com/office/drawing/2010/main" val="0"/>
+              </a:ext>
+            </a:extLst>
+          </a:blip>
+          <a:stretch>
+            <a:fillRect/>
+          </a:stretch>
+        </p:blipFill>
+        <p:spPr>
+          <a:xfrm>
+            <a:off x="1938012" y="4177035"/>
+            <a:ext cx="1130300" cy="317500"/>
+          </a:xfrm>
+          <a:prstGeom prst="rect">
+            <a:avLst/>
+          </a:prstGeom>
+        </p:spPr>
+      </p:pic>
+      <p:pic>
+        <p:nvPicPr>
+          <p:cNvPr id="9" name="Picture 8"/>
+          <p:cNvPicPr>
+            <a:picLocks noChangeAspect="1"/>
+          </p:cNvPicPr>
+          <p:nvPr/>
+        </p:nvPicPr>
+        <p:blipFill rotWithShape="1">
+          <a:blip r:embed="rId7">
+            <a:extLst>
+              <a:ext uri="{28A0092B-C50C-407E-A947-70E740481C1C}">
+                <a14:useLocalDpi xmlns:a14="http://schemas.microsoft.com/office/drawing/2010/main" val="0"/>
+              </a:ext>
+            </a:extLst>
+          </a:blip>
+          <a:srcRect r="73359" b="5290"/>
+          <a:stretch/>
+        </p:blipFill>
+        <p:spPr>
+          <a:xfrm>
+            <a:off x="-16696" y="3600971"/>
+            <a:ext cx="1845341" cy="1381819"/>
+          </a:xfrm>
+          <a:prstGeom prst="rect">
+            <a:avLst/>
+          </a:prstGeom>
+        </p:spPr>
+      </p:pic>
+      <p:pic>
+        <p:nvPicPr>
+          <p:cNvPr id="10" name="Picture 9"/>
+          <p:cNvPicPr>
+            <a:picLocks noChangeAspect="1"/>
+          </p:cNvPicPr>
+          <p:nvPr/>
+        </p:nvPicPr>
+        <p:blipFill>
+          <a:blip r:embed="rId8">
+            <a:extLst>
+              <a:ext uri="{28A0092B-C50C-407E-A947-70E740481C1C}">
+                <a14:useLocalDpi xmlns:a14="http://schemas.microsoft.com/office/drawing/2010/main" val="0"/>
+              </a:ext>
+            </a:extLst>
+          </a:blip>
+          <a:stretch>
+            <a:fillRect/>
+          </a:stretch>
+        </p:blipFill>
+        <p:spPr>
+          <a:xfrm>
+            <a:off x="3234156" y="3961011"/>
+            <a:ext cx="1369889" cy="1369889"/>
+          </a:xfrm>
+          <a:prstGeom prst="rect">
+            <a:avLst/>
+          </a:prstGeom>
+        </p:spPr>
+      </p:pic>
+      <p:pic>
+        <p:nvPicPr>
+          <p:cNvPr id="11" name="Picture 10"/>
+          <p:cNvPicPr>
+            <a:picLocks noChangeAspect="1"/>
+          </p:cNvPicPr>
+          <p:nvPr/>
+        </p:nvPicPr>
+        <p:blipFill>
+          <a:blip r:embed="rId9">
+            <a:extLst>
+              <a:ext uri="{28A0092B-C50C-407E-A947-70E740481C1C}">
+                <a14:useLocalDpi xmlns:a14="http://schemas.microsoft.com/office/drawing/2010/main" val="0"/>
+              </a:ext>
+            </a:extLst>
+          </a:blip>
+          <a:stretch>
+            <a:fillRect/>
+          </a:stretch>
+        </p:blipFill>
+        <p:spPr>
+          <a:xfrm>
+            <a:off x="3882228" y="3456955"/>
+            <a:ext cx="720080" cy="472032"/>
+          </a:xfrm>
+          <a:prstGeom prst="rect">
+            <a:avLst/>
+          </a:prstGeom>
+        </p:spPr>
+      </p:pic>
+      <p:pic>
+        <p:nvPicPr>
+          <p:cNvPr id="12" name="Picture 11"/>
+          <p:cNvPicPr>
+            <a:picLocks noChangeAspect="1"/>
+          </p:cNvPicPr>
+          <p:nvPr/>
+        </p:nvPicPr>
+        <p:blipFill>
+          <a:blip r:embed="rId10">
+            <a:extLst>
+              <a:ext uri="{28A0092B-C50C-407E-A947-70E740481C1C}">
+                <a14:useLocalDpi xmlns:a14="http://schemas.microsoft.com/office/drawing/2010/main" val="0"/>
+              </a:ext>
+            </a:extLst>
+          </a:blip>
+          <a:stretch>
+            <a:fillRect/>
+          </a:stretch>
+        </p:blipFill>
+        <p:spPr>
+          <a:xfrm>
+            <a:off x="1938012" y="3240931"/>
+            <a:ext cx="1292175" cy="744522"/>
+          </a:xfrm>
+          <a:prstGeom prst="rect">
+            <a:avLst/>
+          </a:prstGeom>
+        </p:spPr>
+      </p:pic>
+      <p:sp>
+        <p:nvSpPr>
+          <p:cNvPr id="13" name="TextBox 12"/>
+          <p:cNvSpPr txBox="1"/>
+          <p:nvPr/>
+        </p:nvSpPr>
+        <p:spPr>
+          <a:xfrm>
+            <a:off x="1505964" y="4609083"/>
+            <a:ext cx="1609627" cy="307777"/>
+          </a:xfrm>
+          <a:prstGeom prst="rect">
+            <a:avLst/>
+          </a:prstGeom>
+          <a:noFill/>
           <a:ln>
-            <a:solidFill>
-              <a:schemeClr val="bg1"/>
-            </a:solidFill>
+            <a:noFill/>
           </a:ln>
         </p:spPr>
         <p:txBody>
-          <a:bodyPr wrap="square">
+          <a:bodyPr wrap="square" lIns="0" tIns="0" rIns="0" bIns="0" rtlCol="0">
             <a:spAutoFit/>
           </a:bodyPr>
           <a:lstStyle/>
           <a:p>
             <a:r>
-              <a:rPr lang="en-US" b="1" dirty="0" smtClean="0">
-                <a:solidFill>
-                  <a:schemeClr val="bg1"/>
-                </a:solidFill>
-              </a:rPr>
-              <a:t>Recommended Font Sizes:</a:t>
-            </a:r>
-            <a:r>
-              <a:rPr lang="en-US" dirty="0" smtClean="0">
-                <a:solidFill>
-                  <a:schemeClr val="bg1"/>
-                </a:solidFill>
-              </a:rPr>
-              <a:t/>
-            </a:r>
-            <a:br>
-              <a:rPr lang="en-US" dirty="0" smtClean="0">
-                <a:solidFill>
-                  <a:schemeClr val="bg1"/>
-                </a:solidFill>
-              </a:rPr>
-            </a:br>
-            <a:r>
-              <a:rPr lang="en-US" sz="6000" dirty="0" smtClean="0">
-                <a:solidFill>
-                  <a:schemeClr val="bg1"/>
-                </a:solidFill>
-                <a:latin typeface="Corbel" charset="0"/>
-                <a:ea typeface="Corbel" charset="0"/>
-                <a:cs typeface="Corbel" charset="0"/>
-              </a:rPr>
-              <a:t>Title:</a:t>
-            </a:r>
-            <a:r>
-              <a:rPr lang="en-US" sz="6000" b="1" dirty="0" smtClean="0">
-                <a:solidFill>
-                  <a:schemeClr val="bg1"/>
-                </a:solidFill>
-                <a:latin typeface="Corbel" charset="0"/>
-                <a:ea typeface="Corbel" charset="0"/>
-                <a:cs typeface="Corbel" charset="0"/>
-              </a:rPr>
-              <a:t> 60min</a:t>
-            </a:r>
-            <a:r>
-              <a:rPr lang="en-US" sz="6000" dirty="0" smtClean="0">
-                <a:solidFill>
-                  <a:schemeClr val="bg1"/>
-                </a:solidFill>
-                <a:latin typeface="Corbel" charset="0"/>
-                <a:ea typeface="Corbel" charset="0"/>
-                <a:cs typeface="Corbel" charset="0"/>
-              </a:rPr>
-              <a:t> – 80max</a:t>
-            </a:r>
-            <a:br>
-              <a:rPr lang="en-US" sz="6000" dirty="0" smtClean="0">
-                <a:solidFill>
-                  <a:schemeClr val="bg1"/>
-                </a:solidFill>
-                <a:latin typeface="Corbel" charset="0"/>
-                <a:ea typeface="Corbel" charset="0"/>
-                <a:cs typeface="Corbel" charset="0"/>
-              </a:rPr>
-            </a:br>
-            <a:r>
-              <a:rPr lang="en-US" dirty="0" smtClean="0">
-                <a:solidFill>
-                  <a:schemeClr val="bg1"/>
-                </a:solidFill>
-                <a:latin typeface="Corbel" charset="0"/>
-                <a:ea typeface="Corbel" charset="0"/>
-                <a:cs typeface="Corbel" charset="0"/>
-              </a:rPr>
-              <a:t>Header 1 (</a:t>
-            </a:r>
-            <a:r>
-              <a:rPr lang="en-US" b="1" dirty="0" smtClean="0">
-                <a:solidFill>
-                  <a:schemeClr val="bg1"/>
-                </a:solidFill>
-                <a:latin typeface="Corbel" charset="0"/>
-                <a:ea typeface="Corbel" charset="0"/>
-                <a:cs typeface="Corbel" charset="0"/>
-              </a:rPr>
-              <a:t>36</a:t>
-            </a:r>
-            <a:r>
-              <a:rPr lang="en-US" dirty="0" smtClean="0">
-                <a:solidFill>
-                  <a:schemeClr val="bg1"/>
-                </a:solidFill>
-                <a:latin typeface="Corbel" charset="0"/>
-                <a:ea typeface="Corbel" charset="0"/>
-                <a:cs typeface="Corbel" charset="0"/>
-              </a:rPr>
-              <a:t>)</a:t>
-            </a:r>
-          </a:p>
-          <a:p>
-            <a:r>
-              <a:rPr lang="en-US" sz="2800" dirty="0" smtClean="0">
-                <a:solidFill>
-                  <a:schemeClr val="bg1"/>
-                </a:solidFill>
-                <a:latin typeface="Corbel" charset="0"/>
-                <a:ea typeface="Corbel" charset="0"/>
-                <a:cs typeface="Corbel" charset="0"/>
-              </a:rPr>
-              <a:t>Header 2 (</a:t>
-            </a:r>
-            <a:r>
-              <a:rPr lang="en-US" sz="2800" b="1" dirty="0" smtClean="0">
-                <a:solidFill>
-                  <a:schemeClr val="bg1"/>
-                </a:solidFill>
-                <a:latin typeface="Corbel" charset="0"/>
-                <a:ea typeface="Corbel" charset="0"/>
-                <a:cs typeface="Corbel" charset="0"/>
-              </a:rPr>
-              <a:t>36</a:t>
-            </a:r>
-            <a:r>
-              <a:rPr lang="en-US" sz="2800" dirty="0" smtClean="0">
-                <a:solidFill>
-                  <a:schemeClr val="bg1"/>
-                </a:solidFill>
-                <a:latin typeface="Corbel" charset="0"/>
-                <a:ea typeface="Corbel" charset="0"/>
-                <a:cs typeface="Corbel" charset="0"/>
-              </a:rPr>
-              <a:t>)</a:t>
-            </a:r>
-          </a:p>
-          <a:p>
-            <a:r>
-              <a:rPr lang="en-US" sz="2000" dirty="0" smtClean="0">
-                <a:solidFill>
-                  <a:schemeClr val="bg1"/>
-                </a:solidFill>
+              <a:rPr lang="en-US" sz="2000" dirty="0" err="1" smtClean="0">
                 <a:latin typeface="Tahoma" charset="0"/>
                 <a:ea typeface="Tahoma" charset="0"/>
                 <a:cs typeface="Tahoma" charset="0"/>
               </a:rPr>
-              <a:t>Body </a:t>
-            </a:r>
-            <a:r>
-              <a:rPr lang="en-US" sz="2000" dirty="0">
-                <a:solidFill>
-                  <a:schemeClr val="bg1"/>
-                </a:solidFill>
+              <a:t>ImageMagick</a:t>
+            </a:r>
+            <a:endParaRPr lang="en-US" sz="2000" dirty="0">
+              <a:latin typeface="Tahoma" charset="0"/>
+              <a:ea typeface="Tahoma" charset="0"/>
+              <a:cs typeface="Tahoma" charset="0"/>
+            </a:endParaRPr>
+          </a:p>
+        </p:txBody>
+      </p:sp>
+      <p:sp>
+        <p:nvSpPr>
+          <p:cNvPr id="14" name="TextBox 13"/>
+          <p:cNvSpPr txBox="1"/>
+          <p:nvPr/>
+        </p:nvSpPr>
+        <p:spPr>
+          <a:xfrm>
+            <a:off x="3522188" y="2952899"/>
+            <a:ext cx="1025179" cy="307777"/>
+          </a:xfrm>
+          <a:prstGeom prst="rect">
+            <a:avLst/>
+          </a:prstGeom>
+          <a:noFill/>
+          <a:ln>
+            <a:noFill/>
+          </a:ln>
+        </p:spPr>
+        <p:txBody>
+          <a:bodyPr wrap="square" lIns="0" tIns="0" rIns="0" bIns="0" rtlCol="0">
+            <a:spAutoFit/>
+          </a:bodyPr>
+          <a:lstStyle/>
+          <a:p>
+            <a:r>
+              <a:rPr lang="en-US" sz="2000" dirty="0" err="1" smtClean="0">
                 <a:latin typeface="Tahoma" charset="0"/>
                 <a:ea typeface="Tahoma" charset="0"/>
                 <a:cs typeface="Tahoma" charset="0"/>
               </a:rPr>
-              <a:t>Text : </a:t>
-            </a:r>
-            <a:r>
-              <a:rPr lang="en-US" sz="2000" b="1" dirty="0" smtClean="0">
-                <a:solidFill>
-                  <a:schemeClr val="bg1"/>
-                </a:solidFill>
-                <a:latin typeface="Tahoma" charset="0"/>
-                <a:ea typeface="Tahoma" charset="0"/>
-                <a:cs typeface="Tahoma" charset="0"/>
-              </a:rPr>
-              <a:t>20min</a:t>
-            </a:r>
-            <a:r>
-              <a:rPr lang="en-US" sz="2000" dirty="0" smtClean="0">
-                <a:solidFill>
-                  <a:schemeClr val="bg1"/>
-                </a:solidFill>
-                <a:latin typeface="Tahoma" charset="0"/>
-                <a:ea typeface="Tahoma" charset="0"/>
-                <a:cs typeface="Tahoma" charset="0"/>
-              </a:rPr>
-              <a:t> </a:t>
-            </a:r>
-            <a:r>
-              <a:rPr lang="en-US" sz="2000" dirty="0">
-                <a:solidFill>
-                  <a:schemeClr val="bg1"/>
-                </a:solidFill>
-                <a:latin typeface="Tahoma" charset="0"/>
-                <a:ea typeface="Tahoma" charset="0"/>
-                <a:cs typeface="Tahoma" charset="0"/>
-              </a:rPr>
-              <a:t>– 32max (for best effect) </a:t>
-            </a:r>
-          </a:p>
-          <a:p>
-            <a:r>
-              <a:rPr lang="en-US" sz="1600" dirty="0">
-                <a:solidFill>
-                  <a:schemeClr val="bg1"/>
-                </a:solidFill>
-                <a:latin typeface="Tahoma" charset="0"/>
-                <a:ea typeface="Tahoma" charset="0"/>
-                <a:cs typeface="Tahoma" charset="0"/>
-              </a:rPr>
-              <a:t>                   : </a:t>
-            </a:r>
-            <a:r>
-              <a:rPr lang="en-US" sz="1600" b="1" dirty="0" smtClean="0">
-                <a:solidFill>
-                  <a:schemeClr val="bg1"/>
-                </a:solidFill>
-                <a:latin typeface="Tahoma" charset="0"/>
-                <a:ea typeface="Tahoma" charset="0"/>
-                <a:cs typeface="Tahoma" charset="0"/>
-              </a:rPr>
-              <a:t>16 </a:t>
-            </a:r>
-            <a:r>
-              <a:rPr lang="en-US" sz="1600" dirty="0">
-                <a:solidFill>
-                  <a:schemeClr val="bg1"/>
-                </a:solidFill>
-                <a:latin typeface="Tahoma" charset="0"/>
-                <a:ea typeface="Tahoma" charset="0"/>
-                <a:cs typeface="Tahoma" charset="0"/>
-              </a:rPr>
-              <a:t>absolute min – 40 absolute max</a:t>
-            </a:r>
+              <a:t>Kakadu</a:t>
+            </a:r>
+            <a:endParaRPr lang="en-US" sz="2000" dirty="0">
+              <a:latin typeface="Tahoma" charset="0"/>
+              <a:ea typeface="Tahoma" charset="0"/>
+              <a:cs typeface="Tahoma" charset="0"/>
+            </a:endParaRPr>
           </a:p>
         </p:txBody>
       </p:sp>
     </p:spTree>
     <p:extLst>
       <p:ext uri="{BB962C8B-B14F-4D97-AF65-F5344CB8AC3E}">
-        <p14:creationId xmlns:p14="http://schemas.microsoft.com/office/powerpoint/2010/main" val="1085673973"/>
+        <p14:creationId xmlns:p14="http://schemas.microsoft.com/office/powerpoint/2010/main" val="673559917"/>
       </p:ext>
     </p:extLst>
   </p:cSld>
   <p:clrMapOvr>
     <a:masterClrMapping/>
   </p:clrMapOvr>
-  <p:timing>
-    <p:tnLst>
-      <p:par>
-        <p:cTn id="1" dur="indefinite" restart="never" nodeType="tmRoot"/>
-      </p:par>
-    </p:tnLst>
-  </p:timing>
 </p:sld>
 </file>
 
@@ -5300,43 +6535,44 @@
       </p:grpSpPr>
       <p:sp>
         <p:nvSpPr>
-          <p:cNvPr id="7" name="TextBox 6"/>
-          <p:cNvSpPr txBox="1"/>
-          <p:nvPr/>
+          <p:cNvPr id="2" name="Title 1"/>
+          <p:cNvSpPr>
+            <a:spLocks noGrp="1"/>
+          </p:cNvSpPr>
+          <p:nvPr>
+            <p:ph type="ctrTitle"/>
+          </p:nvPr>
         </p:nvSpPr>
         <p:spPr>
           <a:xfrm>
-            <a:off x="8625343" y="0"/>
-            <a:ext cx="1688704" cy="1446550"/>
-          </a:xfrm>
-          <a:prstGeom prst="rect">
-            <a:avLst/>
-          </a:prstGeom>
-          <a:solidFill>
-            <a:schemeClr val="bg1">
-              <a:lumMod val="85000"/>
-            </a:schemeClr>
-          </a:solidFill>
-        </p:spPr>
-        <p:txBody>
-          <a:bodyPr wrap="square" rtlCol="0">
-            <a:spAutoFit/>
+            <a:off x="2480791" y="79828"/>
+            <a:ext cx="6408712" cy="2088232"/>
+          </a:xfrm>
+        </p:spPr>
+        <p:txBody>
+          <a:bodyPr>
+            <a:noAutofit/>
           </a:bodyPr>
           <a:lstStyle/>
           <a:p>
-            <a:pPr algn="ctr"/>
-            <a:endParaRPr lang="en-AU" sz="2800" dirty="0" smtClean="0"/>
-          </a:p>
-          <a:p>
-            <a:pPr algn="ctr"/>
-            <a:r>
-              <a:rPr lang="en-AU" sz="3200" b="1" dirty="0" smtClean="0"/>
-              <a:t>115</a:t>
-            </a:r>
-          </a:p>
-          <a:p>
-            <a:pPr algn="ctr"/>
-            <a:endParaRPr lang="en-AU" sz="2800" dirty="0" smtClean="0">
+            <a:pPr algn="l"/>
+            <a:r>
+              <a:rPr lang="en-AU" sz="6600" dirty="0">
+                <a:solidFill>
+                  <a:schemeClr val="bg1"/>
+                </a:solidFill>
+              </a:rPr>
+              <a:t>Poster T</a:t>
+            </a:r>
+            <a:r>
+              <a:rPr lang="en-AU" sz="6600" dirty="0" smtClean="0">
+                <a:solidFill>
+                  <a:schemeClr val="bg1"/>
+                </a:solidFill>
+              </a:rPr>
+              <a:t>emplate</a:t>
+            </a:r>
+            <a:endParaRPr lang="en-AU" sz="6600" dirty="0">
               <a:solidFill>
                 <a:schemeClr val="bg1"/>
               </a:solidFill>
@@ -5346,727 +6582,592 @@
       </p:sp>
       <p:sp>
         <p:nvSpPr>
-          <p:cNvPr id="3" name="TextBox 2"/>
-          <p:cNvSpPr txBox="1"/>
-          <p:nvPr/>
+          <p:cNvPr id="3" name="Subtitle 2"/>
+          <p:cNvSpPr>
+            <a:spLocks noGrp="1"/>
+          </p:cNvSpPr>
+          <p:nvPr>
+            <p:ph type="subTitle" idx="1"/>
+          </p:nvPr>
         </p:nvSpPr>
         <p:spPr>
           <a:xfrm>
-            <a:off x="248543" y="13970123"/>
-            <a:ext cx="9793088" cy="4093428"/>
-          </a:xfrm>
-          <a:prstGeom prst="rect">
-            <a:avLst/>
-          </a:prstGeom>
-          <a:noFill/>
-          <a:ln>
-            <a:solidFill>
-              <a:schemeClr val="bg1"/>
-            </a:solidFill>
-          </a:ln>
-        </p:spPr>
-        <p:txBody>
-          <a:bodyPr wrap="square" rtlCol="0">
-            <a:spAutoFit/>
+            <a:off x="248543" y="1756868"/>
+            <a:ext cx="9793088" cy="16561840"/>
+          </a:xfrm>
+        </p:spPr>
+        <p:txBody>
+          <a:bodyPr>
+            <a:normAutofit fontScale="85000" lnSpcReduction="10000"/>
           </a:bodyPr>
           <a:lstStyle/>
           <a:p>
-            <a:r>
-              <a:rPr lang="en-US" sz="8000" dirty="0">
-                <a:solidFill>
-                  <a:schemeClr val="bg1"/>
-                </a:solidFill>
-              </a:rPr>
-              <a:t>Charon:</a:t>
-            </a:r>
-            <a:r>
-              <a:rPr lang="en-US" sz="6000" dirty="0">
-                <a:solidFill>
-                  <a:schemeClr val="bg1"/>
-                </a:solidFill>
-              </a:rPr>
-              <a:t> </a:t>
-            </a:r>
-            <a:endParaRPr lang="en-US" sz="6000" dirty="0" smtClean="0">
+            <a:pPr algn="l"/>
+            <a:r>
+              <a:rPr lang="en-US" sz="3200" b="1" dirty="0">
+                <a:solidFill>
+                  <a:schemeClr val="bg1"/>
+                </a:solidFill>
+              </a:rPr>
+              <a:t>IMPORTANT: </a:t>
+            </a:r>
+          </a:p>
+          <a:p>
+            <a:pPr marL="457200" indent="-457200" algn="l">
+              <a:buFont typeface="Arial" panose="020B0604020202020204" pitchFamily="34" charset="0"/>
+              <a:buChar char="•"/>
+            </a:pPr>
+            <a:r>
+              <a:rPr lang="en-US" sz="3200" b="1" dirty="0">
+                <a:solidFill>
+                  <a:schemeClr val="bg1"/>
+                </a:solidFill>
+              </a:rPr>
+              <a:t>This slide has been configured for the screens that will be used to display your poster. </a:t>
+            </a:r>
+          </a:p>
+          <a:p>
+            <a:pPr marL="457200" indent="-457200" algn="l">
+              <a:buFont typeface="Arial" panose="020B0604020202020204" pitchFamily="34" charset="0"/>
+              <a:buChar char="•"/>
+            </a:pPr>
+            <a:r>
+              <a:rPr lang="en-US" sz="3200" b="1" dirty="0">
+                <a:solidFill>
+                  <a:schemeClr val="bg1"/>
+                </a:solidFill>
+              </a:rPr>
+              <a:t>Original template dimensions are 28.584cm x 50.809cm</a:t>
+            </a:r>
+          </a:p>
+          <a:p>
+            <a:pPr marL="457200" indent="-457200" algn="l">
+              <a:buFont typeface="Arial" panose="020B0604020202020204" pitchFamily="34" charset="0"/>
+              <a:buChar char="•"/>
+            </a:pPr>
+            <a:r>
+              <a:rPr lang="en-US" sz="3200" b="1" dirty="0">
+                <a:solidFill>
+                  <a:schemeClr val="bg1"/>
+                </a:solidFill>
+              </a:rPr>
+              <a:t>Do not change these dimensions, otherwise your poster may not display correctly</a:t>
+            </a:r>
+            <a:r>
+              <a:rPr lang="en-US" sz="3200" b="1" dirty="0" smtClean="0">
+                <a:solidFill>
+                  <a:schemeClr val="bg1"/>
+                </a:solidFill>
+              </a:rPr>
+              <a:t>.</a:t>
+            </a:r>
+          </a:p>
+          <a:p>
+            <a:pPr marL="457200" indent="-457200" algn="l">
+              <a:buFont typeface="Arial" panose="020B0604020202020204" pitchFamily="34" charset="0"/>
+              <a:buChar char="•"/>
+            </a:pPr>
+            <a:r>
+              <a:rPr lang="en-US" sz="3200" b="1" dirty="0" smtClean="0">
+                <a:solidFill>
+                  <a:schemeClr val="bg1"/>
+                </a:solidFill>
+              </a:rPr>
+              <a:t>If you are not using PowerPoint to create your poster, then you must ensure that your poster dimensions conforms to the same ratio as the template</a:t>
+            </a:r>
+          </a:p>
+          <a:p>
+            <a:pPr marL="457200" indent="-457200" algn="l">
+              <a:buFont typeface="Arial" panose="020B0604020202020204" pitchFamily="34" charset="0"/>
+              <a:buChar char="•"/>
+            </a:pPr>
+            <a:r>
+              <a:rPr lang="en-US" sz="3200" b="1" dirty="0" smtClean="0">
+                <a:solidFill>
+                  <a:schemeClr val="bg1"/>
+                </a:solidFill>
+              </a:rPr>
+              <a:t>Insert the 3 digit poster number in the box provided at in the top right-hand corner (see </a:t>
+            </a:r>
+            <a:r>
+              <a:rPr lang="en-US" sz="3200" b="1" dirty="0" err="1" smtClean="0">
+                <a:solidFill>
+                  <a:schemeClr val="bg1"/>
+                </a:solidFill>
+              </a:rPr>
+              <a:t>Conftool</a:t>
+            </a:r>
+            <a:r>
+              <a:rPr lang="en-US" sz="3200" b="1" dirty="0" smtClean="0">
+                <a:solidFill>
+                  <a:schemeClr val="bg1"/>
+                </a:solidFill>
+              </a:rPr>
+              <a:t> for your poster number). </a:t>
+            </a:r>
+          </a:p>
+          <a:p>
+            <a:pPr marL="457200" indent="-457200" algn="l">
+              <a:buFont typeface="Arial" panose="020B0604020202020204" pitchFamily="34" charset="0"/>
+              <a:buChar char="•"/>
+            </a:pPr>
+            <a:r>
+              <a:rPr lang="en-US" sz="3200" b="1" dirty="0">
+                <a:solidFill>
+                  <a:schemeClr val="bg1"/>
+                </a:solidFill>
+              </a:rPr>
+              <a:t>Final poster must be submitted (via </a:t>
+            </a:r>
+            <a:r>
+              <a:rPr lang="en-US" sz="3200" b="1" dirty="0" err="1">
+                <a:solidFill>
+                  <a:schemeClr val="bg1"/>
+                </a:solidFill>
+              </a:rPr>
+              <a:t>Conftool</a:t>
+            </a:r>
+            <a:r>
+              <a:rPr lang="en-US" sz="3200" b="1" dirty="0">
+                <a:solidFill>
+                  <a:schemeClr val="bg1"/>
+                </a:solidFill>
+              </a:rPr>
+              <a:t>) in both PDF and PNG format</a:t>
+            </a:r>
+          </a:p>
+          <a:p>
+            <a:pPr algn="l"/>
+            <a:endParaRPr lang="en-US" sz="3200" dirty="0">
               <a:solidFill>
                 <a:schemeClr val="bg1"/>
               </a:solidFill>
             </a:endParaRPr>
           </a:p>
           <a:p>
-            <a:r>
-              <a:rPr lang="en-US" sz="6000" dirty="0" smtClean="0">
-                <a:solidFill>
-                  <a:schemeClr val="bg1"/>
-                </a:solidFill>
-              </a:rPr>
-              <a:t>Using the Repository to Support Digital Humanities Workflows</a:t>
-            </a:r>
-            <a:endParaRPr lang="en-US" sz="6000" dirty="0">
+            <a:pPr algn="l"/>
+            <a:r>
+              <a:rPr lang="en-US" sz="3200" b="1" dirty="0">
+                <a:solidFill>
+                  <a:schemeClr val="bg1"/>
+                </a:solidFill>
+              </a:rPr>
+              <a:t>Recommended Font Sizes:</a:t>
+            </a:r>
+            <a:r>
+              <a:rPr lang="en-US" sz="3200" dirty="0">
+                <a:solidFill>
+                  <a:schemeClr val="bg1"/>
+                </a:solidFill>
+              </a:rPr>
+              <a:t/>
+            </a:r>
+            <a:br>
+              <a:rPr lang="en-US" sz="3200" dirty="0">
+                <a:solidFill>
+                  <a:schemeClr val="bg1"/>
+                </a:solidFill>
+              </a:rPr>
+            </a:br>
+            <a:r>
+              <a:rPr lang="en-US" sz="3200" dirty="0">
+                <a:solidFill>
+                  <a:schemeClr val="bg1"/>
+                </a:solidFill>
+              </a:rPr>
+              <a:t>Title: 60min – 80max</a:t>
+            </a:r>
+            <a:br>
+              <a:rPr lang="en-US" sz="3200" dirty="0">
+                <a:solidFill>
+                  <a:schemeClr val="bg1"/>
+                </a:solidFill>
+              </a:rPr>
+            </a:br>
+            <a:r>
+              <a:rPr lang="en-US" sz="3200" dirty="0">
+                <a:solidFill>
+                  <a:schemeClr val="bg1"/>
+                </a:solidFill>
+              </a:rPr>
+              <a:t>Body Text : 22min – 32max (for best effect) </a:t>
+            </a:r>
+          </a:p>
+          <a:p>
+            <a:pPr algn="l"/>
+            <a:r>
+              <a:rPr lang="en-US" sz="3200" dirty="0">
+                <a:solidFill>
+                  <a:schemeClr val="bg1"/>
+                </a:solidFill>
+              </a:rPr>
+              <a:t>                   : 18 absolute min – 40 absolute max</a:t>
+            </a:r>
+          </a:p>
+          <a:p>
+            <a:pPr algn="l"/>
+            <a:endParaRPr lang="en-US" sz="3200" b="1" dirty="0">
               <a:solidFill>
                 <a:schemeClr val="bg1"/>
               </a:solidFill>
             </a:endParaRPr>
           </a:p>
-        </p:txBody>
-      </p:sp>
-      <p:sp>
-        <p:nvSpPr>
-          <p:cNvPr id="4" name="Rectangle 3"/>
-          <p:cNvSpPr/>
-          <p:nvPr/>
-        </p:nvSpPr>
-        <p:spPr>
-          <a:xfrm>
-            <a:off x="0" y="0"/>
-            <a:ext cx="274320" cy="18288000"/>
-          </a:xfrm>
-          <a:prstGeom prst="rect">
-            <a:avLst/>
-          </a:prstGeom>
-          <a:solidFill>
-            <a:schemeClr val="bg1"/>
-          </a:solidFill>
-          <a:ln>
-            <a:solidFill>
-              <a:schemeClr val="bg1"/>
-            </a:solidFill>
-          </a:ln>
-        </p:spPr>
-        <p:style>
-          <a:lnRef idx="2">
-            <a:schemeClr val="accent1">
-              <a:shade val="50000"/>
-            </a:schemeClr>
-          </a:lnRef>
-          <a:fillRef idx="1">
-            <a:schemeClr val="accent1"/>
-          </a:fillRef>
-          <a:effectRef idx="0">
-            <a:schemeClr val="accent1"/>
-          </a:effectRef>
-          <a:fontRef idx="minor">
-            <a:schemeClr val="lt1"/>
-          </a:fontRef>
-        </p:style>
-        <p:txBody>
-          <a:bodyPr rtlCol="0" anchor="ctr"/>
-          <a:lstStyle/>
-          <a:p>
-            <a:pPr algn="ctr"/>
-            <a:endParaRPr lang="en-US"/>
-          </a:p>
-        </p:txBody>
-      </p:sp>
-      <p:sp>
-        <p:nvSpPr>
-          <p:cNvPr id="8" name="Rectangle 7"/>
-          <p:cNvSpPr/>
-          <p:nvPr/>
-        </p:nvSpPr>
-        <p:spPr>
-          <a:xfrm>
-            <a:off x="10015855" y="-17794"/>
-            <a:ext cx="274320" cy="18288000"/>
-          </a:xfrm>
-          <a:prstGeom prst="rect">
-            <a:avLst/>
-          </a:prstGeom>
-          <a:solidFill>
-            <a:schemeClr val="bg1"/>
-          </a:solidFill>
-          <a:ln>
-            <a:solidFill>
-              <a:schemeClr val="bg1"/>
-            </a:solidFill>
-          </a:ln>
-        </p:spPr>
-        <p:style>
-          <a:lnRef idx="2">
-            <a:schemeClr val="accent1">
-              <a:shade val="50000"/>
-            </a:schemeClr>
-          </a:lnRef>
-          <a:fillRef idx="1">
-            <a:schemeClr val="accent1"/>
-          </a:fillRef>
-          <a:effectRef idx="0">
-            <a:schemeClr val="accent1"/>
-          </a:effectRef>
-          <a:fontRef idx="minor">
-            <a:schemeClr val="lt1"/>
-          </a:fontRef>
-        </p:style>
-        <p:txBody>
-          <a:bodyPr rtlCol="0" anchor="ctr"/>
-          <a:lstStyle/>
-          <a:p>
-            <a:pPr algn="ctr"/>
-            <a:endParaRPr lang="en-US"/>
-          </a:p>
-        </p:txBody>
-      </p:sp>
-      <p:sp>
-        <p:nvSpPr>
-          <p:cNvPr id="9" name="Rectangle 8"/>
-          <p:cNvSpPr/>
-          <p:nvPr/>
-        </p:nvSpPr>
-        <p:spPr>
-          <a:xfrm rot="5400000">
-            <a:off x="5017717" y="-5006340"/>
-            <a:ext cx="274320" cy="10287000"/>
-          </a:xfrm>
-          <a:prstGeom prst="rect">
-            <a:avLst/>
-          </a:prstGeom>
-          <a:solidFill>
-            <a:schemeClr val="bg1"/>
-          </a:solidFill>
-          <a:ln>
-            <a:solidFill>
-              <a:schemeClr val="bg1"/>
-            </a:solidFill>
-          </a:ln>
-        </p:spPr>
-        <p:style>
-          <a:lnRef idx="2">
-            <a:schemeClr val="accent1">
-              <a:shade val="50000"/>
-            </a:schemeClr>
-          </a:lnRef>
-          <a:fillRef idx="1">
-            <a:schemeClr val="accent1"/>
-          </a:fillRef>
-          <a:effectRef idx="0">
-            <a:schemeClr val="accent1"/>
-          </a:effectRef>
-          <a:fontRef idx="minor">
-            <a:schemeClr val="lt1"/>
-          </a:fontRef>
-        </p:style>
-        <p:txBody>
-          <a:bodyPr rtlCol="0" anchor="ctr"/>
-          <a:lstStyle/>
-          <a:p>
-            <a:pPr algn="ctr"/>
-            <a:endParaRPr lang="en-US"/>
-          </a:p>
-        </p:txBody>
-      </p:sp>
-      <p:sp>
-        <p:nvSpPr>
-          <p:cNvPr id="10" name="Rectangle 9"/>
-          <p:cNvSpPr/>
-          <p:nvPr/>
-        </p:nvSpPr>
-        <p:spPr>
-          <a:xfrm rot="5400000">
-            <a:off x="5006340" y="13010515"/>
-            <a:ext cx="274320" cy="10287000"/>
-          </a:xfrm>
-          <a:prstGeom prst="rect">
-            <a:avLst/>
-          </a:prstGeom>
-          <a:solidFill>
-            <a:schemeClr val="bg1"/>
-          </a:solidFill>
-          <a:ln>
-            <a:solidFill>
-              <a:schemeClr val="bg1"/>
-            </a:solidFill>
-          </a:ln>
-        </p:spPr>
-        <p:style>
-          <a:lnRef idx="2">
-            <a:schemeClr val="accent1">
-              <a:shade val="50000"/>
-            </a:schemeClr>
-          </a:lnRef>
-          <a:fillRef idx="1">
-            <a:schemeClr val="accent1"/>
-          </a:fillRef>
-          <a:effectRef idx="0">
-            <a:schemeClr val="accent1"/>
-          </a:effectRef>
-          <a:fontRef idx="minor">
-            <a:schemeClr val="lt1"/>
-          </a:fontRef>
-        </p:style>
-        <p:txBody>
-          <a:bodyPr rtlCol="0" anchor="ctr"/>
-          <a:lstStyle/>
-          <a:p>
-            <a:pPr algn="ctr"/>
-            <a:endParaRPr lang="en-US"/>
-          </a:p>
-        </p:txBody>
-      </p:sp>
-      <p:sp>
-        <p:nvSpPr>
-          <p:cNvPr id="5" name="TextBox 4"/>
-          <p:cNvSpPr txBox="1"/>
-          <p:nvPr/>
-        </p:nvSpPr>
-        <p:spPr>
-          <a:xfrm>
-            <a:off x="248543" y="12745987"/>
-            <a:ext cx="4176464" cy="1015663"/>
-          </a:xfrm>
-          <a:prstGeom prst="rect">
-            <a:avLst/>
-          </a:prstGeom>
-          <a:noFill/>
-          <a:ln>
-            <a:solidFill>
-              <a:schemeClr val="bg1"/>
-            </a:solidFill>
-          </a:ln>
-        </p:spPr>
-        <p:txBody>
-          <a:bodyPr wrap="square" rtlCol="0">
-            <a:spAutoFit/>
-          </a:bodyPr>
-          <a:lstStyle/>
-          <a:p>
-            <a:r>
-              <a:rPr lang="en-US" sz="3800" dirty="0" smtClean="0">
-                <a:solidFill>
-                  <a:schemeClr val="bg1"/>
-                </a:solidFill>
-              </a:rPr>
-              <a:t>Main Header</a:t>
-            </a:r>
-          </a:p>
-          <a:p>
-            <a:r>
-              <a:rPr lang="en-US" sz="2200" dirty="0" smtClean="0">
-                <a:solidFill>
-                  <a:schemeClr val="bg1"/>
-                </a:solidFill>
-              </a:rPr>
-              <a:t>Main Text</a:t>
-            </a:r>
-            <a:endParaRPr lang="en-US" sz="2200" dirty="0">
+          <a:p>
+            <a:pPr algn="l"/>
+            <a:r>
+              <a:rPr lang="en-US" sz="3200" b="1" dirty="0" err="1" smtClean="0">
+                <a:solidFill>
+                  <a:schemeClr val="bg1"/>
+                </a:solidFill>
+              </a:rPr>
+              <a:t>Colour</a:t>
+            </a:r>
+            <a:r>
+              <a:rPr lang="en-US" sz="3200" b="1" dirty="0" smtClean="0">
+                <a:solidFill>
+                  <a:schemeClr val="bg1"/>
+                </a:solidFill>
+              </a:rPr>
+              <a:t>:</a:t>
+            </a:r>
+            <a:endParaRPr lang="en-US" sz="3200" b="1" dirty="0">
               <a:solidFill>
                 <a:schemeClr val="bg1"/>
               </a:solidFill>
             </a:endParaRPr>
           </a:p>
-        </p:txBody>
-      </p:sp>
-      <p:sp>
-        <p:nvSpPr>
-          <p:cNvPr id="11" name="TextBox 10"/>
-          <p:cNvSpPr txBox="1"/>
-          <p:nvPr/>
-        </p:nvSpPr>
-        <p:spPr>
-          <a:xfrm>
-            <a:off x="392559" y="360611"/>
-            <a:ext cx="5832648" cy="2339102"/>
-          </a:xfrm>
-          <a:prstGeom prst="rect">
-            <a:avLst/>
-          </a:prstGeom>
-          <a:noFill/>
-          <a:ln>
-            <a:solidFill>
-              <a:schemeClr val="bg1"/>
-            </a:solidFill>
-          </a:ln>
-        </p:spPr>
-        <p:txBody>
-          <a:bodyPr wrap="square" rtlCol="0">
-            <a:spAutoFit/>
-          </a:bodyPr>
-          <a:lstStyle/>
-          <a:p>
-            <a:r>
-              <a:rPr lang="en-US" dirty="0" smtClean="0">
-                <a:solidFill>
-                  <a:schemeClr val="bg1"/>
-                </a:solidFill>
-              </a:rPr>
-              <a:t>Regular Header</a:t>
-            </a:r>
-          </a:p>
-          <a:p>
-            <a:r>
-              <a:rPr lang="en-US" sz="2200" dirty="0" smtClean="0">
-                <a:solidFill>
-                  <a:schemeClr val="bg1"/>
-                </a:solidFill>
-              </a:rPr>
-              <a:t>Regular Text </a:t>
-            </a:r>
-          </a:p>
-          <a:p>
-            <a:r>
-              <a:rPr lang="en-US" sz="2200" dirty="0" smtClean="0">
-                <a:solidFill>
-                  <a:schemeClr val="bg1"/>
-                </a:solidFill>
-              </a:rPr>
-              <a:t>Bulleted list</a:t>
-            </a:r>
-          </a:p>
-          <a:p>
-            <a:pPr marL="342900" indent="-342900">
-              <a:buFont typeface="Arial" charset="0"/>
+          <a:p>
+            <a:pPr marL="457200" indent="-457200" algn="l">
+              <a:buFont typeface="Arial" panose="020B0604020202020204" pitchFamily="34" charset="0"/>
               <a:buChar char="•"/>
             </a:pPr>
             <a:r>
-              <a:rPr lang="en-US" sz="2200" dirty="0" smtClean="0">
-                <a:solidFill>
-                  <a:schemeClr val="bg1"/>
-                </a:solidFill>
-              </a:rPr>
-              <a:t>Item 1</a:t>
-            </a:r>
-          </a:p>
-          <a:p>
-            <a:pPr marL="342900" indent="-342900">
-              <a:buFont typeface="Arial" charset="0"/>
-              <a:buChar char="•"/>
-            </a:pPr>
-            <a:r>
-              <a:rPr lang="en-US" sz="2200" dirty="0" smtClean="0">
-                <a:solidFill>
-                  <a:schemeClr val="bg1"/>
-                </a:solidFill>
-              </a:rPr>
-              <a:t>Item 2</a:t>
-            </a:r>
-          </a:p>
-          <a:p>
-            <a:pPr marL="342900" indent="-342900">
-              <a:buFont typeface="Arial" charset="0"/>
-              <a:buChar char="•"/>
-            </a:pPr>
-            <a:r>
-              <a:rPr lang="en-US" sz="2200" dirty="0" smtClean="0">
-                <a:solidFill>
-                  <a:schemeClr val="bg1"/>
-                </a:solidFill>
-              </a:rPr>
-              <a:t>Item 3</a:t>
-            </a:r>
-          </a:p>
-        </p:txBody>
-      </p:sp>
-      <p:sp>
-        <p:nvSpPr>
-          <p:cNvPr id="12" name="Rectangle 11"/>
-          <p:cNvSpPr/>
-          <p:nvPr/>
-        </p:nvSpPr>
-        <p:spPr>
-          <a:xfrm>
-            <a:off x="3175" y="13754099"/>
-            <a:ext cx="10287000" cy="228600"/>
-          </a:xfrm>
-          <a:prstGeom prst="rect">
-            <a:avLst/>
-          </a:prstGeom>
-          <a:solidFill>
-            <a:schemeClr val="bg1"/>
-          </a:solidFill>
-          <a:ln>
-            <a:solidFill>
-              <a:schemeClr val="bg1"/>
-            </a:solidFill>
-          </a:ln>
-        </p:spPr>
-        <p:style>
-          <a:lnRef idx="2">
-            <a:schemeClr val="accent1">
-              <a:shade val="50000"/>
-            </a:schemeClr>
-          </a:lnRef>
-          <a:fillRef idx="1">
-            <a:schemeClr val="accent1"/>
-          </a:fillRef>
-          <a:effectRef idx="0">
-            <a:schemeClr val="accent1"/>
-          </a:effectRef>
-          <a:fontRef idx="minor">
-            <a:schemeClr val="lt1"/>
-          </a:fontRef>
-        </p:style>
-        <p:txBody>
-          <a:bodyPr rtlCol="0" anchor="ctr"/>
-          <a:lstStyle/>
-          <a:p>
-            <a:pPr algn="ctr"/>
-            <a:endParaRPr lang="en-US"/>
-          </a:p>
-        </p:txBody>
-      </p:sp>
-      <p:sp>
-        <p:nvSpPr>
-          <p:cNvPr id="13" name="TextBox 12"/>
-          <p:cNvSpPr txBox="1"/>
-          <p:nvPr/>
-        </p:nvSpPr>
-        <p:spPr>
-          <a:xfrm>
-            <a:off x="4092925" y="10801771"/>
-            <a:ext cx="2107500" cy="677108"/>
-          </a:xfrm>
-          <a:prstGeom prst="rect">
-            <a:avLst/>
-          </a:prstGeom>
-          <a:noFill/>
-        </p:spPr>
-        <p:txBody>
-          <a:bodyPr wrap="none" rtlCol="0">
-            <a:spAutoFit/>
-          </a:bodyPr>
-          <a:lstStyle/>
-          <a:p>
-            <a:r>
-              <a:rPr lang="en-US" sz="3800" smtClean="0">
-                <a:solidFill>
-                  <a:schemeClr val="bg1"/>
-                </a:solidFill>
-              </a:rPr>
-              <a:t>Configure</a:t>
-            </a:r>
-            <a:endParaRPr lang="en-US" sz="3800">
+              <a:rPr lang="en-US" sz="3200" dirty="0">
+                <a:solidFill>
+                  <a:schemeClr val="bg1"/>
+                </a:solidFill>
+              </a:rPr>
+              <a:t>Solid background colours are recommended, however white should not be used as the brightness of the panel can make it difficult to read when standing in front of it.</a:t>
+            </a:r>
+          </a:p>
+          <a:p>
+            <a:endParaRPr lang="en-US" sz="3200" dirty="0">
               <a:solidFill>
                 <a:schemeClr val="bg1"/>
               </a:solidFill>
             </a:endParaRPr>
           </a:p>
-        </p:txBody>
-      </p:sp>
-      <p:sp>
-        <p:nvSpPr>
-          <p:cNvPr id="14" name="TextBox 13"/>
-          <p:cNvSpPr txBox="1"/>
-          <p:nvPr/>
-        </p:nvSpPr>
-        <p:spPr>
-          <a:xfrm>
-            <a:off x="4353028" y="8808621"/>
-            <a:ext cx="1587294" cy="677108"/>
-          </a:xfrm>
-          <a:prstGeom prst="rect">
-            <a:avLst/>
-          </a:prstGeom>
-          <a:noFill/>
-        </p:spPr>
-        <p:txBody>
-          <a:bodyPr wrap="none" rtlCol="0">
-            <a:spAutoFit/>
-          </a:bodyPr>
-          <a:lstStyle/>
-          <a:p>
-            <a:r>
-              <a:rPr lang="en-US" sz="3800" smtClean="0">
-                <a:solidFill>
-                  <a:schemeClr val="bg1"/>
-                </a:solidFill>
-              </a:rPr>
-              <a:t>Submit</a:t>
-            </a:r>
-            <a:endParaRPr lang="en-US" sz="3800" dirty="0">
+          <a:p>
+            <a:pPr algn="l"/>
+            <a:r>
+              <a:rPr lang="en-US" sz="3200" dirty="0">
+                <a:solidFill>
+                  <a:schemeClr val="bg1"/>
+                </a:solidFill>
+              </a:rPr>
+              <a:t>To save your poster as an </a:t>
+            </a:r>
+            <a:r>
+              <a:rPr lang="en-US" sz="3200" b="1" dirty="0" smtClean="0">
+                <a:solidFill>
+                  <a:schemeClr val="bg1"/>
+                </a:solidFill>
+              </a:rPr>
+              <a:t>PNG</a:t>
+            </a:r>
+            <a:r>
+              <a:rPr lang="en-US" sz="3200" dirty="0" smtClean="0">
+                <a:solidFill>
+                  <a:schemeClr val="bg1"/>
+                </a:solidFill>
+              </a:rPr>
+              <a:t> image </a:t>
+            </a:r>
+            <a:r>
+              <a:rPr lang="en-US" sz="3200" dirty="0">
+                <a:solidFill>
+                  <a:schemeClr val="bg1"/>
+                </a:solidFill>
+              </a:rPr>
+              <a:t>for display on the Cube:</a:t>
+            </a:r>
+          </a:p>
+          <a:p>
+            <a:pPr marL="457200" indent="-457200" algn="l">
+              <a:buFont typeface="Arial" panose="020B0604020202020204" pitchFamily="34" charset="0"/>
+              <a:buChar char="•"/>
+            </a:pPr>
+            <a:r>
+              <a:rPr lang="en-US" sz="3200" dirty="0">
+                <a:solidFill>
+                  <a:schemeClr val="bg1"/>
+                </a:solidFill>
+              </a:rPr>
+              <a:t>Click </a:t>
+            </a:r>
+            <a:r>
+              <a:rPr lang="en-US" sz="3200" b="1" dirty="0">
+                <a:solidFill>
+                  <a:schemeClr val="bg1"/>
+                </a:solidFill>
+              </a:rPr>
+              <a:t>File &gt; Save As</a:t>
+            </a:r>
+          </a:p>
+          <a:p>
+            <a:pPr marL="457200" indent="-457200" algn="l">
+              <a:buFont typeface="Arial" panose="020B0604020202020204" pitchFamily="34" charset="0"/>
+              <a:buChar char="•"/>
+            </a:pPr>
+            <a:r>
+              <a:rPr lang="en-US" sz="3200" dirty="0">
+                <a:solidFill>
+                  <a:schemeClr val="bg1"/>
+                </a:solidFill>
+              </a:rPr>
+              <a:t>Select </a:t>
+            </a:r>
+            <a:r>
+              <a:rPr lang="en-US" sz="3200" b="1" dirty="0" smtClean="0">
+                <a:solidFill>
+                  <a:schemeClr val="bg1"/>
+                </a:solidFill>
+              </a:rPr>
+              <a:t>PNG </a:t>
+            </a:r>
+            <a:r>
+              <a:rPr lang="en-US" sz="3200" dirty="0">
+                <a:solidFill>
+                  <a:schemeClr val="bg1"/>
+                </a:solidFill>
+              </a:rPr>
+              <a:t>from the dropdown </a:t>
+            </a:r>
+            <a:r>
+              <a:rPr lang="en-US" sz="3200" b="1" dirty="0">
+                <a:solidFill>
+                  <a:schemeClr val="bg1"/>
+                </a:solidFill>
+              </a:rPr>
+              <a:t>Save as type </a:t>
+            </a:r>
+            <a:r>
+              <a:rPr lang="en-US" sz="3200" dirty="0">
+                <a:solidFill>
+                  <a:schemeClr val="bg1"/>
+                </a:solidFill>
+              </a:rPr>
+              <a:t>box</a:t>
+            </a:r>
+          </a:p>
+          <a:p>
+            <a:pPr marL="457200" indent="-457200" algn="l">
+              <a:buFont typeface="Arial" panose="020B0604020202020204" pitchFamily="34" charset="0"/>
+              <a:buChar char="•"/>
+            </a:pPr>
+            <a:r>
+              <a:rPr lang="en-US" sz="3200" dirty="0">
+                <a:solidFill>
+                  <a:schemeClr val="bg1"/>
+                </a:solidFill>
+              </a:rPr>
+              <a:t>Click </a:t>
+            </a:r>
+            <a:r>
+              <a:rPr lang="en-US" sz="3200" b="1" dirty="0">
+                <a:solidFill>
+                  <a:schemeClr val="bg1"/>
+                </a:solidFill>
+              </a:rPr>
+              <a:t>Save </a:t>
+            </a:r>
+            <a:r>
+              <a:rPr lang="en-US" sz="3200" dirty="0">
+                <a:solidFill>
+                  <a:schemeClr val="bg1"/>
+                </a:solidFill>
+              </a:rPr>
+              <a:t>and select </a:t>
+            </a:r>
+            <a:r>
+              <a:rPr lang="en-US" sz="3200" dirty="0" smtClean="0">
+                <a:solidFill>
+                  <a:schemeClr val="bg1"/>
+                </a:solidFill>
+              </a:rPr>
+              <a:t>“</a:t>
+            </a:r>
+            <a:r>
+              <a:rPr lang="en-US" sz="3200" b="1" dirty="0" smtClean="0">
+                <a:solidFill>
+                  <a:schemeClr val="bg1"/>
+                </a:solidFill>
+              </a:rPr>
+              <a:t>Just </a:t>
+            </a:r>
+            <a:r>
+              <a:rPr lang="en-US" sz="3200" b="1" dirty="0">
+                <a:solidFill>
+                  <a:schemeClr val="bg1"/>
+                </a:solidFill>
+              </a:rPr>
+              <a:t>This </a:t>
+            </a:r>
+            <a:r>
+              <a:rPr lang="en-US" sz="3200" b="1" dirty="0" smtClean="0">
+                <a:solidFill>
+                  <a:schemeClr val="bg1"/>
+                </a:solidFill>
+              </a:rPr>
+              <a:t>One”</a:t>
+            </a:r>
+            <a:r>
+              <a:rPr lang="en-US" sz="3200" dirty="0" smtClean="0">
+                <a:solidFill>
+                  <a:schemeClr val="bg1"/>
+                </a:solidFill>
+              </a:rPr>
+              <a:t> </a:t>
+            </a:r>
+            <a:r>
+              <a:rPr lang="en-US" sz="3200" dirty="0">
+                <a:solidFill>
+                  <a:schemeClr val="bg1"/>
+                </a:solidFill>
+              </a:rPr>
+              <a:t>when </a:t>
+            </a:r>
+            <a:r>
+              <a:rPr lang="en-US" sz="3200" dirty="0" smtClean="0">
+                <a:solidFill>
+                  <a:schemeClr val="bg1"/>
+                </a:solidFill>
+              </a:rPr>
+              <a:t>prompted</a:t>
+            </a:r>
+            <a:endParaRPr lang="en-US" sz="3200" dirty="0">
               <a:solidFill>
                 <a:schemeClr val="bg1"/>
               </a:solidFill>
             </a:endParaRPr>
           </a:p>
-        </p:txBody>
-      </p:sp>
-      <p:sp>
-        <p:nvSpPr>
-          <p:cNvPr id="15" name="TextBox 14"/>
-          <p:cNvSpPr txBox="1"/>
-          <p:nvPr/>
-        </p:nvSpPr>
-        <p:spPr>
-          <a:xfrm>
-            <a:off x="4673019" y="6841331"/>
-            <a:ext cx="947311" cy="677108"/>
-          </a:xfrm>
-          <a:prstGeom prst="rect">
-            <a:avLst/>
-          </a:prstGeom>
-          <a:noFill/>
-        </p:spPr>
-        <p:txBody>
-          <a:bodyPr wrap="none" rtlCol="0">
-            <a:spAutoFit/>
-          </a:bodyPr>
-          <a:lstStyle/>
-          <a:p>
-            <a:r>
-              <a:rPr lang="en-US" sz="3800" dirty="0" smtClean="0">
-                <a:solidFill>
-                  <a:schemeClr val="bg1"/>
-                </a:solidFill>
-              </a:rPr>
-              <a:t>Edit</a:t>
-            </a:r>
-            <a:endParaRPr lang="en-US" sz="3800" dirty="0">
+          <a:p>
+            <a:pPr marL="457200" indent="-457200" algn="l">
+              <a:buFont typeface="Arial" panose="020B0604020202020204" pitchFamily="34" charset="0"/>
+              <a:buChar char="•"/>
+            </a:pPr>
+            <a:endParaRPr lang="en-US" sz="3200" dirty="0">
               <a:solidFill>
                 <a:schemeClr val="bg1"/>
               </a:solidFill>
             </a:endParaRPr>
           </a:p>
-        </p:txBody>
-      </p:sp>
-      <p:sp>
-        <p:nvSpPr>
-          <p:cNvPr id="16" name="TextBox 15"/>
-          <p:cNvSpPr txBox="1"/>
-          <p:nvPr/>
-        </p:nvSpPr>
-        <p:spPr>
-          <a:xfrm>
-            <a:off x="4336196" y="4825107"/>
-            <a:ext cx="1620957" cy="677108"/>
-          </a:xfrm>
-          <a:prstGeom prst="rect">
-            <a:avLst/>
-          </a:prstGeom>
-          <a:noFill/>
-        </p:spPr>
-        <p:txBody>
-          <a:bodyPr wrap="none" rtlCol="0">
-            <a:spAutoFit/>
-          </a:bodyPr>
-          <a:lstStyle/>
-          <a:p>
-            <a:r>
-              <a:rPr lang="en-US" sz="3800" smtClean="0">
-                <a:solidFill>
-                  <a:schemeClr val="bg1"/>
-                </a:solidFill>
-              </a:rPr>
-              <a:t>Publish</a:t>
-            </a:r>
-            <a:endParaRPr lang="en-US" sz="3800">
+          <a:p>
+            <a:pPr algn="l"/>
+            <a:r>
+              <a:rPr lang="en-US" sz="3200" dirty="0">
+                <a:solidFill>
+                  <a:schemeClr val="bg1"/>
+                </a:solidFill>
+              </a:rPr>
+              <a:t>Please keep a copy of your </a:t>
+            </a:r>
+            <a:r>
+              <a:rPr lang="en-US" sz="3200" dirty="0" smtClean="0">
+                <a:solidFill>
+                  <a:schemeClr val="bg1"/>
+                </a:solidFill>
+              </a:rPr>
+              <a:t>poster in the original format (eg PowerPoint) as </a:t>
+            </a:r>
+            <a:r>
+              <a:rPr lang="en-US" sz="3200" dirty="0">
+                <a:solidFill>
+                  <a:schemeClr val="bg1"/>
+                </a:solidFill>
+              </a:rPr>
+              <a:t>this will allow you to go back and edit your poster again if required</a:t>
+            </a:r>
+          </a:p>
+          <a:p>
+            <a:endParaRPr lang="en-US" sz="3200" dirty="0" smtClean="0">
               <a:solidFill>
                 <a:schemeClr val="bg1"/>
               </a:solidFill>
             </a:endParaRPr>
           </a:p>
-        </p:txBody>
-      </p:sp>
-      <p:cxnSp>
-        <p:nvCxnSpPr>
-          <p:cNvPr id="18" name="Straight Arrow Connector 17"/>
-          <p:cNvCxnSpPr/>
-          <p:nvPr/>
-        </p:nvCxnSpPr>
-        <p:spPr>
-          <a:xfrm flipV="1">
-            <a:off x="5146675" y="9505627"/>
-            <a:ext cx="0" cy="1224136"/>
-          </a:xfrm>
-          <a:prstGeom prst="straightConnector1">
-            <a:avLst/>
-          </a:prstGeom>
-          <a:ln w="127000">
-            <a:solidFill>
-              <a:schemeClr val="bg1"/>
-            </a:solidFill>
-            <a:tailEnd type="triangle"/>
-          </a:ln>
-        </p:spPr>
-        <p:style>
-          <a:lnRef idx="1">
-            <a:schemeClr val="accent1"/>
-          </a:lnRef>
-          <a:fillRef idx="0">
-            <a:schemeClr val="accent1"/>
-          </a:fillRef>
-          <a:effectRef idx="0">
-            <a:schemeClr val="accent1"/>
-          </a:effectRef>
-          <a:fontRef idx="minor">
-            <a:schemeClr val="tx1"/>
-          </a:fontRef>
-        </p:style>
-      </p:cxnSp>
-      <p:cxnSp>
-        <p:nvCxnSpPr>
-          <p:cNvPr id="20" name="Straight Arrow Connector 19"/>
-          <p:cNvCxnSpPr/>
-          <p:nvPr/>
-        </p:nvCxnSpPr>
-        <p:spPr>
-          <a:xfrm flipV="1">
-            <a:off x="5092674" y="5545187"/>
-            <a:ext cx="0" cy="1224136"/>
-          </a:xfrm>
-          <a:prstGeom prst="straightConnector1">
-            <a:avLst/>
-          </a:prstGeom>
-          <a:ln w="127000">
-            <a:solidFill>
-              <a:schemeClr val="bg1"/>
-            </a:solidFill>
-            <a:tailEnd type="triangle"/>
-          </a:ln>
-        </p:spPr>
-        <p:style>
-          <a:lnRef idx="1">
-            <a:schemeClr val="accent1"/>
-          </a:lnRef>
-          <a:fillRef idx="0">
-            <a:schemeClr val="accent1"/>
-          </a:fillRef>
-          <a:effectRef idx="0">
-            <a:schemeClr val="accent1"/>
-          </a:effectRef>
-          <a:fontRef idx="minor">
-            <a:schemeClr val="tx1"/>
-          </a:fontRef>
-        </p:style>
-      </p:cxnSp>
-      <p:cxnSp>
-        <p:nvCxnSpPr>
-          <p:cNvPr id="21" name="Straight Arrow Connector 20"/>
-          <p:cNvCxnSpPr/>
-          <p:nvPr/>
-        </p:nvCxnSpPr>
-        <p:spPr>
-          <a:xfrm flipV="1">
-            <a:off x="5147538" y="7561411"/>
-            <a:ext cx="0" cy="1224136"/>
-          </a:xfrm>
-          <a:prstGeom prst="straightConnector1">
-            <a:avLst/>
-          </a:prstGeom>
-          <a:ln w="127000">
-            <a:solidFill>
-              <a:schemeClr val="bg1"/>
-            </a:solidFill>
-            <a:tailEnd type="triangle"/>
-          </a:ln>
-        </p:spPr>
-        <p:style>
-          <a:lnRef idx="1">
-            <a:schemeClr val="accent1"/>
-          </a:lnRef>
-          <a:fillRef idx="0">
-            <a:schemeClr val="accent1"/>
-          </a:fillRef>
-          <a:effectRef idx="0">
-            <a:schemeClr val="accent1"/>
-          </a:effectRef>
-          <a:fontRef idx="minor">
-            <a:schemeClr val="tx1"/>
-          </a:fontRef>
-        </p:style>
-      </p:cxnSp>
+          <a:p>
+            <a:r>
+              <a:rPr lang="en-AU" sz="3200" dirty="0">
+                <a:solidFill>
+                  <a:schemeClr val="bg1"/>
+                </a:solidFill>
+              </a:rPr>
+              <a:t>Please </a:t>
+            </a:r>
+            <a:r>
+              <a:rPr lang="en-AU" sz="3200" dirty="0" smtClean="0">
+                <a:solidFill>
+                  <a:schemeClr val="bg1"/>
+                </a:solidFill>
+              </a:rPr>
+              <a:t>enter </a:t>
+            </a:r>
+            <a:r>
+              <a:rPr lang="en-AU" sz="3200" dirty="0">
+                <a:solidFill>
+                  <a:schemeClr val="bg1"/>
+                </a:solidFill>
+              </a:rPr>
+              <a:t>your poster content on the next slide</a:t>
+            </a:r>
+            <a:r>
+              <a:rPr lang="en-AU" sz="3200" b="1" dirty="0">
+                <a:solidFill>
+                  <a:schemeClr val="bg1"/>
+                </a:solidFill>
+              </a:rPr>
+              <a:t>.</a:t>
+            </a:r>
+          </a:p>
+          <a:p>
+            <a:pPr algn="l"/>
+            <a:endParaRPr lang="en-US" sz="3600" b="1" dirty="0"/>
+          </a:p>
+          <a:p>
+            <a:r>
+              <a:rPr lang="en-AU" sz="3600" b="1" dirty="0" smtClean="0">
+                <a:solidFill>
+                  <a:schemeClr val="bg1"/>
+                </a:solidFill>
+              </a:rPr>
+              <a:t>Please upload your final poster  (PNG and PDF) by Friday 9th June </a:t>
+            </a:r>
+            <a:r>
+              <a:rPr lang="en-AU" sz="3600" b="1" dirty="0">
+                <a:solidFill>
+                  <a:schemeClr val="bg1"/>
+                </a:solidFill>
+              </a:rPr>
+              <a:t>2017.</a:t>
+            </a:r>
+          </a:p>
+          <a:p>
+            <a:pPr algn="l"/>
+            <a:endParaRPr lang="en-AU" sz="2800" dirty="0"/>
+          </a:p>
+          <a:p>
+            <a:endParaRPr lang="en-AU" sz="2800" dirty="0"/>
+          </a:p>
+          <a:p>
+            <a:endParaRPr lang="en-AU" sz="2800" dirty="0"/>
+          </a:p>
+        </p:txBody>
+      </p:sp>
     </p:spTree>
     <p:extLst>
       <p:ext uri="{BB962C8B-B14F-4D97-AF65-F5344CB8AC3E}">
-        <p14:creationId xmlns:p14="http://schemas.microsoft.com/office/powerpoint/2010/main" val="810960323"/>
+        <p14:creationId xmlns:p14="http://schemas.microsoft.com/office/powerpoint/2010/main" val="1142254548"/>
       </p:ext>
     </p:extLst>
   </p:cSld>
@@ -6112,6 +7213,64 @@
       </p:grpSpPr>
       <p:sp>
         <p:nvSpPr>
+          <p:cNvPr id="6" name="Rectangle 5"/>
+          <p:cNvSpPr/>
+          <p:nvPr/>
+        </p:nvSpPr>
+        <p:spPr>
+          <a:xfrm>
+            <a:off x="0" y="6553299"/>
+            <a:ext cx="10290174" cy="4154984"/>
+          </a:xfrm>
+          <a:prstGeom prst="rect">
+            <a:avLst/>
+          </a:prstGeom>
+        </p:spPr>
+        <p:txBody>
+          <a:bodyPr wrap="square">
+            <a:spAutoFit/>
+          </a:bodyPr>
+          <a:lstStyle/>
+          <a:p>
+            <a:pPr algn="ctr"/>
+            <a:r>
+              <a:rPr lang="en-US" sz="6600" dirty="0">
+                <a:solidFill>
+                  <a:schemeClr val="bg1"/>
+                </a:solidFill>
+                <a:latin typeface="Meiryo UI" panose="020B0604030504040204" pitchFamily="34" charset="-128"/>
+                <a:ea typeface="Meiryo UI" panose="020B0604030504040204" pitchFamily="34" charset="-128"/>
+              </a:rPr>
+              <a:t>Usable Area</a:t>
+            </a:r>
+          </a:p>
+          <a:p>
+            <a:pPr algn="ctr"/>
+            <a:endParaRPr lang="en-US" sz="6600" dirty="0">
+              <a:solidFill>
+                <a:schemeClr val="bg1"/>
+              </a:solidFill>
+              <a:latin typeface="Meiryo UI" panose="020B0604030504040204" pitchFamily="34" charset="-128"/>
+              <a:ea typeface="Meiryo UI" panose="020B0604030504040204" pitchFamily="34" charset="-128"/>
+            </a:endParaRPr>
+          </a:p>
+          <a:p>
+            <a:pPr algn="ctr"/>
+            <a:r>
+              <a:rPr lang="en-US" sz="6600" dirty="0">
+                <a:solidFill>
+                  <a:schemeClr val="bg1"/>
+                </a:solidFill>
+                <a:latin typeface="Meiryo UI" panose="020B0604030504040204" pitchFamily="34" charset="-128"/>
+                <a:ea typeface="Meiryo UI" panose="020B0604030504040204" pitchFamily="34" charset="-128"/>
+              </a:rPr>
+              <a:t>Enter poster content here.</a:t>
+            </a:r>
+          </a:p>
+        </p:txBody>
+      </p:sp>
+      <p:sp>
+        <p:nvSpPr>
           <p:cNvPr id="7" name="TextBox 6"/>
           <p:cNvSpPr txBox="1"/>
           <p:nvPr/>
@@ -6158,19 +7317,18 @@
       </p:sp>
       <p:sp>
         <p:nvSpPr>
-          <p:cNvPr id="3" name="TextBox 2"/>
-          <p:cNvSpPr txBox="1"/>
+          <p:cNvPr id="2" name="Rectangle 1"/>
+          <p:cNvSpPr/>
           <p:nvPr/>
         </p:nvSpPr>
         <p:spPr>
           <a:xfrm>
-            <a:off x="248543" y="13970123"/>
-            <a:ext cx="9793088" cy="4093428"/>
+            <a:off x="248543" y="10153699"/>
+            <a:ext cx="4752528" cy="4985980"/>
           </a:xfrm>
           <a:prstGeom prst="rect">
             <a:avLst/>
           </a:prstGeom>
-          <a:noFill/>
           <a:ln>
             <a:solidFill>
               <a:schemeClr val="bg1"/>
@@ -6178,286 +7336,149 @@
           </a:ln>
         </p:spPr>
         <p:txBody>
-          <a:bodyPr wrap="square" rtlCol="0">
+          <a:bodyPr wrap="square">
             <a:spAutoFit/>
           </a:bodyPr>
           <a:lstStyle/>
           <a:p>
             <a:r>
-              <a:rPr lang="en-US" sz="8000" dirty="0">
-                <a:solidFill>
-                  <a:schemeClr val="bg1"/>
-                </a:solidFill>
-                <a:latin typeface="Futura Medium" charset="0"/>
-                <a:ea typeface="Futura Medium" charset="0"/>
-                <a:cs typeface="Futura Medium" charset="0"/>
-              </a:rPr>
-              <a:t>Charon:</a:t>
-            </a:r>
-            <a:r>
-              <a:rPr lang="en-US" sz="6000" dirty="0">
-                <a:solidFill>
-                  <a:schemeClr val="bg1"/>
-                </a:solidFill>
-                <a:latin typeface="Futura Medium" charset="0"/>
-                <a:ea typeface="Futura Medium" charset="0"/>
-                <a:cs typeface="Futura Medium" charset="0"/>
-              </a:rPr>
-              <a:t> </a:t>
-            </a:r>
-            <a:endParaRPr lang="en-US" sz="6000" dirty="0" smtClean="0">
-              <a:solidFill>
-                <a:schemeClr val="bg1"/>
-              </a:solidFill>
-              <a:latin typeface="Futura Medium" charset="0"/>
-              <a:ea typeface="Futura Medium" charset="0"/>
-              <a:cs typeface="Futura Medium" charset="0"/>
-            </a:endParaRPr>
-          </a:p>
-          <a:p>
+              <a:rPr lang="en-US" b="1" dirty="0" smtClean="0">
+                <a:solidFill>
+                  <a:schemeClr val="bg1"/>
+                </a:solidFill>
+              </a:rPr>
+              <a:t>Recommended Font Sizes:</a:t>
+            </a:r>
+            <a:r>
+              <a:rPr lang="en-US" dirty="0" smtClean="0">
+                <a:solidFill>
+                  <a:schemeClr val="bg1"/>
+                </a:solidFill>
+              </a:rPr>
+              <a:t/>
+            </a:r>
+            <a:br>
+              <a:rPr lang="en-US" dirty="0" smtClean="0">
+                <a:solidFill>
+                  <a:schemeClr val="bg1"/>
+                </a:solidFill>
+              </a:rPr>
+            </a:br>
             <a:r>
               <a:rPr lang="en-US" sz="6000" dirty="0" smtClean="0">
                 <a:solidFill>
                   <a:schemeClr val="bg1"/>
                 </a:solidFill>
-                <a:latin typeface="Futura Medium" charset="0"/>
-                <a:ea typeface="Futura Medium" charset="0"/>
-                <a:cs typeface="Futura Medium" charset="0"/>
-              </a:rPr>
-              <a:t>Using the Repository to Support Digital Humanities Workflows</a:t>
-            </a:r>
-            <a:endParaRPr lang="en-US" sz="6000" dirty="0">
-              <a:solidFill>
-                <a:schemeClr val="bg1"/>
-              </a:solidFill>
-              <a:latin typeface="Futura Medium" charset="0"/>
-              <a:ea typeface="Futura Medium" charset="0"/>
-              <a:cs typeface="Futura Medium" charset="0"/>
-            </a:endParaRPr>
-          </a:p>
-        </p:txBody>
-      </p:sp>
-      <p:sp>
-        <p:nvSpPr>
-          <p:cNvPr id="4" name="Rectangle 3"/>
+              </a:rPr>
+              <a:t>Title: 60min – 80max</a:t>
+            </a:r>
+            <a:br>
+              <a:rPr lang="en-US" sz="6000" dirty="0" smtClean="0">
+                <a:solidFill>
+                  <a:schemeClr val="bg1"/>
+                </a:solidFill>
+              </a:rPr>
+            </a:br>
+            <a:r>
+              <a:rPr lang="en-US" dirty="0" smtClean="0">
+                <a:solidFill>
+                  <a:schemeClr val="bg1"/>
+                </a:solidFill>
+              </a:rPr>
+              <a:t>Header 1</a:t>
+            </a:r>
+          </a:p>
+          <a:p>
+            <a:r>
+              <a:rPr lang="en-US" sz="2800" dirty="0" smtClean="0">
+                <a:solidFill>
+                  <a:schemeClr val="bg1"/>
+                </a:solidFill>
+              </a:rPr>
+              <a:t>Header 2</a:t>
+            </a:r>
+          </a:p>
+          <a:p>
+            <a:r>
+              <a:rPr lang="en-US" sz="2200" dirty="0" smtClean="0">
+                <a:solidFill>
+                  <a:schemeClr val="bg1"/>
+                </a:solidFill>
+              </a:rPr>
+              <a:t>Body </a:t>
+            </a:r>
+            <a:r>
+              <a:rPr lang="en-US" sz="2200" dirty="0">
+                <a:solidFill>
+                  <a:schemeClr val="bg1"/>
+                </a:solidFill>
+              </a:rPr>
+              <a:t>Text : 22min – 32max (for best effect) </a:t>
+            </a:r>
+          </a:p>
+          <a:p>
+            <a:r>
+              <a:rPr lang="en-US" sz="1800" dirty="0">
+                <a:solidFill>
+                  <a:schemeClr val="bg1"/>
+                </a:solidFill>
+              </a:rPr>
+              <a:t>                   : 18 absolute min – 40 absolute max</a:t>
+            </a:r>
+          </a:p>
+        </p:txBody>
+      </p:sp>
+      <p:sp>
+        <p:nvSpPr>
+          <p:cNvPr id="8" name="Rectangle 7"/>
           <p:cNvSpPr/>
           <p:nvPr/>
         </p:nvSpPr>
         <p:spPr>
           <a:xfrm>
-            <a:off x="0" y="0"/>
-            <a:ext cx="274320" cy="18288000"/>
+            <a:off x="5289103" y="10153699"/>
+            <a:ext cx="4752528" cy="4893647"/>
           </a:xfrm>
           <a:prstGeom prst="rect">
             <a:avLst/>
           </a:prstGeom>
-          <a:solidFill>
-            <a:schemeClr val="bg1"/>
-          </a:solidFill>
           <a:ln>
             <a:solidFill>
               <a:schemeClr val="bg1"/>
             </a:solidFill>
           </a:ln>
         </p:spPr>
-        <p:style>
-          <a:lnRef idx="2">
-            <a:schemeClr val="accent1">
-              <a:shade val="50000"/>
-            </a:schemeClr>
-          </a:lnRef>
-          <a:fillRef idx="1">
-            <a:schemeClr val="accent1"/>
-          </a:fillRef>
-          <a:effectRef idx="0">
-            <a:schemeClr val="accent1"/>
-          </a:effectRef>
-          <a:fontRef idx="minor">
-            <a:schemeClr val="lt1"/>
-          </a:fontRef>
-        </p:style>
-        <p:txBody>
-          <a:bodyPr rtlCol="0" anchor="ctr"/>
-          <a:lstStyle/>
-          <a:p>
-            <a:pPr algn="ctr"/>
-            <a:endParaRPr lang="en-US"/>
-          </a:p>
-        </p:txBody>
-      </p:sp>
-      <p:sp>
-        <p:nvSpPr>
-          <p:cNvPr id="8" name="Rectangle 7"/>
-          <p:cNvSpPr/>
-          <p:nvPr/>
-        </p:nvSpPr>
-        <p:spPr>
-          <a:xfrm>
-            <a:off x="10015855" y="-17794"/>
-            <a:ext cx="274320" cy="18288000"/>
-          </a:xfrm>
-          <a:prstGeom prst="rect">
-            <a:avLst/>
-          </a:prstGeom>
-          <a:solidFill>
-            <a:schemeClr val="bg1"/>
-          </a:solidFill>
-          <a:ln>
-            <a:solidFill>
-              <a:schemeClr val="bg1"/>
-            </a:solidFill>
-          </a:ln>
-        </p:spPr>
-        <p:style>
-          <a:lnRef idx="2">
-            <a:schemeClr val="accent1">
-              <a:shade val="50000"/>
-            </a:schemeClr>
-          </a:lnRef>
-          <a:fillRef idx="1">
-            <a:schemeClr val="accent1"/>
-          </a:fillRef>
-          <a:effectRef idx="0">
-            <a:schemeClr val="accent1"/>
-          </a:effectRef>
-          <a:fontRef idx="minor">
-            <a:schemeClr val="lt1"/>
-          </a:fontRef>
-        </p:style>
-        <p:txBody>
-          <a:bodyPr rtlCol="0" anchor="ctr"/>
-          <a:lstStyle/>
-          <a:p>
-            <a:pPr algn="ctr"/>
-            <a:endParaRPr lang="en-US"/>
-          </a:p>
-        </p:txBody>
-      </p:sp>
-      <p:sp>
-        <p:nvSpPr>
-          <p:cNvPr id="9" name="Rectangle 8"/>
-          <p:cNvSpPr/>
-          <p:nvPr/>
-        </p:nvSpPr>
-        <p:spPr>
-          <a:xfrm rot="5400000">
-            <a:off x="5017717" y="-5006340"/>
-            <a:ext cx="274320" cy="10287000"/>
-          </a:xfrm>
-          <a:prstGeom prst="rect">
-            <a:avLst/>
-          </a:prstGeom>
-          <a:solidFill>
-            <a:schemeClr val="bg1"/>
-          </a:solidFill>
-          <a:ln>
-            <a:solidFill>
-              <a:schemeClr val="bg1"/>
-            </a:solidFill>
-          </a:ln>
-        </p:spPr>
-        <p:style>
-          <a:lnRef idx="2">
-            <a:schemeClr val="accent1">
-              <a:shade val="50000"/>
-            </a:schemeClr>
-          </a:lnRef>
-          <a:fillRef idx="1">
-            <a:schemeClr val="accent1"/>
-          </a:fillRef>
-          <a:effectRef idx="0">
-            <a:schemeClr val="accent1"/>
-          </a:effectRef>
-          <a:fontRef idx="minor">
-            <a:schemeClr val="lt1"/>
-          </a:fontRef>
-        </p:style>
-        <p:txBody>
-          <a:bodyPr rtlCol="0" anchor="ctr"/>
-          <a:lstStyle/>
-          <a:p>
-            <a:pPr algn="ctr"/>
-            <a:endParaRPr lang="en-US"/>
-          </a:p>
-        </p:txBody>
-      </p:sp>
-      <p:sp>
-        <p:nvSpPr>
-          <p:cNvPr id="10" name="Rectangle 9"/>
-          <p:cNvSpPr/>
-          <p:nvPr/>
-        </p:nvSpPr>
-        <p:spPr>
-          <a:xfrm rot="5400000">
-            <a:off x="5006340" y="13010515"/>
-            <a:ext cx="274320" cy="10287000"/>
-          </a:xfrm>
-          <a:prstGeom prst="rect">
-            <a:avLst/>
-          </a:prstGeom>
-          <a:solidFill>
-            <a:schemeClr val="bg1"/>
-          </a:solidFill>
-          <a:ln>
-            <a:solidFill>
-              <a:schemeClr val="bg1"/>
-            </a:solidFill>
-          </a:ln>
-        </p:spPr>
-        <p:style>
-          <a:lnRef idx="2">
-            <a:schemeClr val="accent1">
-              <a:shade val="50000"/>
-            </a:schemeClr>
-          </a:lnRef>
-          <a:fillRef idx="1">
-            <a:schemeClr val="accent1"/>
-          </a:fillRef>
-          <a:effectRef idx="0">
-            <a:schemeClr val="accent1"/>
-          </a:effectRef>
-          <a:fontRef idx="minor">
-            <a:schemeClr val="lt1"/>
-          </a:fontRef>
-        </p:style>
-        <p:txBody>
-          <a:bodyPr rtlCol="0" anchor="ctr"/>
-          <a:lstStyle/>
-          <a:p>
-            <a:pPr algn="ctr"/>
-            <a:endParaRPr lang="en-US"/>
-          </a:p>
-        </p:txBody>
-      </p:sp>
-      <p:sp>
-        <p:nvSpPr>
-          <p:cNvPr id="11" name="TextBox 10"/>
-          <p:cNvSpPr txBox="1"/>
-          <p:nvPr/>
-        </p:nvSpPr>
-        <p:spPr>
-          <a:xfrm>
-            <a:off x="968623" y="1224707"/>
-            <a:ext cx="5832648" cy="2339102"/>
-          </a:xfrm>
-          <a:prstGeom prst="rect">
-            <a:avLst/>
-          </a:prstGeom>
-          <a:noFill/>
-          <a:ln>
-            <a:solidFill>
-              <a:schemeClr val="bg1"/>
-            </a:solidFill>
-          </a:ln>
-        </p:spPr>
-        <p:txBody>
-          <a:bodyPr wrap="square" rtlCol="0">
+        <p:txBody>
+          <a:bodyPr wrap="square">
             <a:spAutoFit/>
           </a:bodyPr>
           <a:lstStyle/>
           <a:p>
             <a:r>
+              <a:rPr lang="en-US" b="1" dirty="0" smtClean="0">
+                <a:solidFill>
+                  <a:schemeClr val="bg1"/>
+                </a:solidFill>
+              </a:rPr>
+              <a:t>Recommended Font Sizes:</a:t>
+            </a:r>
+            <a:r>
               <a:rPr lang="en-US" dirty="0" smtClean="0">
+                <a:solidFill>
+                  <a:schemeClr val="bg1"/>
+                </a:solidFill>
+              </a:rPr>
+              <a:t/>
+            </a:r>
+            <a:br>
+              <a:rPr lang="en-US" dirty="0" smtClean="0">
+                <a:solidFill>
+                  <a:schemeClr val="bg1"/>
+                </a:solidFill>
+              </a:rPr>
+            </a:br>
+            <a:r>
+              <a:rPr lang="en-US" sz="6000" dirty="0" smtClean="0">
                 <a:solidFill>
                   <a:schemeClr val="bg1"/>
                 </a:solidFill>
@@ -6465,391 +7486,10 @@
                 <a:ea typeface="Corbel" charset="0"/>
                 <a:cs typeface="Corbel" charset="0"/>
               </a:rPr>
-              <a:t>Font Options 1</a:t>
-            </a:r>
-          </a:p>
-          <a:p>
-            <a:r>
-              <a:rPr lang="en-US" sz="2200" dirty="0" smtClean="0">
-                <a:solidFill>
-                  <a:schemeClr val="bg1"/>
-                </a:solidFill>
-                <a:latin typeface="Consolas" charset="0"/>
-                <a:ea typeface="Consolas" charset="0"/>
-                <a:cs typeface="Consolas" charset="0"/>
-              </a:rPr>
-              <a:t>Regular Text </a:t>
-            </a:r>
-          </a:p>
-          <a:p>
-            <a:r>
-              <a:rPr lang="en-US" sz="2200" dirty="0" smtClean="0">
-                <a:solidFill>
-                  <a:schemeClr val="bg1"/>
-                </a:solidFill>
-                <a:latin typeface="Consolas" charset="0"/>
-                <a:ea typeface="Consolas" charset="0"/>
-                <a:cs typeface="Consolas" charset="0"/>
-              </a:rPr>
-              <a:t>Bulleted list</a:t>
-            </a:r>
-          </a:p>
-          <a:p>
-            <a:pPr marL="342900" indent="-342900">
-              <a:buFont typeface="Arial" charset="0"/>
-              <a:buChar char="•"/>
-            </a:pPr>
-            <a:r>
-              <a:rPr lang="en-US" sz="2200" dirty="0" smtClean="0">
-                <a:solidFill>
-                  <a:schemeClr val="bg1"/>
-                </a:solidFill>
-                <a:latin typeface="Consolas" charset="0"/>
-                <a:ea typeface="Consolas" charset="0"/>
-                <a:cs typeface="Consolas" charset="0"/>
-              </a:rPr>
-              <a:t>Item 1</a:t>
-            </a:r>
-          </a:p>
-          <a:p>
-            <a:pPr marL="342900" indent="-342900">
-              <a:buFont typeface="Arial" charset="0"/>
-              <a:buChar char="•"/>
-            </a:pPr>
-            <a:r>
-              <a:rPr lang="en-US" sz="2200" dirty="0" smtClean="0">
-                <a:solidFill>
-                  <a:schemeClr val="bg1"/>
-                </a:solidFill>
-                <a:latin typeface="Consolas" charset="0"/>
-                <a:ea typeface="Consolas" charset="0"/>
-                <a:cs typeface="Consolas" charset="0"/>
-              </a:rPr>
-              <a:t>Item 2</a:t>
-            </a:r>
-          </a:p>
-          <a:p>
-            <a:pPr marL="342900" indent="-342900">
-              <a:buFont typeface="Arial" charset="0"/>
-              <a:buChar char="•"/>
-            </a:pPr>
-            <a:r>
-              <a:rPr lang="en-US" sz="2200" dirty="0" smtClean="0">
-                <a:solidFill>
-                  <a:schemeClr val="bg1"/>
-                </a:solidFill>
-                <a:latin typeface="Consolas" charset="0"/>
-                <a:ea typeface="Consolas" charset="0"/>
-                <a:cs typeface="Consolas" charset="0"/>
-              </a:rPr>
-              <a:t>Item 3</a:t>
-            </a:r>
-          </a:p>
-        </p:txBody>
-      </p:sp>
-      <p:sp>
-        <p:nvSpPr>
-          <p:cNvPr id="12" name="Rectangle 11"/>
-          <p:cNvSpPr/>
-          <p:nvPr/>
-        </p:nvSpPr>
-        <p:spPr>
-          <a:xfrm>
-            <a:off x="3175" y="13754099"/>
-            <a:ext cx="10287000" cy="228600"/>
-          </a:xfrm>
-          <a:prstGeom prst="rect">
-            <a:avLst/>
-          </a:prstGeom>
-          <a:solidFill>
-            <a:schemeClr val="bg1"/>
-          </a:solidFill>
-          <a:ln>
-            <a:solidFill>
-              <a:schemeClr val="bg1"/>
-            </a:solidFill>
-          </a:ln>
-        </p:spPr>
-        <p:style>
-          <a:lnRef idx="2">
-            <a:schemeClr val="accent1">
-              <a:shade val="50000"/>
-            </a:schemeClr>
-          </a:lnRef>
-          <a:fillRef idx="1">
-            <a:schemeClr val="accent1"/>
-          </a:fillRef>
-          <a:effectRef idx="0">
-            <a:schemeClr val="accent1"/>
-          </a:effectRef>
-          <a:fontRef idx="minor">
-            <a:schemeClr val="lt1"/>
-          </a:fontRef>
-        </p:style>
-        <p:txBody>
-          <a:bodyPr rtlCol="0" anchor="ctr"/>
-          <a:lstStyle/>
-          <a:p>
-            <a:pPr algn="ctr"/>
-            <a:endParaRPr lang="en-US"/>
-          </a:p>
-        </p:txBody>
-      </p:sp>
-      <p:sp>
-        <p:nvSpPr>
-          <p:cNvPr id="19" name="TextBox 18"/>
-          <p:cNvSpPr txBox="1"/>
-          <p:nvPr/>
-        </p:nvSpPr>
-        <p:spPr>
-          <a:xfrm>
-            <a:off x="968623" y="3744987"/>
-            <a:ext cx="5832648" cy="2339102"/>
-          </a:xfrm>
-          <a:prstGeom prst="rect">
-            <a:avLst/>
-          </a:prstGeom>
-          <a:noFill/>
-          <a:ln>
-            <a:solidFill>
-              <a:schemeClr val="bg1"/>
-            </a:solidFill>
-          </a:ln>
-        </p:spPr>
-        <p:txBody>
-          <a:bodyPr wrap="square" rtlCol="0">
-            <a:spAutoFit/>
-          </a:bodyPr>
-          <a:lstStyle/>
-          <a:p>
-            <a:r>
-              <a:rPr lang="en-US" dirty="0" smtClean="0">
-                <a:solidFill>
-                  <a:schemeClr val="bg1"/>
-                </a:solidFill>
-                <a:latin typeface="Consolas" charset="0"/>
-                <a:ea typeface="Consolas" charset="0"/>
-                <a:cs typeface="Consolas" charset="0"/>
-              </a:rPr>
-              <a:t>Font Options 2</a:t>
-            </a:r>
-          </a:p>
-          <a:p>
-            <a:r>
-              <a:rPr lang="en-US" sz="2200" dirty="0" smtClean="0">
-                <a:solidFill>
-                  <a:schemeClr val="bg1"/>
-                </a:solidFill>
-                <a:latin typeface="tahoma" charset="0"/>
-              </a:rPr>
-              <a:t>Regular Text </a:t>
-            </a:r>
-          </a:p>
-          <a:p>
-            <a:r>
-              <a:rPr lang="en-US" sz="2200" dirty="0" smtClean="0">
-                <a:solidFill>
-                  <a:schemeClr val="bg1"/>
-                </a:solidFill>
-                <a:latin typeface="tahoma" charset="0"/>
-              </a:rPr>
-              <a:t>Bulleted list</a:t>
-            </a:r>
-          </a:p>
-          <a:p>
-            <a:pPr marL="342900" indent="-342900">
-              <a:buFont typeface="Arial" charset="0"/>
-              <a:buChar char="•"/>
-            </a:pPr>
-            <a:r>
-              <a:rPr lang="en-US" sz="2200" dirty="0" smtClean="0">
-                <a:solidFill>
-                  <a:schemeClr val="bg1"/>
-                </a:solidFill>
-                <a:latin typeface="tahoma" charset="0"/>
-              </a:rPr>
-              <a:t>Item 1</a:t>
-            </a:r>
-          </a:p>
-          <a:p>
-            <a:pPr marL="342900" indent="-342900">
-              <a:buFont typeface="Arial" charset="0"/>
-              <a:buChar char="•"/>
-            </a:pPr>
-            <a:r>
-              <a:rPr lang="en-US" sz="2200" dirty="0" smtClean="0">
-                <a:solidFill>
-                  <a:schemeClr val="bg1"/>
-                </a:solidFill>
-                <a:latin typeface="tahoma" charset="0"/>
-              </a:rPr>
-              <a:t>Item 2</a:t>
-            </a:r>
-          </a:p>
-          <a:p>
-            <a:pPr marL="342900" indent="-342900">
-              <a:buFont typeface="Arial" charset="0"/>
-              <a:buChar char="•"/>
-            </a:pPr>
-            <a:r>
-              <a:rPr lang="en-US" sz="2200" dirty="0" smtClean="0">
-                <a:solidFill>
-                  <a:schemeClr val="bg1"/>
-                </a:solidFill>
-                <a:latin typeface="tahoma" charset="0"/>
-              </a:rPr>
-              <a:t>Item 3</a:t>
-            </a:r>
-          </a:p>
-        </p:txBody>
-      </p:sp>
-      <p:sp>
-        <p:nvSpPr>
-          <p:cNvPr id="22" name="TextBox 21"/>
-          <p:cNvSpPr txBox="1"/>
-          <p:nvPr/>
-        </p:nvSpPr>
-        <p:spPr>
-          <a:xfrm>
-            <a:off x="968623" y="6337275"/>
-            <a:ext cx="5832648" cy="2339102"/>
-          </a:xfrm>
-          <a:prstGeom prst="rect">
-            <a:avLst/>
-          </a:prstGeom>
-          <a:noFill/>
-          <a:ln>
-            <a:solidFill>
-              <a:schemeClr val="bg1"/>
-            </a:solidFill>
-          </a:ln>
-        </p:spPr>
-        <p:txBody>
-          <a:bodyPr wrap="square" rtlCol="0">
-            <a:spAutoFit/>
-          </a:bodyPr>
-          <a:lstStyle/>
-          <a:p>
-            <a:r>
-              <a:rPr lang="en-US" dirty="0" smtClean="0">
-                <a:solidFill>
-                  <a:schemeClr val="bg1"/>
-                </a:solidFill>
-                <a:latin typeface="Futura Medium" charset="0"/>
-                <a:ea typeface="Futura Medium" charset="0"/>
-                <a:cs typeface="Futura Medium" charset="0"/>
-              </a:rPr>
-              <a:t>Font Options 3</a:t>
-            </a:r>
-          </a:p>
-          <a:p>
-            <a:r>
-              <a:rPr lang="en-US" sz="2200" dirty="0" smtClean="0">
-                <a:solidFill>
-                  <a:schemeClr val="bg1"/>
-                </a:solidFill>
-                <a:latin typeface="Helvetica" charset="0"/>
-                <a:ea typeface="Helvetica" charset="0"/>
-                <a:cs typeface="Helvetica" charset="0"/>
-              </a:rPr>
-              <a:t>Regular Text </a:t>
-            </a:r>
-          </a:p>
-          <a:p>
-            <a:r>
-              <a:rPr lang="en-US" sz="2200" dirty="0" smtClean="0">
-                <a:solidFill>
-                  <a:schemeClr val="bg1"/>
-                </a:solidFill>
-                <a:latin typeface="Helvetica" charset="0"/>
-                <a:ea typeface="Helvetica" charset="0"/>
-                <a:cs typeface="Helvetica" charset="0"/>
-              </a:rPr>
-              <a:t>Bulleted list</a:t>
-            </a:r>
-          </a:p>
-          <a:p>
-            <a:pPr marL="342900" indent="-342900">
-              <a:buFont typeface="Arial" charset="0"/>
-              <a:buChar char="•"/>
-            </a:pPr>
-            <a:r>
-              <a:rPr lang="en-US" sz="2200" dirty="0" smtClean="0">
-                <a:solidFill>
-                  <a:schemeClr val="bg1"/>
-                </a:solidFill>
-                <a:latin typeface="Helvetica" charset="0"/>
-                <a:ea typeface="Helvetica" charset="0"/>
-                <a:cs typeface="Helvetica" charset="0"/>
-              </a:rPr>
-              <a:t>Item 1</a:t>
-            </a:r>
-          </a:p>
-          <a:p>
-            <a:pPr marL="342900" indent="-342900">
-              <a:buFont typeface="Arial" charset="0"/>
-              <a:buChar char="•"/>
-            </a:pPr>
-            <a:r>
-              <a:rPr lang="en-US" sz="2200" dirty="0" smtClean="0">
-                <a:solidFill>
-                  <a:schemeClr val="bg1"/>
-                </a:solidFill>
-                <a:latin typeface="Helvetica" charset="0"/>
-                <a:ea typeface="Helvetica" charset="0"/>
-                <a:cs typeface="Helvetica" charset="0"/>
-              </a:rPr>
-              <a:t>Item 2</a:t>
-            </a:r>
-          </a:p>
-          <a:p>
-            <a:pPr marL="342900" indent="-342900">
-              <a:buFont typeface="Arial" charset="0"/>
-              <a:buChar char="•"/>
-            </a:pPr>
-            <a:r>
-              <a:rPr lang="en-US" sz="2200" dirty="0" smtClean="0">
-                <a:solidFill>
-                  <a:schemeClr val="bg1"/>
-                </a:solidFill>
-                <a:latin typeface="Helvetica" charset="0"/>
-                <a:ea typeface="Helvetica" charset="0"/>
-                <a:cs typeface="Helvetica" charset="0"/>
-              </a:rPr>
-              <a:t>Item 3</a:t>
-            </a:r>
-          </a:p>
-        </p:txBody>
-      </p:sp>
-      <p:sp>
-        <p:nvSpPr>
-          <p:cNvPr id="23" name="TextBox 22"/>
-          <p:cNvSpPr txBox="1"/>
-          <p:nvPr/>
-        </p:nvSpPr>
-        <p:spPr>
-          <a:xfrm>
-            <a:off x="968623" y="8929563"/>
-            <a:ext cx="5832648" cy="2339102"/>
-          </a:xfrm>
-          <a:prstGeom prst="rect">
-            <a:avLst/>
-          </a:prstGeom>
-          <a:noFill/>
-          <a:ln>
-            <a:solidFill>
-              <a:schemeClr val="bg1"/>
-            </a:solidFill>
-          </a:ln>
-        </p:spPr>
-        <p:txBody>
-          <a:bodyPr wrap="square" rtlCol="0">
-            <a:spAutoFit/>
-          </a:bodyPr>
-          <a:lstStyle/>
-          <a:p>
-            <a:r>
-              <a:rPr lang="en-US" dirty="0" smtClean="0">
+              <a:t>Title:</a:t>
+            </a:r>
+            <a:r>
+              <a:rPr lang="en-US" sz="6000" b="1" dirty="0" smtClean="0">
                 <a:solidFill>
                   <a:schemeClr val="bg1"/>
                 </a:solidFill>
@@ -6857,84 +7497,188 @@
                 <a:ea typeface="Corbel" charset="0"/>
                 <a:cs typeface="Corbel" charset="0"/>
               </a:rPr>
-              <a:t>Font Options 3</a:t>
-            </a:r>
-          </a:p>
-          <a:p>
-            <a:r>
-              <a:rPr lang="en-US" sz="2200" dirty="0" smtClean="0">
-                <a:solidFill>
-                  <a:schemeClr val="bg1"/>
-                </a:solidFill>
-                <a:latin typeface="Helvetica" charset="0"/>
-                <a:ea typeface="Helvetica" charset="0"/>
-                <a:cs typeface="Helvetica" charset="0"/>
-              </a:rPr>
-              <a:t>Regular Text </a:t>
-            </a:r>
-          </a:p>
-          <a:p>
-            <a:r>
-              <a:rPr lang="en-US" sz="2200" dirty="0" smtClean="0">
-                <a:solidFill>
-                  <a:schemeClr val="bg1"/>
-                </a:solidFill>
-                <a:latin typeface="Helvetica" charset="0"/>
-                <a:ea typeface="Helvetica" charset="0"/>
-                <a:cs typeface="Helvetica" charset="0"/>
-              </a:rPr>
-              <a:t>Bulleted list</a:t>
-            </a:r>
-          </a:p>
-          <a:p>
-            <a:pPr marL="342900" indent="-342900">
-              <a:buFont typeface="Arial" charset="0"/>
-              <a:buChar char="•"/>
-            </a:pPr>
-            <a:r>
-              <a:rPr lang="en-US" sz="2200" dirty="0" smtClean="0">
-                <a:solidFill>
-                  <a:schemeClr val="bg1"/>
-                </a:solidFill>
-                <a:latin typeface="Helvetica" charset="0"/>
-                <a:ea typeface="Helvetica" charset="0"/>
-                <a:cs typeface="Helvetica" charset="0"/>
-              </a:rPr>
-              <a:t>Item 1</a:t>
-            </a:r>
-          </a:p>
-          <a:p>
-            <a:pPr marL="342900" indent="-342900">
-              <a:buFont typeface="Arial" charset="0"/>
-              <a:buChar char="•"/>
-            </a:pPr>
-            <a:r>
-              <a:rPr lang="en-US" sz="2200" dirty="0" smtClean="0">
-                <a:solidFill>
-                  <a:schemeClr val="bg1"/>
-                </a:solidFill>
-                <a:latin typeface="Helvetica" charset="0"/>
-                <a:ea typeface="Helvetica" charset="0"/>
-                <a:cs typeface="Helvetica" charset="0"/>
-              </a:rPr>
-              <a:t>Item 2</a:t>
-            </a:r>
-          </a:p>
-          <a:p>
-            <a:pPr marL="342900" indent="-342900">
-              <a:buFont typeface="Arial" charset="0"/>
-              <a:buChar char="•"/>
-            </a:pPr>
-            <a:r>
-              <a:rPr lang="en-US" sz="2200" dirty="0" smtClean="0">
-                <a:solidFill>
-                  <a:schemeClr val="bg1"/>
-                </a:solidFill>
-                <a:latin typeface="Helvetica" charset="0"/>
-                <a:ea typeface="Helvetica" charset="0"/>
-                <a:cs typeface="Helvetica" charset="0"/>
-              </a:rPr>
-              <a:t>Item 3</a:t>
+              <a:t> </a:t>
+            </a:r>
+            <a:r>
+              <a:rPr lang="en-US" sz="6000" dirty="0" smtClean="0">
+                <a:solidFill>
+                  <a:schemeClr val="bg1"/>
+                </a:solidFill>
+                <a:latin typeface="Corbel" charset="0"/>
+                <a:ea typeface="Corbel" charset="0"/>
+                <a:cs typeface="Corbel" charset="0"/>
+              </a:rPr>
+              <a:t>60min – 80max</a:t>
+            </a:r>
+            <a:br>
+              <a:rPr lang="en-US" sz="6000" dirty="0" smtClean="0">
+                <a:solidFill>
+                  <a:schemeClr val="bg1"/>
+                </a:solidFill>
+                <a:latin typeface="Corbel" charset="0"/>
+                <a:ea typeface="Corbel" charset="0"/>
+                <a:cs typeface="Corbel" charset="0"/>
+              </a:rPr>
+            </a:br>
+            <a:r>
+              <a:rPr lang="en-US" dirty="0" smtClean="0">
+                <a:solidFill>
+                  <a:schemeClr val="bg1"/>
+                </a:solidFill>
+                <a:latin typeface="Corbel" charset="0"/>
+                <a:ea typeface="Corbel" charset="0"/>
+                <a:cs typeface="Corbel" charset="0"/>
+              </a:rPr>
+              <a:t>Header 1 (</a:t>
+            </a:r>
+            <a:r>
+              <a:rPr lang="en-US" b="1" dirty="0" smtClean="0">
+                <a:solidFill>
+                  <a:schemeClr val="bg1"/>
+                </a:solidFill>
+                <a:latin typeface="Corbel" charset="0"/>
+                <a:ea typeface="Corbel" charset="0"/>
+                <a:cs typeface="Corbel" charset="0"/>
+              </a:rPr>
+              <a:t>36</a:t>
+            </a:r>
+            <a:r>
+              <a:rPr lang="en-US" dirty="0" smtClean="0">
+                <a:solidFill>
+                  <a:schemeClr val="bg1"/>
+                </a:solidFill>
+                <a:latin typeface="Corbel" charset="0"/>
+                <a:ea typeface="Corbel" charset="0"/>
+                <a:cs typeface="Corbel" charset="0"/>
+              </a:rPr>
+              <a:t>)</a:t>
+            </a:r>
+          </a:p>
+          <a:p>
+            <a:r>
+              <a:rPr lang="en-US" sz="2800" dirty="0" smtClean="0">
+                <a:solidFill>
+                  <a:schemeClr val="bg1"/>
+                </a:solidFill>
+                <a:latin typeface="Corbel" charset="0"/>
+                <a:ea typeface="Corbel" charset="0"/>
+                <a:cs typeface="Corbel" charset="0"/>
+              </a:rPr>
+              <a:t>Header 2 (</a:t>
+            </a:r>
+            <a:r>
+              <a:rPr lang="en-US" sz="2800" b="1" dirty="0" smtClean="0">
+                <a:solidFill>
+                  <a:schemeClr val="bg1"/>
+                </a:solidFill>
+                <a:latin typeface="Corbel" charset="0"/>
+                <a:ea typeface="Corbel" charset="0"/>
+                <a:cs typeface="Corbel" charset="0"/>
+              </a:rPr>
+              <a:t>28</a:t>
+            </a:r>
+            <a:r>
+              <a:rPr lang="en-US" sz="2800" dirty="0" smtClean="0">
+                <a:solidFill>
+                  <a:schemeClr val="bg1"/>
+                </a:solidFill>
+                <a:latin typeface="Corbel" charset="0"/>
+                <a:ea typeface="Corbel" charset="0"/>
+                <a:cs typeface="Corbel" charset="0"/>
+              </a:rPr>
+              <a:t>)</a:t>
+            </a:r>
+          </a:p>
+          <a:p>
+            <a:r>
+              <a:rPr lang="en-US" sz="2000" dirty="0" smtClean="0">
+                <a:solidFill>
+                  <a:schemeClr val="bg1"/>
+                </a:solidFill>
+                <a:latin typeface="Tahoma" charset="0"/>
+                <a:ea typeface="Tahoma" charset="0"/>
+                <a:cs typeface="Tahoma" charset="0"/>
+              </a:rPr>
+              <a:t>Body </a:t>
+            </a:r>
+            <a:r>
+              <a:rPr lang="en-US" sz="2000" dirty="0">
+                <a:solidFill>
+                  <a:schemeClr val="bg1"/>
+                </a:solidFill>
+                <a:latin typeface="Tahoma" charset="0"/>
+                <a:ea typeface="Tahoma" charset="0"/>
+                <a:cs typeface="Tahoma" charset="0"/>
+              </a:rPr>
+              <a:t>Text : </a:t>
+            </a:r>
+            <a:r>
+              <a:rPr lang="en-US" sz="2000" b="1" dirty="0" smtClean="0">
+                <a:solidFill>
+                  <a:schemeClr val="bg1"/>
+                </a:solidFill>
+                <a:latin typeface="Tahoma" charset="0"/>
+                <a:ea typeface="Tahoma" charset="0"/>
+                <a:cs typeface="Tahoma" charset="0"/>
+              </a:rPr>
+              <a:t>20min</a:t>
+            </a:r>
+            <a:r>
+              <a:rPr lang="en-US" sz="2000" dirty="0" smtClean="0">
+                <a:solidFill>
+                  <a:schemeClr val="bg1"/>
+                </a:solidFill>
+                <a:latin typeface="Tahoma" charset="0"/>
+                <a:ea typeface="Tahoma" charset="0"/>
+                <a:cs typeface="Tahoma" charset="0"/>
+              </a:rPr>
+              <a:t> </a:t>
+            </a:r>
+            <a:r>
+              <a:rPr lang="en-US" sz="2000" dirty="0">
+                <a:solidFill>
+                  <a:schemeClr val="bg1"/>
+                </a:solidFill>
+                <a:latin typeface="Tahoma" charset="0"/>
+                <a:ea typeface="Tahoma" charset="0"/>
+                <a:cs typeface="Tahoma" charset="0"/>
+              </a:rPr>
+              <a:t>– 32max (for best effect) </a:t>
+            </a:r>
+          </a:p>
+          <a:p>
+            <a:r>
+              <a:rPr lang="en-US" sz="1600" dirty="0">
+                <a:solidFill>
+                  <a:schemeClr val="bg1"/>
+                </a:solidFill>
+                <a:latin typeface="Tahoma" charset="0"/>
+                <a:ea typeface="Tahoma" charset="0"/>
+                <a:cs typeface="Tahoma" charset="0"/>
+              </a:rPr>
+              <a:t>                   : </a:t>
+            </a:r>
+            <a:r>
+              <a:rPr lang="en-US" sz="1600" b="1" dirty="0" smtClean="0">
+                <a:solidFill>
+                  <a:schemeClr val="bg1"/>
+                </a:solidFill>
+                <a:latin typeface="Tahoma" charset="0"/>
+                <a:ea typeface="Tahoma" charset="0"/>
+                <a:cs typeface="Tahoma" charset="0"/>
+              </a:rPr>
+              <a:t>16 </a:t>
+            </a:r>
+            <a:r>
+              <a:rPr lang="en-US" sz="1600" dirty="0">
+                <a:solidFill>
+                  <a:schemeClr val="bg1"/>
+                </a:solidFill>
+                <a:latin typeface="Tahoma" charset="0"/>
+                <a:ea typeface="Tahoma" charset="0"/>
+                <a:cs typeface="Tahoma" charset="0"/>
+              </a:rPr>
+              <a:t>absolute min – 40 absolute max</a:t>
             </a:r>
           </a:p>
         </p:txBody>
@@ -6942,7 +7686,7 @@
     </p:spTree>
     <p:extLst>
       <p:ext uri="{BB962C8B-B14F-4D97-AF65-F5344CB8AC3E}">
-        <p14:creationId xmlns:p14="http://schemas.microsoft.com/office/powerpoint/2010/main" val="983637418"/>
+        <p14:creationId xmlns:p14="http://schemas.microsoft.com/office/powerpoint/2010/main" val="1085673973"/>
       </p:ext>
     </p:extLst>
   </p:cSld>
@@ -6965,7 +7709,9 @@
     <p:bg>
       <p:bgPr>
         <a:solidFill>
-          <a:srgbClr val="413E4A"/>
+          <a:schemeClr val="accent1">
+            <a:lumMod val="50000"/>
+          </a:schemeClr>
         </a:solidFill>
         <a:effectLst/>
       </p:bgPr>
@@ -6986,20 +7732,132 @@
       </p:grpSpPr>
       <p:sp>
         <p:nvSpPr>
-          <p:cNvPr id="4" name="Rectangle 3"/>
-          <p:cNvSpPr/>
+          <p:cNvPr id="7" name="TextBox 6"/>
+          <p:cNvSpPr txBox="1"/>
           <p:nvPr/>
         </p:nvSpPr>
         <p:spPr>
           <a:xfrm>
-            <a:off x="10883988" y="-572"/>
-            <a:ext cx="274320" cy="18288000"/>
+            <a:off x="8625343" y="0"/>
+            <a:ext cx="1688704" cy="1446550"/>
           </a:xfrm>
           <a:prstGeom prst="rect">
             <a:avLst/>
           </a:prstGeom>
           <a:solidFill>
-            <a:schemeClr val="tx1"/>
+            <a:schemeClr val="bg1">
+              <a:lumMod val="85000"/>
+            </a:schemeClr>
+          </a:solidFill>
+        </p:spPr>
+        <p:txBody>
+          <a:bodyPr wrap="square" rtlCol="0">
+            <a:spAutoFit/>
+          </a:bodyPr>
+          <a:lstStyle/>
+          <a:p>
+            <a:pPr algn="ctr"/>
+            <a:endParaRPr lang="en-AU" sz="2800" dirty="0" smtClean="0"/>
+          </a:p>
+          <a:p>
+            <a:pPr algn="ctr"/>
+            <a:r>
+              <a:rPr lang="en-AU" sz="3200" b="1" dirty="0" smtClean="0"/>
+              <a:t>115</a:t>
+            </a:r>
+          </a:p>
+          <a:p>
+            <a:pPr algn="ctr"/>
+            <a:endParaRPr lang="en-AU" sz="2800" dirty="0" smtClean="0">
+              <a:solidFill>
+                <a:schemeClr val="bg1"/>
+              </a:solidFill>
+            </a:endParaRPr>
+          </a:p>
+        </p:txBody>
+      </p:sp>
+      <p:sp>
+        <p:nvSpPr>
+          <p:cNvPr id="3" name="TextBox 2"/>
+          <p:cNvSpPr txBox="1"/>
+          <p:nvPr/>
+        </p:nvSpPr>
+        <p:spPr>
+          <a:xfrm>
+            <a:off x="248543" y="13970123"/>
+            <a:ext cx="9793088" cy="4093428"/>
+          </a:xfrm>
+          <a:prstGeom prst="rect">
+            <a:avLst/>
+          </a:prstGeom>
+          <a:noFill/>
+          <a:ln>
+            <a:solidFill>
+              <a:schemeClr val="bg1"/>
+            </a:solidFill>
+          </a:ln>
+        </p:spPr>
+        <p:txBody>
+          <a:bodyPr wrap="square" rtlCol="0">
+            <a:spAutoFit/>
+          </a:bodyPr>
+          <a:lstStyle/>
+          <a:p>
+            <a:r>
+              <a:rPr lang="en-US" sz="8000" dirty="0">
+                <a:solidFill>
+                  <a:schemeClr val="bg1"/>
+                </a:solidFill>
+              </a:rPr>
+              <a:t>Charon:</a:t>
+            </a:r>
+            <a:r>
+              <a:rPr lang="en-US" sz="6000" dirty="0">
+                <a:solidFill>
+                  <a:schemeClr val="bg1"/>
+                </a:solidFill>
+              </a:rPr>
+              <a:t> </a:t>
+            </a:r>
+            <a:endParaRPr lang="en-US" sz="6000" dirty="0" smtClean="0">
+              <a:solidFill>
+                <a:schemeClr val="bg1"/>
+              </a:solidFill>
+            </a:endParaRPr>
+          </a:p>
+          <a:p>
+            <a:r>
+              <a:rPr lang="en-US" sz="6000" dirty="0" smtClean="0">
+                <a:solidFill>
+                  <a:schemeClr val="bg1"/>
+                </a:solidFill>
+              </a:rPr>
+              <a:t>Using the Repository to Support Digital Humanities Workflows</a:t>
+            </a:r>
+            <a:endParaRPr lang="en-US" sz="6000" dirty="0">
+              <a:solidFill>
+                <a:schemeClr val="bg1"/>
+              </a:solidFill>
+            </a:endParaRPr>
+          </a:p>
+        </p:txBody>
+      </p:sp>
+      <p:sp>
+        <p:nvSpPr>
+          <p:cNvPr id="4" name="Rectangle 3"/>
+          <p:cNvSpPr/>
+          <p:nvPr/>
+        </p:nvSpPr>
+        <p:spPr>
+          <a:xfrm>
+            <a:off x="0" y="0"/>
+            <a:ext cx="274320" cy="18288000"/>
+          </a:xfrm>
+          <a:prstGeom prst="rect">
+            <a:avLst/>
+          </a:prstGeom>
+          <a:solidFill>
+            <a:schemeClr val="bg1"/>
           </a:solidFill>
           <a:ln>
             <a:solidFill>
@@ -7040,14 +7898,14 @@
         </p:nvSpPr>
         <p:spPr>
           <a:xfrm>
-            <a:off x="20899843" y="-18366"/>
+            <a:off x="10015855" y="-17794"/>
             <a:ext cx="274320" cy="18288000"/>
           </a:xfrm>
           <a:prstGeom prst="rect">
             <a:avLst/>
           </a:prstGeom>
           <a:solidFill>
-            <a:schemeClr val="tx1"/>
+            <a:schemeClr val="bg1"/>
           </a:solidFill>
           <a:ln>
             <a:solidFill>
@@ -7088,14 +7946,14 @@
         </p:nvSpPr>
         <p:spPr>
           <a:xfrm rot="5400000">
-            <a:off x="15901705" y="-5006912"/>
+            <a:off x="5017717" y="-5006340"/>
             <a:ext cx="274320" cy="10287000"/>
           </a:xfrm>
           <a:prstGeom prst="rect">
             <a:avLst/>
           </a:prstGeom>
           <a:solidFill>
-            <a:schemeClr val="tx1"/>
+            <a:schemeClr val="bg1"/>
           </a:solidFill>
           <a:ln>
             <a:solidFill>
@@ -7136,14 +7994,14 @@
         </p:nvSpPr>
         <p:spPr>
           <a:xfrm rot="5400000">
-            <a:off x="15890328" y="13009943"/>
+            <a:off x="5006340" y="13010515"/>
             <a:ext cx="274320" cy="10287000"/>
           </a:xfrm>
           <a:prstGeom prst="rect">
             <a:avLst/>
           </a:prstGeom>
           <a:solidFill>
-            <a:schemeClr val="tx1"/>
+            <a:schemeClr val="bg1"/>
           </a:solidFill>
           <a:ln>
             <a:solidFill>
@@ -7178,20 +8036,173 @@
       </p:sp>
       <p:sp>
         <p:nvSpPr>
+          <p:cNvPr id="5" name="TextBox 4"/>
+          <p:cNvSpPr txBox="1"/>
+          <p:nvPr/>
+        </p:nvSpPr>
+        <p:spPr>
+          <a:xfrm>
+            <a:off x="248543" y="12745987"/>
+            <a:ext cx="4176464" cy="1015663"/>
+          </a:xfrm>
+          <a:prstGeom prst="rect">
+            <a:avLst/>
+          </a:prstGeom>
+          <a:noFill/>
+          <a:ln>
+            <a:solidFill>
+              <a:schemeClr val="bg1"/>
+            </a:solidFill>
+          </a:ln>
+        </p:spPr>
+        <p:txBody>
+          <a:bodyPr wrap="square" rtlCol="0">
+            <a:spAutoFit/>
+          </a:bodyPr>
+          <a:lstStyle/>
+          <a:p>
+            <a:r>
+              <a:rPr lang="en-US" sz="3800" dirty="0" smtClean="0">
+                <a:solidFill>
+                  <a:schemeClr val="bg1"/>
+                </a:solidFill>
+              </a:rPr>
+              <a:t>Main Header</a:t>
+            </a:r>
+          </a:p>
+          <a:p>
+            <a:r>
+              <a:rPr lang="en-US" sz="2200" dirty="0" smtClean="0">
+                <a:solidFill>
+                  <a:schemeClr val="bg1"/>
+                </a:solidFill>
+              </a:rPr>
+              <a:t>Main Text</a:t>
+            </a:r>
+            <a:endParaRPr lang="en-US" sz="2200" dirty="0">
+              <a:solidFill>
+                <a:schemeClr val="bg1"/>
+              </a:solidFill>
+            </a:endParaRPr>
+          </a:p>
+        </p:txBody>
+      </p:sp>
+      <p:sp>
+        <p:nvSpPr>
+          <p:cNvPr id="11" name="TextBox 10"/>
+          <p:cNvSpPr txBox="1"/>
+          <p:nvPr/>
+        </p:nvSpPr>
+        <p:spPr>
+          <a:xfrm>
+            <a:off x="392559" y="360611"/>
+            <a:ext cx="5832648" cy="2339102"/>
+          </a:xfrm>
+          <a:prstGeom prst="rect">
+            <a:avLst/>
+          </a:prstGeom>
+          <a:noFill/>
+          <a:ln>
+            <a:solidFill>
+              <a:schemeClr val="bg1"/>
+            </a:solidFill>
+          </a:ln>
+        </p:spPr>
+        <p:txBody>
+          <a:bodyPr wrap="square" rtlCol="0">
+            <a:spAutoFit/>
+          </a:bodyPr>
+          <a:lstStyle/>
+          <a:p>
+            <a:r>
+              <a:rPr lang="en-US" dirty="0" smtClean="0">
+                <a:solidFill>
+                  <a:schemeClr val="bg1"/>
+                </a:solidFill>
+              </a:rPr>
+              <a:t>Regular Header</a:t>
+            </a:r>
+          </a:p>
+          <a:p>
+            <a:r>
+              <a:rPr lang="en-US" sz="2200" dirty="0" smtClean="0">
+                <a:solidFill>
+                  <a:schemeClr val="bg1"/>
+                </a:solidFill>
+              </a:rPr>
+              <a:t>Regular Text </a:t>
+            </a:r>
+          </a:p>
+          <a:p>
+            <a:r>
+              <a:rPr lang="en-US" sz="2200" dirty="0" smtClean="0">
+                <a:solidFill>
+                  <a:schemeClr val="bg1"/>
+                </a:solidFill>
+              </a:rPr>
+              <a:t>Bulleted list</a:t>
+            </a:r>
+          </a:p>
+          <a:p>
+            <a:pPr marL="342900" indent="-342900">
+              <a:buFont typeface="Arial" charset="0"/>
+              <a:buChar char="•"/>
+            </a:pPr>
+            <a:r>
+              <a:rPr lang="en-US" sz="2200" dirty="0" smtClean="0">
+                <a:solidFill>
+                  <a:schemeClr val="bg1"/>
+                </a:solidFill>
+              </a:rPr>
+              <a:t>Item 1</a:t>
+            </a:r>
+          </a:p>
+          <a:p>
+            <a:pPr marL="342900" indent="-342900">
+              <a:buFont typeface="Arial" charset="0"/>
+              <a:buChar char="•"/>
+            </a:pPr>
+            <a:r>
+              <a:rPr lang="en-US" sz="2200" dirty="0" smtClean="0">
+                <a:solidFill>
+                  <a:schemeClr val="bg1"/>
+                </a:solidFill>
+              </a:rPr>
+              <a:t>Item 2</a:t>
+            </a:r>
+          </a:p>
+          <a:p>
+            <a:pPr marL="342900" indent="-342900">
+              <a:buFont typeface="Arial" charset="0"/>
+              <a:buChar char="•"/>
+            </a:pPr>
+            <a:r>
+              <a:rPr lang="en-US" sz="2200" dirty="0" smtClean="0">
+                <a:solidFill>
+                  <a:schemeClr val="bg1"/>
+                </a:solidFill>
+              </a:rPr>
+              <a:t>Item 3</a:t>
+            </a:r>
+          </a:p>
+        </p:txBody>
+      </p:sp>
+      <p:sp>
+        <p:nvSpPr>
           <p:cNvPr id="12" name="Rectangle 11"/>
           <p:cNvSpPr/>
           <p:nvPr/>
         </p:nvSpPr>
         <p:spPr>
           <a:xfrm>
-            <a:off x="10915871" y="3240359"/>
+            <a:off x="3175" y="13754099"/>
             <a:ext cx="10287000" cy="228600"/>
           </a:xfrm>
           <a:prstGeom prst="rect">
             <a:avLst/>
           </a:prstGeom>
           <a:solidFill>
-            <a:schemeClr val="tx1"/>
+            <a:schemeClr val="bg1"/>
           </a:solidFill>
           <a:ln>
             <a:solidFill>
@@ -7226,1925 +8237,268 @@
       </p:sp>
       <p:sp>
         <p:nvSpPr>
-          <p:cNvPr id="22" name="Rectangle 21"/>
-          <p:cNvSpPr/>
+          <p:cNvPr id="13" name="TextBox 12"/>
+          <p:cNvSpPr txBox="1"/>
           <p:nvPr/>
         </p:nvSpPr>
         <p:spPr>
           <a:xfrm>
-            <a:off x="10887163" y="6336703"/>
-            <a:ext cx="10287000" cy="228600"/>
+            <a:off x="4092925" y="10801771"/>
+            <a:ext cx="2107500" cy="677108"/>
           </a:xfrm>
           <a:prstGeom prst="rect">
             <a:avLst/>
           </a:prstGeom>
-          <a:solidFill>
-            <a:schemeClr val="tx1"/>
-          </a:solidFill>
-          <a:ln>
+          <a:noFill/>
+        </p:spPr>
+        <p:txBody>
+          <a:bodyPr wrap="none" rtlCol="0">
+            <a:spAutoFit/>
+          </a:bodyPr>
+          <a:lstStyle/>
+          <a:p>
+            <a:r>
+              <a:rPr lang="en-US" sz="3800" smtClean="0">
+                <a:solidFill>
+                  <a:schemeClr val="bg1"/>
+                </a:solidFill>
+              </a:rPr>
+              <a:t>Configure</a:t>
+            </a:r>
+            <a:endParaRPr lang="en-US" sz="3800">
+              <a:solidFill>
+                <a:schemeClr val="bg1"/>
+              </a:solidFill>
+            </a:endParaRPr>
+          </a:p>
+        </p:txBody>
+      </p:sp>
+      <p:sp>
+        <p:nvSpPr>
+          <p:cNvPr id="14" name="TextBox 13"/>
+          <p:cNvSpPr txBox="1"/>
+          <p:nvPr/>
+        </p:nvSpPr>
+        <p:spPr>
+          <a:xfrm>
+            <a:off x="4353028" y="8808621"/>
+            <a:ext cx="1587294" cy="677108"/>
+          </a:xfrm>
+          <a:prstGeom prst="rect">
+            <a:avLst/>
+          </a:prstGeom>
+          <a:noFill/>
+        </p:spPr>
+        <p:txBody>
+          <a:bodyPr wrap="none" rtlCol="0">
+            <a:spAutoFit/>
+          </a:bodyPr>
+          <a:lstStyle/>
+          <a:p>
+            <a:r>
+              <a:rPr lang="en-US" sz="3800" smtClean="0">
+                <a:solidFill>
+                  <a:schemeClr val="bg1"/>
+                </a:solidFill>
+              </a:rPr>
+              <a:t>Submit</a:t>
+            </a:r>
+            <a:endParaRPr lang="en-US" sz="3800" dirty="0">
+              <a:solidFill>
+                <a:schemeClr val="bg1"/>
+              </a:solidFill>
+            </a:endParaRPr>
+          </a:p>
+        </p:txBody>
+      </p:sp>
+      <p:sp>
+        <p:nvSpPr>
+          <p:cNvPr id="15" name="TextBox 14"/>
+          <p:cNvSpPr txBox="1"/>
+          <p:nvPr/>
+        </p:nvSpPr>
+        <p:spPr>
+          <a:xfrm>
+            <a:off x="4673019" y="6841331"/>
+            <a:ext cx="947311" cy="677108"/>
+          </a:xfrm>
+          <a:prstGeom prst="rect">
+            <a:avLst/>
+          </a:prstGeom>
+          <a:noFill/>
+        </p:spPr>
+        <p:txBody>
+          <a:bodyPr wrap="none" rtlCol="0">
+            <a:spAutoFit/>
+          </a:bodyPr>
+          <a:lstStyle/>
+          <a:p>
+            <a:r>
+              <a:rPr lang="en-US" sz="3800" dirty="0" smtClean="0">
+                <a:solidFill>
+                  <a:schemeClr val="bg1"/>
+                </a:solidFill>
+              </a:rPr>
+              <a:t>Edit</a:t>
+            </a:r>
+            <a:endParaRPr lang="en-US" sz="3800" dirty="0">
+              <a:solidFill>
+                <a:schemeClr val="bg1"/>
+              </a:solidFill>
+            </a:endParaRPr>
+          </a:p>
+        </p:txBody>
+      </p:sp>
+      <p:sp>
+        <p:nvSpPr>
+          <p:cNvPr id="16" name="TextBox 15"/>
+          <p:cNvSpPr txBox="1"/>
+          <p:nvPr/>
+        </p:nvSpPr>
+        <p:spPr>
+          <a:xfrm>
+            <a:off x="4336196" y="4825107"/>
+            <a:ext cx="1620957" cy="677108"/>
+          </a:xfrm>
+          <a:prstGeom prst="rect">
+            <a:avLst/>
+          </a:prstGeom>
+          <a:noFill/>
+        </p:spPr>
+        <p:txBody>
+          <a:bodyPr wrap="none" rtlCol="0">
+            <a:spAutoFit/>
+          </a:bodyPr>
+          <a:lstStyle/>
+          <a:p>
+            <a:r>
+              <a:rPr lang="en-US" sz="3800" smtClean="0">
+                <a:solidFill>
+                  <a:schemeClr val="bg1"/>
+                </a:solidFill>
+              </a:rPr>
+              <a:t>Publish</a:t>
+            </a:r>
+            <a:endParaRPr lang="en-US" sz="3800">
+              <a:solidFill>
+                <a:schemeClr val="bg1"/>
+              </a:solidFill>
+            </a:endParaRPr>
+          </a:p>
+        </p:txBody>
+      </p:sp>
+      <p:cxnSp>
+        <p:nvCxnSpPr>
+          <p:cNvPr id="18" name="Straight Arrow Connector 17"/>
+          <p:cNvCxnSpPr/>
+          <p:nvPr/>
+        </p:nvCxnSpPr>
+        <p:spPr>
+          <a:xfrm flipV="1">
+            <a:off x="5146675" y="9505627"/>
+            <a:ext cx="0" cy="1224136"/>
+          </a:xfrm>
+          <a:prstGeom prst="straightConnector1">
+            <a:avLst/>
+          </a:prstGeom>
+          <a:ln w="127000">
             <a:solidFill>
               <a:schemeClr val="bg1"/>
             </a:solidFill>
+            <a:tailEnd type="triangle"/>
           </a:ln>
         </p:spPr>
         <p:style>
-          <a:lnRef idx="2">
-            <a:schemeClr val="accent1">
-              <a:shade val="50000"/>
-            </a:schemeClr>
+          <a:lnRef idx="1">
+            <a:schemeClr val="accent1"/>
           </a:lnRef>
-          <a:fillRef idx="1">
+          <a:fillRef idx="0">
             <a:schemeClr val="accent1"/>
           </a:fillRef>
           <a:effectRef idx="0">
             <a:schemeClr val="accent1"/>
           </a:effectRef>
           <a:fontRef idx="minor">
-            <a:schemeClr val="lt1"/>
+            <a:schemeClr val="tx1"/>
           </a:fontRef>
         </p:style>
-        <p:txBody>
-          <a:bodyPr rtlCol="0" anchor="ctr"/>
-          <a:lstStyle/>
-          <a:p>
-            <a:pPr algn="ctr"/>
-            <a:endParaRPr lang="en-US"/>
-          </a:p>
-        </p:txBody>
-      </p:sp>
-      <p:sp>
-        <p:nvSpPr>
-          <p:cNvPr id="23" name="Rectangle 22"/>
-          <p:cNvSpPr/>
+      </p:cxnSp>
+      <p:cxnSp>
+        <p:nvCxnSpPr>
+          <p:cNvPr id="20" name="Straight Arrow Connector 19"/>
+          <p:cNvCxnSpPr/>
           <p:nvPr/>
-        </p:nvSpPr>
-        <p:spPr>
-          <a:xfrm>
-            <a:off x="10887163" y="15985775"/>
-            <a:ext cx="10287000" cy="228600"/>
-          </a:xfrm>
-          <a:prstGeom prst="rect">
+        </p:nvCxnSpPr>
+        <p:spPr>
+          <a:xfrm flipV="1">
+            <a:off x="5092674" y="5545187"/>
+            <a:ext cx="0" cy="1224136"/>
+          </a:xfrm>
+          <a:prstGeom prst="straightConnector1">
             <a:avLst/>
           </a:prstGeom>
-          <a:solidFill>
-            <a:schemeClr val="tx1"/>
-          </a:solidFill>
-          <a:ln>
+          <a:ln w="127000">
             <a:solidFill>
               <a:schemeClr val="bg1"/>
             </a:solidFill>
+            <a:tailEnd type="triangle"/>
           </a:ln>
         </p:spPr>
         <p:style>
-          <a:lnRef idx="2">
-            <a:schemeClr val="accent1">
-              <a:shade val="50000"/>
-            </a:schemeClr>
+          <a:lnRef idx="1">
+            <a:schemeClr val="accent1"/>
           </a:lnRef>
-          <a:fillRef idx="1">
+          <a:fillRef idx="0">
             <a:schemeClr val="accent1"/>
           </a:fillRef>
           <a:effectRef idx="0">
             <a:schemeClr val="accent1"/>
           </a:effectRef>
           <a:fontRef idx="minor">
-            <a:schemeClr val="lt1"/>
+            <a:schemeClr val="tx1"/>
           </a:fontRef>
         </p:style>
-        <p:txBody>
-          <a:bodyPr rtlCol="0" anchor="ctr"/>
-          <a:lstStyle/>
-          <a:p>
-            <a:pPr algn="ctr"/>
-            <a:endParaRPr lang="en-US"/>
-          </a:p>
-        </p:txBody>
-      </p:sp>
-      <p:sp>
-        <p:nvSpPr>
-          <p:cNvPr id="25" name="Rectangle 24"/>
-          <p:cNvSpPr/>
+      </p:cxnSp>
+      <p:cxnSp>
+        <p:nvCxnSpPr>
+          <p:cNvPr id="21" name="Straight Arrow Connector 20"/>
+          <p:cNvCxnSpPr/>
           <p:nvPr/>
-        </p:nvSpPr>
-        <p:spPr>
-          <a:xfrm>
-            <a:off x="15914776" y="3384375"/>
-            <a:ext cx="228600" cy="2971800"/>
-          </a:xfrm>
-          <a:prstGeom prst="rect">
+        </p:nvCxnSpPr>
+        <p:spPr>
+          <a:xfrm flipV="1">
+            <a:off x="5147538" y="7561411"/>
+            <a:ext cx="0" cy="1224136"/>
+          </a:xfrm>
+          <a:prstGeom prst="straightConnector1">
             <a:avLst/>
           </a:prstGeom>
-          <a:solidFill>
-            <a:schemeClr val="tx1"/>
-          </a:solidFill>
-          <a:ln>
+          <a:ln w="127000">
             <a:solidFill>
               <a:schemeClr val="bg1"/>
             </a:solidFill>
+            <a:tailEnd type="triangle"/>
           </a:ln>
         </p:spPr>
         <p:style>
-          <a:lnRef idx="2">
-            <a:schemeClr val="accent1">
-              <a:shade val="50000"/>
-            </a:schemeClr>
+          <a:lnRef idx="1">
+            <a:schemeClr val="accent1"/>
           </a:lnRef>
-          <a:fillRef idx="1">
+          <a:fillRef idx="0">
             <a:schemeClr val="accent1"/>
           </a:fillRef>
           <a:effectRef idx="0">
             <a:schemeClr val="accent1"/>
           </a:effectRef>
           <a:fontRef idx="minor">
-            <a:schemeClr val="lt1"/>
+            <a:schemeClr val="tx1"/>
           </a:fontRef>
         </p:style>
-        <p:txBody>
-          <a:bodyPr rtlCol="0" anchor="ctr"/>
-          <a:lstStyle/>
-          <a:p>
-            <a:pPr algn="ctr"/>
-            <a:endParaRPr lang="en-US"/>
-          </a:p>
-        </p:txBody>
-      </p:sp>
-      <p:sp>
-        <p:nvSpPr>
-          <p:cNvPr id="43" name="Rectangle 42"/>
-          <p:cNvSpPr/>
-          <p:nvPr/>
-        </p:nvSpPr>
-        <p:spPr>
-          <a:xfrm>
-            <a:off x="18981403" y="16202371"/>
-            <a:ext cx="228600" cy="2057400"/>
-          </a:xfrm>
-          <a:prstGeom prst="rect">
-            <a:avLst/>
-          </a:prstGeom>
-          <a:solidFill>
-            <a:schemeClr val="tx1"/>
-          </a:solidFill>
-          <a:ln>
-            <a:solidFill>
-              <a:schemeClr val="bg1"/>
-            </a:solidFill>
-          </a:ln>
-        </p:spPr>
-        <p:style>
-          <a:lnRef idx="2">
-            <a:schemeClr val="accent1">
-              <a:shade val="50000"/>
-            </a:schemeClr>
-          </a:lnRef>
-          <a:fillRef idx="1">
-            <a:schemeClr val="accent1"/>
-          </a:fillRef>
-          <a:effectRef idx="0">
-            <a:schemeClr val="accent1"/>
-          </a:effectRef>
-          <a:fontRef idx="minor">
-            <a:schemeClr val="lt1"/>
-          </a:fontRef>
-        </p:style>
-        <p:txBody>
-          <a:bodyPr rtlCol="0" anchor="ctr"/>
-          <a:lstStyle/>
-          <a:p>
-            <a:pPr algn="ctr"/>
-            <a:endParaRPr lang="en-US"/>
-          </a:p>
-        </p:txBody>
-      </p:sp>
-      <p:sp>
-        <p:nvSpPr>
-          <p:cNvPr id="37" name="Rectangle 36"/>
-          <p:cNvSpPr/>
-          <p:nvPr/>
-        </p:nvSpPr>
-        <p:spPr>
-          <a:xfrm>
-            <a:off x="10883988" y="11377263"/>
-            <a:ext cx="10287000" cy="228600"/>
-          </a:xfrm>
-          <a:prstGeom prst="rect">
-            <a:avLst/>
-          </a:prstGeom>
-          <a:solidFill>
-            <a:schemeClr val="tx1"/>
-          </a:solidFill>
-          <a:ln>
-            <a:solidFill>
-              <a:schemeClr val="bg1"/>
-            </a:solidFill>
-          </a:ln>
-        </p:spPr>
-        <p:style>
-          <a:lnRef idx="2">
-            <a:schemeClr val="accent1">
-              <a:shade val="50000"/>
-            </a:schemeClr>
-          </a:lnRef>
-          <a:fillRef idx="1">
-            <a:schemeClr val="accent1"/>
-          </a:fillRef>
-          <a:effectRef idx="0">
-            <a:schemeClr val="accent1"/>
-          </a:effectRef>
-          <a:fontRef idx="minor">
-            <a:schemeClr val="lt1"/>
-          </a:fontRef>
-        </p:style>
-        <p:txBody>
-          <a:bodyPr rtlCol="0" anchor="ctr"/>
-          <a:lstStyle/>
-          <a:p>
-            <a:pPr algn="ctr"/>
-            <a:endParaRPr lang="en-US"/>
-          </a:p>
-        </p:txBody>
-      </p:sp>
-      <p:sp>
-        <p:nvSpPr>
-          <p:cNvPr id="48" name="Rounded Rectangle 47"/>
-          <p:cNvSpPr/>
-          <p:nvPr/>
-        </p:nvSpPr>
-        <p:spPr>
-          <a:xfrm>
-            <a:off x="320551" y="16274379"/>
-            <a:ext cx="7776864" cy="1800200"/>
-          </a:xfrm>
-          <a:prstGeom prst="roundRect">
-            <a:avLst/>
-          </a:prstGeom>
-          <a:solidFill>
-            <a:srgbClr val="73626E"/>
-          </a:solidFill>
-          <a:ln cap="rnd">
-            <a:solidFill>
-              <a:srgbClr val="73626E"/>
-            </a:solidFill>
-            <a:prstDash val="solid"/>
-          </a:ln>
-        </p:spPr>
-        <p:style>
-          <a:lnRef idx="2">
-            <a:schemeClr val="accent1">
-              <a:shade val="50000"/>
-            </a:schemeClr>
-          </a:lnRef>
-          <a:fillRef idx="1">
-            <a:schemeClr val="accent1"/>
-          </a:fillRef>
-          <a:effectRef idx="0">
-            <a:schemeClr val="accent1"/>
-          </a:effectRef>
-          <a:fontRef idx="minor">
-            <a:schemeClr val="lt1"/>
-          </a:fontRef>
-        </p:style>
-        <p:txBody>
-          <a:bodyPr rtlCol="0" anchor="ctr"/>
-          <a:lstStyle/>
-          <a:p>
-            <a:pPr algn="ctr"/>
-            <a:endParaRPr lang="en-US"/>
-          </a:p>
-        </p:txBody>
-      </p:sp>
-      <p:sp>
-        <p:nvSpPr>
-          <p:cNvPr id="47" name="Rounded Rectangle 46"/>
-          <p:cNvSpPr/>
-          <p:nvPr/>
-        </p:nvSpPr>
-        <p:spPr>
-          <a:xfrm>
-            <a:off x="284548" y="11665867"/>
-            <a:ext cx="9757084" cy="4248472"/>
-          </a:xfrm>
-          <a:prstGeom prst="roundRect">
-            <a:avLst/>
-          </a:prstGeom>
-          <a:solidFill>
-            <a:srgbClr val="73626E"/>
-          </a:solidFill>
-          <a:ln cap="rnd">
-            <a:solidFill>
-              <a:srgbClr val="73626E"/>
-            </a:solidFill>
-            <a:prstDash val="solid"/>
-          </a:ln>
-        </p:spPr>
-        <p:style>
-          <a:lnRef idx="2">
-            <a:schemeClr val="accent1">
-              <a:shade val="50000"/>
-            </a:schemeClr>
-          </a:lnRef>
-          <a:fillRef idx="1">
-            <a:schemeClr val="accent1"/>
-          </a:fillRef>
-          <a:effectRef idx="0">
-            <a:schemeClr val="accent1"/>
-          </a:effectRef>
-          <a:fontRef idx="minor">
-            <a:schemeClr val="lt1"/>
-          </a:fontRef>
-        </p:style>
-        <p:txBody>
-          <a:bodyPr rtlCol="0" anchor="ctr"/>
-          <a:lstStyle/>
-          <a:p>
-            <a:pPr algn="ctr"/>
-            <a:endParaRPr lang="en-US"/>
-          </a:p>
-        </p:txBody>
-      </p:sp>
-      <p:sp>
-        <p:nvSpPr>
-          <p:cNvPr id="46" name="Rounded Rectangle 45"/>
-          <p:cNvSpPr/>
-          <p:nvPr/>
-        </p:nvSpPr>
-        <p:spPr>
-          <a:xfrm>
-            <a:off x="320551" y="6625307"/>
-            <a:ext cx="9649072" cy="4680520"/>
-          </a:xfrm>
-          <a:prstGeom prst="roundRect">
-            <a:avLst/>
-          </a:prstGeom>
-          <a:solidFill>
-            <a:srgbClr val="73626E"/>
-          </a:solidFill>
-          <a:ln cap="rnd">
-            <a:solidFill>
-              <a:srgbClr val="73626E"/>
-            </a:solidFill>
-            <a:prstDash val="solid"/>
-          </a:ln>
-        </p:spPr>
-        <p:style>
-          <a:lnRef idx="2">
-            <a:schemeClr val="accent1">
-              <a:shade val="50000"/>
-            </a:schemeClr>
-          </a:lnRef>
-          <a:fillRef idx="1">
-            <a:schemeClr val="accent1"/>
-          </a:fillRef>
-          <a:effectRef idx="0">
-            <a:schemeClr val="accent1"/>
-          </a:effectRef>
-          <a:fontRef idx="minor">
-            <a:schemeClr val="lt1"/>
-          </a:fontRef>
-        </p:style>
-        <p:txBody>
-          <a:bodyPr rtlCol="0" anchor="ctr"/>
-          <a:lstStyle/>
-          <a:p>
-            <a:pPr algn="ctr"/>
-            <a:endParaRPr lang="en-US"/>
-          </a:p>
-        </p:txBody>
-      </p:sp>
-      <p:sp>
-        <p:nvSpPr>
-          <p:cNvPr id="42" name="Rounded Rectangle 41"/>
-          <p:cNvSpPr/>
-          <p:nvPr/>
-        </p:nvSpPr>
-        <p:spPr>
-          <a:xfrm>
-            <a:off x="320551" y="3528963"/>
-            <a:ext cx="4680520" cy="2808312"/>
-          </a:xfrm>
-          <a:prstGeom prst="roundRect">
-            <a:avLst/>
-          </a:prstGeom>
-          <a:solidFill>
-            <a:srgbClr val="73626E"/>
-          </a:solidFill>
-          <a:ln cap="rnd">
-            <a:solidFill>
-              <a:srgbClr val="73626E"/>
-            </a:solidFill>
-            <a:prstDash val="solid"/>
-          </a:ln>
-        </p:spPr>
-        <p:style>
-          <a:lnRef idx="2">
-            <a:schemeClr val="accent1">
-              <a:shade val="50000"/>
-            </a:schemeClr>
-          </a:lnRef>
-          <a:fillRef idx="1">
-            <a:schemeClr val="accent1"/>
-          </a:fillRef>
-          <a:effectRef idx="0">
-            <a:schemeClr val="accent1"/>
-          </a:effectRef>
-          <a:fontRef idx="minor">
-            <a:schemeClr val="lt1"/>
-          </a:fontRef>
-        </p:style>
-        <p:txBody>
-          <a:bodyPr rtlCol="0" anchor="ctr"/>
-          <a:lstStyle/>
-          <a:p>
-            <a:pPr algn="ctr"/>
-            <a:endParaRPr lang="en-US"/>
-          </a:p>
-        </p:txBody>
-      </p:sp>
-      <p:sp>
-        <p:nvSpPr>
-          <p:cNvPr id="17" name="Rounded Rectangle 16"/>
-          <p:cNvSpPr/>
-          <p:nvPr/>
-        </p:nvSpPr>
-        <p:spPr>
-          <a:xfrm>
-            <a:off x="5361111" y="3456955"/>
-            <a:ext cx="4680520" cy="2808312"/>
-          </a:xfrm>
-          <a:prstGeom prst="roundRect">
-            <a:avLst/>
-          </a:prstGeom>
-          <a:solidFill>
-            <a:srgbClr val="73626E"/>
-          </a:solidFill>
-          <a:ln cap="rnd">
-            <a:solidFill>
-              <a:srgbClr val="73626E"/>
-            </a:solidFill>
-            <a:prstDash val="solid"/>
-          </a:ln>
-        </p:spPr>
-        <p:style>
-          <a:lnRef idx="2">
-            <a:schemeClr val="accent1">
-              <a:shade val="50000"/>
-            </a:schemeClr>
-          </a:lnRef>
-          <a:fillRef idx="1">
-            <a:schemeClr val="accent1"/>
-          </a:fillRef>
-          <a:effectRef idx="0">
-            <a:schemeClr val="accent1"/>
-          </a:effectRef>
-          <a:fontRef idx="minor">
-            <a:schemeClr val="lt1"/>
-          </a:fontRef>
-        </p:style>
-        <p:txBody>
-          <a:bodyPr rtlCol="0" anchor="ctr"/>
-          <a:lstStyle/>
-          <a:p>
-            <a:pPr algn="ctr"/>
-            <a:endParaRPr lang="en-US"/>
-          </a:p>
-        </p:txBody>
-      </p:sp>
-      <p:sp>
-        <p:nvSpPr>
-          <p:cNvPr id="7" name="TextBox 6"/>
-          <p:cNvSpPr txBox="1"/>
-          <p:nvPr/>
-        </p:nvSpPr>
-        <p:spPr>
-          <a:xfrm>
-            <a:off x="8625343" y="0"/>
-            <a:ext cx="1688704" cy="1446550"/>
-          </a:xfrm>
-          <a:prstGeom prst="rect">
-            <a:avLst/>
-          </a:prstGeom>
-          <a:solidFill>
-            <a:schemeClr val="bg1">
-              <a:lumMod val="85000"/>
-            </a:schemeClr>
-          </a:solidFill>
-        </p:spPr>
-        <p:txBody>
-          <a:bodyPr wrap="square" rtlCol="0">
-            <a:spAutoFit/>
-          </a:bodyPr>
-          <a:lstStyle/>
-          <a:p>
-            <a:pPr algn="ctr"/>
-            <a:endParaRPr lang="en-AU" sz="2800" dirty="0" smtClean="0"/>
-          </a:p>
-          <a:p>
-            <a:pPr algn="ctr"/>
-            <a:r>
-              <a:rPr lang="en-AU" sz="3200" b="1" dirty="0" smtClean="0"/>
-              <a:t>115</a:t>
-            </a:r>
-          </a:p>
-          <a:p>
-            <a:pPr algn="ctr"/>
-            <a:endParaRPr lang="en-AU" sz="2800" dirty="0" smtClean="0">
-              <a:solidFill>
-                <a:schemeClr val="bg1"/>
-              </a:solidFill>
-            </a:endParaRPr>
-          </a:p>
-        </p:txBody>
-      </p:sp>
-      <p:sp>
-        <p:nvSpPr>
-          <p:cNvPr id="3" name="TextBox 2"/>
-          <p:cNvSpPr txBox="1"/>
-          <p:nvPr/>
-        </p:nvSpPr>
-        <p:spPr>
-          <a:xfrm>
-            <a:off x="320552" y="1080691"/>
-            <a:ext cx="9649072" cy="2154436"/>
-          </a:xfrm>
-          <a:prstGeom prst="rect">
-            <a:avLst/>
-          </a:prstGeom>
-          <a:noFill/>
-          <a:ln>
-            <a:noFill/>
-          </a:ln>
-        </p:spPr>
-        <p:txBody>
-          <a:bodyPr wrap="square" lIns="0" tIns="0" rIns="0" bIns="0" rtlCol="0">
-            <a:spAutoFit/>
-          </a:bodyPr>
-          <a:lstStyle/>
-          <a:p>
-            <a:r>
-              <a:rPr lang="en-US" sz="8000" dirty="0" smtClean="0">
-                <a:solidFill>
-                  <a:srgbClr val="F2F0DF"/>
-                </a:solidFill>
-                <a:latin typeface="Corbel" charset="0"/>
-                <a:ea typeface="Corbel" charset="0"/>
-                <a:cs typeface="Corbel" charset="0"/>
-              </a:rPr>
-              <a:t>Charon</a:t>
-            </a:r>
-            <a:r>
-              <a:rPr lang="en-US" sz="6000" dirty="0" smtClean="0">
-                <a:solidFill>
-                  <a:srgbClr val="F2F0DF"/>
-                </a:solidFill>
-                <a:latin typeface="Corbel" charset="0"/>
-                <a:ea typeface="Corbel" charset="0"/>
-                <a:cs typeface="Corbel" charset="0"/>
-              </a:rPr>
-              <a:t>: Workflow Support for Digital Humanities Projects</a:t>
-            </a:r>
-            <a:endParaRPr lang="en-US" sz="6000" dirty="0">
-              <a:solidFill>
-                <a:srgbClr val="F2F0DF"/>
-              </a:solidFill>
-              <a:latin typeface="Corbel" charset="0"/>
-              <a:ea typeface="Corbel" charset="0"/>
-              <a:cs typeface="Corbel" charset="0"/>
-            </a:endParaRPr>
-          </a:p>
-        </p:txBody>
-      </p:sp>
-      <p:sp>
-        <p:nvSpPr>
-          <p:cNvPr id="19" name="TextBox 18"/>
-          <p:cNvSpPr txBox="1"/>
-          <p:nvPr/>
-        </p:nvSpPr>
-        <p:spPr>
-          <a:xfrm>
-            <a:off x="320552" y="288603"/>
-            <a:ext cx="9649072" cy="800219"/>
-          </a:xfrm>
-          <a:prstGeom prst="rect">
-            <a:avLst/>
-          </a:prstGeom>
-          <a:noFill/>
-          <a:ln>
-            <a:noFill/>
-          </a:ln>
-        </p:spPr>
-        <p:txBody>
-          <a:bodyPr wrap="square" lIns="0" tIns="0" rIns="0" bIns="0" rtlCol="0">
-            <a:spAutoFit/>
-          </a:bodyPr>
-          <a:lstStyle/>
-          <a:p>
-            <a:r>
-              <a:rPr lang="en-US" sz="2600" dirty="0">
-                <a:solidFill>
-                  <a:schemeClr val="bg1"/>
-                </a:solidFill>
-                <a:latin typeface="Corbel" charset="0"/>
-                <a:ea typeface="Corbel" charset="0"/>
-                <a:cs typeface="Corbel" charset="0"/>
-              </a:rPr>
-              <a:t>Sarah Sweeney, </a:t>
-            </a:r>
-            <a:r>
-              <a:rPr lang="en-US" sz="2600" dirty="0" err="1">
-                <a:solidFill>
-                  <a:schemeClr val="bg1"/>
-                </a:solidFill>
-                <a:latin typeface="Corbel" charset="0"/>
-                <a:ea typeface="Corbel" charset="0"/>
-                <a:cs typeface="Corbel" charset="0"/>
-              </a:rPr>
-              <a:t>sj.sweeney@northeastern.edu</a:t>
-            </a:r>
-            <a:endParaRPr lang="en-US" sz="2600" dirty="0">
-              <a:solidFill>
-                <a:schemeClr val="bg1"/>
-              </a:solidFill>
-              <a:latin typeface="Corbel" charset="0"/>
-              <a:ea typeface="Corbel" charset="0"/>
-              <a:cs typeface="Corbel" charset="0"/>
-            </a:endParaRPr>
-          </a:p>
-          <a:p>
-            <a:r>
-              <a:rPr lang="en-US" sz="2600" dirty="0" smtClean="0">
-                <a:solidFill>
-                  <a:schemeClr val="bg1"/>
-                </a:solidFill>
-                <a:latin typeface="Corbel" charset="0"/>
-                <a:ea typeface="Corbel" charset="0"/>
-                <a:cs typeface="Corbel" charset="0"/>
-              </a:rPr>
-              <a:t>Northeastern University Libraries, Digital Scholarship Group</a:t>
-            </a:r>
-          </a:p>
-        </p:txBody>
-      </p:sp>
-      <p:sp>
-        <p:nvSpPr>
-          <p:cNvPr id="24" name="TextBox 23"/>
-          <p:cNvSpPr txBox="1"/>
-          <p:nvPr/>
-        </p:nvSpPr>
-        <p:spPr>
-          <a:xfrm>
-            <a:off x="536575" y="3672979"/>
-            <a:ext cx="4248472" cy="2462213"/>
-          </a:xfrm>
-          <a:prstGeom prst="rect">
-            <a:avLst/>
-          </a:prstGeom>
-          <a:noFill/>
-          <a:ln>
-            <a:noFill/>
-          </a:ln>
-        </p:spPr>
-        <p:txBody>
-          <a:bodyPr wrap="square" lIns="0" tIns="0" rIns="0" bIns="0" rtlCol="0">
-            <a:spAutoFit/>
-          </a:bodyPr>
-          <a:lstStyle/>
-          <a:p>
-            <a:r>
-              <a:rPr lang="en-US" sz="2000" dirty="0" smtClean="0">
-                <a:solidFill>
-                  <a:schemeClr val="bg1"/>
-                </a:solidFill>
-                <a:latin typeface="Tahoma" charset="0"/>
-                <a:ea typeface="Tahoma" charset="0"/>
-                <a:cs typeface="Tahoma" charset="0"/>
-              </a:rPr>
-              <a:t>We are designing </a:t>
-            </a:r>
-            <a:r>
-              <a:rPr lang="en-US" sz="2000" dirty="0">
-                <a:solidFill>
-                  <a:schemeClr val="bg1"/>
-                </a:solidFill>
-                <a:latin typeface="Tahoma" charset="0"/>
-                <a:ea typeface="Tahoma" charset="0"/>
-                <a:cs typeface="Tahoma" charset="0"/>
-              </a:rPr>
-              <a:t>a Hydra head to </a:t>
-            </a:r>
-            <a:r>
-              <a:rPr lang="en-US" sz="2000" dirty="0" smtClean="0">
-                <a:solidFill>
-                  <a:schemeClr val="bg1"/>
-                </a:solidFill>
-                <a:latin typeface="Tahoma" charset="0"/>
-                <a:ea typeface="Tahoma" charset="0"/>
-                <a:cs typeface="Tahoma" charset="0"/>
-              </a:rPr>
-              <a:t>support </a:t>
-            </a:r>
-            <a:r>
-              <a:rPr lang="en-US" sz="2000" dirty="0">
-                <a:solidFill>
-                  <a:schemeClr val="bg1"/>
-                </a:solidFill>
-                <a:latin typeface="Tahoma" charset="0"/>
-                <a:ea typeface="Tahoma" charset="0"/>
-                <a:cs typeface="Tahoma" charset="0"/>
-              </a:rPr>
-              <a:t>common DH project tasks: annotating, cataloging, proofreading, publishing, text encoding, transcribing, and translating. The end result will be a contributory and collaborative repository environment for many types of users, which </a:t>
-            </a:r>
-            <a:r>
-              <a:rPr lang="en-US" sz="2000" dirty="0" smtClean="0">
-                <a:solidFill>
-                  <a:schemeClr val="bg1"/>
-                </a:solidFill>
-                <a:latin typeface="Tahoma" charset="0"/>
-                <a:ea typeface="Tahoma" charset="0"/>
-                <a:cs typeface="Tahoma" charset="0"/>
-              </a:rPr>
-              <a:t>ideally</a:t>
-            </a:r>
-            <a:endParaRPr lang="en-US" sz="2000" dirty="0">
-              <a:solidFill>
-                <a:schemeClr val="bg1"/>
-              </a:solidFill>
-              <a:latin typeface="Tahoma" charset="0"/>
-              <a:ea typeface="Tahoma" charset="0"/>
-              <a:cs typeface="Tahoma" charset="0"/>
-            </a:endParaRPr>
-          </a:p>
-        </p:txBody>
-      </p:sp>
-      <p:sp>
-        <p:nvSpPr>
-          <p:cNvPr id="26" name="TextBox 25"/>
-          <p:cNvSpPr txBox="1"/>
-          <p:nvPr/>
-        </p:nvSpPr>
-        <p:spPr>
-          <a:xfrm>
-            <a:off x="5282596" y="3456955"/>
-            <a:ext cx="4687027" cy="553998"/>
-          </a:xfrm>
-          <a:prstGeom prst="rect">
-            <a:avLst/>
-          </a:prstGeom>
-          <a:noFill/>
-          <a:ln>
-            <a:noFill/>
-          </a:ln>
-        </p:spPr>
-        <p:txBody>
-          <a:bodyPr wrap="square" lIns="0" tIns="0" rIns="0" bIns="0" rtlCol="0">
-            <a:spAutoFit/>
-          </a:bodyPr>
-          <a:lstStyle/>
-          <a:p>
-            <a:pPr algn="ctr"/>
-            <a:r>
-              <a:rPr lang="en-US" dirty="0" smtClean="0">
-                <a:solidFill>
-                  <a:schemeClr val="bg1"/>
-                </a:solidFill>
-                <a:latin typeface="Corbel" charset="0"/>
-                <a:ea typeface="Corbel" charset="0"/>
-                <a:cs typeface="Corbel" charset="0"/>
-              </a:rPr>
-              <a:t>Components</a:t>
-            </a:r>
-          </a:p>
-        </p:txBody>
-      </p:sp>
-      <p:sp>
-        <p:nvSpPr>
-          <p:cNvPr id="33" name="TextBox 32"/>
-          <p:cNvSpPr txBox="1"/>
-          <p:nvPr/>
-        </p:nvSpPr>
-        <p:spPr>
-          <a:xfrm>
-            <a:off x="320551" y="6625307"/>
-            <a:ext cx="9692640" cy="553998"/>
-          </a:xfrm>
-          <a:prstGeom prst="rect">
-            <a:avLst/>
-          </a:prstGeom>
-          <a:noFill/>
-          <a:ln>
-            <a:noFill/>
-          </a:ln>
-        </p:spPr>
-        <p:txBody>
-          <a:bodyPr wrap="square" lIns="0" tIns="0" rIns="0" bIns="0" rtlCol="0">
-            <a:spAutoFit/>
-          </a:bodyPr>
-          <a:lstStyle/>
-          <a:p>
-            <a:pPr algn="ctr"/>
-            <a:r>
-              <a:rPr lang="en-US" dirty="0" smtClean="0">
-                <a:solidFill>
-                  <a:schemeClr val="bg1"/>
-                </a:solidFill>
-                <a:latin typeface="Corbel" charset="0"/>
-                <a:ea typeface="Corbel" charset="0"/>
-                <a:cs typeface="Corbel" charset="0"/>
-              </a:rPr>
-              <a:t>DH Workflows</a:t>
-            </a:r>
-          </a:p>
-        </p:txBody>
-      </p:sp>
-      <p:sp>
-        <p:nvSpPr>
-          <p:cNvPr id="34" name="TextBox 33"/>
-          <p:cNvSpPr txBox="1"/>
-          <p:nvPr/>
-        </p:nvSpPr>
-        <p:spPr>
-          <a:xfrm>
-            <a:off x="298768" y="11665867"/>
-            <a:ext cx="9692640" cy="553998"/>
-          </a:xfrm>
-          <a:prstGeom prst="rect">
-            <a:avLst/>
-          </a:prstGeom>
-          <a:noFill/>
-          <a:ln>
-            <a:noFill/>
-          </a:ln>
-        </p:spPr>
-        <p:txBody>
-          <a:bodyPr wrap="square" lIns="0" tIns="0" rIns="0" bIns="0" rtlCol="0">
-            <a:spAutoFit/>
-          </a:bodyPr>
-          <a:lstStyle/>
-          <a:p>
-            <a:pPr algn="ctr"/>
-            <a:r>
-              <a:rPr lang="en-US" dirty="0" smtClean="0">
-                <a:solidFill>
-                  <a:schemeClr val="bg1"/>
-                </a:solidFill>
-                <a:latin typeface="Corbel" charset="0"/>
-                <a:ea typeface="Corbel" charset="0"/>
-                <a:cs typeface="Corbel" charset="0"/>
-              </a:rPr>
-              <a:t>User Roles</a:t>
-            </a:r>
-          </a:p>
-        </p:txBody>
-      </p:sp>
-      <p:pic>
-        <p:nvPicPr>
-          <p:cNvPr id="39" name="Picture 38"/>
-          <p:cNvPicPr>
-            <a:picLocks noChangeAspect="1"/>
-          </p:cNvPicPr>
-          <p:nvPr/>
-        </p:nvPicPr>
-        <p:blipFill>
-          <a:blip r:embed="rId3">
-            <a:extLst>
-              <a:ext uri="{28A0092B-C50C-407E-A947-70E740481C1C}">
-                <a14:useLocalDpi xmlns:a14="http://schemas.microsoft.com/office/drawing/2010/main" val="0"/>
-              </a:ext>
-            </a:extLst>
-          </a:blip>
-          <a:stretch>
-            <a:fillRect/>
-          </a:stretch>
-        </p:blipFill>
-        <p:spPr>
-          <a:xfrm>
-            <a:off x="608583" y="7201371"/>
-            <a:ext cx="3252964" cy="2520280"/>
-          </a:xfrm>
-          <a:prstGeom prst="rect">
-            <a:avLst/>
-          </a:prstGeom>
-        </p:spPr>
-      </p:pic>
-      <p:pic>
-        <p:nvPicPr>
-          <p:cNvPr id="40" name="Picture 39"/>
-          <p:cNvPicPr>
-            <a:picLocks noChangeAspect="1"/>
-          </p:cNvPicPr>
-          <p:nvPr/>
-        </p:nvPicPr>
-        <p:blipFill>
-          <a:blip r:embed="rId4">
-            <a:extLst>
-              <a:ext uri="{28A0092B-C50C-407E-A947-70E740481C1C}">
-                <a14:useLocalDpi xmlns:a14="http://schemas.microsoft.com/office/drawing/2010/main" val="0"/>
-              </a:ext>
-            </a:extLst>
-          </a:blip>
-          <a:stretch>
-            <a:fillRect/>
-          </a:stretch>
-        </p:blipFill>
-        <p:spPr>
-          <a:xfrm>
-            <a:off x="6081191" y="12241931"/>
-            <a:ext cx="3888432" cy="2447540"/>
-          </a:xfrm>
-          <a:prstGeom prst="rect">
-            <a:avLst/>
-          </a:prstGeom>
-        </p:spPr>
-      </p:pic>
-      <p:pic>
-        <p:nvPicPr>
-          <p:cNvPr id="44" name="Picture 43"/>
-          <p:cNvPicPr>
-            <a:picLocks noChangeAspect="1"/>
-          </p:cNvPicPr>
-          <p:nvPr/>
-        </p:nvPicPr>
-        <p:blipFill>
-          <a:blip r:embed="rId5">
-            <a:extLst>
-              <a:ext uri="{28A0092B-C50C-407E-A947-70E740481C1C}">
-                <a14:useLocalDpi xmlns:a14="http://schemas.microsoft.com/office/drawing/2010/main" val="0"/>
-              </a:ext>
-            </a:extLst>
-          </a:blip>
-          <a:stretch>
-            <a:fillRect/>
-          </a:stretch>
-        </p:blipFill>
-        <p:spPr>
-          <a:xfrm>
-            <a:off x="8241431" y="16202371"/>
-            <a:ext cx="1800200" cy="1800200"/>
-          </a:xfrm>
-          <a:prstGeom prst="rect">
-            <a:avLst/>
-          </a:prstGeom>
-        </p:spPr>
-      </p:pic>
-      <p:sp>
-        <p:nvSpPr>
-          <p:cNvPr id="45" name="TextBox 44"/>
-          <p:cNvSpPr txBox="1"/>
-          <p:nvPr/>
-        </p:nvSpPr>
-        <p:spPr>
-          <a:xfrm>
-            <a:off x="320551" y="16202371"/>
-            <a:ext cx="7776865" cy="1785104"/>
-          </a:xfrm>
-          <a:prstGeom prst="rect">
-            <a:avLst/>
-          </a:prstGeom>
-          <a:noFill/>
-          <a:ln>
-            <a:noFill/>
-          </a:ln>
-        </p:spPr>
-        <p:txBody>
-          <a:bodyPr wrap="square" lIns="0" tIns="0" rIns="0" bIns="0" rtlCol="0">
-            <a:spAutoFit/>
-          </a:bodyPr>
-          <a:lstStyle/>
-          <a:p>
-            <a:r>
-              <a:rPr lang="en-US" dirty="0" smtClean="0">
-                <a:solidFill>
-                  <a:schemeClr val="bg1"/>
-                </a:solidFill>
-                <a:latin typeface="Tahoma" charset="0"/>
-                <a:ea typeface="Tahoma" charset="0"/>
-                <a:cs typeface="Tahoma" charset="0"/>
-              </a:rPr>
-              <a:t>Next Steps</a:t>
-            </a:r>
-          </a:p>
-          <a:p>
-            <a:r>
-              <a:rPr lang="en-US" sz="2000" dirty="0" smtClean="0">
-                <a:solidFill>
-                  <a:schemeClr val="bg1"/>
-                </a:solidFill>
-                <a:latin typeface="Tahoma" charset="0"/>
-                <a:ea typeface="Tahoma" charset="0"/>
-                <a:cs typeface="Tahoma" charset="0"/>
-              </a:rPr>
-              <a:t>Lorem ipsum dolor sit </a:t>
-            </a:r>
-            <a:r>
-              <a:rPr lang="en-US" sz="2000" dirty="0" err="1" smtClean="0">
-                <a:solidFill>
-                  <a:schemeClr val="bg1"/>
-                </a:solidFill>
-                <a:latin typeface="Tahoma" charset="0"/>
-                <a:ea typeface="Tahoma" charset="0"/>
-                <a:cs typeface="Tahoma" charset="0"/>
-              </a:rPr>
-              <a:t>amet</a:t>
-            </a:r>
-            <a:r>
-              <a:rPr lang="en-US" sz="2000" dirty="0" smtClean="0">
-                <a:solidFill>
-                  <a:schemeClr val="bg1"/>
-                </a:solidFill>
-                <a:latin typeface="Tahoma" charset="0"/>
-                <a:ea typeface="Tahoma" charset="0"/>
-                <a:cs typeface="Tahoma" charset="0"/>
-              </a:rPr>
-              <a:t>, </a:t>
-            </a:r>
-            <a:r>
-              <a:rPr lang="en-US" sz="2000" dirty="0" err="1" smtClean="0">
-                <a:solidFill>
-                  <a:schemeClr val="bg1"/>
-                </a:solidFill>
-                <a:latin typeface="Tahoma" charset="0"/>
-                <a:ea typeface="Tahoma" charset="0"/>
-                <a:cs typeface="Tahoma" charset="0"/>
-              </a:rPr>
-              <a:t>consectetur</a:t>
-            </a:r>
-            <a:r>
-              <a:rPr lang="en-US" sz="2000" dirty="0" smtClean="0">
-                <a:solidFill>
-                  <a:schemeClr val="bg1"/>
-                </a:solidFill>
-                <a:latin typeface="Tahoma" charset="0"/>
-                <a:ea typeface="Tahoma" charset="0"/>
-                <a:cs typeface="Tahoma" charset="0"/>
-              </a:rPr>
-              <a:t> </a:t>
-            </a:r>
-            <a:r>
-              <a:rPr lang="en-US" sz="2000" dirty="0" err="1" smtClean="0">
-                <a:solidFill>
-                  <a:schemeClr val="bg1"/>
-                </a:solidFill>
-                <a:latin typeface="Tahoma" charset="0"/>
-                <a:ea typeface="Tahoma" charset="0"/>
-                <a:cs typeface="Tahoma" charset="0"/>
-              </a:rPr>
-              <a:t>adipiscing</a:t>
-            </a:r>
-            <a:r>
-              <a:rPr lang="en-US" sz="2000" dirty="0" smtClean="0">
-                <a:solidFill>
-                  <a:schemeClr val="bg1"/>
-                </a:solidFill>
-                <a:latin typeface="Tahoma" charset="0"/>
-                <a:ea typeface="Tahoma" charset="0"/>
-                <a:cs typeface="Tahoma" charset="0"/>
-              </a:rPr>
-              <a:t> </a:t>
-            </a:r>
-            <a:r>
-              <a:rPr lang="en-US" sz="2000" dirty="0" err="1" smtClean="0">
-                <a:solidFill>
-                  <a:schemeClr val="bg1"/>
-                </a:solidFill>
-                <a:latin typeface="Tahoma" charset="0"/>
-                <a:ea typeface="Tahoma" charset="0"/>
-                <a:cs typeface="Tahoma" charset="0"/>
-              </a:rPr>
-              <a:t>elit</a:t>
-            </a:r>
-            <a:r>
-              <a:rPr lang="en-US" sz="2000" dirty="0" smtClean="0">
-                <a:solidFill>
-                  <a:schemeClr val="bg1"/>
-                </a:solidFill>
-                <a:latin typeface="Tahoma" charset="0"/>
-                <a:ea typeface="Tahoma" charset="0"/>
-                <a:cs typeface="Tahoma" charset="0"/>
-              </a:rPr>
-              <a:t>, </a:t>
-            </a:r>
-            <a:r>
-              <a:rPr lang="en-US" sz="2000" dirty="0" err="1" smtClean="0">
-                <a:solidFill>
-                  <a:schemeClr val="bg1"/>
-                </a:solidFill>
-                <a:latin typeface="Tahoma" charset="0"/>
-                <a:ea typeface="Tahoma" charset="0"/>
-                <a:cs typeface="Tahoma" charset="0"/>
-              </a:rPr>
-              <a:t>sed</a:t>
-            </a:r>
-            <a:r>
-              <a:rPr lang="en-US" sz="2000" dirty="0" smtClean="0">
-                <a:solidFill>
-                  <a:schemeClr val="bg1"/>
-                </a:solidFill>
-                <a:latin typeface="Tahoma" charset="0"/>
-                <a:ea typeface="Tahoma" charset="0"/>
-                <a:cs typeface="Tahoma" charset="0"/>
-              </a:rPr>
-              <a:t> do </a:t>
-            </a:r>
-            <a:r>
-              <a:rPr lang="en-US" sz="2000" dirty="0" err="1" smtClean="0">
-                <a:solidFill>
-                  <a:schemeClr val="bg1"/>
-                </a:solidFill>
-                <a:latin typeface="Tahoma" charset="0"/>
-                <a:ea typeface="Tahoma" charset="0"/>
-                <a:cs typeface="Tahoma" charset="0"/>
-              </a:rPr>
-              <a:t>eiusmod</a:t>
-            </a:r>
-            <a:r>
-              <a:rPr lang="en-US" sz="2000" dirty="0" smtClean="0">
-                <a:solidFill>
-                  <a:schemeClr val="bg1"/>
-                </a:solidFill>
-                <a:latin typeface="Tahoma" charset="0"/>
-                <a:ea typeface="Tahoma" charset="0"/>
-                <a:cs typeface="Tahoma" charset="0"/>
-              </a:rPr>
-              <a:t> </a:t>
-            </a:r>
-            <a:r>
-              <a:rPr lang="en-US" sz="2000" dirty="0" err="1" smtClean="0">
-                <a:solidFill>
-                  <a:schemeClr val="bg1"/>
-                </a:solidFill>
-                <a:latin typeface="Tahoma" charset="0"/>
-                <a:ea typeface="Tahoma" charset="0"/>
-                <a:cs typeface="Tahoma" charset="0"/>
-              </a:rPr>
-              <a:t>tempor</a:t>
-            </a:r>
-            <a:r>
-              <a:rPr lang="en-US" sz="2000" dirty="0" smtClean="0">
-                <a:solidFill>
-                  <a:schemeClr val="bg1"/>
-                </a:solidFill>
-                <a:latin typeface="Tahoma" charset="0"/>
-                <a:ea typeface="Tahoma" charset="0"/>
-                <a:cs typeface="Tahoma" charset="0"/>
-              </a:rPr>
-              <a:t> </a:t>
-            </a:r>
-            <a:r>
-              <a:rPr lang="en-US" sz="2000" dirty="0" err="1" smtClean="0">
-                <a:solidFill>
-                  <a:schemeClr val="bg1"/>
-                </a:solidFill>
-                <a:latin typeface="Tahoma" charset="0"/>
-                <a:ea typeface="Tahoma" charset="0"/>
-                <a:cs typeface="Tahoma" charset="0"/>
-              </a:rPr>
-              <a:t>incididunt</a:t>
-            </a:r>
-            <a:r>
-              <a:rPr lang="en-US" sz="2000" dirty="0" smtClean="0">
-                <a:solidFill>
-                  <a:schemeClr val="bg1"/>
-                </a:solidFill>
-                <a:latin typeface="Tahoma" charset="0"/>
-                <a:ea typeface="Tahoma" charset="0"/>
-                <a:cs typeface="Tahoma" charset="0"/>
-              </a:rPr>
-              <a:t> </a:t>
-            </a:r>
-            <a:r>
-              <a:rPr lang="en-US" sz="2000" dirty="0" err="1" smtClean="0">
-                <a:solidFill>
-                  <a:schemeClr val="bg1"/>
-                </a:solidFill>
-                <a:latin typeface="Tahoma" charset="0"/>
-                <a:ea typeface="Tahoma" charset="0"/>
-                <a:cs typeface="Tahoma" charset="0"/>
-              </a:rPr>
-              <a:t>ut</a:t>
-            </a:r>
-            <a:r>
-              <a:rPr lang="en-US" sz="2000" dirty="0" smtClean="0">
-                <a:solidFill>
-                  <a:schemeClr val="bg1"/>
-                </a:solidFill>
-                <a:latin typeface="Tahoma" charset="0"/>
-                <a:ea typeface="Tahoma" charset="0"/>
-                <a:cs typeface="Tahoma" charset="0"/>
-              </a:rPr>
-              <a:t> </a:t>
-            </a:r>
-            <a:r>
-              <a:rPr lang="en-US" sz="2000" dirty="0" err="1" smtClean="0">
-                <a:solidFill>
-                  <a:schemeClr val="bg1"/>
-                </a:solidFill>
-                <a:latin typeface="Tahoma" charset="0"/>
-                <a:ea typeface="Tahoma" charset="0"/>
-                <a:cs typeface="Tahoma" charset="0"/>
-              </a:rPr>
-              <a:t>labore</a:t>
-            </a:r>
-            <a:r>
-              <a:rPr lang="en-US" sz="2000" dirty="0" smtClean="0">
-                <a:solidFill>
-                  <a:schemeClr val="bg1"/>
-                </a:solidFill>
-                <a:latin typeface="Tahoma" charset="0"/>
-                <a:ea typeface="Tahoma" charset="0"/>
-                <a:cs typeface="Tahoma" charset="0"/>
-              </a:rPr>
-              <a:t> et </a:t>
-            </a:r>
-            <a:r>
-              <a:rPr lang="en-US" sz="2000" dirty="0" err="1" smtClean="0">
-                <a:solidFill>
-                  <a:schemeClr val="bg1"/>
-                </a:solidFill>
-                <a:latin typeface="Tahoma" charset="0"/>
-                <a:ea typeface="Tahoma" charset="0"/>
-                <a:cs typeface="Tahoma" charset="0"/>
-              </a:rPr>
-              <a:t>dolore</a:t>
-            </a:r>
-            <a:r>
-              <a:rPr lang="en-US" sz="2000" dirty="0" smtClean="0">
-                <a:solidFill>
-                  <a:schemeClr val="bg1"/>
-                </a:solidFill>
-                <a:latin typeface="Tahoma" charset="0"/>
-                <a:ea typeface="Tahoma" charset="0"/>
-                <a:cs typeface="Tahoma" charset="0"/>
-              </a:rPr>
-              <a:t> magna </a:t>
-            </a:r>
-            <a:r>
-              <a:rPr lang="en-US" sz="2000" dirty="0" err="1" smtClean="0">
-                <a:solidFill>
-                  <a:schemeClr val="bg1"/>
-                </a:solidFill>
-                <a:latin typeface="Tahoma" charset="0"/>
-                <a:ea typeface="Tahoma" charset="0"/>
-                <a:cs typeface="Tahoma" charset="0"/>
-              </a:rPr>
-              <a:t>aliqua</a:t>
-            </a:r>
-            <a:r>
-              <a:rPr lang="en-US" sz="2000" dirty="0" smtClean="0">
-                <a:solidFill>
-                  <a:schemeClr val="bg1"/>
-                </a:solidFill>
-                <a:latin typeface="Tahoma" charset="0"/>
-                <a:ea typeface="Tahoma" charset="0"/>
-                <a:cs typeface="Tahoma" charset="0"/>
-              </a:rPr>
-              <a:t>. </a:t>
-            </a:r>
-            <a:r>
-              <a:rPr lang="en-US" sz="2000" dirty="0" err="1" smtClean="0">
-                <a:solidFill>
-                  <a:schemeClr val="bg1"/>
-                </a:solidFill>
-                <a:latin typeface="Tahoma" charset="0"/>
-                <a:ea typeface="Tahoma" charset="0"/>
-                <a:cs typeface="Tahoma" charset="0"/>
-              </a:rPr>
-              <a:t>Ut</a:t>
-            </a:r>
-            <a:r>
-              <a:rPr lang="en-US" sz="2000" dirty="0" smtClean="0">
-                <a:solidFill>
-                  <a:schemeClr val="bg1"/>
-                </a:solidFill>
-                <a:latin typeface="Tahoma" charset="0"/>
-                <a:ea typeface="Tahoma" charset="0"/>
-                <a:cs typeface="Tahoma" charset="0"/>
-              </a:rPr>
-              <a:t> </a:t>
-            </a:r>
-            <a:r>
-              <a:rPr lang="en-US" sz="2000" dirty="0" err="1" smtClean="0">
-                <a:solidFill>
-                  <a:schemeClr val="bg1"/>
-                </a:solidFill>
-                <a:latin typeface="Tahoma" charset="0"/>
-                <a:ea typeface="Tahoma" charset="0"/>
-                <a:cs typeface="Tahoma" charset="0"/>
-              </a:rPr>
-              <a:t>enim</a:t>
-            </a:r>
-            <a:r>
-              <a:rPr lang="en-US" sz="2000" dirty="0" smtClean="0">
-                <a:solidFill>
-                  <a:schemeClr val="bg1"/>
-                </a:solidFill>
-                <a:latin typeface="Tahoma" charset="0"/>
-                <a:ea typeface="Tahoma" charset="0"/>
-                <a:cs typeface="Tahoma" charset="0"/>
-              </a:rPr>
-              <a:t> ad minim </a:t>
-            </a:r>
-            <a:r>
-              <a:rPr lang="en-US" sz="2000" dirty="0" err="1" smtClean="0">
-                <a:solidFill>
-                  <a:schemeClr val="bg1"/>
-                </a:solidFill>
-                <a:latin typeface="Tahoma" charset="0"/>
-                <a:ea typeface="Tahoma" charset="0"/>
-                <a:cs typeface="Tahoma" charset="0"/>
-              </a:rPr>
-              <a:t>veniam</a:t>
-            </a:r>
-            <a:r>
-              <a:rPr lang="en-US" sz="2000" dirty="0" smtClean="0">
-                <a:solidFill>
-                  <a:schemeClr val="bg1"/>
-                </a:solidFill>
-                <a:latin typeface="Tahoma" charset="0"/>
-                <a:ea typeface="Tahoma" charset="0"/>
-                <a:cs typeface="Tahoma" charset="0"/>
-              </a:rPr>
-              <a:t>, </a:t>
-            </a:r>
-            <a:r>
-              <a:rPr lang="en-US" sz="2000" dirty="0" err="1" smtClean="0">
-                <a:solidFill>
-                  <a:schemeClr val="bg1"/>
-                </a:solidFill>
-                <a:latin typeface="Tahoma" charset="0"/>
-                <a:ea typeface="Tahoma" charset="0"/>
-                <a:cs typeface="Tahoma" charset="0"/>
-              </a:rPr>
-              <a:t>quis</a:t>
-            </a:r>
-            <a:r>
-              <a:rPr lang="en-US" sz="2000" dirty="0" smtClean="0">
-                <a:solidFill>
-                  <a:schemeClr val="bg1"/>
-                </a:solidFill>
-                <a:latin typeface="Tahoma" charset="0"/>
-                <a:ea typeface="Tahoma" charset="0"/>
-                <a:cs typeface="Tahoma" charset="0"/>
-              </a:rPr>
-              <a:t> </a:t>
-            </a:r>
-            <a:r>
-              <a:rPr lang="en-US" sz="2000" dirty="0" err="1" smtClean="0">
-                <a:solidFill>
-                  <a:schemeClr val="bg1"/>
-                </a:solidFill>
-                <a:latin typeface="Tahoma" charset="0"/>
-                <a:ea typeface="Tahoma" charset="0"/>
-                <a:cs typeface="Tahoma" charset="0"/>
-              </a:rPr>
-              <a:t>nostrud</a:t>
-            </a:r>
-            <a:r>
-              <a:rPr lang="en-US" sz="2000" dirty="0" smtClean="0">
-                <a:solidFill>
-                  <a:schemeClr val="bg1"/>
-                </a:solidFill>
-                <a:latin typeface="Tahoma" charset="0"/>
-                <a:ea typeface="Tahoma" charset="0"/>
-                <a:cs typeface="Tahoma" charset="0"/>
-              </a:rPr>
-              <a:t> exercitation </a:t>
-            </a:r>
-            <a:r>
-              <a:rPr lang="en-US" sz="2000" dirty="0" err="1">
-                <a:solidFill>
-                  <a:schemeClr val="bg1"/>
-                </a:solidFill>
-                <a:latin typeface="Tahoma" charset="0"/>
-                <a:ea typeface="Tahoma" charset="0"/>
-                <a:cs typeface="Tahoma" charset="0"/>
-              </a:rPr>
-              <a:t>ullamco</a:t>
-            </a:r>
-            <a:r>
-              <a:rPr lang="en-US" sz="2000" dirty="0">
-                <a:solidFill>
-                  <a:schemeClr val="bg1"/>
-                </a:solidFill>
-                <a:latin typeface="Tahoma" charset="0"/>
-                <a:ea typeface="Tahoma" charset="0"/>
-                <a:cs typeface="Tahoma" charset="0"/>
-              </a:rPr>
-              <a:t> </a:t>
-            </a:r>
-            <a:r>
-              <a:rPr lang="en-US" sz="2000" dirty="0" err="1">
-                <a:solidFill>
-                  <a:schemeClr val="bg1"/>
-                </a:solidFill>
-                <a:latin typeface="Tahoma" charset="0"/>
-                <a:ea typeface="Tahoma" charset="0"/>
-                <a:cs typeface="Tahoma" charset="0"/>
-              </a:rPr>
-              <a:t>eiusmod</a:t>
-            </a:r>
-            <a:r>
-              <a:rPr lang="en-US" sz="2000" dirty="0">
-                <a:solidFill>
-                  <a:schemeClr val="bg1"/>
-                </a:solidFill>
-                <a:latin typeface="Tahoma" charset="0"/>
-                <a:ea typeface="Tahoma" charset="0"/>
-                <a:cs typeface="Tahoma" charset="0"/>
-              </a:rPr>
-              <a:t> </a:t>
-            </a:r>
-            <a:r>
-              <a:rPr lang="en-US" sz="2000" dirty="0" err="1">
-                <a:solidFill>
-                  <a:schemeClr val="bg1"/>
-                </a:solidFill>
-                <a:latin typeface="Tahoma" charset="0"/>
-                <a:ea typeface="Tahoma" charset="0"/>
-                <a:cs typeface="Tahoma" charset="0"/>
-              </a:rPr>
-              <a:t>tempor</a:t>
-            </a:r>
-            <a:r>
-              <a:rPr lang="en-US" sz="2000" dirty="0">
-                <a:solidFill>
-                  <a:schemeClr val="bg1"/>
-                </a:solidFill>
-                <a:latin typeface="Tahoma" charset="0"/>
-                <a:ea typeface="Tahoma" charset="0"/>
-                <a:cs typeface="Tahoma" charset="0"/>
-              </a:rPr>
-              <a:t> </a:t>
-            </a:r>
-            <a:r>
-              <a:rPr lang="en-US" sz="2000" dirty="0" err="1">
-                <a:solidFill>
-                  <a:schemeClr val="bg1"/>
-                </a:solidFill>
-                <a:latin typeface="Tahoma" charset="0"/>
-                <a:ea typeface="Tahoma" charset="0"/>
-                <a:cs typeface="Tahoma" charset="0"/>
-              </a:rPr>
-              <a:t>incididunt</a:t>
-            </a:r>
-            <a:r>
-              <a:rPr lang="en-US" sz="2000" dirty="0">
-                <a:solidFill>
-                  <a:schemeClr val="bg1"/>
-                </a:solidFill>
-                <a:latin typeface="Tahoma" charset="0"/>
-                <a:ea typeface="Tahoma" charset="0"/>
-                <a:cs typeface="Tahoma" charset="0"/>
-              </a:rPr>
-              <a:t> </a:t>
-            </a:r>
-            <a:r>
-              <a:rPr lang="en-US" sz="2000" dirty="0" err="1">
-                <a:solidFill>
-                  <a:schemeClr val="bg1"/>
-                </a:solidFill>
-                <a:latin typeface="Tahoma" charset="0"/>
-                <a:ea typeface="Tahoma" charset="0"/>
-                <a:cs typeface="Tahoma" charset="0"/>
-              </a:rPr>
-              <a:t>ut</a:t>
-            </a:r>
-            <a:r>
-              <a:rPr lang="en-US" sz="2000" dirty="0">
-                <a:solidFill>
-                  <a:schemeClr val="bg1"/>
-                </a:solidFill>
-                <a:latin typeface="Tahoma" charset="0"/>
-                <a:ea typeface="Tahoma" charset="0"/>
-                <a:cs typeface="Tahoma" charset="0"/>
-              </a:rPr>
-              <a:t> </a:t>
-            </a:r>
-            <a:r>
-              <a:rPr lang="en-US" sz="2000" dirty="0" err="1">
-                <a:solidFill>
-                  <a:schemeClr val="bg1"/>
-                </a:solidFill>
-                <a:latin typeface="Tahoma" charset="0"/>
-                <a:ea typeface="Tahoma" charset="0"/>
-                <a:cs typeface="Tahoma" charset="0"/>
-              </a:rPr>
-              <a:t>labore</a:t>
-            </a:r>
-            <a:r>
-              <a:rPr lang="en-US" sz="2000" dirty="0">
-                <a:solidFill>
-                  <a:schemeClr val="bg1"/>
-                </a:solidFill>
-                <a:latin typeface="Tahoma" charset="0"/>
-                <a:ea typeface="Tahoma" charset="0"/>
-                <a:cs typeface="Tahoma" charset="0"/>
-              </a:rPr>
-              <a:t> et </a:t>
-            </a:r>
-            <a:r>
-              <a:rPr lang="en-US" sz="2000" dirty="0" err="1">
-                <a:solidFill>
-                  <a:schemeClr val="bg1"/>
-                </a:solidFill>
-                <a:latin typeface="Tahoma" charset="0"/>
-                <a:ea typeface="Tahoma" charset="0"/>
-                <a:cs typeface="Tahoma" charset="0"/>
-              </a:rPr>
-              <a:t>dolore</a:t>
-            </a:r>
-            <a:r>
-              <a:rPr lang="en-US" sz="2000" dirty="0">
-                <a:solidFill>
-                  <a:schemeClr val="bg1"/>
-                </a:solidFill>
-                <a:latin typeface="Tahoma" charset="0"/>
-                <a:ea typeface="Tahoma" charset="0"/>
-                <a:cs typeface="Tahoma" charset="0"/>
-              </a:rPr>
-              <a:t> magna </a:t>
-            </a:r>
-            <a:r>
-              <a:rPr lang="en-US" sz="2000" dirty="0" err="1" smtClean="0">
-                <a:solidFill>
-                  <a:schemeClr val="bg1"/>
-                </a:solidFill>
-                <a:latin typeface="Tahoma" charset="0"/>
-                <a:ea typeface="Tahoma" charset="0"/>
-                <a:cs typeface="Tahoma" charset="0"/>
-              </a:rPr>
-              <a:t>aliqua</a:t>
-            </a:r>
-            <a:r>
-              <a:rPr lang="en-US" sz="2000" dirty="0">
-                <a:solidFill>
-                  <a:schemeClr val="bg1"/>
-                </a:solidFill>
-                <a:latin typeface="Tahoma" charset="0"/>
-                <a:ea typeface="Tahoma" charset="0"/>
-                <a:cs typeface="Tahoma" charset="0"/>
-              </a:rPr>
-              <a:t> </a:t>
-            </a:r>
-            <a:r>
-              <a:rPr lang="en-US" sz="2000" dirty="0" err="1">
-                <a:solidFill>
-                  <a:schemeClr val="bg1"/>
-                </a:solidFill>
-                <a:latin typeface="Tahoma" charset="0"/>
-                <a:ea typeface="Tahoma" charset="0"/>
-                <a:cs typeface="Tahoma" charset="0"/>
-              </a:rPr>
-              <a:t>eiusmod</a:t>
-            </a:r>
-            <a:r>
-              <a:rPr lang="en-US" sz="2000" dirty="0">
-                <a:solidFill>
-                  <a:schemeClr val="bg1"/>
-                </a:solidFill>
-                <a:latin typeface="Tahoma" charset="0"/>
-                <a:ea typeface="Tahoma" charset="0"/>
-                <a:cs typeface="Tahoma" charset="0"/>
-              </a:rPr>
-              <a:t> </a:t>
-            </a:r>
-            <a:r>
-              <a:rPr lang="en-US" sz="2000" dirty="0" err="1" smtClean="0">
-                <a:solidFill>
-                  <a:schemeClr val="bg1"/>
-                </a:solidFill>
-                <a:latin typeface="Tahoma" charset="0"/>
-                <a:ea typeface="Tahoma" charset="0"/>
-                <a:cs typeface="Tahoma" charset="0"/>
-              </a:rPr>
-              <a:t>tempor</a:t>
-            </a:r>
-            <a:r>
-              <a:rPr lang="en-US" sz="2000" dirty="0" smtClean="0">
-                <a:solidFill>
-                  <a:schemeClr val="bg1"/>
-                </a:solidFill>
-                <a:latin typeface="Tahoma" charset="0"/>
-                <a:ea typeface="Tahoma" charset="0"/>
-                <a:cs typeface="Tahoma" charset="0"/>
-              </a:rPr>
-              <a:t>. </a:t>
-            </a:r>
-            <a:endParaRPr lang="en-US" sz="2000" dirty="0">
-              <a:solidFill>
-                <a:schemeClr val="bg1"/>
-              </a:solidFill>
-              <a:latin typeface="Tahoma" charset="0"/>
-              <a:ea typeface="Tahoma" charset="0"/>
-              <a:cs typeface="Tahoma" charset="0"/>
-            </a:endParaRPr>
-          </a:p>
-        </p:txBody>
-      </p:sp>
-      <p:pic>
-        <p:nvPicPr>
-          <p:cNvPr id="2" name="Picture 1"/>
-          <p:cNvPicPr>
-            <a:picLocks noChangeAspect="1"/>
-          </p:cNvPicPr>
-          <p:nvPr/>
-        </p:nvPicPr>
-        <p:blipFill>
-          <a:blip r:embed="rId6">
-            <a:extLst>
-              <a:ext uri="{28A0092B-C50C-407E-A947-70E740481C1C}">
-                <a14:useLocalDpi xmlns:a14="http://schemas.microsoft.com/office/drawing/2010/main" val="0"/>
-              </a:ext>
-            </a:extLst>
-          </a:blip>
-          <a:stretch>
-            <a:fillRect/>
-          </a:stretch>
-        </p:blipFill>
-        <p:spPr>
-          <a:xfrm>
-            <a:off x="5433119" y="4177035"/>
-            <a:ext cx="1398588" cy="508577"/>
-          </a:xfrm>
-          <a:prstGeom prst="rect">
-            <a:avLst/>
-          </a:prstGeom>
-        </p:spPr>
-      </p:pic>
-      <p:pic>
-        <p:nvPicPr>
-          <p:cNvPr id="5" name="Picture 4"/>
-          <p:cNvPicPr>
-            <a:picLocks noChangeAspect="1"/>
-          </p:cNvPicPr>
-          <p:nvPr/>
-        </p:nvPicPr>
-        <p:blipFill>
-          <a:blip r:embed="rId7">
-            <a:extLst>
-              <a:ext uri="{28A0092B-C50C-407E-A947-70E740481C1C}">
-                <a14:useLocalDpi xmlns:a14="http://schemas.microsoft.com/office/drawing/2010/main" val="0"/>
-              </a:ext>
-            </a:extLst>
-          </a:blip>
-          <a:stretch>
-            <a:fillRect/>
-          </a:stretch>
-        </p:blipFill>
-        <p:spPr>
-          <a:xfrm>
-            <a:off x="7089303" y="5401171"/>
-            <a:ext cx="1130300" cy="317500"/>
-          </a:xfrm>
-          <a:prstGeom prst="rect">
-            <a:avLst/>
-          </a:prstGeom>
-        </p:spPr>
-      </p:pic>
-      <p:pic>
-        <p:nvPicPr>
-          <p:cNvPr id="11" name="Picture 10"/>
-          <p:cNvPicPr>
-            <a:picLocks noChangeAspect="1"/>
-          </p:cNvPicPr>
-          <p:nvPr/>
-        </p:nvPicPr>
-        <p:blipFill rotWithShape="1">
-          <a:blip r:embed="rId8">
-            <a:extLst>
-              <a:ext uri="{28A0092B-C50C-407E-A947-70E740481C1C}">
-                <a14:useLocalDpi xmlns:a14="http://schemas.microsoft.com/office/drawing/2010/main" val="0"/>
-              </a:ext>
-            </a:extLst>
-          </a:blip>
-          <a:srcRect r="73359" b="5290"/>
-          <a:stretch/>
-        </p:blipFill>
-        <p:spPr>
-          <a:xfrm>
-            <a:off x="5134595" y="4825107"/>
-            <a:ext cx="1845341" cy="1381819"/>
-          </a:xfrm>
-          <a:prstGeom prst="rect">
-            <a:avLst/>
-          </a:prstGeom>
-        </p:spPr>
-      </p:pic>
-      <p:pic>
-        <p:nvPicPr>
-          <p:cNvPr id="13" name="Picture 12"/>
-          <p:cNvPicPr>
-            <a:picLocks noChangeAspect="1"/>
-          </p:cNvPicPr>
-          <p:nvPr/>
-        </p:nvPicPr>
-        <p:blipFill>
-          <a:blip r:embed="rId9">
-            <a:extLst>
-              <a:ext uri="{28A0092B-C50C-407E-A947-70E740481C1C}">
-                <a14:useLocalDpi xmlns:a14="http://schemas.microsoft.com/office/drawing/2010/main" val="0"/>
-              </a:ext>
-            </a:extLst>
-          </a:blip>
-          <a:stretch>
-            <a:fillRect/>
-          </a:stretch>
-        </p:blipFill>
-        <p:spPr>
-          <a:xfrm>
-            <a:off x="8385447" y="5185147"/>
-            <a:ext cx="1369889" cy="1369889"/>
-          </a:xfrm>
-          <a:prstGeom prst="rect">
-            <a:avLst/>
-          </a:prstGeom>
-        </p:spPr>
-      </p:pic>
-      <p:pic>
-        <p:nvPicPr>
-          <p:cNvPr id="14" name="Picture 13"/>
-          <p:cNvPicPr>
-            <a:picLocks noChangeAspect="1"/>
-          </p:cNvPicPr>
-          <p:nvPr/>
-        </p:nvPicPr>
-        <p:blipFill>
-          <a:blip r:embed="rId10">
-            <a:extLst>
-              <a:ext uri="{28A0092B-C50C-407E-A947-70E740481C1C}">
-                <a14:useLocalDpi xmlns:a14="http://schemas.microsoft.com/office/drawing/2010/main" val="0"/>
-              </a:ext>
-            </a:extLst>
-          </a:blip>
-          <a:stretch>
-            <a:fillRect/>
-          </a:stretch>
-        </p:blipFill>
-        <p:spPr>
-          <a:xfrm>
-            <a:off x="9033519" y="4681091"/>
-            <a:ext cx="720080" cy="472032"/>
-          </a:xfrm>
-          <a:prstGeom prst="rect">
-            <a:avLst/>
-          </a:prstGeom>
-        </p:spPr>
-      </p:pic>
-      <p:pic>
-        <p:nvPicPr>
-          <p:cNvPr id="15" name="Picture 14"/>
-          <p:cNvPicPr>
-            <a:picLocks noChangeAspect="1"/>
-          </p:cNvPicPr>
-          <p:nvPr/>
-        </p:nvPicPr>
-        <p:blipFill>
-          <a:blip r:embed="rId11">
-            <a:extLst>
-              <a:ext uri="{28A0092B-C50C-407E-A947-70E740481C1C}">
-                <a14:useLocalDpi xmlns:a14="http://schemas.microsoft.com/office/drawing/2010/main" val="0"/>
-              </a:ext>
-            </a:extLst>
-          </a:blip>
-          <a:stretch>
-            <a:fillRect/>
-          </a:stretch>
-        </p:blipFill>
-        <p:spPr>
-          <a:xfrm>
-            <a:off x="7089303" y="4465067"/>
-            <a:ext cx="1292175" cy="744522"/>
-          </a:xfrm>
-          <a:prstGeom prst="rect">
-            <a:avLst/>
-          </a:prstGeom>
-        </p:spPr>
-      </p:pic>
-      <p:sp>
-        <p:nvSpPr>
-          <p:cNvPr id="38" name="TextBox 37"/>
-          <p:cNvSpPr txBox="1"/>
-          <p:nvPr/>
-        </p:nvSpPr>
-        <p:spPr>
-          <a:xfrm>
-            <a:off x="6657255" y="5833219"/>
-            <a:ext cx="1609627" cy="307777"/>
-          </a:xfrm>
-          <a:prstGeom prst="rect">
-            <a:avLst/>
-          </a:prstGeom>
-          <a:noFill/>
-          <a:ln>
-            <a:noFill/>
-          </a:ln>
-        </p:spPr>
-        <p:txBody>
-          <a:bodyPr wrap="square" lIns="0" tIns="0" rIns="0" bIns="0" rtlCol="0">
-            <a:spAutoFit/>
-          </a:bodyPr>
-          <a:lstStyle/>
-          <a:p>
-            <a:r>
-              <a:rPr lang="en-US" sz="2000" dirty="0" err="1" smtClean="0">
-                <a:solidFill>
-                  <a:schemeClr val="bg1"/>
-                </a:solidFill>
-                <a:latin typeface="Tahoma" charset="0"/>
-                <a:ea typeface="Tahoma" charset="0"/>
-                <a:cs typeface="Tahoma" charset="0"/>
-              </a:rPr>
-              <a:t>ImageMagick</a:t>
-            </a:r>
-            <a:endParaRPr lang="en-US" sz="2000" dirty="0">
-              <a:solidFill>
-                <a:schemeClr val="bg1"/>
-              </a:solidFill>
-              <a:latin typeface="Tahoma" charset="0"/>
-              <a:ea typeface="Tahoma" charset="0"/>
-              <a:cs typeface="Tahoma" charset="0"/>
-            </a:endParaRPr>
-          </a:p>
-        </p:txBody>
-      </p:sp>
-      <p:sp>
-        <p:nvSpPr>
-          <p:cNvPr id="41" name="TextBox 40"/>
-          <p:cNvSpPr txBox="1"/>
-          <p:nvPr/>
-        </p:nvSpPr>
-        <p:spPr>
-          <a:xfrm>
-            <a:off x="8673479" y="4177035"/>
-            <a:ext cx="1025179" cy="307777"/>
-          </a:xfrm>
-          <a:prstGeom prst="rect">
-            <a:avLst/>
-          </a:prstGeom>
-          <a:noFill/>
-          <a:ln>
-            <a:noFill/>
-          </a:ln>
-        </p:spPr>
-        <p:txBody>
-          <a:bodyPr wrap="square" lIns="0" tIns="0" rIns="0" bIns="0" rtlCol="0">
-            <a:spAutoFit/>
-          </a:bodyPr>
-          <a:lstStyle/>
-          <a:p>
-            <a:r>
-              <a:rPr lang="en-US" sz="2000" dirty="0" err="1" smtClean="0">
-                <a:solidFill>
-                  <a:schemeClr val="bg1"/>
-                </a:solidFill>
-                <a:latin typeface="Tahoma" charset="0"/>
-                <a:ea typeface="Tahoma" charset="0"/>
-                <a:cs typeface="Tahoma" charset="0"/>
-              </a:rPr>
-              <a:t>Kakadu</a:t>
-            </a:r>
-            <a:endParaRPr lang="en-US" sz="2000" dirty="0">
-              <a:solidFill>
-                <a:schemeClr val="bg1"/>
-              </a:solidFill>
-              <a:latin typeface="Tahoma" charset="0"/>
-              <a:ea typeface="Tahoma" charset="0"/>
-              <a:cs typeface="Tahoma" charset="0"/>
-            </a:endParaRPr>
-          </a:p>
-        </p:txBody>
-      </p:sp>
-      <p:pic>
-        <p:nvPicPr>
-          <p:cNvPr id="16" name="Picture 15"/>
-          <p:cNvPicPr>
-            <a:picLocks noChangeAspect="1"/>
-          </p:cNvPicPr>
-          <p:nvPr/>
-        </p:nvPicPr>
-        <p:blipFill rotWithShape="1">
-          <a:blip r:embed="rId12">
-            <a:extLst>
-              <a:ext uri="{28A0092B-C50C-407E-A947-70E740481C1C}">
-                <a14:useLocalDpi xmlns:a14="http://schemas.microsoft.com/office/drawing/2010/main" val="0"/>
-              </a:ext>
-            </a:extLst>
-          </a:blip>
-          <a:srcRect l="11490" t="35522"/>
-          <a:stretch/>
-        </p:blipFill>
-        <p:spPr>
-          <a:xfrm>
-            <a:off x="536576" y="12601972"/>
-            <a:ext cx="2808312" cy="1534356"/>
-          </a:xfrm>
-          <a:prstGeom prst="rect">
-            <a:avLst/>
-          </a:prstGeom>
-        </p:spPr>
-      </p:pic>
+      </p:cxnSp>
     </p:spTree>
     <p:extLst>
       <p:ext uri="{BB962C8B-B14F-4D97-AF65-F5344CB8AC3E}">
-        <p14:creationId xmlns:p14="http://schemas.microsoft.com/office/powerpoint/2010/main" val="395164963"/>
+        <p14:creationId xmlns:p14="http://schemas.microsoft.com/office/powerpoint/2010/main" val="810960323"/>
       </p:ext>
     </p:extLst>
   </p:cSld>
@@ -9162,6 +8516,1039 @@
 </file>
 
 <file path=ppt/slides/slide6.xml><?xml version="1.0" encoding="utf-8"?>
+<p:sld xmlns:a="http://schemas.openxmlformats.org/drawingml/2006/main" xmlns:r="http://schemas.openxmlformats.org/officeDocument/2006/relationships" xmlns:p="http://schemas.openxmlformats.org/presentationml/2006/main">
+  <p:cSld>
+    <p:bg>
+      <p:bgPr>
+        <a:solidFill>
+          <a:schemeClr val="accent1">
+            <a:lumMod val="50000"/>
+          </a:schemeClr>
+        </a:solidFill>
+        <a:effectLst/>
+      </p:bgPr>
+    </p:bg>
+    <p:spTree>
+      <p:nvGrpSpPr>
+        <p:cNvPr id="1" name=""/>
+        <p:cNvGrpSpPr/>
+        <p:nvPr/>
+      </p:nvGrpSpPr>
+      <p:grpSpPr>
+        <a:xfrm>
+          <a:off x="0" y="0"/>
+          <a:ext cx="0" cy="0"/>
+          <a:chOff x="0" y="0"/>
+          <a:chExt cx="0" cy="0"/>
+        </a:xfrm>
+      </p:grpSpPr>
+      <p:sp>
+        <p:nvSpPr>
+          <p:cNvPr id="7" name="TextBox 6"/>
+          <p:cNvSpPr txBox="1"/>
+          <p:nvPr/>
+        </p:nvSpPr>
+        <p:spPr>
+          <a:xfrm>
+            <a:off x="8625343" y="0"/>
+            <a:ext cx="1688704" cy="1446550"/>
+          </a:xfrm>
+          <a:prstGeom prst="rect">
+            <a:avLst/>
+          </a:prstGeom>
+          <a:solidFill>
+            <a:schemeClr val="bg1">
+              <a:lumMod val="85000"/>
+            </a:schemeClr>
+          </a:solidFill>
+        </p:spPr>
+        <p:txBody>
+          <a:bodyPr wrap="square" rtlCol="0">
+            <a:spAutoFit/>
+          </a:bodyPr>
+          <a:lstStyle/>
+          <a:p>
+            <a:pPr algn="ctr"/>
+            <a:endParaRPr lang="en-AU" sz="2800" dirty="0" smtClean="0"/>
+          </a:p>
+          <a:p>
+            <a:pPr algn="ctr"/>
+            <a:r>
+              <a:rPr lang="en-AU" sz="3200" b="1" dirty="0" smtClean="0"/>
+              <a:t>115</a:t>
+            </a:r>
+          </a:p>
+          <a:p>
+            <a:pPr algn="ctr"/>
+            <a:endParaRPr lang="en-AU" sz="2800" dirty="0" smtClean="0">
+              <a:solidFill>
+                <a:schemeClr val="bg1"/>
+              </a:solidFill>
+            </a:endParaRPr>
+          </a:p>
+        </p:txBody>
+      </p:sp>
+      <p:sp>
+        <p:nvSpPr>
+          <p:cNvPr id="3" name="TextBox 2"/>
+          <p:cNvSpPr txBox="1"/>
+          <p:nvPr/>
+        </p:nvSpPr>
+        <p:spPr>
+          <a:xfrm>
+            <a:off x="248543" y="13970123"/>
+            <a:ext cx="9793088" cy="4093428"/>
+          </a:xfrm>
+          <a:prstGeom prst="rect">
+            <a:avLst/>
+          </a:prstGeom>
+          <a:noFill/>
+          <a:ln>
+            <a:solidFill>
+              <a:schemeClr val="bg1"/>
+            </a:solidFill>
+          </a:ln>
+        </p:spPr>
+        <p:txBody>
+          <a:bodyPr wrap="square" rtlCol="0">
+            <a:spAutoFit/>
+          </a:bodyPr>
+          <a:lstStyle/>
+          <a:p>
+            <a:r>
+              <a:rPr lang="en-US" sz="8000" dirty="0">
+                <a:solidFill>
+                  <a:schemeClr val="bg1"/>
+                </a:solidFill>
+                <a:latin typeface="Futura Medium" charset="0"/>
+                <a:ea typeface="Futura Medium" charset="0"/>
+                <a:cs typeface="Futura Medium" charset="0"/>
+              </a:rPr>
+              <a:t>Charon:</a:t>
+            </a:r>
+            <a:r>
+              <a:rPr lang="en-US" sz="6000" dirty="0">
+                <a:solidFill>
+                  <a:schemeClr val="bg1"/>
+                </a:solidFill>
+                <a:latin typeface="Futura Medium" charset="0"/>
+                <a:ea typeface="Futura Medium" charset="0"/>
+                <a:cs typeface="Futura Medium" charset="0"/>
+              </a:rPr>
+              <a:t> </a:t>
+            </a:r>
+            <a:endParaRPr lang="en-US" sz="6000" dirty="0" smtClean="0">
+              <a:solidFill>
+                <a:schemeClr val="bg1"/>
+              </a:solidFill>
+              <a:latin typeface="Futura Medium" charset="0"/>
+              <a:ea typeface="Futura Medium" charset="0"/>
+              <a:cs typeface="Futura Medium" charset="0"/>
+            </a:endParaRPr>
+          </a:p>
+          <a:p>
+            <a:r>
+              <a:rPr lang="en-US" sz="6000" dirty="0" smtClean="0">
+                <a:solidFill>
+                  <a:schemeClr val="bg1"/>
+                </a:solidFill>
+                <a:latin typeface="Futura Medium" charset="0"/>
+                <a:ea typeface="Futura Medium" charset="0"/>
+                <a:cs typeface="Futura Medium" charset="0"/>
+              </a:rPr>
+              <a:t>Using the Repository to Support Digital Humanities Workflows</a:t>
+            </a:r>
+            <a:endParaRPr lang="en-US" sz="6000" dirty="0">
+              <a:solidFill>
+                <a:schemeClr val="bg1"/>
+              </a:solidFill>
+              <a:latin typeface="Futura Medium" charset="0"/>
+              <a:ea typeface="Futura Medium" charset="0"/>
+              <a:cs typeface="Futura Medium" charset="0"/>
+            </a:endParaRPr>
+          </a:p>
+        </p:txBody>
+      </p:sp>
+      <p:sp>
+        <p:nvSpPr>
+          <p:cNvPr id="4" name="Rectangle 3"/>
+          <p:cNvSpPr/>
+          <p:nvPr/>
+        </p:nvSpPr>
+        <p:spPr>
+          <a:xfrm>
+            <a:off x="0" y="0"/>
+            <a:ext cx="274320" cy="18288000"/>
+          </a:xfrm>
+          <a:prstGeom prst="rect">
+            <a:avLst/>
+          </a:prstGeom>
+          <a:solidFill>
+            <a:schemeClr val="bg1"/>
+          </a:solidFill>
+          <a:ln>
+            <a:solidFill>
+              <a:schemeClr val="bg1"/>
+            </a:solidFill>
+          </a:ln>
+        </p:spPr>
+        <p:style>
+          <a:lnRef idx="2">
+            <a:schemeClr val="accent1">
+              <a:shade val="50000"/>
+            </a:schemeClr>
+          </a:lnRef>
+          <a:fillRef idx="1">
+            <a:schemeClr val="accent1"/>
+          </a:fillRef>
+          <a:effectRef idx="0">
+            <a:schemeClr val="accent1"/>
+          </a:effectRef>
+          <a:fontRef idx="minor">
+            <a:schemeClr val="lt1"/>
+          </a:fontRef>
+        </p:style>
+        <p:txBody>
+          <a:bodyPr rtlCol="0" anchor="ctr"/>
+          <a:lstStyle/>
+          <a:p>
+            <a:pPr algn="ctr"/>
+            <a:endParaRPr lang="en-US"/>
+          </a:p>
+        </p:txBody>
+      </p:sp>
+      <p:sp>
+        <p:nvSpPr>
+          <p:cNvPr id="8" name="Rectangle 7"/>
+          <p:cNvSpPr/>
+          <p:nvPr/>
+        </p:nvSpPr>
+        <p:spPr>
+          <a:xfrm>
+            <a:off x="10015855" y="-17794"/>
+            <a:ext cx="274320" cy="18288000"/>
+          </a:xfrm>
+          <a:prstGeom prst="rect">
+            <a:avLst/>
+          </a:prstGeom>
+          <a:solidFill>
+            <a:schemeClr val="bg1"/>
+          </a:solidFill>
+          <a:ln>
+            <a:solidFill>
+              <a:schemeClr val="bg1"/>
+            </a:solidFill>
+          </a:ln>
+        </p:spPr>
+        <p:style>
+          <a:lnRef idx="2">
+            <a:schemeClr val="accent1">
+              <a:shade val="50000"/>
+            </a:schemeClr>
+          </a:lnRef>
+          <a:fillRef idx="1">
+            <a:schemeClr val="accent1"/>
+          </a:fillRef>
+          <a:effectRef idx="0">
+            <a:schemeClr val="accent1"/>
+          </a:effectRef>
+          <a:fontRef idx="minor">
+            <a:schemeClr val="lt1"/>
+          </a:fontRef>
+        </p:style>
+        <p:txBody>
+          <a:bodyPr rtlCol="0" anchor="ctr"/>
+          <a:lstStyle/>
+          <a:p>
+            <a:pPr algn="ctr"/>
+            <a:endParaRPr lang="en-US"/>
+          </a:p>
+        </p:txBody>
+      </p:sp>
+      <p:sp>
+        <p:nvSpPr>
+          <p:cNvPr id="9" name="Rectangle 8"/>
+          <p:cNvSpPr/>
+          <p:nvPr/>
+        </p:nvSpPr>
+        <p:spPr>
+          <a:xfrm rot="5400000">
+            <a:off x="5017717" y="-5006340"/>
+            <a:ext cx="274320" cy="10287000"/>
+          </a:xfrm>
+          <a:prstGeom prst="rect">
+            <a:avLst/>
+          </a:prstGeom>
+          <a:solidFill>
+            <a:schemeClr val="bg1"/>
+          </a:solidFill>
+          <a:ln>
+            <a:solidFill>
+              <a:schemeClr val="bg1"/>
+            </a:solidFill>
+          </a:ln>
+        </p:spPr>
+        <p:style>
+          <a:lnRef idx="2">
+            <a:schemeClr val="accent1">
+              <a:shade val="50000"/>
+            </a:schemeClr>
+          </a:lnRef>
+          <a:fillRef idx="1">
+            <a:schemeClr val="accent1"/>
+          </a:fillRef>
+          <a:effectRef idx="0">
+            <a:schemeClr val="accent1"/>
+          </a:effectRef>
+          <a:fontRef idx="minor">
+            <a:schemeClr val="lt1"/>
+          </a:fontRef>
+        </p:style>
+        <p:txBody>
+          <a:bodyPr rtlCol="0" anchor="ctr"/>
+          <a:lstStyle/>
+          <a:p>
+            <a:pPr algn="ctr"/>
+            <a:endParaRPr lang="en-US"/>
+          </a:p>
+        </p:txBody>
+      </p:sp>
+      <p:sp>
+        <p:nvSpPr>
+          <p:cNvPr id="10" name="Rectangle 9"/>
+          <p:cNvSpPr/>
+          <p:nvPr/>
+        </p:nvSpPr>
+        <p:spPr>
+          <a:xfrm rot="5400000">
+            <a:off x="5006340" y="13010515"/>
+            <a:ext cx="274320" cy="10287000"/>
+          </a:xfrm>
+          <a:prstGeom prst="rect">
+            <a:avLst/>
+          </a:prstGeom>
+          <a:solidFill>
+            <a:schemeClr val="bg1"/>
+          </a:solidFill>
+          <a:ln>
+            <a:solidFill>
+              <a:schemeClr val="bg1"/>
+            </a:solidFill>
+          </a:ln>
+        </p:spPr>
+        <p:style>
+          <a:lnRef idx="2">
+            <a:schemeClr val="accent1">
+              <a:shade val="50000"/>
+            </a:schemeClr>
+          </a:lnRef>
+          <a:fillRef idx="1">
+            <a:schemeClr val="accent1"/>
+          </a:fillRef>
+          <a:effectRef idx="0">
+            <a:schemeClr val="accent1"/>
+          </a:effectRef>
+          <a:fontRef idx="minor">
+            <a:schemeClr val="lt1"/>
+          </a:fontRef>
+        </p:style>
+        <p:txBody>
+          <a:bodyPr rtlCol="0" anchor="ctr"/>
+          <a:lstStyle/>
+          <a:p>
+            <a:pPr algn="ctr"/>
+            <a:endParaRPr lang="en-US"/>
+          </a:p>
+        </p:txBody>
+      </p:sp>
+      <p:sp>
+        <p:nvSpPr>
+          <p:cNvPr id="11" name="TextBox 10"/>
+          <p:cNvSpPr txBox="1"/>
+          <p:nvPr/>
+        </p:nvSpPr>
+        <p:spPr>
+          <a:xfrm>
+            <a:off x="968623" y="1224707"/>
+            <a:ext cx="5832648" cy="2339102"/>
+          </a:xfrm>
+          <a:prstGeom prst="rect">
+            <a:avLst/>
+          </a:prstGeom>
+          <a:noFill/>
+          <a:ln>
+            <a:solidFill>
+              <a:schemeClr val="bg1"/>
+            </a:solidFill>
+          </a:ln>
+        </p:spPr>
+        <p:txBody>
+          <a:bodyPr wrap="square" rtlCol="0">
+            <a:spAutoFit/>
+          </a:bodyPr>
+          <a:lstStyle/>
+          <a:p>
+            <a:r>
+              <a:rPr lang="en-US" dirty="0" smtClean="0">
+                <a:solidFill>
+                  <a:schemeClr val="bg1"/>
+                </a:solidFill>
+                <a:latin typeface="Corbel" charset="0"/>
+                <a:ea typeface="Corbel" charset="0"/>
+                <a:cs typeface="Corbel" charset="0"/>
+              </a:rPr>
+              <a:t>Font Options 1</a:t>
+            </a:r>
+          </a:p>
+          <a:p>
+            <a:r>
+              <a:rPr lang="en-US" sz="2200" dirty="0" smtClean="0">
+                <a:solidFill>
+                  <a:schemeClr val="bg1"/>
+                </a:solidFill>
+                <a:latin typeface="Consolas" charset="0"/>
+                <a:ea typeface="Consolas" charset="0"/>
+                <a:cs typeface="Consolas" charset="0"/>
+              </a:rPr>
+              <a:t>Regular Text </a:t>
+            </a:r>
+          </a:p>
+          <a:p>
+            <a:r>
+              <a:rPr lang="en-US" sz="2200" dirty="0" smtClean="0">
+                <a:solidFill>
+                  <a:schemeClr val="bg1"/>
+                </a:solidFill>
+                <a:latin typeface="Consolas" charset="0"/>
+                <a:ea typeface="Consolas" charset="0"/>
+                <a:cs typeface="Consolas" charset="0"/>
+              </a:rPr>
+              <a:t>Bulleted list</a:t>
+            </a:r>
+          </a:p>
+          <a:p>
+            <a:pPr marL="342900" indent="-342900">
+              <a:buFont typeface="Arial" charset="0"/>
+              <a:buChar char="•"/>
+            </a:pPr>
+            <a:r>
+              <a:rPr lang="en-US" sz="2200" dirty="0" smtClean="0">
+                <a:solidFill>
+                  <a:schemeClr val="bg1"/>
+                </a:solidFill>
+                <a:latin typeface="Consolas" charset="0"/>
+                <a:ea typeface="Consolas" charset="0"/>
+                <a:cs typeface="Consolas" charset="0"/>
+              </a:rPr>
+              <a:t>Item 1</a:t>
+            </a:r>
+          </a:p>
+          <a:p>
+            <a:pPr marL="342900" indent="-342900">
+              <a:buFont typeface="Arial" charset="0"/>
+              <a:buChar char="•"/>
+            </a:pPr>
+            <a:r>
+              <a:rPr lang="en-US" sz="2200" dirty="0" smtClean="0">
+                <a:solidFill>
+                  <a:schemeClr val="bg1"/>
+                </a:solidFill>
+                <a:latin typeface="Consolas" charset="0"/>
+                <a:ea typeface="Consolas" charset="0"/>
+                <a:cs typeface="Consolas" charset="0"/>
+              </a:rPr>
+              <a:t>Item 2</a:t>
+            </a:r>
+          </a:p>
+          <a:p>
+            <a:pPr marL="342900" indent="-342900">
+              <a:buFont typeface="Arial" charset="0"/>
+              <a:buChar char="•"/>
+            </a:pPr>
+            <a:r>
+              <a:rPr lang="en-US" sz="2200" dirty="0" smtClean="0">
+                <a:solidFill>
+                  <a:schemeClr val="bg1"/>
+                </a:solidFill>
+                <a:latin typeface="Consolas" charset="0"/>
+                <a:ea typeface="Consolas" charset="0"/>
+                <a:cs typeface="Consolas" charset="0"/>
+              </a:rPr>
+              <a:t>Item 3</a:t>
+            </a:r>
+          </a:p>
+        </p:txBody>
+      </p:sp>
+      <p:sp>
+        <p:nvSpPr>
+          <p:cNvPr id="12" name="Rectangle 11"/>
+          <p:cNvSpPr/>
+          <p:nvPr/>
+        </p:nvSpPr>
+        <p:spPr>
+          <a:xfrm>
+            <a:off x="3175" y="13754099"/>
+            <a:ext cx="10287000" cy="228600"/>
+          </a:xfrm>
+          <a:prstGeom prst="rect">
+            <a:avLst/>
+          </a:prstGeom>
+          <a:solidFill>
+            <a:schemeClr val="bg1"/>
+          </a:solidFill>
+          <a:ln>
+            <a:solidFill>
+              <a:schemeClr val="bg1"/>
+            </a:solidFill>
+          </a:ln>
+        </p:spPr>
+        <p:style>
+          <a:lnRef idx="2">
+            <a:schemeClr val="accent1">
+              <a:shade val="50000"/>
+            </a:schemeClr>
+          </a:lnRef>
+          <a:fillRef idx="1">
+            <a:schemeClr val="accent1"/>
+          </a:fillRef>
+          <a:effectRef idx="0">
+            <a:schemeClr val="accent1"/>
+          </a:effectRef>
+          <a:fontRef idx="minor">
+            <a:schemeClr val="lt1"/>
+          </a:fontRef>
+        </p:style>
+        <p:txBody>
+          <a:bodyPr rtlCol="0" anchor="ctr"/>
+          <a:lstStyle/>
+          <a:p>
+            <a:pPr algn="ctr"/>
+            <a:endParaRPr lang="en-US"/>
+          </a:p>
+        </p:txBody>
+      </p:sp>
+      <p:sp>
+        <p:nvSpPr>
+          <p:cNvPr id="19" name="TextBox 18"/>
+          <p:cNvSpPr txBox="1"/>
+          <p:nvPr/>
+        </p:nvSpPr>
+        <p:spPr>
+          <a:xfrm>
+            <a:off x="968623" y="3744987"/>
+            <a:ext cx="5832648" cy="2339102"/>
+          </a:xfrm>
+          <a:prstGeom prst="rect">
+            <a:avLst/>
+          </a:prstGeom>
+          <a:noFill/>
+          <a:ln>
+            <a:solidFill>
+              <a:schemeClr val="bg1"/>
+            </a:solidFill>
+          </a:ln>
+        </p:spPr>
+        <p:txBody>
+          <a:bodyPr wrap="square" rtlCol="0">
+            <a:spAutoFit/>
+          </a:bodyPr>
+          <a:lstStyle/>
+          <a:p>
+            <a:r>
+              <a:rPr lang="en-US" dirty="0" smtClean="0">
+                <a:solidFill>
+                  <a:schemeClr val="bg1"/>
+                </a:solidFill>
+                <a:latin typeface="Consolas" charset="0"/>
+                <a:ea typeface="Consolas" charset="0"/>
+                <a:cs typeface="Consolas" charset="0"/>
+              </a:rPr>
+              <a:t>Font Options 2</a:t>
+            </a:r>
+          </a:p>
+          <a:p>
+            <a:r>
+              <a:rPr lang="en-US" sz="2200" dirty="0" smtClean="0">
+                <a:solidFill>
+                  <a:schemeClr val="bg1"/>
+                </a:solidFill>
+                <a:latin typeface="tahoma" charset="0"/>
+              </a:rPr>
+              <a:t>Regular Text </a:t>
+            </a:r>
+          </a:p>
+          <a:p>
+            <a:r>
+              <a:rPr lang="en-US" sz="2200" dirty="0" smtClean="0">
+                <a:solidFill>
+                  <a:schemeClr val="bg1"/>
+                </a:solidFill>
+                <a:latin typeface="tahoma" charset="0"/>
+              </a:rPr>
+              <a:t>Bulleted list</a:t>
+            </a:r>
+          </a:p>
+          <a:p>
+            <a:pPr marL="342900" indent="-342900">
+              <a:buFont typeface="Arial" charset="0"/>
+              <a:buChar char="•"/>
+            </a:pPr>
+            <a:r>
+              <a:rPr lang="en-US" sz="2200" dirty="0" smtClean="0">
+                <a:solidFill>
+                  <a:schemeClr val="bg1"/>
+                </a:solidFill>
+                <a:latin typeface="tahoma" charset="0"/>
+              </a:rPr>
+              <a:t>Item 1</a:t>
+            </a:r>
+          </a:p>
+          <a:p>
+            <a:pPr marL="342900" indent="-342900">
+              <a:buFont typeface="Arial" charset="0"/>
+              <a:buChar char="•"/>
+            </a:pPr>
+            <a:r>
+              <a:rPr lang="en-US" sz="2200" dirty="0" smtClean="0">
+                <a:solidFill>
+                  <a:schemeClr val="bg1"/>
+                </a:solidFill>
+                <a:latin typeface="tahoma" charset="0"/>
+              </a:rPr>
+              <a:t>Item 2</a:t>
+            </a:r>
+          </a:p>
+          <a:p>
+            <a:pPr marL="342900" indent="-342900">
+              <a:buFont typeface="Arial" charset="0"/>
+              <a:buChar char="•"/>
+            </a:pPr>
+            <a:r>
+              <a:rPr lang="en-US" sz="2200" dirty="0" smtClean="0">
+                <a:solidFill>
+                  <a:schemeClr val="bg1"/>
+                </a:solidFill>
+                <a:latin typeface="tahoma" charset="0"/>
+              </a:rPr>
+              <a:t>Item 3</a:t>
+            </a:r>
+          </a:p>
+        </p:txBody>
+      </p:sp>
+      <p:sp>
+        <p:nvSpPr>
+          <p:cNvPr id="22" name="TextBox 21"/>
+          <p:cNvSpPr txBox="1"/>
+          <p:nvPr/>
+        </p:nvSpPr>
+        <p:spPr>
+          <a:xfrm>
+            <a:off x="968623" y="6337275"/>
+            <a:ext cx="5832648" cy="2339102"/>
+          </a:xfrm>
+          <a:prstGeom prst="rect">
+            <a:avLst/>
+          </a:prstGeom>
+          <a:noFill/>
+          <a:ln>
+            <a:solidFill>
+              <a:schemeClr val="bg1"/>
+            </a:solidFill>
+          </a:ln>
+        </p:spPr>
+        <p:txBody>
+          <a:bodyPr wrap="square" rtlCol="0">
+            <a:spAutoFit/>
+          </a:bodyPr>
+          <a:lstStyle/>
+          <a:p>
+            <a:r>
+              <a:rPr lang="en-US" dirty="0" smtClean="0">
+                <a:solidFill>
+                  <a:schemeClr val="bg1"/>
+                </a:solidFill>
+                <a:latin typeface="Futura Medium" charset="0"/>
+                <a:ea typeface="Futura Medium" charset="0"/>
+                <a:cs typeface="Futura Medium" charset="0"/>
+              </a:rPr>
+              <a:t>Font Options 3</a:t>
+            </a:r>
+          </a:p>
+          <a:p>
+            <a:r>
+              <a:rPr lang="en-US" sz="2200" dirty="0" smtClean="0">
+                <a:solidFill>
+                  <a:schemeClr val="bg1"/>
+                </a:solidFill>
+                <a:latin typeface="Helvetica" charset="0"/>
+                <a:ea typeface="Helvetica" charset="0"/>
+                <a:cs typeface="Helvetica" charset="0"/>
+              </a:rPr>
+              <a:t>Regular Text </a:t>
+            </a:r>
+          </a:p>
+          <a:p>
+            <a:r>
+              <a:rPr lang="en-US" sz="2200" dirty="0" smtClean="0">
+                <a:solidFill>
+                  <a:schemeClr val="bg1"/>
+                </a:solidFill>
+                <a:latin typeface="Helvetica" charset="0"/>
+                <a:ea typeface="Helvetica" charset="0"/>
+                <a:cs typeface="Helvetica" charset="0"/>
+              </a:rPr>
+              <a:t>Bulleted list</a:t>
+            </a:r>
+          </a:p>
+          <a:p>
+            <a:pPr marL="342900" indent="-342900">
+              <a:buFont typeface="Arial" charset="0"/>
+              <a:buChar char="•"/>
+            </a:pPr>
+            <a:r>
+              <a:rPr lang="en-US" sz="2200" dirty="0" smtClean="0">
+                <a:solidFill>
+                  <a:schemeClr val="bg1"/>
+                </a:solidFill>
+                <a:latin typeface="Helvetica" charset="0"/>
+                <a:ea typeface="Helvetica" charset="0"/>
+                <a:cs typeface="Helvetica" charset="0"/>
+              </a:rPr>
+              <a:t>Item 1</a:t>
+            </a:r>
+          </a:p>
+          <a:p>
+            <a:pPr marL="342900" indent="-342900">
+              <a:buFont typeface="Arial" charset="0"/>
+              <a:buChar char="•"/>
+            </a:pPr>
+            <a:r>
+              <a:rPr lang="en-US" sz="2200" dirty="0" smtClean="0">
+                <a:solidFill>
+                  <a:schemeClr val="bg1"/>
+                </a:solidFill>
+                <a:latin typeface="Helvetica" charset="0"/>
+                <a:ea typeface="Helvetica" charset="0"/>
+                <a:cs typeface="Helvetica" charset="0"/>
+              </a:rPr>
+              <a:t>Item 2</a:t>
+            </a:r>
+          </a:p>
+          <a:p>
+            <a:pPr marL="342900" indent="-342900">
+              <a:buFont typeface="Arial" charset="0"/>
+              <a:buChar char="•"/>
+            </a:pPr>
+            <a:r>
+              <a:rPr lang="en-US" sz="2200" dirty="0" smtClean="0">
+                <a:solidFill>
+                  <a:schemeClr val="bg1"/>
+                </a:solidFill>
+                <a:latin typeface="Helvetica" charset="0"/>
+                <a:ea typeface="Helvetica" charset="0"/>
+                <a:cs typeface="Helvetica" charset="0"/>
+              </a:rPr>
+              <a:t>Item 3</a:t>
+            </a:r>
+          </a:p>
+        </p:txBody>
+      </p:sp>
+      <p:sp>
+        <p:nvSpPr>
+          <p:cNvPr id="23" name="TextBox 22"/>
+          <p:cNvSpPr txBox="1"/>
+          <p:nvPr/>
+        </p:nvSpPr>
+        <p:spPr>
+          <a:xfrm>
+            <a:off x="968623" y="8929563"/>
+            <a:ext cx="5832648" cy="2339102"/>
+          </a:xfrm>
+          <a:prstGeom prst="rect">
+            <a:avLst/>
+          </a:prstGeom>
+          <a:noFill/>
+          <a:ln>
+            <a:solidFill>
+              <a:schemeClr val="bg1"/>
+            </a:solidFill>
+          </a:ln>
+        </p:spPr>
+        <p:txBody>
+          <a:bodyPr wrap="square" rtlCol="0">
+            <a:spAutoFit/>
+          </a:bodyPr>
+          <a:lstStyle/>
+          <a:p>
+            <a:r>
+              <a:rPr lang="en-US" dirty="0" smtClean="0">
+                <a:solidFill>
+                  <a:schemeClr val="bg1"/>
+                </a:solidFill>
+                <a:latin typeface="Corbel" charset="0"/>
+                <a:ea typeface="Corbel" charset="0"/>
+                <a:cs typeface="Corbel" charset="0"/>
+              </a:rPr>
+              <a:t>Font Options 3</a:t>
+            </a:r>
+          </a:p>
+          <a:p>
+            <a:r>
+              <a:rPr lang="en-US" sz="2200" dirty="0" smtClean="0">
+                <a:solidFill>
+                  <a:schemeClr val="bg1"/>
+                </a:solidFill>
+                <a:latin typeface="Helvetica" charset="0"/>
+                <a:ea typeface="Helvetica" charset="0"/>
+                <a:cs typeface="Helvetica" charset="0"/>
+              </a:rPr>
+              <a:t>Regular Text </a:t>
+            </a:r>
+          </a:p>
+          <a:p>
+            <a:r>
+              <a:rPr lang="en-US" sz="2200" dirty="0" smtClean="0">
+                <a:solidFill>
+                  <a:schemeClr val="bg1"/>
+                </a:solidFill>
+                <a:latin typeface="Helvetica" charset="0"/>
+                <a:ea typeface="Helvetica" charset="0"/>
+                <a:cs typeface="Helvetica" charset="0"/>
+              </a:rPr>
+              <a:t>Bulleted list</a:t>
+            </a:r>
+          </a:p>
+          <a:p>
+            <a:pPr marL="342900" indent="-342900">
+              <a:buFont typeface="Arial" charset="0"/>
+              <a:buChar char="•"/>
+            </a:pPr>
+            <a:r>
+              <a:rPr lang="en-US" sz="2200" dirty="0" smtClean="0">
+                <a:solidFill>
+                  <a:schemeClr val="bg1"/>
+                </a:solidFill>
+                <a:latin typeface="Helvetica" charset="0"/>
+                <a:ea typeface="Helvetica" charset="0"/>
+                <a:cs typeface="Helvetica" charset="0"/>
+              </a:rPr>
+              <a:t>Item 1</a:t>
+            </a:r>
+          </a:p>
+          <a:p>
+            <a:pPr marL="342900" indent="-342900">
+              <a:buFont typeface="Arial" charset="0"/>
+              <a:buChar char="•"/>
+            </a:pPr>
+            <a:r>
+              <a:rPr lang="en-US" sz="2200" dirty="0" smtClean="0">
+                <a:solidFill>
+                  <a:schemeClr val="bg1"/>
+                </a:solidFill>
+                <a:latin typeface="Helvetica" charset="0"/>
+                <a:ea typeface="Helvetica" charset="0"/>
+                <a:cs typeface="Helvetica" charset="0"/>
+              </a:rPr>
+              <a:t>Item 2</a:t>
+            </a:r>
+          </a:p>
+          <a:p>
+            <a:pPr marL="342900" indent="-342900">
+              <a:buFont typeface="Arial" charset="0"/>
+              <a:buChar char="•"/>
+            </a:pPr>
+            <a:r>
+              <a:rPr lang="en-US" sz="2200" dirty="0" smtClean="0">
+                <a:solidFill>
+                  <a:schemeClr val="bg1"/>
+                </a:solidFill>
+                <a:latin typeface="Helvetica" charset="0"/>
+                <a:ea typeface="Helvetica" charset="0"/>
+                <a:cs typeface="Helvetica" charset="0"/>
+              </a:rPr>
+              <a:t>Item 3</a:t>
+            </a:r>
+          </a:p>
+        </p:txBody>
+      </p:sp>
+    </p:spTree>
+    <p:extLst>
+      <p:ext uri="{BB962C8B-B14F-4D97-AF65-F5344CB8AC3E}">
+        <p14:creationId xmlns:p14="http://schemas.microsoft.com/office/powerpoint/2010/main" val="983637418"/>
+      </p:ext>
+    </p:extLst>
+  </p:cSld>
+  <p:clrMapOvr>
+    <a:masterClrMapping/>
+  </p:clrMapOvr>
+  <p:timing>
+    <p:tnLst>
+      <p:par>
+        <p:cTn id="1" dur="indefinite" restart="never" nodeType="tmRoot"/>
+      </p:par>
+    </p:tnLst>
+  </p:timing>
+</p:sld>
+</file>
+
+<file path=ppt/slides/slide7.xml><?xml version="1.0" encoding="utf-8"?>
+<p:sld xmlns:a="http://schemas.openxmlformats.org/drawingml/2006/main" xmlns:r="http://schemas.openxmlformats.org/officeDocument/2006/relationships" xmlns:p="http://schemas.openxmlformats.org/presentationml/2006/main">
+  <p:cSld>
+    <p:spTree>
+      <p:nvGrpSpPr>
+        <p:cNvPr id="1" name=""/>
+        <p:cNvGrpSpPr/>
+        <p:nvPr/>
+      </p:nvGrpSpPr>
+      <p:grpSpPr>
+        <a:xfrm>
+          <a:off x="0" y="0"/>
+          <a:ext cx="0" cy="0"/>
+          <a:chOff x="0" y="0"/>
+          <a:chExt cx="0" cy="0"/>
+        </a:xfrm>
+      </p:grpSpPr>
+      <p:sp>
+        <p:nvSpPr>
+          <p:cNvPr id="4" name="TextBox 3"/>
+          <p:cNvSpPr txBox="1"/>
+          <p:nvPr/>
+        </p:nvSpPr>
+        <p:spPr>
+          <a:xfrm>
+            <a:off x="536576" y="648643"/>
+            <a:ext cx="14617623" cy="32224206"/>
+          </a:xfrm>
+          <a:prstGeom prst="rect">
+            <a:avLst/>
+          </a:prstGeom>
+          <a:noFill/>
+        </p:spPr>
+        <p:txBody>
+          <a:bodyPr wrap="square" rtlCol="0">
+            <a:spAutoFit/>
+          </a:bodyPr>
+          <a:lstStyle/>
+          <a:p>
+            <a:r>
+              <a:rPr lang="en-US" b="1" dirty="0" smtClean="0"/>
+              <a:t>Charon</a:t>
+            </a:r>
+            <a:r>
+              <a:rPr lang="en-US" b="1" dirty="0"/>
+              <a:t>: Building a Digital Repository to Support DH Workflows </a:t>
+            </a:r>
+            <a:endParaRPr lang="en-US" dirty="0"/>
+          </a:p>
+          <a:p>
+            <a:r>
+              <a:rPr lang="en-US" i="1" dirty="0"/>
+              <a:t>Sarah Sweeney, Northeastern University, </a:t>
+            </a:r>
+            <a:r>
+              <a:rPr lang="en-US" i="1" dirty="0" err="1"/>
+              <a:t>sj.sweeney@northeastern.edu</a:t>
+            </a:r>
+            <a:r>
+              <a:rPr lang="en-US" i="1" dirty="0"/>
+              <a:t> </a:t>
+            </a:r>
+            <a:endParaRPr lang="en-US" dirty="0"/>
+          </a:p>
+          <a:p>
+            <a:r>
+              <a:rPr lang="en-US" b="1" dirty="0"/>
+              <a:t>Audience </a:t>
+            </a:r>
+            <a:endParaRPr lang="en-US" dirty="0"/>
+          </a:p>
+          <a:p>
+            <a:r>
+              <a:rPr lang="en-US" dirty="0"/>
+              <a:t>Our poster will appeal to: repository managers, who will be interested in the various workflows the system will support; developers, who will be interested in the repository technology stack and our plan to integrate external tools; and librarians, who will be interested in how we plan to support our pilot projects using this new system. </a:t>
+            </a:r>
+          </a:p>
+          <a:p>
+            <a:r>
+              <a:rPr lang="en-US" b="1" dirty="0"/>
+              <a:t>Background </a:t>
+            </a:r>
+            <a:endParaRPr lang="en-US" dirty="0"/>
+          </a:p>
+          <a:p>
+            <a:r>
+              <a:rPr lang="en-US" dirty="0"/>
+              <a:t>This poster will describe our work developing a repository system that will support research workflows typically associated with digital humanities, including transcription, translation, and annotation tasks (“Managing Research Data, Software, and Workflows”). This poster will illustrate the design of this system and describe the digital humanities projects the system is designed to support (“Repositories and Cultural Heritage”). </a:t>
+            </a:r>
+          </a:p>
+          <a:p>
+            <a:r>
+              <a:rPr lang="en-US" b="1" dirty="0"/>
+              <a:t>Poster content </a:t>
+            </a:r>
+            <a:endParaRPr lang="en-US" dirty="0"/>
+          </a:p>
+          <a:p>
+            <a:r>
+              <a:rPr lang="en-US" dirty="0"/>
+              <a:t>The Northeastern University Libraries Digital Scholarship Group (DSG) works with many project teams to help support their digital humanities research. We are in the process of designing a Hydra head that supports what we have identified as the most common tasks in the digital humanities workspace: annotating, cataloging, proofreading, publishing, text encoding, transcribing, and translating. Charon’s design and development will focus on the needs of three pilot projects, each of which are working to archive and provide research access to digitized cultural materials: “Cherokee Language: Transcription and Translation”, “The Jesuit Relations: A Digital Edition”, and “The Early Caribbean Digital Archive”. The end result will be a contributory and collaborative repository environment for many types of users, which ideally will encourage community engagement with openly accessible digital objects. </a:t>
+            </a:r>
+          </a:p>
+          <a:p>
+            <a:r>
+              <a:rPr lang="en-US" dirty="0"/>
+              <a:t>The central focus of this new Hydra head will be the editorial and content interfaces, each of which will include features that support collaborative project work. One of the key features of Charon will be the ability to customize the workspace. Project managers will be able to select the edit panes appropriate for their project, construct metadata templates, set up notifications, create and manage user accounts, and design task pipelines. The editorial interfaces will allow users to plan work from a dashboard, submit files, and manage workflows. The content interfaces will enable editing of submitted documents, including encoding and transcribing work. The end result will be collaboratively edited project materials that can be published on the web. </a:t>
+            </a:r>
+            <a:endParaRPr lang="en-US" dirty="0" smtClean="0"/>
+          </a:p>
+          <a:p>
+            <a:endParaRPr lang="en-US" dirty="0"/>
+          </a:p>
+          <a:p>
+            <a:r>
+              <a:rPr lang="en-US" b="1" i="1" dirty="0"/>
+              <a:t>This poster will describe the workflows Charon is designed to support, the technologies and tools we will use to build the system, and it will illustrate the process of designing such a system. Charon will be described visually using a mix of workflow diagrams, user interface mockups, and sample data. Repository managers, developers, and librarians may be interested to learn from our experience of using repository technologies to support digital humanities research workflows, and we are also interested in seeking feedback about the system from the Open Repositories community. </a:t>
+            </a:r>
+          </a:p>
+          <a:p>
+            <a:endParaRPr lang="en-US" b="1" dirty="0" smtClean="0"/>
+          </a:p>
+          <a:p>
+            <a:r>
+              <a:rPr lang="en-US" b="1" dirty="0" smtClean="0"/>
+              <a:t>Conclusion</a:t>
+            </a:r>
+            <a:r>
+              <a:rPr lang="en-US" b="1" dirty="0"/>
+              <a:t> </a:t>
+            </a:r>
+            <a:endParaRPr lang="en-US" dirty="0"/>
+          </a:p>
+          <a:p>
+            <a:r>
+              <a:rPr lang="en-US" dirty="0"/>
+              <a:t>Charon will support the full lifecycle of digital humanities research projects, from data acquisition, to transcribing and translating digitized materials, to recording scholarly annotations, to publishing materials for further research, with the ultimate goal of supporting community engagement with digital humanities research materials. </a:t>
+            </a:r>
+          </a:p>
+          <a:p>
+            <a:endParaRPr lang="en-US" dirty="0"/>
+          </a:p>
+        </p:txBody>
+      </p:sp>
+    </p:spTree>
+    <p:extLst>
+      <p:ext uri="{BB962C8B-B14F-4D97-AF65-F5344CB8AC3E}">
+        <p14:creationId xmlns:p14="http://schemas.microsoft.com/office/powerpoint/2010/main" val="34243356"/>
+      </p:ext>
+    </p:extLst>
+  </p:cSld>
+  <p:clrMapOvr>
+    <a:masterClrMapping/>
+  </p:clrMapOvr>
+</p:sld>
+</file>
+
+<file path=ppt/slides/slide8.xml><?xml version="1.0" encoding="utf-8"?>
 <p:sld xmlns:a="http://schemas.openxmlformats.org/drawingml/2006/main" xmlns:r="http://schemas.openxmlformats.org/officeDocument/2006/relationships" xmlns:p="http://schemas.openxmlformats.org/presentationml/2006/main">
   <p:cSld>
     <p:bg>
@@ -10037,7 +10424,7 @@
 </p:sld>
 </file>
 
-<file path=ppt/slides/slide7.xml><?xml version="1.0" encoding="utf-8"?>
+<file path=ppt/slides/slide9.xml><?xml version="1.0" encoding="utf-8"?>
 <p:sld xmlns:a="http://schemas.openxmlformats.org/drawingml/2006/main" xmlns:r="http://schemas.openxmlformats.org/officeDocument/2006/relationships" xmlns:p="http://schemas.openxmlformats.org/presentationml/2006/main">
   <p:cSld>
     <p:bg>
@@ -10844,163 +11231,6 @@
       </p:par>
     </p:tnLst>
   </p:timing>
-</p:sld>
-</file>
-
-<file path=ppt/slides/slide8.xml><?xml version="1.0" encoding="utf-8"?>
-<p:sld xmlns:a="http://schemas.openxmlformats.org/drawingml/2006/main" xmlns:r="http://schemas.openxmlformats.org/officeDocument/2006/relationships" xmlns:p="http://schemas.openxmlformats.org/presentationml/2006/main">
-  <p:cSld>
-    <p:spTree>
-      <p:nvGrpSpPr>
-        <p:cNvPr id="1" name=""/>
-        <p:cNvGrpSpPr/>
-        <p:nvPr/>
-      </p:nvGrpSpPr>
-      <p:grpSpPr>
-        <a:xfrm>
-          <a:off x="0" y="0"/>
-          <a:ext cx="0" cy="0"/>
-          <a:chOff x="0" y="0"/>
-          <a:chExt cx="0" cy="0"/>
-        </a:xfrm>
-      </p:grpSpPr>
-      <p:sp>
-        <p:nvSpPr>
-          <p:cNvPr id="4" name="TextBox 3"/>
-          <p:cNvSpPr txBox="1"/>
-          <p:nvPr/>
-        </p:nvSpPr>
-        <p:spPr>
-          <a:xfrm>
-            <a:off x="536576" y="648643"/>
-            <a:ext cx="14617623" cy="32224206"/>
-          </a:xfrm>
-          <a:prstGeom prst="rect">
-            <a:avLst/>
-          </a:prstGeom>
-          <a:noFill/>
-        </p:spPr>
-        <p:txBody>
-          <a:bodyPr wrap="square" rtlCol="0">
-            <a:spAutoFit/>
-          </a:bodyPr>
-          <a:lstStyle/>
-          <a:p>
-            <a:r>
-              <a:rPr lang="en-US" b="1" dirty="0" smtClean="0"/>
-              <a:t>Charon</a:t>
-            </a:r>
-            <a:r>
-              <a:rPr lang="en-US" b="1" dirty="0"/>
-              <a:t>: Building a Digital Repository to Support DH Workflows </a:t>
-            </a:r>
-            <a:endParaRPr lang="en-US" dirty="0"/>
-          </a:p>
-          <a:p>
-            <a:r>
-              <a:rPr lang="en-US" i="1" dirty="0"/>
-              <a:t>Sarah Sweeney, Northeastern University, </a:t>
-            </a:r>
-            <a:r>
-              <a:rPr lang="en-US" i="1" dirty="0" err="1"/>
-              <a:t>sj.sweeney@northeastern.edu</a:t>
-            </a:r>
-            <a:r>
-              <a:rPr lang="en-US" i="1" dirty="0"/>
-              <a:t> </a:t>
-            </a:r>
-            <a:endParaRPr lang="en-US" dirty="0"/>
-          </a:p>
-          <a:p>
-            <a:r>
-              <a:rPr lang="en-US" b="1" dirty="0"/>
-              <a:t>Audience </a:t>
-            </a:r>
-            <a:endParaRPr lang="en-US" dirty="0"/>
-          </a:p>
-          <a:p>
-            <a:r>
-              <a:rPr lang="en-US" dirty="0"/>
-              <a:t>Our poster will appeal to: repository managers, who will be interested in the various workflows the system will support; developers, who will be interested in the repository technology stack and our plan to integrate external tools; and librarians, who will be interested in how we plan to support our pilot projects using this new system. </a:t>
-            </a:r>
-          </a:p>
-          <a:p>
-            <a:r>
-              <a:rPr lang="en-US" b="1" dirty="0"/>
-              <a:t>Background </a:t>
-            </a:r>
-            <a:endParaRPr lang="en-US" dirty="0"/>
-          </a:p>
-          <a:p>
-            <a:r>
-              <a:rPr lang="en-US" dirty="0"/>
-              <a:t>This poster will describe our work developing a repository system that will support research workflows typically associated with digital humanities, including transcription, translation, and annotation tasks (“Managing Research Data, Software, and Workflows”). This poster will illustrate the design of this system and describe the digital humanities projects the system is designed to support (“Repositories and Cultural Heritage”). </a:t>
-            </a:r>
-          </a:p>
-          <a:p>
-            <a:r>
-              <a:rPr lang="en-US" b="1" dirty="0"/>
-              <a:t>Poster content </a:t>
-            </a:r>
-            <a:endParaRPr lang="en-US" dirty="0"/>
-          </a:p>
-          <a:p>
-            <a:r>
-              <a:rPr lang="en-US" dirty="0"/>
-              <a:t>The Northeastern University Libraries Digital Scholarship Group (DSG) works with many project teams to help support their digital humanities research. We are in the process of designing a Hydra head that supports what we have identified as the most common tasks in the digital humanities workspace: annotating, cataloging, proofreading, publishing, text encoding, transcribing, and translating. Charon’s design and development will focus on the needs of three pilot projects, each of which are working to archive and provide research access to digitized cultural materials: “Cherokee Language: Transcription and Translation”, “The Jesuit Relations: A Digital Edition”, and “The Early Caribbean Digital Archive”. The end result will be a contributory and collaborative repository environment for many types of users, which ideally will encourage community engagement with openly accessible digital objects. </a:t>
-            </a:r>
-          </a:p>
-          <a:p>
-            <a:r>
-              <a:rPr lang="en-US" dirty="0"/>
-              <a:t>The central focus of this new Hydra head will be the editorial and content interfaces, each of which will include features that support collaborative project work. One of the key features of Charon will be the ability to customize the workspace. Project managers will be able to select the edit panes appropriate for their project, construct metadata templates, set up notifications, create and manage user accounts, and design task pipelines. The editorial interfaces will allow users to plan work from a dashboard, submit files, and manage workflows. The content interfaces will enable editing of submitted documents, including encoding and transcribing work. The end result will be collaboratively edited project materials that can be published on the web. </a:t>
-            </a:r>
-            <a:endParaRPr lang="en-US" dirty="0" smtClean="0"/>
-          </a:p>
-          <a:p>
-            <a:endParaRPr lang="en-US" dirty="0"/>
-          </a:p>
-          <a:p>
-            <a:r>
-              <a:rPr lang="en-US" b="1" i="1" dirty="0"/>
-              <a:t>This poster will describe the workflows Charon is designed to support, the technologies and tools we will use to build the system, and it will illustrate the process of designing such a system. Charon will be described visually using a mix of workflow diagrams, user interface mockups, and sample data. Repository managers, developers, and librarians may be interested to learn from our experience of using repository technologies to support digital humanities research workflows, and we are also interested in seeking feedback about the system from the Open Repositories community. </a:t>
-            </a:r>
-          </a:p>
-          <a:p>
-            <a:endParaRPr lang="en-US" b="1" dirty="0" smtClean="0"/>
-          </a:p>
-          <a:p>
-            <a:r>
-              <a:rPr lang="en-US" b="1" dirty="0" smtClean="0"/>
-              <a:t>Conclusion</a:t>
-            </a:r>
-            <a:r>
-              <a:rPr lang="en-US" b="1" dirty="0"/>
-              <a:t> </a:t>
-            </a:r>
-            <a:endParaRPr lang="en-US" dirty="0"/>
-          </a:p>
-          <a:p>
-            <a:r>
-              <a:rPr lang="en-US" dirty="0"/>
-              <a:t>Charon will support the full lifecycle of digital humanities research projects, from data acquisition, to transcribing and translating digitized materials, to recording scholarly annotations, to publishing materials for further research, with the ultimate goal of supporting community engagement with digital humanities research materials. </a:t>
-            </a:r>
-          </a:p>
-          <a:p>
-            <a:endParaRPr lang="en-US" dirty="0"/>
-          </a:p>
-        </p:txBody>
-      </p:sp>
-    </p:spTree>
-    <p:extLst>
-      <p:ext uri="{BB962C8B-B14F-4D97-AF65-F5344CB8AC3E}">
-        <p14:creationId xmlns:p14="http://schemas.microsoft.com/office/powerpoint/2010/main" val="34243356"/>
-      </p:ext>
-    </p:extLst>
-  </p:cSld>
-  <p:clrMapOvr>
-    <a:masterClrMapping/>
-  </p:clrMapOvr>
 </p:sld>
 </file>
 

--- a/Open Repositories 2017/Charon Poster/OR2017_Charon_Poster_Working.pptx
+++ b/Open Repositories 2017/Charon Poster/OR2017_Charon_Poster_Working.pptx
@@ -131,6 +131,11 @@
         <p15:guide id="5" orient="horz" pos="2223" userDrawn="1">
           <p15:clr>
             <a:srgbClr val="9FCC3B"/>
+          </p15:clr>
+        </p15:guide>
+        <p15:guide id="6" pos="3241" userDrawn="1">
+          <p15:clr>
+            <a:srgbClr val="A4A3A4"/>
           </p15:clr>
         </p15:guide>
       </p15:sldGuideLst>
@@ -4114,7 +4119,7 @@
         <p:spPr>
           <a:xfrm>
             <a:off x="10780" y="-572"/>
-            <a:ext cx="274320" cy="18288000"/>
+            <a:ext cx="182880" cy="18288000"/>
           </a:xfrm>
           <a:prstGeom prst="rect">
             <a:avLst/>
@@ -4161,8 +4166,8 @@
         </p:nvSpPr>
         <p:spPr>
           <a:xfrm>
-            <a:off x="10026635" y="-18366"/>
-            <a:ext cx="274320" cy="18288000"/>
+            <a:off x="10074775" y="-18366"/>
+            <a:ext cx="182880" cy="18288000"/>
           </a:xfrm>
           <a:prstGeom prst="rect">
             <a:avLst/>
@@ -4209,8 +4214,8 @@
         </p:nvSpPr>
         <p:spPr>
           <a:xfrm rot="5400000">
-            <a:off x="5028497" y="-5006912"/>
-            <a:ext cx="274320" cy="10287000"/>
+            <a:off x="5084579" y="-5052632"/>
+            <a:ext cx="182880" cy="10287000"/>
           </a:xfrm>
           <a:prstGeom prst="rect">
             <a:avLst/>
@@ -4257,8 +4262,8 @@
         </p:nvSpPr>
         <p:spPr>
           <a:xfrm rot="5400000">
-            <a:off x="5017120" y="13009943"/>
-            <a:ext cx="274320" cy="10287000"/>
+            <a:off x="5052060" y="13056235"/>
+            <a:ext cx="182880" cy="10287000"/>
           </a:xfrm>
           <a:prstGeom prst="rect">
             <a:avLst/>
@@ -4305,8 +4310,8 @@
         </p:nvSpPr>
         <p:spPr>
           <a:xfrm>
-            <a:off x="42663" y="3240359"/>
-            <a:ext cx="10287000" cy="228600"/>
+            <a:off x="0" y="3240931"/>
+            <a:ext cx="10287000" cy="182880"/>
           </a:xfrm>
           <a:prstGeom prst="rect">
             <a:avLst/>
@@ -4354,7 +4359,7 @@
         <p:spPr>
           <a:xfrm>
             <a:off x="0" y="6265267"/>
-            <a:ext cx="10287000" cy="228600"/>
+            <a:ext cx="10287000" cy="182880"/>
           </a:xfrm>
           <a:prstGeom prst="rect">
             <a:avLst/>
@@ -4402,7 +4407,7 @@
         <p:spPr>
           <a:xfrm>
             <a:off x="13955" y="15985775"/>
-            <a:ext cx="10287000" cy="228600"/>
+            <a:ext cx="10287000" cy="182880"/>
           </a:xfrm>
           <a:prstGeom prst="rect">
             <a:avLst/>
@@ -4449,8 +4454,8 @@
         </p:nvSpPr>
         <p:spPr>
           <a:xfrm>
-            <a:off x="5030787" y="3384375"/>
-            <a:ext cx="228600" cy="2971800"/>
+            <a:off x="5053648" y="3312939"/>
+            <a:ext cx="182880" cy="2971800"/>
           </a:xfrm>
           <a:prstGeom prst="rect">
             <a:avLst/>
@@ -4546,7 +4551,7 @@
         <p:spPr>
           <a:xfrm>
             <a:off x="10780" y="11377263"/>
-            <a:ext cx="10287000" cy="228600"/>
+            <a:ext cx="10287000" cy="182880"/>
           </a:xfrm>
           <a:prstGeom prst="rect">
             <a:avLst/>
@@ -4587,7 +4592,7 @@
       </p:sp>
       <p:sp>
         <p:nvSpPr>
-          <p:cNvPr id="48" name="Rounded Rectangle 47"/>
+          <p:cNvPr id="48" name="Rectangle 47"/>
           <p:cNvSpPr/>
           <p:nvPr/>
         </p:nvSpPr>
@@ -4596,7 +4601,7 @@
             <a:off x="320551" y="16274379"/>
             <a:ext cx="7776864" cy="1728192"/>
           </a:xfrm>
-          <a:prstGeom prst="roundRect">
+          <a:prstGeom prst="rect">
             <a:avLst/>
           </a:prstGeom>
           <a:solidFill>
@@ -4636,7 +4641,7 @@
       </p:sp>
       <p:sp>
         <p:nvSpPr>
-          <p:cNvPr id="47" name="Rounded Rectangle 46"/>
+          <p:cNvPr id="47" name="Rectangle 46"/>
           <p:cNvSpPr/>
           <p:nvPr/>
         </p:nvSpPr>
@@ -4645,7 +4650,7 @@
             <a:off x="266545" y="11665867"/>
             <a:ext cx="9703078" cy="4248472"/>
           </a:xfrm>
-          <a:prstGeom prst="roundRect">
+          <a:prstGeom prst="rect">
             <a:avLst/>
           </a:prstGeom>
           <a:solidFill>
@@ -4685,7 +4690,7 @@
       </p:sp>
       <p:sp>
         <p:nvSpPr>
-          <p:cNvPr id="46" name="Rounded Rectangle 45"/>
+          <p:cNvPr id="46" name="Rectangle 45"/>
           <p:cNvSpPr/>
           <p:nvPr/>
         </p:nvSpPr>
@@ -4694,7 +4699,7 @@
             <a:off x="320551" y="6481291"/>
             <a:ext cx="9649072" cy="4896544"/>
           </a:xfrm>
-          <a:prstGeom prst="roundRect">
+          <a:prstGeom prst="rect">
             <a:avLst/>
           </a:prstGeom>
           <a:solidFill>
@@ -4734,7 +4739,7 @@
       </p:sp>
       <p:sp>
         <p:nvSpPr>
-          <p:cNvPr id="42" name="Rounded Rectangle 41"/>
+          <p:cNvPr id="42" name="Rectangle 41"/>
           <p:cNvSpPr/>
           <p:nvPr/>
         </p:nvSpPr>
@@ -4743,7 +4748,7 @@
             <a:off x="320551" y="3456955"/>
             <a:ext cx="4680520" cy="2808312"/>
           </a:xfrm>
-          <a:prstGeom prst="roundRect">
+          <a:prstGeom prst="rect">
             <a:avLst/>
           </a:prstGeom>
           <a:solidFill>
@@ -4783,7 +4788,7 @@
       </p:sp>
       <p:sp>
         <p:nvSpPr>
-          <p:cNvPr id="17" name="Rounded Rectangle 16"/>
+          <p:cNvPr id="17" name="Rectangle 16"/>
           <p:cNvSpPr/>
           <p:nvPr/>
         </p:nvSpPr>
@@ -4792,11 +4797,13 @@
             <a:off x="5289103" y="3456955"/>
             <a:ext cx="4680520" cy="2808312"/>
           </a:xfrm>
-          <a:prstGeom prst="roundRect">
+          <a:prstGeom prst="rect">
             <a:avLst/>
           </a:prstGeom>
           <a:solidFill>
-            <a:srgbClr val="73626E"/>
+            <a:schemeClr val="bg1">
+              <a:lumMod val="65000"/>
+            </a:schemeClr>
           </a:solidFill>
           <a:ln cap="rnd">
             <a:solidFill>
@@ -4943,16 +4950,6 @@
               </a:rPr>
               <a:t>Repository to Support DH Workflows</a:t>
             </a:r>
-            <a:endParaRPr lang="en-US" sz="6000" dirty="0">
-              <a:solidFill>
-                <a:schemeClr val="bg1">
-                  <a:lumMod val="95000"/>
-                </a:schemeClr>
-              </a:solidFill>
-              <a:latin typeface="Corbel" charset="0"/>
-              <a:ea typeface="Corbel" charset="0"/>
-              <a:cs typeface="Corbel" charset="0"/>
-            </a:endParaRPr>
           </a:p>
         </p:txBody>
       </p:sp>
@@ -5032,8 +5029,10 @@
                 <a:ea typeface="Corbel" charset="0"/>
                 <a:cs typeface="Corbel" charset="0"/>
               </a:rPr>
-              <a:t>Northeastern University </a:t>
-            </a:r>
+              <a:t>Northeastern University Libraries</a:t>
+            </a:r>
+          </a:p>
+          <a:p>
             <a:r>
               <a:rPr lang="en-US" sz="2400" dirty="0" smtClean="0">
                 <a:solidFill>
@@ -5045,35 +5044,7 @@
                 <a:ea typeface="Corbel" charset="0"/>
                 <a:cs typeface="Corbel" charset="0"/>
               </a:rPr>
-              <a:t>Libraries</a:t>
-            </a:r>
-          </a:p>
-          <a:p>
-            <a:r>
-              <a:rPr lang="en-US" sz="2400" dirty="0" smtClean="0">
-                <a:solidFill>
-                  <a:schemeClr val="bg1">
-                    <a:lumMod val="95000"/>
-                  </a:schemeClr>
-                </a:solidFill>
-                <a:latin typeface="Corbel" charset="0"/>
-                <a:ea typeface="Corbel" charset="0"/>
-                <a:cs typeface="Corbel" charset="0"/>
-              </a:rPr>
-              <a:t>Digital </a:t>
-            </a:r>
-            <a:r>
-              <a:rPr lang="en-US" sz="2400" dirty="0" smtClean="0">
-                <a:solidFill>
-                  <a:schemeClr val="bg1">
-                    <a:lumMod val="95000"/>
-                  </a:schemeClr>
-                </a:solidFill>
-                <a:latin typeface="Corbel" charset="0"/>
-                <a:ea typeface="Corbel" charset="0"/>
-                <a:cs typeface="Corbel" charset="0"/>
-              </a:rPr>
-              <a:t>Scholarship Group</a:t>
+              <a:t>Digital Scholarship Group</a:t>
             </a:r>
           </a:p>
         </p:txBody>
@@ -5086,7 +5057,7 @@
         </p:nvSpPr>
         <p:spPr>
           <a:xfrm>
-            <a:off x="536575" y="3672979"/>
+            <a:off x="536575" y="3600971"/>
             <a:ext cx="4248472" cy="2462213"/>
           </a:xfrm>
           <a:prstGeom prst="rect">
@@ -5148,9 +5119,7 @@
             <a:r>
               <a:rPr lang="en-US" dirty="0" smtClean="0">
                 <a:solidFill>
-                  <a:schemeClr val="bg1">
-                    <a:lumMod val="95000"/>
-                  </a:schemeClr>
+                  <a:srgbClr val="73626E"/>
                 </a:solidFill>
                 <a:latin typeface="Corbel" charset="0"/>
                 <a:ea typeface="Corbel" charset="0"/>
@@ -5311,20 +5280,7 @@
                 <a:ea typeface="Tahoma" charset="0"/>
                 <a:cs typeface="Tahoma" charset="0"/>
               </a:rPr>
-              <a:t>Lorem </a:t>
-            </a:r>
-            <a:r>
-              <a:rPr lang="en-US" sz="2000" dirty="0" smtClean="0">
-                <a:solidFill>
-                  <a:schemeClr val="bg1">
-                    <a:lumMod val="95000"/>
-                  </a:schemeClr>
-                </a:solidFill>
-                <a:latin typeface="Tahoma" charset="0"/>
-                <a:ea typeface="Tahoma" charset="0"/>
-                <a:cs typeface="Tahoma" charset="0"/>
-              </a:rPr>
-              <a:t>ipsum dolor sit </a:t>
+              <a:t>Lorem ipsum dolor sit </a:t>
             </a:r>
             <a:r>
               <a:rPr lang="en-US" sz="2000" dirty="0" err="1" smtClean="0">
@@ -6078,20 +6034,7 @@
                 <a:ea typeface="Tahoma" charset="0"/>
                 <a:cs typeface="Tahoma" charset="0"/>
               </a:rPr>
-              <a:t>Next </a:t>
-            </a:r>
-            <a:r>
-              <a:rPr lang="en-US" smtClean="0">
-                <a:solidFill>
-                  <a:schemeClr val="bg1">
-                    <a:lumMod val="95000"/>
-                  </a:schemeClr>
-                </a:solidFill>
-                <a:latin typeface="Tahoma" charset="0"/>
-                <a:ea typeface="Tahoma" charset="0"/>
-                <a:cs typeface="Tahoma" charset="0"/>
-              </a:rPr>
-              <a:t>Steps</a:t>
+              <a:t>Next Steps</a:t>
             </a:r>
             <a:endParaRPr lang="en-US" dirty="0" smtClean="0">
               <a:solidFill>
@@ -6254,7 +6197,7 @@
         </p:blipFill>
         <p:spPr>
           <a:xfrm>
-            <a:off x="281828" y="2952899"/>
+            <a:off x="1915219" y="6841331"/>
             <a:ext cx="1398588" cy="508577"/>
           </a:xfrm>
           <a:prstGeom prst="rect">
@@ -6284,7 +6227,7 @@
         </p:blipFill>
         <p:spPr>
           <a:xfrm>
-            <a:off x="1938012" y="4177035"/>
+            <a:off x="3571403" y="8065467"/>
             <a:ext cx="1130300" cy="317500"/>
           </a:xfrm>
           <a:prstGeom prst="rect">
@@ -6313,7 +6256,7 @@
         </p:blipFill>
         <p:spPr>
           <a:xfrm>
-            <a:off x="-16696" y="3600971"/>
+            <a:off x="1616695" y="7489403"/>
             <a:ext cx="1845341" cy="1381819"/>
           </a:xfrm>
           <a:prstGeom prst="rect">
@@ -6343,7 +6286,7 @@
         </p:blipFill>
         <p:spPr>
           <a:xfrm>
-            <a:off x="3234156" y="3961011"/>
+            <a:off x="4867547" y="7849443"/>
             <a:ext cx="1369889" cy="1369889"/>
           </a:xfrm>
           <a:prstGeom prst="rect">
@@ -6373,7 +6316,7 @@
         </p:blipFill>
         <p:spPr>
           <a:xfrm>
-            <a:off x="3882228" y="3456955"/>
+            <a:off x="5515619" y="7345387"/>
             <a:ext cx="720080" cy="472032"/>
           </a:xfrm>
           <a:prstGeom prst="rect">
@@ -6403,7 +6346,7 @@
         </p:blipFill>
         <p:spPr>
           <a:xfrm>
-            <a:off x="1938012" y="3240931"/>
+            <a:off x="3571403" y="7129363"/>
             <a:ext cx="1292175" cy="744522"/>
           </a:xfrm>
           <a:prstGeom prst="rect">
@@ -6419,7 +6362,7 @@
         </p:nvSpPr>
         <p:spPr>
           <a:xfrm>
-            <a:off x="1505964" y="4609083"/>
+            <a:off x="3139355" y="8497515"/>
             <a:ext cx="1609627" cy="307777"/>
           </a:xfrm>
           <a:prstGeom prst="rect">
@@ -6460,7 +6403,7 @@
         </p:nvSpPr>
         <p:spPr>
           <a:xfrm>
-            <a:off x="3522188" y="2952899"/>
+            <a:off x="5155579" y="6841331"/>
             <a:ext cx="1025179" cy="307777"/>
           </a:xfrm>
           <a:prstGeom prst="rect">
@@ -6486,6 +6429,565 @@
               <a:t>Kakadu</a:t>
             </a:r>
             <a:endParaRPr lang="en-US" sz="2000" dirty="0">
+              <a:latin typeface="Tahoma" charset="0"/>
+              <a:ea typeface="Tahoma" charset="0"/>
+              <a:cs typeface="Tahoma" charset="0"/>
+            </a:endParaRPr>
+          </a:p>
+        </p:txBody>
+      </p:sp>
+      <p:sp>
+        <p:nvSpPr>
+          <p:cNvPr id="33" name="TextBox 32"/>
+          <p:cNvSpPr txBox="1"/>
+          <p:nvPr/>
+        </p:nvSpPr>
+        <p:spPr>
+          <a:xfrm>
+            <a:off x="2048743" y="13489492"/>
+            <a:ext cx="5400600" cy="408623"/>
+          </a:xfrm>
+          <a:prstGeom prst="roundRect">
+            <a:avLst/>
+          </a:prstGeom>
+          <a:noFill/>
+          <a:ln w="19050">
+            <a:solidFill>
+              <a:schemeClr val="accent3"/>
+            </a:solidFill>
+          </a:ln>
+        </p:spPr>
+        <p:txBody>
+          <a:bodyPr wrap="square" rtlCol="0">
+            <a:spAutoFit/>
+          </a:bodyPr>
+          <a:lstStyle/>
+          <a:p>
+            <a:pPr algn="ctr"/>
+            <a:r>
+              <a:rPr lang="en-US" sz="1800" smtClean="0">
+                <a:latin typeface="Tahoma" charset="0"/>
+                <a:ea typeface="Tahoma" charset="0"/>
+                <a:cs typeface="Tahoma" charset="0"/>
+              </a:rPr>
+              <a:t>Fedora 4</a:t>
+            </a:r>
+            <a:endParaRPr lang="en-US" sz="1800">
+              <a:latin typeface="Tahoma" charset="0"/>
+              <a:ea typeface="Tahoma" charset="0"/>
+              <a:cs typeface="Tahoma" charset="0"/>
+            </a:endParaRPr>
+          </a:p>
+        </p:txBody>
+      </p:sp>
+      <p:sp>
+        <p:nvSpPr>
+          <p:cNvPr id="34" name="TextBox 33"/>
+          <p:cNvSpPr txBox="1"/>
+          <p:nvPr/>
+        </p:nvSpPr>
+        <p:spPr>
+          <a:xfrm>
+            <a:off x="3920951" y="11449843"/>
+            <a:ext cx="1584176" cy="408623"/>
+          </a:xfrm>
+          <a:prstGeom prst="roundRect">
+            <a:avLst/>
+          </a:prstGeom>
+          <a:noFill/>
+          <a:ln w="19050">
+            <a:solidFill>
+              <a:schemeClr val="accent3"/>
+            </a:solidFill>
+          </a:ln>
+        </p:spPr>
+        <p:txBody>
+          <a:bodyPr wrap="square" rtlCol="0">
+            <a:spAutoFit/>
+          </a:bodyPr>
+          <a:lstStyle/>
+          <a:p>
+            <a:pPr algn="ctr"/>
+            <a:r>
+              <a:rPr lang="en-US" sz="1800" dirty="0" smtClean="0">
+                <a:latin typeface="Tahoma" charset="0"/>
+                <a:ea typeface="Tahoma" charset="0"/>
+                <a:cs typeface="Tahoma" charset="0"/>
+              </a:rPr>
+              <a:t>Charon</a:t>
+            </a:r>
+          </a:p>
+        </p:txBody>
+      </p:sp>
+      <p:sp>
+        <p:nvSpPr>
+          <p:cNvPr id="35" name="TextBox 34"/>
+          <p:cNvSpPr txBox="1"/>
+          <p:nvPr/>
+        </p:nvSpPr>
+        <p:spPr>
+          <a:xfrm>
+            <a:off x="2048743" y="10441731"/>
+            <a:ext cx="5400600" cy="408623"/>
+          </a:xfrm>
+          <a:prstGeom prst="roundRect">
+            <a:avLst/>
+          </a:prstGeom>
+          <a:noFill/>
+          <a:ln w="19050">
+            <a:solidFill>
+              <a:schemeClr val="accent3"/>
+            </a:solidFill>
+          </a:ln>
+        </p:spPr>
+        <p:txBody>
+          <a:bodyPr wrap="square" rtlCol="0">
+            <a:spAutoFit/>
+          </a:bodyPr>
+          <a:lstStyle/>
+          <a:p>
+            <a:pPr algn="ctr"/>
+            <a:r>
+              <a:rPr lang="en-US" sz="1800" dirty="0" smtClean="0">
+                <a:latin typeface="Tahoma" charset="0"/>
+                <a:ea typeface="Tahoma" charset="0"/>
+                <a:cs typeface="Tahoma" charset="0"/>
+              </a:rPr>
+              <a:t>CERES Publisher</a:t>
+            </a:r>
+          </a:p>
+        </p:txBody>
+      </p:sp>
+      <p:sp>
+        <p:nvSpPr>
+          <p:cNvPr id="36" name="Rounded Rectangle 35"/>
+          <p:cNvSpPr/>
+          <p:nvPr/>
+        </p:nvSpPr>
+        <p:spPr>
+          <a:xfrm>
+            <a:off x="2048743" y="11449843"/>
+            <a:ext cx="5400600" cy="1944216"/>
+          </a:xfrm>
+          <a:prstGeom prst="roundRect">
+            <a:avLst/>
+          </a:prstGeom>
+          <a:noFill/>
+          <a:ln>
+            <a:solidFill>
+              <a:schemeClr val="accent3"/>
+            </a:solidFill>
+          </a:ln>
+        </p:spPr>
+        <p:style>
+          <a:lnRef idx="2">
+            <a:schemeClr val="accent1">
+              <a:shade val="50000"/>
+            </a:schemeClr>
+          </a:lnRef>
+          <a:fillRef idx="1">
+            <a:schemeClr val="accent1"/>
+          </a:fillRef>
+          <a:effectRef idx="0">
+            <a:schemeClr val="accent1"/>
+          </a:effectRef>
+          <a:fontRef idx="minor">
+            <a:schemeClr val="lt1"/>
+          </a:fontRef>
+        </p:style>
+        <p:txBody>
+          <a:bodyPr rtlCol="0" anchor="ctr"/>
+          <a:lstStyle/>
+          <a:p>
+            <a:pPr algn="ctr"/>
+            <a:endParaRPr lang="en-US" sz="1800">
+              <a:latin typeface="Tahoma" charset="0"/>
+              <a:ea typeface="Tahoma" charset="0"/>
+              <a:cs typeface="Tahoma" charset="0"/>
+            </a:endParaRPr>
+          </a:p>
+        </p:txBody>
+      </p:sp>
+      <p:sp>
+        <p:nvSpPr>
+          <p:cNvPr id="37" name="TextBox 36"/>
+          <p:cNvSpPr txBox="1"/>
+          <p:nvPr/>
+        </p:nvSpPr>
+        <p:spPr>
+          <a:xfrm>
+            <a:off x="2264767" y="12313939"/>
+            <a:ext cx="1440160" cy="408623"/>
+          </a:xfrm>
+          <a:prstGeom prst="roundRect">
+            <a:avLst/>
+          </a:prstGeom>
+          <a:noFill/>
+          <a:ln w="19050">
+            <a:solidFill>
+              <a:schemeClr val="accent3"/>
+            </a:solidFill>
+          </a:ln>
+        </p:spPr>
+        <p:txBody>
+          <a:bodyPr wrap="square" rtlCol="0">
+            <a:spAutoFit/>
+          </a:bodyPr>
+          <a:lstStyle/>
+          <a:p>
+            <a:pPr algn="ctr"/>
+            <a:r>
+              <a:rPr lang="en-US" sz="1800" dirty="0" smtClean="0">
+                <a:latin typeface="Tahoma" charset="0"/>
+                <a:ea typeface="Tahoma" charset="0"/>
+                <a:cs typeface="Tahoma" charset="0"/>
+              </a:rPr>
+              <a:t>Hydra</a:t>
+            </a:r>
+          </a:p>
+        </p:txBody>
+      </p:sp>
+      <p:sp>
+        <p:nvSpPr>
+          <p:cNvPr id="38" name="TextBox 37"/>
+          <p:cNvSpPr txBox="1"/>
+          <p:nvPr/>
+        </p:nvSpPr>
+        <p:spPr>
+          <a:xfrm>
+            <a:off x="5649143" y="12745987"/>
+            <a:ext cx="1728192" cy="408623"/>
+          </a:xfrm>
+          <a:prstGeom prst="roundRect">
+            <a:avLst/>
+          </a:prstGeom>
+          <a:noFill/>
+          <a:ln w="19050">
+            <a:solidFill>
+              <a:schemeClr val="accent3"/>
+            </a:solidFill>
+          </a:ln>
+        </p:spPr>
+        <p:txBody>
+          <a:bodyPr wrap="square" rtlCol="0">
+            <a:spAutoFit/>
+          </a:bodyPr>
+          <a:lstStyle/>
+          <a:p>
+            <a:pPr algn="ctr"/>
+            <a:r>
+              <a:rPr lang="en-US" sz="1800" dirty="0" err="1" smtClean="0">
+                <a:latin typeface="Tahoma" charset="0"/>
+                <a:ea typeface="Tahoma" charset="0"/>
+                <a:cs typeface="Tahoma" charset="0"/>
+              </a:rPr>
+              <a:t>ImageMagick</a:t>
+            </a:r>
+            <a:endParaRPr lang="en-US" sz="1800" dirty="0" smtClean="0">
+              <a:latin typeface="Tahoma" charset="0"/>
+              <a:ea typeface="Tahoma" charset="0"/>
+              <a:cs typeface="Tahoma" charset="0"/>
+            </a:endParaRPr>
+          </a:p>
+        </p:txBody>
+      </p:sp>
+      <p:sp>
+        <p:nvSpPr>
+          <p:cNvPr id="39" name="TextBox 38"/>
+          <p:cNvSpPr txBox="1"/>
+          <p:nvPr/>
+        </p:nvSpPr>
+        <p:spPr>
+          <a:xfrm>
+            <a:off x="3776935" y="12745987"/>
+            <a:ext cx="1728192" cy="408623"/>
+          </a:xfrm>
+          <a:prstGeom prst="roundRect">
+            <a:avLst/>
+          </a:prstGeom>
+          <a:noFill/>
+          <a:ln w="19050">
+            <a:solidFill>
+              <a:schemeClr val="accent3"/>
+            </a:solidFill>
+          </a:ln>
+        </p:spPr>
+        <p:txBody>
+          <a:bodyPr wrap="square" rtlCol="0">
+            <a:spAutoFit/>
+          </a:bodyPr>
+          <a:lstStyle/>
+          <a:p>
+            <a:pPr algn="ctr"/>
+            <a:r>
+              <a:rPr lang="en-US" sz="1800" dirty="0" smtClean="0">
+                <a:latin typeface="Tahoma" charset="0"/>
+                <a:ea typeface="Tahoma" charset="0"/>
+                <a:cs typeface="Tahoma" charset="0"/>
+              </a:rPr>
+              <a:t>T-Pen</a:t>
+            </a:r>
+          </a:p>
+        </p:txBody>
+      </p:sp>
+      <p:sp>
+        <p:nvSpPr>
+          <p:cNvPr id="40" name="TextBox 39"/>
+          <p:cNvSpPr txBox="1"/>
+          <p:nvPr/>
+        </p:nvSpPr>
+        <p:spPr>
+          <a:xfrm>
+            <a:off x="3776935" y="12313939"/>
+            <a:ext cx="1728192" cy="408623"/>
+          </a:xfrm>
+          <a:prstGeom prst="roundRect">
+            <a:avLst/>
+          </a:prstGeom>
+          <a:noFill/>
+          <a:ln w="19050">
+            <a:solidFill>
+              <a:schemeClr val="accent3"/>
+            </a:solidFill>
+          </a:ln>
+        </p:spPr>
+        <p:txBody>
+          <a:bodyPr wrap="square" rtlCol="0">
+            <a:spAutoFit/>
+          </a:bodyPr>
+          <a:lstStyle/>
+          <a:p>
+            <a:pPr algn="ctr"/>
+            <a:r>
+              <a:rPr lang="en-US" sz="1800" smtClean="0">
+                <a:latin typeface="Tahoma" charset="0"/>
+                <a:ea typeface="Tahoma" charset="0"/>
+                <a:cs typeface="Tahoma" charset="0"/>
+              </a:rPr>
+              <a:t>MySQL</a:t>
+            </a:r>
+            <a:endParaRPr lang="en-US" sz="1800" dirty="0" smtClean="0">
+              <a:latin typeface="Tahoma" charset="0"/>
+              <a:ea typeface="Tahoma" charset="0"/>
+              <a:cs typeface="Tahoma" charset="0"/>
+            </a:endParaRPr>
+          </a:p>
+        </p:txBody>
+      </p:sp>
+      <p:sp>
+        <p:nvSpPr>
+          <p:cNvPr id="41" name="TextBox 40"/>
+          <p:cNvSpPr txBox="1"/>
+          <p:nvPr/>
+        </p:nvSpPr>
+        <p:spPr>
+          <a:xfrm>
+            <a:off x="5649143" y="12313939"/>
+            <a:ext cx="1728192" cy="408623"/>
+          </a:xfrm>
+          <a:prstGeom prst="roundRect">
+            <a:avLst/>
+          </a:prstGeom>
+          <a:noFill/>
+          <a:ln w="19050">
+            <a:solidFill>
+              <a:schemeClr val="accent3"/>
+            </a:solidFill>
+          </a:ln>
+        </p:spPr>
+        <p:txBody>
+          <a:bodyPr wrap="square" rtlCol="0">
+            <a:spAutoFit/>
+          </a:bodyPr>
+          <a:lstStyle/>
+          <a:p>
+            <a:pPr algn="ctr"/>
+            <a:r>
+              <a:rPr lang="en-US" sz="1800" smtClean="0">
+                <a:latin typeface="Tahoma" charset="0"/>
+                <a:ea typeface="Tahoma" charset="0"/>
+                <a:cs typeface="Tahoma" charset="0"/>
+              </a:rPr>
+              <a:t>Kakadu</a:t>
+            </a:r>
+            <a:endParaRPr lang="en-US" sz="1800" dirty="0" smtClean="0">
+              <a:latin typeface="Tahoma" charset="0"/>
+              <a:ea typeface="Tahoma" charset="0"/>
+              <a:cs typeface="Tahoma" charset="0"/>
+            </a:endParaRPr>
+          </a:p>
+        </p:txBody>
+      </p:sp>
+      <p:sp>
+        <p:nvSpPr>
+          <p:cNvPr id="42" name="TextBox 41"/>
+          <p:cNvSpPr txBox="1"/>
+          <p:nvPr/>
+        </p:nvSpPr>
+        <p:spPr>
+          <a:xfrm>
+            <a:off x="3776935" y="11881891"/>
+            <a:ext cx="1728192" cy="408623"/>
+          </a:xfrm>
+          <a:prstGeom prst="roundRect">
+            <a:avLst/>
+          </a:prstGeom>
+          <a:noFill/>
+          <a:ln w="19050">
+            <a:solidFill>
+              <a:schemeClr val="accent3"/>
+            </a:solidFill>
+          </a:ln>
+        </p:spPr>
+        <p:txBody>
+          <a:bodyPr wrap="square" rtlCol="0">
+            <a:spAutoFit/>
+          </a:bodyPr>
+          <a:lstStyle/>
+          <a:p>
+            <a:pPr algn="ctr"/>
+            <a:r>
+              <a:rPr lang="en-US" sz="1800" dirty="0" err="1" smtClean="0">
+                <a:latin typeface="Tahoma" charset="0"/>
+                <a:ea typeface="Tahoma" charset="0"/>
+                <a:cs typeface="Tahoma" charset="0"/>
+              </a:rPr>
+              <a:t>eXistdb</a:t>
+            </a:r>
+            <a:endParaRPr lang="en-US" sz="1800" dirty="0" smtClean="0">
+              <a:latin typeface="Tahoma" charset="0"/>
+              <a:ea typeface="Tahoma" charset="0"/>
+              <a:cs typeface="Tahoma" charset="0"/>
+            </a:endParaRPr>
+          </a:p>
+        </p:txBody>
+      </p:sp>
+      <p:sp>
+        <p:nvSpPr>
+          <p:cNvPr id="43" name="TextBox 42"/>
+          <p:cNvSpPr txBox="1"/>
+          <p:nvPr/>
+        </p:nvSpPr>
+        <p:spPr>
+          <a:xfrm>
+            <a:off x="5649143" y="11881891"/>
+            <a:ext cx="1728192" cy="408623"/>
+          </a:xfrm>
+          <a:prstGeom prst="roundRect">
+            <a:avLst/>
+          </a:prstGeom>
+          <a:noFill/>
+          <a:ln w="19050">
+            <a:solidFill>
+              <a:schemeClr val="accent3"/>
+            </a:solidFill>
+          </a:ln>
+        </p:spPr>
+        <p:txBody>
+          <a:bodyPr wrap="square" rtlCol="0">
+            <a:spAutoFit/>
+          </a:bodyPr>
+          <a:lstStyle/>
+          <a:p>
+            <a:pPr algn="ctr"/>
+            <a:r>
+              <a:rPr lang="en-US" sz="1800" smtClean="0">
+                <a:latin typeface="Tahoma" charset="0"/>
+                <a:ea typeface="Tahoma" charset="0"/>
+                <a:cs typeface="Tahoma" charset="0"/>
+              </a:rPr>
+              <a:t>CWRC Writer</a:t>
+            </a:r>
+            <a:endParaRPr lang="en-US" sz="1800" dirty="0" smtClean="0">
+              <a:latin typeface="Tahoma" charset="0"/>
+              <a:ea typeface="Tahoma" charset="0"/>
+              <a:cs typeface="Tahoma" charset="0"/>
+            </a:endParaRPr>
+          </a:p>
+        </p:txBody>
+      </p:sp>
+      <p:sp>
+        <p:nvSpPr>
+          <p:cNvPr id="44" name="TextBox 43"/>
+          <p:cNvSpPr txBox="1"/>
+          <p:nvPr/>
+        </p:nvSpPr>
+        <p:spPr>
+          <a:xfrm>
+            <a:off x="2048743" y="10945787"/>
+            <a:ext cx="5400600" cy="408623"/>
+          </a:xfrm>
+          <a:prstGeom prst="roundRect">
+            <a:avLst/>
+          </a:prstGeom>
+          <a:noFill/>
+          <a:ln w="19050">
+            <a:solidFill>
+              <a:schemeClr val="accent3"/>
+            </a:solidFill>
+          </a:ln>
+        </p:spPr>
+        <p:txBody>
+          <a:bodyPr wrap="square" rtlCol="0">
+            <a:spAutoFit/>
+          </a:bodyPr>
+          <a:lstStyle/>
+          <a:p>
+            <a:pPr algn="ctr"/>
+            <a:r>
+              <a:rPr lang="en-US" sz="1800" dirty="0" smtClean="0">
+                <a:latin typeface="Tahoma" charset="0"/>
+                <a:ea typeface="Tahoma" charset="0"/>
+                <a:cs typeface="Tahoma" charset="0"/>
+              </a:rPr>
+              <a:t>REST API</a:t>
+            </a:r>
+          </a:p>
+        </p:txBody>
+      </p:sp>
+      <p:sp>
+        <p:nvSpPr>
+          <p:cNvPr id="45" name="Rounded Rectangle 44"/>
+          <p:cNvSpPr/>
+          <p:nvPr/>
+        </p:nvSpPr>
+        <p:spPr>
+          <a:xfrm>
+            <a:off x="2264767" y="11881891"/>
+            <a:ext cx="1440160" cy="1224136"/>
+          </a:xfrm>
+          <a:prstGeom prst="roundRect">
+            <a:avLst/>
+          </a:prstGeom>
+          <a:noFill/>
+          <a:ln>
+            <a:solidFill>
+              <a:schemeClr val="accent3"/>
+            </a:solidFill>
+          </a:ln>
+        </p:spPr>
+        <p:style>
+          <a:lnRef idx="2">
+            <a:schemeClr val="accent1">
+              <a:shade val="50000"/>
+            </a:schemeClr>
+          </a:lnRef>
+          <a:fillRef idx="1">
+            <a:schemeClr val="accent1"/>
+          </a:fillRef>
+          <a:effectRef idx="0">
+            <a:schemeClr val="accent1"/>
+          </a:effectRef>
+          <a:fontRef idx="minor">
+            <a:schemeClr val="lt1"/>
+          </a:fontRef>
+        </p:style>
+        <p:txBody>
+          <a:bodyPr rtlCol="0" anchor="ctr"/>
+          <a:lstStyle/>
+          <a:p>
+            <a:pPr algn="ctr"/>
+            <a:endParaRPr lang="en-US" sz="1800">
               <a:latin typeface="Tahoma" charset="0"/>
               <a:ea typeface="Tahoma" charset="0"/>
               <a:cs typeface="Tahoma" charset="0"/>

--- a/Open Repositories 2017/Charon Poster/OR2017_Charon_Poster_Working.pptx
+++ b/Open Repositories 2017/Charon Poster/OR2017_Charon_Poster_Working.pptx
@@ -117,28 +117,7 @@
   </p:defaultTextStyle>
   <p:extLst>
     <p:ext uri="{EFAFB233-063F-42B5-8137-9DF3F51BA10A}">
-      <p15:sldGuideLst xmlns:p15="http://schemas.microsoft.com/office/powerpoint/2012/main">
-        <p15:guide id="1" orient="horz" pos="11522" userDrawn="1">
-          <p15:clr>
-            <a:srgbClr val="A4A3A4"/>
-          </p15:clr>
-        </p15:guide>
-        <p15:guide id="4" orient="horz" pos="5761" userDrawn="1">
-          <p15:clr>
-            <a:srgbClr val="A4A3A4"/>
-          </p15:clr>
-        </p15:guide>
-        <p15:guide id="5" orient="horz" pos="2223" userDrawn="1">
-          <p15:clr>
-            <a:srgbClr val="9FCC3B"/>
-          </p15:clr>
-        </p15:guide>
-        <p15:guide id="6" pos="3241" userDrawn="1">
-          <p15:clr>
-            <a:srgbClr val="A4A3A4"/>
-          </p15:clr>
-        </p15:guide>
-      </p15:sldGuideLst>
+      <p15:sldGuideLst xmlns:p15="http://schemas.microsoft.com/office/powerpoint/2012/main"/>
     </p:ext>
   </p:extLst>
 </p:presentation>
@@ -4118,7 +4097,7 @@
         </p:nvSpPr>
         <p:spPr>
           <a:xfrm>
-            <a:off x="10780" y="-572"/>
+            <a:off x="11200728" y="-572"/>
             <a:ext cx="182880" cy="18288000"/>
           </a:xfrm>
           <a:prstGeom prst="rect">
@@ -4129,7 +4108,7 @@
           </a:solidFill>
           <a:ln>
             <a:solidFill>
-              <a:schemeClr val="bg1"/>
+              <a:schemeClr val="tx1"/>
             </a:solidFill>
           </a:ln>
         </p:spPr>
@@ -4166,7 +4145,7 @@
         </p:nvSpPr>
         <p:spPr>
           <a:xfrm>
-            <a:off x="10074775" y="-18366"/>
+            <a:off x="21264723" y="-18366"/>
             <a:ext cx="182880" cy="18288000"/>
           </a:xfrm>
           <a:prstGeom prst="rect">
@@ -4177,7 +4156,7 @@
           </a:solidFill>
           <a:ln>
             <a:solidFill>
-              <a:schemeClr val="bg1"/>
+              <a:schemeClr val="tx1"/>
             </a:solidFill>
           </a:ln>
         </p:spPr>
@@ -4214,7 +4193,7 @@
         </p:nvSpPr>
         <p:spPr>
           <a:xfrm rot="5400000">
-            <a:off x="5084579" y="-5052632"/>
+            <a:off x="16245183" y="-5052060"/>
             <a:ext cx="182880" cy="10287000"/>
           </a:xfrm>
           <a:prstGeom prst="rect">
@@ -4225,7 +4204,7 @@
           </a:solidFill>
           <a:ln>
             <a:solidFill>
-              <a:schemeClr val="bg1"/>
+              <a:schemeClr val="tx1"/>
             </a:solidFill>
           </a:ln>
         </p:spPr>
@@ -4262,7 +4241,7 @@
         </p:nvSpPr>
         <p:spPr>
           <a:xfrm rot="5400000">
-            <a:off x="5052060" y="13056235"/>
+            <a:off x="16242008" y="13056235"/>
             <a:ext cx="182880" cy="10287000"/>
           </a:xfrm>
           <a:prstGeom prst="rect">
@@ -4273,7 +4252,7 @@
           </a:solidFill>
           <a:ln>
             <a:solidFill>
-              <a:schemeClr val="bg1"/>
+              <a:schemeClr val="tx1"/>
             </a:solidFill>
           </a:ln>
         </p:spPr>
@@ -4310,7 +4289,7 @@
         </p:nvSpPr>
         <p:spPr>
           <a:xfrm>
-            <a:off x="0" y="3240931"/>
+            <a:off x="11193123" y="3096915"/>
             <a:ext cx="10287000" cy="182880"/>
           </a:xfrm>
           <a:prstGeom prst="rect">
@@ -4321,7 +4300,7 @@
           </a:solidFill>
           <a:ln>
             <a:solidFill>
-              <a:schemeClr val="bg1"/>
+              <a:schemeClr val="tx1"/>
             </a:solidFill>
           </a:ln>
         </p:spPr>
@@ -4358,7 +4337,7 @@
         </p:nvSpPr>
         <p:spPr>
           <a:xfrm>
-            <a:off x="0" y="6265267"/>
+            <a:off x="11189948" y="6370419"/>
             <a:ext cx="10287000" cy="182880"/>
           </a:xfrm>
           <a:prstGeom prst="rect">
@@ -4369,7 +4348,7 @@
           </a:solidFill>
           <a:ln>
             <a:solidFill>
-              <a:schemeClr val="bg1"/>
+              <a:schemeClr val="tx1"/>
             </a:solidFill>
           </a:ln>
         </p:spPr>
@@ -4406,7 +4385,7 @@
         </p:nvSpPr>
         <p:spPr>
           <a:xfrm>
-            <a:off x="13955" y="15985775"/>
+            <a:off x="11203903" y="16163507"/>
             <a:ext cx="10287000" cy="182880"/>
           </a:xfrm>
           <a:prstGeom prst="rect">
@@ -4417,7 +4396,7 @@
           </a:solidFill>
           <a:ln>
             <a:solidFill>
-              <a:schemeClr val="bg1"/>
+              <a:schemeClr val="tx1"/>
             </a:solidFill>
           </a:ln>
         </p:spPr>
@@ -4454,8 +4433,8 @@
         </p:nvSpPr>
         <p:spPr>
           <a:xfrm>
-            <a:off x="5053648" y="3312939"/>
-            <a:ext cx="182880" cy="2971800"/>
+            <a:off x="15830979" y="3312939"/>
+            <a:ext cx="182880" cy="3017520"/>
           </a:xfrm>
           <a:prstGeom prst="rect">
             <a:avLst/>
@@ -4465,7 +4444,7 @@
           </a:solidFill>
           <a:ln>
             <a:solidFill>
-              <a:schemeClr val="bg1"/>
+              <a:schemeClr val="tx1"/>
             </a:solidFill>
           </a:ln>
         </p:spPr>
@@ -4502,7 +4481,7 @@
         </p:nvSpPr>
         <p:spPr>
           <a:xfrm>
-            <a:off x="8108195" y="16202371"/>
+            <a:off x="19298143" y="16202371"/>
             <a:ext cx="228600" cy="2057400"/>
           </a:xfrm>
           <a:prstGeom prst="rect">
@@ -4513,7 +4492,7 @@
           </a:solidFill>
           <a:ln>
             <a:solidFill>
-              <a:schemeClr val="bg1"/>
+              <a:schemeClr val="tx1"/>
             </a:solidFill>
           </a:ln>
         </p:spPr>
@@ -4550,7 +4529,7 @@
         </p:nvSpPr>
         <p:spPr>
           <a:xfrm>
-            <a:off x="10780" y="11377263"/>
+            <a:off x="11200728" y="11482987"/>
             <a:ext cx="10287000" cy="182880"/>
           </a:xfrm>
           <a:prstGeom prst="rect">
@@ -4561,7 +4540,7 @@
           </a:solidFill>
           <a:ln>
             <a:solidFill>
-              <a:schemeClr val="bg1"/>
+              <a:schemeClr val="tx1"/>
             </a:solidFill>
           </a:ln>
         </p:spPr>
@@ -4598,8 +4577,8 @@
         </p:nvSpPr>
         <p:spPr>
           <a:xfrm>
-            <a:off x="320551" y="16274379"/>
-            <a:ext cx="7776864" cy="1728192"/>
+            <a:off x="248543" y="16346387"/>
+            <a:ext cx="7848872" cy="1728192"/>
           </a:xfrm>
           <a:prstGeom prst="rect">
             <a:avLst/>
@@ -4609,7 +4588,9 @@
           </a:solidFill>
           <a:ln cap="rnd">
             <a:solidFill>
-              <a:srgbClr val="73626E"/>
+              <a:schemeClr val="bg1">
+                <a:lumMod val="50000"/>
+              </a:schemeClr>
             </a:solidFill>
             <a:prstDash val="solid"/>
           </a:ln>
@@ -4648,7 +4629,7 @@
         <p:spPr>
           <a:xfrm>
             <a:off x="266545" y="11665867"/>
-            <a:ext cx="9703078" cy="4248472"/>
+            <a:ext cx="9775086" cy="4464496"/>
           </a:xfrm>
           <a:prstGeom prst="rect">
             <a:avLst/>
@@ -4658,7 +4639,9 @@
           </a:solidFill>
           <a:ln cap="rnd">
             <a:solidFill>
-              <a:srgbClr val="73626E"/>
+              <a:schemeClr val="bg1">
+                <a:lumMod val="50000"/>
+              </a:schemeClr>
             </a:solidFill>
             <a:prstDash val="solid"/>
           </a:ln>
@@ -4696,8 +4679,8 @@
         </p:nvSpPr>
         <p:spPr>
           <a:xfrm>
-            <a:off x="320551" y="6481291"/>
-            <a:ext cx="9649072" cy="4896544"/>
+            <a:off x="248543" y="6553299"/>
+            <a:ext cx="9793088" cy="4896544"/>
           </a:xfrm>
           <a:prstGeom prst="rect">
             <a:avLst/>
@@ -4707,7 +4690,9 @@
           </a:solidFill>
           <a:ln cap="rnd">
             <a:solidFill>
-              <a:srgbClr val="73626E"/>
+              <a:schemeClr val="bg1">
+                <a:lumMod val="50000"/>
+              </a:schemeClr>
             </a:solidFill>
             <a:prstDash val="solid"/>
           </a:ln>
@@ -4745,8 +4730,8 @@
         </p:nvSpPr>
         <p:spPr>
           <a:xfrm>
-            <a:off x="320551" y="3456955"/>
-            <a:ext cx="4680520" cy="2808312"/>
+            <a:off x="248543" y="3312939"/>
+            <a:ext cx="4392488" cy="3024336"/>
           </a:xfrm>
           <a:prstGeom prst="rect">
             <a:avLst/>
@@ -4756,7 +4741,9 @@
           </a:solidFill>
           <a:ln cap="rnd">
             <a:solidFill>
-              <a:srgbClr val="73626E"/>
+              <a:schemeClr val="bg1">
+                <a:lumMod val="50000"/>
+              </a:schemeClr>
             </a:solidFill>
             <a:prstDash val="solid"/>
           </a:ln>
@@ -4788,57 +4775,6 @@
       </p:sp>
       <p:sp>
         <p:nvSpPr>
-          <p:cNvPr id="17" name="Rectangle 16"/>
-          <p:cNvSpPr/>
-          <p:nvPr/>
-        </p:nvSpPr>
-        <p:spPr>
-          <a:xfrm>
-            <a:off x="5289103" y="3456955"/>
-            <a:ext cx="4680520" cy="2808312"/>
-          </a:xfrm>
-          <a:prstGeom prst="rect">
-            <a:avLst/>
-          </a:prstGeom>
-          <a:solidFill>
-            <a:schemeClr val="bg1">
-              <a:lumMod val="65000"/>
-            </a:schemeClr>
-          </a:solidFill>
-          <a:ln cap="rnd">
-            <a:solidFill>
-              <a:srgbClr val="73626E"/>
-            </a:solidFill>
-            <a:prstDash val="solid"/>
-          </a:ln>
-        </p:spPr>
-        <p:style>
-          <a:lnRef idx="2">
-            <a:schemeClr val="accent1">
-              <a:shade val="50000"/>
-            </a:schemeClr>
-          </a:lnRef>
-          <a:fillRef idx="1">
-            <a:schemeClr val="accent1"/>
-          </a:fillRef>
-          <a:effectRef idx="0">
-            <a:schemeClr val="accent1"/>
-          </a:effectRef>
-          <a:fontRef idx="minor">
-            <a:schemeClr val="lt1"/>
-          </a:fontRef>
-        </p:style>
-        <p:txBody>
-          <a:bodyPr rtlCol="0" anchor="ctr"/>
-          <a:lstStyle/>
-          <a:p>
-            <a:pPr algn="ctr"/>
-            <a:endParaRPr lang="en-US"/>
-          </a:p>
-        </p:txBody>
-      </p:sp>
-      <p:sp>
-        <p:nvSpPr>
           <p:cNvPr id="7" name="TextBox 6"/>
           <p:cNvSpPr txBox="1"/>
           <p:nvPr/>
@@ -4891,17 +4827,15 @@
         </p:nvSpPr>
         <p:spPr>
           <a:xfrm>
-            <a:off x="320551" y="1440731"/>
-            <a:ext cx="9721080" cy="1846659"/>
+            <a:off x="248543" y="1296715"/>
+            <a:ext cx="9793088" cy="1846659"/>
           </a:xfrm>
           <a:prstGeom prst="rect">
             <a:avLst/>
           </a:prstGeom>
           <a:noFill/>
           <a:ln>
-            <a:solidFill>
-              <a:schemeClr val="bg1"/>
-            </a:solidFill>
+            <a:noFill/>
           </a:ln>
         </p:spPr>
         <p:txBody>
@@ -4961,7 +4895,7 @@
         </p:nvSpPr>
         <p:spPr>
           <a:xfrm>
-            <a:off x="320552" y="288603"/>
+            <a:off x="248543" y="216595"/>
             <a:ext cx="8280919" cy="1107996"/>
           </a:xfrm>
           <a:prstGeom prst="rect">
@@ -4969,9 +4903,7 @@
           </a:prstGeom>
           <a:noFill/>
           <a:ln>
-            <a:solidFill>
-              <a:schemeClr val="bg1"/>
-            </a:solidFill>
+            <a:noFill/>
           </a:ln>
         </p:spPr>
         <p:txBody>
@@ -5057,8 +4989,8 @@
         </p:nvSpPr>
         <p:spPr>
           <a:xfrm>
-            <a:off x="536575" y="3600971"/>
-            <a:ext cx="4248472" cy="2462213"/>
+            <a:off x="392559" y="3384948"/>
+            <a:ext cx="4176464" cy="2846933"/>
           </a:xfrm>
           <a:prstGeom prst="rect">
             <a:avLst/>
@@ -5075,7 +5007,7 @@
           <a:lstStyle/>
           <a:p>
             <a:r>
-              <a:rPr lang="en-US" sz="2000" dirty="0">
+              <a:rPr lang="en-US" sz="2000" b="1" dirty="0">
                 <a:solidFill>
                   <a:schemeClr val="bg1">
                     <a:lumMod val="95000"/>
@@ -5085,21 +5017,175 @@
                 <a:ea typeface="Tahoma" charset="0"/>
                 <a:cs typeface="Tahoma" charset="0"/>
               </a:rPr>
-              <a:t>How can we use Hydra to enable the creation, dissemination, and long-term support of digital projects and publications? We seek to answer this question by developing a workflow-based digital framework to provide editorial and workflow management tools for digital humanities projects.</a:t>
-            </a:r>
-          </a:p>
-        </p:txBody>
-      </p:sp>
-      <p:sp>
-        <p:nvSpPr>
-          <p:cNvPr id="26" name="TextBox 25"/>
+              <a:t>How can we use Hydra to enable the creation, dissemination, and </a:t>
+            </a:r>
+            <a:r>
+              <a:rPr lang="en-US" sz="2000" b="1" dirty="0" smtClean="0">
+                <a:solidFill>
+                  <a:schemeClr val="bg1">
+                    <a:lumMod val="95000"/>
+                  </a:schemeClr>
+                </a:solidFill>
+                <a:latin typeface="Tahoma" charset="0"/>
+                <a:ea typeface="Tahoma" charset="0"/>
+                <a:cs typeface="Tahoma" charset="0"/>
+              </a:rPr>
+              <a:t>long-term </a:t>
+            </a:r>
+            <a:r>
+              <a:rPr lang="en-US" sz="2000" b="1" dirty="0">
+                <a:solidFill>
+                  <a:schemeClr val="bg1">
+                    <a:lumMod val="95000"/>
+                  </a:schemeClr>
+                </a:solidFill>
+                <a:latin typeface="Tahoma" charset="0"/>
+                <a:ea typeface="Tahoma" charset="0"/>
+                <a:cs typeface="Tahoma" charset="0"/>
+              </a:rPr>
+              <a:t>support of digital projects and publications?</a:t>
+            </a:r>
+            <a:r>
+              <a:rPr lang="en-US" sz="2000" dirty="0">
+                <a:solidFill>
+                  <a:schemeClr val="bg1">
+                    <a:lumMod val="95000"/>
+                  </a:schemeClr>
+                </a:solidFill>
+                <a:latin typeface="Tahoma" charset="0"/>
+                <a:ea typeface="Tahoma" charset="0"/>
+                <a:cs typeface="Tahoma" charset="0"/>
+              </a:rPr>
+              <a:t> </a:t>
+            </a:r>
+            <a:endParaRPr lang="en-US" sz="2000" dirty="0" smtClean="0">
+              <a:solidFill>
+                <a:schemeClr val="bg1">
+                  <a:lumMod val="95000"/>
+                </a:schemeClr>
+              </a:solidFill>
+              <a:latin typeface="Tahoma" charset="0"/>
+              <a:ea typeface="Tahoma" charset="0"/>
+              <a:cs typeface="Tahoma" charset="0"/>
+            </a:endParaRPr>
+          </a:p>
+          <a:p>
+            <a:r>
+              <a:rPr lang="en-US" sz="500" dirty="0" smtClean="0">
+                <a:solidFill>
+                  <a:schemeClr val="bg1">
+                    <a:lumMod val="95000"/>
+                  </a:schemeClr>
+                </a:solidFill>
+                <a:latin typeface="Tahoma" charset="0"/>
+                <a:ea typeface="Tahoma" charset="0"/>
+                <a:cs typeface="Tahoma" charset="0"/>
+              </a:rPr>
+              <a:t> </a:t>
+            </a:r>
+          </a:p>
+          <a:p>
+            <a:r>
+              <a:rPr lang="en-US" sz="2000" dirty="0" smtClean="0">
+                <a:solidFill>
+                  <a:schemeClr val="bg1">
+                    <a:lumMod val="95000"/>
+                  </a:schemeClr>
+                </a:solidFill>
+                <a:latin typeface="Tahoma" charset="0"/>
+                <a:ea typeface="Tahoma" charset="0"/>
+                <a:cs typeface="Tahoma" charset="0"/>
+              </a:rPr>
+              <a:t>We </a:t>
+            </a:r>
+            <a:r>
+              <a:rPr lang="en-US" sz="2000" dirty="0">
+                <a:solidFill>
+                  <a:schemeClr val="bg1">
+                    <a:lumMod val="95000"/>
+                  </a:schemeClr>
+                </a:solidFill>
+                <a:latin typeface="Tahoma" charset="0"/>
+                <a:ea typeface="Tahoma" charset="0"/>
+                <a:cs typeface="Tahoma" charset="0"/>
+              </a:rPr>
+              <a:t>seek to answer this question by developing a workflow-based digital </a:t>
+            </a:r>
+            <a:r>
+              <a:rPr lang="en-US" sz="2000" dirty="0" smtClean="0">
+                <a:solidFill>
+                  <a:schemeClr val="bg1">
+                    <a:lumMod val="95000"/>
+                  </a:schemeClr>
+                </a:solidFill>
+                <a:latin typeface="Tahoma" charset="0"/>
+                <a:ea typeface="Tahoma" charset="0"/>
+                <a:cs typeface="Tahoma" charset="0"/>
+              </a:rPr>
+              <a:t>framework </a:t>
+            </a:r>
+            <a:r>
+              <a:rPr lang="en-US" sz="2000" dirty="0">
+                <a:solidFill>
+                  <a:schemeClr val="bg1">
+                    <a:lumMod val="95000"/>
+                  </a:schemeClr>
+                </a:solidFill>
+                <a:latin typeface="Tahoma" charset="0"/>
+                <a:ea typeface="Tahoma" charset="0"/>
+                <a:cs typeface="Tahoma" charset="0"/>
+              </a:rPr>
+              <a:t>to provide editorial and workflow management tools for digital humanities </a:t>
+            </a:r>
+            <a:r>
+              <a:rPr lang="en-US" sz="2000" dirty="0" smtClean="0">
+                <a:solidFill>
+                  <a:schemeClr val="bg1">
+                    <a:lumMod val="95000"/>
+                  </a:schemeClr>
+                </a:solidFill>
+                <a:latin typeface="Tahoma" charset="0"/>
+                <a:ea typeface="Tahoma" charset="0"/>
+                <a:cs typeface="Tahoma" charset="0"/>
+              </a:rPr>
+              <a:t>projects in Hydra</a:t>
+            </a:r>
+            <a:r>
+              <a:rPr lang="en-US" sz="2000" dirty="0" smtClean="0">
+                <a:solidFill>
+                  <a:schemeClr val="bg1">
+                    <a:lumMod val="95000"/>
+                  </a:schemeClr>
+                </a:solidFill>
+                <a:latin typeface="Tahoma" charset="0"/>
+                <a:ea typeface="Tahoma" charset="0"/>
+                <a:cs typeface="Tahoma" charset="0"/>
+              </a:rPr>
+              <a:t>. </a:t>
+            </a:r>
+            <a:endParaRPr lang="en-US" sz="2000" dirty="0">
+              <a:solidFill>
+                <a:schemeClr val="bg1">
+                  <a:lumMod val="95000"/>
+                </a:schemeClr>
+              </a:solidFill>
+              <a:latin typeface="Tahoma" charset="0"/>
+              <a:ea typeface="Tahoma" charset="0"/>
+              <a:cs typeface="Tahoma" charset="0"/>
+            </a:endParaRPr>
+          </a:p>
+        </p:txBody>
+      </p:sp>
+      <p:sp>
+        <p:nvSpPr>
+          <p:cNvPr id="33" name="TextBox 32"/>
           <p:cNvSpPr txBox="1"/>
           <p:nvPr/>
         </p:nvSpPr>
         <p:spPr>
           <a:xfrm>
-            <a:off x="5282596" y="3456955"/>
-            <a:ext cx="4687027" cy="553998"/>
+            <a:off x="248543" y="6553299"/>
+            <a:ext cx="9793088" cy="553998"/>
           </a:xfrm>
           <a:prstGeom prst="rect">
             <a:avLst/>
@@ -5119,54 +5205,14 @@
             <a:r>
               <a:rPr lang="en-US" dirty="0" smtClean="0">
                 <a:solidFill>
-                  <a:srgbClr val="73626E"/>
+                  <a:schemeClr val="bg1">
+                    <a:lumMod val="95000"/>
+                  </a:schemeClr>
                 </a:solidFill>
                 <a:latin typeface="Corbel" charset="0"/>
                 <a:ea typeface="Corbel" charset="0"/>
                 <a:cs typeface="Corbel" charset="0"/>
               </a:rPr>
-              <a:t>Components</a:t>
-            </a:r>
-          </a:p>
-        </p:txBody>
-      </p:sp>
-      <p:sp>
-        <p:nvSpPr>
-          <p:cNvPr id="33" name="TextBox 32"/>
-          <p:cNvSpPr txBox="1"/>
-          <p:nvPr/>
-        </p:nvSpPr>
-        <p:spPr>
-          <a:xfrm>
-            <a:off x="320551" y="6481291"/>
-            <a:ext cx="9692640" cy="553998"/>
-          </a:xfrm>
-          <a:prstGeom prst="rect">
-            <a:avLst/>
-          </a:prstGeom>
-          <a:noFill/>
-          <a:ln>
-            <a:noFill/>
-          </a:ln>
-        </p:spPr>
-        <p:txBody>
-          <a:bodyPr wrap="square" lIns="0" tIns="0" rIns="0" bIns="0" rtlCol="0">
-            <a:spAutoFit/>
-          </a:bodyPr>
-          <a:lstStyle/>
-          <a:p>
-            <a:pPr algn="ctr"/>
-            <a:r>
-              <a:rPr lang="en-US" dirty="0" smtClean="0">
-                <a:solidFill>
-                  <a:schemeClr val="bg1">
-                    <a:lumMod val="95000"/>
-                  </a:schemeClr>
-                </a:solidFill>
-                <a:latin typeface="Corbel" charset="0"/>
-                <a:ea typeface="Corbel" charset="0"/>
-                <a:cs typeface="Corbel" charset="0"/>
-              </a:rPr>
               <a:t>DH Workflows</a:t>
             </a:r>
           </a:p>
@@ -5180,8 +5226,8 @@
         </p:nvSpPr>
         <p:spPr>
           <a:xfrm>
-            <a:off x="298768" y="11665867"/>
-            <a:ext cx="9692640" cy="553998"/>
+            <a:off x="248543" y="11665867"/>
+            <a:ext cx="9793088" cy="553998"/>
           </a:xfrm>
           <a:prstGeom prst="rect">
             <a:avLst/>
@@ -5236,8 +5282,8 @@
         </p:blipFill>
         <p:spPr>
           <a:xfrm>
-            <a:off x="8241431" y="16202371"/>
-            <a:ext cx="1800200" cy="1800200"/>
+            <a:off x="8313439" y="16346387"/>
+            <a:ext cx="1728192" cy="1728192"/>
           </a:xfrm>
           <a:prstGeom prst="rect">
             <a:avLst/>
@@ -5252,7 +5298,7 @@
         </p:nvSpPr>
         <p:spPr>
           <a:xfrm>
-            <a:off x="392559" y="16699457"/>
+            <a:off x="392559" y="16778435"/>
             <a:ext cx="7704857" cy="1231106"/>
           </a:xfrm>
           <a:prstGeom prst="rect">
@@ -6005,7 +6051,7 @@
         </p:nvSpPr>
         <p:spPr>
           <a:xfrm>
-            <a:off x="320551" y="16202371"/>
+            <a:off x="320551" y="16346387"/>
             <a:ext cx="7776864" cy="553998"/>
           </a:xfrm>
           <a:prstGeom prst="rect">
@@ -6024,7 +6070,7 @@
           <a:p>
             <a:pPr algn="ctr"/>
             <a:r>
-              <a:rPr lang="en-US" smtClean="0">
+              <a:rPr lang="en-US" dirty="0" smtClean="0">
                 <a:solidFill>
                   <a:schemeClr val="bg1">
                     <a:lumMod val="95000"/>
@@ -6036,10 +6082,708 @@
               </a:rPr>
               <a:t>Next Steps</a:t>
             </a:r>
-            <a:endParaRPr lang="en-US" dirty="0" smtClean="0">
+          </a:p>
+        </p:txBody>
+      </p:sp>
+      <p:sp>
+        <p:nvSpPr>
+          <p:cNvPr id="64" name="TextBox 63"/>
+          <p:cNvSpPr txBox="1"/>
+          <p:nvPr/>
+        </p:nvSpPr>
+        <p:spPr>
+          <a:xfrm>
+            <a:off x="5289103" y="6049243"/>
+            <a:ext cx="4608512" cy="344710"/>
+          </a:xfrm>
+          <a:prstGeom prst="rect">
+            <a:avLst/>
+          </a:prstGeom>
+          <a:noFill/>
+          <a:ln w="19050">
+            <a:solidFill>
+              <a:schemeClr val="bg1">
+                <a:lumMod val="50000"/>
+              </a:schemeClr>
+            </a:solidFill>
+          </a:ln>
+        </p:spPr>
+        <p:txBody>
+          <a:bodyPr wrap="square" lIns="0" tIns="18288" rIns="0" bIns="18288" rtlCol="0">
+            <a:spAutoFit/>
+          </a:bodyPr>
+          <a:lstStyle/>
+          <a:p>
+            <a:pPr algn="ctr"/>
+            <a:r>
+              <a:rPr lang="en-US" sz="2000" smtClean="0">
+                <a:solidFill>
+                  <a:schemeClr val="bg1">
+                    <a:lumMod val="65000"/>
+                  </a:schemeClr>
+                </a:solidFill>
+                <a:latin typeface="Tahoma" charset="0"/>
+                <a:ea typeface="Tahoma" charset="0"/>
+                <a:cs typeface="Tahoma" charset="0"/>
+              </a:rPr>
+              <a:t>Fedora 4</a:t>
+            </a:r>
+            <a:endParaRPr lang="en-US" sz="2000">
               <a:solidFill>
                 <a:schemeClr val="bg1">
-                  <a:lumMod val="95000"/>
+                  <a:lumMod val="65000"/>
+                </a:schemeClr>
+              </a:solidFill>
+              <a:latin typeface="Tahoma" charset="0"/>
+              <a:ea typeface="Tahoma" charset="0"/>
+              <a:cs typeface="Tahoma" charset="0"/>
+            </a:endParaRPr>
+          </a:p>
+        </p:txBody>
+      </p:sp>
+      <p:sp>
+        <p:nvSpPr>
+          <p:cNvPr id="65" name="TextBox 64"/>
+          <p:cNvSpPr txBox="1"/>
+          <p:nvPr/>
+        </p:nvSpPr>
+        <p:spPr>
+          <a:xfrm>
+            <a:off x="6801271" y="4249043"/>
+            <a:ext cx="1584176" cy="344710"/>
+          </a:xfrm>
+          <a:prstGeom prst="rect">
+            <a:avLst/>
+          </a:prstGeom>
+          <a:noFill/>
+          <a:ln w="19050">
+            <a:noFill/>
+          </a:ln>
+        </p:spPr>
+        <p:txBody>
+          <a:bodyPr wrap="square" lIns="0" tIns="18288" rIns="0" bIns="18288" rtlCol="0">
+            <a:spAutoFit/>
+          </a:bodyPr>
+          <a:lstStyle/>
+          <a:p>
+            <a:pPr algn="ctr"/>
+            <a:r>
+              <a:rPr lang="en-US" sz="2000" dirty="0" smtClean="0">
+                <a:solidFill>
+                  <a:schemeClr val="bg1">
+                    <a:lumMod val="65000"/>
+                  </a:schemeClr>
+                </a:solidFill>
+                <a:latin typeface="Tahoma" charset="0"/>
+                <a:ea typeface="Tahoma" charset="0"/>
+                <a:cs typeface="Tahoma" charset="0"/>
+              </a:rPr>
+              <a:t>Charon</a:t>
+            </a:r>
+          </a:p>
+        </p:txBody>
+      </p:sp>
+      <p:sp>
+        <p:nvSpPr>
+          <p:cNvPr id="66" name="TextBox 65"/>
+          <p:cNvSpPr txBox="1"/>
+          <p:nvPr/>
+        </p:nvSpPr>
+        <p:spPr>
+          <a:xfrm>
+            <a:off x="5289103" y="3312939"/>
+            <a:ext cx="4608512" cy="344710"/>
+          </a:xfrm>
+          <a:prstGeom prst="rect">
+            <a:avLst/>
+          </a:prstGeom>
+          <a:noFill/>
+          <a:ln w="19050">
+            <a:solidFill>
+              <a:schemeClr val="bg1">
+                <a:lumMod val="50000"/>
+              </a:schemeClr>
+            </a:solidFill>
+          </a:ln>
+        </p:spPr>
+        <p:txBody>
+          <a:bodyPr wrap="square" lIns="0" tIns="18288" rIns="0" bIns="18288" rtlCol="0">
+            <a:spAutoFit/>
+          </a:bodyPr>
+          <a:lstStyle/>
+          <a:p>
+            <a:pPr algn="ctr"/>
+            <a:r>
+              <a:rPr lang="en-US" sz="2000" dirty="0" smtClean="0">
+                <a:solidFill>
+                  <a:schemeClr val="bg1">
+                    <a:lumMod val="65000"/>
+                  </a:schemeClr>
+                </a:solidFill>
+                <a:latin typeface="Tahoma" charset="0"/>
+                <a:ea typeface="Tahoma" charset="0"/>
+                <a:cs typeface="Tahoma" charset="0"/>
+              </a:rPr>
+              <a:t>CERES Publisher</a:t>
+            </a:r>
+          </a:p>
+        </p:txBody>
+      </p:sp>
+      <p:sp>
+        <p:nvSpPr>
+          <p:cNvPr id="67" name="Rectangle 66"/>
+          <p:cNvSpPr/>
+          <p:nvPr/>
+        </p:nvSpPr>
+        <p:spPr>
+          <a:xfrm>
+            <a:off x="5289103" y="4177035"/>
+            <a:ext cx="4608512" cy="1800200"/>
+          </a:xfrm>
+          <a:prstGeom prst="rect">
+            <a:avLst/>
+          </a:prstGeom>
+          <a:noFill/>
+          <a:ln>
+            <a:solidFill>
+              <a:schemeClr val="bg1">
+                <a:lumMod val="50000"/>
+              </a:schemeClr>
+            </a:solidFill>
+          </a:ln>
+        </p:spPr>
+        <p:style>
+          <a:lnRef idx="2">
+            <a:schemeClr val="accent1">
+              <a:shade val="50000"/>
+            </a:schemeClr>
+          </a:lnRef>
+          <a:fillRef idx="1">
+            <a:schemeClr val="accent1"/>
+          </a:fillRef>
+          <a:effectRef idx="0">
+            <a:schemeClr val="accent1"/>
+          </a:effectRef>
+          <a:fontRef idx="minor">
+            <a:schemeClr val="lt1"/>
+          </a:fontRef>
+        </p:style>
+        <p:txBody>
+          <a:bodyPr lIns="0" tIns="18288" rIns="0" bIns="18288" rtlCol="0" anchor="ctr"/>
+          <a:lstStyle/>
+          <a:p>
+            <a:pPr algn="ctr"/>
+            <a:endParaRPr lang="en-US" sz="2000">
+              <a:solidFill>
+                <a:schemeClr val="bg1">
+                  <a:lumMod val="65000"/>
+                </a:schemeClr>
+              </a:solidFill>
+              <a:latin typeface="Tahoma" charset="0"/>
+              <a:ea typeface="Tahoma" charset="0"/>
+              <a:cs typeface="Tahoma" charset="0"/>
+            </a:endParaRPr>
+          </a:p>
+        </p:txBody>
+      </p:sp>
+      <p:sp>
+        <p:nvSpPr>
+          <p:cNvPr id="68" name="TextBox 67"/>
+          <p:cNvSpPr txBox="1"/>
+          <p:nvPr/>
+        </p:nvSpPr>
+        <p:spPr>
+          <a:xfrm>
+            <a:off x="5433119" y="5041131"/>
+            <a:ext cx="1296144" cy="381381"/>
+          </a:xfrm>
+          <a:prstGeom prst="roundRect">
+            <a:avLst/>
+          </a:prstGeom>
+          <a:noFill/>
+          <a:ln w="19050">
+            <a:noFill/>
+          </a:ln>
+        </p:spPr>
+        <p:txBody>
+          <a:bodyPr wrap="square" lIns="0" tIns="18288" rIns="0" bIns="18288" rtlCol="0">
+            <a:spAutoFit/>
+          </a:bodyPr>
+          <a:lstStyle/>
+          <a:p>
+            <a:pPr algn="ctr"/>
+            <a:r>
+              <a:rPr lang="en-US" sz="2000" dirty="0" smtClean="0">
+                <a:solidFill>
+                  <a:schemeClr val="bg1">
+                    <a:lumMod val="65000"/>
+                  </a:schemeClr>
+                </a:solidFill>
+                <a:latin typeface="Tahoma" charset="0"/>
+                <a:ea typeface="Tahoma" charset="0"/>
+                <a:cs typeface="Tahoma" charset="0"/>
+              </a:rPr>
+              <a:t>Hydra</a:t>
+            </a:r>
+          </a:p>
+        </p:txBody>
+      </p:sp>
+      <p:sp>
+        <p:nvSpPr>
+          <p:cNvPr id="69" name="TextBox 68"/>
+          <p:cNvSpPr txBox="1"/>
+          <p:nvPr/>
+        </p:nvSpPr>
+        <p:spPr>
+          <a:xfrm>
+            <a:off x="8169423" y="5473179"/>
+            <a:ext cx="1584176" cy="381381"/>
+          </a:xfrm>
+          <a:prstGeom prst="roundRect">
+            <a:avLst/>
+          </a:prstGeom>
+          <a:noFill/>
+          <a:ln w="19050">
+            <a:solidFill>
+              <a:schemeClr val="bg1">
+                <a:lumMod val="50000"/>
+              </a:schemeClr>
+            </a:solidFill>
+          </a:ln>
+        </p:spPr>
+        <p:txBody>
+          <a:bodyPr wrap="square" lIns="0" tIns="18288" rIns="0" bIns="18288" rtlCol="0">
+            <a:spAutoFit/>
+          </a:bodyPr>
+          <a:lstStyle/>
+          <a:p>
+            <a:pPr algn="ctr"/>
+            <a:r>
+              <a:rPr lang="en-US" sz="2000" dirty="0" err="1" smtClean="0">
+                <a:solidFill>
+                  <a:schemeClr val="bg1">
+                    <a:lumMod val="65000"/>
+                  </a:schemeClr>
+                </a:solidFill>
+                <a:latin typeface="Tahoma" charset="0"/>
+                <a:ea typeface="Tahoma" charset="0"/>
+                <a:cs typeface="Tahoma" charset="0"/>
+              </a:rPr>
+              <a:t>ImageMagick</a:t>
+            </a:r>
+            <a:endParaRPr lang="en-US" sz="2000" dirty="0" smtClean="0">
+              <a:solidFill>
+                <a:schemeClr val="bg1">
+                  <a:lumMod val="65000"/>
+                </a:schemeClr>
+              </a:solidFill>
+              <a:latin typeface="Tahoma" charset="0"/>
+              <a:ea typeface="Tahoma" charset="0"/>
+              <a:cs typeface="Tahoma" charset="0"/>
+            </a:endParaRPr>
+          </a:p>
+        </p:txBody>
+      </p:sp>
+      <p:sp>
+        <p:nvSpPr>
+          <p:cNvPr id="70" name="TextBox 69"/>
+          <p:cNvSpPr txBox="1"/>
+          <p:nvPr/>
+        </p:nvSpPr>
+        <p:spPr>
+          <a:xfrm>
+            <a:off x="6873279" y="5473179"/>
+            <a:ext cx="1152128" cy="381381"/>
+          </a:xfrm>
+          <a:prstGeom prst="roundRect">
+            <a:avLst/>
+          </a:prstGeom>
+          <a:noFill/>
+          <a:ln w="19050">
+            <a:solidFill>
+              <a:schemeClr val="bg1">
+                <a:lumMod val="50000"/>
+              </a:schemeClr>
+            </a:solidFill>
+          </a:ln>
+        </p:spPr>
+        <p:txBody>
+          <a:bodyPr wrap="square" lIns="0" tIns="18288" rIns="0" bIns="18288" rtlCol="0">
+            <a:spAutoFit/>
+          </a:bodyPr>
+          <a:lstStyle/>
+          <a:p>
+            <a:pPr algn="ctr"/>
+            <a:r>
+              <a:rPr lang="en-US" sz="2000" dirty="0" smtClean="0">
+                <a:solidFill>
+                  <a:schemeClr val="bg1">
+                    <a:lumMod val="65000"/>
+                  </a:schemeClr>
+                </a:solidFill>
+                <a:latin typeface="Tahoma" charset="0"/>
+                <a:ea typeface="Tahoma" charset="0"/>
+                <a:cs typeface="Tahoma" charset="0"/>
+              </a:rPr>
+              <a:t>T-Pen</a:t>
+            </a:r>
+          </a:p>
+        </p:txBody>
+      </p:sp>
+      <p:sp>
+        <p:nvSpPr>
+          <p:cNvPr id="71" name="TextBox 70"/>
+          <p:cNvSpPr txBox="1"/>
+          <p:nvPr/>
+        </p:nvSpPr>
+        <p:spPr>
+          <a:xfrm>
+            <a:off x="6873279" y="5041131"/>
+            <a:ext cx="1152127" cy="381381"/>
+          </a:xfrm>
+          <a:prstGeom prst="roundRect">
+            <a:avLst/>
+          </a:prstGeom>
+          <a:noFill/>
+          <a:ln w="19050">
+            <a:solidFill>
+              <a:schemeClr val="bg1">
+                <a:lumMod val="50000"/>
+              </a:schemeClr>
+            </a:solidFill>
+          </a:ln>
+        </p:spPr>
+        <p:txBody>
+          <a:bodyPr wrap="square" lIns="0" tIns="18288" rIns="0" bIns="18288" rtlCol="0">
+            <a:spAutoFit/>
+          </a:bodyPr>
+          <a:lstStyle/>
+          <a:p>
+            <a:pPr algn="ctr"/>
+            <a:r>
+              <a:rPr lang="en-US" sz="2000" dirty="0" smtClean="0">
+                <a:solidFill>
+                  <a:schemeClr val="bg1">
+                    <a:lumMod val="65000"/>
+                  </a:schemeClr>
+                </a:solidFill>
+                <a:latin typeface="Tahoma" charset="0"/>
+                <a:ea typeface="Tahoma" charset="0"/>
+                <a:cs typeface="Tahoma" charset="0"/>
+              </a:rPr>
+              <a:t>MySQL</a:t>
+            </a:r>
+          </a:p>
+        </p:txBody>
+      </p:sp>
+      <p:sp>
+        <p:nvSpPr>
+          <p:cNvPr id="72" name="TextBox 71"/>
+          <p:cNvSpPr txBox="1"/>
+          <p:nvPr/>
+        </p:nvSpPr>
+        <p:spPr>
+          <a:xfrm>
+            <a:off x="8169423" y="5041131"/>
+            <a:ext cx="1584176" cy="381381"/>
+          </a:xfrm>
+          <a:prstGeom prst="roundRect">
+            <a:avLst/>
+          </a:prstGeom>
+          <a:noFill/>
+          <a:ln w="19050">
+            <a:solidFill>
+              <a:schemeClr val="bg1">
+                <a:lumMod val="50000"/>
+              </a:schemeClr>
+            </a:solidFill>
+          </a:ln>
+        </p:spPr>
+        <p:txBody>
+          <a:bodyPr wrap="square" lIns="0" tIns="18288" rIns="0" bIns="18288" rtlCol="0">
+            <a:spAutoFit/>
+          </a:bodyPr>
+          <a:lstStyle/>
+          <a:p>
+            <a:pPr algn="ctr"/>
+            <a:r>
+              <a:rPr lang="en-US" sz="2000" smtClean="0">
+                <a:solidFill>
+                  <a:schemeClr val="bg1">
+                    <a:lumMod val="65000"/>
+                  </a:schemeClr>
+                </a:solidFill>
+                <a:latin typeface="Tahoma" charset="0"/>
+                <a:ea typeface="Tahoma" charset="0"/>
+                <a:cs typeface="Tahoma" charset="0"/>
+              </a:rPr>
+              <a:t>Kakadu</a:t>
+            </a:r>
+            <a:endParaRPr lang="en-US" sz="2000" dirty="0" smtClean="0">
+              <a:solidFill>
+                <a:schemeClr val="bg1">
+                  <a:lumMod val="65000"/>
+                </a:schemeClr>
+              </a:solidFill>
+              <a:latin typeface="Tahoma" charset="0"/>
+              <a:ea typeface="Tahoma" charset="0"/>
+              <a:cs typeface="Tahoma" charset="0"/>
+            </a:endParaRPr>
+          </a:p>
+        </p:txBody>
+      </p:sp>
+      <p:sp>
+        <p:nvSpPr>
+          <p:cNvPr id="73" name="TextBox 72"/>
+          <p:cNvSpPr txBox="1"/>
+          <p:nvPr/>
+        </p:nvSpPr>
+        <p:spPr>
+          <a:xfrm>
+            <a:off x="6873279" y="4609083"/>
+            <a:ext cx="1152127" cy="381381"/>
+          </a:xfrm>
+          <a:prstGeom prst="roundRect">
+            <a:avLst/>
+          </a:prstGeom>
+          <a:noFill/>
+          <a:ln w="19050">
+            <a:solidFill>
+              <a:schemeClr val="bg1">
+                <a:lumMod val="50000"/>
+              </a:schemeClr>
+            </a:solidFill>
+          </a:ln>
+        </p:spPr>
+        <p:txBody>
+          <a:bodyPr wrap="square" lIns="0" tIns="18288" rIns="0" bIns="18288" rtlCol="0">
+            <a:spAutoFit/>
+          </a:bodyPr>
+          <a:lstStyle/>
+          <a:p>
+            <a:pPr algn="ctr"/>
+            <a:r>
+              <a:rPr lang="en-US" sz="2000" dirty="0" err="1" smtClean="0">
+                <a:solidFill>
+                  <a:schemeClr val="bg1">
+                    <a:lumMod val="65000"/>
+                  </a:schemeClr>
+                </a:solidFill>
+                <a:latin typeface="Tahoma" charset="0"/>
+                <a:ea typeface="Tahoma" charset="0"/>
+                <a:cs typeface="Tahoma" charset="0"/>
+              </a:rPr>
+              <a:t>eXistdb</a:t>
+            </a:r>
+            <a:endParaRPr lang="en-US" sz="2000" dirty="0" smtClean="0">
+              <a:solidFill>
+                <a:schemeClr val="bg1">
+                  <a:lumMod val="65000"/>
+                </a:schemeClr>
+              </a:solidFill>
+              <a:latin typeface="Tahoma" charset="0"/>
+              <a:ea typeface="Tahoma" charset="0"/>
+              <a:cs typeface="Tahoma" charset="0"/>
+            </a:endParaRPr>
+          </a:p>
+        </p:txBody>
+      </p:sp>
+      <p:sp>
+        <p:nvSpPr>
+          <p:cNvPr id="74" name="TextBox 73"/>
+          <p:cNvSpPr txBox="1"/>
+          <p:nvPr/>
+        </p:nvSpPr>
+        <p:spPr>
+          <a:xfrm>
+            <a:off x="8169423" y="4609083"/>
+            <a:ext cx="1584176" cy="381381"/>
+          </a:xfrm>
+          <a:prstGeom prst="roundRect">
+            <a:avLst/>
+          </a:prstGeom>
+          <a:noFill/>
+          <a:ln w="19050">
+            <a:solidFill>
+              <a:schemeClr val="bg1">
+                <a:lumMod val="50000"/>
+              </a:schemeClr>
+            </a:solidFill>
+          </a:ln>
+        </p:spPr>
+        <p:txBody>
+          <a:bodyPr wrap="square" lIns="0" tIns="18288" rIns="0" bIns="18288" rtlCol="0">
+            <a:spAutoFit/>
+          </a:bodyPr>
+          <a:lstStyle/>
+          <a:p>
+            <a:pPr algn="ctr"/>
+            <a:r>
+              <a:rPr lang="en-US" sz="2000" dirty="0" smtClean="0">
+                <a:solidFill>
+                  <a:schemeClr val="bg1">
+                    <a:lumMod val="65000"/>
+                  </a:schemeClr>
+                </a:solidFill>
+                <a:latin typeface="Tahoma" charset="0"/>
+                <a:ea typeface="Tahoma" charset="0"/>
+                <a:cs typeface="Tahoma" charset="0"/>
+              </a:rPr>
+              <a:t>CWRC Writer</a:t>
+            </a:r>
+          </a:p>
+        </p:txBody>
+      </p:sp>
+      <p:sp>
+        <p:nvSpPr>
+          <p:cNvPr id="75" name="TextBox 74"/>
+          <p:cNvSpPr txBox="1"/>
+          <p:nvPr/>
+        </p:nvSpPr>
+        <p:spPr>
+          <a:xfrm>
+            <a:off x="5289103" y="3744987"/>
+            <a:ext cx="4608511" cy="344710"/>
+          </a:xfrm>
+          <a:prstGeom prst="rect">
+            <a:avLst/>
+          </a:prstGeom>
+          <a:noFill/>
+          <a:ln w="19050">
+            <a:solidFill>
+              <a:schemeClr val="bg1">
+                <a:lumMod val="50000"/>
+              </a:schemeClr>
+            </a:solidFill>
+          </a:ln>
+        </p:spPr>
+        <p:txBody>
+          <a:bodyPr wrap="square" lIns="0" tIns="18288" rIns="0" bIns="18288" rtlCol="0">
+            <a:spAutoFit/>
+          </a:bodyPr>
+          <a:lstStyle/>
+          <a:p>
+            <a:pPr algn="ctr"/>
+            <a:r>
+              <a:rPr lang="en-US" sz="2000" dirty="0" smtClean="0">
+                <a:solidFill>
+                  <a:schemeClr val="bg1">
+                    <a:lumMod val="65000"/>
+                  </a:schemeClr>
+                </a:solidFill>
+                <a:latin typeface="Tahoma" charset="0"/>
+                <a:ea typeface="Tahoma" charset="0"/>
+                <a:cs typeface="Tahoma" charset="0"/>
+              </a:rPr>
+              <a:t>REST API</a:t>
+            </a:r>
+          </a:p>
+        </p:txBody>
+      </p:sp>
+      <p:sp>
+        <p:nvSpPr>
+          <p:cNvPr id="76" name="Rounded Rectangle 75"/>
+          <p:cNvSpPr/>
+          <p:nvPr/>
+        </p:nvSpPr>
+        <p:spPr>
+          <a:xfrm>
+            <a:off x="5433119" y="4609083"/>
+            <a:ext cx="1296144" cy="1224136"/>
+          </a:xfrm>
+          <a:prstGeom prst="roundRect">
+            <a:avLst/>
+          </a:prstGeom>
+          <a:noFill/>
+          <a:ln>
+            <a:solidFill>
+              <a:schemeClr val="bg1">
+                <a:lumMod val="50000"/>
+              </a:schemeClr>
+            </a:solidFill>
+          </a:ln>
+        </p:spPr>
+        <p:style>
+          <a:lnRef idx="2">
+            <a:schemeClr val="accent1">
+              <a:shade val="50000"/>
+            </a:schemeClr>
+          </a:lnRef>
+          <a:fillRef idx="1">
+            <a:schemeClr val="accent1"/>
+          </a:fillRef>
+          <a:effectRef idx="0">
+            <a:schemeClr val="accent1"/>
+          </a:effectRef>
+          <a:fontRef idx="minor">
+            <a:schemeClr val="lt1"/>
+          </a:fontRef>
+        </p:style>
+        <p:txBody>
+          <a:bodyPr lIns="0" tIns="18288" rIns="0" bIns="18288" rtlCol="0" anchor="ctr"/>
+          <a:lstStyle/>
+          <a:p>
+            <a:pPr algn="ctr"/>
+            <a:endParaRPr lang="en-US" sz="2000">
+              <a:solidFill>
+                <a:schemeClr val="bg1">
+                  <a:lumMod val="65000"/>
+                </a:schemeClr>
+              </a:solidFill>
+              <a:latin typeface="Tahoma" charset="0"/>
+              <a:ea typeface="Tahoma" charset="0"/>
+              <a:cs typeface="Tahoma" charset="0"/>
+            </a:endParaRPr>
+          </a:p>
+        </p:txBody>
+      </p:sp>
+      <p:sp>
+        <p:nvSpPr>
+          <p:cNvPr id="77" name="TextBox 76"/>
+          <p:cNvSpPr txBox="1"/>
+          <p:nvPr/>
+        </p:nvSpPr>
+        <p:spPr>
+          <a:xfrm rot="16200000">
+            <a:off x="3501853" y="4652752"/>
+            <a:ext cx="3024336" cy="344710"/>
+          </a:xfrm>
+          <a:prstGeom prst="rect">
+            <a:avLst/>
+          </a:prstGeom>
+          <a:noFill/>
+          <a:ln w="19050">
+            <a:solidFill>
+              <a:schemeClr val="bg1">
+                <a:lumMod val="50000"/>
+              </a:schemeClr>
+            </a:solidFill>
+          </a:ln>
+        </p:spPr>
+        <p:txBody>
+          <a:bodyPr wrap="square" lIns="0" tIns="18288" rIns="0" bIns="18288" rtlCol="0">
+            <a:spAutoFit/>
+          </a:bodyPr>
+          <a:lstStyle/>
+          <a:p>
+            <a:pPr algn="ctr"/>
+            <a:r>
+              <a:rPr lang="en-US" sz="2000" b="1" dirty="0" smtClean="0">
+                <a:solidFill>
+                  <a:schemeClr val="bg1">
+                    <a:lumMod val="65000"/>
+                  </a:schemeClr>
+                </a:solidFill>
+                <a:latin typeface="Tahoma" charset="0"/>
+                <a:ea typeface="Tahoma" charset="0"/>
+                <a:cs typeface="Tahoma" charset="0"/>
+              </a:rPr>
+              <a:t>Components</a:t>
+            </a:r>
+            <a:endParaRPr lang="en-US" sz="2000" b="1" dirty="0" smtClean="0">
+              <a:solidFill>
+                <a:schemeClr val="bg1">
+                  <a:lumMod val="65000"/>
                 </a:schemeClr>
               </a:solidFill>
               <a:latin typeface="Tahoma" charset="0"/>
@@ -6197,7 +6941,7 @@
         </p:blipFill>
         <p:spPr>
           <a:xfrm>
-            <a:off x="1915219" y="6841331"/>
+            <a:off x="619075" y="2808883"/>
             <a:ext cx="1398588" cy="508577"/>
           </a:xfrm>
           <a:prstGeom prst="rect">
@@ -6227,7 +6971,7 @@
         </p:blipFill>
         <p:spPr>
           <a:xfrm>
-            <a:off x="3571403" y="8065467"/>
+            <a:off x="2275259" y="4033019"/>
             <a:ext cx="1130300" cy="317500"/>
           </a:xfrm>
           <a:prstGeom prst="rect">
@@ -6256,7 +7000,7 @@
         </p:blipFill>
         <p:spPr>
           <a:xfrm>
-            <a:off x="1616695" y="7489403"/>
+            <a:off x="320551" y="3456955"/>
             <a:ext cx="1845341" cy="1381819"/>
           </a:xfrm>
           <a:prstGeom prst="rect">
@@ -6286,7 +7030,7 @@
         </p:blipFill>
         <p:spPr>
           <a:xfrm>
-            <a:off x="4867547" y="7849443"/>
+            <a:off x="3571403" y="3816995"/>
             <a:ext cx="1369889" cy="1369889"/>
           </a:xfrm>
           <a:prstGeom prst="rect">
@@ -6316,7 +7060,7 @@
         </p:blipFill>
         <p:spPr>
           <a:xfrm>
-            <a:off x="5515619" y="7345387"/>
+            <a:off x="4219475" y="3312939"/>
             <a:ext cx="720080" cy="472032"/>
           </a:xfrm>
           <a:prstGeom prst="rect">
@@ -6346,7 +7090,7 @@
         </p:blipFill>
         <p:spPr>
           <a:xfrm>
-            <a:off x="3571403" y="7129363"/>
+            <a:off x="2275259" y="3096915"/>
             <a:ext cx="1292175" cy="744522"/>
           </a:xfrm>
           <a:prstGeom prst="rect">
@@ -6362,7 +7106,7 @@
         </p:nvSpPr>
         <p:spPr>
           <a:xfrm>
-            <a:off x="3139355" y="8497515"/>
+            <a:off x="1843211" y="4465067"/>
             <a:ext cx="1609627" cy="307777"/>
           </a:xfrm>
           <a:prstGeom prst="rect">
@@ -6403,7 +7147,7 @@
         </p:nvSpPr>
         <p:spPr>
           <a:xfrm>
-            <a:off x="5155579" y="6841331"/>
+            <a:off x="3859435" y="2808883"/>
             <a:ext cx="1025179" cy="307777"/>
           </a:xfrm>
           <a:prstGeom prst="rect">
@@ -6444,10 +7188,10 @@
         </p:nvSpPr>
         <p:spPr>
           <a:xfrm>
-            <a:off x="2048743" y="13489492"/>
-            <a:ext cx="5400600" cy="408623"/>
-          </a:xfrm>
-          <a:prstGeom prst="roundRect">
+            <a:off x="680592" y="7921451"/>
+            <a:ext cx="4104456" cy="313932"/>
+          </a:xfrm>
+          <a:prstGeom prst="rect">
             <a:avLst/>
           </a:prstGeom>
           <a:noFill/>
@@ -6458,7 +7202,7 @@
           </a:ln>
         </p:spPr>
         <p:txBody>
-          <a:bodyPr wrap="square" rtlCol="0">
+          <a:bodyPr wrap="square" lIns="0" tIns="18288" rIns="0" bIns="18288" rtlCol="0">
             <a:spAutoFit/>
           </a:bodyPr>
           <a:lstStyle/>
@@ -6488,10 +7232,10 @@
         </p:nvSpPr>
         <p:spPr>
           <a:xfrm>
-            <a:off x="3920951" y="11449843"/>
-            <a:ext cx="1584176" cy="408623"/>
-          </a:xfrm>
-          <a:prstGeom prst="roundRect">
+            <a:off x="1904728" y="6049243"/>
+            <a:ext cx="1584176" cy="313932"/>
+          </a:xfrm>
+          <a:prstGeom prst="rect">
             <a:avLst/>
           </a:prstGeom>
           <a:noFill/>
@@ -6502,7 +7246,7 @@
           </a:ln>
         </p:spPr>
         <p:txBody>
-          <a:bodyPr wrap="square" rtlCol="0">
+          <a:bodyPr wrap="square" lIns="0" tIns="18288" rIns="0" bIns="18288" rtlCol="0">
             <a:spAutoFit/>
           </a:bodyPr>
           <a:lstStyle/>
@@ -6527,10 +7271,10 @@
         </p:nvSpPr>
         <p:spPr>
           <a:xfrm>
-            <a:off x="2048743" y="10441731"/>
-            <a:ext cx="5400600" cy="408623"/>
-          </a:xfrm>
-          <a:prstGeom prst="roundRect">
+            <a:off x="680592" y="5185147"/>
+            <a:ext cx="4104456" cy="313932"/>
+          </a:xfrm>
+          <a:prstGeom prst="rect">
             <a:avLst/>
           </a:prstGeom>
           <a:noFill/>
@@ -6541,7 +7285,7 @@
           </a:ln>
         </p:spPr>
         <p:txBody>
-          <a:bodyPr wrap="square" rtlCol="0">
+          <a:bodyPr wrap="square" lIns="0" tIns="18288" rIns="0" bIns="18288" rtlCol="0">
             <a:spAutoFit/>
           </a:bodyPr>
           <a:lstStyle/>
@@ -6560,16 +7304,16 @@
       </p:sp>
       <p:sp>
         <p:nvSpPr>
-          <p:cNvPr id="36" name="Rounded Rectangle 35"/>
+          <p:cNvPr id="36" name="Rectangle 35"/>
           <p:cNvSpPr/>
           <p:nvPr/>
         </p:nvSpPr>
         <p:spPr>
           <a:xfrm>
-            <a:off x="2048743" y="11449843"/>
-            <a:ext cx="5400600" cy="1944216"/>
-          </a:xfrm>
-          <a:prstGeom prst="roundRect">
+            <a:off x="680592" y="6049243"/>
+            <a:ext cx="4104456" cy="1800200"/>
+          </a:xfrm>
+          <a:prstGeom prst="rect">
             <a:avLst/>
           </a:prstGeom>
           <a:noFill/>
@@ -6596,7 +7340,7 @@
           </a:fontRef>
         </p:style>
         <p:txBody>
-          <a:bodyPr rtlCol="0" anchor="ctr"/>
+          <a:bodyPr lIns="0" tIns="18288" rIns="0" bIns="18288" rtlCol="0" anchor="ctr"/>
           <a:lstStyle/>
           <a:p>
             <a:pPr algn="ctr"/>
@@ -6616,8 +7360,8 @@
         </p:nvSpPr>
         <p:spPr>
           <a:xfrm>
-            <a:off x="2264767" y="12313939"/>
-            <a:ext cx="1440160" cy="408623"/>
+            <a:off x="752600" y="6913339"/>
+            <a:ext cx="1440160" cy="347329"/>
           </a:xfrm>
           <a:prstGeom prst="roundRect">
             <a:avLst/>
@@ -6630,7 +7374,7 @@
           </a:ln>
         </p:spPr>
         <p:txBody>
-          <a:bodyPr wrap="square" rtlCol="0">
+          <a:bodyPr wrap="square" lIns="0" tIns="18288" rIns="0" bIns="18288" rtlCol="0">
             <a:spAutoFit/>
           </a:bodyPr>
           <a:lstStyle/>
@@ -6655,8 +7399,8 @@
         </p:nvSpPr>
         <p:spPr>
           <a:xfrm>
-            <a:off x="5649143" y="12745987"/>
-            <a:ext cx="1728192" cy="408623"/>
+            <a:off x="3200872" y="7345387"/>
+            <a:ext cx="1440160" cy="347329"/>
           </a:xfrm>
           <a:prstGeom prst="roundRect">
             <a:avLst/>
@@ -6669,7 +7413,7 @@
           </a:ln>
         </p:spPr>
         <p:txBody>
-          <a:bodyPr wrap="square" rtlCol="0">
+          <a:bodyPr wrap="square" lIns="0" tIns="18288" rIns="0" bIns="18288" rtlCol="0">
             <a:spAutoFit/>
           </a:bodyPr>
           <a:lstStyle/>
@@ -6699,8 +7443,8 @@
         </p:nvSpPr>
         <p:spPr>
           <a:xfrm>
-            <a:off x="3776935" y="12745987"/>
-            <a:ext cx="1728192" cy="408623"/>
+            <a:off x="2301021" y="7345387"/>
+            <a:ext cx="792088" cy="347329"/>
           </a:xfrm>
           <a:prstGeom prst="roundRect">
             <a:avLst/>
@@ -6713,7 +7457,7 @@
           </a:ln>
         </p:spPr>
         <p:txBody>
-          <a:bodyPr wrap="square" rtlCol="0">
+          <a:bodyPr wrap="square" lIns="0" tIns="18288" rIns="0" bIns="18288" rtlCol="0">
             <a:spAutoFit/>
           </a:bodyPr>
           <a:lstStyle/>
@@ -6738,8 +7482,8 @@
         </p:nvSpPr>
         <p:spPr>
           <a:xfrm>
-            <a:off x="3776935" y="12313939"/>
-            <a:ext cx="1728192" cy="408623"/>
+            <a:off x="2301021" y="6913339"/>
+            <a:ext cx="792088" cy="347329"/>
           </a:xfrm>
           <a:prstGeom prst="roundRect">
             <a:avLst/>
@@ -6752,25 +7496,20 @@
           </a:ln>
         </p:spPr>
         <p:txBody>
-          <a:bodyPr wrap="square" rtlCol="0">
+          <a:bodyPr wrap="square" lIns="0" tIns="18288" rIns="0" bIns="18288" rtlCol="0">
             <a:spAutoFit/>
           </a:bodyPr>
           <a:lstStyle/>
           <a:p>
             <a:pPr algn="ctr"/>
             <a:r>
-              <a:rPr lang="en-US" sz="1800" smtClean="0">
+              <a:rPr lang="en-US" sz="1800" dirty="0" smtClean="0">
                 <a:latin typeface="Tahoma" charset="0"/>
                 <a:ea typeface="Tahoma" charset="0"/>
                 <a:cs typeface="Tahoma" charset="0"/>
               </a:rPr>
               <a:t>MySQL</a:t>
             </a:r>
-            <a:endParaRPr lang="en-US" sz="1800" dirty="0" smtClean="0">
-              <a:latin typeface="Tahoma" charset="0"/>
-              <a:ea typeface="Tahoma" charset="0"/>
-              <a:cs typeface="Tahoma" charset="0"/>
-            </a:endParaRPr>
           </a:p>
         </p:txBody>
       </p:sp>
@@ -6782,8 +7521,8 @@
         </p:nvSpPr>
         <p:spPr>
           <a:xfrm>
-            <a:off x="5649143" y="12313939"/>
-            <a:ext cx="1728192" cy="408623"/>
+            <a:off x="3200872" y="6913339"/>
+            <a:ext cx="1440160" cy="347329"/>
           </a:xfrm>
           <a:prstGeom prst="roundRect">
             <a:avLst/>
@@ -6796,7 +7535,7 @@
           </a:ln>
         </p:spPr>
         <p:txBody>
-          <a:bodyPr wrap="square" rtlCol="0">
+          <a:bodyPr wrap="square" lIns="0" tIns="18288" rIns="0" bIns="18288" rtlCol="0">
             <a:spAutoFit/>
           </a:bodyPr>
           <a:lstStyle/>
@@ -6826,8 +7565,8 @@
         </p:nvSpPr>
         <p:spPr>
           <a:xfrm>
-            <a:off x="3776935" y="11881891"/>
-            <a:ext cx="1728192" cy="408623"/>
+            <a:off x="2301021" y="6481291"/>
+            <a:ext cx="792088" cy="347329"/>
           </a:xfrm>
           <a:prstGeom prst="roundRect">
             <a:avLst/>
@@ -6840,7 +7579,7 @@
           </a:ln>
         </p:spPr>
         <p:txBody>
-          <a:bodyPr wrap="square" rtlCol="0">
+          <a:bodyPr wrap="square" lIns="0" tIns="18288" rIns="0" bIns="18288" rtlCol="0">
             <a:spAutoFit/>
           </a:bodyPr>
           <a:lstStyle/>
@@ -6870,8 +7609,8 @@
         </p:nvSpPr>
         <p:spPr>
           <a:xfrm>
-            <a:off x="5649143" y="11881891"/>
-            <a:ext cx="1728192" cy="408623"/>
+            <a:off x="3200872" y="6481291"/>
+            <a:ext cx="1440160" cy="347329"/>
           </a:xfrm>
           <a:prstGeom prst="roundRect">
             <a:avLst/>
@@ -6884,7 +7623,7 @@
           </a:ln>
         </p:spPr>
         <p:txBody>
-          <a:bodyPr wrap="square" rtlCol="0">
+          <a:bodyPr wrap="square" lIns="0" tIns="18288" rIns="0" bIns="18288" rtlCol="0">
             <a:spAutoFit/>
           </a:bodyPr>
           <a:lstStyle/>
@@ -6914,10 +7653,10 @@
         </p:nvSpPr>
         <p:spPr>
           <a:xfrm>
-            <a:off x="2048743" y="10945787"/>
-            <a:ext cx="5400600" cy="408623"/>
-          </a:xfrm>
-          <a:prstGeom prst="roundRect">
+            <a:off x="680591" y="5617195"/>
+            <a:ext cx="4104457" cy="313932"/>
+          </a:xfrm>
+          <a:prstGeom prst="rect">
             <a:avLst/>
           </a:prstGeom>
           <a:noFill/>
@@ -6928,7 +7667,7 @@
           </a:ln>
         </p:spPr>
         <p:txBody>
-          <a:bodyPr wrap="square" rtlCol="0">
+          <a:bodyPr wrap="square" lIns="0" tIns="18288" rIns="0" bIns="18288" rtlCol="0">
             <a:spAutoFit/>
           </a:bodyPr>
           <a:lstStyle/>
@@ -6953,7 +7692,7 @@
         </p:nvSpPr>
         <p:spPr>
           <a:xfrm>
-            <a:off x="2264767" y="11881891"/>
+            <a:off x="752600" y="6481291"/>
             <a:ext cx="1440160" cy="1224136"/>
           </a:xfrm>
           <a:prstGeom prst="roundRect">
@@ -6983,7 +7722,7 @@
           </a:fontRef>
         </p:style>
         <p:txBody>
-          <a:bodyPr rtlCol="0" anchor="ctr"/>
+          <a:bodyPr lIns="0" tIns="18288" rIns="0" bIns="18288" rtlCol="0" anchor="ctr"/>
           <a:lstStyle/>
           <a:p>
             <a:pPr algn="ctr"/>
@@ -7005,6 +7744,13 @@
   <p:clrMapOvr>
     <a:masterClrMapping/>
   </p:clrMapOvr>
+  <p:timing>
+    <p:tnLst>
+      <p:par>
+        <p:cTn id="1" dur="indefinite" restart="never" nodeType="tmRoot"/>
+      </p:par>
+    </p:tnLst>
+  </p:timing>
 </p:sld>
 </file>
 

--- a/Open Repositories 2017/Charon Poster/OR2017_Charon_Poster_Working.pptx
+++ b/Open Repositories 2017/Charon Poster/OR2017_Charon_Poster_Working.pptx
@@ -117,7 +117,13 @@
   </p:defaultTextStyle>
   <p:extLst>
     <p:ext uri="{EFAFB233-063F-42B5-8137-9DF3F51BA10A}">
-      <p15:sldGuideLst xmlns:p15="http://schemas.microsoft.com/office/powerpoint/2012/main"/>
+      <p15:sldGuideLst xmlns:p15="http://schemas.microsoft.com/office/powerpoint/2012/main">
+        <p15:guide id="1" orient="horz" pos="4083" userDrawn="1">
+          <p15:clr>
+            <a:srgbClr val="A4A3A4"/>
+          </p15:clr>
+        </p15:guide>
+      </p15:sldGuideLst>
     </p:ext>
   </p:extLst>
 </p:presentation>
@@ -4091,25 +4097,28 @@
       </p:grpSpPr>
       <p:sp>
         <p:nvSpPr>
-          <p:cNvPr id="4" name="Rectangle 3"/>
+          <p:cNvPr id="80" name="Rectangle 79"/>
           <p:cNvSpPr/>
           <p:nvPr/>
         </p:nvSpPr>
         <p:spPr>
           <a:xfrm>
-            <a:off x="11200728" y="-572"/>
-            <a:ext cx="182880" cy="18288000"/>
+            <a:off x="4929063" y="3240931"/>
+            <a:ext cx="5112568" cy="3240360"/>
           </a:xfrm>
           <a:prstGeom prst="rect">
             <a:avLst/>
           </a:prstGeom>
           <a:solidFill>
-            <a:schemeClr val="tx1"/>
+            <a:srgbClr val="73626E"/>
           </a:solidFill>
-          <a:ln>
+          <a:ln cap="rnd">
             <a:solidFill>
-              <a:schemeClr val="tx1"/>
+              <a:schemeClr val="bg1">
+                <a:lumMod val="50000"/>
+              </a:schemeClr>
             </a:solidFill>
+            <a:prstDash val="solid"/>
           </a:ln>
         </p:spPr>
         <p:style>
@@ -4139,13 +4148,13 @@
       </p:sp>
       <p:sp>
         <p:nvSpPr>
-          <p:cNvPr id="8" name="Rectangle 7"/>
+          <p:cNvPr id="4" name="Rectangle 3"/>
           <p:cNvSpPr/>
           <p:nvPr/>
         </p:nvSpPr>
         <p:spPr>
           <a:xfrm>
-            <a:off x="21264723" y="-18366"/>
+            <a:off x="11200728" y="-572"/>
             <a:ext cx="182880" cy="18288000"/>
           </a:xfrm>
           <a:prstGeom prst="rect">
@@ -4187,14 +4196,14 @@
       </p:sp>
       <p:sp>
         <p:nvSpPr>
-          <p:cNvPr id="9" name="Rectangle 8"/>
+          <p:cNvPr id="8" name="Rectangle 7"/>
           <p:cNvSpPr/>
           <p:nvPr/>
         </p:nvSpPr>
         <p:spPr>
-          <a:xfrm rot="5400000">
-            <a:off x="16245183" y="-5052060"/>
-            <a:ext cx="182880" cy="10287000"/>
+          <a:xfrm>
+            <a:off x="21264723" y="-18366"/>
+            <a:ext cx="182880" cy="18288000"/>
           </a:xfrm>
           <a:prstGeom prst="rect">
             <a:avLst/>
@@ -4235,13 +4244,13 @@
       </p:sp>
       <p:sp>
         <p:nvSpPr>
-          <p:cNvPr id="10" name="Rectangle 9"/>
+          <p:cNvPr id="9" name="Rectangle 8"/>
           <p:cNvSpPr/>
           <p:nvPr/>
         </p:nvSpPr>
         <p:spPr>
           <a:xfrm rot="5400000">
-            <a:off x="16242008" y="13056235"/>
+            <a:off x="16245183" y="-5052060"/>
             <a:ext cx="182880" cy="10287000"/>
           </a:xfrm>
           <a:prstGeom prst="rect">
@@ -4283,14 +4292,14 @@
       </p:sp>
       <p:sp>
         <p:nvSpPr>
-          <p:cNvPr id="12" name="Rectangle 11"/>
+          <p:cNvPr id="10" name="Rectangle 9"/>
           <p:cNvSpPr/>
           <p:nvPr/>
         </p:nvSpPr>
         <p:spPr>
-          <a:xfrm>
-            <a:off x="11193123" y="3096915"/>
-            <a:ext cx="10287000" cy="182880"/>
+          <a:xfrm rot="5400000">
+            <a:off x="16242008" y="13056235"/>
+            <a:ext cx="182880" cy="10287000"/>
           </a:xfrm>
           <a:prstGeom prst="rect">
             <a:avLst/>
@@ -4331,13 +4340,13 @@
       </p:sp>
       <p:sp>
         <p:nvSpPr>
-          <p:cNvPr id="22" name="Rectangle 21"/>
+          <p:cNvPr id="12" name="Rectangle 11"/>
           <p:cNvSpPr/>
           <p:nvPr/>
         </p:nvSpPr>
         <p:spPr>
           <a:xfrm>
-            <a:off x="11189948" y="6370419"/>
+            <a:off x="11193123" y="3096915"/>
             <a:ext cx="10287000" cy="182880"/>
           </a:xfrm>
           <a:prstGeom prst="rect">
@@ -4379,13 +4388,13 @@
       </p:sp>
       <p:sp>
         <p:nvSpPr>
-          <p:cNvPr id="23" name="Rectangle 22"/>
+          <p:cNvPr id="22" name="Rectangle 21"/>
           <p:cNvSpPr/>
           <p:nvPr/>
         </p:nvSpPr>
         <p:spPr>
           <a:xfrm>
-            <a:off x="11203903" y="16163507"/>
+            <a:off x="11189948" y="6370419"/>
             <a:ext cx="10287000" cy="182880"/>
           </a:xfrm>
           <a:prstGeom prst="rect">
@@ -4427,14 +4436,14 @@
       </p:sp>
       <p:sp>
         <p:nvSpPr>
-          <p:cNvPr id="25" name="Rectangle 24"/>
+          <p:cNvPr id="23" name="Rectangle 22"/>
           <p:cNvSpPr/>
           <p:nvPr/>
         </p:nvSpPr>
         <p:spPr>
           <a:xfrm>
-            <a:off x="15830979" y="3312939"/>
-            <a:ext cx="182880" cy="3017520"/>
+            <a:off x="11203903" y="16163507"/>
+            <a:ext cx="10287000" cy="182880"/>
           </a:xfrm>
           <a:prstGeom prst="rect">
             <a:avLst/>
@@ -4475,14 +4484,14 @@
       </p:sp>
       <p:sp>
         <p:nvSpPr>
-          <p:cNvPr id="43" name="Rectangle 42"/>
+          <p:cNvPr id="25" name="Rectangle 24"/>
           <p:cNvSpPr/>
           <p:nvPr/>
         </p:nvSpPr>
         <p:spPr>
           <a:xfrm>
-            <a:off x="19298143" y="16202371"/>
-            <a:ext cx="228600" cy="2057400"/>
+            <a:off x="15830979" y="3312939"/>
+            <a:ext cx="182880" cy="3017520"/>
           </a:xfrm>
           <a:prstGeom prst="rect">
             <a:avLst/>
@@ -4523,14 +4532,14 @@
       </p:sp>
       <p:sp>
         <p:nvSpPr>
-          <p:cNvPr id="37" name="Rectangle 36"/>
+          <p:cNvPr id="43" name="Rectangle 42"/>
           <p:cNvSpPr/>
           <p:nvPr/>
         </p:nvSpPr>
         <p:spPr>
           <a:xfrm>
-            <a:off x="11200728" y="11482987"/>
-            <a:ext cx="10287000" cy="182880"/>
+            <a:off x="19298143" y="16202371"/>
+            <a:ext cx="228600" cy="2057400"/>
           </a:xfrm>
           <a:prstGeom prst="rect">
             <a:avLst/>
@@ -4571,28 +4580,25 @@
       </p:sp>
       <p:sp>
         <p:nvSpPr>
-          <p:cNvPr id="48" name="Rectangle 47"/>
+          <p:cNvPr id="37" name="Rectangle 36"/>
           <p:cNvSpPr/>
           <p:nvPr/>
         </p:nvSpPr>
         <p:spPr>
           <a:xfrm>
-            <a:off x="248543" y="16346387"/>
-            <a:ext cx="7848872" cy="1728192"/>
+            <a:off x="11200728" y="11482987"/>
+            <a:ext cx="10287000" cy="182880"/>
           </a:xfrm>
           <a:prstGeom prst="rect">
             <a:avLst/>
           </a:prstGeom>
           <a:solidFill>
-            <a:srgbClr val="73626E"/>
+            <a:schemeClr val="tx1"/>
           </a:solidFill>
-          <a:ln cap="rnd">
+          <a:ln>
             <a:solidFill>
-              <a:schemeClr val="bg1">
-                <a:lumMod val="50000"/>
-              </a:schemeClr>
+              <a:schemeClr val="tx1"/>
             </a:solidFill>
-            <a:prstDash val="solid"/>
           </a:ln>
         </p:spPr>
         <p:style>
@@ -4622,14 +4628,14 @@
       </p:sp>
       <p:sp>
         <p:nvSpPr>
-          <p:cNvPr id="47" name="Rectangle 46"/>
+          <p:cNvPr id="48" name="Rectangle 47"/>
           <p:cNvSpPr/>
           <p:nvPr/>
         </p:nvSpPr>
         <p:spPr>
           <a:xfrm>
-            <a:off x="266545" y="11665867"/>
-            <a:ext cx="9775086" cy="4464496"/>
+            <a:off x="248543" y="16346387"/>
+            <a:ext cx="7848872" cy="1728192"/>
           </a:xfrm>
           <a:prstGeom prst="rect">
             <a:avLst/>
@@ -4673,14 +4679,14 @@
       </p:sp>
       <p:sp>
         <p:nvSpPr>
-          <p:cNvPr id="46" name="Rectangle 45"/>
+          <p:cNvPr id="47" name="Rectangle 46"/>
           <p:cNvSpPr/>
           <p:nvPr/>
         </p:nvSpPr>
         <p:spPr>
           <a:xfrm>
-            <a:off x="248543" y="6553299"/>
-            <a:ext cx="9793088" cy="4896544"/>
+            <a:off x="266545" y="11161811"/>
+            <a:ext cx="9775086" cy="5040560"/>
           </a:xfrm>
           <a:prstGeom prst="rect">
             <a:avLst/>
@@ -4724,14 +4730,14 @@
       </p:sp>
       <p:sp>
         <p:nvSpPr>
-          <p:cNvPr id="42" name="Rectangle 41"/>
+          <p:cNvPr id="46" name="Rectangle 45"/>
           <p:cNvSpPr/>
           <p:nvPr/>
         </p:nvSpPr>
         <p:spPr>
           <a:xfrm>
-            <a:off x="248543" y="3312939"/>
-            <a:ext cx="4392488" cy="3024336"/>
+            <a:off x="248543" y="6697315"/>
+            <a:ext cx="9793088" cy="4248472"/>
           </a:xfrm>
           <a:prstGeom prst="rect">
             <a:avLst/>
@@ -4775,6 +4781,57 @@
       </p:sp>
       <p:sp>
         <p:nvSpPr>
+          <p:cNvPr id="42" name="Rectangle 41"/>
+          <p:cNvSpPr/>
+          <p:nvPr/>
+        </p:nvSpPr>
+        <p:spPr>
+          <a:xfrm>
+            <a:off x="248543" y="3240931"/>
+            <a:ext cx="4464496" cy="3240832"/>
+          </a:xfrm>
+          <a:prstGeom prst="rect">
+            <a:avLst/>
+          </a:prstGeom>
+          <a:solidFill>
+            <a:srgbClr val="73626E"/>
+          </a:solidFill>
+          <a:ln cap="rnd">
+            <a:solidFill>
+              <a:schemeClr val="bg1">
+                <a:lumMod val="50000"/>
+              </a:schemeClr>
+            </a:solidFill>
+            <a:prstDash val="solid"/>
+          </a:ln>
+        </p:spPr>
+        <p:style>
+          <a:lnRef idx="2">
+            <a:schemeClr val="accent1">
+              <a:shade val="50000"/>
+            </a:schemeClr>
+          </a:lnRef>
+          <a:fillRef idx="1">
+            <a:schemeClr val="accent1"/>
+          </a:fillRef>
+          <a:effectRef idx="0">
+            <a:schemeClr val="accent1"/>
+          </a:effectRef>
+          <a:fontRef idx="minor">
+            <a:schemeClr val="lt1"/>
+          </a:fontRef>
+        </p:style>
+        <p:txBody>
+          <a:bodyPr rtlCol="0" anchor="ctr"/>
+          <a:lstStyle/>
+          <a:p>
+            <a:pPr algn="ctr"/>
+            <a:endParaRPr lang="en-US"/>
+          </a:p>
+        </p:txBody>
+      </p:sp>
+      <p:sp>
+        <p:nvSpPr>
           <p:cNvPr id="7" name="TextBox 6"/>
           <p:cNvSpPr txBox="1"/>
           <p:nvPr/>
@@ -4828,7 +4885,7 @@
         <p:spPr>
           <a:xfrm>
             <a:off x="248543" y="1296715"/>
-            <a:ext cx="9793088" cy="1846659"/>
+            <a:ext cx="9793088" cy="1815882"/>
           </a:xfrm>
           <a:prstGeom prst="rect">
             <a:avLst/>
@@ -4849,7 +4906,7 @@
               <a:rPr lang="en-US" sz="6000" dirty="0">
                 <a:solidFill>
                   <a:schemeClr val="bg1">
-                    <a:lumMod val="95000"/>
+                    <a:lumMod val="85000"/>
                   </a:schemeClr>
                 </a:solidFill>
                 <a:latin typeface="Corbel" charset="0"/>
@@ -4859,10 +4916,10 @@
               <a:t>Charon: </a:t>
             </a:r>
             <a:r>
-              <a:rPr lang="en-US" sz="6000" dirty="0" smtClean="0">
+              <a:rPr lang="en-US" sz="5800" dirty="0" smtClean="0">
                 <a:solidFill>
                   <a:schemeClr val="bg1">
-                    <a:lumMod val="95000"/>
+                    <a:lumMod val="85000"/>
                   </a:schemeClr>
                 </a:solidFill>
                 <a:latin typeface="Corbel" charset="0"/>
@@ -4872,76 +4929,35 @@
               <a:t>A </a:t>
             </a:r>
             <a:r>
-              <a:rPr lang="en-US" sz="6000" dirty="0">
+              <a:rPr lang="en-US" sz="5800" dirty="0">
                 <a:solidFill>
                   <a:schemeClr val="bg1">
-                    <a:lumMod val="95000"/>
+                    <a:lumMod val="85000"/>
                   </a:schemeClr>
                 </a:solidFill>
                 <a:latin typeface="Corbel" charset="0"/>
                 <a:ea typeface="Corbel" charset="0"/>
                 <a:cs typeface="Corbel" charset="0"/>
               </a:rPr>
-              <a:t>Repository to Support DH Workflows</a:t>
-            </a:r>
-          </a:p>
-        </p:txBody>
-      </p:sp>
-      <p:sp>
-        <p:nvSpPr>
-          <p:cNvPr id="19" name="TextBox 18"/>
-          <p:cNvSpPr txBox="1"/>
-          <p:nvPr/>
-        </p:nvSpPr>
-        <p:spPr>
-          <a:xfrm>
-            <a:off x="248543" y="216595"/>
-            <a:ext cx="8280919" cy="1107996"/>
-          </a:xfrm>
-          <a:prstGeom prst="rect">
-            <a:avLst/>
-          </a:prstGeom>
-          <a:noFill/>
-          <a:ln>
-            <a:noFill/>
-          </a:ln>
-        </p:spPr>
-        <p:txBody>
-          <a:bodyPr wrap="square" lIns="0" tIns="0" rIns="0" bIns="0" rtlCol="0">
-            <a:spAutoFit/>
-          </a:bodyPr>
-          <a:lstStyle/>
-          <a:p>
-            <a:r>
-              <a:rPr lang="en-US" sz="2400" dirty="0">
+              <a:t>Repository </a:t>
+            </a:r>
+            <a:r>
+              <a:rPr lang="en-US" sz="5800" dirty="0" smtClean="0">
                 <a:solidFill>
                   <a:schemeClr val="bg1">
-                    <a:lumMod val="95000"/>
+                    <a:lumMod val="85000"/>
                   </a:schemeClr>
                 </a:solidFill>
                 <a:latin typeface="Corbel" charset="0"/>
                 <a:ea typeface="Corbel" charset="0"/>
                 <a:cs typeface="Corbel" charset="0"/>
               </a:rPr>
-              <a:t>Sarah Sweeney, </a:t>
-            </a:r>
-            <a:r>
-              <a:rPr lang="en-US" sz="2400" dirty="0" err="1">
-                <a:solidFill>
-                  <a:schemeClr val="bg1">
-                    <a:lumMod val="95000"/>
-                  </a:schemeClr>
-                </a:solidFill>
-                <a:latin typeface="Corbel" charset="0"/>
-                <a:ea typeface="Corbel" charset="0"/>
-                <a:cs typeface="Corbel" charset="0"/>
-              </a:rPr>
-              <a:t>sj.sweeney@northeastern.edu</a:t>
-            </a:r>
-            <a:endParaRPr lang="en-US" sz="2400" dirty="0">
+              <a:t>for Digital Humanities Project Work</a:t>
+            </a:r>
+            <a:endParaRPr lang="en-US" sz="5800" dirty="0">
               <a:solidFill>
                 <a:schemeClr val="bg1">
-                  <a:lumMod val="95000"/>
+                  <a:lumMod val="85000"/>
                 </a:schemeClr>
               </a:solidFill>
               <a:latin typeface="Corbel" charset="0"/>
@@ -4949,48 +4965,18 @@
               <a:cs typeface="Corbel" charset="0"/>
             </a:endParaRPr>
           </a:p>
-          <a:p>
-            <a:r>
-              <a:rPr lang="en-US" sz="2400" dirty="0" smtClean="0">
-                <a:solidFill>
-                  <a:schemeClr val="bg1">
-                    <a:lumMod val="95000"/>
-                  </a:schemeClr>
-                </a:solidFill>
-                <a:latin typeface="Corbel" charset="0"/>
-                <a:ea typeface="Corbel" charset="0"/>
-                <a:cs typeface="Corbel" charset="0"/>
-              </a:rPr>
-              <a:t>Northeastern University Libraries</a:t>
-            </a:r>
-          </a:p>
-          <a:p>
-            <a:r>
-              <a:rPr lang="en-US" sz="2400" dirty="0" smtClean="0">
-                <a:solidFill>
-                  <a:schemeClr val="bg1">
-                    <a:lumMod val="95000"/>
-                  </a:schemeClr>
-                </a:solidFill>
-                <a:latin typeface="Corbel" charset="0"/>
-                <a:ea typeface="Corbel" charset="0"/>
-                <a:cs typeface="Corbel" charset="0"/>
-              </a:rPr>
-              <a:t>Digital Scholarship Group</a:t>
-            </a:r>
-          </a:p>
-        </p:txBody>
-      </p:sp>
-      <p:sp>
-        <p:nvSpPr>
-          <p:cNvPr id="24" name="TextBox 23"/>
+        </p:txBody>
+      </p:sp>
+      <p:sp>
+        <p:nvSpPr>
+          <p:cNvPr id="19" name="TextBox 18"/>
           <p:cNvSpPr txBox="1"/>
           <p:nvPr/>
         </p:nvSpPr>
         <p:spPr>
           <a:xfrm>
-            <a:off x="392559" y="3384948"/>
-            <a:ext cx="4176464" cy="2846933"/>
+            <a:off x="248543" y="216595"/>
+            <a:ext cx="8280919" cy="1107996"/>
           </a:xfrm>
           <a:prstGeom prst="rect">
             <a:avLst/>
@@ -5007,256 +4993,304 @@
           <a:lstStyle/>
           <a:p>
             <a:r>
-              <a:rPr lang="en-US" sz="2000" b="1" dirty="0">
+              <a:rPr lang="en-US" sz="2400" dirty="0">
                 <a:solidFill>
                   <a:schemeClr val="bg1">
-                    <a:lumMod val="95000"/>
+                    <a:lumMod val="85000"/>
+                  </a:schemeClr>
+                </a:solidFill>
+                <a:latin typeface="Corbel" charset="0"/>
+                <a:ea typeface="Corbel" charset="0"/>
+                <a:cs typeface="Corbel" charset="0"/>
+              </a:rPr>
+              <a:t>Sarah Sweeney, </a:t>
+            </a:r>
+            <a:r>
+              <a:rPr lang="en-US" sz="2400" dirty="0" err="1">
+                <a:solidFill>
+                  <a:schemeClr val="bg1">
+                    <a:lumMod val="85000"/>
+                  </a:schemeClr>
+                </a:solidFill>
+                <a:latin typeface="Corbel" charset="0"/>
+                <a:ea typeface="Corbel" charset="0"/>
+                <a:cs typeface="Corbel" charset="0"/>
+              </a:rPr>
+              <a:t>sj.sweeney@northeastern.edu</a:t>
+            </a:r>
+            <a:endParaRPr lang="en-US" sz="2400" dirty="0">
+              <a:solidFill>
+                <a:schemeClr val="bg1">
+                  <a:lumMod val="85000"/>
+                </a:schemeClr>
+              </a:solidFill>
+              <a:latin typeface="Corbel" charset="0"/>
+              <a:ea typeface="Corbel" charset="0"/>
+              <a:cs typeface="Corbel" charset="0"/>
+            </a:endParaRPr>
+          </a:p>
+          <a:p>
+            <a:r>
+              <a:rPr lang="en-US" sz="2400" dirty="0" smtClean="0">
+                <a:solidFill>
+                  <a:schemeClr val="bg1">
+                    <a:lumMod val="85000"/>
+                  </a:schemeClr>
+                </a:solidFill>
+                <a:latin typeface="Corbel" charset="0"/>
+                <a:ea typeface="Corbel" charset="0"/>
+                <a:cs typeface="Corbel" charset="0"/>
+              </a:rPr>
+              <a:t>Northeastern University Libraries</a:t>
+            </a:r>
+          </a:p>
+          <a:p>
+            <a:r>
+              <a:rPr lang="en-US" sz="2400" dirty="0" smtClean="0">
+                <a:solidFill>
+                  <a:schemeClr val="bg1">
+                    <a:lumMod val="85000"/>
+                  </a:schemeClr>
+                </a:solidFill>
+                <a:latin typeface="Corbel" charset="0"/>
+                <a:ea typeface="Corbel" charset="0"/>
+                <a:cs typeface="Corbel" charset="0"/>
+              </a:rPr>
+              <a:t>Digital Scholarship Group</a:t>
+            </a:r>
+          </a:p>
+        </p:txBody>
+      </p:sp>
+      <p:sp>
+        <p:nvSpPr>
+          <p:cNvPr id="24" name="TextBox 23"/>
+          <p:cNvSpPr txBox="1"/>
+          <p:nvPr/>
+        </p:nvSpPr>
+        <p:spPr>
+          <a:xfrm>
+            <a:off x="248543" y="3240931"/>
+            <a:ext cx="4464496" cy="3262432"/>
+          </a:xfrm>
+          <a:prstGeom prst="rect">
+            <a:avLst/>
+          </a:prstGeom>
+          <a:noFill/>
+          <a:ln>
+            <a:noFill/>
+          </a:ln>
+        </p:spPr>
+        <p:txBody>
+          <a:bodyPr wrap="square" lIns="91440" tIns="91440" rIns="91440" bIns="91440" rtlCol="0">
+            <a:spAutoFit/>
+          </a:bodyPr>
+          <a:lstStyle/>
+          <a:p>
+            <a:r>
+              <a:rPr lang="en-US" sz="2000" dirty="0" smtClean="0">
+                <a:solidFill>
+                  <a:schemeClr val="bg1">
+                    <a:lumMod val="85000"/>
                   </a:schemeClr>
                 </a:solidFill>
                 <a:latin typeface="Tahoma" charset="0"/>
                 <a:ea typeface="Tahoma" charset="0"/>
                 <a:cs typeface="Tahoma" charset="0"/>
               </a:rPr>
-              <a:t>How can we use Hydra to enable the creation, dissemination, and </a:t>
-            </a:r>
-            <a:r>
-              <a:rPr lang="en-US" sz="2000" b="1" dirty="0" smtClean="0">
+              <a:t>How can Hydra be used </a:t>
+            </a:r>
+            <a:r>
+              <a:rPr lang="en-US" sz="2000" dirty="0">
                 <a:solidFill>
                   <a:schemeClr val="bg1">
-                    <a:lumMod val="95000"/>
+                    <a:lumMod val="85000"/>
                   </a:schemeClr>
                 </a:solidFill>
                 <a:latin typeface="Tahoma" charset="0"/>
                 <a:ea typeface="Tahoma" charset="0"/>
                 <a:cs typeface="Tahoma" charset="0"/>
               </a:rPr>
-              <a:t>long-term </a:t>
-            </a:r>
-            <a:r>
-              <a:rPr lang="en-US" sz="2000" b="1" dirty="0">
+              <a:t>to enable the creation, dissemination, and </a:t>
+            </a:r>
+            <a:r>
+              <a:rPr lang="en-US" sz="2000" dirty="0" smtClean="0">
                 <a:solidFill>
                   <a:schemeClr val="bg1">
-                    <a:lumMod val="95000"/>
+                    <a:lumMod val="85000"/>
                   </a:schemeClr>
                 </a:solidFill>
                 <a:latin typeface="Tahoma" charset="0"/>
                 <a:ea typeface="Tahoma" charset="0"/>
                 <a:cs typeface="Tahoma" charset="0"/>
               </a:rPr>
-              <a:t>support of digital projects and publications?</a:t>
+              <a:t>long-term </a:t>
             </a:r>
             <a:r>
               <a:rPr lang="en-US" sz="2000" dirty="0">
                 <a:solidFill>
                   <a:schemeClr val="bg1">
-                    <a:lumMod val="95000"/>
+                    <a:lumMod val="85000"/>
                   </a:schemeClr>
                 </a:solidFill>
                 <a:latin typeface="Tahoma" charset="0"/>
                 <a:ea typeface="Tahoma" charset="0"/>
                 <a:cs typeface="Tahoma" charset="0"/>
               </a:rPr>
-              <a:t> </a:t>
-            </a:r>
-            <a:endParaRPr lang="en-US" sz="2000" dirty="0" smtClean="0">
+              <a:t>support of </a:t>
+            </a:r>
+            <a:r>
+              <a:rPr lang="en-US" sz="2000" dirty="0" smtClean="0">
+                <a:solidFill>
+                  <a:schemeClr val="bg1">
+                    <a:lumMod val="85000"/>
+                  </a:schemeClr>
+                </a:solidFill>
+                <a:latin typeface="Tahoma" charset="0"/>
+                <a:ea typeface="Tahoma" charset="0"/>
+                <a:cs typeface="Tahoma" charset="0"/>
+              </a:rPr>
+              <a:t>digital humanities </a:t>
+            </a:r>
+            <a:r>
+              <a:rPr lang="en-US" sz="2000" dirty="0" smtClean="0">
+                <a:solidFill>
+                  <a:schemeClr val="bg1">
+                    <a:lumMod val="85000"/>
+                  </a:schemeClr>
+                </a:solidFill>
+                <a:latin typeface="Tahoma" charset="0"/>
+                <a:ea typeface="Tahoma" charset="0"/>
+                <a:cs typeface="Tahoma" charset="0"/>
+              </a:rPr>
+              <a:t>projects </a:t>
+            </a:r>
+            <a:r>
+              <a:rPr lang="en-US" sz="2000" dirty="0">
+                <a:solidFill>
+                  <a:schemeClr val="bg1">
+                    <a:lumMod val="85000"/>
+                  </a:schemeClr>
+                </a:solidFill>
+                <a:latin typeface="Tahoma" charset="0"/>
+                <a:ea typeface="Tahoma" charset="0"/>
+                <a:cs typeface="Tahoma" charset="0"/>
+              </a:rPr>
+              <a:t>and </a:t>
+            </a:r>
+            <a:r>
+              <a:rPr lang="en-US" sz="2000" dirty="0" smtClean="0">
+                <a:solidFill>
+                  <a:schemeClr val="bg1">
+                    <a:lumMod val="85000"/>
+                  </a:schemeClr>
+                </a:solidFill>
+                <a:latin typeface="Tahoma" charset="0"/>
+                <a:ea typeface="Tahoma" charset="0"/>
+                <a:cs typeface="Tahoma" charset="0"/>
+              </a:rPr>
+              <a:t>publications? NUL's Digital Scholarship Group seeks </a:t>
+            </a:r>
+            <a:r>
+              <a:rPr lang="en-US" sz="2000" dirty="0">
+                <a:solidFill>
+                  <a:schemeClr val="bg1">
+                    <a:lumMod val="85000"/>
+                  </a:schemeClr>
+                </a:solidFill>
+                <a:latin typeface="Tahoma" charset="0"/>
+                <a:ea typeface="Tahoma" charset="0"/>
+                <a:cs typeface="Tahoma" charset="0"/>
+              </a:rPr>
+              <a:t>to answer this question by developing a workflow-based digital </a:t>
+            </a:r>
+            <a:r>
+              <a:rPr lang="en-US" sz="2000" dirty="0" smtClean="0">
+                <a:solidFill>
+                  <a:schemeClr val="bg1">
+                    <a:lumMod val="85000"/>
+                  </a:schemeClr>
+                </a:solidFill>
+                <a:latin typeface="Tahoma" charset="0"/>
+                <a:ea typeface="Tahoma" charset="0"/>
+                <a:cs typeface="Tahoma" charset="0"/>
+              </a:rPr>
+              <a:t>framework </a:t>
+            </a:r>
+            <a:r>
+              <a:rPr lang="en-US" sz="2000" dirty="0">
+                <a:solidFill>
+                  <a:schemeClr val="bg1">
+                    <a:lumMod val="85000"/>
+                  </a:schemeClr>
+                </a:solidFill>
+                <a:latin typeface="Tahoma" charset="0"/>
+                <a:ea typeface="Tahoma" charset="0"/>
+                <a:cs typeface="Tahoma" charset="0"/>
+              </a:rPr>
+              <a:t>to provide editorial </a:t>
+            </a:r>
+            <a:r>
+              <a:rPr lang="en-US" sz="2000" dirty="0" smtClean="0">
+                <a:solidFill>
+                  <a:schemeClr val="bg1">
+                    <a:lumMod val="85000"/>
+                  </a:schemeClr>
+                </a:solidFill>
+                <a:latin typeface="Tahoma" charset="0"/>
+                <a:ea typeface="Tahoma" charset="0"/>
+                <a:cs typeface="Tahoma" charset="0"/>
+              </a:rPr>
+              <a:t>and other </a:t>
+            </a:r>
+            <a:r>
+              <a:rPr lang="en-US" sz="2000" dirty="0">
+                <a:solidFill>
+                  <a:schemeClr val="bg1">
+                    <a:lumMod val="85000"/>
+                  </a:schemeClr>
+                </a:solidFill>
+                <a:latin typeface="Tahoma" charset="0"/>
+                <a:ea typeface="Tahoma" charset="0"/>
+                <a:cs typeface="Tahoma" charset="0"/>
+              </a:rPr>
+              <a:t>workflow management tools for digital humanities </a:t>
+            </a:r>
+            <a:r>
+              <a:rPr lang="en-US" sz="2000" dirty="0" smtClean="0">
+                <a:solidFill>
+                  <a:schemeClr val="bg1">
+                    <a:lumMod val="85000"/>
+                  </a:schemeClr>
+                </a:solidFill>
+                <a:latin typeface="Tahoma" charset="0"/>
+                <a:ea typeface="Tahoma" charset="0"/>
+                <a:cs typeface="Tahoma" charset="0"/>
+              </a:rPr>
+              <a:t>projects in Hydra</a:t>
+            </a:r>
+            <a:r>
+              <a:rPr lang="en-US" sz="2000" dirty="0" smtClean="0">
+                <a:solidFill>
+                  <a:schemeClr val="bg1">
+                    <a:lumMod val="85000"/>
+                  </a:schemeClr>
+                </a:solidFill>
+                <a:latin typeface="Tahoma" charset="0"/>
+                <a:ea typeface="Tahoma" charset="0"/>
+                <a:cs typeface="Tahoma" charset="0"/>
+              </a:rPr>
+              <a:t>. </a:t>
+            </a:r>
+            <a:endParaRPr lang="en-US" sz="2000" dirty="0">
               <a:solidFill>
                 <a:schemeClr val="bg1">
-                  <a:lumMod val="95000"/>
+                  <a:lumMod val="85000"/>
                 </a:schemeClr>
               </a:solidFill>
               <a:latin typeface="Tahoma" charset="0"/>
               <a:ea typeface="Tahoma" charset="0"/>
               <a:cs typeface="Tahoma" charset="0"/>
             </a:endParaRPr>
-          </a:p>
-          <a:p>
-            <a:r>
-              <a:rPr lang="en-US" sz="500" dirty="0" smtClean="0">
-                <a:solidFill>
-                  <a:schemeClr val="bg1">
-                    <a:lumMod val="95000"/>
-                  </a:schemeClr>
-                </a:solidFill>
-                <a:latin typeface="Tahoma" charset="0"/>
-                <a:ea typeface="Tahoma" charset="0"/>
-                <a:cs typeface="Tahoma" charset="0"/>
-              </a:rPr>
-              <a:t> </a:t>
-            </a:r>
-          </a:p>
-          <a:p>
-            <a:r>
-              <a:rPr lang="en-US" sz="2000" dirty="0" smtClean="0">
-                <a:solidFill>
-                  <a:schemeClr val="bg1">
-                    <a:lumMod val="95000"/>
-                  </a:schemeClr>
-                </a:solidFill>
-                <a:latin typeface="Tahoma" charset="0"/>
-                <a:ea typeface="Tahoma" charset="0"/>
-                <a:cs typeface="Tahoma" charset="0"/>
-              </a:rPr>
-              <a:t>We </a:t>
-            </a:r>
-            <a:r>
-              <a:rPr lang="en-US" sz="2000" dirty="0">
-                <a:solidFill>
-                  <a:schemeClr val="bg1">
-                    <a:lumMod val="95000"/>
-                  </a:schemeClr>
-                </a:solidFill>
-                <a:latin typeface="Tahoma" charset="0"/>
-                <a:ea typeface="Tahoma" charset="0"/>
-                <a:cs typeface="Tahoma" charset="0"/>
-              </a:rPr>
-              <a:t>seek to answer this question by developing a workflow-based digital </a:t>
-            </a:r>
-            <a:r>
-              <a:rPr lang="en-US" sz="2000" dirty="0" smtClean="0">
-                <a:solidFill>
-                  <a:schemeClr val="bg1">
-                    <a:lumMod val="95000"/>
-                  </a:schemeClr>
-                </a:solidFill>
-                <a:latin typeface="Tahoma" charset="0"/>
-                <a:ea typeface="Tahoma" charset="0"/>
-                <a:cs typeface="Tahoma" charset="0"/>
-              </a:rPr>
-              <a:t>framework </a:t>
-            </a:r>
-            <a:r>
-              <a:rPr lang="en-US" sz="2000" dirty="0">
-                <a:solidFill>
-                  <a:schemeClr val="bg1">
-                    <a:lumMod val="95000"/>
-                  </a:schemeClr>
-                </a:solidFill>
-                <a:latin typeface="Tahoma" charset="0"/>
-                <a:ea typeface="Tahoma" charset="0"/>
-                <a:cs typeface="Tahoma" charset="0"/>
-              </a:rPr>
-              <a:t>to provide editorial and workflow management tools for digital humanities </a:t>
-            </a:r>
-            <a:r>
-              <a:rPr lang="en-US" sz="2000" dirty="0" smtClean="0">
-                <a:solidFill>
-                  <a:schemeClr val="bg1">
-                    <a:lumMod val="95000"/>
-                  </a:schemeClr>
-                </a:solidFill>
-                <a:latin typeface="Tahoma" charset="0"/>
-                <a:ea typeface="Tahoma" charset="0"/>
-                <a:cs typeface="Tahoma" charset="0"/>
-              </a:rPr>
-              <a:t>projects in Hydra</a:t>
-            </a:r>
-            <a:r>
-              <a:rPr lang="en-US" sz="2000" dirty="0" smtClean="0">
-                <a:solidFill>
-                  <a:schemeClr val="bg1">
-                    <a:lumMod val="95000"/>
-                  </a:schemeClr>
-                </a:solidFill>
-                <a:latin typeface="Tahoma" charset="0"/>
-                <a:ea typeface="Tahoma" charset="0"/>
-                <a:cs typeface="Tahoma" charset="0"/>
-              </a:rPr>
-              <a:t>. </a:t>
-            </a:r>
-            <a:endParaRPr lang="en-US" sz="2000" dirty="0">
-              <a:solidFill>
-                <a:schemeClr val="bg1">
-                  <a:lumMod val="95000"/>
-                </a:schemeClr>
-              </a:solidFill>
-              <a:latin typeface="Tahoma" charset="0"/>
-              <a:ea typeface="Tahoma" charset="0"/>
-              <a:cs typeface="Tahoma" charset="0"/>
-            </a:endParaRPr>
-          </a:p>
-        </p:txBody>
-      </p:sp>
-      <p:sp>
-        <p:nvSpPr>
-          <p:cNvPr id="33" name="TextBox 32"/>
-          <p:cNvSpPr txBox="1"/>
-          <p:nvPr/>
-        </p:nvSpPr>
-        <p:spPr>
-          <a:xfrm>
-            <a:off x="248543" y="6553299"/>
-            <a:ext cx="9793088" cy="553998"/>
-          </a:xfrm>
-          <a:prstGeom prst="rect">
-            <a:avLst/>
-          </a:prstGeom>
-          <a:noFill/>
-          <a:ln>
-            <a:noFill/>
-          </a:ln>
-        </p:spPr>
-        <p:txBody>
-          <a:bodyPr wrap="square" lIns="0" tIns="0" rIns="0" bIns="0" rtlCol="0">
-            <a:spAutoFit/>
-          </a:bodyPr>
-          <a:lstStyle/>
-          <a:p>
-            <a:pPr algn="ctr"/>
-            <a:r>
-              <a:rPr lang="en-US" dirty="0" smtClean="0">
-                <a:solidFill>
-                  <a:schemeClr val="bg1">
-                    <a:lumMod val="95000"/>
-                  </a:schemeClr>
-                </a:solidFill>
-                <a:latin typeface="Corbel" charset="0"/>
-                <a:ea typeface="Corbel" charset="0"/>
-                <a:cs typeface="Corbel" charset="0"/>
-              </a:rPr>
-              <a:t>DH Workflows</a:t>
-            </a:r>
-          </a:p>
-        </p:txBody>
-      </p:sp>
-      <p:sp>
-        <p:nvSpPr>
-          <p:cNvPr id="34" name="TextBox 33"/>
-          <p:cNvSpPr txBox="1"/>
-          <p:nvPr/>
-        </p:nvSpPr>
-        <p:spPr>
-          <a:xfrm>
-            <a:off x="248543" y="11665867"/>
-            <a:ext cx="9793088" cy="553998"/>
-          </a:xfrm>
-          <a:prstGeom prst="rect">
-            <a:avLst/>
-          </a:prstGeom>
-          <a:noFill/>
-          <a:ln>
-            <a:noFill/>
-          </a:ln>
-        </p:spPr>
-        <p:txBody>
-          <a:bodyPr wrap="square" lIns="0" tIns="0" rIns="0" bIns="0" rtlCol="0">
-            <a:spAutoFit/>
-          </a:bodyPr>
-          <a:lstStyle/>
-          <a:p>
-            <a:pPr algn="ctr"/>
-            <a:r>
-              <a:rPr lang="en-US" dirty="0" smtClean="0">
-                <a:solidFill>
-                  <a:schemeClr val="bg1">
-                    <a:lumMod val="95000"/>
-                  </a:schemeClr>
-                </a:solidFill>
-                <a:latin typeface="Corbel" charset="0"/>
-                <a:ea typeface="Corbel" charset="0"/>
-                <a:cs typeface="Corbel" charset="0"/>
-              </a:rPr>
-              <a:t>User Roles</a:t>
-            </a:r>
           </a:p>
         </p:txBody>
       </p:sp>
@@ -5298,8 +5332,8 @@
         </p:nvSpPr>
         <p:spPr>
           <a:xfrm>
-            <a:off x="392559" y="16778435"/>
-            <a:ext cx="7704857" cy="1231106"/>
+            <a:off x="824607" y="16418395"/>
+            <a:ext cx="7128793" cy="1538883"/>
           </a:xfrm>
           <a:prstGeom prst="rect">
             <a:avLst/>
@@ -5953,7 +5987,7 @@
               <a:t> magna </a:t>
             </a:r>
             <a:r>
-              <a:rPr lang="en-US" sz="2000" dirty="0" err="1" smtClean="0">
+              <a:rPr lang="en-US" sz="2000" dirty="0" err="1">
                 <a:solidFill>
                   <a:schemeClr val="bg1">
                     <a:lumMod val="95000"/>
@@ -5966,7 +6000,7 @@
               <a:t>aliqua</a:t>
             </a:r>
             <a:r>
-              <a:rPr lang="en-US" sz="2000" dirty="0" smtClean="0">
+              <a:rPr lang="en-US" sz="2000" dirty="0">
                 <a:solidFill>
                   <a:schemeClr val="bg1">
                     <a:lumMod val="95000"/>
@@ -5979,7 +6013,7 @@
               <a:t> </a:t>
             </a:r>
             <a:r>
-              <a:rPr lang="en-US" sz="2000" dirty="0" err="1" smtClean="0">
+              <a:rPr lang="en-US" sz="2000" dirty="0" err="1">
                 <a:solidFill>
                   <a:schemeClr val="bg1">
                     <a:lumMod val="95000"/>
@@ -5989,10 +6023,10 @@
                 <a:ea typeface="Tahoma" charset="0"/>
                 <a:cs typeface="Tahoma" charset="0"/>
               </a:rPr>
-              <a:t>eiusmod</a:t>
-            </a:r>
-            <a:r>
-              <a:rPr lang="en-US" sz="2000" dirty="0" smtClean="0">
+              <a:t>Ut</a:t>
+            </a:r>
+            <a:r>
+              <a:rPr lang="en-US" sz="2000" dirty="0">
                 <a:solidFill>
                   <a:schemeClr val="bg1">
                     <a:lumMod val="95000"/>
@@ -6005,7 +6039,7 @@
               <a:t> </a:t>
             </a:r>
             <a:r>
-              <a:rPr lang="en-US" sz="2000" dirty="0" err="1" smtClean="0">
+              <a:rPr lang="en-US" sz="2000" dirty="0" err="1">
                 <a:solidFill>
                   <a:schemeClr val="bg1">
                     <a:lumMod val="95000"/>
@@ -6015,10 +6049,10 @@
                 <a:ea typeface="Tahoma" charset="0"/>
                 <a:cs typeface="Tahoma" charset="0"/>
               </a:rPr>
-              <a:t>tempor</a:t>
-            </a:r>
-            <a:r>
-              <a:rPr lang="en-US" sz="2000" dirty="0" smtClean="0">
+              <a:t>enim</a:t>
+            </a:r>
+            <a:r>
+              <a:rPr lang="en-US" sz="2000" dirty="0">
                 <a:solidFill>
                   <a:schemeClr val="bg1">
                     <a:lumMod val="95000"/>
@@ -6028,7 +6062,124 @@
                 <a:ea typeface="Tahoma" charset="0"/>
                 <a:cs typeface="Tahoma" charset="0"/>
               </a:rPr>
-              <a:t>. </a:t>
+              <a:t> ad minim </a:t>
+            </a:r>
+            <a:r>
+              <a:rPr lang="en-US" sz="2000" dirty="0" err="1">
+                <a:solidFill>
+                  <a:schemeClr val="bg1">
+                    <a:lumMod val="95000"/>
+                  </a:schemeClr>
+                </a:solidFill>
+                <a:latin typeface="Tahoma" charset="0"/>
+                <a:ea typeface="Tahoma" charset="0"/>
+                <a:cs typeface="Tahoma" charset="0"/>
+              </a:rPr>
+              <a:t>veniam</a:t>
+            </a:r>
+            <a:r>
+              <a:rPr lang="en-US" sz="2000" dirty="0">
+                <a:solidFill>
+                  <a:schemeClr val="bg1">
+                    <a:lumMod val="95000"/>
+                  </a:schemeClr>
+                </a:solidFill>
+                <a:latin typeface="Tahoma" charset="0"/>
+                <a:ea typeface="Tahoma" charset="0"/>
+                <a:cs typeface="Tahoma" charset="0"/>
+              </a:rPr>
+              <a:t>, </a:t>
+            </a:r>
+            <a:r>
+              <a:rPr lang="en-US" sz="2000" dirty="0" err="1">
+                <a:solidFill>
+                  <a:schemeClr val="bg1">
+                    <a:lumMod val="95000"/>
+                  </a:schemeClr>
+                </a:solidFill>
+                <a:latin typeface="Tahoma" charset="0"/>
+                <a:ea typeface="Tahoma" charset="0"/>
+                <a:cs typeface="Tahoma" charset="0"/>
+              </a:rPr>
+              <a:t>quis</a:t>
+            </a:r>
+            <a:r>
+              <a:rPr lang="en-US" sz="2000" dirty="0">
+                <a:solidFill>
+                  <a:schemeClr val="bg1">
+                    <a:lumMod val="95000"/>
+                  </a:schemeClr>
+                </a:solidFill>
+                <a:latin typeface="Tahoma" charset="0"/>
+                <a:ea typeface="Tahoma" charset="0"/>
+                <a:cs typeface="Tahoma" charset="0"/>
+              </a:rPr>
+              <a:t> </a:t>
+            </a:r>
+            <a:r>
+              <a:rPr lang="en-US" sz="2000" dirty="0" err="1">
+                <a:solidFill>
+                  <a:schemeClr val="bg1">
+                    <a:lumMod val="95000"/>
+                  </a:schemeClr>
+                </a:solidFill>
+                <a:latin typeface="Tahoma" charset="0"/>
+                <a:ea typeface="Tahoma" charset="0"/>
+                <a:cs typeface="Tahoma" charset="0"/>
+              </a:rPr>
+              <a:t>nostrud</a:t>
+            </a:r>
+            <a:r>
+              <a:rPr lang="en-US" sz="2000" dirty="0">
+                <a:solidFill>
+                  <a:schemeClr val="bg1">
+                    <a:lumMod val="95000"/>
+                  </a:schemeClr>
+                </a:solidFill>
+                <a:latin typeface="Tahoma" charset="0"/>
+                <a:ea typeface="Tahoma" charset="0"/>
+                <a:cs typeface="Tahoma" charset="0"/>
+              </a:rPr>
+              <a:t> exercitation </a:t>
+            </a:r>
+            <a:r>
+              <a:rPr lang="en-US" sz="2000" dirty="0" err="1" smtClean="0">
+                <a:solidFill>
+                  <a:schemeClr val="bg1">
+                    <a:lumMod val="95000"/>
+                  </a:schemeClr>
+                </a:solidFill>
+                <a:latin typeface="Tahoma" charset="0"/>
+                <a:ea typeface="Tahoma" charset="0"/>
+                <a:cs typeface="Tahoma" charset="0"/>
+              </a:rPr>
+              <a:t>ullamco</a:t>
+            </a:r>
+            <a:r>
+              <a:rPr lang="en-US" sz="2000" dirty="0" smtClean="0">
+                <a:solidFill>
+                  <a:schemeClr val="bg1">
+                    <a:lumMod val="95000"/>
+                  </a:schemeClr>
+                </a:solidFill>
+                <a:latin typeface="Tahoma" charset="0"/>
+                <a:ea typeface="Tahoma" charset="0"/>
+                <a:cs typeface="Tahoma" charset="0"/>
+              </a:rPr>
+              <a:t> </a:t>
+            </a:r>
+            <a:r>
+              <a:rPr lang="en-US" sz="2000" dirty="0" err="1" smtClean="0">
+                <a:solidFill>
+                  <a:schemeClr val="bg1">
+                    <a:lumMod val="95000"/>
+                  </a:schemeClr>
+                </a:solidFill>
+                <a:latin typeface="Tahoma" charset="0"/>
+                <a:ea typeface="Tahoma" charset="0"/>
+                <a:cs typeface="Tahoma" charset="0"/>
+              </a:rPr>
+              <a:t>Ut</a:t>
             </a:r>
             <a:endParaRPr lang="en-US" sz="2000" dirty="0">
               <a:solidFill>
@@ -6050,14 +6201,18 @@
           <p:nvPr/>
         </p:nvSpPr>
         <p:spPr>
-          <a:xfrm>
-            <a:off x="320551" y="16346387"/>
-            <a:ext cx="7776864" cy="553998"/>
+          <a:xfrm rot="16200000">
+            <a:off x="-400108" y="16995040"/>
+            <a:ext cx="1728194" cy="430887"/>
           </a:xfrm>
           <a:prstGeom prst="rect">
             <a:avLst/>
           </a:prstGeom>
-          <a:noFill/>
+          <a:solidFill>
+            <a:schemeClr val="bg1">
+              <a:lumMod val="50000"/>
+            </a:schemeClr>
+          </a:solidFill>
           <a:ln>
             <a:noFill/>
           </a:ln>
@@ -6070,18 +6225,24 @@
           <a:p>
             <a:pPr algn="ctr"/>
             <a:r>
-              <a:rPr lang="en-US" dirty="0" smtClean="0">
-                <a:solidFill>
-                  <a:schemeClr val="bg1">
-                    <a:lumMod val="95000"/>
-                  </a:schemeClr>
+              <a:rPr lang="en-US" sz="2800" smtClean="0">
+                <a:solidFill>
+                  <a:srgbClr val="73626E"/>
                 </a:solidFill>
                 <a:latin typeface="Tahoma" charset="0"/>
                 <a:ea typeface="Tahoma" charset="0"/>
                 <a:cs typeface="Tahoma" charset="0"/>
               </a:rPr>
-              <a:t>Next Steps</a:t>
-            </a:r>
+              <a:t>Next</a:t>
+            </a:r>
+            <a:endParaRPr lang="en-US" sz="2800" dirty="0" smtClean="0">
+              <a:solidFill>
+                <a:srgbClr val="73626E"/>
+              </a:solidFill>
+              <a:latin typeface="Tahoma" charset="0"/>
+              <a:ea typeface="Tahoma" charset="0"/>
+              <a:cs typeface="Tahoma" charset="0"/>
+            </a:endParaRPr>
           </a:p>
         </p:txBody>
       </p:sp>
@@ -6093,7 +6254,7 @@
         </p:nvSpPr>
         <p:spPr>
           <a:xfrm>
-            <a:off x="5289103" y="6049243"/>
+            <a:off x="5361111" y="6049243"/>
             <a:ext cx="4608512" cy="344710"/>
           </a:xfrm>
           <a:prstGeom prst="rect">
@@ -6119,7 +6280,7 @@
               <a:rPr lang="en-US" sz="2000" smtClean="0">
                 <a:solidFill>
                   <a:schemeClr val="bg1">
-                    <a:lumMod val="65000"/>
+                    <a:lumMod val="85000"/>
                   </a:schemeClr>
                 </a:solidFill>
                 <a:latin typeface="Tahoma" charset="0"/>
@@ -6131,7 +6292,7 @@
             <a:endParaRPr lang="en-US" sz="2000">
               <a:solidFill>
                 <a:schemeClr val="bg1">
-                  <a:lumMod val="65000"/>
+                  <a:lumMod val="85000"/>
                 </a:schemeClr>
               </a:solidFill>
               <a:latin typeface="Tahoma" charset="0"/>
@@ -6149,7 +6310,7 @@
         </p:nvSpPr>
         <p:spPr>
           <a:xfrm>
-            <a:off x="6801271" y="4249043"/>
+            <a:off x="6873279" y="4249043"/>
             <a:ext cx="1584176" cy="344710"/>
           </a:xfrm>
           <a:prstGeom prst="rect">
@@ -6171,7 +6332,7 @@
               <a:rPr lang="en-US" sz="2000" dirty="0" smtClean="0">
                 <a:solidFill>
                   <a:schemeClr val="bg1">
-                    <a:lumMod val="65000"/>
+                    <a:lumMod val="85000"/>
                   </a:schemeClr>
                 </a:solidFill>
                 <a:latin typeface="Tahoma" charset="0"/>
@@ -6191,7 +6352,7 @@
         </p:nvSpPr>
         <p:spPr>
           <a:xfrm>
-            <a:off x="5289103" y="3312939"/>
+            <a:off x="5361111" y="3312939"/>
             <a:ext cx="4608512" cy="344710"/>
           </a:xfrm>
           <a:prstGeom prst="rect">
@@ -6217,7 +6378,7 @@
               <a:rPr lang="en-US" sz="2000" dirty="0" smtClean="0">
                 <a:solidFill>
                   <a:schemeClr val="bg1">
-                    <a:lumMod val="65000"/>
+                    <a:lumMod val="85000"/>
                   </a:schemeClr>
                 </a:solidFill>
                 <a:latin typeface="Tahoma" charset="0"/>
@@ -6237,7 +6398,7 @@
         </p:nvSpPr>
         <p:spPr>
           <a:xfrm>
-            <a:off x="5289103" y="4177035"/>
+            <a:off x="5361111" y="4177035"/>
             <a:ext cx="4608512" cy="1800200"/>
           </a:xfrm>
           <a:prstGeom prst="rect">
@@ -6276,7 +6437,7 @@
             <a:endParaRPr lang="en-US" sz="2000">
               <a:solidFill>
                 <a:schemeClr val="bg1">
-                  <a:lumMod val="65000"/>
+                  <a:lumMod val="85000"/>
                 </a:schemeClr>
               </a:solidFill>
               <a:latin typeface="Tahoma" charset="0"/>
@@ -6294,7 +6455,7 @@
         </p:nvSpPr>
         <p:spPr>
           <a:xfrm>
-            <a:off x="5433119" y="5041131"/>
+            <a:off x="5505127" y="5041131"/>
             <a:ext cx="1296144" cy="381381"/>
           </a:xfrm>
           <a:prstGeom prst="roundRect">
@@ -6316,7 +6477,7 @@
               <a:rPr lang="en-US" sz="2000" dirty="0" smtClean="0">
                 <a:solidFill>
                   <a:schemeClr val="bg1">
-                    <a:lumMod val="65000"/>
+                    <a:lumMod val="85000"/>
                   </a:schemeClr>
                 </a:solidFill>
                 <a:latin typeface="Tahoma" charset="0"/>
@@ -6336,7 +6497,7 @@
         </p:nvSpPr>
         <p:spPr>
           <a:xfrm>
-            <a:off x="8169423" y="5473179"/>
+            <a:off x="8241431" y="5473179"/>
             <a:ext cx="1584176" cy="381381"/>
           </a:xfrm>
           <a:prstGeom prst="roundRect">
@@ -6362,7 +6523,7 @@
               <a:rPr lang="en-US" sz="2000" dirty="0" err="1" smtClean="0">
                 <a:solidFill>
                   <a:schemeClr val="bg1">
-                    <a:lumMod val="65000"/>
+                    <a:lumMod val="85000"/>
                   </a:schemeClr>
                 </a:solidFill>
                 <a:latin typeface="Tahoma" charset="0"/>
@@ -6374,7 +6535,7 @@
             <a:endParaRPr lang="en-US" sz="2000" dirty="0" smtClean="0">
               <a:solidFill>
                 <a:schemeClr val="bg1">
-                  <a:lumMod val="65000"/>
+                  <a:lumMod val="85000"/>
                 </a:schemeClr>
               </a:solidFill>
               <a:latin typeface="Tahoma" charset="0"/>
@@ -6392,7 +6553,7 @@
         </p:nvSpPr>
         <p:spPr>
           <a:xfrm>
-            <a:off x="6873279" y="5473179"/>
+            <a:off x="6945287" y="5473179"/>
             <a:ext cx="1152128" cy="381381"/>
           </a:xfrm>
           <a:prstGeom prst="roundRect">
@@ -6418,7 +6579,7 @@
               <a:rPr lang="en-US" sz="2000" dirty="0" smtClean="0">
                 <a:solidFill>
                   <a:schemeClr val="bg1">
-                    <a:lumMod val="65000"/>
+                    <a:lumMod val="85000"/>
                   </a:schemeClr>
                 </a:solidFill>
                 <a:latin typeface="Tahoma" charset="0"/>
@@ -6438,7 +6599,7 @@
         </p:nvSpPr>
         <p:spPr>
           <a:xfrm>
-            <a:off x="6873279" y="5041131"/>
+            <a:off x="6945287" y="5041131"/>
             <a:ext cx="1152127" cy="381381"/>
           </a:xfrm>
           <a:prstGeom prst="roundRect">
@@ -6464,7 +6625,7 @@
               <a:rPr lang="en-US" sz="2000" dirty="0" smtClean="0">
                 <a:solidFill>
                   <a:schemeClr val="bg1">
-                    <a:lumMod val="65000"/>
+                    <a:lumMod val="85000"/>
                   </a:schemeClr>
                 </a:solidFill>
                 <a:latin typeface="Tahoma" charset="0"/>
@@ -6484,7 +6645,7 @@
         </p:nvSpPr>
         <p:spPr>
           <a:xfrm>
-            <a:off x="8169423" y="5041131"/>
+            <a:off x="8241431" y="5041131"/>
             <a:ext cx="1584176" cy="381381"/>
           </a:xfrm>
           <a:prstGeom prst="roundRect">
@@ -6510,7 +6671,7 @@
               <a:rPr lang="en-US" sz="2000" smtClean="0">
                 <a:solidFill>
                   <a:schemeClr val="bg1">
-                    <a:lumMod val="65000"/>
+                    <a:lumMod val="85000"/>
                   </a:schemeClr>
                 </a:solidFill>
                 <a:latin typeface="Tahoma" charset="0"/>
@@ -6522,7 +6683,7 @@
             <a:endParaRPr lang="en-US" sz="2000" dirty="0" smtClean="0">
               <a:solidFill>
                 <a:schemeClr val="bg1">
-                  <a:lumMod val="65000"/>
+                  <a:lumMod val="85000"/>
                 </a:schemeClr>
               </a:solidFill>
               <a:latin typeface="Tahoma" charset="0"/>
@@ -6540,7 +6701,7 @@
         </p:nvSpPr>
         <p:spPr>
           <a:xfrm>
-            <a:off x="6873279" y="4609083"/>
+            <a:off x="6945287" y="4609083"/>
             <a:ext cx="1152127" cy="381381"/>
           </a:xfrm>
           <a:prstGeom prst="roundRect">
@@ -6566,7 +6727,7 @@
               <a:rPr lang="en-US" sz="2000" dirty="0" err="1" smtClean="0">
                 <a:solidFill>
                   <a:schemeClr val="bg1">
-                    <a:lumMod val="65000"/>
+                    <a:lumMod val="85000"/>
                   </a:schemeClr>
                 </a:solidFill>
                 <a:latin typeface="Tahoma" charset="0"/>
@@ -6578,7 +6739,7 @@
             <a:endParaRPr lang="en-US" sz="2000" dirty="0" smtClean="0">
               <a:solidFill>
                 <a:schemeClr val="bg1">
-                  <a:lumMod val="65000"/>
+                  <a:lumMod val="85000"/>
                 </a:schemeClr>
               </a:solidFill>
               <a:latin typeface="Tahoma" charset="0"/>
@@ -6596,7 +6757,7 @@
         </p:nvSpPr>
         <p:spPr>
           <a:xfrm>
-            <a:off x="8169423" y="4609083"/>
+            <a:off x="8241431" y="4609083"/>
             <a:ext cx="1584176" cy="381381"/>
           </a:xfrm>
           <a:prstGeom prst="roundRect">
@@ -6622,7 +6783,7 @@
               <a:rPr lang="en-US" sz="2000" dirty="0" smtClean="0">
                 <a:solidFill>
                   <a:schemeClr val="bg1">
-                    <a:lumMod val="65000"/>
+                    <a:lumMod val="85000"/>
                   </a:schemeClr>
                 </a:solidFill>
                 <a:latin typeface="Tahoma" charset="0"/>
@@ -6642,7 +6803,7 @@
         </p:nvSpPr>
         <p:spPr>
           <a:xfrm>
-            <a:off x="5289103" y="3744987"/>
+            <a:off x="5361111" y="3744987"/>
             <a:ext cx="4608511" cy="344710"/>
           </a:xfrm>
           <a:prstGeom prst="rect">
@@ -6668,7 +6829,7 @@
               <a:rPr lang="en-US" sz="2000" dirty="0" smtClean="0">
                 <a:solidFill>
                   <a:schemeClr val="bg1">
-                    <a:lumMod val="65000"/>
+                    <a:lumMod val="85000"/>
                   </a:schemeClr>
                 </a:solidFill>
                 <a:latin typeface="Tahoma" charset="0"/>
@@ -6688,7 +6849,7 @@
         </p:nvSpPr>
         <p:spPr>
           <a:xfrm>
-            <a:off x="5433119" y="4609083"/>
+            <a:off x="5505127" y="4609083"/>
             <a:ext cx="1296144" cy="1224136"/>
           </a:xfrm>
           <a:prstGeom prst="roundRect">
@@ -6727,7 +6888,7 @@
             <a:endParaRPr lang="en-US" sz="2000">
               <a:solidFill>
                 <a:schemeClr val="bg1">
-                  <a:lumMod val="65000"/>
+                  <a:lumMod val="85000"/>
                 </a:schemeClr>
               </a:solidFill>
               <a:latin typeface="Tahoma" charset="0"/>
@@ -6745,13 +6906,17 @@
         </p:nvSpPr>
         <p:spPr>
           <a:xfrm rot="16200000">
-            <a:off x="3501853" y="4652752"/>
-            <a:ext cx="3024336" cy="344710"/>
+            <a:off x="3496332" y="4688992"/>
+            <a:ext cx="3240832" cy="344710"/>
           </a:xfrm>
           <a:prstGeom prst="rect">
             <a:avLst/>
           </a:prstGeom>
-          <a:noFill/>
+          <a:solidFill>
+            <a:schemeClr val="bg1">
+              <a:lumMod val="50000"/>
+            </a:schemeClr>
+          </a:solidFill>
           <a:ln w="19050">
             <a:solidFill>
               <a:schemeClr val="bg1">
@@ -6768,11 +6933,9 @@
           <a:p>
             <a:pPr algn="ctr"/>
             <a:r>
-              <a:rPr lang="en-US" sz="2000" b="1" dirty="0" smtClean="0">
-                <a:solidFill>
-                  <a:schemeClr val="bg1">
-                    <a:lumMod val="65000"/>
-                  </a:schemeClr>
+              <a:rPr lang="en-US" sz="2000" dirty="0" smtClean="0">
+                <a:solidFill>
+                  <a:srgbClr val="73626E"/>
                 </a:solidFill>
                 <a:latin typeface="Tahoma" charset="0"/>
                 <a:ea typeface="Tahoma" charset="0"/>
@@ -6780,16 +6943,987 @@
               </a:rPr>
               <a:t>Components</a:t>
             </a:r>
-            <a:endParaRPr lang="en-US" sz="2000" b="1" dirty="0" smtClean="0">
+            <a:endParaRPr lang="en-US" sz="2000" dirty="0" smtClean="0">
               <a:solidFill>
-                <a:schemeClr val="bg1">
-                  <a:lumMod val="65000"/>
-                </a:schemeClr>
+                <a:srgbClr val="73626E"/>
               </a:solidFill>
               <a:latin typeface="Tahoma" charset="0"/>
               <a:ea typeface="Tahoma" charset="0"/>
               <a:cs typeface="Tahoma" charset="0"/>
             </a:endParaRPr>
+          </a:p>
+        </p:txBody>
+      </p:sp>
+      <p:sp>
+        <p:nvSpPr>
+          <p:cNvPr id="78" name="TextBox 77"/>
+          <p:cNvSpPr txBox="1"/>
+          <p:nvPr/>
+        </p:nvSpPr>
+        <p:spPr>
+          <a:xfrm rot="16200000">
+            <a:off x="-1641783" y="8587641"/>
+            <a:ext cx="4248472" cy="467820"/>
+          </a:xfrm>
+          <a:prstGeom prst="rect">
+            <a:avLst/>
+          </a:prstGeom>
+          <a:solidFill>
+            <a:schemeClr val="bg1">
+              <a:lumMod val="50000"/>
+            </a:schemeClr>
+          </a:solidFill>
+          <a:ln w="19050">
+            <a:solidFill>
+              <a:schemeClr val="bg1">
+                <a:lumMod val="50000"/>
+              </a:schemeClr>
+            </a:solidFill>
+          </a:ln>
+        </p:spPr>
+        <p:txBody>
+          <a:bodyPr wrap="square" lIns="0" tIns="18288" rIns="0" bIns="18288" rtlCol="0">
+            <a:spAutoFit/>
+          </a:bodyPr>
+          <a:lstStyle/>
+          <a:p>
+            <a:pPr algn="ctr"/>
+            <a:r>
+              <a:rPr lang="en-US" sz="2800" dirty="0" smtClean="0">
+                <a:solidFill>
+                  <a:srgbClr val="73626E"/>
+                </a:solidFill>
+                <a:latin typeface="Tahoma" charset="0"/>
+                <a:ea typeface="Tahoma" charset="0"/>
+                <a:cs typeface="Tahoma" charset="0"/>
+              </a:rPr>
+              <a:t>Workflows</a:t>
+            </a:r>
+            <a:endParaRPr lang="en-US" sz="2800" dirty="0" smtClean="0">
+              <a:solidFill>
+                <a:srgbClr val="73626E"/>
+              </a:solidFill>
+              <a:latin typeface="Tahoma" charset="0"/>
+              <a:ea typeface="Tahoma" charset="0"/>
+              <a:cs typeface="Tahoma" charset="0"/>
+            </a:endParaRPr>
+          </a:p>
+        </p:txBody>
+      </p:sp>
+      <p:sp>
+        <p:nvSpPr>
+          <p:cNvPr id="79" name="TextBox 78"/>
+          <p:cNvSpPr txBox="1"/>
+          <p:nvPr/>
+        </p:nvSpPr>
+        <p:spPr>
+          <a:xfrm rot="16200000">
+            <a:off x="-2037827" y="13448181"/>
+            <a:ext cx="5040560" cy="467820"/>
+          </a:xfrm>
+          <a:prstGeom prst="rect">
+            <a:avLst/>
+          </a:prstGeom>
+          <a:solidFill>
+            <a:schemeClr val="bg1">
+              <a:lumMod val="50000"/>
+            </a:schemeClr>
+          </a:solidFill>
+          <a:ln w="19050">
+            <a:solidFill>
+              <a:schemeClr val="bg1">
+                <a:lumMod val="50000"/>
+              </a:schemeClr>
+            </a:solidFill>
+          </a:ln>
+        </p:spPr>
+        <p:txBody>
+          <a:bodyPr wrap="square" lIns="0" tIns="18288" rIns="0" bIns="18288" rtlCol="0">
+            <a:spAutoFit/>
+          </a:bodyPr>
+          <a:lstStyle/>
+          <a:p>
+            <a:pPr algn="ctr"/>
+            <a:r>
+              <a:rPr lang="en-US" sz="2800" dirty="0" smtClean="0">
+                <a:solidFill>
+                  <a:srgbClr val="73626E"/>
+                </a:solidFill>
+                <a:latin typeface="Tahoma" charset="0"/>
+                <a:ea typeface="Tahoma" charset="0"/>
+                <a:cs typeface="Tahoma" charset="0"/>
+              </a:rPr>
+              <a:t>User Roles</a:t>
+            </a:r>
+            <a:endParaRPr lang="en-US" sz="2800" dirty="0" smtClean="0">
+              <a:solidFill>
+                <a:srgbClr val="73626E"/>
+              </a:solidFill>
+              <a:latin typeface="Tahoma" charset="0"/>
+              <a:ea typeface="Tahoma" charset="0"/>
+              <a:cs typeface="Tahoma" charset="0"/>
+            </a:endParaRPr>
+          </a:p>
+        </p:txBody>
+      </p:sp>
+      <p:pic>
+        <p:nvPicPr>
+          <p:cNvPr id="81" name="Picture 80"/>
+          <p:cNvPicPr>
+            <a:picLocks noChangeAspect="1"/>
+          </p:cNvPicPr>
+          <p:nvPr/>
+        </p:nvPicPr>
+        <p:blipFill rotWithShape="1">
+          <a:blip r:embed="rId4">
+            <a:extLst>
+              <a:ext uri="{28A0092B-C50C-407E-A947-70E740481C1C}">
+                <a14:useLocalDpi xmlns:a14="http://schemas.microsoft.com/office/drawing/2010/main" val="0"/>
+              </a:ext>
+            </a:extLst>
+          </a:blip>
+          <a:srcRect l="16786" t="35522"/>
+          <a:stretch/>
+        </p:blipFill>
+        <p:spPr>
+          <a:xfrm>
+            <a:off x="896615" y="13250043"/>
+            <a:ext cx="4824536" cy="2803705"/>
+          </a:xfrm>
+          <a:prstGeom prst="rect">
+            <a:avLst/>
+          </a:prstGeom>
+        </p:spPr>
+      </p:pic>
+      <p:sp>
+        <p:nvSpPr>
+          <p:cNvPr id="20" name="Arc 19"/>
+          <p:cNvSpPr/>
+          <p:nvPr/>
+        </p:nvSpPr>
+        <p:spPr>
+          <a:xfrm rot="10800000" flipV="1">
+            <a:off x="1328663" y="12601971"/>
+            <a:ext cx="288032" cy="2814617"/>
+          </a:xfrm>
+          <a:prstGeom prst="arc">
+            <a:avLst>
+              <a:gd name="adj1" fmla="val 16200000"/>
+              <a:gd name="adj2" fmla="val 21319761"/>
+            </a:avLst>
+          </a:prstGeom>
+          <a:ln w="53975">
+            <a:solidFill>
+              <a:schemeClr val="bg1">
+                <a:lumMod val="85000"/>
+              </a:schemeClr>
+            </a:solidFill>
+            <a:tailEnd type="arrow" w="med" len="med"/>
+          </a:ln>
+        </p:spPr>
+        <p:style>
+          <a:lnRef idx="1">
+            <a:schemeClr val="accent1"/>
+          </a:lnRef>
+          <a:fillRef idx="0">
+            <a:schemeClr val="accent1"/>
+          </a:fillRef>
+          <a:effectRef idx="0">
+            <a:schemeClr val="accent1"/>
+          </a:effectRef>
+          <a:fontRef idx="minor">
+            <a:schemeClr val="tx1"/>
+          </a:fontRef>
+        </p:style>
+        <p:txBody>
+          <a:bodyPr rtlCol="0" anchor="ctr"/>
+          <a:lstStyle/>
+          <a:p>
+            <a:pPr algn="ctr"/>
+            <a:endParaRPr lang="en-US"/>
+          </a:p>
+        </p:txBody>
+      </p:sp>
+      <p:sp>
+        <p:nvSpPr>
+          <p:cNvPr id="85" name="Arc 84"/>
+          <p:cNvSpPr/>
+          <p:nvPr/>
+        </p:nvSpPr>
+        <p:spPr>
+          <a:xfrm rot="10800000" flipH="1" flipV="1">
+            <a:off x="1184647" y="12601971"/>
+            <a:ext cx="432048" cy="2304257"/>
+          </a:xfrm>
+          <a:prstGeom prst="arc">
+            <a:avLst>
+              <a:gd name="adj1" fmla="val 16200000"/>
+              <a:gd name="adj2" fmla="val 21319761"/>
+            </a:avLst>
+          </a:prstGeom>
+          <a:ln w="53975">
+            <a:solidFill>
+              <a:schemeClr val="bg1">
+                <a:lumMod val="85000"/>
+              </a:schemeClr>
+            </a:solidFill>
+            <a:tailEnd type="arrow" w="med" len="med"/>
+          </a:ln>
+        </p:spPr>
+        <p:style>
+          <a:lnRef idx="1">
+            <a:schemeClr val="accent1"/>
+          </a:lnRef>
+          <a:fillRef idx="0">
+            <a:schemeClr val="accent1"/>
+          </a:fillRef>
+          <a:effectRef idx="0">
+            <a:schemeClr val="accent1"/>
+          </a:effectRef>
+          <a:fontRef idx="minor">
+            <a:schemeClr val="tx1"/>
+          </a:fontRef>
+        </p:style>
+        <p:txBody>
+          <a:bodyPr rtlCol="0" anchor="ctr"/>
+          <a:lstStyle/>
+          <a:p>
+            <a:pPr algn="ctr"/>
+            <a:endParaRPr lang="en-US"/>
+          </a:p>
+        </p:txBody>
+      </p:sp>
+      <p:sp>
+        <p:nvSpPr>
+          <p:cNvPr id="86" name="Arc 85"/>
+          <p:cNvSpPr/>
+          <p:nvPr/>
+        </p:nvSpPr>
+        <p:spPr>
+          <a:xfrm rot="10800000" flipV="1">
+            <a:off x="4064967" y="12529963"/>
+            <a:ext cx="6408712" cy="2520280"/>
+          </a:xfrm>
+          <a:prstGeom prst="arc">
+            <a:avLst>
+              <a:gd name="adj1" fmla="val 16200000"/>
+              <a:gd name="adj2" fmla="val 21319761"/>
+            </a:avLst>
+          </a:prstGeom>
+          <a:ln w="53975">
+            <a:solidFill>
+              <a:schemeClr val="bg1">
+                <a:lumMod val="85000"/>
+              </a:schemeClr>
+            </a:solidFill>
+            <a:tailEnd type="arrow" w="med" len="med"/>
+          </a:ln>
+        </p:spPr>
+        <p:style>
+          <a:lnRef idx="1">
+            <a:schemeClr val="accent1"/>
+          </a:lnRef>
+          <a:fillRef idx="0">
+            <a:schemeClr val="accent1"/>
+          </a:fillRef>
+          <a:effectRef idx="0">
+            <a:schemeClr val="accent1"/>
+          </a:effectRef>
+          <a:fontRef idx="minor">
+            <a:schemeClr val="tx1"/>
+          </a:fontRef>
+        </p:style>
+        <p:txBody>
+          <a:bodyPr rtlCol="0" anchor="ctr"/>
+          <a:lstStyle/>
+          <a:p>
+            <a:pPr algn="ctr"/>
+            <a:endParaRPr lang="en-US"/>
+          </a:p>
+        </p:txBody>
+      </p:sp>
+      <p:sp>
+        <p:nvSpPr>
+          <p:cNvPr id="87" name="Arc 86"/>
+          <p:cNvSpPr/>
+          <p:nvPr/>
+        </p:nvSpPr>
+        <p:spPr>
+          <a:xfrm rot="10800000" flipV="1">
+            <a:off x="4280991" y="13034019"/>
+            <a:ext cx="5688632" cy="1944216"/>
+          </a:xfrm>
+          <a:prstGeom prst="arc">
+            <a:avLst>
+              <a:gd name="adj1" fmla="val 16200000"/>
+              <a:gd name="adj2" fmla="val 21319761"/>
+            </a:avLst>
+          </a:prstGeom>
+          <a:ln w="53975">
+            <a:solidFill>
+              <a:schemeClr val="bg1">
+                <a:lumMod val="85000"/>
+              </a:schemeClr>
+            </a:solidFill>
+            <a:tailEnd type="arrow" w="med" len="med"/>
+          </a:ln>
+        </p:spPr>
+        <p:style>
+          <a:lnRef idx="1">
+            <a:schemeClr val="accent1"/>
+          </a:lnRef>
+          <a:fillRef idx="0">
+            <a:schemeClr val="accent1"/>
+          </a:fillRef>
+          <a:effectRef idx="0">
+            <a:schemeClr val="accent1"/>
+          </a:effectRef>
+          <a:fontRef idx="minor">
+            <a:schemeClr val="tx1"/>
+          </a:fontRef>
+        </p:style>
+        <p:txBody>
+          <a:bodyPr rtlCol="0" anchor="ctr"/>
+          <a:lstStyle/>
+          <a:p>
+            <a:pPr algn="ctr"/>
+            <a:endParaRPr lang="en-US"/>
+          </a:p>
+        </p:txBody>
+      </p:sp>
+      <p:sp>
+        <p:nvSpPr>
+          <p:cNvPr id="88" name="Arc 87"/>
+          <p:cNvSpPr/>
+          <p:nvPr/>
+        </p:nvSpPr>
+        <p:spPr>
+          <a:xfrm rot="10800000" flipV="1">
+            <a:off x="5433119" y="14114139"/>
+            <a:ext cx="1440160" cy="1152128"/>
+          </a:xfrm>
+          <a:prstGeom prst="arc">
+            <a:avLst>
+              <a:gd name="adj1" fmla="val 16200000"/>
+              <a:gd name="adj2" fmla="val 21319761"/>
+            </a:avLst>
+          </a:prstGeom>
+          <a:ln w="53975">
+            <a:solidFill>
+              <a:schemeClr val="bg1">
+                <a:lumMod val="85000"/>
+              </a:schemeClr>
+            </a:solidFill>
+            <a:tailEnd type="arrow" w="med" len="med"/>
+          </a:ln>
+        </p:spPr>
+        <p:style>
+          <a:lnRef idx="1">
+            <a:schemeClr val="accent1"/>
+          </a:lnRef>
+          <a:fillRef idx="0">
+            <a:schemeClr val="accent1"/>
+          </a:fillRef>
+          <a:effectRef idx="0">
+            <a:schemeClr val="accent1"/>
+          </a:effectRef>
+          <a:fontRef idx="minor">
+            <a:schemeClr val="tx1"/>
+          </a:fontRef>
+        </p:style>
+        <p:txBody>
+          <a:bodyPr rtlCol="0" anchor="ctr"/>
+          <a:lstStyle/>
+          <a:p>
+            <a:pPr algn="ctr"/>
+            <a:endParaRPr lang="en-US"/>
+          </a:p>
+        </p:txBody>
+      </p:sp>
+      <p:sp>
+        <p:nvSpPr>
+          <p:cNvPr id="89" name="Arc 88"/>
+          <p:cNvSpPr/>
+          <p:nvPr/>
+        </p:nvSpPr>
+        <p:spPr>
+          <a:xfrm rot="10800000" flipV="1">
+            <a:off x="4569023" y="12962011"/>
+            <a:ext cx="5472608" cy="2520280"/>
+          </a:xfrm>
+          <a:prstGeom prst="arc">
+            <a:avLst>
+              <a:gd name="adj1" fmla="val 16200000"/>
+              <a:gd name="adj2" fmla="val 21319761"/>
+            </a:avLst>
+          </a:prstGeom>
+          <a:ln w="53975">
+            <a:solidFill>
+              <a:schemeClr val="bg1">
+                <a:lumMod val="85000"/>
+              </a:schemeClr>
+            </a:solidFill>
+            <a:tailEnd type="arrow" w="med" len="med"/>
+          </a:ln>
+        </p:spPr>
+        <p:style>
+          <a:lnRef idx="1">
+            <a:schemeClr val="accent1"/>
+          </a:lnRef>
+          <a:fillRef idx="0">
+            <a:schemeClr val="accent1"/>
+          </a:fillRef>
+          <a:effectRef idx="0">
+            <a:schemeClr val="accent1"/>
+          </a:effectRef>
+          <a:fontRef idx="minor">
+            <a:schemeClr val="tx1"/>
+          </a:fontRef>
+        </p:style>
+        <p:txBody>
+          <a:bodyPr rtlCol="0" anchor="ctr"/>
+          <a:lstStyle/>
+          <a:p>
+            <a:pPr algn="ctr"/>
+            <a:endParaRPr lang="en-US"/>
+          </a:p>
+        </p:txBody>
+      </p:sp>
+      <p:sp>
+        <p:nvSpPr>
+          <p:cNvPr id="14" name="TextBox 13"/>
+          <p:cNvSpPr txBox="1"/>
+          <p:nvPr/>
+        </p:nvSpPr>
+        <p:spPr>
+          <a:xfrm>
+            <a:off x="6081191" y="11953899"/>
+            <a:ext cx="3528392" cy="677108"/>
+          </a:xfrm>
+          <a:prstGeom prst="rect">
+            <a:avLst/>
+          </a:prstGeom>
+          <a:solidFill>
+            <a:schemeClr val="bg1">
+              <a:lumMod val="85000"/>
+            </a:schemeClr>
+          </a:solidFill>
+          <a:ln>
+            <a:noFill/>
+          </a:ln>
+        </p:spPr>
+        <p:txBody>
+          <a:bodyPr wrap="square" rtlCol="0">
+            <a:spAutoFit/>
+          </a:bodyPr>
+          <a:lstStyle/>
+          <a:p>
+            <a:r>
+              <a:rPr lang="en-US" sz="2000" b="1" dirty="0" smtClean="0">
+                <a:solidFill>
+                  <a:srgbClr val="73626E"/>
+                </a:solidFill>
+                <a:latin typeface="Tahoma" charset="0"/>
+                <a:ea typeface="Tahoma" charset="0"/>
+                <a:cs typeface="Tahoma" charset="0"/>
+              </a:rPr>
+              <a:t>Depositors</a:t>
+            </a:r>
+          </a:p>
+          <a:p>
+            <a:pPr marL="342900" indent="-342900">
+              <a:buFont typeface="Arial" charset="0"/>
+              <a:buChar char="•"/>
+            </a:pPr>
+            <a:r>
+              <a:rPr lang="en-US" sz="1800" dirty="0" smtClean="0">
+                <a:solidFill>
+                  <a:srgbClr val="73626E"/>
+                </a:solidFill>
+                <a:latin typeface="Tahoma" charset="0"/>
+                <a:ea typeface="Tahoma" charset="0"/>
+                <a:cs typeface="Tahoma" charset="0"/>
+              </a:rPr>
+              <a:t>Contribute files and metadata</a:t>
+            </a:r>
+            <a:endParaRPr lang="en-US" sz="1800" dirty="0">
+              <a:solidFill>
+                <a:srgbClr val="73626E"/>
+              </a:solidFill>
+              <a:latin typeface="Tahoma" charset="0"/>
+              <a:ea typeface="Tahoma" charset="0"/>
+              <a:cs typeface="Tahoma" charset="0"/>
+            </a:endParaRPr>
+          </a:p>
+        </p:txBody>
+      </p:sp>
+      <p:sp>
+        <p:nvSpPr>
+          <p:cNvPr id="82" name="TextBox 81"/>
+          <p:cNvSpPr txBox="1"/>
+          <p:nvPr/>
+        </p:nvSpPr>
+        <p:spPr>
+          <a:xfrm>
+            <a:off x="6081191" y="12817995"/>
+            <a:ext cx="3528392" cy="954107"/>
+          </a:xfrm>
+          <a:prstGeom prst="rect">
+            <a:avLst/>
+          </a:prstGeom>
+          <a:solidFill>
+            <a:schemeClr val="bg1">
+              <a:lumMod val="85000"/>
+            </a:schemeClr>
+          </a:solidFill>
+          <a:ln>
+            <a:noFill/>
+          </a:ln>
+        </p:spPr>
+        <p:txBody>
+          <a:bodyPr wrap="square" rtlCol="0">
+            <a:spAutoFit/>
+          </a:bodyPr>
+          <a:lstStyle/>
+          <a:p>
+            <a:r>
+              <a:rPr lang="en-US" sz="2000" b="1" dirty="0" smtClean="0">
+                <a:solidFill>
+                  <a:srgbClr val="73626E"/>
+                </a:solidFill>
+                <a:latin typeface="Tahoma" charset="0"/>
+                <a:ea typeface="Tahoma" charset="0"/>
+                <a:cs typeface="Tahoma" charset="0"/>
+              </a:rPr>
+              <a:t>Creators</a:t>
+            </a:r>
+          </a:p>
+          <a:p>
+            <a:pPr marL="342900" indent="-342900">
+              <a:buFont typeface="Arial" charset="0"/>
+              <a:buChar char="•"/>
+            </a:pPr>
+            <a:r>
+              <a:rPr lang="en-US" sz="1800" dirty="0" smtClean="0">
+                <a:solidFill>
+                  <a:srgbClr val="73626E"/>
+                </a:solidFill>
+                <a:latin typeface="Tahoma" charset="0"/>
+                <a:ea typeface="Tahoma" charset="0"/>
+                <a:cs typeface="Tahoma" charset="0"/>
+              </a:rPr>
+              <a:t>Contribute files and metadata</a:t>
+            </a:r>
+          </a:p>
+          <a:p>
+            <a:pPr marL="342900" indent="-342900">
+              <a:buFont typeface="Arial" charset="0"/>
+              <a:buChar char="•"/>
+            </a:pPr>
+            <a:r>
+              <a:rPr lang="en-US" sz="1800" dirty="0" smtClean="0">
+                <a:solidFill>
+                  <a:srgbClr val="73626E"/>
+                </a:solidFill>
+                <a:latin typeface="Tahoma" charset="0"/>
+                <a:ea typeface="Tahoma" charset="0"/>
+                <a:cs typeface="Tahoma" charset="0"/>
+              </a:rPr>
+              <a:t>Claim and execute tasks</a:t>
+            </a:r>
+            <a:endParaRPr lang="en-US" sz="1800" dirty="0">
+              <a:solidFill>
+                <a:srgbClr val="73626E"/>
+              </a:solidFill>
+              <a:latin typeface="Tahoma" charset="0"/>
+              <a:ea typeface="Tahoma" charset="0"/>
+              <a:cs typeface="Tahoma" charset="0"/>
+            </a:endParaRPr>
+          </a:p>
+        </p:txBody>
+      </p:sp>
+      <p:sp>
+        <p:nvSpPr>
+          <p:cNvPr id="83" name="TextBox 82"/>
+          <p:cNvSpPr txBox="1"/>
+          <p:nvPr/>
+        </p:nvSpPr>
+        <p:spPr>
+          <a:xfrm>
+            <a:off x="1112639" y="11449843"/>
+            <a:ext cx="3816424" cy="1231106"/>
+          </a:xfrm>
+          <a:prstGeom prst="rect">
+            <a:avLst/>
+          </a:prstGeom>
+          <a:solidFill>
+            <a:schemeClr val="bg1">
+              <a:lumMod val="85000"/>
+            </a:schemeClr>
+          </a:solidFill>
+          <a:ln>
+            <a:noFill/>
+          </a:ln>
+        </p:spPr>
+        <p:txBody>
+          <a:bodyPr wrap="square" rtlCol="0">
+            <a:spAutoFit/>
+          </a:bodyPr>
+          <a:lstStyle/>
+          <a:p>
+            <a:r>
+              <a:rPr lang="en-US" sz="2000" b="1" dirty="0" smtClean="0">
+                <a:solidFill>
+                  <a:srgbClr val="73626E"/>
+                </a:solidFill>
+                <a:latin typeface="Tahoma" charset="0"/>
+                <a:ea typeface="Tahoma" charset="0"/>
+                <a:cs typeface="Tahoma" charset="0"/>
+              </a:rPr>
+              <a:t>Editors</a:t>
+            </a:r>
+          </a:p>
+          <a:p>
+            <a:pPr marL="342900" indent="-342900">
+              <a:buFont typeface="Arial" charset="0"/>
+              <a:buChar char="•"/>
+            </a:pPr>
+            <a:r>
+              <a:rPr lang="en-US" sz="1800" dirty="0" smtClean="0">
+                <a:solidFill>
+                  <a:srgbClr val="73626E"/>
+                </a:solidFill>
+                <a:latin typeface="Tahoma" charset="0"/>
+                <a:ea typeface="Tahoma" charset="0"/>
+                <a:cs typeface="Tahoma" charset="0"/>
+              </a:rPr>
+              <a:t>Contribute files and metadata</a:t>
+            </a:r>
+          </a:p>
+          <a:p>
+            <a:pPr marL="342900" indent="-342900">
+              <a:buFont typeface="Arial" charset="0"/>
+              <a:buChar char="•"/>
+            </a:pPr>
+            <a:r>
+              <a:rPr lang="en-US" sz="1800" dirty="0" smtClean="0">
+                <a:solidFill>
+                  <a:srgbClr val="73626E"/>
+                </a:solidFill>
+                <a:latin typeface="Tahoma" charset="0"/>
+                <a:ea typeface="Tahoma" charset="0"/>
+                <a:cs typeface="Tahoma" charset="0"/>
+              </a:rPr>
+              <a:t>Claim and execute tasks</a:t>
+            </a:r>
+          </a:p>
+          <a:p>
+            <a:pPr marL="342900" indent="-342900">
+              <a:buFont typeface="Arial" charset="0"/>
+              <a:buChar char="•"/>
+            </a:pPr>
+            <a:r>
+              <a:rPr lang="en-US" sz="1800" dirty="0" smtClean="0">
+                <a:solidFill>
+                  <a:srgbClr val="73626E"/>
+                </a:solidFill>
+                <a:latin typeface="Tahoma" charset="0"/>
+                <a:ea typeface="Tahoma" charset="0"/>
+                <a:cs typeface="Tahoma" charset="0"/>
+              </a:rPr>
+              <a:t>Accept and reject deposits</a:t>
+            </a:r>
+            <a:endParaRPr lang="en-US" sz="1800" dirty="0">
+              <a:solidFill>
+                <a:srgbClr val="73626E"/>
+              </a:solidFill>
+              <a:latin typeface="Tahoma" charset="0"/>
+              <a:ea typeface="Tahoma" charset="0"/>
+              <a:cs typeface="Tahoma" charset="0"/>
+            </a:endParaRPr>
+          </a:p>
+        </p:txBody>
+      </p:sp>
+      <p:sp>
+        <p:nvSpPr>
+          <p:cNvPr id="84" name="TextBox 83"/>
+          <p:cNvSpPr txBox="1"/>
+          <p:nvPr/>
+        </p:nvSpPr>
+        <p:spPr>
+          <a:xfrm>
+            <a:off x="6081191" y="13970123"/>
+            <a:ext cx="3528392" cy="2062103"/>
+          </a:xfrm>
+          <a:prstGeom prst="rect">
+            <a:avLst/>
+          </a:prstGeom>
+          <a:solidFill>
+            <a:schemeClr val="bg1">
+              <a:lumMod val="85000"/>
+            </a:schemeClr>
+          </a:solidFill>
+          <a:ln>
+            <a:noFill/>
+          </a:ln>
+        </p:spPr>
+        <p:txBody>
+          <a:bodyPr wrap="square" rtlCol="0">
+            <a:spAutoFit/>
+          </a:bodyPr>
+          <a:lstStyle/>
+          <a:p>
+            <a:r>
+              <a:rPr lang="en-US" sz="2000" b="1" dirty="0" smtClean="0">
+                <a:solidFill>
+                  <a:srgbClr val="73626E"/>
+                </a:solidFill>
+                <a:latin typeface="Tahoma" charset="0"/>
+                <a:ea typeface="Tahoma" charset="0"/>
+                <a:cs typeface="Tahoma" charset="0"/>
+              </a:rPr>
+              <a:t>Administrator(s)</a:t>
+            </a:r>
+          </a:p>
+          <a:p>
+            <a:pPr marL="342900" indent="-342900">
+              <a:buFont typeface="Arial" charset="0"/>
+              <a:buChar char="•"/>
+            </a:pPr>
+            <a:r>
+              <a:rPr lang="en-US" sz="1800" dirty="0" smtClean="0">
+                <a:solidFill>
+                  <a:srgbClr val="73626E"/>
+                </a:solidFill>
+                <a:latin typeface="Tahoma" charset="0"/>
+                <a:ea typeface="Tahoma" charset="0"/>
+                <a:cs typeface="Tahoma" charset="0"/>
+              </a:rPr>
+              <a:t>Contribute files and metadata</a:t>
+            </a:r>
+          </a:p>
+          <a:p>
+            <a:pPr marL="342900" indent="-342900">
+              <a:buFont typeface="Arial" charset="0"/>
+              <a:buChar char="•"/>
+            </a:pPr>
+            <a:r>
+              <a:rPr lang="en-US" sz="1800" dirty="0" smtClean="0">
+                <a:solidFill>
+                  <a:srgbClr val="73626E"/>
+                </a:solidFill>
+                <a:latin typeface="Tahoma" charset="0"/>
+                <a:ea typeface="Tahoma" charset="0"/>
+                <a:cs typeface="Tahoma" charset="0"/>
+              </a:rPr>
+              <a:t>Claim and execute tasks</a:t>
+            </a:r>
+          </a:p>
+          <a:p>
+            <a:pPr marL="342900" indent="-342900">
+              <a:buFont typeface="Arial" charset="0"/>
+              <a:buChar char="•"/>
+            </a:pPr>
+            <a:r>
+              <a:rPr lang="en-US" sz="1800" dirty="0" smtClean="0">
+                <a:solidFill>
+                  <a:srgbClr val="73626E"/>
+                </a:solidFill>
+                <a:latin typeface="Tahoma" charset="0"/>
+                <a:ea typeface="Tahoma" charset="0"/>
+                <a:cs typeface="Tahoma" charset="0"/>
+              </a:rPr>
+              <a:t>Accept and reject deposits</a:t>
+            </a:r>
+          </a:p>
+          <a:p>
+            <a:pPr marL="342900" indent="-342900">
+              <a:buFont typeface="Arial" charset="0"/>
+              <a:buChar char="•"/>
+            </a:pPr>
+            <a:r>
+              <a:rPr lang="en-US" sz="1800" dirty="0" smtClean="0">
+                <a:solidFill>
+                  <a:srgbClr val="73626E"/>
+                </a:solidFill>
+                <a:latin typeface="Tahoma" charset="0"/>
+                <a:ea typeface="Tahoma" charset="0"/>
+                <a:cs typeface="Tahoma" charset="0"/>
+              </a:rPr>
+              <a:t>Configure users, models, and workflows</a:t>
+            </a:r>
+          </a:p>
+          <a:p>
+            <a:pPr marL="342900" indent="-342900">
+              <a:buFont typeface="Arial" charset="0"/>
+              <a:buChar char="•"/>
+            </a:pPr>
+            <a:r>
+              <a:rPr lang="en-US" sz="1800" dirty="0" smtClean="0">
+                <a:solidFill>
+                  <a:srgbClr val="73626E"/>
+                </a:solidFill>
+                <a:latin typeface="Tahoma" charset="0"/>
+                <a:ea typeface="Tahoma" charset="0"/>
+                <a:cs typeface="Tahoma" charset="0"/>
+              </a:rPr>
+              <a:t>Bulk review and processing</a:t>
+            </a:r>
+            <a:endParaRPr lang="en-US" sz="1800" dirty="0">
+              <a:solidFill>
+                <a:srgbClr val="73626E"/>
+              </a:solidFill>
+              <a:latin typeface="Tahoma" charset="0"/>
+              <a:ea typeface="Tahoma" charset="0"/>
+              <a:cs typeface="Tahoma" charset="0"/>
+            </a:endParaRPr>
+          </a:p>
+        </p:txBody>
+      </p:sp>
+      <p:sp>
+        <p:nvSpPr>
+          <p:cNvPr id="90" name="Arc 89"/>
+          <p:cNvSpPr/>
+          <p:nvPr/>
+        </p:nvSpPr>
+        <p:spPr>
+          <a:xfrm rot="9817432" flipH="1" flipV="1">
+            <a:off x="1345714" y="12590653"/>
+            <a:ext cx="637672" cy="2087776"/>
+          </a:xfrm>
+          <a:prstGeom prst="arc">
+            <a:avLst>
+              <a:gd name="adj1" fmla="val 16200000"/>
+              <a:gd name="adj2" fmla="val 21319761"/>
+            </a:avLst>
+          </a:prstGeom>
+          <a:ln w="53975">
+            <a:solidFill>
+              <a:schemeClr val="bg1">
+                <a:lumMod val="85000"/>
+              </a:schemeClr>
+            </a:solidFill>
+            <a:tailEnd type="arrow" w="med" len="med"/>
+          </a:ln>
+        </p:spPr>
+        <p:style>
+          <a:lnRef idx="1">
+            <a:schemeClr val="accent1"/>
+          </a:lnRef>
+          <a:fillRef idx="0">
+            <a:schemeClr val="accent1"/>
+          </a:fillRef>
+          <a:effectRef idx="0">
+            <a:schemeClr val="accent1"/>
+          </a:effectRef>
+          <a:fontRef idx="minor">
+            <a:schemeClr val="tx1"/>
+          </a:fontRef>
+        </p:style>
+        <p:txBody>
+          <a:bodyPr rtlCol="0" anchor="ctr"/>
+          <a:lstStyle/>
+          <a:p>
+            <a:pPr algn="ctr"/>
+            <a:endParaRPr lang="en-US"/>
+          </a:p>
+        </p:txBody>
+      </p:sp>
+      <p:sp>
+        <p:nvSpPr>
+          <p:cNvPr id="92" name="Arc 91"/>
+          <p:cNvSpPr/>
+          <p:nvPr/>
+        </p:nvSpPr>
+        <p:spPr>
+          <a:xfrm rot="10800000" flipH="1" flipV="1">
+            <a:off x="176535" y="12601971"/>
+            <a:ext cx="2016224" cy="1584177"/>
+          </a:xfrm>
+          <a:prstGeom prst="arc">
+            <a:avLst>
+              <a:gd name="adj1" fmla="val 16200000"/>
+              <a:gd name="adj2" fmla="val 21319761"/>
+            </a:avLst>
+          </a:prstGeom>
+          <a:ln w="53975">
+            <a:solidFill>
+              <a:schemeClr val="bg1">
+                <a:lumMod val="85000"/>
+              </a:schemeClr>
+            </a:solidFill>
+            <a:tailEnd type="arrow" w="med" len="med"/>
+          </a:ln>
+        </p:spPr>
+        <p:style>
+          <a:lnRef idx="1">
+            <a:schemeClr val="accent1"/>
+          </a:lnRef>
+          <a:fillRef idx="0">
+            <a:schemeClr val="accent1"/>
+          </a:fillRef>
+          <a:effectRef idx="0">
+            <a:schemeClr val="accent1"/>
+          </a:effectRef>
+          <a:fontRef idx="minor">
+            <a:schemeClr val="tx1"/>
+          </a:fontRef>
+        </p:style>
+        <p:txBody>
+          <a:bodyPr rtlCol="0" anchor="ctr"/>
+          <a:lstStyle/>
+          <a:p>
+            <a:pPr algn="ctr"/>
+            <a:endParaRPr lang="en-US"/>
+          </a:p>
+        </p:txBody>
+      </p:sp>
+      <p:sp>
+        <p:nvSpPr>
+          <p:cNvPr id="93" name="Arc 92"/>
+          <p:cNvSpPr/>
+          <p:nvPr/>
+        </p:nvSpPr>
+        <p:spPr>
+          <a:xfrm rot="10800000" flipV="1">
+            <a:off x="3776935" y="12529963"/>
+            <a:ext cx="5544616" cy="2448272"/>
+          </a:xfrm>
+          <a:prstGeom prst="arc">
+            <a:avLst>
+              <a:gd name="adj1" fmla="val 16200000"/>
+              <a:gd name="adj2" fmla="val 21319761"/>
+            </a:avLst>
+          </a:prstGeom>
+          <a:ln w="53975">
+            <a:solidFill>
+              <a:schemeClr val="bg1">
+                <a:lumMod val="85000"/>
+              </a:schemeClr>
+            </a:solidFill>
+            <a:tailEnd type="arrow" w="med" len="med"/>
+          </a:ln>
+        </p:spPr>
+        <p:style>
+          <a:lnRef idx="1">
+            <a:schemeClr val="accent1"/>
+          </a:lnRef>
+          <a:fillRef idx="0">
+            <a:schemeClr val="accent1"/>
+          </a:fillRef>
+          <a:effectRef idx="0">
+            <a:schemeClr val="accent1"/>
+          </a:effectRef>
+          <a:fontRef idx="minor">
+            <a:schemeClr val="tx1"/>
+          </a:fontRef>
+        </p:style>
+        <p:txBody>
+          <a:bodyPr rtlCol="0" anchor="ctr"/>
+          <a:lstStyle/>
+          <a:p>
+            <a:pPr algn="ctr"/>
+            <a:endParaRPr lang="en-US"/>
           </a:p>
         </p:txBody>
       </p:sp>

--- a/Open Repositories 2017/Charon Poster/OR2017_Charon_Poster_Working.pptx
+++ b/Open Repositories 2017/Charon Poster/OR2017_Charon_Poster_Working.pptx
@@ -118,7 +118,12 @@
   <p:extLst>
     <p:ext uri="{EFAFB233-063F-42B5-8137-9DF3F51BA10A}">
       <p15:sldGuideLst xmlns:p15="http://schemas.microsoft.com/office/powerpoint/2012/main">
-        <p15:guide id="1" orient="horz" pos="4083" userDrawn="1">
+        <p15:guide id="1" orient="horz" pos="5670" userDrawn="1">
+          <p15:clr>
+            <a:srgbClr val="A4A3A4"/>
+          </p15:clr>
+        </p15:guide>
+        <p15:guide id="2" pos="5690" userDrawn="1">
           <p15:clr>
             <a:srgbClr val="A4A3A4"/>
           </p15:clr>
@@ -4103,8 +4108,8 @@
         </p:nvSpPr>
         <p:spPr>
           <a:xfrm>
-            <a:off x="4929063" y="3240931"/>
-            <a:ext cx="5112568" cy="3240360"/>
+            <a:off x="248543" y="3240931"/>
+            <a:ext cx="5184576" cy="3240360"/>
           </a:xfrm>
           <a:prstGeom prst="rect">
             <a:avLst/>
@@ -4634,8 +4639,8 @@
         </p:nvSpPr>
         <p:spPr>
           <a:xfrm>
-            <a:off x="248543" y="16346387"/>
-            <a:ext cx="7848872" cy="1728192"/>
+            <a:off x="248543" y="16994459"/>
+            <a:ext cx="8640960" cy="1080120"/>
           </a:xfrm>
           <a:prstGeom prst="rect">
             <a:avLst/>
@@ -4685,7 +4690,7 @@
         </p:nvSpPr>
         <p:spPr>
           <a:xfrm>
-            <a:off x="266545" y="11161811"/>
+            <a:off x="266545" y="11809883"/>
             <a:ext cx="9775086" cy="5040560"/>
           </a:xfrm>
           <a:prstGeom prst="rect">
@@ -4737,7 +4742,7 @@
         <p:spPr>
           <a:xfrm>
             <a:off x="248543" y="6697315"/>
-            <a:ext cx="9793088" cy="4248472"/>
+            <a:ext cx="9793088" cy="4896544"/>
           </a:xfrm>
           <a:prstGeom prst="rect">
             <a:avLst/>
@@ -4787,7 +4792,7 @@
         </p:nvSpPr>
         <p:spPr>
           <a:xfrm>
-            <a:off x="248543" y="3240931"/>
+            <a:off x="5577135" y="3240931"/>
             <a:ext cx="4464496" cy="3240832"/>
           </a:xfrm>
           <a:prstGeom prst="rect">
@@ -4884,7 +4889,7 @@
         </p:nvSpPr>
         <p:spPr>
           <a:xfrm>
-            <a:off x="248543" y="1296715"/>
+            <a:off x="248543" y="1440731"/>
             <a:ext cx="9793088" cy="1815882"/>
           </a:xfrm>
           <a:prstGeom prst="rect">
@@ -4975,7 +4980,7 @@
         </p:nvSpPr>
         <p:spPr>
           <a:xfrm>
-            <a:off x="248543" y="216595"/>
+            <a:off x="248543" y="288603"/>
             <a:ext cx="8280919" cy="1107996"/>
           </a:xfrm>
           <a:prstGeom prst="rect">
@@ -5069,7 +5074,7 @@
         </p:nvSpPr>
         <p:spPr>
           <a:xfrm>
-            <a:off x="248543" y="3240931"/>
+            <a:off x="5577135" y="3240931"/>
             <a:ext cx="4464496" cy="3262432"/>
           </a:xfrm>
           <a:prstGeom prst="rect">
@@ -5149,10 +5154,10 @@
                 <a:ea typeface="Tahoma" charset="0"/>
                 <a:cs typeface="Tahoma" charset="0"/>
               </a:rPr>
-              <a:t>digital humanities </a:t>
-            </a:r>
-            <a:r>
-              <a:rPr lang="en-US" sz="2000" dirty="0" smtClean="0">
+              <a:t>digital humanities projects </a:t>
+            </a:r>
+            <a:r>
+              <a:rPr lang="en-US" sz="2000" dirty="0">
                 <a:solidFill>
                   <a:schemeClr val="bg1">
                     <a:lumMod val="85000"/>
@@ -5162,10 +5167,10 @@
                 <a:ea typeface="Tahoma" charset="0"/>
                 <a:cs typeface="Tahoma" charset="0"/>
               </a:rPr>
-              <a:t>projects </a:t>
-            </a:r>
-            <a:r>
-              <a:rPr lang="en-US" sz="2000" dirty="0">
+              <a:t>and </a:t>
+            </a:r>
+            <a:r>
+              <a:rPr lang="en-US" sz="2000" dirty="0" smtClean="0">
                 <a:solidFill>
                   <a:schemeClr val="bg1">
                     <a:lumMod val="85000"/>
@@ -5175,10 +5180,10 @@
                 <a:ea typeface="Tahoma" charset="0"/>
                 <a:cs typeface="Tahoma" charset="0"/>
               </a:rPr>
-              <a:t>and </a:t>
-            </a:r>
-            <a:r>
-              <a:rPr lang="en-US" sz="2000" dirty="0" smtClean="0">
+              <a:t>publications? NUL's Digital Scholarship Group seeks </a:t>
+            </a:r>
+            <a:r>
+              <a:rPr lang="en-US" sz="2000" dirty="0">
                 <a:solidFill>
                   <a:schemeClr val="bg1">
                     <a:lumMod val="85000"/>
@@ -5188,10 +5193,10 @@
                 <a:ea typeface="Tahoma" charset="0"/>
                 <a:cs typeface="Tahoma" charset="0"/>
               </a:rPr>
-              <a:t>publications? NUL's Digital Scholarship Group seeks </a:t>
-            </a:r>
-            <a:r>
-              <a:rPr lang="en-US" sz="2000" dirty="0">
+              <a:t>to answer this question by developing a workflow-based digital </a:t>
+            </a:r>
+            <a:r>
+              <a:rPr lang="en-US" sz="2000" dirty="0" smtClean="0">
                 <a:solidFill>
                   <a:schemeClr val="bg1">
                     <a:lumMod val="85000"/>
@@ -5201,10 +5206,10 @@
                 <a:ea typeface="Tahoma" charset="0"/>
                 <a:cs typeface="Tahoma" charset="0"/>
               </a:rPr>
-              <a:t>to answer this question by developing a workflow-based digital </a:t>
-            </a:r>
-            <a:r>
-              <a:rPr lang="en-US" sz="2000" dirty="0" smtClean="0">
+              <a:t>framework </a:t>
+            </a:r>
+            <a:r>
+              <a:rPr lang="en-US" sz="2000" dirty="0">
                 <a:solidFill>
                   <a:schemeClr val="bg1">
                     <a:lumMod val="85000"/>
@@ -5214,10 +5219,10 @@
                 <a:ea typeface="Tahoma" charset="0"/>
                 <a:cs typeface="Tahoma" charset="0"/>
               </a:rPr>
-              <a:t>framework </a:t>
-            </a:r>
-            <a:r>
-              <a:rPr lang="en-US" sz="2000" dirty="0">
+              <a:t>to provide editorial </a:t>
+            </a:r>
+            <a:r>
+              <a:rPr lang="en-US" sz="2000" dirty="0" smtClean="0">
                 <a:solidFill>
                   <a:schemeClr val="bg1">
                     <a:lumMod val="85000"/>
@@ -5227,10 +5232,10 @@
                 <a:ea typeface="Tahoma" charset="0"/>
                 <a:cs typeface="Tahoma" charset="0"/>
               </a:rPr>
-              <a:t>to provide editorial </a:t>
-            </a:r>
-            <a:r>
-              <a:rPr lang="en-US" sz="2000" dirty="0" smtClean="0">
+              <a:t>and other workflow </a:t>
+            </a:r>
+            <a:r>
+              <a:rPr lang="en-US" sz="2000" dirty="0">
                 <a:solidFill>
                   <a:schemeClr val="bg1">
                     <a:lumMod val="85000"/>
@@ -5240,10 +5245,10 @@
                 <a:ea typeface="Tahoma" charset="0"/>
                 <a:cs typeface="Tahoma" charset="0"/>
               </a:rPr>
-              <a:t>and other </a:t>
-            </a:r>
-            <a:r>
-              <a:rPr lang="en-US" sz="2000" dirty="0">
+              <a:t>management </a:t>
+            </a:r>
+            <a:r>
+              <a:rPr lang="en-US" sz="2000" dirty="0" smtClean="0">
                 <a:solidFill>
                   <a:schemeClr val="bg1">
                     <a:lumMod val="85000"/>
@@ -5253,33 +5258,7 @@
                 <a:ea typeface="Tahoma" charset="0"/>
                 <a:cs typeface="Tahoma" charset="0"/>
               </a:rPr>
-              <a:t>workflow management tools for digital humanities </a:t>
-            </a:r>
-            <a:r>
-              <a:rPr lang="en-US" sz="2000" dirty="0" smtClean="0">
-                <a:solidFill>
-                  <a:schemeClr val="bg1">
-                    <a:lumMod val="85000"/>
-                  </a:schemeClr>
-                </a:solidFill>
-                <a:latin typeface="Tahoma" charset="0"/>
-                <a:ea typeface="Tahoma" charset="0"/>
-                <a:cs typeface="Tahoma" charset="0"/>
-              </a:rPr>
-              <a:t>projects in Hydra</a:t>
-            </a:r>
-            <a:r>
-              <a:rPr lang="en-US" sz="2000" dirty="0" smtClean="0">
-                <a:solidFill>
-                  <a:schemeClr val="bg1">
-                    <a:lumMod val="85000"/>
-                  </a:schemeClr>
-                </a:solidFill>
-                <a:latin typeface="Tahoma" charset="0"/>
-                <a:ea typeface="Tahoma" charset="0"/>
-                <a:cs typeface="Tahoma" charset="0"/>
-              </a:rPr>
-              <a:t>. </a:t>
+              <a:t>tools commonly used in digital humanities project work.</a:t>
             </a:r>
             <a:endParaRPr lang="en-US" sz="2000" dirty="0">
               <a:solidFill>
@@ -5316,8 +5295,8 @@
         </p:blipFill>
         <p:spPr>
           <a:xfrm>
-            <a:off x="8313439" y="16346387"/>
-            <a:ext cx="1728192" cy="1728192"/>
+            <a:off x="9032875" y="17065823"/>
+            <a:ext cx="1008756" cy="1008756"/>
           </a:xfrm>
           <a:prstGeom prst="rect">
             <a:avLst/>
@@ -5332,8 +5311,8 @@
         </p:nvSpPr>
         <p:spPr>
           <a:xfrm>
-            <a:off x="824607" y="16418395"/>
-            <a:ext cx="7128793" cy="1538883"/>
+            <a:off x="947738" y="17066467"/>
+            <a:ext cx="8064896" cy="923330"/>
           </a:xfrm>
           <a:prstGeom prst="rect">
             <a:avLst/>
@@ -5360,10 +5339,12 @@
                 <a:ea typeface="Tahoma" charset="0"/>
                 <a:cs typeface="Tahoma" charset="0"/>
               </a:rPr>
-              <a:t>Lorem ipsum dolor sit </a:t>
-            </a:r>
-            <a:r>
-              <a:rPr lang="en-US" sz="2000" dirty="0" err="1" smtClean="0">
+              <a:t>This project is still in development and we would like your input!</a:t>
+            </a:r>
+          </a:p>
+          <a:p>
+            <a:r>
+              <a:rPr lang="en-US" sz="2000" dirty="0" smtClean="0">
                 <a:solidFill>
                   <a:schemeClr val="bg1">
                     <a:lumMod val="95000"/>
@@ -5373,813 +5354,7 @@
                 <a:ea typeface="Tahoma" charset="0"/>
                 <a:cs typeface="Tahoma" charset="0"/>
               </a:rPr>
-              <a:t>amet</a:t>
-            </a:r>
-            <a:r>
-              <a:rPr lang="en-US" sz="2000" dirty="0" smtClean="0">
-                <a:solidFill>
-                  <a:schemeClr val="bg1">
-                    <a:lumMod val="95000"/>
-                  </a:schemeClr>
-                </a:solidFill>
-                <a:latin typeface="Tahoma" charset="0"/>
-                <a:ea typeface="Tahoma" charset="0"/>
-                <a:cs typeface="Tahoma" charset="0"/>
-              </a:rPr>
-              <a:t>, </a:t>
-            </a:r>
-            <a:r>
-              <a:rPr lang="en-US" sz="2000" dirty="0" err="1" smtClean="0">
-                <a:solidFill>
-                  <a:schemeClr val="bg1">
-                    <a:lumMod val="95000"/>
-                  </a:schemeClr>
-                </a:solidFill>
-                <a:latin typeface="Tahoma" charset="0"/>
-                <a:ea typeface="Tahoma" charset="0"/>
-                <a:cs typeface="Tahoma" charset="0"/>
-              </a:rPr>
-              <a:t>consectetur</a:t>
-            </a:r>
-            <a:r>
-              <a:rPr lang="en-US" sz="2000" dirty="0" smtClean="0">
-                <a:solidFill>
-                  <a:schemeClr val="bg1">
-                    <a:lumMod val="95000"/>
-                  </a:schemeClr>
-                </a:solidFill>
-                <a:latin typeface="Tahoma" charset="0"/>
-                <a:ea typeface="Tahoma" charset="0"/>
-                <a:cs typeface="Tahoma" charset="0"/>
-              </a:rPr>
-              <a:t> </a:t>
-            </a:r>
-            <a:r>
-              <a:rPr lang="en-US" sz="2000" dirty="0" err="1" smtClean="0">
-                <a:solidFill>
-                  <a:schemeClr val="bg1">
-                    <a:lumMod val="95000"/>
-                  </a:schemeClr>
-                </a:solidFill>
-                <a:latin typeface="Tahoma" charset="0"/>
-                <a:ea typeface="Tahoma" charset="0"/>
-                <a:cs typeface="Tahoma" charset="0"/>
-              </a:rPr>
-              <a:t>adipiscing</a:t>
-            </a:r>
-            <a:r>
-              <a:rPr lang="en-US" sz="2000" dirty="0" smtClean="0">
-                <a:solidFill>
-                  <a:schemeClr val="bg1">
-                    <a:lumMod val="95000"/>
-                  </a:schemeClr>
-                </a:solidFill>
-                <a:latin typeface="Tahoma" charset="0"/>
-                <a:ea typeface="Tahoma" charset="0"/>
-                <a:cs typeface="Tahoma" charset="0"/>
-              </a:rPr>
-              <a:t> </a:t>
-            </a:r>
-            <a:r>
-              <a:rPr lang="en-US" sz="2000" dirty="0" err="1" smtClean="0">
-                <a:solidFill>
-                  <a:schemeClr val="bg1">
-                    <a:lumMod val="95000"/>
-                  </a:schemeClr>
-                </a:solidFill>
-                <a:latin typeface="Tahoma" charset="0"/>
-                <a:ea typeface="Tahoma" charset="0"/>
-                <a:cs typeface="Tahoma" charset="0"/>
-              </a:rPr>
-              <a:t>elit</a:t>
-            </a:r>
-            <a:r>
-              <a:rPr lang="en-US" sz="2000" dirty="0" smtClean="0">
-                <a:solidFill>
-                  <a:schemeClr val="bg1">
-                    <a:lumMod val="95000"/>
-                  </a:schemeClr>
-                </a:solidFill>
-                <a:latin typeface="Tahoma" charset="0"/>
-                <a:ea typeface="Tahoma" charset="0"/>
-                <a:cs typeface="Tahoma" charset="0"/>
-              </a:rPr>
-              <a:t>, </a:t>
-            </a:r>
-            <a:r>
-              <a:rPr lang="en-US" sz="2000" dirty="0" err="1" smtClean="0">
-                <a:solidFill>
-                  <a:schemeClr val="bg1">
-                    <a:lumMod val="95000"/>
-                  </a:schemeClr>
-                </a:solidFill>
-                <a:latin typeface="Tahoma" charset="0"/>
-                <a:ea typeface="Tahoma" charset="0"/>
-                <a:cs typeface="Tahoma" charset="0"/>
-              </a:rPr>
-              <a:t>sed</a:t>
-            </a:r>
-            <a:r>
-              <a:rPr lang="en-US" sz="2000" dirty="0" smtClean="0">
-                <a:solidFill>
-                  <a:schemeClr val="bg1">
-                    <a:lumMod val="95000"/>
-                  </a:schemeClr>
-                </a:solidFill>
-                <a:latin typeface="Tahoma" charset="0"/>
-                <a:ea typeface="Tahoma" charset="0"/>
-                <a:cs typeface="Tahoma" charset="0"/>
-              </a:rPr>
-              <a:t> do </a:t>
-            </a:r>
-            <a:r>
-              <a:rPr lang="en-US" sz="2000" dirty="0" err="1" smtClean="0">
-                <a:solidFill>
-                  <a:schemeClr val="bg1">
-                    <a:lumMod val="95000"/>
-                  </a:schemeClr>
-                </a:solidFill>
-                <a:latin typeface="Tahoma" charset="0"/>
-                <a:ea typeface="Tahoma" charset="0"/>
-                <a:cs typeface="Tahoma" charset="0"/>
-              </a:rPr>
-              <a:t>eiusmod</a:t>
-            </a:r>
-            <a:r>
-              <a:rPr lang="en-US" sz="2000" dirty="0" smtClean="0">
-                <a:solidFill>
-                  <a:schemeClr val="bg1">
-                    <a:lumMod val="95000"/>
-                  </a:schemeClr>
-                </a:solidFill>
-                <a:latin typeface="Tahoma" charset="0"/>
-                <a:ea typeface="Tahoma" charset="0"/>
-                <a:cs typeface="Tahoma" charset="0"/>
-              </a:rPr>
-              <a:t> </a:t>
-            </a:r>
-            <a:r>
-              <a:rPr lang="en-US" sz="2000" dirty="0" err="1" smtClean="0">
-                <a:solidFill>
-                  <a:schemeClr val="bg1">
-                    <a:lumMod val="95000"/>
-                  </a:schemeClr>
-                </a:solidFill>
-                <a:latin typeface="Tahoma" charset="0"/>
-                <a:ea typeface="Tahoma" charset="0"/>
-                <a:cs typeface="Tahoma" charset="0"/>
-              </a:rPr>
-              <a:t>tempor</a:t>
-            </a:r>
-            <a:r>
-              <a:rPr lang="en-US" sz="2000" dirty="0" smtClean="0">
-                <a:solidFill>
-                  <a:schemeClr val="bg1">
-                    <a:lumMod val="95000"/>
-                  </a:schemeClr>
-                </a:solidFill>
-                <a:latin typeface="Tahoma" charset="0"/>
-                <a:ea typeface="Tahoma" charset="0"/>
-                <a:cs typeface="Tahoma" charset="0"/>
-              </a:rPr>
-              <a:t> </a:t>
-            </a:r>
-            <a:r>
-              <a:rPr lang="en-US" sz="2000" dirty="0" err="1" smtClean="0">
-                <a:solidFill>
-                  <a:schemeClr val="bg1">
-                    <a:lumMod val="95000"/>
-                  </a:schemeClr>
-                </a:solidFill>
-                <a:latin typeface="Tahoma" charset="0"/>
-                <a:ea typeface="Tahoma" charset="0"/>
-                <a:cs typeface="Tahoma" charset="0"/>
-              </a:rPr>
-              <a:t>incididunt</a:t>
-            </a:r>
-            <a:r>
-              <a:rPr lang="en-US" sz="2000" dirty="0" smtClean="0">
-                <a:solidFill>
-                  <a:schemeClr val="bg1">
-                    <a:lumMod val="95000"/>
-                  </a:schemeClr>
-                </a:solidFill>
-                <a:latin typeface="Tahoma" charset="0"/>
-                <a:ea typeface="Tahoma" charset="0"/>
-                <a:cs typeface="Tahoma" charset="0"/>
-              </a:rPr>
-              <a:t> </a:t>
-            </a:r>
-            <a:r>
-              <a:rPr lang="en-US" sz="2000" dirty="0" err="1" smtClean="0">
-                <a:solidFill>
-                  <a:schemeClr val="bg1">
-                    <a:lumMod val="95000"/>
-                  </a:schemeClr>
-                </a:solidFill>
-                <a:latin typeface="Tahoma" charset="0"/>
-                <a:ea typeface="Tahoma" charset="0"/>
-                <a:cs typeface="Tahoma" charset="0"/>
-              </a:rPr>
-              <a:t>ut</a:t>
-            </a:r>
-            <a:r>
-              <a:rPr lang="en-US" sz="2000" dirty="0" smtClean="0">
-                <a:solidFill>
-                  <a:schemeClr val="bg1">
-                    <a:lumMod val="95000"/>
-                  </a:schemeClr>
-                </a:solidFill>
-                <a:latin typeface="Tahoma" charset="0"/>
-                <a:ea typeface="Tahoma" charset="0"/>
-                <a:cs typeface="Tahoma" charset="0"/>
-              </a:rPr>
-              <a:t> </a:t>
-            </a:r>
-            <a:r>
-              <a:rPr lang="en-US" sz="2000" dirty="0" err="1" smtClean="0">
-                <a:solidFill>
-                  <a:schemeClr val="bg1">
-                    <a:lumMod val="95000"/>
-                  </a:schemeClr>
-                </a:solidFill>
-                <a:latin typeface="Tahoma" charset="0"/>
-                <a:ea typeface="Tahoma" charset="0"/>
-                <a:cs typeface="Tahoma" charset="0"/>
-              </a:rPr>
-              <a:t>labore</a:t>
-            </a:r>
-            <a:r>
-              <a:rPr lang="en-US" sz="2000" dirty="0" smtClean="0">
-                <a:solidFill>
-                  <a:schemeClr val="bg1">
-                    <a:lumMod val="95000"/>
-                  </a:schemeClr>
-                </a:solidFill>
-                <a:latin typeface="Tahoma" charset="0"/>
-                <a:ea typeface="Tahoma" charset="0"/>
-                <a:cs typeface="Tahoma" charset="0"/>
-              </a:rPr>
-              <a:t> et </a:t>
-            </a:r>
-            <a:r>
-              <a:rPr lang="en-US" sz="2000" dirty="0" err="1" smtClean="0">
-                <a:solidFill>
-                  <a:schemeClr val="bg1">
-                    <a:lumMod val="95000"/>
-                  </a:schemeClr>
-                </a:solidFill>
-                <a:latin typeface="Tahoma" charset="0"/>
-                <a:ea typeface="Tahoma" charset="0"/>
-                <a:cs typeface="Tahoma" charset="0"/>
-              </a:rPr>
-              <a:t>dolore</a:t>
-            </a:r>
-            <a:r>
-              <a:rPr lang="en-US" sz="2000" dirty="0" smtClean="0">
-                <a:solidFill>
-                  <a:schemeClr val="bg1">
-                    <a:lumMod val="95000"/>
-                  </a:schemeClr>
-                </a:solidFill>
-                <a:latin typeface="Tahoma" charset="0"/>
-                <a:ea typeface="Tahoma" charset="0"/>
-                <a:cs typeface="Tahoma" charset="0"/>
-              </a:rPr>
-              <a:t> magna </a:t>
-            </a:r>
-            <a:r>
-              <a:rPr lang="en-US" sz="2000" dirty="0" err="1" smtClean="0">
-                <a:solidFill>
-                  <a:schemeClr val="bg1">
-                    <a:lumMod val="95000"/>
-                  </a:schemeClr>
-                </a:solidFill>
-                <a:latin typeface="Tahoma" charset="0"/>
-                <a:ea typeface="Tahoma" charset="0"/>
-                <a:cs typeface="Tahoma" charset="0"/>
-              </a:rPr>
-              <a:t>aliqua</a:t>
-            </a:r>
-            <a:r>
-              <a:rPr lang="en-US" sz="2000" dirty="0" smtClean="0">
-                <a:solidFill>
-                  <a:schemeClr val="bg1">
-                    <a:lumMod val="95000"/>
-                  </a:schemeClr>
-                </a:solidFill>
-                <a:latin typeface="Tahoma" charset="0"/>
-                <a:ea typeface="Tahoma" charset="0"/>
-                <a:cs typeface="Tahoma" charset="0"/>
-              </a:rPr>
-              <a:t>. </a:t>
-            </a:r>
-            <a:r>
-              <a:rPr lang="en-US" sz="2000" dirty="0" err="1" smtClean="0">
-                <a:solidFill>
-                  <a:schemeClr val="bg1">
-                    <a:lumMod val="95000"/>
-                  </a:schemeClr>
-                </a:solidFill>
-                <a:latin typeface="Tahoma" charset="0"/>
-                <a:ea typeface="Tahoma" charset="0"/>
-                <a:cs typeface="Tahoma" charset="0"/>
-              </a:rPr>
-              <a:t>Ut</a:t>
-            </a:r>
-            <a:r>
-              <a:rPr lang="en-US" sz="2000" dirty="0" smtClean="0">
-                <a:solidFill>
-                  <a:schemeClr val="bg1">
-                    <a:lumMod val="95000"/>
-                  </a:schemeClr>
-                </a:solidFill>
-                <a:latin typeface="Tahoma" charset="0"/>
-                <a:ea typeface="Tahoma" charset="0"/>
-                <a:cs typeface="Tahoma" charset="0"/>
-              </a:rPr>
-              <a:t> </a:t>
-            </a:r>
-            <a:r>
-              <a:rPr lang="en-US" sz="2000" dirty="0" err="1" smtClean="0">
-                <a:solidFill>
-                  <a:schemeClr val="bg1">
-                    <a:lumMod val="95000"/>
-                  </a:schemeClr>
-                </a:solidFill>
-                <a:latin typeface="Tahoma" charset="0"/>
-                <a:ea typeface="Tahoma" charset="0"/>
-                <a:cs typeface="Tahoma" charset="0"/>
-              </a:rPr>
-              <a:t>enim</a:t>
-            </a:r>
-            <a:r>
-              <a:rPr lang="en-US" sz="2000" dirty="0" smtClean="0">
-                <a:solidFill>
-                  <a:schemeClr val="bg1">
-                    <a:lumMod val="95000"/>
-                  </a:schemeClr>
-                </a:solidFill>
-                <a:latin typeface="Tahoma" charset="0"/>
-                <a:ea typeface="Tahoma" charset="0"/>
-                <a:cs typeface="Tahoma" charset="0"/>
-              </a:rPr>
-              <a:t> ad minim </a:t>
-            </a:r>
-            <a:r>
-              <a:rPr lang="en-US" sz="2000" dirty="0" err="1" smtClean="0">
-                <a:solidFill>
-                  <a:schemeClr val="bg1">
-                    <a:lumMod val="95000"/>
-                  </a:schemeClr>
-                </a:solidFill>
-                <a:latin typeface="Tahoma" charset="0"/>
-                <a:ea typeface="Tahoma" charset="0"/>
-                <a:cs typeface="Tahoma" charset="0"/>
-              </a:rPr>
-              <a:t>veniam</a:t>
-            </a:r>
-            <a:r>
-              <a:rPr lang="en-US" sz="2000" dirty="0" smtClean="0">
-                <a:solidFill>
-                  <a:schemeClr val="bg1">
-                    <a:lumMod val="95000"/>
-                  </a:schemeClr>
-                </a:solidFill>
-                <a:latin typeface="Tahoma" charset="0"/>
-                <a:ea typeface="Tahoma" charset="0"/>
-                <a:cs typeface="Tahoma" charset="0"/>
-              </a:rPr>
-              <a:t>, </a:t>
-            </a:r>
-            <a:r>
-              <a:rPr lang="en-US" sz="2000" dirty="0" err="1" smtClean="0">
-                <a:solidFill>
-                  <a:schemeClr val="bg1">
-                    <a:lumMod val="95000"/>
-                  </a:schemeClr>
-                </a:solidFill>
-                <a:latin typeface="Tahoma" charset="0"/>
-                <a:ea typeface="Tahoma" charset="0"/>
-                <a:cs typeface="Tahoma" charset="0"/>
-              </a:rPr>
-              <a:t>quis</a:t>
-            </a:r>
-            <a:r>
-              <a:rPr lang="en-US" sz="2000" dirty="0" smtClean="0">
-                <a:solidFill>
-                  <a:schemeClr val="bg1">
-                    <a:lumMod val="95000"/>
-                  </a:schemeClr>
-                </a:solidFill>
-                <a:latin typeface="Tahoma" charset="0"/>
-                <a:ea typeface="Tahoma" charset="0"/>
-                <a:cs typeface="Tahoma" charset="0"/>
-              </a:rPr>
-              <a:t> </a:t>
-            </a:r>
-            <a:r>
-              <a:rPr lang="en-US" sz="2000" dirty="0" err="1" smtClean="0">
-                <a:solidFill>
-                  <a:schemeClr val="bg1">
-                    <a:lumMod val="95000"/>
-                  </a:schemeClr>
-                </a:solidFill>
-                <a:latin typeface="Tahoma" charset="0"/>
-                <a:ea typeface="Tahoma" charset="0"/>
-                <a:cs typeface="Tahoma" charset="0"/>
-              </a:rPr>
-              <a:t>nostrud</a:t>
-            </a:r>
-            <a:r>
-              <a:rPr lang="en-US" sz="2000" dirty="0" smtClean="0">
-                <a:solidFill>
-                  <a:schemeClr val="bg1">
-                    <a:lumMod val="95000"/>
-                  </a:schemeClr>
-                </a:solidFill>
-                <a:latin typeface="Tahoma" charset="0"/>
-                <a:ea typeface="Tahoma" charset="0"/>
-                <a:cs typeface="Tahoma" charset="0"/>
-              </a:rPr>
-              <a:t> exercitation </a:t>
-            </a:r>
-            <a:r>
-              <a:rPr lang="en-US" sz="2000" dirty="0" err="1">
-                <a:solidFill>
-                  <a:schemeClr val="bg1">
-                    <a:lumMod val="95000"/>
-                  </a:schemeClr>
-                </a:solidFill>
-                <a:latin typeface="Tahoma" charset="0"/>
-                <a:ea typeface="Tahoma" charset="0"/>
-                <a:cs typeface="Tahoma" charset="0"/>
-              </a:rPr>
-              <a:t>ullamco</a:t>
-            </a:r>
-            <a:r>
-              <a:rPr lang="en-US" sz="2000" dirty="0">
-                <a:solidFill>
-                  <a:schemeClr val="bg1">
-                    <a:lumMod val="95000"/>
-                  </a:schemeClr>
-                </a:solidFill>
-                <a:latin typeface="Tahoma" charset="0"/>
-                <a:ea typeface="Tahoma" charset="0"/>
-                <a:cs typeface="Tahoma" charset="0"/>
-              </a:rPr>
-              <a:t> </a:t>
-            </a:r>
-            <a:r>
-              <a:rPr lang="en-US" sz="2000" dirty="0" err="1">
-                <a:solidFill>
-                  <a:schemeClr val="bg1">
-                    <a:lumMod val="95000"/>
-                  </a:schemeClr>
-                </a:solidFill>
-                <a:latin typeface="Tahoma" charset="0"/>
-                <a:ea typeface="Tahoma" charset="0"/>
-                <a:cs typeface="Tahoma" charset="0"/>
-              </a:rPr>
-              <a:t>eiusmod</a:t>
-            </a:r>
-            <a:r>
-              <a:rPr lang="en-US" sz="2000" dirty="0">
-                <a:solidFill>
-                  <a:schemeClr val="bg1">
-                    <a:lumMod val="95000"/>
-                  </a:schemeClr>
-                </a:solidFill>
-                <a:latin typeface="Tahoma" charset="0"/>
-                <a:ea typeface="Tahoma" charset="0"/>
-                <a:cs typeface="Tahoma" charset="0"/>
-              </a:rPr>
-              <a:t> </a:t>
-            </a:r>
-            <a:r>
-              <a:rPr lang="en-US" sz="2000" dirty="0" err="1" smtClean="0">
-                <a:solidFill>
-                  <a:schemeClr val="bg1">
-                    <a:lumMod val="95000"/>
-                  </a:schemeClr>
-                </a:solidFill>
-                <a:latin typeface="Tahoma" charset="0"/>
-                <a:ea typeface="Tahoma" charset="0"/>
-                <a:cs typeface="Tahoma" charset="0"/>
-              </a:rPr>
-              <a:t>tempor</a:t>
-            </a:r>
-            <a:r>
-              <a:rPr lang="en-US" sz="2000" dirty="0" smtClean="0">
-                <a:solidFill>
-                  <a:schemeClr val="bg1">
-                    <a:lumMod val="95000"/>
-                  </a:schemeClr>
-                </a:solidFill>
-                <a:latin typeface="Tahoma" charset="0"/>
-                <a:ea typeface="Tahoma" charset="0"/>
-                <a:cs typeface="Tahoma" charset="0"/>
-              </a:rPr>
-              <a:t> </a:t>
-            </a:r>
-            <a:r>
-              <a:rPr lang="en-US" sz="2000" dirty="0" err="1" smtClean="0">
-                <a:solidFill>
-                  <a:schemeClr val="bg1">
-                    <a:lumMod val="95000"/>
-                  </a:schemeClr>
-                </a:solidFill>
-                <a:latin typeface="Tahoma" charset="0"/>
-                <a:ea typeface="Tahoma" charset="0"/>
-                <a:cs typeface="Tahoma" charset="0"/>
-              </a:rPr>
-              <a:t>incididunt</a:t>
-            </a:r>
-            <a:r>
-              <a:rPr lang="en-US" sz="2000" dirty="0" smtClean="0">
-                <a:solidFill>
-                  <a:schemeClr val="bg1">
-                    <a:lumMod val="95000"/>
-                  </a:schemeClr>
-                </a:solidFill>
-                <a:latin typeface="Tahoma" charset="0"/>
-                <a:ea typeface="Tahoma" charset="0"/>
-                <a:cs typeface="Tahoma" charset="0"/>
-              </a:rPr>
-              <a:t> </a:t>
-            </a:r>
-            <a:r>
-              <a:rPr lang="en-US" sz="2000" dirty="0" err="1" smtClean="0">
-                <a:solidFill>
-                  <a:schemeClr val="bg1">
-                    <a:lumMod val="95000"/>
-                  </a:schemeClr>
-                </a:solidFill>
-                <a:latin typeface="Tahoma" charset="0"/>
-                <a:ea typeface="Tahoma" charset="0"/>
-                <a:cs typeface="Tahoma" charset="0"/>
-              </a:rPr>
-              <a:t>ut</a:t>
-            </a:r>
-            <a:r>
-              <a:rPr lang="en-US" sz="2000" dirty="0" smtClean="0">
-                <a:solidFill>
-                  <a:schemeClr val="bg1">
-                    <a:lumMod val="95000"/>
-                  </a:schemeClr>
-                </a:solidFill>
-                <a:latin typeface="Tahoma" charset="0"/>
-                <a:ea typeface="Tahoma" charset="0"/>
-                <a:cs typeface="Tahoma" charset="0"/>
-              </a:rPr>
-              <a:t> </a:t>
-            </a:r>
-            <a:r>
-              <a:rPr lang="en-US" sz="2000" dirty="0" err="1" smtClean="0">
-                <a:solidFill>
-                  <a:schemeClr val="bg1">
-                    <a:lumMod val="95000"/>
-                  </a:schemeClr>
-                </a:solidFill>
-                <a:latin typeface="Tahoma" charset="0"/>
-                <a:ea typeface="Tahoma" charset="0"/>
-                <a:cs typeface="Tahoma" charset="0"/>
-              </a:rPr>
-              <a:t>labore</a:t>
-            </a:r>
-            <a:r>
-              <a:rPr lang="en-US" sz="2000" dirty="0" smtClean="0">
-                <a:solidFill>
-                  <a:schemeClr val="bg1">
-                    <a:lumMod val="95000"/>
-                  </a:schemeClr>
-                </a:solidFill>
-                <a:latin typeface="Tahoma" charset="0"/>
-                <a:ea typeface="Tahoma" charset="0"/>
-                <a:cs typeface="Tahoma" charset="0"/>
-              </a:rPr>
-              <a:t> et </a:t>
-            </a:r>
-            <a:r>
-              <a:rPr lang="en-US" sz="2000" dirty="0" err="1" smtClean="0">
-                <a:solidFill>
-                  <a:schemeClr val="bg1">
-                    <a:lumMod val="95000"/>
-                  </a:schemeClr>
-                </a:solidFill>
-                <a:latin typeface="Tahoma" charset="0"/>
-                <a:ea typeface="Tahoma" charset="0"/>
-                <a:cs typeface="Tahoma" charset="0"/>
-              </a:rPr>
-              <a:t>dolore</a:t>
-            </a:r>
-            <a:r>
-              <a:rPr lang="en-US" sz="2000" dirty="0" smtClean="0">
-                <a:solidFill>
-                  <a:schemeClr val="bg1">
-                    <a:lumMod val="95000"/>
-                  </a:schemeClr>
-                </a:solidFill>
-                <a:latin typeface="Tahoma" charset="0"/>
-                <a:ea typeface="Tahoma" charset="0"/>
-                <a:cs typeface="Tahoma" charset="0"/>
-              </a:rPr>
-              <a:t> magna </a:t>
-            </a:r>
-            <a:r>
-              <a:rPr lang="en-US" sz="2000" dirty="0" err="1">
-                <a:solidFill>
-                  <a:schemeClr val="bg1">
-                    <a:lumMod val="95000"/>
-                  </a:schemeClr>
-                </a:solidFill>
-                <a:latin typeface="Tahoma" charset="0"/>
-                <a:ea typeface="Tahoma" charset="0"/>
-                <a:cs typeface="Tahoma" charset="0"/>
-              </a:rPr>
-              <a:t>aliqua</a:t>
-            </a:r>
-            <a:r>
-              <a:rPr lang="en-US" sz="2000" dirty="0">
-                <a:solidFill>
-                  <a:schemeClr val="bg1">
-                    <a:lumMod val="95000"/>
-                  </a:schemeClr>
-                </a:solidFill>
-                <a:latin typeface="Tahoma" charset="0"/>
-                <a:ea typeface="Tahoma" charset="0"/>
-                <a:cs typeface="Tahoma" charset="0"/>
-              </a:rPr>
-              <a:t> </a:t>
-            </a:r>
-            <a:r>
-              <a:rPr lang="en-US" sz="2000" dirty="0" err="1">
-                <a:solidFill>
-                  <a:schemeClr val="bg1">
-                    <a:lumMod val="95000"/>
-                  </a:schemeClr>
-                </a:solidFill>
-                <a:latin typeface="Tahoma" charset="0"/>
-                <a:ea typeface="Tahoma" charset="0"/>
-                <a:cs typeface="Tahoma" charset="0"/>
-              </a:rPr>
-              <a:t>Ut</a:t>
-            </a:r>
-            <a:r>
-              <a:rPr lang="en-US" sz="2000" dirty="0">
-                <a:solidFill>
-                  <a:schemeClr val="bg1">
-                    <a:lumMod val="95000"/>
-                  </a:schemeClr>
-                </a:solidFill>
-                <a:latin typeface="Tahoma" charset="0"/>
-                <a:ea typeface="Tahoma" charset="0"/>
-                <a:cs typeface="Tahoma" charset="0"/>
-              </a:rPr>
-              <a:t> </a:t>
-            </a:r>
-            <a:r>
-              <a:rPr lang="en-US" sz="2000" dirty="0" err="1">
-                <a:solidFill>
-                  <a:schemeClr val="bg1">
-                    <a:lumMod val="95000"/>
-                  </a:schemeClr>
-                </a:solidFill>
-                <a:latin typeface="Tahoma" charset="0"/>
-                <a:ea typeface="Tahoma" charset="0"/>
-                <a:cs typeface="Tahoma" charset="0"/>
-              </a:rPr>
-              <a:t>enim</a:t>
-            </a:r>
-            <a:r>
-              <a:rPr lang="en-US" sz="2000" dirty="0">
-                <a:solidFill>
-                  <a:schemeClr val="bg1">
-                    <a:lumMod val="95000"/>
-                  </a:schemeClr>
-                </a:solidFill>
-                <a:latin typeface="Tahoma" charset="0"/>
-                <a:ea typeface="Tahoma" charset="0"/>
-                <a:cs typeface="Tahoma" charset="0"/>
-              </a:rPr>
-              <a:t> ad minim </a:t>
-            </a:r>
-            <a:r>
-              <a:rPr lang="en-US" sz="2000" dirty="0" err="1">
-                <a:solidFill>
-                  <a:schemeClr val="bg1">
-                    <a:lumMod val="95000"/>
-                  </a:schemeClr>
-                </a:solidFill>
-                <a:latin typeface="Tahoma" charset="0"/>
-                <a:ea typeface="Tahoma" charset="0"/>
-                <a:cs typeface="Tahoma" charset="0"/>
-              </a:rPr>
-              <a:t>veniam</a:t>
-            </a:r>
-            <a:r>
-              <a:rPr lang="en-US" sz="2000" dirty="0">
-                <a:solidFill>
-                  <a:schemeClr val="bg1">
-                    <a:lumMod val="95000"/>
-                  </a:schemeClr>
-                </a:solidFill>
-                <a:latin typeface="Tahoma" charset="0"/>
-                <a:ea typeface="Tahoma" charset="0"/>
-                <a:cs typeface="Tahoma" charset="0"/>
-              </a:rPr>
-              <a:t>, </a:t>
-            </a:r>
-            <a:r>
-              <a:rPr lang="en-US" sz="2000" dirty="0" err="1">
-                <a:solidFill>
-                  <a:schemeClr val="bg1">
-                    <a:lumMod val="95000"/>
-                  </a:schemeClr>
-                </a:solidFill>
-                <a:latin typeface="Tahoma" charset="0"/>
-                <a:ea typeface="Tahoma" charset="0"/>
-                <a:cs typeface="Tahoma" charset="0"/>
-              </a:rPr>
-              <a:t>quis</a:t>
-            </a:r>
-            <a:r>
-              <a:rPr lang="en-US" sz="2000" dirty="0">
-                <a:solidFill>
-                  <a:schemeClr val="bg1">
-                    <a:lumMod val="95000"/>
-                  </a:schemeClr>
-                </a:solidFill>
-                <a:latin typeface="Tahoma" charset="0"/>
-                <a:ea typeface="Tahoma" charset="0"/>
-                <a:cs typeface="Tahoma" charset="0"/>
-              </a:rPr>
-              <a:t> </a:t>
-            </a:r>
-            <a:r>
-              <a:rPr lang="en-US" sz="2000" dirty="0" err="1">
-                <a:solidFill>
-                  <a:schemeClr val="bg1">
-                    <a:lumMod val="95000"/>
-                  </a:schemeClr>
-                </a:solidFill>
-                <a:latin typeface="Tahoma" charset="0"/>
-                <a:ea typeface="Tahoma" charset="0"/>
-                <a:cs typeface="Tahoma" charset="0"/>
-              </a:rPr>
-              <a:t>nostrud</a:t>
-            </a:r>
-            <a:r>
-              <a:rPr lang="en-US" sz="2000" dirty="0">
-                <a:solidFill>
-                  <a:schemeClr val="bg1">
-                    <a:lumMod val="95000"/>
-                  </a:schemeClr>
-                </a:solidFill>
-                <a:latin typeface="Tahoma" charset="0"/>
-                <a:ea typeface="Tahoma" charset="0"/>
-                <a:cs typeface="Tahoma" charset="0"/>
-              </a:rPr>
-              <a:t> exercitation </a:t>
-            </a:r>
-            <a:r>
-              <a:rPr lang="en-US" sz="2000" dirty="0" err="1" smtClean="0">
-                <a:solidFill>
-                  <a:schemeClr val="bg1">
-                    <a:lumMod val="95000"/>
-                  </a:schemeClr>
-                </a:solidFill>
-                <a:latin typeface="Tahoma" charset="0"/>
-                <a:ea typeface="Tahoma" charset="0"/>
-                <a:cs typeface="Tahoma" charset="0"/>
-              </a:rPr>
-              <a:t>ullamco</a:t>
-            </a:r>
-            <a:r>
-              <a:rPr lang="en-US" sz="2000" dirty="0" smtClean="0">
-                <a:solidFill>
-                  <a:schemeClr val="bg1">
-                    <a:lumMod val="95000"/>
-                  </a:schemeClr>
-                </a:solidFill>
-                <a:latin typeface="Tahoma" charset="0"/>
-                <a:ea typeface="Tahoma" charset="0"/>
-                <a:cs typeface="Tahoma" charset="0"/>
-              </a:rPr>
-              <a:t> </a:t>
-            </a:r>
-            <a:r>
-              <a:rPr lang="en-US" sz="2000" dirty="0" err="1" smtClean="0">
-                <a:solidFill>
-                  <a:schemeClr val="bg1">
-                    <a:lumMod val="95000"/>
-                  </a:schemeClr>
-                </a:solidFill>
-                <a:latin typeface="Tahoma" charset="0"/>
-                <a:ea typeface="Tahoma" charset="0"/>
-                <a:cs typeface="Tahoma" charset="0"/>
-              </a:rPr>
-              <a:t>Ut</a:t>
+              <a:t>Scan the QR code on the right to review and comment on Charon's technical specification. Any and all feedback is welcome!</a:t>
             </a:r>
             <a:endParaRPr lang="en-US" sz="2000" dirty="0">
               <a:solidFill>
@@ -6202,15 +5377,15 @@
         </p:nvSpPr>
         <p:spPr>
           <a:xfrm rot="16200000">
-            <a:off x="-400108" y="16995040"/>
-            <a:ext cx="1728194" cy="430887"/>
+            <a:off x="-76071" y="17319076"/>
+            <a:ext cx="1080122" cy="430887"/>
           </a:xfrm>
           <a:prstGeom prst="rect">
             <a:avLst/>
           </a:prstGeom>
           <a:solidFill>
             <a:schemeClr val="bg1">
-              <a:lumMod val="50000"/>
+              <a:lumMod val="85000"/>
             </a:schemeClr>
           </a:solidFill>
           <a:ln>
@@ -6254,7 +5429,7 @@
         </p:nvSpPr>
         <p:spPr>
           <a:xfrm>
-            <a:off x="5361111" y="6049243"/>
+            <a:off x="752599" y="6049243"/>
             <a:ext cx="4608512" cy="344710"/>
           </a:xfrm>
           <a:prstGeom prst="rect">
@@ -6310,7 +5485,7 @@
         </p:nvSpPr>
         <p:spPr>
           <a:xfrm>
-            <a:off x="6873279" y="4249043"/>
+            <a:off x="2264767" y="4177035"/>
             <a:ext cx="1584176" cy="344710"/>
           </a:xfrm>
           <a:prstGeom prst="rect">
@@ -6352,7 +5527,7 @@
         </p:nvSpPr>
         <p:spPr>
           <a:xfrm>
-            <a:off x="5361111" y="3312939"/>
+            <a:off x="752599" y="3312939"/>
             <a:ext cx="4608512" cy="344710"/>
           </a:xfrm>
           <a:prstGeom prst="rect">
@@ -6398,7 +5573,7 @@
         </p:nvSpPr>
         <p:spPr>
           <a:xfrm>
-            <a:off x="5361111" y="4177035"/>
+            <a:off x="752599" y="4177035"/>
             <a:ext cx="4608512" cy="1800200"/>
           </a:xfrm>
           <a:prstGeom prst="rect">
@@ -6455,7 +5630,7 @@
         </p:nvSpPr>
         <p:spPr>
           <a:xfrm>
-            <a:off x="5505127" y="5041131"/>
+            <a:off x="896615" y="5041131"/>
             <a:ext cx="1296144" cy="381381"/>
           </a:xfrm>
           <a:prstGeom prst="roundRect">
@@ -6497,7 +5672,7 @@
         </p:nvSpPr>
         <p:spPr>
           <a:xfrm>
-            <a:off x="8241431" y="5473179"/>
+            <a:off x="3632919" y="5473179"/>
             <a:ext cx="1584176" cy="381381"/>
           </a:xfrm>
           <a:prstGeom prst="roundRect">
@@ -6553,7 +5728,7 @@
         </p:nvSpPr>
         <p:spPr>
           <a:xfrm>
-            <a:off x="6945287" y="5473179"/>
+            <a:off x="2336775" y="5473179"/>
             <a:ext cx="1152128" cy="381381"/>
           </a:xfrm>
           <a:prstGeom prst="roundRect">
@@ -6599,7 +5774,7 @@
         </p:nvSpPr>
         <p:spPr>
           <a:xfrm>
-            <a:off x="6945287" y="5041131"/>
+            <a:off x="2336775" y="5041131"/>
             <a:ext cx="1152127" cy="381381"/>
           </a:xfrm>
           <a:prstGeom prst="roundRect">
@@ -6645,7 +5820,7 @@
         </p:nvSpPr>
         <p:spPr>
           <a:xfrm>
-            <a:off x="8241431" y="5041131"/>
+            <a:off x="3632919" y="5041131"/>
             <a:ext cx="1584176" cy="381381"/>
           </a:xfrm>
           <a:prstGeom prst="roundRect">
@@ -6701,7 +5876,7 @@
         </p:nvSpPr>
         <p:spPr>
           <a:xfrm>
-            <a:off x="6945287" y="4609083"/>
+            <a:off x="2336775" y="4609083"/>
             <a:ext cx="1152127" cy="381381"/>
           </a:xfrm>
           <a:prstGeom prst="roundRect">
@@ -6757,7 +5932,7 @@
         </p:nvSpPr>
         <p:spPr>
           <a:xfrm>
-            <a:off x="8241431" y="4609083"/>
+            <a:off x="3632919" y="4609083"/>
             <a:ext cx="1584176" cy="381381"/>
           </a:xfrm>
           <a:prstGeom prst="roundRect">
@@ -6803,7 +5978,7 @@
         </p:nvSpPr>
         <p:spPr>
           <a:xfrm>
-            <a:off x="5361111" y="3744987"/>
+            <a:off x="752599" y="3744987"/>
             <a:ext cx="4608511" cy="344710"/>
           </a:xfrm>
           <a:prstGeom prst="rect">
@@ -6849,7 +6024,7 @@
         </p:nvSpPr>
         <p:spPr>
           <a:xfrm>
-            <a:off x="5505127" y="4609083"/>
+            <a:off x="896615" y="4609083"/>
             <a:ext cx="1296144" cy="1224136"/>
           </a:xfrm>
           <a:prstGeom prst="roundRect">
@@ -6906,15 +6081,15 @@
         </p:nvSpPr>
         <p:spPr>
           <a:xfrm rot="16200000">
-            <a:off x="3496332" y="4688992"/>
-            <a:ext cx="3240832" cy="344710"/>
+            <a:off x="-1136773" y="4634642"/>
+            <a:ext cx="3236976" cy="466344"/>
           </a:xfrm>
           <a:prstGeom prst="rect">
             <a:avLst/>
           </a:prstGeom>
           <a:solidFill>
             <a:schemeClr val="bg1">
-              <a:lumMod val="50000"/>
+              <a:lumMod val="85000"/>
             </a:schemeClr>
           </a:solidFill>
           <a:ln w="19050">
@@ -6933,7 +6108,7 @@
           <a:p>
             <a:pPr algn="ctr"/>
             <a:r>
-              <a:rPr lang="en-US" sz="2000" dirty="0" smtClean="0">
+              <a:rPr lang="en-US" sz="2800" dirty="0" smtClean="0">
                 <a:solidFill>
                   <a:srgbClr val="73626E"/>
                 </a:solidFill>
@@ -6943,14 +6118,6 @@
               </a:rPr>
               <a:t>Components</a:t>
             </a:r>
-            <a:endParaRPr lang="en-US" sz="2000" dirty="0" smtClean="0">
-              <a:solidFill>
-                <a:srgbClr val="73626E"/>
-              </a:solidFill>
-              <a:latin typeface="Tahoma" charset="0"/>
-              <a:ea typeface="Tahoma" charset="0"/>
-              <a:cs typeface="Tahoma" charset="0"/>
-            </a:endParaRPr>
           </a:p>
         </p:txBody>
       </p:sp>
@@ -6962,15 +6129,15 @@
         </p:nvSpPr>
         <p:spPr>
           <a:xfrm rot="16200000">
-            <a:off x="-1641783" y="8587641"/>
-            <a:ext cx="4248472" cy="467820"/>
+            <a:off x="-1965819" y="8911677"/>
+            <a:ext cx="4896544" cy="467820"/>
           </a:xfrm>
           <a:prstGeom prst="rect">
             <a:avLst/>
           </a:prstGeom>
           <a:solidFill>
             <a:schemeClr val="bg1">
-              <a:lumMod val="50000"/>
+              <a:lumMod val="85000"/>
             </a:schemeClr>
           </a:solidFill>
           <a:ln w="19050">
@@ -6989,7 +6156,7 @@
           <a:p>
             <a:pPr algn="ctr"/>
             <a:r>
-              <a:rPr lang="en-US" sz="2800" dirty="0" smtClean="0">
+              <a:rPr lang="en-US" sz="2800" smtClean="0">
                 <a:solidFill>
                   <a:srgbClr val="73626E"/>
                 </a:solidFill>
@@ -6997,7 +6164,7 @@
                 <a:ea typeface="Tahoma" charset="0"/>
                 <a:cs typeface="Tahoma" charset="0"/>
               </a:rPr>
-              <a:t>Workflows</a:t>
+              <a:t>Workflows and Interfaces</a:t>
             </a:r>
             <a:endParaRPr lang="en-US" sz="2800" dirty="0" smtClean="0">
               <a:solidFill>
@@ -7018,7 +6185,7 @@
         </p:nvSpPr>
         <p:spPr>
           <a:xfrm rot="16200000">
-            <a:off x="-2037827" y="13448181"/>
+            <a:off x="-2037827" y="14096253"/>
             <a:ext cx="5040560" cy="467820"/>
           </a:xfrm>
           <a:prstGeom prst="rect">
@@ -7026,7 +6193,7 @@
           </a:prstGeom>
           <a:solidFill>
             <a:schemeClr val="bg1">
-              <a:lumMod val="50000"/>
+              <a:lumMod val="85000"/>
             </a:schemeClr>
           </a:solidFill>
           <a:ln w="19050">
@@ -7055,14 +6222,6 @@
               </a:rPr>
               <a:t>User Roles</a:t>
             </a:r>
-            <a:endParaRPr lang="en-US" sz="2800" dirty="0" smtClean="0">
-              <a:solidFill>
-                <a:srgbClr val="73626E"/>
-              </a:solidFill>
-              <a:latin typeface="Tahoma" charset="0"/>
-              <a:ea typeface="Tahoma" charset="0"/>
-              <a:cs typeface="Tahoma" charset="0"/>
-            </a:endParaRPr>
           </a:p>
         </p:txBody>
       </p:sp>
@@ -7087,7 +6246,7 @@
         </p:blipFill>
         <p:spPr>
           <a:xfrm>
-            <a:off x="896615" y="13250043"/>
+            <a:off x="896615" y="13898115"/>
             <a:ext cx="4824536" cy="2803705"/>
           </a:xfrm>
           <a:prstGeom prst="rect">
@@ -7103,7 +6262,7 @@
         </p:nvSpPr>
         <p:spPr>
           <a:xfrm rot="10800000" flipV="1">
-            <a:off x="1328663" y="12601971"/>
+            <a:off x="1328663" y="13250043"/>
             <a:ext cx="288032" cy="2814617"/>
           </a:xfrm>
           <a:prstGeom prst="arc">
@@ -7152,7 +6311,7 @@
         </p:nvSpPr>
         <p:spPr>
           <a:xfrm rot="10800000" flipH="1" flipV="1">
-            <a:off x="1184647" y="12601971"/>
+            <a:off x="1184647" y="13250043"/>
             <a:ext cx="432048" cy="2304257"/>
           </a:xfrm>
           <a:prstGeom prst="arc">
@@ -7201,7 +6360,7 @@
         </p:nvSpPr>
         <p:spPr>
           <a:xfrm rot="10800000" flipV="1">
-            <a:off x="4064967" y="12529963"/>
+            <a:off x="4064967" y="13178035"/>
             <a:ext cx="6408712" cy="2520280"/>
           </a:xfrm>
           <a:prstGeom prst="arc">
@@ -7250,7 +6409,7 @@
         </p:nvSpPr>
         <p:spPr>
           <a:xfrm rot="10800000" flipV="1">
-            <a:off x="4280991" y="13034019"/>
+            <a:off x="4280991" y="13682091"/>
             <a:ext cx="5688632" cy="1944216"/>
           </a:xfrm>
           <a:prstGeom prst="arc">
@@ -7299,7 +6458,7 @@
         </p:nvSpPr>
         <p:spPr>
           <a:xfrm rot="10800000" flipV="1">
-            <a:off x="5433119" y="14114139"/>
+            <a:off x="5433119" y="14762211"/>
             <a:ext cx="1440160" cy="1152128"/>
           </a:xfrm>
           <a:prstGeom prst="arc">
@@ -7348,7 +6507,7 @@
         </p:nvSpPr>
         <p:spPr>
           <a:xfrm rot="10800000" flipV="1">
-            <a:off x="4569023" y="12962011"/>
+            <a:off x="4569023" y="13610083"/>
             <a:ext cx="5472608" cy="2520280"/>
           </a:xfrm>
           <a:prstGeom prst="arc">
@@ -7397,7 +6556,7 @@
         </p:nvSpPr>
         <p:spPr>
           <a:xfrm>
-            <a:off x="6081191" y="11953899"/>
+            <a:off x="6081191" y="12601971"/>
             <a:ext cx="3528392" cy="677108"/>
           </a:xfrm>
           <a:prstGeom prst="rect">
@@ -7465,7 +6624,7 @@
         </p:nvSpPr>
         <p:spPr>
           <a:xfrm>
-            <a:off x="6081191" y="12817995"/>
+            <a:off x="6081191" y="13466067"/>
             <a:ext cx="3528392" cy="954107"/>
           </a:xfrm>
           <a:prstGeom prst="rect">
@@ -7550,7 +6709,7 @@
         </p:nvSpPr>
         <p:spPr>
           <a:xfrm>
-            <a:off x="1112639" y="11449843"/>
+            <a:off x="1112639" y="12097915"/>
             <a:ext cx="3816424" cy="1231106"/>
           </a:xfrm>
           <a:prstGeom prst="rect">
@@ -7652,7 +6811,7 @@
         </p:nvSpPr>
         <p:spPr>
           <a:xfrm>
-            <a:off x="6081191" y="13970123"/>
+            <a:off x="6081191" y="14618195"/>
             <a:ext cx="3528392" cy="2062103"/>
           </a:xfrm>
           <a:prstGeom prst="rect">
@@ -7788,7 +6947,7 @@
         </p:nvSpPr>
         <p:spPr>
           <a:xfrm rot="9817432" flipH="1" flipV="1">
-            <a:off x="1345714" y="12590653"/>
+            <a:off x="1345714" y="13238725"/>
             <a:ext cx="637672" cy="2087776"/>
           </a:xfrm>
           <a:prstGeom prst="arc">
@@ -7837,7 +6996,7 @@
         </p:nvSpPr>
         <p:spPr>
           <a:xfrm rot="10800000" flipH="1" flipV="1">
-            <a:off x="176535" y="12601971"/>
+            <a:off x="176535" y="13250043"/>
             <a:ext cx="2016224" cy="1584177"/>
           </a:xfrm>
           <a:prstGeom prst="arc">
@@ -7886,7 +7045,7 @@
         </p:nvSpPr>
         <p:spPr>
           <a:xfrm rot="10800000" flipV="1">
-            <a:off x="3776935" y="12529963"/>
+            <a:off x="3776935" y="13178035"/>
             <a:ext cx="5544616" cy="2448272"/>
           </a:xfrm>
           <a:prstGeom prst="arc">
@@ -7924,6 +7083,1340 @@
           <a:p>
             <a:pPr algn="ctr"/>
             <a:endParaRPr lang="en-US"/>
+          </a:p>
+        </p:txBody>
+      </p:sp>
+      <p:sp>
+        <p:nvSpPr>
+          <p:cNvPr id="94" name="TextBox 93"/>
+          <p:cNvSpPr txBox="1"/>
+          <p:nvPr/>
+        </p:nvSpPr>
+        <p:spPr>
+          <a:xfrm>
+            <a:off x="824607" y="6841331"/>
+            <a:ext cx="2952328" cy="1323439"/>
+          </a:xfrm>
+          <a:prstGeom prst="rect">
+            <a:avLst/>
+          </a:prstGeom>
+          <a:solidFill>
+            <a:schemeClr val="bg1">
+              <a:lumMod val="85000"/>
+            </a:schemeClr>
+          </a:solidFill>
+        </p:spPr>
+        <p:txBody>
+          <a:bodyPr wrap="square" rtlCol="0">
+            <a:spAutoFit/>
+          </a:bodyPr>
+          <a:lstStyle/>
+          <a:p>
+            <a:pPr algn="ctr"/>
+            <a:r>
+              <a:rPr lang="en-US" sz="2000" dirty="0" smtClean="0"/>
+              <a:t>{ Configure 🛠 }</a:t>
+            </a:r>
+          </a:p>
+          <a:p>
+            <a:pPr marL="342900" indent="-342900">
+              <a:buFont typeface="Arial" charset="0"/>
+              <a:buChar char="•"/>
+            </a:pPr>
+            <a:r>
+              <a:rPr lang="en-US" sz="2000" dirty="0" smtClean="0"/>
+              <a:t>Manage users</a:t>
+            </a:r>
+          </a:p>
+          <a:p>
+            <a:pPr marL="342900" indent="-342900">
+              <a:buFont typeface="Arial" charset="0"/>
+              <a:buChar char="•"/>
+            </a:pPr>
+            <a:r>
+              <a:rPr lang="en-US" sz="2000" dirty="0" smtClean="0"/>
+              <a:t>Model metadata</a:t>
+            </a:r>
+          </a:p>
+          <a:p>
+            <a:pPr marL="342900" indent="-342900">
+              <a:buFont typeface="Arial" charset="0"/>
+              <a:buChar char="•"/>
+            </a:pPr>
+            <a:r>
+              <a:rPr lang="en-US" sz="2000" dirty="0" smtClean="0"/>
+              <a:t>Configure workflow</a:t>
+            </a:r>
+            <a:endParaRPr lang="en-US" sz="2000" dirty="0"/>
+          </a:p>
+        </p:txBody>
+      </p:sp>
+      <p:pic>
+        <p:nvPicPr>
+          <p:cNvPr id="97" name="Picture 96"/>
+          <p:cNvPicPr>
+            <a:picLocks noChangeAspect="1"/>
+          </p:cNvPicPr>
+          <p:nvPr/>
+        </p:nvPicPr>
+        <p:blipFill>
+          <a:blip r:embed="rId5">
+            <a:extLst>
+              <a:ext uri="{28A0092B-C50C-407E-A947-70E740481C1C}">
+                <a14:useLocalDpi xmlns:a14="http://schemas.microsoft.com/office/drawing/2010/main" val="0"/>
+              </a:ext>
+            </a:extLst>
+          </a:blip>
+          <a:stretch>
+            <a:fillRect/>
+          </a:stretch>
+        </p:blipFill>
+        <p:spPr>
+          <a:xfrm>
+            <a:off x="3992959" y="7633419"/>
+            <a:ext cx="1061813" cy="864096"/>
+          </a:xfrm>
+          <a:prstGeom prst="rect">
+            <a:avLst/>
+          </a:prstGeom>
+          <a:ln>
+            <a:solidFill>
+              <a:schemeClr val="bg1"/>
+            </a:solidFill>
+          </a:ln>
+        </p:spPr>
+      </p:pic>
+      <p:sp>
+        <p:nvSpPr>
+          <p:cNvPr id="98" name="Diamond 97"/>
+          <p:cNvSpPr/>
+          <p:nvPr/>
+        </p:nvSpPr>
+        <p:spPr>
+          <a:xfrm>
+            <a:off x="5505450" y="7417395"/>
+            <a:ext cx="1296144" cy="1368152"/>
+          </a:xfrm>
+          <a:prstGeom prst="diamond">
+            <a:avLst/>
+          </a:prstGeom>
+          <a:solidFill>
+            <a:schemeClr val="bg1">
+              <a:lumMod val="85000"/>
+            </a:schemeClr>
+          </a:solidFill>
+          <a:ln>
+            <a:noFill/>
+          </a:ln>
+        </p:spPr>
+        <p:style>
+          <a:lnRef idx="2">
+            <a:schemeClr val="accent1">
+              <a:shade val="50000"/>
+            </a:schemeClr>
+          </a:lnRef>
+          <a:fillRef idx="1">
+            <a:schemeClr val="accent1"/>
+          </a:fillRef>
+          <a:effectRef idx="0">
+            <a:schemeClr val="accent1"/>
+          </a:effectRef>
+          <a:fontRef idx="minor">
+            <a:schemeClr val="lt1"/>
+          </a:fontRef>
+        </p:style>
+        <p:txBody>
+          <a:bodyPr rtlCol="0" anchor="ctr"/>
+          <a:lstStyle/>
+          <a:p>
+            <a:pPr algn="ctr"/>
+            <a:r>
+              <a:rPr lang="en-US" sz="1800" dirty="0" smtClean="0">
+                <a:solidFill>
+                  <a:srgbClr val="73626E"/>
+                </a:solidFill>
+                <a:latin typeface="Tahoma" charset="0"/>
+                <a:ea typeface="Tahoma" charset="0"/>
+                <a:cs typeface="Tahoma" charset="0"/>
+              </a:rPr>
+              <a:t>Role</a:t>
+            </a:r>
+            <a:endParaRPr lang="en-US" sz="1800" dirty="0">
+              <a:solidFill>
+                <a:srgbClr val="73626E"/>
+              </a:solidFill>
+              <a:latin typeface="Tahoma" charset="0"/>
+              <a:ea typeface="Tahoma" charset="0"/>
+              <a:cs typeface="Tahoma" charset="0"/>
+            </a:endParaRPr>
+          </a:p>
+        </p:txBody>
+      </p:sp>
+      <p:sp>
+        <p:nvSpPr>
+          <p:cNvPr id="99" name="Rectangle 98"/>
+          <p:cNvSpPr/>
+          <p:nvPr/>
+        </p:nvSpPr>
+        <p:spPr>
+          <a:xfrm>
+            <a:off x="7233319" y="7667699"/>
+            <a:ext cx="685800" cy="685800"/>
+          </a:xfrm>
+          <a:prstGeom prst="rect">
+            <a:avLst/>
+          </a:prstGeom>
+          <a:solidFill>
+            <a:schemeClr val="bg1">
+              <a:lumMod val="85000"/>
+            </a:schemeClr>
+          </a:solidFill>
+          <a:ln>
+            <a:noFill/>
+          </a:ln>
+        </p:spPr>
+        <p:style>
+          <a:lnRef idx="2">
+            <a:schemeClr val="accent1">
+              <a:shade val="50000"/>
+            </a:schemeClr>
+          </a:lnRef>
+          <a:fillRef idx="1">
+            <a:schemeClr val="accent1"/>
+          </a:fillRef>
+          <a:effectRef idx="0">
+            <a:schemeClr val="accent1"/>
+          </a:effectRef>
+          <a:fontRef idx="minor">
+            <a:schemeClr val="lt1"/>
+          </a:fontRef>
+        </p:style>
+        <p:txBody>
+          <a:bodyPr rtlCol="0" anchor="ctr"/>
+          <a:lstStyle/>
+          <a:p>
+            <a:pPr algn="ctr"/>
+            <a:r>
+              <a:rPr lang="en-US" sz="1800" dirty="0" smtClean="0">
+                <a:solidFill>
+                  <a:srgbClr val="73626E"/>
+                </a:solidFill>
+                <a:latin typeface="Tahoma" charset="0"/>
+                <a:ea typeface="Tahoma" charset="0"/>
+                <a:cs typeface="Tahoma" charset="0"/>
+              </a:rPr>
+              <a:t>Task</a:t>
+            </a:r>
+            <a:endParaRPr lang="en-US" sz="1800" dirty="0">
+              <a:solidFill>
+                <a:srgbClr val="73626E"/>
+              </a:solidFill>
+              <a:latin typeface="Tahoma" charset="0"/>
+              <a:ea typeface="Tahoma" charset="0"/>
+              <a:cs typeface="Tahoma" charset="0"/>
+            </a:endParaRPr>
+          </a:p>
+        </p:txBody>
+      </p:sp>
+      <p:sp>
+        <p:nvSpPr>
+          <p:cNvPr id="100" name="Rectangle 99"/>
+          <p:cNvSpPr/>
+          <p:nvPr/>
+        </p:nvSpPr>
+        <p:spPr>
+          <a:xfrm>
+            <a:off x="7233319" y="9217595"/>
+            <a:ext cx="685800" cy="685800"/>
+          </a:xfrm>
+          <a:prstGeom prst="rect">
+            <a:avLst/>
+          </a:prstGeom>
+          <a:solidFill>
+            <a:schemeClr val="bg1">
+              <a:lumMod val="85000"/>
+            </a:schemeClr>
+          </a:solidFill>
+          <a:ln>
+            <a:noFill/>
+          </a:ln>
+        </p:spPr>
+        <p:style>
+          <a:lnRef idx="2">
+            <a:schemeClr val="accent1">
+              <a:shade val="50000"/>
+            </a:schemeClr>
+          </a:lnRef>
+          <a:fillRef idx="1">
+            <a:schemeClr val="accent1"/>
+          </a:fillRef>
+          <a:effectRef idx="0">
+            <a:schemeClr val="accent1"/>
+          </a:effectRef>
+          <a:fontRef idx="minor">
+            <a:schemeClr val="lt1"/>
+          </a:fontRef>
+        </p:style>
+        <p:txBody>
+          <a:bodyPr rtlCol="0" anchor="ctr"/>
+          <a:lstStyle/>
+          <a:p>
+            <a:pPr algn="ctr"/>
+            <a:r>
+              <a:rPr lang="en-US" sz="1800" dirty="0" smtClean="0">
+                <a:solidFill>
+                  <a:srgbClr val="73626E"/>
+                </a:solidFill>
+                <a:latin typeface="Tahoma" charset="0"/>
+                <a:ea typeface="Tahoma" charset="0"/>
+                <a:cs typeface="Tahoma" charset="0"/>
+              </a:rPr>
+              <a:t>Task</a:t>
+            </a:r>
+            <a:endParaRPr lang="en-US" sz="1800" dirty="0">
+              <a:solidFill>
+                <a:srgbClr val="73626E"/>
+              </a:solidFill>
+              <a:latin typeface="Tahoma" charset="0"/>
+              <a:ea typeface="Tahoma" charset="0"/>
+              <a:cs typeface="Tahoma" charset="0"/>
+            </a:endParaRPr>
+          </a:p>
+        </p:txBody>
+      </p:sp>
+      <p:sp>
+        <p:nvSpPr>
+          <p:cNvPr id="101" name="Rectangle 100"/>
+          <p:cNvSpPr/>
+          <p:nvPr/>
+        </p:nvSpPr>
+        <p:spPr>
+          <a:xfrm>
+            <a:off x="8457455" y="7129363"/>
+            <a:ext cx="1152128" cy="685800"/>
+          </a:xfrm>
+          <a:prstGeom prst="rect">
+            <a:avLst/>
+          </a:prstGeom>
+          <a:solidFill>
+            <a:schemeClr val="bg1">
+              <a:lumMod val="85000"/>
+            </a:schemeClr>
+          </a:solidFill>
+          <a:ln>
+            <a:noFill/>
+          </a:ln>
+        </p:spPr>
+        <p:style>
+          <a:lnRef idx="2">
+            <a:schemeClr val="accent1">
+              <a:shade val="50000"/>
+            </a:schemeClr>
+          </a:lnRef>
+          <a:fillRef idx="1">
+            <a:schemeClr val="accent1"/>
+          </a:fillRef>
+          <a:effectRef idx="0">
+            <a:schemeClr val="accent1"/>
+          </a:effectRef>
+          <a:fontRef idx="minor">
+            <a:schemeClr val="lt1"/>
+          </a:fontRef>
+        </p:style>
+        <p:txBody>
+          <a:bodyPr rtlCol="0" anchor="ctr"/>
+          <a:lstStyle/>
+          <a:p>
+            <a:pPr algn="ctr"/>
+            <a:r>
+              <a:rPr lang="en-US" sz="1800" dirty="0" smtClean="0">
+                <a:solidFill>
+                  <a:srgbClr val="73626E"/>
+                </a:solidFill>
+                <a:latin typeface="Tahoma" charset="0"/>
+                <a:ea typeface="Tahoma" charset="0"/>
+                <a:cs typeface="Tahoma" charset="0"/>
+              </a:rPr>
+              <a:t>Interface</a:t>
+            </a:r>
+            <a:endParaRPr lang="en-US" sz="1800" dirty="0">
+              <a:solidFill>
+                <a:srgbClr val="73626E"/>
+              </a:solidFill>
+              <a:latin typeface="Tahoma" charset="0"/>
+              <a:ea typeface="Tahoma" charset="0"/>
+              <a:cs typeface="Tahoma" charset="0"/>
+            </a:endParaRPr>
+          </a:p>
+        </p:txBody>
+      </p:sp>
+      <p:sp>
+        <p:nvSpPr>
+          <p:cNvPr id="102" name="Rectangle 101"/>
+          <p:cNvSpPr/>
+          <p:nvPr/>
+        </p:nvSpPr>
+        <p:spPr>
+          <a:xfrm>
+            <a:off x="8474595" y="9505627"/>
+            <a:ext cx="1152128" cy="685800"/>
+          </a:xfrm>
+          <a:prstGeom prst="rect">
+            <a:avLst/>
+          </a:prstGeom>
+          <a:solidFill>
+            <a:schemeClr val="bg1">
+              <a:lumMod val="85000"/>
+            </a:schemeClr>
+          </a:solidFill>
+          <a:ln>
+            <a:noFill/>
+          </a:ln>
+        </p:spPr>
+        <p:style>
+          <a:lnRef idx="2">
+            <a:schemeClr val="accent1">
+              <a:shade val="50000"/>
+            </a:schemeClr>
+          </a:lnRef>
+          <a:fillRef idx="1">
+            <a:schemeClr val="accent1"/>
+          </a:fillRef>
+          <a:effectRef idx="0">
+            <a:schemeClr val="accent1"/>
+          </a:effectRef>
+          <a:fontRef idx="minor">
+            <a:schemeClr val="lt1"/>
+          </a:fontRef>
+        </p:style>
+        <p:txBody>
+          <a:bodyPr rtlCol="0" anchor="ctr"/>
+          <a:lstStyle/>
+          <a:p>
+            <a:pPr algn="ctr"/>
+            <a:r>
+              <a:rPr lang="en-US" sz="1800" smtClean="0">
+                <a:solidFill>
+                  <a:srgbClr val="73626E"/>
+                </a:solidFill>
+                <a:latin typeface="Tahoma" charset="0"/>
+                <a:ea typeface="Tahoma" charset="0"/>
+                <a:cs typeface="Tahoma" charset="0"/>
+              </a:rPr>
+              <a:t>Interface</a:t>
+            </a:r>
+            <a:endParaRPr lang="en-US" sz="1800" dirty="0">
+              <a:solidFill>
+                <a:srgbClr val="73626E"/>
+              </a:solidFill>
+              <a:latin typeface="Tahoma" charset="0"/>
+              <a:ea typeface="Tahoma" charset="0"/>
+              <a:cs typeface="Tahoma" charset="0"/>
+            </a:endParaRPr>
+          </a:p>
+        </p:txBody>
+      </p:sp>
+      <p:sp>
+        <p:nvSpPr>
+          <p:cNvPr id="104" name="Rectangle 103"/>
+          <p:cNvSpPr/>
+          <p:nvPr/>
+        </p:nvSpPr>
+        <p:spPr>
+          <a:xfrm>
+            <a:off x="8313439" y="8281491"/>
+            <a:ext cx="685800" cy="685800"/>
+          </a:xfrm>
+          <a:prstGeom prst="rect">
+            <a:avLst/>
+          </a:prstGeom>
+          <a:solidFill>
+            <a:schemeClr val="bg1">
+              <a:lumMod val="85000"/>
+            </a:schemeClr>
+          </a:solidFill>
+          <a:ln>
+            <a:noFill/>
+          </a:ln>
+        </p:spPr>
+        <p:style>
+          <a:lnRef idx="2">
+            <a:schemeClr val="accent1">
+              <a:shade val="50000"/>
+            </a:schemeClr>
+          </a:lnRef>
+          <a:fillRef idx="1">
+            <a:schemeClr val="accent1"/>
+          </a:fillRef>
+          <a:effectRef idx="0">
+            <a:schemeClr val="accent1"/>
+          </a:effectRef>
+          <a:fontRef idx="minor">
+            <a:schemeClr val="lt1"/>
+          </a:fontRef>
+        </p:style>
+        <p:txBody>
+          <a:bodyPr rtlCol="0" anchor="ctr"/>
+          <a:lstStyle/>
+          <a:p>
+            <a:pPr algn="ctr"/>
+            <a:r>
+              <a:rPr lang="en-US" sz="1800" dirty="0" smtClean="0">
+                <a:solidFill>
+                  <a:srgbClr val="73626E"/>
+                </a:solidFill>
+                <a:latin typeface="Tahoma" charset="0"/>
+                <a:ea typeface="Tahoma" charset="0"/>
+                <a:cs typeface="Tahoma" charset="0"/>
+              </a:rPr>
+              <a:t>Tool</a:t>
+            </a:r>
+            <a:endParaRPr lang="en-US" sz="1800" dirty="0">
+              <a:solidFill>
+                <a:srgbClr val="73626E"/>
+              </a:solidFill>
+              <a:latin typeface="Tahoma" charset="0"/>
+              <a:ea typeface="Tahoma" charset="0"/>
+              <a:cs typeface="Tahoma" charset="0"/>
+            </a:endParaRPr>
+          </a:p>
+        </p:txBody>
+      </p:sp>
+      <p:sp>
+        <p:nvSpPr>
+          <p:cNvPr id="105" name="Rectangle 104"/>
+          <p:cNvSpPr/>
+          <p:nvPr/>
+        </p:nvSpPr>
+        <p:spPr>
+          <a:xfrm>
+            <a:off x="9249543" y="8281491"/>
+            <a:ext cx="685800" cy="685800"/>
+          </a:xfrm>
+          <a:prstGeom prst="rect">
+            <a:avLst/>
+          </a:prstGeom>
+          <a:solidFill>
+            <a:schemeClr val="bg1">
+              <a:lumMod val="85000"/>
+            </a:schemeClr>
+          </a:solidFill>
+          <a:ln>
+            <a:noFill/>
+          </a:ln>
+        </p:spPr>
+        <p:style>
+          <a:lnRef idx="2">
+            <a:schemeClr val="accent1">
+              <a:shade val="50000"/>
+            </a:schemeClr>
+          </a:lnRef>
+          <a:fillRef idx="1">
+            <a:schemeClr val="accent1"/>
+          </a:fillRef>
+          <a:effectRef idx="0">
+            <a:schemeClr val="accent1"/>
+          </a:effectRef>
+          <a:fontRef idx="minor">
+            <a:schemeClr val="lt1"/>
+          </a:fontRef>
+        </p:style>
+        <p:txBody>
+          <a:bodyPr rtlCol="0" anchor="ctr"/>
+          <a:lstStyle/>
+          <a:p>
+            <a:pPr algn="ctr"/>
+            <a:r>
+              <a:rPr lang="en-US" sz="1800" smtClean="0">
+                <a:solidFill>
+                  <a:srgbClr val="73626E"/>
+                </a:solidFill>
+                <a:latin typeface="Tahoma" charset="0"/>
+                <a:ea typeface="Tahoma" charset="0"/>
+                <a:cs typeface="Tahoma" charset="0"/>
+              </a:rPr>
+              <a:t>Tool</a:t>
+            </a:r>
+            <a:endParaRPr lang="en-US" sz="1800" dirty="0">
+              <a:solidFill>
+                <a:srgbClr val="73626E"/>
+              </a:solidFill>
+              <a:latin typeface="Tahoma" charset="0"/>
+              <a:ea typeface="Tahoma" charset="0"/>
+              <a:cs typeface="Tahoma" charset="0"/>
+            </a:endParaRPr>
+          </a:p>
+        </p:txBody>
+      </p:sp>
+      <p:sp>
+        <p:nvSpPr>
+          <p:cNvPr id="106" name="Rectangle 105"/>
+          <p:cNvSpPr/>
+          <p:nvPr/>
+        </p:nvSpPr>
+        <p:spPr>
+          <a:xfrm>
+            <a:off x="8707759" y="10513739"/>
+            <a:ext cx="685800" cy="685800"/>
+          </a:xfrm>
+          <a:prstGeom prst="rect">
+            <a:avLst/>
+          </a:prstGeom>
+          <a:solidFill>
+            <a:schemeClr val="bg1">
+              <a:lumMod val="85000"/>
+            </a:schemeClr>
+          </a:solidFill>
+          <a:ln>
+            <a:noFill/>
+          </a:ln>
+        </p:spPr>
+        <p:style>
+          <a:lnRef idx="2">
+            <a:schemeClr val="accent1">
+              <a:shade val="50000"/>
+            </a:schemeClr>
+          </a:lnRef>
+          <a:fillRef idx="1">
+            <a:schemeClr val="accent1"/>
+          </a:fillRef>
+          <a:effectRef idx="0">
+            <a:schemeClr val="accent1"/>
+          </a:effectRef>
+          <a:fontRef idx="minor">
+            <a:schemeClr val="lt1"/>
+          </a:fontRef>
+        </p:style>
+        <p:txBody>
+          <a:bodyPr rtlCol="0" anchor="ctr"/>
+          <a:lstStyle/>
+          <a:p>
+            <a:pPr algn="ctr"/>
+            <a:r>
+              <a:rPr lang="en-US" sz="1800" smtClean="0">
+                <a:solidFill>
+                  <a:srgbClr val="73626E"/>
+                </a:solidFill>
+                <a:latin typeface="Tahoma" charset="0"/>
+                <a:ea typeface="Tahoma" charset="0"/>
+                <a:cs typeface="Tahoma" charset="0"/>
+              </a:rPr>
+              <a:t>Tool</a:t>
+            </a:r>
+            <a:endParaRPr lang="en-US" sz="1800" dirty="0">
+              <a:solidFill>
+                <a:srgbClr val="73626E"/>
+              </a:solidFill>
+              <a:latin typeface="Tahoma" charset="0"/>
+              <a:ea typeface="Tahoma" charset="0"/>
+              <a:cs typeface="Tahoma" charset="0"/>
+            </a:endParaRPr>
+          </a:p>
+        </p:txBody>
+      </p:sp>
+      <p:cxnSp>
+        <p:nvCxnSpPr>
+          <p:cNvPr id="109" name="Straight Arrow Connector 108"/>
+          <p:cNvCxnSpPr>
+            <a:stCxn id="97" idx="3"/>
+            <a:endCxn id="98" idx="1"/>
+          </p:cNvCxnSpPr>
+          <p:nvPr/>
+        </p:nvCxnSpPr>
+        <p:spPr>
+          <a:xfrm>
+            <a:off x="5054772" y="8065467"/>
+            <a:ext cx="450678" cy="36004"/>
+          </a:xfrm>
+          <a:prstGeom prst="straightConnector1">
+            <a:avLst/>
+          </a:prstGeom>
+          <a:ln w="25400">
+            <a:solidFill>
+              <a:schemeClr val="bg1">
+                <a:lumMod val="85000"/>
+              </a:schemeClr>
+            </a:solidFill>
+            <a:headEnd type="arrow" w="sm" len="sm"/>
+            <a:tailEnd type="none" w="med" len="med"/>
+          </a:ln>
+        </p:spPr>
+        <p:style>
+          <a:lnRef idx="1">
+            <a:schemeClr val="accent1"/>
+          </a:lnRef>
+          <a:fillRef idx="0">
+            <a:schemeClr val="accent1"/>
+          </a:fillRef>
+          <a:effectRef idx="0">
+            <a:schemeClr val="accent1"/>
+          </a:effectRef>
+          <a:fontRef idx="minor">
+            <a:schemeClr val="tx1"/>
+          </a:fontRef>
+        </p:style>
+      </p:cxnSp>
+      <p:cxnSp>
+        <p:nvCxnSpPr>
+          <p:cNvPr id="126" name="Elbow Connector 125"/>
+          <p:cNvCxnSpPr>
+            <a:stCxn id="100" idx="3"/>
+            <a:endCxn id="102" idx="1"/>
+          </p:cNvCxnSpPr>
+          <p:nvPr/>
+        </p:nvCxnSpPr>
+        <p:spPr>
+          <a:xfrm>
+            <a:off x="7919119" y="9560495"/>
+            <a:ext cx="555476" cy="288032"/>
+          </a:xfrm>
+          <a:prstGeom prst="bentConnector3">
+            <a:avLst>
+              <a:gd name="adj1" fmla="val 50000"/>
+            </a:avLst>
+          </a:prstGeom>
+          <a:ln w="25400">
+            <a:solidFill>
+              <a:schemeClr val="bg1">
+                <a:lumMod val="85000"/>
+              </a:schemeClr>
+            </a:solidFill>
+            <a:tailEnd type="arrow" w="sm" len="sm"/>
+          </a:ln>
+        </p:spPr>
+        <p:style>
+          <a:lnRef idx="1">
+            <a:schemeClr val="accent1"/>
+          </a:lnRef>
+          <a:fillRef idx="0">
+            <a:schemeClr val="accent1"/>
+          </a:fillRef>
+          <a:effectRef idx="0">
+            <a:schemeClr val="accent1"/>
+          </a:effectRef>
+          <a:fontRef idx="minor">
+            <a:schemeClr val="tx1"/>
+          </a:fontRef>
+        </p:style>
+      </p:cxnSp>
+      <p:cxnSp>
+        <p:nvCxnSpPr>
+          <p:cNvPr id="152" name="Straight Arrow Connector 151"/>
+          <p:cNvCxnSpPr>
+            <a:stCxn id="106" idx="0"/>
+            <a:endCxn id="102" idx="2"/>
+          </p:cNvCxnSpPr>
+          <p:nvPr/>
+        </p:nvCxnSpPr>
+        <p:spPr>
+          <a:xfrm flipV="1">
+            <a:off x="9050659" y="10191427"/>
+            <a:ext cx="0" cy="322312"/>
+          </a:xfrm>
+          <a:prstGeom prst="straightConnector1">
+            <a:avLst/>
+          </a:prstGeom>
+          <a:ln w="25400">
+            <a:solidFill>
+              <a:schemeClr val="bg1">
+                <a:lumMod val="85000"/>
+              </a:schemeClr>
+            </a:solidFill>
+            <a:headEnd type="arrow" w="sm" len="sm"/>
+            <a:tailEnd type="arrow" w="sm" len="sm"/>
+          </a:ln>
+        </p:spPr>
+        <p:style>
+          <a:lnRef idx="1">
+            <a:schemeClr val="accent1"/>
+          </a:lnRef>
+          <a:fillRef idx="0">
+            <a:schemeClr val="accent1"/>
+          </a:fillRef>
+          <a:effectRef idx="0">
+            <a:schemeClr val="accent1"/>
+          </a:effectRef>
+          <a:fontRef idx="minor">
+            <a:schemeClr val="tx1"/>
+          </a:fontRef>
+        </p:style>
+      </p:cxnSp>
+      <p:sp>
+        <p:nvSpPr>
+          <p:cNvPr id="171" name="TextBox 170"/>
+          <p:cNvSpPr txBox="1"/>
+          <p:nvPr/>
+        </p:nvSpPr>
+        <p:spPr>
+          <a:xfrm>
+            <a:off x="824607" y="8353499"/>
+            <a:ext cx="2952328" cy="1015663"/>
+          </a:xfrm>
+          <a:prstGeom prst="rect">
+            <a:avLst/>
+          </a:prstGeom>
+          <a:solidFill>
+            <a:schemeClr val="bg1">
+              <a:lumMod val="85000"/>
+            </a:schemeClr>
+          </a:solidFill>
+        </p:spPr>
+        <p:txBody>
+          <a:bodyPr wrap="square" rtlCol="0">
+            <a:spAutoFit/>
+          </a:bodyPr>
+          <a:lstStyle/>
+          <a:p>
+            <a:pPr algn="ctr"/>
+            <a:r>
+              <a:rPr lang="en-US" sz="2000" dirty="0" smtClean="0"/>
+              <a:t>{ Submit 📮 }</a:t>
+            </a:r>
+          </a:p>
+          <a:p>
+            <a:pPr marL="342900" indent="-342900">
+              <a:buFont typeface="Arial" charset="0"/>
+              <a:buChar char="•"/>
+            </a:pPr>
+            <a:r>
+              <a:rPr lang="en-US" sz="2000" dirty="0" smtClean="0"/>
+              <a:t>Deposit files</a:t>
+            </a:r>
+          </a:p>
+          <a:p>
+            <a:pPr marL="342900" indent="-342900">
+              <a:buFont typeface="Arial" charset="0"/>
+              <a:buChar char="•"/>
+            </a:pPr>
+            <a:r>
+              <a:rPr lang="en-US" sz="2000" dirty="0" smtClean="0"/>
+              <a:t>Review deposits</a:t>
+            </a:r>
+          </a:p>
+        </p:txBody>
+      </p:sp>
+      <p:sp>
+        <p:nvSpPr>
+          <p:cNvPr id="172" name="TextBox 171"/>
+          <p:cNvSpPr txBox="1"/>
+          <p:nvPr/>
+        </p:nvSpPr>
+        <p:spPr>
+          <a:xfrm>
+            <a:off x="824607" y="9505627"/>
+            <a:ext cx="2952328" cy="1938992"/>
+          </a:xfrm>
+          <a:prstGeom prst="rect">
+            <a:avLst/>
+          </a:prstGeom>
+          <a:solidFill>
+            <a:schemeClr val="bg1">
+              <a:lumMod val="85000"/>
+            </a:schemeClr>
+          </a:solidFill>
+        </p:spPr>
+        <p:txBody>
+          <a:bodyPr wrap="square" rtlCol="0">
+            <a:spAutoFit/>
+          </a:bodyPr>
+          <a:lstStyle/>
+          <a:p>
+            <a:pPr algn="ctr"/>
+            <a:r>
+              <a:rPr lang="en-US" sz="2000" dirty="0" smtClean="0"/>
+              <a:t>{ Edit ✏️ }</a:t>
+            </a:r>
+          </a:p>
+          <a:p>
+            <a:pPr marL="342900" indent="-342900">
+              <a:buFont typeface="Arial" charset="0"/>
+              <a:buChar char="•"/>
+            </a:pPr>
+            <a:r>
+              <a:rPr lang="en-US" sz="2000" dirty="0" smtClean="0"/>
+              <a:t>Catalog</a:t>
+            </a:r>
+          </a:p>
+          <a:p>
+            <a:pPr marL="342900" indent="-342900">
+              <a:buFont typeface="Arial" charset="0"/>
+              <a:buChar char="•"/>
+            </a:pPr>
+            <a:r>
+              <a:rPr lang="en-US" sz="2000" dirty="0" smtClean="0"/>
+              <a:t>Transcribe</a:t>
+            </a:r>
+          </a:p>
+          <a:p>
+            <a:pPr marL="342900" indent="-342900">
+              <a:buFont typeface="Arial" charset="0"/>
+              <a:buChar char="•"/>
+            </a:pPr>
+            <a:r>
+              <a:rPr lang="en-US" sz="2000" dirty="0" smtClean="0"/>
+              <a:t>Encode</a:t>
+            </a:r>
+          </a:p>
+          <a:p>
+            <a:pPr marL="342900" indent="-342900">
+              <a:buFont typeface="Arial" charset="0"/>
+              <a:buChar char="•"/>
+            </a:pPr>
+            <a:r>
+              <a:rPr lang="en-US" sz="2000" dirty="0" smtClean="0"/>
+              <a:t>Translate</a:t>
+            </a:r>
+          </a:p>
+          <a:p>
+            <a:pPr marL="342900" indent="-342900">
+              <a:buFont typeface="Arial" charset="0"/>
+              <a:buChar char="•"/>
+            </a:pPr>
+            <a:r>
+              <a:rPr lang="en-US" sz="2000" dirty="0" smtClean="0"/>
+              <a:t>Transliterate</a:t>
+            </a:r>
+            <a:endParaRPr lang="en-US" sz="2000" dirty="0"/>
+          </a:p>
+        </p:txBody>
+      </p:sp>
+      <p:pic>
+        <p:nvPicPr>
+          <p:cNvPr id="190" name="Picture 189"/>
+          <p:cNvPicPr>
+            <a:picLocks noChangeAspect="1"/>
+          </p:cNvPicPr>
+          <p:nvPr/>
+        </p:nvPicPr>
+        <p:blipFill>
+          <a:blip r:embed="rId5">
+            <a:extLst>
+              <a:ext uri="{28A0092B-C50C-407E-A947-70E740481C1C}">
+                <a14:useLocalDpi xmlns:a14="http://schemas.microsoft.com/office/drawing/2010/main" val="0"/>
+              </a:ext>
+            </a:extLst>
+          </a:blip>
+          <a:stretch>
+            <a:fillRect/>
+          </a:stretch>
+        </p:blipFill>
+        <p:spPr>
+          <a:xfrm>
+            <a:off x="3992959" y="9793659"/>
+            <a:ext cx="1061813" cy="864096"/>
+          </a:xfrm>
+          <a:prstGeom prst="rect">
+            <a:avLst/>
+          </a:prstGeom>
+          <a:ln>
+            <a:solidFill>
+              <a:schemeClr val="bg1"/>
+            </a:solidFill>
+          </a:ln>
+        </p:spPr>
+      </p:pic>
+      <p:sp>
+        <p:nvSpPr>
+          <p:cNvPr id="194" name="Diamond 193"/>
+          <p:cNvSpPr/>
+          <p:nvPr/>
+        </p:nvSpPr>
+        <p:spPr>
+          <a:xfrm>
+            <a:off x="5505127" y="9505627"/>
+            <a:ext cx="1296144" cy="1368152"/>
+          </a:xfrm>
+          <a:prstGeom prst="diamond">
+            <a:avLst/>
+          </a:prstGeom>
+          <a:solidFill>
+            <a:schemeClr val="bg1">
+              <a:lumMod val="85000"/>
+            </a:schemeClr>
+          </a:solidFill>
+          <a:ln>
+            <a:noFill/>
+          </a:ln>
+        </p:spPr>
+        <p:style>
+          <a:lnRef idx="2">
+            <a:schemeClr val="accent1">
+              <a:shade val="50000"/>
+            </a:schemeClr>
+          </a:lnRef>
+          <a:fillRef idx="1">
+            <a:schemeClr val="accent1"/>
+          </a:fillRef>
+          <a:effectRef idx="0">
+            <a:schemeClr val="accent1"/>
+          </a:effectRef>
+          <a:fontRef idx="minor">
+            <a:schemeClr val="lt1"/>
+          </a:fontRef>
+        </p:style>
+        <p:txBody>
+          <a:bodyPr rtlCol="0" anchor="ctr"/>
+          <a:lstStyle/>
+          <a:p>
+            <a:pPr algn="ctr"/>
+            <a:r>
+              <a:rPr lang="en-US" sz="1800" dirty="0" smtClean="0">
+                <a:solidFill>
+                  <a:srgbClr val="73626E"/>
+                </a:solidFill>
+                <a:latin typeface="Tahoma" charset="0"/>
+                <a:ea typeface="Tahoma" charset="0"/>
+                <a:cs typeface="Tahoma" charset="0"/>
+              </a:rPr>
+              <a:t>Role</a:t>
+            </a:r>
+            <a:endParaRPr lang="en-US" sz="1800" dirty="0">
+              <a:solidFill>
+                <a:srgbClr val="73626E"/>
+              </a:solidFill>
+              <a:latin typeface="Tahoma" charset="0"/>
+              <a:ea typeface="Tahoma" charset="0"/>
+              <a:cs typeface="Tahoma" charset="0"/>
+            </a:endParaRPr>
+          </a:p>
+        </p:txBody>
+      </p:sp>
+      <p:cxnSp>
+        <p:nvCxnSpPr>
+          <p:cNvPr id="196" name="Straight Arrow Connector 195"/>
+          <p:cNvCxnSpPr/>
+          <p:nvPr/>
+        </p:nvCxnSpPr>
+        <p:spPr>
+          <a:xfrm>
+            <a:off x="5073079" y="10225707"/>
+            <a:ext cx="432371" cy="0"/>
+          </a:xfrm>
+          <a:prstGeom prst="straightConnector1">
+            <a:avLst/>
+          </a:prstGeom>
+          <a:ln w="25400">
+            <a:solidFill>
+              <a:schemeClr val="bg1">
+                <a:lumMod val="85000"/>
+              </a:schemeClr>
+            </a:solidFill>
+            <a:headEnd type="arrow" w="sm" len="sm"/>
+            <a:tailEnd type="none" w="med" len="med"/>
+          </a:ln>
+        </p:spPr>
+        <p:style>
+          <a:lnRef idx="1">
+            <a:schemeClr val="accent1"/>
+          </a:lnRef>
+          <a:fillRef idx="0">
+            <a:schemeClr val="accent1"/>
+          </a:fillRef>
+          <a:effectRef idx="0">
+            <a:schemeClr val="accent1"/>
+          </a:effectRef>
+          <a:fontRef idx="minor">
+            <a:schemeClr val="tx1"/>
+          </a:fontRef>
+        </p:style>
+      </p:cxnSp>
+      <p:cxnSp>
+        <p:nvCxnSpPr>
+          <p:cNvPr id="207" name="Elbow Connector 206"/>
+          <p:cNvCxnSpPr>
+            <a:stCxn id="99" idx="3"/>
+            <a:endCxn id="101" idx="1"/>
+          </p:cNvCxnSpPr>
+          <p:nvPr/>
+        </p:nvCxnSpPr>
+        <p:spPr>
+          <a:xfrm flipV="1">
+            <a:off x="7919119" y="7472263"/>
+            <a:ext cx="538336" cy="538336"/>
+          </a:xfrm>
+          <a:prstGeom prst="bentConnector3">
+            <a:avLst>
+              <a:gd name="adj1" fmla="val 50000"/>
+            </a:avLst>
+          </a:prstGeom>
+          <a:ln w="25400">
+            <a:solidFill>
+              <a:schemeClr val="bg1">
+                <a:lumMod val="85000"/>
+              </a:schemeClr>
+            </a:solidFill>
+            <a:tailEnd type="arrow" w="sm" len="sm"/>
+          </a:ln>
+        </p:spPr>
+        <p:style>
+          <a:lnRef idx="1">
+            <a:schemeClr val="accent1"/>
+          </a:lnRef>
+          <a:fillRef idx="0">
+            <a:schemeClr val="accent1"/>
+          </a:fillRef>
+          <a:effectRef idx="0">
+            <a:schemeClr val="accent1"/>
+          </a:effectRef>
+          <a:fontRef idx="minor">
+            <a:schemeClr val="tx1"/>
+          </a:fontRef>
+        </p:style>
+      </p:cxnSp>
+      <p:cxnSp>
+        <p:nvCxnSpPr>
+          <p:cNvPr id="211" name="Elbow Connector 210"/>
+          <p:cNvCxnSpPr>
+            <a:endCxn id="100" idx="1"/>
+          </p:cNvCxnSpPr>
+          <p:nvPr/>
+        </p:nvCxnSpPr>
+        <p:spPr>
+          <a:xfrm rot="16200000" flipH="1">
+            <a:off x="6305785" y="8632961"/>
+            <a:ext cx="1423020" cy="432048"/>
+          </a:xfrm>
+          <a:prstGeom prst="bentConnector2">
+            <a:avLst/>
+          </a:prstGeom>
+          <a:ln w="25400">
+            <a:solidFill>
+              <a:schemeClr val="bg1">
+                <a:lumMod val="85000"/>
+              </a:schemeClr>
+            </a:solidFill>
+            <a:tailEnd type="arrow" w="sm" len="sm"/>
+          </a:ln>
+        </p:spPr>
+        <p:style>
+          <a:lnRef idx="1">
+            <a:schemeClr val="accent1"/>
+          </a:lnRef>
+          <a:fillRef idx="0">
+            <a:schemeClr val="accent1"/>
+          </a:fillRef>
+          <a:effectRef idx="0">
+            <a:schemeClr val="accent1"/>
+          </a:effectRef>
+          <a:fontRef idx="minor">
+            <a:schemeClr val="tx1"/>
+          </a:fontRef>
+        </p:style>
+      </p:cxnSp>
+      <p:cxnSp>
+        <p:nvCxnSpPr>
+          <p:cNvPr id="216" name="Straight Arrow Connector 215"/>
+          <p:cNvCxnSpPr/>
+          <p:nvPr/>
+        </p:nvCxnSpPr>
+        <p:spPr>
+          <a:xfrm flipH="1">
+            <a:off x="6801271" y="8065467"/>
+            <a:ext cx="432049" cy="0"/>
+          </a:xfrm>
+          <a:prstGeom prst="straightConnector1">
+            <a:avLst/>
+          </a:prstGeom>
+          <a:ln w="25400">
+            <a:solidFill>
+              <a:schemeClr val="bg1">
+                <a:lumMod val="85000"/>
+              </a:schemeClr>
+            </a:solidFill>
+            <a:headEnd type="arrow" w="sm" len="sm"/>
+            <a:tailEnd type="none" w="med" len="med"/>
+          </a:ln>
+        </p:spPr>
+        <p:style>
+          <a:lnRef idx="1">
+            <a:schemeClr val="accent1"/>
+          </a:lnRef>
+          <a:fillRef idx="0">
+            <a:schemeClr val="accent1"/>
+          </a:fillRef>
+          <a:effectRef idx="0">
+            <a:schemeClr val="accent1"/>
+          </a:effectRef>
+          <a:fontRef idx="minor">
+            <a:schemeClr val="tx1"/>
+          </a:fontRef>
+        </p:style>
+      </p:cxnSp>
+      <p:cxnSp>
+        <p:nvCxnSpPr>
+          <p:cNvPr id="220" name="Elbow Connector 219"/>
+          <p:cNvCxnSpPr>
+            <a:stCxn id="194" idx="3"/>
+            <a:endCxn id="100" idx="2"/>
+          </p:cNvCxnSpPr>
+          <p:nvPr/>
+        </p:nvCxnSpPr>
+        <p:spPr>
+          <a:xfrm flipV="1">
+            <a:off x="6801271" y="9903395"/>
+            <a:ext cx="774948" cy="286308"/>
+          </a:xfrm>
+          <a:prstGeom prst="bentConnector2">
+            <a:avLst/>
+          </a:prstGeom>
+          <a:ln w="25400">
+            <a:solidFill>
+              <a:schemeClr val="bg1">
+                <a:lumMod val="85000"/>
+              </a:schemeClr>
+            </a:solidFill>
+            <a:tailEnd type="arrow" w="sm" len="sm"/>
+          </a:ln>
+        </p:spPr>
+        <p:style>
+          <a:lnRef idx="1">
+            <a:schemeClr val="accent1"/>
+          </a:lnRef>
+          <a:fillRef idx="0">
+            <a:schemeClr val="accent1"/>
+          </a:fillRef>
+          <a:effectRef idx="0">
+            <a:schemeClr val="accent1"/>
+          </a:effectRef>
+          <a:fontRef idx="minor">
+            <a:schemeClr val="tx1"/>
+          </a:fontRef>
+        </p:style>
+      </p:cxnSp>
+      <p:cxnSp>
+        <p:nvCxnSpPr>
+          <p:cNvPr id="223" name="Elbow Connector 222"/>
+          <p:cNvCxnSpPr>
+            <a:stCxn id="104" idx="0"/>
+            <a:endCxn id="105" idx="0"/>
+          </p:cNvCxnSpPr>
+          <p:nvPr/>
+        </p:nvCxnSpPr>
+        <p:spPr>
+          <a:xfrm rot="5400000" flipH="1" flipV="1">
+            <a:off x="9124391" y="7813439"/>
+            <a:ext cx="12700" cy="936104"/>
+          </a:xfrm>
+          <a:prstGeom prst="bentConnector3">
+            <a:avLst>
+              <a:gd name="adj1" fmla="val 1800000"/>
+            </a:avLst>
+          </a:prstGeom>
+          <a:ln w="25400">
+            <a:solidFill>
+              <a:schemeClr val="bg1">
+                <a:lumMod val="85000"/>
+              </a:schemeClr>
+            </a:solidFill>
+            <a:headEnd type="arrow" w="sm" len="sm"/>
+            <a:tailEnd type="arrow" w="sm" len="sm"/>
+          </a:ln>
+        </p:spPr>
+        <p:style>
+          <a:lnRef idx="1">
+            <a:schemeClr val="accent1"/>
+          </a:lnRef>
+          <a:fillRef idx="0">
+            <a:schemeClr val="accent1"/>
+          </a:fillRef>
+          <a:effectRef idx="0">
+            <a:schemeClr val="accent1"/>
+          </a:effectRef>
+          <a:fontRef idx="minor">
+            <a:schemeClr val="tx1"/>
+          </a:fontRef>
+        </p:style>
+      </p:cxnSp>
+      <p:cxnSp>
+        <p:nvCxnSpPr>
+          <p:cNvPr id="228" name="Straight Arrow Connector 227"/>
+          <p:cNvCxnSpPr>
+            <a:stCxn id="101" idx="2"/>
+          </p:cNvCxnSpPr>
+          <p:nvPr/>
+        </p:nvCxnSpPr>
+        <p:spPr>
+          <a:xfrm flipH="1">
+            <a:off x="9032875" y="7815163"/>
+            <a:ext cx="644" cy="178296"/>
+          </a:xfrm>
+          <a:prstGeom prst="straightConnector1">
+            <a:avLst/>
+          </a:prstGeom>
+          <a:ln w="25400">
+            <a:solidFill>
+              <a:schemeClr val="bg1">
+                <a:lumMod val="85000"/>
+              </a:schemeClr>
+            </a:solidFill>
+            <a:headEnd type="arrow" w="sm" len="sm"/>
+            <a:tailEnd type="none" w="med" len="med"/>
+          </a:ln>
+        </p:spPr>
+        <p:style>
+          <a:lnRef idx="1">
+            <a:schemeClr val="accent1"/>
+          </a:lnRef>
+          <a:fillRef idx="0">
+            <a:schemeClr val="accent1"/>
+          </a:fillRef>
+          <a:effectRef idx="0">
+            <a:schemeClr val="accent1"/>
+          </a:effectRef>
+          <a:fontRef idx="minor">
+            <a:schemeClr val="tx1"/>
+          </a:fontRef>
+        </p:style>
+      </p:cxnSp>
+      <p:sp>
+        <p:nvSpPr>
+          <p:cNvPr id="231" name="TextBox 230"/>
+          <p:cNvSpPr txBox="1"/>
+          <p:nvPr/>
+        </p:nvSpPr>
+        <p:spPr>
+          <a:xfrm>
+            <a:off x="4569023" y="10945787"/>
+            <a:ext cx="3600400" cy="529376"/>
+          </a:xfrm>
+          <a:prstGeom prst="rect">
+            <a:avLst/>
+          </a:prstGeom>
+          <a:noFill/>
+          <a:ln w="19050">
+            <a:noFill/>
+          </a:ln>
+        </p:spPr>
+        <p:txBody>
+          <a:bodyPr wrap="square" lIns="0" tIns="18288" rIns="0" bIns="18288" rtlCol="0">
+            <a:spAutoFit/>
+          </a:bodyPr>
+          <a:lstStyle/>
+          <a:p>
+            <a:pPr algn="ctr"/>
+            <a:r>
+              <a:rPr lang="en-US" sz="1600" i="1" dirty="0" smtClean="0">
+                <a:solidFill>
+                  <a:schemeClr val="bg1">
+                    <a:lumMod val="85000"/>
+                  </a:schemeClr>
+                </a:solidFill>
+                <a:latin typeface="Tahoma" charset="0"/>
+                <a:ea typeface="Tahoma" charset="0"/>
+                <a:cs typeface="Tahoma" charset="0"/>
+              </a:rPr>
+              <a:t>Relationships between team members, roles, tasks, interfaces, and tools</a:t>
+            </a:r>
+            <a:endParaRPr lang="en-US" sz="1600" i="1" dirty="0">
+              <a:solidFill>
+                <a:schemeClr val="bg1">
+                  <a:lumMod val="85000"/>
+                </a:schemeClr>
+              </a:solidFill>
+              <a:latin typeface="Tahoma" charset="0"/>
+              <a:ea typeface="Tahoma" charset="0"/>
+              <a:cs typeface="Tahoma" charset="0"/>
+            </a:endParaRPr>
           </a:p>
         </p:txBody>
       </p:sp>
@@ -8045,8 +8538,8 @@
         </p:blipFill>
         <p:spPr>
           <a:xfrm>
-            <a:off x="5649143" y="4465067"/>
-            <a:ext cx="3888432" cy="2447540"/>
+            <a:off x="1544687" y="8497515"/>
+            <a:ext cx="7435990" cy="4680520"/>
           </a:xfrm>
           <a:prstGeom prst="rect">
             <a:avLst/>

--- a/Open Repositories 2017/Charon Poster/OR2017_Charon_Poster_Working.pptx
+++ b/Open Repositories 2017/Charon Poster/OR2017_Charon_Poster_Working.pptx
@@ -120,12 +120,17 @@
   <p:extLst>
     <p:ext uri="{EFAFB233-063F-42B5-8137-9DF3F51BA10A}">
       <p15:sldGuideLst xmlns:p15="http://schemas.microsoft.com/office/powerpoint/2012/main">
-        <p15:guide id="1" orient="horz" pos="5852" userDrawn="1">
+        <p15:guide id="1" orient="horz" pos="6714" userDrawn="1">
           <p15:clr>
             <a:srgbClr val="A4A3A4"/>
           </p15:clr>
         </p15:guide>
-        <p15:guide id="2" pos="5237" userDrawn="1">
+        <p15:guide id="2" pos="429" userDrawn="1">
+          <p15:clr>
+            <a:srgbClr val="A4A3A4"/>
+          </p15:clr>
+        </p15:guide>
+        <p15:guide id="3" pos="6280" userDrawn="1">
           <p15:clr>
             <a:srgbClr val="A4A3A4"/>
           </p15:clr>
@@ -415,7 +420,7 @@
           <a:p>
             <a:fld id="{60829E41-64EF-604D-A40A-7DA186A06455}" type="datetimeFigureOut">
               <a:rPr lang="en-US" smtClean="0"/>
-              <a:t>5/25/17</a:t>
+              <a:t>5/26/17</a:t>
             </a:fld>
             <a:endParaRPr lang="en-US"/>
           </a:p>
@@ -1537,7 +1542,7 @@
             <a:fld id="{E8B92B60-3ACF-4E3B-ACCA-3CF86291A092}" type="datetimeFigureOut">
               <a:rPr lang="en-AU" smtClean="0"/>
               <a:pPr/>
-              <a:t>25/05/2017</a:t>
+              <a:t>26/05/2017</a:t>
             </a:fld>
             <a:endParaRPr lang="en-AU"/>
           </a:p>
@@ -1704,7 +1709,7 @@
             <a:fld id="{E8B92B60-3ACF-4E3B-ACCA-3CF86291A092}" type="datetimeFigureOut">
               <a:rPr lang="en-AU" smtClean="0"/>
               <a:pPr/>
-              <a:t>25/05/2017</a:t>
+              <a:t>26/05/2017</a:t>
             </a:fld>
             <a:endParaRPr lang="en-AU"/>
           </a:p>
@@ -1881,7 +1886,7 @@
             <a:fld id="{E8B92B60-3ACF-4E3B-ACCA-3CF86291A092}" type="datetimeFigureOut">
               <a:rPr lang="en-AU" smtClean="0"/>
               <a:pPr/>
-              <a:t>25/05/2017</a:t>
+              <a:t>26/05/2017</a:t>
             </a:fld>
             <a:endParaRPr lang="en-AU"/>
           </a:p>
@@ -2048,7 +2053,7 @@
             <a:fld id="{E8B92B60-3ACF-4E3B-ACCA-3CF86291A092}" type="datetimeFigureOut">
               <a:rPr lang="en-AU" smtClean="0"/>
               <a:pPr/>
-              <a:t>25/05/2017</a:t>
+              <a:t>26/05/2017</a:t>
             </a:fld>
             <a:endParaRPr lang="en-AU"/>
           </a:p>
@@ -2291,7 +2296,7 @@
             <a:fld id="{E8B92B60-3ACF-4E3B-ACCA-3CF86291A092}" type="datetimeFigureOut">
               <a:rPr lang="en-AU" smtClean="0"/>
               <a:pPr/>
-              <a:t>25/05/2017</a:t>
+              <a:t>26/05/2017</a:t>
             </a:fld>
             <a:endParaRPr lang="en-AU"/>
           </a:p>
@@ -2576,7 +2581,7 @@
             <a:fld id="{E8B92B60-3ACF-4E3B-ACCA-3CF86291A092}" type="datetimeFigureOut">
               <a:rPr lang="en-AU" smtClean="0"/>
               <a:pPr/>
-              <a:t>25/05/2017</a:t>
+              <a:t>26/05/2017</a:t>
             </a:fld>
             <a:endParaRPr lang="en-AU"/>
           </a:p>
@@ -3000,7 +3005,7 @@
             <a:fld id="{E8B92B60-3ACF-4E3B-ACCA-3CF86291A092}" type="datetimeFigureOut">
               <a:rPr lang="en-AU" smtClean="0"/>
               <a:pPr/>
-              <a:t>25/05/2017</a:t>
+              <a:t>26/05/2017</a:t>
             </a:fld>
             <a:endParaRPr lang="en-AU"/>
           </a:p>
@@ -3115,7 +3120,7 @@
             <a:fld id="{E8B92B60-3ACF-4E3B-ACCA-3CF86291A092}" type="datetimeFigureOut">
               <a:rPr lang="en-AU" smtClean="0"/>
               <a:pPr/>
-              <a:t>25/05/2017</a:t>
+              <a:t>26/05/2017</a:t>
             </a:fld>
             <a:endParaRPr lang="en-AU"/>
           </a:p>
@@ -3207,7 +3212,7 @@
             <a:fld id="{E8B92B60-3ACF-4E3B-ACCA-3CF86291A092}" type="datetimeFigureOut">
               <a:rPr lang="en-AU" smtClean="0"/>
               <a:pPr/>
-              <a:t>25/05/2017</a:t>
+              <a:t>26/05/2017</a:t>
             </a:fld>
             <a:endParaRPr lang="en-AU"/>
           </a:p>
@@ -3481,7 +3486,7 @@
             <a:fld id="{E8B92B60-3ACF-4E3B-ACCA-3CF86291A092}" type="datetimeFigureOut">
               <a:rPr lang="en-AU" smtClean="0"/>
               <a:pPr/>
-              <a:t>25/05/2017</a:t>
+              <a:t>26/05/2017</a:t>
             </a:fld>
             <a:endParaRPr lang="en-AU"/>
           </a:p>
@@ -3731,7 +3736,7 @@
             <a:fld id="{E8B92B60-3ACF-4E3B-ACCA-3CF86291A092}" type="datetimeFigureOut">
               <a:rPr lang="en-AU" smtClean="0"/>
               <a:pPr/>
-              <a:t>25/05/2017</a:t>
+              <a:t>26/05/2017</a:t>
             </a:fld>
             <a:endParaRPr lang="en-AU"/>
           </a:p>
@@ -3941,7 +3946,7 @@
             <a:fld id="{E8B92B60-3ACF-4E3B-ACCA-3CF86291A092}" type="datetimeFigureOut">
               <a:rPr lang="en-AU" smtClean="0"/>
               <a:pPr/>
-              <a:t>25/05/2017</a:t>
+              <a:t>26/05/2017</a:t>
             </a:fld>
             <a:endParaRPr lang="en-AU"/>
           </a:p>
@@ -4331,8 +4336,8 @@
         </p:nvSpPr>
         <p:spPr>
           <a:xfrm>
-            <a:off x="240699" y="16922451"/>
-            <a:ext cx="9784818" cy="1160512"/>
+            <a:off x="266858" y="16922451"/>
+            <a:ext cx="9792965" cy="1160512"/>
           </a:xfrm>
           <a:prstGeom prst="roundRect">
             <a:avLst>
@@ -4389,8 +4394,8 @@
         </p:nvSpPr>
         <p:spPr>
           <a:xfrm rot="5400000">
-            <a:off x="4812937" y="12862113"/>
-            <a:ext cx="1160512" cy="9281188"/>
+            <a:off x="4825894" y="12849156"/>
+            <a:ext cx="1160512" cy="9307102"/>
           </a:xfrm>
           <a:prstGeom prst="round2SameRect">
             <a:avLst>
@@ -4446,7 +4451,7 @@
         </p:nvSpPr>
         <p:spPr>
           <a:xfrm>
-            <a:off x="248543" y="6841331"/>
+            <a:off x="248543" y="11881891"/>
             <a:ext cx="9793088" cy="4896544"/>
           </a:xfrm>
           <a:prstGeom prst="roundRect">
@@ -4504,8 +4509,8 @@
         </p:nvSpPr>
         <p:spPr>
           <a:xfrm rot="5400000">
-            <a:off x="2984847" y="4609083"/>
-            <a:ext cx="4896544" cy="9361040"/>
+            <a:off x="2957878" y="9676612"/>
+            <a:ext cx="4896544" cy="9307101"/>
           </a:xfrm>
           <a:prstGeom prst="round2SameRect">
             <a:avLst>
@@ -4561,8 +4566,8 @@
         </p:nvSpPr>
         <p:spPr>
           <a:xfrm>
-            <a:off x="248543" y="12025907"/>
-            <a:ext cx="9793088" cy="4680520"/>
+            <a:off x="270114" y="6985347"/>
+            <a:ext cx="9573685" cy="4680520"/>
           </a:xfrm>
           <a:prstGeom prst="roundRect">
             <a:avLst>
@@ -4619,8 +4624,8 @@
         </p:nvSpPr>
         <p:spPr>
           <a:xfrm rot="5400000">
-            <a:off x="3056855" y="9721651"/>
-            <a:ext cx="4680520" cy="9289032"/>
+            <a:off x="3075270" y="4681314"/>
+            <a:ext cx="4680520" cy="9288585"/>
           </a:xfrm>
           <a:prstGeom prst="round2SameRect">
             <a:avLst>
@@ -4676,8 +4681,8 @@
         </p:nvSpPr>
         <p:spPr>
           <a:xfrm>
-            <a:off x="248543" y="3312939"/>
-            <a:ext cx="9793088" cy="3240360"/>
+            <a:off x="249357" y="3312939"/>
+            <a:ext cx="9793088" cy="3456384"/>
           </a:xfrm>
           <a:prstGeom prst="roundRect">
             <a:avLst>
@@ -4734,8 +4739,8 @@
         </p:nvSpPr>
         <p:spPr>
           <a:xfrm rot="5400000">
-            <a:off x="3776935" y="288603"/>
-            <a:ext cx="3240360" cy="9289032"/>
+            <a:off x="3678364" y="387987"/>
+            <a:ext cx="3456384" cy="9306287"/>
           </a:xfrm>
           <a:prstGeom prst="round2SameRect">
             <a:avLst/>
@@ -4788,7 +4793,7 @@
         </p:nvSpPr>
         <p:spPr>
           <a:xfrm>
-            <a:off x="1015180" y="4249043"/>
+            <a:off x="1015994" y="4249043"/>
             <a:ext cx="4176464" cy="1800200"/>
           </a:xfrm>
           <a:prstGeom prst="roundRect">
@@ -4845,8 +4850,8 @@
         </p:nvSpPr>
         <p:spPr>
           <a:xfrm>
-            <a:off x="5361111" y="3456955"/>
-            <a:ext cx="4680520" cy="2954655"/>
+            <a:off x="5793159" y="3456955"/>
+            <a:ext cx="4249286" cy="3262432"/>
           </a:xfrm>
           <a:prstGeom prst="rect">
             <a:avLst/>
@@ -5052,7 +5057,7 @@
         </p:nvSpPr>
         <p:spPr>
           <a:xfrm>
-            <a:off x="248543" y="3312939"/>
+            <a:off x="249357" y="3312939"/>
             <a:ext cx="5184576" cy="3240360"/>
           </a:xfrm>
           <a:prstGeom prst="rect">
@@ -5357,12 +5362,18 @@
         </p:blipFill>
         <p:spPr>
           <a:xfrm>
-            <a:off x="8961511" y="17066467"/>
+            <a:off x="9051711" y="17066467"/>
             <a:ext cx="936104" cy="936104"/>
           </a:xfrm>
           <a:prstGeom prst="rect">
             <a:avLst/>
           </a:prstGeom>
+          <a:noFill/>
+          <a:ln w="63500">
+            <a:solidFill>
+              <a:srgbClr val="00B050"/>
+            </a:solidFill>
+          </a:ln>
         </p:spPr>
       </p:pic>
       <p:sp>
@@ -5373,7 +5384,7 @@
         </p:nvSpPr>
         <p:spPr>
           <a:xfrm>
-            <a:off x="896615" y="16994459"/>
+            <a:off x="986815" y="16994459"/>
             <a:ext cx="8013773" cy="1000274"/>
           </a:xfrm>
           <a:prstGeom prst="rect">
@@ -5401,33 +5412,7 @@
                 <a:ea typeface="Corbel" charset="0"/>
                 <a:cs typeface="Corbel" charset="0"/>
               </a:rPr>
-              <a:t>This project is still in development and we would like your </a:t>
-            </a:r>
-            <a:r>
-              <a:rPr lang="en-US" sz="2000" smtClean="0">
-                <a:solidFill>
-                  <a:schemeClr val="bg1">
-                    <a:lumMod val="95000"/>
-                  </a:schemeClr>
-                </a:solidFill>
-                <a:latin typeface="Corbel" charset="0"/>
-                <a:ea typeface="Corbel" charset="0"/>
-                <a:cs typeface="Corbel" charset="0"/>
-              </a:rPr>
-              <a:t>input</a:t>
-            </a:r>
-            <a:r>
-              <a:rPr lang="en-US" sz="2000" smtClean="0">
-                <a:solidFill>
-                  <a:schemeClr val="bg1">
-                    <a:lumMod val="95000"/>
-                  </a:schemeClr>
-                </a:solidFill>
-                <a:latin typeface="Corbel" charset="0"/>
-                <a:ea typeface="Corbel" charset="0"/>
-                <a:cs typeface="Corbel" charset="0"/>
-              </a:rPr>
-              <a:t>!</a:t>
+              <a:t>This project is still in development and we would like your input!</a:t>
             </a:r>
           </a:p>
           <a:p>
@@ -5454,7 +5439,57 @@
                 <a:ea typeface="Corbel" charset="0"/>
                 <a:cs typeface="Corbel" charset="0"/>
               </a:rPr>
-              <a:t>Scan the QR code on the right to review and comment on Charon's technical specification. Any and all feedback is welcome!</a:t>
+              <a:t>Scan the QR code on the </a:t>
+            </a:r>
+            <a:r>
+              <a:rPr lang="en-US" sz="2000" dirty="0" smtClean="0">
+                <a:solidFill>
+                  <a:schemeClr val="bg1">
+                    <a:lumMod val="95000"/>
+                  </a:schemeClr>
+                </a:solidFill>
+                <a:latin typeface="Corbel" charset="0"/>
+                <a:ea typeface="Corbel" charset="0"/>
+                <a:cs typeface="Corbel" charset="0"/>
+              </a:rPr>
+              <a:t>right or visit </a:t>
+            </a:r>
+            <a:r>
+              <a:rPr lang="en-US" sz="2000" dirty="0" smtClean="0">
+                <a:solidFill>
+                  <a:srgbClr val="00B050"/>
+                </a:solidFill>
+                <a:latin typeface="Corbel" charset="0"/>
+                <a:ea typeface="Corbel" charset="0"/>
+                <a:cs typeface="Corbel" charset="0"/>
+              </a:rPr>
+              <a:t>[URL]</a:t>
+            </a:r>
+            <a:r>
+              <a:rPr lang="en-US" sz="2000" dirty="0" smtClean="0">
+                <a:solidFill>
+                  <a:schemeClr val="bg1">
+                    <a:lumMod val="95000"/>
+                  </a:schemeClr>
+                </a:solidFill>
+                <a:latin typeface="Corbel" charset="0"/>
+                <a:ea typeface="Corbel" charset="0"/>
+                <a:cs typeface="Corbel" charset="0"/>
+              </a:rPr>
+              <a:t> </a:t>
+            </a:r>
+            <a:r>
+              <a:rPr lang="en-US" sz="2000" dirty="0" smtClean="0">
+                <a:solidFill>
+                  <a:schemeClr val="bg1">
+                    <a:lumMod val="95000"/>
+                  </a:schemeClr>
+                </a:solidFill>
+                <a:latin typeface="Corbel" charset="0"/>
+                <a:ea typeface="Corbel" charset="0"/>
+                <a:cs typeface="Corbel" charset="0"/>
+              </a:rPr>
+              <a:t>to review and comment on Charon's technical specification. Any and all feedback is welcome!</a:t>
             </a:r>
             <a:endParaRPr lang="en-US" sz="2000" dirty="0">
               <a:solidFill>
@@ -5477,19 +5512,19 @@
         </p:nvSpPr>
         <p:spPr>
           <a:xfrm rot="16200000">
-            <a:off x="-76071" y="17319076"/>
-            <a:ext cx="1080122" cy="430887"/>
+            <a:off x="-93611" y="17264605"/>
+            <a:ext cx="1152128" cy="467820"/>
           </a:xfrm>
           <a:prstGeom prst="rect">
             <a:avLst/>
           </a:prstGeom>
           <a:noFill/>
-          <a:ln>
+          <a:ln w="19050">
             <a:noFill/>
           </a:ln>
         </p:spPr>
         <p:txBody>
-          <a:bodyPr wrap="square" lIns="0" tIns="0" rIns="0" bIns="0" rtlCol="0">
+          <a:bodyPr wrap="square" lIns="0" tIns="18288" rIns="0" bIns="18288" rtlCol="0">
             <a:spAutoFit/>
           </a:bodyPr>
           <a:lstStyle/>
@@ -5506,14 +5541,6 @@
               </a:rPr>
               <a:t>You!</a:t>
             </a:r>
-            <a:endParaRPr lang="en-US" sz="2800" dirty="0" smtClean="0">
-              <a:solidFill>
-                <a:srgbClr val="73626E"/>
-              </a:solidFill>
-              <a:latin typeface="Corbel" charset="0"/>
-              <a:ea typeface="Corbel" charset="0"/>
-              <a:cs typeface="Corbel" charset="0"/>
-            </a:endParaRPr>
           </a:p>
         </p:txBody>
       </p:sp>
@@ -5525,7 +5552,7 @@
         </p:nvSpPr>
         <p:spPr>
           <a:xfrm>
-            <a:off x="1735260" y="6121251"/>
+            <a:off x="1736074" y="6121251"/>
             <a:ext cx="2736304" cy="381381"/>
           </a:xfrm>
           <a:prstGeom prst="roundRect">
@@ -5577,7 +5604,7 @@
         </p:nvSpPr>
         <p:spPr>
           <a:xfrm>
-            <a:off x="1735260" y="3384947"/>
+            <a:off x="1736074" y="3384947"/>
             <a:ext cx="2736304" cy="381381"/>
           </a:xfrm>
           <a:prstGeom prst="roundRect">
@@ -5621,7 +5648,7 @@
         </p:nvSpPr>
         <p:spPr>
           <a:xfrm rot="16200000">
-            <a:off x="-1789178" y="14132257"/>
+            <a:off x="-1839615" y="9091697"/>
             <a:ext cx="4680520" cy="467820"/>
           </a:xfrm>
           <a:prstGeom prst="rect">
@@ -5661,7 +5688,7 @@
         </p:nvSpPr>
         <p:spPr>
           <a:xfrm>
-            <a:off x="1735259" y="3816995"/>
+            <a:off x="1736073" y="3816995"/>
             <a:ext cx="2736305" cy="381381"/>
           </a:xfrm>
           <a:prstGeom prst="roundRect">
@@ -5705,8 +5732,8 @@
         </p:nvSpPr>
         <p:spPr>
           <a:xfrm rot="16200000">
-            <a:off x="-1965819" y="9056140"/>
-            <a:ext cx="5040560" cy="467820"/>
+            <a:off x="-1947627" y="14096253"/>
+            <a:ext cx="4896544" cy="467820"/>
           </a:xfrm>
           <a:prstGeom prst="rect">
             <a:avLst/>
@@ -5758,7 +5785,7 @@
         </p:blipFill>
         <p:spPr>
           <a:xfrm>
-            <a:off x="896615" y="8713539"/>
+            <a:off x="896615" y="13754099"/>
             <a:ext cx="5112568" cy="2889794"/>
           </a:xfrm>
           <a:prstGeom prst="rect">
@@ -5774,7 +5801,7 @@
         </p:nvSpPr>
         <p:spPr>
           <a:xfrm rot="10800000" flipV="1">
-            <a:off x="4280991" y="7489403"/>
+            <a:off x="4280991" y="12529963"/>
             <a:ext cx="5832648" cy="2880320"/>
           </a:xfrm>
           <a:prstGeom prst="arc">
@@ -5827,7 +5854,7 @@
         </p:nvSpPr>
         <p:spPr>
           <a:xfrm rot="10800000" flipV="1">
-            <a:off x="4352999" y="8209483"/>
+            <a:off x="4352999" y="13250043"/>
             <a:ext cx="5400600" cy="2232248"/>
           </a:xfrm>
           <a:prstGeom prst="arc">
@@ -5880,7 +5907,7 @@
         </p:nvSpPr>
         <p:spPr>
           <a:xfrm rot="10800000" flipV="1">
-            <a:off x="5649143" y="9361611"/>
+            <a:off x="5649143" y="14402171"/>
             <a:ext cx="1944216" cy="1512168"/>
           </a:xfrm>
           <a:prstGeom prst="arc">
@@ -5933,7 +5960,7 @@
         </p:nvSpPr>
         <p:spPr>
           <a:xfrm rot="10800000" flipV="1">
-            <a:off x="4715597" y="8281491"/>
+            <a:off x="4715597" y="13322051"/>
             <a:ext cx="5149499" cy="2808312"/>
           </a:xfrm>
           <a:prstGeom prst="arc">
@@ -5986,7 +6013,7 @@
         </p:nvSpPr>
         <p:spPr>
           <a:xfrm>
-            <a:off x="6297215" y="7849443"/>
+            <a:off x="6297215" y="12890003"/>
             <a:ext cx="3528392" cy="1055608"/>
           </a:xfrm>
           <a:prstGeom prst="roundRect">
@@ -6065,14 +6092,14 @@
       </p:sp>
       <p:sp>
         <p:nvSpPr>
-          <p:cNvPr id="83" name="TextBox 82"/>
+          <p:cNvPr id="84" name="TextBox 83"/>
           <p:cNvSpPr txBox="1"/>
           <p:nvPr/>
         </p:nvSpPr>
         <p:spPr>
           <a:xfrm>
-            <a:off x="896615" y="6985347"/>
-            <a:ext cx="3528392" cy="1362075"/>
+            <a:off x="6297215" y="14042131"/>
+            <a:ext cx="3528392" cy="2587943"/>
           </a:xfrm>
           <a:prstGeom prst="roundRect">
             <a:avLst/>
@@ -6101,7 +6128,7 @@
                 <a:ea typeface="Corbel" charset="0"/>
                 <a:cs typeface="Corbel" charset="0"/>
               </a:rPr>
-              <a:t>Editors</a:t>
+              <a:t>Administrator(s)</a:t>
             </a:r>
           </a:p>
           <a:p>
@@ -6153,6 +6180,40 @@
                 <a:cs typeface="Corbel" charset="0"/>
               </a:rPr>
               <a:t>Accept and reject deposits</a:t>
+            </a:r>
+          </a:p>
+          <a:p>
+            <a:pPr marL="342900" indent="-342900">
+              <a:buFont typeface="Arial" charset="0"/>
+              <a:buChar char="•"/>
+            </a:pPr>
+            <a:r>
+              <a:rPr lang="en-US" sz="1800" dirty="0" smtClean="0">
+                <a:solidFill>
+                  <a:srgbClr val="73626E"/>
+                </a:solidFill>
+                <a:latin typeface="Corbel" charset="0"/>
+                <a:ea typeface="Corbel" charset="0"/>
+                <a:cs typeface="Corbel" charset="0"/>
+              </a:rPr>
+              <a:t>Configure users, models, and workflows</a:t>
+            </a:r>
+          </a:p>
+          <a:p>
+            <a:pPr marL="342900" indent="-342900">
+              <a:buFont typeface="Arial" charset="0"/>
+              <a:buChar char="•"/>
+            </a:pPr>
+            <a:r>
+              <a:rPr lang="en-US" sz="1800" dirty="0" smtClean="0">
+                <a:solidFill>
+                  <a:srgbClr val="73626E"/>
+                </a:solidFill>
+                <a:latin typeface="Corbel" charset="0"/>
+                <a:ea typeface="Corbel" charset="0"/>
+                <a:cs typeface="Corbel" charset="0"/>
+              </a:rPr>
+              <a:t>Bulk review and processing</a:t>
             </a:r>
             <a:endParaRPr lang="en-US" sz="1800" dirty="0">
               <a:solidFill>
@@ -6167,149 +6228,13 @@
       </p:sp>
       <p:sp>
         <p:nvSpPr>
-          <p:cNvPr id="84" name="TextBox 83"/>
-          <p:cNvSpPr txBox="1"/>
-          <p:nvPr/>
-        </p:nvSpPr>
-        <p:spPr>
-          <a:xfrm>
-            <a:off x="6297215" y="9001571"/>
-            <a:ext cx="3528392" cy="2587943"/>
-          </a:xfrm>
-          <a:prstGeom prst="roundRect">
-            <a:avLst/>
-          </a:prstGeom>
-          <a:solidFill>
-            <a:schemeClr val="bg1">
-              <a:lumMod val="85000"/>
-            </a:schemeClr>
-          </a:solidFill>
-          <a:ln>
-            <a:noFill/>
-          </a:ln>
-        </p:spPr>
-        <p:txBody>
-          <a:bodyPr wrap="square" rtlCol="0">
-            <a:spAutoFit/>
-          </a:bodyPr>
-          <a:lstStyle/>
-          <a:p>
-            <a:r>
-              <a:rPr lang="en-US" sz="2000" b="1" dirty="0" smtClean="0">
-                <a:solidFill>
-                  <a:srgbClr val="73626E"/>
-                </a:solidFill>
-                <a:latin typeface="Corbel" charset="0"/>
-                <a:ea typeface="Corbel" charset="0"/>
-                <a:cs typeface="Corbel" charset="0"/>
-              </a:rPr>
-              <a:t>Administrator(s)</a:t>
-            </a:r>
-          </a:p>
-          <a:p>
-            <a:pPr marL="342900" indent="-342900">
-              <a:buFont typeface="Arial" charset="0"/>
-              <a:buChar char="•"/>
-            </a:pPr>
-            <a:r>
-              <a:rPr lang="en-US" sz="1800" dirty="0" smtClean="0">
-                <a:solidFill>
-                  <a:srgbClr val="73626E"/>
-                </a:solidFill>
-                <a:latin typeface="Corbel" charset="0"/>
-                <a:ea typeface="Corbel" charset="0"/>
-                <a:cs typeface="Corbel" charset="0"/>
-              </a:rPr>
-              <a:t>Contribute files and metadata</a:t>
-            </a:r>
-          </a:p>
-          <a:p>
-            <a:pPr marL="342900" indent="-342900">
-              <a:buFont typeface="Arial" charset="0"/>
-              <a:buChar char="•"/>
-            </a:pPr>
-            <a:r>
-              <a:rPr lang="en-US" sz="1800" dirty="0" smtClean="0">
-                <a:solidFill>
-                  <a:srgbClr val="73626E"/>
-                </a:solidFill>
-                <a:latin typeface="Corbel" charset="0"/>
-                <a:ea typeface="Corbel" charset="0"/>
-                <a:cs typeface="Corbel" charset="0"/>
-              </a:rPr>
-              <a:t>Claim and execute tasks</a:t>
-            </a:r>
-          </a:p>
-          <a:p>
-            <a:pPr marL="342900" indent="-342900">
-              <a:buFont typeface="Arial" charset="0"/>
-              <a:buChar char="•"/>
-            </a:pPr>
-            <a:r>
-              <a:rPr lang="en-US" sz="1800" dirty="0" smtClean="0">
-                <a:solidFill>
-                  <a:srgbClr val="73626E"/>
-                </a:solidFill>
-                <a:latin typeface="Corbel" charset="0"/>
-                <a:ea typeface="Corbel" charset="0"/>
-                <a:cs typeface="Corbel" charset="0"/>
-              </a:rPr>
-              <a:t>Accept and reject deposits</a:t>
-            </a:r>
-          </a:p>
-          <a:p>
-            <a:pPr marL="342900" indent="-342900">
-              <a:buFont typeface="Arial" charset="0"/>
-              <a:buChar char="•"/>
-            </a:pPr>
-            <a:r>
-              <a:rPr lang="en-US" sz="1800" dirty="0" smtClean="0">
-                <a:solidFill>
-                  <a:srgbClr val="73626E"/>
-                </a:solidFill>
-                <a:latin typeface="Corbel" charset="0"/>
-                <a:ea typeface="Corbel" charset="0"/>
-                <a:cs typeface="Corbel" charset="0"/>
-              </a:rPr>
-              <a:t>Configure users, models, and workflows</a:t>
-            </a:r>
-          </a:p>
-          <a:p>
-            <a:pPr marL="342900" indent="-342900">
-              <a:buFont typeface="Arial" charset="0"/>
-              <a:buChar char="•"/>
-            </a:pPr>
-            <a:r>
-              <a:rPr lang="en-US" sz="1800" dirty="0" smtClean="0">
-                <a:solidFill>
-                  <a:srgbClr val="73626E"/>
-                </a:solidFill>
-                <a:latin typeface="Corbel" charset="0"/>
-                <a:ea typeface="Corbel" charset="0"/>
-                <a:cs typeface="Corbel" charset="0"/>
-              </a:rPr>
-              <a:t>Bulk review and processing</a:t>
-            </a:r>
-            <a:endParaRPr lang="en-US" sz="1800" dirty="0">
-              <a:solidFill>
-                <a:srgbClr val="73626E"/>
-              </a:solidFill>
-              <a:latin typeface="Corbel" charset="0"/>
-              <a:ea typeface="Corbel" charset="0"/>
-              <a:cs typeface="Corbel" charset="0"/>
-            </a:endParaRPr>
-          </a:p>
-        </p:txBody>
-      </p:sp>
-      <p:sp>
-        <p:nvSpPr>
           <p:cNvPr id="93" name="Arc 92"/>
           <p:cNvSpPr/>
           <p:nvPr/>
         </p:nvSpPr>
         <p:spPr>
           <a:xfrm rot="10800000" flipV="1">
-            <a:off x="4064967" y="7489403"/>
+            <a:off x="4064967" y="12529963"/>
             <a:ext cx="5904656" cy="3024336"/>
           </a:xfrm>
           <a:prstGeom prst="arc">
@@ -6362,10 +6287,10 @@
         </p:nvSpPr>
         <p:spPr>
           <a:xfrm>
-            <a:off x="896615" y="12175147"/>
-            <a:ext cx="2664296" cy="1323439"/>
-          </a:xfrm>
-          <a:prstGeom prst="rect">
+            <a:off x="914807" y="8137475"/>
+            <a:ext cx="2804933" cy="1464231"/>
+          </a:xfrm>
+          <a:prstGeom prst="roundRect">
             <a:avLst/>
           </a:prstGeom>
           <a:solidFill>
@@ -6476,31 +6401,29 @@
         </p:blipFill>
         <p:spPr>
           <a:xfrm>
-            <a:off x="3739206" y="13466067"/>
+            <a:off x="3870514" y="8101024"/>
             <a:ext cx="707875" cy="576064"/>
           </a:xfrm>
           <a:prstGeom prst="rect">
             <a:avLst/>
           </a:prstGeom>
           <a:ln>
-            <a:solidFill>
-              <a:schemeClr val="bg1"/>
-            </a:solidFill>
+            <a:noFill/>
           </a:ln>
         </p:spPr>
       </p:pic>
       <p:sp>
         <p:nvSpPr>
-          <p:cNvPr id="98" name="Diamond 97"/>
+          <p:cNvPr id="99" name="Rectangle 98"/>
           <p:cNvSpPr/>
           <p:nvPr/>
         </p:nvSpPr>
         <p:spPr>
           <a:xfrm>
-            <a:off x="4759523" y="13322051"/>
-            <a:ext cx="864096" cy="864096"/>
-          </a:xfrm>
-          <a:prstGeom prst="diamond">
+            <a:off x="6318786" y="7596968"/>
+            <a:ext cx="685800" cy="685800"/>
+          </a:xfrm>
+          <a:prstGeom prst="rect">
             <a:avLst/>
           </a:prstGeom>
           <a:solidFill>
@@ -6529,7 +6452,7 @@
           </a:fontRef>
         </p:style>
         <p:txBody>
-          <a:bodyPr lIns="0" tIns="0" rIns="0" bIns="0" rtlCol="0" anchor="ctr"/>
+          <a:bodyPr rtlCol="0" anchor="ctr"/>
           <a:lstStyle/>
           <a:p>
             <a:pPr algn="ctr"/>
@@ -6542,7 +6465,7 @@
                 <a:ea typeface="Corbel" charset="0"/>
                 <a:cs typeface="Corbel" charset="0"/>
               </a:rPr>
-              <a:t>Role</a:t>
+              <a:t>Task</a:t>
             </a:r>
             <a:endParaRPr lang="en-US" sz="1800" dirty="0">
               <a:solidFill>
@@ -6557,13 +6480,13 @@
       </p:sp>
       <p:sp>
         <p:nvSpPr>
-          <p:cNvPr id="99" name="Rectangle 98"/>
+          <p:cNvPr id="100" name="Rectangle 99"/>
           <p:cNvSpPr/>
           <p:nvPr/>
         </p:nvSpPr>
         <p:spPr>
           <a:xfrm>
-            <a:off x="6127675" y="12962011"/>
+            <a:off x="6318786" y="8493620"/>
             <a:ext cx="685800" cy="685800"/>
           </a:xfrm>
           <a:prstGeom prst="rect">
@@ -6623,14 +6546,14 @@
       </p:sp>
       <p:sp>
         <p:nvSpPr>
-          <p:cNvPr id="100" name="Rectangle 99"/>
+          <p:cNvPr id="101" name="Rectangle 100"/>
           <p:cNvSpPr/>
           <p:nvPr/>
         </p:nvSpPr>
         <p:spPr>
           <a:xfrm>
-            <a:off x="6127675" y="13898115"/>
-            <a:ext cx="685800" cy="685800"/>
+            <a:off x="7361177" y="7596968"/>
+            <a:ext cx="1152128" cy="685800"/>
           </a:xfrm>
           <a:prstGeom prst="rect">
             <a:avLst/>
@@ -6674,7 +6597,7 @@
                 <a:ea typeface="Corbel" charset="0"/>
                 <a:cs typeface="Corbel" charset="0"/>
               </a:rPr>
-              <a:t>Task</a:t>
+              <a:t>Interface</a:t>
             </a:r>
             <a:endParaRPr lang="en-US" sz="1800" dirty="0">
               <a:solidFill>
@@ -6689,13 +6612,13 @@
       </p:sp>
       <p:sp>
         <p:nvSpPr>
-          <p:cNvPr id="101" name="Rectangle 100"/>
+          <p:cNvPr id="102" name="Rectangle 101"/>
           <p:cNvSpPr/>
           <p:nvPr/>
         </p:nvSpPr>
         <p:spPr>
           <a:xfrm>
-            <a:off x="7411614" y="12708880"/>
+            <a:off x="7398906" y="8821104"/>
             <a:ext cx="1152128" cy="685800"/>
           </a:xfrm>
           <a:prstGeom prst="rect">
@@ -6732,7 +6655,7 @@
           <a:p>
             <a:pPr algn="ctr"/>
             <a:r>
-              <a:rPr lang="en-US" sz="1800" dirty="0" smtClean="0">
+              <a:rPr lang="en-US" sz="1800" smtClean="0">
                 <a:solidFill>
                   <a:srgbClr val="73626E"/>
                 </a:solidFill>
@@ -6755,14 +6678,14 @@
       </p:sp>
       <p:sp>
         <p:nvSpPr>
-          <p:cNvPr id="102" name="Rectangle 101"/>
+          <p:cNvPr id="104" name="Rectangle 103"/>
           <p:cNvSpPr/>
           <p:nvPr/>
         </p:nvSpPr>
         <p:spPr>
           <a:xfrm>
-            <a:off x="7411614" y="14186147"/>
-            <a:ext cx="1152128" cy="685800"/>
+            <a:off x="9017362" y="7236928"/>
+            <a:ext cx="685800" cy="685800"/>
           </a:xfrm>
           <a:prstGeom prst="rect">
             <a:avLst/>
@@ -6798,7 +6721,7 @@
           <a:p>
             <a:pPr algn="ctr"/>
             <a:r>
-              <a:rPr lang="en-US" sz="1800" smtClean="0">
+              <a:rPr lang="en-US" sz="1800" dirty="0" smtClean="0">
                 <a:solidFill>
                   <a:srgbClr val="73626E"/>
                 </a:solidFill>
@@ -6806,7 +6729,7 @@
                 <a:ea typeface="Corbel" charset="0"/>
                 <a:cs typeface="Corbel" charset="0"/>
               </a:rPr>
-              <a:t>Interface</a:t>
+              <a:t>Tool</a:t>
             </a:r>
             <a:endParaRPr lang="en-US" sz="1800" dirty="0">
               <a:solidFill>
@@ -6821,13 +6744,13 @@
       </p:sp>
       <p:sp>
         <p:nvSpPr>
-          <p:cNvPr id="104" name="Rectangle 103"/>
+          <p:cNvPr id="105" name="Rectangle 104"/>
           <p:cNvSpPr/>
           <p:nvPr/>
         </p:nvSpPr>
         <p:spPr>
           <a:xfrm>
-            <a:off x="9067799" y="12313939"/>
+            <a:off x="9017362" y="8029016"/>
             <a:ext cx="685800" cy="685800"/>
           </a:xfrm>
           <a:prstGeom prst="rect">
@@ -6864,7 +6787,7 @@
           <a:p>
             <a:pPr algn="ctr"/>
             <a:r>
-              <a:rPr lang="en-US" sz="1800" dirty="0" smtClean="0">
+              <a:rPr lang="en-US" sz="1800" smtClean="0">
                 <a:solidFill>
                   <a:srgbClr val="73626E"/>
                 </a:solidFill>
@@ -6887,13 +6810,13 @@
       </p:sp>
       <p:sp>
         <p:nvSpPr>
-          <p:cNvPr id="105" name="Rectangle 104"/>
+          <p:cNvPr id="106" name="Rectangle 105"/>
           <p:cNvSpPr/>
           <p:nvPr/>
         </p:nvSpPr>
         <p:spPr>
           <a:xfrm>
-            <a:off x="9067799" y="13166595"/>
+            <a:off x="9017361" y="8821104"/>
             <a:ext cx="685800" cy="685800"/>
           </a:xfrm>
           <a:prstGeom prst="rect">
@@ -6951,72 +6874,6 @@
           </a:p>
         </p:txBody>
       </p:sp>
-      <p:sp>
-        <p:nvSpPr>
-          <p:cNvPr id="106" name="Rectangle 105"/>
-          <p:cNvSpPr/>
-          <p:nvPr/>
-        </p:nvSpPr>
-        <p:spPr>
-          <a:xfrm>
-            <a:off x="9067798" y="14186147"/>
-            <a:ext cx="685800" cy="685800"/>
-          </a:xfrm>
-          <a:prstGeom prst="rect">
-            <a:avLst/>
-          </a:prstGeom>
-          <a:solidFill>
-            <a:schemeClr val="bg1">
-              <a:lumMod val="85000"/>
-            </a:schemeClr>
-          </a:solidFill>
-          <a:ln>
-            <a:noFill/>
-          </a:ln>
-        </p:spPr>
-        <p:style>
-          <a:lnRef idx="2">
-            <a:schemeClr val="accent1">
-              <a:shade val="50000"/>
-            </a:schemeClr>
-          </a:lnRef>
-          <a:fillRef idx="1">
-            <a:schemeClr val="accent1"/>
-          </a:fillRef>
-          <a:effectRef idx="0">
-            <a:schemeClr val="accent1"/>
-          </a:effectRef>
-          <a:fontRef idx="minor">
-            <a:schemeClr val="lt1"/>
-          </a:fontRef>
-        </p:style>
-        <p:txBody>
-          <a:bodyPr rtlCol="0" anchor="ctr"/>
-          <a:lstStyle/>
-          <a:p>
-            <a:pPr algn="ctr"/>
-            <a:r>
-              <a:rPr lang="en-US" sz="1800" smtClean="0">
-                <a:solidFill>
-                  <a:srgbClr val="73626E"/>
-                </a:solidFill>
-                <a:latin typeface="Corbel" charset="0"/>
-                <a:ea typeface="Corbel" charset="0"/>
-                <a:cs typeface="Corbel" charset="0"/>
-              </a:rPr>
-              <a:t>Tool</a:t>
-            </a:r>
-            <a:endParaRPr lang="en-US" sz="1800" dirty="0">
-              <a:solidFill>
-                <a:srgbClr val="73626E"/>
-              </a:solidFill>
-              <a:latin typeface="Corbel" charset="0"/>
-              <a:ea typeface="Corbel" charset="0"/>
-              <a:cs typeface="Corbel" charset="0"/>
-            </a:endParaRPr>
-          </a:p>
-        </p:txBody>
-      </p:sp>
       <p:cxnSp>
         <p:nvCxnSpPr>
           <p:cNvPr id="109" name="Straight Arrow Connector 108"/>
@@ -7027,7 +6884,7 @@
         </p:nvCxnSpPr>
         <p:spPr>
           <a:xfrm>
-            <a:off x="4447081" y="13754099"/>
+            <a:off x="4578389" y="8389056"/>
             <a:ext cx="481982" cy="0"/>
           </a:xfrm>
           <a:prstGeom prst="straightConnector1">
@@ -7069,8 +6926,8 @@
         </p:nvCxnSpPr>
         <p:spPr>
           <a:xfrm>
-            <a:off x="6813475" y="14241015"/>
-            <a:ext cx="598139" cy="288032"/>
+            <a:off x="7004586" y="8836520"/>
+            <a:ext cx="394320" cy="327484"/>
           </a:xfrm>
           <a:prstGeom prst="bentConnector3">
             <a:avLst>
@@ -7112,8 +6969,8 @@
         </p:nvCxnSpPr>
         <p:spPr>
           <a:xfrm flipH="1">
-            <a:off x="8563742" y="14529047"/>
-            <a:ext cx="504056" cy="0"/>
+            <a:off x="8551034" y="9164004"/>
+            <a:ext cx="466327" cy="0"/>
           </a:xfrm>
           <a:prstGeom prst="straightConnector1">
             <a:avLst/>
@@ -7145,16 +7002,16 @@
       </p:cxnSp>
       <p:sp>
         <p:nvSpPr>
-          <p:cNvPr id="171" name="TextBox 170"/>
-          <p:cNvSpPr txBox="1"/>
-          <p:nvPr/>
-        </p:nvSpPr>
-        <p:spPr>
-          <a:xfrm>
-            <a:off x="896615" y="13543299"/>
-            <a:ext cx="2664296" cy="1015663"/>
-          </a:xfrm>
-          <a:prstGeom prst="rect">
+          <p:cNvPr id="21" name="Rounded Rectangle 20"/>
+          <p:cNvSpPr/>
+          <p:nvPr/>
+        </p:nvSpPr>
+        <p:spPr>
+          <a:xfrm>
+            <a:off x="5886738" y="9829216"/>
+            <a:ext cx="3888432" cy="1656184"/>
+          </a:xfrm>
+          <a:prstGeom prst="roundRect">
             <a:avLst/>
           </a:prstGeom>
           <a:solidFill>
@@ -7162,74 +7019,47 @@
               <a:lumMod val="85000"/>
             </a:schemeClr>
           </a:solidFill>
-        </p:spPr>
-        <p:txBody>
-          <a:bodyPr wrap="square" rtlCol="0">
-            <a:spAutoFit/>
-          </a:bodyPr>
+          <a:ln>
+            <a:noFill/>
+          </a:ln>
+        </p:spPr>
+        <p:style>
+          <a:lnRef idx="2">
+            <a:schemeClr val="accent1">
+              <a:shade val="50000"/>
+            </a:schemeClr>
+          </a:lnRef>
+          <a:fillRef idx="1">
+            <a:schemeClr val="accent1"/>
+          </a:fillRef>
+          <a:effectRef idx="0">
+            <a:schemeClr val="accent1"/>
+          </a:effectRef>
+          <a:fontRef idx="minor">
+            <a:schemeClr val="lt1"/>
+          </a:fontRef>
+        </p:style>
+        <p:txBody>
+          <a:bodyPr rtlCol="0" anchor="ctr"/>
           <a:lstStyle/>
           <a:p>
             <a:pPr algn="ctr"/>
-            <a:r>
-              <a:rPr lang="en-US" sz="2000" b="1" dirty="0" smtClean="0">
-                <a:solidFill>
-                  <a:srgbClr val="73626E"/>
-                </a:solidFill>
-                <a:latin typeface="Corbel" charset="0"/>
-                <a:ea typeface="Corbel" charset="0"/>
-                <a:cs typeface="Corbel" charset="0"/>
-              </a:rPr>
-              <a:t>{ Submit 📮 }</a:t>
-            </a:r>
-          </a:p>
-          <a:p>
-            <a:pPr marL="342900" indent="-342900">
-              <a:buFont typeface="Arial" charset="0"/>
-              <a:buChar char="•"/>
-            </a:pPr>
-            <a:r>
-              <a:rPr lang="en-US" sz="2000" dirty="0" smtClean="0">
-                <a:solidFill>
-                  <a:srgbClr val="73626E"/>
-                </a:solidFill>
-                <a:latin typeface="Corbel" charset="0"/>
-                <a:ea typeface="Corbel" charset="0"/>
-                <a:cs typeface="Corbel" charset="0"/>
-              </a:rPr>
-              <a:t>Deposit files</a:t>
-            </a:r>
-          </a:p>
-          <a:p>
-            <a:pPr marL="342900" indent="-342900">
-              <a:buFont typeface="Arial" charset="0"/>
-              <a:buChar char="•"/>
-            </a:pPr>
-            <a:r>
-              <a:rPr lang="en-US" sz="2000" dirty="0" smtClean="0">
-                <a:solidFill>
-                  <a:srgbClr val="73626E"/>
-                </a:solidFill>
-                <a:latin typeface="Corbel" charset="0"/>
-                <a:ea typeface="Corbel" charset="0"/>
-                <a:cs typeface="Corbel" charset="0"/>
-              </a:rPr>
-              <a:t>Review deposits</a:t>
-            </a:r>
-          </a:p>
-        </p:txBody>
-      </p:sp>
-      <p:sp>
-        <p:nvSpPr>
-          <p:cNvPr id="172" name="TextBox 171"/>
+            <a:endParaRPr lang="en-US"/>
+          </a:p>
+        </p:txBody>
+      </p:sp>
+      <p:sp>
+        <p:nvSpPr>
+          <p:cNvPr id="171" name="TextBox 170"/>
           <p:cNvSpPr txBox="1"/>
           <p:nvPr/>
         </p:nvSpPr>
         <p:spPr>
           <a:xfrm>
-            <a:off x="896615" y="14623419"/>
-            <a:ext cx="2664718" cy="1938992"/>
-          </a:xfrm>
-          <a:prstGeom prst="rect">
+            <a:off x="2354967" y="10110107"/>
+            <a:ext cx="2664296" cy="1123712"/>
+          </a:xfrm>
+          <a:prstGeom prst="roundRect">
             <a:avLst/>
           </a:prstGeom>
           <a:solidFill>
@@ -7254,7 +7084,7 @@
                 <a:ea typeface="Corbel" charset="0"/>
                 <a:cs typeface="Corbel" charset="0"/>
               </a:rPr>
-              <a:t>{ Edit ✏️ }</a:t>
+              <a:t>{ Submit 📮 }</a:t>
             </a:r>
           </a:p>
           <a:p>
@@ -7271,7 +7101,7 @@
                 <a:ea typeface="Corbel" charset="0"/>
                 <a:cs typeface="Corbel" charset="0"/>
               </a:rPr>
-              <a:t>Catalog</a:t>
+              <a:t>Deposit files</a:t>
             </a:r>
           </a:p>
           <a:p>
@@ -7288,9 +7118,32 @@
                 <a:ea typeface="Corbel" charset="0"/>
                 <a:cs typeface="Corbel" charset="0"/>
               </a:rPr>
-              <a:t>Transcribe</a:t>
-            </a:r>
-          </a:p>
+              <a:t>Review deposits</a:t>
+            </a:r>
+          </a:p>
+        </p:txBody>
+      </p:sp>
+      <p:sp>
+        <p:nvSpPr>
+          <p:cNvPr id="172" name="TextBox 171"/>
+          <p:cNvSpPr txBox="1"/>
+          <p:nvPr/>
+        </p:nvSpPr>
+        <p:spPr>
+          <a:xfrm>
+            <a:off x="6030754" y="10333272"/>
+            <a:ext cx="3672408" cy="1123712"/>
+          </a:xfrm>
+          <a:prstGeom prst="roundRect">
+            <a:avLst/>
+          </a:prstGeom>
+          <a:noFill/>
+        </p:spPr>
+        <p:txBody>
+          <a:bodyPr wrap="square" numCol="2" rtlCol="0">
+            <a:spAutoFit/>
+          </a:bodyPr>
+          <a:lstStyle/>
           <a:p>
             <a:pPr marL="342900" indent="-342900">
               <a:buFont typeface="Arial" charset="0"/>
@@ -7305,8 +7158,58 @@
                 <a:ea typeface="Corbel" charset="0"/>
                 <a:cs typeface="Corbel" charset="0"/>
               </a:rPr>
+              <a:t>Catalog</a:t>
+            </a:r>
+            <a:endParaRPr lang="en-US" sz="2000" dirty="0" smtClean="0">
+              <a:solidFill>
+                <a:srgbClr val="73626E"/>
+              </a:solidFill>
+              <a:latin typeface="Corbel" charset="0"/>
+              <a:ea typeface="Corbel" charset="0"/>
+              <a:cs typeface="Corbel" charset="0"/>
+            </a:endParaRPr>
+          </a:p>
+          <a:p>
+            <a:pPr marL="342900" indent="-342900">
+              <a:buFont typeface="Arial" charset="0"/>
+              <a:buChar char="•"/>
+            </a:pPr>
+            <a:r>
+              <a:rPr lang="en-US" sz="2000" dirty="0" smtClean="0">
+                <a:solidFill>
+                  <a:srgbClr val="73626E"/>
+                </a:solidFill>
+                <a:latin typeface="Corbel" charset="0"/>
+                <a:ea typeface="Corbel" charset="0"/>
+                <a:cs typeface="Corbel" charset="0"/>
+              </a:rPr>
+              <a:t>Transcribe</a:t>
+            </a:r>
+          </a:p>
+          <a:p>
+            <a:pPr marL="342900" indent="-342900">
+              <a:buFont typeface="Arial" charset="0"/>
+              <a:buChar char="•"/>
+            </a:pPr>
+            <a:r>
+              <a:rPr lang="en-US" sz="2000" dirty="0" smtClean="0">
+                <a:solidFill>
+                  <a:srgbClr val="73626E"/>
+                </a:solidFill>
+                <a:latin typeface="Corbel" charset="0"/>
+                <a:ea typeface="Corbel" charset="0"/>
+                <a:cs typeface="Corbel" charset="0"/>
+              </a:rPr>
               <a:t>Encode</a:t>
             </a:r>
+            <a:endParaRPr lang="en-US" sz="2000" dirty="0" smtClean="0">
+              <a:solidFill>
+                <a:srgbClr val="73626E"/>
+              </a:solidFill>
+              <a:latin typeface="Corbel" charset="0"/>
+              <a:ea typeface="Corbel" charset="0"/>
+              <a:cs typeface="Corbel" charset="0"/>
+            </a:endParaRPr>
           </a:p>
           <a:p>
             <a:pPr marL="342900" indent="-342900">
@@ -7374,16 +7277,14 @@
         </p:blipFill>
         <p:spPr>
           <a:xfrm>
-            <a:off x="3739206" y="15122251"/>
+            <a:off x="3870514" y="9109136"/>
             <a:ext cx="707875" cy="576064"/>
           </a:xfrm>
           <a:prstGeom prst="rect">
             <a:avLst/>
           </a:prstGeom>
           <a:ln>
-            <a:solidFill>
-              <a:schemeClr val="bg1"/>
-            </a:solidFill>
+            <a:noFill/>
           </a:ln>
         </p:spPr>
       </p:pic>
@@ -7397,7 +7298,7 @@
         </p:nvCxnSpPr>
         <p:spPr>
           <a:xfrm>
-            <a:off x="4447081" y="15410283"/>
+            <a:off x="4578389" y="9397168"/>
             <a:ext cx="384450" cy="0"/>
           </a:xfrm>
           <a:prstGeom prst="straightConnector1">
@@ -7411,48 +7312,6 @@
             </a:solidFill>
             <a:headEnd type="arrow" w="sm" len="sm"/>
             <a:tailEnd type="none" w="med" len="med"/>
-          </a:ln>
-        </p:spPr>
-        <p:style>
-          <a:lnRef idx="1">
-            <a:schemeClr val="accent1"/>
-          </a:lnRef>
-          <a:fillRef idx="0">
-            <a:schemeClr val="accent1"/>
-          </a:fillRef>
-          <a:effectRef idx="0">
-            <a:schemeClr val="accent1"/>
-          </a:effectRef>
-          <a:fontRef idx="minor">
-            <a:schemeClr val="tx1"/>
-          </a:fontRef>
-        </p:style>
-      </p:cxnSp>
-      <p:cxnSp>
-        <p:nvCxnSpPr>
-          <p:cNvPr id="207" name="Elbow Connector 206"/>
-          <p:cNvCxnSpPr>
-            <a:endCxn id="101" idx="1"/>
-          </p:cNvCxnSpPr>
-          <p:nvPr/>
-        </p:nvCxnSpPr>
-        <p:spPr>
-          <a:xfrm flipV="1">
-            <a:off x="6657255" y="13051780"/>
-            <a:ext cx="754359" cy="270271"/>
-          </a:xfrm>
-          <a:prstGeom prst="bentConnector3">
-            <a:avLst>
-              <a:gd name="adj1" fmla="val 50000"/>
-            </a:avLst>
-          </a:prstGeom>
-          <a:ln w="25400">
-            <a:solidFill>
-              <a:schemeClr val="bg1">
-                <a:lumMod val="85000"/>
-              </a:schemeClr>
-            </a:solidFill>
-            <a:tailEnd type="arrow" w="sm" len="sm"/>
           </a:ln>
         </p:spPr>
         <p:style>
@@ -7478,7 +7337,7 @@
         </p:nvCxnSpPr>
         <p:spPr>
           <a:xfrm flipH="1">
-            <a:off x="5361111" y="13754099"/>
+            <a:off x="5501174" y="8386885"/>
             <a:ext cx="457572" cy="0"/>
           </a:xfrm>
           <a:prstGeom prst="straightConnector1">
@@ -7520,8 +7379,8 @@
         </p:nvCxnSpPr>
         <p:spPr>
           <a:xfrm flipV="1">
-            <a:off x="5623619" y="14583915"/>
-            <a:ext cx="846956" cy="826368"/>
+            <a:off x="5742722" y="9179420"/>
+            <a:ext cx="918964" cy="217748"/>
           </a:xfrm>
           <a:prstGeom prst="bentConnector2">
             <a:avLst/>
@@ -7561,12 +7420,12 @@
         </p:nvCxnSpPr>
         <p:spPr>
           <a:xfrm rot="10800000" flipV="1">
-            <a:off x="9067799" y="12656839"/>
-            <a:ext cx="12700" cy="852656"/>
+            <a:off x="9017362" y="7579828"/>
+            <a:ext cx="12700" cy="792088"/>
           </a:xfrm>
           <a:prstGeom prst="bentConnector3">
             <a:avLst>
-              <a:gd name="adj1" fmla="val 1800000"/>
+              <a:gd name="adj1" fmla="val 1974543"/>
             </a:avLst>
           </a:prstGeom>
           <a:ln w="25400">
@@ -7602,7 +7461,7 @@
         </p:nvCxnSpPr>
         <p:spPr>
           <a:xfrm>
-            <a:off x="8563742" y="13106027"/>
+            <a:off x="8479026" y="7957008"/>
             <a:ext cx="288032" cy="0"/>
           </a:xfrm>
           <a:prstGeom prst="straightConnector1">
@@ -7641,7 +7500,7 @@
         </p:nvSpPr>
         <p:spPr>
           <a:xfrm>
-            <a:off x="6225207" y="15698315"/>
+            <a:off x="2214330" y="7236928"/>
             <a:ext cx="3528392" cy="529376"/>
           </a:xfrm>
           <a:prstGeom prst="rect">
@@ -7693,7 +7552,7 @@
         </p:nvSpPr>
         <p:spPr>
           <a:xfrm>
-            <a:off x="2117846" y="5682394"/>
+            <a:off x="2118660" y="5682394"/>
             <a:ext cx="184731" cy="646331"/>
           </a:xfrm>
           <a:prstGeom prst="rect">
@@ -7723,7 +7582,7 @@
         </p:nvSpPr>
         <p:spPr>
           <a:xfrm rot="10800000" flipV="1">
-            <a:off x="1256655" y="8137475"/>
+            <a:off x="1256655" y="13178035"/>
             <a:ext cx="288032" cy="2814617"/>
           </a:xfrm>
           <a:prstGeom prst="arc">
@@ -7776,7 +7635,7 @@
         </p:nvSpPr>
         <p:spPr>
           <a:xfrm rot="9817432" flipH="1" flipV="1">
-            <a:off x="1250004" y="8041003"/>
+            <a:off x="1250004" y="13081563"/>
             <a:ext cx="637672" cy="2087776"/>
           </a:xfrm>
           <a:prstGeom prst="arc">
@@ -7829,7 +7688,7 @@
         </p:nvSpPr>
         <p:spPr>
           <a:xfrm rot="10800000" flipH="1" flipV="1">
-            <a:off x="72008" y="8137475"/>
+            <a:off x="72008" y="13178035"/>
             <a:ext cx="2016224" cy="1584177"/>
           </a:xfrm>
           <a:prstGeom prst="arc">
@@ -7882,7 +7741,7 @@
         </p:nvSpPr>
         <p:spPr>
           <a:xfrm rot="10800000" flipH="1" flipV="1">
-            <a:off x="1112639" y="8065467"/>
+            <a:off x="1112639" y="13106027"/>
             <a:ext cx="432048" cy="2304257"/>
           </a:xfrm>
           <a:prstGeom prst="arc">
@@ -7949,7 +7808,7 @@
         </p:blipFill>
         <p:spPr>
           <a:xfrm>
-            <a:off x="2671364" y="5113139"/>
+            <a:off x="2672178" y="5113139"/>
             <a:ext cx="1188133" cy="432048"/>
           </a:xfrm>
           <a:prstGeom prst="rect">
@@ -7979,7 +7838,7 @@
         </p:blipFill>
         <p:spPr>
           <a:xfrm>
-            <a:off x="2383332" y="5617195"/>
+            <a:off x="2384146" y="5617195"/>
             <a:ext cx="1130300" cy="317500"/>
           </a:xfrm>
           <a:prstGeom prst="rect">
@@ -8008,7 +7867,7 @@
         </p:blipFill>
         <p:spPr>
           <a:xfrm>
-            <a:off x="3823492" y="4681091"/>
+            <a:off x="3824306" y="4681091"/>
             <a:ext cx="1268365" cy="949771"/>
           </a:xfrm>
           <a:prstGeom prst="rect">
@@ -8016,6 +7875,46 @@
           </a:prstGeom>
         </p:spPr>
       </p:pic>
+      <p:sp>
+        <p:nvSpPr>
+          <p:cNvPr id="77" name="TextBox 76"/>
+          <p:cNvSpPr txBox="1"/>
+          <p:nvPr/>
+        </p:nvSpPr>
+        <p:spPr>
+          <a:xfrm rot="16200000">
+            <a:off x="-1233614" y="4795910"/>
+            <a:ext cx="3456384" cy="490442"/>
+          </a:xfrm>
+          <a:prstGeom prst="round2SameRect">
+            <a:avLst/>
+          </a:prstGeom>
+          <a:noFill/>
+          <a:ln w="19050">
+            <a:noFill/>
+          </a:ln>
+        </p:spPr>
+        <p:txBody>
+          <a:bodyPr wrap="square" lIns="0" tIns="18288" rIns="0" bIns="18288" rtlCol="0">
+            <a:spAutoFit/>
+          </a:bodyPr>
+          <a:lstStyle/>
+          <a:p>
+            <a:pPr algn="ctr"/>
+            <a:r>
+              <a:rPr lang="en-US" sz="2800" dirty="0" smtClean="0">
+                <a:solidFill>
+                  <a:srgbClr val="73626E"/>
+                </a:solidFill>
+                <a:latin typeface="Corbel" charset="0"/>
+                <a:ea typeface="Corbel" charset="0"/>
+                <a:cs typeface="Corbel" charset="0"/>
+              </a:rPr>
+              <a:t>Components</a:t>
+            </a:r>
+          </a:p>
+        </p:txBody>
+      </p:sp>
       <p:pic>
         <p:nvPicPr>
           <p:cNvPr id="108" name="Picture 107"/>
@@ -8038,7 +7937,7 @@
         </p:blipFill>
         <p:spPr>
           <a:xfrm>
-            <a:off x="1159196" y="4249043"/>
+            <a:off x="1160010" y="4249043"/>
             <a:ext cx="1080120" cy="1080120"/>
           </a:xfrm>
           <a:prstGeom prst="rect">
@@ -8068,7 +7967,7 @@
         </p:blipFill>
         <p:spPr>
           <a:xfrm>
-            <a:off x="2408783" y="4681091"/>
+            <a:off x="2409597" y="4681091"/>
             <a:ext cx="610233" cy="400024"/>
           </a:xfrm>
           <a:prstGeom prst="rect">
@@ -8098,7 +7997,7 @@
         </p:blipFill>
         <p:spPr>
           <a:xfrm>
-            <a:off x="1231204" y="5257155"/>
+            <a:off x="1232018" y="5257155"/>
             <a:ext cx="999803" cy="576064"/>
           </a:xfrm>
           <a:prstGeom prst="rect">
@@ -8106,46 +8005,6 @@
           </a:prstGeom>
         </p:spPr>
       </p:pic>
-      <p:sp>
-        <p:nvSpPr>
-          <p:cNvPr id="77" name="TextBox 76"/>
-          <p:cNvSpPr txBox="1"/>
-          <p:nvPr/>
-        </p:nvSpPr>
-        <p:spPr>
-          <a:xfrm rot="16200000">
-            <a:off x="-1126416" y="4687898"/>
-            <a:ext cx="3240360" cy="490442"/>
-          </a:xfrm>
-          <a:prstGeom prst="round2SameRect">
-            <a:avLst/>
-          </a:prstGeom>
-          <a:noFill/>
-          <a:ln w="19050">
-            <a:noFill/>
-          </a:ln>
-        </p:spPr>
-        <p:txBody>
-          <a:bodyPr wrap="square" lIns="0" tIns="18288" rIns="0" bIns="18288" rtlCol="0">
-            <a:spAutoFit/>
-          </a:bodyPr>
-          <a:lstStyle/>
-          <a:p>
-            <a:pPr algn="ctr"/>
-            <a:r>
-              <a:rPr lang="en-US" sz="2800" dirty="0" smtClean="0">
-                <a:solidFill>
-                  <a:srgbClr val="73626E"/>
-                </a:solidFill>
-                <a:latin typeface="Corbel" charset="0"/>
-                <a:ea typeface="Corbel" charset="0"/>
-                <a:cs typeface="Corbel" charset="0"/>
-              </a:rPr>
-              <a:t>Components</a:t>
-            </a:r>
-          </a:p>
-        </p:txBody>
-      </p:sp>
       <p:sp>
         <p:nvSpPr>
           <p:cNvPr id="112" name="TextBox 111"/>
@@ -8154,7 +8013,7 @@
         </p:nvSpPr>
         <p:spPr>
           <a:xfrm>
-            <a:off x="3679476" y="5617195"/>
+            <a:off x="3680290" y="5617195"/>
             <a:ext cx="1609627" cy="307777"/>
           </a:xfrm>
           <a:prstGeom prst="rect">
@@ -8195,7 +8054,7 @@
         </p:nvSpPr>
         <p:spPr>
           <a:xfrm>
-            <a:off x="3463452" y="4609083"/>
+            <a:off x="3464266" y="4609083"/>
             <a:ext cx="1025179" cy="307777"/>
           </a:xfrm>
           <a:prstGeom prst="rect">
@@ -8236,7 +8095,7 @@
         </p:nvSpPr>
         <p:spPr>
           <a:xfrm>
-            <a:off x="2599009" y="4249043"/>
+            <a:off x="2599823" y="4249043"/>
             <a:ext cx="1008112" cy="381381"/>
           </a:xfrm>
           <a:prstGeom prst="roundRect">
@@ -8288,7 +8147,7 @@
         </p:nvSpPr>
         <p:spPr>
           <a:xfrm>
-            <a:off x="4759523" y="14978235"/>
+            <a:off x="4878626" y="8965120"/>
             <a:ext cx="864096" cy="864096"/>
           </a:xfrm>
           <a:prstGeom prst="diamond">
@@ -8354,7 +8213,7 @@
         </p:nvCxnSpPr>
         <p:spPr>
           <a:xfrm flipH="1" flipV="1">
-            <a:off x="6127675" y="13322051"/>
+            <a:off x="6300498" y="7957008"/>
             <a:ext cx="18288" cy="936104"/>
           </a:xfrm>
           <a:prstGeom prst="bentConnector3">
@@ -8395,7 +8254,7 @@
         </p:nvSpPr>
         <p:spPr>
           <a:xfrm>
-            <a:off x="6297215" y="6985347"/>
+            <a:off x="6297215" y="12025907"/>
             <a:ext cx="3528392" cy="749141"/>
           </a:xfrm>
           <a:prstGeom prst="roundRect">
@@ -8975,6 +8834,321 @@
           </a:p>
         </p:txBody>
       </p:sp>
+      <p:sp>
+        <p:nvSpPr>
+          <p:cNvPr id="5" name="Rectangle 4"/>
+          <p:cNvSpPr/>
+          <p:nvPr/>
+        </p:nvSpPr>
+        <p:spPr>
+          <a:xfrm>
+            <a:off x="-1" y="0"/>
+            <a:ext cx="10290175" cy="18291175"/>
+          </a:xfrm>
+          <a:prstGeom prst="rect">
+            <a:avLst/>
+          </a:prstGeom>
+          <a:noFill/>
+          <a:ln w="63500">
+            <a:solidFill>
+              <a:schemeClr val="bg1">
+                <a:lumMod val="85000"/>
+              </a:schemeClr>
+            </a:solidFill>
+          </a:ln>
+        </p:spPr>
+        <p:style>
+          <a:lnRef idx="2">
+            <a:schemeClr val="accent1">
+              <a:shade val="50000"/>
+            </a:schemeClr>
+          </a:lnRef>
+          <a:fillRef idx="1">
+            <a:schemeClr val="accent1"/>
+          </a:fillRef>
+          <a:effectRef idx="0">
+            <a:schemeClr val="accent1"/>
+          </a:effectRef>
+          <a:fontRef idx="minor">
+            <a:schemeClr val="lt1"/>
+          </a:fontRef>
+        </p:style>
+        <p:txBody>
+          <a:bodyPr rtlCol="0" anchor="ctr"/>
+          <a:lstStyle/>
+          <a:p>
+            <a:pPr algn="ctr"/>
+            <a:endParaRPr lang="en-US"/>
+          </a:p>
+        </p:txBody>
+      </p:sp>
+      <p:sp>
+        <p:nvSpPr>
+          <p:cNvPr id="83" name="TextBox 82"/>
+          <p:cNvSpPr txBox="1"/>
+          <p:nvPr/>
+        </p:nvSpPr>
+        <p:spPr>
+          <a:xfrm>
+            <a:off x="896615" y="12025907"/>
+            <a:ext cx="3528392" cy="1362075"/>
+          </a:xfrm>
+          <a:prstGeom prst="roundRect">
+            <a:avLst/>
+          </a:prstGeom>
+          <a:solidFill>
+            <a:schemeClr val="bg1">
+              <a:lumMod val="85000"/>
+            </a:schemeClr>
+          </a:solidFill>
+          <a:ln>
+            <a:noFill/>
+          </a:ln>
+        </p:spPr>
+        <p:txBody>
+          <a:bodyPr wrap="square" rtlCol="0">
+            <a:spAutoFit/>
+          </a:bodyPr>
+          <a:lstStyle/>
+          <a:p>
+            <a:r>
+              <a:rPr lang="en-US" sz="2000" b="1" dirty="0" smtClean="0">
+                <a:solidFill>
+                  <a:srgbClr val="73626E"/>
+                </a:solidFill>
+                <a:latin typeface="Corbel" charset="0"/>
+                <a:ea typeface="Corbel" charset="0"/>
+                <a:cs typeface="Corbel" charset="0"/>
+              </a:rPr>
+              <a:t>Editors</a:t>
+            </a:r>
+          </a:p>
+          <a:p>
+            <a:pPr marL="342900" indent="-342900">
+              <a:buFont typeface="Arial" charset="0"/>
+              <a:buChar char="•"/>
+            </a:pPr>
+            <a:r>
+              <a:rPr lang="en-US" sz="1800" dirty="0" smtClean="0">
+                <a:solidFill>
+                  <a:srgbClr val="73626E"/>
+                </a:solidFill>
+                <a:latin typeface="Corbel" charset="0"/>
+                <a:ea typeface="Corbel" charset="0"/>
+                <a:cs typeface="Corbel" charset="0"/>
+              </a:rPr>
+              <a:t>Contribute files and metadata</a:t>
+            </a:r>
+          </a:p>
+          <a:p>
+            <a:pPr marL="342900" indent="-342900">
+              <a:buFont typeface="Arial" charset="0"/>
+              <a:buChar char="•"/>
+            </a:pPr>
+            <a:r>
+              <a:rPr lang="en-US" sz="1800" dirty="0" smtClean="0">
+                <a:solidFill>
+                  <a:srgbClr val="73626E"/>
+                </a:solidFill>
+                <a:latin typeface="Corbel" charset="0"/>
+                <a:ea typeface="Corbel" charset="0"/>
+                <a:cs typeface="Corbel" charset="0"/>
+              </a:rPr>
+              <a:t>Claim and execute tasks</a:t>
+            </a:r>
+          </a:p>
+          <a:p>
+            <a:pPr marL="342900" indent="-342900">
+              <a:buFont typeface="Arial" charset="0"/>
+              <a:buChar char="•"/>
+            </a:pPr>
+            <a:r>
+              <a:rPr lang="en-US" sz="1800" dirty="0" smtClean="0">
+                <a:solidFill>
+                  <a:srgbClr val="73626E"/>
+                </a:solidFill>
+                <a:latin typeface="Corbel" charset="0"/>
+                <a:ea typeface="Corbel" charset="0"/>
+                <a:cs typeface="Corbel" charset="0"/>
+              </a:rPr>
+              <a:t>Accept and reject deposits</a:t>
+            </a:r>
+            <a:endParaRPr lang="en-US" sz="1800" dirty="0">
+              <a:solidFill>
+                <a:srgbClr val="73626E"/>
+              </a:solidFill>
+              <a:latin typeface="Corbel" charset="0"/>
+              <a:ea typeface="Corbel" charset="0"/>
+              <a:cs typeface="Corbel" charset="0"/>
+            </a:endParaRPr>
+          </a:p>
+        </p:txBody>
+      </p:sp>
+      <p:sp>
+        <p:nvSpPr>
+          <p:cNvPr id="13" name="TextBox 12"/>
+          <p:cNvSpPr txBox="1"/>
+          <p:nvPr/>
+        </p:nvSpPr>
+        <p:spPr>
+          <a:xfrm>
+            <a:off x="6030754" y="9901224"/>
+            <a:ext cx="3672408" cy="442674"/>
+          </a:xfrm>
+          <a:prstGeom prst="roundRect">
+            <a:avLst/>
+          </a:prstGeom>
+          <a:solidFill>
+            <a:schemeClr val="bg1">
+              <a:lumMod val="85000"/>
+            </a:schemeClr>
+          </a:solidFill>
+        </p:spPr>
+        <p:txBody>
+          <a:bodyPr wrap="square" rtlCol="0">
+            <a:spAutoFit/>
+          </a:bodyPr>
+          <a:lstStyle/>
+          <a:p>
+            <a:pPr algn="ctr"/>
+            <a:r>
+              <a:rPr lang="en-US" sz="2000" b="1" dirty="0">
+                <a:solidFill>
+                  <a:srgbClr val="73626E"/>
+                </a:solidFill>
+                <a:latin typeface="Corbel" charset="0"/>
+                <a:ea typeface="Corbel" charset="0"/>
+                <a:cs typeface="Corbel" charset="0"/>
+              </a:rPr>
+              <a:t>{ </a:t>
+            </a:r>
+            <a:r>
+              <a:rPr lang="en-US" sz="2000" b="1" dirty="0" smtClean="0">
+                <a:solidFill>
+                  <a:srgbClr val="73626E"/>
+                </a:solidFill>
+                <a:latin typeface="Corbel" charset="0"/>
+                <a:ea typeface="Corbel" charset="0"/>
+                <a:cs typeface="Corbel" charset="0"/>
+              </a:rPr>
+              <a:t>Edit ✏️ }</a:t>
+            </a:r>
+            <a:endParaRPr lang="en-US" sz="2000" b="1" dirty="0">
+              <a:solidFill>
+                <a:srgbClr val="73626E"/>
+              </a:solidFill>
+              <a:latin typeface="Corbel" charset="0"/>
+              <a:ea typeface="Corbel" charset="0"/>
+              <a:cs typeface="Corbel" charset="0"/>
+            </a:endParaRPr>
+          </a:p>
+        </p:txBody>
+      </p:sp>
+      <p:sp>
+        <p:nvSpPr>
+          <p:cNvPr id="98" name="Diamond 97"/>
+          <p:cNvSpPr/>
+          <p:nvPr/>
+        </p:nvSpPr>
+        <p:spPr>
+          <a:xfrm>
+            <a:off x="4878626" y="7957008"/>
+            <a:ext cx="864096" cy="864096"/>
+          </a:xfrm>
+          <a:prstGeom prst="diamond">
+            <a:avLst/>
+          </a:prstGeom>
+          <a:solidFill>
+            <a:schemeClr val="bg1">
+              <a:lumMod val="85000"/>
+            </a:schemeClr>
+          </a:solidFill>
+          <a:ln>
+            <a:noFill/>
+          </a:ln>
+        </p:spPr>
+        <p:style>
+          <a:lnRef idx="2">
+            <a:schemeClr val="accent1">
+              <a:shade val="50000"/>
+            </a:schemeClr>
+          </a:lnRef>
+          <a:fillRef idx="1">
+            <a:schemeClr val="accent1"/>
+          </a:fillRef>
+          <a:effectRef idx="0">
+            <a:schemeClr val="accent1"/>
+          </a:effectRef>
+          <a:fontRef idx="minor">
+            <a:schemeClr val="lt1"/>
+          </a:fontRef>
+        </p:style>
+        <p:txBody>
+          <a:bodyPr lIns="0" tIns="0" rIns="0" bIns="0" rtlCol="0" anchor="ctr"/>
+          <a:lstStyle/>
+          <a:p>
+            <a:pPr algn="ctr"/>
+            <a:r>
+              <a:rPr lang="en-US" sz="1800" dirty="0" smtClean="0">
+                <a:solidFill>
+                  <a:srgbClr val="73626E"/>
+                </a:solidFill>
+                <a:latin typeface="Corbel" charset="0"/>
+                <a:ea typeface="Corbel" charset="0"/>
+                <a:cs typeface="Corbel" charset="0"/>
+              </a:rPr>
+              <a:t>Role</a:t>
+            </a:r>
+            <a:endParaRPr lang="en-US" sz="1800" dirty="0">
+              <a:solidFill>
+                <a:srgbClr val="73626E"/>
+              </a:solidFill>
+              <a:latin typeface="Corbel" charset="0"/>
+              <a:ea typeface="Corbel" charset="0"/>
+              <a:cs typeface="Corbel" charset="0"/>
+            </a:endParaRPr>
+          </a:p>
+        </p:txBody>
+      </p:sp>
+      <p:cxnSp>
+        <p:nvCxnSpPr>
+          <p:cNvPr id="119" name="Straight Arrow Connector 118"/>
+          <p:cNvCxnSpPr/>
+          <p:nvPr/>
+        </p:nvCxnSpPr>
+        <p:spPr>
+          <a:xfrm>
+            <a:off x="6894850" y="7957008"/>
+            <a:ext cx="481982" cy="0"/>
+          </a:xfrm>
+          <a:prstGeom prst="straightConnector1">
+            <a:avLst/>
+          </a:prstGeom>
+          <a:ln w="25400">
+            <a:solidFill>
+              <a:schemeClr val="bg1">
+                <a:lumMod val="85000"/>
+              </a:schemeClr>
+            </a:solidFill>
+            <a:headEnd type="none" w="sm" len="sm"/>
+            <a:tailEnd type="arrow" w="med" len="med"/>
+          </a:ln>
+        </p:spPr>
+        <p:style>
+          <a:lnRef idx="1">
+            <a:schemeClr val="accent1"/>
+          </a:lnRef>
+          <a:fillRef idx="0">
+            <a:schemeClr val="accent1"/>
+          </a:fillRef>
+          <a:effectRef idx="0">
+            <a:schemeClr val="accent1"/>
+          </a:effectRef>
+          <a:fontRef idx="minor">
+            <a:schemeClr val="tx1"/>
+          </a:fontRef>
+        </p:style>
+      </p:cxnSp>
     </p:spTree>
     <p:extLst>
       <p:ext uri="{BB962C8B-B14F-4D97-AF65-F5344CB8AC3E}">
@@ -11798,14 +11972,6 @@
               </a:rPr>
               <a:t>You!</a:t>
             </a:r>
-            <a:endParaRPr lang="en-US" sz="2800" dirty="0" smtClean="0">
-              <a:solidFill>
-                <a:srgbClr val="73626E"/>
-              </a:solidFill>
-              <a:latin typeface="Corbel" charset="0"/>
-              <a:ea typeface="Corbel" charset="0"/>
-              <a:cs typeface="Corbel" charset="0"/>
-            </a:endParaRPr>
           </a:p>
         </p:txBody>
       </p:sp>

--- a/Open Repositories 2017/Charon Poster/OR2017_Charon_Poster_Working.pptx
+++ b/Open Repositories 2017/Charon Poster/OR2017_Charon_Poster_Working.pptx
@@ -125,17 +125,26 @@
             <a:srgbClr val="A4A3A4"/>
           </p15:clr>
         </p15:guide>
-        <p15:guide id="2" pos="429" userDrawn="1">
-          <p15:clr>
-            <a:srgbClr val="A4A3A4"/>
-          </p15:clr>
-        </p15:guide>
-        <p15:guide id="3" pos="6280" userDrawn="1">
+        <p15:guide id="3" pos="6371" userDrawn="1">
           <p15:clr>
             <a:srgbClr val="A4A3A4"/>
           </p15:clr>
         </p15:guide>
       </p15:sldGuideLst>
+    </p:ext>
+    <p:ext uri="{2D200454-40CA-4A62-9FC3-DE9A4176ACB9}">
+      <p15:notesGuideLst xmlns:p15="http://schemas.microsoft.com/office/powerpoint/2012/main">
+        <p15:guide id="1" orient="horz" pos="2880" userDrawn="1">
+          <p15:clr>
+            <a:srgbClr val="A4A3A4"/>
+          </p15:clr>
+        </p15:guide>
+        <p15:guide id="2" pos="2160" userDrawn="1">
+          <p15:clr>
+            <a:srgbClr val="A4A3A4"/>
+          </p15:clr>
+        </p15:guide>
+      </p15:notesGuideLst>
     </p:ext>
   </p:extLst>
 </p:presentation>
@@ -212,31 +221,6 @@
 
 <file path=ppt/comments/comment2.xml><?xml version="1.0" encoding="utf-8"?>
 <p:cmLst xmlns:a="http://schemas.openxmlformats.org/drawingml/2006/main" xmlns:r="http://schemas.openxmlformats.org/officeDocument/2006/relationships" xmlns:p="http://schemas.openxmlformats.org/presentationml/2006/main">
-  <p:cm authorId="1" dt="2017-05-22T10:27:52.432" idx="5">
-    <p:pos x="10" y="10"/>
-    <p:text>green grey</p:text>
-    <p:extLst>
-      <p:ext uri="{C676402C-5697-4E1C-873F-D02D1690AC5C}">
-        <p15:threadingInfo xmlns:p15="http://schemas.microsoft.com/office/powerpoint/2012/main" timeZoneBias="240"/>
-      </p:ext>
-    </p:extLst>
-  </p:cm>
-  <p:cm authorId="1" dt="2017-05-24T16:15:07.228" idx="6">
-    <p:pos x="10" y="146"/>
-    <p:text>A8C0A8</p:text>
-    <p:extLst>
-      <p:ext uri="{C676402C-5697-4E1C-873F-D02D1690AC5C}">
-        <p15:threadingInfo xmlns:p15="http://schemas.microsoft.com/office/powerpoint/2012/main" timeZoneBias="240">
-          <p15:parentCm authorId="1" idx="5"/>
-        </p15:threadingInfo>
-      </p:ext>
-    </p:extLst>
-  </p:cm>
-</p:cmLst>
-</file>
-
-<file path=ppt/comments/comment3.xml><?xml version="1.0" encoding="utf-8"?>
-<p:cmLst xmlns:a="http://schemas.openxmlformats.org/drawingml/2006/main" xmlns:r="http://schemas.openxmlformats.org/officeDocument/2006/relationships" xmlns:p="http://schemas.openxmlformats.org/presentationml/2006/main">
   <p:cm authorId="4" dt="2017-04-26T09:03:31.982" idx="1">
     <p:pos x="10" y="10"/>
     <p:text>Color option 1</p:text>
@@ -260,7 +244,7 @@
 </p:cmLst>
 </file>
 
-<file path=ppt/comments/comment4.xml><?xml version="1.0" encoding="utf-8"?>
+<file path=ppt/comments/comment3.xml><?xml version="1.0" encoding="utf-8"?>
 <p:cmLst xmlns:a="http://schemas.openxmlformats.org/drawingml/2006/main" xmlns:r="http://schemas.openxmlformats.org/officeDocument/2006/relationships" xmlns:p="http://schemas.openxmlformats.org/presentationml/2006/main">
   <p:cm authorId="1" dt="2017-04-26T09:01:24.161" idx="1">
     <p:pos x="10" y="10"/>
@@ -274,7 +258,7 @@
 </p:cmLst>
 </file>
 
-<file path=ppt/comments/comment5.xml><?xml version="1.0" encoding="utf-8"?>
+<file path=ppt/comments/comment4.xml><?xml version="1.0" encoding="utf-8"?>
 <p:cmLst xmlns:a="http://schemas.openxmlformats.org/drawingml/2006/main" xmlns:r="http://schemas.openxmlformats.org/officeDocument/2006/relationships" xmlns:p="http://schemas.openxmlformats.org/presentationml/2006/main">
   <p:cm authorId="13" dt="2017-04-26T09:01:24.161" idx="1">
     <p:pos x="10" y="10"/>
@@ -288,7 +272,7 @@
 </p:cmLst>
 </file>
 
-<file path=ppt/comments/comment6.xml><?xml version="1.0" encoding="utf-8"?>
+<file path=ppt/comments/comment5.xml><?xml version="1.0" encoding="utf-8"?>
 <p:cmLst xmlns:a="http://schemas.openxmlformats.org/drawingml/2006/main" xmlns:r="http://schemas.openxmlformats.org/officeDocument/2006/relationships" xmlns:p="http://schemas.openxmlformats.org/presentationml/2006/main">
   <p:cm authorId="9" dt="2017-04-26T09:12:39.928" idx="1">
     <p:pos x="10" y="10"/>
@@ -313,7 +297,7 @@
 </p:cmLst>
 </file>
 
-<file path=ppt/comments/comment7.xml><?xml version="1.0" encoding="utf-8"?>
+<file path=ppt/comments/comment6.xml><?xml version="1.0" encoding="utf-8"?>
 <p:cmLst xmlns:a="http://schemas.openxmlformats.org/drawingml/2006/main" xmlns:r="http://schemas.openxmlformats.org/officeDocument/2006/relationships" xmlns:p="http://schemas.openxmlformats.org/presentationml/2006/main">
   <p:cm authorId="11" dt="2017-04-26T09:01:24.161" idx="1">
     <p:pos x="10" y="10"/>
@@ -732,6 +716,26 @@
           <a:bodyPr/>
           <a:lstStyle/>
           <a:p>
+            <a:r>
+              <a:rPr lang="en-US" dirty="0" smtClean="0"/>
+              <a:t>https://</a:t>
+            </a:r>
+            <a:r>
+              <a:rPr lang="en-US" dirty="0" err="1" smtClean="0"/>
+              <a:t>docs.google.com</a:t>
+            </a:r>
+            <a:r>
+              <a:rPr lang="en-US" dirty="0" smtClean="0"/>
+              <a:t>/document/d/1krYggmrZpcoGa6PuzfrQxmmWE4zNlrFjZaDDdConaHA/</a:t>
+            </a:r>
+            <a:r>
+              <a:rPr lang="en-US" dirty="0" err="1" smtClean="0"/>
+              <a:t>edit?usp</a:t>
+            </a:r>
+            <a:r>
+              <a:rPr lang="en-US" dirty="0" smtClean="0"/>
+              <a:t>=sharing</a:t>
+            </a:r>
             <a:endParaRPr lang="en-US" dirty="0"/>
           </a:p>
         </p:txBody>
@@ -4336,8 +4340,8 @@
         </p:nvSpPr>
         <p:spPr>
           <a:xfrm>
-            <a:off x="266858" y="16922451"/>
-            <a:ext cx="9792965" cy="1160512"/>
+            <a:off x="249238" y="16994459"/>
+            <a:ext cx="9739024" cy="1160512"/>
           </a:xfrm>
           <a:prstGeom prst="roundRect">
             <a:avLst>
@@ -4394,8 +4398,8 @@
         </p:nvSpPr>
         <p:spPr>
           <a:xfrm rot="5400000">
-            <a:off x="4825894" y="12849156"/>
-            <a:ext cx="1160512" cy="9307102"/>
+            <a:off x="4816796" y="12930137"/>
+            <a:ext cx="1160512" cy="9289156"/>
           </a:xfrm>
           <a:prstGeom prst="round2SameRect">
             <a:avLst>
@@ -4793,8 +4797,8 @@
         </p:nvSpPr>
         <p:spPr>
           <a:xfrm>
-            <a:off x="1015994" y="4249043"/>
-            <a:ext cx="4176464" cy="1800200"/>
+            <a:off x="943985" y="3456955"/>
+            <a:ext cx="4417125" cy="3168352"/>
           </a:xfrm>
           <a:prstGeom prst="roundRect">
             <a:avLst/>
@@ -4850,8 +4854,8 @@
         </p:nvSpPr>
         <p:spPr>
           <a:xfrm>
-            <a:off x="5793159" y="3456955"/>
-            <a:ext cx="4249286" cy="3262432"/>
+            <a:off x="5433119" y="3456955"/>
+            <a:ext cx="4536828" cy="3262432"/>
           </a:xfrm>
           <a:prstGeom prst="rect">
             <a:avLst/>
@@ -5163,8 +5167,8 @@
         </p:nvSpPr>
         <p:spPr>
           <a:xfrm>
-            <a:off x="248543" y="1368723"/>
-            <a:ext cx="9793088" cy="1815882"/>
+            <a:off x="0" y="1440731"/>
+            <a:ext cx="10290175" cy="1815882"/>
           </a:xfrm>
           <a:prstGeom prst="rect">
             <a:avLst/>
@@ -5340,16 +5344,1104 @@
           </a:p>
         </p:txBody>
       </p:sp>
+      <p:sp>
+        <p:nvSpPr>
+          <p:cNvPr id="45" name="TextBox 44"/>
+          <p:cNvSpPr txBox="1"/>
+          <p:nvPr/>
+        </p:nvSpPr>
+        <p:spPr>
+          <a:xfrm>
+            <a:off x="896615" y="17138475"/>
+            <a:ext cx="8064896" cy="923330"/>
+          </a:xfrm>
+          <a:prstGeom prst="rect">
+            <a:avLst/>
+          </a:prstGeom>
+          <a:noFill/>
+          <a:ln>
+            <a:noFill/>
+          </a:ln>
+        </p:spPr>
+        <p:txBody>
+          <a:bodyPr wrap="square" lIns="0" tIns="0" rIns="0" bIns="0" rtlCol="0">
+            <a:spAutoFit/>
+          </a:bodyPr>
+          <a:lstStyle/>
+          <a:p>
+            <a:r>
+              <a:rPr lang="en-US" sz="2000" dirty="0" smtClean="0">
+                <a:solidFill>
+                  <a:schemeClr val="bg1">
+                    <a:lumMod val="95000"/>
+                  </a:schemeClr>
+                </a:solidFill>
+                <a:latin typeface="Corbel" charset="0"/>
+                <a:ea typeface="Corbel" charset="0"/>
+                <a:cs typeface="Corbel" charset="0"/>
+              </a:rPr>
+              <a:t>This project is still in development and we would like your </a:t>
+            </a:r>
+            <a:r>
+              <a:rPr lang="en-US" sz="2000" dirty="0" smtClean="0">
+                <a:solidFill>
+                  <a:schemeClr val="bg1">
+                    <a:lumMod val="95000"/>
+                  </a:schemeClr>
+                </a:solidFill>
+                <a:latin typeface="Corbel" charset="0"/>
+                <a:ea typeface="Corbel" charset="0"/>
+                <a:cs typeface="Corbel" charset="0"/>
+              </a:rPr>
+              <a:t>input!</a:t>
+            </a:r>
+            <a:r>
+              <a:rPr lang="en-US" sz="500" dirty="0">
+                <a:solidFill>
+                  <a:schemeClr val="bg1">
+                    <a:lumMod val="95000"/>
+                  </a:schemeClr>
+                </a:solidFill>
+                <a:latin typeface="Corbel" charset="0"/>
+                <a:ea typeface="Corbel" charset="0"/>
+                <a:cs typeface="Corbel" charset="0"/>
+              </a:rPr>
+              <a:t> </a:t>
+            </a:r>
+            <a:r>
+              <a:rPr lang="en-US" sz="500" dirty="0" smtClean="0">
+                <a:solidFill>
+                  <a:schemeClr val="bg1">
+                    <a:lumMod val="95000"/>
+                  </a:schemeClr>
+                </a:solidFill>
+                <a:latin typeface="Corbel" charset="0"/>
+                <a:ea typeface="Corbel" charset="0"/>
+                <a:cs typeface="Corbel" charset="0"/>
+              </a:rPr>
+              <a:t> </a:t>
+            </a:r>
+            <a:r>
+              <a:rPr lang="en-US" sz="2000" dirty="0" smtClean="0">
+                <a:solidFill>
+                  <a:schemeClr val="bg1">
+                    <a:lumMod val="95000"/>
+                  </a:schemeClr>
+                </a:solidFill>
+                <a:latin typeface="Corbel" charset="0"/>
+                <a:ea typeface="Corbel" charset="0"/>
+                <a:cs typeface="Corbel" charset="0"/>
+              </a:rPr>
+              <a:t>Scan </a:t>
+            </a:r>
+            <a:r>
+              <a:rPr lang="en-US" sz="2000" dirty="0" smtClean="0">
+                <a:solidFill>
+                  <a:schemeClr val="bg1">
+                    <a:lumMod val="95000"/>
+                  </a:schemeClr>
+                </a:solidFill>
+                <a:latin typeface="Corbel" charset="0"/>
+                <a:ea typeface="Corbel" charset="0"/>
+                <a:cs typeface="Corbel" charset="0"/>
+              </a:rPr>
+              <a:t>the QR code on the </a:t>
+            </a:r>
+            <a:r>
+              <a:rPr lang="en-US" sz="2000" dirty="0" smtClean="0">
+                <a:solidFill>
+                  <a:schemeClr val="bg1">
+                    <a:lumMod val="95000"/>
+                  </a:schemeClr>
+                </a:solidFill>
+                <a:latin typeface="Corbel" charset="0"/>
+                <a:ea typeface="Corbel" charset="0"/>
+                <a:cs typeface="Corbel" charset="0"/>
+              </a:rPr>
+              <a:t>right or visit </a:t>
+            </a:r>
+            <a:r>
+              <a:rPr lang="en-US" sz="2000" dirty="0">
+                <a:solidFill>
+                  <a:schemeClr val="tx2">
+                    <a:lumMod val="40000"/>
+                    <a:lumOff val="60000"/>
+                  </a:schemeClr>
+                </a:solidFill>
+                <a:latin typeface="Consolas" charset="0"/>
+                <a:ea typeface="Consolas" charset="0"/>
+                <a:cs typeface="Consolas" charset="0"/>
+              </a:rPr>
+              <a:t>https://</a:t>
+            </a:r>
+            <a:r>
+              <a:rPr lang="en-US" sz="2000" dirty="0" err="1">
+                <a:solidFill>
+                  <a:schemeClr val="tx2">
+                    <a:lumMod val="40000"/>
+                    <a:lumOff val="60000"/>
+                  </a:schemeClr>
+                </a:solidFill>
+                <a:latin typeface="Consolas" charset="0"/>
+                <a:ea typeface="Consolas" charset="0"/>
+                <a:cs typeface="Consolas" charset="0"/>
+              </a:rPr>
+              <a:t>goo.gl</a:t>
+            </a:r>
+            <a:r>
+              <a:rPr lang="en-US" sz="2000" dirty="0">
+                <a:solidFill>
+                  <a:schemeClr val="tx2">
+                    <a:lumMod val="40000"/>
+                    <a:lumOff val="60000"/>
+                  </a:schemeClr>
+                </a:solidFill>
+                <a:latin typeface="Consolas" charset="0"/>
+                <a:ea typeface="Consolas" charset="0"/>
+                <a:cs typeface="Consolas" charset="0"/>
+              </a:rPr>
+              <a:t>/PT1IhE</a:t>
+            </a:r>
+            <a:r>
+              <a:rPr lang="en-US" sz="2000" dirty="0" smtClean="0">
+                <a:solidFill>
+                  <a:schemeClr val="bg1">
+                    <a:lumMod val="95000"/>
+                  </a:schemeClr>
+                </a:solidFill>
+                <a:latin typeface="Corbel" charset="0"/>
+                <a:ea typeface="Corbel" charset="0"/>
+                <a:cs typeface="Corbel" charset="0"/>
+              </a:rPr>
+              <a:t> </a:t>
+            </a:r>
+            <a:r>
+              <a:rPr lang="en-US" sz="2000" dirty="0" smtClean="0">
+                <a:solidFill>
+                  <a:schemeClr val="bg1">
+                    <a:lumMod val="95000"/>
+                  </a:schemeClr>
+                </a:solidFill>
+                <a:latin typeface="Corbel" charset="0"/>
+                <a:ea typeface="Corbel" charset="0"/>
+                <a:cs typeface="Corbel" charset="0"/>
+              </a:rPr>
+              <a:t>to review and comment on </a:t>
+            </a:r>
+            <a:r>
+              <a:rPr lang="en-US" sz="2000" dirty="0" smtClean="0">
+                <a:solidFill>
+                  <a:schemeClr val="bg1">
+                    <a:lumMod val="95000"/>
+                  </a:schemeClr>
+                </a:solidFill>
+                <a:latin typeface="Corbel" charset="0"/>
+                <a:ea typeface="Corbel" charset="0"/>
+                <a:cs typeface="Corbel" charset="0"/>
+              </a:rPr>
+              <a:t>the Charon </a:t>
+            </a:r>
+            <a:r>
+              <a:rPr lang="en-US" sz="2000" dirty="0" smtClean="0">
+                <a:solidFill>
+                  <a:schemeClr val="bg1">
+                    <a:lumMod val="95000"/>
+                  </a:schemeClr>
+                </a:solidFill>
+                <a:latin typeface="Corbel" charset="0"/>
+                <a:ea typeface="Corbel" charset="0"/>
+                <a:cs typeface="Corbel" charset="0"/>
+              </a:rPr>
+              <a:t>technical specification. Any and all feedback is welcome!</a:t>
+            </a:r>
+            <a:endParaRPr lang="en-US" sz="2000" dirty="0">
+              <a:solidFill>
+                <a:schemeClr val="bg1">
+                  <a:lumMod val="95000"/>
+                </a:schemeClr>
+              </a:solidFill>
+              <a:latin typeface="Corbel" charset="0"/>
+              <a:ea typeface="Corbel" charset="0"/>
+              <a:cs typeface="Corbel" charset="0"/>
+            </a:endParaRPr>
+          </a:p>
+        </p:txBody>
+      </p:sp>
+      <p:sp>
+        <p:nvSpPr>
+          <p:cNvPr id="27" name="TextBox 26"/>
+          <p:cNvSpPr txBox="1"/>
+          <p:nvPr/>
+        </p:nvSpPr>
+        <p:spPr>
+          <a:xfrm rot="16200000">
+            <a:off x="-57375" y="17336613"/>
+            <a:ext cx="1152128" cy="467820"/>
+          </a:xfrm>
+          <a:prstGeom prst="rect">
+            <a:avLst/>
+          </a:prstGeom>
+          <a:noFill/>
+          <a:ln w="19050">
+            <a:noFill/>
+          </a:ln>
+        </p:spPr>
+        <p:txBody>
+          <a:bodyPr wrap="square" lIns="0" tIns="18288" rIns="0" bIns="18288" rtlCol="0">
+            <a:spAutoFit/>
+          </a:bodyPr>
+          <a:lstStyle/>
+          <a:p>
+            <a:pPr algn="ctr"/>
+            <a:r>
+              <a:rPr lang="en-US" sz="2800" dirty="0" smtClean="0">
+                <a:solidFill>
+                  <a:srgbClr val="73626E"/>
+                </a:solidFill>
+                <a:latin typeface="Corbel" charset="0"/>
+                <a:ea typeface="Corbel" charset="0"/>
+                <a:cs typeface="Corbel" charset="0"/>
+              </a:rPr>
+              <a:t>You!</a:t>
+            </a:r>
+          </a:p>
+        </p:txBody>
+      </p:sp>
+      <p:sp>
+        <p:nvSpPr>
+          <p:cNvPr id="64" name="TextBox 63"/>
+          <p:cNvSpPr txBox="1"/>
+          <p:nvPr/>
+        </p:nvSpPr>
+        <p:spPr>
+          <a:xfrm>
+            <a:off x="969391" y="6265267"/>
+            <a:ext cx="4391719" cy="381381"/>
+          </a:xfrm>
+          <a:prstGeom prst="roundRect">
+            <a:avLst/>
+          </a:prstGeom>
+          <a:noFill/>
+          <a:ln w="19050">
+            <a:noFill/>
+          </a:ln>
+        </p:spPr>
+        <p:txBody>
+          <a:bodyPr wrap="square" lIns="0" tIns="18288" rIns="0" bIns="18288" rtlCol="0">
+            <a:spAutoFit/>
+          </a:bodyPr>
+          <a:lstStyle/>
+          <a:p>
+            <a:pPr algn="ctr"/>
+            <a:r>
+              <a:rPr lang="en-US" sz="2000" b="1" dirty="0" smtClean="0">
+                <a:solidFill>
+                  <a:srgbClr val="73626E"/>
+                </a:solidFill>
+                <a:latin typeface="Corbel" charset="0"/>
+                <a:ea typeface="Corbel" charset="0"/>
+                <a:cs typeface="Corbel" charset="0"/>
+              </a:rPr>
+              <a:t>Fedora 4</a:t>
+            </a:r>
+            <a:endParaRPr lang="en-US" sz="2000" b="1" dirty="0">
+              <a:solidFill>
+                <a:srgbClr val="73626E"/>
+              </a:solidFill>
+              <a:latin typeface="Corbel" charset="0"/>
+              <a:ea typeface="Corbel" charset="0"/>
+              <a:cs typeface="Corbel" charset="0"/>
+            </a:endParaRPr>
+          </a:p>
+        </p:txBody>
+      </p:sp>
+      <p:sp>
+        <p:nvSpPr>
+          <p:cNvPr id="66" name="TextBox 65"/>
+          <p:cNvSpPr txBox="1"/>
+          <p:nvPr/>
+        </p:nvSpPr>
+        <p:spPr>
+          <a:xfrm>
+            <a:off x="968623" y="3456955"/>
+            <a:ext cx="4392488" cy="381381"/>
+          </a:xfrm>
+          <a:prstGeom prst="roundRect">
+            <a:avLst/>
+          </a:prstGeom>
+          <a:noFill/>
+          <a:ln w="19050">
+            <a:noFill/>
+          </a:ln>
+        </p:spPr>
+        <p:txBody>
+          <a:bodyPr wrap="square" lIns="0" tIns="18288" rIns="0" bIns="18288" rtlCol="0">
+            <a:spAutoFit/>
+          </a:bodyPr>
+          <a:lstStyle/>
+          <a:p>
+            <a:pPr algn="ctr"/>
+            <a:r>
+              <a:rPr lang="en-US" sz="2000" b="1" dirty="0" smtClean="0">
+                <a:solidFill>
+                  <a:srgbClr val="73626E"/>
+                </a:solidFill>
+                <a:latin typeface="Corbel" charset="0"/>
+                <a:ea typeface="Corbel" charset="0"/>
+                <a:cs typeface="Corbel" charset="0"/>
+              </a:rPr>
+              <a:t>CERES Publisher</a:t>
+            </a:r>
+          </a:p>
+        </p:txBody>
+      </p:sp>
+      <p:sp>
+        <p:nvSpPr>
+          <p:cNvPr id="78" name="TextBox 77"/>
+          <p:cNvSpPr txBox="1"/>
+          <p:nvPr/>
+        </p:nvSpPr>
+        <p:spPr>
+          <a:xfrm rot="16200000">
+            <a:off x="-1839615" y="9091697"/>
+            <a:ext cx="4680520" cy="467820"/>
+          </a:xfrm>
+          <a:prstGeom prst="rect">
+            <a:avLst/>
+          </a:prstGeom>
+          <a:noFill/>
+          <a:ln w="19050">
+            <a:noFill/>
+          </a:ln>
+        </p:spPr>
+        <p:txBody>
+          <a:bodyPr wrap="square" lIns="0" tIns="18288" rIns="0" bIns="18288" rtlCol="0">
+            <a:spAutoFit/>
+          </a:bodyPr>
+          <a:lstStyle/>
+          <a:p>
+            <a:pPr algn="ctr"/>
+            <a:r>
+              <a:rPr lang="en-US" sz="2800" dirty="0" smtClean="0">
+                <a:solidFill>
+                  <a:srgbClr val="73626E"/>
+                </a:solidFill>
+                <a:latin typeface="Corbel" charset="0"/>
+                <a:ea typeface="Corbel" charset="0"/>
+                <a:cs typeface="Corbel" charset="0"/>
+              </a:rPr>
+              <a:t>Workflows and Interfaces</a:t>
+            </a:r>
+          </a:p>
+        </p:txBody>
+      </p:sp>
+      <p:sp>
+        <p:nvSpPr>
+          <p:cNvPr id="75" name="TextBox 74"/>
+          <p:cNvSpPr txBox="1"/>
+          <p:nvPr/>
+        </p:nvSpPr>
+        <p:spPr>
+          <a:xfrm>
+            <a:off x="968622" y="3816995"/>
+            <a:ext cx="4392489" cy="381381"/>
+          </a:xfrm>
+          <a:prstGeom prst="roundRect">
+            <a:avLst/>
+          </a:prstGeom>
+          <a:noFill/>
+          <a:ln w="19050">
+            <a:noFill/>
+          </a:ln>
+        </p:spPr>
+        <p:txBody>
+          <a:bodyPr wrap="square" lIns="0" tIns="18288" rIns="0" bIns="18288" rtlCol="0">
+            <a:spAutoFit/>
+          </a:bodyPr>
+          <a:lstStyle/>
+          <a:p>
+            <a:pPr algn="ctr"/>
+            <a:r>
+              <a:rPr lang="en-US" sz="2000" b="1" dirty="0" smtClean="0">
+                <a:solidFill>
+                  <a:srgbClr val="73626E"/>
+                </a:solidFill>
+                <a:latin typeface="Corbel" charset="0"/>
+                <a:ea typeface="Corbel" charset="0"/>
+                <a:cs typeface="Corbel" charset="0"/>
+              </a:rPr>
+              <a:t>REST API</a:t>
+            </a:r>
+          </a:p>
+        </p:txBody>
+      </p:sp>
+      <p:sp>
+        <p:nvSpPr>
+          <p:cNvPr id="79" name="TextBox 78"/>
+          <p:cNvSpPr txBox="1"/>
+          <p:nvPr/>
+        </p:nvSpPr>
+        <p:spPr>
+          <a:xfrm rot="16200000">
+            <a:off x="-1947627" y="14096253"/>
+            <a:ext cx="4896544" cy="467820"/>
+          </a:xfrm>
+          <a:prstGeom prst="rect">
+            <a:avLst/>
+          </a:prstGeom>
+          <a:noFill/>
+          <a:ln w="19050">
+            <a:noFill/>
+          </a:ln>
+        </p:spPr>
+        <p:txBody>
+          <a:bodyPr wrap="square" lIns="0" tIns="18288" rIns="0" bIns="18288" rtlCol="0">
+            <a:spAutoFit/>
+          </a:bodyPr>
+          <a:lstStyle/>
+          <a:p>
+            <a:pPr algn="ctr"/>
+            <a:r>
+              <a:rPr lang="en-US" sz="2800" dirty="0" smtClean="0">
+                <a:solidFill>
+                  <a:srgbClr val="73626E"/>
+                </a:solidFill>
+                <a:latin typeface="Corbel" charset="0"/>
+                <a:ea typeface="Corbel" charset="0"/>
+                <a:cs typeface="Corbel" charset="0"/>
+              </a:rPr>
+              <a:t>User Roles</a:t>
+            </a:r>
+          </a:p>
+        </p:txBody>
+      </p:sp>
       <p:pic>
         <p:nvPicPr>
-          <p:cNvPr id="44" name="Picture 43"/>
+          <p:cNvPr id="42" name="Picture 41"/>
           <p:cNvPicPr>
             <a:picLocks noChangeAspect="1"/>
           </p:cNvPicPr>
           <p:nvPr/>
         </p:nvPicPr>
+        <p:blipFill rotWithShape="1">
+          <a:blip r:embed="rId3">
+            <a:extLst>
+              <a:ext uri="{28A0092B-C50C-407E-A947-70E740481C1C}">
+                <a14:useLocalDpi xmlns:a14="http://schemas.microsoft.com/office/drawing/2010/main" val="0"/>
+              </a:ext>
+            </a:extLst>
+          </a:blip>
+          <a:srcRect l="17904" t="38129"/>
+          <a:stretch/>
+        </p:blipFill>
+        <p:spPr>
+          <a:xfrm>
+            <a:off x="896615" y="13754099"/>
+            <a:ext cx="5112568" cy="2889794"/>
+          </a:xfrm>
+          <a:prstGeom prst="rect">
+            <a:avLst/>
+          </a:prstGeom>
+        </p:spPr>
+      </p:pic>
+      <p:sp>
+        <p:nvSpPr>
+          <p:cNvPr id="86" name="Arc 85"/>
+          <p:cNvSpPr/>
+          <p:nvPr/>
+        </p:nvSpPr>
+        <p:spPr>
+          <a:xfrm rot="10800000" flipV="1">
+            <a:off x="4136975" y="12673979"/>
+            <a:ext cx="6153200" cy="3672408"/>
+          </a:xfrm>
+          <a:prstGeom prst="arc">
+            <a:avLst>
+              <a:gd name="adj1" fmla="val 16273522"/>
+              <a:gd name="adj2" fmla="val 21022623"/>
+            </a:avLst>
+          </a:prstGeom>
+          <a:ln w="53975">
+            <a:solidFill>
+              <a:schemeClr val="bg1">
+                <a:lumMod val="85000"/>
+              </a:schemeClr>
+            </a:solidFill>
+            <a:tailEnd type="arrow" w="med" len="med"/>
+          </a:ln>
+        </p:spPr>
+        <p:style>
+          <a:lnRef idx="1">
+            <a:schemeClr val="accent1"/>
+          </a:lnRef>
+          <a:fillRef idx="0">
+            <a:schemeClr val="accent1"/>
+          </a:fillRef>
+          <a:effectRef idx="0">
+            <a:schemeClr val="accent1"/>
+          </a:effectRef>
+          <a:fontRef idx="minor">
+            <a:schemeClr val="tx1"/>
+          </a:fontRef>
+        </p:style>
+        <p:txBody>
+          <a:bodyPr rtlCol="0" anchor="ctr"/>
+          <a:lstStyle/>
+          <a:p>
+            <a:pPr algn="ctr"/>
+            <a:endParaRPr lang="en-US">
+              <a:latin typeface="Corbel" charset="0"/>
+              <a:ea typeface="Corbel" charset="0"/>
+              <a:cs typeface="Corbel" charset="0"/>
+            </a:endParaRPr>
+          </a:p>
+        </p:txBody>
+      </p:sp>
+      <p:sp>
+        <p:nvSpPr>
+          <p:cNvPr id="87" name="Arc 86"/>
+          <p:cNvSpPr/>
+          <p:nvPr/>
+        </p:nvSpPr>
+        <p:spPr>
+          <a:xfrm rot="10800000" flipV="1">
+            <a:off x="4352999" y="13394059"/>
+            <a:ext cx="5472608" cy="2232248"/>
+          </a:xfrm>
+          <a:prstGeom prst="arc">
+            <a:avLst>
+              <a:gd name="adj1" fmla="val 16200000"/>
+              <a:gd name="adj2" fmla="val 21170846"/>
+            </a:avLst>
+          </a:prstGeom>
+          <a:ln w="53975">
+            <a:solidFill>
+              <a:schemeClr val="bg1">
+                <a:lumMod val="85000"/>
+              </a:schemeClr>
+            </a:solidFill>
+            <a:tailEnd type="arrow" w="med" len="med"/>
+          </a:ln>
+        </p:spPr>
+        <p:style>
+          <a:lnRef idx="1">
+            <a:schemeClr val="accent1"/>
+          </a:lnRef>
+          <a:fillRef idx="0">
+            <a:schemeClr val="accent1"/>
+          </a:fillRef>
+          <a:effectRef idx="0">
+            <a:schemeClr val="accent1"/>
+          </a:effectRef>
+          <a:fontRef idx="minor">
+            <a:schemeClr val="tx1"/>
+          </a:fontRef>
+        </p:style>
+        <p:txBody>
+          <a:bodyPr rtlCol="0" anchor="ctr"/>
+          <a:lstStyle/>
+          <a:p>
+            <a:pPr algn="ctr"/>
+            <a:endParaRPr lang="en-US">
+              <a:latin typeface="Corbel" charset="0"/>
+              <a:ea typeface="Corbel" charset="0"/>
+              <a:cs typeface="Corbel" charset="0"/>
+            </a:endParaRPr>
+          </a:p>
+        </p:txBody>
+      </p:sp>
+      <p:sp>
+        <p:nvSpPr>
+          <p:cNvPr id="88" name="Arc 87"/>
+          <p:cNvSpPr/>
+          <p:nvPr/>
+        </p:nvSpPr>
+        <p:spPr>
+          <a:xfrm rot="12739462" flipV="1">
+            <a:off x="5622239" y="14563975"/>
+            <a:ext cx="1728192" cy="2016224"/>
+          </a:xfrm>
+          <a:prstGeom prst="arc">
+            <a:avLst>
+              <a:gd name="adj1" fmla="val 16200000"/>
+              <a:gd name="adj2" fmla="val 75559"/>
+            </a:avLst>
+          </a:prstGeom>
+          <a:ln w="53975">
+            <a:solidFill>
+              <a:schemeClr val="bg1">
+                <a:lumMod val="85000"/>
+              </a:schemeClr>
+            </a:solidFill>
+            <a:tailEnd type="arrow" w="med" len="med"/>
+          </a:ln>
+        </p:spPr>
+        <p:style>
+          <a:lnRef idx="1">
+            <a:schemeClr val="accent1"/>
+          </a:lnRef>
+          <a:fillRef idx="0">
+            <a:schemeClr val="accent1"/>
+          </a:fillRef>
+          <a:effectRef idx="0">
+            <a:schemeClr val="accent1"/>
+          </a:effectRef>
+          <a:fontRef idx="minor">
+            <a:schemeClr val="tx1"/>
+          </a:fontRef>
+        </p:style>
+        <p:txBody>
+          <a:bodyPr rtlCol="0" anchor="ctr"/>
+          <a:lstStyle/>
+          <a:p>
+            <a:pPr algn="ctr"/>
+            <a:endParaRPr lang="en-US">
+              <a:latin typeface="Corbel" charset="0"/>
+              <a:ea typeface="Corbel" charset="0"/>
+              <a:cs typeface="Corbel" charset="0"/>
+            </a:endParaRPr>
+          </a:p>
+        </p:txBody>
+      </p:sp>
+      <p:sp>
+        <p:nvSpPr>
+          <p:cNvPr id="89" name="Arc 88"/>
+          <p:cNvSpPr/>
+          <p:nvPr/>
+        </p:nvSpPr>
+        <p:spPr>
+          <a:xfrm rot="10800000" flipV="1">
+            <a:off x="4715597" y="13322051"/>
+            <a:ext cx="5149499" cy="2808312"/>
+          </a:xfrm>
+          <a:prstGeom prst="arc">
+            <a:avLst>
+              <a:gd name="adj1" fmla="val 16200000"/>
+              <a:gd name="adj2" fmla="val 21319761"/>
+            </a:avLst>
+          </a:prstGeom>
+          <a:ln w="53975">
+            <a:solidFill>
+              <a:schemeClr val="bg1">
+                <a:lumMod val="85000"/>
+              </a:schemeClr>
+            </a:solidFill>
+            <a:tailEnd type="arrow" w="med" len="med"/>
+          </a:ln>
+        </p:spPr>
+        <p:style>
+          <a:lnRef idx="1">
+            <a:schemeClr val="accent1"/>
+          </a:lnRef>
+          <a:fillRef idx="0">
+            <a:schemeClr val="accent1"/>
+          </a:fillRef>
+          <a:effectRef idx="0">
+            <a:schemeClr val="accent1"/>
+          </a:effectRef>
+          <a:fontRef idx="minor">
+            <a:schemeClr val="tx1"/>
+          </a:fontRef>
+        </p:style>
+        <p:txBody>
+          <a:bodyPr rtlCol="0" anchor="ctr"/>
+          <a:lstStyle/>
+          <a:p>
+            <a:pPr algn="ctr"/>
+            <a:endParaRPr lang="en-US">
+              <a:latin typeface="Corbel" charset="0"/>
+              <a:ea typeface="Corbel" charset="0"/>
+              <a:cs typeface="Corbel" charset="0"/>
+            </a:endParaRPr>
+          </a:p>
+        </p:txBody>
+      </p:sp>
+      <p:sp>
+        <p:nvSpPr>
+          <p:cNvPr id="82" name="TextBox 81"/>
+          <p:cNvSpPr txBox="1"/>
+          <p:nvPr/>
+        </p:nvSpPr>
+        <p:spPr>
+          <a:xfrm>
+            <a:off x="6297215" y="13106027"/>
+            <a:ext cx="3600400" cy="1055608"/>
+          </a:xfrm>
+          <a:prstGeom prst="roundRect">
+            <a:avLst/>
+          </a:prstGeom>
+          <a:solidFill>
+            <a:schemeClr val="bg1">
+              <a:lumMod val="85000"/>
+            </a:schemeClr>
+          </a:solidFill>
+          <a:ln>
+            <a:noFill/>
+          </a:ln>
+        </p:spPr>
+        <p:txBody>
+          <a:bodyPr wrap="square" rtlCol="0">
+            <a:spAutoFit/>
+          </a:bodyPr>
+          <a:lstStyle/>
+          <a:p>
+            <a:r>
+              <a:rPr lang="en-US" sz="2000" b="1" dirty="0" smtClean="0">
+                <a:solidFill>
+                  <a:srgbClr val="73626E"/>
+                </a:solidFill>
+                <a:latin typeface="Corbel" charset="0"/>
+                <a:ea typeface="Corbel" charset="0"/>
+                <a:cs typeface="Corbel" charset="0"/>
+              </a:rPr>
+              <a:t>Creators</a:t>
+            </a:r>
+          </a:p>
+          <a:p>
+            <a:pPr marL="342900" indent="-342900">
+              <a:buFont typeface="Arial" charset="0"/>
+              <a:buChar char="•"/>
+            </a:pPr>
+            <a:r>
+              <a:rPr lang="en-US" sz="1800" dirty="0" smtClean="0">
+                <a:solidFill>
+                  <a:srgbClr val="73626E"/>
+                </a:solidFill>
+                <a:latin typeface="Corbel" charset="0"/>
+                <a:ea typeface="Corbel" charset="0"/>
+                <a:cs typeface="Corbel" charset="0"/>
+              </a:rPr>
+              <a:t>Contribute files and metadata</a:t>
+            </a:r>
+          </a:p>
+          <a:p>
+            <a:pPr marL="342900" indent="-342900">
+              <a:buFont typeface="Arial" charset="0"/>
+              <a:buChar char="•"/>
+            </a:pPr>
+            <a:r>
+              <a:rPr lang="en-US" sz="1800" dirty="0" smtClean="0">
+                <a:solidFill>
+                  <a:srgbClr val="73626E"/>
+                </a:solidFill>
+                <a:latin typeface="Corbel" charset="0"/>
+                <a:ea typeface="Corbel" charset="0"/>
+                <a:cs typeface="Corbel" charset="0"/>
+              </a:rPr>
+              <a:t>Claim and execute tasks</a:t>
+            </a:r>
+            <a:endParaRPr lang="en-US" sz="1800" dirty="0">
+              <a:solidFill>
+                <a:srgbClr val="73626E"/>
+              </a:solidFill>
+              <a:latin typeface="Corbel" charset="0"/>
+              <a:ea typeface="Corbel" charset="0"/>
+              <a:cs typeface="Corbel" charset="0"/>
+            </a:endParaRPr>
+          </a:p>
+        </p:txBody>
+      </p:sp>
+      <p:sp>
+        <p:nvSpPr>
+          <p:cNvPr id="84" name="TextBox 83"/>
+          <p:cNvSpPr txBox="1"/>
+          <p:nvPr/>
+        </p:nvSpPr>
+        <p:spPr>
+          <a:xfrm>
+            <a:off x="6297215" y="14280935"/>
+            <a:ext cx="3600400" cy="2281476"/>
+          </a:xfrm>
+          <a:prstGeom prst="roundRect">
+            <a:avLst>
+              <a:gd name="adj" fmla="val 8317"/>
+            </a:avLst>
+          </a:prstGeom>
+          <a:solidFill>
+            <a:schemeClr val="bg1">
+              <a:lumMod val="85000"/>
+            </a:schemeClr>
+          </a:solidFill>
+          <a:ln>
+            <a:noFill/>
+          </a:ln>
+        </p:spPr>
+        <p:txBody>
+          <a:bodyPr wrap="square" rtlCol="0">
+            <a:spAutoFit/>
+          </a:bodyPr>
+          <a:lstStyle/>
+          <a:p>
+            <a:r>
+              <a:rPr lang="en-US" sz="2000" b="1" dirty="0" smtClean="0">
+                <a:solidFill>
+                  <a:srgbClr val="73626E"/>
+                </a:solidFill>
+                <a:latin typeface="Corbel" charset="0"/>
+                <a:ea typeface="Corbel" charset="0"/>
+                <a:cs typeface="Corbel" charset="0"/>
+              </a:rPr>
+              <a:t>Administrator(s)</a:t>
+            </a:r>
+          </a:p>
+          <a:p>
+            <a:pPr marL="342900" indent="-342900">
+              <a:buFont typeface="Arial" charset="0"/>
+              <a:buChar char="•"/>
+            </a:pPr>
+            <a:r>
+              <a:rPr lang="en-US" sz="1800" dirty="0" smtClean="0">
+                <a:solidFill>
+                  <a:srgbClr val="73626E"/>
+                </a:solidFill>
+                <a:latin typeface="Corbel" charset="0"/>
+                <a:ea typeface="Corbel" charset="0"/>
+                <a:cs typeface="Corbel" charset="0"/>
+              </a:rPr>
+              <a:t>Contribute files and metadata</a:t>
+            </a:r>
+          </a:p>
+          <a:p>
+            <a:pPr marL="342900" indent="-342900">
+              <a:buFont typeface="Arial" charset="0"/>
+              <a:buChar char="•"/>
+            </a:pPr>
+            <a:r>
+              <a:rPr lang="en-US" sz="1800" dirty="0" smtClean="0">
+                <a:solidFill>
+                  <a:srgbClr val="73626E"/>
+                </a:solidFill>
+                <a:latin typeface="Corbel" charset="0"/>
+                <a:ea typeface="Corbel" charset="0"/>
+                <a:cs typeface="Corbel" charset="0"/>
+              </a:rPr>
+              <a:t>Claim and execute tasks</a:t>
+            </a:r>
+          </a:p>
+          <a:p>
+            <a:pPr marL="342900" indent="-342900">
+              <a:buFont typeface="Arial" charset="0"/>
+              <a:buChar char="•"/>
+            </a:pPr>
+            <a:r>
+              <a:rPr lang="en-US" sz="1800" dirty="0" smtClean="0">
+                <a:solidFill>
+                  <a:srgbClr val="73626E"/>
+                </a:solidFill>
+                <a:latin typeface="Corbel" charset="0"/>
+                <a:ea typeface="Corbel" charset="0"/>
+                <a:cs typeface="Corbel" charset="0"/>
+              </a:rPr>
+              <a:t>Accept and reject deposits</a:t>
+            </a:r>
+          </a:p>
+          <a:p>
+            <a:pPr marL="342900" indent="-342900">
+              <a:buFont typeface="Arial" charset="0"/>
+              <a:buChar char="•"/>
+            </a:pPr>
+            <a:r>
+              <a:rPr lang="en-US" sz="1800" dirty="0" smtClean="0">
+                <a:solidFill>
+                  <a:srgbClr val="73626E"/>
+                </a:solidFill>
+                <a:latin typeface="Corbel" charset="0"/>
+                <a:ea typeface="Corbel" charset="0"/>
+                <a:cs typeface="Corbel" charset="0"/>
+              </a:rPr>
+              <a:t>Configure users, models, and workflows</a:t>
+            </a:r>
+          </a:p>
+          <a:p>
+            <a:pPr marL="342900" indent="-342900">
+              <a:buFont typeface="Arial" charset="0"/>
+              <a:buChar char="•"/>
+            </a:pPr>
+            <a:r>
+              <a:rPr lang="en-US" sz="1800" dirty="0" smtClean="0">
+                <a:solidFill>
+                  <a:srgbClr val="73626E"/>
+                </a:solidFill>
+                <a:latin typeface="Corbel" charset="0"/>
+                <a:ea typeface="Corbel" charset="0"/>
+                <a:cs typeface="Corbel" charset="0"/>
+              </a:rPr>
+              <a:t>Bulk review and processing</a:t>
+            </a:r>
+            <a:endParaRPr lang="en-US" sz="1800" dirty="0">
+              <a:solidFill>
+                <a:srgbClr val="73626E"/>
+              </a:solidFill>
+              <a:latin typeface="Corbel" charset="0"/>
+              <a:ea typeface="Corbel" charset="0"/>
+              <a:cs typeface="Corbel" charset="0"/>
+            </a:endParaRPr>
+          </a:p>
+        </p:txBody>
+      </p:sp>
+      <p:sp>
+        <p:nvSpPr>
+          <p:cNvPr id="93" name="Arc 92"/>
+          <p:cNvSpPr/>
+          <p:nvPr/>
+        </p:nvSpPr>
+        <p:spPr>
+          <a:xfrm rot="10800000" flipV="1">
+            <a:off x="3992959" y="12745987"/>
+            <a:ext cx="5256584" cy="2880320"/>
+          </a:xfrm>
+          <a:prstGeom prst="arc">
+            <a:avLst>
+              <a:gd name="adj1" fmla="val 16922661"/>
+              <a:gd name="adj2" fmla="val 21241058"/>
+            </a:avLst>
+          </a:prstGeom>
+          <a:ln w="53975">
+            <a:solidFill>
+              <a:schemeClr val="bg1">
+                <a:lumMod val="85000"/>
+              </a:schemeClr>
+            </a:solidFill>
+            <a:tailEnd type="arrow" w="med" len="med"/>
+          </a:ln>
+        </p:spPr>
+        <p:style>
+          <a:lnRef idx="1">
+            <a:schemeClr val="accent1"/>
+          </a:lnRef>
+          <a:fillRef idx="0">
+            <a:schemeClr val="accent1"/>
+          </a:fillRef>
+          <a:effectRef idx="0">
+            <a:schemeClr val="accent1"/>
+          </a:effectRef>
+          <a:fontRef idx="minor">
+            <a:schemeClr val="tx1"/>
+          </a:fontRef>
+        </p:style>
+        <p:txBody>
+          <a:bodyPr rtlCol="0" anchor="ctr"/>
+          <a:lstStyle/>
+          <a:p>
+            <a:pPr algn="ctr"/>
+            <a:endParaRPr lang="en-US">
+              <a:latin typeface="Corbel" charset="0"/>
+              <a:ea typeface="Corbel" charset="0"/>
+              <a:cs typeface="Corbel" charset="0"/>
+            </a:endParaRPr>
+          </a:p>
+        </p:txBody>
+      </p:sp>
+      <p:sp>
+        <p:nvSpPr>
+          <p:cNvPr id="94" name="TextBox 93"/>
+          <p:cNvSpPr txBox="1"/>
+          <p:nvPr/>
+        </p:nvSpPr>
+        <p:spPr>
+          <a:xfrm>
+            <a:off x="914807" y="8137475"/>
+            <a:ext cx="2804933" cy="1464231"/>
+          </a:xfrm>
+          <a:prstGeom prst="roundRect">
+            <a:avLst/>
+          </a:prstGeom>
+          <a:solidFill>
+            <a:schemeClr val="bg1">
+              <a:lumMod val="85000"/>
+            </a:schemeClr>
+          </a:solidFill>
+        </p:spPr>
+        <p:txBody>
+          <a:bodyPr wrap="square" rtlCol="0">
+            <a:spAutoFit/>
+          </a:bodyPr>
+          <a:lstStyle/>
+          <a:p>
+            <a:pPr algn="ctr"/>
+            <a:r>
+              <a:rPr lang="en-US" sz="2000" b="1" dirty="0" smtClean="0">
+                <a:solidFill>
+                  <a:srgbClr val="73626E"/>
+                </a:solidFill>
+                <a:latin typeface="Corbel" charset="0"/>
+                <a:ea typeface="Corbel" charset="0"/>
+                <a:cs typeface="Corbel" charset="0"/>
+              </a:rPr>
+              <a:t>{ Configure 🛠 }</a:t>
+            </a:r>
+          </a:p>
+          <a:p>
+            <a:pPr marL="342900" indent="-342900">
+              <a:buFont typeface="Arial" charset="0"/>
+              <a:buChar char="•"/>
+            </a:pPr>
+            <a:r>
+              <a:rPr lang="en-US" sz="2000" dirty="0" smtClean="0">
+                <a:solidFill>
+                  <a:srgbClr val="73626E"/>
+                </a:solidFill>
+                <a:latin typeface="Corbel" charset="0"/>
+                <a:ea typeface="Corbel" charset="0"/>
+                <a:cs typeface="Corbel" charset="0"/>
+              </a:rPr>
+              <a:t>Manage users</a:t>
+            </a:r>
+          </a:p>
+          <a:p>
+            <a:pPr marL="342900" indent="-342900">
+              <a:buFont typeface="Arial" charset="0"/>
+              <a:buChar char="•"/>
+            </a:pPr>
+            <a:r>
+              <a:rPr lang="en-US" sz="2000" dirty="0" smtClean="0">
+                <a:solidFill>
+                  <a:srgbClr val="73626E"/>
+                </a:solidFill>
+                <a:latin typeface="Corbel" charset="0"/>
+                <a:ea typeface="Corbel" charset="0"/>
+                <a:cs typeface="Corbel" charset="0"/>
+              </a:rPr>
+              <a:t>Model metadata</a:t>
+            </a:r>
+          </a:p>
+          <a:p>
+            <a:pPr marL="342900" indent="-342900">
+              <a:buFont typeface="Arial" charset="0"/>
+              <a:buChar char="•"/>
+            </a:pPr>
+            <a:r>
+              <a:rPr lang="en-US" sz="2000" dirty="0" smtClean="0">
+                <a:solidFill>
+                  <a:srgbClr val="73626E"/>
+                </a:solidFill>
+                <a:latin typeface="Corbel" charset="0"/>
+                <a:ea typeface="Corbel" charset="0"/>
+                <a:cs typeface="Corbel" charset="0"/>
+              </a:rPr>
+              <a:t>Configure workflow</a:t>
+            </a:r>
+            <a:endParaRPr lang="en-US" sz="2000" dirty="0">
+              <a:solidFill>
+                <a:srgbClr val="73626E"/>
+              </a:solidFill>
+              <a:latin typeface="Corbel" charset="0"/>
+              <a:ea typeface="Corbel" charset="0"/>
+              <a:cs typeface="Corbel" charset="0"/>
+            </a:endParaRPr>
+          </a:p>
+        </p:txBody>
+      </p:sp>
+      <p:pic>
+        <p:nvPicPr>
+          <p:cNvPr id="97" name="Picture 96"/>
+          <p:cNvPicPr>
+            <a:picLocks noChangeAspect="1"/>
+          </p:cNvPicPr>
+          <p:nvPr/>
+        </p:nvPicPr>
         <p:blipFill>
-          <a:blip r:embed="rId3">
+          <a:blip r:embed="rId4">
             <a:extLst>
               <a:ext uri="{28A0092B-C50C-407E-A947-70E740481C1C}">
                 <a14:useLocalDpi xmlns:a14="http://schemas.microsoft.com/office/drawing/2010/main" val="0"/>
@@ -5362,661 +6454,29 @@
         </p:blipFill>
         <p:spPr>
           <a:xfrm>
-            <a:off x="9051711" y="17066467"/>
-            <a:ext cx="936104" cy="936104"/>
+            <a:off x="3870514" y="8101024"/>
+            <a:ext cx="707875" cy="576064"/>
           </a:xfrm>
           <a:prstGeom prst="rect">
             <a:avLst/>
           </a:prstGeom>
-          <a:noFill/>
-          <a:ln w="63500">
-            <a:solidFill>
-              <a:srgbClr val="00B050"/>
-            </a:solidFill>
-          </a:ln>
-        </p:spPr>
-      </p:pic>
-      <p:sp>
-        <p:nvSpPr>
-          <p:cNvPr id="45" name="TextBox 44"/>
-          <p:cNvSpPr txBox="1"/>
-          <p:nvPr/>
-        </p:nvSpPr>
-        <p:spPr>
-          <a:xfrm>
-            <a:off x="986815" y="16994459"/>
-            <a:ext cx="8013773" cy="1000274"/>
-          </a:xfrm>
-          <a:prstGeom prst="rect">
-            <a:avLst/>
-          </a:prstGeom>
-          <a:noFill/>
           <a:ln>
             <a:noFill/>
           </a:ln>
         </p:spPr>
-        <p:txBody>
-          <a:bodyPr wrap="square" lIns="0" tIns="0" rIns="0" bIns="0" rtlCol="0">
-            <a:spAutoFit/>
-          </a:bodyPr>
-          <a:lstStyle/>
-          <a:p>
-            <a:r>
-              <a:rPr lang="en-US" sz="2000" dirty="0" smtClean="0">
-                <a:solidFill>
-                  <a:schemeClr val="bg1">
-                    <a:lumMod val="95000"/>
-                  </a:schemeClr>
-                </a:solidFill>
-                <a:latin typeface="Corbel" charset="0"/>
-                <a:ea typeface="Corbel" charset="0"/>
-                <a:cs typeface="Corbel" charset="0"/>
-              </a:rPr>
-              <a:t>This project is still in development and we would like your input!</a:t>
-            </a:r>
-          </a:p>
-          <a:p>
-            <a:endParaRPr lang="en-US" sz="500" dirty="0" smtClean="0">
-              <a:solidFill>
-                <a:schemeClr val="bg1">
-                  <a:lumMod val="95000"/>
-                </a:schemeClr>
-              </a:solidFill>
-              <a:latin typeface="Corbel" charset="0"/>
-              <a:ea typeface="Corbel" charset="0"/>
-              <a:cs typeface="Corbel" charset="0"/>
-            </a:endParaRPr>
-          </a:p>
-          <a:p>
-            <a:r>
-              <a:rPr lang="en-US" sz="2000" dirty="0" smtClean="0">
-                <a:solidFill>
-                  <a:schemeClr val="bg1">
-                    <a:lumMod val="95000"/>
-                  </a:schemeClr>
-                </a:solidFill>
-                <a:latin typeface="Corbel" charset="0"/>
-                <a:ea typeface="Corbel" charset="0"/>
-                <a:cs typeface="Corbel" charset="0"/>
-              </a:rPr>
-              <a:t>Scan the QR code on the </a:t>
-            </a:r>
-            <a:r>
-              <a:rPr lang="en-US" sz="2000" dirty="0" smtClean="0">
-                <a:solidFill>
-                  <a:schemeClr val="bg1">
-                    <a:lumMod val="95000"/>
-                  </a:schemeClr>
-                </a:solidFill>
-                <a:latin typeface="Corbel" charset="0"/>
-                <a:ea typeface="Corbel" charset="0"/>
-                <a:cs typeface="Corbel" charset="0"/>
-              </a:rPr>
-              <a:t>right or visit </a:t>
-            </a:r>
-            <a:r>
-              <a:rPr lang="en-US" sz="2000" dirty="0" smtClean="0">
-                <a:solidFill>
-                  <a:srgbClr val="00B050"/>
-                </a:solidFill>
-                <a:latin typeface="Corbel" charset="0"/>
-                <a:ea typeface="Corbel" charset="0"/>
-                <a:cs typeface="Corbel" charset="0"/>
-              </a:rPr>
-              <a:t>[URL]</a:t>
-            </a:r>
-            <a:r>
-              <a:rPr lang="en-US" sz="2000" dirty="0" smtClean="0">
-                <a:solidFill>
-                  <a:schemeClr val="bg1">
-                    <a:lumMod val="95000"/>
-                  </a:schemeClr>
-                </a:solidFill>
-                <a:latin typeface="Corbel" charset="0"/>
-                <a:ea typeface="Corbel" charset="0"/>
-                <a:cs typeface="Corbel" charset="0"/>
-              </a:rPr>
-              <a:t> </a:t>
-            </a:r>
-            <a:r>
-              <a:rPr lang="en-US" sz="2000" dirty="0" smtClean="0">
-                <a:solidFill>
-                  <a:schemeClr val="bg1">
-                    <a:lumMod val="95000"/>
-                  </a:schemeClr>
-                </a:solidFill>
-                <a:latin typeface="Corbel" charset="0"/>
-                <a:ea typeface="Corbel" charset="0"/>
-                <a:cs typeface="Corbel" charset="0"/>
-              </a:rPr>
-              <a:t>to review and comment on Charon's technical specification. Any and all feedback is welcome!</a:t>
-            </a:r>
-            <a:endParaRPr lang="en-US" sz="2000" dirty="0">
-              <a:solidFill>
-                <a:schemeClr val="bg1">
-                  <a:lumMod val="95000"/>
-                </a:schemeClr>
-              </a:solidFill>
-              <a:latin typeface="Corbel" charset="0"/>
-              <a:ea typeface="Corbel" charset="0"/>
-              <a:cs typeface="Corbel" charset="0"/>
-            </a:endParaRPr>
-          </a:p>
-        </p:txBody>
-      </p:sp>
-      <p:sp>
-        <p:nvSpPr>
-          <p:cNvPr id="27" name="TextBox 26"/>
-          <p:cNvSpPr txBox="1"/>
-          <p:nvPr/>
-        </p:nvSpPr>
-        <p:spPr>
-          <a:xfrm rot="16200000">
-            <a:off x="-93611" y="17264605"/>
-            <a:ext cx="1152128" cy="467820"/>
+      </p:pic>
+      <p:sp>
+        <p:nvSpPr>
+          <p:cNvPr id="99" name="Rectangle 98"/>
+          <p:cNvSpPr/>
+          <p:nvPr/>
+        </p:nvSpPr>
+        <p:spPr>
+          <a:xfrm>
+            <a:off x="6318786" y="7596968"/>
+            <a:ext cx="685800" cy="685800"/>
           </a:xfrm>
           <a:prstGeom prst="rect">
-            <a:avLst/>
-          </a:prstGeom>
-          <a:noFill/>
-          <a:ln w="19050">
-            <a:noFill/>
-          </a:ln>
-        </p:spPr>
-        <p:txBody>
-          <a:bodyPr wrap="square" lIns="0" tIns="18288" rIns="0" bIns="18288" rtlCol="0">
-            <a:spAutoFit/>
-          </a:bodyPr>
-          <a:lstStyle/>
-          <a:p>
-            <a:pPr algn="ctr"/>
-            <a:r>
-              <a:rPr lang="en-US" sz="2800" dirty="0" smtClean="0">
-                <a:solidFill>
-                  <a:srgbClr val="73626E"/>
-                </a:solidFill>
-                <a:latin typeface="Corbel" charset="0"/>
-                <a:ea typeface="Corbel" charset="0"/>
-                <a:cs typeface="Corbel" charset="0"/>
-              </a:rPr>
-              <a:t>You!</a:t>
-            </a:r>
-          </a:p>
-        </p:txBody>
-      </p:sp>
-      <p:sp>
-        <p:nvSpPr>
-          <p:cNvPr id="64" name="TextBox 63"/>
-          <p:cNvSpPr txBox="1"/>
-          <p:nvPr/>
-        </p:nvSpPr>
-        <p:spPr>
-          <a:xfrm>
-            <a:off x="1736074" y="6121251"/>
-            <a:ext cx="2736304" cy="381381"/>
-          </a:xfrm>
-          <a:prstGeom prst="roundRect">
-            <a:avLst/>
-          </a:prstGeom>
-          <a:solidFill>
-            <a:schemeClr val="bg1">
-              <a:lumMod val="85000"/>
-            </a:schemeClr>
-          </a:solidFill>
-          <a:ln w="19050">
-            <a:noFill/>
-          </a:ln>
-        </p:spPr>
-        <p:txBody>
-          <a:bodyPr wrap="square" lIns="0" tIns="18288" rIns="0" bIns="18288" rtlCol="0">
-            <a:spAutoFit/>
-          </a:bodyPr>
-          <a:lstStyle/>
-          <a:p>
-            <a:pPr algn="ctr"/>
-            <a:r>
-              <a:rPr lang="en-US" sz="2000" smtClean="0">
-                <a:solidFill>
-                  <a:srgbClr val="73626E"/>
-                </a:solidFill>
-                <a:latin typeface="Corbel" charset="0"/>
-                <a:ea typeface="Corbel" charset="0"/>
-                <a:cs typeface="Corbel" charset="0"/>
-              </a:rPr>
-              <a:t>Fedora 4</a:t>
-            </a:r>
-            <a:endParaRPr lang="en-US" sz="2000">
-              <a:solidFill>
-                <a:srgbClr val="73626E"/>
-              </a:solidFill>
-              <a:latin typeface="Corbel" charset="0"/>
-              <a:ea typeface="Corbel" charset="0"/>
-              <a:cs typeface="Corbel" charset="0"/>
-            </a:endParaRPr>
-          </a:p>
-        </p:txBody>
-      </p:sp>
-      <p:sp>
-        <p:nvSpPr>
-          <p:cNvPr id="66" name="TextBox 65"/>
-          <p:cNvSpPr txBox="1"/>
-          <p:nvPr/>
-        </p:nvSpPr>
-        <p:spPr>
-          <a:xfrm>
-            <a:off x="1736074" y="3384947"/>
-            <a:ext cx="2736304" cy="381381"/>
-          </a:xfrm>
-          <a:prstGeom prst="roundRect">
-            <a:avLst/>
-          </a:prstGeom>
-          <a:solidFill>
-            <a:schemeClr val="bg1">
-              <a:lumMod val="85000"/>
-            </a:schemeClr>
-          </a:solidFill>
-          <a:ln w="19050">
-            <a:noFill/>
-          </a:ln>
-        </p:spPr>
-        <p:txBody>
-          <a:bodyPr wrap="square" lIns="0" tIns="18288" rIns="0" bIns="18288" rtlCol="0">
-            <a:spAutoFit/>
-          </a:bodyPr>
-          <a:lstStyle/>
-          <a:p>
-            <a:pPr algn="ctr"/>
-            <a:r>
-              <a:rPr lang="en-US" sz="2000" dirty="0" smtClean="0">
-                <a:solidFill>
-                  <a:srgbClr val="73626E"/>
-                </a:solidFill>
-                <a:latin typeface="Corbel" charset="0"/>
-                <a:ea typeface="Corbel" charset="0"/>
-                <a:cs typeface="Corbel" charset="0"/>
-              </a:rPr>
-              <a:t>CERES Publisher</a:t>
-            </a:r>
-          </a:p>
-        </p:txBody>
-      </p:sp>
-      <p:sp>
-        <p:nvSpPr>
-          <p:cNvPr id="78" name="TextBox 77"/>
-          <p:cNvSpPr txBox="1"/>
-          <p:nvPr/>
-        </p:nvSpPr>
-        <p:spPr>
-          <a:xfrm rot="16200000">
-            <a:off x="-1839615" y="9091697"/>
-            <a:ext cx="4680520" cy="467820"/>
-          </a:xfrm>
-          <a:prstGeom prst="rect">
-            <a:avLst/>
-          </a:prstGeom>
-          <a:noFill/>
-          <a:ln w="19050">
-            <a:noFill/>
-          </a:ln>
-        </p:spPr>
-        <p:txBody>
-          <a:bodyPr wrap="square" lIns="0" tIns="18288" rIns="0" bIns="18288" rtlCol="0">
-            <a:spAutoFit/>
-          </a:bodyPr>
-          <a:lstStyle/>
-          <a:p>
-            <a:pPr algn="ctr"/>
-            <a:r>
-              <a:rPr lang="en-US" sz="2800" dirty="0" smtClean="0">
-                <a:solidFill>
-                  <a:srgbClr val="73626E"/>
-                </a:solidFill>
-                <a:latin typeface="Corbel" charset="0"/>
-                <a:ea typeface="Corbel" charset="0"/>
-                <a:cs typeface="Corbel" charset="0"/>
-              </a:rPr>
-              <a:t>Workflows and Interfaces</a:t>
-            </a:r>
-          </a:p>
-        </p:txBody>
-      </p:sp>
-      <p:sp>
-        <p:nvSpPr>
-          <p:cNvPr id="75" name="TextBox 74"/>
-          <p:cNvSpPr txBox="1"/>
-          <p:nvPr/>
-        </p:nvSpPr>
-        <p:spPr>
-          <a:xfrm>
-            <a:off x="1736073" y="3816995"/>
-            <a:ext cx="2736305" cy="381381"/>
-          </a:xfrm>
-          <a:prstGeom prst="roundRect">
-            <a:avLst/>
-          </a:prstGeom>
-          <a:solidFill>
-            <a:schemeClr val="bg1">
-              <a:lumMod val="85000"/>
-            </a:schemeClr>
-          </a:solidFill>
-          <a:ln w="19050">
-            <a:noFill/>
-          </a:ln>
-        </p:spPr>
-        <p:txBody>
-          <a:bodyPr wrap="square" lIns="0" tIns="18288" rIns="0" bIns="18288" rtlCol="0">
-            <a:spAutoFit/>
-          </a:bodyPr>
-          <a:lstStyle/>
-          <a:p>
-            <a:pPr algn="ctr"/>
-            <a:r>
-              <a:rPr lang="en-US" sz="2000" dirty="0" smtClean="0">
-                <a:solidFill>
-                  <a:srgbClr val="73626E"/>
-                </a:solidFill>
-                <a:latin typeface="Corbel" charset="0"/>
-                <a:ea typeface="Corbel" charset="0"/>
-                <a:cs typeface="Corbel" charset="0"/>
-              </a:rPr>
-              <a:t>REST API</a:t>
-            </a:r>
-          </a:p>
-        </p:txBody>
-      </p:sp>
-      <p:sp>
-        <p:nvSpPr>
-          <p:cNvPr id="79" name="TextBox 78"/>
-          <p:cNvSpPr txBox="1"/>
-          <p:nvPr/>
-        </p:nvSpPr>
-        <p:spPr>
-          <a:xfrm rot="16200000">
-            <a:off x="-1947627" y="14096253"/>
-            <a:ext cx="4896544" cy="467820"/>
-          </a:xfrm>
-          <a:prstGeom prst="rect">
-            <a:avLst/>
-          </a:prstGeom>
-          <a:noFill/>
-          <a:ln w="19050">
-            <a:noFill/>
-          </a:ln>
-        </p:spPr>
-        <p:txBody>
-          <a:bodyPr wrap="square" lIns="0" tIns="18288" rIns="0" bIns="18288" rtlCol="0">
-            <a:spAutoFit/>
-          </a:bodyPr>
-          <a:lstStyle/>
-          <a:p>
-            <a:pPr algn="ctr"/>
-            <a:r>
-              <a:rPr lang="en-US" sz="2800" dirty="0" smtClean="0">
-                <a:solidFill>
-                  <a:srgbClr val="73626E"/>
-                </a:solidFill>
-                <a:latin typeface="Corbel" charset="0"/>
-                <a:ea typeface="Corbel" charset="0"/>
-                <a:cs typeface="Corbel" charset="0"/>
-              </a:rPr>
-              <a:t>User Roles</a:t>
-            </a:r>
-          </a:p>
-        </p:txBody>
-      </p:sp>
-      <p:pic>
-        <p:nvPicPr>
-          <p:cNvPr id="42" name="Picture 41"/>
-          <p:cNvPicPr>
-            <a:picLocks noChangeAspect="1"/>
-          </p:cNvPicPr>
-          <p:nvPr/>
-        </p:nvPicPr>
-        <p:blipFill rotWithShape="1">
-          <a:blip r:embed="rId4">
-            <a:extLst>
-              <a:ext uri="{28A0092B-C50C-407E-A947-70E740481C1C}">
-                <a14:useLocalDpi xmlns:a14="http://schemas.microsoft.com/office/drawing/2010/main" val="0"/>
-              </a:ext>
-            </a:extLst>
-          </a:blip>
-          <a:srcRect l="17904" t="38129"/>
-          <a:stretch/>
-        </p:blipFill>
-        <p:spPr>
-          <a:xfrm>
-            <a:off x="896615" y="13754099"/>
-            <a:ext cx="5112568" cy="2889794"/>
-          </a:xfrm>
-          <a:prstGeom prst="rect">
-            <a:avLst/>
-          </a:prstGeom>
-        </p:spPr>
-      </p:pic>
-      <p:sp>
-        <p:nvSpPr>
-          <p:cNvPr id="86" name="Arc 85"/>
-          <p:cNvSpPr/>
-          <p:nvPr/>
-        </p:nvSpPr>
-        <p:spPr>
-          <a:xfrm rot="10800000" flipV="1">
-            <a:off x="4280991" y="12529963"/>
-            <a:ext cx="5832648" cy="2880320"/>
-          </a:xfrm>
-          <a:prstGeom prst="arc">
-            <a:avLst>
-              <a:gd name="adj1" fmla="val 16200000"/>
-              <a:gd name="adj2" fmla="val 21590750"/>
-            </a:avLst>
-          </a:prstGeom>
-          <a:ln w="53975">
-            <a:solidFill>
-              <a:schemeClr val="bg1">
-                <a:lumMod val="85000"/>
-              </a:schemeClr>
-            </a:solidFill>
-            <a:tailEnd type="arrow" w="med" len="med"/>
-          </a:ln>
-        </p:spPr>
-        <p:style>
-          <a:lnRef idx="1">
-            <a:schemeClr val="accent1"/>
-          </a:lnRef>
-          <a:fillRef idx="0">
-            <a:schemeClr val="accent1"/>
-          </a:fillRef>
-          <a:effectRef idx="0">
-            <a:schemeClr val="accent1"/>
-          </a:effectRef>
-          <a:fontRef idx="minor">
-            <a:schemeClr val="tx1"/>
-          </a:fontRef>
-        </p:style>
-        <p:txBody>
-          <a:bodyPr rtlCol="0" anchor="ctr"/>
-          <a:lstStyle/>
-          <a:p>
-            <a:pPr algn="ctr"/>
-            <a:endParaRPr lang="en-US">
-              <a:latin typeface="Corbel" charset="0"/>
-              <a:ea typeface="Corbel" charset="0"/>
-              <a:cs typeface="Corbel" charset="0"/>
-            </a:endParaRPr>
-          </a:p>
-        </p:txBody>
-      </p:sp>
-      <p:sp>
-        <p:nvSpPr>
-          <p:cNvPr id="87" name="Arc 86"/>
-          <p:cNvSpPr/>
-          <p:nvPr/>
-        </p:nvSpPr>
-        <p:spPr>
-          <a:xfrm rot="10800000" flipV="1">
-            <a:off x="4352999" y="13250043"/>
-            <a:ext cx="5400600" cy="2232248"/>
-          </a:xfrm>
-          <a:prstGeom prst="arc">
-            <a:avLst>
-              <a:gd name="adj1" fmla="val 16200000"/>
-              <a:gd name="adj2" fmla="val 21319761"/>
-            </a:avLst>
-          </a:prstGeom>
-          <a:ln w="53975">
-            <a:solidFill>
-              <a:schemeClr val="bg1">
-                <a:lumMod val="85000"/>
-              </a:schemeClr>
-            </a:solidFill>
-            <a:tailEnd type="arrow" w="med" len="med"/>
-          </a:ln>
-        </p:spPr>
-        <p:style>
-          <a:lnRef idx="1">
-            <a:schemeClr val="accent1"/>
-          </a:lnRef>
-          <a:fillRef idx="0">
-            <a:schemeClr val="accent1"/>
-          </a:fillRef>
-          <a:effectRef idx="0">
-            <a:schemeClr val="accent1"/>
-          </a:effectRef>
-          <a:fontRef idx="minor">
-            <a:schemeClr val="tx1"/>
-          </a:fontRef>
-        </p:style>
-        <p:txBody>
-          <a:bodyPr rtlCol="0" anchor="ctr"/>
-          <a:lstStyle/>
-          <a:p>
-            <a:pPr algn="ctr"/>
-            <a:endParaRPr lang="en-US">
-              <a:latin typeface="Corbel" charset="0"/>
-              <a:ea typeface="Corbel" charset="0"/>
-              <a:cs typeface="Corbel" charset="0"/>
-            </a:endParaRPr>
-          </a:p>
-        </p:txBody>
-      </p:sp>
-      <p:sp>
-        <p:nvSpPr>
-          <p:cNvPr id="88" name="Arc 87"/>
-          <p:cNvSpPr/>
-          <p:nvPr/>
-        </p:nvSpPr>
-        <p:spPr>
-          <a:xfrm rot="10800000" flipV="1">
-            <a:off x="5649143" y="14402171"/>
-            <a:ext cx="1944216" cy="1512168"/>
-          </a:xfrm>
-          <a:prstGeom prst="arc">
-            <a:avLst>
-              <a:gd name="adj1" fmla="val 16200000"/>
-              <a:gd name="adj2" fmla="val 21319761"/>
-            </a:avLst>
-          </a:prstGeom>
-          <a:ln w="53975">
-            <a:solidFill>
-              <a:schemeClr val="bg1">
-                <a:lumMod val="85000"/>
-              </a:schemeClr>
-            </a:solidFill>
-            <a:tailEnd type="arrow" w="med" len="med"/>
-          </a:ln>
-        </p:spPr>
-        <p:style>
-          <a:lnRef idx="1">
-            <a:schemeClr val="accent1"/>
-          </a:lnRef>
-          <a:fillRef idx="0">
-            <a:schemeClr val="accent1"/>
-          </a:fillRef>
-          <a:effectRef idx="0">
-            <a:schemeClr val="accent1"/>
-          </a:effectRef>
-          <a:fontRef idx="minor">
-            <a:schemeClr val="tx1"/>
-          </a:fontRef>
-        </p:style>
-        <p:txBody>
-          <a:bodyPr rtlCol="0" anchor="ctr"/>
-          <a:lstStyle/>
-          <a:p>
-            <a:pPr algn="ctr"/>
-            <a:endParaRPr lang="en-US">
-              <a:latin typeface="Corbel" charset="0"/>
-              <a:ea typeface="Corbel" charset="0"/>
-              <a:cs typeface="Corbel" charset="0"/>
-            </a:endParaRPr>
-          </a:p>
-        </p:txBody>
-      </p:sp>
-      <p:sp>
-        <p:nvSpPr>
-          <p:cNvPr id="89" name="Arc 88"/>
-          <p:cNvSpPr/>
-          <p:nvPr/>
-        </p:nvSpPr>
-        <p:spPr>
-          <a:xfrm rot="10800000" flipV="1">
-            <a:off x="4715597" y="13322051"/>
-            <a:ext cx="5149499" cy="2808312"/>
-          </a:xfrm>
-          <a:prstGeom prst="arc">
-            <a:avLst>
-              <a:gd name="adj1" fmla="val 16200000"/>
-              <a:gd name="adj2" fmla="val 21319761"/>
-            </a:avLst>
-          </a:prstGeom>
-          <a:ln w="53975">
-            <a:solidFill>
-              <a:schemeClr val="bg1">
-                <a:lumMod val="85000"/>
-              </a:schemeClr>
-            </a:solidFill>
-            <a:tailEnd type="arrow" w="med" len="med"/>
-          </a:ln>
-        </p:spPr>
-        <p:style>
-          <a:lnRef idx="1">
-            <a:schemeClr val="accent1"/>
-          </a:lnRef>
-          <a:fillRef idx="0">
-            <a:schemeClr val="accent1"/>
-          </a:fillRef>
-          <a:effectRef idx="0">
-            <a:schemeClr val="accent1"/>
-          </a:effectRef>
-          <a:fontRef idx="minor">
-            <a:schemeClr val="tx1"/>
-          </a:fontRef>
-        </p:style>
-        <p:txBody>
-          <a:bodyPr rtlCol="0" anchor="ctr"/>
-          <a:lstStyle/>
-          <a:p>
-            <a:pPr algn="ctr"/>
-            <a:endParaRPr lang="en-US">
-              <a:latin typeface="Corbel" charset="0"/>
-              <a:ea typeface="Corbel" charset="0"/>
-              <a:cs typeface="Corbel" charset="0"/>
-            </a:endParaRPr>
-          </a:p>
-        </p:txBody>
-      </p:sp>
-      <p:sp>
-        <p:nvSpPr>
-          <p:cNvPr id="82" name="TextBox 81"/>
-          <p:cNvSpPr txBox="1"/>
-          <p:nvPr/>
-        </p:nvSpPr>
-        <p:spPr>
-          <a:xfrm>
-            <a:off x="6297215" y="12890003"/>
-            <a:ext cx="3528392" cy="1055608"/>
-          </a:xfrm>
-          <a:prstGeom prst="roundRect">
             <a:avLst/>
           </a:prstGeom>
           <a:solidFill>
@@ -6028,14 +6488,29 @@
             <a:noFill/>
           </a:ln>
         </p:spPr>
-        <p:txBody>
-          <a:bodyPr wrap="square" rtlCol="0">
-            <a:spAutoFit/>
-          </a:bodyPr>
-          <a:lstStyle/>
-          <a:p>
-            <a:r>
-              <a:rPr lang="en-US" sz="2000" b="1" dirty="0" smtClean="0">
+        <p:style>
+          <a:lnRef idx="2">
+            <a:schemeClr val="accent1">
+              <a:shade val="50000"/>
+            </a:schemeClr>
+          </a:lnRef>
+          <a:fillRef idx="1">
+            <a:schemeClr val="accent1"/>
+          </a:fillRef>
+          <a:effectRef idx="0">
+            <a:schemeClr val="accent1"/>
+          </a:effectRef>
+          <a:fontRef idx="minor">
+            <a:schemeClr val="lt1"/>
+          </a:fontRef>
+        </p:style>
+        <p:txBody>
+          <a:bodyPr rtlCol="0" anchor="ctr"/>
+          <a:lstStyle/>
+          <a:p>
+            <a:pPr algn="ctr"/>
+            <a:r>
+              <a:rPr lang="en-US" sz="1800" dirty="0" smtClean="0">
                 <a:solidFill>
                   <a:srgbClr val="73626E"/>
                 </a:solidFill>
@@ -6043,41 +6518,7 @@
                 <a:ea typeface="Corbel" charset="0"/>
                 <a:cs typeface="Corbel" charset="0"/>
               </a:rPr>
-              <a:t>Creators</a:t>
-            </a:r>
-          </a:p>
-          <a:p>
-            <a:pPr marL="342900" indent="-342900">
-              <a:buFont typeface="Arial" charset="0"/>
-              <a:buChar char="•"/>
-            </a:pPr>
-            <a:r>
-              <a:rPr lang="en-US" sz="1800" dirty="0" smtClean="0">
-                <a:solidFill>
-                  <a:srgbClr val="73626E"/>
-                </a:solidFill>
-                <a:latin typeface="Corbel" charset="0"/>
-                <a:ea typeface="Corbel" charset="0"/>
-                <a:cs typeface="Corbel" charset="0"/>
-              </a:rPr>
-              <a:t>Contribute files and metadata</a:t>
-            </a:r>
-          </a:p>
-          <a:p>
-            <a:pPr marL="342900" indent="-342900">
-              <a:buFont typeface="Arial" charset="0"/>
-              <a:buChar char="•"/>
-            </a:pPr>
-            <a:r>
-              <a:rPr lang="en-US" sz="1800" dirty="0" smtClean="0">
-                <a:solidFill>
-                  <a:srgbClr val="73626E"/>
-                </a:solidFill>
-                <a:latin typeface="Corbel" charset="0"/>
-                <a:ea typeface="Corbel" charset="0"/>
-                <a:cs typeface="Corbel" charset="0"/>
-              </a:rPr>
-              <a:t>Claim and execute tasks</a:t>
+              <a:t>Task</a:t>
             </a:r>
             <a:endParaRPr lang="en-US" sz="1800" dirty="0">
               <a:solidFill>
@@ -6092,16 +6533,16 @@
       </p:sp>
       <p:sp>
         <p:nvSpPr>
-          <p:cNvPr id="84" name="TextBox 83"/>
-          <p:cNvSpPr txBox="1"/>
-          <p:nvPr/>
-        </p:nvSpPr>
-        <p:spPr>
-          <a:xfrm>
-            <a:off x="6297215" y="14042131"/>
-            <a:ext cx="3528392" cy="2587943"/>
-          </a:xfrm>
-          <a:prstGeom prst="roundRect">
+          <p:cNvPr id="100" name="Rectangle 99"/>
+          <p:cNvSpPr/>
+          <p:nvPr/>
+        </p:nvSpPr>
+        <p:spPr>
+          <a:xfrm>
+            <a:off x="6318786" y="8493620"/>
+            <a:ext cx="685800" cy="685800"/>
+          </a:xfrm>
+          <a:prstGeom prst="rect">
             <a:avLst/>
           </a:prstGeom>
           <a:solidFill>
@@ -6113,14 +6554,29 @@
             <a:noFill/>
           </a:ln>
         </p:spPr>
-        <p:txBody>
-          <a:bodyPr wrap="square" rtlCol="0">
-            <a:spAutoFit/>
-          </a:bodyPr>
-          <a:lstStyle/>
-          <a:p>
-            <a:r>
-              <a:rPr lang="en-US" sz="2000" b="1" dirty="0" smtClean="0">
+        <p:style>
+          <a:lnRef idx="2">
+            <a:schemeClr val="accent1">
+              <a:shade val="50000"/>
+            </a:schemeClr>
+          </a:lnRef>
+          <a:fillRef idx="1">
+            <a:schemeClr val="accent1"/>
+          </a:fillRef>
+          <a:effectRef idx="0">
+            <a:schemeClr val="accent1"/>
+          </a:effectRef>
+          <a:fontRef idx="minor">
+            <a:schemeClr val="lt1"/>
+          </a:fontRef>
+        </p:style>
+        <p:txBody>
+          <a:bodyPr rtlCol="0" anchor="ctr"/>
+          <a:lstStyle/>
+          <a:p>
+            <a:pPr algn="ctr"/>
+            <a:r>
+              <a:rPr lang="en-US" sz="1800" dirty="0" smtClean="0">
                 <a:solidFill>
                   <a:srgbClr val="73626E"/>
                 </a:solidFill>
@@ -6128,92 +6584,7 @@
                 <a:ea typeface="Corbel" charset="0"/>
                 <a:cs typeface="Corbel" charset="0"/>
               </a:rPr>
-              <a:t>Administrator(s)</a:t>
-            </a:r>
-          </a:p>
-          <a:p>
-            <a:pPr marL="342900" indent="-342900">
-              <a:buFont typeface="Arial" charset="0"/>
-              <a:buChar char="•"/>
-            </a:pPr>
-            <a:r>
-              <a:rPr lang="en-US" sz="1800" dirty="0" smtClean="0">
-                <a:solidFill>
-                  <a:srgbClr val="73626E"/>
-                </a:solidFill>
-                <a:latin typeface="Corbel" charset="0"/>
-                <a:ea typeface="Corbel" charset="0"/>
-                <a:cs typeface="Corbel" charset="0"/>
-              </a:rPr>
-              <a:t>Contribute files and metadata</a:t>
-            </a:r>
-          </a:p>
-          <a:p>
-            <a:pPr marL="342900" indent="-342900">
-              <a:buFont typeface="Arial" charset="0"/>
-              <a:buChar char="•"/>
-            </a:pPr>
-            <a:r>
-              <a:rPr lang="en-US" sz="1800" dirty="0" smtClean="0">
-                <a:solidFill>
-                  <a:srgbClr val="73626E"/>
-                </a:solidFill>
-                <a:latin typeface="Corbel" charset="0"/>
-                <a:ea typeface="Corbel" charset="0"/>
-                <a:cs typeface="Corbel" charset="0"/>
-              </a:rPr>
-              <a:t>Claim and execute tasks</a:t>
-            </a:r>
-          </a:p>
-          <a:p>
-            <a:pPr marL="342900" indent="-342900">
-              <a:buFont typeface="Arial" charset="0"/>
-              <a:buChar char="•"/>
-            </a:pPr>
-            <a:r>
-              <a:rPr lang="en-US" sz="1800" dirty="0" smtClean="0">
-                <a:solidFill>
-                  <a:srgbClr val="73626E"/>
-                </a:solidFill>
-                <a:latin typeface="Corbel" charset="0"/>
-                <a:ea typeface="Corbel" charset="0"/>
-                <a:cs typeface="Corbel" charset="0"/>
-              </a:rPr>
-              <a:t>Accept and reject deposits</a:t>
-            </a:r>
-          </a:p>
-          <a:p>
-            <a:pPr marL="342900" indent="-342900">
-              <a:buFont typeface="Arial" charset="0"/>
-              <a:buChar char="•"/>
-            </a:pPr>
-            <a:r>
-              <a:rPr lang="en-US" sz="1800" dirty="0" smtClean="0">
-                <a:solidFill>
-                  <a:srgbClr val="73626E"/>
-                </a:solidFill>
-                <a:latin typeface="Corbel" charset="0"/>
-                <a:ea typeface="Corbel" charset="0"/>
-                <a:cs typeface="Corbel" charset="0"/>
-              </a:rPr>
-              <a:t>Configure users, models, and workflows</a:t>
-            </a:r>
-          </a:p>
-          <a:p>
-            <a:pPr marL="342900" indent="-342900">
-              <a:buFont typeface="Arial" charset="0"/>
-              <a:buChar char="•"/>
-            </a:pPr>
-            <a:r>
-              <a:rPr lang="en-US" sz="1800" dirty="0" smtClean="0">
-                <a:solidFill>
-                  <a:srgbClr val="73626E"/>
-                </a:solidFill>
-                <a:latin typeface="Corbel" charset="0"/>
-                <a:ea typeface="Corbel" charset="0"/>
-                <a:cs typeface="Corbel" charset="0"/>
-              </a:rPr>
-              <a:t>Bulk review and processing</a:t>
+              <a:t>Task</a:t>
             </a:r>
             <a:endParaRPr lang="en-US" sz="1800" dirty="0">
               <a:solidFill>
@@ -6228,28 +6599,358 @@
       </p:sp>
       <p:sp>
         <p:nvSpPr>
-          <p:cNvPr id="93" name="Arc 92"/>
+          <p:cNvPr id="101" name="Rectangle 100"/>
           <p:cNvSpPr/>
           <p:nvPr/>
         </p:nvSpPr>
         <p:spPr>
-          <a:xfrm rot="10800000" flipV="1">
-            <a:off x="4064967" y="12529963"/>
-            <a:ext cx="5904656" cy="3024336"/>
-          </a:xfrm>
-          <a:prstGeom prst="arc">
-            <a:avLst>
-              <a:gd name="adj1" fmla="val 17383036"/>
-              <a:gd name="adj2" fmla="val 21318228"/>
-            </a:avLst>
-          </a:prstGeom>
-          <a:ln w="53975">
+          <a:xfrm>
+            <a:off x="7361177" y="7596968"/>
+            <a:ext cx="1152128" cy="685800"/>
+          </a:xfrm>
+          <a:prstGeom prst="rect">
+            <a:avLst/>
+          </a:prstGeom>
+          <a:solidFill>
+            <a:schemeClr val="bg1">
+              <a:lumMod val="85000"/>
+            </a:schemeClr>
+          </a:solidFill>
+          <a:ln>
+            <a:noFill/>
+          </a:ln>
+        </p:spPr>
+        <p:style>
+          <a:lnRef idx="2">
+            <a:schemeClr val="accent1">
+              <a:shade val="50000"/>
+            </a:schemeClr>
+          </a:lnRef>
+          <a:fillRef idx="1">
+            <a:schemeClr val="accent1"/>
+          </a:fillRef>
+          <a:effectRef idx="0">
+            <a:schemeClr val="accent1"/>
+          </a:effectRef>
+          <a:fontRef idx="minor">
+            <a:schemeClr val="lt1"/>
+          </a:fontRef>
+        </p:style>
+        <p:txBody>
+          <a:bodyPr rtlCol="0" anchor="ctr"/>
+          <a:lstStyle/>
+          <a:p>
+            <a:pPr algn="ctr"/>
+            <a:r>
+              <a:rPr lang="en-US" sz="1800" dirty="0" smtClean="0">
+                <a:solidFill>
+                  <a:srgbClr val="73626E"/>
+                </a:solidFill>
+                <a:latin typeface="Corbel" charset="0"/>
+                <a:ea typeface="Corbel" charset="0"/>
+                <a:cs typeface="Corbel" charset="0"/>
+              </a:rPr>
+              <a:t>Interface</a:t>
+            </a:r>
+            <a:endParaRPr lang="en-US" sz="1800" dirty="0">
+              <a:solidFill>
+                <a:srgbClr val="73626E"/>
+              </a:solidFill>
+              <a:latin typeface="Corbel" charset="0"/>
+              <a:ea typeface="Corbel" charset="0"/>
+              <a:cs typeface="Corbel" charset="0"/>
+            </a:endParaRPr>
+          </a:p>
+        </p:txBody>
+      </p:sp>
+      <p:sp>
+        <p:nvSpPr>
+          <p:cNvPr id="102" name="Rectangle 101"/>
+          <p:cNvSpPr/>
+          <p:nvPr/>
+        </p:nvSpPr>
+        <p:spPr>
+          <a:xfrm>
+            <a:off x="7398906" y="8821104"/>
+            <a:ext cx="1152128" cy="685800"/>
+          </a:xfrm>
+          <a:prstGeom prst="rect">
+            <a:avLst/>
+          </a:prstGeom>
+          <a:solidFill>
+            <a:schemeClr val="bg1">
+              <a:lumMod val="85000"/>
+            </a:schemeClr>
+          </a:solidFill>
+          <a:ln>
+            <a:noFill/>
+          </a:ln>
+        </p:spPr>
+        <p:style>
+          <a:lnRef idx="2">
+            <a:schemeClr val="accent1">
+              <a:shade val="50000"/>
+            </a:schemeClr>
+          </a:lnRef>
+          <a:fillRef idx="1">
+            <a:schemeClr val="accent1"/>
+          </a:fillRef>
+          <a:effectRef idx="0">
+            <a:schemeClr val="accent1"/>
+          </a:effectRef>
+          <a:fontRef idx="minor">
+            <a:schemeClr val="lt1"/>
+          </a:fontRef>
+        </p:style>
+        <p:txBody>
+          <a:bodyPr rtlCol="0" anchor="ctr"/>
+          <a:lstStyle/>
+          <a:p>
+            <a:pPr algn="ctr"/>
+            <a:r>
+              <a:rPr lang="en-US" sz="1800" smtClean="0">
+                <a:solidFill>
+                  <a:srgbClr val="73626E"/>
+                </a:solidFill>
+                <a:latin typeface="Corbel" charset="0"/>
+                <a:ea typeface="Corbel" charset="0"/>
+                <a:cs typeface="Corbel" charset="0"/>
+              </a:rPr>
+              <a:t>Interface</a:t>
+            </a:r>
+            <a:endParaRPr lang="en-US" sz="1800" dirty="0">
+              <a:solidFill>
+                <a:srgbClr val="73626E"/>
+              </a:solidFill>
+              <a:latin typeface="Corbel" charset="0"/>
+              <a:ea typeface="Corbel" charset="0"/>
+              <a:cs typeface="Corbel" charset="0"/>
+            </a:endParaRPr>
+          </a:p>
+        </p:txBody>
+      </p:sp>
+      <p:sp>
+        <p:nvSpPr>
+          <p:cNvPr id="104" name="Rectangle 103"/>
+          <p:cNvSpPr/>
+          <p:nvPr/>
+        </p:nvSpPr>
+        <p:spPr>
+          <a:xfrm>
+            <a:off x="9017362" y="7236928"/>
+            <a:ext cx="685800" cy="685800"/>
+          </a:xfrm>
+          <a:prstGeom prst="rect">
+            <a:avLst/>
+          </a:prstGeom>
+          <a:solidFill>
+            <a:schemeClr val="bg1">
+              <a:lumMod val="85000"/>
+            </a:schemeClr>
+          </a:solidFill>
+          <a:ln>
+            <a:noFill/>
+          </a:ln>
+        </p:spPr>
+        <p:style>
+          <a:lnRef idx="2">
+            <a:schemeClr val="accent1">
+              <a:shade val="50000"/>
+            </a:schemeClr>
+          </a:lnRef>
+          <a:fillRef idx="1">
+            <a:schemeClr val="accent1"/>
+          </a:fillRef>
+          <a:effectRef idx="0">
+            <a:schemeClr val="accent1"/>
+          </a:effectRef>
+          <a:fontRef idx="minor">
+            <a:schemeClr val="lt1"/>
+          </a:fontRef>
+        </p:style>
+        <p:txBody>
+          <a:bodyPr rtlCol="0" anchor="ctr"/>
+          <a:lstStyle/>
+          <a:p>
+            <a:pPr algn="ctr"/>
+            <a:r>
+              <a:rPr lang="en-US" sz="1800" dirty="0" smtClean="0">
+                <a:solidFill>
+                  <a:srgbClr val="73626E"/>
+                </a:solidFill>
+                <a:latin typeface="Corbel" charset="0"/>
+                <a:ea typeface="Corbel" charset="0"/>
+                <a:cs typeface="Corbel" charset="0"/>
+              </a:rPr>
+              <a:t>Tool</a:t>
+            </a:r>
+            <a:endParaRPr lang="en-US" sz="1800" dirty="0">
+              <a:solidFill>
+                <a:srgbClr val="73626E"/>
+              </a:solidFill>
+              <a:latin typeface="Corbel" charset="0"/>
+              <a:ea typeface="Corbel" charset="0"/>
+              <a:cs typeface="Corbel" charset="0"/>
+            </a:endParaRPr>
+          </a:p>
+        </p:txBody>
+      </p:sp>
+      <p:sp>
+        <p:nvSpPr>
+          <p:cNvPr id="105" name="Rectangle 104"/>
+          <p:cNvSpPr/>
+          <p:nvPr/>
+        </p:nvSpPr>
+        <p:spPr>
+          <a:xfrm>
+            <a:off x="9017362" y="8029016"/>
+            <a:ext cx="685800" cy="685800"/>
+          </a:xfrm>
+          <a:prstGeom prst="rect">
+            <a:avLst/>
+          </a:prstGeom>
+          <a:solidFill>
+            <a:schemeClr val="bg1">
+              <a:lumMod val="85000"/>
+            </a:schemeClr>
+          </a:solidFill>
+          <a:ln>
+            <a:noFill/>
+          </a:ln>
+        </p:spPr>
+        <p:style>
+          <a:lnRef idx="2">
+            <a:schemeClr val="accent1">
+              <a:shade val="50000"/>
+            </a:schemeClr>
+          </a:lnRef>
+          <a:fillRef idx="1">
+            <a:schemeClr val="accent1"/>
+          </a:fillRef>
+          <a:effectRef idx="0">
+            <a:schemeClr val="accent1"/>
+          </a:effectRef>
+          <a:fontRef idx="minor">
+            <a:schemeClr val="lt1"/>
+          </a:fontRef>
+        </p:style>
+        <p:txBody>
+          <a:bodyPr rtlCol="0" anchor="ctr"/>
+          <a:lstStyle/>
+          <a:p>
+            <a:pPr algn="ctr"/>
+            <a:r>
+              <a:rPr lang="en-US" sz="1800" smtClean="0">
+                <a:solidFill>
+                  <a:srgbClr val="73626E"/>
+                </a:solidFill>
+                <a:latin typeface="Corbel" charset="0"/>
+                <a:ea typeface="Corbel" charset="0"/>
+                <a:cs typeface="Corbel" charset="0"/>
+              </a:rPr>
+              <a:t>Tool</a:t>
+            </a:r>
+            <a:endParaRPr lang="en-US" sz="1800" dirty="0">
+              <a:solidFill>
+                <a:srgbClr val="73626E"/>
+              </a:solidFill>
+              <a:latin typeface="Corbel" charset="0"/>
+              <a:ea typeface="Corbel" charset="0"/>
+              <a:cs typeface="Corbel" charset="0"/>
+            </a:endParaRPr>
+          </a:p>
+        </p:txBody>
+      </p:sp>
+      <p:sp>
+        <p:nvSpPr>
+          <p:cNvPr id="106" name="Rectangle 105"/>
+          <p:cNvSpPr/>
+          <p:nvPr/>
+        </p:nvSpPr>
+        <p:spPr>
+          <a:xfrm>
+            <a:off x="9017361" y="8821104"/>
+            <a:ext cx="685800" cy="685800"/>
+          </a:xfrm>
+          <a:prstGeom prst="rect">
+            <a:avLst/>
+          </a:prstGeom>
+          <a:solidFill>
+            <a:schemeClr val="bg1">
+              <a:lumMod val="85000"/>
+            </a:schemeClr>
+          </a:solidFill>
+          <a:ln>
+            <a:noFill/>
+          </a:ln>
+        </p:spPr>
+        <p:style>
+          <a:lnRef idx="2">
+            <a:schemeClr val="accent1">
+              <a:shade val="50000"/>
+            </a:schemeClr>
+          </a:lnRef>
+          <a:fillRef idx="1">
+            <a:schemeClr val="accent1"/>
+          </a:fillRef>
+          <a:effectRef idx="0">
+            <a:schemeClr val="accent1"/>
+          </a:effectRef>
+          <a:fontRef idx="minor">
+            <a:schemeClr val="lt1"/>
+          </a:fontRef>
+        </p:style>
+        <p:txBody>
+          <a:bodyPr rtlCol="0" anchor="ctr"/>
+          <a:lstStyle/>
+          <a:p>
+            <a:pPr algn="ctr"/>
+            <a:r>
+              <a:rPr lang="en-US" sz="1800" smtClean="0">
+                <a:solidFill>
+                  <a:srgbClr val="73626E"/>
+                </a:solidFill>
+                <a:latin typeface="Corbel" charset="0"/>
+                <a:ea typeface="Corbel" charset="0"/>
+                <a:cs typeface="Corbel" charset="0"/>
+              </a:rPr>
+              <a:t>Tool</a:t>
+            </a:r>
+            <a:endParaRPr lang="en-US" sz="1800" dirty="0">
+              <a:solidFill>
+                <a:srgbClr val="73626E"/>
+              </a:solidFill>
+              <a:latin typeface="Corbel" charset="0"/>
+              <a:ea typeface="Corbel" charset="0"/>
+              <a:cs typeface="Corbel" charset="0"/>
+            </a:endParaRPr>
+          </a:p>
+        </p:txBody>
+      </p:sp>
+      <p:cxnSp>
+        <p:nvCxnSpPr>
+          <p:cNvPr id="109" name="Straight Arrow Connector 108"/>
+          <p:cNvCxnSpPr>
+            <a:stCxn id="97" idx="3"/>
+          </p:cNvCxnSpPr>
+          <p:nvPr/>
+        </p:nvCxnSpPr>
+        <p:spPr>
+          <a:xfrm>
+            <a:off x="4578389" y="8389056"/>
+            <a:ext cx="481982" cy="0"/>
+          </a:xfrm>
+          <a:prstGeom prst="straightConnector1">
+            <a:avLst/>
+          </a:prstGeom>
+          <a:ln w="25400">
             <a:solidFill>
               <a:schemeClr val="bg1">
                 <a:lumMod val="85000"/>
               </a:schemeClr>
             </a:solidFill>
-            <a:tailEnd type="arrow" w="med" len="med"/>
+            <a:headEnd type="arrow" w="sm" len="sm"/>
+            <a:tailEnd type="none" w="med" len="med"/>
           </a:ln>
         </p:spPr>
         <p:style>
@@ -6266,29 +6967,102 @@
             <a:schemeClr val="tx1"/>
           </a:fontRef>
         </p:style>
-        <p:txBody>
-          <a:bodyPr rtlCol="0" anchor="ctr"/>
-          <a:lstStyle/>
-          <a:p>
-            <a:pPr algn="ctr"/>
-            <a:endParaRPr lang="en-US">
-              <a:latin typeface="Corbel" charset="0"/>
-              <a:ea typeface="Corbel" charset="0"/>
-              <a:cs typeface="Corbel" charset="0"/>
-            </a:endParaRPr>
-          </a:p>
-        </p:txBody>
-      </p:sp>
-      <p:sp>
-        <p:nvSpPr>
-          <p:cNvPr id="94" name="TextBox 93"/>
-          <p:cNvSpPr txBox="1"/>
-          <p:nvPr/>
-        </p:nvSpPr>
-        <p:spPr>
-          <a:xfrm>
-            <a:off x="914807" y="8137475"/>
-            <a:ext cx="2804933" cy="1464231"/>
+      </p:cxnSp>
+      <p:cxnSp>
+        <p:nvCxnSpPr>
+          <p:cNvPr id="126" name="Elbow Connector 125"/>
+          <p:cNvCxnSpPr>
+            <a:stCxn id="100" idx="3"/>
+            <a:endCxn id="102" idx="1"/>
+          </p:cNvCxnSpPr>
+          <p:nvPr/>
+        </p:nvCxnSpPr>
+        <p:spPr>
+          <a:xfrm>
+            <a:off x="7004586" y="8836520"/>
+            <a:ext cx="394320" cy="327484"/>
+          </a:xfrm>
+          <a:prstGeom prst="bentConnector3">
+            <a:avLst>
+              <a:gd name="adj1" fmla="val 50000"/>
+            </a:avLst>
+          </a:prstGeom>
+          <a:ln w="25400">
+            <a:solidFill>
+              <a:schemeClr val="bg1">
+                <a:lumMod val="85000"/>
+              </a:schemeClr>
+            </a:solidFill>
+            <a:tailEnd type="arrow" w="sm" len="sm"/>
+          </a:ln>
+        </p:spPr>
+        <p:style>
+          <a:lnRef idx="1">
+            <a:schemeClr val="accent1"/>
+          </a:lnRef>
+          <a:fillRef idx="0">
+            <a:schemeClr val="accent1"/>
+          </a:fillRef>
+          <a:effectRef idx="0">
+            <a:schemeClr val="accent1"/>
+          </a:effectRef>
+          <a:fontRef idx="minor">
+            <a:schemeClr val="tx1"/>
+          </a:fontRef>
+        </p:style>
+      </p:cxnSp>
+      <p:cxnSp>
+        <p:nvCxnSpPr>
+          <p:cNvPr id="152" name="Straight Arrow Connector 151"/>
+          <p:cNvCxnSpPr>
+            <a:stCxn id="106" idx="1"/>
+            <a:endCxn id="102" idx="3"/>
+          </p:cNvCxnSpPr>
+          <p:nvPr/>
+        </p:nvCxnSpPr>
+        <p:spPr>
+          <a:xfrm flipH="1">
+            <a:off x="8551034" y="9164004"/>
+            <a:ext cx="466327" cy="0"/>
+          </a:xfrm>
+          <a:prstGeom prst="straightConnector1">
+            <a:avLst/>
+          </a:prstGeom>
+          <a:ln w="25400">
+            <a:solidFill>
+              <a:schemeClr val="bg1">
+                <a:lumMod val="85000"/>
+              </a:schemeClr>
+            </a:solidFill>
+            <a:headEnd type="arrow" w="sm" len="sm"/>
+            <a:tailEnd type="arrow" w="sm" len="sm"/>
+          </a:ln>
+        </p:spPr>
+        <p:style>
+          <a:lnRef idx="1">
+            <a:schemeClr val="accent1"/>
+          </a:lnRef>
+          <a:fillRef idx="0">
+            <a:schemeClr val="accent1"/>
+          </a:fillRef>
+          <a:effectRef idx="0">
+            <a:schemeClr val="accent1"/>
+          </a:effectRef>
+          <a:fontRef idx="minor">
+            <a:schemeClr val="tx1"/>
+          </a:fontRef>
+        </p:style>
+      </p:cxnSp>
+      <p:sp>
+        <p:nvSpPr>
+          <p:cNvPr id="21" name="Rounded Rectangle 20"/>
+          <p:cNvSpPr/>
+          <p:nvPr/>
+        </p:nvSpPr>
+        <p:spPr>
+          <a:xfrm>
+            <a:off x="5886738" y="9829216"/>
+            <a:ext cx="3888432" cy="1656184"/>
           </a:xfrm>
           <a:prstGeom prst="roundRect">
             <a:avLst/>
@@ -6298,6 +7072,54 @@
               <a:lumMod val="85000"/>
             </a:schemeClr>
           </a:solidFill>
+          <a:ln>
+            <a:noFill/>
+          </a:ln>
+        </p:spPr>
+        <p:style>
+          <a:lnRef idx="2">
+            <a:schemeClr val="accent1">
+              <a:shade val="50000"/>
+            </a:schemeClr>
+          </a:lnRef>
+          <a:fillRef idx="1">
+            <a:schemeClr val="accent1"/>
+          </a:fillRef>
+          <a:effectRef idx="0">
+            <a:schemeClr val="accent1"/>
+          </a:effectRef>
+          <a:fontRef idx="minor">
+            <a:schemeClr val="lt1"/>
+          </a:fontRef>
+        </p:style>
+        <p:txBody>
+          <a:bodyPr rtlCol="0" anchor="ctr"/>
+          <a:lstStyle/>
+          <a:p>
+            <a:pPr algn="ctr"/>
+            <a:endParaRPr lang="en-US"/>
+          </a:p>
+        </p:txBody>
+      </p:sp>
+      <p:sp>
+        <p:nvSpPr>
+          <p:cNvPr id="171" name="TextBox 170"/>
+          <p:cNvSpPr txBox="1"/>
+          <p:nvPr/>
+        </p:nvSpPr>
+        <p:spPr>
+          <a:xfrm>
+            <a:off x="1976735" y="10110107"/>
+            <a:ext cx="2664296" cy="1123712"/>
+          </a:xfrm>
+          <a:prstGeom prst="roundRect">
+            <a:avLst/>
+          </a:prstGeom>
+          <a:solidFill>
+            <a:schemeClr val="bg1">
+              <a:lumMod val="85000"/>
+            </a:schemeClr>
+          </a:solidFill>
         </p:spPr>
         <p:txBody>
           <a:bodyPr wrap="square" rtlCol="0">
@@ -6315,7 +7137,7 @@
                 <a:ea typeface="Corbel" charset="0"/>
                 <a:cs typeface="Corbel" charset="0"/>
               </a:rPr>
-              <a:t>{ Configure 🛠 }</a:t>
+              <a:t>{ Submit 📮 }</a:t>
             </a:r>
           </a:p>
           <a:p>
@@ -6332,7 +7154,7 @@
                 <a:ea typeface="Corbel" charset="0"/>
                 <a:cs typeface="Corbel" charset="0"/>
               </a:rPr>
-              <a:t>Manage users</a:t>
+              <a:t>Deposit files</a:t>
             </a:r>
           </a:p>
           <a:p>
@@ -6349,9 +7171,32 @@
                 <a:ea typeface="Corbel" charset="0"/>
                 <a:cs typeface="Corbel" charset="0"/>
               </a:rPr>
-              <a:t>Model metadata</a:t>
-            </a:r>
-          </a:p>
+              <a:t>Review deposits</a:t>
+            </a:r>
+          </a:p>
+        </p:txBody>
+      </p:sp>
+      <p:sp>
+        <p:nvSpPr>
+          <p:cNvPr id="172" name="TextBox 171"/>
+          <p:cNvSpPr txBox="1"/>
+          <p:nvPr/>
+        </p:nvSpPr>
+        <p:spPr>
+          <a:xfrm>
+            <a:off x="6030754" y="10333272"/>
+            <a:ext cx="3672408" cy="1123712"/>
+          </a:xfrm>
+          <a:prstGeom prst="roundRect">
+            <a:avLst/>
+          </a:prstGeom>
+          <a:noFill/>
+        </p:spPr>
+        <p:txBody>
+          <a:bodyPr wrap="square" numCol="2" rtlCol="0">
+            <a:spAutoFit/>
+          </a:bodyPr>
+          <a:lstStyle/>
           <a:p>
             <a:pPr marL="342900" indent="-342900">
               <a:buFont typeface="Arial" charset="0"/>
@@ -6366,7 +7211,91 @@
                 <a:ea typeface="Corbel" charset="0"/>
                 <a:cs typeface="Corbel" charset="0"/>
               </a:rPr>
-              <a:t>Configure workflow</a:t>
+              <a:t>Catalog</a:t>
+            </a:r>
+            <a:endParaRPr lang="en-US" sz="2000" dirty="0" smtClean="0">
+              <a:solidFill>
+                <a:srgbClr val="73626E"/>
+              </a:solidFill>
+              <a:latin typeface="Corbel" charset="0"/>
+              <a:ea typeface="Corbel" charset="0"/>
+              <a:cs typeface="Corbel" charset="0"/>
+            </a:endParaRPr>
+          </a:p>
+          <a:p>
+            <a:pPr marL="342900" indent="-342900">
+              <a:buFont typeface="Arial" charset="0"/>
+              <a:buChar char="•"/>
+            </a:pPr>
+            <a:r>
+              <a:rPr lang="en-US" sz="2000" dirty="0" smtClean="0">
+                <a:solidFill>
+                  <a:srgbClr val="73626E"/>
+                </a:solidFill>
+                <a:latin typeface="Corbel" charset="0"/>
+                <a:ea typeface="Corbel" charset="0"/>
+                <a:cs typeface="Corbel" charset="0"/>
+              </a:rPr>
+              <a:t>Transcribe</a:t>
+            </a:r>
+          </a:p>
+          <a:p>
+            <a:pPr marL="342900" indent="-342900">
+              <a:buFont typeface="Arial" charset="0"/>
+              <a:buChar char="•"/>
+            </a:pPr>
+            <a:r>
+              <a:rPr lang="en-US" sz="2000" dirty="0" smtClean="0">
+                <a:solidFill>
+                  <a:srgbClr val="73626E"/>
+                </a:solidFill>
+                <a:latin typeface="Corbel" charset="0"/>
+                <a:ea typeface="Corbel" charset="0"/>
+                <a:cs typeface="Corbel" charset="0"/>
+              </a:rPr>
+              <a:t>Encode</a:t>
+            </a:r>
+            <a:endParaRPr lang="en-US" sz="2000" dirty="0" smtClean="0">
+              <a:solidFill>
+                <a:srgbClr val="73626E"/>
+              </a:solidFill>
+              <a:latin typeface="Corbel" charset="0"/>
+              <a:ea typeface="Corbel" charset="0"/>
+              <a:cs typeface="Corbel" charset="0"/>
+            </a:endParaRPr>
+          </a:p>
+          <a:p>
+            <a:pPr marL="342900" indent="-342900">
+              <a:buFont typeface="Arial" charset="0"/>
+              <a:buChar char="•"/>
+            </a:pPr>
+            <a:r>
+              <a:rPr lang="en-US" sz="2000" dirty="0" smtClean="0">
+                <a:solidFill>
+                  <a:srgbClr val="73626E"/>
+                </a:solidFill>
+                <a:latin typeface="Corbel" charset="0"/>
+                <a:ea typeface="Corbel" charset="0"/>
+                <a:cs typeface="Corbel" charset="0"/>
+              </a:rPr>
+              <a:t>Translate</a:t>
+            </a:r>
+          </a:p>
+          <a:p>
+            <a:pPr marL="342900" indent="-342900">
+              <a:buFont typeface="Arial" charset="0"/>
+              <a:buChar char="•"/>
+            </a:pPr>
+            <a:r>
+              <a:rPr lang="en-US" sz="2000" dirty="0" smtClean="0">
+                <a:solidFill>
+                  <a:srgbClr val="73626E"/>
+                </a:solidFill>
+                <a:latin typeface="Corbel" charset="0"/>
+                <a:ea typeface="Corbel" charset="0"/>
+                <a:cs typeface="Corbel" charset="0"/>
+              </a:rPr>
+              <a:t>Transliterate</a:t>
             </a:r>
             <a:endParaRPr lang="en-US" sz="2000" dirty="0">
               <a:solidFill>
@@ -6381,7 +7310,538 @@
       </p:sp>
       <p:pic>
         <p:nvPicPr>
-          <p:cNvPr id="97" name="Picture 96"/>
+          <p:cNvPr id="190" name="Picture 189"/>
+          <p:cNvPicPr>
+            <a:picLocks noChangeAspect="1"/>
+          </p:cNvPicPr>
+          <p:nvPr/>
+        </p:nvPicPr>
+        <p:blipFill>
+          <a:blip r:embed="rId4">
+            <a:extLst>
+              <a:ext uri="{28A0092B-C50C-407E-A947-70E740481C1C}">
+                <a14:useLocalDpi xmlns:a14="http://schemas.microsoft.com/office/drawing/2010/main" val="0"/>
+              </a:ext>
+            </a:extLst>
+          </a:blip>
+          <a:stretch>
+            <a:fillRect/>
+          </a:stretch>
+        </p:blipFill>
+        <p:spPr>
+          <a:xfrm>
+            <a:off x="3870514" y="9109136"/>
+            <a:ext cx="707875" cy="576064"/>
+          </a:xfrm>
+          <a:prstGeom prst="rect">
+            <a:avLst/>
+          </a:prstGeom>
+          <a:ln>
+            <a:noFill/>
+          </a:ln>
+        </p:spPr>
+      </p:pic>
+      <p:cxnSp>
+        <p:nvCxnSpPr>
+          <p:cNvPr id="196" name="Straight Arrow Connector 195"/>
+          <p:cNvCxnSpPr>
+            <a:stCxn id="190" idx="3"/>
+          </p:cNvCxnSpPr>
+          <p:nvPr/>
+        </p:nvCxnSpPr>
+        <p:spPr>
+          <a:xfrm>
+            <a:off x="4578389" y="9397168"/>
+            <a:ext cx="384450" cy="0"/>
+          </a:xfrm>
+          <a:prstGeom prst="straightConnector1">
+            <a:avLst/>
+          </a:prstGeom>
+          <a:ln w="25400">
+            <a:solidFill>
+              <a:schemeClr val="bg1">
+                <a:lumMod val="85000"/>
+              </a:schemeClr>
+            </a:solidFill>
+            <a:headEnd type="arrow" w="sm" len="sm"/>
+            <a:tailEnd type="none" w="med" len="med"/>
+          </a:ln>
+        </p:spPr>
+        <p:style>
+          <a:lnRef idx="1">
+            <a:schemeClr val="accent1"/>
+          </a:lnRef>
+          <a:fillRef idx="0">
+            <a:schemeClr val="accent1"/>
+          </a:fillRef>
+          <a:effectRef idx="0">
+            <a:schemeClr val="accent1"/>
+          </a:effectRef>
+          <a:fontRef idx="minor">
+            <a:schemeClr val="tx1"/>
+          </a:fontRef>
+        </p:style>
+      </p:cxnSp>
+      <p:cxnSp>
+        <p:nvCxnSpPr>
+          <p:cNvPr id="216" name="Straight Arrow Connector 215"/>
+          <p:cNvCxnSpPr/>
+          <p:nvPr/>
+        </p:nvCxnSpPr>
+        <p:spPr>
+          <a:xfrm flipH="1">
+            <a:off x="5501174" y="8386885"/>
+            <a:ext cx="457572" cy="0"/>
+          </a:xfrm>
+          <a:prstGeom prst="straightConnector1">
+            <a:avLst/>
+          </a:prstGeom>
+          <a:ln w="25400">
+            <a:solidFill>
+              <a:schemeClr val="bg1">
+                <a:lumMod val="85000"/>
+              </a:schemeClr>
+            </a:solidFill>
+            <a:headEnd type="none" w="sm" len="sm"/>
+            <a:tailEnd type="none" w="med" len="med"/>
+          </a:ln>
+        </p:spPr>
+        <p:style>
+          <a:lnRef idx="1">
+            <a:schemeClr val="accent1"/>
+          </a:lnRef>
+          <a:fillRef idx="0">
+            <a:schemeClr val="accent1"/>
+          </a:fillRef>
+          <a:effectRef idx="0">
+            <a:schemeClr val="accent1"/>
+          </a:effectRef>
+          <a:fontRef idx="minor">
+            <a:schemeClr val="tx1"/>
+          </a:fontRef>
+        </p:style>
+      </p:cxnSp>
+      <p:cxnSp>
+        <p:nvCxnSpPr>
+          <p:cNvPr id="220" name="Elbow Connector 219"/>
+          <p:cNvCxnSpPr>
+            <a:stCxn id="117" idx="3"/>
+            <a:endCxn id="100" idx="2"/>
+          </p:cNvCxnSpPr>
+          <p:nvPr/>
+        </p:nvCxnSpPr>
+        <p:spPr>
+          <a:xfrm flipV="1">
+            <a:off x="5742722" y="9179420"/>
+            <a:ext cx="918964" cy="217748"/>
+          </a:xfrm>
+          <a:prstGeom prst="bentConnector2">
+            <a:avLst/>
+          </a:prstGeom>
+          <a:ln w="25400">
+            <a:solidFill>
+              <a:schemeClr val="bg1">
+                <a:lumMod val="85000"/>
+              </a:schemeClr>
+            </a:solidFill>
+            <a:tailEnd type="arrow" w="sm" len="sm"/>
+          </a:ln>
+        </p:spPr>
+        <p:style>
+          <a:lnRef idx="1">
+            <a:schemeClr val="accent1"/>
+          </a:lnRef>
+          <a:fillRef idx="0">
+            <a:schemeClr val="accent1"/>
+          </a:fillRef>
+          <a:effectRef idx="0">
+            <a:schemeClr val="accent1"/>
+          </a:effectRef>
+          <a:fontRef idx="minor">
+            <a:schemeClr val="tx1"/>
+          </a:fontRef>
+        </p:style>
+      </p:cxnSp>
+      <p:cxnSp>
+        <p:nvCxnSpPr>
+          <p:cNvPr id="223" name="Elbow Connector 222"/>
+          <p:cNvCxnSpPr>
+            <a:stCxn id="104" idx="1"/>
+            <a:endCxn id="105" idx="1"/>
+          </p:cNvCxnSpPr>
+          <p:nvPr/>
+        </p:nvCxnSpPr>
+        <p:spPr>
+          <a:xfrm rot="10800000" flipV="1">
+            <a:off x="9017362" y="7579828"/>
+            <a:ext cx="12700" cy="792088"/>
+          </a:xfrm>
+          <a:prstGeom prst="bentConnector3">
+            <a:avLst>
+              <a:gd name="adj1" fmla="val 1974543"/>
+            </a:avLst>
+          </a:prstGeom>
+          <a:ln w="25400">
+            <a:solidFill>
+              <a:schemeClr val="bg1">
+                <a:lumMod val="85000"/>
+              </a:schemeClr>
+            </a:solidFill>
+            <a:headEnd type="arrow" w="sm" len="sm"/>
+            <a:tailEnd type="arrow" w="sm" len="sm"/>
+          </a:ln>
+        </p:spPr>
+        <p:style>
+          <a:lnRef idx="1">
+            <a:schemeClr val="accent1"/>
+          </a:lnRef>
+          <a:fillRef idx="0">
+            <a:schemeClr val="accent1"/>
+          </a:fillRef>
+          <a:effectRef idx="0">
+            <a:schemeClr val="accent1"/>
+          </a:effectRef>
+          <a:fontRef idx="minor">
+            <a:schemeClr val="tx1"/>
+          </a:fontRef>
+        </p:style>
+      </p:cxnSp>
+      <p:cxnSp>
+        <p:nvCxnSpPr>
+          <p:cNvPr id="228" name="Straight Arrow Connector 227"/>
+          <p:cNvCxnSpPr/>
+          <p:nvPr/>
+        </p:nvCxnSpPr>
+        <p:spPr>
+          <a:xfrm>
+            <a:off x="8479026" y="7957008"/>
+            <a:ext cx="288032" cy="0"/>
+          </a:xfrm>
+          <a:prstGeom prst="straightConnector1">
+            <a:avLst/>
+          </a:prstGeom>
+          <a:ln w="25400">
+            <a:solidFill>
+              <a:schemeClr val="bg1">
+                <a:lumMod val="85000"/>
+              </a:schemeClr>
+            </a:solidFill>
+            <a:headEnd type="arrow" w="sm" len="sm"/>
+            <a:tailEnd type="none" w="med" len="med"/>
+          </a:ln>
+        </p:spPr>
+        <p:style>
+          <a:lnRef idx="1">
+            <a:schemeClr val="accent1"/>
+          </a:lnRef>
+          <a:fillRef idx="0">
+            <a:schemeClr val="accent1"/>
+          </a:fillRef>
+          <a:effectRef idx="0">
+            <a:schemeClr val="accent1"/>
+          </a:effectRef>
+          <a:fontRef idx="minor">
+            <a:schemeClr val="tx1"/>
+          </a:fontRef>
+        </p:style>
+      </p:cxnSp>
+      <p:sp>
+        <p:nvSpPr>
+          <p:cNvPr id="231" name="TextBox 230"/>
+          <p:cNvSpPr txBox="1"/>
+          <p:nvPr/>
+        </p:nvSpPr>
+        <p:spPr>
+          <a:xfrm>
+            <a:off x="1544687" y="7201371"/>
+            <a:ext cx="3528392" cy="529376"/>
+          </a:xfrm>
+          <a:prstGeom prst="rect">
+            <a:avLst/>
+          </a:prstGeom>
+          <a:noFill/>
+          <a:ln w="19050">
+            <a:noFill/>
+          </a:ln>
+        </p:spPr>
+        <p:txBody>
+          <a:bodyPr wrap="square" lIns="0" tIns="18288" rIns="0" bIns="18288" rtlCol="0">
+            <a:spAutoFit/>
+          </a:bodyPr>
+          <a:lstStyle/>
+          <a:p>
+            <a:pPr algn="ctr"/>
+            <a:r>
+              <a:rPr lang="en-US" sz="1600" i="1" dirty="0" smtClean="0">
+                <a:solidFill>
+                  <a:schemeClr val="bg1">
+                    <a:lumMod val="85000"/>
+                  </a:schemeClr>
+                </a:solidFill>
+                <a:latin typeface="Corbel" charset="0"/>
+                <a:ea typeface="Corbel" charset="0"/>
+                <a:cs typeface="Corbel" charset="0"/>
+              </a:rPr>
+              <a:t>Relationships between team members, roles, tasks, interfaces, and tools</a:t>
+            </a:r>
+            <a:endParaRPr lang="en-US" sz="1600" i="1" dirty="0">
+              <a:solidFill>
+                <a:schemeClr val="bg1">
+                  <a:lumMod val="85000"/>
+                </a:schemeClr>
+              </a:solidFill>
+              <a:latin typeface="Corbel" charset="0"/>
+              <a:ea typeface="Corbel" charset="0"/>
+              <a:cs typeface="Corbel" charset="0"/>
+            </a:endParaRPr>
+          </a:p>
+        </p:txBody>
+      </p:sp>
+      <p:sp>
+        <p:nvSpPr>
+          <p:cNvPr id="2" name="TextBox 1"/>
+          <p:cNvSpPr txBox="1"/>
+          <p:nvPr/>
+        </p:nvSpPr>
+        <p:spPr>
+          <a:xfrm>
+            <a:off x="2046652" y="5682394"/>
+            <a:ext cx="184731" cy="646331"/>
+          </a:xfrm>
+          <a:prstGeom prst="rect">
+            <a:avLst/>
+          </a:prstGeom>
+          <a:noFill/>
+        </p:spPr>
+        <p:txBody>
+          <a:bodyPr wrap="none" rtlCol="0">
+            <a:spAutoFit/>
+          </a:bodyPr>
+          <a:lstStyle/>
+          <a:p>
+            <a:endParaRPr lang="en-US" dirty="0">
+              <a:latin typeface="Corbel" charset="0"/>
+              <a:ea typeface="Corbel" charset="0"/>
+              <a:cs typeface="Corbel" charset="0"/>
+            </a:endParaRPr>
+          </a:p>
+        </p:txBody>
+      </p:sp>
+      <p:sp>
+        <p:nvSpPr>
+          <p:cNvPr id="85" name="Arc 84"/>
+          <p:cNvSpPr/>
+          <p:nvPr/>
+        </p:nvSpPr>
+        <p:spPr>
+          <a:xfrm rot="10800000" flipV="1">
+            <a:off x="1256655" y="13178035"/>
+            <a:ext cx="288032" cy="2814617"/>
+          </a:xfrm>
+          <a:prstGeom prst="arc">
+            <a:avLst>
+              <a:gd name="adj1" fmla="val 16200000"/>
+              <a:gd name="adj2" fmla="val 21319761"/>
+            </a:avLst>
+          </a:prstGeom>
+          <a:ln w="53975">
+            <a:solidFill>
+              <a:schemeClr val="bg1">
+                <a:lumMod val="85000"/>
+              </a:schemeClr>
+            </a:solidFill>
+            <a:tailEnd type="arrow" w="med" len="med"/>
+          </a:ln>
+        </p:spPr>
+        <p:style>
+          <a:lnRef idx="1">
+            <a:schemeClr val="accent1"/>
+          </a:lnRef>
+          <a:fillRef idx="0">
+            <a:schemeClr val="accent1"/>
+          </a:fillRef>
+          <a:effectRef idx="0">
+            <a:schemeClr val="accent1"/>
+          </a:effectRef>
+          <a:fontRef idx="minor">
+            <a:schemeClr val="tx1"/>
+          </a:fontRef>
+        </p:style>
+        <p:txBody>
+          <a:bodyPr rtlCol="0" anchor="ctr"/>
+          <a:lstStyle/>
+          <a:p>
+            <a:pPr algn="ctr"/>
+            <a:endParaRPr lang="en-US">
+              <a:latin typeface="Corbel" charset="0"/>
+              <a:ea typeface="Corbel" charset="0"/>
+              <a:cs typeface="Corbel" charset="0"/>
+            </a:endParaRPr>
+          </a:p>
+        </p:txBody>
+      </p:sp>
+      <p:sp>
+        <p:nvSpPr>
+          <p:cNvPr id="90" name="Arc 89"/>
+          <p:cNvSpPr/>
+          <p:nvPr/>
+        </p:nvSpPr>
+        <p:spPr>
+          <a:xfrm rot="9817432" flipH="1" flipV="1">
+            <a:off x="1250004" y="13081563"/>
+            <a:ext cx="637672" cy="2087776"/>
+          </a:xfrm>
+          <a:prstGeom prst="arc">
+            <a:avLst>
+              <a:gd name="adj1" fmla="val 16200000"/>
+              <a:gd name="adj2" fmla="val 21319761"/>
+            </a:avLst>
+          </a:prstGeom>
+          <a:ln w="53975">
+            <a:solidFill>
+              <a:schemeClr val="bg1">
+                <a:lumMod val="85000"/>
+              </a:schemeClr>
+            </a:solidFill>
+            <a:tailEnd type="arrow" w="med" len="med"/>
+          </a:ln>
+        </p:spPr>
+        <p:style>
+          <a:lnRef idx="1">
+            <a:schemeClr val="accent1"/>
+          </a:lnRef>
+          <a:fillRef idx="0">
+            <a:schemeClr val="accent1"/>
+          </a:fillRef>
+          <a:effectRef idx="0">
+            <a:schemeClr val="accent1"/>
+          </a:effectRef>
+          <a:fontRef idx="minor">
+            <a:schemeClr val="tx1"/>
+          </a:fontRef>
+        </p:style>
+        <p:txBody>
+          <a:bodyPr rtlCol="0" anchor="ctr"/>
+          <a:lstStyle/>
+          <a:p>
+            <a:pPr algn="ctr"/>
+            <a:endParaRPr lang="en-US">
+              <a:latin typeface="Corbel" charset="0"/>
+              <a:ea typeface="Corbel" charset="0"/>
+              <a:cs typeface="Corbel" charset="0"/>
+            </a:endParaRPr>
+          </a:p>
+        </p:txBody>
+      </p:sp>
+      <p:sp>
+        <p:nvSpPr>
+          <p:cNvPr id="91" name="Arc 90"/>
+          <p:cNvSpPr/>
+          <p:nvPr/>
+        </p:nvSpPr>
+        <p:spPr>
+          <a:xfrm rot="10800000" flipH="1" flipV="1">
+            <a:off x="72008" y="13178035"/>
+            <a:ext cx="2016224" cy="1584177"/>
+          </a:xfrm>
+          <a:prstGeom prst="arc">
+            <a:avLst>
+              <a:gd name="adj1" fmla="val 16200000"/>
+              <a:gd name="adj2" fmla="val 21319761"/>
+            </a:avLst>
+          </a:prstGeom>
+          <a:ln w="53975">
+            <a:solidFill>
+              <a:schemeClr val="bg1">
+                <a:lumMod val="85000"/>
+              </a:schemeClr>
+            </a:solidFill>
+            <a:tailEnd type="arrow" w="med" len="med"/>
+          </a:ln>
+        </p:spPr>
+        <p:style>
+          <a:lnRef idx="1">
+            <a:schemeClr val="accent1"/>
+          </a:lnRef>
+          <a:fillRef idx="0">
+            <a:schemeClr val="accent1"/>
+          </a:fillRef>
+          <a:effectRef idx="0">
+            <a:schemeClr val="accent1"/>
+          </a:effectRef>
+          <a:fontRef idx="minor">
+            <a:schemeClr val="tx1"/>
+          </a:fontRef>
+        </p:style>
+        <p:txBody>
+          <a:bodyPr rtlCol="0" anchor="ctr"/>
+          <a:lstStyle/>
+          <a:p>
+            <a:pPr algn="ctr"/>
+            <a:endParaRPr lang="en-US">
+              <a:latin typeface="Corbel" charset="0"/>
+              <a:ea typeface="Corbel" charset="0"/>
+              <a:cs typeface="Corbel" charset="0"/>
+            </a:endParaRPr>
+          </a:p>
+        </p:txBody>
+      </p:sp>
+      <p:sp>
+        <p:nvSpPr>
+          <p:cNvPr id="92" name="Arc 91"/>
+          <p:cNvSpPr/>
+          <p:nvPr/>
+        </p:nvSpPr>
+        <p:spPr>
+          <a:xfrm rot="10800000" flipH="1" flipV="1">
+            <a:off x="1112639" y="13106027"/>
+            <a:ext cx="432048" cy="2304257"/>
+          </a:xfrm>
+          <a:prstGeom prst="arc">
+            <a:avLst>
+              <a:gd name="adj1" fmla="val 16200000"/>
+              <a:gd name="adj2" fmla="val 21319761"/>
+            </a:avLst>
+          </a:prstGeom>
+          <a:ln w="53975">
+            <a:solidFill>
+              <a:schemeClr val="bg1">
+                <a:lumMod val="85000"/>
+              </a:schemeClr>
+            </a:solidFill>
+            <a:tailEnd type="arrow" w="med" len="med"/>
+          </a:ln>
+        </p:spPr>
+        <p:style>
+          <a:lnRef idx="1">
+            <a:schemeClr val="accent1"/>
+          </a:lnRef>
+          <a:fillRef idx="0">
+            <a:schemeClr val="accent1"/>
+          </a:fillRef>
+          <a:effectRef idx="0">
+            <a:schemeClr val="accent1"/>
+          </a:effectRef>
+          <a:fontRef idx="minor">
+            <a:schemeClr val="tx1"/>
+          </a:fontRef>
+        </p:style>
+        <p:txBody>
+          <a:bodyPr rtlCol="0" anchor="ctr"/>
+          <a:lstStyle/>
+          <a:p>
+            <a:pPr algn="ctr"/>
+            <a:endParaRPr lang="en-US">
+              <a:latin typeface="Corbel" charset="0"/>
+              <a:ea typeface="Corbel" charset="0"/>
+              <a:cs typeface="Corbel" charset="0"/>
+            </a:endParaRPr>
+          </a:p>
+        </p:txBody>
+      </p:sp>
+      <p:pic>
+        <p:nvPicPr>
+          <p:cNvPr id="96" name="Picture 95"/>
           <p:cNvPicPr>
             <a:picLocks noChangeAspect="1"/>
           </p:cNvPicPr>
@@ -6401,1400 +7861,23 @@
         </p:blipFill>
         <p:spPr>
           <a:xfrm>
-            <a:off x="3870514" y="8101024"/>
-            <a:ext cx="707875" cy="576064"/>
+            <a:off x="3686924" y="4321051"/>
+            <a:ext cx="1386155" cy="504056"/>
           </a:xfrm>
           <a:prstGeom prst="rect">
             <a:avLst/>
           </a:prstGeom>
-          <a:ln>
-            <a:noFill/>
-          </a:ln>
         </p:spPr>
       </p:pic>
-      <p:sp>
-        <p:nvSpPr>
-          <p:cNvPr id="99" name="Rectangle 98"/>
-          <p:cNvSpPr/>
-          <p:nvPr/>
-        </p:nvSpPr>
-        <p:spPr>
-          <a:xfrm>
-            <a:off x="6318786" y="7596968"/>
-            <a:ext cx="685800" cy="685800"/>
-          </a:xfrm>
-          <a:prstGeom prst="rect">
-            <a:avLst/>
-          </a:prstGeom>
-          <a:solidFill>
-            <a:schemeClr val="bg1">
-              <a:lumMod val="85000"/>
-            </a:schemeClr>
-          </a:solidFill>
-          <a:ln>
-            <a:noFill/>
-          </a:ln>
-        </p:spPr>
-        <p:style>
-          <a:lnRef idx="2">
-            <a:schemeClr val="accent1">
-              <a:shade val="50000"/>
-            </a:schemeClr>
-          </a:lnRef>
-          <a:fillRef idx="1">
-            <a:schemeClr val="accent1"/>
-          </a:fillRef>
-          <a:effectRef idx="0">
-            <a:schemeClr val="accent1"/>
-          </a:effectRef>
-          <a:fontRef idx="minor">
-            <a:schemeClr val="lt1"/>
-          </a:fontRef>
-        </p:style>
-        <p:txBody>
-          <a:bodyPr rtlCol="0" anchor="ctr"/>
-          <a:lstStyle/>
-          <a:p>
-            <a:pPr algn="ctr"/>
-            <a:r>
-              <a:rPr lang="en-US" sz="1800" dirty="0" smtClean="0">
-                <a:solidFill>
-                  <a:srgbClr val="73626E"/>
-                </a:solidFill>
-                <a:latin typeface="Corbel" charset="0"/>
-                <a:ea typeface="Corbel" charset="0"/>
-                <a:cs typeface="Corbel" charset="0"/>
-              </a:rPr>
-              <a:t>Task</a:t>
-            </a:r>
-            <a:endParaRPr lang="en-US" sz="1800" dirty="0">
-              <a:solidFill>
-                <a:srgbClr val="73626E"/>
-              </a:solidFill>
-              <a:latin typeface="Corbel" charset="0"/>
-              <a:ea typeface="Corbel" charset="0"/>
-              <a:cs typeface="Corbel" charset="0"/>
-            </a:endParaRPr>
-          </a:p>
-        </p:txBody>
-      </p:sp>
-      <p:sp>
-        <p:nvSpPr>
-          <p:cNvPr id="100" name="Rectangle 99"/>
-          <p:cNvSpPr/>
-          <p:nvPr/>
-        </p:nvSpPr>
-        <p:spPr>
-          <a:xfrm>
-            <a:off x="6318786" y="8493620"/>
-            <a:ext cx="685800" cy="685800"/>
-          </a:xfrm>
-          <a:prstGeom prst="rect">
-            <a:avLst/>
-          </a:prstGeom>
-          <a:solidFill>
-            <a:schemeClr val="bg1">
-              <a:lumMod val="85000"/>
-            </a:schemeClr>
-          </a:solidFill>
-          <a:ln>
-            <a:noFill/>
-          </a:ln>
-        </p:spPr>
-        <p:style>
-          <a:lnRef idx="2">
-            <a:schemeClr val="accent1">
-              <a:shade val="50000"/>
-            </a:schemeClr>
-          </a:lnRef>
-          <a:fillRef idx="1">
-            <a:schemeClr val="accent1"/>
-          </a:fillRef>
-          <a:effectRef idx="0">
-            <a:schemeClr val="accent1"/>
-          </a:effectRef>
-          <a:fontRef idx="minor">
-            <a:schemeClr val="lt1"/>
-          </a:fontRef>
-        </p:style>
-        <p:txBody>
-          <a:bodyPr rtlCol="0" anchor="ctr"/>
-          <a:lstStyle/>
-          <a:p>
-            <a:pPr algn="ctr"/>
-            <a:r>
-              <a:rPr lang="en-US" sz="1800" dirty="0" smtClean="0">
-                <a:solidFill>
-                  <a:srgbClr val="73626E"/>
-                </a:solidFill>
-                <a:latin typeface="Corbel" charset="0"/>
-                <a:ea typeface="Corbel" charset="0"/>
-                <a:cs typeface="Corbel" charset="0"/>
-              </a:rPr>
-              <a:t>Task</a:t>
-            </a:r>
-            <a:endParaRPr lang="en-US" sz="1800" dirty="0">
-              <a:solidFill>
-                <a:srgbClr val="73626E"/>
-              </a:solidFill>
-              <a:latin typeface="Corbel" charset="0"/>
-              <a:ea typeface="Corbel" charset="0"/>
-              <a:cs typeface="Corbel" charset="0"/>
-            </a:endParaRPr>
-          </a:p>
-        </p:txBody>
-      </p:sp>
-      <p:sp>
-        <p:nvSpPr>
-          <p:cNvPr id="101" name="Rectangle 100"/>
-          <p:cNvSpPr/>
-          <p:nvPr/>
-        </p:nvSpPr>
-        <p:spPr>
-          <a:xfrm>
-            <a:off x="7361177" y="7596968"/>
-            <a:ext cx="1152128" cy="685800"/>
-          </a:xfrm>
-          <a:prstGeom prst="rect">
-            <a:avLst/>
-          </a:prstGeom>
-          <a:solidFill>
-            <a:schemeClr val="bg1">
-              <a:lumMod val="85000"/>
-            </a:schemeClr>
-          </a:solidFill>
-          <a:ln>
-            <a:noFill/>
-          </a:ln>
-        </p:spPr>
-        <p:style>
-          <a:lnRef idx="2">
-            <a:schemeClr val="accent1">
-              <a:shade val="50000"/>
-            </a:schemeClr>
-          </a:lnRef>
-          <a:fillRef idx="1">
-            <a:schemeClr val="accent1"/>
-          </a:fillRef>
-          <a:effectRef idx="0">
-            <a:schemeClr val="accent1"/>
-          </a:effectRef>
-          <a:fontRef idx="minor">
-            <a:schemeClr val="lt1"/>
-          </a:fontRef>
-        </p:style>
-        <p:txBody>
-          <a:bodyPr rtlCol="0" anchor="ctr"/>
-          <a:lstStyle/>
-          <a:p>
-            <a:pPr algn="ctr"/>
-            <a:r>
-              <a:rPr lang="en-US" sz="1800" dirty="0" smtClean="0">
-                <a:solidFill>
-                  <a:srgbClr val="73626E"/>
-                </a:solidFill>
-                <a:latin typeface="Corbel" charset="0"/>
-                <a:ea typeface="Corbel" charset="0"/>
-                <a:cs typeface="Corbel" charset="0"/>
-              </a:rPr>
-              <a:t>Interface</a:t>
-            </a:r>
-            <a:endParaRPr lang="en-US" sz="1800" dirty="0">
-              <a:solidFill>
-                <a:srgbClr val="73626E"/>
-              </a:solidFill>
-              <a:latin typeface="Corbel" charset="0"/>
-              <a:ea typeface="Corbel" charset="0"/>
-              <a:cs typeface="Corbel" charset="0"/>
-            </a:endParaRPr>
-          </a:p>
-        </p:txBody>
-      </p:sp>
-      <p:sp>
-        <p:nvSpPr>
-          <p:cNvPr id="102" name="Rectangle 101"/>
-          <p:cNvSpPr/>
-          <p:nvPr/>
-        </p:nvSpPr>
-        <p:spPr>
-          <a:xfrm>
-            <a:off x="7398906" y="8821104"/>
-            <a:ext cx="1152128" cy="685800"/>
-          </a:xfrm>
-          <a:prstGeom prst="rect">
-            <a:avLst/>
-          </a:prstGeom>
-          <a:solidFill>
-            <a:schemeClr val="bg1">
-              <a:lumMod val="85000"/>
-            </a:schemeClr>
-          </a:solidFill>
-          <a:ln>
-            <a:noFill/>
-          </a:ln>
-        </p:spPr>
-        <p:style>
-          <a:lnRef idx="2">
-            <a:schemeClr val="accent1">
-              <a:shade val="50000"/>
-            </a:schemeClr>
-          </a:lnRef>
-          <a:fillRef idx="1">
-            <a:schemeClr val="accent1"/>
-          </a:fillRef>
-          <a:effectRef idx="0">
-            <a:schemeClr val="accent1"/>
-          </a:effectRef>
-          <a:fontRef idx="minor">
-            <a:schemeClr val="lt1"/>
-          </a:fontRef>
-        </p:style>
-        <p:txBody>
-          <a:bodyPr rtlCol="0" anchor="ctr"/>
-          <a:lstStyle/>
-          <a:p>
-            <a:pPr algn="ctr"/>
-            <a:r>
-              <a:rPr lang="en-US" sz="1800" smtClean="0">
-                <a:solidFill>
-                  <a:srgbClr val="73626E"/>
-                </a:solidFill>
-                <a:latin typeface="Corbel" charset="0"/>
-                <a:ea typeface="Corbel" charset="0"/>
-                <a:cs typeface="Corbel" charset="0"/>
-              </a:rPr>
-              <a:t>Interface</a:t>
-            </a:r>
-            <a:endParaRPr lang="en-US" sz="1800" dirty="0">
-              <a:solidFill>
-                <a:srgbClr val="73626E"/>
-              </a:solidFill>
-              <a:latin typeface="Corbel" charset="0"/>
-              <a:ea typeface="Corbel" charset="0"/>
-              <a:cs typeface="Corbel" charset="0"/>
-            </a:endParaRPr>
-          </a:p>
-        </p:txBody>
-      </p:sp>
-      <p:sp>
-        <p:nvSpPr>
-          <p:cNvPr id="104" name="Rectangle 103"/>
-          <p:cNvSpPr/>
-          <p:nvPr/>
-        </p:nvSpPr>
-        <p:spPr>
-          <a:xfrm>
-            <a:off x="9017362" y="7236928"/>
-            <a:ext cx="685800" cy="685800"/>
-          </a:xfrm>
-          <a:prstGeom prst="rect">
-            <a:avLst/>
-          </a:prstGeom>
-          <a:solidFill>
-            <a:schemeClr val="bg1">
-              <a:lumMod val="85000"/>
-            </a:schemeClr>
-          </a:solidFill>
-          <a:ln>
-            <a:noFill/>
-          </a:ln>
-        </p:spPr>
-        <p:style>
-          <a:lnRef idx="2">
-            <a:schemeClr val="accent1">
-              <a:shade val="50000"/>
-            </a:schemeClr>
-          </a:lnRef>
-          <a:fillRef idx="1">
-            <a:schemeClr val="accent1"/>
-          </a:fillRef>
-          <a:effectRef idx="0">
-            <a:schemeClr val="accent1"/>
-          </a:effectRef>
-          <a:fontRef idx="minor">
-            <a:schemeClr val="lt1"/>
-          </a:fontRef>
-        </p:style>
-        <p:txBody>
-          <a:bodyPr rtlCol="0" anchor="ctr"/>
-          <a:lstStyle/>
-          <a:p>
-            <a:pPr algn="ctr"/>
-            <a:r>
-              <a:rPr lang="en-US" sz="1800" dirty="0" smtClean="0">
-                <a:solidFill>
-                  <a:srgbClr val="73626E"/>
-                </a:solidFill>
-                <a:latin typeface="Corbel" charset="0"/>
-                <a:ea typeface="Corbel" charset="0"/>
-                <a:cs typeface="Corbel" charset="0"/>
-              </a:rPr>
-              <a:t>Tool</a:t>
-            </a:r>
-            <a:endParaRPr lang="en-US" sz="1800" dirty="0">
-              <a:solidFill>
-                <a:srgbClr val="73626E"/>
-              </a:solidFill>
-              <a:latin typeface="Corbel" charset="0"/>
-              <a:ea typeface="Corbel" charset="0"/>
-              <a:cs typeface="Corbel" charset="0"/>
-            </a:endParaRPr>
-          </a:p>
-        </p:txBody>
-      </p:sp>
-      <p:sp>
-        <p:nvSpPr>
-          <p:cNvPr id="105" name="Rectangle 104"/>
-          <p:cNvSpPr/>
-          <p:nvPr/>
-        </p:nvSpPr>
-        <p:spPr>
-          <a:xfrm>
-            <a:off x="9017362" y="8029016"/>
-            <a:ext cx="685800" cy="685800"/>
-          </a:xfrm>
-          <a:prstGeom prst="rect">
-            <a:avLst/>
-          </a:prstGeom>
-          <a:solidFill>
-            <a:schemeClr val="bg1">
-              <a:lumMod val="85000"/>
-            </a:schemeClr>
-          </a:solidFill>
-          <a:ln>
-            <a:noFill/>
-          </a:ln>
-        </p:spPr>
-        <p:style>
-          <a:lnRef idx="2">
-            <a:schemeClr val="accent1">
-              <a:shade val="50000"/>
-            </a:schemeClr>
-          </a:lnRef>
-          <a:fillRef idx="1">
-            <a:schemeClr val="accent1"/>
-          </a:fillRef>
-          <a:effectRef idx="0">
-            <a:schemeClr val="accent1"/>
-          </a:effectRef>
-          <a:fontRef idx="minor">
-            <a:schemeClr val="lt1"/>
-          </a:fontRef>
-        </p:style>
-        <p:txBody>
-          <a:bodyPr rtlCol="0" anchor="ctr"/>
-          <a:lstStyle/>
-          <a:p>
-            <a:pPr algn="ctr"/>
-            <a:r>
-              <a:rPr lang="en-US" sz="1800" smtClean="0">
-                <a:solidFill>
-                  <a:srgbClr val="73626E"/>
-                </a:solidFill>
-                <a:latin typeface="Corbel" charset="0"/>
-                <a:ea typeface="Corbel" charset="0"/>
-                <a:cs typeface="Corbel" charset="0"/>
-              </a:rPr>
-              <a:t>Tool</a:t>
-            </a:r>
-            <a:endParaRPr lang="en-US" sz="1800" dirty="0">
-              <a:solidFill>
-                <a:srgbClr val="73626E"/>
-              </a:solidFill>
-              <a:latin typeface="Corbel" charset="0"/>
-              <a:ea typeface="Corbel" charset="0"/>
-              <a:cs typeface="Corbel" charset="0"/>
-            </a:endParaRPr>
-          </a:p>
-        </p:txBody>
-      </p:sp>
-      <p:sp>
-        <p:nvSpPr>
-          <p:cNvPr id="106" name="Rectangle 105"/>
-          <p:cNvSpPr/>
-          <p:nvPr/>
-        </p:nvSpPr>
-        <p:spPr>
-          <a:xfrm>
-            <a:off x="9017361" y="8821104"/>
-            <a:ext cx="685800" cy="685800"/>
-          </a:xfrm>
-          <a:prstGeom prst="rect">
-            <a:avLst/>
-          </a:prstGeom>
-          <a:solidFill>
-            <a:schemeClr val="bg1">
-              <a:lumMod val="85000"/>
-            </a:schemeClr>
-          </a:solidFill>
-          <a:ln>
-            <a:noFill/>
-          </a:ln>
-        </p:spPr>
-        <p:style>
-          <a:lnRef idx="2">
-            <a:schemeClr val="accent1">
-              <a:shade val="50000"/>
-            </a:schemeClr>
-          </a:lnRef>
-          <a:fillRef idx="1">
-            <a:schemeClr val="accent1"/>
-          </a:fillRef>
-          <a:effectRef idx="0">
-            <a:schemeClr val="accent1"/>
-          </a:effectRef>
-          <a:fontRef idx="minor">
-            <a:schemeClr val="lt1"/>
-          </a:fontRef>
-        </p:style>
-        <p:txBody>
-          <a:bodyPr rtlCol="0" anchor="ctr"/>
-          <a:lstStyle/>
-          <a:p>
-            <a:pPr algn="ctr"/>
-            <a:r>
-              <a:rPr lang="en-US" sz="1800" smtClean="0">
-                <a:solidFill>
-                  <a:srgbClr val="73626E"/>
-                </a:solidFill>
-                <a:latin typeface="Corbel" charset="0"/>
-                <a:ea typeface="Corbel" charset="0"/>
-                <a:cs typeface="Corbel" charset="0"/>
-              </a:rPr>
-              <a:t>Tool</a:t>
-            </a:r>
-            <a:endParaRPr lang="en-US" sz="1800" dirty="0">
-              <a:solidFill>
-                <a:srgbClr val="73626E"/>
-              </a:solidFill>
-              <a:latin typeface="Corbel" charset="0"/>
-              <a:ea typeface="Corbel" charset="0"/>
-              <a:cs typeface="Corbel" charset="0"/>
-            </a:endParaRPr>
-          </a:p>
-        </p:txBody>
-      </p:sp>
-      <p:cxnSp>
-        <p:nvCxnSpPr>
-          <p:cNvPr id="109" name="Straight Arrow Connector 108"/>
-          <p:cNvCxnSpPr>
-            <a:stCxn id="97" idx="3"/>
-          </p:cNvCxnSpPr>
-          <p:nvPr/>
-        </p:nvCxnSpPr>
-        <p:spPr>
-          <a:xfrm>
-            <a:off x="4578389" y="8389056"/>
-            <a:ext cx="481982" cy="0"/>
-          </a:xfrm>
-          <a:prstGeom prst="straightConnector1">
-            <a:avLst/>
-          </a:prstGeom>
-          <a:ln w="25400">
-            <a:solidFill>
-              <a:schemeClr val="bg1">
-                <a:lumMod val="85000"/>
-              </a:schemeClr>
-            </a:solidFill>
-            <a:headEnd type="arrow" w="sm" len="sm"/>
-            <a:tailEnd type="none" w="med" len="med"/>
-          </a:ln>
-        </p:spPr>
-        <p:style>
-          <a:lnRef idx="1">
-            <a:schemeClr val="accent1"/>
-          </a:lnRef>
-          <a:fillRef idx="0">
-            <a:schemeClr val="accent1"/>
-          </a:fillRef>
-          <a:effectRef idx="0">
-            <a:schemeClr val="accent1"/>
-          </a:effectRef>
-          <a:fontRef idx="minor">
-            <a:schemeClr val="tx1"/>
-          </a:fontRef>
-        </p:style>
-      </p:cxnSp>
-      <p:cxnSp>
-        <p:nvCxnSpPr>
-          <p:cNvPr id="126" name="Elbow Connector 125"/>
-          <p:cNvCxnSpPr>
-            <a:stCxn id="100" idx="3"/>
-            <a:endCxn id="102" idx="1"/>
-          </p:cNvCxnSpPr>
-          <p:nvPr/>
-        </p:nvCxnSpPr>
-        <p:spPr>
-          <a:xfrm>
-            <a:off x="7004586" y="8836520"/>
-            <a:ext cx="394320" cy="327484"/>
-          </a:xfrm>
-          <a:prstGeom prst="bentConnector3">
-            <a:avLst>
-              <a:gd name="adj1" fmla="val 50000"/>
-            </a:avLst>
-          </a:prstGeom>
-          <a:ln w="25400">
-            <a:solidFill>
-              <a:schemeClr val="bg1">
-                <a:lumMod val="85000"/>
-              </a:schemeClr>
-            </a:solidFill>
-            <a:tailEnd type="arrow" w="sm" len="sm"/>
-          </a:ln>
-        </p:spPr>
-        <p:style>
-          <a:lnRef idx="1">
-            <a:schemeClr val="accent1"/>
-          </a:lnRef>
-          <a:fillRef idx="0">
-            <a:schemeClr val="accent1"/>
-          </a:fillRef>
-          <a:effectRef idx="0">
-            <a:schemeClr val="accent1"/>
-          </a:effectRef>
-          <a:fontRef idx="minor">
-            <a:schemeClr val="tx1"/>
-          </a:fontRef>
-        </p:style>
-      </p:cxnSp>
-      <p:cxnSp>
-        <p:nvCxnSpPr>
-          <p:cNvPr id="152" name="Straight Arrow Connector 151"/>
-          <p:cNvCxnSpPr>
-            <a:stCxn id="106" idx="1"/>
-            <a:endCxn id="102" idx="3"/>
-          </p:cNvCxnSpPr>
-          <p:nvPr/>
-        </p:nvCxnSpPr>
-        <p:spPr>
-          <a:xfrm flipH="1">
-            <a:off x="8551034" y="9164004"/>
-            <a:ext cx="466327" cy="0"/>
-          </a:xfrm>
-          <a:prstGeom prst="straightConnector1">
-            <a:avLst/>
-          </a:prstGeom>
-          <a:ln w="25400">
-            <a:solidFill>
-              <a:schemeClr val="bg1">
-                <a:lumMod val="85000"/>
-              </a:schemeClr>
-            </a:solidFill>
-            <a:headEnd type="arrow" w="sm" len="sm"/>
-            <a:tailEnd type="arrow" w="sm" len="sm"/>
-          </a:ln>
-        </p:spPr>
-        <p:style>
-          <a:lnRef idx="1">
-            <a:schemeClr val="accent1"/>
-          </a:lnRef>
-          <a:fillRef idx="0">
-            <a:schemeClr val="accent1"/>
-          </a:fillRef>
-          <a:effectRef idx="0">
-            <a:schemeClr val="accent1"/>
-          </a:effectRef>
-          <a:fontRef idx="minor">
-            <a:schemeClr val="tx1"/>
-          </a:fontRef>
-        </p:style>
-      </p:cxnSp>
-      <p:sp>
-        <p:nvSpPr>
-          <p:cNvPr id="21" name="Rounded Rectangle 20"/>
-          <p:cNvSpPr/>
-          <p:nvPr/>
-        </p:nvSpPr>
-        <p:spPr>
-          <a:xfrm>
-            <a:off x="5886738" y="9829216"/>
-            <a:ext cx="3888432" cy="1656184"/>
-          </a:xfrm>
-          <a:prstGeom prst="roundRect">
-            <a:avLst/>
-          </a:prstGeom>
-          <a:solidFill>
-            <a:schemeClr val="bg1">
-              <a:lumMod val="85000"/>
-            </a:schemeClr>
-          </a:solidFill>
-          <a:ln>
-            <a:noFill/>
-          </a:ln>
-        </p:spPr>
-        <p:style>
-          <a:lnRef idx="2">
-            <a:schemeClr val="accent1">
-              <a:shade val="50000"/>
-            </a:schemeClr>
-          </a:lnRef>
-          <a:fillRef idx="1">
-            <a:schemeClr val="accent1"/>
-          </a:fillRef>
-          <a:effectRef idx="0">
-            <a:schemeClr val="accent1"/>
-          </a:effectRef>
-          <a:fontRef idx="minor">
-            <a:schemeClr val="lt1"/>
-          </a:fontRef>
-        </p:style>
-        <p:txBody>
-          <a:bodyPr rtlCol="0" anchor="ctr"/>
-          <a:lstStyle/>
-          <a:p>
-            <a:pPr algn="ctr"/>
-            <a:endParaRPr lang="en-US"/>
-          </a:p>
-        </p:txBody>
-      </p:sp>
-      <p:sp>
-        <p:nvSpPr>
-          <p:cNvPr id="171" name="TextBox 170"/>
-          <p:cNvSpPr txBox="1"/>
-          <p:nvPr/>
-        </p:nvSpPr>
-        <p:spPr>
-          <a:xfrm>
-            <a:off x="2354967" y="10110107"/>
-            <a:ext cx="2664296" cy="1123712"/>
-          </a:xfrm>
-          <a:prstGeom prst="roundRect">
-            <a:avLst/>
-          </a:prstGeom>
-          <a:solidFill>
-            <a:schemeClr val="bg1">
-              <a:lumMod val="85000"/>
-            </a:schemeClr>
-          </a:solidFill>
-        </p:spPr>
-        <p:txBody>
-          <a:bodyPr wrap="square" rtlCol="0">
-            <a:spAutoFit/>
-          </a:bodyPr>
-          <a:lstStyle/>
-          <a:p>
-            <a:pPr algn="ctr"/>
-            <a:r>
-              <a:rPr lang="en-US" sz="2000" b="1" dirty="0" smtClean="0">
-                <a:solidFill>
-                  <a:srgbClr val="73626E"/>
-                </a:solidFill>
-                <a:latin typeface="Corbel" charset="0"/>
-                <a:ea typeface="Corbel" charset="0"/>
-                <a:cs typeface="Corbel" charset="0"/>
-              </a:rPr>
-              <a:t>{ Submit 📮 }</a:t>
-            </a:r>
-          </a:p>
-          <a:p>
-            <a:pPr marL="342900" indent="-342900">
-              <a:buFont typeface="Arial" charset="0"/>
-              <a:buChar char="•"/>
-            </a:pPr>
-            <a:r>
-              <a:rPr lang="en-US" sz="2000" dirty="0" smtClean="0">
-                <a:solidFill>
-                  <a:srgbClr val="73626E"/>
-                </a:solidFill>
-                <a:latin typeface="Corbel" charset="0"/>
-                <a:ea typeface="Corbel" charset="0"/>
-                <a:cs typeface="Corbel" charset="0"/>
-              </a:rPr>
-              <a:t>Deposit files</a:t>
-            </a:r>
-          </a:p>
-          <a:p>
-            <a:pPr marL="342900" indent="-342900">
-              <a:buFont typeface="Arial" charset="0"/>
-              <a:buChar char="•"/>
-            </a:pPr>
-            <a:r>
-              <a:rPr lang="en-US" sz="2000" dirty="0" smtClean="0">
-                <a:solidFill>
-                  <a:srgbClr val="73626E"/>
-                </a:solidFill>
-                <a:latin typeface="Corbel" charset="0"/>
-                <a:ea typeface="Corbel" charset="0"/>
-                <a:cs typeface="Corbel" charset="0"/>
-              </a:rPr>
-              <a:t>Review deposits</a:t>
-            </a:r>
-          </a:p>
-        </p:txBody>
-      </p:sp>
-      <p:sp>
-        <p:nvSpPr>
-          <p:cNvPr id="172" name="TextBox 171"/>
-          <p:cNvSpPr txBox="1"/>
-          <p:nvPr/>
-        </p:nvSpPr>
-        <p:spPr>
-          <a:xfrm>
-            <a:off x="6030754" y="10333272"/>
-            <a:ext cx="3672408" cy="1123712"/>
-          </a:xfrm>
-          <a:prstGeom prst="roundRect">
-            <a:avLst/>
-          </a:prstGeom>
-          <a:noFill/>
-        </p:spPr>
-        <p:txBody>
-          <a:bodyPr wrap="square" numCol="2" rtlCol="0">
-            <a:spAutoFit/>
-          </a:bodyPr>
-          <a:lstStyle/>
-          <a:p>
-            <a:pPr marL="342900" indent="-342900">
-              <a:buFont typeface="Arial" charset="0"/>
-              <a:buChar char="•"/>
-            </a:pPr>
-            <a:r>
-              <a:rPr lang="en-US" sz="2000" dirty="0" smtClean="0">
-                <a:solidFill>
-                  <a:srgbClr val="73626E"/>
-                </a:solidFill>
-                <a:latin typeface="Corbel" charset="0"/>
-                <a:ea typeface="Corbel" charset="0"/>
-                <a:cs typeface="Corbel" charset="0"/>
-              </a:rPr>
-              <a:t>Catalog</a:t>
-            </a:r>
-            <a:endParaRPr lang="en-US" sz="2000" dirty="0" smtClean="0">
-              <a:solidFill>
-                <a:srgbClr val="73626E"/>
-              </a:solidFill>
-              <a:latin typeface="Corbel" charset="0"/>
-              <a:ea typeface="Corbel" charset="0"/>
-              <a:cs typeface="Corbel" charset="0"/>
-            </a:endParaRPr>
-          </a:p>
-          <a:p>
-            <a:pPr marL="342900" indent="-342900">
-              <a:buFont typeface="Arial" charset="0"/>
-              <a:buChar char="•"/>
-            </a:pPr>
-            <a:r>
-              <a:rPr lang="en-US" sz="2000" dirty="0" smtClean="0">
-                <a:solidFill>
-                  <a:srgbClr val="73626E"/>
-                </a:solidFill>
-                <a:latin typeface="Corbel" charset="0"/>
-                <a:ea typeface="Corbel" charset="0"/>
-                <a:cs typeface="Corbel" charset="0"/>
-              </a:rPr>
-              <a:t>Transcribe</a:t>
-            </a:r>
-          </a:p>
-          <a:p>
-            <a:pPr marL="342900" indent="-342900">
-              <a:buFont typeface="Arial" charset="0"/>
-              <a:buChar char="•"/>
-            </a:pPr>
-            <a:r>
-              <a:rPr lang="en-US" sz="2000" dirty="0" smtClean="0">
-                <a:solidFill>
-                  <a:srgbClr val="73626E"/>
-                </a:solidFill>
-                <a:latin typeface="Corbel" charset="0"/>
-                <a:ea typeface="Corbel" charset="0"/>
-                <a:cs typeface="Corbel" charset="0"/>
-              </a:rPr>
-              <a:t>Encode</a:t>
-            </a:r>
-            <a:endParaRPr lang="en-US" sz="2000" dirty="0" smtClean="0">
-              <a:solidFill>
-                <a:srgbClr val="73626E"/>
-              </a:solidFill>
-              <a:latin typeface="Corbel" charset="0"/>
-              <a:ea typeface="Corbel" charset="0"/>
-              <a:cs typeface="Corbel" charset="0"/>
-            </a:endParaRPr>
-          </a:p>
-          <a:p>
-            <a:pPr marL="342900" indent="-342900">
-              <a:buFont typeface="Arial" charset="0"/>
-              <a:buChar char="•"/>
-            </a:pPr>
-            <a:r>
-              <a:rPr lang="en-US" sz="2000" dirty="0" smtClean="0">
-                <a:solidFill>
-                  <a:srgbClr val="73626E"/>
-                </a:solidFill>
-                <a:latin typeface="Corbel" charset="0"/>
-                <a:ea typeface="Corbel" charset="0"/>
-                <a:cs typeface="Corbel" charset="0"/>
-              </a:rPr>
-              <a:t>Translate</a:t>
-            </a:r>
-          </a:p>
-          <a:p>
-            <a:pPr marL="342900" indent="-342900">
-              <a:buFont typeface="Arial" charset="0"/>
-              <a:buChar char="•"/>
-            </a:pPr>
-            <a:r>
-              <a:rPr lang="en-US" sz="2000" dirty="0" smtClean="0">
-                <a:solidFill>
-                  <a:srgbClr val="73626E"/>
-                </a:solidFill>
-                <a:latin typeface="Corbel" charset="0"/>
-                <a:ea typeface="Corbel" charset="0"/>
-                <a:cs typeface="Corbel" charset="0"/>
-              </a:rPr>
-              <a:t>Transliterate</a:t>
-            </a:r>
-            <a:endParaRPr lang="en-US" sz="2000" dirty="0">
-              <a:solidFill>
-                <a:srgbClr val="73626E"/>
-              </a:solidFill>
-              <a:latin typeface="Corbel" charset="0"/>
-              <a:ea typeface="Corbel" charset="0"/>
-              <a:cs typeface="Corbel" charset="0"/>
-            </a:endParaRPr>
-          </a:p>
-        </p:txBody>
-      </p:sp>
       <p:pic>
         <p:nvPicPr>
-          <p:cNvPr id="190" name="Picture 189"/>
+          <p:cNvPr id="107" name="Picture 106"/>
           <p:cNvPicPr>
             <a:picLocks noChangeAspect="1"/>
           </p:cNvPicPr>
           <p:nvPr/>
         </p:nvPicPr>
-        <p:blipFill>
-          <a:blip r:embed="rId5">
-            <a:extLst>
-              <a:ext uri="{28A0092B-C50C-407E-A947-70E740481C1C}">
-                <a14:useLocalDpi xmlns:a14="http://schemas.microsoft.com/office/drawing/2010/main" val="0"/>
-              </a:ext>
-            </a:extLst>
-          </a:blip>
-          <a:stretch>
-            <a:fillRect/>
-          </a:stretch>
-        </p:blipFill>
-        <p:spPr>
-          <a:xfrm>
-            <a:off x="3870514" y="9109136"/>
-            <a:ext cx="707875" cy="576064"/>
-          </a:xfrm>
-          <a:prstGeom prst="rect">
-            <a:avLst/>
-          </a:prstGeom>
-          <a:ln>
-            <a:noFill/>
-          </a:ln>
-        </p:spPr>
-      </p:pic>
-      <p:cxnSp>
-        <p:nvCxnSpPr>
-          <p:cNvPr id="196" name="Straight Arrow Connector 195"/>
-          <p:cNvCxnSpPr>
-            <a:stCxn id="190" idx="3"/>
-          </p:cNvCxnSpPr>
-          <p:nvPr/>
-        </p:nvCxnSpPr>
-        <p:spPr>
-          <a:xfrm>
-            <a:off x="4578389" y="9397168"/>
-            <a:ext cx="384450" cy="0"/>
-          </a:xfrm>
-          <a:prstGeom prst="straightConnector1">
-            <a:avLst/>
-          </a:prstGeom>
-          <a:ln w="25400">
-            <a:solidFill>
-              <a:schemeClr val="bg1">
-                <a:lumMod val="85000"/>
-              </a:schemeClr>
-            </a:solidFill>
-            <a:headEnd type="arrow" w="sm" len="sm"/>
-            <a:tailEnd type="none" w="med" len="med"/>
-          </a:ln>
-        </p:spPr>
-        <p:style>
-          <a:lnRef idx="1">
-            <a:schemeClr val="accent1"/>
-          </a:lnRef>
-          <a:fillRef idx="0">
-            <a:schemeClr val="accent1"/>
-          </a:fillRef>
-          <a:effectRef idx="0">
-            <a:schemeClr val="accent1"/>
-          </a:effectRef>
-          <a:fontRef idx="minor">
-            <a:schemeClr val="tx1"/>
-          </a:fontRef>
-        </p:style>
-      </p:cxnSp>
-      <p:cxnSp>
-        <p:nvCxnSpPr>
-          <p:cNvPr id="216" name="Straight Arrow Connector 215"/>
-          <p:cNvCxnSpPr/>
-          <p:nvPr/>
-        </p:nvCxnSpPr>
-        <p:spPr>
-          <a:xfrm flipH="1">
-            <a:off x="5501174" y="8386885"/>
-            <a:ext cx="457572" cy="0"/>
-          </a:xfrm>
-          <a:prstGeom prst="straightConnector1">
-            <a:avLst/>
-          </a:prstGeom>
-          <a:ln w="25400">
-            <a:solidFill>
-              <a:schemeClr val="bg1">
-                <a:lumMod val="85000"/>
-              </a:schemeClr>
-            </a:solidFill>
-            <a:headEnd type="none" w="sm" len="sm"/>
-            <a:tailEnd type="none" w="med" len="med"/>
-          </a:ln>
-        </p:spPr>
-        <p:style>
-          <a:lnRef idx="1">
-            <a:schemeClr val="accent1"/>
-          </a:lnRef>
-          <a:fillRef idx="0">
-            <a:schemeClr val="accent1"/>
-          </a:fillRef>
-          <a:effectRef idx="0">
-            <a:schemeClr val="accent1"/>
-          </a:effectRef>
-          <a:fontRef idx="minor">
-            <a:schemeClr val="tx1"/>
-          </a:fontRef>
-        </p:style>
-      </p:cxnSp>
-      <p:cxnSp>
-        <p:nvCxnSpPr>
-          <p:cNvPr id="220" name="Elbow Connector 219"/>
-          <p:cNvCxnSpPr>
-            <a:stCxn id="117" idx="3"/>
-            <a:endCxn id="100" idx="2"/>
-          </p:cNvCxnSpPr>
-          <p:nvPr/>
-        </p:nvCxnSpPr>
-        <p:spPr>
-          <a:xfrm flipV="1">
-            <a:off x="5742722" y="9179420"/>
-            <a:ext cx="918964" cy="217748"/>
-          </a:xfrm>
-          <a:prstGeom prst="bentConnector2">
-            <a:avLst/>
-          </a:prstGeom>
-          <a:ln w="25400">
-            <a:solidFill>
-              <a:schemeClr val="bg1">
-                <a:lumMod val="85000"/>
-              </a:schemeClr>
-            </a:solidFill>
-            <a:tailEnd type="arrow" w="sm" len="sm"/>
-          </a:ln>
-        </p:spPr>
-        <p:style>
-          <a:lnRef idx="1">
-            <a:schemeClr val="accent1"/>
-          </a:lnRef>
-          <a:fillRef idx="0">
-            <a:schemeClr val="accent1"/>
-          </a:fillRef>
-          <a:effectRef idx="0">
-            <a:schemeClr val="accent1"/>
-          </a:effectRef>
-          <a:fontRef idx="minor">
-            <a:schemeClr val="tx1"/>
-          </a:fontRef>
-        </p:style>
-      </p:cxnSp>
-      <p:cxnSp>
-        <p:nvCxnSpPr>
-          <p:cNvPr id="223" name="Elbow Connector 222"/>
-          <p:cNvCxnSpPr>
-            <a:stCxn id="104" idx="1"/>
-            <a:endCxn id="105" idx="1"/>
-          </p:cNvCxnSpPr>
-          <p:nvPr/>
-        </p:nvCxnSpPr>
-        <p:spPr>
-          <a:xfrm rot="10800000" flipV="1">
-            <a:off x="9017362" y="7579828"/>
-            <a:ext cx="12700" cy="792088"/>
-          </a:xfrm>
-          <a:prstGeom prst="bentConnector3">
-            <a:avLst>
-              <a:gd name="adj1" fmla="val 1974543"/>
-            </a:avLst>
-          </a:prstGeom>
-          <a:ln w="25400">
-            <a:solidFill>
-              <a:schemeClr val="bg1">
-                <a:lumMod val="85000"/>
-              </a:schemeClr>
-            </a:solidFill>
-            <a:headEnd type="arrow" w="sm" len="sm"/>
-            <a:tailEnd type="arrow" w="sm" len="sm"/>
-          </a:ln>
-        </p:spPr>
-        <p:style>
-          <a:lnRef idx="1">
-            <a:schemeClr val="accent1"/>
-          </a:lnRef>
-          <a:fillRef idx="0">
-            <a:schemeClr val="accent1"/>
-          </a:fillRef>
-          <a:effectRef idx="0">
-            <a:schemeClr val="accent1"/>
-          </a:effectRef>
-          <a:fontRef idx="minor">
-            <a:schemeClr val="tx1"/>
-          </a:fontRef>
-        </p:style>
-      </p:cxnSp>
-      <p:cxnSp>
-        <p:nvCxnSpPr>
-          <p:cNvPr id="228" name="Straight Arrow Connector 227"/>
-          <p:cNvCxnSpPr/>
-          <p:nvPr/>
-        </p:nvCxnSpPr>
-        <p:spPr>
-          <a:xfrm>
-            <a:off x="8479026" y="7957008"/>
-            <a:ext cx="288032" cy="0"/>
-          </a:xfrm>
-          <a:prstGeom prst="straightConnector1">
-            <a:avLst/>
-          </a:prstGeom>
-          <a:ln w="25400">
-            <a:solidFill>
-              <a:schemeClr val="bg1">
-                <a:lumMod val="85000"/>
-              </a:schemeClr>
-            </a:solidFill>
-            <a:headEnd type="arrow" w="sm" len="sm"/>
-            <a:tailEnd type="none" w="med" len="med"/>
-          </a:ln>
-        </p:spPr>
-        <p:style>
-          <a:lnRef idx="1">
-            <a:schemeClr val="accent1"/>
-          </a:lnRef>
-          <a:fillRef idx="0">
-            <a:schemeClr val="accent1"/>
-          </a:fillRef>
-          <a:effectRef idx="0">
-            <a:schemeClr val="accent1"/>
-          </a:effectRef>
-          <a:fontRef idx="minor">
-            <a:schemeClr val="tx1"/>
-          </a:fontRef>
-        </p:style>
-      </p:cxnSp>
-      <p:sp>
-        <p:nvSpPr>
-          <p:cNvPr id="231" name="TextBox 230"/>
-          <p:cNvSpPr txBox="1"/>
-          <p:nvPr/>
-        </p:nvSpPr>
-        <p:spPr>
-          <a:xfrm>
-            <a:off x="2214330" y="7236928"/>
-            <a:ext cx="3528392" cy="529376"/>
-          </a:xfrm>
-          <a:prstGeom prst="rect">
-            <a:avLst/>
-          </a:prstGeom>
-          <a:noFill/>
-          <a:ln w="19050">
-            <a:noFill/>
-          </a:ln>
-        </p:spPr>
-        <p:txBody>
-          <a:bodyPr wrap="square" lIns="0" tIns="18288" rIns="0" bIns="18288" rtlCol="0">
-            <a:spAutoFit/>
-          </a:bodyPr>
-          <a:lstStyle/>
-          <a:p>
-            <a:pPr algn="ctr"/>
-            <a:r>
-              <a:rPr lang="en-US" sz="1600" i="1" dirty="0" smtClean="0">
-                <a:solidFill>
-                  <a:schemeClr val="bg1">
-                    <a:lumMod val="85000"/>
-                  </a:schemeClr>
-                </a:solidFill>
-                <a:latin typeface="Corbel" charset="0"/>
-                <a:ea typeface="Corbel" charset="0"/>
-                <a:cs typeface="Corbel" charset="0"/>
-              </a:rPr>
-              <a:t>Relationships between team members, roles, tasks, interfaces, and tools</a:t>
-            </a:r>
-            <a:endParaRPr lang="en-US" sz="1600" i="1" dirty="0">
-              <a:solidFill>
-                <a:schemeClr val="bg1">
-                  <a:lumMod val="85000"/>
-                </a:schemeClr>
-              </a:solidFill>
-              <a:latin typeface="Corbel" charset="0"/>
-              <a:ea typeface="Corbel" charset="0"/>
-              <a:cs typeface="Corbel" charset="0"/>
-            </a:endParaRPr>
-          </a:p>
-        </p:txBody>
-      </p:sp>
-      <p:sp>
-        <p:nvSpPr>
-          <p:cNvPr id="2" name="TextBox 1"/>
-          <p:cNvSpPr txBox="1"/>
-          <p:nvPr/>
-        </p:nvSpPr>
-        <p:spPr>
-          <a:xfrm>
-            <a:off x="2118660" y="5682394"/>
-            <a:ext cx="184731" cy="646331"/>
-          </a:xfrm>
-          <a:prstGeom prst="rect">
-            <a:avLst/>
-          </a:prstGeom>
-          <a:noFill/>
-        </p:spPr>
-        <p:txBody>
-          <a:bodyPr wrap="none" rtlCol="0">
-            <a:spAutoFit/>
-          </a:bodyPr>
-          <a:lstStyle/>
-          <a:p>
-            <a:endParaRPr lang="en-US" dirty="0">
-              <a:latin typeface="Corbel" charset="0"/>
-              <a:ea typeface="Corbel" charset="0"/>
-              <a:cs typeface="Corbel" charset="0"/>
-            </a:endParaRPr>
-          </a:p>
-        </p:txBody>
-      </p:sp>
-      <p:sp>
-        <p:nvSpPr>
-          <p:cNvPr id="85" name="Arc 84"/>
-          <p:cNvSpPr/>
-          <p:nvPr/>
-        </p:nvSpPr>
-        <p:spPr>
-          <a:xfrm rot="10800000" flipV="1">
-            <a:off x="1256655" y="13178035"/>
-            <a:ext cx="288032" cy="2814617"/>
-          </a:xfrm>
-          <a:prstGeom prst="arc">
-            <a:avLst>
-              <a:gd name="adj1" fmla="val 16200000"/>
-              <a:gd name="adj2" fmla="val 21319761"/>
-            </a:avLst>
-          </a:prstGeom>
-          <a:ln w="53975">
-            <a:solidFill>
-              <a:schemeClr val="bg1">
-                <a:lumMod val="85000"/>
-              </a:schemeClr>
-            </a:solidFill>
-            <a:tailEnd type="arrow" w="med" len="med"/>
-          </a:ln>
-        </p:spPr>
-        <p:style>
-          <a:lnRef idx="1">
-            <a:schemeClr val="accent1"/>
-          </a:lnRef>
-          <a:fillRef idx="0">
-            <a:schemeClr val="accent1"/>
-          </a:fillRef>
-          <a:effectRef idx="0">
-            <a:schemeClr val="accent1"/>
-          </a:effectRef>
-          <a:fontRef idx="minor">
-            <a:schemeClr val="tx1"/>
-          </a:fontRef>
-        </p:style>
-        <p:txBody>
-          <a:bodyPr rtlCol="0" anchor="ctr"/>
-          <a:lstStyle/>
-          <a:p>
-            <a:pPr algn="ctr"/>
-            <a:endParaRPr lang="en-US">
-              <a:latin typeface="Corbel" charset="0"/>
-              <a:ea typeface="Corbel" charset="0"/>
-              <a:cs typeface="Corbel" charset="0"/>
-            </a:endParaRPr>
-          </a:p>
-        </p:txBody>
-      </p:sp>
-      <p:sp>
-        <p:nvSpPr>
-          <p:cNvPr id="90" name="Arc 89"/>
-          <p:cNvSpPr/>
-          <p:nvPr/>
-        </p:nvSpPr>
-        <p:spPr>
-          <a:xfrm rot="9817432" flipH="1" flipV="1">
-            <a:off x="1250004" y="13081563"/>
-            <a:ext cx="637672" cy="2087776"/>
-          </a:xfrm>
-          <a:prstGeom prst="arc">
-            <a:avLst>
-              <a:gd name="adj1" fmla="val 16200000"/>
-              <a:gd name="adj2" fmla="val 21319761"/>
-            </a:avLst>
-          </a:prstGeom>
-          <a:ln w="53975">
-            <a:solidFill>
-              <a:schemeClr val="bg1">
-                <a:lumMod val="85000"/>
-              </a:schemeClr>
-            </a:solidFill>
-            <a:tailEnd type="arrow" w="med" len="med"/>
-          </a:ln>
-        </p:spPr>
-        <p:style>
-          <a:lnRef idx="1">
-            <a:schemeClr val="accent1"/>
-          </a:lnRef>
-          <a:fillRef idx="0">
-            <a:schemeClr val="accent1"/>
-          </a:fillRef>
-          <a:effectRef idx="0">
-            <a:schemeClr val="accent1"/>
-          </a:effectRef>
-          <a:fontRef idx="minor">
-            <a:schemeClr val="tx1"/>
-          </a:fontRef>
-        </p:style>
-        <p:txBody>
-          <a:bodyPr rtlCol="0" anchor="ctr"/>
-          <a:lstStyle/>
-          <a:p>
-            <a:pPr algn="ctr"/>
-            <a:endParaRPr lang="en-US">
-              <a:latin typeface="Corbel" charset="0"/>
-              <a:ea typeface="Corbel" charset="0"/>
-              <a:cs typeface="Corbel" charset="0"/>
-            </a:endParaRPr>
-          </a:p>
-        </p:txBody>
-      </p:sp>
-      <p:sp>
-        <p:nvSpPr>
-          <p:cNvPr id="91" name="Arc 90"/>
-          <p:cNvSpPr/>
-          <p:nvPr/>
-        </p:nvSpPr>
-        <p:spPr>
-          <a:xfrm rot="10800000" flipH="1" flipV="1">
-            <a:off x="72008" y="13178035"/>
-            <a:ext cx="2016224" cy="1584177"/>
-          </a:xfrm>
-          <a:prstGeom prst="arc">
-            <a:avLst>
-              <a:gd name="adj1" fmla="val 16200000"/>
-              <a:gd name="adj2" fmla="val 21319761"/>
-            </a:avLst>
-          </a:prstGeom>
-          <a:ln w="53975">
-            <a:solidFill>
-              <a:schemeClr val="bg1">
-                <a:lumMod val="85000"/>
-              </a:schemeClr>
-            </a:solidFill>
-            <a:tailEnd type="arrow" w="med" len="med"/>
-          </a:ln>
-        </p:spPr>
-        <p:style>
-          <a:lnRef idx="1">
-            <a:schemeClr val="accent1"/>
-          </a:lnRef>
-          <a:fillRef idx="0">
-            <a:schemeClr val="accent1"/>
-          </a:fillRef>
-          <a:effectRef idx="0">
-            <a:schemeClr val="accent1"/>
-          </a:effectRef>
-          <a:fontRef idx="minor">
-            <a:schemeClr val="tx1"/>
-          </a:fontRef>
-        </p:style>
-        <p:txBody>
-          <a:bodyPr rtlCol="0" anchor="ctr"/>
-          <a:lstStyle/>
-          <a:p>
-            <a:pPr algn="ctr"/>
-            <a:endParaRPr lang="en-US">
-              <a:latin typeface="Corbel" charset="0"/>
-              <a:ea typeface="Corbel" charset="0"/>
-              <a:cs typeface="Corbel" charset="0"/>
-            </a:endParaRPr>
-          </a:p>
-        </p:txBody>
-      </p:sp>
-      <p:sp>
-        <p:nvSpPr>
-          <p:cNvPr id="92" name="Arc 91"/>
-          <p:cNvSpPr/>
-          <p:nvPr/>
-        </p:nvSpPr>
-        <p:spPr>
-          <a:xfrm rot="10800000" flipH="1" flipV="1">
-            <a:off x="1112639" y="13106027"/>
-            <a:ext cx="432048" cy="2304257"/>
-          </a:xfrm>
-          <a:prstGeom prst="arc">
-            <a:avLst>
-              <a:gd name="adj1" fmla="val 16200000"/>
-              <a:gd name="adj2" fmla="val 21319761"/>
-            </a:avLst>
-          </a:prstGeom>
-          <a:ln w="53975">
-            <a:solidFill>
-              <a:schemeClr val="bg1">
-                <a:lumMod val="85000"/>
-              </a:schemeClr>
-            </a:solidFill>
-            <a:tailEnd type="arrow" w="med" len="med"/>
-          </a:ln>
-        </p:spPr>
-        <p:style>
-          <a:lnRef idx="1">
-            <a:schemeClr val="accent1"/>
-          </a:lnRef>
-          <a:fillRef idx="0">
-            <a:schemeClr val="accent1"/>
-          </a:fillRef>
-          <a:effectRef idx="0">
-            <a:schemeClr val="accent1"/>
-          </a:effectRef>
-          <a:fontRef idx="minor">
-            <a:schemeClr val="tx1"/>
-          </a:fontRef>
-        </p:style>
-        <p:txBody>
-          <a:bodyPr rtlCol="0" anchor="ctr"/>
-          <a:lstStyle/>
-          <a:p>
-            <a:pPr algn="ctr"/>
-            <a:endParaRPr lang="en-US">
-              <a:latin typeface="Corbel" charset="0"/>
-              <a:ea typeface="Corbel" charset="0"/>
-              <a:cs typeface="Corbel" charset="0"/>
-            </a:endParaRPr>
-          </a:p>
-        </p:txBody>
-      </p:sp>
-      <p:pic>
-        <p:nvPicPr>
-          <p:cNvPr id="96" name="Picture 95"/>
-          <p:cNvPicPr>
-            <a:picLocks noChangeAspect="1"/>
-          </p:cNvPicPr>
-          <p:nvPr/>
-        </p:nvPicPr>
-        <p:blipFill>
+        <p:blipFill rotWithShape="1">
           <a:blip r:embed="rId6">
             <a:extLst>
               <a:ext uri="{28A0092B-C50C-407E-A947-70E740481C1C}">
@@ -7802,23 +7885,62 @@
               </a:ext>
             </a:extLst>
           </a:blip>
-          <a:stretch>
-            <a:fillRect/>
-          </a:stretch>
+          <a:srcRect r="73359" b="5290"/>
+          <a:stretch/>
         </p:blipFill>
         <p:spPr>
           <a:xfrm>
-            <a:off x="2672178" y="5113139"/>
-            <a:ext cx="1188133" cy="432048"/>
+            <a:off x="2192759" y="5185147"/>
+            <a:ext cx="1484389" cy="1111532"/>
           </a:xfrm>
           <a:prstGeom prst="rect">
             <a:avLst/>
           </a:prstGeom>
         </p:spPr>
       </p:pic>
+      <p:sp>
+        <p:nvSpPr>
+          <p:cNvPr id="77" name="TextBox 76"/>
+          <p:cNvSpPr txBox="1"/>
+          <p:nvPr/>
+        </p:nvSpPr>
+        <p:spPr>
+          <a:xfrm rot="16200000">
+            <a:off x="-1233614" y="4795910"/>
+            <a:ext cx="3456384" cy="490442"/>
+          </a:xfrm>
+          <a:prstGeom prst="round2SameRect">
+            <a:avLst/>
+          </a:prstGeom>
+          <a:noFill/>
+          <a:ln w="19050">
+            <a:noFill/>
+          </a:ln>
+        </p:spPr>
+        <p:txBody>
+          <a:bodyPr wrap="square" lIns="0" tIns="18288" rIns="0" bIns="18288" rtlCol="0">
+            <a:spAutoFit/>
+          </a:bodyPr>
+          <a:lstStyle/>
+          <a:p>
+            <a:pPr algn="ctr"/>
+            <a:r>
+              <a:rPr lang="en-US" sz="2800" dirty="0" smtClean="0">
+                <a:solidFill>
+                  <a:srgbClr val="73626E"/>
+                </a:solidFill>
+                <a:latin typeface="Corbel" charset="0"/>
+                <a:ea typeface="Corbel" charset="0"/>
+                <a:cs typeface="Corbel" charset="0"/>
+              </a:rPr>
+              <a:t>Components</a:t>
+            </a:r>
+          </a:p>
+        </p:txBody>
+      </p:sp>
       <p:pic>
         <p:nvPicPr>
-          <p:cNvPr id="103" name="Picture 102"/>
+          <p:cNvPr id="108" name="Picture 107"/>
           <p:cNvPicPr>
             <a:picLocks noChangeAspect="1"/>
           </p:cNvPicPr>
@@ -7838,8 +7960,8 @@
         </p:blipFill>
         <p:spPr>
           <a:xfrm>
-            <a:off x="2384146" y="5617195"/>
-            <a:ext cx="1130300" cy="317500"/>
+            <a:off x="968623" y="4177035"/>
+            <a:ext cx="1368152" cy="1368152"/>
           </a:xfrm>
           <a:prstGeom prst="rect">
             <a:avLst/>
@@ -7848,13 +7970,13 @@
       </p:pic>
       <p:pic>
         <p:nvPicPr>
-          <p:cNvPr id="107" name="Picture 106"/>
+          <p:cNvPr id="110" name="Picture 109"/>
           <p:cNvPicPr>
             <a:picLocks noChangeAspect="1"/>
           </p:cNvPicPr>
           <p:nvPr/>
         </p:nvPicPr>
-        <p:blipFill rotWithShape="1">
+        <p:blipFill>
           <a:blip r:embed="rId8">
             <a:extLst>
               <a:ext uri="{28A0092B-C50C-407E-A947-70E740481C1C}">
@@ -7862,62 +7984,23 @@
               </a:ext>
             </a:extLst>
           </a:blip>
-          <a:srcRect r="73359" b="5290"/>
-          <a:stretch/>
+          <a:stretch>
+            <a:fillRect/>
+          </a:stretch>
         </p:blipFill>
         <p:spPr>
           <a:xfrm>
-            <a:off x="3824306" y="4681091"/>
-            <a:ext cx="1268365" cy="949771"/>
+            <a:off x="2480791" y="4609083"/>
+            <a:ext cx="792088" cy="519234"/>
           </a:xfrm>
           <a:prstGeom prst="rect">
             <a:avLst/>
           </a:prstGeom>
         </p:spPr>
       </p:pic>
-      <p:sp>
-        <p:nvSpPr>
-          <p:cNvPr id="77" name="TextBox 76"/>
-          <p:cNvSpPr txBox="1"/>
-          <p:nvPr/>
-        </p:nvSpPr>
-        <p:spPr>
-          <a:xfrm rot="16200000">
-            <a:off x="-1233614" y="4795910"/>
-            <a:ext cx="3456384" cy="490442"/>
-          </a:xfrm>
-          <a:prstGeom prst="round2SameRect">
-            <a:avLst/>
-          </a:prstGeom>
-          <a:noFill/>
-          <a:ln w="19050">
-            <a:noFill/>
-          </a:ln>
-        </p:spPr>
-        <p:txBody>
-          <a:bodyPr wrap="square" lIns="0" tIns="18288" rIns="0" bIns="18288" rtlCol="0">
-            <a:spAutoFit/>
-          </a:bodyPr>
-          <a:lstStyle/>
-          <a:p>
-            <a:pPr algn="ctr"/>
-            <a:r>
-              <a:rPr lang="en-US" sz="2800" dirty="0" smtClean="0">
-                <a:solidFill>
-                  <a:srgbClr val="73626E"/>
-                </a:solidFill>
-                <a:latin typeface="Corbel" charset="0"/>
-                <a:ea typeface="Corbel" charset="0"/>
-                <a:cs typeface="Corbel" charset="0"/>
-              </a:rPr>
-              <a:t>Components</a:t>
-            </a:r>
-          </a:p>
-        </p:txBody>
-      </p:sp>
       <p:pic>
         <p:nvPicPr>
-          <p:cNvPr id="108" name="Picture 107"/>
+          <p:cNvPr id="111" name="Picture 110"/>
           <p:cNvPicPr>
             <a:picLocks noChangeAspect="1"/>
           </p:cNvPicPr>
@@ -7937,17 +8020,542 @@
         </p:blipFill>
         <p:spPr>
           <a:xfrm>
-            <a:off x="1160010" y="4249043"/>
-            <a:ext cx="1080120" cy="1080120"/>
+            <a:off x="3776935" y="5329163"/>
+            <a:ext cx="1249754" cy="720080"/>
           </a:xfrm>
           <a:prstGeom prst="rect">
             <a:avLst/>
           </a:prstGeom>
         </p:spPr>
       </p:pic>
+      <p:sp>
+        <p:nvSpPr>
+          <p:cNvPr id="113" name="TextBox 112"/>
+          <p:cNvSpPr txBox="1"/>
+          <p:nvPr/>
+        </p:nvSpPr>
+        <p:spPr>
+          <a:xfrm>
+            <a:off x="4280991" y="4897115"/>
+            <a:ext cx="1025179" cy="307777"/>
+          </a:xfrm>
+          <a:prstGeom prst="rect">
+            <a:avLst/>
+          </a:prstGeom>
+          <a:noFill/>
+          <a:ln>
+            <a:noFill/>
+          </a:ln>
+        </p:spPr>
+        <p:txBody>
+          <a:bodyPr wrap="square" lIns="0" tIns="0" rIns="0" bIns="0" rtlCol="0">
+            <a:spAutoFit/>
+          </a:bodyPr>
+          <a:lstStyle/>
+          <a:p>
+            <a:r>
+              <a:rPr lang="en-US" sz="2000" dirty="0" err="1" smtClean="0">
+                <a:latin typeface="Corbel" charset="0"/>
+                <a:ea typeface="Corbel" charset="0"/>
+                <a:cs typeface="Corbel" charset="0"/>
+              </a:rPr>
+              <a:t>Kakadu</a:t>
+            </a:r>
+            <a:endParaRPr lang="en-US" sz="2000" dirty="0">
+              <a:latin typeface="Corbel" charset="0"/>
+              <a:ea typeface="Corbel" charset="0"/>
+              <a:cs typeface="Corbel" charset="0"/>
+            </a:endParaRPr>
+          </a:p>
+        </p:txBody>
+      </p:sp>
+      <p:sp>
+        <p:nvSpPr>
+          <p:cNvPr id="114" name="TextBox 113"/>
+          <p:cNvSpPr txBox="1"/>
+          <p:nvPr/>
+        </p:nvSpPr>
+        <p:spPr>
+          <a:xfrm>
+            <a:off x="969391" y="4177035"/>
+            <a:ext cx="4391719" cy="381381"/>
+          </a:xfrm>
+          <a:prstGeom prst="roundRect">
+            <a:avLst/>
+          </a:prstGeom>
+          <a:noFill/>
+          <a:ln w="19050">
+            <a:noFill/>
+          </a:ln>
+        </p:spPr>
+        <p:txBody>
+          <a:bodyPr wrap="square" lIns="0" tIns="18288" rIns="0" bIns="18288" rtlCol="0">
+            <a:spAutoFit/>
+          </a:bodyPr>
+          <a:lstStyle/>
+          <a:p>
+            <a:pPr algn="ctr"/>
+            <a:r>
+              <a:rPr lang="en-US" sz="2000" b="1" dirty="0" smtClean="0">
+                <a:solidFill>
+                  <a:srgbClr val="73626E"/>
+                </a:solidFill>
+                <a:latin typeface="Corbel" charset="0"/>
+                <a:ea typeface="Corbel" charset="0"/>
+                <a:cs typeface="Corbel" charset="0"/>
+              </a:rPr>
+              <a:t>Charon</a:t>
+            </a:r>
+          </a:p>
+        </p:txBody>
+      </p:sp>
+      <p:sp>
+        <p:nvSpPr>
+          <p:cNvPr id="117" name="Diamond 116"/>
+          <p:cNvSpPr/>
+          <p:nvPr/>
+        </p:nvSpPr>
+        <p:spPr>
+          <a:xfrm>
+            <a:off x="4878626" y="8965120"/>
+            <a:ext cx="864096" cy="864096"/>
+          </a:xfrm>
+          <a:prstGeom prst="diamond">
+            <a:avLst/>
+          </a:prstGeom>
+          <a:solidFill>
+            <a:schemeClr val="bg1">
+              <a:lumMod val="85000"/>
+            </a:schemeClr>
+          </a:solidFill>
+          <a:ln>
+            <a:noFill/>
+          </a:ln>
+        </p:spPr>
+        <p:style>
+          <a:lnRef idx="2">
+            <a:schemeClr val="accent1">
+              <a:shade val="50000"/>
+            </a:schemeClr>
+          </a:lnRef>
+          <a:fillRef idx="1">
+            <a:schemeClr val="accent1"/>
+          </a:fillRef>
+          <a:effectRef idx="0">
+            <a:schemeClr val="accent1"/>
+          </a:effectRef>
+          <a:fontRef idx="minor">
+            <a:schemeClr val="lt1"/>
+          </a:fontRef>
+        </p:style>
+        <p:txBody>
+          <a:bodyPr lIns="0" tIns="0" rIns="0" bIns="0" rtlCol="0" anchor="ctr"/>
+          <a:lstStyle/>
+          <a:p>
+            <a:pPr algn="ctr"/>
+            <a:r>
+              <a:rPr lang="en-US" sz="1800" dirty="0" smtClean="0">
+                <a:solidFill>
+                  <a:srgbClr val="73626E"/>
+                </a:solidFill>
+                <a:latin typeface="Corbel" charset="0"/>
+                <a:ea typeface="Corbel" charset="0"/>
+                <a:cs typeface="Corbel" charset="0"/>
+              </a:rPr>
+              <a:t>Role</a:t>
+            </a:r>
+            <a:endParaRPr lang="en-US" sz="1800" dirty="0">
+              <a:solidFill>
+                <a:srgbClr val="73626E"/>
+              </a:solidFill>
+              <a:latin typeface="Corbel" charset="0"/>
+              <a:ea typeface="Corbel" charset="0"/>
+              <a:cs typeface="Corbel" charset="0"/>
+            </a:endParaRPr>
+          </a:p>
+        </p:txBody>
+      </p:sp>
+      <p:cxnSp>
+        <p:nvCxnSpPr>
+          <p:cNvPr id="118" name="Elbow Connector 117"/>
+          <p:cNvCxnSpPr/>
+          <p:nvPr/>
+        </p:nvCxnSpPr>
+        <p:spPr>
+          <a:xfrm flipH="1" flipV="1">
+            <a:off x="6300498" y="7957008"/>
+            <a:ext cx="18288" cy="936104"/>
+          </a:xfrm>
+          <a:prstGeom prst="bentConnector3">
+            <a:avLst>
+              <a:gd name="adj1" fmla="val 1800000"/>
+            </a:avLst>
+          </a:prstGeom>
+          <a:ln w="25400">
+            <a:solidFill>
+              <a:schemeClr val="bg1">
+                <a:lumMod val="85000"/>
+              </a:schemeClr>
+            </a:solidFill>
+            <a:headEnd type="arrow" w="sm" len="sm"/>
+            <a:tailEnd type="arrow" w="sm" len="sm"/>
+          </a:ln>
+        </p:spPr>
+        <p:style>
+          <a:lnRef idx="1">
+            <a:schemeClr val="accent1"/>
+          </a:lnRef>
+          <a:fillRef idx="0">
+            <a:schemeClr val="accent1"/>
+          </a:fillRef>
+          <a:effectRef idx="0">
+            <a:schemeClr val="accent1"/>
+          </a:effectRef>
+          <a:fontRef idx="minor">
+            <a:schemeClr val="tx1"/>
+          </a:fontRef>
+        </p:style>
+      </p:cxnSp>
+      <p:sp>
+        <p:nvSpPr>
+          <p:cNvPr id="14" name="TextBox 13"/>
+          <p:cNvSpPr txBox="1"/>
+          <p:nvPr/>
+        </p:nvSpPr>
+        <p:spPr>
+          <a:xfrm>
+            <a:off x="6297215" y="12212870"/>
+            <a:ext cx="3600848" cy="749141"/>
+          </a:xfrm>
+          <a:prstGeom prst="roundRect">
+            <a:avLst/>
+          </a:prstGeom>
+          <a:solidFill>
+            <a:schemeClr val="bg1">
+              <a:lumMod val="85000"/>
+            </a:schemeClr>
+          </a:solidFill>
+          <a:ln>
+            <a:noFill/>
+          </a:ln>
+        </p:spPr>
+        <p:txBody>
+          <a:bodyPr wrap="square" rtlCol="0">
+            <a:spAutoFit/>
+          </a:bodyPr>
+          <a:lstStyle/>
+          <a:p>
+            <a:r>
+              <a:rPr lang="en-US" sz="2000" b="1" dirty="0" smtClean="0">
+                <a:solidFill>
+                  <a:srgbClr val="73626E"/>
+                </a:solidFill>
+                <a:latin typeface="Corbel" charset="0"/>
+                <a:ea typeface="Corbel" charset="0"/>
+                <a:cs typeface="Corbel" charset="0"/>
+              </a:rPr>
+              <a:t>Depositors</a:t>
+            </a:r>
+          </a:p>
+          <a:p>
+            <a:pPr marL="342900" indent="-342900">
+              <a:buFont typeface="Arial" charset="0"/>
+              <a:buChar char="•"/>
+            </a:pPr>
+            <a:r>
+              <a:rPr lang="en-US" sz="1800" dirty="0" smtClean="0">
+                <a:solidFill>
+                  <a:srgbClr val="73626E"/>
+                </a:solidFill>
+                <a:latin typeface="Corbel" charset="0"/>
+                <a:ea typeface="Corbel" charset="0"/>
+                <a:cs typeface="Corbel" charset="0"/>
+              </a:rPr>
+              <a:t>Contribute files and metadata</a:t>
+            </a:r>
+            <a:endParaRPr lang="en-US" sz="1800" dirty="0">
+              <a:solidFill>
+                <a:srgbClr val="73626E"/>
+              </a:solidFill>
+              <a:latin typeface="Corbel" charset="0"/>
+              <a:ea typeface="Corbel" charset="0"/>
+              <a:cs typeface="Corbel" charset="0"/>
+            </a:endParaRPr>
+          </a:p>
+        </p:txBody>
+      </p:sp>
+      <p:sp>
+        <p:nvSpPr>
+          <p:cNvPr id="83" name="TextBox 82"/>
+          <p:cNvSpPr txBox="1"/>
+          <p:nvPr/>
+        </p:nvSpPr>
+        <p:spPr>
+          <a:xfrm>
+            <a:off x="896615" y="12025907"/>
+            <a:ext cx="3528392" cy="1362075"/>
+          </a:xfrm>
+          <a:prstGeom prst="roundRect">
+            <a:avLst>
+              <a:gd name="adj" fmla="val 11073"/>
+            </a:avLst>
+          </a:prstGeom>
+          <a:solidFill>
+            <a:schemeClr val="bg1">
+              <a:lumMod val="85000"/>
+            </a:schemeClr>
+          </a:solidFill>
+          <a:ln>
+            <a:noFill/>
+          </a:ln>
+        </p:spPr>
+        <p:txBody>
+          <a:bodyPr wrap="square" rtlCol="0">
+            <a:spAutoFit/>
+          </a:bodyPr>
+          <a:lstStyle/>
+          <a:p>
+            <a:r>
+              <a:rPr lang="en-US" sz="2000" b="1" dirty="0" smtClean="0">
+                <a:solidFill>
+                  <a:srgbClr val="73626E"/>
+                </a:solidFill>
+                <a:latin typeface="Corbel" charset="0"/>
+                <a:ea typeface="Corbel" charset="0"/>
+                <a:cs typeface="Corbel" charset="0"/>
+              </a:rPr>
+              <a:t>Editors</a:t>
+            </a:r>
+          </a:p>
+          <a:p>
+            <a:pPr marL="342900" indent="-342900">
+              <a:buFont typeface="Arial" charset="0"/>
+              <a:buChar char="•"/>
+            </a:pPr>
+            <a:r>
+              <a:rPr lang="en-US" sz="1800" dirty="0" smtClean="0">
+                <a:solidFill>
+                  <a:srgbClr val="73626E"/>
+                </a:solidFill>
+                <a:latin typeface="Corbel" charset="0"/>
+                <a:ea typeface="Corbel" charset="0"/>
+                <a:cs typeface="Corbel" charset="0"/>
+              </a:rPr>
+              <a:t>Contribute files and metadata</a:t>
+            </a:r>
+          </a:p>
+          <a:p>
+            <a:pPr marL="342900" indent="-342900">
+              <a:buFont typeface="Arial" charset="0"/>
+              <a:buChar char="•"/>
+            </a:pPr>
+            <a:r>
+              <a:rPr lang="en-US" sz="1800" dirty="0" smtClean="0">
+                <a:solidFill>
+                  <a:srgbClr val="73626E"/>
+                </a:solidFill>
+                <a:latin typeface="Corbel" charset="0"/>
+                <a:ea typeface="Corbel" charset="0"/>
+                <a:cs typeface="Corbel" charset="0"/>
+              </a:rPr>
+              <a:t>Claim and execute tasks</a:t>
+            </a:r>
+          </a:p>
+          <a:p>
+            <a:pPr marL="342900" indent="-342900">
+              <a:buFont typeface="Arial" charset="0"/>
+              <a:buChar char="•"/>
+            </a:pPr>
+            <a:r>
+              <a:rPr lang="en-US" sz="1800" dirty="0" smtClean="0">
+                <a:solidFill>
+                  <a:srgbClr val="73626E"/>
+                </a:solidFill>
+                <a:latin typeface="Corbel" charset="0"/>
+                <a:ea typeface="Corbel" charset="0"/>
+                <a:cs typeface="Corbel" charset="0"/>
+              </a:rPr>
+              <a:t>Accept and reject deposits</a:t>
+            </a:r>
+            <a:endParaRPr lang="en-US" sz="1800" dirty="0">
+              <a:solidFill>
+                <a:srgbClr val="73626E"/>
+              </a:solidFill>
+              <a:latin typeface="Corbel" charset="0"/>
+              <a:ea typeface="Corbel" charset="0"/>
+              <a:cs typeface="Corbel" charset="0"/>
+            </a:endParaRPr>
+          </a:p>
+        </p:txBody>
+      </p:sp>
+      <p:sp>
+        <p:nvSpPr>
+          <p:cNvPr id="13" name="TextBox 12"/>
+          <p:cNvSpPr txBox="1"/>
+          <p:nvPr/>
+        </p:nvSpPr>
+        <p:spPr>
+          <a:xfrm>
+            <a:off x="6030754" y="9901224"/>
+            <a:ext cx="3672408" cy="442674"/>
+          </a:xfrm>
+          <a:prstGeom prst="roundRect">
+            <a:avLst/>
+          </a:prstGeom>
+          <a:solidFill>
+            <a:schemeClr val="bg1">
+              <a:lumMod val="85000"/>
+            </a:schemeClr>
+          </a:solidFill>
+        </p:spPr>
+        <p:txBody>
+          <a:bodyPr wrap="square" rtlCol="0">
+            <a:spAutoFit/>
+          </a:bodyPr>
+          <a:lstStyle/>
+          <a:p>
+            <a:pPr algn="ctr"/>
+            <a:r>
+              <a:rPr lang="en-US" sz="2000" b="1" dirty="0">
+                <a:solidFill>
+                  <a:srgbClr val="73626E"/>
+                </a:solidFill>
+                <a:latin typeface="Corbel" charset="0"/>
+                <a:ea typeface="Corbel" charset="0"/>
+                <a:cs typeface="Corbel" charset="0"/>
+              </a:rPr>
+              <a:t>{ </a:t>
+            </a:r>
+            <a:r>
+              <a:rPr lang="en-US" sz="2000" b="1" dirty="0" smtClean="0">
+                <a:solidFill>
+                  <a:srgbClr val="73626E"/>
+                </a:solidFill>
+                <a:latin typeface="Corbel" charset="0"/>
+                <a:ea typeface="Corbel" charset="0"/>
+                <a:cs typeface="Corbel" charset="0"/>
+              </a:rPr>
+              <a:t>Edit ✏️ }</a:t>
+            </a:r>
+            <a:endParaRPr lang="en-US" sz="2000" b="1" dirty="0">
+              <a:solidFill>
+                <a:srgbClr val="73626E"/>
+              </a:solidFill>
+              <a:latin typeface="Corbel" charset="0"/>
+              <a:ea typeface="Corbel" charset="0"/>
+              <a:cs typeface="Corbel" charset="0"/>
+            </a:endParaRPr>
+          </a:p>
+        </p:txBody>
+      </p:sp>
+      <p:sp>
+        <p:nvSpPr>
+          <p:cNvPr id="98" name="Diamond 97"/>
+          <p:cNvSpPr/>
+          <p:nvPr/>
+        </p:nvSpPr>
+        <p:spPr>
+          <a:xfrm>
+            <a:off x="4878626" y="7957008"/>
+            <a:ext cx="864096" cy="864096"/>
+          </a:xfrm>
+          <a:prstGeom prst="diamond">
+            <a:avLst/>
+          </a:prstGeom>
+          <a:solidFill>
+            <a:schemeClr val="bg1">
+              <a:lumMod val="85000"/>
+            </a:schemeClr>
+          </a:solidFill>
+          <a:ln>
+            <a:noFill/>
+          </a:ln>
+        </p:spPr>
+        <p:style>
+          <a:lnRef idx="2">
+            <a:schemeClr val="accent1">
+              <a:shade val="50000"/>
+            </a:schemeClr>
+          </a:lnRef>
+          <a:fillRef idx="1">
+            <a:schemeClr val="accent1"/>
+          </a:fillRef>
+          <a:effectRef idx="0">
+            <a:schemeClr val="accent1"/>
+          </a:effectRef>
+          <a:fontRef idx="minor">
+            <a:schemeClr val="lt1"/>
+          </a:fontRef>
+        </p:style>
+        <p:txBody>
+          <a:bodyPr lIns="0" tIns="0" rIns="0" bIns="0" rtlCol="0" anchor="ctr"/>
+          <a:lstStyle/>
+          <a:p>
+            <a:pPr algn="ctr"/>
+            <a:r>
+              <a:rPr lang="en-US" sz="1800" dirty="0" smtClean="0">
+                <a:solidFill>
+                  <a:srgbClr val="73626E"/>
+                </a:solidFill>
+                <a:latin typeface="Corbel" charset="0"/>
+                <a:ea typeface="Corbel" charset="0"/>
+                <a:cs typeface="Corbel" charset="0"/>
+              </a:rPr>
+              <a:t>Role</a:t>
+            </a:r>
+            <a:endParaRPr lang="en-US" sz="1800" dirty="0">
+              <a:solidFill>
+                <a:srgbClr val="73626E"/>
+              </a:solidFill>
+              <a:latin typeface="Corbel" charset="0"/>
+              <a:ea typeface="Corbel" charset="0"/>
+              <a:cs typeface="Corbel" charset="0"/>
+            </a:endParaRPr>
+          </a:p>
+        </p:txBody>
+      </p:sp>
+      <p:cxnSp>
+        <p:nvCxnSpPr>
+          <p:cNvPr id="119" name="Straight Arrow Connector 118"/>
+          <p:cNvCxnSpPr/>
+          <p:nvPr/>
+        </p:nvCxnSpPr>
+        <p:spPr>
+          <a:xfrm>
+            <a:off x="6894850" y="7957008"/>
+            <a:ext cx="481982" cy="0"/>
+          </a:xfrm>
+          <a:prstGeom prst="straightConnector1">
+            <a:avLst/>
+          </a:prstGeom>
+          <a:ln w="25400">
+            <a:solidFill>
+              <a:schemeClr val="bg1">
+                <a:lumMod val="85000"/>
+              </a:schemeClr>
+            </a:solidFill>
+            <a:headEnd type="none" w="sm" len="sm"/>
+            <a:tailEnd type="arrow" w="med" len="med"/>
+          </a:ln>
+        </p:spPr>
+        <p:style>
+          <a:lnRef idx="1">
+            <a:schemeClr val="accent1"/>
+          </a:lnRef>
+          <a:fillRef idx="0">
+            <a:schemeClr val="accent1"/>
+          </a:fillRef>
+          <a:effectRef idx="0">
+            <a:schemeClr val="accent1"/>
+          </a:effectRef>
+          <a:fontRef idx="minor">
+            <a:schemeClr val="tx1"/>
+          </a:fontRef>
+        </p:style>
+      </p:cxnSp>
       <p:pic>
         <p:nvPicPr>
-          <p:cNvPr id="110" name="Picture 109"/>
+          <p:cNvPr id="33" name="Picture 32"/>
           <p:cNvPicPr>
             <a:picLocks noChangeAspect="1"/>
           </p:cNvPicPr>
@@ -7967,17 +8575,125 @@
         </p:blipFill>
         <p:spPr>
           <a:xfrm>
-            <a:off x="2409597" y="4681091"/>
-            <a:ext cx="610233" cy="400024"/>
+            <a:off x="9033519" y="17121064"/>
+            <a:ext cx="882079" cy="882079"/>
           </a:xfrm>
           <a:prstGeom prst="rect">
             <a:avLst/>
           </a:prstGeom>
         </p:spPr>
       </p:pic>
+      <p:cxnSp>
+        <p:nvCxnSpPr>
+          <p:cNvPr id="35" name="Straight Connector 34"/>
+          <p:cNvCxnSpPr/>
+          <p:nvPr/>
+        </p:nvCxnSpPr>
+        <p:spPr>
+          <a:xfrm>
+            <a:off x="861281" y="4177035"/>
+            <a:ext cx="4571838" cy="0"/>
+          </a:xfrm>
+          <a:prstGeom prst="line">
+            <a:avLst/>
+          </a:prstGeom>
+          <a:ln w="15875">
+            <a:solidFill>
+              <a:srgbClr val="73626E"/>
+            </a:solidFill>
+            <a:prstDash val="sysDot"/>
+          </a:ln>
+        </p:spPr>
+        <p:style>
+          <a:lnRef idx="1">
+            <a:schemeClr val="accent1"/>
+          </a:lnRef>
+          <a:fillRef idx="0">
+            <a:schemeClr val="accent1"/>
+          </a:fillRef>
+          <a:effectRef idx="0">
+            <a:schemeClr val="accent1"/>
+          </a:effectRef>
+          <a:fontRef idx="minor">
+            <a:schemeClr val="tx1"/>
+          </a:fontRef>
+        </p:style>
+      </p:cxnSp>
+      <p:cxnSp>
+        <p:nvCxnSpPr>
+          <p:cNvPr id="121" name="Straight Connector 120"/>
+          <p:cNvCxnSpPr/>
+          <p:nvPr/>
+        </p:nvCxnSpPr>
+        <p:spPr>
+          <a:xfrm>
+            <a:off x="968623" y="3816995"/>
+            <a:ext cx="4464496" cy="0"/>
+          </a:xfrm>
+          <a:prstGeom prst="line">
+            <a:avLst/>
+          </a:prstGeom>
+          <a:ln w="15875">
+            <a:solidFill>
+              <a:srgbClr val="73626E"/>
+            </a:solidFill>
+            <a:prstDash val="sysDot"/>
+          </a:ln>
+        </p:spPr>
+        <p:style>
+          <a:lnRef idx="1">
+            <a:schemeClr val="accent1"/>
+          </a:lnRef>
+          <a:fillRef idx="0">
+            <a:schemeClr val="accent1"/>
+          </a:fillRef>
+          <a:effectRef idx="0">
+            <a:schemeClr val="accent1"/>
+          </a:effectRef>
+          <a:fontRef idx="minor">
+            <a:schemeClr val="tx1"/>
+          </a:fontRef>
+        </p:style>
+      </p:cxnSp>
+      <p:cxnSp>
+        <p:nvCxnSpPr>
+          <p:cNvPr id="122" name="Straight Connector 121"/>
+          <p:cNvCxnSpPr/>
+          <p:nvPr/>
+        </p:nvCxnSpPr>
+        <p:spPr>
+          <a:xfrm>
+            <a:off x="861281" y="6265267"/>
+            <a:ext cx="4499830" cy="0"/>
+          </a:xfrm>
+          <a:prstGeom prst="line">
+            <a:avLst/>
+          </a:prstGeom>
+          <a:ln w="15875">
+            <a:solidFill>
+              <a:srgbClr val="73626E"/>
+            </a:solidFill>
+            <a:prstDash val="sysDot"/>
+          </a:ln>
+        </p:spPr>
+        <p:style>
+          <a:lnRef idx="1">
+            <a:schemeClr val="accent1"/>
+          </a:lnRef>
+          <a:fillRef idx="0">
+            <a:schemeClr val="accent1"/>
+          </a:fillRef>
+          <a:effectRef idx="0">
+            <a:schemeClr val="accent1"/>
+          </a:effectRef>
+          <a:fontRef idx="minor">
+            <a:schemeClr val="tx1"/>
+          </a:fontRef>
+        </p:style>
+      </p:cxnSp>
       <p:pic>
         <p:nvPicPr>
-          <p:cNvPr id="111" name="Picture 110"/>
+          <p:cNvPr id="47" name="Picture 46"/>
           <p:cNvPicPr>
             <a:picLocks noChangeAspect="1"/>
           </p:cNvPicPr>
@@ -7997,1158 +8713,14 @@
         </p:blipFill>
         <p:spPr>
           <a:xfrm>
-            <a:off x="1232018" y="5257155"/>
-            <a:ext cx="999803" cy="576064"/>
+            <a:off x="1400671" y="5329163"/>
+            <a:ext cx="648072" cy="860834"/>
           </a:xfrm>
           <a:prstGeom prst="rect">
             <a:avLst/>
           </a:prstGeom>
         </p:spPr>
       </p:pic>
-      <p:sp>
-        <p:nvSpPr>
-          <p:cNvPr id="112" name="TextBox 111"/>
-          <p:cNvSpPr txBox="1"/>
-          <p:nvPr/>
-        </p:nvSpPr>
-        <p:spPr>
-          <a:xfrm>
-            <a:off x="3680290" y="5617195"/>
-            <a:ext cx="1609627" cy="307777"/>
-          </a:xfrm>
-          <a:prstGeom prst="rect">
-            <a:avLst/>
-          </a:prstGeom>
-          <a:noFill/>
-          <a:ln>
-            <a:noFill/>
-          </a:ln>
-        </p:spPr>
-        <p:txBody>
-          <a:bodyPr wrap="square" lIns="0" tIns="0" rIns="0" bIns="0" rtlCol="0">
-            <a:spAutoFit/>
-          </a:bodyPr>
-          <a:lstStyle/>
-          <a:p>
-            <a:r>
-              <a:rPr lang="en-US" sz="2000" dirty="0" err="1" smtClean="0">
-                <a:latin typeface="Corbel" charset="0"/>
-                <a:ea typeface="Corbel" charset="0"/>
-                <a:cs typeface="Corbel" charset="0"/>
-              </a:rPr>
-              <a:t>ImageMagick</a:t>
-            </a:r>
-            <a:endParaRPr lang="en-US" sz="2000" dirty="0">
-              <a:latin typeface="Corbel" charset="0"/>
-              <a:ea typeface="Corbel" charset="0"/>
-              <a:cs typeface="Corbel" charset="0"/>
-            </a:endParaRPr>
-          </a:p>
-        </p:txBody>
-      </p:sp>
-      <p:sp>
-        <p:nvSpPr>
-          <p:cNvPr id="113" name="TextBox 112"/>
-          <p:cNvSpPr txBox="1"/>
-          <p:nvPr/>
-        </p:nvSpPr>
-        <p:spPr>
-          <a:xfrm>
-            <a:off x="3464266" y="4609083"/>
-            <a:ext cx="1025179" cy="307777"/>
-          </a:xfrm>
-          <a:prstGeom prst="rect">
-            <a:avLst/>
-          </a:prstGeom>
-          <a:noFill/>
-          <a:ln>
-            <a:noFill/>
-          </a:ln>
-        </p:spPr>
-        <p:txBody>
-          <a:bodyPr wrap="square" lIns="0" tIns="0" rIns="0" bIns="0" rtlCol="0">
-            <a:spAutoFit/>
-          </a:bodyPr>
-          <a:lstStyle/>
-          <a:p>
-            <a:r>
-              <a:rPr lang="en-US" sz="2000" dirty="0" err="1" smtClean="0">
-                <a:latin typeface="Corbel" charset="0"/>
-                <a:ea typeface="Corbel" charset="0"/>
-                <a:cs typeface="Corbel" charset="0"/>
-              </a:rPr>
-              <a:t>Kakadu</a:t>
-            </a:r>
-            <a:endParaRPr lang="en-US" sz="2000" dirty="0">
-              <a:latin typeface="Corbel" charset="0"/>
-              <a:ea typeface="Corbel" charset="0"/>
-              <a:cs typeface="Corbel" charset="0"/>
-            </a:endParaRPr>
-          </a:p>
-        </p:txBody>
-      </p:sp>
-      <p:sp>
-        <p:nvSpPr>
-          <p:cNvPr id="114" name="TextBox 113"/>
-          <p:cNvSpPr txBox="1"/>
-          <p:nvPr/>
-        </p:nvSpPr>
-        <p:spPr>
-          <a:xfrm>
-            <a:off x="2599823" y="4249043"/>
-            <a:ext cx="1008112" cy="381381"/>
-          </a:xfrm>
-          <a:prstGeom prst="roundRect">
-            <a:avLst/>
-          </a:prstGeom>
-          <a:solidFill>
-            <a:schemeClr val="bg1">
-              <a:lumMod val="85000"/>
-            </a:schemeClr>
-          </a:solidFill>
-          <a:ln w="19050">
-            <a:noFill/>
-          </a:ln>
-        </p:spPr>
-        <p:txBody>
-          <a:bodyPr wrap="square" lIns="0" tIns="18288" rIns="0" bIns="18288" rtlCol="0">
-            <a:spAutoFit/>
-          </a:bodyPr>
-          <a:lstStyle/>
-          <a:p>
-            <a:pPr algn="ctr"/>
-            <a:r>
-              <a:rPr lang="en-US" sz="2000" smtClean="0">
-                <a:solidFill>
-                  <a:srgbClr val="73626E"/>
-                </a:solidFill>
-                <a:latin typeface="Corbel" charset="0"/>
-                <a:ea typeface="Corbel" charset="0"/>
-                <a:cs typeface="Corbel" charset="0"/>
-              </a:rPr>
-              <a:t>Charon</a:t>
-            </a:r>
-            <a:endParaRPr lang="en-US" sz="2000" dirty="0" smtClean="0">
-              <a:solidFill>
-                <a:srgbClr val="73626E"/>
-              </a:solidFill>
-              <a:latin typeface="Corbel" charset="0"/>
-              <a:ea typeface="Corbel" charset="0"/>
-              <a:cs typeface="Corbel" charset="0"/>
-            </a:endParaRPr>
-          </a:p>
-        </p:txBody>
-      </p:sp>
-      <p:sp>
-        <p:nvSpPr>
-          <p:cNvPr id="117" name="Diamond 116"/>
-          <p:cNvSpPr/>
-          <p:nvPr/>
-        </p:nvSpPr>
-        <p:spPr>
-          <a:xfrm>
-            <a:off x="4878626" y="8965120"/>
-            <a:ext cx="864096" cy="864096"/>
-          </a:xfrm>
-          <a:prstGeom prst="diamond">
-            <a:avLst/>
-          </a:prstGeom>
-          <a:solidFill>
-            <a:schemeClr val="bg1">
-              <a:lumMod val="85000"/>
-            </a:schemeClr>
-          </a:solidFill>
-          <a:ln>
-            <a:noFill/>
-          </a:ln>
-        </p:spPr>
-        <p:style>
-          <a:lnRef idx="2">
-            <a:schemeClr val="accent1">
-              <a:shade val="50000"/>
-            </a:schemeClr>
-          </a:lnRef>
-          <a:fillRef idx="1">
-            <a:schemeClr val="accent1"/>
-          </a:fillRef>
-          <a:effectRef idx="0">
-            <a:schemeClr val="accent1"/>
-          </a:effectRef>
-          <a:fontRef idx="minor">
-            <a:schemeClr val="lt1"/>
-          </a:fontRef>
-        </p:style>
-        <p:txBody>
-          <a:bodyPr lIns="0" tIns="0" rIns="0" bIns="0" rtlCol="0" anchor="ctr"/>
-          <a:lstStyle/>
-          <a:p>
-            <a:pPr algn="ctr"/>
-            <a:r>
-              <a:rPr lang="en-US" sz="1800" dirty="0" smtClean="0">
-                <a:solidFill>
-                  <a:srgbClr val="73626E"/>
-                </a:solidFill>
-                <a:latin typeface="Corbel" charset="0"/>
-                <a:ea typeface="Corbel" charset="0"/>
-                <a:cs typeface="Corbel" charset="0"/>
-              </a:rPr>
-              <a:t>Role</a:t>
-            </a:r>
-            <a:endParaRPr lang="en-US" sz="1800" dirty="0">
-              <a:solidFill>
-                <a:srgbClr val="73626E"/>
-              </a:solidFill>
-              <a:latin typeface="Corbel" charset="0"/>
-              <a:ea typeface="Corbel" charset="0"/>
-              <a:cs typeface="Corbel" charset="0"/>
-            </a:endParaRPr>
-          </a:p>
-        </p:txBody>
-      </p:sp>
-      <p:cxnSp>
-        <p:nvCxnSpPr>
-          <p:cNvPr id="118" name="Elbow Connector 117"/>
-          <p:cNvCxnSpPr/>
-          <p:nvPr/>
-        </p:nvCxnSpPr>
-        <p:spPr>
-          <a:xfrm flipH="1" flipV="1">
-            <a:off x="6300498" y="7957008"/>
-            <a:ext cx="18288" cy="936104"/>
-          </a:xfrm>
-          <a:prstGeom prst="bentConnector3">
-            <a:avLst>
-              <a:gd name="adj1" fmla="val 1800000"/>
-            </a:avLst>
-          </a:prstGeom>
-          <a:ln w="25400">
-            <a:solidFill>
-              <a:schemeClr val="bg1">
-                <a:lumMod val="85000"/>
-              </a:schemeClr>
-            </a:solidFill>
-            <a:headEnd type="arrow" w="sm" len="sm"/>
-            <a:tailEnd type="arrow" w="sm" len="sm"/>
-          </a:ln>
-        </p:spPr>
-        <p:style>
-          <a:lnRef idx="1">
-            <a:schemeClr val="accent1"/>
-          </a:lnRef>
-          <a:fillRef idx="0">
-            <a:schemeClr val="accent1"/>
-          </a:fillRef>
-          <a:effectRef idx="0">
-            <a:schemeClr val="accent1"/>
-          </a:effectRef>
-          <a:fontRef idx="minor">
-            <a:schemeClr val="tx1"/>
-          </a:fontRef>
-        </p:style>
-      </p:cxnSp>
-      <p:sp>
-        <p:nvSpPr>
-          <p:cNvPr id="14" name="TextBox 13"/>
-          <p:cNvSpPr txBox="1"/>
-          <p:nvPr/>
-        </p:nvSpPr>
-        <p:spPr>
-          <a:xfrm>
-            <a:off x="6297215" y="12025907"/>
-            <a:ext cx="3528392" cy="749141"/>
-          </a:xfrm>
-          <a:prstGeom prst="roundRect">
-            <a:avLst/>
-          </a:prstGeom>
-          <a:solidFill>
-            <a:schemeClr val="bg1">
-              <a:lumMod val="85000"/>
-            </a:schemeClr>
-          </a:solidFill>
-          <a:ln>
-            <a:noFill/>
-          </a:ln>
-        </p:spPr>
-        <p:txBody>
-          <a:bodyPr wrap="square" rtlCol="0">
-            <a:spAutoFit/>
-          </a:bodyPr>
-          <a:lstStyle/>
-          <a:p>
-            <a:r>
-              <a:rPr lang="en-US" sz="2000" b="1" dirty="0" smtClean="0">
-                <a:solidFill>
-                  <a:srgbClr val="73626E"/>
-                </a:solidFill>
-                <a:latin typeface="Corbel" charset="0"/>
-                <a:ea typeface="Corbel" charset="0"/>
-                <a:cs typeface="Corbel" charset="0"/>
-              </a:rPr>
-              <a:t>Depositors</a:t>
-            </a:r>
-          </a:p>
-          <a:p>
-            <a:pPr marL="342900" indent="-342900">
-              <a:buFont typeface="Arial" charset="0"/>
-              <a:buChar char="•"/>
-            </a:pPr>
-            <a:r>
-              <a:rPr lang="en-US" sz="1800" dirty="0" smtClean="0">
-                <a:solidFill>
-                  <a:srgbClr val="73626E"/>
-                </a:solidFill>
-                <a:latin typeface="Corbel" charset="0"/>
-                <a:ea typeface="Corbel" charset="0"/>
-                <a:cs typeface="Corbel" charset="0"/>
-              </a:rPr>
-              <a:t>Contribute files and metadata</a:t>
-            </a:r>
-            <a:endParaRPr lang="en-US" sz="1800" dirty="0">
-              <a:solidFill>
-                <a:srgbClr val="73626E"/>
-              </a:solidFill>
-              <a:latin typeface="Corbel" charset="0"/>
-              <a:ea typeface="Corbel" charset="0"/>
-              <a:cs typeface="Corbel" charset="0"/>
-            </a:endParaRPr>
-          </a:p>
-        </p:txBody>
-      </p:sp>
-      <p:sp>
-        <p:nvSpPr>
-          <p:cNvPr id="25" name="Rectangle 24"/>
-          <p:cNvSpPr/>
-          <p:nvPr/>
-        </p:nvSpPr>
-        <p:spPr>
-          <a:xfrm>
-            <a:off x="15802271" y="3384947"/>
-            <a:ext cx="182880" cy="3017520"/>
-          </a:xfrm>
-          <a:prstGeom prst="rect">
-            <a:avLst/>
-          </a:prstGeom>
-          <a:solidFill>
-            <a:schemeClr val="tx1"/>
-          </a:solidFill>
-          <a:ln>
-            <a:solidFill>
-              <a:schemeClr val="tx1"/>
-            </a:solidFill>
-          </a:ln>
-        </p:spPr>
-        <p:style>
-          <a:lnRef idx="2">
-            <a:schemeClr val="accent1">
-              <a:shade val="50000"/>
-            </a:schemeClr>
-          </a:lnRef>
-          <a:fillRef idx="1">
-            <a:schemeClr val="accent1"/>
-          </a:fillRef>
-          <a:effectRef idx="0">
-            <a:schemeClr val="accent1"/>
-          </a:effectRef>
-          <a:fontRef idx="minor">
-            <a:schemeClr val="lt1"/>
-          </a:fontRef>
-        </p:style>
-        <p:txBody>
-          <a:bodyPr rtlCol="0" anchor="ctr"/>
-          <a:lstStyle/>
-          <a:p>
-            <a:pPr algn="ctr"/>
-            <a:endParaRPr lang="en-US">
-              <a:latin typeface="Corbel" charset="0"/>
-              <a:ea typeface="Corbel" charset="0"/>
-              <a:cs typeface="Corbel" charset="0"/>
-            </a:endParaRPr>
-          </a:p>
-        </p:txBody>
-      </p:sp>
-      <p:sp>
-        <p:nvSpPr>
-          <p:cNvPr id="4" name="Rectangle 3"/>
-          <p:cNvSpPr/>
-          <p:nvPr/>
-        </p:nvSpPr>
-        <p:spPr>
-          <a:xfrm>
-            <a:off x="10624664" y="-572"/>
-            <a:ext cx="182880" cy="18288000"/>
-          </a:xfrm>
-          <a:prstGeom prst="rect">
-            <a:avLst/>
-          </a:prstGeom>
-          <a:solidFill>
-            <a:schemeClr val="tx1"/>
-          </a:solidFill>
-          <a:ln>
-            <a:solidFill>
-              <a:schemeClr val="tx1"/>
-            </a:solidFill>
-          </a:ln>
-        </p:spPr>
-        <p:style>
-          <a:lnRef idx="2">
-            <a:schemeClr val="accent1">
-              <a:shade val="50000"/>
-            </a:schemeClr>
-          </a:lnRef>
-          <a:fillRef idx="1">
-            <a:schemeClr val="accent1"/>
-          </a:fillRef>
-          <a:effectRef idx="0">
-            <a:schemeClr val="accent1"/>
-          </a:effectRef>
-          <a:fontRef idx="minor">
-            <a:schemeClr val="lt1"/>
-          </a:fontRef>
-        </p:style>
-        <p:txBody>
-          <a:bodyPr rtlCol="0" anchor="ctr"/>
-          <a:lstStyle/>
-          <a:p>
-            <a:pPr algn="ctr"/>
-            <a:endParaRPr lang="en-US">
-              <a:latin typeface="Corbel" charset="0"/>
-              <a:ea typeface="Corbel" charset="0"/>
-              <a:cs typeface="Corbel" charset="0"/>
-            </a:endParaRPr>
-          </a:p>
-        </p:txBody>
-      </p:sp>
-      <p:sp>
-        <p:nvSpPr>
-          <p:cNvPr id="8" name="Rectangle 7"/>
-          <p:cNvSpPr/>
-          <p:nvPr/>
-        </p:nvSpPr>
-        <p:spPr>
-          <a:xfrm>
-            <a:off x="20688659" y="-18366"/>
-            <a:ext cx="182880" cy="18288000"/>
-          </a:xfrm>
-          <a:prstGeom prst="rect">
-            <a:avLst/>
-          </a:prstGeom>
-          <a:solidFill>
-            <a:schemeClr val="tx1"/>
-          </a:solidFill>
-          <a:ln>
-            <a:solidFill>
-              <a:schemeClr val="tx1"/>
-            </a:solidFill>
-          </a:ln>
-        </p:spPr>
-        <p:style>
-          <a:lnRef idx="2">
-            <a:schemeClr val="accent1">
-              <a:shade val="50000"/>
-            </a:schemeClr>
-          </a:lnRef>
-          <a:fillRef idx="1">
-            <a:schemeClr val="accent1"/>
-          </a:fillRef>
-          <a:effectRef idx="0">
-            <a:schemeClr val="accent1"/>
-          </a:effectRef>
-          <a:fontRef idx="minor">
-            <a:schemeClr val="lt1"/>
-          </a:fontRef>
-        </p:style>
-        <p:txBody>
-          <a:bodyPr rtlCol="0" anchor="ctr"/>
-          <a:lstStyle/>
-          <a:p>
-            <a:pPr algn="ctr"/>
-            <a:endParaRPr lang="en-US">
-              <a:latin typeface="Corbel" charset="0"/>
-              <a:ea typeface="Corbel" charset="0"/>
-              <a:cs typeface="Corbel" charset="0"/>
-            </a:endParaRPr>
-          </a:p>
-        </p:txBody>
-      </p:sp>
-      <p:sp>
-        <p:nvSpPr>
-          <p:cNvPr id="9" name="Rectangle 8"/>
-          <p:cNvSpPr/>
-          <p:nvPr/>
-        </p:nvSpPr>
-        <p:spPr>
-          <a:xfrm rot="5400000">
-            <a:off x="15669119" y="-5052060"/>
-            <a:ext cx="182880" cy="10287000"/>
-          </a:xfrm>
-          <a:prstGeom prst="rect">
-            <a:avLst/>
-          </a:prstGeom>
-          <a:solidFill>
-            <a:schemeClr val="tx1"/>
-          </a:solidFill>
-          <a:ln>
-            <a:solidFill>
-              <a:schemeClr val="tx1"/>
-            </a:solidFill>
-          </a:ln>
-        </p:spPr>
-        <p:style>
-          <a:lnRef idx="2">
-            <a:schemeClr val="accent1">
-              <a:shade val="50000"/>
-            </a:schemeClr>
-          </a:lnRef>
-          <a:fillRef idx="1">
-            <a:schemeClr val="accent1"/>
-          </a:fillRef>
-          <a:effectRef idx="0">
-            <a:schemeClr val="accent1"/>
-          </a:effectRef>
-          <a:fontRef idx="minor">
-            <a:schemeClr val="lt1"/>
-          </a:fontRef>
-        </p:style>
-        <p:txBody>
-          <a:bodyPr rtlCol="0" anchor="ctr"/>
-          <a:lstStyle/>
-          <a:p>
-            <a:pPr algn="ctr"/>
-            <a:endParaRPr lang="en-US">
-              <a:latin typeface="Corbel" charset="0"/>
-              <a:ea typeface="Corbel" charset="0"/>
-              <a:cs typeface="Corbel" charset="0"/>
-            </a:endParaRPr>
-          </a:p>
-        </p:txBody>
-      </p:sp>
-      <p:sp>
-        <p:nvSpPr>
-          <p:cNvPr id="10" name="Rectangle 9"/>
-          <p:cNvSpPr/>
-          <p:nvPr/>
-        </p:nvSpPr>
-        <p:spPr>
-          <a:xfrm rot="5400000">
-            <a:off x="15665944" y="13056235"/>
-            <a:ext cx="182880" cy="10287000"/>
-          </a:xfrm>
-          <a:prstGeom prst="rect">
-            <a:avLst/>
-          </a:prstGeom>
-          <a:solidFill>
-            <a:schemeClr val="tx1"/>
-          </a:solidFill>
-          <a:ln>
-            <a:solidFill>
-              <a:schemeClr val="tx1"/>
-            </a:solidFill>
-          </a:ln>
-        </p:spPr>
-        <p:style>
-          <a:lnRef idx="2">
-            <a:schemeClr val="accent1">
-              <a:shade val="50000"/>
-            </a:schemeClr>
-          </a:lnRef>
-          <a:fillRef idx="1">
-            <a:schemeClr val="accent1"/>
-          </a:fillRef>
-          <a:effectRef idx="0">
-            <a:schemeClr val="accent1"/>
-          </a:effectRef>
-          <a:fontRef idx="minor">
-            <a:schemeClr val="lt1"/>
-          </a:fontRef>
-        </p:style>
-        <p:txBody>
-          <a:bodyPr rtlCol="0" anchor="ctr"/>
-          <a:lstStyle/>
-          <a:p>
-            <a:pPr algn="ctr"/>
-            <a:endParaRPr lang="en-US">
-              <a:latin typeface="Corbel" charset="0"/>
-              <a:ea typeface="Corbel" charset="0"/>
-              <a:cs typeface="Corbel" charset="0"/>
-            </a:endParaRPr>
-          </a:p>
-        </p:txBody>
-      </p:sp>
-      <p:sp>
-        <p:nvSpPr>
-          <p:cNvPr id="12" name="Rectangle 11"/>
-          <p:cNvSpPr/>
-          <p:nvPr/>
-        </p:nvSpPr>
-        <p:spPr>
-          <a:xfrm>
-            <a:off x="10617059" y="3096915"/>
-            <a:ext cx="10287000" cy="182880"/>
-          </a:xfrm>
-          <a:prstGeom prst="rect">
-            <a:avLst/>
-          </a:prstGeom>
-          <a:solidFill>
-            <a:schemeClr val="tx1"/>
-          </a:solidFill>
-          <a:ln>
-            <a:solidFill>
-              <a:schemeClr val="tx1"/>
-            </a:solidFill>
-          </a:ln>
-        </p:spPr>
-        <p:style>
-          <a:lnRef idx="2">
-            <a:schemeClr val="accent1">
-              <a:shade val="50000"/>
-            </a:schemeClr>
-          </a:lnRef>
-          <a:fillRef idx="1">
-            <a:schemeClr val="accent1"/>
-          </a:fillRef>
-          <a:effectRef idx="0">
-            <a:schemeClr val="accent1"/>
-          </a:effectRef>
-          <a:fontRef idx="minor">
-            <a:schemeClr val="lt1"/>
-          </a:fontRef>
-        </p:style>
-        <p:txBody>
-          <a:bodyPr rtlCol="0" anchor="ctr"/>
-          <a:lstStyle/>
-          <a:p>
-            <a:pPr algn="ctr"/>
-            <a:endParaRPr lang="en-US">
-              <a:latin typeface="Corbel" charset="0"/>
-              <a:ea typeface="Corbel" charset="0"/>
-              <a:cs typeface="Corbel" charset="0"/>
-            </a:endParaRPr>
-          </a:p>
-        </p:txBody>
-      </p:sp>
-      <p:sp>
-        <p:nvSpPr>
-          <p:cNvPr id="22" name="Rectangle 21"/>
-          <p:cNvSpPr/>
-          <p:nvPr/>
-        </p:nvSpPr>
-        <p:spPr>
-          <a:xfrm>
-            <a:off x="10619495" y="6625307"/>
-            <a:ext cx="10287000" cy="182880"/>
-          </a:xfrm>
-          <a:prstGeom prst="rect">
-            <a:avLst/>
-          </a:prstGeom>
-          <a:solidFill>
-            <a:schemeClr val="tx1"/>
-          </a:solidFill>
-          <a:ln>
-            <a:solidFill>
-              <a:schemeClr val="tx1"/>
-            </a:solidFill>
-          </a:ln>
-        </p:spPr>
-        <p:style>
-          <a:lnRef idx="2">
-            <a:schemeClr val="accent1">
-              <a:shade val="50000"/>
-            </a:schemeClr>
-          </a:lnRef>
-          <a:fillRef idx="1">
-            <a:schemeClr val="accent1"/>
-          </a:fillRef>
-          <a:effectRef idx="0">
-            <a:schemeClr val="accent1"/>
-          </a:effectRef>
-          <a:fontRef idx="minor">
-            <a:schemeClr val="lt1"/>
-          </a:fontRef>
-        </p:style>
-        <p:txBody>
-          <a:bodyPr rtlCol="0" anchor="ctr"/>
-          <a:lstStyle/>
-          <a:p>
-            <a:pPr algn="ctr"/>
-            <a:endParaRPr lang="en-US">
-              <a:latin typeface="Corbel" charset="0"/>
-              <a:ea typeface="Corbel" charset="0"/>
-              <a:cs typeface="Corbel" charset="0"/>
-            </a:endParaRPr>
-          </a:p>
-        </p:txBody>
-      </p:sp>
-      <p:sp>
-        <p:nvSpPr>
-          <p:cNvPr id="23" name="Rectangle 22"/>
-          <p:cNvSpPr/>
-          <p:nvPr/>
-        </p:nvSpPr>
-        <p:spPr>
-          <a:xfrm>
-            <a:off x="10627839" y="16739571"/>
-            <a:ext cx="10287000" cy="182880"/>
-          </a:xfrm>
-          <a:prstGeom prst="rect">
-            <a:avLst/>
-          </a:prstGeom>
-          <a:solidFill>
-            <a:schemeClr val="tx1"/>
-          </a:solidFill>
-          <a:ln>
-            <a:solidFill>
-              <a:schemeClr val="tx1"/>
-            </a:solidFill>
-          </a:ln>
-        </p:spPr>
-        <p:style>
-          <a:lnRef idx="2">
-            <a:schemeClr val="accent1">
-              <a:shade val="50000"/>
-            </a:schemeClr>
-          </a:lnRef>
-          <a:fillRef idx="1">
-            <a:schemeClr val="accent1"/>
-          </a:fillRef>
-          <a:effectRef idx="0">
-            <a:schemeClr val="accent1"/>
-          </a:effectRef>
-          <a:fontRef idx="minor">
-            <a:schemeClr val="lt1"/>
-          </a:fontRef>
-        </p:style>
-        <p:txBody>
-          <a:bodyPr rtlCol="0" anchor="ctr"/>
-          <a:lstStyle/>
-          <a:p>
-            <a:pPr algn="ctr"/>
-            <a:endParaRPr lang="en-US">
-              <a:latin typeface="Corbel" charset="0"/>
-              <a:ea typeface="Corbel" charset="0"/>
-              <a:cs typeface="Corbel" charset="0"/>
-            </a:endParaRPr>
-          </a:p>
-        </p:txBody>
-      </p:sp>
-      <p:sp>
-        <p:nvSpPr>
-          <p:cNvPr id="37" name="Rectangle 36"/>
-          <p:cNvSpPr/>
-          <p:nvPr/>
-        </p:nvSpPr>
-        <p:spPr>
-          <a:xfrm>
-            <a:off x="10594572" y="11593859"/>
-            <a:ext cx="10287000" cy="182880"/>
-          </a:xfrm>
-          <a:prstGeom prst="rect">
-            <a:avLst/>
-          </a:prstGeom>
-          <a:solidFill>
-            <a:schemeClr val="tx1"/>
-          </a:solidFill>
-          <a:ln>
-            <a:solidFill>
-              <a:schemeClr val="tx1"/>
-            </a:solidFill>
-          </a:ln>
-        </p:spPr>
-        <p:style>
-          <a:lnRef idx="2">
-            <a:schemeClr val="accent1">
-              <a:shade val="50000"/>
-            </a:schemeClr>
-          </a:lnRef>
-          <a:fillRef idx="1">
-            <a:schemeClr val="accent1"/>
-          </a:fillRef>
-          <a:effectRef idx="0">
-            <a:schemeClr val="accent1"/>
-          </a:effectRef>
-          <a:fontRef idx="minor">
-            <a:schemeClr val="lt1"/>
-          </a:fontRef>
-        </p:style>
-        <p:txBody>
-          <a:bodyPr rtlCol="0" anchor="ctr"/>
-          <a:lstStyle/>
-          <a:p>
-            <a:pPr algn="ctr"/>
-            <a:endParaRPr lang="en-US">
-              <a:latin typeface="Corbel" charset="0"/>
-              <a:ea typeface="Corbel" charset="0"/>
-              <a:cs typeface="Corbel" charset="0"/>
-            </a:endParaRPr>
-          </a:p>
-        </p:txBody>
-      </p:sp>
-      <p:sp>
-        <p:nvSpPr>
-          <p:cNvPr id="43" name="Rectangle 42"/>
-          <p:cNvSpPr/>
-          <p:nvPr/>
-        </p:nvSpPr>
-        <p:spPr>
-          <a:xfrm>
-            <a:off x="19402671" y="16778435"/>
-            <a:ext cx="228600" cy="1371600"/>
-          </a:xfrm>
-          <a:prstGeom prst="rect">
-            <a:avLst/>
-          </a:prstGeom>
-          <a:solidFill>
-            <a:schemeClr val="tx1"/>
-          </a:solidFill>
-          <a:ln>
-            <a:solidFill>
-              <a:schemeClr val="tx1"/>
-            </a:solidFill>
-          </a:ln>
-        </p:spPr>
-        <p:style>
-          <a:lnRef idx="2">
-            <a:schemeClr val="accent1">
-              <a:shade val="50000"/>
-            </a:schemeClr>
-          </a:lnRef>
-          <a:fillRef idx="1">
-            <a:schemeClr val="accent1"/>
-          </a:fillRef>
-          <a:effectRef idx="0">
-            <a:schemeClr val="accent1"/>
-          </a:effectRef>
-          <a:fontRef idx="minor">
-            <a:schemeClr val="lt1"/>
-          </a:fontRef>
-        </p:style>
-        <p:txBody>
-          <a:bodyPr rtlCol="0" anchor="ctr"/>
-          <a:lstStyle/>
-          <a:p>
-            <a:pPr algn="ctr"/>
-            <a:endParaRPr lang="en-US">
-              <a:latin typeface="Corbel" charset="0"/>
-              <a:ea typeface="Corbel" charset="0"/>
-              <a:cs typeface="Corbel" charset="0"/>
-            </a:endParaRPr>
-          </a:p>
-        </p:txBody>
-      </p:sp>
-      <p:sp>
-        <p:nvSpPr>
-          <p:cNvPr id="5" name="Rectangle 4"/>
-          <p:cNvSpPr/>
-          <p:nvPr/>
-        </p:nvSpPr>
-        <p:spPr>
-          <a:xfrm>
-            <a:off x="-1" y="0"/>
-            <a:ext cx="10290175" cy="18291175"/>
-          </a:xfrm>
-          <a:prstGeom prst="rect">
-            <a:avLst/>
-          </a:prstGeom>
-          <a:noFill/>
-          <a:ln w="63500">
-            <a:solidFill>
-              <a:schemeClr val="bg1">
-                <a:lumMod val="85000"/>
-              </a:schemeClr>
-            </a:solidFill>
-          </a:ln>
-        </p:spPr>
-        <p:style>
-          <a:lnRef idx="2">
-            <a:schemeClr val="accent1">
-              <a:shade val="50000"/>
-            </a:schemeClr>
-          </a:lnRef>
-          <a:fillRef idx="1">
-            <a:schemeClr val="accent1"/>
-          </a:fillRef>
-          <a:effectRef idx="0">
-            <a:schemeClr val="accent1"/>
-          </a:effectRef>
-          <a:fontRef idx="minor">
-            <a:schemeClr val="lt1"/>
-          </a:fontRef>
-        </p:style>
-        <p:txBody>
-          <a:bodyPr rtlCol="0" anchor="ctr"/>
-          <a:lstStyle/>
-          <a:p>
-            <a:pPr algn="ctr"/>
-            <a:endParaRPr lang="en-US"/>
-          </a:p>
-        </p:txBody>
-      </p:sp>
-      <p:sp>
-        <p:nvSpPr>
-          <p:cNvPr id="83" name="TextBox 82"/>
-          <p:cNvSpPr txBox="1"/>
-          <p:nvPr/>
-        </p:nvSpPr>
-        <p:spPr>
-          <a:xfrm>
-            <a:off x="896615" y="12025907"/>
-            <a:ext cx="3528392" cy="1362075"/>
-          </a:xfrm>
-          <a:prstGeom prst="roundRect">
-            <a:avLst/>
-          </a:prstGeom>
-          <a:solidFill>
-            <a:schemeClr val="bg1">
-              <a:lumMod val="85000"/>
-            </a:schemeClr>
-          </a:solidFill>
-          <a:ln>
-            <a:noFill/>
-          </a:ln>
-        </p:spPr>
-        <p:txBody>
-          <a:bodyPr wrap="square" rtlCol="0">
-            <a:spAutoFit/>
-          </a:bodyPr>
-          <a:lstStyle/>
-          <a:p>
-            <a:r>
-              <a:rPr lang="en-US" sz="2000" b="1" dirty="0" smtClean="0">
-                <a:solidFill>
-                  <a:srgbClr val="73626E"/>
-                </a:solidFill>
-                <a:latin typeface="Corbel" charset="0"/>
-                <a:ea typeface="Corbel" charset="0"/>
-                <a:cs typeface="Corbel" charset="0"/>
-              </a:rPr>
-              <a:t>Editors</a:t>
-            </a:r>
-          </a:p>
-          <a:p>
-            <a:pPr marL="342900" indent="-342900">
-              <a:buFont typeface="Arial" charset="0"/>
-              <a:buChar char="•"/>
-            </a:pPr>
-            <a:r>
-              <a:rPr lang="en-US" sz="1800" dirty="0" smtClean="0">
-                <a:solidFill>
-                  <a:srgbClr val="73626E"/>
-                </a:solidFill>
-                <a:latin typeface="Corbel" charset="0"/>
-                <a:ea typeface="Corbel" charset="0"/>
-                <a:cs typeface="Corbel" charset="0"/>
-              </a:rPr>
-              <a:t>Contribute files and metadata</a:t>
-            </a:r>
-          </a:p>
-          <a:p>
-            <a:pPr marL="342900" indent="-342900">
-              <a:buFont typeface="Arial" charset="0"/>
-              <a:buChar char="•"/>
-            </a:pPr>
-            <a:r>
-              <a:rPr lang="en-US" sz="1800" dirty="0" smtClean="0">
-                <a:solidFill>
-                  <a:srgbClr val="73626E"/>
-                </a:solidFill>
-                <a:latin typeface="Corbel" charset="0"/>
-                <a:ea typeface="Corbel" charset="0"/>
-                <a:cs typeface="Corbel" charset="0"/>
-              </a:rPr>
-              <a:t>Claim and execute tasks</a:t>
-            </a:r>
-          </a:p>
-          <a:p>
-            <a:pPr marL="342900" indent="-342900">
-              <a:buFont typeface="Arial" charset="0"/>
-              <a:buChar char="•"/>
-            </a:pPr>
-            <a:r>
-              <a:rPr lang="en-US" sz="1800" dirty="0" smtClean="0">
-                <a:solidFill>
-                  <a:srgbClr val="73626E"/>
-                </a:solidFill>
-                <a:latin typeface="Corbel" charset="0"/>
-                <a:ea typeface="Corbel" charset="0"/>
-                <a:cs typeface="Corbel" charset="0"/>
-              </a:rPr>
-              <a:t>Accept and reject deposits</a:t>
-            </a:r>
-            <a:endParaRPr lang="en-US" sz="1800" dirty="0">
-              <a:solidFill>
-                <a:srgbClr val="73626E"/>
-              </a:solidFill>
-              <a:latin typeface="Corbel" charset="0"/>
-              <a:ea typeface="Corbel" charset="0"/>
-              <a:cs typeface="Corbel" charset="0"/>
-            </a:endParaRPr>
-          </a:p>
-        </p:txBody>
-      </p:sp>
-      <p:sp>
-        <p:nvSpPr>
-          <p:cNvPr id="13" name="TextBox 12"/>
-          <p:cNvSpPr txBox="1"/>
-          <p:nvPr/>
-        </p:nvSpPr>
-        <p:spPr>
-          <a:xfrm>
-            <a:off x="6030754" y="9901224"/>
-            <a:ext cx="3672408" cy="442674"/>
-          </a:xfrm>
-          <a:prstGeom prst="roundRect">
-            <a:avLst/>
-          </a:prstGeom>
-          <a:solidFill>
-            <a:schemeClr val="bg1">
-              <a:lumMod val="85000"/>
-            </a:schemeClr>
-          </a:solidFill>
-        </p:spPr>
-        <p:txBody>
-          <a:bodyPr wrap="square" rtlCol="0">
-            <a:spAutoFit/>
-          </a:bodyPr>
-          <a:lstStyle/>
-          <a:p>
-            <a:pPr algn="ctr"/>
-            <a:r>
-              <a:rPr lang="en-US" sz="2000" b="1" dirty="0">
-                <a:solidFill>
-                  <a:srgbClr val="73626E"/>
-                </a:solidFill>
-                <a:latin typeface="Corbel" charset="0"/>
-                <a:ea typeface="Corbel" charset="0"/>
-                <a:cs typeface="Corbel" charset="0"/>
-              </a:rPr>
-              <a:t>{ </a:t>
-            </a:r>
-            <a:r>
-              <a:rPr lang="en-US" sz="2000" b="1" dirty="0" smtClean="0">
-                <a:solidFill>
-                  <a:srgbClr val="73626E"/>
-                </a:solidFill>
-                <a:latin typeface="Corbel" charset="0"/>
-                <a:ea typeface="Corbel" charset="0"/>
-                <a:cs typeface="Corbel" charset="0"/>
-              </a:rPr>
-              <a:t>Edit ✏️ }</a:t>
-            </a:r>
-            <a:endParaRPr lang="en-US" sz="2000" b="1" dirty="0">
-              <a:solidFill>
-                <a:srgbClr val="73626E"/>
-              </a:solidFill>
-              <a:latin typeface="Corbel" charset="0"/>
-              <a:ea typeface="Corbel" charset="0"/>
-              <a:cs typeface="Corbel" charset="0"/>
-            </a:endParaRPr>
-          </a:p>
-        </p:txBody>
-      </p:sp>
-      <p:sp>
-        <p:nvSpPr>
-          <p:cNvPr id="98" name="Diamond 97"/>
-          <p:cNvSpPr/>
-          <p:nvPr/>
-        </p:nvSpPr>
-        <p:spPr>
-          <a:xfrm>
-            <a:off x="4878626" y="7957008"/>
-            <a:ext cx="864096" cy="864096"/>
-          </a:xfrm>
-          <a:prstGeom prst="diamond">
-            <a:avLst/>
-          </a:prstGeom>
-          <a:solidFill>
-            <a:schemeClr val="bg1">
-              <a:lumMod val="85000"/>
-            </a:schemeClr>
-          </a:solidFill>
-          <a:ln>
-            <a:noFill/>
-          </a:ln>
-        </p:spPr>
-        <p:style>
-          <a:lnRef idx="2">
-            <a:schemeClr val="accent1">
-              <a:shade val="50000"/>
-            </a:schemeClr>
-          </a:lnRef>
-          <a:fillRef idx="1">
-            <a:schemeClr val="accent1"/>
-          </a:fillRef>
-          <a:effectRef idx="0">
-            <a:schemeClr val="accent1"/>
-          </a:effectRef>
-          <a:fontRef idx="minor">
-            <a:schemeClr val="lt1"/>
-          </a:fontRef>
-        </p:style>
-        <p:txBody>
-          <a:bodyPr lIns="0" tIns="0" rIns="0" bIns="0" rtlCol="0" anchor="ctr"/>
-          <a:lstStyle/>
-          <a:p>
-            <a:pPr algn="ctr"/>
-            <a:r>
-              <a:rPr lang="en-US" sz="1800" dirty="0" smtClean="0">
-                <a:solidFill>
-                  <a:srgbClr val="73626E"/>
-                </a:solidFill>
-                <a:latin typeface="Corbel" charset="0"/>
-                <a:ea typeface="Corbel" charset="0"/>
-                <a:cs typeface="Corbel" charset="0"/>
-              </a:rPr>
-              <a:t>Role</a:t>
-            </a:r>
-            <a:endParaRPr lang="en-US" sz="1800" dirty="0">
-              <a:solidFill>
-                <a:srgbClr val="73626E"/>
-              </a:solidFill>
-              <a:latin typeface="Corbel" charset="0"/>
-              <a:ea typeface="Corbel" charset="0"/>
-              <a:cs typeface="Corbel" charset="0"/>
-            </a:endParaRPr>
-          </a:p>
-        </p:txBody>
-      </p:sp>
-      <p:cxnSp>
-        <p:nvCxnSpPr>
-          <p:cNvPr id="119" name="Straight Arrow Connector 118"/>
-          <p:cNvCxnSpPr/>
-          <p:nvPr/>
-        </p:nvCxnSpPr>
-        <p:spPr>
-          <a:xfrm>
-            <a:off x="6894850" y="7957008"/>
-            <a:ext cx="481982" cy="0"/>
-          </a:xfrm>
-          <a:prstGeom prst="straightConnector1">
-            <a:avLst/>
-          </a:prstGeom>
-          <a:ln w="25400">
-            <a:solidFill>
-              <a:schemeClr val="bg1">
-                <a:lumMod val="85000"/>
-              </a:schemeClr>
-            </a:solidFill>
-            <a:headEnd type="none" w="sm" len="sm"/>
-            <a:tailEnd type="arrow" w="med" len="med"/>
-          </a:ln>
-        </p:spPr>
-        <p:style>
-          <a:lnRef idx="1">
-            <a:schemeClr val="accent1"/>
-          </a:lnRef>
-          <a:fillRef idx="0">
-            <a:schemeClr val="accent1"/>
-          </a:fillRef>
-          <a:effectRef idx="0">
-            <a:schemeClr val="accent1"/>
-          </a:effectRef>
-          <a:fontRef idx="minor">
-            <a:schemeClr val="tx1"/>
-          </a:fontRef>
-        </p:style>
-      </p:cxnSp>
     </p:spTree>
     <p:extLst>
       <p:ext uri="{BB962C8B-B14F-4D97-AF65-F5344CB8AC3E}">
@@ -11658,8 +11230,8 @@
         </p:nvSpPr>
         <p:spPr>
           <a:xfrm>
-            <a:off x="248543" y="1296715"/>
-            <a:ext cx="9793088" cy="1815882"/>
+            <a:off x="-2977" y="1440731"/>
+            <a:ext cx="10290175" cy="1815882"/>
           </a:xfrm>
           <a:prstGeom prst="rect">
             <a:avLst/>
@@ -15436,6 +15008,54 @@
               <a:ea typeface="Corbel" charset="0"/>
               <a:cs typeface="Corbel" charset="0"/>
             </a:endParaRPr>
+          </a:p>
+        </p:txBody>
+      </p:sp>
+      <p:sp>
+        <p:nvSpPr>
+          <p:cNvPr id="119" name="Rectangle 118"/>
+          <p:cNvSpPr/>
+          <p:nvPr/>
+        </p:nvSpPr>
+        <p:spPr>
+          <a:xfrm>
+            <a:off x="-1" y="0"/>
+            <a:ext cx="10290175" cy="18291175"/>
+          </a:xfrm>
+          <a:prstGeom prst="rect">
+            <a:avLst/>
+          </a:prstGeom>
+          <a:noFill/>
+          <a:ln w="63500">
+            <a:solidFill>
+              <a:schemeClr val="bg1">
+                <a:lumMod val="85000"/>
+              </a:schemeClr>
+            </a:solidFill>
+          </a:ln>
+        </p:spPr>
+        <p:style>
+          <a:lnRef idx="2">
+            <a:schemeClr val="accent1">
+              <a:shade val="50000"/>
+            </a:schemeClr>
+          </a:lnRef>
+          <a:fillRef idx="1">
+            <a:schemeClr val="accent1"/>
+          </a:fillRef>
+          <a:effectRef idx="0">
+            <a:schemeClr val="accent1"/>
+          </a:effectRef>
+          <a:fontRef idx="minor">
+            <a:schemeClr val="lt1"/>
+          </a:fontRef>
+        </p:style>
+        <p:txBody>
+          <a:bodyPr rtlCol="0" anchor="ctr"/>
+          <a:lstStyle/>
+          <a:p>
+            <a:pPr algn="ctr"/>
+            <a:endParaRPr lang="en-US"/>
           </a:p>
         </p:txBody>
       </p:sp>

--- a/Open Repositories 2017/Charon Poster/OR2017_Charon_Poster_Working.pptx
+++ b/Open Repositories 2017/Charon Poster/OR2017_Charon_Poster_Working.pptx
@@ -5,20 +5,21 @@
     <p:sldMasterId id="2147483648" r:id="rId1"/>
   </p:sldMasterIdLst>
   <p:notesMasterIdLst>
-    <p:notesMasterId r:id="rId13"/>
+    <p:notesMasterId r:id="rId14"/>
   </p:notesMasterIdLst>
   <p:sldIdLst>
     <p:sldId id="266" r:id="rId2"/>
-    <p:sldId id="267" r:id="rId3"/>
-    <p:sldId id="260" r:id="rId4"/>
-    <p:sldId id="265" r:id="rId5"/>
-    <p:sldId id="257" r:id="rId6"/>
-    <p:sldId id="258" r:id="rId7"/>
-    <p:sldId id="259" r:id="rId8"/>
-    <p:sldId id="263" r:id="rId9"/>
-    <p:sldId id="264" r:id="rId10"/>
-    <p:sldId id="261" r:id="rId11"/>
-    <p:sldId id="262" r:id="rId12"/>
+    <p:sldId id="268" r:id="rId3"/>
+    <p:sldId id="267" r:id="rId4"/>
+    <p:sldId id="260" r:id="rId5"/>
+    <p:sldId id="265" r:id="rId6"/>
+    <p:sldId id="257" r:id="rId7"/>
+    <p:sldId id="258" r:id="rId8"/>
+    <p:sldId id="259" r:id="rId9"/>
+    <p:sldId id="263" r:id="rId10"/>
+    <p:sldId id="264" r:id="rId11"/>
+    <p:sldId id="261" r:id="rId12"/>
+    <p:sldId id="262" r:id="rId13"/>
   </p:sldIdLst>
   <p:sldSz cx="10290175" cy="18291175"/>
   <p:notesSz cx="6858000" cy="9144000"/>
@@ -120,7 +121,7 @@
   <p:extLst>
     <p:ext uri="{EFAFB233-063F-42B5-8137-9DF3F51BA10A}">
       <p15:sldGuideLst xmlns:p15="http://schemas.microsoft.com/office/powerpoint/2012/main">
-        <p15:guide id="1" orient="horz" pos="6714" userDrawn="1">
+        <p15:guide id="1" orient="horz" pos="1543" userDrawn="1">
           <p15:clr>
             <a:srgbClr val="A4A3A4"/>
           </p15:clr>
@@ -404,7 +405,7 @@
           <a:p>
             <a:fld id="{60829E41-64EF-604D-A40A-7DA186A06455}" type="datetimeFigureOut">
               <a:rPr lang="en-US" smtClean="0"/>
-              <a:t>5/26/17</a:t>
+              <a:t>5/30/17</a:t>
             </a:fld>
             <a:endParaRPr lang="en-US"/>
           </a:p>
@@ -820,6 +821,26 @@
           <a:bodyPr/>
           <a:lstStyle/>
           <a:p>
+            <a:r>
+              <a:rPr lang="en-US" dirty="0" smtClean="0"/>
+              <a:t>https://</a:t>
+            </a:r>
+            <a:r>
+              <a:rPr lang="en-US" dirty="0" err="1" smtClean="0"/>
+              <a:t>docs.google.com</a:t>
+            </a:r>
+            <a:r>
+              <a:rPr lang="en-US" dirty="0" smtClean="0"/>
+              <a:t>/document/d/1krYggmrZpcoGa6PuzfrQxmmWE4zNlrFjZaDDdConaHA/</a:t>
+            </a:r>
+            <a:r>
+              <a:rPr lang="en-US" dirty="0" err="1" smtClean="0"/>
+              <a:t>edit?usp</a:t>
+            </a:r>
+            <a:r>
+              <a:rPr lang="en-US" dirty="0" smtClean="0"/>
+              <a:t>=sharing</a:t>
+            </a:r>
             <a:endParaRPr lang="en-US" dirty="0"/>
           </a:p>
         </p:txBody>
@@ -850,7 +871,7 @@
     </p:spTree>
     <p:extLst>
       <p:ext uri="{BB962C8B-B14F-4D97-AF65-F5344CB8AC3E}">
-        <p14:creationId xmlns:p14="http://schemas.microsoft.com/office/powerpoint/2010/main" val="408295057"/>
+        <p14:creationId xmlns:p14="http://schemas.microsoft.com/office/powerpoint/2010/main" val="1645447482"/>
       </p:ext>
     </p:extLst>
   </p:cSld>
@@ -934,7 +955,7 @@
     </p:spTree>
     <p:extLst>
       <p:ext uri="{BB962C8B-B14F-4D97-AF65-F5344CB8AC3E}">
-        <p14:creationId xmlns:p14="http://schemas.microsoft.com/office/powerpoint/2010/main" val="1518096617"/>
+        <p14:creationId xmlns:p14="http://schemas.microsoft.com/office/powerpoint/2010/main" val="408295057"/>
       </p:ext>
     </p:extLst>
   </p:cSld>
@@ -1009,7 +1030,7 @@
           <a:p>
             <a:fld id="{456ECFE9-4772-DA44-9FFF-804C79B2B95E}" type="slidenum">
               <a:rPr lang="en-US" smtClean="0"/>
-              <a:t>7</a:t>
+              <a:t>4</a:t>
             </a:fld>
             <a:endParaRPr lang="en-US"/>
           </a:p>
@@ -1018,7 +1039,7 @@
     </p:spTree>
     <p:extLst>
       <p:ext uri="{BB962C8B-B14F-4D97-AF65-F5344CB8AC3E}">
-        <p14:creationId xmlns:p14="http://schemas.microsoft.com/office/powerpoint/2010/main" val="1481759625"/>
+        <p14:creationId xmlns:p14="http://schemas.microsoft.com/office/powerpoint/2010/main" val="1518096617"/>
       </p:ext>
     </p:extLst>
   </p:cSld>
@@ -1102,7 +1123,7 @@
     </p:spTree>
     <p:extLst>
       <p:ext uri="{BB962C8B-B14F-4D97-AF65-F5344CB8AC3E}">
-        <p14:creationId xmlns:p14="http://schemas.microsoft.com/office/powerpoint/2010/main" val="664969720"/>
+        <p14:creationId xmlns:p14="http://schemas.microsoft.com/office/powerpoint/2010/main" val="1481759625"/>
       </p:ext>
     </p:extLst>
   </p:cSld>
@@ -1186,7 +1207,7 @@
     </p:spTree>
     <p:extLst>
       <p:ext uri="{BB962C8B-B14F-4D97-AF65-F5344CB8AC3E}">
-        <p14:creationId xmlns:p14="http://schemas.microsoft.com/office/powerpoint/2010/main" val="658931779"/>
+        <p14:creationId xmlns:p14="http://schemas.microsoft.com/office/powerpoint/2010/main" val="664969720"/>
       </p:ext>
     </p:extLst>
   </p:cSld>
@@ -1270,7 +1291,7 @@
     </p:spTree>
     <p:extLst>
       <p:ext uri="{BB962C8B-B14F-4D97-AF65-F5344CB8AC3E}">
-        <p14:creationId xmlns:p14="http://schemas.microsoft.com/office/powerpoint/2010/main" val="168486916"/>
+        <p14:creationId xmlns:p14="http://schemas.microsoft.com/office/powerpoint/2010/main" val="658931779"/>
       </p:ext>
     </p:extLst>
   </p:cSld>
@@ -1346,6 +1367,90 @@
             <a:fld id="{456ECFE9-4772-DA44-9FFF-804C79B2B95E}" type="slidenum">
               <a:rPr lang="en-US" smtClean="0"/>
               <a:t>11</a:t>
+            </a:fld>
+            <a:endParaRPr lang="en-US"/>
+          </a:p>
+        </p:txBody>
+      </p:sp>
+    </p:spTree>
+    <p:extLst>
+      <p:ext uri="{BB962C8B-B14F-4D97-AF65-F5344CB8AC3E}">
+        <p14:creationId xmlns:p14="http://schemas.microsoft.com/office/powerpoint/2010/main" val="168486916"/>
+      </p:ext>
+    </p:extLst>
+  </p:cSld>
+  <p:clrMapOvr>
+    <a:masterClrMapping/>
+  </p:clrMapOvr>
+</p:notes>
+</file>
+
+<file path=ppt/notesSlides/notesSlide9.xml><?xml version="1.0" encoding="utf-8"?>
+<p:notes xmlns:a="http://schemas.openxmlformats.org/drawingml/2006/main" xmlns:r="http://schemas.openxmlformats.org/officeDocument/2006/relationships" xmlns:p="http://schemas.openxmlformats.org/presentationml/2006/main">
+  <p:cSld>
+    <p:spTree>
+      <p:nvGrpSpPr>
+        <p:cNvPr id="1" name=""/>
+        <p:cNvGrpSpPr/>
+        <p:nvPr/>
+      </p:nvGrpSpPr>
+      <p:grpSpPr>
+        <a:xfrm>
+          <a:off x="0" y="0"/>
+          <a:ext cx="0" cy="0"/>
+          <a:chOff x="0" y="0"/>
+          <a:chExt cx="0" cy="0"/>
+        </a:xfrm>
+      </p:grpSpPr>
+      <p:sp>
+        <p:nvSpPr>
+          <p:cNvPr id="2" name="Slide Image Placeholder 1"/>
+          <p:cNvSpPr>
+            <a:spLocks noGrp="1" noRot="1" noChangeAspect="1"/>
+          </p:cNvSpPr>
+          <p:nvPr>
+            <p:ph type="sldImg"/>
+          </p:nvPr>
+        </p:nvSpPr>
+        <p:spPr/>
+      </p:sp>
+      <p:sp>
+        <p:nvSpPr>
+          <p:cNvPr id="3" name="Notes Placeholder 2"/>
+          <p:cNvSpPr>
+            <a:spLocks noGrp="1"/>
+          </p:cNvSpPr>
+          <p:nvPr>
+            <p:ph type="body" idx="1"/>
+          </p:nvPr>
+        </p:nvSpPr>
+        <p:spPr/>
+        <p:txBody>
+          <a:bodyPr/>
+          <a:lstStyle/>
+          <a:p>
+            <a:endParaRPr lang="en-US" dirty="0"/>
+          </a:p>
+        </p:txBody>
+      </p:sp>
+      <p:sp>
+        <p:nvSpPr>
+          <p:cNvPr id="4" name="Slide Number Placeholder 3"/>
+          <p:cNvSpPr>
+            <a:spLocks noGrp="1"/>
+          </p:cNvSpPr>
+          <p:nvPr>
+            <p:ph type="sldNum" sz="quarter" idx="10"/>
+          </p:nvPr>
+        </p:nvSpPr>
+        <p:spPr/>
+        <p:txBody>
+          <a:bodyPr/>
+          <a:lstStyle/>
+          <a:p>
+            <a:fld id="{456ECFE9-4772-DA44-9FFF-804C79B2B95E}" type="slidenum">
+              <a:rPr lang="en-US" smtClean="0"/>
+              <a:t>12</a:t>
             </a:fld>
             <a:endParaRPr lang="en-US"/>
           </a:p>
@@ -1546,7 +1651,7 @@
             <a:fld id="{E8B92B60-3ACF-4E3B-ACCA-3CF86291A092}" type="datetimeFigureOut">
               <a:rPr lang="en-AU" smtClean="0"/>
               <a:pPr/>
-              <a:t>26/05/2017</a:t>
+              <a:t>30/05/2017</a:t>
             </a:fld>
             <a:endParaRPr lang="en-AU"/>
           </a:p>
@@ -1713,7 +1818,7 @@
             <a:fld id="{E8B92B60-3ACF-4E3B-ACCA-3CF86291A092}" type="datetimeFigureOut">
               <a:rPr lang="en-AU" smtClean="0"/>
               <a:pPr/>
-              <a:t>26/05/2017</a:t>
+              <a:t>30/05/2017</a:t>
             </a:fld>
             <a:endParaRPr lang="en-AU"/>
           </a:p>
@@ -1890,7 +1995,7 @@
             <a:fld id="{E8B92B60-3ACF-4E3B-ACCA-3CF86291A092}" type="datetimeFigureOut">
               <a:rPr lang="en-AU" smtClean="0"/>
               <a:pPr/>
-              <a:t>26/05/2017</a:t>
+              <a:t>30/05/2017</a:t>
             </a:fld>
             <a:endParaRPr lang="en-AU"/>
           </a:p>
@@ -2057,7 +2162,7 @@
             <a:fld id="{E8B92B60-3ACF-4E3B-ACCA-3CF86291A092}" type="datetimeFigureOut">
               <a:rPr lang="en-AU" smtClean="0"/>
               <a:pPr/>
-              <a:t>26/05/2017</a:t>
+              <a:t>30/05/2017</a:t>
             </a:fld>
             <a:endParaRPr lang="en-AU"/>
           </a:p>
@@ -2300,7 +2405,7 @@
             <a:fld id="{E8B92B60-3ACF-4E3B-ACCA-3CF86291A092}" type="datetimeFigureOut">
               <a:rPr lang="en-AU" smtClean="0"/>
               <a:pPr/>
-              <a:t>26/05/2017</a:t>
+              <a:t>30/05/2017</a:t>
             </a:fld>
             <a:endParaRPr lang="en-AU"/>
           </a:p>
@@ -2585,7 +2690,7 @@
             <a:fld id="{E8B92B60-3ACF-4E3B-ACCA-3CF86291A092}" type="datetimeFigureOut">
               <a:rPr lang="en-AU" smtClean="0"/>
               <a:pPr/>
-              <a:t>26/05/2017</a:t>
+              <a:t>30/05/2017</a:t>
             </a:fld>
             <a:endParaRPr lang="en-AU"/>
           </a:p>
@@ -3009,7 +3114,7 @@
             <a:fld id="{E8B92B60-3ACF-4E3B-ACCA-3CF86291A092}" type="datetimeFigureOut">
               <a:rPr lang="en-AU" smtClean="0"/>
               <a:pPr/>
-              <a:t>26/05/2017</a:t>
+              <a:t>30/05/2017</a:t>
             </a:fld>
             <a:endParaRPr lang="en-AU"/>
           </a:p>
@@ -3124,7 +3229,7 @@
             <a:fld id="{E8B92B60-3ACF-4E3B-ACCA-3CF86291A092}" type="datetimeFigureOut">
               <a:rPr lang="en-AU" smtClean="0"/>
               <a:pPr/>
-              <a:t>26/05/2017</a:t>
+              <a:t>30/05/2017</a:t>
             </a:fld>
             <a:endParaRPr lang="en-AU"/>
           </a:p>
@@ -3216,7 +3321,7 @@
             <a:fld id="{E8B92B60-3ACF-4E3B-ACCA-3CF86291A092}" type="datetimeFigureOut">
               <a:rPr lang="en-AU" smtClean="0"/>
               <a:pPr/>
-              <a:t>26/05/2017</a:t>
+              <a:t>30/05/2017</a:t>
             </a:fld>
             <a:endParaRPr lang="en-AU"/>
           </a:p>
@@ -3490,7 +3595,7 @@
             <a:fld id="{E8B92B60-3ACF-4E3B-ACCA-3CF86291A092}" type="datetimeFigureOut">
               <a:rPr lang="en-AU" smtClean="0"/>
               <a:pPr/>
-              <a:t>26/05/2017</a:t>
+              <a:t>30/05/2017</a:t>
             </a:fld>
             <a:endParaRPr lang="en-AU"/>
           </a:p>
@@ -3740,7 +3845,7 @@
             <a:fld id="{E8B92B60-3ACF-4E3B-ACCA-3CF86291A092}" type="datetimeFigureOut">
               <a:rPr lang="en-AU" smtClean="0"/>
               <a:pPr/>
-              <a:t>26/05/2017</a:t>
+              <a:t>30/05/2017</a:t>
             </a:fld>
             <a:endParaRPr lang="en-AU"/>
           </a:p>
@@ -3950,7 +4055,7 @@
             <a:fld id="{E8B92B60-3ACF-4E3B-ACCA-3CF86291A092}" type="datetimeFigureOut">
               <a:rPr lang="en-AU" smtClean="0"/>
               <a:pPr/>
-              <a:t>26/05/2017</a:t>
+              <a:t>30/05/2017</a:t>
             </a:fld>
             <a:endParaRPr lang="en-AU"/>
           </a:p>
@@ -5380,10 +5485,10 @@
                 <a:ea typeface="Corbel" charset="0"/>
                 <a:cs typeface="Corbel" charset="0"/>
               </a:rPr>
-              <a:t>This project is still in development and we would like your </a:t>
-            </a:r>
-            <a:r>
-              <a:rPr lang="en-US" sz="2000" dirty="0" smtClean="0">
+              <a:t>This project is still in development and we would like your input!</a:t>
+            </a:r>
+            <a:r>
+              <a:rPr lang="en-US" sz="500" dirty="0">
                 <a:solidFill>
                   <a:schemeClr val="bg1">
                     <a:lumMod val="95000"/>
@@ -5393,10 +5498,10 @@
                 <a:ea typeface="Corbel" charset="0"/>
                 <a:cs typeface="Corbel" charset="0"/>
               </a:rPr>
-              <a:t>input!</a:t>
-            </a:r>
-            <a:r>
-              <a:rPr lang="en-US" sz="500" dirty="0">
+              <a:t> </a:t>
+            </a:r>
+            <a:r>
+              <a:rPr lang="en-US" sz="500" dirty="0" smtClean="0">
                 <a:solidFill>
                   <a:schemeClr val="bg1">
                     <a:lumMod val="95000"/>
@@ -5409,7 +5514,7 @@
               <a:t> </a:t>
             </a:r>
             <a:r>
-              <a:rPr lang="en-US" sz="500" dirty="0" smtClean="0">
+              <a:rPr lang="en-US" sz="2000" dirty="0" smtClean="0">
                 <a:solidFill>
                   <a:schemeClr val="bg1">
                     <a:lumMod val="95000"/>
@@ -5419,46 +5524,7 @@
                 <a:ea typeface="Corbel" charset="0"/>
                 <a:cs typeface="Corbel" charset="0"/>
               </a:rPr>
-              <a:t> </a:t>
-            </a:r>
-            <a:r>
-              <a:rPr lang="en-US" sz="2000" dirty="0" smtClean="0">
-                <a:solidFill>
-                  <a:schemeClr val="bg1">
-                    <a:lumMod val="95000"/>
-                  </a:schemeClr>
-                </a:solidFill>
-                <a:latin typeface="Corbel" charset="0"/>
-                <a:ea typeface="Corbel" charset="0"/>
-                <a:cs typeface="Corbel" charset="0"/>
-              </a:rPr>
-              <a:t>Scan </a:t>
-            </a:r>
-            <a:r>
-              <a:rPr lang="en-US" sz="2000" dirty="0" smtClean="0">
-                <a:solidFill>
-                  <a:schemeClr val="bg1">
-                    <a:lumMod val="95000"/>
-                  </a:schemeClr>
-                </a:solidFill>
-                <a:latin typeface="Corbel" charset="0"/>
-                <a:ea typeface="Corbel" charset="0"/>
-                <a:cs typeface="Corbel" charset="0"/>
-              </a:rPr>
-              <a:t>the QR code on the </a:t>
-            </a:r>
-            <a:r>
-              <a:rPr lang="en-US" sz="2000" dirty="0" smtClean="0">
-                <a:solidFill>
-                  <a:schemeClr val="bg1">
-                    <a:lumMod val="95000"/>
-                  </a:schemeClr>
-                </a:solidFill>
-                <a:latin typeface="Corbel" charset="0"/>
-                <a:ea typeface="Corbel" charset="0"/>
-                <a:cs typeface="Corbel" charset="0"/>
-              </a:rPr>
-              <a:t>right or visit </a:t>
+              <a:t>Scan the QR code on the right or visit </a:t>
             </a:r>
             <a:r>
               <a:rPr lang="en-US" sz="2000" dirty="0">
@@ -5513,46 +5579,7 @@
                 <a:ea typeface="Corbel" charset="0"/>
                 <a:cs typeface="Corbel" charset="0"/>
               </a:rPr>
-              <a:t> </a:t>
-            </a:r>
-            <a:r>
-              <a:rPr lang="en-US" sz="2000" dirty="0" smtClean="0">
-                <a:solidFill>
-                  <a:schemeClr val="bg1">
-                    <a:lumMod val="95000"/>
-                  </a:schemeClr>
-                </a:solidFill>
-                <a:latin typeface="Corbel" charset="0"/>
-                <a:ea typeface="Corbel" charset="0"/>
-                <a:cs typeface="Corbel" charset="0"/>
-              </a:rPr>
-              <a:t>to review and comment on </a:t>
-            </a:r>
-            <a:r>
-              <a:rPr lang="en-US" sz="2000" dirty="0" smtClean="0">
-                <a:solidFill>
-                  <a:schemeClr val="bg1">
-                    <a:lumMod val="95000"/>
-                  </a:schemeClr>
-                </a:solidFill>
-                <a:latin typeface="Corbel" charset="0"/>
-                <a:ea typeface="Corbel" charset="0"/>
-                <a:cs typeface="Corbel" charset="0"/>
-              </a:rPr>
-              <a:t>the Charon </a:t>
-            </a:r>
-            <a:r>
-              <a:rPr lang="en-US" sz="2000" dirty="0" smtClean="0">
-                <a:solidFill>
-                  <a:schemeClr val="bg1">
-                    <a:lumMod val="95000"/>
-                  </a:schemeClr>
-                </a:solidFill>
-                <a:latin typeface="Corbel" charset="0"/>
-                <a:ea typeface="Corbel" charset="0"/>
-                <a:cs typeface="Corbel" charset="0"/>
-              </a:rPr>
-              <a:t>technical specification. Any and all feedback is welcome!</a:t>
+              <a:t> to review and comment on the Charon technical specification. Any and all feedback is welcome!</a:t>
             </a:r>
             <a:endParaRPr lang="en-US" sz="2000" dirty="0">
               <a:solidFill>
@@ -7213,14 +7240,6 @@
               </a:rPr>
               <a:t>Catalog</a:t>
             </a:r>
-            <a:endParaRPr lang="en-US" sz="2000" dirty="0" smtClean="0">
-              <a:solidFill>
-                <a:srgbClr val="73626E"/>
-              </a:solidFill>
-              <a:latin typeface="Corbel" charset="0"/>
-              <a:ea typeface="Corbel" charset="0"/>
-              <a:cs typeface="Corbel" charset="0"/>
-            </a:endParaRPr>
           </a:p>
           <a:p>
             <a:pPr marL="342900" indent="-342900">
@@ -7255,14 +7274,6 @@
               </a:rPr>
               <a:t>Encode</a:t>
             </a:r>
-            <a:endParaRPr lang="en-US" sz="2000" dirty="0" smtClean="0">
-              <a:solidFill>
-                <a:srgbClr val="73626E"/>
-              </a:solidFill>
-              <a:latin typeface="Corbel" charset="0"/>
-              <a:ea typeface="Corbel" charset="0"/>
-              <a:cs typeface="Corbel" charset="0"/>
-            </a:endParaRPr>
           </a:p>
           <a:p>
             <a:pPr marL="342900" indent="-342900">
@@ -8742,6 +8753,163 @@
 </file>
 
 <file path=ppt/slides/slide10.xml><?xml version="1.0" encoding="utf-8"?>
+<p:sld xmlns:a="http://schemas.openxmlformats.org/drawingml/2006/main" xmlns:r="http://schemas.openxmlformats.org/officeDocument/2006/relationships" xmlns:p="http://schemas.openxmlformats.org/presentationml/2006/main">
+  <p:cSld>
+    <p:spTree>
+      <p:nvGrpSpPr>
+        <p:cNvPr id="1" name=""/>
+        <p:cNvGrpSpPr/>
+        <p:nvPr/>
+      </p:nvGrpSpPr>
+      <p:grpSpPr>
+        <a:xfrm>
+          <a:off x="0" y="0"/>
+          <a:ext cx="0" cy="0"/>
+          <a:chOff x="0" y="0"/>
+          <a:chExt cx="0" cy="0"/>
+        </a:xfrm>
+      </p:grpSpPr>
+      <p:sp>
+        <p:nvSpPr>
+          <p:cNvPr id="4" name="TextBox 3"/>
+          <p:cNvSpPr txBox="1"/>
+          <p:nvPr/>
+        </p:nvSpPr>
+        <p:spPr>
+          <a:xfrm>
+            <a:off x="536576" y="648643"/>
+            <a:ext cx="14617623" cy="32224206"/>
+          </a:xfrm>
+          <a:prstGeom prst="rect">
+            <a:avLst/>
+          </a:prstGeom>
+          <a:noFill/>
+        </p:spPr>
+        <p:txBody>
+          <a:bodyPr wrap="square" rtlCol="0">
+            <a:spAutoFit/>
+          </a:bodyPr>
+          <a:lstStyle/>
+          <a:p>
+            <a:r>
+              <a:rPr lang="en-US" b="1" dirty="0" smtClean="0"/>
+              <a:t>Charon</a:t>
+            </a:r>
+            <a:r>
+              <a:rPr lang="en-US" b="1" dirty="0"/>
+              <a:t>: Building a Digital Repository to Support DH Workflows </a:t>
+            </a:r>
+            <a:endParaRPr lang="en-US" dirty="0"/>
+          </a:p>
+          <a:p>
+            <a:r>
+              <a:rPr lang="en-US" i="1" dirty="0"/>
+              <a:t>Sarah Sweeney, Northeastern University, </a:t>
+            </a:r>
+            <a:r>
+              <a:rPr lang="en-US" i="1" dirty="0" err="1"/>
+              <a:t>sj.sweeney@northeastern.edu</a:t>
+            </a:r>
+            <a:r>
+              <a:rPr lang="en-US" i="1" dirty="0"/>
+              <a:t> </a:t>
+            </a:r>
+            <a:endParaRPr lang="en-US" dirty="0"/>
+          </a:p>
+          <a:p>
+            <a:r>
+              <a:rPr lang="en-US" b="1" dirty="0"/>
+              <a:t>Audience </a:t>
+            </a:r>
+            <a:endParaRPr lang="en-US" dirty="0"/>
+          </a:p>
+          <a:p>
+            <a:r>
+              <a:rPr lang="en-US" dirty="0"/>
+              <a:t>Our poster will appeal to: repository managers, who will be interested in the various workflows the system will support; developers, who will be interested in the repository technology stack and our plan to integrate external tools; and librarians, who will be interested in how we plan to support our pilot projects using this new system. </a:t>
+            </a:r>
+          </a:p>
+          <a:p>
+            <a:r>
+              <a:rPr lang="en-US" b="1" dirty="0"/>
+              <a:t>Background </a:t>
+            </a:r>
+            <a:endParaRPr lang="en-US" dirty="0"/>
+          </a:p>
+          <a:p>
+            <a:r>
+              <a:rPr lang="en-US" dirty="0"/>
+              <a:t>This poster will describe our work developing a repository system that will support research workflows typically associated with digital humanities, including transcription, translation, and annotation tasks (“Managing Research Data, Software, and Workflows”). This poster will illustrate the design of this system and describe the digital humanities projects the system is designed to support (“Repositories and Cultural Heritage”). </a:t>
+            </a:r>
+          </a:p>
+          <a:p>
+            <a:r>
+              <a:rPr lang="en-US" b="1" dirty="0"/>
+              <a:t>Poster content </a:t>
+            </a:r>
+            <a:endParaRPr lang="en-US" dirty="0"/>
+          </a:p>
+          <a:p>
+            <a:r>
+              <a:rPr lang="en-US" dirty="0"/>
+              <a:t>The Northeastern University Libraries Digital Scholarship Group (DSG) works with many project teams to help support their digital humanities research. We are in the process of designing a Hydra head that supports what we have identified as the most common tasks in the digital humanities workspace: annotating, cataloging, proofreading, publishing, text encoding, transcribing, and translating. Charon’s design and development will focus on the needs of three pilot projects, each of which are working to archive and provide research access to digitized cultural materials: “Cherokee Language: Transcription and Translation”, “The Jesuit Relations: A Digital Edition”, and “The Early Caribbean Digital Archive”. The end result will be a contributory and collaborative repository environment for many types of users, which ideally will encourage community engagement with openly accessible digital objects. </a:t>
+            </a:r>
+          </a:p>
+          <a:p>
+            <a:r>
+              <a:rPr lang="en-US" dirty="0"/>
+              <a:t>The central focus of this new Hydra head will be the editorial and content interfaces, each of which will include features that support collaborative project work. One of the key features of Charon will be the ability to customize the workspace. Project managers will be able to select the edit panes appropriate for their project, construct metadata templates, set up notifications, create and manage user accounts, and design task pipelines. The editorial interfaces will allow users to plan work from a dashboard, submit files, and manage workflows. The content interfaces will enable editing of submitted documents, including encoding and transcribing work. The end result will be collaboratively edited project materials that can be published on the web. </a:t>
+            </a:r>
+            <a:endParaRPr lang="en-US" dirty="0" smtClean="0"/>
+          </a:p>
+          <a:p>
+            <a:endParaRPr lang="en-US" dirty="0"/>
+          </a:p>
+          <a:p>
+            <a:r>
+              <a:rPr lang="en-US" b="1" i="1" dirty="0"/>
+              <a:t>This poster will describe the workflows Charon is designed to support, the technologies and tools we will use to build the system, and it will illustrate the process of designing such a system. Charon will be described visually using a mix of workflow diagrams, user interface mockups, and sample data. Repository managers, developers, and librarians may be interested to learn from our experience of using repository technologies to support digital humanities research workflows, and we are also interested in seeking feedback about the system from the Open Repositories community. </a:t>
+            </a:r>
+          </a:p>
+          <a:p>
+            <a:endParaRPr lang="en-US" b="1" dirty="0" smtClean="0"/>
+          </a:p>
+          <a:p>
+            <a:r>
+              <a:rPr lang="en-US" b="1" dirty="0" smtClean="0"/>
+              <a:t>Conclusion</a:t>
+            </a:r>
+            <a:r>
+              <a:rPr lang="en-US" b="1" dirty="0"/>
+              <a:t> </a:t>
+            </a:r>
+            <a:endParaRPr lang="en-US" dirty="0"/>
+          </a:p>
+          <a:p>
+            <a:r>
+              <a:rPr lang="en-US" dirty="0"/>
+              <a:t>Charon will support the full lifecycle of digital humanities research projects, from data acquisition, to transcribing and translating digitized materials, to recording scholarly annotations, to publishing materials for further research, with the ultimate goal of supporting community engagement with digital humanities research materials. </a:t>
+            </a:r>
+          </a:p>
+          <a:p>
+            <a:endParaRPr lang="en-US" dirty="0"/>
+          </a:p>
+        </p:txBody>
+      </p:sp>
+    </p:spTree>
+    <p:extLst>
+      <p:ext uri="{BB962C8B-B14F-4D97-AF65-F5344CB8AC3E}">
+        <p14:creationId xmlns:p14="http://schemas.microsoft.com/office/powerpoint/2010/main" val="34243356"/>
+      </p:ext>
+    </p:extLst>
+  </p:cSld>
+  <p:clrMapOvr>
+    <a:masterClrMapping/>
+  </p:clrMapOvr>
+</p:sld>
+</file>
+
+<file path=ppt/slides/slide11.xml><?xml version="1.0" encoding="utf-8"?>
 <p:sld xmlns:a="http://schemas.openxmlformats.org/drawingml/2006/main" xmlns:r="http://schemas.openxmlformats.org/officeDocument/2006/relationships" xmlns:p="http://schemas.openxmlformats.org/presentationml/2006/main">
   <p:cSld>
     <p:bg>
@@ -9617,7 +9785,7 @@
 </p:sld>
 </file>
 
-<file path=ppt/slides/slide11.xml><?xml version="1.0" encoding="utf-8"?>
+<file path=ppt/slides/slide12.xml><?xml version="1.0" encoding="utf-8"?>
 <p:sld xmlns:a="http://schemas.openxmlformats.org/drawingml/2006/main" xmlns:r="http://schemas.openxmlformats.org/officeDocument/2006/relationships" xmlns:p="http://schemas.openxmlformats.org/presentationml/2006/main">
   <p:cSld>
     <p:bg>
@@ -10433,6 +10601,4239 @@
     <p:bg>
       <p:bgPr>
         <a:solidFill>
+          <a:srgbClr val="37474F"/>
+        </a:solidFill>
+        <a:effectLst/>
+      </p:bgPr>
+    </p:bg>
+    <p:spTree>
+      <p:nvGrpSpPr>
+        <p:cNvPr id="1" name=""/>
+        <p:cNvGrpSpPr/>
+        <p:nvPr/>
+      </p:nvGrpSpPr>
+      <p:grpSpPr>
+        <a:xfrm>
+          <a:off x="0" y="0"/>
+          <a:ext cx="0" cy="0"/>
+          <a:chOff x="0" y="0"/>
+          <a:chExt cx="0" cy="0"/>
+        </a:xfrm>
+      </p:grpSpPr>
+      <p:sp>
+        <p:nvSpPr>
+          <p:cNvPr id="129" name="Rounded Rectangle 128"/>
+          <p:cNvSpPr/>
+          <p:nvPr/>
+        </p:nvSpPr>
+        <p:spPr>
+          <a:xfrm>
+            <a:off x="249238" y="16994459"/>
+            <a:ext cx="9739024" cy="1160512"/>
+          </a:xfrm>
+          <a:prstGeom prst="roundRect">
+            <a:avLst>
+              <a:gd name="adj" fmla="val 10378"/>
+            </a:avLst>
+          </a:prstGeom>
+          <a:solidFill>
+            <a:schemeClr val="bg1">
+              <a:lumMod val="85000"/>
+            </a:schemeClr>
+          </a:solidFill>
+          <a:ln w="63500">
+            <a:solidFill>
+              <a:schemeClr val="bg1">
+                <a:lumMod val="85000"/>
+              </a:schemeClr>
+            </a:solidFill>
+          </a:ln>
+        </p:spPr>
+        <p:style>
+          <a:lnRef idx="2">
+            <a:schemeClr val="accent1">
+              <a:shade val="50000"/>
+            </a:schemeClr>
+          </a:lnRef>
+          <a:fillRef idx="1">
+            <a:schemeClr val="accent1"/>
+          </a:fillRef>
+          <a:effectRef idx="0">
+            <a:schemeClr val="accent1"/>
+          </a:effectRef>
+          <a:fontRef idx="minor">
+            <a:schemeClr val="lt1"/>
+          </a:fontRef>
+        </p:style>
+        <p:txBody>
+          <a:bodyPr rtlCol="0" anchor="ctr"/>
+          <a:lstStyle/>
+          <a:p>
+            <a:pPr algn="ctr"/>
+            <a:endParaRPr lang="en-US">
+              <a:latin typeface="Corbel" charset="0"/>
+              <a:ea typeface="Corbel" charset="0"/>
+              <a:cs typeface="Corbel" charset="0"/>
+            </a:endParaRPr>
+          </a:p>
+        </p:txBody>
+      </p:sp>
+      <p:sp>
+        <p:nvSpPr>
+          <p:cNvPr id="130" name="Round Same Side Corner Rectangle 129"/>
+          <p:cNvSpPr/>
+          <p:nvPr/>
+        </p:nvSpPr>
+        <p:spPr>
+          <a:xfrm rot="5400000">
+            <a:off x="4816796" y="12930137"/>
+            <a:ext cx="1160512" cy="9289156"/>
+          </a:xfrm>
+          <a:prstGeom prst="round2SameRect">
+            <a:avLst>
+              <a:gd name="adj1" fmla="val 11193"/>
+              <a:gd name="adj2" fmla="val 0"/>
+            </a:avLst>
+          </a:prstGeom>
+          <a:solidFill>
+            <a:srgbClr val="78909C"/>
+          </a:solidFill>
+          <a:ln w="63500">
+            <a:solidFill>
+              <a:schemeClr val="bg1">
+                <a:lumMod val="85000"/>
+              </a:schemeClr>
+            </a:solidFill>
+          </a:ln>
+        </p:spPr>
+        <p:style>
+          <a:lnRef idx="2">
+            <a:schemeClr val="accent1">
+              <a:shade val="50000"/>
+            </a:schemeClr>
+          </a:lnRef>
+          <a:fillRef idx="1">
+            <a:schemeClr val="accent1"/>
+          </a:fillRef>
+          <a:effectRef idx="0">
+            <a:schemeClr val="accent1"/>
+          </a:effectRef>
+          <a:fontRef idx="minor">
+            <a:schemeClr val="lt1"/>
+          </a:fontRef>
+        </p:style>
+        <p:txBody>
+          <a:bodyPr rtlCol="0" anchor="ctr"/>
+          <a:lstStyle/>
+          <a:p>
+            <a:pPr algn="ctr"/>
+            <a:endParaRPr lang="en-US">
+              <a:latin typeface="Corbel" charset="0"/>
+              <a:ea typeface="Corbel" charset="0"/>
+              <a:cs typeface="Corbel" charset="0"/>
+            </a:endParaRPr>
+          </a:p>
+        </p:txBody>
+      </p:sp>
+      <p:sp>
+        <p:nvSpPr>
+          <p:cNvPr id="127" name="Rounded Rectangle 126"/>
+          <p:cNvSpPr/>
+          <p:nvPr/>
+        </p:nvSpPr>
+        <p:spPr>
+          <a:xfrm>
+            <a:off x="248543" y="11881891"/>
+            <a:ext cx="9793088" cy="4896544"/>
+          </a:xfrm>
+          <a:prstGeom prst="roundRect">
+            <a:avLst>
+              <a:gd name="adj" fmla="val 10378"/>
+            </a:avLst>
+          </a:prstGeom>
+          <a:solidFill>
+            <a:schemeClr val="bg1">
+              <a:lumMod val="85000"/>
+            </a:schemeClr>
+          </a:solidFill>
+          <a:ln w="63500">
+            <a:solidFill>
+              <a:schemeClr val="bg1">
+                <a:lumMod val="85000"/>
+              </a:schemeClr>
+            </a:solidFill>
+          </a:ln>
+        </p:spPr>
+        <p:style>
+          <a:lnRef idx="2">
+            <a:schemeClr val="accent1">
+              <a:shade val="50000"/>
+            </a:schemeClr>
+          </a:lnRef>
+          <a:fillRef idx="1">
+            <a:schemeClr val="accent1"/>
+          </a:fillRef>
+          <a:effectRef idx="0">
+            <a:schemeClr val="accent1"/>
+          </a:effectRef>
+          <a:fontRef idx="minor">
+            <a:schemeClr val="lt1"/>
+          </a:fontRef>
+        </p:style>
+        <p:txBody>
+          <a:bodyPr rtlCol="0" anchor="ctr"/>
+          <a:lstStyle/>
+          <a:p>
+            <a:pPr algn="ctr"/>
+            <a:endParaRPr lang="en-US">
+              <a:latin typeface="Corbel" charset="0"/>
+              <a:ea typeface="Corbel" charset="0"/>
+              <a:cs typeface="Corbel" charset="0"/>
+            </a:endParaRPr>
+          </a:p>
+        </p:txBody>
+      </p:sp>
+      <p:sp>
+        <p:nvSpPr>
+          <p:cNvPr id="128" name="Round Same Side Corner Rectangle 127"/>
+          <p:cNvSpPr/>
+          <p:nvPr/>
+        </p:nvSpPr>
+        <p:spPr>
+          <a:xfrm rot="5400000">
+            <a:off x="2957878" y="9676612"/>
+            <a:ext cx="4896544" cy="9307101"/>
+          </a:xfrm>
+          <a:prstGeom prst="round2SameRect">
+            <a:avLst>
+              <a:gd name="adj1" fmla="val 11193"/>
+              <a:gd name="adj2" fmla="val 0"/>
+            </a:avLst>
+          </a:prstGeom>
+          <a:solidFill>
+            <a:srgbClr val="78909C"/>
+          </a:solidFill>
+          <a:ln w="63500">
+            <a:solidFill>
+              <a:schemeClr val="bg1">
+                <a:lumMod val="85000"/>
+              </a:schemeClr>
+            </a:solidFill>
+          </a:ln>
+        </p:spPr>
+        <p:style>
+          <a:lnRef idx="2">
+            <a:schemeClr val="accent1">
+              <a:shade val="50000"/>
+            </a:schemeClr>
+          </a:lnRef>
+          <a:fillRef idx="1">
+            <a:schemeClr val="accent1"/>
+          </a:fillRef>
+          <a:effectRef idx="0">
+            <a:schemeClr val="accent1"/>
+          </a:effectRef>
+          <a:fontRef idx="minor">
+            <a:schemeClr val="lt1"/>
+          </a:fontRef>
+        </p:style>
+        <p:txBody>
+          <a:bodyPr rtlCol="0" anchor="ctr"/>
+          <a:lstStyle/>
+          <a:p>
+            <a:pPr algn="ctr"/>
+            <a:endParaRPr lang="en-US">
+              <a:latin typeface="Corbel" charset="0"/>
+              <a:ea typeface="Corbel" charset="0"/>
+              <a:cs typeface="Corbel" charset="0"/>
+            </a:endParaRPr>
+          </a:p>
+        </p:txBody>
+      </p:sp>
+      <p:sp>
+        <p:nvSpPr>
+          <p:cNvPr id="115" name="Rounded Rectangle 114"/>
+          <p:cNvSpPr/>
+          <p:nvPr/>
+        </p:nvSpPr>
+        <p:spPr>
+          <a:xfrm>
+            <a:off x="270114" y="6985347"/>
+            <a:ext cx="9573685" cy="4680520"/>
+          </a:xfrm>
+          <a:prstGeom prst="roundRect">
+            <a:avLst>
+              <a:gd name="adj" fmla="val 10378"/>
+            </a:avLst>
+          </a:prstGeom>
+          <a:solidFill>
+            <a:schemeClr val="bg1">
+              <a:lumMod val="85000"/>
+            </a:schemeClr>
+          </a:solidFill>
+          <a:ln w="63500">
+            <a:solidFill>
+              <a:schemeClr val="bg1">
+                <a:lumMod val="85000"/>
+              </a:schemeClr>
+            </a:solidFill>
+          </a:ln>
+        </p:spPr>
+        <p:style>
+          <a:lnRef idx="2">
+            <a:schemeClr val="accent1">
+              <a:shade val="50000"/>
+            </a:schemeClr>
+          </a:lnRef>
+          <a:fillRef idx="1">
+            <a:schemeClr val="accent1"/>
+          </a:fillRef>
+          <a:effectRef idx="0">
+            <a:schemeClr val="accent1"/>
+          </a:effectRef>
+          <a:fontRef idx="minor">
+            <a:schemeClr val="lt1"/>
+          </a:fontRef>
+        </p:style>
+        <p:txBody>
+          <a:bodyPr rtlCol="0" anchor="ctr"/>
+          <a:lstStyle/>
+          <a:p>
+            <a:pPr algn="ctr"/>
+            <a:endParaRPr lang="en-US">
+              <a:latin typeface="Corbel" charset="0"/>
+              <a:ea typeface="Corbel" charset="0"/>
+              <a:cs typeface="Corbel" charset="0"/>
+            </a:endParaRPr>
+          </a:p>
+        </p:txBody>
+      </p:sp>
+      <p:sp>
+        <p:nvSpPr>
+          <p:cNvPr id="116" name="Round Same Side Corner Rectangle 115"/>
+          <p:cNvSpPr/>
+          <p:nvPr/>
+        </p:nvSpPr>
+        <p:spPr>
+          <a:xfrm rot="5400000">
+            <a:off x="3075270" y="4681314"/>
+            <a:ext cx="4680520" cy="9288585"/>
+          </a:xfrm>
+          <a:prstGeom prst="round2SameRect">
+            <a:avLst>
+              <a:gd name="adj1" fmla="val 11193"/>
+              <a:gd name="adj2" fmla="val 0"/>
+            </a:avLst>
+          </a:prstGeom>
+          <a:solidFill>
+            <a:srgbClr val="78909C"/>
+          </a:solidFill>
+          <a:ln w="63500">
+            <a:solidFill>
+              <a:schemeClr val="bg1">
+                <a:lumMod val="85000"/>
+              </a:schemeClr>
+            </a:solidFill>
+          </a:ln>
+        </p:spPr>
+        <p:style>
+          <a:lnRef idx="2">
+            <a:schemeClr val="accent1">
+              <a:shade val="50000"/>
+            </a:schemeClr>
+          </a:lnRef>
+          <a:fillRef idx="1">
+            <a:schemeClr val="accent1"/>
+          </a:fillRef>
+          <a:effectRef idx="0">
+            <a:schemeClr val="accent1"/>
+          </a:effectRef>
+          <a:fontRef idx="minor">
+            <a:schemeClr val="lt1"/>
+          </a:fontRef>
+        </p:style>
+        <p:txBody>
+          <a:bodyPr rtlCol="0" anchor="ctr"/>
+          <a:lstStyle/>
+          <a:p>
+            <a:pPr algn="ctr"/>
+            <a:endParaRPr lang="en-US">
+              <a:latin typeface="Corbel" charset="0"/>
+              <a:ea typeface="Corbel" charset="0"/>
+              <a:cs typeface="Corbel" charset="0"/>
+            </a:endParaRPr>
+          </a:p>
+        </p:txBody>
+      </p:sp>
+      <p:sp>
+        <p:nvSpPr>
+          <p:cNvPr id="95" name="Rounded Rectangle 94"/>
+          <p:cNvSpPr/>
+          <p:nvPr/>
+        </p:nvSpPr>
+        <p:spPr>
+          <a:xfrm>
+            <a:off x="249357" y="3312939"/>
+            <a:ext cx="9793088" cy="3456384"/>
+          </a:xfrm>
+          <a:prstGeom prst="roundRect">
+            <a:avLst>
+              <a:gd name="adj" fmla="val 16045"/>
+            </a:avLst>
+          </a:prstGeom>
+          <a:solidFill>
+            <a:schemeClr val="bg1">
+              <a:lumMod val="85000"/>
+            </a:schemeClr>
+          </a:solidFill>
+          <a:ln w="63500">
+            <a:solidFill>
+              <a:schemeClr val="bg1">
+                <a:lumMod val="85000"/>
+              </a:schemeClr>
+            </a:solidFill>
+          </a:ln>
+        </p:spPr>
+        <p:style>
+          <a:lnRef idx="2">
+            <a:schemeClr val="accent1">
+              <a:shade val="50000"/>
+            </a:schemeClr>
+          </a:lnRef>
+          <a:fillRef idx="1">
+            <a:schemeClr val="accent1"/>
+          </a:fillRef>
+          <a:effectRef idx="0">
+            <a:schemeClr val="accent1"/>
+          </a:effectRef>
+          <a:fontRef idx="minor">
+            <a:schemeClr val="lt1"/>
+          </a:fontRef>
+        </p:style>
+        <p:txBody>
+          <a:bodyPr rtlCol="0" anchor="ctr"/>
+          <a:lstStyle/>
+          <a:p>
+            <a:pPr algn="ctr"/>
+            <a:endParaRPr lang="en-US">
+              <a:latin typeface="Corbel" charset="0"/>
+              <a:ea typeface="Corbel" charset="0"/>
+              <a:cs typeface="Corbel" charset="0"/>
+            </a:endParaRPr>
+          </a:p>
+        </p:txBody>
+      </p:sp>
+      <p:sp>
+        <p:nvSpPr>
+          <p:cNvPr id="6" name="Round Same Side Corner Rectangle 5"/>
+          <p:cNvSpPr/>
+          <p:nvPr/>
+        </p:nvSpPr>
+        <p:spPr>
+          <a:xfrm rot="5400000">
+            <a:off x="3678364" y="387987"/>
+            <a:ext cx="3456384" cy="9306287"/>
+          </a:xfrm>
+          <a:prstGeom prst="round2SameRect">
+            <a:avLst/>
+          </a:prstGeom>
+          <a:solidFill>
+            <a:srgbClr val="78909C"/>
+          </a:solidFill>
+          <a:ln w="63500">
+            <a:solidFill>
+              <a:schemeClr val="bg1">
+                <a:lumMod val="85000"/>
+              </a:schemeClr>
+            </a:solidFill>
+          </a:ln>
+        </p:spPr>
+        <p:style>
+          <a:lnRef idx="2">
+            <a:schemeClr val="accent1">
+              <a:shade val="50000"/>
+            </a:schemeClr>
+          </a:lnRef>
+          <a:fillRef idx="1">
+            <a:schemeClr val="accent1"/>
+          </a:fillRef>
+          <a:effectRef idx="0">
+            <a:schemeClr val="accent1"/>
+          </a:effectRef>
+          <a:fontRef idx="minor">
+            <a:schemeClr val="lt1"/>
+          </a:fontRef>
+        </p:style>
+        <p:txBody>
+          <a:bodyPr rtlCol="0" anchor="ctr"/>
+          <a:lstStyle/>
+          <a:p>
+            <a:pPr algn="ctr"/>
+            <a:endParaRPr lang="en-US">
+              <a:latin typeface="Corbel" charset="0"/>
+              <a:ea typeface="Corbel" charset="0"/>
+              <a:cs typeface="Corbel" charset="0"/>
+            </a:endParaRPr>
+          </a:p>
+        </p:txBody>
+      </p:sp>
+      <p:sp>
+        <p:nvSpPr>
+          <p:cNvPr id="67" name="Rounded Rectangle 66"/>
+          <p:cNvSpPr/>
+          <p:nvPr/>
+        </p:nvSpPr>
+        <p:spPr>
+          <a:xfrm>
+            <a:off x="943985" y="3456955"/>
+            <a:ext cx="4417125" cy="3168352"/>
+          </a:xfrm>
+          <a:prstGeom prst="roundRect">
+            <a:avLst/>
+          </a:prstGeom>
+          <a:solidFill>
+            <a:schemeClr val="bg1">
+              <a:lumMod val="85000"/>
+            </a:schemeClr>
+          </a:solidFill>
+          <a:ln>
+            <a:noFill/>
+          </a:ln>
+        </p:spPr>
+        <p:style>
+          <a:lnRef idx="2">
+            <a:schemeClr val="accent1">
+              <a:shade val="50000"/>
+            </a:schemeClr>
+          </a:lnRef>
+          <a:fillRef idx="1">
+            <a:schemeClr val="accent1"/>
+          </a:fillRef>
+          <a:effectRef idx="0">
+            <a:schemeClr val="accent1"/>
+          </a:effectRef>
+          <a:fontRef idx="minor">
+            <a:schemeClr val="lt1"/>
+          </a:fontRef>
+        </p:style>
+        <p:txBody>
+          <a:bodyPr lIns="0" tIns="18288" rIns="0" bIns="18288" rtlCol="0" anchor="ctr"/>
+          <a:lstStyle/>
+          <a:p>
+            <a:pPr algn="ctr"/>
+            <a:endParaRPr lang="en-US" sz="2000">
+              <a:solidFill>
+                <a:schemeClr val="bg1">
+                  <a:lumMod val="85000"/>
+                </a:schemeClr>
+              </a:solidFill>
+              <a:latin typeface="Corbel" charset="0"/>
+              <a:ea typeface="Corbel" charset="0"/>
+              <a:cs typeface="Corbel" charset="0"/>
+            </a:endParaRPr>
+          </a:p>
+        </p:txBody>
+      </p:sp>
+      <p:sp>
+        <p:nvSpPr>
+          <p:cNvPr id="24" name="TextBox 23"/>
+          <p:cNvSpPr txBox="1"/>
+          <p:nvPr/>
+        </p:nvSpPr>
+        <p:spPr>
+          <a:xfrm>
+            <a:off x="5433119" y="3456955"/>
+            <a:ext cx="4536828" cy="3262432"/>
+          </a:xfrm>
+          <a:prstGeom prst="rect">
+            <a:avLst/>
+          </a:prstGeom>
+          <a:noFill/>
+          <a:ln>
+            <a:noFill/>
+          </a:ln>
+        </p:spPr>
+        <p:txBody>
+          <a:bodyPr wrap="square" lIns="91440" tIns="91440" rIns="91440" bIns="91440" rtlCol="0">
+            <a:spAutoFit/>
+          </a:bodyPr>
+          <a:lstStyle/>
+          <a:p>
+            <a:r>
+              <a:rPr lang="en-US" sz="2000" dirty="0" smtClean="0">
+                <a:solidFill>
+                  <a:srgbClr val="37474F"/>
+                </a:solidFill>
+                <a:latin typeface="Corbel" charset="0"/>
+                <a:ea typeface="Corbel" charset="0"/>
+                <a:cs typeface="Corbel" charset="0"/>
+              </a:rPr>
+              <a:t>How can Hydra be used </a:t>
+            </a:r>
+            <a:r>
+              <a:rPr lang="en-US" sz="2000" dirty="0">
+                <a:solidFill>
+                  <a:srgbClr val="37474F"/>
+                </a:solidFill>
+                <a:latin typeface="Corbel" charset="0"/>
+                <a:ea typeface="Corbel" charset="0"/>
+                <a:cs typeface="Corbel" charset="0"/>
+              </a:rPr>
+              <a:t>to enable the creation, dissemination, and </a:t>
+            </a:r>
+            <a:r>
+              <a:rPr lang="en-US" sz="2000" dirty="0" smtClean="0">
+                <a:solidFill>
+                  <a:srgbClr val="37474F"/>
+                </a:solidFill>
+                <a:latin typeface="Corbel" charset="0"/>
+                <a:ea typeface="Corbel" charset="0"/>
+                <a:cs typeface="Corbel" charset="0"/>
+              </a:rPr>
+              <a:t>long-term </a:t>
+            </a:r>
+            <a:r>
+              <a:rPr lang="en-US" sz="2000" dirty="0">
+                <a:solidFill>
+                  <a:srgbClr val="37474F"/>
+                </a:solidFill>
+                <a:latin typeface="Corbel" charset="0"/>
+                <a:ea typeface="Corbel" charset="0"/>
+                <a:cs typeface="Corbel" charset="0"/>
+              </a:rPr>
+              <a:t>support of </a:t>
+            </a:r>
+            <a:r>
+              <a:rPr lang="en-US" sz="2000" dirty="0" smtClean="0">
+                <a:solidFill>
+                  <a:srgbClr val="37474F"/>
+                </a:solidFill>
+                <a:latin typeface="Corbel" charset="0"/>
+                <a:ea typeface="Corbel" charset="0"/>
+                <a:cs typeface="Corbel" charset="0"/>
+              </a:rPr>
+              <a:t>digital humanities projects </a:t>
+            </a:r>
+            <a:r>
+              <a:rPr lang="en-US" sz="2000" dirty="0">
+                <a:solidFill>
+                  <a:srgbClr val="37474F"/>
+                </a:solidFill>
+                <a:latin typeface="Corbel" charset="0"/>
+                <a:ea typeface="Corbel" charset="0"/>
+                <a:cs typeface="Corbel" charset="0"/>
+              </a:rPr>
+              <a:t>and </a:t>
+            </a:r>
+            <a:r>
+              <a:rPr lang="en-US" sz="2000" dirty="0" smtClean="0">
+                <a:solidFill>
+                  <a:srgbClr val="37474F"/>
+                </a:solidFill>
+                <a:latin typeface="Corbel" charset="0"/>
+                <a:ea typeface="Corbel" charset="0"/>
+                <a:cs typeface="Corbel" charset="0"/>
+              </a:rPr>
+              <a:t>publications? NUL's Digital Scholarship Group seeks </a:t>
+            </a:r>
+            <a:r>
+              <a:rPr lang="en-US" sz="2000" dirty="0">
+                <a:solidFill>
+                  <a:srgbClr val="37474F"/>
+                </a:solidFill>
+                <a:latin typeface="Corbel" charset="0"/>
+                <a:ea typeface="Corbel" charset="0"/>
+                <a:cs typeface="Corbel" charset="0"/>
+              </a:rPr>
+              <a:t>to answer this question by developing a workflow-based digital </a:t>
+            </a:r>
+            <a:r>
+              <a:rPr lang="en-US" sz="2000" dirty="0" smtClean="0">
+                <a:solidFill>
+                  <a:srgbClr val="37474F"/>
+                </a:solidFill>
+                <a:latin typeface="Corbel" charset="0"/>
+                <a:ea typeface="Corbel" charset="0"/>
+                <a:cs typeface="Corbel" charset="0"/>
+              </a:rPr>
+              <a:t>framework </a:t>
+            </a:r>
+            <a:r>
+              <a:rPr lang="en-US" sz="2000" dirty="0">
+                <a:solidFill>
+                  <a:srgbClr val="37474F"/>
+                </a:solidFill>
+                <a:latin typeface="Corbel" charset="0"/>
+                <a:ea typeface="Corbel" charset="0"/>
+                <a:cs typeface="Corbel" charset="0"/>
+              </a:rPr>
+              <a:t>to provide editorial </a:t>
+            </a:r>
+            <a:r>
+              <a:rPr lang="en-US" sz="2000" dirty="0" smtClean="0">
+                <a:solidFill>
+                  <a:srgbClr val="37474F"/>
+                </a:solidFill>
+                <a:latin typeface="Corbel" charset="0"/>
+                <a:ea typeface="Corbel" charset="0"/>
+                <a:cs typeface="Corbel" charset="0"/>
+              </a:rPr>
+              <a:t>and other workflow </a:t>
+            </a:r>
+            <a:r>
+              <a:rPr lang="en-US" sz="2000" dirty="0">
+                <a:solidFill>
+                  <a:srgbClr val="37474F"/>
+                </a:solidFill>
+                <a:latin typeface="Corbel" charset="0"/>
+                <a:ea typeface="Corbel" charset="0"/>
+                <a:cs typeface="Corbel" charset="0"/>
+              </a:rPr>
+              <a:t>management </a:t>
+            </a:r>
+            <a:r>
+              <a:rPr lang="en-US" sz="2000" dirty="0" smtClean="0">
+                <a:solidFill>
+                  <a:srgbClr val="37474F"/>
+                </a:solidFill>
+                <a:latin typeface="Corbel" charset="0"/>
+                <a:ea typeface="Corbel" charset="0"/>
+                <a:cs typeface="Corbel" charset="0"/>
+              </a:rPr>
+              <a:t>tools commonly used in digital humanities project work.</a:t>
+            </a:r>
+            <a:endParaRPr lang="en-US" sz="2000" dirty="0">
+              <a:solidFill>
+                <a:srgbClr val="37474F"/>
+              </a:solidFill>
+              <a:latin typeface="Corbel" charset="0"/>
+              <a:ea typeface="Corbel" charset="0"/>
+              <a:cs typeface="Corbel" charset="0"/>
+            </a:endParaRPr>
+          </a:p>
+        </p:txBody>
+      </p:sp>
+      <p:sp>
+        <p:nvSpPr>
+          <p:cNvPr id="80" name="Rectangle 79"/>
+          <p:cNvSpPr/>
+          <p:nvPr/>
+        </p:nvSpPr>
+        <p:spPr>
+          <a:xfrm>
+            <a:off x="249357" y="3312939"/>
+            <a:ext cx="5184576" cy="3240360"/>
+          </a:xfrm>
+          <a:prstGeom prst="rect">
+            <a:avLst/>
+          </a:prstGeom>
+          <a:noFill/>
+          <a:ln cap="rnd">
+            <a:noFill/>
+            <a:prstDash val="solid"/>
+          </a:ln>
+        </p:spPr>
+        <p:style>
+          <a:lnRef idx="2">
+            <a:schemeClr val="accent1">
+              <a:shade val="50000"/>
+            </a:schemeClr>
+          </a:lnRef>
+          <a:fillRef idx="1">
+            <a:schemeClr val="accent1"/>
+          </a:fillRef>
+          <a:effectRef idx="0">
+            <a:schemeClr val="accent1"/>
+          </a:effectRef>
+          <a:fontRef idx="minor">
+            <a:schemeClr val="lt1"/>
+          </a:fontRef>
+        </p:style>
+        <p:txBody>
+          <a:bodyPr rtlCol="0" anchor="ctr"/>
+          <a:lstStyle/>
+          <a:p>
+            <a:pPr algn="ctr"/>
+            <a:endParaRPr lang="en-US">
+              <a:latin typeface="Corbel" charset="0"/>
+              <a:ea typeface="Corbel" charset="0"/>
+              <a:cs typeface="Corbel" charset="0"/>
+            </a:endParaRPr>
+          </a:p>
+        </p:txBody>
+      </p:sp>
+      <p:sp>
+        <p:nvSpPr>
+          <p:cNvPr id="7" name="TextBox 6"/>
+          <p:cNvSpPr txBox="1"/>
+          <p:nvPr/>
+        </p:nvSpPr>
+        <p:spPr>
+          <a:xfrm>
+            <a:off x="8625343" y="0"/>
+            <a:ext cx="1688704" cy="1446550"/>
+          </a:xfrm>
+          <a:prstGeom prst="rect">
+            <a:avLst/>
+          </a:prstGeom>
+          <a:solidFill>
+            <a:schemeClr val="bg1">
+              <a:lumMod val="85000"/>
+            </a:schemeClr>
+          </a:solidFill>
+        </p:spPr>
+        <p:txBody>
+          <a:bodyPr wrap="square" rtlCol="0">
+            <a:spAutoFit/>
+          </a:bodyPr>
+          <a:lstStyle/>
+          <a:p>
+            <a:pPr algn="ctr"/>
+            <a:endParaRPr lang="en-AU" sz="2800" dirty="0" smtClean="0">
+              <a:latin typeface="Corbel" charset="0"/>
+              <a:ea typeface="Corbel" charset="0"/>
+              <a:cs typeface="Corbel" charset="0"/>
+            </a:endParaRPr>
+          </a:p>
+          <a:p>
+            <a:pPr algn="ctr"/>
+            <a:r>
+              <a:rPr lang="en-AU" sz="3200" b="1" dirty="0" smtClean="0">
+                <a:latin typeface="Corbel" charset="0"/>
+                <a:ea typeface="Corbel" charset="0"/>
+                <a:cs typeface="Corbel" charset="0"/>
+              </a:rPr>
+              <a:t>115</a:t>
+            </a:r>
+          </a:p>
+          <a:p>
+            <a:pPr algn="ctr"/>
+            <a:endParaRPr lang="en-AU" sz="2800" dirty="0" smtClean="0">
+              <a:solidFill>
+                <a:schemeClr val="bg1"/>
+              </a:solidFill>
+              <a:latin typeface="Corbel" charset="0"/>
+              <a:ea typeface="Corbel" charset="0"/>
+              <a:cs typeface="Corbel" charset="0"/>
+            </a:endParaRPr>
+          </a:p>
+        </p:txBody>
+      </p:sp>
+      <p:sp>
+        <p:nvSpPr>
+          <p:cNvPr id="3" name="TextBox 2"/>
+          <p:cNvSpPr txBox="1"/>
+          <p:nvPr/>
+        </p:nvSpPr>
+        <p:spPr>
+          <a:xfrm>
+            <a:off x="0" y="1440731"/>
+            <a:ext cx="10290175" cy="1815882"/>
+          </a:xfrm>
+          <a:prstGeom prst="rect">
+            <a:avLst/>
+          </a:prstGeom>
+          <a:noFill/>
+          <a:ln>
+            <a:noFill/>
+          </a:ln>
+        </p:spPr>
+        <p:txBody>
+          <a:bodyPr wrap="square" lIns="0" tIns="0" rIns="0" bIns="0" rtlCol="0">
+            <a:spAutoFit/>
+          </a:bodyPr>
+          <a:lstStyle/>
+          <a:p>
+            <a:pPr algn="ctr"/>
+            <a:r>
+              <a:rPr lang="en-US" sz="6000" dirty="0">
+                <a:solidFill>
+                  <a:srgbClr val="FFD966"/>
+                </a:solidFill>
+                <a:latin typeface="Corbel" charset="0"/>
+                <a:ea typeface="Corbel" charset="0"/>
+                <a:cs typeface="Corbel" charset="0"/>
+              </a:rPr>
+              <a:t>Charon: </a:t>
+            </a:r>
+            <a:r>
+              <a:rPr lang="en-US" sz="5800" dirty="0" smtClean="0">
+                <a:solidFill>
+                  <a:srgbClr val="FFD966"/>
+                </a:solidFill>
+                <a:latin typeface="Corbel" charset="0"/>
+                <a:ea typeface="Corbel" charset="0"/>
+                <a:cs typeface="Corbel" charset="0"/>
+              </a:rPr>
+              <a:t>A </a:t>
+            </a:r>
+            <a:r>
+              <a:rPr lang="en-US" sz="5800" dirty="0">
+                <a:solidFill>
+                  <a:srgbClr val="FFD966"/>
+                </a:solidFill>
+                <a:latin typeface="Corbel" charset="0"/>
+                <a:ea typeface="Corbel" charset="0"/>
+                <a:cs typeface="Corbel" charset="0"/>
+              </a:rPr>
+              <a:t>Repository </a:t>
+            </a:r>
+            <a:r>
+              <a:rPr lang="en-US" sz="5800" dirty="0" smtClean="0">
+                <a:solidFill>
+                  <a:srgbClr val="FFD966"/>
+                </a:solidFill>
+                <a:latin typeface="Corbel" charset="0"/>
+                <a:ea typeface="Corbel" charset="0"/>
+                <a:cs typeface="Corbel" charset="0"/>
+              </a:rPr>
+              <a:t>for Digital Humanities Project Work</a:t>
+            </a:r>
+            <a:endParaRPr lang="en-US" sz="5800" dirty="0">
+              <a:solidFill>
+                <a:srgbClr val="FFD966"/>
+              </a:solidFill>
+              <a:latin typeface="Corbel" charset="0"/>
+              <a:ea typeface="Corbel" charset="0"/>
+              <a:cs typeface="Corbel" charset="0"/>
+            </a:endParaRPr>
+          </a:p>
+        </p:txBody>
+      </p:sp>
+      <p:sp>
+        <p:nvSpPr>
+          <p:cNvPr id="19" name="TextBox 18"/>
+          <p:cNvSpPr txBox="1"/>
+          <p:nvPr/>
+        </p:nvSpPr>
+        <p:spPr>
+          <a:xfrm>
+            <a:off x="248543" y="288603"/>
+            <a:ext cx="8280919" cy="1107996"/>
+          </a:xfrm>
+          <a:prstGeom prst="rect">
+            <a:avLst/>
+          </a:prstGeom>
+          <a:noFill/>
+          <a:ln>
+            <a:noFill/>
+          </a:ln>
+        </p:spPr>
+        <p:txBody>
+          <a:bodyPr wrap="square" lIns="0" tIns="0" rIns="0" bIns="0" rtlCol="0">
+            <a:spAutoFit/>
+          </a:bodyPr>
+          <a:lstStyle/>
+          <a:p>
+            <a:r>
+              <a:rPr lang="en-US" sz="2400" dirty="0">
+                <a:solidFill>
+                  <a:srgbClr val="E0E0E0"/>
+                </a:solidFill>
+                <a:latin typeface="Corbel" charset="0"/>
+                <a:ea typeface="Corbel" charset="0"/>
+                <a:cs typeface="Corbel" charset="0"/>
+              </a:rPr>
+              <a:t>Sarah Sweeney, </a:t>
+            </a:r>
+            <a:r>
+              <a:rPr lang="en-US" sz="2400" dirty="0" err="1">
+                <a:solidFill>
+                  <a:srgbClr val="E0E0E0"/>
+                </a:solidFill>
+                <a:latin typeface="Corbel" charset="0"/>
+                <a:ea typeface="Corbel" charset="0"/>
+                <a:cs typeface="Corbel" charset="0"/>
+              </a:rPr>
+              <a:t>sj.sweeney@northeastern.edu</a:t>
+            </a:r>
+            <a:endParaRPr lang="en-US" sz="2400" dirty="0">
+              <a:solidFill>
+                <a:srgbClr val="E0E0E0"/>
+              </a:solidFill>
+              <a:latin typeface="Corbel" charset="0"/>
+              <a:ea typeface="Corbel" charset="0"/>
+              <a:cs typeface="Corbel" charset="0"/>
+            </a:endParaRPr>
+          </a:p>
+          <a:p>
+            <a:r>
+              <a:rPr lang="en-US" sz="2400" dirty="0" smtClean="0">
+                <a:solidFill>
+                  <a:srgbClr val="E0E0E0"/>
+                </a:solidFill>
+                <a:latin typeface="Corbel" charset="0"/>
+                <a:ea typeface="Corbel" charset="0"/>
+                <a:cs typeface="Corbel" charset="0"/>
+              </a:rPr>
+              <a:t>Northeastern University Libraries</a:t>
+            </a:r>
+          </a:p>
+          <a:p>
+            <a:r>
+              <a:rPr lang="en-US" sz="2400" dirty="0" smtClean="0">
+                <a:solidFill>
+                  <a:srgbClr val="E0E0E0"/>
+                </a:solidFill>
+                <a:latin typeface="Corbel" charset="0"/>
+                <a:ea typeface="Corbel" charset="0"/>
+                <a:cs typeface="Corbel" charset="0"/>
+              </a:rPr>
+              <a:t>Digital Scholarship Group</a:t>
+            </a:r>
+          </a:p>
+        </p:txBody>
+      </p:sp>
+      <p:sp>
+        <p:nvSpPr>
+          <p:cNvPr id="45" name="TextBox 44"/>
+          <p:cNvSpPr txBox="1"/>
+          <p:nvPr/>
+        </p:nvSpPr>
+        <p:spPr>
+          <a:xfrm>
+            <a:off x="896615" y="17138475"/>
+            <a:ext cx="8064896" cy="923330"/>
+          </a:xfrm>
+          <a:prstGeom prst="rect">
+            <a:avLst/>
+          </a:prstGeom>
+          <a:noFill/>
+          <a:ln>
+            <a:noFill/>
+          </a:ln>
+        </p:spPr>
+        <p:txBody>
+          <a:bodyPr wrap="square" lIns="0" tIns="0" rIns="0" bIns="0" rtlCol="0">
+            <a:spAutoFit/>
+          </a:bodyPr>
+          <a:lstStyle/>
+          <a:p>
+            <a:r>
+              <a:rPr lang="en-US" sz="2000" dirty="0" smtClean="0">
+                <a:solidFill>
+                  <a:srgbClr val="37474F"/>
+                </a:solidFill>
+                <a:latin typeface="Corbel" charset="0"/>
+                <a:ea typeface="Corbel" charset="0"/>
+                <a:cs typeface="Corbel" charset="0"/>
+              </a:rPr>
+              <a:t>This project is still in development and we would like your input!</a:t>
+            </a:r>
+            <a:r>
+              <a:rPr lang="en-US" sz="500" dirty="0">
+                <a:solidFill>
+                  <a:srgbClr val="37474F"/>
+                </a:solidFill>
+                <a:latin typeface="Corbel" charset="0"/>
+                <a:ea typeface="Corbel" charset="0"/>
+                <a:cs typeface="Corbel" charset="0"/>
+              </a:rPr>
+              <a:t> </a:t>
+            </a:r>
+            <a:r>
+              <a:rPr lang="en-US" sz="500" dirty="0" smtClean="0">
+                <a:solidFill>
+                  <a:srgbClr val="37474F"/>
+                </a:solidFill>
+                <a:latin typeface="Corbel" charset="0"/>
+                <a:ea typeface="Corbel" charset="0"/>
+                <a:cs typeface="Corbel" charset="0"/>
+              </a:rPr>
+              <a:t> </a:t>
+            </a:r>
+            <a:r>
+              <a:rPr lang="en-US" sz="2000" dirty="0" smtClean="0">
+                <a:solidFill>
+                  <a:srgbClr val="37474F"/>
+                </a:solidFill>
+                <a:latin typeface="Corbel" charset="0"/>
+                <a:ea typeface="Corbel" charset="0"/>
+                <a:cs typeface="Corbel" charset="0"/>
+              </a:rPr>
+              <a:t>Scan the QR code on the right or visit </a:t>
+            </a:r>
+            <a:r>
+              <a:rPr lang="en-US" sz="2000" dirty="0">
+                <a:solidFill>
+                  <a:srgbClr val="FFD966"/>
+                </a:solidFill>
+                <a:latin typeface="Consolas" charset="0"/>
+                <a:ea typeface="Consolas" charset="0"/>
+                <a:cs typeface="Consolas" charset="0"/>
+              </a:rPr>
+              <a:t>https://</a:t>
+            </a:r>
+            <a:r>
+              <a:rPr lang="en-US" sz="2000" dirty="0" err="1">
+                <a:solidFill>
+                  <a:srgbClr val="FFD966"/>
+                </a:solidFill>
+                <a:latin typeface="Consolas" charset="0"/>
+                <a:ea typeface="Consolas" charset="0"/>
+                <a:cs typeface="Consolas" charset="0"/>
+              </a:rPr>
+              <a:t>goo.gl</a:t>
+            </a:r>
+            <a:r>
+              <a:rPr lang="en-US" sz="2000" dirty="0">
+                <a:solidFill>
+                  <a:srgbClr val="FFD966"/>
+                </a:solidFill>
+                <a:latin typeface="Consolas" charset="0"/>
+                <a:ea typeface="Consolas" charset="0"/>
+                <a:cs typeface="Consolas" charset="0"/>
+              </a:rPr>
+              <a:t>/PT1IhE</a:t>
+            </a:r>
+            <a:r>
+              <a:rPr lang="en-US" sz="2000" dirty="0" smtClean="0">
+                <a:solidFill>
+                  <a:srgbClr val="37474F"/>
+                </a:solidFill>
+                <a:latin typeface="Corbel" charset="0"/>
+                <a:ea typeface="Corbel" charset="0"/>
+                <a:cs typeface="Corbel" charset="0"/>
+              </a:rPr>
+              <a:t> to review and comment on the Charon technical specification. Any and all feedback is welcome!</a:t>
+            </a:r>
+            <a:endParaRPr lang="en-US" sz="2000" dirty="0">
+              <a:solidFill>
+                <a:srgbClr val="37474F"/>
+              </a:solidFill>
+              <a:latin typeface="Corbel" charset="0"/>
+              <a:ea typeface="Corbel" charset="0"/>
+              <a:cs typeface="Corbel" charset="0"/>
+            </a:endParaRPr>
+          </a:p>
+        </p:txBody>
+      </p:sp>
+      <p:sp>
+        <p:nvSpPr>
+          <p:cNvPr id="27" name="TextBox 26"/>
+          <p:cNvSpPr txBox="1"/>
+          <p:nvPr/>
+        </p:nvSpPr>
+        <p:spPr>
+          <a:xfrm rot="16200000">
+            <a:off x="-57375" y="17336613"/>
+            <a:ext cx="1152128" cy="467820"/>
+          </a:xfrm>
+          <a:prstGeom prst="rect">
+            <a:avLst/>
+          </a:prstGeom>
+          <a:noFill/>
+          <a:ln w="19050">
+            <a:noFill/>
+          </a:ln>
+        </p:spPr>
+        <p:txBody>
+          <a:bodyPr wrap="square" lIns="0" tIns="18288" rIns="0" bIns="18288" rtlCol="0">
+            <a:spAutoFit/>
+          </a:bodyPr>
+          <a:lstStyle/>
+          <a:p>
+            <a:pPr algn="ctr"/>
+            <a:r>
+              <a:rPr lang="en-US" sz="2800" dirty="0" smtClean="0">
+                <a:solidFill>
+                  <a:srgbClr val="37474F"/>
+                </a:solidFill>
+                <a:latin typeface="Corbel" charset="0"/>
+                <a:ea typeface="Corbel" charset="0"/>
+                <a:cs typeface="Corbel" charset="0"/>
+              </a:rPr>
+              <a:t>You!</a:t>
+            </a:r>
+          </a:p>
+        </p:txBody>
+      </p:sp>
+      <p:sp>
+        <p:nvSpPr>
+          <p:cNvPr id="64" name="TextBox 63"/>
+          <p:cNvSpPr txBox="1"/>
+          <p:nvPr/>
+        </p:nvSpPr>
+        <p:spPr>
+          <a:xfrm>
+            <a:off x="969391" y="6265267"/>
+            <a:ext cx="4391719" cy="381381"/>
+          </a:xfrm>
+          <a:prstGeom prst="roundRect">
+            <a:avLst/>
+          </a:prstGeom>
+          <a:noFill/>
+          <a:ln w="19050">
+            <a:noFill/>
+          </a:ln>
+        </p:spPr>
+        <p:txBody>
+          <a:bodyPr wrap="square" lIns="0" tIns="18288" rIns="0" bIns="18288" rtlCol="0">
+            <a:spAutoFit/>
+          </a:bodyPr>
+          <a:lstStyle/>
+          <a:p>
+            <a:pPr algn="ctr"/>
+            <a:r>
+              <a:rPr lang="en-US" sz="2000" b="1" dirty="0" smtClean="0">
+                <a:solidFill>
+                  <a:srgbClr val="37474F"/>
+                </a:solidFill>
+                <a:latin typeface="Corbel" charset="0"/>
+                <a:ea typeface="Corbel" charset="0"/>
+                <a:cs typeface="Corbel" charset="0"/>
+              </a:rPr>
+              <a:t>Fedora 4</a:t>
+            </a:r>
+            <a:endParaRPr lang="en-US" sz="2000" b="1" dirty="0">
+              <a:solidFill>
+                <a:srgbClr val="37474F"/>
+              </a:solidFill>
+              <a:latin typeface="Corbel" charset="0"/>
+              <a:ea typeface="Corbel" charset="0"/>
+              <a:cs typeface="Corbel" charset="0"/>
+            </a:endParaRPr>
+          </a:p>
+        </p:txBody>
+      </p:sp>
+      <p:sp>
+        <p:nvSpPr>
+          <p:cNvPr id="66" name="TextBox 65"/>
+          <p:cNvSpPr txBox="1"/>
+          <p:nvPr/>
+        </p:nvSpPr>
+        <p:spPr>
+          <a:xfrm>
+            <a:off x="968623" y="3456955"/>
+            <a:ext cx="4392488" cy="381381"/>
+          </a:xfrm>
+          <a:prstGeom prst="roundRect">
+            <a:avLst/>
+          </a:prstGeom>
+          <a:noFill/>
+          <a:ln w="19050">
+            <a:noFill/>
+          </a:ln>
+        </p:spPr>
+        <p:txBody>
+          <a:bodyPr wrap="square" lIns="0" tIns="18288" rIns="0" bIns="18288" rtlCol="0">
+            <a:spAutoFit/>
+          </a:bodyPr>
+          <a:lstStyle/>
+          <a:p>
+            <a:pPr algn="ctr"/>
+            <a:r>
+              <a:rPr lang="en-US" sz="2000" b="1" dirty="0" smtClean="0">
+                <a:solidFill>
+                  <a:srgbClr val="37474F"/>
+                </a:solidFill>
+                <a:latin typeface="Corbel" charset="0"/>
+                <a:ea typeface="Corbel" charset="0"/>
+                <a:cs typeface="Corbel" charset="0"/>
+              </a:rPr>
+              <a:t>CERES Publisher</a:t>
+            </a:r>
+          </a:p>
+        </p:txBody>
+      </p:sp>
+      <p:sp>
+        <p:nvSpPr>
+          <p:cNvPr id="78" name="TextBox 77"/>
+          <p:cNvSpPr txBox="1"/>
+          <p:nvPr/>
+        </p:nvSpPr>
+        <p:spPr>
+          <a:xfrm rot="16200000">
+            <a:off x="-1839615" y="9091697"/>
+            <a:ext cx="4680520" cy="467820"/>
+          </a:xfrm>
+          <a:prstGeom prst="rect">
+            <a:avLst/>
+          </a:prstGeom>
+          <a:noFill/>
+          <a:ln w="19050">
+            <a:noFill/>
+          </a:ln>
+        </p:spPr>
+        <p:txBody>
+          <a:bodyPr wrap="square" lIns="0" tIns="18288" rIns="0" bIns="18288" rtlCol="0">
+            <a:spAutoFit/>
+          </a:bodyPr>
+          <a:lstStyle/>
+          <a:p>
+            <a:pPr algn="ctr"/>
+            <a:r>
+              <a:rPr lang="en-US" sz="2800" dirty="0" smtClean="0">
+                <a:solidFill>
+                  <a:srgbClr val="37474F"/>
+                </a:solidFill>
+                <a:latin typeface="Corbel" charset="0"/>
+                <a:ea typeface="Corbel" charset="0"/>
+                <a:cs typeface="Corbel" charset="0"/>
+              </a:rPr>
+              <a:t>Workflows and Interfaces</a:t>
+            </a:r>
+          </a:p>
+        </p:txBody>
+      </p:sp>
+      <p:sp>
+        <p:nvSpPr>
+          <p:cNvPr id="75" name="TextBox 74"/>
+          <p:cNvSpPr txBox="1"/>
+          <p:nvPr/>
+        </p:nvSpPr>
+        <p:spPr>
+          <a:xfrm>
+            <a:off x="968622" y="3816995"/>
+            <a:ext cx="4392489" cy="381381"/>
+          </a:xfrm>
+          <a:prstGeom prst="roundRect">
+            <a:avLst/>
+          </a:prstGeom>
+          <a:noFill/>
+          <a:ln w="19050">
+            <a:noFill/>
+          </a:ln>
+        </p:spPr>
+        <p:txBody>
+          <a:bodyPr wrap="square" lIns="0" tIns="18288" rIns="0" bIns="18288" rtlCol="0">
+            <a:spAutoFit/>
+          </a:bodyPr>
+          <a:lstStyle/>
+          <a:p>
+            <a:pPr algn="ctr"/>
+            <a:r>
+              <a:rPr lang="en-US" sz="2000" b="1" dirty="0" smtClean="0">
+                <a:solidFill>
+                  <a:srgbClr val="37474F"/>
+                </a:solidFill>
+                <a:latin typeface="Corbel" charset="0"/>
+                <a:ea typeface="Corbel" charset="0"/>
+                <a:cs typeface="Corbel" charset="0"/>
+              </a:rPr>
+              <a:t>REST API</a:t>
+            </a:r>
+          </a:p>
+        </p:txBody>
+      </p:sp>
+      <p:sp>
+        <p:nvSpPr>
+          <p:cNvPr id="79" name="TextBox 78"/>
+          <p:cNvSpPr txBox="1"/>
+          <p:nvPr/>
+        </p:nvSpPr>
+        <p:spPr>
+          <a:xfrm rot="16200000">
+            <a:off x="-1947627" y="14096253"/>
+            <a:ext cx="4896544" cy="467820"/>
+          </a:xfrm>
+          <a:prstGeom prst="rect">
+            <a:avLst/>
+          </a:prstGeom>
+          <a:noFill/>
+          <a:ln w="19050">
+            <a:noFill/>
+          </a:ln>
+        </p:spPr>
+        <p:txBody>
+          <a:bodyPr wrap="square" lIns="0" tIns="18288" rIns="0" bIns="18288" rtlCol="0">
+            <a:spAutoFit/>
+          </a:bodyPr>
+          <a:lstStyle/>
+          <a:p>
+            <a:pPr algn="ctr"/>
+            <a:r>
+              <a:rPr lang="en-US" sz="2800" dirty="0" smtClean="0">
+                <a:solidFill>
+                  <a:srgbClr val="37474F"/>
+                </a:solidFill>
+                <a:latin typeface="Corbel" charset="0"/>
+                <a:ea typeface="Corbel" charset="0"/>
+                <a:cs typeface="Corbel" charset="0"/>
+              </a:rPr>
+              <a:t>User Roles</a:t>
+            </a:r>
+          </a:p>
+        </p:txBody>
+      </p:sp>
+      <p:pic>
+        <p:nvPicPr>
+          <p:cNvPr id="42" name="Picture 41"/>
+          <p:cNvPicPr>
+            <a:picLocks noChangeAspect="1"/>
+          </p:cNvPicPr>
+          <p:nvPr/>
+        </p:nvPicPr>
+        <p:blipFill rotWithShape="1">
+          <a:blip r:embed="rId3">
+            <a:extLst>
+              <a:ext uri="{28A0092B-C50C-407E-A947-70E740481C1C}">
+                <a14:useLocalDpi xmlns:a14="http://schemas.microsoft.com/office/drawing/2010/main" val="0"/>
+              </a:ext>
+            </a:extLst>
+          </a:blip>
+          <a:srcRect l="17904" t="38129"/>
+          <a:stretch/>
+        </p:blipFill>
+        <p:spPr>
+          <a:xfrm>
+            <a:off x="896615" y="13754099"/>
+            <a:ext cx="5112568" cy="2889794"/>
+          </a:xfrm>
+          <a:prstGeom prst="rect">
+            <a:avLst/>
+          </a:prstGeom>
+        </p:spPr>
+      </p:pic>
+      <p:sp>
+        <p:nvSpPr>
+          <p:cNvPr id="86" name="Arc 85"/>
+          <p:cNvSpPr/>
+          <p:nvPr/>
+        </p:nvSpPr>
+        <p:spPr>
+          <a:xfrm rot="10800000" flipV="1">
+            <a:off x="4136975" y="12673979"/>
+            <a:ext cx="6153200" cy="3672408"/>
+          </a:xfrm>
+          <a:prstGeom prst="arc">
+            <a:avLst>
+              <a:gd name="adj1" fmla="val 16273522"/>
+              <a:gd name="adj2" fmla="val 21022623"/>
+            </a:avLst>
+          </a:prstGeom>
+          <a:ln w="53975">
+            <a:solidFill>
+              <a:schemeClr val="bg1">
+                <a:lumMod val="85000"/>
+              </a:schemeClr>
+            </a:solidFill>
+            <a:tailEnd type="arrow" w="med" len="med"/>
+          </a:ln>
+        </p:spPr>
+        <p:style>
+          <a:lnRef idx="1">
+            <a:schemeClr val="accent1"/>
+          </a:lnRef>
+          <a:fillRef idx="0">
+            <a:schemeClr val="accent1"/>
+          </a:fillRef>
+          <a:effectRef idx="0">
+            <a:schemeClr val="accent1"/>
+          </a:effectRef>
+          <a:fontRef idx="minor">
+            <a:schemeClr val="tx1"/>
+          </a:fontRef>
+        </p:style>
+        <p:txBody>
+          <a:bodyPr rtlCol="0" anchor="ctr"/>
+          <a:lstStyle/>
+          <a:p>
+            <a:pPr algn="ctr"/>
+            <a:endParaRPr lang="en-US">
+              <a:latin typeface="Corbel" charset="0"/>
+              <a:ea typeface="Corbel" charset="0"/>
+              <a:cs typeface="Corbel" charset="0"/>
+            </a:endParaRPr>
+          </a:p>
+        </p:txBody>
+      </p:sp>
+      <p:sp>
+        <p:nvSpPr>
+          <p:cNvPr id="87" name="Arc 86"/>
+          <p:cNvSpPr/>
+          <p:nvPr/>
+        </p:nvSpPr>
+        <p:spPr>
+          <a:xfrm rot="10800000" flipV="1">
+            <a:off x="4352999" y="13394059"/>
+            <a:ext cx="5472608" cy="2232248"/>
+          </a:xfrm>
+          <a:prstGeom prst="arc">
+            <a:avLst>
+              <a:gd name="adj1" fmla="val 16200000"/>
+              <a:gd name="adj2" fmla="val 21170846"/>
+            </a:avLst>
+          </a:prstGeom>
+          <a:ln w="53975">
+            <a:solidFill>
+              <a:schemeClr val="bg1">
+                <a:lumMod val="85000"/>
+              </a:schemeClr>
+            </a:solidFill>
+            <a:tailEnd type="arrow" w="med" len="med"/>
+          </a:ln>
+        </p:spPr>
+        <p:style>
+          <a:lnRef idx="1">
+            <a:schemeClr val="accent1"/>
+          </a:lnRef>
+          <a:fillRef idx="0">
+            <a:schemeClr val="accent1"/>
+          </a:fillRef>
+          <a:effectRef idx="0">
+            <a:schemeClr val="accent1"/>
+          </a:effectRef>
+          <a:fontRef idx="minor">
+            <a:schemeClr val="tx1"/>
+          </a:fontRef>
+        </p:style>
+        <p:txBody>
+          <a:bodyPr rtlCol="0" anchor="ctr"/>
+          <a:lstStyle/>
+          <a:p>
+            <a:pPr algn="ctr"/>
+            <a:endParaRPr lang="en-US">
+              <a:latin typeface="Corbel" charset="0"/>
+              <a:ea typeface="Corbel" charset="0"/>
+              <a:cs typeface="Corbel" charset="0"/>
+            </a:endParaRPr>
+          </a:p>
+        </p:txBody>
+      </p:sp>
+      <p:sp>
+        <p:nvSpPr>
+          <p:cNvPr id="88" name="Arc 87"/>
+          <p:cNvSpPr/>
+          <p:nvPr/>
+        </p:nvSpPr>
+        <p:spPr>
+          <a:xfrm rot="12739462" flipV="1">
+            <a:off x="5622239" y="14563975"/>
+            <a:ext cx="1728192" cy="2016224"/>
+          </a:xfrm>
+          <a:prstGeom prst="arc">
+            <a:avLst>
+              <a:gd name="adj1" fmla="val 16200000"/>
+              <a:gd name="adj2" fmla="val 75559"/>
+            </a:avLst>
+          </a:prstGeom>
+          <a:ln w="53975">
+            <a:solidFill>
+              <a:schemeClr val="bg1">
+                <a:lumMod val="85000"/>
+              </a:schemeClr>
+            </a:solidFill>
+            <a:tailEnd type="arrow" w="med" len="med"/>
+          </a:ln>
+        </p:spPr>
+        <p:style>
+          <a:lnRef idx="1">
+            <a:schemeClr val="accent1"/>
+          </a:lnRef>
+          <a:fillRef idx="0">
+            <a:schemeClr val="accent1"/>
+          </a:fillRef>
+          <a:effectRef idx="0">
+            <a:schemeClr val="accent1"/>
+          </a:effectRef>
+          <a:fontRef idx="minor">
+            <a:schemeClr val="tx1"/>
+          </a:fontRef>
+        </p:style>
+        <p:txBody>
+          <a:bodyPr rtlCol="0" anchor="ctr"/>
+          <a:lstStyle/>
+          <a:p>
+            <a:pPr algn="ctr"/>
+            <a:endParaRPr lang="en-US">
+              <a:latin typeface="Corbel" charset="0"/>
+              <a:ea typeface="Corbel" charset="0"/>
+              <a:cs typeface="Corbel" charset="0"/>
+            </a:endParaRPr>
+          </a:p>
+        </p:txBody>
+      </p:sp>
+      <p:sp>
+        <p:nvSpPr>
+          <p:cNvPr id="89" name="Arc 88"/>
+          <p:cNvSpPr/>
+          <p:nvPr/>
+        </p:nvSpPr>
+        <p:spPr>
+          <a:xfrm rot="10800000" flipV="1">
+            <a:off x="4715597" y="13322051"/>
+            <a:ext cx="5149499" cy="2808312"/>
+          </a:xfrm>
+          <a:prstGeom prst="arc">
+            <a:avLst>
+              <a:gd name="adj1" fmla="val 16200000"/>
+              <a:gd name="adj2" fmla="val 21319761"/>
+            </a:avLst>
+          </a:prstGeom>
+          <a:ln w="53975">
+            <a:solidFill>
+              <a:schemeClr val="bg1">
+                <a:lumMod val="85000"/>
+              </a:schemeClr>
+            </a:solidFill>
+            <a:tailEnd type="arrow" w="med" len="med"/>
+          </a:ln>
+        </p:spPr>
+        <p:style>
+          <a:lnRef idx="1">
+            <a:schemeClr val="accent1"/>
+          </a:lnRef>
+          <a:fillRef idx="0">
+            <a:schemeClr val="accent1"/>
+          </a:fillRef>
+          <a:effectRef idx="0">
+            <a:schemeClr val="accent1"/>
+          </a:effectRef>
+          <a:fontRef idx="minor">
+            <a:schemeClr val="tx1"/>
+          </a:fontRef>
+        </p:style>
+        <p:txBody>
+          <a:bodyPr rtlCol="0" anchor="ctr"/>
+          <a:lstStyle/>
+          <a:p>
+            <a:pPr algn="ctr"/>
+            <a:endParaRPr lang="en-US">
+              <a:latin typeface="Corbel" charset="0"/>
+              <a:ea typeface="Corbel" charset="0"/>
+              <a:cs typeface="Corbel" charset="0"/>
+            </a:endParaRPr>
+          </a:p>
+        </p:txBody>
+      </p:sp>
+      <p:sp>
+        <p:nvSpPr>
+          <p:cNvPr id="82" name="TextBox 81"/>
+          <p:cNvSpPr txBox="1"/>
+          <p:nvPr/>
+        </p:nvSpPr>
+        <p:spPr>
+          <a:xfrm>
+            <a:off x="6297215" y="13106027"/>
+            <a:ext cx="3600400" cy="1055608"/>
+          </a:xfrm>
+          <a:prstGeom prst="roundRect">
+            <a:avLst/>
+          </a:prstGeom>
+          <a:solidFill>
+            <a:schemeClr val="bg1">
+              <a:lumMod val="85000"/>
+            </a:schemeClr>
+          </a:solidFill>
+          <a:ln>
+            <a:noFill/>
+          </a:ln>
+        </p:spPr>
+        <p:txBody>
+          <a:bodyPr wrap="square" rtlCol="0">
+            <a:spAutoFit/>
+          </a:bodyPr>
+          <a:lstStyle/>
+          <a:p>
+            <a:r>
+              <a:rPr lang="en-US" sz="2000" b="1" dirty="0" smtClean="0">
+                <a:solidFill>
+                  <a:srgbClr val="37474F"/>
+                </a:solidFill>
+                <a:latin typeface="Corbel" charset="0"/>
+                <a:ea typeface="Corbel" charset="0"/>
+                <a:cs typeface="Corbel" charset="0"/>
+              </a:rPr>
+              <a:t>Creators</a:t>
+            </a:r>
+          </a:p>
+          <a:p>
+            <a:pPr marL="342900" indent="-342900">
+              <a:buFont typeface="Arial" charset="0"/>
+              <a:buChar char="•"/>
+            </a:pPr>
+            <a:r>
+              <a:rPr lang="en-US" sz="1800" dirty="0" smtClean="0">
+                <a:solidFill>
+                  <a:srgbClr val="37474F"/>
+                </a:solidFill>
+                <a:latin typeface="Corbel" charset="0"/>
+                <a:ea typeface="Corbel" charset="0"/>
+                <a:cs typeface="Corbel" charset="0"/>
+              </a:rPr>
+              <a:t>Contribute files and metadata</a:t>
+            </a:r>
+          </a:p>
+          <a:p>
+            <a:pPr marL="342900" indent="-342900">
+              <a:buFont typeface="Arial" charset="0"/>
+              <a:buChar char="•"/>
+            </a:pPr>
+            <a:r>
+              <a:rPr lang="en-US" sz="1800" dirty="0" smtClean="0">
+                <a:solidFill>
+                  <a:srgbClr val="37474F"/>
+                </a:solidFill>
+                <a:latin typeface="Corbel" charset="0"/>
+                <a:ea typeface="Corbel" charset="0"/>
+                <a:cs typeface="Corbel" charset="0"/>
+              </a:rPr>
+              <a:t>Claim and execute tasks</a:t>
+            </a:r>
+            <a:endParaRPr lang="en-US" sz="1800" dirty="0">
+              <a:solidFill>
+                <a:srgbClr val="37474F"/>
+              </a:solidFill>
+              <a:latin typeface="Corbel" charset="0"/>
+              <a:ea typeface="Corbel" charset="0"/>
+              <a:cs typeface="Corbel" charset="0"/>
+            </a:endParaRPr>
+          </a:p>
+        </p:txBody>
+      </p:sp>
+      <p:sp>
+        <p:nvSpPr>
+          <p:cNvPr id="84" name="TextBox 83"/>
+          <p:cNvSpPr txBox="1"/>
+          <p:nvPr/>
+        </p:nvSpPr>
+        <p:spPr>
+          <a:xfrm>
+            <a:off x="6297215" y="14280935"/>
+            <a:ext cx="3600400" cy="2161818"/>
+          </a:xfrm>
+          <a:prstGeom prst="roundRect">
+            <a:avLst>
+              <a:gd name="adj" fmla="val 8317"/>
+            </a:avLst>
+          </a:prstGeom>
+          <a:solidFill>
+            <a:schemeClr val="bg1">
+              <a:lumMod val="85000"/>
+            </a:schemeClr>
+          </a:solidFill>
+          <a:ln>
+            <a:noFill/>
+          </a:ln>
+        </p:spPr>
+        <p:txBody>
+          <a:bodyPr wrap="square" rtlCol="0">
+            <a:spAutoFit/>
+          </a:bodyPr>
+          <a:lstStyle/>
+          <a:p>
+            <a:r>
+              <a:rPr lang="en-US" sz="2000" b="1" dirty="0" smtClean="0">
+                <a:solidFill>
+                  <a:srgbClr val="37474F"/>
+                </a:solidFill>
+                <a:latin typeface="Corbel" charset="0"/>
+                <a:ea typeface="Corbel" charset="0"/>
+                <a:cs typeface="Corbel" charset="0"/>
+              </a:rPr>
+              <a:t>Administrator(s)</a:t>
+            </a:r>
+          </a:p>
+          <a:p>
+            <a:pPr marL="342900" indent="-342900">
+              <a:buFont typeface="Arial" charset="0"/>
+              <a:buChar char="•"/>
+            </a:pPr>
+            <a:r>
+              <a:rPr lang="en-US" sz="1800" dirty="0" smtClean="0">
+                <a:solidFill>
+                  <a:srgbClr val="37474F"/>
+                </a:solidFill>
+                <a:latin typeface="Corbel" charset="0"/>
+                <a:ea typeface="Corbel" charset="0"/>
+                <a:cs typeface="Corbel" charset="0"/>
+              </a:rPr>
+              <a:t>Contribute files and metadata</a:t>
+            </a:r>
+          </a:p>
+          <a:p>
+            <a:pPr marL="342900" indent="-342900">
+              <a:buFont typeface="Arial" charset="0"/>
+              <a:buChar char="•"/>
+            </a:pPr>
+            <a:r>
+              <a:rPr lang="en-US" sz="1800" dirty="0" smtClean="0">
+                <a:solidFill>
+                  <a:srgbClr val="37474F"/>
+                </a:solidFill>
+                <a:latin typeface="Corbel" charset="0"/>
+                <a:ea typeface="Corbel" charset="0"/>
+                <a:cs typeface="Corbel" charset="0"/>
+              </a:rPr>
+              <a:t>Claim and execute tasks</a:t>
+            </a:r>
+          </a:p>
+          <a:p>
+            <a:pPr marL="342900" indent="-342900">
+              <a:buFont typeface="Arial" charset="0"/>
+              <a:buChar char="•"/>
+            </a:pPr>
+            <a:r>
+              <a:rPr lang="en-US" sz="1800" dirty="0" smtClean="0">
+                <a:solidFill>
+                  <a:srgbClr val="37474F"/>
+                </a:solidFill>
+                <a:latin typeface="Corbel" charset="0"/>
+                <a:ea typeface="Corbel" charset="0"/>
+                <a:cs typeface="Corbel" charset="0"/>
+              </a:rPr>
+              <a:t>Accept and reject deposits</a:t>
+            </a:r>
+          </a:p>
+          <a:p>
+            <a:pPr marL="342900" indent="-342900">
+              <a:buFont typeface="Arial" charset="0"/>
+              <a:buChar char="•"/>
+            </a:pPr>
+            <a:r>
+              <a:rPr lang="en-US" sz="1800" dirty="0" smtClean="0">
+                <a:solidFill>
+                  <a:srgbClr val="37474F"/>
+                </a:solidFill>
+                <a:latin typeface="Corbel" charset="0"/>
+                <a:ea typeface="Corbel" charset="0"/>
+                <a:cs typeface="Corbel" charset="0"/>
+              </a:rPr>
+              <a:t>Configure users, models, and workflows</a:t>
+            </a:r>
+          </a:p>
+          <a:p>
+            <a:pPr marL="342900" indent="-342900">
+              <a:buFont typeface="Arial" charset="0"/>
+              <a:buChar char="•"/>
+            </a:pPr>
+            <a:r>
+              <a:rPr lang="en-US" sz="1800" dirty="0" smtClean="0">
+                <a:solidFill>
+                  <a:srgbClr val="37474F"/>
+                </a:solidFill>
+                <a:latin typeface="Corbel" charset="0"/>
+                <a:ea typeface="Corbel" charset="0"/>
+                <a:cs typeface="Corbel" charset="0"/>
+              </a:rPr>
+              <a:t>Bulk review and processing</a:t>
+            </a:r>
+            <a:endParaRPr lang="en-US" sz="1800" dirty="0">
+              <a:solidFill>
+                <a:srgbClr val="37474F"/>
+              </a:solidFill>
+              <a:latin typeface="Corbel" charset="0"/>
+              <a:ea typeface="Corbel" charset="0"/>
+              <a:cs typeface="Corbel" charset="0"/>
+            </a:endParaRPr>
+          </a:p>
+        </p:txBody>
+      </p:sp>
+      <p:sp>
+        <p:nvSpPr>
+          <p:cNvPr id="93" name="Arc 92"/>
+          <p:cNvSpPr/>
+          <p:nvPr/>
+        </p:nvSpPr>
+        <p:spPr>
+          <a:xfrm rot="10800000" flipV="1">
+            <a:off x="3992959" y="12745987"/>
+            <a:ext cx="5256584" cy="2880320"/>
+          </a:xfrm>
+          <a:prstGeom prst="arc">
+            <a:avLst>
+              <a:gd name="adj1" fmla="val 16922661"/>
+              <a:gd name="adj2" fmla="val 21241058"/>
+            </a:avLst>
+          </a:prstGeom>
+          <a:ln w="53975">
+            <a:solidFill>
+              <a:schemeClr val="bg1">
+                <a:lumMod val="85000"/>
+              </a:schemeClr>
+            </a:solidFill>
+            <a:tailEnd type="arrow" w="med" len="med"/>
+          </a:ln>
+        </p:spPr>
+        <p:style>
+          <a:lnRef idx="1">
+            <a:schemeClr val="accent1"/>
+          </a:lnRef>
+          <a:fillRef idx="0">
+            <a:schemeClr val="accent1"/>
+          </a:fillRef>
+          <a:effectRef idx="0">
+            <a:schemeClr val="accent1"/>
+          </a:effectRef>
+          <a:fontRef idx="minor">
+            <a:schemeClr val="tx1"/>
+          </a:fontRef>
+        </p:style>
+        <p:txBody>
+          <a:bodyPr rtlCol="0" anchor="ctr"/>
+          <a:lstStyle/>
+          <a:p>
+            <a:pPr algn="ctr"/>
+            <a:endParaRPr lang="en-US">
+              <a:latin typeface="Corbel" charset="0"/>
+              <a:ea typeface="Corbel" charset="0"/>
+              <a:cs typeface="Corbel" charset="0"/>
+            </a:endParaRPr>
+          </a:p>
+        </p:txBody>
+      </p:sp>
+      <p:sp>
+        <p:nvSpPr>
+          <p:cNvPr id="94" name="TextBox 93"/>
+          <p:cNvSpPr txBox="1"/>
+          <p:nvPr/>
+        </p:nvSpPr>
+        <p:spPr>
+          <a:xfrm>
+            <a:off x="914807" y="8137475"/>
+            <a:ext cx="2804933" cy="1464231"/>
+          </a:xfrm>
+          <a:prstGeom prst="roundRect">
+            <a:avLst/>
+          </a:prstGeom>
+          <a:solidFill>
+            <a:schemeClr val="bg1">
+              <a:lumMod val="85000"/>
+            </a:schemeClr>
+          </a:solidFill>
+        </p:spPr>
+        <p:txBody>
+          <a:bodyPr wrap="square" rtlCol="0">
+            <a:spAutoFit/>
+          </a:bodyPr>
+          <a:lstStyle/>
+          <a:p>
+            <a:pPr algn="ctr"/>
+            <a:r>
+              <a:rPr lang="en-US" sz="2000" b="1" dirty="0" smtClean="0">
+                <a:solidFill>
+                  <a:srgbClr val="37474F"/>
+                </a:solidFill>
+                <a:latin typeface="Corbel" charset="0"/>
+                <a:ea typeface="Corbel" charset="0"/>
+                <a:cs typeface="Corbel" charset="0"/>
+              </a:rPr>
+              <a:t>{ Configure 🛠 }</a:t>
+            </a:r>
+          </a:p>
+          <a:p>
+            <a:pPr marL="342900" indent="-342900">
+              <a:buFont typeface="Arial" charset="0"/>
+              <a:buChar char="•"/>
+            </a:pPr>
+            <a:r>
+              <a:rPr lang="en-US" sz="2000" dirty="0" smtClean="0">
+                <a:solidFill>
+                  <a:srgbClr val="37474F"/>
+                </a:solidFill>
+                <a:latin typeface="Corbel" charset="0"/>
+                <a:ea typeface="Corbel" charset="0"/>
+                <a:cs typeface="Corbel" charset="0"/>
+              </a:rPr>
+              <a:t>Manage users</a:t>
+            </a:r>
+          </a:p>
+          <a:p>
+            <a:pPr marL="342900" indent="-342900">
+              <a:buFont typeface="Arial" charset="0"/>
+              <a:buChar char="•"/>
+            </a:pPr>
+            <a:r>
+              <a:rPr lang="en-US" sz="2000" dirty="0" smtClean="0">
+                <a:solidFill>
+                  <a:srgbClr val="37474F"/>
+                </a:solidFill>
+                <a:latin typeface="Corbel" charset="0"/>
+                <a:ea typeface="Corbel" charset="0"/>
+                <a:cs typeface="Corbel" charset="0"/>
+              </a:rPr>
+              <a:t>Model metadata</a:t>
+            </a:r>
+          </a:p>
+          <a:p>
+            <a:pPr marL="342900" indent="-342900">
+              <a:buFont typeface="Arial" charset="0"/>
+              <a:buChar char="•"/>
+            </a:pPr>
+            <a:r>
+              <a:rPr lang="en-US" sz="2000" dirty="0" smtClean="0">
+                <a:solidFill>
+                  <a:srgbClr val="37474F"/>
+                </a:solidFill>
+                <a:latin typeface="Corbel" charset="0"/>
+                <a:ea typeface="Corbel" charset="0"/>
+                <a:cs typeface="Corbel" charset="0"/>
+              </a:rPr>
+              <a:t>Configure workflow</a:t>
+            </a:r>
+            <a:endParaRPr lang="en-US" sz="2000" dirty="0">
+              <a:solidFill>
+                <a:srgbClr val="37474F"/>
+              </a:solidFill>
+              <a:latin typeface="Corbel" charset="0"/>
+              <a:ea typeface="Corbel" charset="0"/>
+              <a:cs typeface="Corbel" charset="0"/>
+            </a:endParaRPr>
+          </a:p>
+        </p:txBody>
+      </p:sp>
+      <p:pic>
+        <p:nvPicPr>
+          <p:cNvPr id="97" name="Picture 96"/>
+          <p:cNvPicPr>
+            <a:picLocks noChangeAspect="1"/>
+          </p:cNvPicPr>
+          <p:nvPr/>
+        </p:nvPicPr>
+        <p:blipFill>
+          <a:blip r:embed="rId4">
+            <a:extLst>
+              <a:ext uri="{28A0092B-C50C-407E-A947-70E740481C1C}">
+                <a14:useLocalDpi xmlns:a14="http://schemas.microsoft.com/office/drawing/2010/main" val="0"/>
+              </a:ext>
+            </a:extLst>
+          </a:blip>
+          <a:stretch>
+            <a:fillRect/>
+          </a:stretch>
+        </p:blipFill>
+        <p:spPr>
+          <a:xfrm>
+            <a:off x="3870514" y="8101024"/>
+            <a:ext cx="707875" cy="576064"/>
+          </a:xfrm>
+          <a:prstGeom prst="rect">
+            <a:avLst/>
+          </a:prstGeom>
+          <a:ln>
+            <a:noFill/>
+          </a:ln>
+        </p:spPr>
+      </p:pic>
+      <p:sp>
+        <p:nvSpPr>
+          <p:cNvPr id="99" name="Rectangle 98"/>
+          <p:cNvSpPr/>
+          <p:nvPr/>
+        </p:nvSpPr>
+        <p:spPr>
+          <a:xfrm>
+            <a:off x="6318786" y="7596968"/>
+            <a:ext cx="685800" cy="685800"/>
+          </a:xfrm>
+          <a:prstGeom prst="rect">
+            <a:avLst/>
+          </a:prstGeom>
+          <a:solidFill>
+            <a:srgbClr val="64FFDA"/>
+          </a:solidFill>
+          <a:ln>
+            <a:noFill/>
+          </a:ln>
+        </p:spPr>
+        <p:style>
+          <a:lnRef idx="2">
+            <a:schemeClr val="accent1">
+              <a:shade val="50000"/>
+            </a:schemeClr>
+          </a:lnRef>
+          <a:fillRef idx="1">
+            <a:schemeClr val="accent1"/>
+          </a:fillRef>
+          <a:effectRef idx="0">
+            <a:schemeClr val="accent1"/>
+          </a:effectRef>
+          <a:fontRef idx="minor">
+            <a:schemeClr val="lt1"/>
+          </a:fontRef>
+        </p:style>
+        <p:txBody>
+          <a:bodyPr rtlCol="0" anchor="ctr"/>
+          <a:lstStyle/>
+          <a:p>
+            <a:pPr algn="ctr"/>
+            <a:r>
+              <a:rPr lang="en-US" sz="1800" dirty="0" smtClean="0">
+                <a:solidFill>
+                  <a:srgbClr val="37474F"/>
+                </a:solidFill>
+                <a:latin typeface="Corbel" charset="0"/>
+                <a:ea typeface="Corbel" charset="0"/>
+                <a:cs typeface="Corbel" charset="0"/>
+              </a:rPr>
+              <a:t>Task</a:t>
+            </a:r>
+            <a:endParaRPr lang="en-US" sz="1800" dirty="0">
+              <a:solidFill>
+                <a:srgbClr val="37474F"/>
+              </a:solidFill>
+              <a:latin typeface="Corbel" charset="0"/>
+              <a:ea typeface="Corbel" charset="0"/>
+              <a:cs typeface="Corbel" charset="0"/>
+            </a:endParaRPr>
+          </a:p>
+        </p:txBody>
+      </p:sp>
+      <p:sp>
+        <p:nvSpPr>
+          <p:cNvPr id="100" name="Rectangle 99"/>
+          <p:cNvSpPr/>
+          <p:nvPr/>
+        </p:nvSpPr>
+        <p:spPr>
+          <a:xfrm>
+            <a:off x="6318786" y="8493620"/>
+            <a:ext cx="685800" cy="685800"/>
+          </a:xfrm>
+          <a:prstGeom prst="rect">
+            <a:avLst/>
+          </a:prstGeom>
+          <a:solidFill>
+            <a:srgbClr val="64FFDA"/>
+          </a:solidFill>
+          <a:ln>
+            <a:noFill/>
+          </a:ln>
+        </p:spPr>
+        <p:style>
+          <a:lnRef idx="2">
+            <a:schemeClr val="accent1">
+              <a:shade val="50000"/>
+            </a:schemeClr>
+          </a:lnRef>
+          <a:fillRef idx="1">
+            <a:schemeClr val="accent1"/>
+          </a:fillRef>
+          <a:effectRef idx="0">
+            <a:schemeClr val="accent1"/>
+          </a:effectRef>
+          <a:fontRef idx="minor">
+            <a:schemeClr val="lt1"/>
+          </a:fontRef>
+        </p:style>
+        <p:txBody>
+          <a:bodyPr rtlCol="0" anchor="ctr"/>
+          <a:lstStyle/>
+          <a:p>
+            <a:pPr algn="ctr"/>
+            <a:r>
+              <a:rPr lang="en-US" sz="1800" dirty="0" smtClean="0">
+                <a:solidFill>
+                  <a:srgbClr val="37474F"/>
+                </a:solidFill>
+                <a:latin typeface="Corbel" charset="0"/>
+                <a:ea typeface="Corbel" charset="0"/>
+                <a:cs typeface="Corbel" charset="0"/>
+              </a:rPr>
+              <a:t>Task</a:t>
+            </a:r>
+            <a:endParaRPr lang="en-US" sz="1800" dirty="0">
+              <a:solidFill>
+                <a:srgbClr val="37474F"/>
+              </a:solidFill>
+              <a:latin typeface="Corbel" charset="0"/>
+              <a:ea typeface="Corbel" charset="0"/>
+              <a:cs typeface="Corbel" charset="0"/>
+            </a:endParaRPr>
+          </a:p>
+        </p:txBody>
+      </p:sp>
+      <p:sp>
+        <p:nvSpPr>
+          <p:cNvPr id="101" name="Rectangle 100"/>
+          <p:cNvSpPr/>
+          <p:nvPr/>
+        </p:nvSpPr>
+        <p:spPr>
+          <a:xfrm>
+            <a:off x="7361177" y="7596968"/>
+            <a:ext cx="1152128" cy="685800"/>
+          </a:xfrm>
+          <a:prstGeom prst="rect">
+            <a:avLst/>
+          </a:prstGeom>
+          <a:solidFill>
+            <a:schemeClr val="bg1">
+              <a:lumMod val="85000"/>
+            </a:schemeClr>
+          </a:solidFill>
+          <a:ln>
+            <a:noFill/>
+          </a:ln>
+        </p:spPr>
+        <p:style>
+          <a:lnRef idx="2">
+            <a:schemeClr val="accent1">
+              <a:shade val="50000"/>
+            </a:schemeClr>
+          </a:lnRef>
+          <a:fillRef idx="1">
+            <a:schemeClr val="accent1"/>
+          </a:fillRef>
+          <a:effectRef idx="0">
+            <a:schemeClr val="accent1"/>
+          </a:effectRef>
+          <a:fontRef idx="minor">
+            <a:schemeClr val="lt1"/>
+          </a:fontRef>
+        </p:style>
+        <p:txBody>
+          <a:bodyPr rtlCol="0" anchor="ctr"/>
+          <a:lstStyle/>
+          <a:p>
+            <a:pPr algn="ctr"/>
+            <a:r>
+              <a:rPr lang="en-US" sz="1800" dirty="0" smtClean="0">
+                <a:solidFill>
+                  <a:srgbClr val="37474F"/>
+                </a:solidFill>
+                <a:latin typeface="Corbel" charset="0"/>
+                <a:ea typeface="Corbel" charset="0"/>
+                <a:cs typeface="Corbel" charset="0"/>
+              </a:rPr>
+              <a:t>Interface</a:t>
+            </a:r>
+            <a:endParaRPr lang="en-US" sz="1800" dirty="0">
+              <a:solidFill>
+                <a:srgbClr val="37474F"/>
+              </a:solidFill>
+              <a:latin typeface="Corbel" charset="0"/>
+              <a:ea typeface="Corbel" charset="0"/>
+              <a:cs typeface="Corbel" charset="0"/>
+            </a:endParaRPr>
+          </a:p>
+        </p:txBody>
+      </p:sp>
+      <p:sp>
+        <p:nvSpPr>
+          <p:cNvPr id="102" name="Rectangle 101"/>
+          <p:cNvSpPr/>
+          <p:nvPr/>
+        </p:nvSpPr>
+        <p:spPr>
+          <a:xfrm>
+            <a:off x="7398906" y="8821104"/>
+            <a:ext cx="1152128" cy="685800"/>
+          </a:xfrm>
+          <a:prstGeom prst="rect">
+            <a:avLst/>
+          </a:prstGeom>
+          <a:solidFill>
+            <a:schemeClr val="bg1">
+              <a:lumMod val="85000"/>
+            </a:schemeClr>
+          </a:solidFill>
+          <a:ln>
+            <a:noFill/>
+          </a:ln>
+        </p:spPr>
+        <p:style>
+          <a:lnRef idx="2">
+            <a:schemeClr val="accent1">
+              <a:shade val="50000"/>
+            </a:schemeClr>
+          </a:lnRef>
+          <a:fillRef idx="1">
+            <a:schemeClr val="accent1"/>
+          </a:fillRef>
+          <a:effectRef idx="0">
+            <a:schemeClr val="accent1"/>
+          </a:effectRef>
+          <a:fontRef idx="minor">
+            <a:schemeClr val="lt1"/>
+          </a:fontRef>
+        </p:style>
+        <p:txBody>
+          <a:bodyPr rtlCol="0" anchor="ctr"/>
+          <a:lstStyle/>
+          <a:p>
+            <a:pPr algn="ctr"/>
+            <a:r>
+              <a:rPr lang="en-US" sz="1800" smtClean="0">
+                <a:solidFill>
+                  <a:srgbClr val="37474F"/>
+                </a:solidFill>
+                <a:latin typeface="Corbel" charset="0"/>
+                <a:ea typeface="Corbel" charset="0"/>
+                <a:cs typeface="Corbel" charset="0"/>
+              </a:rPr>
+              <a:t>Interface</a:t>
+            </a:r>
+            <a:endParaRPr lang="en-US" sz="1800" dirty="0">
+              <a:solidFill>
+                <a:srgbClr val="37474F"/>
+              </a:solidFill>
+              <a:latin typeface="Corbel" charset="0"/>
+              <a:ea typeface="Corbel" charset="0"/>
+              <a:cs typeface="Corbel" charset="0"/>
+            </a:endParaRPr>
+          </a:p>
+        </p:txBody>
+      </p:sp>
+      <p:sp>
+        <p:nvSpPr>
+          <p:cNvPr id="104" name="Rectangle 103"/>
+          <p:cNvSpPr/>
+          <p:nvPr/>
+        </p:nvSpPr>
+        <p:spPr>
+          <a:xfrm>
+            <a:off x="9017362" y="7236928"/>
+            <a:ext cx="685800" cy="685800"/>
+          </a:xfrm>
+          <a:prstGeom prst="rect">
+            <a:avLst/>
+          </a:prstGeom>
+          <a:solidFill>
+            <a:srgbClr val="73626E"/>
+          </a:solidFill>
+          <a:ln>
+            <a:noFill/>
+          </a:ln>
+        </p:spPr>
+        <p:style>
+          <a:lnRef idx="2">
+            <a:schemeClr val="accent1">
+              <a:shade val="50000"/>
+            </a:schemeClr>
+          </a:lnRef>
+          <a:fillRef idx="1">
+            <a:schemeClr val="accent1"/>
+          </a:fillRef>
+          <a:effectRef idx="0">
+            <a:schemeClr val="accent1"/>
+          </a:effectRef>
+          <a:fontRef idx="minor">
+            <a:schemeClr val="lt1"/>
+          </a:fontRef>
+        </p:style>
+        <p:txBody>
+          <a:bodyPr rtlCol="0" anchor="ctr"/>
+          <a:lstStyle/>
+          <a:p>
+            <a:pPr algn="ctr"/>
+            <a:r>
+              <a:rPr lang="en-US" sz="1800" dirty="0" smtClean="0">
+                <a:solidFill>
+                  <a:schemeClr val="bg1"/>
+                </a:solidFill>
+                <a:latin typeface="Corbel" charset="0"/>
+                <a:ea typeface="Corbel" charset="0"/>
+                <a:cs typeface="Corbel" charset="0"/>
+              </a:rPr>
+              <a:t>Tool</a:t>
+            </a:r>
+            <a:endParaRPr lang="en-US" sz="1800" dirty="0">
+              <a:solidFill>
+                <a:schemeClr val="bg1"/>
+              </a:solidFill>
+              <a:latin typeface="Corbel" charset="0"/>
+              <a:ea typeface="Corbel" charset="0"/>
+              <a:cs typeface="Corbel" charset="0"/>
+            </a:endParaRPr>
+          </a:p>
+        </p:txBody>
+      </p:sp>
+      <p:sp>
+        <p:nvSpPr>
+          <p:cNvPr id="105" name="Rectangle 104"/>
+          <p:cNvSpPr/>
+          <p:nvPr/>
+        </p:nvSpPr>
+        <p:spPr>
+          <a:xfrm>
+            <a:off x="9017362" y="8029016"/>
+            <a:ext cx="685800" cy="685800"/>
+          </a:xfrm>
+          <a:prstGeom prst="rect">
+            <a:avLst/>
+          </a:prstGeom>
+          <a:solidFill>
+            <a:srgbClr val="73626E"/>
+          </a:solidFill>
+          <a:ln>
+            <a:noFill/>
+          </a:ln>
+        </p:spPr>
+        <p:style>
+          <a:lnRef idx="2">
+            <a:schemeClr val="accent1">
+              <a:shade val="50000"/>
+            </a:schemeClr>
+          </a:lnRef>
+          <a:fillRef idx="1">
+            <a:schemeClr val="accent1"/>
+          </a:fillRef>
+          <a:effectRef idx="0">
+            <a:schemeClr val="accent1"/>
+          </a:effectRef>
+          <a:fontRef idx="minor">
+            <a:schemeClr val="lt1"/>
+          </a:fontRef>
+        </p:style>
+        <p:txBody>
+          <a:bodyPr rtlCol="0" anchor="ctr"/>
+          <a:lstStyle/>
+          <a:p>
+            <a:pPr algn="ctr"/>
+            <a:r>
+              <a:rPr lang="en-US" sz="1800" smtClean="0">
+                <a:solidFill>
+                  <a:schemeClr val="bg1"/>
+                </a:solidFill>
+                <a:latin typeface="Corbel" charset="0"/>
+                <a:ea typeface="Corbel" charset="0"/>
+                <a:cs typeface="Corbel" charset="0"/>
+              </a:rPr>
+              <a:t>Tool</a:t>
+            </a:r>
+            <a:endParaRPr lang="en-US" sz="1800" dirty="0">
+              <a:solidFill>
+                <a:schemeClr val="bg1"/>
+              </a:solidFill>
+              <a:latin typeface="Corbel" charset="0"/>
+              <a:ea typeface="Corbel" charset="0"/>
+              <a:cs typeface="Corbel" charset="0"/>
+            </a:endParaRPr>
+          </a:p>
+        </p:txBody>
+      </p:sp>
+      <p:sp>
+        <p:nvSpPr>
+          <p:cNvPr id="106" name="Rectangle 105"/>
+          <p:cNvSpPr/>
+          <p:nvPr/>
+        </p:nvSpPr>
+        <p:spPr>
+          <a:xfrm>
+            <a:off x="9017361" y="8821104"/>
+            <a:ext cx="685800" cy="685800"/>
+          </a:xfrm>
+          <a:prstGeom prst="rect">
+            <a:avLst/>
+          </a:prstGeom>
+          <a:solidFill>
+            <a:srgbClr val="73626E"/>
+          </a:solidFill>
+          <a:ln>
+            <a:noFill/>
+          </a:ln>
+        </p:spPr>
+        <p:style>
+          <a:lnRef idx="2">
+            <a:schemeClr val="accent1">
+              <a:shade val="50000"/>
+            </a:schemeClr>
+          </a:lnRef>
+          <a:fillRef idx="1">
+            <a:schemeClr val="accent1"/>
+          </a:fillRef>
+          <a:effectRef idx="0">
+            <a:schemeClr val="accent1"/>
+          </a:effectRef>
+          <a:fontRef idx="minor">
+            <a:schemeClr val="lt1"/>
+          </a:fontRef>
+        </p:style>
+        <p:txBody>
+          <a:bodyPr rtlCol="0" anchor="ctr"/>
+          <a:lstStyle/>
+          <a:p>
+            <a:pPr algn="ctr"/>
+            <a:r>
+              <a:rPr lang="en-US" sz="1800" smtClean="0">
+                <a:solidFill>
+                  <a:schemeClr val="bg1"/>
+                </a:solidFill>
+                <a:latin typeface="Corbel" charset="0"/>
+                <a:ea typeface="Corbel" charset="0"/>
+                <a:cs typeface="Corbel" charset="0"/>
+              </a:rPr>
+              <a:t>Tool</a:t>
+            </a:r>
+            <a:endParaRPr lang="en-US" sz="1800" dirty="0">
+              <a:solidFill>
+                <a:schemeClr val="bg1"/>
+              </a:solidFill>
+              <a:latin typeface="Corbel" charset="0"/>
+              <a:ea typeface="Corbel" charset="0"/>
+              <a:cs typeface="Corbel" charset="0"/>
+            </a:endParaRPr>
+          </a:p>
+        </p:txBody>
+      </p:sp>
+      <p:cxnSp>
+        <p:nvCxnSpPr>
+          <p:cNvPr id="109" name="Straight Arrow Connector 108"/>
+          <p:cNvCxnSpPr>
+            <a:stCxn id="97" idx="3"/>
+          </p:cNvCxnSpPr>
+          <p:nvPr/>
+        </p:nvCxnSpPr>
+        <p:spPr>
+          <a:xfrm>
+            <a:off x="4578389" y="8389056"/>
+            <a:ext cx="481982" cy="0"/>
+          </a:xfrm>
+          <a:prstGeom prst="straightConnector1">
+            <a:avLst/>
+          </a:prstGeom>
+          <a:ln w="25400">
+            <a:solidFill>
+              <a:schemeClr val="bg1"/>
+            </a:solidFill>
+            <a:headEnd type="arrow" w="sm" len="sm"/>
+            <a:tailEnd type="none" w="med" len="med"/>
+          </a:ln>
+        </p:spPr>
+        <p:style>
+          <a:lnRef idx="1">
+            <a:schemeClr val="accent1"/>
+          </a:lnRef>
+          <a:fillRef idx="0">
+            <a:schemeClr val="accent1"/>
+          </a:fillRef>
+          <a:effectRef idx="0">
+            <a:schemeClr val="accent1"/>
+          </a:effectRef>
+          <a:fontRef idx="minor">
+            <a:schemeClr val="tx1"/>
+          </a:fontRef>
+        </p:style>
+      </p:cxnSp>
+      <p:cxnSp>
+        <p:nvCxnSpPr>
+          <p:cNvPr id="126" name="Elbow Connector 125"/>
+          <p:cNvCxnSpPr>
+            <a:stCxn id="100" idx="3"/>
+            <a:endCxn id="102" idx="1"/>
+          </p:cNvCxnSpPr>
+          <p:nvPr/>
+        </p:nvCxnSpPr>
+        <p:spPr>
+          <a:xfrm>
+            <a:off x="7004586" y="8836520"/>
+            <a:ext cx="394320" cy="327484"/>
+          </a:xfrm>
+          <a:prstGeom prst="bentConnector3">
+            <a:avLst>
+              <a:gd name="adj1" fmla="val 50000"/>
+            </a:avLst>
+          </a:prstGeom>
+          <a:ln w="25400">
+            <a:solidFill>
+              <a:schemeClr val="bg1"/>
+            </a:solidFill>
+            <a:tailEnd type="arrow" w="sm" len="sm"/>
+          </a:ln>
+        </p:spPr>
+        <p:style>
+          <a:lnRef idx="1">
+            <a:schemeClr val="accent1"/>
+          </a:lnRef>
+          <a:fillRef idx="0">
+            <a:schemeClr val="accent1"/>
+          </a:fillRef>
+          <a:effectRef idx="0">
+            <a:schemeClr val="accent1"/>
+          </a:effectRef>
+          <a:fontRef idx="minor">
+            <a:schemeClr val="tx1"/>
+          </a:fontRef>
+        </p:style>
+      </p:cxnSp>
+      <p:cxnSp>
+        <p:nvCxnSpPr>
+          <p:cNvPr id="152" name="Straight Arrow Connector 151"/>
+          <p:cNvCxnSpPr>
+            <a:stCxn id="106" idx="1"/>
+            <a:endCxn id="102" idx="3"/>
+          </p:cNvCxnSpPr>
+          <p:nvPr/>
+        </p:nvCxnSpPr>
+        <p:spPr>
+          <a:xfrm flipH="1">
+            <a:off x="8551034" y="9164004"/>
+            <a:ext cx="466327" cy="0"/>
+          </a:xfrm>
+          <a:prstGeom prst="straightConnector1">
+            <a:avLst/>
+          </a:prstGeom>
+          <a:ln w="25400">
+            <a:solidFill>
+              <a:schemeClr val="bg1"/>
+            </a:solidFill>
+            <a:headEnd type="arrow" w="sm" len="sm"/>
+            <a:tailEnd type="arrow" w="sm" len="sm"/>
+          </a:ln>
+        </p:spPr>
+        <p:style>
+          <a:lnRef idx="1">
+            <a:schemeClr val="accent1"/>
+          </a:lnRef>
+          <a:fillRef idx="0">
+            <a:schemeClr val="accent1"/>
+          </a:fillRef>
+          <a:effectRef idx="0">
+            <a:schemeClr val="accent1"/>
+          </a:effectRef>
+          <a:fontRef idx="minor">
+            <a:schemeClr val="tx1"/>
+          </a:fontRef>
+        </p:style>
+      </p:cxnSp>
+      <p:sp>
+        <p:nvSpPr>
+          <p:cNvPr id="21" name="Rounded Rectangle 20"/>
+          <p:cNvSpPr/>
+          <p:nvPr/>
+        </p:nvSpPr>
+        <p:spPr>
+          <a:xfrm>
+            <a:off x="5886738" y="9829216"/>
+            <a:ext cx="3888432" cy="1656184"/>
+          </a:xfrm>
+          <a:prstGeom prst="roundRect">
+            <a:avLst/>
+          </a:prstGeom>
+          <a:solidFill>
+            <a:schemeClr val="bg1">
+              <a:lumMod val="85000"/>
+            </a:schemeClr>
+          </a:solidFill>
+          <a:ln>
+            <a:noFill/>
+          </a:ln>
+        </p:spPr>
+        <p:style>
+          <a:lnRef idx="2">
+            <a:schemeClr val="accent1">
+              <a:shade val="50000"/>
+            </a:schemeClr>
+          </a:lnRef>
+          <a:fillRef idx="1">
+            <a:schemeClr val="accent1"/>
+          </a:fillRef>
+          <a:effectRef idx="0">
+            <a:schemeClr val="accent1"/>
+          </a:effectRef>
+          <a:fontRef idx="minor">
+            <a:schemeClr val="lt1"/>
+          </a:fontRef>
+        </p:style>
+        <p:txBody>
+          <a:bodyPr rtlCol="0" anchor="ctr"/>
+          <a:lstStyle/>
+          <a:p>
+            <a:pPr algn="ctr"/>
+            <a:endParaRPr lang="en-US"/>
+          </a:p>
+        </p:txBody>
+      </p:sp>
+      <p:sp>
+        <p:nvSpPr>
+          <p:cNvPr id="171" name="TextBox 170"/>
+          <p:cNvSpPr txBox="1"/>
+          <p:nvPr/>
+        </p:nvSpPr>
+        <p:spPr>
+          <a:xfrm>
+            <a:off x="1976735" y="10110107"/>
+            <a:ext cx="2664296" cy="1123712"/>
+          </a:xfrm>
+          <a:prstGeom prst="roundRect">
+            <a:avLst/>
+          </a:prstGeom>
+          <a:solidFill>
+            <a:schemeClr val="bg1">
+              <a:lumMod val="85000"/>
+            </a:schemeClr>
+          </a:solidFill>
+        </p:spPr>
+        <p:txBody>
+          <a:bodyPr wrap="square" rtlCol="0">
+            <a:spAutoFit/>
+          </a:bodyPr>
+          <a:lstStyle/>
+          <a:p>
+            <a:pPr algn="ctr"/>
+            <a:r>
+              <a:rPr lang="en-US" sz="2000" b="1" dirty="0" smtClean="0">
+                <a:solidFill>
+                  <a:srgbClr val="37474F"/>
+                </a:solidFill>
+                <a:latin typeface="Corbel" charset="0"/>
+                <a:ea typeface="Corbel" charset="0"/>
+                <a:cs typeface="Corbel" charset="0"/>
+              </a:rPr>
+              <a:t>{ Submit 📮 }</a:t>
+            </a:r>
+          </a:p>
+          <a:p>
+            <a:pPr marL="342900" indent="-342900">
+              <a:buFont typeface="Arial" charset="0"/>
+              <a:buChar char="•"/>
+            </a:pPr>
+            <a:r>
+              <a:rPr lang="en-US" sz="2000" dirty="0" smtClean="0">
+                <a:solidFill>
+                  <a:srgbClr val="37474F"/>
+                </a:solidFill>
+                <a:latin typeface="Corbel" charset="0"/>
+                <a:ea typeface="Corbel" charset="0"/>
+                <a:cs typeface="Corbel" charset="0"/>
+              </a:rPr>
+              <a:t>Deposit files</a:t>
+            </a:r>
+          </a:p>
+          <a:p>
+            <a:pPr marL="342900" indent="-342900">
+              <a:buFont typeface="Arial" charset="0"/>
+              <a:buChar char="•"/>
+            </a:pPr>
+            <a:r>
+              <a:rPr lang="en-US" sz="2000" dirty="0" smtClean="0">
+                <a:solidFill>
+                  <a:srgbClr val="37474F"/>
+                </a:solidFill>
+                <a:latin typeface="Corbel" charset="0"/>
+                <a:ea typeface="Corbel" charset="0"/>
+                <a:cs typeface="Corbel" charset="0"/>
+              </a:rPr>
+              <a:t>Review deposits</a:t>
+            </a:r>
+          </a:p>
+        </p:txBody>
+      </p:sp>
+      <p:sp>
+        <p:nvSpPr>
+          <p:cNvPr id="172" name="TextBox 171"/>
+          <p:cNvSpPr txBox="1"/>
+          <p:nvPr/>
+        </p:nvSpPr>
+        <p:spPr>
+          <a:xfrm>
+            <a:off x="6030754" y="10333272"/>
+            <a:ext cx="3672408" cy="1123712"/>
+          </a:xfrm>
+          <a:prstGeom prst="roundRect">
+            <a:avLst/>
+          </a:prstGeom>
+          <a:noFill/>
+        </p:spPr>
+        <p:txBody>
+          <a:bodyPr wrap="square" numCol="2" rtlCol="0">
+            <a:spAutoFit/>
+          </a:bodyPr>
+          <a:lstStyle/>
+          <a:p>
+            <a:pPr marL="342900" indent="-342900">
+              <a:buFont typeface="Arial" charset="0"/>
+              <a:buChar char="•"/>
+            </a:pPr>
+            <a:r>
+              <a:rPr lang="en-US" sz="2000" dirty="0" smtClean="0">
+                <a:solidFill>
+                  <a:srgbClr val="37474F"/>
+                </a:solidFill>
+                <a:latin typeface="Corbel" charset="0"/>
+                <a:ea typeface="Corbel" charset="0"/>
+                <a:cs typeface="Corbel" charset="0"/>
+              </a:rPr>
+              <a:t>Catalog</a:t>
+            </a:r>
+          </a:p>
+          <a:p>
+            <a:pPr marL="342900" indent="-342900">
+              <a:buFont typeface="Arial" charset="0"/>
+              <a:buChar char="•"/>
+            </a:pPr>
+            <a:r>
+              <a:rPr lang="en-US" sz="2000" dirty="0" smtClean="0">
+                <a:solidFill>
+                  <a:srgbClr val="37474F"/>
+                </a:solidFill>
+                <a:latin typeface="Corbel" charset="0"/>
+                <a:ea typeface="Corbel" charset="0"/>
+                <a:cs typeface="Corbel" charset="0"/>
+              </a:rPr>
+              <a:t>Transcribe</a:t>
+            </a:r>
+          </a:p>
+          <a:p>
+            <a:pPr marL="342900" indent="-342900">
+              <a:buFont typeface="Arial" charset="0"/>
+              <a:buChar char="•"/>
+            </a:pPr>
+            <a:r>
+              <a:rPr lang="en-US" sz="2000" dirty="0" smtClean="0">
+                <a:solidFill>
+                  <a:srgbClr val="37474F"/>
+                </a:solidFill>
+                <a:latin typeface="Corbel" charset="0"/>
+                <a:ea typeface="Corbel" charset="0"/>
+                <a:cs typeface="Corbel" charset="0"/>
+              </a:rPr>
+              <a:t>Encode</a:t>
+            </a:r>
+          </a:p>
+          <a:p>
+            <a:pPr marL="342900" indent="-342900">
+              <a:buFont typeface="Arial" charset="0"/>
+              <a:buChar char="•"/>
+            </a:pPr>
+            <a:r>
+              <a:rPr lang="en-US" sz="2000" dirty="0" smtClean="0">
+                <a:solidFill>
+                  <a:srgbClr val="37474F"/>
+                </a:solidFill>
+                <a:latin typeface="Corbel" charset="0"/>
+                <a:ea typeface="Corbel" charset="0"/>
+                <a:cs typeface="Corbel" charset="0"/>
+              </a:rPr>
+              <a:t>Translate</a:t>
+            </a:r>
+          </a:p>
+          <a:p>
+            <a:pPr marL="342900" indent="-342900">
+              <a:buFont typeface="Arial" charset="0"/>
+              <a:buChar char="•"/>
+            </a:pPr>
+            <a:r>
+              <a:rPr lang="en-US" sz="2000" dirty="0" smtClean="0">
+                <a:solidFill>
+                  <a:srgbClr val="37474F"/>
+                </a:solidFill>
+                <a:latin typeface="Corbel" charset="0"/>
+                <a:ea typeface="Corbel" charset="0"/>
+                <a:cs typeface="Corbel" charset="0"/>
+              </a:rPr>
+              <a:t>Transliterate</a:t>
+            </a:r>
+            <a:endParaRPr lang="en-US" sz="2000" dirty="0">
+              <a:solidFill>
+                <a:srgbClr val="37474F"/>
+              </a:solidFill>
+              <a:latin typeface="Corbel" charset="0"/>
+              <a:ea typeface="Corbel" charset="0"/>
+              <a:cs typeface="Corbel" charset="0"/>
+            </a:endParaRPr>
+          </a:p>
+        </p:txBody>
+      </p:sp>
+      <p:pic>
+        <p:nvPicPr>
+          <p:cNvPr id="190" name="Picture 189"/>
+          <p:cNvPicPr>
+            <a:picLocks noChangeAspect="1"/>
+          </p:cNvPicPr>
+          <p:nvPr/>
+        </p:nvPicPr>
+        <p:blipFill>
+          <a:blip r:embed="rId4">
+            <a:extLst>
+              <a:ext uri="{28A0092B-C50C-407E-A947-70E740481C1C}">
+                <a14:useLocalDpi xmlns:a14="http://schemas.microsoft.com/office/drawing/2010/main" val="0"/>
+              </a:ext>
+            </a:extLst>
+          </a:blip>
+          <a:stretch>
+            <a:fillRect/>
+          </a:stretch>
+        </p:blipFill>
+        <p:spPr>
+          <a:xfrm>
+            <a:off x="3870514" y="9109136"/>
+            <a:ext cx="707875" cy="576064"/>
+          </a:xfrm>
+          <a:prstGeom prst="rect">
+            <a:avLst/>
+          </a:prstGeom>
+          <a:ln>
+            <a:noFill/>
+          </a:ln>
+        </p:spPr>
+      </p:pic>
+      <p:cxnSp>
+        <p:nvCxnSpPr>
+          <p:cNvPr id="196" name="Straight Arrow Connector 195"/>
+          <p:cNvCxnSpPr>
+            <a:stCxn id="190" idx="3"/>
+          </p:cNvCxnSpPr>
+          <p:nvPr/>
+        </p:nvCxnSpPr>
+        <p:spPr>
+          <a:xfrm>
+            <a:off x="4578389" y="9397168"/>
+            <a:ext cx="384450" cy="0"/>
+          </a:xfrm>
+          <a:prstGeom prst="straightConnector1">
+            <a:avLst/>
+          </a:prstGeom>
+          <a:ln w="25400">
+            <a:solidFill>
+              <a:schemeClr val="bg1"/>
+            </a:solidFill>
+            <a:headEnd type="arrow" w="sm" len="sm"/>
+            <a:tailEnd type="none" w="med" len="med"/>
+          </a:ln>
+        </p:spPr>
+        <p:style>
+          <a:lnRef idx="1">
+            <a:schemeClr val="accent1"/>
+          </a:lnRef>
+          <a:fillRef idx="0">
+            <a:schemeClr val="accent1"/>
+          </a:fillRef>
+          <a:effectRef idx="0">
+            <a:schemeClr val="accent1"/>
+          </a:effectRef>
+          <a:fontRef idx="minor">
+            <a:schemeClr val="tx1"/>
+          </a:fontRef>
+        </p:style>
+      </p:cxnSp>
+      <p:cxnSp>
+        <p:nvCxnSpPr>
+          <p:cNvPr id="216" name="Straight Arrow Connector 215"/>
+          <p:cNvCxnSpPr/>
+          <p:nvPr/>
+        </p:nvCxnSpPr>
+        <p:spPr>
+          <a:xfrm flipH="1">
+            <a:off x="5501174" y="8386885"/>
+            <a:ext cx="457572" cy="0"/>
+          </a:xfrm>
+          <a:prstGeom prst="straightConnector1">
+            <a:avLst/>
+          </a:prstGeom>
+          <a:ln w="25400">
+            <a:solidFill>
+              <a:schemeClr val="bg1"/>
+            </a:solidFill>
+            <a:headEnd type="none" w="sm" len="sm"/>
+            <a:tailEnd type="none" w="med" len="med"/>
+          </a:ln>
+        </p:spPr>
+        <p:style>
+          <a:lnRef idx="1">
+            <a:schemeClr val="accent1"/>
+          </a:lnRef>
+          <a:fillRef idx="0">
+            <a:schemeClr val="accent1"/>
+          </a:fillRef>
+          <a:effectRef idx="0">
+            <a:schemeClr val="accent1"/>
+          </a:effectRef>
+          <a:fontRef idx="minor">
+            <a:schemeClr val="tx1"/>
+          </a:fontRef>
+        </p:style>
+      </p:cxnSp>
+      <p:cxnSp>
+        <p:nvCxnSpPr>
+          <p:cNvPr id="220" name="Elbow Connector 219"/>
+          <p:cNvCxnSpPr>
+            <a:stCxn id="117" idx="3"/>
+            <a:endCxn id="100" idx="2"/>
+          </p:cNvCxnSpPr>
+          <p:nvPr/>
+        </p:nvCxnSpPr>
+        <p:spPr>
+          <a:xfrm flipV="1">
+            <a:off x="5742722" y="9179420"/>
+            <a:ext cx="918964" cy="217748"/>
+          </a:xfrm>
+          <a:prstGeom prst="bentConnector2">
+            <a:avLst/>
+          </a:prstGeom>
+          <a:ln w="25400">
+            <a:solidFill>
+              <a:schemeClr val="bg1"/>
+            </a:solidFill>
+            <a:tailEnd type="arrow" w="sm" len="sm"/>
+          </a:ln>
+        </p:spPr>
+        <p:style>
+          <a:lnRef idx="1">
+            <a:schemeClr val="accent1"/>
+          </a:lnRef>
+          <a:fillRef idx="0">
+            <a:schemeClr val="accent1"/>
+          </a:fillRef>
+          <a:effectRef idx="0">
+            <a:schemeClr val="accent1"/>
+          </a:effectRef>
+          <a:fontRef idx="minor">
+            <a:schemeClr val="tx1"/>
+          </a:fontRef>
+        </p:style>
+      </p:cxnSp>
+      <p:cxnSp>
+        <p:nvCxnSpPr>
+          <p:cNvPr id="223" name="Elbow Connector 222"/>
+          <p:cNvCxnSpPr>
+            <a:stCxn id="104" idx="1"/>
+            <a:endCxn id="105" idx="1"/>
+          </p:cNvCxnSpPr>
+          <p:nvPr/>
+        </p:nvCxnSpPr>
+        <p:spPr>
+          <a:xfrm rot="10800000" flipV="1">
+            <a:off x="9017362" y="7579828"/>
+            <a:ext cx="12700" cy="792088"/>
+          </a:xfrm>
+          <a:prstGeom prst="bentConnector3">
+            <a:avLst>
+              <a:gd name="adj1" fmla="val 1974543"/>
+            </a:avLst>
+          </a:prstGeom>
+          <a:ln w="25400">
+            <a:solidFill>
+              <a:schemeClr val="bg1"/>
+            </a:solidFill>
+            <a:headEnd type="arrow" w="sm" len="sm"/>
+            <a:tailEnd type="arrow" w="sm" len="sm"/>
+          </a:ln>
+        </p:spPr>
+        <p:style>
+          <a:lnRef idx="1">
+            <a:schemeClr val="accent1"/>
+          </a:lnRef>
+          <a:fillRef idx="0">
+            <a:schemeClr val="accent1"/>
+          </a:fillRef>
+          <a:effectRef idx="0">
+            <a:schemeClr val="accent1"/>
+          </a:effectRef>
+          <a:fontRef idx="minor">
+            <a:schemeClr val="tx1"/>
+          </a:fontRef>
+        </p:style>
+      </p:cxnSp>
+      <p:cxnSp>
+        <p:nvCxnSpPr>
+          <p:cNvPr id="228" name="Straight Arrow Connector 227"/>
+          <p:cNvCxnSpPr/>
+          <p:nvPr/>
+        </p:nvCxnSpPr>
+        <p:spPr>
+          <a:xfrm>
+            <a:off x="8479026" y="7957008"/>
+            <a:ext cx="288032" cy="0"/>
+          </a:xfrm>
+          <a:prstGeom prst="straightConnector1">
+            <a:avLst/>
+          </a:prstGeom>
+          <a:ln w="25400">
+            <a:solidFill>
+              <a:schemeClr val="bg1"/>
+            </a:solidFill>
+            <a:headEnd type="arrow" w="sm" len="sm"/>
+            <a:tailEnd type="none" w="med" len="med"/>
+          </a:ln>
+        </p:spPr>
+        <p:style>
+          <a:lnRef idx="1">
+            <a:schemeClr val="accent1"/>
+          </a:lnRef>
+          <a:fillRef idx="0">
+            <a:schemeClr val="accent1"/>
+          </a:fillRef>
+          <a:effectRef idx="0">
+            <a:schemeClr val="accent1"/>
+          </a:effectRef>
+          <a:fontRef idx="minor">
+            <a:schemeClr val="tx1"/>
+          </a:fontRef>
+        </p:style>
+      </p:cxnSp>
+      <p:sp>
+        <p:nvSpPr>
+          <p:cNvPr id="231" name="TextBox 230"/>
+          <p:cNvSpPr txBox="1"/>
+          <p:nvPr/>
+        </p:nvSpPr>
+        <p:spPr>
+          <a:xfrm>
+            <a:off x="1544687" y="7201371"/>
+            <a:ext cx="3528392" cy="529376"/>
+          </a:xfrm>
+          <a:prstGeom prst="rect">
+            <a:avLst/>
+          </a:prstGeom>
+          <a:noFill/>
+          <a:ln w="19050">
+            <a:noFill/>
+          </a:ln>
+        </p:spPr>
+        <p:txBody>
+          <a:bodyPr wrap="square" lIns="0" tIns="18288" rIns="0" bIns="18288" rtlCol="0">
+            <a:spAutoFit/>
+          </a:bodyPr>
+          <a:lstStyle/>
+          <a:p>
+            <a:pPr algn="ctr"/>
+            <a:r>
+              <a:rPr lang="en-US" sz="1600" i="1" dirty="0" smtClean="0">
+                <a:solidFill>
+                  <a:srgbClr val="37474F"/>
+                </a:solidFill>
+                <a:latin typeface="Corbel" charset="0"/>
+                <a:ea typeface="Corbel" charset="0"/>
+                <a:cs typeface="Corbel" charset="0"/>
+              </a:rPr>
+              <a:t>Relationships between team members, roles, tasks, interfaces, and tools</a:t>
+            </a:r>
+            <a:endParaRPr lang="en-US" sz="1600" i="1" dirty="0">
+              <a:solidFill>
+                <a:srgbClr val="37474F"/>
+              </a:solidFill>
+              <a:latin typeface="Corbel" charset="0"/>
+              <a:ea typeface="Corbel" charset="0"/>
+              <a:cs typeface="Corbel" charset="0"/>
+            </a:endParaRPr>
+          </a:p>
+        </p:txBody>
+      </p:sp>
+      <p:sp>
+        <p:nvSpPr>
+          <p:cNvPr id="2" name="TextBox 1"/>
+          <p:cNvSpPr txBox="1"/>
+          <p:nvPr/>
+        </p:nvSpPr>
+        <p:spPr>
+          <a:xfrm>
+            <a:off x="2046652" y="5682394"/>
+            <a:ext cx="184731" cy="646331"/>
+          </a:xfrm>
+          <a:prstGeom prst="rect">
+            <a:avLst/>
+          </a:prstGeom>
+          <a:noFill/>
+        </p:spPr>
+        <p:txBody>
+          <a:bodyPr wrap="none" rtlCol="0">
+            <a:spAutoFit/>
+          </a:bodyPr>
+          <a:lstStyle/>
+          <a:p>
+            <a:endParaRPr lang="en-US" dirty="0">
+              <a:latin typeface="Corbel" charset="0"/>
+              <a:ea typeface="Corbel" charset="0"/>
+              <a:cs typeface="Corbel" charset="0"/>
+            </a:endParaRPr>
+          </a:p>
+        </p:txBody>
+      </p:sp>
+      <p:sp>
+        <p:nvSpPr>
+          <p:cNvPr id="85" name="Arc 84"/>
+          <p:cNvSpPr/>
+          <p:nvPr/>
+        </p:nvSpPr>
+        <p:spPr>
+          <a:xfrm rot="10800000" flipV="1">
+            <a:off x="1256655" y="13178035"/>
+            <a:ext cx="288032" cy="2814617"/>
+          </a:xfrm>
+          <a:prstGeom prst="arc">
+            <a:avLst>
+              <a:gd name="adj1" fmla="val 16200000"/>
+              <a:gd name="adj2" fmla="val 21319761"/>
+            </a:avLst>
+          </a:prstGeom>
+          <a:ln w="53975">
+            <a:solidFill>
+              <a:schemeClr val="bg1">
+                <a:lumMod val="85000"/>
+              </a:schemeClr>
+            </a:solidFill>
+            <a:tailEnd type="arrow" w="med" len="med"/>
+          </a:ln>
+        </p:spPr>
+        <p:style>
+          <a:lnRef idx="1">
+            <a:schemeClr val="accent1"/>
+          </a:lnRef>
+          <a:fillRef idx="0">
+            <a:schemeClr val="accent1"/>
+          </a:fillRef>
+          <a:effectRef idx="0">
+            <a:schemeClr val="accent1"/>
+          </a:effectRef>
+          <a:fontRef idx="minor">
+            <a:schemeClr val="tx1"/>
+          </a:fontRef>
+        </p:style>
+        <p:txBody>
+          <a:bodyPr rtlCol="0" anchor="ctr"/>
+          <a:lstStyle/>
+          <a:p>
+            <a:pPr algn="ctr"/>
+            <a:endParaRPr lang="en-US">
+              <a:latin typeface="Corbel" charset="0"/>
+              <a:ea typeface="Corbel" charset="0"/>
+              <a:cs typeface="Corbel" charset="0"/>
+            </a:endParaRPr>
+          </a:p>
+        </p:txBody>
+      </p:sp>
+      <p:sp>
+        <p:nvSpPr>
+          <p:cNvPr id="90" name="Arc 89"/>
+          <p:cNvSpPr/>
+          <p:nvPr/>
+        </p:nvSpPr>
+        <p:spPr>
+          <a:xfrm rot="9817432" flipH="1" flipV="1">
+            <a:off x="1250004" y="13081563"/>
+            <a:ext cx="637672" cy="2087776"/>
+          </a:xfrm>
+          <a:prstGeom prst="arc">
+            <a:avLst>
+              <a:gd name="adj1" fmla="val 16200000"/>
+              <a:gd name="adj2" fmla="val 21319761"/>
+            </a:avLst>
+          </a:prstGeom>
+          <a:ln w="53975">
+            <a:solidFill>
+              <a:schemeClr val="bg1">
+                <a:lumMod val="85000"/>
+              </a:schemeClr>
+            </a:solidFill>
+            <a:tailEnd type="arrow" w="med" len="med"/>
+          </a:ln>
+        </p:spPr>
+        <p:style>
+          <a:lnRef idx="1">
+            <a:schemeClr val="accent1"/>
+          </a:lnRef>
+          <a:fillRef idx="0">
+            <a:schemeClr val="accent1"/>
+          </a:fillRef>
+          <a:effectRef idx="0">
+            <a:schemeClr val="accent1"/>
+          </a:effectRef>
+          <a:fontRef idx="minor">
+            <a:schemeClr val="tx1"/>
+          </a:fontRef>
+        </p:style>
+        <p:txBody>
+          <a:bodyPr rtlCol="0" anchor="ctr"/>
+          <a:lstStyle/>
+          <a:p>
+            <a:pPr algn="ctr"/>
+            <a:endParaRPr lang="en-US">
+              <a:latin typeface="Corbel" charset="0"/>
+              <a:ea typeface="Corbel" charset="0"/>
+              <a:cs typeface="Corbel" charset="0"/>
+            </a:endParaRPr>
+          </a:p>
+        </p:txBody>
+      </p:sp>
+      <p:sp>
+        <p:nvSpPr>
+          <p:cNvPr id="91" name="Arc 90"/>
+          <p:cNvSpPr/>
+          <p:nvPr/>
+        </p:nvSpPr>
+        <p:spPr>
+          <a:xfrm rot="10800000" flipH="1" flipV="1">
+            <a:off x="72008" y="13178035"/>
+            <a:ext cx="2016224" cy="1584177"/>
+          </a:xfrm>
+          <a:prstGeom prst="arc">
+            <a:avLst>
+              <a:gd name="adj1" fmla="val 16200000"/>
+              <a:gd name="adj2" fmla="val 21319761"/>
+            </a:avLst>
+          </a:prstGeom>
+          <a:ln w="53975">
+            <a:solidFill>
+              <a:schemeClr val="bg1">
+                <a:lumMod val="85000"/>
+              </a:schemeClr>
+            </a:solidFill>
+            <a:tailEnd type="arrow" w="med" len="med"/>
+          </a:ln>
+        </p:spPr>
+        <p:style>
+          <a:lnRef idx="1">
+            <a:schemeClr val="accent1"/>
+          </a:lnRef>
+          <a:fillRef idx="0">
+            <a:schemeClr val="accent1"/>
+          </a:fillRef>
+          <a:effectRef idx="0">
+            <a:schemeClr val="accent1"/>
+          </a:effectRef>
+          <a:fontRef idx="minor">
+            <a:schemeClr val="tx1"/>
+          </a:fontRef>
+        </p:style>
+        <p:txBody>
+          <a:bodyPr rtlCol="0" anchor="ctr"/>
+          <a:lstStyle/>
+          <a:p>
+            <a:pPr algn="ctr"/>
+            <a:endParaRPr lang="en-US">
+              <a:latin typeface="Corbel" charset="0"/>
+              <a:ea typeface="Corbel" charset="0"/>
+              <a:cs typeface="Corbel" charset="0"/>
+            </a:endParaRPr>
+          </a:p>
+        </p:txBody>
+      </p:sp>
+      <p:sp>
+        <p:nvSpPr>
+          <p:cNvPr id="92" name="Arc 91"/>
+          <p:cNvSpPr/>
+          <p:nvPr/>
+        </p:nvSpPr>
+        <p:spPr>
+          <a:xfrm rot="10800000" flipH="1" flipV="1">
+            <a:off x="1112639" y="13106027"/>
+            <a:ext cx="432048" cy="2304257"/>
+          </a:xfrm>
+          <a:prstGeom prst="arc">
+            <a:avLst>
+              <a:gd name="adj1" fmla="val 16200000"/>
+              <a:gd name="adj2" fmla="val 21319761"/>
+            </a:avLst>
+          </a:prstGeom>
+          <a:ln w="53975">
+            <a:solidFill>
+              <a:schemeClr val="bg1">
+                <a:lumMod val="85000"/>
+              </a:schemeClr>
+            </a:solidFill>
+            <a:tailEnd type="arrow" w="med" len="med"/>
+          </a:ln>
+        </p:spPr>
+        <p:style>
+          <a:lnRef idx="1">
+            <a:schemeClr val="accent1"/>
+          </a:lnRef>
+          <a:fillRef idx="0">
+            <a:schemeClr val="accent1"/>
+          </a:fillRef>
+          <a:effectRef idx="0">
+            <a:schemeClr val="accent1"/>
+          </a:effectRef>
+          <a:fontRef idx="minor">
+            <a:schemeClr val="tx1"/>
+          </a:fontRef>
+        </p:style>
+        <p:txBody>
+          <a:bodyPr rtlCol="0" anchor="ctr"/>
+          <a:lstStyle/>
+          <a:p>
+            <a:pPr algn="ctr"/>
+            <a:endParaRPr lang="en-US">
+              <a:latin typeface="Corbel" charset="0"/>
+              <a:ea typeface="Corbel" charset="0"/>
+              <a:cs typeface="Corbel" charset="0"/>
+            </a:endParaRPr>
+          </a:p>
+        </p:txBody>
+      </p:sp>
+      <p:pic>
+        <p:nvPicPr>
+          <p:cNvPr id="96" name="Picture 95"/>
+          <p:cNvPicPr>
+            <a:picLocks noChangeAspect="1"/>
+          </p:cNvPicPr>
+          <p:nvPr/>
+        </p:nvPicPr>
+        <p:blipFill>
+          <a:blip r:embed="rId5">
+            <a:extLst>
+              <a:ext uri="{28A0092B-C50C-407E-A947-70E740481C1C}">
+                <a14:useLocalDpi xmlns:a14="http://schemas.microsoft.com/office/drawing/2010/main" val="0"/>
+              </a:ext>
+            </a:extLst>
+          </a:blip>
+          <a:stretch>
+            <a:fillRect/>
+          </a:stretch>
+        </p:blipFill>
+        <p:spPr>
+          <a:xfrm>
+            <a:off x="3686924" y="4321051"/>
+            <a:ext cx="1386155" cy="504056"/>
+          </a:xfrm>
+          <a:prstGeom prst="rect">
+            <a:avLst/>
+          </a:prstGeom>
+        </p:spPr>
+      </p:pic>
+      <p:pic>
+        <p:nvPicPr>
+          <p:cNvPr id="107" name="Picture 106"/>
+          <p:cNvPicPr>
+            <a:picLocks noChangeAspect="1"/>
+          </p:cNvPicPr>
+          <p:nvPr/>
+        </p:nvPicPr>
+        <p:blipFill rotWithShape="1">
+          <a:blip r:embed="rId6">
+            <a:extLst>
+              <a:ext uri="{28A0092B-C50C-407E-A947-70E740481C1C}">
+                <a14:useLocalDpi xmlns:a14="http://schemas.microsoft.com/office/drawing/2010/main" val="0"/>
+              </a:ext>
+            </a:extLst>
+          </a:blip>
+          <a:srcRect r="73359" b="5290"/>
+          <a:stretch/>
+        </p:blipFill>
+        <p:spPr>
+          <a:xfrm>
+            <a:off x="2192759" y="5185147"/>
+            <a:ext cx="1484389" cy="1111532"/>
+          </a:xfrm>
+          <a:prstGeom prst="rect">
+            <a:avLst/>
+          </a:prstGeom>
+        </p:spPr>
+      </p:pic>
+      <p:sp>
+        <p:nvSpPr>
+          <p:cNvPr id="77" name="TextBox 76"/>
+          <p:cNvSpPr txBox="1"/>
+          <p:nvPr/>
+        </p:nvSpPr>
+        <p:spPr>
+          <a:xfrm rot="16200000">
+            <a:off x="-1233614" y="4795910"/>
+            <a:ext cx="3456384" cy="490442"/>
+          </a:xfrm>
+          <a:prstGeom prst="round2SameRect">
+            <a:avLst/>
+          </a:prstGeom>
+          <a:noFill/>
+          <a:ln w="19050">
+            <a:noFill/>
+          </a:ln>
+        </p:spPr>
+        <p:txBody>
+          <a:bodyPr wrap="square" lIns="0" tIns="18288" rIns="0" bIns="18288" rtlCol="0">
+            <a:spAutoFit/>
+          </a:bodyPr>
+          <a:lstStyle/>
+          <a:p>
+            <a:pPr algn="ctr"/>
+            <a:r>
+              <a:rPr lang="en-US" sz="2800" dirty="0" smtClean="0">
+                <a:solidFill>
+                  <a:srgbClr val="37474F"/>
+                </a:solidFill>
+                <a:latin typeface="Corbel" charset="0"/>
+                <a:ea typeface="Corbel" charset="0"/>
+                <a:cs typeface="Corbel" charset="0"/>
+              </a:rPr>
+              <a:t>Components</a:t>
+            </a:r>
+          </a:p>
+        </p:txBody>
+      </p:sp>
+      <p:pic>
+        <p:nvPicPr>
+          <p:cNvPr id="108" name="Picture 107"/>
+          <p:cNvPicPr>
+            <a:picLocks noChangeAspect="1"/>
+          </p:cNvPicPr>
+          <p:nvPr/>
+        </p:nvPicPr>
+        <p:blipFill>
+          <a:blip r:embed="rId7">
+            <a:extLst>
+              <a:ext uri="{28A0092B-C50C-407E-A947-70E740481C1C}">
+                <a14:useLocalDpi xmlns:a14="http://schemas.microsoft.com/office/drawing/2010/main" val="0"/>
+              </a:ext>
+            </a:extLst>
+          </a:blip>
+          <a:stretch>
+            <a:fillRect/>
+          </a:stretch>
+        </p:blipFill>
+        <p:spPr>
+          <a:xfrm>
+            <a:off x="968623" y="4177035"/>
+            <a:ext cx="1368152" cy="1368152"/>
+          </a:xfrm>
+          <a:prstGeom prst="rect">
+            <a:avLst/>
+          </a:prstGeom>
+        </p:spPr>
+      </p:pic>
+      <p:pic>
+        <p:nvPicPr>
+          <p:cNvPr id="110" name="Picture 109"/>
+          <p:cNvPicPr>
+            <a:picLocks noChangeAspect="1"/>
+          </p:cNvPicPr>
+          <p:nvPr/>
+        </p:nvPicPr>
+        <p:blipFill>
+          <a:blip r:embed="rId8">
+            <a:extLst>
+              <a:ext uri="{28A0092B-C50C-407E-A947-70E740481C1C}">
+                <a14:useLocalDpi xmlns:a14="http://schemas.microsoft.com/office/drawing/2010/main" val="0"/>
+              </a:ext>
+            </a:extLst>
+          </a:blip>
+          <a:stretch>
+            <a:fillRect/>
+          </a:stretch>
+        </p:blipFill>
+        <p:spPr>
+          <a:xfrm>
+            <a:off x="2480791" y="4609083"/>
+            <a:ext cx="792088" cy="519234"/>
+          </a:xfrm>
+          <a:prstGeom prst="rect">
+            <a:avLst/>
+          </a:prstGeom>
+        </p:spPr>
+      </p:pic>
+      <p:pic>
+        <p:nvPicPr>
+          <p:cNvPr id="111" name="Picture 110"/>
+          <p:cNvPicPr>
+            <a:picLocks noChangeAspect="1"/>
+          </p:cNvPicPr>
+          <p:nvPr/>
+        </p:nvPicPr>
+        <p:blipFill>
+          <a:blip r:embed="rId9">
+            <a:extLst>
+              <a:ext uri="{28A0092B-C50C-407E-A947-70E740481C1C}">
+                <a14:useLocalDpi xmlns:a14="http://schemas.microsoft.com/office/drawing/2010/main" val="0"/>
+              </a:ext>
+            </a:extLst>
+          </a:blip>
+          <a:stretch>
+            <a:fillRect/>
+          </a:stretch>
+        </p:blipFill>
+        <p:spPr>
+          <a:xfrm>
+            <a:off x="3776935" y="5329163"/>
+            <a:ext cx="1249754" cy="720080"/>
+          </a:xfrm>
+          <a:prstGeom prst="rect">
+            <a:avLst/>
+          </a:prstGeom>
+        </p:spPr>
+      </p:pic>
+      <p:sp>
+        <p:nvSpPr>
+          <p:cNvPr id="113" name="TextBox 112"/>
+          <p:cNvSpPr txBox="1"/>
+          <p:nvPr/>
+        </p:nvSpPr>
+        <p:spPr>
+          <a:xfrm>
+            <a:off x="4280991" y="4897115"/>
+            <a:ext cx="1025179" cy="307777"/>
+          </a:xfrm>
+          <a:prstGeom prst="rect">
+            <a:avLst/>
+          </a:prstGeom>
+          <a:noFill/>
+          <a:ln>
+            <a:noFill/>
+          </a:ln>
+        </p:spPr>
+        <p:txBody>
+          <a:bodyPr wrap="square" lIns="0" tIns="0" rIns="0" bIns="0" rtlCol="0">
+            <a:spAutoFit/>
+          </a:bodyPr>
+          <a:lstStyle/>
+          <a:p>
+            <a:r>
+              <a:rPr lang="en-US" sz="2000" dirty="0" err="1" smtClean="0">
+                <a:latin typeface="Corbel" charset="0"/>
+                <a:ea typeface="Corbel" charset="0"/>
+                <a:cs typeface="Corbel" charset="0"/>
+              </a:rPr>
+              <a:t>Kakadu</a:t>
+            </a:r>
+            <a:endParaRPr lang="en-US" sz="2000" dirty="0">
+              <a:latin typeface="Corbel" charset="0"/>
+              <a:ea typeface="Corbel" charset="0"/>
+              <a:cs typeface="Corbel" charset="0"/>
+            </a:endParaRPr>
+          </a:p>
+        </p:txBody>
+      </p:sp>
+      <p:sp>
+        <p:nvSpPr>
+          <p:cNvPr id="114" name="TextBox 113"/>
+          <p:cNvSpPr txBox="1"/>
+          <p:nvPr/>
+        </p:nvSpPr>
+        <p:spPr>
+          <a:xfrm>
+            <a:off x="969391" y="4177035"/>
+            <a:ext cx="4391719" cy="381381"/>
+          </a:xfrm>
+          <a:prstGeom prst="roundRect">
+            <a:avLst/>
+          </a:prstGeom>
+          <a:noFill/>
+          <a:ln w="19050">
+            <a:noFill/>
+          </a:ln>
+        </p:spPr>
+        <p:txBody>
+          <a:bodyPr wrap="square" lIns="0" tIns="18288" rIns="0" bIns="18288" rtlCol="0">
+            <a:spAutoFit/>
+          </a:bodyPr>
+          <a:lstStyle/>
+          <a:p>
+            <a:pPr algn="ctr"/>
+            <a:r>
+              <a:rPr lang="en-US" sz="2000" b="1" dirty="0" smtClean="0">
+                <a:solidFill>
+                  <a:srgbClr val="37474F"/>
+                </a:solidFill>
+                <a:latin typeface="Corbel" charset="0"/>
+                <a:ea typeface="Corbel" charset="0"/>
+                <a:cs typeface="Corbel" charset="0"/>
+              </a:rPr>
+              <a:t>Charon</a:t>
+            </a:r>
+          </a:p>
+        </p:txBody>
+      </p:sp>
+      <p:sp>
+        <p:nvSpPr>
+          <p:cNvPr id="117" name="Diamond 116"/>
+          <p:cNvSpPr/>
+          <p:nvPr/>
+        </p:nvSpPr>
+        <p:spPr>
+          <a:xfrm>
+            <a:off x="4878626" y="8965120"/>
+            <a:ext cx="864096" cy="864096"/>
+          </a:xfrm>
+          <a:prstGeom prst="diamond">
+            <a:avLst/>
+          </a:prstGeom>
+          <a:solidFill>
+            <a:srgbClr val="FFD966"/>
+          </a:solidFill>
+          <a:ln>
+            <a:noFill/>
+          </a:ln>
+        </p:spPr>
+        <p:style>
+          <a:lnRef idx="2">
+            <a:schemeClr val="accent1">
+              <a:shade val="50000"/>
+            </a:schemeClr>
+          </a:lnRef>
+          <a:fillRef idx="1">
+            <a:schemeClr val="accent1"/>
+          </a:fillRef>
+          <a:effectRef idx="0">
+            <a:schemeClr val="accent1"/>
+          </a:effectRef>
+          <a:fontRef idx="minor">
+            <a:schemeClr val="lt1"/>
+          </a:fontRef>
+        </p:style>
+        <p:txBody>
+          <a:bodyPr lIns="0" tIns="0" rIns="0" bIns="0" rtlCol="0" anchor="ctr"/>
+          <a:lstStyle/>
+          <a:p>
+            <a:pPr algn="ctr"/>
+            <a:r>
+              <a:rPr lang="en-US" sz="1800" dirty="0" smtClean="0">
+                <a:solidFill>
+                  <a:schemeClr val="bg1"/>
+                </a:solidFill>
+                <a:latin typeface="Corbel" charset="0"/>
+                <a:ea typeface="Corbel" charset="0"/>
+                <a:cs typeface="Corbel" charset="0"/>
+              </a:rPr>
+              <a:t>Role</a:t>
+            </a:r>
+            <a:endParaRPr lang="en-US" sz="1800" dirty="0">
+              <a:solidFill>
+                <a:schemeClr val="bg1"/>
+              </a:solidFill>
+              <a:latin typeface="Corbel" charset="0"/>
+              <a:ea typeface="Corbel" charset="0"/>
+              <a:cs typeface="Corbel" charset="0"/>
+            </a:endParaRPr>
+          </a:p>
+        </p:txBody>
+      </p:sp>
+      <p:cxnSp>
+        <p:nvCxnSpPr>
+          <p:cNvPr id="118" name="Elbow Connector 117"/>
+          <p:cNvCxnSpPr/>
+          <p:nvPr/>
+        </p:nvCxnSpPr>
+        <p:spPr>
+          <a:xfrm flipH="1" flipV="1">
+            <a:off x="6300498" y="7957008"/>
+            <a:ext cx="18288" cy="936104"/>
+          </a:xfrm>
+          <a:prstGeom prst="bentConnector3">
+            <a:avLst>
+              <a:gd name="adj1" fmla="val 1800000"/>
+            </a:avLst>
+          </a:prstGeom>
+          <a:ln w="25400">
+            <a:solidFill>
+              <a:schemeClr val="bg1"/>
+            </a:solidFill>
+            <a:headEnd type="arrow" w="sm" len="sm"/>
+            <a:tailEnd type="arrow" w="sm" len="sm"/>
+          </a:ln>
+        </p:spPr>
+        <p:style>
+          <a:lnRef idx="1">
+            <a:schemeClr val="accent1"/>
+          </a:lnRef>
+          <a:fillRef idx="0">
+            <a:schemeClr val="accent1"/>
+          </a:fillRef>
+          <a:effectRef idx="0">
+            <a:schemeClr val="accent1"/>
+          </a:effectRef>
+          <a:fontRef idx="minor">
+            <a:schemeClr val="tx1"/>
+          </a:fontRef>
+        </p:style>
+      </p:cxnSp>
+      <p:sp>
+        <p:nvSpPr>
+          <p:cNvPr id="14" name="TextBox 13"/>
+          <p:cNvSpPr txBox="1"/>
+          <p:nvPr/>
+        </p:nvSpPr>
+        <p:spPr>
+          <a:xfrm>
+            <a:off x="6297215" y="12212870"/>
+            <a:ext cx="3600848" cy="749141"/>
+          </a:xfrm>
+          <a:prstGeom prst="roundRect">
+            <a:avLst/>
+          </a:prstGeom>
+          <a:solidFill>
+            <a:schemeClr val="bg1">
+              <a:lumMod val="85000"/>
+            </a:schemeClr>
+          </a:solidFill>
+          <a:ln>
+            <a:noFill/>
+          </a:ln>
+        </p:spPr>
+        <p:txBody>
+          <a:bodyPr wrap="square" rtlCol="0">
+            <a:spAutoFit/>
+          </a:bodyPr>
+          <a:lstStyle/>
+          <a:p>
+            <a:r>
+              <a:rPr lang="en-US" sz="2000" b="1" dirty="0" smtClean="0">
+                <a:solidFill>
+                  <a:srgbClr val="37474F"/>
+                </a:solidFill>
+                <a:latin typeface="Corbel" charset="0"/>
+                <a:ea typeface="Corbel" charset="0"/>
+                <a:cs typeface="Corbel" charset="0"/>
+              </a:rPr>
+              <a:t>Depositors</a:t>
+            </a:r>
+          </a:p>
+          <a:p>
+            <a:pPr marL="342900" indent="-342900">
+              <a:buFont typeface="Arial" charset="0"/>
+              <a:buChar char="•"/>
+            </a:pPr>
+            <a:r>
+              <a:rPr lang="en-US" sz="1800" dirty="0" smtClean="0">
+                <a:solidFill>
+                  <a:srgbClr val="37474F"/>
+                </a:solidFill>
+                <a:latin typeface="Corbel" charset="0"/>
+                <a:ea typeface="Corbel" charset="0"/>
+                <a:cs typeface="Corbel" charset="0"/>
+              </a:rPr>
+              <a:t>Contribute files and metadata</a:t>
+            </a:r>
+            <a:endParaRPr lang="en-US" sz="1800" dirty="0">
+              <a:solidFill>
+                <a:srgbClr val="37474F"/>
+              </a:solidFill>
+              <a:latin typeface="Corbel" charset="0"/>
+              <a:ea typeface="Corbel" charset="0"/>
+              <a:cs typeface="Corbel" charset="0"/>
+            </a:endParaRPr>
+          </a:p>
+        </p:txBody>
+      </p:sp>
+      <p:sp>
+        <p:nvSpPr>
+          <p:cNvPr id="83" name="TextBox 82"/>
+          <p:cNvSpPr txBox="1"/>
+          <p:nvPr/>
+        </p:nvSpPr>
+        <p:spPr>
+          <a:xfrm>
+            <a:off x="896615" y="12025907"/>
+            <a:ext cx="3528392" cy="1362075"/>
+          </a:xfrm>
+          <a:prstGeom prst="roundRect">
+            <a:avLst>
+              <a:gd name="adj" fmla="val 11073"/>
+            </a:avLst>
+          </a:prstGeom>
+          <a:solidFill>
+            <a:schemeClr val="bg1">
+              <a:lumMod val="85000"/>
+            </a:schemeClr>
+          </a:solidFill>
+          <a:ln>
+            <a:noFill/>
+          </a:ln>
+        </p:spPr>
+        <p:txBody>
+          <a:bodyPr wrap="square" rtlCol="0">
+            <a:spAutoFit/>
+          </a:bodyPr>
+          <a:lstStyle/>
+          <a:p>
+            <a:r>
+              <a:rPr lang="en-US" sz="2000" b="1" dirty="0" smtClean="0">
+                <a:solidFill>
+                  <a:srgbClr val="37474F"/>
+                </a:solidFill>
+                <a:latin typeface="Corbel" charset="0"/>
+                <a:ea typeface="Corbel" charset="0"/>
+                <a:cs typeface="Corbel" charset="0"/>
+              </a:rPr>
+              <a:t>Editors</a:t>
+            </a:r>
+          </a:p>
+          <a:p>
+            <a:pPr marL="342900" indent="-342900">
+              <a:buFont typeface="Arial" charset="0"/>
+              <a:buChar char="•"/>
+            </a:pPr>
+            <a:r>
+              <a:rPr lang="en-US" sz="1800" dirty="0" smtClean="0">
+                <a:solidFill>
+                  <a:srgbClr val="37474F"/>
+                </a:solidFill>
+                <a:latin typeface="Corbel" charset="0"/>
+                <a:ea typeface="Corbel" charset="0"/>
+                <a:cs typeface="Corbel" charset="0"/>
+              </a:rPr>
+              <a:t>Contribute files and metadata</a:t>
+            </a:r>
+          </a:p>
+          <a:p>
+            <a:pPr marL="342900" indent="-342900">
+              <a:buFont typeface="Arial" charset="0"/>
+              <a:buChar char="•"/>
+            </a:pPr>
+            <a:r>
+              <a:rPr lang="en-US" sz="1800" dirty="0" smtClean="0">
+                <a:solidFill>
+                  <a:srgbClr val="37474F"/>
+                </a:solidFill>
+                <a:latin typeface="Corbel" charset="0"/>
+                <a:ea typeface="Corbel" charset="0"/>
+                <a:cs typeface="Corbel" charset="0"/>
+              </a:rPr>
+              <a:t>Claim and execute tasks</a:t>
+            </a:r>
+          </a:p>
+          <a:p>
+            <a:pPr marL="342900" indent="-342900">
+              <a:buFont typeface="Arial" charset="0"/>
+              <a:buChar char="•"/>
+            </a:pPr>
+            <a:r>
+              <a:rPr lang="en-US" sz="1800" dirty="0" smtClean="0">
+                <a:solidFill>
+                  <a:srgbClr val="37474F"/>
+                </a:solidFill>
+                <a:latin typeface="Corbel" charset="0"/>
+                <a:ea typeface="Corbel" charset="0"/>
+                <a:cs typeface="Corbel" charset="0"/>
+              </a:rPr>
+              <a:t>Accept and reject deposits</a:t>
+            </a:r>
+            <a:endParaRPr lang="en-US" sz="1800" dirty="0">
+              <a:solidFill>
+                <a:srgbClr val="37474F"/>
+              </a:solidFill>
+              <a:latin typeface="Corbel" charset="0"/>
+              <a:ea typeface="Corbel" charset="0"/>
+              <a:cs typeface="Corbel" charset="0"/>
+            </a:endParaRPr>
+          </a:p>
+        </p:txBody>
+      </p:sp>
+      <p:sp>
+        <p:nvSpPr>
+          <p:cNvPr id="13" name="TextBox 12"/>
+          <p:cNvSpPr txBox="1"/>
+          <p:nvPr/>
+        </p:nvSpPr>
+        <p:spPr>
+          <a:xfrm>
+            <a:off x="6030754" y="9901224"/>
+            <a:ext cx="3672408" cy="442674"/>
+          </a:xfrm>
+          <a:prstGeom prst="roundRect">
+            <a:avLst/>
+          </a:prstGeom>
+          <a:solidFill>
+            <a:schemeClr val="bg1">
+              <a:lumMod val="85000"/>
+            </a:schemeClr>
+          </a:solidFill>
+        </p:spPr>
+        <p:txBody>
+          <a:bodyPr wrap="square" rtlCol="0">
+            <a:spAutoFit/>
+          </a:bodyPr>
+          <a:lstStyle/>
+          <a:p>
+            <a:pPr algn="ctr"/>
+            <a:r>
+              <a:rPr lang="en-US" sz="2000" b="1" dirty="0">
+                <a:solidFill>
+                  <a:srgbClr val="37474F"/>
+                </a:solidFill>
+                <a:latin typeface="Corbel" charset="0"/>
+                <a:ea typeface="Corbel" charset="0"/>
+                <a:cs typeface="Corbel" charset="0"/>
+              </a:rPr>
+              <a:t>{ </a:t>
+            </a:r>
+            <a:r>
+              <a:rPr lang="en-US" sz="2000" b="1" dirty="0" smtClean="0">
+                <a:solidFill>
+                  <a:srgbClr val="37474F"/>
+                </a:solidFill>
+                <a:latin typeface="Corbel" charset="0"/>
+                <a:ea typeface="Corbel" charset="0"/>
+                <a:cs typeface="Corbel" charset="0"/>
+              </a:rPr>
+              <a:t>Edit ✏️ }</a:t>
+            </a:r>
+            <a:endParaRPr lang="en-US" sz="2000" b="1" dirty="0">
+              <a:solidFill>
+                <a:srgbClr val="37474F"/>
+              </a:solidFill>
+              <a:latin typeface="Corbel" charset="0"/>
+              <a:ea typeface="Corbel" charset="0"/>
+              <a:cs typeface="Corbel" charset="0"/>
+            </a:endParaRPr>
+          </a:p>
+        </p:txBody>
+      </p:sp>
+      <p:sp>
+        <p:nvSpPr>
+          <p:cNvPr id="98" name="Diamond 97"/>
+          <p:cNvSpPr/>
+          <p:nvPr/>
+        </p:nvSpPr>
+        <p:spPr>
+          <a:xfrm>
+            <a:off x="4878626" y="7957008"/>
+            <a:ext cx="864096" cy="864096"/>
+          </a:xfrm>
+          <a:prstGeom prst="diamond">
+            <a:avLst/>
+          </a:prstGeom>
+          <a:solidFill>
+            <a:srgbClr val="FFD966"/>
+          </a:solidFill>
+          <a:ln>
+            <a:noFill/>
+          </a:ln>
+        </p:spPr>
+        <p:style>
+          <a:lnRef idx="2">
+            <a:schemeClr val="accent1">
+              <a:shade val="50000"/>
+            </a:schemeClr>
+          </a:lnRef>
+          <a:fillRef idx="1">
+            <a:schemeClr val="accent1"/>
+          </a:fillRef>
+          <a:effectRef idx="0">
+            <a:schemeClr val="accent1"/>
+          </a:effectRef>
+          <a:fontRef idx="minor">
+            <a:schemeClr val="lt1"/>
+          </a:fontRef>
+        </p:style>
+        <p:txBody>
+          <a:bodyPr lIns="0" tIns="0" rIns="0" bIns="0" rtlCol="0" anchor="ctr"/>
+          <a:lstStyle/>
+          <a:p>
+            <a:pPr algn="ctr"/>
+            <a:r>
+              <a:rPr lang="en-US" sz="1800" dirty="0" smtClean="0">
+                <a:solidFill>
+                  <a:schemeClr val="bg1"/>
+                </a:solidFill>
+                <a:latin typeface="Corbel" charset="0"/>
+                <a:ea typeface="Corbel" charset="0"/>
+                <a:cs typeface="Corbel" charset="0"/>
+              </a:rPr>
+              <a:t>Role</a:t>
+            </a:r>
+            <a:endParaRPr lang="en-US" sz="1800" dirty="0">
+              <a:solidFill>
+                <a:schemeClr val="bg1"/>
+              </a:solidFill>
+              <a:latin typeface="Corbel" charset="0"/>
+              <a:ea typeface="Corbel" charset="0"/>
+              <a:cs typeface="Corbel" charset="0"/>
+            </a:endParaRPr>
+          </a:p>
+        </p:txBody>
+      </p:sp>
+      <p:cxnSp>
+        <p:nvCxnSpPr>
+          <p:cNvPr id="119" name="Straight Arrow Connector 118"/>
+          <p:cNvCxnSpPr/>
+          <p:nvPr/>
+        </p:nvCxnSpPr>
+        <p:spPr>
+          <a:xfrm>
+            <a:off x="6894850" y="7957008"/>
+            <a:ext cx="481982" cy="0"/>
+          </a:xfrm>
+          <a:prstGeom prst="straightConnector1">
+            <a:avLst/>
+          </a:prstGeom>
+          <a:ln w="25400">
+            <a:solidFill>
+              <a:schemeClr val="bg1"/>
+            </a:solidFill>
+            <a:headEnd type="none" w="sm" len="sm"/>
+            <a:tailEnd type="arrow" w="med" len="med"/>
+          </a:ln>
+        </p:spPr>
+        <p:style>
+          <a:lnRef idx="1">
+            <a:schemeClr val="accent1"/>
+          </a:lnRef>
+          <a:fillRef idx="0">
+            <a:schemeClr val="accent1"/>
+          </a:fillRef>
+          <a:effectRef idx="0">
+            <a:schemeClr val="accent1"/>
+          </a:effectRef>
+          <a:fontRef idx="minor">
+            <a:schemeClr val="tx1"/>
+          </a:fontRef>
+        </p:style>
+      </p:cxnSp>
+      <p:pic>
+        <p:nvPicPr>
+          <p:cNvPr id="33" name="Picture 32"/>
+          <p:cNvPicPr>
+            <a:picLocks noChangeAspect="1"/>
+          </p:cNvPicPr>
+          <p:nvPr/>
+        </p:nvPicPr>
+        <p:blipFill>
+          <a:blip r:embed="rId10">
+            <a:extLst>
+              <a:ext uri="{28A0092B-C50C-407E-A947-70E740481C1C}">
+                <a14:useLocalDpi xmlns:a14="http://schemas.microsoft.com/office/drawing/2010/main" val="0"/>
+              </a:ext>
+            </a:extLst>
+          </a:blip>
+          <a:stretch>
+            <a:fillRect/>
+          </a:stretch>
+        </p:blipFill>
+        <p:spPr>
+          <a:xfrm>
+            <a:off x="9033519" y="17121064"/>
+            <a:ext cx="882079" cy="882079"/>
+          </a:xfrm>
+          <a:prstGeom prst="rect">
+            <a:avLst/>
+          </a:prstGeom>
+        </p:spPr>
+      </p:pic>
+      <p:cxnSp>
+        <p:nvCxnSpPr>
+          <p:cNvPr id="35" name="Straight Connector 34"/>
+          <p:cNvCxnSpPr/>
+          <p:nvPr/>
+        </p:nvCxnSpPr>
+        <p:spPr>
+          <a:xfrm>
+            <a:off x="861281" y="4177035"/>
+            <a:ext cx="4571838" cy="0"/>
+          </a:xfrm>
+          <a:prstGeom prst="line">
+            <a:avLst/>
+          </a:prstGeom>
+          <a:ln w="15875">
+            <a:solidFill>
+              <a:srgbClr val="78909C"/>
+            </a:solidFill>
+            <a:prstDash val="sysDot"/>
+          </a:ln>
+        </p:spPr>
+        <p:style>
+          <a:lnRef idx="1">
+            <a:schemeClr val="accent1"/>
+          </a:lnRef>
+          <a:fillRef idx="0">
+            <a:schemeClr val="accent1"/>
+          </a:fillRef>
+          <a:effectRef idx="0">
+            <a:schemeClr val="accent1"/>
+          </a:effectRef>
+          <a:fontRef idx="minor">
+            <a:schemeClr val="tx1"/>
+          </a:fontRef>
+        </p:style>
+      </p:cxnSp>
+      <p:cxnSp>
+        <p:nvCxnSpPr>
+          <p:cNvPr id="121" name="Straight Connector 120"/>
+          <p:cNvCxnSpPr/>
+          <p:nvPr/>
+        </p:nvCxnSpPr>
+        <p:spPr>
+          <a:xfrm>
+            <a:off x="968623" y="3816995"/>
+            <a:ext cx="4464496" cy="0"/>
+          </a:xfrm>
+          <a:prstGeom prst="line">
+            <a:avLst/>
+          </a:prstGeom>
+          <a:ln w="15875">
+            <a:solidFill>
+              <a:srgbClr val="78909C"/>
+            </a:solidFill>
+            <a:prstDash val="sysDot"/>
+          </a:ln>
+        </p:spPr>
+        <p:style>
+          <a:lnRef idx="1">
+            <a:schemeClr val="accent1"/>
+          </a:lnRef>
+          <a:fillRef idx="0">
+            <a:schemeClr val="accent1"/>
+          </a:fillRef>
+          <a:effectRef idx="0">
+            <a:schemeClr val="accent1"/>
+          </a:effectRef>
+          <a:fontRef idx="minor">
+            <a:schemeClr val="tx1"/>
+          </a:fontRef>
+        </p:style>
+      </p:cxnSp>
+      <p:cxnSp>
+        <p:nvCxnSpPr>
+          <p:cNvPr id="122" name="Straight Connector 121"/>
+          <p:cNvCxnSpPr/>
+          <p:nvPr/>
+        </p:nvCxnSpPr>
+        <p:spPr>
+          <a:xfrm>
+            <a:off x="861281" y="6265267"/>
+            <a:ext cx="4499830" cy="0"/>
+          </a:xfrm>
+          <a:prstGeom prst="line">
+            <a:avLst/>
+          </a:prstGeom>
+          <a:ln w="15875">
+            <a:solidFill>
+              <a:srgbClr val="78909C"/>
+            </a:solidFill>
+            <a:prstDash val="sysDot"/>
+          </a:ln>
+        </p:spPr>
+        <p:style>
+          <a:lnRef idx="1">
+            <a:schemeClr val="accent1"/>
+          </a:lnRef>
+          <a:fillRef idx="0">
+            <a:schemeClr val="accent1"/>
+          </a:fillRef>
+          <a:effectRef idx="0">
+            <a:schemeClr val="accent1"/>
+          </a:effectRef>
+          <a:fontRef idx="minor">
+            <a:schemeClr val="tx1"/>
+          </a:fontRef>
+        </p:style>
+      </p:cxnSp>
+      <p:pic>
+        <p:nvPicPr>
+          <p:cNvPr id="47" name="Picture 46"/>
+          <p:cNvPicPr>
+            <a:picLocks noChangeAspect="1"/>
+          </p:cNvPicPr>
+          <p:nvPr/>
+        </p:nvPicPr>
+        <p:blipFill>
+          <a:blip r:embed="rId11">
+            <a:extLst>
+              <a:ext uri="{28A0092B-C50C-407E-A947-70E740481C1C}">
+                <a14:useLocalDpi xmlns:a14="http://schemas.microsoft.com/office/drawing/2010/main" val="0"/>
+              </a:ext>
+            </a:extLst>
+          </a:blip>
+          <a:stretch>
+            <a:fillRect/>
+          </a:stretch>
+        </p:blipFill>
+        <p:spPr>
+          <a:xfrm>
+            <a:off x="1400671" y="5329163"/>
+            <a:ext cx="648072" cy="860834"/>
+          </a:xfrm>
+          <a:prstGeom prst="rect">
+            <a:avLst/>
+          </a:prstGeom>
+        </p:spPr>
+      </p:pic>
+    </p:spTree>
+    <p:extLst>
+      <p:ext uri="{BB962C8B-B14F-4D97-AF65-F5344CB8AC3E}">
+        <p14:creationId xmlns:p14="http://schemas.microsoft.com/office/powerpoint/2010/main" val="708472350"/>
+      </p:ext>
+    </p:extLst>
+  </p:cSld>
+  <p:clrMapOvr>
+    <a:masterClrMapping/>
+  </p:clrMapOvr>
+  <p:timing>
+    <p:tnLst>
+      <p:par>
+        <p:cTn id="1" dur="indefinite" restart="never" nodeType="tmRoot"/>
+      </p:par>
+    </p:tnLst>
+  </p:timing>
+</p:sld>
+</file>
+
+<file path=ppt/slides/slide3.xml><?xml version="1.0" encoding="utf-8"?>
+<p:sld xmlns:a="http://schemas.openxmlformats.org/drawingml/2006/main" xmlns:r="http://schemas.openxmlformats.org/officeDocument/2006/relationships" xmlns:p="http://schemas.openxmlformats.org/presentationml/2006/main">
+  <p:cSld>
+    <p:bg>
+      <p:bgPr>
+        <a:solidFill>
           <a:schemeClr val="tx1">
             <a:lumMod val="75000"/>
             <a:lumOff val="25000"/>
@@ -15079,7 +19480,7 @@
 </p:sld>
 </file>
 
-<file path=ppt/slides/slide3.xml><?xml version="1.0" encoding="utf-8"?>
+<file path=ppt/slides/slide4.xml><?xml version="1.0" encoding="utf-8"?>
 <p:sld xmlns:a="http://schemas.openxmlformats.org/drawingml/2006/main" xmlns:r="http://schemas.openxmlformats.org/officeDocument/2006/relationships" xmlns:p="http://schemas.openxmlformats.org/presentationml/2006/main">
   <p:cSld>
     <p:bg>
@@ -19444,7 +23845,7 @@
 </p:sld>
 </file>
 
-<file path=ppt/slides/slide4.xml><?xml version="1.0" encoding="utf-8"?>
+<file path=ppt/slides/slide5.xml><?xml version="1.0" encoding="utf-8"?>
 <p:sld xmlns:a="http://schemas.openxmlformats.org/drawingml/2006/main" xmlns:r="http://schemas.openxmlformats.org/officeDocument/2006/relationships" xmlns:p="http://schemas.openxmlformats.org/presentationml/2006/main">
   <p:cSld>
     <p:spTree>
@@ -20785,684 +25186,6 @@
     <p:extLst>
       <p:ext uri="{BB962C8B-B14F-4D97-AF65-F5344CB8AC3E}">
         <p14:creationId xmlns:p14="http://schemas.microsoft.com/office/powerpoint/2010/main" val="673559917"/>
-      </p:ext>
-    </p:extLst>
-  </p:cSld>
-  <p:clrMapOvr>
-    <a:masterClrMapping/>
-  </p:clrMapOvr>
-  <p:timing>
-    <p:tnLst>
-      <p:par>
-        <p:cTn id="1" dur="indefinite" restart="never" nodeType="tmRoot"/>
-      </p:par>
-    </p:tnLst>
-  </p:timing>
-</p:sld>
-</file>
-
-<file path=ppt/slides/slide5.xml><?xml version="1.0" encoding="utf-8"?>
-<p:sld xmlns:a="http://schemas.openxmlformats.org/drawingml/2006/main" xmlns:r="http://schemas.openxmlformats.org/officeDocument/2006/relationships" xmlns:p="http://schemas.openxmlformats.org/presentationml/2006/main">
-  <p:cSld>
-    <p:bg>
-      <p:bgPr>
-        <a:solidFill>
-          <a:schemeClr val="accent1">
-            <a:lumMod val="50000"/>
-          </a:schemeClr>
-        </a:solidFill>
-        <a:effectLst/>
-      </p:bgPr>
-    </p:bg>
-    <p:spTree>
-      <p:nvGrpSpPr>
-        <p:cNvPr id="1" name=""/>
-        <p:cNvGrpSpPr/>
-        <p:nvPr/>
-      </p:nvGrpSpPr>
-      <p:grpSpPr>
-        <a:xfrm>
-          <a:off x="0" y="0"/>
-          <a:ext cx="0" cy="0"/>
-          <a:chOff x="0" y="0"/>
-          <a:chExt cx="0" cy="0"/>
-        </a:xfrm>
-      </p:grpSpPr>
-      <p:sp>
-        <p:nvSpPr>
-          <p:cNvPr id="2" name="Title 1"/>
-          <p:cNvSpPr>
-            <a:spLocks noGrp="1"/>
-          </p:cNvSpPr>
-          <p:nvPr>
-            <p:ph type="ctrTitle"/>
-          </p:nvPr>
-        </p:nvSpPr>
-        <p:spPr>
-          <a:xfrm>
-            <a:off x="2480791" y="79828"/>
-            <a:ext cx="6408712" cy="2088232"/>
-          </a:xfrm>
-        </p:spPr>
-        <p:txBody>
-          <a:bodyPr>
-            <a:noAutofit/>
-          </a:bodyPr>
-          <a:lstStyle/>
-          <a:p>
-            <a:pPr algn="l"/>
-            <a:r>
-              <a:rPr lang="en-AU" sz="6600" dirty="0">
-                <a:solidFill>
-                  <a:schemeClr val="bg1"/>
-                </a:solidFill>
-              </a:rPr>
-              <a:t>Poster T</a:t>
-            </a:r>
-            <a:r>
-              <a:rPr lang="en-AU" sz="6600" dirty="0" smtClean="0">
-                <a:solidFill>
-                  <a:schemeClr val="bg1"/>
-                </a:solidFill>
-              </a:rPr>
-              <a:t>emplate</a:t>
-            </a:r>
-            <a:endParaRPr lang="en-AU" sz="6600" dirty="0">
-              <a:solidFill>
-                <a:schemeClr val="bg1"/>
-              </a:solidFill>
-            </a:endParaRPr>
-          </a:p>
-        </p:txBody>
-      </p:sp>
-      <p:sp>
-        <p:nvSpPr>
-          <p:cNvPr id="3" name="Subtitle 2"/>
-          <p:cNvSpPr>
-            <a:spLocks noGrp="1"/>
-          </p:cNvSpPr>
-          <p:nvPr>
-            <p:ph type="subTitle" idx="1"/>
-          </p:nvPr>
-        </p:nvSpPr>
-        <p:spPr>
-          <a:xfrm>
-            <a:off x="248543" y="1756868"/>
-            <a:ext cx="9793088" cy="16561840"/>
-          </a:xfrm>
-        </p:spPr>
-        <p:txBody>
-          <a:bodyPr>
-            <a:normAutofit fontScale="85000" lnSpcReduction="10000"/>
-          </a:bodyPr>
-          <a:lstStyle/>
-          <a:p>
-            <a:pPr algn="l"/>
-            <a:r>
-              <a:rPr lang="en-US" sz="3200" b="1" dirty="0">
-                <a:solidFill>
-                  <a:schemeClr val="bg1"/>
-                </a:solidFill>
-              </a:rPr>
-              <a:t>IMPORTANT: </a:t>
-            </a:r>
-          </a:p>
-          <a:p>
-            <a:pPr marL="457200" indent="-457200" algn="l">
-              <a:buFont typeface="Arial" panose="020B0604020202020204" pitchFamily="34" charset="0"/>
-              <a:buChar char="•"/>
-            </a:pPr>
-            <a:r>
-              <a:rPr lang="en-US" sz="3200" b="1" dirty="0">
-                <a:solidFill>
-                  <a:schemeClr val="bg1"/>
-                </a:solidFill>
-              </a:rPr>
-              <a:t>This slide has been configured for the screens that will be used to display your poster. </a:t>
-            </a:r>
-          </a:p>
-          <a:p>
-            <a:pPr marL="457200" indent="-457200" algn="l">
-              <a:buFont typeface="Arial" panose="020B0604020202020204" pitchFamily="34" charset="0"/>
-              <a:buChar char="•"/>
-            </a:pPr>
-            <a:r>
-              <a:rPr lang="en-US" sz="3200" b="1" dirty="0">
-                <a:solidFill>
-                  <a:schemeClr val="bg1"/>
-                </a:solidFill>
-              </a:rPr>
-              <a:t>Original template dimensions are 28.584cm x 50.809cm</a:t>
-            </a:r>
-          </a:p>
-          <a:p>
-            <a:pPr marL="457200" indent="-457200" algn="l">
-              <a:buFont typeface="Arial" panose="020B0604020202020204" pitchFamily="34" charset="0"/>
-              <a:buChar char="•"/>
-            </a:pPr>
-            <a:r>
-              <a:rPr lang="en-US" sz="3200" b="1" dirty="0">
-                <a:solidFill>
-                  <a:schemeClr val="bg1"/>
-                </a:solidFill>
-              </a:rPr>
-              <a:t>Do not change these dimensions, otherwise your poster may not display correctly</a:t>
-            </a:r>
-            <a:r>
-              <a:rPr lang="en-US" sz="3200" b="1" dirty="0" smtClean="0">
-                <a:solidFill>
-                  <a:schemeClr val="bg1"/>
-                </a:solidFill>
-              </a:rPr>
-              <a:t>.</a:t>
-            </a:r>
-          </a:p>
-          <a:p>
-            <a:pPr marL="457200" indent="-457200" algn="l">
-              <a:buFont typeface="Arial" panose="020B0604020202020204" pitchFamily="34" charset="0"/>
-              <a:buChar char="•"/>
-            </a:pPr>
-            <a:r>
-              <a:rPr lang="en-US" sz="3200" b="1" dirty="0" smtClean="0">
-                <a:solidFill>
-                  <a:schemeClr val="bg1"/>
-                </a:solidFill>
-              </a:rPr>
-              <a:t>If you are not using PowerPoint to create your poster, then you must ensure that your poster dimensions conforms to the same ratio as the template</a:t>
-            </a:r>
-          </a:p>
-          <a:p>
-            <a:pPr marL="457200" indent="-457200" algn="l">
-              <a:buFont typeface="Arial" panose="020B0604020202020204" pitchFamily="34" charset="0"/>
-              <a:buChar char="•"/>
-            </a:pPr>
-            <a:r>
-              <a:rPr lang="en-US" sz="3200" b="1" dirty="0" smtClean="0">
-                <a:solidFill>
-                  <a:schemeClr val="bg1"/>
-                </a:solidFill>
-              </a:rPr>
-              <a:t>Insert the 3 digit poster number in the box provided at in the top right-hand corner (see </a:t>
-            </a:r>
-            <a:r>
-              <a:rPr lang="en-US" sz="3200" b="1" dirty="0" err="1" smtClean="0">
-                <a:solidFill>
-                  <a:schemeClr val="bg1"/>
-                </a:solidFill>
-              </a:rPr>
-              <a:t>Conftool</a:t>
-            </a:r>
-            <a:r>
-              <a:rPr lang="en-US" sz="3200" b="1" dirty="0" smtClean="0">
-                <a:solidFill>
-                  <a:schemeClr val="bg1"/>
-                </a:solidFill>
-              </a:rPr>
-              <a:t> for your poster number). </a:t>
-            </a:r>
-          </a:p>
-          <a:p>
-            <a:pPr marL="457200" indent="-457200" algn="l">
-              <a:buFont typeface="Arial" panose="020B0604020202020204" pitchFamily="34" charset="0"/>
-              <a:buChar char="•"/>
-            </a:pPr>
-            <a:r>
-              <a:rPr lang="en-US" sz="3200" b="1" dirty="0">
-                <a:solidFill>
-                  <a:schemeClr val="bg1"/>
-                </a:solidFill>
-              </a:rPr>
-              <a:t>Final poster must be submitted (via </a:t>
-            </a:r>
-            <a:r>
-              <a:rPr lang="en-US" sz="3200" b="1" dirty="0" err="1">
-                <a:solidFill>
-                  <a:schemeClr val="bg1"/>
-                </a:solidFill>
-              </a:rPr>
-              <a:t>Conftool</a:t>
-            </a:r>
-            <a:r>
-              <a:rPr lang="en-US" sz="3200" b="1" dirty="0">
-                <a:solidFill>
-                  <a:schemeClr val="bg1"/>
-                </a:solidFill>
-              </a:rPr>
-              <a:t>) in both PDF and PNG format</a:t>
-            </a:r>
-          </a:p>
-          <a:p>
-            <a:pPr algn="l"/>
-            <a:endParaRPr lang="en-US" sz="3200" dirty="0">
-              <a:solidFill>
-                <a:schemeClr val="bg1"/>
-              </a:solidFill>
-            </a:endParaRPr>
-          </a:p>
-          <a:p>
-            <a:pPr algn="l"/>
-            <a:r>
-              <a:rPr lang="en-US" sz="3200" b="1" dirty="0">
-                <a:solidFill>
-                  <a:schemeClr val="bg1"/>
-                </a:solidFill>
-              </a:rPr>
-              <a:t>Recommended Font Sizes:</a:t>
-            </a:r>
-            <a:r>
-              <a:rPr lang="en-US" sz="3200" dirty="0">
-                <a:solidFill>
-                  <a:schemeClr val="bg1"/>
-                </a:solidFill>
-              </a:rPr>
-              <a:t/>
-            </a:r>
-            <a:br>
-              <a:rPr lang="en-US" sz="3200" dirty="0">
-                <a:solidFill>
-                  <a:schemeClr val="bg1"/>
-                </a:solidFill>
-              </a:rPr>
-            </a:br>
-            <a:r>
-              <a:rPr lang="en-US" sz="3200" dirty="0">
-                <a:solidFill>
-                  <a:schemeClr val="bg1"/>
-                </a:solidFill>
-              </a:rPr>
-              <a:t>Title: 60min – 80max</a:t>
-            </a:r>
-            <a:br>
-              <a:rPr lang="en-US" sz="3200" dirty="0">
-                <a:solidFill>
-                  <a:schemeClr val="bg1"/>
-                </a:solidFill>
-              </a:rPr>
-            </a:br>
-            <a:r>
-              <a:rPr lang="en-US" sz="3200" dirty="0">
-                <a:solidFill>
-                  <a:schemeClr val="bg1"/>
-                </a:solidFill>
-              </a:rPr>
-              <a:t>Body Text : 22min – 32max (for best effect) </a:t>
-            </a:r>
-          </a:p>
-          <a:p>
-            <a:pPr algn="l"/>
-            <a:r>
-              <a:rPr lang="en-US" sz="3200" dirty="0">
-                <a:solidFill>
-                  <a:schemeClr val="bg1"/>
-                </a:solidFill>
-              </a:rPr>
-              <a:t>                   : 18 absolute min – 40 absolute max</a:t>
-            </a:r>
-          </a:p>
-          <a:p>
-            <a:pPr algn="l"/>
-            <a:endParaRPr lang="en-US" sz="3200" b="1" dirty="0">
-              <a:solidFill>
-                <a:schemeClr val="bg1"/>
-              </a:solidFill>
-            </a:endParaRPr>
-          </a:p>
-          <a:p>
-            <a:pPr algn="l"/>
-            <a:r>
-              <a:rPr lang="en-US" sz="3200" b="1" dirty="0" err="1" smtClean="0">
-                <a:solidFill>
-                  <a:schemeClr val="bg1"/>
-                </a:solidFill>
-              </a:rPr>
-              <a:t>Colour</a:t>
-            </a:r>
-            <a:r>
-              <a:rPr lang="en-US" sz="3200" b="1" dirty="0" smtClean="0">
-                <a:solidFill>
-                  <a:schemeClr val="bg1"/>
-                </a:solidFill>
-              </a:rPr>
-              <a:t>:</a:t>
-            </a:r>
-            <a:endParaRPr lang="en-US" sz="3200" b="1" dirty="0">
-              <a:solidFill>
-                <a:schemeClr val="bg1"/>
-              </a:solidFill>
-            </a:endParaRPr>
-          </a:p>
-          <a:p>
-            <a:pPr marL="457200" indent="-457200" algn="l">
-              <a:buFont typeface="Arial" panose="020B0604020202020204" pitchFamily="34" charset="0"/>
-              <a:buChar char="•"/>
-            </a:pPr>
-            <a:r>
-              <a:rPr lang="en-US" sz="3200" dirty="0">
-                <a:solidFill>
-                  <a:schemeClr val="bg1"/>
-                </a:solidFill>
-              </a:rPr>
-              <a:t>Solid background colours are recommended, however white should not be used as the brightness of the panel can make it difficult to read when standing in front of it.</a:t>
-            </a:r>
-          </a:p>
-          <a:p>
-            <a:endParaRPr lang="en-US" sz="3200" dirty="0">
-              <a:solidFill>
-                <a:schemeClr val="bg1"/>
-              </a:solidFill>
-            </a:endParaRPr>
-          </a:p>
-          <a:p>
-            <a:pPr algn="l"/>
-            <a:r>
-              <a:rPr lang="en-US" sz="3200" dirty="0">
-                <a:solidFill>
-                  <a:schemeClr val="bg1"/>
-                </a:solidFill>
-              </a:rPr>
-              <a:t>To save your poster as an </a:t>
-            </a:r>
-            <a:r>
-              <a:rPr lang="en-US" sz="3200" b="1" dirty="0" smtClean="0">
-                <a:solidFill>
-                  <a:schemeClr val="bg1"/>
-                </a:solidFill>
-              </a:rPr>
-              <a:t>PNG</a:t>
-            </a:r>
-            <a:r>
-              <a:rPr lang="en-US" sz="3200" dirty="0" smtClean="0">
-                <a:solidFill>
-                  <a:schemeClr val="bg1"/>
-                </a:solidFill>
-              </a:rPr>
-              <a:t> image </a:t>
-            </a:r>
-            <a:r>
-              <a:rPr lang="en-US" sz="3200" dirty="0">
-                <a:solidFill>
-                  <a:schemeClr val="bg1"/>
-                </a:solidFill>
-              </a:rPr>
-              <a:t>for display on the Cube:</a:t>
-            </a:r>
-          </a:p>
-          <a:p>
-            <a:pPr marL="457200" indent="-457200" algn="l">
-              <a:buFont typeface="Arial" panose="020B0604020202020204" pitchFamily="34" charset="0"/>
-              <a:buChar char="•"/>
-            </a:pPr>
-            <a:r>
-              <a:rPr lang="en-US" sz="3200" dirty="0">
-                <a:solidFill>
-                  <a:schemeClr val="bg1"/>
-                </a:solidFill>
-              </a:rPr>
-              <a:t>Click </a:t>
-            </a:r>
-            <a:r>
-              <a:rPr lang="en-US" sz="3200" b="1" dirty="0">
-                <a:solidFill>
-                  <a:schemeClr val="bg1"/>
-                </a:solidFill>
-              </a:rPr>
-              <a:t>File &gt; Save As</a:t>
-            </a:r>
-          </a:p>
-          <a:p>
-            <a:pPr marL="457200" indent="-457200" algn="l">
-              <a:buFont typeface="Arial" panose="020B0604020202020204" pitchFamily="34" charset="0"/>
-              <a:buChar char="•"/>
-            </a:pPr>
-            <a:r>
-              <a:rPr lang="en-US" sz="3200" dirty="0">
-                <a:solidFill>
-                  <a:schemeClr val="bg1"/>
-                </a:solidFill>
-              </a:rPr>
-              <a:t>Select </a:t>
-            </a:r>
-            <a:r>
-              <a:rPr lang="en-US" sz="3200" b="1" dirty="0" smtClean="0">
-                <a:solidFill>
-                  <a:schemeClr val="bg1"/>
-                </a:solidFill>
-              </a:rPr>
-              <a:t>PNG </a:t>
-            </a:r>
-            <a:r>
-              <a:rPr lang="en-US" sz="3200" dirty="0">
-                <a:solidFill>
-                  <a:schemeClr val="bg1"/>
-                </a:solidFill>
-              </a:rPr>
-              <a:t>from the dropdown </a:t>
-            </a:r>
-            <a:r>
-              <a:rPr lang="en-US" sz="3200" b="1" dirty="0">
-                <a:solidFill>
-                  <a:schemeClr val="bg1"/>
-                </a:solidFill>
-              </a:rPr>
-              <a:t>Save as type </a:t>
-            </a:r>
-            <a:r>
-              <a:rPr lang="en-US" sz="3200" dirty="0">
-                <a:solidFill>
-                  <a:schemeClr val="bg1"/>
-                </a:solidFill>
-              </a:rPr>
-              <a:t>box</a:t>
-            </a:r>
-          </a:p>
-          <a:p>
-            <a:pPr marL="457200" indent="-457200" algn="l">
-              <a:buFont typeface="Arial" panose="020B0604020202020204" pitchFamily="34" charset="0"/>
-              <a:buChar char="•"/>
-            </a:pPr>
-            <a:r>
-              <a:rPr lang="en-US" sz="3200" dirty="0">
-                <a:solidFill>
-                  <a:schemeClr val="bg1"/>
-                </a:solidFill>
-              </a:rPr>
-              <a:t>Click </a:t>
-            </a:r>
-            <a:r>
-              <a:rPr lang="en-US" sz="3200" b="1" dirty="0">
-                <a:solidFill>
-                  <a:schemeClr val="bg1"/>
-                </a:solidFill>
-              </a:rPr>
-              <a:t>Save </a:t>
-            </a:r>
-            <a:r>
-              <a:rPr lang="en-US" sz="3200" dirty="0">
-                <a:solidFill>
-                  <a:schemeClr val="bg1"/>
-                </a:solidFill>
-              </a:rPr>
-              <a:t>and select </a:t>
-            </a:r>
-            <a:r>
-              <a:rPr lang="en-US" sz="3200" dirty="0" smtClean="0">
-                <a:solidFill>
-                  <a:schemeClr val="bg1"/>
-                </a:solidFill>
-              </a:rPr>
-              <a:t>“</a:t>
-            </a:r>
-            <a:r>
-              <a:rPr lang="en-US" sz="3200" b="1" dirty="0" smtClean="0">
-                <a:solidFill>
-                  <a:schemeClr val="bg1"/>
-                </a:solidFill>
-              </a:rPr>
-              <a:t>Just </a:t>
-            </a:r>
-            <a:r>
-              <a:rPr lang="en-US" sz="3200" b="1" dirty="0">
-                <a:solidFill>
-                  <a:schemeClr val="bg1"/>
-                </a:solidFill>
-              </a:rPr>
-              <a:t>This </a:t>
-            </a:r>
-            <a:r>
-              <a:rPr lang="en-US" sz="3200" b="1" dirty="0" smtClean="0">
-                <a:solidFill>
-                  <a:schemeClr val="bg1"/>
-                </a:solidFill>
-              </a:rPr>
-              <a:t>One”</a:t>
-            </a:r>
-            <a:r>
-              <a:rPr lang="en-US" sz="3200" dirty="0" smtClean="0">
-                <a:solidFill>
-                  <a:schemeClr val="bg1"/>
-                </a:solidFill>
-              </a:rPr>
-              <a:t> </a:t>
-            </a:r>
-            <a:r>
-              <a:rPr lang="en-US" sz="3200" dirty="0">
-                <a:solidFill>
-                  <a:schemeClr val="bg1"/>
-                </a:solidFill>
-              </a:rPr>
-              <a:t>when </a:t>
-            </a:r>
-            <a:r>
-              <a:rPr lang="en-US" sz="3200" dirty="0" smtClean="0">
-                <a:solidFill>
-                  <a:schemeClr val="bg1"/>
-                </a:solidFill>
-              </a:rPr>
-              <a:t>prompted</a:t>
-            </a:r>
-            <a:endParaRPr lang="en-US" sz="3200" dirty="0">
-              <a:solidFill>
-                <a:schemeClr val="bg1"/>
-              </a:solidFill>
-            </a:endParaRPr>
-          </a:p>
-          <a:p>
-            <a:pPr marL="457200" indent="-457200" algn="l">
-              <a:buFont typeface="Arial" panose="020B0604020202020204" pitchFamily="34" charset="0"/>
-              <a:buChar char="•"/>
-            </a:pPr>
-            <a:endParaRPr lang="en-US" sz="3200" dirty="0">
-              <a:solidFill>
-                <a:schemeClr val="bg1"/>
-              </a:solidFill>
-            </a:endParaRPr>
-          </a:p>
-          <a:p>
-            <a:pPr algn="l"/>
-            <a:r>
-              <a:rPr lang="en-US" sz="3200" dirty="0">
-                <a:solidFill>
-                  <a:schemeClr val="bg1"/>
-                </a:solidFill>
-              </a:rPr>
-              <a:t>Please keep a copy of your </a:t>
-            </a:r>
-            <a:r>
-              <a:rPr lang="en-US" sz="3200" dirty="0" smtClean="0">
-                <a:solidFill>
-                  <a:schemeClr val="bg1"/>
-                </a:solidFill>
-              </a:rPr>
-              <a:t>poster in the original format (eg PowerPoint) as </a:t>
-            </a:r>
-            <a:r>
-              <a:rPr lang="en-US" sz="3200" dirty="0">
-                <a:solidFill>
-                  <a:schemeClr val="bg1"/>
-                </a:solidFill>
-              </a:rPr>
-              <a:t>this will allow you to go back and edit your poster again if required</a:t>
-            </a:r>
-          </a:p>
-          <a:p>
-            <a:endParaRPr lang="en-US" sz="3200" dirty="0" smtClean="0">
-              <a:solidFill>
-                <a:schemeClr val="bg1"/>
-              </a:solidFill>
-            </a:endParaRPr>
-          </a:p>
-          <a:p>
-            <a:r>
-              <a:rPr lang="en-AU" sz="3200" dirty="0">
-                <a:solidFill>
-                  <a:schemeClr val="bg1"/>
-                </a:solidFill>
-              </a:rPr>
-              <a:t>Please </a:t>
-            </a:r>
-            <a:r>
-              <a:rPr lang="en-AU" sz="3200" dirty="0" smtClean="0">
-                <a:solidFill>
-                  <a:schemeClr val="bg1"/>
-                </a:solidFill>
-              </a:rPr>
-              <a:t>enter </a:t>
-            </a:r>
-            <a:r>
-              <a:rPr lang="en-AU" sz="3200" dirty="0">
-                <a:solidFill>
-                  <a:schemeClr val="bg1"/>
-                </a:solidFill>
-              </a:rPr>
-              <a:t>your poster content on the next slide</a:t>
-            </a:r>
-            <a:r>
-              <a:rPr lang="en-AU" sz="3200" b="1" dirty="0">
-                <a:solidFill>
-                  <a:schemeClr val="bg1"/>
-                </a:solidFill>
-              </a:rPr>
-              <a:t>.</a:t>
-            </a:r>
-          </a:p>
-          <a:p>
-            <a:pPr algn="l"/>
-            <a:endParaRPr lang="en-US" sz="3600" b="1" dirty="0"/>
-          </a:p>
-          <a:p>
-            <a:r>
-              <a:rPr lang="en-AU" sz="3600" b="1" dirty="0" smtClean="0">
-                <a:solidFill>
-                  <a:schemeClr val="bg1"/>
-                </a:solidFill>
-              </a:rPr>
-              <a:t>Please upload your final poster  (PNG and PDF) by Friday 9th June </a:t>
-            </a:r>
-            <a:r>
-              <a:rPr lang="en-AU" sz="3600" b="1" dirty="0">
-                <a:solidFill>
-                  <a:schemeClr val="bg1"/>
-                </a:solidFill>
-              </a:rPr>
-              <a:t>2017.</a:t>
-            </a:r>
-          </a:p>
-          <a:p>
-            <a:pPr algn="l"/>
-            <a:endParaRPr lang="en-AU" sz="2800" dirty="0"/>
-          </a:p>
-          <a:p>
-            <a:endParaRPr lang="en-AU" sz="2800" dirty="0"/>
-          </a:p>
-          <a:p>
-            <a:endParaRPr lang="en-AU" sz="2800" dirty="0"/>
-          </a:p>
-        </p:txBody>
-      </p:sp>
-    </p:spTree>
-    <p:extLst>
-      <p:ext uri="{BB962C8B-B14F-4D97-AF65-F5344CB8AC3E}">
-        <p14:creationId xmlns:p14="http://schemas.microsoft.com/office/powerpoint/2010/main" val="1142254548"/>
       </p:ext>
     </p:extLst>
   </p:cSld>
@@ -21508,101 +25231,44 @@
       </p:grpSpPr>
       <p:sp>
         <p:nvSpPr>
-          <p:cNvPr id="6" name="Rectangle 5"/>
-          <p:cNvSpPr/>
-          <p:nvPr/>
-        </p:nvSpPr>
-        <p:spPr>
-          <a:xfrm>
-            <a:off x="0" y="6553299"/>
-            <a:ext cx="10290174" cy="4154984"/>
-          </a:xfrm>
-          <a:prstGeom prst="rect">
-            <a:avLst/>
-          </a:prstGeom>
-        </p:spPr>
-        <p:txBody>
-          <a:bodyPr wrap="square">
-            <a:spAutoFit/>
+          <p:cNvPr id="2" name="Title 1"/>
+          <p:cNvSpPr>
+            <a:spLocks noGrp="1"/>
+          </p:cNvSpPr>
+          <p:nvPr>
+            <p:ph type="ctrTitle"/>
+          </p:nvPr>
+        </p:nvSpPr>
+        <p:spPr>
+          <a:xfrm>
+            <a:off x="2480791" y="79828"/>
+            <a:ext cx="6408712" cy="2088232"/>
+          </a:xfrm>
+        </p:spPr>
+        <p:txBody>
+          <a:bodyPr>
+            <a:noAutofit/>
           </a:bodyPr>
           <a:lstStyle/>
           <a:p>
-            <a:pPr algn="ctr"/>
-            <a:r>
-              <a:rPr lang="en-US" sz="6600" dirty="0">
+            <a:pPr algn="l"/>
+            <a:r>
+              <a:rPr lang="en-AU" sz="6600" dirty="0">
                 <a:solidFill>
                   <a:schemeClr val="bg1"/>
                 </a:solidFill>
-                <a:latin typeface="Meiryo UI" panose="020B0604030504040204" pitchFamily="34" charset="-128"/>
-                <a:ea typeface="Meiryo UI" panose="020B0604030504040204" pitchFamily="34" charset="-128"/>
-              </a:rPr>
-              <a:t>Usable Area</a:t>
-            </a:r>
-          </a:p>
-          <a:p>
-            <a:pPr algn="ctr"/>
-            <a:endParaRPr lang="en-US" sz="6600" dirty="0">
-              <a:solidFill>
-                <a:schemeClr val="bg1"/>
-              </a:solidFill>
-              <a:latin typeface="Meiryo UI" panose="020B0604030504040204" pitchFamily="34" charset="-128"/>
-              <a:ea typeface="Meiryo UI" panose="020B0604030504040204" pitchFamily="34" charset="-128"/>
-            </a:endParaRPr>
-          </a:p>
-          <a:p>
-            <a:pPr algn="ctr"/>
-            <a:r>
-              <a:rPr lang="en-US" sz="6600" dirty="0">
+              </a:rPr>
+              <a:t>Poster T</a:t>
+            </a:r>
+            <a:r>
+              <a:rPr lang="en-AU" sz="6600" dirty="0" smtClean="0">
                 <a:solidFill>
                   <a:schemeClr val="bg1"/>
                 </a:solidFill>
-                <a:latin typeface="Meiryo UI" panose="020B0604030504040204" pitchFamily="34" charset="-128"/>
-                <a:ea typeface="Meiryo UI" panose="020B0604030504040204" pitchFamily="34" charset="-128"/>
-              </a:rPr>
-              <a:t>Enter poster content here.</a:t>
-            </a:r>
-          </a:p>
-        </p:txBody>
-      </p:sp>
-      <p:sp>
-        <p:nvSpPr>
-          <p:cNvPr id="7" name="TextBox 6"/>
-          <p:cNvSpPr txBox="1"/>
-          <p:nvPr/>
-        </p:nvSpPr>
-        <p:spPr>
-          <a:xfrm>
-            <a:off x="8625343" y="0"/>
-            <a:ext cx="1688704" cy="1446550"/>
-          </a:xfrm>
-          <a:prstGeom prst="rect">
-            <a:avLst/>
-          </a:prstGeom>
-          <a:solidFill>
-            <a:schemeClr val="bg1">
-              <a:lumMod val="85000"/>
-            </a:schemeClr>
-          </a:solidFill>
-        </p:spPr>
-        <p:txBody>
-          <a:bodyPr wrap="square" rtlCol="0">
-            <a:spAutoFit/>
-          </a:bodyPr>
-          <a:lstStyle/>
-          <a:p>
-            <a:pPr algn="ctr"/>
-            <a:endParaRPr lang="en-AU" sz="2800" dirty="0" smtClean="0"/>
-          </a:p>
-          <a:p>
-            <a:pPr algn="ctr"/>
-            <a:r>
-              <a:rPr lang="en-AU" sz="3200" b="1" dirty="0" smtClean="0"/>
-              <a:t>115</a:t>
-            </a:r>
-          </a:p>
-          <a:p>
-            <a:pPr algn="ctr"/>
-            <a:endParaRPr lang="en-AU" sz="2800" dirty="0" smtClean="0">
+              </a:rPr>
+              <a:t>emplate</a:t>
+            </a:r>
+            <a:endParaRPr lang="en-AU" sz="6600" dirty="0">
               <a:solidFill>
                 <a:schemeClr val="bg1"/>
               </a:solidFill>
@@ -21612,40 +25278,180 @@
       </p:sp>
       <p:sp>
         <p:nvSpPr>
-          <p:cNvPr id="2" name="Rectangle 1"/>
-          <p:cNvSpPr/>
-          <p:nvPr/>
-        </p:nvSpPr>
-        <p:spPr>
-          <a:xfrm>
-            <a:off x="248543" y="10153699"/>
-            <a:ext cx="4752528" cy="4985980"/>
-          </a:xfrm>
-          <a:prstGeom prst="rect">
-            <a:avLst/>
-          </a:prstGeom>
-          <a:ln>
-            <a:solidFill>
-              <a:schemeClr val="bg1"/>
-            </a:solidFill>
-          </a:ln>
-        </p:spPr>
-        <p:txBody>
-          <a:bodyPr wrap="square">
-            <a:spAutoFit/>
+          <p:cNvPr id="3" name="Subtitle 2"/>
+          <p:cNvSpPr>
+            <a:spLocks noGrp="1"/>
+          </p:cNvSpPr>
+          <p:nvPr>
+            <p:ph type="subTitle" idx="1"/>
+          </p:nvPr>
+        </p:nvSpPr>
+        <p:spPr>
+          <a:xfrm>
+            <a:off x="248543" y="1756868"/>
+            <a:ext cx="9793088" cy="16561840"/>
+          </a:xfrm>
+        </p:spPr>
+        <p:txBody>
+          <a:bodyPr>
+            <a:normAutofit fontScale="85000" lnSpcReduction="10000"/>
           </a:bodyPr>
           <a:lstStyle/>
           <a:p>
-            <a:r>
-              <a:rPr lang="en-US" b="1" dirty="0" smtClean="0">
+            <a:pPr algn="l"/>
+            <a:r>
+              <a:rPr lang="en-US" sz="3200" b="1" dirty="0">
                 <a:solidFill>
                   <a:schemeClr val="bg1"/>
                 </a:solidFill>
               </a:rPr>
+              <a:t>IMPORTANT: </a:t>
+            </a:r>
+          </a:p>
+          <a:p>
+            <a:pPr marL="457200" indent="-457200" algn="l">
+              <a:buFont typeface="Arial" panose="020B0604020202020204" pitchFamily="34" charset="0"/>
+              <a:buChar char="•"/>
+            </a:pPr>
+            <a:r>
+              <a:rPr lang="en-US" sz="3200" b="1" dirty="0">
+                <a:solidFill>
+                  <a:schemeClr val="bg1"/>
+                </a:solidFill>
+              </a:rPr>
+              <a:t>This slide has been configured for the screens that will be used to display your poster. </a:t>
+            </a:r>
+          </a:p>
+          <a:p>
+            <a:pPr marL="457200" indent="-457200" algn="l">
+              <a:buFont typeface="Arial" panose="020B0604020202020204" pitchFamily="34" charset="0"/>
+              <a:buChar char="•"/>
+            </a:pPr>
+            <a:r>
+              <a:rPr lang="en-US" sz="3200" b="1" dirty="0">
+                <a:solidFill>
+                  <a:schemeClr val="bg1"/>
+                </a:solidFill>
+              </a:rPr>
+              <a:t>Original template dimensions are 28.584cm x 50.809cm</a:t>
+            </a:r>
+          </a:p>
+          <a:p>
+            <a:pPr marL="457200" indent="-457200" algn="l">
+              <a:buFont typeface="Arial" panose="020B0604020202020204" pitchFamily="34" charset="0"/>
+              <a:buChar char="•"/>
+            </a:pPr>
+            <a:r>
+              <a:rPr lang="en-US" sz="3200" b="1" dirty="0">
+                <a:solidFill>
+                  <a:schemeClr val="bg1"/>
+                </a:solidFill>
+              </a:rPr>
+              <a:t>Do not change these dimensions, otherwise your poster may not display correctly</a:t>
+            </a:r>
+            <a:r>
+              <a:rPr lang="en-US" sz="3200" b="1" dirty="0" smtClean="0">
+                <a:solidFill>
+                  <a:schemeClr val="bg1"/>
+                </a:solidFill>
+              </a:rPr>
+              <a:t>.</a:t>
+            </a:r>
+          </a:p>
+          <a:p>
+            <a:pPr marL="457200" indent="-457200" algn="l">
+              <a:buFont typeface="Arial" panose="020B0604020202020204" pitchFamily="34" charset="0"/>
+              <a:buChar char="•"/>
+            </a:pPr>
+            <a:r>
+              <a:rPr lang="en-US" sz="3200" b="1" dirty="0" smtClean="0">
+                <a:solidFill>
+                  <a:schemeClr val="bg1"/>
+                </a:solidFill>
+              </a:rPr>
+              <a:t>If you are not using PowerPoint to create your poster, then you must ensure that your poster dimensions conforms to the same ratio as the template</a:t>
+            </a:r>
+          </a:p>
+          <a:p>
+            <a:pPr marL="457200" indent="-457200" algn="l">
+              <a:buFont typeface="Arial" panose="020B0604020202020204" pitchFamily="34" charset="0"/>
+              <a:buChar char="•"/>
+            </a:pPr>
+            <a:r>
+              <a:rPr lang="en-US" sz="3200" b="1" dirty="0" smtClean="0">
+                <a:solidFill>
+                  <a:schemeClr val="bg1"/>
+                </a:solidFill>
+              </a:rPr>
+              <a:t>Insert the 3 digit poster number in the box provided at in the top right-hand corner (see </a:t>
+            </a:r>
+            <a:r>
+              <a:rPr lang="en-US" sz="3200" b="1" dirty="0" err="1" smtClean="0">
+                <a:solidFill>
+                  <a:schemeClr val="bg1"/>
+                </a:solidFill>
+              </a:rPr>
+              <a:t>Conftool</a:t>
+            </a:r>
+            <a:r>
+              <a:rPr lang="en-US" sz="3200" b="1" dirty="0" smtClean="0">
+                <a:solidFill>
+                  <a:schemeClr val="bg1"/>
+                </a:solidFill>
+              </a:rPr>
+              <a:t> for your poster number). </a:t>
+            </a:r>
+          </a:p>
+          <a:p>
+            <a:pPr marL="457200" indent="-457200" algn="l">
+              <a:buFont typeface="Arial" panose="020B0604020202020204" pitchFamily="34" charset="0"/>
+              <a:buChar char="•"/>
+            </a:pPr>
+            <a:r>
+              <a:rPr lang="en-US" sz="3200" b="1" dirty="0">
+                <a:solidFill>
+                  <a:schemeClr val="bg1"/>
+                </a:solidFill>
+              </a:rPr>
+              <a:t>Final poster must be submitted (via </a:t>
+            </a:r>
+            <a:r>
+              <a:rPr lang="en-US" sz="3200" b="1" dirty="0" err="1">
+                <a:solidFill>
+                  <a:schemeClr val="bg1"/>
+                </a:solidFill>
+              </a:rPr>
+              <a:t>Conftool</a:t>
+            </a:r>
+            <a:r>
+              <a:rPr lang="en-US" sz="3200" b="1" dirty="0">
+                <a:solidFill>
+                  <a:schemeClr val="bg1"/>
+                </a:solidFill>
+              </a:rPr>
+              <a:t>) in both PDF and PNG format</a:t>
+            </a:r>
+          </a:p>
+          <a:p>
+            <a:pPr algn="l"/>
+            <a:endParaRPr lang="en-US" sz="3200" dirty="0">
+              <a:solidFill>
+                <a:schemeClr val="bg1"/>
+              </a:solidFill>
+            </a:endParaRPr>
+          </a:p>
+          <a:p>
+            <a:pPr algn="l"/>
+            <a:r>
+              <a:rPr lang="en-US" sz="3200" b="1" dirty="0">
+                <a:solidFill>
+                  <a:schemeClr val="bg1"/>
+                </a:solidFill>
+              </a:rPr>
               <a:t>Recommended Font Sizes:</a:t>
             </a:r>
             <a:r>
-              <a:rPr lang="en-US" dirty="0" smtClean="0">
+              <a:rPr lang="en-US" sz="3200" dirty="0">
                 <a:solidFill>
                   <a:schemeClr val="bg1"/>
                 </a:solidFill>
@@ -21653,14 +25459,14 @@
               <a:t/>
             </a:r>
             <a:br>
-              <a:rPr lang="en-US" dirty="0" smtClean="0">
+              <a:rPr lang="en-US" sz="3200" dirty="0">
                 <a:solidFill>
                   <a:schemeClr val="bg1"/>
                 </a:solidFill>
               </a:rPr>
             </a:br>
             <a:r>
-              <a:rPr lang="en-US" sz="6000" dirty="0" smtClean="0">
+              <a:rPr lang="en-US" sz="3200" dirty="0">
                 <a:solidFill>
                   <a:schemeClr val="bg1"/>
                 </a:solidFill>
@@ -21668,320 +25474,396 @@
               <a:t>Title: 60min – 80max</a:t>
             </a:r>
             <a:br>
-              <a:rPr lang="en-US" sz="6000" dirty="0" smtClean="0">
+              <a:rPr lang="en-US" sz="3200" dirty="0">
                 <a:solidFill>
                   <a:schemeClr val="bg1"/>
                 </a:solidFill>
               </a:rPr>
             </a:br>
             <a:r>
-              <a:rPr lang="en-US" dirty="0" smtClean="0">
+              <a:rPr lang="en-US" sz="3200" dirty="0">
                 <a:solidFill>
                   <a:schemeClr val="bg1"/>
                 </a:solidFill>
               </a:rPr>
-              <a:t>Header 1</a:t>
-            </a:r>
-          </a:p>
-          <a:p>
-            <a:r>
-              <a:rPr lang="en-US" sz="2800" dirty="0" smtClean="0">
+              <a:t>Body Text : 22min – 32max (for best effect) </a:t>
+            </a:r>
+          </a:p>
+          <a:p>
+            <a:pPr algn="l"/>
+            <a:r>
+              <a:rPr lang="en-US" sz="3200" dirty="0">
                 <a:solidFill>
                   <a:schemeClr val="bg1"/>
                 </a:solidFill>
               </a:rPr>
-              <a:t>Header 2</a:t>
-            </a:r>
-          </a:p>
-          <a:p>
-            <a:r>
-              <a:rPr lang="en-US" sz="2200" dirty="0" smtClean="0">
+              <a:t>                   : 18 absolute min – 40 absolute max</a:t>
+            </a:r>
+          </a:p>
+          <a:p>
+            <a:pPr algn="l"/>
+            <a:endParaRPr lang="en-US" sz="3200" b="1" dirty="0">
+              <a:solidFill>
+                <a:schemeClr val="bg1"/>
+              </a:solidFill>
+            </a:endParaRPr>
+          </a:p>
+          <a:p>
+            <a:pPr algn="l"/>
+            <a:r>
+              <a:rPr lang="en-US" sz="3200" b="1" dirty="0" err="1" smtClean="0">
                 <a:solidFill>
                   <a:schemeClr val="bg1"/>
                 </a:solidFill>
               </a:rPr>
-              <a:t>Body </a:t>
-            </a:r>
-            <a:r>
-              <a:rPr lang="en-US" sz="2200" dirty="0">
+              <a:t>Colour</a:t>
+            </a:r>
+            <a:r>
+              <a:rPr lang="en-US" sz="3200" b="1" dirty="0" smtClean="0">
                 <a:solidFill>
                   <a:schemeClr val="bg1"/>
                 </a:solidFill>
               </a:rPr>
-              <a:t>Text : 22min – 32max (for best effect) </a:t>
-            </a:r>
-          </a:p>
-          <a:p>
-            <a:r>
-              <a:rPr lang="en-US" sz="1800" dirty="0">
+              <a:t>:</a:t>
+            </a:r>
+            <a:endParaRPr lang="en-US" sz="3200" b="1" dirty="0">
+              <a:solidFill>
+                <a:schemeClr val="bg1"/>
+              </a:solidFill>
+            </a:endParaRPr>
+          </a:p>
+          <a:p>
+            <a:pPr marL="457200" indent="-457200" algn="l">
+              <a:buFont typeface="Arial" panose="020B0604020202020204" pitchFamily="34" charset="0"/>
+              <a:buChar char="•"/>
+            </a:pPr>
+            <a:r>
+              <a:rPr lang="en-US" sz="3200" dirty="0">
                 <a:solidFill>
                   <a:schemeClr val="bg1"/>
                 </a:solidFill>
               </a:rPr>
-              <a:t>                   : 18 absolute min – 40 absolute max</a:t>
-            </a:r>
-          </a:p>
-        </p:txBody>
-      </p:sp>
-      <p:sp>
-        <p:nvSpPr>
-          <p:cNvPr id="8" name="Rectangle 7"/>
-          <p:cNvSpPr/>
-          <p:nvPr/>
-        </p:nvSpPr>
-        <p:spPr>
-          <a:xfrm>
-            <a:off x="5289103" y="10153699"/>
-            <a:ext cx="4752528" cy="4893647"/>
-          </a:xfrm>
-          <a:prstGeom prst="rect">
-            <a:avLst/>
-          </a:prstGeom>
-          <a:ln>
-            <a:solidFill>
-              <a:schemeClr val="bg1"/>
-            </a:solidFill>
-          </a:ln>
-        </p:spPr>
-        <p:txBody>
-          <a:bodyPr wrap="square">
-            <a:spAutoFit/>
-          </a:bodyPr>
-          <a:lstStyle/>
-          <a:p>
-            <a:r>
-              <a:rPr lang="en-US" b="1" dirty="0" smtClean="0">
+              <a:t>Solid background colours are recommended, however white should not be used as the brightness of the panel can make it difficult to read when standing in front of it.</a:t>
+            </a:r>
+          </a:p>
+          <a:p>
+            <a:endParaRPr lang="en-US" sz="3200" dirty="0">
+              <a:solidFill>
+                <a:schemeClr val="bg1"/>
+              </a:solidFill>
+            </a:endParaRPr>
+          </a:p>
+          <a:p>
+            <a:pPr algn="l"/>
+            <a:r>
+              <a:rPr lang="en-US" sz="3200" dirty="0">
                 <a:solidFill>
                   <a:schemeClr val="bg1"/>
                 </a:solidFill>
               </a:rPr>
-              <a:t>Recommended Font Sizes:</a:t>
-            </a:r>
-            <a:r>
-              <a:rPr lang="en-US" dirty="0" smtClean="0">
+              <a:t>To save your poster as an </a:t>
+            </a:r>
+            <a:r>
+              <a:rPr lang="en-US" sz="3200" b="1" dirty="0" smtClean="0">
                 <a:solidFill>
                   <a:schemeClr val="bg1"/>
                 </a:solidFill>
               </a:rPr>
-              <a:t/>
-            </a:r>
-            <a:br>
-              <a:rPr lang="en-US" dirty="0" smtClean="0">
+              <a:t>PNG</a:t>
+            </a:r>
+            <a:r>
+              <a:rPr lang="en-US" sz="3200" dirty="0" smtClean="0">
                 <a:solidFill>
                   <a:schemeClr val="bg1"/>
                 </a:solidFill>
               </a:rPr>
-            </a:br>
-            <a:r>
-              <a:rPr lang="en-US" sz="6000" dirty="0" smtClean="0">
+              <a:t> image </a:t>
+            </a:r>
+            <a:r>
+              <a:rPr lang="en-US" sz="3200" dirty="0">
                 <a:solidFill>
                   <a:schemeClr val="bg1"/>
                 </a:solidFill>
-                <a:latin typeface="Corbel" charset="0"/>
-                <a:ea typeface="Corbel" charset="0"/>
-                <a:cs typeface="Corbel" charset="0"/>
-              </a:rPr>
-              <a:t>Title:</a:t>
-            </a:r>
-            <a:r>
-              <a:rPr lang="en-US" sz="6000" b="1" dirty="0" smtClean="0">
+              </a:rPr>
+              <a:t>for display on the Cube:</a:t>
+            </a:r>
+          </a:p>
+          <a:p>
+            <a:pPr marL="457200" indent="-457200" algn="l">
+              <a:buFont typeface="Arial" panose="020B0604020202020204" pitchFamily="34" charset="0"/>
+              <a:buChar char="•"/>
+            </a:pPr>
+            <a:r>
+              <a:rPr lang="en-US" sz="3200" dirty="0">
                 <a:solidFill>
                   <a:schemeClr val="bg1"/>
                 </a:solidFill>
-                <a:latin typeface="Corbel" charset="0"/>
-                <a:ea typeface="Corbel" charset="0"/>
-                <a:cs typeface="Corbel" charset="0"/>
+              </a:rPr>
+              <a:t>Click </a:t>
+            </a:r>
+            <a:r>
+              <a:rPr lang="en-US" sz="3200" b="1" dirty="0">
+                <a:solidFill>
+                  <a:schemeClr val="bg1"/>
+                </a:solidFill>
+              </a:rPr>
+              <a:t>File &gt; Save As</a:t>
+            </a:r>
+          </a:p>
+          <a:p>
+            <a:pPr marL="457200" indent="-457200" algn="l">
+              <a:buFont typeface="Arial" panose="020B0604020202020204" pitchFamily="34" charset="0"/>
+              <a:buChar char="•"/>
+            </a:pPr>
+            <a:r>
+              <a:rPr lang="en-US" sz="3200" dirty="0">
+                <a:solidFill>
+                  <a:schemeClr val="bg1"/>
+                </a:solidFill>
+              </a:rPr>
+              <a:t>Select </a:t>
+            </a:r>
+            <a:r>
+              <a:rPr lang="en-US" sz="3200" b="1" dirty="0" smtClean="0">
+                <a:solidFill>
+                  <a:schemeClr val="bg1"/>
+                </a:solidFill>
+              </a:rPr>
+              <a:t>PNG </a:t>
+            </a:r>
+            <a:r>
+              <a:rPr lang="en-US" sz="3200" dirty="0">
+                <a:solidFill>
+                  <a:schemeClr val="bg1"/>
+                </a:solidFill>
+              </a:rPr>
+              <a:t>from the dropdown </a:t>
+            </a:r>
+            <a:r>
+              <a:rPr lang="en-US" sz="3200" b="1" dirty="0">
+                <a:solidFill>
+                  <a:schemeClr val="bg1"/>
+                </a:solidFill>
+              </a:rPr>
+              <a:t>Save as type </a:t>
+            </a:r>
+            <a:r>
+              <a:rPr lang="en-US" sz="3200" dirty="0">
+                <a:solidFill>
+                  <a:schemeClr val="bg1"/>
+                </a:solidFill>
+              </a:rPr>
+              <a:t>box</a:t>
+            </a:r>
+          </a:p>
+          <a:p>
+            <a:pPr marL="457200" indent="-457200" algn="l">
+              <a:buFont typeface="Arial" panose="020B0604020202020204" pitchFamily="34" charset="0"/>
+              <a:buChar char="•"/>
+            </a:pPr>
+            <a:r>
+              <a:rPr lang="en-US" sz="3200" dirty="0">
+                <a:solidFill>
+                  <a:schemeClr val="bg1"/>
+                </a:solidFill>
+              </a:rPr>
+              <a:t>Click </a:t>
+            </a:r>
+            <a:r>
+              <a:rPr lang="en-US" sz="3200" b="1" dirty="0">
+                <a:solidFill>
+                  <a:schemeClr val="bg1"/>
+                </a:solidFill>
+              </a:rPr>
+              <a:t>Save </a:t>
+            </a:r>
+            <a:r>
+              <a:rPr lang="en-US" sz="3200" dirty="0">
+                <a:solidFill>
+                  <a:schemeClr val="bg1"/>
+                </a:solidFill>
+              </a:rPr>
+              <a:t>and select </a:t>
+            </a:r>
+            <a:r>
+              <a:rPr lang="en-US" sz="3200" dirty="0" smtClean="0">
+                <a:solidFill>
+                  <a:schemeClr val="bg1"/>
+                </a:solidFill>
+              </a:rPr>
+              <a:t>“</a:t>
+            </a:r>
+            <a:r>
+              <a:rPr lang="en-US" sz="3200" b="1" dirty="0" smtClean="0">
+                <a:solidFill>
+                  <a:schemeClr val="bg1"/>
+                </a:solidFill>
+              </a:rPr>
+              <a:t>Just </a:t>
+            </a:r>
+            <a:r>
+              <a:rPr lang="en-US" sz="3200" b="1" dirty="0">
+                <a:solidFill>
+                  <a:schemeClr val="bg1"/>
+                </a:solidFill>
+              </a:rPr>
+              <a:t>This </a:t>
+            </a:r>
+            <a:r>
+              <a:rPr lang="en-US" sz="3200" b="1" dirty="0" smtClean="0">
+                <a:solidFill>
+                  <a:schemeClr val="bg1"/>
+                </a:solidFill>
+              </a:rPr>
+              <a:t>One”</a:t>
+            </a:r>
+            <a:r>
+              <a:rPr lang="en-US" sz="3200" dirty="0" smtClean="0">
+                <a:solidFill>
+                  <a:schemeClr val="bg1"/>
+                </a:solidFill>
               </a:rPr>
               <a:t> </a:t>
             </a:r>
             <a:r>
-              <a:rPr lang="en-US" sz="6000" dirty="0" smtClean="0">
+              <a:rPr lang="en-US" sz="3200" dirty="0">
                 <a:solidFill>
                   <a:schemeClr val="bg1"/>
                 </a:solidFill>
-                <a:latin typeface="Corbel" charset="0"/>
-                <a:ea typeface="Corbel" charset="0"/>
-                <a:cs typeface="Corbel" charset="0"/>
-              </a:rPr>
-              <a:t>60min – 80max</a:t>
-            </a:r>
-            <a:br>
-              <a:rPr lang="en-US" sz="6000" dirty="0" smtClean="0">
+              </a:rPr>
+              <a:t>when </a:t>
+            </a:r>
+            <a:r>
+              <a:rPr lang="en-US" sz="3200" dirty="0" smtClean="0">
                 <a:solidFill>
                   <a:schemeClr val="bg1"/>
                 </a:solidFill>
-                <a:latin typeface="Corbel" charset="0"/>
-                <a:ea typeface="Corbel" charset="0"/>
-                <a:cs typeface="Corbel" charset="0"/>
-              </a:rPr>
-            </a:br>
-            <a:r>
-              <a:rPr lang="en-US" dirty="0" smtClean="0">
+              </a:rPr>
+              <a:t>prompted</a:t>
+            </a:r>
+            <a:endParaRPr lang="en-US" sz="3200" dirty="0">
+              <a:solidFill>
+                <a:schemeClr val="bg1"/>
+              </a:solidFill>
+            </a:endParaRPr>
+          </a:p>
+          <a:p>
+            <a:pPr marL="457200" indent="-457200" algn="l">
+              <a:buFont typeface="Arial" panose="020B0604020202020204" pitchFamily="34" charset="0"/>
+              <a:buChar char="•"/>
+            </a:pPr>
+            <a:endParaRPr lang="en-US" sz="3200" dirty="0">
+              <a:solidFill>
+                <a:schemeClr val="bg1"/>
+              </a:solidFill>
+            </a:endParaRPr>
+          </a:p>
+          <a:p>
+            <a:pPr algn="l"/>
+            <a:r>
+              <a:rPr lang="en-US" sz="3200" dirty="0">
                 <a:solidFill>
                   <a:schemeClr val="bg1"/>
                 </a:solidFill>
-                <a:latin typeface="Corbel" charset="0"/>
-                <a:ea typeface="Corbel" charset="0"/>
-                <a:cs typeface="Corbel" charset="0"/>
-              </a:rPr>
-              <a:t>Header 1 (</a:t>
-            </a:r>
-            <a:r>
-              <a:rPr lang="en-US" b="1" dirty="0" smtClean="0">
+              </a:rPr>
+              <a:t>Please keep a copy of your </a:t>
+            </a:r>
+            <a:r>
+              <a:rPr lang="en-US" sz="3200" dirty="0" smtClean="0">
                 <a:solidFill>
                   <a:schemeClr val="bg1"/>
                 </a:solidFill>
-                <a:latin typeface="Corbel" charset="0"/>
-                <a:ea typeface="Corbel" charset="0"/>
-                <a:cs typeface="Corbel" charset="0"/>
-              </a:rPr>
-              <a:t>36</a:t>
-            </a:r>
-            <a:r>
-              <a:rPr lang="en-US" dirty="0" smtClean="0">
+              </a:rPr>
+              <a:t>poster in the original format (eg PowerPoint) as </a:t>
+            </a:r>
+            <a:r>
+              <a:rPr lang="en-US" sz="3200" dirty="0">
                 <a:solidFill>
                   <a:schemeClr val="bg1"/>
                 </a:solidFill>
-                <a:latin typeface="Corbel" charset="0"/>
-                <a:ea typeface="Corbel" charset="0"/>
-                <a:cs typeface="Corbel" charset="0"/>
-              </a:rPr>
-              <a:t>)</a:t>
-            </a:r>
-          </a:p>
-          <a:p>
-            <a:r>
-              <a:rPr lang="en-US" sz="2800" dirty="0" smtClean="0">
+              </a:rPr>
+              <a:t>this will allow you to go back and edit your poster again if required</a:t>
+            </a:r>
+          </a:p>
+          <a:p>
+            <a:endParaRPr lang="en-US" sz="3200" dirty="0" smtClean="0">
+              <a:solidFill>
+                <a:schemeClr val="bg1"/>
+              </a:solidFill>
+            </a:endParaRPr>
+          </a:p>
+          <a:p>
+            <a:r>
+              <a:rPr lang="en-AU" sz="3200" dirty="0">
                 <a:solidFill>
                   <a:schemeClr val="bg1"/>
                 </a:solidFill>
-                <a:latin typeface="Corbel" charset="0"/>
-                <a:ea typeface="Corbel" charset="0"/>
-                <a:cs typeface="Corbel" charset="0"/>
-              </a:rPr>
-              <a:t>Header 2 (</a:t>
-            </a:r>
-            <a:r>
-              <a:rPr lang="en-US" sz="2800" b="1" dirty="0" smtClean="0">
+              </a:rPr>
+              <a:t>Please </a:t>
+            </a:r>
+            <a:r>
+              <a:rPr lang="en-AU" sz="3200" dirty="0" smtClean="0">
                 <a:solidFill>
                   <a:schemeClr val="bg1"/>
                 </a:solidFill>
-                <a:latin typeface="Corbel" charset="0"/>
-                <a:ea typeface="Corbel" charset="0"/>
-                <a:cs typeface="Corbel" charset="0"/>
-              </a:rPr>
-              <a:t>28</a:t>
-            </a:r>
-            <a:r>
-              <a:rPr lang="en-US" sz="2800" dirty="0" smtClean="0">
+              </a:rPr>
+              <a:t>enter </a:t>
+            </a:r>
+            <a:r>
+              <a:rPr lang="en-AU" sz="3200" dirty="0">
                 <a:solidFill>
                   <a:schemeClr val="bg1"/>
                 </a:solidFill>
-                <a:latin typeface="Corbel" charset="0"/>
-                <a:ea typeface="Corbel" charset="0"/>
-                <a:cs typeface="Corbel" charset="0"/>
-              </a:rPr>
-              <a:t>)</a:t>
-            </a:r>
-          </a:p>
-          <a:p>
-            <a:r>
-              <a:rPr lang="en-US" sz="2000" dirty="0" smtClean="0">
+              </a:rPr>
+              <a:t>your poster content on the next slide</a:t>
+            </a:r>
+            <a:r>
+              <a:rPr lang="en-AU" sz="3200" b="1" dirty="0">
                 <a:solidFill>
                   <a:schemeClr val="bg1"/>
                 </a:solidFill>
-                <a:latin typeface="Tahoma" charset="0"/>
-                <a:ea typeface="Tahoma" charset="0"/>
-                <a:cs typeface="Tahoma" charset="0"/>
-              </a:rPr>
-              <a:t>Body </a:t>
-            </a:r>
-            <a:r>
-              <a:rPr lang="en-US" sz="2000" dirty="0">
+              </a:rPr>
+              <a:t>.</a:t>
+            </a:r>
+          </a:p>
+          <a:p>
+            <a:pPr algn="l"/>
+            <a:endParaRPr lang="en-US" sz="3600" b="1" dirty="0"/>
+          </a:p>
+          <a:p>
+            <a:r>
+              <a:rPr lang="en-AU" sz="3600" b="1" dirty="0" smtClean="0">
                 <a:solidFill>
                   <a:schemeClr val="bg1"/>
                 </a:solidFill>
-                <a:latin typeface="Tahoma" charset="0"/>
-                <a:ea typeface="Tahoma" charset="0"/>
-                <a:cs typeface="Tahoma" charset="0"/>
-              </a:rPr>
-              <a:t>Text : </a:t>
-            </a:r>
-            <a:r>
-              <a:rPr lang="en-US" sz="2000" b="1" dirty="0" smtClean="0">
+              </a:rPr>
+              <a:t>Please upload your final poster  (PNG and PDF) by Friday 9th June </a:t>
+            </a:r>
+            <a:r>
+              <a:rPr lang="en-AU" sz="3600" b="1" dirty="0">
                 <a:solidFill>
                   <a:schemeClr val="bg1"/>
                 </a:solidFill>
-                <a:latin typeface="Tahoma" charset="0"/>
-                <a:ea typeface="Tahoma" charset="0"/>
-                <a:cs typeface="Tahoma" charset="0"/>
-              </a:rPr>
-              <a:t>20min</a:t>
-            </a:r>
-            <a:r>
-              <a:rPr lang="en-US" sz="2000" dirty="0" smtClean="0">
-                <a:solidFill>
-                  <a:schemeClr val="bg1"/>
-                </a:solidFill>
-                <a:latin typeface="Tahoma" charset="0"/>
-                <a:ea typeface="Tahoma" charset="0"/>
-                <a:cs typeface="Tahoma" charset="0"/>
-              </a:rPr>
-              <a:t> </a:t>
-            </a:r>
-            <a:r>
-              <a:rPr lang="en-US" sz="2000" dirty="0">
-                <a:solidFill>
-                  <a:schemeClr val="bg1"/>
-                </a:solidFill>
-                <a:latin typeface="Tahoma" charset="0"/>
-                <a:ea typeface="Tahoma" charset="0"/>
-                <a:cs typeface="Tahoma" charset="0"/>
-              </a:rPr>
-              <a:t>– 32max (for best effect) </a:t>
-            </a:r>
-          </a:p>
-          <a:p>
-            <a:r>
-              <a:rPr lang="en-US" sz="1600" dirty="0">
-                <a:solidFill>
-                  <a:schemeClr val="bg1"/>
-                </a:solidFill>
-                <a:latin typeface="Tahoma" charset="0"/>
-                <a:ea typeface="Tahoma" charset="0"/>
-                <a:cs typeface="Tahoma" charset="0"/>
-              </a:rPr>
-              <a:t>                   : </a:t>
-            </a:r>
-            <a:r>
-              <a:rPr lang="en-US" sz="1600" b="1" dirty="0" smtClean="0">
-                <a:solidFill>
-                  <a:schemeClr val="bg1"/>
-                </a:solidFill>
-                <a:latin typeface="Tahoma" charset="0"/>
-                <a:ea typeface="Tahoma" charset="0"/>
-                <a:cs typeface="Tahoma" charset="0"/>
-              </a:rPr>
-              <a:t>16 </a:t>
-            </a:r>
-            <a:r>
-              <a:rPr lang="en-US" sz="1600" dirty="0">
-                <a:solidFill>
-                  <a:schemeClr val="bg1"/>
-                </a:solidFill>
-                <a:latin typeface="Tahoma" charset="0"/>
-                <a:ea typeface="Tahoma" charset="0"/>
-                <a:cs typeface="Tahoma" charset="0"/>
-              </a:rPr>
-              <a:t>absolute min – 40 absolute max</a:t>
-            </a:r>
+              </a:rPr>
+              <a:t>2017.</a:t>
+            </a:r>
+          </a:p>
+          <a:p>
+            <a:pPr algn="l"/>
+            <a:endParaRPr lang="en-AU" sz="2800" dirty="0"/>
+          </a:p>
+          <a:p>
+            <a:endParaRPr lang="en-AU" sz="2800" dirty="0"/>
+          </a:p>
+          <a:p>
+            <a:endParaRPr lang="en-AU" sz="2800" dirty="0"/>
           </a:p>
         </p:txBody>
       </p:sp>
     </p:spTree>
     <p:extLst>
       <p:ext uri="{BB962C8B-B14F-4D97-AF65-F5344CB8AC3E}">
-        <p14:creationId xmlns:p14="http://schemas.microsoft.com/office/powerpoint/2010/main" val="1085673973"/>
+        <p14:creationId xmlns:p14="http://schemas.microsoft.com/office/powerpoint/2010/main" val="1142254548"/>
       </p:ext>
     </p:extLst>
   </p:cSld>
@@ -22027,6 +25909,64 @@
       </p:grpSpPr>
       <p:sp>
         <p:nvSpPr>
+          <p:cNvPr id="6" name="Rectangle 5"/>
+          <p:cNvSpPr/>
+          <p:nvPr/>
+        </p:nvSpPr>
+        <p:spPr>
+          <a:xfrm>
+            <a:off x="0" y="6553299"/>
+            <a:ext cx="10290174" cy="4154984"/>
+          </a:xfrm>
+          <a:prstGeom prst="rect">
+            <a:avLst/>
+          </a:prstGeom>
+        </p:spPr>
+        <p:txBody>
+          <a:bodyPr wrap="square">
+            <a:spAutoFit/>
+          </a:bodyPr>
+          <a:lstStyle/>
+          <a:p>
+            <a:pPr algn="ctr"/>
+            <a:r>
+              <a:rPr lang="en-US" sz="6600" dirty="0">
+                <a:solidFill>
+                  <a:schemeClr val="bg1"/>
+                </a:solidFill>
+                <a:latin typeface="Meiryo UI" panose="020B0604030504040204" pitchFamily="34" charset="-128"/>
+                <a:ea typeface="Meiryo UI" panose="020B0604030504040204" pitchFamily="34" charset="-128"/>
+              </a:rPr>
+              <a:t>Usable Area</a:t>
+            </a:r>
+          </a:p>
+          <a:p>
+            <a:pPr algn="ctr"/>
+            <a:endParaRPr lang="en-US" sz="6600" dirty="0">
+              <a:solidFill>
+                <a:schemeClr val="bg1"/>
+              </a:solidFill>
+              <a:latin typeface="Meiryo UI" panose="020B0604030504040204" pitchFamily="34" charset="-128"/>
+              <a:ea typeface="Meiryo UI" panose="020B0604030504040204" pitchFamily="34" charset="-128"/>
+            </a:endParaRPr>
+          </a:p>
+          <a:p>
+            <a:pPr algn="ctr"/>
+            <a:r>
+              <a:rPr lang="en-US" sz="6600" dirty="0">
+                <a:solidFill>
+                  <a:schemeClr val="bg1"/>
+                </a:solidFill>
+                <a:latin typeface="Meiryo UI" panose="020B0604030504040204" pitchFamily="34" charset="-128"/>
+                <a:ea typeface="Meiryo UI" panose="020B0604030504040204" pitchFamily="34" charset="-128"/>
+              </a:rPr>
+              <a:t>Enter poster content here.</a:t>
+            </a:r>
+          </a:p>
+        </p:txBody>
+      </p:sp>
+      <p:sp>
+        <p:nvSpPr>
           <p:cNvPr id="7" name="TextBox 6"/>
           <p:cNvSpPr txBox="1"/>
           <p:nvPr/>
@@ -22073,19 +26013,18 @@
       </p:sp>
       <p:sp>
         <p:nvSpPr>
-          <p:cNvPr id="3" name="TextBox 2"/>
-          <p:cNvSpPr txBox="1"/>
-          <p:nvPr/>
-        </p:nvSpPr>
-        <p:spPr>
-          <a:xfrm>
-            <a:off x="248543" y="13970123"/>
-            <a:ext cx="9793088" cy="4093428"/>
+          <p:cNvPr id="2" name="Rectangle 1"/>
+          <p:cNvSpPr/>
+          <p:nvPr/>
+        </p:nvSpPr>
+        <p:spPr>
+          <a:xfrm>
+            <a:off x="248543" y="10153699"/>
+            <a:ext cx="4752528" cy="4985980"/>
           </a:xfrm>
           <a:prstGeom prst="rect">
             <a:avLst/>
           </a:prstGeom>
-          <a:noFill/>
           <a:ln>
             <a:solidFill>
               <a:schemeClr val="bg1"/>
@@ -22093,707 +26032,357 @@
           </a:ln>
         </p:spPr>
         <p:txBody>
-          <a:bodyPr wrap="square" rtlCol="0">
+          <a:bodyPr wrap="square">
             <a:spAutoFit/>
           </a:bodyPr>
           <a:lstStyle/>
           <a:p>
             <a:r>
-              <a:rPr lang="en-US" sz="8000" dirty="0">
+              <a:rPr lang="en-US" b="1" dirty="0" smtClean="0">
                 <a:solidFill>
                   <a:schemeClr val="bg1"/>
                 </a:solidFill>
               </a:rPr>
-              <a:t>Charon:</a:t>
-            </a:r>
-            <a:r>
-              <a:rPr lang="en-US" sz="6000" dirty="0">
+              <a:t>Recommended Font Sizes:</a:t>
+            </a:r>
+            <a:r>
+              <a:rPr lang="en-US" dirty="0" smtClean="0">
                 <a:solidFill>
                   <a:schemeClr val="bg1"/>
                 </a:solidFill>
               </a:rPr>
-              <a:t> </a:t>
-            </a:r>
-            <a:endParaRPr lang="en-US" sz="6000" dirty="0" smtClean="0">
-              <a:solidFill>
-                <a:schemeClr val="bg1"/>
-              </a:solidFill>
-            </a:endParaRPr>
-          </a:p>
-          <a:p>
+              <a:t/>
+            </a:r>
+            <a:br>
+              <a:rPr lang="en-US" dirty="0" smtClean="0">
+                <a:solidFill>
+                  <a:schemeClr val="bg1"/>
+                </a:solidFill>
+              </a:rPr>
+            </a:br>
             <a:r>
               <a:rPr lang="en-US" sz="6000" dirty="0" smtClean="0">
                 <a:solidFill>
                   <a:schemeClr val="bg1"/>
                 </a:solidFill>
               </a:rPr>
-              <a:t>Using the Repository to Support Digital Humanities Workflows</a:t>
-            </a:r>
-            <a:endParaRPr lang="en-US" sz="6000" dirty="0">
-              <a:solidFill>
-                <a:schemeClr val="bg1"/>
-              </a:solidFill>
-            </a:endParaRPr>
-          </a:p>
-        </p:txBody>
-      </p:sp>
-      <p:sp>
-        <p:nvSpPr>
-          <p:cNvPr id="4" name="Rectangle 3"/>
+              <a:t>Title: 60min – 80max</a:t>
+            </a:r>
+            <a:br>
+              <a:rPr lang="en-US" sz="6000" dirty="0" smtClean="0">
+                <a:solidFill>
+                  <a:schemeClr val="bg1"/>
+                </a:solidFill>
+              </a:rPr>
+            </a:br>
+            <a:r>
+              <a:rPr lang="en-US" dirty="0" smtClean="0">
+                <a:solidFill>
+                  <a:schemeClr val="bg1"/>
+                </a:solidFill>
+              </a:rPr>
+              <a:t>Header 1</a:t>
+            </a:r>
+          </a:p>
+          <a:p>
+            <a:r>
+              <a:rPr lang="en-US" sz="2800" dirty="0" smtClean="0">
+                <a:solidFill>
+                  <a:schemeClr val="bg1"/>
+                </a:solidFill>
+              </a:rPr>
+              <a:t>Header 2</a:t>
+            </a:r>
+          </a:p>
+          <a:p>
+            <a:r>
+              <a:rPr lang="en-US" sz="2200" dirty="0" smtClean="0">
+                <a:solidFill>
+                  <a:schemeClr val="bg1"/>
+                </a:solidFill>
+              </a:rPr>
+              <a:t>Body </a:t>
+            </a:r>
+            <a:r>
+              <a:rPr lang="en-US" sz="2200" dirty="0">
+                <a:solidFill>
+                  <a:schemeClr val="bg1"/>
+                </a:solidFill>
+              </a:rPr>
+              <a:t>Text : 22min – 32max (for best effect) </a:t>
+            </a:r>
+          </a:p>
+          <a:p>
+            <a:r>
+              <a:rPr lang="en-US" sz="1800" dirty="0">
+                <a:solidFill>
+                  <a:schemeClr val="bg1"/>
+                </a:solidFill>
+              </a:rPr>
+              <a:t>                   : 18 absolute min – 40 absolute max</a:t>
+            </a:r>
+          </a:p>
+        </p:txBody>
+      </p:sp>
+      <p:sp>
+        <p:nvSpPr>
+          <p:cNvPr id="8" name="Rectangle 7"/>
           <p:cNvSpPr/>
           <p:nvPr/>
         </p:nvSpPr>
         <p:spPr>
           <a:xfrm>
-            <a:off x="0" y="0"/>
-            <a:ext cx="274320" cy="18288000"/>
+            <a:off x="5289103" y="10153699"/>
+            <a:ext cx="4752528" cy="4893647"/>
           </a:xfrm>
           <a:prstGeom prst="rect">
             <a:avLst/>
           </a:prstGeom>
-          <a:solidFill>
-            <a:schemeClr val="bg1"/>
-          </a:solidFill>
           <a:ln>
             <a:solidFill>
               <a:schemeClr val="bg1"/>
             </a:solidFill>
           </a:ln>
         </p:spPr>
-        <p:style>
-          <a:lnRef idx="2">
-            <a:schemeClr val="accent1">
-              <a:shade val="50000"/>
-            </a:schemeClr>
-          </a:lnRef>
-          <a:fillRef idx="1">
-            <a:schemeClr val="accent1"/>
-          </a:fillRef>
-          <a:effectRef idx="0">
-            <a:schemeClr val="accent1"/>
-          </a:effectRef>
-          <a:fontRef idx="minor">
-            <a:schemeClr val="lt1"/>
-          </a:fontRef>
-        </p:style>
-        <p:txBody>
-          <a:bodyPr rtlCol="0" anchor="ctr"/>
-          <a:lstStyle/>
-          <a:p>
-            <a:pPr algn="ctr"/>
-            <a:endParaRPr lang="en-US"/>
-          </a:p>
-        </p:txBody>
-      </p:sp>
-      <p:sp>
-        <p:nvSpPr>
-          <p:cNvPr id="8" name="Rectangle 7"/>
-          <p:cNvSpPr/>
-          <p:nvPr/>
-        </p:nvSpPr>
-        <p:spPr>
-          <a:xfrm>
-            <a:off x="10015855" y="-17794"/>
-            <a:ext cx="274320" cy="18288000"/>
-          </a:xfrm>
-          <a:prstGeom prst="rect">
-            <a:avLst/>
-          </a:prstGeom>
-          <a:solidFill>
-            <a:schemeClr val="bg1"/>
-          </a:solidFill>
-          <a:ln>
-            <a:solidFill>
-              <a:schemeClr val="bg1"/>
-            </a:solidFill>
-          </a:ln>
-        </p:spPr>
-        <p:style>
-          <a:lnRef idx="2">
-            <a:schemeClr val="accent1">
-              <a:shade val="50000"/>
-            </a:schemeClr>
-          </a:lnRef>
-          <a:fillRef idx="1">
-            <a:schemeClr val="accent1"/>
-          </a:fillRef>
-          <a:effectRef idx="0">
-            <a:schemeClr val="accent1"/>
-          </a:effectRef>
-          <a:fontRef idx="minor">
-            <a:schemeClr val="lt1"/>
-          </a:fontRef>
-        </p:style>
-        <p:txBody>
-          <a:bodyPr rtlCol="0" anchor="ctr"/>
-          <a:lstStyle/>
-          <a:p>
-            <a:pPr algn="ctr"/>
-            <a:endParaRPr lang="en-US"/>
-          </a:p>
-        </p:txBody>
-      </p:sp>
-      <p:sp>
-        <p:nvSpPr>
-          <p:cNvPr id="9" name="Rectangle 8"/>
-          <p:cNvSpPr/>
-          <p:nvPr/>
-        </p:nvSpPr>
-        <p:spPr>
-          <a:xfrm rot="5400000">
-            <a:off x="5017717" y="-5006340"/>
-            <a:ext cx="274320" cy="10287000"/>
-          </a:xfrm>
-          <a:prstGeom prst="rect">
-            <a:avLst/>
-          </a:prstGeom>
-          <a:solidFill>
-            <a:schemeClr val="bg1"/>
-          </a:solidFill>
-          <a:ln>
-            <a:solidFill>
-              <a:schemeClr val="bg1"/>
-            </a:solidFill>
-          </a:ln>
-        </p:spPr>
-        <p:style>
-          <a:lnRef idx="2">
-            <a:schemeClr val="accent1">
-              <a:shade val="50000"/>
-            </a:schemeClr>
-          </a:lnRef>
-          <a:fillRef idx="1">
-            <a:schemeClr val="accent1"/>
-          </a:fillRef>
-          <a:effectRef idx="0">
-            <a:schemeClr val="accent1"/>
-          </a:effectRef>
-          <a:fontRef idx="minor">
-            <a:schemeClr val="lt1"/>
-          </a:fontRef>
-        </p:style>
-        <p:txBody>
-          <a:bodyPr rtlCol="0" anchor="ctr"/>
-          <a:lstStyle/>
-          <a:p>
-            <a:pPr algn="ctr"/>
-            <a:endParaRPr lang="en-US"/>
-          </a:p>
-        </p:txBody>
-      </p:sp>
-      <p:sp>
-        <p:nvSpPr>
-          <p:cNvPr id="10" name="Rectangle 9"/>
-          <p:cNvSpPr/>
-          <p:nvPr/>
-        </p:nvSpPr>
-        <p:spPr>
-          <a:xfrm rot="5400000">
-            <a:off x="5006340" y="13010515"/>
-            <a:ext cx="274320" cy="10287000"/>
-          </a:xfrm>
-          <a:prstGeom prst="rect">
-            <a:avLst/>
-          </a:prstGeom>
-          <a:solidFill>
-            <a:schemeClr val="bg1"/>
-          </a:solidFill>
-          <a:ln>
-            <a:solidFill>
-              <a:schemeClr val="bg1"/>
-            </a:solidFill>
-          </a:ln>
-        </p:spPr>
-        <p:style>
-          <a:lnRef idx="2">
-            <a:schemeClr val="accent1">
-              <a:shade val="50000"/>
-            </a:schemeClr>
-          </a:lnRef>
-          <a:fillRef idx="1">
-            <a:schemeClr val="accent1"/>
-          </a:fillRef>
-          <a:effectRef idx="0">
-            <a:schemeClr val="accent1"/>
-          </a:effectRef>
-          <a:fontRef idx="minor">
-            <a:schemeClr val="lt1"/>
-          </a:fontRef>
-        </p:style>
-        <p:txBody>
-          <a:bodyPr rtlCol="0" anchor="ctr"/>
-          <a:lstStyle/>
-          <a:p>
-            <a:pPr algn="ctr"/>
-            <a:endParaRPr lang="en-US"/>
-          </a:p>
-        </p:txBody>
-      </p:sp>
-      <p:sp>
-        <p:nvSpPr>
-          <p:cNvPr id="5" name="TextBox 4"/>
-          <p:cNvSpPr txBox="1"/>
-          <p:nvPr/>
-        </p:nvSpPr>
-        <p:spPr>
-          <a:xfrm>
-            <a:off x="248543" y="12745987"/>
-            <a:ext cx="4176464" cy="1015663"/>
-          </a:xfrm>
-          <a:prstGeom prst="rect">
-            <a:avLst/>
-          </a:prstGeom>
-          <a:noFill/>
-          <a:ln>
-            <a:solidFill>
-              <a:schemeClr val="bg1"/>
-            </a:solidFill>
-          </a:ln>
-        </p:spPr>
-        <p:txBody>
-          <a:bodyPr wrap="square" rtlCol="0">
+        <p:txBody>
+          <a:bodyPr wrap="square">
             <a:spAutoFit/>
           </a:bodyPr>
           <a:lstStyle/>
           <a:p>
             <a:r>
-              <a:rPr lang="en-US" sz="3800" dirty="0" smtClean="0">
+              <a:rPr lang="en-US" b="1" dirty="0" smtClean="0">
                 <a:solidFill>
                   <a:schemeClr val="bg1"/>
                 </a:solidFill>
               </a:rPr>
-              <a:t>Main Header</a:t>
-            </a:r>
-          </a:p>
-          <a:p>
-            <a:r>
-              <a:rPr lang="en-US" sz="2200" dirty="0" smtClean="0">
+              <a:t>Recommended Font Sizes:</a:t>
+            </a:r>
+            <a:r>
+              <a:rPr lang="en-US" dirty="0" smtClean="0">
                 <a:solidFill>
                   <a:schemeClr val="bg1"/>
                 </a:solidFill>
               </a:rPr>
-              <a:t>Main Text</a:t>
-            </a:r>
-            <a:endParaRPr lang="en-US" sz="2200" dirty="0">
-              <a:solidFill>
-                <a:schemeClr val="bg1"/>
-              </a:solidFill>
-            </a:endParaRPr>
-          </a:p>
-        </p:txBody>
-      </p:sp>
-      <p:sp>
-        <p:nvSpPr>
-          <p:cNvPr id="11" name="TextBox 10"/>
-          <p:cNvSpPr txBox="1"/>
-          <p:nvPr/>
-        </p:nvSpPr>
-        <p:spPr>
-          <a:xfrm>
-            <a:off x="392559" y="360611"/>
-            <a:ext cx="5832648" cy="2339102"/>
-          </a:xfrm>
-          <a:prstGeom prst="rect">
-            <a:avLst/>
-          </a:prstGeom>
-          <a:noFill/>
-          <a:ln>
-            <a:solidFill>
-              <a:schemeClr val="bg1"/>
-            </a:solidFill>
-          </a:ln>
-        </p:spPr>
-        <p:txBody>
-          <a:bodyPr wrap="square" rtlCol="0">
-            <a:spAutoFit/>
-          </a:bodyPr>
-          <a:lstStyle/>
-          <a:p>
-            <a:r>
+              <a:t/>
+            </a:r>
+            <a:br>
               <a:rPr lang="en-US" dirty="0" smtClean="0">
                 <a:solidFill>
                   <a:schemeClr val="bg1"/>
                 </a:solidFill>
               </a:rPr>
-              <a:t>Regular Header</a:t>
-            </a:r>
-          </a:p>
-          <a:p>
-            <a:r>
-              <a:rPr lang="en-US" sz="2200" dirty="0" smtClean="0">
+            </a:br>
+            <a:r>
+              <a:rPr lang="en-US" sz="6000" dirty="0" smtClean="0">
                 <a:solidFill>
                   <a:schemeClr val="bg1"/>
                 </a:solidFill>
-              </a:rPr>
-              <a:t>Regular Text </a:t>
-            </a:r>
-          </a:p>
-          <a:p>
-            <a:r>
-              <a:rPr lang="en-US" sz="2200" dirty="0" smtClean="0">
+                <a:latin typeface="Corbel" charset="0"/>
+                <a:ea typeface="Corbel" charset="0"/>
+                <a:cs typeface="Corbel" charset="0"/>
+              </a:rPr>
+              <a:t>Title:</a:t>
+            </a:r>
+            <a:r>
+              <a:rPr lang="en-US" sz="6000" b="1" dirty="0" smtClean="0">
                 <a:solidFill>
                   <a:schemeClr val="bg1"/>
                 </a:solidFill>
-              </a:rPr>
-              <a:t>Bulleted list</a:t>
-            </a:r>
-          </a:p>
-          <a:p>
-            <a:pPr marL="342900" indent="-342900">
-              <a:buFont typeface="Arial" charset="0"/>
-              <a:buChar char="•"/>
-            </a:pPr>
-            <a:r>
-              <a:rPr lang="en-US" sz="2200" dirty="0" smtClean="0">
+                <a:latin typeface="Corbel" charset="0"/>
+                <a:ea typeface="Corbel" charset="0"/>
+                <a:cs typeface="Corbel" charset="0"/>
+              </a:rPr>
+              <a:t> </a:t>
+            </a:r>
+            <a:r>
+              <a:rPr lang="en-US" sz="6000" dirty="0" smtClean="0">
                 <a:solidFill>
                   <a:schemeClr val="bg1"/>
                 </a:solidFill>
-              </a:rPr>
-              <a:t>Item 1</a:t>
-            </a:r>
-          </a:p>
-          <a:p>
-            <a:pPr marL="342900" indent="-342900">
-              <a:buFont typeface="Arial" charset="0"/>
-              <a:buChar char="•"/>
-            </a:pPr>
-            <a:r>
-              <a:rPr lang="en-US" sz="2200" dirty="0" smtClean="0">
+                <a:latin typeface="Corbel" charset="0"/>
+                <a:ea typeface="Corbel" charset="0"/>
+                <a:cs typeface="Corbel" charset="0"/>
+              </a:rPr>
+              <a:t>60min – 80max</a:t>
+            </a:r>
+            <a:br>
+              <a:rPr lang="en-US" sz="6000" dirty="0" smtClean="0">
                 <a:solidFill>
                   <a:schemeClr val="bg1"/>
                 </a:solidFill>
-              </a:rPr>
-              <a:t>Item 2</a:t>
-            </a:r>
-          </a:p>
-          <a:p>
-            <a:pPr marL="342900" indent="-342900">
-              <a:buFont typeface="Arial" charset="0"/>
-              <a:buChar char="•"/>
-            </a:pPr>
-            <a:r>
-              <a:rPr lang="en-US" sz="2200" dirty="0" smtClean="0">
+                <a:latin typeface="Corbel" charset="0"/>
+                <a:ea typeface="Corbel" charset="0"/>
+                <a:cs typeface="Corbel" charset="0"/>
+              </a:rPr>
+            </a:br>
+            <a:r>
+              <a:rPr lang="en-US" dirty="0" smtClean="0">
                 <a:solidFill>
                   <a:schemeClr val="bg1"/>
                 </a:solidFill>
-              </a:rPr>
-              <a:t>Item 3</a:t>
-            </a:r>
-          </a:p>
-        </p:txBody>
-      </p:sp>
-      <p:sp>
-        <p:nvSpPr>
-          <p:cNvPr id="12" name="Rectangle 11"/>
-          <p:cNvSpPr/>
-          <p:nvPr/>
-        </p:nvSpPr>
-        <p:spPr>
-          <a:xfrm>
-            <a:off x="3175" y="13754099"/>
-            <a:ext cx="10287000" cy="228600"/>
-          </a:xfrm>
-          <a:prstGeom prst="rect">
-            <a:avLst/>
-          </a:prstGeom>
-          <a:solidFill>
-            <a:schemeClr val="bg1"/>
-          </a:solidFill>
-          <a:ln>
-            <a:solidFill>
-              <a:schemeClr val="bg1"/>
-            </a:solidFill>
-          </a:ln>
-        </p:spPr>
-        <p:style>
-          <a:lnRef idx="2">
-            <a:schemeClr val="accent1">
-              <a:shade val="50000"/>
-            </a:schemeClr>
-          </a:lnRef>
-          <a:fillRef idx="1">
-            <a:schemeClr val="accent1"/>
-          </a:fillRef>
-          <a:effectRef idx="0">
-            <a:schemeClr val="accent1"/>
-          </a:effectRef>
-          <a:fontRef idx="minor">
-            <a:schemeClr val="lt1"/>
-          </a:fontRef>
-        </p:style>
-        <p:txBody>
-          <a:bodyPr rtlCol="0" anchor="ctr"/>
-          <a:lstStyle/>
-          <a:p>
-            <a:pPr algn="ctr"/>
-            <a:endParaRPr lang="en-US"/>
-          </a:p>
-        </p:txBody>
-      </p:sp>
-      <p:sp>
-        <p:nvSpPr>
-          <p:cNvPr id="13" name="TextBox 12"/>
-          <p:cNvSpPr txBox="1"/>
-          <p:nvPr/>
-        </p:nvSpPr>
-        <p:spPr>
-          <a:xfrm>
-            <a:off x="4092925" y="10801771"/>
-            <a:ext cx="2107500" cy="677108"/>
-          </a:xfrm>
-          <a:prstGeom prst="rect">
-            <a:avLst/>
-          </a:prstGeom>
-          <a:noFill/>
-        </p:spPr>
-        <p:txBody>
-          <a:bodyPr wrap="none" rtlCol="0">
-            <a:spAutoFit/>
-          </a:bodyPr>
-          <a:lstStyle/>
-          <a:p>
-            <a:r>
-              <a:rPr lang="en-US" sz="3800" smtClean="0">
+                <a:latin typeface="Corbel" charset="0"/>
+                <a:ea typeface="Corbel" charset="0"/>
+                <a:cs typeface="Corbel" charset="0"/>
+              </a:rPr>
+              <a:t>Header 1 (</a:t>
+            </a:r>
+            <a:r>
+              <a:rPr lang="en-US" b="1" dirty="0" smtClean="0">
                 <a:solidFill>
                   <a:schemeClr val="bg1"/>
                 </a:solidFill>
-              </a:rPr>
-              <a:t>Configure</a:t>
-            </a:r>
-            <a:endParaRPr lang="en-US" sz="3800">
-              <a:solidFill>
-                <a:schemeClr val="bg1"/>
-              </a:solidFill>
-            </a:endParaRPr>
-          </a:p>
-        </p:txBody>
-      </p:sp>
-      <p:sp>
-        <p:nvSpPr>
-          <p:cNvPr id="14" name="TextBox 13"/>
-          <p:cNvSpPr txBox="1"/>
-          <p:nvPr/>
-        </p:nvSpPr>
-        <p:spPr>
-          <a:xfrm>
-            <a:off x="4353028" y="8808621"/>
-            <a:ext cx="1587294" cy="677108"/>
-          </a:xfrm>
-          <a:prstGeom prst="rect">
-            <a:avLst/>
-          </a:prstGeom>
-          <a:noFill/>
-        </p:spPr>
-        <p:txBody>
-          <a:bodyPr wrap="none" rtlCol="0">
-            <a:spAutoFit/>
-          </a:bodyPr>
-          <a:lstStyle/>
-          <a:p>
-            <a:r>
-              <a:rPr lang="en-US" sz="3800" smtClean="0">
+                <a:latin typeface="Corbel" charset="0"/>
+                <a:ea typeface="Corbel" charset="0"/>
+                <a:cs typeface="Corbel" charset="0"/>
+              </a:rPr>
+              <a:t>36</a:t>
+            </a:r>
+            <a:r>
+              <a:rPr lang="en-US" dirty="0" smtClean="0">
                 <a:solidFill>
                   <a:schemeClr val="bg1"/>
                 </a:solidFill>
-              </a:rPr>
-              <a:t>Submit</a:t>
-            </a:r>
-            <a:endParaRPr lang="en-US" sz="3800" dirty="0">
-              <a:solidFill>
-                <a:schemeClr val="bg1"/>
-              </a:solidFill>
-            </a:endParaRPr>
-          </a:p>
-        </p:txBody>
-      </p:sp>
-      <p:sp>
-        <p:nvSpPr>
-          <p:cNvPr id="15" name="TextBox 14"/>
-          <p:cNvSpPr txBox="1"/>
-          <p:nvPr/>
-        </p:nvSpPr>
-        <p:spPr>
-          <a:xfrm>
-            <a:off x="4673019" y="6841331"/>
-            <a:ext cx="947311" cy="677108"/>
-          </a:xfrm>
-          <a:prstGeom prst="rect">
-            <a:avLst/>
-          </a:prstGeom>
-          <a:noFill/>
-        </p:spPr>
-        <p:txBody>
-          <a:bodyPr wrap="none" rtlCol="0">
-            <a:spAutoFit/>
-          </a:bodyPr>
-          <a:lstStyle/>
-          <a:p>
-            <a:r>
-              <a:rPr lang="en-US" sz="3800" dirty="0" smtClean="0">
+                <a:latin typeface="Corbel" charset="0"/>
+                <a:ea typeface="Corbel" charset="0"/>
+                <a:cs typeface="Corbel" charset="0"/>
+              </a:rPr>
+              <a:t>)</a:t>
+            </a:r>
+          </a:p>
+          <a:p>
+            <a:r>
+              <a:rPr lang="en-US" sz="2800" dirty="0" smtClean="0">
                 <a:solidFill>
                   <a:schemeClr val="bg1"/>
                 </a:solidFill>
-              </a:rPr>
-              <a:t>Edit</a:t>
-            </a:r>
-            <a:endParaRPr lang="en-US" sz="3800" dirty="0">
-              <a:solidFill>
-                <a:schemeClr val="bg1"/>
-              </a:solidFill>
-            </a:endParaRPr>
-          </a:p>
-        </p:txBody>
-      </p:sp>
-      <p:sp>
-        <p:nvSpPr>
-          <p:cNvPr id="16" name="TextBox 15"/>
-          <p:cNvSpPr txBox="1"/>
-          <p:nvPr/>
-        </p:nvSpPr>
-        <p:spPr>
-          <a:xfrm>
-            <a:off x="4336196" y="4825107"/>
-            <a:ext cx="1620957" cy="677108"/>
-          </a:xfrm>
-          <a:prstGeom prst="rect">
-            <a:avLst/>
-          </a:prstGeom>
-          <a:noFill/>
-        </p:spPr>
-        <p:txBody>
-          <a:bodyPr wrap="none" rtlCol="0">
-            <a:spAutoFit/>
-          </a:bodyPr>
-          <a:lstStyle/>
-          <a:p>
-            <a:r>
-              <a:rPr lang="en-US" sz="3800" smtClean="0">
+                <a:latin typeface="Corbel" charset="0"/>
+                <a:ea typeface="Corbel" charset="0"/>
+                <a:cs typeface="Corbel" charset="0"/>
+              </a:rPr>
+              <a:t>Header 2 (</a:t>
+            </a:r>
+            <a:r>
+              <a:rPr lang="en-US" sz="2800" b="1" dirty="0" smtClean="0">
                 <a:solidFill>
                   <a:schemeClr val="bg1"/>
                 </a:solidFill>
-              </a:rPr>
-              <a:t>Publish</a:t>
-            </a:r>
-            <a:endParaRPr lang="en-US" sz="3800">
-              <a:solidFill>
-                <a:schemeClr val="bg1"/>
-              </a:solidFill>
-            </a:endParaRPr>
-          </a:p>
-        </p:txBody>
-      </p:sp>
-      <p:cxnSp>
-        <p:nvCxnSpPr>
-          <p:cNvPr id="18" name="Straight Arrow Connector 17"/>
-          <p:cNvCxnSpPr/>
-          <p:nvPr/>
-        </p:nvCxnSpPr>
-        <p:spPr>
-          <a:xfrm flipV="1">
-            <a:off x="5146675" y="9505627"/>
-            <a:ext cx="0" cy="1224136"/>
-          </a:xfrm>
-          <a:prstGeom prst="straightConnector1">
-            <a:avLst/>
-          </a:prstGeom>
-          <a:ln w="127000">
-            <a:solidFill>
-              <a:schemeClr val="bg1"/>
-            </a:solidFill>
-            <a:tailEnd type="triangle"/>
-          </a:ln>
-        </p:spPr>
-        <p:style>
-          <a:lnRef idx="1">
-            <a:schemeClr val="accent1"/>
-          </a:lnRef>
-          <a:fillRef idx="0">
-            <a:schemeClr val="accent1"/>
-          </a:fillRef>
-          <a:effectRef idx="0">
-            <a:schemeClr val="accent1"/>
-          </a:effectRef>
-          <a:fontRef idx="minor">
-            <a:schemeClr val="tx1"/>
-          </a:fontRef>
-        </p:style>
-      </p:cxnSp>
-      <p:cxnSp>
-        <p:nvCxnSpPr>
-          <p:cNvPr id="20" name="Straight Arrow Connector 19"/>
-          <p:cNvCxnSpPr/>
-          <p:nvPr/>
-        </p:nvCxnSpPr>
-        <p:spPr>
-          <a:xfrm flipV="1">
-            <a:off x="5092674" y="5545187"/>
-            <a:ext cx="0" cy="1224136"/>
-          </a:xfrm>
-          <a:prstGeom prst="straightConnector1">
-            <a:avLst/>
-          </a:prstGeom>
-          <a:ln w="127000">
-            <a:solidFill>
-              <a:schemeClr val="bg1"/>
-            </a:solidFill>
-            <a:tailEnd type="triangle"/>
-          </a:ln>
-        </p:spPr>
-        <p:style>
-          <a:lnRef idx="1">
-            <a:schemeClr val="accent1"/>
-          </a:lnRef>
-          <a:fillRef idx="0">
-            <a:schemeClr val="accent1"/>
-          </a:fillRef>
-          <a:effectRef idx="0">
-            <a:schemeClr val="accent1"/>
-          </a:effectRef>
-          <a:fontRef idx="minor">
-            <a:schemeClr val="tx1"/>
-          </a:fontRef>
-        </p:style>
-      </p:cxnSp>
-      <p:cxnSp>
-        <p:nvCxnSpPr>
-          <p:cNvPr id="21" name="Straight Arrow Connector 20"/>
-          <p:cNvCxnSpPr/>
-          <p:nvPr/>
-        </p:nvCxnSpPr>
-        <p:spPr>
-          <a:xfrm flipV="1">
-            <a:off x="5147538" y="7561411"/>
-            <a:ext cx="0" cy="1224136"/>
-          </a:xfrm>
-          <a:prstGeom prst="straightConnector1">
-            <a:avLst/>
-          </a:prstGeom>
-          <a:ln w="127000">
-            <a:solidFill>
-              <a:schemeClr val="bg1"/>
-            </a:solidFill>
-            <a:tailEnd type="triangle"/>
-          </a:ln>
-        </p:spPr>
-        <p:style>
-          <a:lnRef idx="1">
-            <a:schemeClr val="accent1"/>
-          </a:lnRef>
-          <a:fillRef idx="0">
-            <a:schemeClr val="accent1"/>
-          </a:fillRef>
-          <a:effectRef idx="0">
-            <a:schemeClr val="accent1"/>
-          </a:effectRef>
-          <a:fontRef idx="minor">
-            <a:schemeClr val="tx1"/>
-          </a:fontRef>
-        </p:style>
-      </p:cxnSp>
+                <a:latin typeface="Corbel" charset="0"/>
+                <a:ea typeface="Corbel" charset="0"/>
+                <a:cs typeface="Corbel" charset="0"/>
+              </a:rPr>
+              <a:t>28</a:t>
+            </a:r>
+            <a:r>
+              <a:rPr lang="en-US" sz="2800" dirty="0" smtClean="0">
+                <a:solidFill>
+                  <a:schemeClr val="bg1"/>
+                </a:solidFill>
+                <a:latin typeface="Corbel" charset="0"/>
+                <a:ea typeface="Corbel" charset="0"/>
+                <a:cs typeface="Corbel" charset="0"/>
+              </a:rPr>
+              <a:t>)</a:t>
+            </a:r>
+          </a:p>
+          <a:p>
+            <a:r>
+              <a:rPr lang="en-US" sz="2000" dirty="0" smtClean="0">
+                <a:solidFill>
+                  <a:schemeClr val="bg1"/>
+                </a:solidFill>
+                <a:latin typeface="Tahoma" charset="0"/>
+                <a:ea typeface="Tahoma" charset="0"/>
+                <a:cs typeface="Tahoma" charset="0"/>
+              </a:rPr>
+              <a:t>Body </a:t>
+            </a:r>
+            <a:r>
+              <a:rPr lang="en-US" sz="2000" dirty="0">
+                <a:solidFill>
+                  <a:schemeClr val="bg1"/>
+                </a:solidFill>
+                <a:latin typeface="Tahoma" charset="0"/>
+                <a:ea typeface="Tahoma" charset="0"/>
+                <a:cs typeface="Tahoma" charset="0"/>
+              </a:rPr>
+              <a:t>Text : </a:t>
+            </a:r>
+            <a:r>
+              <a:rPr lang="en-US" sz="2000" b="1" dirty="0" smtClean="0">
+                <a:solidFill>
+                  <a:schemeClr val="bg1"/>
+                </a:solidFill>
+                <a:latin typeface="Tahoma" charset="0"/>
+                <a:ea typeface="Tahoma" charset="0"/>
+                <a:cs typeface="Tahoma" charset="0"/>
+              </a:rPr>
+              <a:t>20min</a:t>
+            </a:r>
+            <a:r>
+              <a:rPr lang="en-US" sz="2000" dirty="0" smtClean="0">
+                <a:solidFill>
+                  <a:schemeClr val="bg1"/>
+                </a:solidFill>
+                <a:latin typeface="Tahoma" charset="0"/>
+                <a:ea typeface="Tahoma" charset="0"/>
+                <a:cs typeface="Tahoma" charset="0"/>
+              </a:rPr>
+              <a:t> </a:t>
+            </a:r>
+            <a:r>
+              <a:rPr lang="en-US" sz="2000" dirty="0">
+                <a:solidFill>
+                  <a:schemeClr val="bg1"/>
+                </a:solidFill>
+                <a:latin typeface="Tahoma" charset="0"/>
+                <a:ea typeface="Tahoma" charset="0"/>
+                <a:cs typeface="Tahoma" charset="0"/>
+              </a:rPr>
+              <a:t>– 32max (for best effect) </a:t>
+            </a:r>
+          </a:p>
+          <a:p>
+            <a:r>
+              <a:rPr lang="en-US" sz="1600" dirty="0">
+                <a:solidFill>
+                  <a:schemeClr val="bg1"/>
+                </a:solidFill>
+                <a:latin typeface="Tahoma" charset="0"/>
+                <a:ea typeface="Tahoma" charset="0"/>
+                <a:cs typeface="Tahoma" charset="0"/>
+              </a:rPr>
+              <a:t>                   : </a:t>
+            </a:r>
+            <a:r>
+              <a:rPr lang="en-US" sz="1600" b="1" dirty="0" smtClean="0">
+                <a:solidFill>
+                  <a:schemeClr val="bg1"/>
+                </a:solidFill>
+                <a:latin typeface="Tahoma" charset="0"/>
+                <a:ea typeface="Tahoma" charset="0"/>
+                <a:cs typeface="Tahoma" charset="0"/>
+              </a:rPr>
+              <a:t>16 </a:t>
+            </a:r>
+            <a:r>
+              <a:rPr lang="en-US" sz="1600" dirty="0">
+                <a:solidFill>
+                  <a:schemeClr val="bg1"/>
+                </a:solidFill>
+                <a:latin typeface="Tahoma" charset="0"/>
+                <a:ea typeface="Tahoma" charset="0"/>
+                <a:cs typeface="Tahoma" charset="0"/>
+              </a:rPr>
+              <a:t>absolute min – 40 absolute max</a:t>
+            </a:r>
+          </a:p>
+        </p:txBody>
+      </p:sp>
     </p:spTree>
     <p:extLst>
       <p:ext uri="{BB962C8B-B14F-4D97-AF65-F5344CB8AC3E}">
-        <p14:creationId xmlns:p14="http://schemas.microsoft.com/office/powerpoint/2010/main" val="810960323"/>
+        <p14:creationId xmlns:p14="http://schemas.microsoft.com/office/powerpoint/2010/main" val="1085673973"/>
       </p:ext>
     </p:extLst>
   </p:cSld>
@@ -22915,9 +26504,6 @@
                 <a:solidFill>
                   <a:schemeClr val="bg1"/>
                 </a:solidFill>
-                <a:latin typeface="Futura Medium" charset="0"/>
-                <a:ea typeface="Futura Medium" charset="0"/>
-                <a:cs typeface="Futura Medium" charset="0"/>
               </a:rPr>
               <a:t>Charon:</a:t>
             </a:r>
@@ -22926,9 +26512,6 @@
                 <a:solidFill>
                   <a:schemeClr val="bg1"/>
                 </a:solidFill>
-                <a:latin typeface="Futura Medium" charset="0"/>
-                <a:ea typeface="Futura Medium" charset="0"/>
-                <a:cs typeface="Futura Medium" charset="0"/>
               </a:rPr>
               <a:t> </a:t>
             </a:r>
@@ -22936,9 +26519,6 @@
               <a:solidFill>
                 <a:schemeClr val="bg1"/>
               </a:solidFill>
-              <a:latin typeface="Futura Medium" charset="0"/>
-              <a:ea typeface="Futura Medium" charset="0"/>
-              <a:cs typeface="Futura Medium" charset="0"/>
             </a:endParaRPr>
           </a:p>
           <a:p>
@@ -22947,9 +26527,6 @@
                 <a:solidFill>
                   <a:schemeClr val="bg1"/>
                 </a:solidFill>
-                <a:latin typeface="Futura Medium" charset="0"/>
-                <a:ea typeface="Futura Medium" charset="0"/>
-                <a:cs typeface="Futura Medium" charset="0"/>
               </a:rPr>
               <a:t>Using the Repository to Support Digital Humanities Workflows</a:t>
             </a:r>
@@ -22957,9 +26534,6 @@
               <a:solidFill>
                 <a:schemeClr val="bg1"/>
               </a:solidFill>
-              <a:latin typeface="Futura Medium" charset="0"/>
-              <a:ea typeface="Futura Medium" charset="0"/>
-              <a:cs typeface="Futura Medium" charset="0"/>
             </a:endParaRPr>
           </a:p>
         </p:txBody>
@@ -23158,14 +26732,14 @@
       </p:sp>
       <p:sp>
         <p:nvSpPr>
-          <p:cNvPr id="11" name="TextBox 10"/>
+          <p:cNvPr id="5" name="TextBox 4"/>
           <p:cNvSpPr txBox="1"/>
           <p:nvPr/>
         </p:nvSpPr>
         <p:spPr>
           <a:xfrm>
-            <a:off x="968623" y="1224707"/>
-            <a:ext cx="5832648" cy="2339102"/>
+            <a:off x="248543" y="12745987"/>
+            <a:ext cx="4176464" cy="1015663"/>
           </a:xfrm>
           <a:prstGeom prst="rect">
             <a:avLst/>
@@ -23184,15 +26758,65 @@
           <a:lstStyle/>
           <a:p>
             <a:r>
+              <a:rPr lang="en-US" sz="3800" dirty="0" smtClean="0">
+                <a:solidFill>
+                  <a:schemeClr val="bg1"/>
+                </a:solidFill>
+              </a:rPr>
+              <a:t>Main Header</a:t>
+            </a:r>
+          </a:p>
+          <a:p>
+            <a:r>
+              <a:rPr lang="en-US" sz="2200" dirty="0" smtClean="0">
+                <a:solidFill>
+                  <a:schemeClr val="bg1"/>
+                </a:solidFill>
+              </a:rPr>
+              <a:t>Main Text</a:t>
+            </a:r>
+            <a:endParaRPr lang="en-US" sz="2200" dirty="0">
+              <a:solidFill>
+                <a:schemeClr val="bg1"/>
+              </a:solidFill>
+            </a:endParaRPr>
+          </a:p>
+        </p:txBody>
+      </p:sp>
+      <p:sp>
+        <p:nvSpPr>
+          <p:cNvPr id="11" name="TextBox 10"/>
+          <p:cNvSpPr txBox="1"/>
+          <p:nvPr/>
+        </p:nvSpPr>
+        <p:spPr>
+          <a:xfrm>
+            <a:off x="392559" y="360611"/>
+            <a:ext cx="5832648" cy="2339102"/>
+          </a:xfrm>
+          <a:prstGeom prst="rect">
+            <a:avLst/>
+          </a:prstGeom>
+          <a:noFill/>
+          <a:ln>
+            <a:solidFill>
+              <a:schemeClr val="bg1"/>
+            </a:solidFill>
+          </a:ln>
+        </p:spPr>
+        <p:txBody>
+          <a:bodyPr wrap="square" rtlCol="0">
+            <a:spAutoFit/>
+          </a:bodyPr>
+          <a:lstStyle/>
+          <a:p>
+            <a:r>
               <a:rPr lang="en-US" dirty="0" smtClean="0">
                 <a:solidFill>
                   <a:schemeClr val="bg1"/>
                 </a:solidFill>
-                <a:latin typeface="Corbel" charset="0"/>
-                <a:ea typeface="Corbel" charset="0"/>
-                <a:cs typeface="Corbel" charset="0"/>
-              </a:rPr>
-              <a:t>Font Options 1</a:t>
+              </a:rPr>
+              <a:t>Regular Header</a:t>
             </a:r>
           </a:p>
           <a:p>
@@ -23201,9 +26825,6 @@
                 <a:solidFill>
                   <a:schemeClr val="bg1"/>
                 </a:solidFill>
-                <a:latin typeface="Consolas" charset="0"/>
-                <a:ea typeface="Consolas" charset="0"/>
-                <a:cs typeface="Consolas" charset="0"/>
               </a:rPr>
               <a:t>Regular Text </a:t>
             </a:r>
@@ -23214,9 +26835,6 @@
                 <a:solidFill>
                   <a:schemeClr val="bg1"/>
                 </a:solidFill>
-                <a:latin typeface="Consolas" charset="0"/>
-                <a:ea typeface="Consolas" charset="0"/>
-                <a:cs typeface="Consolas" charset="0"/>
               </a:rPr>
               <a:t>Bulleted list</a:t>
             </a:r>
@@ -23231,9 +26849,6 @@
                 <a:solidFill>
                   <a:schemeClr val="bg1"/>
                 </a:solidFill>
-                <a:latin typeface="Consolas" charset="0"/>
-                <a:ea typeface="Consolas" charset="0"/>
-                <a:cs typeface="Consolas" charset="0"/>
               </a:rPr>
               <a:t>Item 1</a:t>
             </a:r>
@@ -23248,9 +26863,6 @@
                 <a:solidFill>
                   <a:schemeClr val="bg1"/>
                 </a:solidFill>
-                <a:latin typeface="Consolas" charset="0"/>
-                <a:ea typeface="Consolas" charset="0"/>
-                <a:cs typeface="Consolas" charset="0"/>
               </a:rPr>
               <a:t>Item 2</a:t>
             </a:r>
@@ -23265,9 +26877,6 @@
                 <a:solidFill>
                   <a:schemeClr val="bg1"/>
                 </a:solidFill>
-                <a:latin typeface="Consolas" charset="0"/>
-                <a:ea typeface="Consolas" charset="0"/>
-                <a:cs typeface="Consolas" charset="0"/>
               </a:rPr>
               <a:t>Item 3</a:t>
             </a:r>
@@ -23324,352 +26933,268 @@
       </p:sp>
       <p:sp>
         <p:nvSpPr>
-          <p:cNvPr id="19" name="TextBox 18"/>
+          <p:cNvPr id="13" name="TextBox 12"/>
           <p:cNvSpPr txBox="1"/>
           <p:nvPr/>
         </p:nvSpPr>
         <p:spPr>
           <a:xfrm>
-            <a:off x="968623" y="3744987"/>
-            <a:ext cx="5832648" cy="2339102"/>
+            <a:off x="4092925" y="10801771"/>
+            <a:ext cx="2107500" cy="677108"/>
           </a:xfrm>
           <a:prstGeom prst="rect">
             <a:avLst/>
           </a:prstGeom>
           <a:noFill/>
-          <a:ln>
+        </p:spPr>
+        <p:txBody>
+          <a:bodyPr wrap="none" rtlCol="0">
+            <a:spAutoFit/>
+          </a:bodyPr>
+          <a:lstStyle/>
+          <a:p>
+            <a:r>
+              <a:rPr lang="en-US" sz="3800" smtClean="0">
+                <a:solidFill>
+                  <a:schemeClr val="bg1"/>
+                </a:solidFill>
+              </a:rPr>
+              <a:t>Configure</a:t>
+            </a:r>
+            <a:endParaRPr lang="en-US" sz="3800">
+              <a:solidFill>
+                <a:schemeClr val="bg1"/>
+              </a:solidFill>
+            </a:endParaRPr>
+          </a:p>
+        </p:txBody>
+      </p:sp>
+      <p:sp>
+        <p:nvSpPr>
+          <p:cNvPr id="14" name="TextBox 13"/>
+          <p:cNvSpPr txBox="1"/>
+          <p:nvPr/>
+        </p:nvSpPr>
+        <p:spPr>
+          <a:xfrm>
+            <a:off x="4353028" y="8808621"/>
+            <a:ext cx="1587294" cy="677108"/>
+          </a:xfrm>
+          <a:prstGeom prst="rect">
+            <a:avLst/>
+          </a:prstGeom>
+          <a:noFill/>
+        </p:spPr>
+        <p:txBody>
+          <a:bodyPr wrap="none" rtlCol="0">
+            <a:spAutoFit/>
+          </a:bodyPr>
+          <a:lstStyle/>
+          <a:p>
+            <a:r>
+              <a:rPr lang="en-US" sz="3800" smtClean="0">
+                <a:solidFill>
+                  <a:schemeClr val="bg1"/>
+                </a:solidFill>
+              </a:rPr>
+              <a:t>Submit</a:t>
+            </a:r>
+            <a:endParaRPr lang="en-US" sz="3800" dirty="0">
+              <a:solidFill>
+                <a:schemeClr val="bg1"/>
+              </a:solidFill>
+            </a:endParaRPr>
+          </a:p>
+        </p:txBody>
+      </p:sp>
+      <p:sp>
+        <p:nvSpPr>
+          <p:cNvPr id="15" name="TextBox 14"/>
+          <p:cNvSpPr txBox="1"/>
+          <p:nvPr/>
+        </p:nvSpPr>
+        <p:spPr>
+          <a:xfrm>
+            <a:off x="4673019" y="6841331"/>
+            <a:ext cx="947311" cy="677108"/>
+          </a:xfrm>
+          <a:prstGeom prst="rect">
+            <a:avLst/>
+          </a:prstGeom>
+          <a:noFill/>
+        </p:spPr>
+        <p:txBody>
+          <a:bodyPr wrap="none" rtlCol="0">
+            <a:spAutoFit/>
+          </a:bodyPr>
+          <a:lstStyle/>
+          <a:p>
+            <a:r>
+              <a:rPr lang="en-US" sz="3800" dirty="0" smtClean="0">
+                <a:solidFill>
+                  <a:schemeClr val="bg1"/>
+                </a:solidFill>
+              </a:rPr>
+              <a:t>Edit</a:t>
+            </a:r>
+            <a:endParaRPr lang="en-US" sz="3800" dirty="0">
+              <a:solidFill>
+                <a:schemeClr val="bg1"/>
+              </a:solidFill>
+            </a:endParaRPr>
+          </a:p>
+        </p:txBody>
+      </p:sp>
+      <p:sp>
+        <p:nvSpPr>
+          <p:cNvPr id="16" name="TextBox 15"/>
+          <p:cNvSpPr txBox="1"/>
+          <p:nvPr/>
+        </p:nvSpPr>
+        <p:spPr>
+          <a:xfrm>
+            <a:off x="4336196" y="4825107"/>
+            <a:ext cx="1620957" cy="677108"/>
+          </a:xfrm>
+          <a:prstGeom prst="rect">
+            <a:avLst/>
+          </a:prstGeom>
+          <a:noFill/>
+        </p:spPr>
+        <p:txBody>
+          <a:bodyPr wrap="none" rtlCol="0">
+            <a:spAutoFit/>
+          </a:bodyPr>
+          <a:lstStyle/>
+          <a:p>
+            <a:r>
+              <a:rPr lang="en-US" sz="3800" smtClean="0">
+                <a:solidFill>
+                  <a:schemeClr val="bg1"/>
+                </a:solidFill>
+              </a:rPr>
+              <a:t>Publish</a:t>
+            </a:r>
+            <a:endParaRPr lang="en-US" sz="3800">
+              <a:solidFill>
+                <a:schemeClr val="bg1"/>
+              </a:solidFill>
+            </a:endParaRPr>
+          </a:p>
+        </p:txBody>
+      </p:sp>
+      <p:cxnSp>
+        <p:nvCxnSpPr>
+          <p:cNvPr id="18" name="Straight Arrow Connector 17"/>
+          <p:cNvCxnSpPr/>
+          <p:nvPr/>
+        </p:nvCxnSpPr>
+        <p:spPr>
+          <a:xfrm flipV="1">
+            <a:off x="5146675" y="9505627"/>
+            <a:ext cx="0" cy="1224136"/>
+          </a:xfrm>
+          <a:prstGeom prst="straightConnector1">
+            <a:avLst/>
+          </a:prstGeom>
+          <a:ln w="127000">
             <a:solidFill>
               <a:schemeClr val="bg1"/>
             </a:solidFill>
-          </a:ln>
-        </p:spPr>
-        <p:txBody>
-          <a:bodyPr wrap="square" rtlCol="0">
-            <a:spAutoFit/>
-          </a:bodyPr>
-          <a:lstStyle/>
-          <a:p>
-            <a:r>
-              <a:rPr lang="en-US" dirty="0" smtClean="0">
-                <a:solidFill>
-                  <a:schemeClr val="bg1"/>
-                </a:solidFill>
-                <a:latin typeface="Consolas" charset="0"/>
-                <a:ea typeface="Consolas" charset="0"/>
-                <a:cs typeface="Consolas" charset="0"/>
-              </a:rPr>
-              <a:t>Font Options 2</a:t>
-            </a:r>
-          </a:p>
-          <a:p>
-            <a:r>
-              <a:rPr lang="en-US" sz="2200" dirty="0" smtClean="0">
-                <a:solidFill>
-                  <a:schemeClr val="bg1"/>
-                </a:solidFill>
-                <a:latin typeface="tahoma" charset="0"/>
-              </a:rPr>
-              <a:t>Regular Text </a:t>
-            </a:r>
-          </a:p>
-          <a:p>
-            <a:r>
-              <a:rPr lang="en-US" sz="2200" dirty="0" smtClean="0">
-                <a:solidFill>
-                  <a:schemeClr val="bg1"/>
-                </a:solidFill>
-                <a:latin typeface="tahoma" charset="0"/>
-              </a:rPr>
-              <a:t>Bulleted list</a:t>
-            </a:r>
-          </a:p>
-          <a:p>
-            <a:pPr marL="342900" indent="-342900">
-              <a:buFont typeface="Arial" charset="0"/>
-              <a:buChar char="•"/>
-            </a:pPr>
-            <a:r>
-              <a:rPr lang="en-US" sz="2200" dirty="0" smtClean="0">
-                <a:solidFill>
-                  <a:schemeClr val="bg1"/>
-                </a:solidFill>
-                <a:latin typeface="tahoma" charset="0"/>
-              </a:rPr>
-              <a:t>Item 1</a:t>
-            </a:r>
-          </a:p>
-          <a:p>
-            <a:pPr marL="342900" indent="-342900">
-              <a:buFont typeface="Arial" charset="0"/>
-              <a:buChar char="•"/>
-            </a:pPr>
-            <a:r>
-              <a:rPr lang="en-US" sz="2200" dirty="0" smtClean="0">
-                <a:solidFill>
-                  <a:schemeClr val="bg1"/>
-                </a:solidFill>
-                <a:latin typeface="tahoma" charset="0"/>
-              </a:rPr>
-              <a:t>Item 2</a:t>
-            </a:r>
-          </a:p>
-          <a:p>
-            <a:pPr marL="342900" indent="-342900">
-              <a:buFont typeface="Arial" charset="0"/>
-              <a:buChar char="•"/>
-            </a:pPr>
-            <a:r>
-              <a:rPr lang="en-US" sz="2200" dirty="0" smtClean="0">
-                <a:solidFill>
-                  <a:schemeClr val="bg1"/>
-                </a:solidFill>
-                <a:latin typeface="tahoma" charset="0"/>
-              </a:rPr>
-              <a:t>Item 3</a:t>
-            </a:r>
-          </a:p>
-        </p:txBody>
-      </p:sp>
-      <p:sp>
-        <p:nvSpPr>
-          <p:cNvPr id="22" name="TextBox 21"/>
-          <p:cNvSpPr txBox="1"/>
-          <p:nvPr/>
-        </p:nvSpPr>
-        <p:spPr>
-          <a:xfrm>
-            <a:off x="968623" y="6337275"/>
-            <a:ext cx="5832648" cy="2339102"/>
-          </a:xfrm>
-          <a:prstGeom prst="rect">
-            <a:avLst/>
-          </a:prstGeom>
-          <a:noFill/>
-          <a:ln>
+            <a:tailEnd type="triangle"/>
+          </a:ln>
+        </p:spPr>
+        <p:style>
+          <a:lnRef idx="1">
+            <a:schemeClr val="accent1"/>
+          </a:lnRef>
+          <a:fillRef idx="0">
+            <a:schemeClr val="accent1"/>
+          </a:fillRef>
+          <a:effectRef idx="0">
+            <a:schemeClr val="accent1"/>
+          </a:effectRef>
+          <a:fontRef idx="minor">
+            <a:schemeClr val="tx1"/>
+          </a:fontRef>
+        </p:style>
+      </p:cxnSp>
+      <p:cxnSp>
+        <p:nvCxnSpPr>
+          <p:cNvPr id="20" name="Straight Arrow Connector 19"/>
+          <p:cNvCxnSpPr/>
+          <p:nvPr/>
+        </p:nvCxnSpPr>
+        <p:spPr>
+          <a:xfrm flipV="1">
+            <a:off x="5092674" y="5545187"/>
+            <a:ext cx="0" cy="1224136"/>
+          </a:xfrm>
+          <a:prstGeom prst="straightConnector1">
+            <a:avLst/>
+          </a:prstGeom>
+          <a:ln w="127000">
             <a:solidFill>
               <a:schemeClr val="bg1"/>
             </a:solidFill>
-          </a:ln>
-        </p:spPr>
-        <p:txBody>
-          <a:bodyPr wrap="square" rtlCol="0">
-            <a:spAutoFit/>
-          </a:bodyPr>
-          <a:lstStyle/>
-          <a:p>
-            <a:r>
-              <a:rPr lang="en-US" dirty="0" smtClean="0">
-                <a:solidFill>
-                  <a:schemeClr val="bg1"/>
-                </a:solidFill>
-                <a:latin typeface="Futura Medium" charset="0"/>
-                <a:ea typeface="Futura Medium" charset="0"/>
-                <a:cs typeface="Futura Medium" charset="0"/>
-              </a:rPr>
-              <a:t>Font Options 3</a:t>
-            </a:r>
-          </a:p>
-          <a:p>
-            <a:r>
-              <a:rPr lang="en-US" sz="2200" dirty="0" smtClean="0">
-                <a:solidFill>
-                  <a:schemeClr val="bg1"/>
-                </a:solidFill>
-                <a:latin typeface="Helvetica" charset="0"/>
-                <a:ea typeface="Helvetica" charset="0"/>
-                <a:cs typeface="Helvetica" charset="0"/>
-              </a:rPr>
-              <a:t>Regular Text </a:t>
-            </a:r>
-          </a:p>
-          <a:p>
-            <a:r>
-              <a:rPr lang="en-US" sz="2200" dirty="0" smtClean="0">
-                <a:solidFill>
-                  <a:schemeClr val="bg1"/>
-                </a:solidFill>
-                <a:latin typeface="Helvetica" charset="0"/>
-                <a:ea typeface="Helvetica" charset="0"/>
-                <a:cs typeface="Helvetica" charset="0"/>
-              </a:rPr>
-              <a:t>Bulleted list</a:t>
-            </a:r>
-          </a:p>
-          <a:p>
-            <a:pPr marL="342900" indent="-342900">
-              <a:buFont typeface="Arial" charset="0"/>
-              <a:buChar char="•"/>
-            </a:pPr>
-            <a:r>
-              <a:rPr lang="en-US" sz="2200" dirty="0" smtClean="0">
-                <a:solidFill>
-                  <a:schemeClr val="bg1"/>
-                </a:solidFill>
-                <a:latin typeface="Helvetica" charset="0"/>
-                <a:ea typeface="Helvetica" charset="0"/>
-                <a:cs typeface="Helvetica" charset="0"/>
-              </a:rPr>
-              <a:t>Item 1</a:t>
-            </a:r>
-          </a:p>
-          <a:p>
-            <a:pPr marL="342900" indent="-342900">
-              <a:buFont typeface="Arial" charset="0"/>
-              <a:buChar char="•"/>
-            </a:pPr>
-            <a:r>
-              <a:rPr lang="en-US" sz="2200" dirty="0" smtClean="0">
-                <a:solidFill>
-                  <a:schemeClr val="bg1"/>
-                </a:solidFill>
-                <a:latin typeface="Helvetica" charset="0"/>
-                <a:ea typeface="Helvetica" charset="0"/>
-                <a:cs typeface="Helvetica" charset="0"/>
-              </a:rPr>
-              <a:t>Item 2</a:t>
-            </a:r>
-          </a:p>
-          <a:p>
-            <a:pPr marL="342900" indent="-342900">
-              <a:buFont typeface="Arial" charset="0"/>
-              <a:buChar char="•"/>
-            </a:pPr>
-            <a:r>
-              <a:rPr lang="en-US" sz="2200" dirty="0" smtClean="0">
-                <a:solidFill>
-                  <a:schemeClr val="bg1"/>
-                </a:solidFill>
-                <a:latin typeface="Helvetica" charset="0"/>
-                <a:ea typeface="Helvetica" charset="0"/>
-                <a:cs typeface="Helvetica" charset="0"/>
-              </a:rPr>
-              <a:t>Item 3</a:t>
-            </a:r>
-          </a:p>
-        </p:txBody>
-      </p:sp>
-      <p:sp>
-        <p:nvSpPr>
-          <p:cNvPr id="23" name="TextBox 22"/>
-          <p:cNvSpPr txBox="1"/>
-          <p:nvPr/>
-        </p:nvSpPr>
-        <p:spPr>
-          <a:xfrm>
-            <a:off x="968623" y="8929563"/>
-            <a:ext cx="5832648" cy="2339102"/>
-          </a:xfrm>
-          <a:prstGeom prst="rect">
-            <a:avLst/>
-          </a:prstGeom>
-          <a:noFill/>
-          <a:ln>
+            <a:tailEnd type="triangle"/>
+          </a:ln>
+        </p:spPr>
+        <p:style>
+          <a:lnRef idx="1">
+            <a:schemeClr val="accent1"/>
+          </a:lnRef>
+          <a:fillRef idx="0">
+            <a:schemeClr val="accent1"/>
+          </a:fillRef>
+          <a:effectRef idx="0">
+            <a:schemeClr val="accent1"/>
+          </a:effectRef>
+          <a:fontRef idx="minor">
+            <a:schemeClr val="tx1"/>
+          </a:fontRef>
+        </p:style>
+      </p:cxnSp>
+      <p:cxnSp>
+        <p:nvCxnSpPr>
+          <p:cNvPr id="21" name="Straight Arrow Connector 20"/>
+          <p:cNvCxnSpPr/>
+          <p:nvPr/>
+        </p:nvCxnSpPr>
+        <p:spPr>
+          <a:xfrm flipV="1">
+            <a:off x="5147538" y="7561411"/>
+            <a:ext cx="0" cy="1224136"/>
+          </a:xfrm>
+          <a:prstGeom prst="straightConnector1">
+            <a:avLst/>
+          </a:prstGeom>
+          <a:ln w="127000">
             <a:solidFill>
               <a:schemeClr val="bg1"/>
             </a:solidFill>
-          </a:ln>
-        </p:spPr>
-        <p:txBody>
-          <a:bodyPr wrap="square" rtlCol="0">
-            <a:spAutoFit/>
-          </a:bodyPr>
-          <a:lstStyle/>
-          <a:p>
-            <a:r>
-              <a:rPr lang="en-US" dirty="0" smtClean="0">
-                <a:solidFill>
-                  <a:schemeClr val="bg1"/>
-                </a:solidFill>
-                <a:latin typeface="Corbel" charset="0"/>
-                <a:ea typeface="Corbel" charset="0"/>
-                <a:cs typeface="Corbel" charset="0"/>
-              </a:rPr>
-              <a:t>Font Options 3</a:t>
-            </a:r>
-          </a:p>
-          <a:p>
-            <a:r>
-              <a:rPr lang="en-US" sz="2200" dirty="0" smtClean="0">
-                <a:solidFill>
-                  <a:schemeClr val="bg1"/>
-                </a:solidFill>
-                <a:latin typeface="Helvetica" charset="0"/>
-                <a:ea typeface="Helvetica" charset="0"/>
-                <a:cs typeface="Helvetica" charset="0"/>
-              </a:rPr>
-              <a:t>Regular Text </a:t>
-            </a:r>
-          </a:p>
-          <a:p>
-            <a:r>
-              <a:rPr lang="en-US" sz="2200" dirty="0" smtClean="0">
-                <a:solidFill>
-                  <a:schemeClr val="bg1"/>
-                </a:solidFill>
-                <a:latin typeface="Helvetica" charset="0"/>
-                <a:ea typeface="Helvetica" charset="0"/>
-                <a:cs typeface="Helvetica" charset="0"/>
-              </a:rPr>
-              <a:t>Bulleted list</a:t>
-            </a:r>
-          </a:p>
-          <a:p>
-            <a:pPr marL="342900" indent="-342900">
-              <a:buFont typeface="Arial" charset="0"/>
-              <a:buChar char="•"/>
-            </a:pPr>
-            <a:r>
-              <a:rPr lang="en-US" sz="2200" dirty="0" smtClean="0">
-                <a:solidFill>
-                  <a:schemeClr val="bg1"/>
-                </a:solidFill>
-                <a:latin typeface="Helvetica" charset="0"/>
-                <a:ea typeface="Helvetica" charset="0"/>
-                <a:cs typeface="Helvetica" charset="0"/>
-              </a:rPr>
-              <a:t>Item 1</a:t>
-            </a:r>
-          </a:p>
-          <a:p>
-            <a:pPr marL="342900" indent="-342900">
-              <a:buFont typeface="Arial" charset="0"/>
-              <a:buChar char="•"/>
-            </a:pPr>
-            <a:r>
-              <a:rPr lang="en-US" sz="2200" dirty="0" smtClean="0">
-                <a:solidFill>
-                  <a:schemeClr val="bg1"/>
-                </a:solidFill>
-                <a:latin typeface="Helvetica" charset="0"/>
-                <a:ea typeface="Helvetica" charset="0"/>
-                <a:cs typeface="Helvetica" charset="0"/>
-              </a:rPr>
-              <a:t>Item 2</a:t>
-            </a:r>
-          </a:p>
-          <a:p>
-            <a:pPr marL="342900" indent="-342900">
-              <a:buFont typeface="Arial" charset="0"/>
-              <a:buChar char="•"/>
-            </a:pPr>
-            <a:r>
-              <a:rPr lang="en-US" sz="2200" dirty="0" smtClean="0">
-                <a:solidFill>
-                  <a:schemeClr val="bg1"/>
-                </a:solidFill>
-                <a:latin typeface="Helvetica" charset="0"/>
-                <a:ea typeface="Helvetica" charset="0"/>
-                <a:cs typeface="Helvetica" charset="0"/>
-              </a:rPr>
-              <a:t>Item 3</a:t>
-            </a:r>
-          </a:p>
-        </p:txBody>
-      </p:sp>
+            <a:tailEnd type="triangle"/>
+          </a:ln>
+        </p:spPr>
+        <p:style>
+          <a:lnRef idx="1">
+            <a:schemeClr val="accent1"/>
+          </a:lnRef>
+          <a:fillRef idx="0">
+            <a:schemeClr val="accent1"/>
+          </a:fillRef>
+          <a:effectRef idx="0">
+            <a:schemeClr val="accent1"/>
+          </a:effectRef>
+          <a:fontRef idx="minor">
+            <a:schemeClr val="tx1"/>
+          </a:fontRef>
+        </p:style>
+      </p:cxnSp>
     </p:spTree>
     <p:extLst>
       <p:ext uri="{BB962C8B-B14F-4D97-AF65-F5344CB8AC3E}">
-        <p14:creationId xmlns:p14="http://schemas.microsoft.com/office/powerpoint/2010/main" val="983637418"/>
+        <p14:creationId xmlns:p14="http://schemas.microsoft.com/office/powerpoint/2010/main" val="810960323"/>
       </p:ext>
     </p:extLst>
   </p:cSld>
@@ -23689,6 +27214,16 @@
 <file path=ppt/slides/slide9.xml><?xml version="1.0" encoding="utf-8"?>
 <p:sld xmlns:a="http://schemas.openxmlformats.org/drawingml/2006/main" xmlns:r="http://schemas.openxmlformats.org/officeDocument/2006/relationships" xmlns:p="http://schemas.openxmlformats.org/presentationml/2006/main">
   <p:cSld>
+    <p:bg>
+      <p:bgPr>
+        <a:solidFill>
+          <a:schemeClr val="accent1">
+            <a:lumMod val="50000"/>
+          </a:schemeClr>
+        </a:solidFill>
+        <a:effectLst/>
+      </p:bgPr>
+    </p:bg>
     <p:spTree>
       <p:nvGrpSpPr>
         <p:cNvPr id="1" name=""/>
@@ -23705,19 +27240,23 @@
       </p:grpSpPr>
       <p:sp>
         <p:nvSpPr>
-          <p:cNvPr id="4" name="TextBox 3"/>
+          <p:cNvPr id="7" name="TextBox 6"/>
           <p:cNvSpPr txBox="1"/>
           <p:nvPr/>
         </p:nvSpPr>
         <p:spPr>
           <a:xfrm>
-            <a:off x="536576" y="648643"/>
-            <a:ext cx="14617623" cy="32224206"/>
+            <a:off x="8625343" y="0"/>
+            <a:ext cx="1688704" cy="1446550"/>
           </a:xfrm>
           <a:prstGeom prst="rect">
             <a:avLst/>
           </a:prstGeom>
-          <a:noFill/>
+          <a:solidFill>
+            <a:schemeClr val="bg1">
+              <a:lumMod val="85000"/>
+            </a:schemeClr>
+          </a:solidFill>
         </p:spPr>
         <p:txBody>
           <a:bodyPr wrap="square" rtlCol="0">
@@ -23725,121 +27264,826 @@
           </a:bodyPr>
           <a:lstStyle/>
           <a:p>
-            <a:r>
-              <a:rPr lang="en-US" b="1" dirty="0" smtClean="0"/>
-              <a:t>Charon</a:t>
-            </a:r>
-            <a:r>
-              <a:rPr lang="en-US" b="1" dirty="0"/>
-              <a:t>: Building a Digital Repository to Support DH Workflows </a:t>
-            </a:r>
-            <a:endParaRPr lang="en-US" dirty="0"/>
-          </a:p>
-          <a:p>
-            <a:r>
-              <a:rPr lang="en-US" i="1" dirty="0"/>
-              <a:t>Sarah Sweeney, Northeastern University, </a:t>
-            </a:r>
-            <a:r>
-              <a:rPr lang="en-US" i="1" dirty="0" err="1"/>
-              <a:t>sj.sweeney@northeastern.edu</a:t>
-            </a:r>
-            <a:r>
-              <a:rPr lang="en-US" i="1" dirty="0"/>
-              <a:t> </a:t>
-            </a:r>
-            <a:endParaRPr lang="en-US" dirty="0"/>
-          </a:p>
-          <a:p>
-            <a:r>
-              <a:rPr lang="en-US" b="1" dirty="0"/>
-              <a:t>Audience </a:t>
-            </a:r>
-            <a:endParaRPr lang="en-US" dirty="0"/>
-          </a:p>
-          <a:p>
-            <a:r>
-              <a:rPr lang="en-US" dirty="0"/>
-              <a:t>Our poster will appeal to: repository managers, who will be interested in the various workflows the system will support; developers, who will be interested in the repository technology stack and our plan to integrate external tools; and librarians, who will be interested in how we plan to support our pilot projects using this new system. </a:t>
-            </a:r>
-          </a:p>
-          <a:p>
-            <a:r>
-              <a:rPr lang="en-US" b="1" dirty="0"/>
-              <a:t>Background </a:t>
-            </a:r>
-            <a:endParaRPr lang="en-US" dirty="0"/>
-          </a:p>
-          <a:p>
-            <a:r>
-              <a:rPr lang="en-US" dirty="0"/>
-              <a:t>This poster will describe our work developing a repository system that will support research workflows typically associated with digital humanities, including transcription, translation, and annotation tasks (“Managing Research Data, Software, and Workflows”). This poster will illustrate the design of this system and describe the digital humanities projects the system is designed to support (“Repositories and Cultural Heritage”). </a:t>
-            </a:r>
-          </a:p>
-          <a:p>
-            <a:r>
-              <a:rPr lang="en-US" b="1" dirty="0"/>
-              <a:t>Poster content </a:t>
-            </a:r>
-            <a:endParaRPr lang="en-US" dirty="0"/>
-          </a:p>
-          <a:p>
-            <a:r>
-              <a:rPr lang="en-US" dirty="0"/>
-              <a:t>The Northeastern University Libraries Digital Scholarship Group (DSG) works with many project teams to help support their digital humanities research. We are in the process of designing a Hydra head that supports what we have identified as the most common tasks in the digital humanities workspace: annotating, cataloging, proofreading, publishing, text encoding, transcribing, and translating. Charon’s design and development will focus on the needs of three pilot projects, each of which are working to archive and provide research access to digitized cultural materials: “Cherokee Language: Transcription and Translation”, “The Jesuit Relations: A Digital Edition”, and “The Early Caribbean Digital Archive”. The end result will be a contributory and collaborative repository environment for many types of users, which ideally will encourage community engagement with openly accessible digital objects. </a:t>
-            </a:r>
-          </a:p>
-          <a:p>
-            <a:r>
-              <a:rPr lang="en-US" dirty="0"/>
-              <a:t>The central focus of this new Hydra head will be the editorial and content interfaces, each of which will include features that support collaborative project work. One of the key features of Charon will be the ability to customize the workspace. Project managers will be able to select the edit panes appropriate for their project, construct metadata templates, set up notifications, create and manage user accounts, and design task pipelines. The editorial interfaces will allow users to plan work from a dashboard, submit files, and manage workflows. The content interfaces will enable editing of submitted documents, including encoding and transcribing work. The end result will be collaboratively edited project materials that can be published on the web. </a:t>
-            </a:r>
-            <a:endParaRPr lang="en-US" dirty="0" smtClean="0"/>
-          </a:p>
-          <a:p>
-            <a:endParaRPr lang="en-US" dirty="0"/>
-          </a:p>
-          <a:p>
-            <a:r>
-              <a:rPr lang="en-US" b="1" i="1" dirty="0"/>
-              <a:t>This poster will describe the workflows Charon is designed to support, the technologies and tools we will use to build the system, and it will illustrate the process of designing such a system. Charon will be described visually using a mix of workflow diagrams, user interface mockups, and sample data. Repository managers, developers, and librarians may be interested to learn from our experience of using repository technologies to support digital humanities research workflows, and we are also interested in seeking feedback about the system from the Open Repositories community. </a:t>
-            </a:r>
-          </a:p>
-          <a:p>
-            <a:endParaRPr lang="en-US" b="1" dirty="0" smtClean="0"/>
-          </a:p>
-          <a:p>
-            <a:r>
-              <a:rPr lang="en-US" b="1" dirty="0" smtClean="0"/>
-              <a:t>Conclusion</a:t>
-            </a:r>
-            <a:r>
-              <a:rPr lang="en-US" b="1" dirty="0"/>
-              <a:t> </a:t>
-            </a:r>
-            <a:endParaRPr lang="en-US" dirty="0"/>
-          </a:p>
-          <a:p>
-            <a:r>
-              <a:rPr lang="en-US" dirty="0"/>
-              <a:t>Charon will support the full lifecycle of digital humanities research projects, from data acquisition, to transcribing and translating digitized materials, to recording scholarly annotations, to publishing materials for further research, with the ultimate goal of supporting community engagement with digital humanities research materials. </a:t>
-            </a:r>
-          </a:p>
-          <a:p>
-            <a:endParaRPr lang="en-US" dirty="0"/>
+            <a:pPr algn="ctr"/>
+            <a:endParaRPr lang="en-AU" sz="2800" dirty="0" smtClean="0"/>
+          </a:p>
+          <a:p>
+            <a:pPr algn="ctr"/>
+            <a:r>
+              <a:rPr lang="en-AU" sz="3200" b="1" dirty="0" smtClean="0"/>
+              <a:t>115</a:t>
+            </a:r>
+          </a:p>
+          <a:p>
+            <a:pPr algn="ctr"/>
+            <a:endParaRPr lang="en-AU" sz="2800" dirty="0" smtClean="0">
+              <a:solidFill>
+                <a:schemeClr val="bg1"/>
+              </a:solidFill>
+            </a:endParaRPr>
+          </a:p>
+        </p:txBody>
+      </p:sp>
+      <p:sp>
+        <p:nvSpPr>
+          <p:cNvPr id="3" name="TextBox 2"/>
+          <p:cNvSpPr txBox="1"/>
+          <p:nvPr/>
+        </p:nvSpPr>
+        <p:spPr>
+          <a:xfrm>
+            <a:off x="248543" y="13970123"/>
+            <a:ext cx="9793088" cy="4093428"/>
+          </a:xfrm>
+          <a:prstGeom prst="rect">
+            <a:avLst/>
+          </a:prstGeom>
+          <a:noFill/>
+          <a:ln>
+            <a:solidFill>
+              <a:schemeClr val="bg1"/>
+            </a:solidFill>
+          </a:ln>
+        </p:spPr>
+        <p:txBody>
+          <a:bodyPr wrap="square" rtlCol="0">
+            <a:spAutoFit/>
+          </a:bodyPr>
+          <a:lstStyle/>
+          <a:p>
+            <a:r>
+              <a:rPr lang="en-US" sz="8000" dirty="0">
+                <a:solidFill>
+                  <a:schemeClr val="bg1"/>
+                </a:solidFill>
+                <a:latin typeface="Futura Medium" charset="0"/>
+                <a:ea typeface="Futura Medium" charset="0"/>
+                <a:cs typeface="Futura Medium" charset="0"/>
+              </a:rPr>
+              <a:t>Charon:</a:t>
+            </a:r>
+            <a:r>
+              <a:rPr lang="en-US" sz="6000" dirty="0">
+                <a:solidFill>
+                  <a:schemeClr val="bg1"/>
+                </a:solidFill>
+                <a:latin typeface="Futura Medium" charset="0"/>
+                <a:ea typeface="Futura Medium" charset="0"/>
+                <a:cs typeface="Futura Medium" charset="0"/>
+              </a:rPr>
+              <a:t> </a:t>
+            </a:r>
+            <a:endParaRPr lang="en-US" sz="6000" dirty="0" smtClean="0">
+              <a:solidFill>
+                <a:schemeClr val="bg1"/>
+              </a:solidFill>
+              <a:latin typeface="Futura Medium" charset="0"/>
+              <a:ea typeface="Futura Medium" charset="0"/>
+              <a:cs typeface="Futura Medium" charset="0"/>
+            </a:endParaRPr>
+          </a:p>
+          <a:p>
+            <a:r>
+              <a:rPr lang="en-US" sz="6000" dirty="0" smtClean="0">
+                <a:solidFill>
+                  <a:schemeClr val="bg1"/>
+                </a:solidFill>
+                <a:latin typeface="Futura Medium" charset="0"/>
+                <a:ea typeface="Futura Medium" charset="0"/>
+                <a:cs typeface="Futura Medium" charset="0"/>
+              </a:rPr>
+              <a:t>Using the Repository to Support Digital Humanities Workflows</a:t>
+            </a:r>
+            <a:endParaRPr lang="en-US" sz="6000" dirty="0">
+              <a:solidFill>
+                <a:schemeClr val="bg1"/>
+              </a:solidFill>
+              <a:latin typeface="Futura Medium" charset="0"/>
+              <a:ea typeface="Futura Medium" charset="0"/>
+              <a:cs typeface="Futura Medium" charset="0"/>
+            </a:endParaRPr>
+          </a:p>
+        </p:txBody>
+      </p:sp>
+      <p:sp>
+        <p:nvSpPr>
+          <p:cNvPr id="4" name="Rectangle 3"/>
+          <p:cNvSpPr/>
+          <p:nvPr/>
+        </p:nvSpPr>
+        <p:spPr>
+          <a:xfrm>
+            <a:off x="0" y="0"/>
+            <a:ext cx="274320" cy="18288000"/>
+          </a:xfrm>
+          <a:prstGeom prst="rect">
+            <a:avLst/>
+          </a:prstGeom>
+          <a:solidFill>
+            <a:schemeClr val="bg1"/>
+          </a:solidFill>
+          <a:ln>
+            <a:solidFill>
+              <a:schemeClr val="bg1"/>
+            </a:solidFill>
+          </a:ln>
+        </p:spPr>
+        <p:style>
+          <a:lnRef idx="2">
+            <a:schemeClr val="accent1">
+              <a:shade val="50000"/>
+            </a:schemeClr>
+          </a:lnRef>
+          <a:fillRef idx="1">
+            <a:schemeClr val="accent1"/>
+          </a:fillRef>
+          <a:effectRef idx="0">
+            <a:schemeClr val="accent1"/>
+          </a:effectRef>
+          <a:fontRef idx="minor">
+            <a:schemeClr val="lt1"/>
+          </a:fontRef>
+        </p:style>
+        <p:txBody>
+          <a:bodyPr rtlCol="0" anchor="ctr"/>
+          <a:lstStyle/>
+          <a:p>
+            <a:pPr algn="ctr"/>
+            <a:endParaRPr lang="en-US"/>
+          </a:p>
+        </p:txBody>
+      </p:sp>
+      <p:sp>
+        <p:nvSpPr>
+          <p:cNvPr id="8" name="Rectangle 7"/>
+          <p:cNvSpPr/>
+          <p:nvPr/>
+        </p:nvSpPr>
+        <p:spPr>
+          <a:xfrm>
+            <a:off x="10015855" y="-17794"/>
+            <a:ext cx="274320" cy="18288000"/>
+          </a:xfrm>
+          <a:prstGeom prst="rect">
+            <a:avLst/>
+          </a:prstGeom>
+          <a:solidFill>
+            <a:schemeClr val="bg1"/>
+          </a:solidFill>
+          <a:ln>
+            <a:solidFill>
+              <a:schemeClr val="bg1"/>
+            </a:solidFill>
+          </a:ln>
+        </p:spPr>
+        <p:style>
+          <a:lnRef idx="2">
+            <a:schemeClr val="accent1">
+              <a:shade val="50000"/>
+            </a:schemeClr>
+          </a:lnRef>
+          <a:fillRef idx="1">
+            <a:schemeClr val="accent1"/>
+          </a:fillRef>
+          <a:effectRef idx="0">
+            <a:schemeClr val="accent1"/>
+          </a:effectRef>
+          <a:fontRef idx="minor">
+            <a:schemeClr val="lt1"/>
+          </a:fontRef>
+        </p:style>
+        <p:txBody>
+          <a:bodyPr rtlCol="0" anchor="ctr"/>
+          <a:lstStyle/>
+          <a:p>
+            <a:pPr algn="ctr"/>
+            <a:endParaRPr lang="en-US"/>
+          </a:p>
+        </p:txBody>
+      </p:sp>
+      <p:sp>
+        <p:nvSpPr>
+          <p:cNvPr id="9" name="Rectangle 8"/>
+          <p:cNvSpPr/>
+          <p:nvPr/>
+        </p:nvSpPr>
+        <p:spPr>
+          <a:xfrm rot="5400000">
+            <a:off x="5017717" y="-5006340"/>
+            <a:ext cx="274320" cy="10287000"/>
+          </a:xfrm>
+          <a:prstGeom prst="rect">
+            <a:avLst/>
+          </a:prstGeom>
+          <a:solidFill>
+            <a:schemeClr val="bg1"/>
+          </a:solidFill>
+          <a:ln>
+            <a:solidFill>
+              <a:schemeClr val="bg1"/>
+            </a:solidFill>
+          </a:ln>
+        </p:spPr>
+        <p:style>
+          <a:lnRef idx="2">
+            <a:schemeClr val="accent1">
+              <a:shade val="50000"/>
+            </a:schemeClr>
+          </a:lnRef>
+          <a:fillRef idx="1">
+            <a:schemeClr val="accent1"/>
+          </a:fillRef>
+          <a:effectRef idx="0">
+            <a:schemeClr val="accent1"/>
+          </a:effectRef>
+          <a:fontRef idx="minor">
+            <a:schemeClr val="lt1"/>
+          </a:fontRef>
+        </p:style>
+        <p:txBody>
+          <a:bodyPr rtlCol="0" anchor="ctr"/>
+          <a:lstStyle/>
+          <a:p>
+            <a:pPr algn="ctr"/>
+            <a:endParaRPr lang="en-US"/>
+          </a:p>
+        </p:txBody>
+      </p:sp>
+      <p:sp>
+        <p:nvSpPr>
+          <p:cNvPr id="10" name="Rectangle 9"/>
+          <p:cNvSpPr/>
+          <p:nvPr/>
+        </p:nvSpPr>
+        <p:spPr>
+          <a:xfrm rot="5400000">
+            <a:off x="5006340" y="13010515"/>
+            <a:ext cx="274320" cy="10287000"/>
+          </a:xfrm>
+          <a:prstGeom prst="rect">
+            <a:avLst/>
+          </a:prstGeom>
+          <a:solidFill>
+            <a:schemeClr val="bg1"/>
+          </a:solidFill>
+          <a:ln>
+            <a:solidFill>
+              <a:schemeClr val="bg1"/>
+            </a:solidFill>
+          </a:ln>
+        </p:spPr>
+        <p:style>
+          <a:lnRef idx="2">
+            <a:schemeClr val="accent1">
+              <a:shade val="50000"/>
+            </a:schemeClr>
+          </a:lnRef>
+          <a:fillRef idx="1">
+            <a:schemeClr val="accent1"/>
+          </a:fillRef>
+          <a:effectRef idx="0">
+            <a:schemeClr val="accent1"/>
+          </a:effectRef>
+          <a:fontRef idx="minor">
+            <a:schemeClr val="lt1"/>
+          </a:fontRef>
+        </p:style>
+        <p:txBody>
+          <a:bodyPr rtlCol="0" anchor="ctr"/>
+          <a:lstStyle/>
+          <a:p>
+            <a:pPr algn="ctr"/>
+            <a:endParaRPr lang="en-US"/>
+          </a:p>
+        </p:txBody>
+      </p:sp>
+      <p:sp>
+        <p:nvSpPr>
+          <p:cNvPr id="11" name="TextBox 10"/>
+          <p:cNvSpPr txBox="1"/>
+          <p:nvPr/>
+        </p:nvSpPr>
+        <p:spPr>
+          <a:xfrm>
+            <a:off x="968623" y="1224707"/>
+            <a:ext cx="5832648" cy="2339102"/>
+          </a:xfrm>
+          <a:prstGeom prst="rect">
+            <a:avLst/>
+          </a:prstGeom>
+          <a:noFill/>
+          <a:ln>
+            <a:solidFill>
+              <a:schemeClr val="bg1"/>
+            </a:solidFill>
+          </a:ln>
+        </p:spPr>
+        <p:txBody>
+          <a:bodyPr wrap="square" rtlCol="0">
+            <a:spAutoFit/>
+          </a:bodyPr>
+          <a:lstStyle/>
+          <a:p>
+            <a:r>
+              <a:rPr lang="en-US" dirty="0" smtClean="0">
+                <a:solidFill>
+                  <a:schemeClr val="bg1"/>
+                </a:solidFill>
+                <a:latin typeface="Corbel" charset="0"/>
+                <a:ea typeface="Corbel" charset="0"/>
+                <a:cs typeface="Corbel" charset="0"/>
+              </a:rPr>
+              <a:t>Font Options 1</a:t>
+            </a:r>
+          </a:p>
+          <a:p>
+            <a:r>
+              <a:rPr lang="en-US" sz="2200" dirty="0" smtClean="0">
+                <a:solidFill>
+                  <a:schemeClr val="bg1"/>
+                </a:solidFill>
+                <a:latin typeface="Consolas" charset="0"/>
+                <a:ea typeface="Consolas" charset="0"/>
+                <a:cs typeface="Consolas" charset="0"/>
+              </a:rPr>
+              <a:t>Regular Text </a:t>
+            </a:r>
+          </a:p>
+          <a:p>
+            <a:r>
+              <a:rPr lang="en-US" sz="2200" dirty="0" smtClean="0">
+                <a:solidFill>
+                  <a:schemeClr val="bg1"/>
+                </a:solidFill>
+                <a:latin typeface="Consolas" charset="0"/>
+                <a:ea typeface="Consolas" charset="0"/>
+                <a:cs typeface="Consolas" charset="0"/>
+              </a:rPr>
+              <a:t>Bulleted list</a:t>
+            </a:r>
+          </a:p>
+          <a:p>
+            <a:pPr marL="342900" indent="-342900">
+              <a:buFont typeface="Arial" charset="0"/>
+              <a:buChar char="•"/>
+            </a:pPr>
+            <a:r>
+              <a:rPr lang="en-US" sz="2200" dirty="0" smtClean="0">
+                <a:solidFill>
+                  <a:schemeClr val="bg1"/>
+                </a:solidFill>
+                <a:latin typeface="Consolas" charset="0"/>
+                <a:ea typeface="Consolas" charset="0"/>
+                <a:cs typeface="Consolas" charset="0"/>
+              </a:rPr>
+              <a:t>Item 1</a:t>
+            </a:r>
+          </a:p>
+          <a:p>
+            <a:pPr marL="342900" indent="-342900">
+              <a:buFont typeface="Arial" charset="0"/>
+              <a:buChar char="•"/>
+            </a:pPr>
+            <a:r>
+              <a:rPr lang="en-US" sz="2200" dirty="0" smtClean="0">
+                <a:solidFill>
+                  <a:schemeClr val="bg1"/>
+                </a:solidFill>
+                <a:latin typeface="Consolas" charset="0"/>
+                <a:ea typeface="Consolas" charset="0"/>
+                <a:cs typeface="Consolas" charset="0"/>
+              </a:rPr>
+              <a:t>Item 2</a:t>
+            </a:r>
+          </a:p>
+          <a:p>
+            <a:pPr marL="342900" indent="-342900">
+              <a:buFont typeface="Arial" charset="0"/>
+              <a:buChar char="•"/>
+            </a:pPr>
+            <a:r>
+              <a:rPr lang="en-US" sz="2200" dirty="0" smtClean="0">
+                <a:solidFill>
+                  <a:schemeClr val="bg1"/>
+                </a:solidFill>
+                <a:latin typeface="Consolas" charset="0"/>
+                <a:ea typeface="Consolas" charset="0"/>
+                <a:cs typeface="Consolas" charset="0"/>
+              </a:rPr>
+              <a:t>Item 3</a:t>
+            </a:r>
+          </a:p>
+        </p:txBody>
+      </p:sp>
+      <p:sp>
+        <p:nvSpPr>
+          <p:cNvPr id="12" name="Rectangle 11"/>
+          <p:cNvSpPr/>
+          <p:nvPr/>
+        </p:nvSpPr>
+        <p:spPr>
+          <a:xfrm>
+            <a:off x="3175" y="13754099"/>
+            <a:ext cx="10287000" cy="228600"/>
+          </a:xfrm>
+          <a:prstGeom prst="rect">
+            <a:avLst/>
+          </a:prstGeom>
+          <a:solidFill>
+            <a:schemeClr val="bg1"/>
+          </a:solidFill>
+          <a:ln>
+            <a:solidFill>
+              <a:schemeClr val="bg1"/>
+            </a:solidFill>
+          </a:ln>
+        </p:spPr>
+        <p:style>
+          <a:lnRef idx="2">
+            <a:schemeClr val="accent1">
+              <a:shade val="50000"/>
+            </a:schemeClr>
+          </a:lnRef>
+          <a:fillRef idx="1">
+            <a:schemeClr val="accent1"/>
+          </a:fillRef>
+          <a:effectRef idx="0">
+            <a:schemeClr val="accent1"/>
+          </a:effectRef>
+          <a:fontRef idx="minor">
+            <a:schemeClr val="lt1"/>
+          </a:fontRef>
+        </p:style>
+        <p:txBody>
+          <a:bodyPr rtlCol="0" anchor="ctr"/>
+          <a:lstStyle/>
+          <a:p>
+            <a:pPr algn="ctr"/>
+            <a:endParaRPr lang="en-US"/>
+          </a:p>
+        </p:txBody>
+      </p:sp>
+      <p:sp>
+        <p:nvSpPr>
+          <p:cNvPr id="19" name="TextBox 18"/>
+          <p:cNvSpPr txBox="1"/>
+          <p:nvPr/>
+        </p:nvSpPr>
+        <p:spPr>
+          <a:xfrm>
+            <a:off x="968623" y="3744987"/>
+            <a:ext cx="5832648" cy="2339102"/>
+          </a:xfrm>
+          <a:prstGeom prst="rect">
+            <a:avLst/>
+          </a:prstGeom>
+          <a:noFill/>
+          <a:ln>
+            <a:solidFill>
+              <a:schemeClr val="bg1"/>
+            </a:solidFill>
+          </a:ln>
+        </p:spPr>
+        <p:txBody>
+          <a:bodyPr wrap="square" rtlCol="0">
+            <a:spAutoFit/>
+          </a:bodyPr>
+          <a:lstStyle/>
+          <a:p>
+            <a:r>
+              <a:rPr lang="en-US" dirty="0" smtClean="0">
+                <a:solidFill>
+                  <a:schemeClr val="bg1"/>
+                </a:solidFill>
+                <a:latin typeface="Consolas" charset="0"/>
+                <a:ea typeface="Consolas" charset="0"/>
+                <a:cs typeface="Consolas" charset="0"/>
+              </a:rPr>
+              <a:t>Font Options 2</a:t>
+            </a:r>
+          </a:p>
+          <a:p>
+            <a:r>
+              <a:rPr lang="en-US" sz="2200" dirty="0" smtClean="0">
+                <a:solidFill>
+                  <a:schemeClr val="bg1"/>
+                </a:solidFill>
+                <a:latin typeface="tahoma" charset="0"/>
+              </a:rPr>
+              <a:t>Regular Text </a:t>
+            </a:r>
+          </a:p>
+          <a:p>
+            <a:r>
+              <a:rPr lang="en-US" sz="2200" dirty="0" smtClean="0">
+                <a:solidFill>
+                  <a:schemeClr val="bg1"/>
+                </a:solidFill>
+                <a:latin typeface="tahoma" charset="0"/>
+              </a:rPr>
+              <a:t>Bulleted list</a:t>
+            </a:r>
+          </a:p>
+          <a:p>
+            <a:pPr marL="342900" indent="-342900">
+              <a:buFont typeface="Arial" charset="0"/>
+              <a:buChar char="•"/>
+            </a:pPr>
+            <a:r>
+              <a:rPr lang="en-US" sz="2200" dirty="0" smtClean="0">
+                <a:solidFill>
+                  <a:schemeClr val="bg1"/>
+                </a:solidFill>
+                <a:latin typeface="tahoma" charset="0"/>
+              </a:rPr>
+              <a:t>Item 1</a:t>
+            </a:r>
+          </a:p>
+          <a:p>
+            <a:pPr marL="342900" indent="-342900">
+              <a:buFont typeface="Arial" charset="0"/>
+              <a:buChar char="•"/>
+            </a:pPr>
+            <a:r>
+              <a:rPr lang="en-US" sz="2200" dirty="0" smtClean="0">
+                <a:solidFill>
+                  <a:schemeClr val="bg1"/>
+                </a:solidFill>
+                <a:latin typeface="tahoma" charset="0"/>
+              </a:rPr>
+              <a:t>Item 2</a:t>
+            </a:r>
+          </a:p>
+          <a:p>
+            <a:pPr marL="342900" indent="-342900">
+              <a:buFont typeface="Arial" charset="0"/>
+              <a:buChar char="•"/>
+            </a:pPr>
+            <a:r>
+              <a:rPr lang="en-US" sz="2200" dirty="0" smtClean="0">
+                <a:solidFill>
+                  <a:schemeClr val="bg1"/>
+                </a:solidFill>
+                <a:latin typeface="tahoma" charset="0"/>
+              </a:rPr>
+              <a:t>Item 3</a:t>
+            </a:r>
+          </a:p>
+        </p:txBody>
+      </p:sp>
+      <p:sp>
+        <p:nvSpPr>
+          <p:cNvPr id="22" name="TextBox 21"/>
+          <p:cNvSpPr txBox="1"/>
+          <p:nvPr/>
+        </p:nvSpPr>
+        <p:spPr>
+          <a:xfrm>
+            <a:off x="968623" y="6337275"/>
+            <a:ext cx="5832648" cy="2339102"/>
+          </a:xfrm>
+          <a:prstGeom prst="rect">
+            <a:avLst/>
+          </a:prstGeom>
+          <a:noFill/>
+          <a:ln>
+            <a:solidFill>
+              <a:schemeClr val="bg1"/>
+            </a:solidFill>
+          </a:ln>
+        </p:spPr>
+        <p:txBody>
+          <a:bodyPr wrap="square" rtlCol="0">
+            <a:spAutoFit/>
+          </a:bodyPr>
+          <a:lstStyle/>
+          <a:p>
+            <a:r>
+              <a:rPr lang="en-US" dirty="0" smtClean="0">
+                <a:solidFill>
+                  <a:schemeClr val="bg1"/>
+                </a:solidFill>
+                <a:latin typeface="Futura Medium" charset="0"/>
+                <a:ea typeface="Futura Medium" charset="0"/>
+                <a:cs typeface="Futura Medium" charset="0"/>
+              </a:rPr>
+              <a:t>Font Options 3</a:t>
+            </a:r>
+          </a:p>
+          <a:p>
+            <a:r>
+              <a:rPr lang="en-US" sz="2200" dirty="0" smtClean="0">
+                <a:solidFill>
+                  <a:schemeClr val="bg1"/>
+                </a:solidFill>
+                <a:latin typeface="Helvetica" charset="0"/>
+                <a:ea typeface="Helvetica" charset="0"/>
+                <a:cs typeface="Helvetica" charset="0"/>
+              </a:rPr>
+              <a:t>Regular Text </a:t>
+            </a:r>
+          </a:p>
+          <a:p>
+            <a:r>
+              <a:rPr lang="en-US" sz="2200" dirty="0" smtClean="0">
+                <a:solidFill>
+                  <a:schemeClr val="bg1"/>
+                </a:solidFill>
+                <a:latin typeface="Helvetica" charset="0"/>
+                <a:ea typeface="Helvetica" charset="0"/>
+                <a:cs typeface="Helvetica" charset="0"/>
+              </a:rPr>
+              <a:t>Bulleted list</a:t>
+            </a:r>
+          </a:p>
+          <a:p>
+            <a:pPr marL="342900" indent="-342900">
+              <a:buFont typeface="Arial" charset="0"/>
+              <a:buChar char="•"/>
+            </a:pPr>
+            <a:r>
+              <a:rPr lang="en-US" sz="2200" dirty="0" smtClean="0">
+                <a:solidFill>
+                  <a:schemeClr val="bg1"/>
+                </a:solidFill>
+                <a:latin typeface="Helvetica" charset="0"/>
+                <a:ea typeface="Helvetica" charset="0"/>
+                <a:cs typeface="Helvetica" charset="0"/>
+              </a:rPr>
+              <a:t>Item 1</a:t>
+            </a:r>
+          </a:p>
+          <a:p>
+            <a:pPr marL="342900" indent="-342900">
+              <a:buFont typeface="Arial" charset="0"/>
+              <a:buChar char="•"/>
+            </a:pPr>
+            <a:r>
+              <a:rPr lang="en-US" sz="2200" dirty="0" smtClean="0">
+                <a:solidFill>
+                  <a:schemeClr val="bg1"/>
+                </a:solidFill>
+                <a:latin typeface="Helvetica" charset="0"/>
+                <a:ea typeface="Helvetica" charset="0"/>
+                <a:cs typeface="Helvetica" charset="0"/>
+              </a:rPr>
+              <a:t>Item 2</a:t>
+            </a:r>
+          </a:p>
+          <a:p>
+            <a:pPr marL="342900" indent="-342900">
+              <a:buFont typeface="Arial" charset="0"/>
+              <a:buChar char="•"/>
+            </a:pPr>
+            <a:r>
+              <a:rPr lang="en-US" sz="2200" dirty="0" smtClean="0">
+                <a:solidFill>
+                  <a:schemeClr val="bg1"/>
+                </a:solidFill>
+                <a:latin typeface="Helvetica" charset="0"/>
+                <a:ea typeface="Helvetica" charset="0"/>
+                <a:cs typeface="Helvetica" charset="0"/>
+              </a:rPr>
+              <a:t>Item 3</a:t>
+            </a:r>
+          </a:p>
+        </p:txBody>
+      </p:sp>
+      <p:sp>
+        <p:nvSpPr>
+          <p:cNvPr id="23" name="TextBox 22"/>
+          <p:cNvSpPr txBox="1"/>
+          <p:nvPr/>
+        </p:nvSpPr>
+        <p:spPr>
+          <a:xfrm>
+            <a:off x="968623" y="8929563"/>
+            <a:ext cx="5832648" cy="2339102"/>
+          </a:xfrm>
+          <a:prstGeom prst="rect">
+            <a:avLst/>
+          </a:prstGeom>
+          <a:noFill/>
+          <a:ln>
+            <a:solidFill>
+              <a:schemeClr val="bg1"/>
+            </a:solidFill>
+          </a:ln>
+        </p:spPr>
+        <p:txBody>
+          <a:bodyPr wrap="square" rtlCol="0">
+            <a:spAutoFit/>
+          </a:bodyPr>
+          <a:lstStyle/>
+          <a:p>
+            <a:r>
+              <a:rPr lang="en-US" dirty="0" smtClean="0">
+                <a:solidFill>
+                  <a:schemeClr val="bg1"/>
+                </a:solidFill>
+                <a:latin typeface="Corbel" charset="0"/>
+                <a:ea typeface="Corbel" charset="0"/>
+                <a:cs typeface="Corbel" charset="0"/>
+              </a:rPr>
+              <a:t>Font Options 3</a:t>
+            </a:r>
+          </a:p>
+          <a:p>
+            <a:r>
+              <a:rPr lang="en-US" sz="2200" dirty="0" smtClean="0">
+                <a:solidFill>
+                  <a:schemeClr val="bg1"/>
+                </a:solidFill>
+                <a:latin typeface="Helvetica" charset="0"/>
+                <a:ea typeface="Helvetica" charset="0"/>
+                <a:cs typeface="Helvetica" charset="0"/>
+              </a:rPr>
+              <a:t>Regular Text </a:t>
+            </a:r>
+          </a:p>
+          <a:p>
+            <a:r>
+              <a:rPr lang="en-US" sz="2200" dirty="0" smtClean="0">
+                <a:solidFill>
+                  <a:schemeClr val="bg1"/>
+                </a:solidFill>
+                <a:latin typeface="Helvetica" charset="0"/>
+                <a:ea typeface="Helvetica" charset="0"/>
+                <a:cs typeface="Helvetica" charset="0"/>
+              </a:rPr>
+              <a:t>Bulleted list</a:t>
+            </a:r>
+          </a:p>
+          <a:p>
+            <a:pPr marL="342900" indent="-342900">
+              <a:buFont typeface="Arial" charset="0"/>
+              <a:buChar char="•"/>
+            </a:pPr>
+            <a:r>
+              <a:rPr lang="en-US" sz="2200" dirty="0" smtClean="0">
+                <a:solidFill>
+                  <a:schemeClr val="bg1"/>
+                </a:solidFill>
+                <a:latin typeface="Helvetica" charset="0"/>
+                <a:ea typeface="Helvetica" charset="0"/>
+                <a:cs typeface="Helvetica" charset="0"/>
+              </a:rPr>
+              <a:t>Item 1</a:t>
+            </a:r>
+          </a:p>
+          <a:p>
+            <a:pPr marL="342900" indent="-342900">
+              <a:buFont typeface="Arial" charset="0"/>
+              <a:buChar char="•"/>
+            </a:pPr>
+            <a:r>
+              <a:rPr lang="en-US" sz="2200" dirty="0" smtClean="0">
+                <a:solidFill>
+                  <a:schemeClr val="bg1"/>
+                </a:solidFill>
+                <a:latin typeface="Helvetica" charset="0"/>
+                <a:ea typeface="Helvetica" charset="0"/>
+                <a:cs typeface="Helvetica" charset="0"/>
+              </a:rPr>
+              <a:t>Item 2</a:t>
+            </a:r>
+          </a:p>
+          <a:p>
+            <a:pPr marL="342900" indent="-342900">
+              <a:buFont typeface="Arial" charset="0"/>
+              <a:buChar char="•"/>
+            </a:pPr>
+            <a:r>
+              <a:rPr lang="en-US" sz="2200" dirty="0" smtClean="0">
+                <a:solidFill>
+                  <a:schemeClr val="bg1"/>
+                </a:solidFill>
+                <a:latin typeface="Helvetica" charset="0"/>
+                <a:ea typeface="Helvetica" charset="0"/>
+                <a:cs typeface="Helvetica" charset="0"/>
+              </a:rPr>
+              <a:t>Item 3</a:t>
+            </a:r>
           </a:p>
         </p:txBody>
       </p:sp>
     </p:spTree>
     <p:extLst>
       <p:ext uri="{BB962C8B-B14F-4D97-AF65-F5344CB8AC3E}">
-        <p14:creationId xmlns:p14="http://schemas.microsoft.com/office/powerpoint/2010/main" val="34243356"/>
+        <p14:creationId xmlns:p14="http://schemas.microsoft.com/office/powerpoint/2010/main" val="983637418"/>
       </p:ext>
     </p:extLst>
   </p:cSld>
   <p:clrMapOvr>
     <a:masterClrMapping/>
   </p:clrMapOvr>
+  <p:timing>
+    <p:tnLst>
+      <p:par>
+        <p:cTn id="1" dur="indefinite" restart="never" nodeType="tmRoot"/>
+      </p:par>
+    </p:tnLst>
+  </p:timing>
 </p:sld>
 </file>
 

--- a/Open Repositories 2017/Charon Poster/OR2017_Charon_Poster_Working.pptx
+++ b/Open Repositories 2017/Charon Poster/OR2017_Charon_Poster_Working.pptx
@@ -11023,6 +11023,43 @@
           </a:p>
         </p:txBody>
       </p:sp>
+      <p:cxnSp>
+        <p:nvCxnSpPr>
+          <p:cNvPr id="119" name="Straight Arrow Connector 118"/>
+          <p:cNvCxnSpPr/>
+          <p:nvPr/>
+        </p:nvCxnSpPr>
+        <p:spPr>
+          <a:xfrm>
+            <a:off x="6894850" y="7957008"/>
+            <a:ext cx="481982" cy="0"/>
+          </a:xfrm>
+          <a:prstGeom prst="straightConnector1">
+            <a:avLst/>
+          </a:prstGeom>
+          <a:ln w="25400">
+            <a:solidFill>
+              <a:schemeClr val="bg1"/>
+            </a:solidFill>
+            <a:headEnd type="none" w="sm" len="sm"/>
+            <a:tailEnd type="arrow" w="med" len="med"/>
+          </a:ln>
+        </p:spPr>
+        <p:style>
+          <a:lnRef idx="1">
+            <a:schemeClr val="accent1"/>
+          </a:lnRef>
+          <a:fillRef idx="0">
+            <a:schemeClr val="accent1"/>
+          </a:fillRef>
+          <a:effectRef idx="0">
+            <a:schemeClr val="accent1"/>
+          </a:effectRef>
+          <a:fontRef idx="minor">
+            <a:schemeClr val="tx1"/>
+          </a:fontRef>
+        </p:style>
+      </p:cxnSp>
       <p:sp>
         <p:nvSpPr>
           <p:cNvPr id="6" name="Round Same Side Corner Rectangle 5"/>
@@ -12226,6 +12263,7 @@
           </a:bodyPr>
           <a:lstStyle/>
           <a:p>
+            <a:pPr algn="ctr"/>
             <a:r>
               <a:rPr lang="en-US" sz="2000" b="1" dirty="0" smtClean="0">
                 <a:solidFill>
@@ -12313,6 +12351,7 @@
           </a:bodyPr>
           <a:lstStyle/>
           <a:p>
+            <a:pPr algn="ctr"/>
             <a:r>
               <a:rPr lang="en-US" sz="2000" b="1" dirty="0" smtClean="0">
                 <a:solidFill>
@@ -12482,7 +12521,7 @@
         <p:spPr>
           <a:xfrm>
             <a:off x="914807" y="8137475"/>
-            <a:ext cx="2804933" cy="1464231"/>
+            <a:ext cx="2804933" cy="1634490"/>
           </a:xfrm>
           <a:prstGeom prst="roundRect">
             <a:avLst/>
@@ -12501,7 +12540,7 @@
           <a:p>
             <a:pPr algn="ctr"/>
             <a:r>
-              <a:rPr lang="en-US" sz="2000" b="1" dirty="0" smtClean="0">
+              <a:rPr lang="en-US" sz="2000" b="1" dirty="0">
                 <a:solidFill>
                   <a:srgbClr val="37474F"/>
                 </a:solidFill>
@@ -12509,8 +12548,30 @@
                 <a:ea typeface="Corbel" charset="0"/>
                 <a:cs typeface="Corbel" charset="0"/>
               </a:rPr>
-              <a:t>{ Configure 🛠 }</a:t>
-            </a:r>
+              <a:t>🛠 </a:t>
+            </a:r>
+            <a:r>
+              <a:rPr lang="en-US" sz="2000" b="1" dirty="0" smtClean="0">
+                <a:solidFill>
+                  <a:srgbClr val="37474F"/>
+                </a:solidFill>
+                <a:latin typeface="Corbel" charset="0"/>
+                <a:ea typeface="Corbel" charset="0"/>
+                <a:cs typeface="Corbel" charset="0"/>
+              </a:rPr>
+              <a:t>Configure</a:t>
+            </a:r>
+          </a:p>
+          <a:p>
+            <a:pPr algn="ctr"/>
+            <a:endParaRPr lang="en-US" sz="1000" b="1" dirty="0" smtClean="0">
+              <a:solidFill>
+                <a:srgbClr val="37474F"/>
+              </a:solidFill>
+              <a:latin typeface="Corbel" charset="0"/>
+              <a:ea typeface="Corbel" charset="0"/>
+              <a:cs typeface="Corbel" charset="0"/>
+            </a:endParaRPr>
           </a:p>
           <a:p>
             <a:pPr marL="342900" indent="-342900">
@@ -12911,7 +12972,9 @@
             <a:r>
               <a:rPr lang="en-US" sz="1800" dirty="0" smtClean="0">
                 <a:solidFill>
-                  <a:schemeClr val="bg1"/>
+                  <a:schemeClr val="bg1">
+                    <a:lumMod val="95000"/>
+                  </a:schemeClr>
                 </a:solidFill>
                 <a:latin typeface="Corbel" charset="0"/>
                 <a:ea typeface="Corbel" charset="0"/>
@@ -12921,7 +12984,9 @@
             </a:r>
             <a:endParaRPr lang="en-US" sz="1800" dirty="0">
               <a:solidFill>
-                <a:schemeClr val="bg1"/>
+                <a:schemeClr val="bg1">
+                  <a:lumMod val="95000"/>
+                </a:schemeClr>
               </a:solidFill>
               <a:latin typeface="Corbel" charset="0"/>
               <a:ea typeface="Corbel" charset="0"/>
@@ -12975,7 +13040,9 @@
             <a:r>
               <a:rPr lang="en-US" sz="1800" smtClean="0">
                 <a:solidFill>
-                  <a:schemeClr val="bg1"/>
+                  <a:schemeClr val="bg1">
+                    <a:lumMod val="95000"/>
+                  </a:schemeClr>
                 </a:solidFill>
                 <a:latin typeface="Corbel" charset="0"/>
                 <a:ea typeface="Corbel" charset="0"/>
@@ -12985,7 +13052,9 @@
             </a:r>
             <a:endParaRPr lang="en-US" sz="1800" dirty="0">
               <a:solidFill>
-                <a:schemeClr val="bg1"/>
+                <a:schemeClr val="bg1">
+                  <a:lumMod val="95000"/>
+                </a:schemeClr>
               </a:solidFill>
               <a:latin typeface="Corbel" charset="0"/>
               <a:ea typeface="Corbel" charset="0"/>
@@ -13039,7 +13108,9 @@
             <a:r>
               <a:rPr lang="en-US" sz="1800" smtClean="0">
                 <a:solidFill>
-                  <a:schemeClr val="bg1"/>
+                  <a:schemeClr val="bg1">
+                    <a:lumMod val="95000"/>
+                  </a:schemeClr>
                 </a:solidFill>
                 <a:latin typeface="Corbel" charset="0"/>
                 <a:ea typeface="Corbel" charset="0"/>
@@ -13049,7 +13120,9 @@
             </a:r>
             <a:endParaRPr lang="en-US" sz="1800" dirty="0">
               <a:solidFill>
-                <a:schemeClr val="bg1"/>
+                <a:schemeClr val="bg1">
+                  <a:lumMod val="95000"/>
+                </a:schemeClr>
               </a:solidFill>
               <a:latin typeface="Corbel" charset="0"/>
               <a:ea typeface="Corbel" charset="0"/>
@@ -13186,8 +13259,8 @@
         </p:nvSpPr>
         <p:spPr>
           <a:xfrm>
-            <a:off x="5886738" y="9829216"/>
-            <a:ext cx="3888432" cy="1656184"/>
+            <a:off x="5598706" y="9974127"/>
+            <a:ext cx="3650837" cy="1547724"/>
           </a:xfrm>
           <a:prstGeom prst="roundRect">
             <a:avLst/>
@@ -13235,7 +13308,7 @@
         <p:spPr>
           <a:xfrm>
             <a:off x="1976735" y="10110107"/>
-            <a:ext cx="2664296" cy="1123712"/>
+            <a:ext cx="2448272" cy="1293971"/>
           </a:xfrm>
           <a:prstGeom prst="roundRect">
             <a:avLst/>
@@ -13254,7 +13327,7 @@
           <a:p>
             <a:pPr algn="ctr"/>
             <a:r>
-              <a:rPr lang="en-US" sz="2000" b="1" dirty="0" smtClean="0">
+              <a:rPr lang="en-US" sz="2000" b="1" dirty="0">
                 <a:solidFill>
                   <a:srgbClr val="37474F"/>
                 </a:solidFill>
@@ -13262,8 +13335,30 @@
                 <a:ea typeface="Corbel" charset="0"/>
                 <a:cs typeface="Corbel" charset="0"/>
               </a:rPr>
-              <a:t>{ Submit 📮 }</a:t>
-            </a:r>
+              <a:t>📮 </a:t>
+            </a:r>
+            <a:r>
+              <a:rPr lang="en-US" sz="2000" b="1" dirty="0" smtClean="0">
+                <a:solidFill>
+                  <a:srgbClr val="37474F"/>
+                </a:solidFill>
+                <a:latin typeface="Corbel" charset="0"/>
+                <a:ea typeface="Corbel" charset="0"/>
+                <a:cs typeface="Corbel" charset="0"/>
+              </a:rPr>
+              <a:t>Submit</a:t>
+            </a:r>
+          </a:p>
+          <a:p>
+            <a:pPr algn="ctr"/>
+            <a:endParaRPr lang="en-US" sz="1000" b="1" dirty="0" smtClean="0">
+              <a:solidFill>
+                <a:srgbClr val="37474F"/>
+              </a:solidFill>
+              <a:latin typeface="Corbel" charset="0"/>
+              <a:ea typeface="Corbel" charset="0"/>
+              <a:cs typeface="Corbel" charset="0"/>
+            </a:endParaRPr>
           </a:p>
           <a:p>
             <a:pPr marL="342900" indent="-342900">
@@ -13309,7 +13404,7 @@
         </p:nvSpPr>
         <p:spPr>
           <a:xfrm>
-            <a:off x="6030754" y="10333272"/>
+            <a:off x="5577135" y="10369723"/>
             <a:ext cx="3672408" cy="1123712"/>
           </a:xfrm>
           <a:prstGeom prst="roundRect">
@@ -14249,120 +14344,13 @@
             <a:r>
               <a:rPr lang="en-US" sz="1800" dirty="0" smtClean="0">
                 <a:solidFill>
-                  <a:schemeClr val="bg1"/>
+                  <a:srgbClr val="37474F"/>
                 </a:solidFill>
                 <a:latin typeface="Corbel" charset="0"/>
                 <a:ea typeface="Corbel" charset="0"/>
                 <a:cs typeface="Corbel" charset="0"/>
               </a:rPr>
               <a:t>Role</a:t>
-            </a:r>
-            <a:endParaRPr lang="en-US" sz="1800" dirty="0">
-              <a:solidFill>
-                <a:schemeClr val="bg1"/>
-              </a:solidFill>
-              <a:latin typeface="Corbel" charset="0"/>
-              <a:ea typeface="Corbel" charset="0"/>
-              <a:cs typeface="Corbel" charset="0"/>
-            </a:endParaRPr>
-          </a:p>
-        </p:txBody>
-      </p:sp>
-      <p:cxnSp>
-        <p:nvCxnSpPr>
-          <p:cNvPr id="118" name="Elbow Connector 117"/>
-          <p:cNvCxnSpPr/>
-          <p:nvPr/>
-        </p:nvCxnSpPr>
-        <p:spPr>
-          <a:xfrm flipH="1" flipV="1">
-            <a:off x="6300498" y="7957008"/>
-            <a:ext cx="18288" cy="936104"/>
-          </a:xfrm>
-          <a:prstGeom prst="bentConnector3">
-            <a:avLst>
-              <a:gd name="adj1" fmla="val 1800000"/>
-            </a:avLst>
-          </a:prstGeom>
-          <a:ln w="25400">
-            <a:solidFill>
-              <a:schemeClr val="bg1"/>
-            </a:solidFill>
-            <a:headEnd type="arrow" w="sm" len="sm"/>
-            <a:tailEnd type="arrow" w="sm" len="sm"/>
-          </a:ln>
-        </p:spPr>
-        <p:style>
-          <a:lnRef idx="1">
-            <a:schemeClr val="accent1"/>
-          </a:lnRef>
-          <a:fillRef idx="0">
-            <a:schemeClr val="accent1"/>
-          </a:fillRef>
-          <a:effectRef idx="0">
-            <a:schemeClr val="accent1"/>
-          </a:effectRef>
-          <a:fontRef idx="minor">
-            <a:schemeClr val="tx1"/>
-          </a:fontRef>
-        </p:style>
-      </p:cxnSp>
-      <p:sp>
-        <p:nvSpPr>
-          <p:cNvPr id="14" name="TextBox 13"/>
-          <p:cNvSpPr txBox="1"/>
-          <p:nvPr/>
-        </p:nvSpPr>
-        <p:spPr>
-          <a:xfrm>
-            <a:off x="6297215" y="12212870"/>
-            <a:ext cx="3600848" cy="749141"/>
-          </a:xfrm>
-          <a:prstGeom prst="roundRect">
-            <a:avLst/>
-          </a:prstGeom>
-          <a:solidFill>
-            <a:schemeClr val="bg1">
-              <a:lumMod val="85000"/>
-            </a:schemeClr>
-          </a:solidFill>
-          <a:ln>
-            <a:noFill/>
-          </a:ln>
-        </p:spPr>
-        <p:txBody>
-          <a:bodyPr wrap="square" rtlCol="0">
-            <a:spAutoFit/>
-          </a:bodyPr>
-          <a:lstStyle/>
-          <a:p>
-            <a:r>
-              <a:rPr lang="en-US" sz="2000" b="1" dirty="0" smtClean="0">
-                <a:solidFill>
-                  <a:srgbClr val="37474F"/>
-                </a:solidFill>
-                <a:latin typeface="Corbel" charset="0"/>
-                <a:ea typeface="Corbel" charset="0"/>
-                <a:cs typeface="Corbel" charset="0"/>
-              </a:rPr>
-              <a:t>Depositors</a:t>
-            </a:r>
-          </a:p>
-          <a:p>
-            <a:pPr marL="342900" indent="-342900">
-              <a:buFont typeface="Arial" charset="0"/>
-              <a:buChar char="•"/>
-            </a:pPr>
-            <a:r>
-              <a:rPr lang="en-US" sz="1800" dirty="0" smtClean="0">
-                <a:solidFill>
-                  <a:srgbClr val="37474F"/>
-                </a:solidFill>
-                <a:latin typeface="Corbel" charset="0"/>
-                <a:ea typeface="Corbel" charset="0"/>
-                <a:cs typeface="Corbel" charset="0"/>
-              </a:rPr>
-              <a:t>Contribute files and metadata</a:t>
             </a:r>
             <a:endParaRPr lang="en-US" sz="1800" dirty="0">
               <a:solidFill>
@@ -14375,21 +14363,58 @@
           </a:p>
         </p:txBody>
       </p:sp>
-      <p:sp>
-        <p:nvSpPr>
-          <p:cNvPr id="83" name="TextBox 82"/>
+      <p:cxnSp>
+        <p:nvCxnSpPr>
+          <p:cNvPr id="118" name="Elbow Connector 117"/>
+          <p:cNvCxnSpPr/>
+          <p:nvPr/>
+        </p:nvCxnSpPr>
+        <p:spPr>
+          <a:xfrm flipH="1" flipV="1">
+            <a:off x="6300498" y="7957008"/>
+            <a:ext cx="18288" cy="936104"/>
+          </a:xfrm>
+          <a:prstGeom prst="bentConnector3">
+            <a:avLst>
+              <a:gd name="adj1" fmla="val 1800000"/>
+            </a:avLst>
+          </a:prstGeom>
+          <a:ln w="25400">
+            <a:solidFill>
+              <a:schemeClr val="bg1"/>
+            </a:solidFill>
+            <a:headEnd type="arrow" w="sm" len="sm"/>
+            <a:tailEnd type="arrow" w="sm" len="sm"/>
+          </a:ln>
+        </p:spPr>
+        <p:style>
+          <a:lnRef idx="1">
+            <a:schemeClr val="accent1"/>
+          </a:lnRef>
+          <a:fillRef idx="0">
+            <a:schemeClr val="accent1"/>
+          </a:fillRef>
+          <a:effectRef idx="0">
+            <a:schemeClr val="accent1"/>
+          </a:effectRef>
+          <a:fontRef idx="minor">
+            <a:schemeClr val="tx1"/>
+          </a:fontRef>
+        </p:style>
+      </p:cxnSp>
+      <p:sp>
+        <p:nvSpPr>
+          <p:cNvPr id="14" name="TextBox 13"/>
           <p:cNvSpPr txBox="1"/>
           <p:nvPr/>
         </p:nvSpPr>
         <p:spPr>
           <a:xfrm>
-            <a:off x="896615" y="12025907"/>
-            <a:ext cx="3528392" cy="1362075"/>
+            <a:off x="6297215" y="12212870"/>
+            <a:ext cx="3600848" cy="749141"/>
           </a:xfrm>
           <a:prstGeom prst="roundRect">
-            <a:avLst>
-              <a:gd name="adj" fmla="val 11073"/>
-            </a:avLst>
+            <a:avLst/>
           </a:prstGeom>
           <a:solidFill>
             <a:schemeClr val="bg1">
@@ -14406,6 +14431,7 @@
           </a:bodyPr>
           <a:lstStyle/>
           <a:p>
+            <a:pPr algn="ctr"/>
             <a:r>
               <a:rPr lang="en-US" sz="2000" b="1" dirty="0" smtClean="0">
                 <a:solidFill>
@@ -14415,7 +14441,7 @@
                 <a:ea typeface="Corbel" charset="0"/>
                 <a:cs typeface="Corbel" charset="0"/>
               </a:rPr>
-              <a:t>Editors</a:t>
+              <a:t>Depositors</a:t>
             </a:r>
           </a:p>
           <a:p>
@@ -14433,40 +14459,6 @@
                 <a:cs typeface="Corbel" charset="0"/>
               </a:rPr>
               <a:t>Contribute files and metadata</a:t>
-            </a:r>
-          </a:p>
-          <a:p>
-            <a:pPr marL="342900" indent="-342900">
-              <a:buFont typeface="Arial" charset="0"/>
-              <a:buChar char="•"/>
-            </a:pPr>
-            <a:r>
-              <a:rPr lang="en-US" sz="1800" dirty="0" smtClean="0">
-                <a:solidFill>
-                  <a:srgbClr val="37474F"/>
-                </a:solidFill>
-                <a:latin typeface="Corbel" charset="0"/>
-                <a:ea typeface="Corbel" charset="0"/>
-                <a:cs typeface="Corbel" charset="0"/>
-              </a:rPr>
-              <a:t>Claim and execute tasks</a:t>
-            </a:r>
-          </a:p>
-          <a:p>
-            <a:pPr marL="342900" indent="-342900">
-              <a:buFont typeface="Arial" charset="0"/>
-              <a:buChar char="•"/>
-            </a:pPr>
-            <a:r>
-              <a:rPr lang="en-US" sz="1800" dirty="0" smtClean="0">
-                <a:solidFill>
-                  <a:srgbClr val="37474F"/>
-                </a:solidFill>
-                <a:latin typeface="Corbel" charset="0"/>
-                <a:ea typeface="Corbel" charset="0"/>
-                <a:cs typeface="Corbel" charset="0"/>
-              </a:rPr>
-              <a:t>Accept and reject deposits</a:t>
             </a:r>
             <a:endParaRPr lang="en-US" sz="1800" dirty="0">
               <a:solidFill>
@@ -14481,23 +14473,28 @@
       </p:sp>
       <p:sp>
         <p:nvSpPr>
-          <p:cNvPr id="13" name="TextBox 12"/>
+          <p:cNvPr id="83" name="TextBox 82"/>
           <p:cNvSpPr txBox="1"/>
           <p:nvPr/>
         </p:nvSpPr>
         <p:spPr>
           <a:xfrm>
-            <a:off x="6030754" y="9901224"/>
-            <a:ext cx="3672408" cy="442674"/>
+            <a:off x="896615" y="12025907"/>
+            <a:ext cx="3528392" cy="1362075"/>
           </a:xfrm>
           <a:prstGeom prst="roundRect">
-            <a:avLst/>
+            <a:avLst>
+              <a:gd name="adj" fmla="val 11073"/>
+            </a:avLst>
           </a:prstGeom>
           <a:solidFill>
             <a:schemeClr val="bg1">
               <a:lumMod val="85000"/>
             </a:schemeClr>
           </a:solidFill>
+          <a:ln>
+            <a:noFill/>
+          </a:ln>
         </p:spPr>
         <p:txBody>
           <a:bodyPr wrap="square" rtlCol="0">
@@ -14507,7 +14504,7 @@
           <a:p>
             <a:pPr algn="ctr"/>
             <a:r>
-              <a:rPr lang="en-US" sz="2000" b="1" dirty="0">
+              <a:rPr lang="en-US" sz="2000" b="1" dirty="0" smtClean="0">
                 <a:solidFill>
                   <a:srgbClr val="37474F"/>
                 </a:solidFill>
@@ -14515,10 +14512,16 @@
                 <a:ea typeface="Corbel" charset="0"/>
                 <a:cs typeface="Corbel" charset="0"/>
               </a:rPr>
-              <a:t>{ </a:t>
-            </a:r>
-            <a:r>
-              <a:rPr lang="en-US" sz="2000" b="1" dirty="0" smtClean="0">
+              <a:t>Editors</a:t>
+            </a:r>
+          </a:p>
+          <a:p>
+            <a:pPr marL="342900" indent="-342900">
+              <a:buFont typeface="Arial" charset="0"/>
+              <a:buChar char="•"/>
+            </a:pPr>
+            <a:r>
+              <a:rPr lang="en-US" sz="1800" dirty="0" smtClean="0">
                 <a:solidFill>
                   <a:srgbClr val="37474F"/>
                 </a:solidFill>
@@ -14526,7 +14529,97 @@
                 <a:ea typeface="Corbel" charset="0"/>
                 <a:cs typeface="Corbel" charset="0"/>
               </a:rPr>
-              <a:t>Edit ✏️ }</a:t>
+              <a:t>Contribute files and metadata</a:t>
+            </a:r>
+          </a:p>
+          <a:p>
+            <a:pPr marL="342900" indent="-342900">
+              <a:buFont typeface="Arial" charset="0"/>
+              <a:buChar char="•"/>
+            </a:pPr>
+            <a:r>
+              <a:rPr lang="en-US" sz="1800" dirty="0" smtClean="0">
+                <a:solidFill>
+                  <a:srgbClr val="37474F"/>
+                </a:solidFill>
+                <a:latin typeface="Corbel" charset="0"/>
+                <a:ea typeface="Corbel" charset="0"/>
+                <a:cs typeface="Corbel" charset="0"/>
+              </a:rPr>
+              <a:t>Claim and execute tasks</a:t>
+            </a:r>
+          </a:p>
+          <a:p>
+            <a:pPr marL="342900" indent="-342900">
+              <a:buFont typeface="Arial" charset="0"/>
+              <a:buChar char="•"/>
+            </a:pPr>
+            <a:r>
+              <a:rPr lang="en-US" sz="1800" dirty="0" smtClean="0">
+                <a:solidFill>
+                  <a:srgbClr val="37474F"/>
+                </a:solidFill>
+                <a:latin typeface="Corbel" charset="0"/>
+                <a:ea typeface="Corbel" charset="0"/>
+                <a:cs typeface="Corbel" charset="0"/>
+              </a:rPr>
+              <a:t>Accept and reject deposits</a:t>
+            </a:r>
+            <a:endParaRPr lang="en-US" sz="1800" dirty="0">
+              <a:solidFill>
+                <a:srgbClr val="37474F"/>
+              </a:solidFill>
+              <a:latin typeface="Corbel" charset="0"/>
+              <a:ea typeface="Corbel" charset="0"/>
+              <a:cs typeface="Corbel" charset="0"/>
+            </a:endParaRPr>
+          </a:p>
+        </p:txBody>
+      </p:sp>
+      <p:sp>
+        <p:nvSpPr>
+          <p:cNvPr id="13" name="TextBox 12"/>
+          <p:cNvSpPr txBox="1"/>
+          <p:nvPr/>
+        </p:nvSpPr>
+        <p:spPr>
+          <a:xfrm>
+            <a:off x="5577135" y="9963501"/>
+            <a:ext cx="3672408" cy="442674"/>
+          </a:xfrm>
+          <a:prstGeom prst="roundRect">
+            <a:avLst/>
+          </a:prstGeom>
+          <a:noFill/>
+        </p:spPr>
+        <p:txBody>
+          <a:bodyPr wrap="square" rtlCol="0">
+            <a:spAutoFit/>
+          </a:bodyPr>
+          <a:lstStyle/>
+          <a:p>
+            <a:pPr algn="ctr"/>
+            <a:r>
+              <a:rPr lang="en-US" sz="2000" b="1" dirty="0">
+                <a:solidFill>
+                  <a:srgbClr val="37474F"/>
+                </a:solidFill>
+                <a:latin typeface="Corbel" charset="0"/>
+                <a:ea typeface="Corbel" charset="0"/>
+                <a:cs typeface="Corbel" charset="0"/>
+              </a:rPr>
+              <a:t>✏️ </a:t>
+            </a:r>
+            <a:r>
+              <a:rPr lang="en-US" sz="2000" b="1" dirty="0" smtClean="0">
+                <a:solidFill>
+                  <a:srgbClr val="37474F"/>
+                </a:solidFill>
+                <a:latin typeface="Corbel" charset="0"/>
+                <a:ea typeface="Corbel" charset="0"/>
+                <a:cs typeface="Corbel" charset="0"/>
+              </a:rPr>
+              <a:t>Edit</a:t>
             </a:r>
             <a:endParaRPr lang="en-US" sz="2000" b="1" dirty="0">
               <a:solidFill>
@@ -14584,7 +14677,7 @@
             <a:r>
               <a:rPr lang="en-US" sz="1800" dirty="0" smtClean="0">
                 <a:solidFill>
-                  <a:schemeClr val="bg1"/>
+                  <a:srgbClr val="37474F"/>
                 </a:solidFill>
                 <a:latin typeface="Corbel" charset="0"/>
                 <a:ea typeface="Corbel" charset="0"/>
@@ -14594,7 +14687,7 @@
             </a:r>
             <a:endParaRPr lang="en-US" sz="1800" dirty="0">
               <a:solidFill>
-                <a:schemeClr val="bg1"/>
+                <a:srgbClr val="37474F"/>
               </a:solidFill>
               <a:latin typeface="Corbel" charset="0"/>
               <a:ea typeface="Corbel" charset="0"/>
@@ -14603,43 +14696,6 @@
           </a:p>
         </p:txBody>
       </p:sp>
-      <p:cxnSp>
-        <p:nvCxnSpPr>
-          <p:cNvPr id="119" name="Straight Arrow Connector 118"/>
-          <p:cNvCxnSpPr/>
-          <p:nvPr/>
-        </p:nvCxnSpPr>
-        <p:spPr>
-          <a:xfrm>
-            <a:off x="6894850" y="7957008"/>
-            <a:ext cx="481982" cy="0"/>
-          </a:xfrm>
-          <a:prstGeom prst="straightConnector1">
-            <a:avLst/>
-          </a:prstGeom>
-          <a:ln w="25400">
-            <a:solidFill>
-              <a:schemeClr val="bg1"/>
-            </a:solidFill>
-            <a:headEnd type="none" w="sm" len="sm"/>
-            <a:tailEnd type="arrow" w="med" len="med"/>
-          </a:ln>
-        </p:spPr>
-        <p:style>
-          <a:lnRef idx="1">
-            <a:schemeClr val="accent1"/>
-          </a:lnRef>
-          <a:fillRef idx="0">
-            <a:schemeClr val="accent1"/>
-          </a:fillRef>
-          <a:effectRef idx="0">
-            <a:schemeClr val="accent1"/>
-          </a:effectRef>
-          <a:fontRef idx="minor">
-            <a:schemeClr val="tx1"/>
-          </a:fontRef>
-        </p:style>
-      </p:cxnSp>
       <p:pic>
         <p:nvPicPr>
           <p:cNvPr id="33" name="Picture 32"/>

--- a/Open Repositories 2017/Charon Poster/OR2017_Charon_Poster_Working.pptx
+++ b/Open Repositories 2017/Charon Poster/OR2017_Charon_Poster_Working.pptx
@@ -405,7 +405,7 @@
           <a:p>
             <a:fld id="{60829E41-64EF-604D-A40A-7DA186A06455}" type="datetimeFigureOut">
               <a:rPr lang="en-US" smtClean="0"/>
-              <a:t>5/30/17</a:t>
+              <a:t>5/31/17</a:t>
             </a:fld>
             <a:endParaRPr lang="en-US"/>
           </a:p>
@@ -1651,7 +1651,7 @@
             <a:fld id="{E8B92B60-3ACF-4E3B-ACCA-3CF86291A092}" type="datetimeFigureOut">
               <a:rPr lang="en-AU" smtClean="0"/>
               <a:pPr/>
-              <a:t>30/05/2017</a:t>
+              <a:t>31/05/2017</a:t>
             </a:fld>
             <a:endParaRPr lang="en-AU"/>
           </a:p>
@@ -1818,7 +1818,7 @@
             <a:fld id="{E8B92B60-3ACF-4E3B-ACCA-3CF86291A092}" type="datetimeFigureOut">
               <a:rPr lang="en-AU" smtClean="0"/>
               <a:pPr/>
-              <a:t>30/05/2017</a:t>
+              <a:t>31/05/2017</a:t>
             </a:fld>
             <a:endParaRPr lang="en-AU"/>
           </a:p>
@@ -1995,7 +1995,7 @@
             <a:fld id="{E8B92B60-3ACF-4E3B-ACCA-3CF86291A092}" type="datetimeFigureOut">
               <a:rPr lang="en-AU" smtClean="0"/>
               <a:pPr/>
-              <a:t>30/05/2017</a:t>
+              <a:t>31/05/2017</a:t>
             </a:fld>
             <a:endParaRPr lang="en-AU"/>
           </a:p>
@@ -2162,7 +2162,7 @@
             <a:fld id="{E8B92B60-3ACF-4E3B-ACCA-3CF86291A092}" type="datetimeFigureOut">
               <a:rPr lang="en-AU" smtClean="0"/>
               <a:pPr/>
-              <a:t>30/05/2017</a:t>
+              <a:t>31/05/2017</a:t>
             </a:fld>
             <a:endParaRPr lang="en-AU"/>
           </a:p>
@@ -2405,7 +2405,7 @@
             <a:fld id="{E8B92B60-3ACF-4E3B-ACCA-3CF86291A092}" type="datetimeFigureOut">
               <a:rPr lang="en-AU" smtClean="0"/>
               <a:pPr/>
-              <a:t>30/05/2017</a:t>
+              <a:t>31/05/2017</a:t>
             </a:fld>
             <a:endParaRPr lang="en-AU"/>
           </a:p>
@@ -2690,7 +2690,7 @@
             <a:fld id="{E8B92B60-3ACF-4E3B-ACCA-3CF86291A092}" type="datetimeFigureOut">
               <a:rPr lang="en-AU" smtClean="0"/>
               <a:pPr/>
-              <a:t>30/05/2017</a:t>
+              <a:t>31/05/2017</a:t>
             </a:fld>
             <a:endParaRPr lang="en-AU"/>
           </a:p>
@@ -3114,7 +3114,7 @@
             <a:fld id="{E8B92B60-3ACF-4E3B-ACCA-3CF86291A092}" type="datetimeFigureOut">
               <a:rPr lang="en-AU" smtClean="0"/>
               <a:pPr/>
-              <a:t>30/05/2017</a:t>
+              <a:t>31/05/2017</a:t>
             </a:fld>
             <a:endParaRPr lang="en-AU"/>
           </a:p>
@@ -3229,7 +3229,7 @@
             <a:fld id="{E8B92B60-3ACF-4E3B-ACCA-3CF86291A092}" type="datetimeFigureOut">
               <a:rPr lang="en-AU" smtClean="0"/>
               <a:pPr/>
-              <a:t>30/05/2017</a:t>
+              <a:t>31/05/2017</a:t>
             </a:fld>
             <a:endParaRPr lang="en-AU"/>
           </a:p>
@@ -3321,7 +3321,7 @@
             <a:fld id="{E8B92B60-3ACF-4E3B-ACCA-3CF86291A092}" type="datetimeFigureOut">
               <a:rPr lang="en-AU" smtClean="0"/>
               <a:pPr/>
-              <a:t>30/05/2017</a:t>
+              <a:t>31/05/2017</a:t>
             </a:fld>
             <a:endParaRPr lang="en-AU"/>
           </a:p>
@@ -3595,7 +3595,7 @@
             <a:fld id="{E8B92B60-3ACF-4E3B-ACCA-3CF86291A092}" type="datetimeFigureOut">
               <a:rPr lang="en-AU" smtClean="0"/>
               <a:pPr/>
-              <a:t>30/05/2017</a:t>
+              <a:t>31/05/2017</a:t>
             </a:fld>
             <a:endParaRPr lang="en-AU"/>
           </a:p>
@@ -3845,7 +3845,7 @@
             <a:fld id="{E8B92B60-3ACF-4E3B-ACCA-3CF86291A092}" type="datetimeFigureOut">
               <a:rPr lang="en-AU" smtClean="0"/>
               <a:pPr/>
-              <a:t>30/05/2017</a:t>
+              <a:t>31/05/2017</a:t>
             </a:fld>
             <a:endParaRPr lang="en-AU"/>
           </a:p>
@@ -4055,7 +4055,7 @@
             <a:fld id="{E8B92B60-3ACF-4E3B-ACCA-3CF86291A092}" type="datetimeFigureOut">
               <a:rPr lang="en-AU" smtClean="0"/>
               <a:pPr/>
-              <a:t>30/05/2017</a:t>
+              <a:t>31/05/2017</a:t>
             </a:fld>
             <a:endParaRPr lang="en-AU"/>
           </a:p>
@@ -11122,8 +11122,8 @@
         </p:nvSpPr>
         <p:spPr>
           <a:xfrm>
-            <a:off x="943985" y="3456955"/>
-            <a:ext cx="4417125" cy="3168352"/>
+            <a:off x="943986" y="3456955"/>
+            <a:ext cx="4201102" cy="3168352"/>
           </a:xfrm>
           <a:prstGeom prst="roundRect">
             <a:avLst/>
@@ -11179,8 +11179,8 @@
         </p:nvSpPr>
         <p:spPr>
           <a:xfrm>
-            <a:off x="5433119" y="3456955"/>
-            <a:ext cx="4536828" cy="3262432"/>
+            <a:off x="5289103" y="3456955"/>
+            <a:ext cx="4608512" cy="3262432"/>
           </a:xfrm>
           <a:prstGeom prst="rect">
             <a:avLst/>
@@ -11216,7 +11216,7 @@
                 <a:ea typeface="Corbel" charset="0"/>
                 <a:cs typeface="Corbel" charset="0"/>
               </a:rPr>
-              <a:t>to enable the creation, dissemination, and </a:t>
+              <a:t>to enable </a:t>
             </a:r>
             <a:r>
               <a:rPr lang="en-US" sz="2000" dirty="0" smtClean="0">
@@ -11227,6 +11227,50 @@
                 <a:ea typeface="Corbel" charset="0"/>
                 <a:cs typeface="Corbel" charset="0"/>
               </a:rPr>
+              <a:t>the creation</a:t>
+            </a:r>
+            <a:r>
+              <a:rPr lang="en-US" sz="2000" dirty="0">
+                <a:solidFill>
+                  <a:srgbClr val="37474F"/>
+                </a:solidFill>
+                <a:latin typeface="Corbel" charset="0"/>
+                <a:ea typeface="Corbel" charset="0"/>
+                <a:cs typeface="Corbel" charset="0"/>
+              </a:rPr>
+              <a:t>, </a:t>
+            </a:r>
+            <a:r>
+              <a:rPr lang="en-US" sz="2000" dirty="0" smtClean="0">
+                <a:solidFill>
+                  <a:srgbClr val="37474F"/>
+                </a:solidFill>
+                <a:latin typeface="Corbel" charset="0"/>
+                <a:ea typeface="Corbel" charset="0"/>
+                <a:cs typeface="Corbel" charset="0"/>
+              </a:rPr>
+              <a:t>curation, dissemination</a:t>
+            </a:r>
+            <a:r>
+              <a:rPr lang="en-US" sz="2000" dirty="0">
+                <a:solidFill>
+                  <a:srgbClr val="37474F"/>
+                </a:solidFill>
+                <a:latin typeface="Corbel" charset="0"/>
+                <a:ea typeface="Corbel" charset="0"/>
+                <a:cs typeface="Corbel" charset="0"/>
+              </a:rPr>
+              <a:t>, and </a:t>
+            </a:r>
+            <a:r>
+              <a:rPr lang="en-US" sz="2000" dirty="0" smtClean="0">
+                <a:solidFill>
+                  <a:srgbClr val="37474F"/>
+                </a:solidFill>
+                <a:latin typeface="Corbel" charset="0"/>
+                <a:ea typeface="Corbel" charset="0"/>
+                <a:cs typeface="Corbel" charset="0"/>
+              </a:rPr>
               <a:t>long-term </a:t>
             </a:r>
             <a:r>
@@ -11249,7 +11293,29 @@
                 <a:ea typeface="Corbel" charset="0"/>
                 <a:cs typeface="Corbel" charset="0"/>
               </a:rPr>
-              <a:t>digital humanities projects </a:t>
+              <a:t>digital </a:t>
+            </a:r>
+            <a:r>
+              <a:rPr lang="en-US" sz="2000" dirty="0" smtClean="0">
+                <a:solidFill>
+                  <a:srgbClr val="37474F"/>
+                </a:solidFill>
+                <a:latin typeface="Corbel" charset="0"/>
+                <a:ea typeface="Corbel" charset="0"/>
+                <a:cs typeface="Corbel" charset="0"/>
+              </a:rPr>
+              <a:t>humanities (DH) </a:t>
+            </a:r>
+            <a:r>
+              <a:rPr lang="en-US" sz="2000" dirty="0" smtClean="0">
+                <a:solidFill>
+                  <a:srgbClr val="37474F"/>
+                </a:solidFill>
+                <a:latin typeface="Corbel" charset="0"/>
+                <a:ea typeface="Corbel" charset="0"/>
+                <a:cs typeface="Corbel" charset="0"/>
+              </a:rPr>
+              <a:t>projects </a:t>
             </a:r>
             <a:r>
               <a:rPr lang="en-US" sz="2000" dirty="0">
@@ -11282,7 +11348,7 @@
                 <a:ea typeface="Corbel" charset="0"/>
                 <a:cs typeface="Corbel" charset="0"/>
               </a:rPr>
-              <a:t>to answer this question by developing a workflow-based digital </a:t>
+              <a:t>to answer this question by developing a </a:t>
             </a:r>
             <a:r>
               <a:rPr lang="en-US" sz="2000" dirty="0" smtClean="0">
@@ -11293,6 +11359,17 @@
                 <a:ea typeface="Corbel" charset="0"/>
                 <a:cs typeface="Corbel" charset="0"/>
               </a:rPr>
+              <a:t>digital </a:t>
+            </a:r>
+            <a:r>
+              <a:rPr lang="en-US" sz="2000" dirty="0" smtClean="0">
+                <a:solidFill>
+                  <a:srgbClr val="37474F"/>
+                </a:solidFill>
+                <a:latin typeface="Corbel" charset="0"/>
+                <a:ea typeface="Corbel" charset="0"/>
+                <a:cs typeface="Corbel" charset="0"/>
+              </a:rPr>
               <a:t>framework </a:t>
             </a:r>
             <a:r>
@@ -11304,7 +11381,7 @@
                 <a:ea typeface="Corbel" charset="0"/>
                 <a:cs typeface="Corbel" charset="0"/>
               </a:rPr>
-              <a:t>to provide editorial </a:t>
+              <a:t>to </a:t>
             </a:r>
             <a:r>
               <a:rPr lang="en-US" sz="2000" dirty="0" smtClean="0">
@@ -11315,7 +11392,7 @@
                 <a:ea typeface="Corbel" charset="0"/>
                 <a:cs typeface="Corbel" charset="0"/>
               </a:rPr>
-              <a:t>and other workflow </a:t>
+              <a:t>provide workflow </a:t>
             </a:r>
             <a:r>
               <a:rPr lang="en-US" sz="2000" dirty="0">
@@ -11337,7 +11414,73 @@
                 <a:ea typeface="Corbel" charset="0"/>
                 <a:cs typeface="Corbel" charset="0"/>
               </a:rPr>
-              <a:t>tools commonly used in digital humanities project work.</a:t>
+              <a:t>tools commonly used in </a:t>
+            </a:r>
+            <a:r>
+              <a:rPr lang="en-US" sz="2000" dirty="0" smtClean="0">
+                <a:solidFill>
+                  <a:srgbClr val="37474F"/>
+                </a:solidFill>
+                <a:latin typeface="Corbel" charset="0"/>
+                <a:ea typeface="Corbel" charset="0"/>
+                <a:cs typeface="Corbel" charset="0"/>
+              </a:rPr>
+              <a:t>DH </a:t>
+            </a:r>
+            <a:r>
+              <a:rPr lang="en-US" sz="2000" dirty="0" smtClean="0">
+                <a:solidFill>
+                  <a:srgbClr val="37474F"/>
+                </a:solidFill>
+                <a:latin typeface="Corbel" charset="0"/>
+                <a:ea typeface="Corbel" charset="0"/>
+                <a:cs typeface="Corbel" charset="0"/>
+              </a:rPr>
+              <a:t>project </a:t>
+            </a:r>
+            <a:r>
+              <a:rPr lang="en-US" sz="2000" dirty="0" smtClean="0">
+                <a:solidFill>
+                  <a:srgbClr val="37474F"/>
+                </a:solidFill>
+                <a:latin typeface="Corbel" charset="0"/>
+                <a:ea typeface="Corbel" charset="0"/>
+                <a:cs typeface="Corbel" charset="0"/>
+              </a:rPr>
+              <a:t>work, </a:t>
+            </a:r>
+            <a:r>
+              <a:rPr lang="en-US" sz="2000" smtClean="0">
+                <a:solidFill>
+                  <a:srgbClr val="37474F"/>
+                </a:solidFill>
+                <a:latin typeface="Corbel" charset="0"/>
+                <a:ea typeface="Corbel" charset="0"/>
+                <a:cs typeface="Corbel" charset="0"/>
+              </a:rPr>
+              <a:t>working alongside </a:t>
+            </a:r>
+            <a:r>
+              <a:rPr lang="en-US" sz="2000" dirty="0" smtClean="0">
+                <a:solidFill>
+                  <a:srgbClr val="37474F"/>
+                </a:solidFill>
+                <a:latin typeface="Corbel" charset="0"/>
+                <a:ea typeface="Corbel" charset="0"/>
+                <a:cs typeface="Corbel" charset="0"/>
+              </a:rPr>
+              <a:t>important digital </a:t>
+            </a:r>
+            <a:r>
+              <a:rPr lang="en-US" sz="2000" smtClean="0">
+                <a:solidFill>
+                  <a:srgbClr val="37474F"/>
+                </a:solidFill>
+                <a:latin typeface="Corbel" charset="0"/>
+                <a:ea typeface="Corbel" charset="0"/>
+                <a:cs typeface="Corbel" charset="0"/>
+              </a:rPr>
+              <a:t>curation workflows.</a:t>
             </a:r>
             <a:endParaRPr lang="en-US" sz="2000" dirty="0">
               <a:solidFill>
@@ -12520,8 +12663,8 @@
         </p:nvSpPr>
         <p:spPr>
           <a:xfrm>
-            <a:off x="914807" y="8137475"/>
-            <a:ext cx="2804933" cy="1634490"/>
+            <a:off x="914807" y="7993459"/>
+            <a:ext cx="2804933" cy="1975009"/>
           </a:xfrm>
           <a:prstGeom prst="roundRect">
             <a:avLst/>
@@ -12587,7 +12730,35 @@
                 <a:ea typeface="Corbel" charset="0"/>
                 <a:cs typeface="Corbel" charset="0"/>
               </a:rPr>
-              <a:t>Manage users</a:t>
+              <a:t>Curate data</a:t>
+            </a:r>
+          </a:p>
+          <a:p>
+            <a:pPr marL="342900" indent="-342900">
+              <a:buFont typeface="Arial" charset="0"/>
+              <a:buChar char="•"/>
+            </a:pPr>
+            <a:r>
+              <a:rPr lang="en-US" sz="2000" dirty="0" smtClean="0">
+                <a:solidFill>
+                  <a:srgbClr val="37474F"/>
+                </a:solidFill>
+                <a:latin typeface="Corbel" charset="0"/>
+                <a:ea typeface="Corbel" charset="0"/>
+                <a:cs typeface="Corbel" charset="0"/>
+              </a:rPr>
+              <a:t>Manage </a:t>
+            </a:r>
+            <a:r>
+              <a:rPr lang="en-US" sz="2000" dirty="0" smtClean="0">
+                <a:solidFill>
+                  <a:srgbClr val="37474F"/>
+                </a:solidFill>
+                <a:latin typeface="Corbel" charset="0"/>
+                <a:ea typeface="Corbel" charset="0"/>
+                <a:cs typeface="Corbel" charset="0"/>
+              </a:rPr>
+              <a:t>users</a:t>
             </a:r>
           </a:p>
           <a:p>
@@ -12682,7 +12853,7 @@
             <a:avLst/>
           </a:prstGeom>
           <a:solidFill>
-            <a:srgbClr val="64FFDA"/>
+            <a:srgbClr val="73626E"/>
           </a:solidFill>
           <a:ln>
             <a:noFill/>
@@ -12712,13 +12883,143 @@
             <a:r>
               <a:rPr lang="en-US" sz="1800" dirty="0" smtClean="0">
                 <a:solidFill>
+                  <a:srgbClr val="E0E0E0"/>
+                </a:solidFill>
+                <a:latin typeface="Corbel" charset="0"/>
+                <a:ea typeface="Corbel" charset="0"/>
+                <a:cs typeface="Corbel" charset="0"/>
+              </a:rPr>
+              <a:t>Task</a:t>
+            </a:r>
+            <a:endParaRPr lang="en-US" sz="1800" dirty="0">
+              <a:solidFill>
+                <a:srgbClr val="E0E0E0"/>
+              </a:solidFill>
+              <a:latin typeface="Corbel" charset="0"/>
+              <a:ea typeface="Corbel" charset="0"/>
+              <a:cs typeface="Corbel" charset="0"/>
+            </a:endParaRPr>
+          </a:p>
+        </p:txBody>
+      </p:sp>
+      <p:sp>
+        <p:nvSpPr>
+          <p:cNvPr id="100" name="Rectangle 99"/>
+          <p:cNvSpPr/>
+          <p:nvPr/>
+        </p:nvSpPr>
+        <p:spPr>
+          <a:xfrm>
+            <a:off x="6318786" y="8493620"/>
+            <a:ext cx="685800" cy="685800"/>
+          </a:xfrm>
+          <a:prstGeom prst="rect">
+            <a:avLst/>
+          </a:prstGeom>
+          <a:solidFill>
+            <a:srgbClr val="73626E"/>
+          </a:solidFill>
+          <a:ln>
+            <a:noFill/>
+          </a:ln>
+        </p:spPr>
+        <p:style>
+          <a:lnRef idx="2">
+            <a:schemeClr val="accent1">
+              <a:shade val="50000"/>
+            </a:schemeClr>
+          </a:lnRef>
+          <a:fillRef idx="1">
+            <a:schemeClr val="accent1"/>
+          </a:fillRef>
+          <a:effectRef idx="0">
+            <a:schemeClr val="accent1"/>
+          </a:effectRef>
+          <a:fontRef idx="minor">
+            <a:schemeClr val="lt1"/>
+          </a:fontRef>
+        </p:style>
+        <p:txBody>
+          <a:bodyPr rtlCol="0" anchor="ctr"/>
+          <a:lstStyle/>
+          <a:p>
+            <a:pPr algn="ctr"/>
+            <a:r>
+              <a:rPr lang="en-US" sz="1800" dirty="0" smtClean="0">
+                <a:solidFill>
+                  <a:srgbClr val="E0E0E0"/>
+                </a:solidFill>
+                <a:latin typeface="Corbel" charset="0"/>
+                <a:ea typeface="Corbel" charset="0"/>
+                <a:cs typeface="Corbel" charset="0"/>
+              </a:rPr>
+              <a:t>Task</a:t>
+            </a:r>
+            <a:endParaRPr lang="en-US" sz="1800" dirty="0">
+              <a:solidFill>
+                <a:srgbClr val="E0E0E0"/>
+              </a:solidFill>
+              <a:latin typeface="Corbel" charset="0"/>
+              <a:ea typeface="Corbel" charset="0"/>
+              <a:cs typeface="Corbel" charset="0"/>
+            </a:endParaRPr>
+          </a:p>
+        </p:txBody>
+      </p:sp>
+      <p:sp>
+        <p:nvSpPr>
+          <p:cNvPr id="101" name="Rectangle 100"/>
+          <p:cNvSpPr/>
+          <p:nvPr/>
+        </p:nvSpPr>
+        <p:spPr>
+          <a:xfrm>
+            <a:off x="7361177" y="7596968"/>
+            <a:ext cx="1152128" cy="685800"/>
+          </a:xfrm>
+          <a:prstGeom prst="rect">
+            <a:avLst/>
+          </a:prstGeom>
+          <a:solidFill>
+            <a:schemeClr val="bg1">
+              <a:lumMod val="85000"/>
+            </a:schemeClr>
+          </a:solidFill>
+          <a:ln>
+            <a:noFill/>
+          </a:ln>
+        </p:spPr>
+        <p:style>
+          <a:lnRef idx="2">
+            <a:schemeClr val="accent1">
+              <a:shade val="50000"/>
+            </a:schemeClr>
+          </a:lnRef>
+          <a:fillRef idx="1">
+            <a:schemeClr val="accent1"/>
+          </a:fillRef>
+          <a:effectRef idx="0">
+            <a:schemeClr val="accent1"/>
+          </a:effectRef>
+          <a:fontRef idx="minor">
+            <a:schemeClr val="lt1"/>
+          </a:fontRef>
+        </p:style>
+        <p:txBody>
+          <a:bodyPr rtlCol="0" anchor="ctr"/>
+          <a:lstStyle/>
+          <a:p>
+            <a:pPr algn="ctr"/>
+            <a:r>
+              <a:rPr lang="en-US" sz="1800" dirty="0" smtClean="0">
+                <a:solidFill>
                   <a:srgbClr val="37474F"/>
                 </a:solidFill>
                 <a:latin typeface="Corbel" charset="0"/>
                 <a:ea typeface="Corbel" charset="0"/>
                 <a:cs typeface="Corbel" charset="0"/>
               </a:rPr>
-              <a:t>Task</a:t>
+              <a:t>Interface</a:t>
             </a:r>
             <a:endParaRPr lang="en-US" sz="1800" dirty="0">
               <a:solidFill>
@@ -12733,20 +13034,22 @@
       </p:sp>
       <p:sp>
         <p:nvSpPr>
-          <p:cNvPr id="100" name="Rectangle 99"/>
+          <p:cNvPr id="102" name="Rectangle 101"/>
           <p:cNvSpPr/>
           <p:nvPr/>
         </p:nvSpPr>
         <p:spPr>
           <a:xfrm>
-            <a:off x="6318786" y="8493620"/>
-            <a:ext cx="685800" cy="685800"/>
+            <a:off x="7398906" y="8821104"/>
+            <a:ext cx="1152128" cy="685800"/>
           </a:xfrm>
           <a:prstGeom prst="rect">
             <a:avLst/>
           </a:prstGeom>
           <a:solidFill>
-            <a:srgbClr val="64FFDA"/>
+            <a:schemeClr val="bg1">
+              <a:lumMod val="85000"/>
+            </a:schemeClr>
           </a:solidFill>
           <a:ln>
             <a:noFill/>
@@ -12774,7 +13077,7 @@
           <a:p>
             <a:pPr algn="ctr"/>
             <a:r>
-              <a:rPr lang="en-US" sz="1800" dirty="0" smtClean="0">
+              <a:rPr lang="en-US" sz="1800" smtClean="0">
                 <a:solidFill>
                   <a:srgbClr val="37474F"/>
                 </a:solidFill>
@@ -12782,7 +13085,7 @@
                 <a:ea typeface="Corbel" charset="0"/>
                 <a:cs typeface="Corbel" charset="0"/>
               </a:rPr>
-              <a:t>Task</a:t>
+              <a:t>Interface</a:t>
             </a:r>
             <a:endParaRPr lang="en-US" sz="1800" dirty="0">
               <a:solidFill>
@@ -12797,22 +13100,20 @@
       </p:sp>
       <p:sp>
         <p:nvSpPr>
-          <p:cNvPr id="101" name="Rectangle 100"/>
+          <p:cNvPr id="104" name="Rectangle 103"/>
           <p:cNvSpPr/>
           <p:nvPr/>
         </p:nvSpPr>
         <p:spPr>
           <a:xfrm>
-            <a:off x="7361177" y="7596968"/>
-            <a:ext cx="1152128" cy="685800"/>
+            <a:off x="9017362" y="7236928"/>
+            <a:ext cx="685800" cy="685800"/>
           </a:xfrm>
           <a:prstGeom prst="rect">
             <a:avLst/>
           </a:prstGeom>
           <a:solidFill>
-            <a:schemeClr val="bg1">
-              <a:lumMod val="85000"/>
-            </a:schemeClr>
+            <a:srgbClr val="64FFDA"/>
           </a:solidFill>
           <a:ln>
             <a:noFill/>
@@ -12848,7 +13149,7 @@
                 <a:ea typeface="Corbel" charset="0"/>
                 <a:cs typeface="Corbel" charset="0"/>
               </a:rPr>
-              <a:t>Interface</a:t>
+              <a:t>Tool</a:t>
             </a:r>
             <a:endParaRPr lang="en-US" sz="1800" dirty="0">
               <a:solidFill>
@@ -12863,22 +13164,20 @@
       </p:sp>
       <p:sp>
         <p:nvSpPr>
-          <p:cNvPr id="102" name="Rectangle 101"/>
+          <p:cNvPr id="105" name="Rectangle 104"/>
           <p:cNvSpPr/>
           <p:nvPr/>
         </p:nvSpPr>
         <p:spPr>
           <a:xfrm>
-            <a:off x="7398906" y="8821104"/>
-            <a:ext cx="1152128" cy="685800"/>
+            <a:off x="9017362" y="8029016"/>
+            <a:ext cx="685800" cy="685800"/>
           </a:xfrm>
           <a:prstGeom prst="rect">
             <a:avLst/>
           </a:prstGeom>
           <a:solidFill>
-            <a:schemeClr val="bg1">
-              <a:lumMod val="85000"/>
-            </a:schemeClr>
+            <a:srgbClr val="64FFDA"/>
           </a:solidFill>
           <a:ln>
             <a:noFill/>
@@ -12914,7 +13213,7 @@
                 <a:ea typeface="Corbel" charset="0"/>
                 <a:cs typeface="Corbel" charset="0"/>
               </a:rPr>
-              <a:t>Interface</a:t>
+              <a:t>Tool</a:t>
             </a:r>
             <a:endParaRPr lang="en-US" sz="1800" dirty="0">
               <a:solidFill>
@@ -12929,20 +13228,20 @@
       </p:sp>
       <p:sp>
         <p:nvSpPr>
-          <p:cNvPr id="104" name="Rectangle 103"/>
+          <p:cNvPr id="106" name="Rectangle 105"/>
           <p:cNvSpPr/>
           <p:nvPr/>
         </p:nvSpPr>
         <p:spPr>
           <a:xfrm>
-            <a:off x="9017362" y="7236928"/>
+            <a:off x="9017361" y="8821104"/>
             <a:ext cx="685800" cy="685800"/>
           </a:xfrm>
           <a:prstGeom prst="rect">
             <a:avLst/>
           </a:prstGeom>
           <a:solidFill>
-            <a:srgbClr val="73626E"/>
+            <a:srgbClr val="64FFDA"/>
           </a:solidFill>
           <a:ln>
             <a:noFill/>
@@ -12970,11 +13269,9 @@
           <a:p>
             <a:pPr algn="ctr"/>
             <a:r>
-              <a:rPr lang="en-US" sz="1800" dirty="0" smtClean="0">
-                <a:solidFill>
-                  <a:schemeClr val="bg1">
-                    <a:lumMod val="95000"/>
-                  </a:schemeClr>
+              <a:rPr lang="en-US" sz="1800" smtClean="0">
+                <a:solidFill>
+                  <a:srgbClr val="37474F"/>
                 </a:solidFill>
                 <a:latin typeface="Corbel" charset="0"/>
                 <a:ea typeface="Corbel" charset="0"/>
@@ -12984,145 +13281,7 @@
             </a:r>
             <a:endParaRPr lang="en-US" sz="1800" dirty="0">
               <a:solidFill>
-                <a:schemeClr val="bg1">
-                  <a:lumMod val="95000"/>
-                </a:schemeClr>
-              </a:solidFill>
-              <a:latin typeface="Corbel" charset="0"/>
-              <a:ea typeface="Corbel" charset="0"/>
-              <a:cs typeface="Corbel" charset="0"/>
-            </a:endParaRPr>
-          </a:p>
-        </p:txBody>
-      </p:sp>
-      <p:sp>
-        <p:nvSpPr>
-          <p:cNvPr id="105" name="Rectangle 104"/>
-          <p:cNvSpPr/>
-          <p:nvPr/>
-        </p:nvSpPr>
-        <p:spPr>
-          <a:xfrm>
-            <a:off x="9017362" y="8029016"/>
-            <a:ext cx="685800" cy="685800"/>
-          </a:xfrm>
-          <a:prstGeom prst="rect">
-            <a:avLst/>
-          </a:prstGeom>
-          <a:solidFill>
-            <a:srgbClr val="73626E"/>
-          </a:solidFill>
-          <a:ln>
-            <a:noFill/>
-          </a:ln>
-        </p:spPr>
-        <p:style>
-          <a:lnRef idx="2">
-            <a:schemeClr val="accent1">
-              <a:shade val="50000"/>
-            </a:schemeClr>
-          </a:lnRef>
-          <a:fillRef idx="1">
-            <a:schemeClr val="accent1"/>
-          </a:fillRef>
-          <a:effectRef idx="0">
-            <a:schemeClr val="accent1"/>
-          </a:effectRef>
-          <a:fontRef idx="minor">
-            <a:schemeClr val="lt1"/>
-          </a:fontRef>
-        </p:style>
-        <p:txBody>
-          <a:bodyPr rtlCol="0" anchor="ctr"/>
-          <a:lstStyle/>
-          <a:p>
-            <a:pPr algn="ctr"/>
-            <a:r>
-              <a:rPr lang="en-US" sz="1800" smtClean="0">
-                <a:solidFill>
-                  <a:schemeClr val="bg1">
-                    <a:lumMod val="95000"/>
-                  </a:schemeClr>
-                </a:solidFill>
-                <a:latin typeface="Corbel" charset="0"/>
-                <a:ea typeface="Corbel" charset="0"/>
-                <a:cs typeface="Corbel" charset="0"/>
-              </a:rPr>
-              <a:t>Tool</a:t>
-            </a:r>
-            <a:endParaRPr lang="en-US" sz="1800" dirty="0">
-              <a:solidFill>
-                <a:schemeClr val="bg1">
-                  <a:lumMod val="95000"/>
-                </a:schemeClr>
-              </a:solidFill>
-              <a:latin typeface="Corbel" charset="0"/>
-              <a:ea typeface="Corbel" charset="0"/>
-              <a:cs typeface="Corbel" charset="0"/>
-            </a:endParaRPr>
-          </a:p>
-        </p:txBody>
-      </p:sp>
-      <p:sp>
-        <p:nvSpPr>
-          <p:cNvPr id="106" name="Rectangle 105"/>
-          <p:cNvSpPr/>
-          <p:nvPr/>
-        </p:nvSpPr>
-        <p:spPr>
-          <a:xfrm>
-            <a:off x="9017361" y="8821104"/>
-            <a:ext cx="685800" cy="685800"/>
-          </a:xfrm>
-          <a:prstGeom prst="rect">
-            <a:avLst/>
-          </a:prstGeom>
-          <a:solidFill>
-            <a:srgbClr val="73626E"/>
-          </a:solidFill>
-          <a:ln>
-            <a:noFill/>
-          </a:ln>
-        </p:spPr>
-        <p:style>
-          <a:lnRef idx="2">
-            <a:schemeClr val="accent1">
-              <a:shade val="50000"/>
-            </a:schemeClr>
-          </a:lnRef>
-          <a:fillRef idx="1">
-            <a:schemeClr val="accent1"/>
-          </a:fillRef>
-          <a:effectRef idx="0">
-            <a:schemeClr val="accent1"/>
-          </a:effectRef>
-          <a:fontRef idx="minor">
-            <a:schemeClr val="lt1"/>
-          </a:fontRef>
-        </p:style>
-        <p:txBody>
-          <a:bodyPr rtlCol="0" anchor="ctr"/>
-          <a:lstStyle/>
-          <a:p>
-            <a:pPr algn="ctr"/>
-            <a:r>
-              <a:rPr lang="en-US" sz="1800" smtClean="0">
-                <a:solidFill>
-                  <a:schemeClr val="bg1">
-                    <a:lumMod val="95000"/>
-                  </a:schemeClr>
-                </a:solidFill>
-                <a:latin typeface="Corbel" charset="0"/>
-                <a:ea typeface="Corbel" charset="0"/>
-                <a:cs typeface="Corbel" charset="0"/>
-              </a:rPr>
-              <a:t>Tool</a:t>
-            </a:r>
-            <a:endParaRPr lang="en-US" sz="1800" dirty="0">
-              <a:solidFill>
-                <a:schemeClr val="bg1">
-                  <a:lumMod val="95000"/>
-                </a:schemeClr>
+                <a:srgbClr val="37474F"/>
               </a:solidFill>
               <a:latin typeface="Corbel" charset="0"/>
               <a:ea typeface="Corbel" charset="0"/>
@@ -13307,7 +13466,7 @@
         </p:nvSpPr>
         <p:spPr>
           <a:xfrm>
-            <a:off x="1976735" y="10110107"/>
+            <a:off x="1976735" y="10227880"/>
             <a:ext cx="2448272" cy="1293971"/>
           </a:xfrm>
           <a:prstGeom prst="roundRect">

--- a/Open Repositories 2017/Charon Poster/OR2017_Charon_Poster_Working.pptx
+++ b/Open Repositories 2017/Charon Poster/OR2017_Charon_Poster_Working.pptx
@@ -8,8 +8,8 @@
     <p:notesMasterId r:id="rId14"/>
   </p:notesMasterIdLst>
   <p:sldIdLst>
-    <p:sldId id="266" r:id="rId2"/>
-    <p:sldId id="268" r:id="rId3"/>
+    <p:sldId id="268" r:id="rId2"/>
+    <p:sldId id="266" r:id="rId3"/>
     <p:sldId id="267" r:id="rId4"/>
     <p:sldId id="260" r:id="rId5"/>
     <p:sldId id="265" r:id="rId6"/>
@@ -120,18 +120,7 @@
   </p:defaultTextStyle>
   <p:extLst>
     <p:ext uri="{EFAFB233-063F-42B5-8137-9DF3F51BA10A}">
-      <p15:sldGuideLst xmlns:p15="http://schemas.microsoft.com/office/powerpoint/2012/main">
-        <p15:guide id="1" orient="horz" pos="1543" userDrawn="1">
-          <p15:clr>
-            <a:srgbClr val="A4A3A4"/>
-          </p15:clr>
-        </p15:guide>
-        <p15:guide id="3" pos="6371" userDrawn="1">
-          <p15:clr>
-            <a:srgbClr val="A4A3A4"/>
-          </p15:clr>
-        </p15:guide>
-      </p15:sldGuideLst>
+      <p15:sldGuideLst xmlns:p15="http://schemas.microsoft.com/office/powerpoint/2012/main"/>
     </p:ext>
     <p:ext uri="{2D200454-40CA-4A62-9FC3-DE9A4176ACB9}">
       <p15:notesGuideLst xmlns:p15="http://schemas.microsoft.com/office/powerpoint/2012/main">
@@ -405,7 +394,7 @@
           <a:p>
             <a:fld id="{60829E41-64EF-604D-A40A-7DA186A06455}" type="datetimeFigureOut">
               <a:rPr lang="en-US" smtClean="0"/>
-              <a:t>5/31/17</a:t>
+              <a:t>6/1/17</a:t>
             </a:fld>
             <a:endParaRPr lang="en-US"/>
           </a:p>
@@ -767,7 +756,7 @@
     </p:spTree>
     <p:extLst>
       <p:ext uri="{BB962C8B-B14F-4D97-AF65-F5344CB8AC3E}">
-        <p14:creationId xmlns:p14="http://schemas.microsoft.com/office/powerpoint/2010/main" val="61670649"/>
+        <p14:creationId xmlns:p14="http://schemas.microsoft.com/office/powerpoint/2010/main" val="1645447482"/>
       </p:ext>
     </p:extLst>
   </p:cSld>
@@ -871,7 +860,7 @@
     </p:spTree>
     <p:extLst>
       <p:ext uri="{BB962C8B-B14F-4D97-AF65-F5344CB8AC3E}">
-        <p14:creationId xmlns:p14="http://schemas.microsoft.com/office/powerpoint/2010/main" val="1645447482"/>
+        <p14:creationId xmlns:p14="http://schemas.microsoft.com/office/powerpoint/2010/main" val="61670649"/>
       </p:ext>
     </p:extLst>
   </p:cSld>
@@ -1651,7 +1640,7 @@
             <a:fld id="{E8B92B60-3ACF-4E3B-ACCA-3CF86291A092}" type="datetimeFigureOut">
               <a:rPr lang="en-AU" smtClean="0"/>
               <a:pPr/>
-              <a:t>31/05/2017</a:t>
+              <a:t>1/06/2017</a:t>
             </a:fld>
             <a:endParaRPr lang="en-AU"/>
           </a:p>
@@ -1818,7 +1807,7 @@
             <a:fld id="{E8B92B60-3ACF-4E3B-ACCA-3CF86291A092}" type="datetimeFigureOut">
               <a:rPr lang="en-AU" smtClean="0"/>
               <a:pPr/>
-              <a:t>31/05/2017</a:t>
+              <a:t>1/06/2017</a:t>
             </a:fld>
             <a:endParaRPr lang="en-AU"/>
           </a:p>
@@ -1995,7 +1984,7 @@
             <a:fld id="{E8B92B60-3ACF-4E3B-ACCA-3CF86291A092}" type="datetimeFigureOut">
               <a:rPr lang="en-AU" smtClean="0"/>
               <a:pPr/>
-              <a:t>31/05/2017</a:t>
+              <a:t>1/06/2017</a:t>
             </a:fld>
             <a:endParaRPr lang="en-AU"/>
           </a:p>
@@ -2162,7 +2151,7 @@
             <a:fld id="{E8B92B60-3ACF-4E3B-ACCA-3CF86291A092}" type="datetimeFigureOut">
               <a:rPr lang="en-AU" smtClean="0"/>
               <a:pPr/>
-              <a:t>31/05/2017</a:t>
+              <a:t>1/06/2017</a:t>
             </a:fld>
             <a:endParaRPr lang="en-AU"/>
           </a:p>
@@ -2405,7 +2394,7 @@
             <a:fld id="{E8B92B60-3ACF-4E3B-ACCA-3CF86291A092}" type="datetimeFigureOut">
               <a:rPr lang="en-AU" smtClean="0"/>
               <a:pPr/>
-              <a:t>31/05/2017</a:t>
+              <a:t>1/06/2017</a:t>
             </a:fld>
             <a:endParaRPr lang="en-AU"/>
           </a:p>
@@ -2690,7 +2679,7 @@
             <a:fld id="{E8B92B60-3ACF-4E3B-ACCA-3CF86291A092}" type="datetimeFigureOut">
               <a:rPr lang="en-AU" smtClean="0"/>
               <a:pPr/>
-              <a:t>31/05/2017</a:t>
+              <a:t>1/06/2017</a:t>
             </a:fld>
             <a:endParaRPr lang="en-AU"/>
           </a:p>
@@ -3114,7 +3103,7 @@
             <a:fld id="{E8B92B60-3ACF-4E3B-ACCA-3CF86291A092}" type="datetimeFigureOut">
               <a:rPr lang="en-AU" smtClean="0"/>
               <a:pPr/>
-              <a:t>31/05/2017</a:t>
+              <a:t>1/06/2017</a:t>
             </a:fld>
             <a:endParaRPr lang="en-AU"/>
           </a:p>
@@ -3229,7 +3218,7 @@
             <a:fld id="{E8B92B60-3ACF-4E3B-ACCA-3CF86291A092}" type="datetimeFigureOut">
               <a:rPr lang="en-AU" smtClean="0"/>
               <a:pPr/>
-              <a:t>31/05/2017</a:t>
+              <a:t>1/06/2017</a:t>
             </a:fld>
             <a:endParaRPr lang="en-AU"/>
           </a:p>
@@ -3321,7 +3310,7 @@
             <a:fld id="{E8B92B60-3ACF-4E3B-ACCA-3CF86291A092}" type="datetimeFigureOut">
               <a:rPr lang="en-AU" smtClean="0"/>
               <a:pPr/>
-              <a:t>31/05/2017</a:t>
+              <a:t>1/06/2017</a:t>
             </a:fld>
             <a:endParaRPr lang="en-AU"/>
           </a:p>
@@ -3595,7 +3584,7 @@
             <a:fld id="{E8B92B60-3ACF-4E3B-ACCA-3CF86291A092}" type="datetimeFigureOut">
               <a:rPr lang="en-AU" smtClean="0"/>
               <a:pPr/>
-              <a:t>31/05/2017</a:t>
+              <a:t>1/06/2017</a:t>
             </a:fld>
             <a:endParaRPr lang="en-AU"/>
           </a:p>
@@ -3845,7 +3834,7 @@
             <a:fld id="{E8B92B60-3ACF-4E3B-ACCA-3CF86291A092}" type="datetimeFigureOut">
               <a:rPr lang="en-AU" smtClean="0"/>
               <a:pPr/>
-              <a:t>31/05/2017</a:t>
+              <a:t>1/06/2017</a:t>
             </a:fld>
             <a:endParaRPr lang="en-AU"/>
           </a:p>
@@ -4055,7 +4044,7 @@
             <a:fld id="{E8B92B60-3ACF-4E3B-ACCA-3CF86291A092}" type="datetimeFigureOut">
               <a:rPr lang="en-AU" smtClean="0"/>
               <a:pPr/>
-              <a:t>31/05/2017</a:t>
+              <a:t>1/06/2017</a:t>
             </a:fld>
             <a:endParaRPr lang="en-AU"/>
           </a:p>
@@ -4415,10 +4404,7 @@
     <p:bg>
       <p:bgPr>
         <a:solidFill>
-          <a:schemeClr val="tx1">
-            <a:lumMod val="75000"/>
-            <a:lumOff val="25000"/>
-          </a:schemeClr>
+          <a:srgbClr val="37474F"/>
         </a:solidFill>
         <a:effectLst/>
       </p:bgPr>
@@ -4513,7 +4499,7 @@
             </a:avLst>
           </a:prstGeom>
           <a:solidFill>
-            <a:srgbClr val="73626E"/>
+            <a:srgbClr val="78909C"/>
           </a:solidFill>
           <a:ln w="63500">
             <a:solidFill>
@@ -4628,7 +4614,7 @@
             </a:avLst>
           </a:prstGeom>
           <a:solidFill>
-            <a:srgbClr val="73626E"/>
+            <a:srgbClr val="78909C"/>
           </a:solidFill>
           <a:ln w="63500">
             <a:solidFill>
@@ -4743,7 +4729,7 @@
             </a:avLst>
           </a:prstGeom>
           <a:solidFill>
-            <a:srgbClr val="73626E"/>
+            <a:srgbClr val="78909C"/>
           </a:solidFill>
           <a:ln w="63500">
             <a:solidFill>
@@ -4840,6 +4826,43 @@
           </a:p>
         </p:txBody>
       </p:sp>
+      <p:cxnSp>
+        <p:nvCxnSpPr>
+          <p:cNvPr id="119" name="Straight Arrow Connector 118"/>
+          <p:cNvCxnSpPr/>
+          <p:nvPr/>
+        </p:nvCxnSpPr>
+        <p:spPr>
+          <a:xfrm>
+            <a:off x="6894850" y="7957008"/>
+            <a:ext cx="481982" cy="0"/>
+          </a:xfrm>
+          <a:prstGeom prst="straightConnector1">
+            <a:avLst/>
+          </a:prstGeom>
+          <a:ln w="25400">
+            <a:solidFill>
+              <a:schemeClr val="bg1"/>
+            </a:solidFill>
+            <a:headEnd type="none" w="sm" len="sm"/>
+            <a:tailEnd type="arrow" w="sm" len="sm"/>
+          </a:ln>
+        </p:spPr>
+        <p:style>
+          <a:lnRef idx="1">
+            <a:schemeClr val="accent1"/>
+          </a:lnRef>
+          <a:fillRef idx="0">
+            <a:schemeClr val="accent1"/>
+          </a:fillRef>
+          <a:effectRef idx="0">
+            <a:schemeClr val="accent1"/>
+          </a:effectRef>
+          <a:fontRef idx="minor">
+            <a:schemeClr val="tx1"/>
+          </a:fontRef>
+        </p:style>
+      </p:cxnSp>
       <p:sp>
         <p:nvSpPr>
           <p:cNvPr id="6" name="Round Same Side Corner Rectangle 5"/>
@@ -4855,7 +4878,7 @@
             <a:avLst/>
           </a:prstGeom>
           <a:solidFill>
-            <a:srgbClr val="73626E"/>
+            <a:srgbClr val="78909C"/>
           </a:solidFill>
           <a:ln w="63500">
             <a:solidFill>
@@ -4902,8 +4925,8 @@
         </p:nvSpPr>
         <p:spPr>
           <a:xfrm>
-            <a:off x="943985" y="3456955"/>
-            <a:ext cx="4417125" cy="3168352"/>
+            <a:off x="968622" y="3456955"/>
+            <a:ext cx="4176465" cy="3168352"/>
           </a:xfrm>
           <a:prstGeom prst="roundRect">
             <a:avLst/>
@@ -4913,8 +4936,11 @@
               <a:lumMod val="85000"/>
             </a:schemeClr>
           </a:solidFill>
-          <a:ln>
-            <a:noFill/>
+          <a:ln w="15875">
+            <a:solidFill>
+              <a:srgbClr val="78909C"/>
+            </a:solidFill>
+            <a:prstDash val="sysDot"/>
           </a:ln>
         </p:spPr>
         <p:style>
@@ -4959,8 +4985,8 @@
         </p:nvSpPr>
         <p:spPr>
           <a:xfrm>
-            <a:off x="5433119" y="3456955"/>
-            <a:ext cx="4536828" cy="3262432"/>
+            <a:off x="5289103" y="3456955"/>
+            <a:ext cx="4608512" cy="3262432"/>
           </a:xfrm>
           <a:prstGeom prst="rect">
             <a:avLst/>
@@ -4979,9 +5005,7 @@
             <a:r>
               <a:rPr lang="en-US" sz="2000" dirty="0" smtClean="0">
                 <a:solidFill>
-                  <a:schemeClr val="bg1">
-                    <a:lumMod val="85000"/>
-                  </a:schemeClr>
+                  <a:srgbClr val="37474F"/>
                 </a:solidFill>
                 <a:latin typeface="Corbel" charset="0"/>
                 <a:ea typeface="Corbel" charset="0"/>
@@ -4992,164 +5016,215 @@
             <a:r>
               <a:rPr lang="en-US" sz="2000" dirty="0">
                 <a:solidFill>
-                  <a:schemeClr val="bg1">
-                    <a:lumMod val="85000"/>
-                  </a:schemeClr>
+                  <a:srgbClr val="37474F"/>
                 </a:solidFill>
                 <a:latin typeface="Corbel" charset="0"/>
                 <a:ea typeface="Corbel" charset="0"/>
                 <a:cs typeface="Corbel" charset="0"/>
               </a:rPr>
-              <a:t>to enable the creation, dissemination, and </a:t>
+              <a:t>to enable </a:t>
             </a:r>
             <a:r>
               <a:rPr lang="en-US" sz="2000" dirty="0" smtClean="0">
                 <a:solidFill>
-                  <a:schemeClr val="bg1">
-                    <a:lumMod val="85000"/>
-                  </a:schemeClr>
+                  <a:srgbClr val="37474F"/>
                 </a:solidFill>
                 <a:latin typeface="Corbel" charset="0"/>
                 <a:ea typeface="Corbel" charset="0"/>
                 <a:cs typeface="Corbel" charset="0"/>
               </a:rPr>
-              <a:t>long-term </a:t>
+              <a:t>the creation</a:t>
             </a:r>
             <a:r>
               <a:rPr lang="en-US" sz="2000" dirty="0">
                 <a:solidFill>
-                  <a:schemeClr val="bg1">
-                    <a:lumMod val="85000"/>
-                  </a:schemeClr>
+                  <a:srgbClr val="37474F"/>
                 </a:solidFill>
                 <a:latin typeface="Corbel" charset="0"/>
                 <a:ea typeface="Corbel" charset="0"/>
                 <a:cs typeface="Corbel" charset="0"/>
               </a:rPr>
-              <a:t>support of </a:t>
+              <a:t>, </a:t>
             </a:r>
             <a:r>
               <a:rPr lang="en-US" sz="2000" dirty="0" smtClean="0">
                 <a:solidFill>
-                  <a:schemeClr val="bg1">
-                    <a:lumMod val="85000"/>
-                  </a:schemeClr>
+                  <a:srgbClr val="37474F"/>
                 </a:solidFill>
                 <a:latin typeface="Corbel" charset="0"/>
                 <a:ea typeface="Corbel" charset="0"/>
                 <a:cs typeface="Corbel" charset="0"/>
               </a:rPr>
-              <a:t>digital humanities projects </a:t>
+              <a:t>curation, dissemination</a:t>
             </a:r>
             <a:r>
               <a:rPr lang="en-US" sz="2000" dirty="0">
                 <a:solidFill>
-                  <a:schemeClr val="bg1">
-                    <a:lumMod val="85000"/>
-                  </a:schemeClr>
+                  <a:srgbClr val="37474F"/>
                 </a:solidFill>
                 <a:latin typeface="Corbel" charset="0"/>
                 <a:ea typeface="Corbel" charset="0"/>
                 <a:cs typeface="Corbel" charset="0"/>
               </a:rPr>
-              <a:t>and </a:t>
+              <a:t>, and </a:t>
             </a:r>
             <a:r>
               <a:rPr lang="en-US" sz="2000" dirty="0" smtClean="0">
                 <a:solidFill>
-                  <a:schemeClr val="bg1">
-                    <a:lumMod val="85000"/>
-                  </a:schemeClr>
+                  <a:srgbClr val="37474F"/>
                 </a:solidFill>
                 <a:latin typeface="Corbel" charset="0"/>
                 <a:ea typeface="Corbel" charset="0"/>
                 <a:cs typeface="Corbel" charset="0"/>
               </a:rPr>
-              <a:t>publications? NUL's Digital Scholarship Group seeks </a:t>
+              <a:t>long-term </a:t>
             </a:r>
             <a:r>
               <a:rPr lang="en-US" sz="2000" dirty="0">
                 <a:solidFill>
-                  <a:schemeClr val="bg1">
-                    <a:lumMod val="85000"/>
-                  </a:schemeClr>
+                  <a:srgbClr val="37474F"/>
                 </a:solidFill>
                 <a:latin typeface="Corbel" charset="0"/>
                 <a:ea typeface="Corbel" charset="0"/>
                 <a:cs typeface="Corbel" charset="0"/>
               </a:rPr>
-              <a:t>to answer this question by developing a workflow-based digital </a:t>
+              <a:t>support of </a:t>
             </a:r>
             <a:r>
               <a:rPr lang="en-US" sz="2000" dirty="0" smtClean="0">
                 <a:solidFill>
-                  <a:schemeClr val="bg1">
-                    <a:lumMod val="85000"/>
-                  </a:schemeClr>
+                  <a:srgbClr val="37474F"/>
                 </a:solidFill>
                 <a:latin typeface="Corbel" charset="0"/>
                 <a:ea typeface="Corbel" charset="0"/>
                 <a:cs typeface="Corbel" charset="0"/>
               </a:rPr>
-              <a:t>framework </a:t>
+              <a:t>digital humanities (DH) projects </a:t>
             </a:r>
             <a:r>
               <a:rPr lang="en-US" sz="2000" dirty="0">
                 <a:solidFill>
-                  <a:schemeClr val="bg1">
-                    <a:lumMod val="85000"/>
-                  </a:schemeClr>
+                  <a:srgbClr val="37474F"/>
                 </a:solidFill>
                 <a:latin typeface="Corbel" charset="0"/>
                 <a:ea typeface="Corbel" charset="0"/>
                 <a:cs typeface="Corbel" charset="0"/>
               </a:rPr>
-              <a:t>to provide editorial </a:t>
+              <a:t>and </a:t>
             </a:r>
             <a:r>
               <a:rPr lang="en-US" sz="2000" dirty="0" smtClean="0">
                 <a:solidFill>
-                  <a:schemeClr val="bg1">
-                    <a:lumMod val="85000"/>
-                  </a:schemeClr>
+                  <a:srgbClr val="37474F"/>
                 </a:solidFill>
                 <a:latin typeface="Corbel" charset="0"/>
                 <a:ea typeface="Corbel" charset="0"/>
                 <a:cs typeface="Corbel" charset="0"/>
               </a:rPr>
-              <a:t>and other workflow </a:t>
+              <a:t>publications? NUL's Digital Scholarship Group seeks </a:t>
             </a:r>
             <a:r>
               <a:rPr lang="en-US" sz="2000" dirty="0">
                 <a:solidFill>
-                  <a:schemeClr val="bg1">
-                    <a:lumMod val="85000"/>
-                  </a:schemeClr>
+                  <a:srgbClr val="37474F"/>
                 </a:solidFill>
                 <a:latin typeface="Corbel" charset="0"/>
                 <a:ea typeface="Corbel" charset="0"/>
                 <a:cs typeface="Corbel" charset="0"/>
               </a:rPr>
-              <a:t>management </a:t>
+              <a:t>to answer this question by developing a </a:t>
             </a:r>
             <a:r>
               <a:rPr lang="en-US" sz="2000" dirty="0" smtClean="0">
                 <a:solidFill>
-                  <a:schemeClr val="bg1">
-                    <a:lumMod val="85000"/>
-                  </a:schemeClr>
+                  <a:srgbClr val="37474F"/>
                 </a:solidFill>
                 <a:latin typeface="Corbel" charset="0"/>
                 <a:ea typeface="Corbel" charset="0"/>
                 <a:cs typeface="Corbel" charset="0"/>
               </a:rPr>
-              <a:t>tools commonly used in digital humanities project work.</a:t>
+              <a:t>digital </a:t>
+            </a:r>
+            <a:r>
+              <a:rPr lang="en-US" sz="2000" dirty="0" smtClean="0">
+                <a:solidFill>
+                  <a:srgbClr val="37474F"/>
+                </a:solidFill>
+                <a:latin typeface="Corbel" charset="0"/>
+                <a:ea typeface="Corbel" charset="0"/>
+                <a:cs typeface="Corbel" charset="0"/>
+              </a:rPr>
+              <a:t>curation framework that provides </a:t>
+            </a:r>
+            <a:r>
+              <a:rPr lang="en-US" sz="2000" dirty="0" smtClean="0">
+                <a:solidFill>
+                  <a:srgbClr val="37474F"/>
+                </a:solidFill>
+                <a:latin typeface="Corbel" charset="0"/>
+                <a:ea typeface="Corbel" charset="0"/>
+                <a:cs typeface="Corbel" charset="0"/>
+              </a:rPr>
+              <a:t>workflow </a:t>
+            </a:r>
+            <a:r>
+              <a:rPr lang="en-US" sz="2000" dirty="0">
+                <a:solidFill>
+                  <a:srgbClr val="37474F"/>
+                </a:solidFill>
+                <a:latin typeface="Corbel" charset="0"/>
+                <a:ea typeface="Corbel" charset="0"/>
+                <a:cs typeface="Corbel" charset="0"/>
+              </a:rPr>
+              <a:t>management </a:t>
+            </a:r>
+            <a:r>
+              <a:rPr lang="en-US" sz="2000" dirty="0" smtClean="0">
+                <a:solidFill>
+                  <a:srgbClr val="37474F"/>
+                </a:solidFill>
+                <a:latin typeface="Corbel" charset="0"/>
+                <a:ea typeface="Corbel" charset="0"/>
+                <a:cs typeface="Corbel" charset="0"/>
+              </a:rPr>
+              <a:t>tools </a:t>
+            </a:r>
+            <a:r>
+              <a:rPr lang="en-US" sz="2000" dirty="0" smtClean="0">
+                <a:solidFill>
+                  <a:srgbClr val="37474F"/>
+                </a:solidFill>
+                <a:latin typeface="Corbel" charset="0"/>
+                <a:ea typeface="Corbel" charset="0"/>
+                <a:cs typeface="Corbel" charset="0"/>
+              </a:rPr>
+              <a:t>to support common DH </a:t>
+            </a:r>
+            <a:r>
+              <a:rPr lang="en-US" sz="2000" dirty="0" smtClean="0">
+                <a:solidFill>
+                  <a:srgbClr val="37474F"/>
+                </a:solidFill>
+                <a:latin typeface="Corbel" charset="0"/>
+                <a:ea typeface="Corbel" charset="0"/>
+                <a:cs typeface="Corbel" charset="0"/>
+              </a:rPr>
+              <a:t>project </a:t>
+            </a:r>
+            <a:r>
+              <a:rPr lang="en-US" sz="2000" dirty="0" smtClean="0">
+                <a:solidFill>
+                  <a:srgbClr val="37474F"/>
+                </a:solidFill>
+                <a:latin typeface="Corbel" charset="0"/>
+                <a:ea typeface="Corbel" charset="0"/>
+                <a:cs typeface="Corbel" charset="0"/>
+              </a:rPr>
+              <a:t>activities, such as text transcription and encoding.</a:t>
             </a:r>
             <a:endParaRPr lang="en-US" sz="2000" dirty="0">
               <a:solidFill>
-                <a:schemeClr val="bg1">
-                  <a:lumMod val="85000"/>
-                </a:schemeClr>
+                <a:srgbClr val="37474F"/>
               </a:solidFill>
               <a:latin typeface="Corbel" charset="0"/>
               <a:ea typeface="Corbel" charset="0"/>
@@ -5293,9 +5368,7 @@
             <a:r>
               <a:rPr lang="en-US" sz="6000" dirty="0">
                 <a:solidFill>
-                  <a:schemeClr val="bg1">
-                    <a:lumMod val="85000"/>
-                  </a:schemeClr>
+                  <a:srgbClr val="FFD966"/>
                 </a:solidFill>
                 <a:latin typeface="Corbel" charset="0"/>
                 <a:ea typeface="Corbel" charset="0"/>
@@ -5306,9 +5379,7 @@
             <a:r>
               <a:rPr lang="en-US" sz="5800" dirty="0" smtClean="0">
                 <a:solidFill>
-                  <a:schemeClr val="bg1">
-                    <a:lumMod val="85000"/>
-                  </a:schemeClr>
+                  <a:srgbClr val="FFD966"/>
                 </a:solidFill>
                 <a:latin typeface="Corbel" charset="0"/>
                 <a:ea typeface="Corbel" charset="0"/>
@@ -5319,9 +5390,7 @@
             <a:r>
               <a:rPr lang="en-US" sz="5800" dirty="0">
                 <a:solidFill>
-                  <a:schemeClr val="bg1">
-                    <a:lumMod val="85000"/>
-                  </a:schemeClr>
+                  <a:srgbClr val="FFD966"/>
                 </a:solidFill>
                 <a:latin typeface="Corbel" charset="0"/>
                 <a:ea typeface="Corbel" charset="0"/>
@@ -5332,21 +5401,39 @@
             <a:r>
               <a:rPr lang="en-US" sz="5800" dirty="0" smtClean="0">
                 <a:solidFill>
-                  <a:schemeClr val="bg1">
-                    <a:lumMod val="85000"/>
-                  </a:schemeClr>
+                  <a:srgbClr val="FFD966"/>
                 </a:solidFill>
                 <a:latin typeface="Corbel" charset="0"/>
                 <a:ea typeface="Corbel" charset="0"/>
                 <a:cs typeface="Corbel" charset="0"/>
               </a:rPr>
-              <a:t>for Digital Humanities Project Work</a:t>
+              <a:t>for Digital </a:t>
+            </a:r>
+            <a:r>
+              <a:rPr lang="en-US" sz="5800" dirty="0" smtClean="0">
+                <a:solidFill>
+                  <a:srgbClr val="FFD966"/>
+                </a:solidFill>
+                <a:latin typeface="Corbel" charset="0"/>
+                <a:ea typeface="Corbel" charset="0"/>
+                <a:cs typeface="Corbel" charset="0"/>
+              </a:rPr>
+              <a:t>Humanities </a:t>
+            </a:r>
+            <a:r>
+              <a:rPr lang="en-US" sz="5800" dirty="0" smtClean="0">
+                <a:solidFill>
+                  <a:srgbClr val="FFD966"/>
+                </a:solidFill>
+                <a:latin typeface="Corbel" charset="0"/>
+                <a:ea typeface="Corbel" charset="0"/>
+                <a:cs typeface="Corbel" charset="0"/>
+              </a:rPr>
+              <a:t>Projects</a:t>
             </a:r>
             <a:endParaRPr lang="en-US" sz="5800" dirty="0">
               <a:solidFill>
-                <a:schemeClr val="bg1">
-                  <a:lumMod val="85000"/>
-                </a:schemeClr>
+                <a:srgbClr val="FFD966"/>
               </a:solidFill>
               <a:latin typeface="Corbel" charset="0"/>
               <a:ea typeface="Corbel" charset="0"/>
@@ -5383,9 +5470,7 @@
             <a:r>
               <a:rPr lang="en-US" sz="2400" dirty="0">
                 <a:solidFill>
-                  <a:schemeClr val="bg1">
-                    <a:lumMod val="85000"/>
-                  </a:schemeClr>
+                  <a:srgbClr val="E0E0E0"/>
                 </a:solidFill>
                 <a:latin typeface="Corbel" charset="0"/>
                 <a:ea typeface="Corbel" charset="0"/>
@@ -5396,9 +5481,7 @@
             <a:r>
               <a:rPr lang="en-US" sz="2400" dirty="0" err="1">
                 <a:solidFill>
-                  <a:schemeClr val="bg1">
-                    <a:lumMod val="85000"/>
-                  </a:schemeClr>
+                  <a:srgbClr val="E0E0E0"/>
                 </a:solidFill>
                 <a:latin typeface="Corbel" charset="0"/>
                 <a:ea typeface="Corbel" charset="0"/>
@@ -5408,9 +5491,7 @@
             </a:r>
             <a:endParaRPr lang="en-US" sz="2400" dirty="0">
               <a:solidFill>
-                <a:schemeClr val="bg1">
-                  <a:lumMod val="85000"/>
-                </a:schemeClr>
+                <a:srgbClr val="E0E0E0"/>
               </a:solidFill>
               <a:latin typeface="Corbel" charset="0"/>
               <a:ea typeface="Corbel" charset="0"/>
@@ -5421,9 +5502,7 @@
             <a:r>
               <a:rPr lang="en-US" sz="2400" dirty="0" smtClean="0">
                 <a:solidFill>
-                  <a:schemeClr val="bg1">
-                    <a:lumMod val="85000"/>
-                  </a:schemeClr>
+                  <a:srgbClr val="E0E0E0"/>
                 </a:solidFill>
                 <a:latin typeface="Corbel" charset="0"/>
                 <a:ea typeface="Corbel" charset="0"/>
@@ -5436,9 +5515,7 @@
             <a:r>
               <a:rPr lang="en-US" sz="2400" dirty="0" smtClean="0">
                 <a:solidFill>
-                  <a:schemeClr val="bg1">
-                    <a:lumMod val="85000"/>
-                  </a:schemeClr>
+                  <a:srgbClr val="E0E0E0"/>
                 </a:solidFill>
                 <a:latin typeface="Corbel" charset="0"/>
                 <a:ea typeface="Corbel" charset="0"/>
@@ -5477,9 +5554,7 @@
             <a:r>
               <a:rPr lang="en-US" sz="2000" dirty="0" smtClean="0">
                 <a:solidFill>
-                  <a:schemeClr val="bg1">
-                    <a:lumMod val="95000"/>
-                  </a:schemeClr>
+                  <a:srgbClr val="37474F"/>
                 </a:solidFill>
                 <a:latin typeface="Corbel" charset="0"/>
                 <a:ea typeface="Corbel" charset="0"/>
@@ -5490,9 +5565,7 @@
             <a:r>
               <a:rPr lang="en-US" sz="500" dirty="0">
                 <a:solidFill>
-                  <a:schemeClr val="bg1">
-                    <a:lumMod val="95000"/>
-                  </a:schemeClr>
+                  <a:srgbClr val="37474F"/>
                 </a:solidFill>
                 <a:latin typeface="Corbel" charset="0"/>
                 <a:ea typeface="Corbel" charset="0"/>
@@ -5503,9 +5576,7 @@
             <a:r>
               <a:rPr lang="en-US" sz="500" dirty="0" smtClean="0">
                 <a:solidFill>
-                  <a:schemeClr val="bg1">
-                    <a:lumMod val="95000"/>
-                  </a:schemeClr>
+                  <a:srgbClr val="37474F"/>
                 </a:solidFill>
                 <a:latin typeface="Corbel" charset="0"/>
                 <a:ea typeface="Corbel" charset="0"/>
@@ -5516,9 +5587,7 @@
             <a:r>
               <a:rPr lang="en-US" sz="2000" dirty="0" smtClean="0">
                 <a:solidFill>
-                  <a:schemeClr val="bg1">
-                    <a:lumMod val="95000"/>
-                  </a:schemeClr>
+                  <a:srgbClr val="37474F"/>
                 </a:solidFill>
                 <a:latin typeface="Corbel" charset="0"/>
                 <a:ea typeface="Corbel" charset="0"/>
@@ -5529,10 +5598,7 @@
             <a:r>
               <a:rPr lang="en-US" sz="2000" dirty="0">
                 <a:solidFill>
-                  <a:schemeClr val="tx2">
-                    <a:lumMod val="40000"/>
-                    <a:lumOff val="60000"/>
-                  </a:schemeClr>
+                  <a:srgbClr val="FFD966"/>
                 </a:solidFill>
                 <a:latin typeface="Consolas" charset="0"/>
                 <a:ea typeface="Consolas" charset="0"/>
@@ -5543,10 +5609,7 @@
             <a:r>
               <a:rPr lang="en-US" sz="2000" dirty="0" err="1">
                 <a:solidFill>
-                  <a:schemeClr val="tx2">
-                    <a:lumMod val="40000"/>
-                    <a:lumOff val="60000"/>
-                  </a:schemeClr>
+                  <a:srgbClr val="FFD966"/>
                 </a:solidFill>
                 <a:latin typeface="Consolas" charset="0"/>
                 <a:ea typeface="Consolas" charset="0"/>
@@ -5557,10 +5620,7 @@
             <a:r>
               <a:rPr lang="en-US" sz="2000" dirty="0">
                 <a:solidFill>
-                  <a:schemeClr val="tx2">
-                    <a:lumMod val="40000"/>
-                    <a:lumOff val="60000"/>
-                  </a:schemeClr>
+                  <a:srgbClr val="FFD966"/>
                 </a:solidFill>
                 <a:latin typeface="Consolas" charset="0"/>
                 <a:ea typeface="Consolas" charset="0"/>
@@ -5571,9 +5631,7 @@
             <a:r>
               <a:rPr lang="en-US" sz="2000" dirty="0" smtClean="0">
                 <a:solidFill>
-                  <a:schemeClr val="bg1">
-                    <a:lumMod val="95000"/>
-                  </a:schemeClr>
+                  <a:srgbClr val="37474F"/>
                 </a:solidFill>
                 <a:latin typeface="Corbel" charset="0"/>
                 <a:ea typeface="Corbel" charset="0"/>
@@ -5583,9 +5641,7 @@
             </a:r>
             <a:endParaRPr lang="en-US" sz="2000" dirty="0">
               <a:solidFill>
-                <a:schemeClr val="bg1">
-                  <a:lumMod val="95000"/>
-                </a:schemeClr>
+                <a:srgbClr val="37474F"/>
               </a:solidFill>
               <a:latin typeface="Corbel" charset="0"/>
               <a:ea typeface="Corbel" charset="0"/>
@@ -5623,7 +5679,7 @@
             <a:r>
               <a:rPr lang="en-US" sz="2800" dirty="0" smtClean="0">
                 <a:solidFill>
-                  <a:srgbClr val="73626E"/>
+                  <a:srgbClr val="37474F"/>
                 </a:solidFill>
                 <a:latin typeface="Corbel" charset="0"/>
                 <a:ea typeface="Corbel" charset="0"/>
@@ -5663,7 +5719,7 @@
             <a:r>
               <a:rPr lang="en-US" sz="2000" b="1" dirty="0" smtClean="0">
                 <a:solidFill>
-                  <a:srgbClr val="73626E"/>
+                  <a:srgbClr val="37474F"/>
                 </a:solidFill>
                 <a:latin typeface="Corbel" charset="0"/>
                 <a:ea typeface="Corbel" charset="0"/>
@@ -5673,7 +5729,7 @@
             </a:r>
             <a:endParaRPr lang="en-US" sz="2000" b="1" dirty="0">
               <a:solidFill>
-                <a:srgbClr val="73626E"/>
+                <a:srgbClr val="37474F"/>
               </a:solidFill>
               <a:latin typeface="Corbel" charset="0"/>
               <a:ea typeface="Corbel" charset="0"/>
@@ -5711,7 +5767,7 @@
             <a:r>
               <a:rPr lang="en-US" sz="2000" b="1" dirty="0" smtClean="0">
                 <a:solidFill>
-                  <a:srgbClr val="73626E"/>
+                  <a:srgbClr val="37474F"/>
                 </a:solidFill>
                 <a:latin typeface="Corbel" charset="0"/>
                 <a:ea typeface="Corbel" charset="0"/>
@@ -5751,7 +5807,7 @@
             <a:r>
               <a:rPr lang="en-US" sz="2800" dirty="0" smtClean="0">
                 <a:solidFill>
-                  <a:srgbClr val="73626E"/>
+                  <a:srgbClr val="37474F"/>
                 </a:solidFill>
                 <a:latin typeface="Corbel" charset="0"/>
                 <a:ea typeface="Corbel" charset="0"/>
@@ -5791,7 +5847,7 @@
             <a:r>
               <a:rPr lang="en-US" sz="2000" b="1" dirty="0" smtClean="0">
                 <a:solidFill>
-                  <a:srgbClr val="73626E"/>
+                  <a:srgbClr val="37474F"/>
                 </a:solidFill>
                 <a:latin typeface="Corbel" charset="0"/>
                 <a:ea typeface="Corbel" charset="0"/>
@@ -5831,7 +5887,7 @@
             <a:r>
               <a:rPr lang="en-US" sz="2800" dirty="0" smtClean="0">
                 <a:solidFill>
-                  <a:srgbClr val="73626E"/>
+                  <a:srgbClr val="37474F"/>
                 </a:solidFill>
                 <a:latin typeface="Corbel" charset="0"/>
                 <a:ea typeface="Corbel" charset="0"/>
@@ -6112,10 +6168,11 @@
           </a:bodyPr>
           <a:lstStyle/>
           <a:p>
+            <a:pPr algn="ctr"/>
             <a:r>
               <a:rPr lang="en-US" sz="2000" b="1" dirty="0" smtClean="0">
                 <a:solidFill>
-                  <a:srgbClr val="73626E"/>
+                  <a:srgbClr val="37474F"/>
                 </a:solidFill>
                 <a:latin typeface="Corbel" charset="0"/>
                 <a:ea typeface="Corbel" charset="0"/>
@@ -6132,7 +6189,7 @@
             <a:r>
               <a:rPr lang="en-US" sz="1800" dirty="0" smtClean="0">
                 <a:solidFill>
-                  <a:srgbClr val="73626E"/>
+                  <a:srgbClr val="37474F"/>
                 </a:solidFill>
                 <a:latin typeface="Corbel" charset="0"/>
                 <a:ea typeface="Corbel" charset="0"/>
@@ -6149,7 +6206,7 @@
             <a:r>
               <a:rPr lang="en-US" sz="1800" dirty="0" smtClean="0">
                 <a:solidFill>
-                  <a:srgbClr val="73626E"/>
+                  <a:srgbClr val="37474F"/>
                 </a:solidFill>
                 <a:latin typeface="Corbel" charset="0"/>
                 <a:ea typeface="Corbel" charset="0"/>
@@ -6159,7 +6216,7 @@
             </a:r>
             <a:endParaRPr lang="en-US" sz="1800" dirty="0">
               <a:solidFill>
-                <a:srgbClr val="73626E"/>
+                <a:srgbClr val="37474F"/>
               </a:solidFill>
               <a:latin typeface="Corbel" charset="0"/>
               <a:ea typeface="Corbel" charset="0"/>
@@ -6177,7 +6234,7 @@
         <p:spPr>
           <a:xfrm>
             <a:off x="6297215" y="14280935"/>
-            <a:ext cx="3600400" cy="2281476"/>
+            <a:ext cx="3600400" cy="2161818"/>
           </a:xfrm>
           <a:prstGeom prst="roundRect">
             <a:avLst>
@@ -6199,10 +6256,11 @@
           </a:bodyPr>
           <a:lstStyle/>
           <a:p>
+            <a:pPr algn="ctr"/>
             <a:r>
               <a:rPr lang="en-US" sz="2000" b="1" dirty="0" smtClean="0">
                 <a:solidFill>
-                  <a:srgbClr val="73626E"/>
+                  <a:srgbClr val="37474F"/>
                 </a:solidFill>
                 <a:latin typeface="Corbel" charset="0"/>
                 <a:ea typeface="Corbel" charset="0"/>
@@ -6219,7 +6277,7 @@
             <a:r>
               <a:rPr lang="en-US" sz="1800" dirty="0" smtClean="0">
                 <a:solidFill>
-                  <a:srgbClr val="73626E"/>
+                  <a:srgbClr val="37474F"/>
                 </a:solidFill>
                 <a:latin typeface="Corbel" charset="0"/>
                 <a:ea typeface="Corbel" charset="0"/>
@@ -6236,7 +6294,7 @@
             <a:r>
               <a:rPr lang="en-US" sz="1800" dirty="0" smtClean="0">
                 <a:solidFill>
-                  <a:srgbClr val="73626E"/>
+                  <a:srgbClr val="37474F"/>
                 </a:solidFill>
                 <a:latin typeface="Corbel" charset="0"/>
                 <a:ea typeface="Corbel" charset="0"/>
@@ -6253,7 +6311,7 @@
             <a:r>
               <a:rPr lang="en-US" sz="1800" dirty="0" smtClean="0">
                 <a:solidFill>
-                  <a:srgbClr val="73626E"/>
+                  <a:srgbClr val="37474F"/>
                 </a:solidFill>
                 <a:latin typeface="Corbel" charset="0"/>
                 <a:ea typeface="Corbel" charset="0"/>
@@ -6270,7 +6328,7 @@
             <a:r>
               <a:rPr lang="en-US" sz="1800" dirty="0" smtClean="0">
                 <a:solidFill>
-                  <a:srgbClr val="73626E"/>
+                  <a:srgbClr val="37474F"/>
                 </a:solidFill>
                 <a:latin typeface="Corbel" charset="0"/>
                 <a:ea typeface="Corbel" charset="0"/>
@@ -6287,7 +6345,7 @@
             <a:r>
               <a:rPr lang="en-US" sz="1800" dirty="0" smtClean="0">
                 <a:solidFill>
-                  <a:srgbClr val="73626E"/>
+                  <a:srgbClr val="37474F"/>
                 </a:solidFill>
                 <a:latin typeface="Corbel" charset="0"/>
                 <a:ea typeface="Corbel" charset="0"/>
@@ -6297,7 +6355,7 @@
             </a:r>
             <a:endParaRPr lang="en-US" sz="1800" dirty="0">
               <a:solidFill>
-                <a:srgbClr val="73626E"/>
+                <a:srgbClr val="37474F"/>
               </a:solidFill>
               <a:latin typeface="Corbel" charset="0"/>
               <a:ea typeface="Corbel" charset="0"/>
@@ -6367,8 +6425,8 @@
         </p:nvSpPr>
         <p:spPr>
           <a:xfrm>
-            <a:off x="914807" y="8137475"/>
-            <a:ext cx="2804933" cy="1464231"/>
+            <a:off x="914807" y="7921451"/>
+            <a:ext cx="2804933" cy="1975009"/>
           </a:xfrm>
           <a:prstGeom prst="roundRect">
             <a:avLst/>
@@ -6389,14 +6447,33 @@
             <a:r>
               <a:rPr lang="en-US" sz="2000" b="1" dirty="0" smtClean="0">
                 <a:solidFill>
-                  <a:srgbClr val="73626E"/>
+                  <a:srgbClr val="37474F"/>
                 </a:solidFill>
                 <a:latin typeface="Corbel" charset="0"/>
                 <a:ea typeface="Corbel" charset="0"/>
                 <a:cs typeface="Corbel" charset="0"/>
               </a:rPr>
-              <a:t>{ Configure 🛠 }</a:t>
-            </a:r>
+              <a:t>🛠 Configure</a:t>
+            </a:r>
+            <a:endParaRPr lang="en-US" sz="2000" b="1" dirty="0" smtClean="0">
+              <a:solidFill>
+                <a:srgbClr val="37474F"/>
+              </a:solidFill>
+              <a:latin typeface="Corbel" charset="0"/>
+              <a:ea typeface="Corbel" charset="0"/>
+              <a:cs typeface="Corbel" charset="0"/>
+            </a:endParaRPr>
+          </a:p>
+          <a:p>
+            <a:pPr algn="ctr"/>
+            <a:endParaRPr lang="en-US" sz="1000" b="1" dirty="0" smtClean="0">
+              <a:solidFill>
+                <a:srgbClr val="37474F"/>
+              </a:solidFill>
+              <a:latin typeface="Corbel" charset="0"/>
+              <a:ea typeface="Corbel" charset="0"/>
+              <a:cs typeface="Corbel" charset="0"/>
+            </a:endParaRPr>
           </a:p>
           <a:p>
             <a:pPr marL="342900" indent="-342900">
@@ -6406,13 +6483,13 @@
             <a:r>
               <a:rPr lang="en-US" sz="2000" dirty="0" smtClean="0">
                 <a:solidFill>
-                  <a:srgbClr val="73626E"/>
+                  <a:srgbClr val="37474F"/>
                 </a:solidFill>
                 <a:latin typeface="Corbel" charset="0"/>
                 <a:ea typeface="Corbel" charset="0"/>
                 <a:cs typeface="Corbel" charset="0"/>
               </a:rPr>
-              <a:t>Manage users</a:t>
+              <a:t>Curate data</a:t>
             </a:r>
           </a:p>
           <a:p>
@@ -6423,13 +6500,13 @@
             <a:r>
               <a:rPr lang="en-US" sz="2000" dirty="0" smtClean="0">
                 <a:solidFill>
-                  <a:srgbClr val="73626E"/>
+                  <a:srgbClr val="37474F"/>
                 </a:solidFill>
                 <a:latin typeface="Corbel" charset="0"/>
                 <a:ea typeface="Corbel" charset="0"/>
                 <a:cs typeface="Corbel" charset="0"/>
               </a:rPr>
-              <a:t>Model metadata</a:t>
+              <a:t>Manage users</a:t>
             </a:r>
           </a:p>
           <a:p>
@@ -6440,17 +6517,34 @@
             <a:r>
               <a:rPr lang="en-US" sz="2000" dirty="0" smtClean="0">
                 <a:solidFill>
-                  <a:srgbClr val="73626E"/>
+                  <a:srgbClr val="37474F"/>
                 </a:solidFill>
                 <a:latin typeface="Corbel" charset="0"/>
                 <a:ea typeface="Corbel" charset="0"/>
                 <a:cs typeface="Corbel" charset="0"/>
               </a:rPr>
+              <a:t>Model metadata</a:t>
+            </a:r>
+          </a:p>
+          <a:p>
+            <a:pPr marL="342900" indent="-342900">
+              <a:buFont typeface="Arial" charset="0"/>
+              <a:buChar char="•"/>
+            </a:pPr>
+            <a:r>
+              <a:rPr lang="en-US" sz="2000" dirty="0" smtClean="0">
+                <a:solidFill>
+                  <a:srgbClr val="37474F"/>
+                </a:solidFill>
+                <a:latin typeface="Corbel" charset="0"/>
+                <a:ea typeface="Corbel" charset="0"/>
+                <a:cs typeface="Corbel" charset="0"/>
+              </a:rPr>
               <a:t>Configure workflow</a:t>
             </a:r>
             <a:endParaRPr lang="en-US" sz="2000" dirty="0">
               <a:solidFill>
-                <a:srgbClr val="73626E"/>
+                <a:srgbClr val="37474F"/>
               </a:solidFill>
               <a:latin typeface="Corbel" charset="0"/>
               <a:ea typeface="Corbel" charset="0"/>
@@ -6507,9 +6601,7 @@
             <a:avLst/>
           </a:prstGeom>
           <a:solidFill>
-            <a:schemeClr val="bg1">
-              <a:lumMod val="85000"/>
-            </a:schemeClr>
+            <a:srgbClr val="73626E"/>
           </a:solidFill>
           <a:ln>
             <a:noFill/>
@@ -6539,7 +6631,7 @@
             <a:r>
               <a:rPr lang="en-US" sz="1800" dirty="0" smtClean="0">
                 <a:solidFill>
-                  <a:srgbClr val="73626E"/>
+                  <a:srgbClr val="E0E0E0"/>
                 </a:solidFill>
                 <a:latin typeface="Corbel" charset="0"/>
                 <a:ea typeface="Corbel" charset="0"/>
@@ -6549,7 +6641,7 @@
             </a:r>
             <a:endParaRPr lang="en-US" sz="1800" dirty="0">
               <a:solidFill>
-                <a:srgbClr val="73626E"/>
+                <a:srgbClr val="E0E0E0"/>
               </a:solidFill>
               <a:latin typeface="Corbel" charset="0"/>
               <a:ea typeface="Corbel" charset="0"/>
@@ -6568,6 +6660,70 @@
           <a:xfrm>
             <a:off x="6318786" y="8493620"/>
             <a:ext cx="685800" cy="685800"/>
+          </a:xfrm>
+          <a:prstGeom prst="rect">
+            <a:avLst/>
+          </a:prstGeom>
+          <a:solidFill>
+            <a:srgbClr val="73626E"/>
+          </a:solidFill>
+          <a:ln>
+            <a:noFill/>
+          </a:ln>
+        </p:spPr>
+        <p:style>
+          <a:lnRef idx="2">
+            <a:schemeClr val="accent1">
+              <a:shade val="50000"/>
+            </a:schemeClr>
+          </a:lnRef>
+          <a:fillRef idx="1">
+            <a:schemeClr val="accent1"/>
+          </a:fillRef>
+          <a:effectRef idx="0">
+            <a:schemeClr val="accent1"/>
+          </a:effectRef>
+          <a:fontRef idx="minor">
+            <a:schemeClr val="lt1"/>
+          </a:fontRef>
+        </p:style>
+        <p:txBody>
+          <a:bodyPr rtlCol="0" anchor="ctr"/>
+          <a:lstStyle/>
+          <a:p>
+            <a:pPr algn="ctr"/>
+            <a:r>
+              <a:rPr lang="en-US" sz="1800" dirty="0" smtClean="0">
+                <a:solidFill>
+                  <a:srgbClr val="E0E0E0"/>
+                </a:solidFill>
+                <a:latin typeface="Corbel" charset="0"/>
+                <a:ea typeface="Corbel" charset="0"/>
+                <a:cs typeface="Corbel" charset="0"/>
+              </a:rPr>
+              <a:t>Task</a:t>
+            </a:r>
+            <a:endParaRPr lang="en-US" sz="1800" dirty="0">
+              <a:solidFill>
+                <a:srgbClr val="E0E0E0"/>
+              </a:solidFill>
+              <a:latin typeface="Corbel" charset="0"/>
+              <a:ea typeface="Corbel" charset="0"/>
+              <a:cs typeface="Corbel" charset="0"/>
+            </a:endParaRPr>
+          </a:p>
+        </p:txBody>
+      </p:sp>
+      <p:sp>
+        <p:nvSpPr>
+          <p:cNvPr id="101" name="Rectangle 100"/>
+          <p:cNvSpPr/>
+          <p:nvPr/>
+        </p:nvSpPr>
+        <p:spPr>
+          <a:xfrm>
+            <a:off x="7377335" y="7596968"/>
+            <a:ext cx="1152128" cy="685800"/>
           </a:xfrm>
           <a:prstGeom prst="rect">
             <a:avLst/>
@@ -6605,17 +6761,17 @@
             <a:r>
               <a:rPr lang="en-US" sz="1800" dirty="0" smtClean="0">
                 <a:solidFill>
-                  <a:srgbClr val="73626E"/>
+                  <a:srgbClr val="37474F"/>
                 </a:solidFill>
                 <a:latin typeface="Corbel" charset="0"/>
                 <a:ea typeface="Corbel" charset="0"/>
                 <a:cs typeface="Corbel" charset="0"/>
               </a:rPr>
-              <a:t>Task</a:t>
+              <a:t>Interface</a:t>
             </a:r>
             <a:endParaRPr lang="en-US" sz="1800" dirty="0">
               <a:solidFill>
-                <a:srgbClr val="73626E"/>
+                <a:srgbClr val="37474F"/>
               </a:solidFill>
               <a:latin typeface="Corbel" charset="0"/>
               <a:ea typeface="Corbel" charset="0"/>
@@ -6626,13 +6782,13 @@
       </p:sp>
       <p:sp>
         <p:nvSpPr>
-          <p:cNvPr id="101" name="Rectangle 100"/>
+          <p:cNvPr id="102" name="Rectangle 101"/>
           <p:cNvSpPr/>
           <p:nvPr/>
         </p:nvSpPr>
         <p:spPr>
           <a:xfrm>
-            <a:off x="7361177" y="7596968"/>
+            <a:off x="7377335" y="8821104"/>
             <a:ext cx="1152128" cy="685800"/>
           </a:xfrm>
           <a:prstGeom prst="rect">
@@ -6669,9 +6825,9 @@
           <a:p>
             <a:pPr algn="ctr"/>
             <a:r>
-              <a:rPr lang="en-US" sz="1800" dirty="0" smtClean="0">
-                <a:solidFill>
-                  <a:srgbClr val="73626E"/>
+              <a:rPr lang="en-US" sz="1800" smtClean="0">
+                <a:solidFill>
+                  <a:srgbClr val="37474F"/>
                 </a:solidFill>
                 <a:latin typeface="Corbel" charset="0"/>
                 <a:ea typeface="Corbel" charset="0"/>
@@ -6681,7 +6837,7 @@
             </a:r>
             <a:endParaRPr lang="en-US" sz="1800" dirty="0">
               <a:solidFill>
-                <a:srgbClr val="73626E"/>
+                <a:srgbClr val="37474F"/>
               </a:solidFill>
               <a:latin typeface="Corbel" charset="0"/>
               <a:ea typeface="Corbel" charset="0"/>
@@ -6692,22 +6848,20 @@
       </p:sp>
       <p:sp>
         <p:nvSpPr>
-          <p:cNvPr id="102" name="Rectangle 101"/>
+          <p:cNvPr id="104" name="Rectangle 103"/>
           <p:cNvSpPr/>
           <p:nvPr/>
         </p:nvSpPr>
         <p:spPr>
           <a:xfrm>
-            <a:off x="7398906" y="8821104"/>
-            <a:ext cx="1152128" cy="685800"/>
+            <a:off x="9017362" y="7236928"/>
+            <a:ext cx="685800" cy="685800"/>
           </a:xfrm>
           <a:prstGeom prst="rect">
             <a:avLst/>
           </a:prstGeom>
           <a:solidFill>
-            <a:schemeClr val="bg1">
-              <a:lumMod val="85000"/>
-            </a:schemeClr>
+            <a:srgbClr val="64FFDA"/>
           </a:solidFill>
           <a:ln>
             <a:noFill/>
@@ -6735,19 +6889,19 @@
           <a:p>
             <a:pPr algn="ctr"/>
             <a:r>
-              <a:rPr lang="en-US" sz="1800" smtClean="0">
-                <a:solidFill>
-                  <a:srgbClr val="73626E"/>
+              <a:rPr lang="en-US" sz="1800" dirty="0" smtClean="0">
+                <a:solidFill>
+                  <a:srgbClr val="37474F"/>
                 </a:solidFill>
                 <a:latin typeface="Corbel" charset="0"/>
                 <a:ea typeface="Corbel" charset="0"/>
                 <a:cs typeface="Corbel" charset="0"/>
               </a:rPr>
-              <a:t>Interface</a:t>
+              <a:t>Tool</a:t>
             </a:r>
             <a:endParaRPr lang="en-US" sz="1800" dirty="0">
               <a:solidFill>
-                <a:srgbClr val="73626E"/>
+                <a:srgbClr val="37474F"/>
               </a:solidFill>
               <a:latin typeface="Corbel" charset="0"/>
               <a:ea typeface="Corbel" charset="0"/>
@@ -6758,22 +6912,20 @@
       </p:sp>
       <p:sp>
         <p:nvSpPr>
-          <p:cNvPr id="104" name="Rectangle 103"/>
+          <p:cNvPr id="105" name="Rectangle 104"/>
           <p:cNvSpPr/>
           <p:nvPr/>
         </p:nvSpPr>
         <p:spPr>
           <a:xfrm>
-            <a:off x="9017362" y="7236928"/>
+            <a:off x="9017362" y="8029016"/>
             <a:ext cx="685800" cy="685800"/>
           </a:xfrm>
           <a:prstGeom prst="rect">
             <a:avLst/>
           </a:prstGeom>
           <a:solidFill>
-            <a:schemeClr val="bg1">
-              <a:lumMod val="85000"/>
-            </a:schemeClr>
+            <a:srgbClr val="64FFDA"/>
           </a:solidFill>
           <a:ln>
             <a:noFill/>
@@ -6801,9 +6953,9 @@
           <a:p>
             <a:pPr algn="ctr"/>
             <a:r>
-              <a:rPr lang="en-US" sz="1800" dirty="0" smtClean="0">
-                <a:solidFill>
-                  <a:srgbClr val="73626E"/>
+              <a:rPr lang="en-US" sz="1800" smtClean="0">
+                <a:solidFill>
+                  <a:srgbClr val="37474F"/>
                 </a:solidFill>
                 <a:latin typeface="Corbel" charset="0"/>
                 <a:ea typeface="Corbel" charset="0"/>
@@ -6813,7 +6965,7 @@
             </a:r>
             <a:endParaRPr lang="en-US" sz="1800" dirty="0">
               <a:solidFill>
-                <a:srgbClr val="73626E"/>
+                <a:srgbClr val="37474F"/>
               </a:solidFill>
               <a:latin typeface="Corbel" charset="0"/>
               <a:ea typeface="Corbel" charset="0"/>
@@ -6824,22 +6976,20 @@
       </p:sp>
       <p:sp>
         <p:nvSpPr>
-          <p:cNvPr id="105" name="Rectangle 104"/>
+          <p:cNvPr id="106" name="Rectangle 105"/>
           <p:cNvSpPr/>
           <p:nvPr/>
         </p:nvSpPr>
         <p:spPr>
           <a:xfrm>
-            <a:off x="9017362" y="8029016"/>
+            <a:off x="9017361" y="8821104"/>
             <a:ext cx="685800" cy="685800"/>
           </a:xfrm>
           <a:prstGeom prst="rect">
             <a:avLst/>
           </a:prstGeom>
           <a:solidFill>
-            <a:schemeClr val="bg1">
-              <a:lumMod val="85000"/>
-            </a:schemeClr>
+            <a:srgbClr val="64FFDA"/>
           </a:solidFill>
           <a:ln>
             <a:noFill/>
@@ -6869,7 +7019,7 @@
             <a:r>
               <a:rPr lang="en-US" sz="1800" smtClean="0">
                 <a:solidFill>
-                  <a:srgbClr val="73626E"/>
+                  <a:srgbClr val="37474F"/>
                 </a:solidFill>
                 <a:latin typeface="Corbel" charset="0"/>
                 <a:ea typeface="Corbel" charset="0"/>
@@ -6879,73 +7029,7 @@
             </a:r>
             <a:endParaRPr lang="en-US" sz="1800" dirty="0">
               <a:solidFill>
-                <a:srgbClr val="73626E"/>
-              </a:solidFill>
-              <a:latin typeface="Corbel" charset="0"/>
-              <a:ea typeface="Corbel" charset="0"/>
-              <a:cs typeface="Corbel" charset="0"/>
-            </a:endParaRPr>
-          </a:p>
-        </p:txBody>
-      </p:sp>
-      <p:sp>
-        <p:nvSpPr>
-          <p:cNvPr id="106" name="Rectangle 105"/>
-          <p:cNvSpPr/>
-          <p:nvPr/>
-        </p:nvSpPr>
-        <p:spPr>
-          <a:xfrm>
-            <a:off x="9017361" y="8821104"/>
-            <a:ext cx="685800" cy="685800"/>
-          </a:xfrm>
-          <a:prstGeom prst="rect">
-            <a:avLst/>
-          </a:prstGeom>
-          <a:solidFill>
-            <a:schemeClr val="bg1">
-              <a:lumMod val="85000"/>
-            </a:schemeClr>
-          </a:solidFill>
-          <a:ln>
-            <a:noFill/>
-          </a:ln>
-        </p:spPr>
-        <p:style>
-          <a:lnRef idx="2">
-            <a:schemeClr val="accent1">
-              <a:shade val="50000"/>
-            </a:schemeClr>
-          </a:lnRef>
-          <a:fillRef idx="1">
-            <a:schemeClr val="accent1"/>
-          </a:fillRef>
-          <a:effectRef idx="0">
-            <a:schemeClr val="accent1"/>
-          </a:effectRef>
-          <a:fontRef idx="minor">
-            <a:schemeClr val="lt1"/>
-          </a:fontRef>
-        </p:style>
-        <p:txBody>
-          <a:bodyPr rtlCol="0" anchor="ctr"/>
-          <a:lstStyle/>
-          <a:p>
-            <a:pPr algn="ctr"/>
-            <a:r>
-              <a:rPr lang="en-US" sz="1800" smtClean="0">
-                <a:solidFill>
-                  <a:srgbClr val="73626E"/>
-                </a:solidFill>
-                <a:latin typeface="Corbel" charset="0"/>
-                <a:ea typeface="Corbel" charset="0"/>
-                <a:cs typeface="Corbel" charset="0"/>
-              </a:rPr>
-              <a:t>Tool</a:t>
-            </a:r>
-            <a:endParaRPr lang="en-US" sz="1800" dirty="0">
-              <a:solidFill>
-                <a:srgbClr val="73626E"/>
+                <a:srgbClr val="37474F"/>
               </a:solidFill>
               <a:latin typeface="Corbel" charset="0"/>
               <a:ea typeface="Corbel" charset="0"/>
@@ -6972,9 +7056,7 @@
           </a:prstGeom>
           <a:ln w="25400">
             <a:solidFill>
-              <a:schemeClr val="bg1">
-                <a:lumMod val="85000"/>
-              </a:schemeClr>
+              <a:schemeClr val="bg1"/>
             </a:solidFill>
             <a:headEnd type="arrow" w="sm" len="sm"/>
             <a:tailEnd type="none" w="med" len="med"/>
@@ -7007,7 +7089,7 @@
         <p:spPr>
           <a:xfrm>
             <a:off x="7004586" y="8836520"/>
-            <a:ext cx="394320" cy="327484"/>
+            <a:ext cx="372749" cy="327484"/>
           </a:xfrm>
           <a:prstGeom prst="bentConnector3">
             <a:avLst>
@@ -7016,9 +7098,7 @@
           </a:prstGeom>
           <a:ln w="25400">
             <a:solidFill>
-              <a:schemeClr val="bg1">
-                <a:lumMod val="85000"/>
-              </a:schemeClr>
+              <a:schemeClr val="bg1"/>
             </a:solidFill>
             <a:tailEnd type="arrow" w="sm" len="sm"/>
           </a:ln>
@@ -7049,17 +7129,15 @@
         </p:nvCxnSpPr>
         <p:spPr>
           <a:xfrm flipH="1">
-            <a:off x="8551034" y="9164004"/>
-            <a:ext cx="466327" cy="0"/>
+            <a:off x="8529463" y="9164004"/>
+            <a:ext cx="487898" cy="0"/>
           </a:xfrm>
           <a:prstGeom prst="straightConnector1">
             <a:avLst/>
           </a:prstGeom>
           <a:ln w="25400">
             <a:solidFill>
-              <a:schemeClr val="bg1">
-                <a:lumMod val="85000"/>
-              </a:schemeClr>
+              <a:schemeClr val="bg1"/>
             </a:solidFill>
             <a:headEnd type="arrow" w="sm" len="sm"/>
             <a:tailEnd type="arrow" w="sm" len="sm"/>
@@ -7088,8 +7166,8 @@
         </p:nvSpPr>
         <p:spPr>
           <a:xfrm>
-            <a:off x="5886738" y="9829216"/>
-            <a:ext cx="3888432" cy="1656184"/>
+            <a:off x="5598706" y="9974127"/>
+            <a:ext cx="3650837" cy="1547724"/>
           </a:xfrm>
           <a:prstGeom prst="roundRect">
             <a:avLst/>
@@ -7136,8 +7214,8 @@
         </p:nvSpPr>
         <p:spPr>
           <a:xfrm>
-            <a:off x="1976735" y="10110107"/>
-            <a:ext cx="2664296" cy="1123712"/>
+            <a:off x="1976735" y="10227880"/>
+            <a:ext cx="2448272" cy="1293971"/>
           </a:xfrm>
           <a:prstGeom prst="roundRect">
             <a:avLst/>
@@ -7156,16 +7234,38 @@
           <a:p>
             <a:pPr algn="ctr"/>
             <a:r>
-              <a:rPr lang="en-US" sz="2000" b="1" dirty="0" smtClean="0">
-                <a:solidFill>
-                  <a:srgbClr val="73626E"/>
+              <a:rPr lang="en-US" sz="2000" b="1" dirty="0">
+                <a:solidFill>
+                  <a:srgbClr val="37474F"/>
                 </a:solidFill>
                 <a:latin typeface="Corbel" charset="0"/>
                 <a:ea typeface="Corbel" charset="0"/>
                 <a:cs typeface="Corbel" charset="0"/>
               </a:rPr>
-              <a:t>{ Submit 📮 }</a:t>
-            </a:r>
+              <a:t>📮 </a:t>
+            </a:r>
+            <a:r>
+              <a:rPr lang="en-US" sz="2000" b="1" dirty="0" smtClean="0">
+                <a:solidFill>
+                  <a:srgbClr val="37474F"/>
+                </a:solidFill>
+                <a:latin typeface="Corbel" charset="0"/>
+                <a:ea typeface="Corbel" charset="0"/>
+                <a:cs typeface="Corbel" charset="0"/>
+              </a:rPr>
+              <a:t>Submit</a:t>
+            </a:r>
+          </a:p>
+          <a:p>
+            <a:pPr algn="ctr"/>
+            <a:endParaRPr lang="en-US" sz="1000" b="1" dirty="0" smtClean="0">
+              <a:solidFill>
+                <a:srgbClr val="37474F"/>
+              </a:solidFill>
+              <a:latin typeface="Corbel" charset="0"/>
+              <a:ea typeface="Corbel" charset="0"/>
+              <a:cs typeface="Corbel" charset="0"/>
+            </a:endParaRPr>
           </a:p>
           <a:p>
             <a:pPr marL="342900" indent="-342900">
@@ -7175,7 +7275,7 @@
             <a:r>
               <a:rPr lang="en-US" sz="2000" dirty="0" smtClean="0">
                 <a:solidFill>
-                  <a:srgbClr val="73626E"/>
+                  <a:srgbClr val="37474F"/>
                 </a:solidFill>
                 <a:latin typeface="Corbel" charset="0"/>
                 <a:ea typeface="Corbel" charset="0"/>
@@ -7192,14 +7292,22 @@
             <a:r>
               <a:rPr lang="en-US" sz="2000" dirty="0" smtClean="0">
                 <a:solidFill>
-                  <a:srgbClr val="73626E"/>
+                  <a:srgbClr val="37474F"/>
                 </a:solidFill>
                 <a:latin typeface="Corbel" charset="0"/>
                 <a:ea typeface="Corbel" charset="0"/>
                 <a:cs typeface="Corbel" charset="0"/>
               </a:rPr>
-              <a:t>Review deposits</a:t>
-            </a:r>
+              <a:t>Create metadata</a:t>
+            </a:r>
+            <a:endParaRPr lang="en-US" sz="2000" dirty="0" smtClean="0">
+              <a:solidFill>
+                <a:srgbClr val="37474F"/>
+              </a:solidFill>
+              <a:latin typeface="Corbel" charset="0"/>
+              <a:ea typeface="Corbel" charset="0"/>
+              <a:cs typeface="Corbel" charset="0"/>
+            </a:endParaRPr>
           </a:p>
         </p:txBody>
       </p:sp>
@@ -7211,7 +7319,7 @@
         </p:nvSpPr>
         <p:spPr>
           <a:xfrm>
-            <a:off x="6030754" y="10333272"/>
+            <a:off x="5577135" y="10369723"/>
             <a:ext cx="3672408" cy="1123712"/>
           </a:xfrm>
           <a:prstGeom prst="roundRect">
@@ -7232,7 +7340,7 @@
             <a:r>
               <a:rPr lang="en-US" sz="2000" dirty="0" smtClean="0">
                 <a:solidFill>
-                  <a:srgbClr val="73626E"/>
+                  <a:srgbClr val="37474F"/>
                 </a:solidFill>
                 <a:latin typeface="Corbel" charset="0"/>
                 <a:ea typeface="Corbel" charset="0"/>
@@ -7249,7 +7357,7 @@
             <a:r>
               <a:rPr lang="en-US" sz="2000" dirty="0" smtClean="0">
                 <a:solidFill>
-                  <a:srgbClr val="73626E"/>
+                  <a:srgbClr val="37474F"/>
                 </a:solidFill>
                 <a:latin typeface="Corbel" charset="0"/>
                 <a:ea typeface="Corbel" charset="0"/>
@@ -7266,7 +7374,7 @@
             <a:r>
               <a:rPr lang="en-US" sz="2000" dirty="0" smtClean="0">
                 <a:solidFill>
-                  <a:srgbClr val="73626E"/>
+                  <a:srgbClr val="37474F"/>
                 </a:solidFill>
                 <a:latin typeface="Corbel" charset="0"/>
                 <a:ea typeface="Corbel" charset="0"/>
@@ -7283,7 +7391,7 @@
             <a:r>
               <a:rPr lang="en-US" sz="2000" dirty="0" smtClean="0">
                 <a:solidFill>
-                  <a:srgbClr val="73626E"/>
+                  <a:srgbClr val="37474F"/>
                 </a:solidFill>
                 <a:latin typeface="Corbel" charset="0"/>
                 <a:ea typeface="Corbel" charset="0"/>
@@ -7300,7 +7408,7 @@
             <a:r>
               <a:rPr lang="en-US" sz="2000" dirty="0" smtClean="0">
                 <a:solidFill>
-                  <a:srgbClr val="73626E"/>
+                  <a:srgbClr val="37474F"/>
                 </a:solidFill>
                 <a:latin typeface="Corbel" charset="0"/>
                 <a:ea typeface="Corbel" charset="0"/>
@@ -7310,7 +7418,7 @@
             </a:r>
             <a:endParaRPr lang="en-US" sz="2000" dirty="0">
               <a:solidFill>
-                <a:srgbClr val="73626E"/>
+                <a:srgbClr val="37474F"/>
               </a:solidFill>
               <a:latin typeface="Corbel" charset="0"/>
               <a:ea typeface="Corbel" charset="0"/>
@@ -7370,9 +7478,7 @@
           </a:prstGeom>
           <a:ln w="25400">
             <a:solidFill>
-              <a:schemeClr val="bg1">
-                <a:lumMod val="85000"/>
-              </a:schemeClr>
+              <a:schemeClr val="bg1"/>
             </a:solidFill>
             <a:headEnd type="arrow" w="sm" len="sm"/>
             <a:tailEnd type="none" w="med" len="med"/>
@@ -7409,9 +7515,7 @@
           </a:prstGeom>
           <a:ln w="25400">
             <a:solidFill>
-              <a:schemeClr val="bg1">
-                <a:lumMod val="85000"/>
-              </a:schemeClr>
+              <a:schemeClr val="bg1"/>
             </a:solidFill>
             <a:headEnd type="none" w="sm" len="sm"/>
             <a:tailEnd type="none" w="med" len="med"/>
@@ -7451,9 +7555,7 @@
           </a:prstGeom>
           <a:ln w="25400">
             <a:solidFill>
-              <a:schemeClr val="bg1">
-                <a:lumMod val="85000"/>
-              </a:schemeClr>
+              <a:schemeClr val="bg1"/>
             </a:solidFill>
             <a:tailEnd type="arrow" w="sm" len="sm"/>
           </a:ln>
@@ -7489,14 +7591,12 @@
           </a:xfrm>
           <a:prstGeom prst="bentConnector3">
             <a:avLst>
-              <a:gd name="adj1" fmla="val 1974543"/>
+              <a:gd name="adj1" fmla="val 1639661"/>
             </a:avLst>
           </a:prstGeom>
           <a:ln w="25400">
             <a:solidFill>
-              <a:schemeClr val="bg1">
-                <a:lumMod val="85000"/>
-              </a:schemeClr>
+              <a:schemeClr val="bg1"/>
             </a:solidFill>
             <a:headEnd type="arrow" w="sm" len="sm"/>
             <a:tailEnd type="arrow" w="sm" len="sm"/>
@@ -7524,18 +7624,16 @@
           <p:nvPr/>
         </p:nvCxnSpPr>
         <p:spPr>
-          <a:xfrm>
-            <a:off x="8479026" y="7957008"/>
-            <a:ext cx="288032" cy="0"/>
+          <a:xfrm rot="-600000">
+            <a:off x="8526997" y="7939868"/>
+            <a:ext cx="288032" cy="53591"/>
           </a:xfrm>
           <a:prstGeom prst="straightConnector1">
             <a:avLst/>
           </a:prstGeom>
           <a:ln w="25400">
             <a:solidFill>
-              <a:schemeClr val="bg1">
-                <a:lumMod val="85000"/>
-              </a:schemeClr>
+              <a:schemeClr val="bg1"/>
             </a:solidFill>
             <a:headEnd type="arrow" w="sm" len="sm"/>
             <a:tailEnd type="none" w="med" len="med"/>
@@ -7585,9 +7683,7 @@
             <a:r>
               <a:rPr lang="en-US" sz="1600" i="1" dirty="0" smtClean="0">
                 <a:solidFill>
-                  <a:schemeClr val="bg1">
-                    <a:lumMod val="85000"/>
-                  </a:schemeClr>
+                  <a:srgbClr val="37474F"/>
                 </a:solidFill>
                 <a:latin typeface="Corbel" charset="0"/>
                 <a:ea typeface="Corbel" charset="0"/>
@@ -7597,9 +7693,7 @@
             </a:r>
             <a:endParaRPr lang="en-US" sz="1600" i="1" dirty="0">
               <a:solidFill>
-                <a:schemeClr val="bg1">
-                  <a:lumMod val="85000"/>
-                </a:schemeClr>
+                <a:srgbClr val="37474F"/>
               </a:solidFill>
               <a:latin typeface="Corbel" charset="0"/>
               <a:ea typeface="Corbel" charset="0"/>
@@ -7938,7 +8032,7 @@
             <a:r>
               <a:rPr lang="en-US" sz="2800" dirty="0" smtClean="0">
                 <a:solidFill>
-                  <a:srgbClr val="73626E"/>
+                  <a:srgbClr val="37474F"/>
                 </a:solidFill>
                 <a:latin typeface="Corbel" charset="0"/>
                 <a:ea typeface="Corbel" charset="0"/>
@@ -8001,7 +8095,7 @@
         </p:blipFill>
         <p:spPr>
           <a:xfrm>
-            <a:off x="2480791" y="4609083"/>
+            <a:off x="2624807" y="4609083"/>
             <a:ext cx="792088" cy="519234"/>
           </a:xfrm>
           <a:prstGeom prst="rect">
@@ -8109,7 +8203,7 @@
             <a:r>
               <a:rPr lang="en-US" sz="2000" b="1" dirty="0" smtClean="0">
                 <a:solidFill>
-                  <a:srgbClr val="73626E"/>
+                  <a:srgbClr val="37474F"/>
                 </a:solidFill>
                 <a:latin typeface="Corbel" charset="0"/>
                 <a:ea typeface="Corbel" charset="0"/>
@@ -8132,6 +8226,109 @@
             <a:ext cx="864096" cy="864096"/>
           </a:xfrm>
           <a:prstGeom prst="diamond">
+            <a:avLst/>
+          </a:prstGeom>
+          <a:solidFill>
+            <a:srgbClr val="FFD966"/>
+          </a:solidFill>
+          <a:ln>
+            <a:noFill/>
+          </a:ln>
+        </p:spPr>
+        <p:style>
+          <a:lnRef idx="2">
+            <a:schemeClr val="accent1">
+              <a:shade val="50000"/>
+            </a:schemeClr>
+          </a:lnRef>
+          <a:fillRef idx="1">
+            <a:schemeClr val="accent1"/>
+          </a:fillRef>
+          <a:effectRef idx="0">
+            <a:schemeClr val="accent1"/>
+          </a:effectRef>
+          <a:fontRef idx="minor">
+            <a:schemeClr val="lt1"/>
+          </a:fontRef>
+        </p:style>
+        <p:txBody>
+          <a:bodyPr lIns="0" tIns="0" rIns="0" bIns="0" rtlCol="0" anchor="ctr"/>
+          <a:lstStyle/>
+          <a:p>
+            <a:pPr algn="ctr"/>
+            <a:r>
+              <a:rPr lang="en-US" sz="1800" dirty="0" smtClean="0">
+                <a:solidFill>
+                  <a:srgbClr val="37474F"/>
+                </a:solidFill>
+                <a:latin typeface="Corbel" charset="0"/>
+                <a:ea typeface="Corbel" charset="0"/>
+                <a:cs typeface="Corbel" charset="0"/>
+              </a:rPr>
+              <a:t>Role</a:t>
+            </a:r>
+            <a:endParaRPr lang="en-US" sz="1800" dirty="0">
+              <a:solidFill>
+                <a:srgbClr val="37474F"/>
+              </a:solidFill>
+              <a:latin typeface="Corbel" charset="0"/>
+              <a:ea typeface="Corbel" charset="0"/>
+              <a:cs typeface="Corbel" charset="0"/>
+            </a:endParaRPr>
+          </a:p>
+        </p:txBody>
+      </p:sp>
+      <p:cxnSp>
+        <p:nvCxnSpPr>
+          <p:cNvPr id="118" name="Elbow Connector 117"/>
+          <p:cNvCxnSpPr/>
+          <p:nvPr/>
+        </p:nvCxnSpPr>
+        <p:spPr>
+          <a:xfrm flipH="1" flipV="1">
+            <a:off x="6300498" y="7957008"/>
+            <a:ext cx="18288" cy="936104"/>
+          </a:xfrm>
+          <a:prstGeom prst="bentConnector3">
+            <a:avLst>
+              <a:gd name="adj1" fmla="val 1800000"/>
+            </a:avLst>
+          </a:prstGeom>
+          <a:ln w="25400">
+            <a:solidFill>
+              <a:schemeClr val="bg1"/>
+            </a:solidFill>
+            <a:headEnd type="arrow" w="sm" len="sm"/>
+            <a:tailEnd type="arrow" w="sm" len="sm"/>
+          </a:ln>
+        </p:spPr>
+        <p:style>
+          <a:lnRef idx="1">
+            <a:schemeClr val="accent1"/>
+          </a:lnRef>
+          <a:fillRef idx="0">
+            <a:schemeClr val="accent1"/>
+          </a:fillRef>
+          <a:effectRef idx="0">
+            <a:schemeClr val="accent1"/>
+          </a:effectRef>
+          <a:fontRef idx="minor">
+            <a:schemeClr val="tx1"/>
+          </a:fontRef>
+        </p:style>
+      </p:cxnSp>
+      <p:sp>
+        <p:nvSpPr>
+          <p:cNvPr id="14" name="TextBox 13"/>
+          <p:cNvSpPr txBox="1"/>
+          <p:nvPr/>
+        </p:nvSpPr>
+        <p:spPr>
+          <a:xfrm>
+            <a:off x="6297215" y="12212870"/>
+            <a:ext cx="3600848" cy="749141"/>
+          </a:xfrm>
+          <a:prstGeom prst="roundRect">
             <a:avLst/>
           </a:prstGeom>
           <a:solidFill>
@@ -8143,6 +8340,234 @@
             <a:noFill/>
           </a:ln>
         </p:spPr>
+        <p:txBody>
+          <a:bodyPr wrap="square" rtlCol="0">
+            <a:spAutoFit/>
+          </a:bodyPr>
+          <a:lstStyle/>
+          <a:p>
+            <a:pPr algn="ctr"/>
+            <a:r>
+              <a:rPr lang="en-US" sz="2000" b="1" dirty="0" smtClean="0">
+                <a:solidFill>
+                  <a:srgbClr val="37474F"/>
+                </a:solidFill>
+                <a:latin typeface="Corbel" charset="0"/>
+                <a:ea typeface="Corbel" charset="0"/>
+                <a:cs typeface="Corbel" charset="0"/>
+              </a:rPr>
+              <a:t>Depositors</a:t>
+            </a:r>
+          </a:p>
+          <a:p>
+            <a:pPr marL="342900" indent="-342900">
+              <a:buFont typeface="Arial" charset="0"/>
+              <a:buChar char="•"/>
+            </a:pPr>
+            <a:r>
+              <a:rPr lang="en-US" sz="1800" dirty="0" smtClean="0">
+                <a:solidFill>
+                  <a:srgbClr val="37474F"/>
+                </a:solidFill>
+                <a:latin typeface="Corbel" charset="0"/>
+                <a:ea typeface="Corbel" charset="0"/>
+                <a:cs typeface="Corbel" charset="0"/>
+              </a:rPr>
+              <a:t>Contribute files and metadata</a:t>
+            </a:r>
+            <a:endParaRPr lang="en-US" sz="1800" dirty="0">
+              <a:solidFill>
+                <a:srgbClr val="37474F"/>
+              </a:solidFill>
+              <a:latin typeface="Corbel" charset="0"/>
+              <a:ea typeface="Corbel" charset="0"/>
+              <a:cs typeface="Corbel" charset="0"/>
+            </a:endParaRPr>
+          </a:p>
+        </p:txBody>
+      </p:sp>
+      <p:sp>
+        <p:nvSpPr>
+          <p:cNvPr id="83" name="TextBox 82"/>
+          <p:cNvSpPr txBox="1"/>
+          <p:nvPr/>
+        </p:nvSpPr>
+        <p:spPr>
+          <a:xfrm>
+            <a:off x="896615" y="12025907"/>
+            <a:ext cx="3528392" cy="1362075"/>
+          </a:xfrm>
+          <a:prstGeom prst="roundRect">
+            <a:avLst>
+              <a:gd name="adj" fmla="val 11073"/>
+            </a:avLst>
+          </a:prstGeom>
+          <a:solidFill>
+            <a:schemeClr val="bg1">
+              <a:lumMod val="85000"/>
+            </a:schemeClr>
+          </a:solidFill>
+          <a:ln>
+            <a:noFill/>
+          </a:ln>
+        </p:spPr>
+        <p:txBody>
+          <a:bodyPr wrap="square" rtlCol="0">
+            <a:spAutoFit/>
+          </a:bodyPr>
+          <a:lstStyle/>
+          <a:p>
+            <a:pPr algn="ctr"/>
+            <a:r>
+              <a:rPr lang="en-US" sz="2000" b="1" dirty="0" smtClean="0">
+                <a:solidFill>
+                  <a:srgbClr val="37474F"/>
+                </a:solidFill>
+                <a:latin typeface="Corbel" charset="0"/>
+                <a:ea typeface="Corbel" charset="0"/>
+                <a:cs typeface="Corbel" charset="0"/>
+              </a:rPr>
+              <a:t>Editors</a:t>
+            </a:r>
+          </a:p>
+          <a:p>
+            <a:pPr marL="342900" indent="-342900">
+              <a:buFont typeface="Arial" charset="0"/>
+              <a:buChar char="•"/>
+            </a:pPr>
+            <a:r>
+              <a:rPr lang="en-US" sz="1800" dirty="0" smtClean="0">
+                <a:solidFill>
+                  <a:srgbClr val="37474F"/>
+                </a:solidFill>
+                <a:latin typeface="Corbel" charset="0"/>
+                <a:ea typeface="Corbel" charset="0"/>
+                <a:cs typeface="Corbel" charset="0"/>
+              </a:rPr>
+              <a:t>Contribute files and metadata</a:t>
+            </a:r>
+          </a:p>
+          <a:p>
+            <a:pPr marL="342900" indent="-342900">
+              <a:buFont typeface="Arial" charset="0"/>
+              <a:buChar char="•"/>
+            </a:pPr>
+            <a:r>
+              <a:rPr lang="en-US" sz="1800" dirty="0" smtClean="0">
+                <a:solidFill>
+                  <a:srgbClr val="37474F"/>
+                </a:solidFill>
+                <a:latin typeface="Corbel" charset="0"/>
+                <a:ea typeface="Corbel" charset="0"/>
+                <a:cs typeface="Corbel" charset="0"/>
+              </a:rPr>
+              <a:t>Claim and execute tasks</a:t>
+            </a:r>
+          </a:p>
+          <a:p>
+            <a:pPr marL="342900" indent="-342900">
+              <a:buFont typeface="Arial" charset="0"/>
+              <a:buChar char="•"/>
+            </a:pPr>
+            <a:r>
+              <a:rPr lang="en-US" sz="1800" dirty="0" smtClean="0">
+                <a:solidFill>
+                  <a:srgbClr val="37474F"/>
+                </a:solidFill>
+                <a:latin typeface="Corbel" charset="0"/>
+                <a:ea typeface="Corbel" charset="0"/>
+                <a:cs typeface="Corbel" charset="0"/>
+              </a:rPr>
+              <a:t>Accept and reject deposits</a:t>
+            </a:r>
+            <a:endParaRPr lang="en-US" sz="1800" dirty="0">
+              <a:solidFill>
+                <a:srgbClr val="37474F"/>
+              </a:solidFill>
+              <a:latin typeface="Corbel" charset="0"/>
+              <a:ea typeface="Corbel" charset="0"/>
+              <a:cs typeface="Corbel" charset="0"/>
+            </a:endParaRPr>
+          </a:p>
+        </p:txBody>
+      </p:sp>
+      <p:sp>
+        <p:nvSpPr>
+          <p:cNvPr id="13" name="TextBox 12"/>
+          <p:cNvSpPr txBox="1"/>
+          <p:nvPr/>
+        </p:nvSpPr>
+        <p:spPr>
+          <a:xfrm>
+            <a:off x="5577135" y="9963501"/>
+            <a:ext cx="3672408" cy="442674"/>
+          </a:xfrm>
+          <a:prstGeom prst="roundRect">
+            <a:avLst/>
+          </a:prstGeom>
+          <a:noFill/>
+        </p:spPr>
+        <p:txBody>
+          <a:bodyPr wrap="square" rtlCol="0">
+            <a:spAutoFit/>
+          </a:bodyPr>
+          <a:lstStyle/>
+          <a:p>
+            <a:pPr algn="ctr"/>
+            <a:r>
+              <a:rPr lang="en-US" sz="2000" b="1" dirty="0">
+                <a:solidFill>
+                  <a:srgbClr val="37474F"/>
+                </a:solidFill>
+                <a:latin typeface="Corbel" charset="0"/>
+                <a:ea typeface="Corbel" charset="0"/>
+                <a:cs typeface="Corbel" charset="0"/>
+              </a:rPr>
+              <a:t>✏️ </a:t>
+            </a:r>
+            <a:r>
+              <a:rPr lang="en-US" sz="2000" b="1" dirty="0" smtClean="0">
+                <a:solidFill>
+                  <a:srgbClr val="37474F"/>
+                </a:solidFill>
+                <a:latin typeface="Corbel" charset="0"/>
+                <a:ea typeface="Corbel" charset="0"/>
+                <a:cs typeface="Corbel" charset="0"/>
+              </a:rPr>
+              <a:t>Edit</a:t>
+            </a:r>
+            <a:endParaRPr lang="en-US" sz="2000" b="1" dirty="0">
+              <a:solidFill>
+                <a:srgbClr val="37474F"/>
+              </a:solidFill>
+              <a:latin typeface="Corbel" charset="0"/>
+              <a:ea typeface="Corbel" charset="0"/>
+              <a:cs typeface="Corbel" charset="0"/>
+            </a:endParaRPr>
+          </a:p>
+        </p:txBody>
+      </p:sp>
+      <p:sp>
+        <p:nvSpPr>
+          <p:cNvPr id="98" name="Diamond 97"/>
+          <p:cNvSpPr/>
+          <p:nvPr/>
+        </p:nvSpPr>
+        <p:spPr>
+          <a:xfrm>
+            <a:off x="4878626" y="7957008"/>
+            <a:ext cx="864096" cy="864096"/>
+          </a:xfrm>
+          <a:prstGeom prst="diamond">
+            <a:avLst/>
+          </a:prstGeom>
+          <a:solidFill>
+            <a:srgbClr val="FFD966"/>
+          </a:solidFill>
+          <a:ln>
+            <a:noFill/>
+          </a:ln>
+        </p:spPr>
         <p:style>
           <a:lnRef idx="2">
             <a:schemeClr val="accent1">
@@ -8167,7 +8592,7 @@
             <a:r>
               <a:rPr lang="en-US" sz="1800" dirty="0" smtClean="0">
                 <a:solidFill>
-                  <a:srgbClr val="73626E"/>
+                  <a:srgbClr val="37474F"/>
                 </a:solidFill>
                 <a:latin typeface="Corbel" charset="0"/>
                 <a:ea typeface="Corbel" charset="0"/>
@@ -8177,7 +8602,7 @@
             </a:r>
             <a:endParaRPr lang="en-US" sz="1800" dirty="0">
               <a:solidFill>
-                <a:srgbClr val="73626E"/>
+                <a:srgbClr val="37474F"/>
               </a:solidFill>
               <a:latin typeface="Corbel" charset="0"/>
               <a:ea typeface="Corbel" charset="0"/>
@@ -8186,384 +8611,6 @@
           </a:p>
         </p:txBody>
       </p:sp>
-      <p:cxnSp>
-        <p:nvCxnSpPr>
-          <p:cNvPr id="118" name="Elbow Connector 117"/>
-          <p:cNvCxnSpPr/>
-          <p:nvPr/>
-        </p:nvCxnSpPr>
-        <p:spPr>
-          <a:xfrm flipH="1" flipV="1">
-            <a:off x="6300498" y="7957008"/>
-            <a:ext cx="18288" cy="936104"/>
-          </a:xfrm>
-          <a:prstGeom prst="bentConnector3">
-            <a:avLst>
-              <a:gd name="adj1" fmla="val 1800000"/>
-            </a:avLst>
-          </a:prstGeom>
-          <a:ln w="25400">
-            <a:solidFill>
-              <a:schemeClr val="bg1">
-                <a:lumMod val="85000"/>
-              </a:schemeClr>
-            </a:solidFill>
-            <a:headEnd type="arrow" w="sm" len="sm"/>
-            <a:tailEnd type="arrow" w="sm" len="sm"/>
-          </a:ln>
-        </p:spPr>
-        <p:style>
-          <a:lnRef idx="1">
-            <a:schemeClr val="accent1"/>
-          </a:lnRef>
-          <a:fillRef idx="0">
-            <a:schemeClr val="accent1"/>
-          </a:fillRef>
-          <a:effectRef idx="0">
-            <a:schemeClr val="accent1"/>
-          </a:effectRef>
-          <a:fontRef idx="minor">
-            <a:schemeClr val="tx1"/>
-          </a:fontRef>
-        </p:style>
-      </p:cxnSp>
-      <p:sp>
-        <p:nvSpPr>
-          <p:cNvPr id="14" name="TextBox 13"/>
-          <p:cNvSpPr txBox="1"/>
-          <p:nvPr/>
-        </p:nvSpPr>
-        <p:spPr>
-          <a:xfrm>
-            <a:off x="6297215" y="12212870"/>
-            <a:ext cx="3600848" cy="749141"/>
-          </a:xfrm>
-          <a:prstGeom prst="roundRect">
-            <a:avLst/>
-          </a:prstGeom>
-          <a:solidFill>
-            <a:schemeClr val="bg1">
-              <a:lumMod val="85000"/>
-            </a:schemeClr>
-          </a:solidFill>
-          <a:ln>
-            <a:noFill/>
-          </a:ln>
-        </p:spPr>
-        <p:txBody>
-          <a:bodyPr wrap="square" rtlCol="0">
-            <a:spAutoFit/>
-          </a:bodyPr>
-          <a:lstStyle/>
-          <a:p>
-            <a:r>
-              <a:rPr lang="en-US" sz="2000" b="1" dirty="0" smtClean="0">
-                <a:solidFill>
-                  <a:srgbClr val="73626E"/>
-                </a:solidFill>
-                <a:latin typeface="Corbel" charset="0"/>
-                <a:ea typeface="Corbel" charset="0"/>
-                <a:cs typeface="Corbel" charset="0"/>
-              </a:rPr>
-              <a:t>Depositors</a:t>
-            </a:r>
-          </a:p>
-          <a:p>
-            <a:pPr marL="342900" indent="-342900">
-              <a:buFont typeface="Arial" charset="0"/>
-              <a:buChar char="•"/>
-            </a:pPr>
-            <a:r>
-              <a:rPr lang="en-US" sz="1800" dirty="0" smtClean="0">
-                <a:solidFill>
-                  <a:srgbClr val="73626E"/>
-                </a:solidFill>
-                <a:latin typeface="Corbel" charset="0"/>
-                <a:ea typeface="Corbel" charset="0"/>
-                <a:cs typeface="Corbel" charset="0"/>
-              </a:rPr>
-              <a:t>Contribute files and metadata</a:t>
-            </a:r>
-            <a:endParaRPr lang="en-US" sz="1800" dirty="0">
-              <a:solidFill>
-                <a:srgbClr val="73626E"/>
-              </a:solidFill>
-              <a:latin typeface="Corbel" charset="0"/>
-              <a:ea typeface="Corbel" charset="0"/>
-              <a:cs typeface="Corbel" charset="0"/>
-            </a:endParaRPr>
-          </a:p>
-        </p:txBody>
-      </p:sp>
-      <p:sp>
-        <p:nvSpPr>
-          <p:cNvPr id="83" name="TextBox 82"/>
-          <p:cNvSpPr txBox="1"/>
-          <p:nvPr/>
-        </p:nvSpPr>
-        <p:spPr>
-          <a:xfrm>
-            <a:off x="896615" y="12025907"/>
-            <a:ext cx="3528392" cy="1362075"/>
-          </a:xfrm>
-          <a:prstGeom prst="roundRect">
-            <a:avLst>
-              <a:gd name="adj" fmla="val 11073"/>
-            </a:avLst>
-          </a:prstGeom>
-          <a:solidFill>
-            <a:schemeClr val="bg1">
-              <a:lumMod val="85000"/>
-            </a:schemeClr>
-          </a:solidFill>
-          <a:ln>
-            <a:noFill/>
-          </a:ln>
-        </p:spPr>
-        <p:txBody>
-          <a:bodyPr wrap="square" rtlCol="0">
-            <a:spAutoFit/>
-          </a:bodyPr>
-          <a:lstStyle/>
-          <a:p>
-            <a:r>
-              <a:rPr lang="en-US" sz="2000" b="1" dirty="0" smtClean="0">
-                <a:solidFill>
-                  <a:srgbClr val="73626E"/>
-                </a:solidFill>
-                <a:latin typeface="Corbel" charset="0"/>
-                <a:ea typeface="Corbel" charset="0"/>
-                <a:cs typeface="Corbel" charset="0"/>
-              </a:rPr>
-              <a:t>Editors</a:t>
-            </a:r>
-          </a:p>
-          <a:p>
-            <a:pPr marL="342900" indent="-342900">
-              <a:buFont typeface="Arial" charset="0"/>
-              <a:buChar char="•"/>
-            </a:pPr>
-            <a:r>
-              <a:rPr lang="en-US" sz="1800" dirty="0" smtClean="0">
-                <a:solidFill>
-                  <a:srgbClr val="73626E"/>
-                </a:solidFill>
-                <a:latin typeface="Corbel" charset="0"/>
-                <a:ea typeface="Corbel" charset="0"/>
-                <a:cs typeface="Corbel" charset="0"/>
-              </a:rPr>
-              <a:t>Contribute files and metadata</a:t>
-            </a:r>
-          </a:p>
-          <a:p>
-            <a:pPr marL="342900" indent="-342900">
-              <a:buFont typeface="Arial" charset="0"/>
-              <a:buChar char="•"/>
-            </a:pPr>
-            <a:r>
-              <a:rPr lang="en-US" sz="1800" dirty="0" smtClean="0">
-                <a:solidFill>
-                  <a:srgbClr val="73626E"/>
-                </a:solidFill>
-                <a:latin typeface="Corbel" charset="0"/>
-                <a:ea typeface="Corbel" charset="0"/>
-                <a:cs typeface="Corbel" charset="0"/>
-              </a:rPr>
-              <a:t>Claim and execute tasks</a:t>
-            </a:r>
-          </a:p>
-          <a:p>
-            <a:pPr marL="342900" indent="-342900">
-              <a:buFont typeface="Arial" charset="0"/>
-              <a:buChar char="•"/>
-            </a:pPr>
-            <a:r>
-              <a:rPr lang="en-US" sz="1800" dirty="0" smtClean="0">
-                <a:solidFill>
-                  <a:srgbClr val="73626E"/>
-                </a:solidFill>
-                <a:latin typeface="Corbel" charset="0"/>
-                <a:ea typeface="Corbel" charset="0"/>
-                <a:cs typeface="Corbel" charset="0"/>
-              </a:rPr>
-              <a:t>Accept and reject deposits</a:t>
-            </a:r>
-            <a:endParaRPr lang="en-US" sz="1800" dirty="0">
-              <a:solidFill>
-                <a:srgbClr val="73626E"/>
-              </a:solidFill>
-              <a:latin typeface="Corbel" charset="0"/>
-              <a:ea typeface="Corbel" charset="0"/>
-              <a:cs typeface="Corbel" charset="0"/>
-            </a:endParaRPr>
-          </a:p>
-        </p:txBody>
-      </p:sp>
-      <p:sp>
-        <p:nvSpPr>
-          <p:cNvPr id="13" name="TextBox 12"/>
-          <p:cNvSpPr txBox="1"/>
-          <p:nvPr/>
-        </p:nvSpPr>
-        <p:spPr>
-          <a:xfrm>
-            <a:off x="6030754" y="9901224"/>
-            <a:ext cx="3672408" cy="442674"/>
-          </a:xfrm>
-          <a:prstGeom prst="roundRect">
-            <a:avLst/>
-          </a:prstGeom>
-          <a:solidFill>
-            <a:schemeClr val="bg1">
-              <a:lumMod val="85000"/>
-            </a:schemeClr>
-          </a:solidFill>
-        </p:spPr>
-        <p:txBody>
-          <a:bodyPr wrap="square" rtlCol="0">
-            <a:spAutoFit/>
-          </a:bodyPr>
-          <a:lstStyle/>
-          <a:p>
-            <a:pPr algn="ctr"/>
-            <a:r>
-              <a:rPr lang="en-US" sz="2000" b="1" dirty="0">
-                <a:solidFill>
-                  <a:srgbClr val="73626E"/>
-                </a:solidFill>
-                <a:latin typeface="Corbel" charset="0"/>
-                <a:ea typeface="Corbel" charset="0"/>
-                <a:cs typeface="Corbel" charset="0"/>
-              </a:rPr>
-              <a:t>{ </a:t>
-            </a:r>
-            <a:r>
-              <a:rPr lang="en-US" sz="2000" b="1" dirty="0" smtClean="0">
-                <a:solidFill>
-                  <a:srgbClr val="73626E"/>
-                </a:solidFill>
-                <a:latin typeface="Corbel" charset="0"/>
-                <a:ea typeface="Corbel" charset="0"/>
-                <a:cs typeface="Corbel" charset="0"/>
-              </a:rPr>
-              <a:t>Edit ✏️ }</a:t>
-            </a:r>
-            <a:endParaRPr lang="en-US" sz="2000" b="1" dirty="0">
-              <a:solidFill>
-                <a:srgbClr val="73626E"/>
-              </a:solidFill>
-              <a:latin typeface="Corbel" charset="0"/>
-              <a:ea typeface="Corbel" charset="0"/>
-              <a:cs typeface="Corbel" charset="0"/>
-            </a:endParaRPr>
-          </a:p>
-        </p:txBody>
-      </p:sp>
-      <p:sp>
-        <p:nvSpPr>
-          <p:cNvPr id="98" name="Diamond 97"/>
-          <p:cNvSpPr/>
-          <p:nvPr/>
-        </p:nvSpPr>
-        <p:spPr>
-          <a:xfrm>
-            <a:off x="4878626" y="7957008"/>
-            <a:ext cx="864096" cy="864096"/>
-          </a:xfrm>
-          <a:prstGeom prst="diamond">
-            <a:avLst/>
-          </a:prstGeom>
-          <a:solidFill>
-            <a:schemeClr val="bg1">
-              <a:lumMod val="85000"/>
-            </a:schemeClr>
-          </a:solidFill>
-          <a:ln>
-            <a:noFill/>
-          </a:ln>
-        </p:spPr>
-        <p:style>
-          <a:lnRef idx="2">
-            <a:schemeClr val="accent1">
-              <a:shade val="50000"/>
-            </a:schemeClr>
-          </a:lnRef>
-          <a:fillRef idx="1">
-            <a:schemeClr val="accent1"/>
-          </a:fillRef>
-          <a:effectRef idx="0">
-            <a:schemeClr val="accent1"/>
-          </a:effectRef>
-          <a:fontRef idx="minor">
-            <a:schemeClr val="lt1"/>
-          </a:fontRef>
-        </p:style>
-        <p:txBody>
-          <a:bodyPr lIns="0" tIns="0" rIns="0" bIns="0" rtlCol="0" anchor="ctr"/>
-          <a:lstStyle/>
-          <a:p>
-            <a:pPr algn="ctr"/>
-            <a:r>
-              <a:rPr lang="en-US" sz="1800" dirty="0" smtClean="0">
-                <a:solidFill>
-                  <a:srgbClr val="73626E"/>
-                </a:solidFill>
-                <a:latin typeface="Corbel" charset="0"/>
-                <a:ea typeface="Corbel" charset="0"/>
-                <a:cs typeface="Corbel" charset="0"/>
-              </a:rPr>
-              <a:t>Role</a:t>
-            </a:r>
-            <a:endParaRPr lang="en-US" sz="1800" dirty="0">
-              <a:solidFill>
-                <a:srgbClr val="73626E"/>
-              </a:solidFill>
-              <a:latin typeface="Corbel" charset="0"/>
-              <a:ea typeface="Corbel" charset="0"/>
-              <a:cs typeface="Corbel" charset="0"/>
-            </a:endParaRPr>
-          </a:p>
-        </p:txBody>
-      </p:sp>
-      <p:cxnSp>
-        <p:nvCxnSpPr>
-          <p:cNvPr id="119" name="Straight Arrow Connector 118"/>
-          <p:cNvCxnSpPr/>
-          <p:nvPr/>
-        </p:nvCxnSpPr>
-        <p:spPr>
-          <a:xfrm>
-            <a:off x="6894850" y="7957008"/>
-            <a:ext cx="481982" cy="0"/>
-          </a:xfrm>
-          <a:prstGeom prst="straightConnector1">
-            <a:avLst/>
-          </a:prstGeom>
-          <a:ln w="25400">
-            <a:solidFill>
-              <a:schemeClr val="bg1">
-                <a:lumMod val="85000"/>
-              </a:schemeClr>
-            </a:solidFill>
-            <a:headEnd type="none" w="sm" len="sm"/>
-            <a:tailEnd type="arrow" w="med" len="med"/>
-          </a:ln>
-        </p:spPr>
-        <p:style>
-          <a:lnRef idx="1">
-            <a:schemeClr val="accent1"/>
-          </a:lnRef>
-          <a:fillRef idx="0">
-            <a:schemeClr val="accent1"/>
-          </a:fillRef>
-          <a:effectRef idx="0">
-            <a:schemeClr val="accent1"/>
-          </a:effectRef>
-          <a:fontRef idx="minor">
-            <a:schemeClr val="tx1"/>
-          </a:fontRef>
-        </p:style>
-      </p:cxnSp>
       <p:pic>
         <p:nvPicPr>
           <p:cNvPr id="33" name="Picture 32"/>
@@ -8610,7 +8657,7 @@
           </a:prstGeom>
           <a:ln w="15875">
             <a:solidFill>
-              <a:srgbClr val="73626E"/>
+              <a:srgbClr val="78909C"/>
             </a:solidFill>
             <a:prstDash val="sysDot"/>
           </a:ln>
@@ -8646,7 +8693,7 @@
           </a:prstGeom>
           <a:ln w="15875">
             <a:solidFill>
-              <a:srgbClr val="73626E"/>
+              <a:srgbClr val="78909C"/>
             </a:solidFill>
             <a:prstDash val="sysDot"/>
           </a:ln>
@@ -8682,7 +8729,7 @@
           </a:prstGeom>
           <a:ln w="15875">
             <a:solidFill>
-              <a:srgbClr val="73626E"/>
+              <a:srgbClr val="78909C"/>
             </a:solidFill>
             <a:prstDash val="sysDot"/>
           </a:ln>
@@ -8735,7 +8782,7 @@
     </p:spTree>
     <p:extLst>
       <p:ext uri="{BB962C8B-B14F-4D97-AF65-F5344CB8AC3E}">
-        <p14:creationId xmlns:p14="http://schemas.microsoft.com/office/powerpoint/2010/main" val="1324883656"/>
+        <p14:creationId xmlns:p14="http://schemas.microsoft.com/office/powerpoint/2010/main" val="708472350"/>
       </p:ext>
     </p:extLst>
   </p:cSld>
@@ -10601,7 +10648,10 @@
     <p:bg>
       <p:bgPr>
         <a:solidFill>
-          <a:srgbClr val="37474F"/>
+          <a:schemeClr val="tx1">
+            <a:lumMod val="75000"/>
+            <a:lumOff val="25000"/>
+          </a:schemeClr>
         </a:solidFill>
         <a:effectLst/>
       </p:bgPr>
@@ -10696,7 +10746,7 @@
             </a:avLst>
           </a:prstGeom>
           <a:solidFill>
-            <a:srgbClr val="78909C"/>
+            <a:srgbClr val="73626E"/>
           </a:solidFill>
           <a:ln w="63500">
             <a:solidFill>
@@ -10811,7 +10861,7 @@
             </a:avLst>
           </a:prstGeom>
           <a:solidFill>
-            <a:srgbClr val="78909C"/>
+            <a:srgbClr val="73626E"/>
           </a:solidFill>
           <a:ln w="63500">
             <a:solidFill>
@@ -10926,7 +10976,7 @@
             </a:avLst>
           </a:prstGeom>
           <a:solidFill>
-            <a:srgbClr val="78909C"/>
+            <a:srgbClr val="73626E"/>
           </a:solidFill>
           <a:ln w="63500">
             <a:solidFill>
@@ -11023,43 +11073,6 @@
           </a:p>
         </p:txBody>
       </p:sp>
-      <p:cxnSp>
-        <p:nvCxnSpPr>
-          <p:cNvPr id="119" name="Straight Arrow Connector 118"/>
-          <p:cNvCxnSpPr/>
-          <p:nvPr/>
-        </p:nvCxnSpPr>
-        <p:spPr>
-          <a:xfrm>
-            <a:off x="6894850" y="7957008"/>
-            <a:ext cx="481982" cy="0"/>
-          </a:xfrm>
-          <a:prstGeom prst="straightConnector1">
-            <a:avLst/>
-          </a:prstGeom>
-          <a:ln w="25400">
-            <a:solidFill>
-              <a:schemeClr val="bg1"/>
-            </a:solidFill>
-            <a:headEnd type="none" w="sm" len="sm"/>
-            <a:tailEnd type="arrow" w="med" len="med"/>
-          </a:ln>
-        </p:spPr>
-        <p:style>
-          <a:lnRef idx="1">
-            <a:schemeClr val="accent1"/>
-          </a:lnRef>
-          <a:fillRef idx="0">
-            <a:schemeClr val="accent1"/>
-          </a:fillRef>
-          <a:effectRef idx="0">
-            <a:schemeClr val="accent1"/>
-          </a:effectRef>
-          <a:fontRef idx="minor">
-            <a:schemeClr val="tx1"/>
-          </a:fontRef>
-        </p:style>
-      </p:cxnSp>
       <p:sp>
         <p:nvSpPr>
           <p:cNvPr id="6" name="Round Same Side Corner Rectangle 5"/>
@@ -11075,7 +11088,7 @@
             <a:avLst/>
           </a:prstGeom>
           <a:solidFill>
-            <a:srgbClr val="78909C"/>
+            <a:srgbClr val="73626E"/>
           </a:solidFill>
           <a:ln w="63500">
             <a:solidFill>
@@ -11122,8 +11135,8 @@
         </p:nvSpPr>
         <p:spPr>
           <a:xfrm>
-            <a:off x="943986" y="3456955"/>
-            <a:ext cx="4201102" cy="3168352"/>
+            <a:off x="943985" y="3456955"/>
+            <a:ext cx="4417125" cy="3168352"/>
           </a:xfrm>
           <a:prstGeom prst="roundRect">
             <a:avLst/>
@@ -11179,8 +11192,8 @@
         </p:nvSpPr>
         <p:spPr>
           <a:xfrm>
-            <a:off x="5289103" y="3456955"/>
-            <a:ext cx="4608512" cy="3262432"/>
+            <a:off x="5433119" y="3456955"/>
+            <a:ext cx="4536828" cy="3262432"/>
           </a:xfrm>
           <a:prstGeom prst="rect">
             <a:avLst/>
@@ -11199,7 +11212,9 @@
             <a:r>
               <a:rPr lang="en-US" sz="2000" dirty="0" smtClean="0">
                 <a:solidFill>
-                  <a:srgbClr val="37474F"/>
+                  <a:schemeClr val="bg1">
+                    <a:lumMod val="85000"/>
+                  </a:schemeClr>
                 </a:solidFill>
                 <a:latin typeface="Corbel" charset="0"/>
                 <a:ea typeface="Corbel" charset="0"/>
@@ -11210,281 +11225,164 @@
             <a:r>
               <a:rPr lang="en-US" sz="2000" dirty="0">
                 <a:solidFill>
-                  <a:srgbClr val="37474F"/>
+                  <a:schemeClr val="bg1">
+                    <a:lumMod val="85000"/>
+                  </a:schemeClr>
                 </a:solidFill>
                 <a:latin typeface="Corbel" charset="0"/>
                 <a:ea typeface="Corbel" charset="0"/>
                 <a:cs typeface="Corbel" charset="0"/>
               </a:rPr>
-              <a:t>to enable </a:t>
+              <a:t>to enable the creation, dissemination, and </a:t>
             </a:r>
             <a:r>
               <a:rPr lang="en-US" sz="2000" dirty="0" smtClean="0">
                 <a:solidFill>
-                  <a:srgbClr val="37474F"/>
+                  <a:schemeClr val="bg1">
+                    <a:lumMod val="85000"/>
+                  </a:schemeClr>
                 </a:solidFill>
                 <a:latin typeface="Corbel" charset="0"/>
                 <a:ea typeface="Corbel" charset="0"/>
                 <a:cs typeface="Corbel" charset="0"/>
               </a:rPr>
-              <a:t>the creation</a:t>
+              <a:t>long-term </a:t>
             </a:r>
             <a:r>
               <a:rPr lang="en-US" sz="2000" dirty="0">
                 <a:solidFill>
-                  <a:srgbClr val="37474F"/>
+                  <a:schemeClr val="bg1">
+                    <a:lumMod val="85000"/>
+                  </a:schemeClr>
                 </a:solidFill>
                 <a:latin typeface="Corbel" charset="0"/>
                 <a:ea typeface="Corbel" charset="0"/>
                 <a:cs typeface="Corbel" charset="0"/>
               </a:rPr>
-              <a:t>, </a:t>
+              <a:t>support of </a:t>
             </a:r>
             <a:r>
               <a:rPr lang="en-US" sz="2000" dirty="0" smtClean="0">
                 <a:solidFill>
-                  <a:srgbClr val="37474F"/>
+                  <a:schemeClr val="bg1">
+                    <a:lumMod val="85000"/>
+                  </a:schemeClr>
                 </a:solidFill>
                 <a:latin typeface="Corbel" charset="0"/>
                 <a:ea typeface="Corbel" charset="0"/>
                 <a:cs typeface="Corbel" charset="0"/>
               </a:rPr>
-              <a:t>curation, dissemination</a:t>
+              <a:t>digital humanities projects </a:t>
             </a:r>
             <a:r>
               <a:rPr lang="en-US" sz="2000" dirty="0">
                 <a:solidFill>
-                  <a:srgbClr val="37474F"/>
+                  <a:schemeClr val="bg1">
+                    <a:lumMod val="85000"/>
+                  </a:schemeClr>
                 </a:solidFill>
                 <a:latin typeface="Corbel" charset="0"/>
                 <a:ea typeface="Corbel" charset="0"/>
                 <a:cs typeface="Corbel" charset="0"/>
               </a:rPr>
-              <a:t>, and </a:t>
+              <a:t>and </a:t>
             </a:r>
             <a:r>
               <a:rPr lang="en-US" sz="2000" dirty="0" smtClean="0">
                 <a:solidFill>
-                  <a:srgbClr val="37474F"/>
+                  <a:schemeClr val="bg1">
+                    <a:lumMod val="85000"/>
+                  </a:schemeClr>
                 </a:solidFill>
                 <a:latin typeface="Corbel" charset="0"/>
                 <a:ea typeface="Corbel" charset="0"/>
                 <a:cs typeface="Corbel" charset="0"/>
               </a:rPr>
-              <a:t>long-term </a:t>
+              <a:t>publications? NUL's Digital Scholarship Group seeks </a:t>
             </a:r>
             <a:r>
               <a:rPr lang="en-US" sz="2000" dirty="0">
                 <a:solidFill>
-                  <a:srgbClr val="37474F"/>
+                  <a:schemeClr val="bg1">
+                    <a:lumMod val="85000"/>
+                  </a:schemeClr>
                 </a:solidFill>
                 <a:latin typeface="Corbel" charset="0"/>
                 <a:ea typeface="Corbel" charset="0"/>
                 <a:cs typeface="Corbel" charset="0"/>
               </a:rPr>
-              <a:t>support of </a:t>
+              <a:t>to answer this question by developing a workflow-based digital </a:t>
             </a:r>
             <a:r>
               <a:rPr lang="en-US" sz="2000" dirty="0" smtClean="0">
                 <a:solidFill>
-                  <a:srgbClr val="37474F"/>
+                  <a:schemeClr val="bg1">
+                    <a:lumMod val="85000"/>
+                  </a:schemeClr>
                 </a:solidFill>
                 <a:latin typeface="Corbel" charset="0"/>
                 <a:ea typeface="Corbel" charset="0"/>
                 <a:cs typeface="Corbel" charset="0"/>
               </a:rPr>
-              <a:t>digital </a:t>
-            </a:r>
-            <a:r>
-              <a:rPr lang="en-US" sz="2000" dirty="0" smtClean="0">
-                <a:solidFill>
-                  <a:srgbClr val="37474F"/>
+              <a:t>framework </a:t>
+            </a:r>
+            <a:r>
+              <a:rPr lang="en-US" sz="2000" dirty="0">
+                <a:solidFill>
+                  <a:schemeClr val="bg1">
+                    <a:lumMod val="85000"/>
+                  </a:schemeClr>
                 </a:solidFill>
                 <a:latin typeface="Corbel" charset="0"/>
                 <a:ea typeface="Corbel" charset="0"/>
                 <a:cs typeface="Corbel" charset="0"/>
               </a:rPr>
-              <a:t>humanities (DH) </a:t>
+              <a:t>to provide editorial </a:t>
             </a:r>
             <a:r>
               <a:rPr lang="en-US" sz="2000" dirty="0" smtClean="0">
                 <a:solidFill>
-                  <a:srgbClr val="37474F"/>
+                  <a:schemeClr val="bg1">
+                    <a:lumMod val="85000"/>
+                  </a:schemeClr>
                 </a:solidFill>
                 <a:latin typeface="Corbel" charset="0"/>
                 <a:ea typeface="Corbel" charset="0"/>
                 <a:cs typeface="Corbel" charset="0"/>
               </a:rPr>
-              <a:t>projects </a:t>
+              <a:t>and other workflow </a:t>
             </a:r>
             <a:r>
               <a:rPr lang="en-US" sz="2000" dirty="0">
                 <a:solidFill>
-                  <a:srgbClr val="37474F"/>
+                  <a:schemeClr val="bg1">
+                    <a:lumMod val="85000"/>
+                  </a:schemeClr>
                 </a:solidFill>
                 <a:latin typeface="Corbel" charset="0"/>
                 <a:ea typeface="Corbel" charset="0"/>
                 <a:cs typeface="Corbel" charset="0"/>
               </a:rPr>
-              <a:t>and </a:t>
+              <a:t>management </a:t>
             </a:r>
             <a:r>
               <a:rPr lang="en-US" sz="2000" dirty="0" smtClean="0">
                 <a:solidFill>
-                  <a:srgbClr val="37474F"/>
+                  <a:schemeClr val="bg1">
+                    <a:lumMod val="85000"/>
+                  </a:schemeClr>
                 </a:solidFill>
                 <a:latin typeface="Corbel" charset="0"/>
                 <a:ea typeface="Corbel" charset="0"/>
                 <a:cs typeface="Corbel" charset="0"/>
               </a:rPr>
-              <a:t>publications? NUL's Digital Scholarship Group seeks </a:t>
-            </a:r>
-            <a:r>
-              <a:rPr lang="en-US" sz="2000" dirty="0">
-                <a:solidFill>
-                  <a:srgbClr val="37474F"/>
-                </a:solidFill>
-                <a:latin typeface="Corbel" charset="0"/>
-                <a:ea typeface="Corbel" charset="0"/>
-                <a:cs typeface="Corbel" charset="0"/>
-              </a:rPr>
-              <a:t>to answer this question by developing a </a:t>
-            </a:r>
-            <a:r>
-              <a:rPr lang="en-US" sz="2000" dirty="0" smtClean="0">
-                <a:solidFill>
-                  <a:srgbClr val="37474F"/>
-                </a:solidFill>
-                <a:latin typeface="Corbel" charset="0"/>
-                <a:ea typeface="Corbel" charset="0"/>
-                <a:cs typeface="Corbel" charset="0"/>
-              </a:rPr>
-              <a:t>digital </a:t>
-            </a:r>
-            <a:r>
-              <a:rPr lang="en-US" sz="2000" dirty="0" smtClean="0">
-                <a:solidFill>
-                  <a:srgbClr val="37474F"/>
-                </a:solidFill>
-                <a:latin typeface="Corbel" charset="0"/>
-                <a:ea typeface="Corbel" charset="0"/>
-                <a:cs typeface="Corbel" charset="0"/>
-              </a:rPr>
-              <a:t>framework </a:t>
-            </a:r>
-            <a:r>
-              <a:rPr lang="en-US" sz="2000" dirty="0">
-                <a:solidFill>
-                  <a:srgbClr val="37474F"/>
-                </a:solidFill>
-                <a:latin typeface="Corbel" charset="0"/>
-                <a:ea typeface="Corbel" charset="0"/>
-                <a:cs typeface="Corbel" charset="0"/>
-              </a:rPr>
-              <a:t>to </a:t>
-            </a:r>
-            <a:r>
-              <a:rPr lang="en-US" sz="2000" dirty="0" smtClean="0">
-                <a:solidFill>
-                  <a:srgbClr val="37474F"/>
-                </a:solidFill>
-                <a:latin typeface="Corbel" charset="0"/>
-                <a:ea typeface="Corbel" charset="0"/>
-                <a:cs typeface="Corbel" charset="0"/>
-              </a:rPr>
-              <a:t>provide workflow </a:t>
-            </a:r>
-            <a:r>
-              <a:rPr lang="en-US" sz="2000" dirty="0">
-                <a:solidFill>
-                  <a:srgbClr val="37474F"/>
-                </a:solidFill>
-                <a:latin typeface="Corbel" charset="0"/>
-                <a:ea typeface="Corbel" charset="0"/>
-                <a:cs typeface="Corbel" charset="0"/>
-              </a:rPr>
-              <a:t>management </a:t>
-            </a:r>
-            <a:r>
-              <a:rPr lang="en-US" sz="2000" dirty="0" smtClean="0">
-                <a:solidFill>
-                  <a:srgbClr val="37474F"/>
-                </a:solidFill>
-                <a:latin typeface="Corbel" charset="0"/>
-                <a:ea typeface="Corbel" charset="0"/>
-                <a:cs typeface="Corbel" charset="0"/>
-              </a:rPr>
-              <a:t>tools commonly used in </a:t>
-            </a:r>
-            <a:r>
-              <a:rPr lang="en-US" sz="2000" dirty="0" smtClean="0">
-                <a:solidFill>
-                  <a:srgbClr val="37474F"/>
-                </a:solidFill>
-                <a:latin typeface="Corbel" charset="0"/>
-                <a:ea typeface="Corbel" charset="0"/>
-                <a:cs typeface="Corbel" charset="0"/>
-              </a:rPr>
-              <a:t>DH </a:t>
-            </a:r>
-            <a:r>
-              <a:rPr lang="en-US" sz="2000" dirty="0" smtClean="0">
-                <a:solidFill>
-                  <a:srgbClr val="37474F"/>
-                </a:solidFill>
-                <a:latin typeface="Corbel" charset="0"/>
-                <a:ea typeface="Corbel" charset="0"/>
-                <a:cs typeface="Corbel" charset="0"/>
-              </a:rPr>
-              <a:t>project </a:t>
-            </a:r>
-            <a:r>
-              <a:rPr lang="en-US" sz="2000" dirty="0" smtClean="0">
-                <a:solidFill>
-                  <a:srgbClr val="37474F"/>
-                </a:solidFill>
-                <a:latin typeface="Corbel" charset="0"/>
-                <a:ea typeface="Corbel" charset="0"/>
-                <a:cs typeface="Corbel" charset="0"/>
-              </a:rPr>
-              <a:t>work, </a:t>
-            </a:r>
-            <a:r>
-              <a:rPr lang="en-US" sz="2000" smtClean="0">
-                <a:solidFill>
-                  <a:srgbClr val="37474F"/>
-                </a:solidFill>
-                <a:latin typeface="Corbel" charset="0"/>
-                <a:ea typeface="Corbel" charset="0"/>
-                <a:cs typeface="Corbel" charset="0"/>
-              </a:rPr>
-              <a:t>working alongside </a:t>
-            </a:r>
-            <a:r>
-              <a:rPr lang="en-US" sz="2000" dirty="0" smtClean="0">
-                <a:solidFill>
-                  <a:srgbClr val="37474F"/>
-                </a:solidFill>
-                <a:latin typeface="Corbel" charset="0"/>
-                <a:ea typeface="Corbel" charset="0"/>
-                <a:cs typeface="Corbel" charset="0"/>
-              </a:rPr>
-              <a:t>important digital </a:t>
-            </a:r>
-            <a:r>
-              <a:rPr lang="en-US" sz="2000" smtClean="0">
-                <a:solidFill>
-                  <a:srgbClr val="37474F"/>
-                </a:solidFill>
-                <a:latin typeface="Corbel" charset="0"/>
-                <a:ea typeface="Corbel" charset="0"/>
-                <a:cs typeface="Corbel" charset="0"/>
-              </a:rPr>
-              <a:t>curation workflows.</a:t>
+              <a:t>tools commonly used in digital humanities project work.</a:t>
             </a:r>
             <a:endParaRPr lang="en-US" sz="2000" dirty="0">
               <a:solidFill>
-                <a:srgbClr val="37474F"/>
+                <a:schemeClr val="bg1">
+                  <a:lumMod val="85000"/>
+                </a:schemeClr>
               </a:solidFill>
               <a:latin typeface="Corbel" charset="0"/>
               <a:ea typeface="Corbel" charset="0"/>
@@ -11628,7 +11526,9 @@
             <a:r>
               <a:rPr lang="en-US" sz="6000" dirty="0">
                 <a:solidFill>
-                  <a:srgbClr val="FFD966"/>
+                  <a:schemeClr val="bg1">
+                    <a:lumMod val="85000"/>
+                  </a:schemeClr>
                 </a:solidFill>
                 <a:latin typeface="Corbel" charset="0"/>
                 <a:ea typeface="Corbel" charset="0"/>
@@ -11639,7 +11539,9 @@
             <a:r>
               <a:rPr lang="en-US" sz="5800" dirty="0" smtClean="0">
                 <a:solidFill>
-                  <a:srgbClr val="FFD966"/>
+                  <a:schemeClr val="bg1">
+                    <a:lumMod val="85000"/>
+                  </a:schemeClr>
                 </a:solidFill>
                 <a:latin typeface="Corbel" charset="0"/>
                 <a:ea typeface="Corbel" charset="0"/>
@@ -11650,7 +11552,9 @@
             <a:r>
               <a:rPr lang="en-US" sz="5800" dirty="0">
                 <a:solidFill>
-                  <a:srgbClr val="FFD966"/>
+                  <a:schemeClr val="bg1">
+                    <a:lumMod val="85000"/>
+                  </a:schemeClr>
                 </a:solidFill>
                 <a:latin typeface="Corbel" charset="0"/>
                 <a:ea typeface="Corbel" charset="0"/>
@@ -11661,7 +11565,9 @@
             <a:r>
               <a:rPr lang="en-US" sz="5800" dirty="0" smtClean="0">
                 <a:solidFill>
-                  <a:srgbClr val="FFD966"/>
+                  <a:schemeClr val="bg1">
+                    <a:lumMod val="85000"/>
+                  </a:schemeClr>
                 </a:solidFill>
                 <a:latin typeface="Corbel" charset="0"/>
                 <a:ea typeface="Corbel" charset="0"/>
@@ -11671,7 +11577,9 @@
             </a:r>
             <a:endParaRPr lang="en-US" sz="5800" dirty="0">
               <a:solidFill>
-                <a:srgbClr val="FFD966"/>
+                <a:schemeClr val="bg1">
+                  <a:lumMod val="85000"/>
+                </a:schemeClr>
               </a:solidFill>
               <a:latin typeface="Corbel" charset="0"/>
               <a:ea typeface="Corbel" charset="0"/>
@@ -11708,7 +11616,9 @@
             <a:r>
               <a:rPr lang="en-US" sz="2400" dirty="0">
                 <a:solidFill>
-                  <a:srgbClr val="E0E0E0"/>
+                  <a:schemeClr val="bg1">
+                    <a:lumMod val="85000"/>
+                  </a:schemeClr>
                 </a:solidFill>
                 <a:latin typeface="Corbel" charset="0"/>
                 <a:ea typeface="Corbel" charset="0"/>
@@ -11719,7 +11629,9 @@
             <a:r>
               <a:rPr lang="en-US" sz="2400" dirty="0" err="1">
                 <a:solidFill>
-                  <a:srgbClr val="E0E0E0"/>
+                  <a:schemeClr val="bg1">
+                    <a:lumMod val="85000"/>
+                  </a:schemeClr>
                 </a:solidFill>
                 <a:latin typeface="Corbel" charset="0"/>
                 <a:ea typeface="Corbel" charset="0"/>
@@ -11729,7 +11641,9 @@
             </a:r>
             <a:endParaRPr lang="en-US" sz="2400" dirty="0">
               <a:solidFill>
-                <a:srgbClr val="E0E0E0"/>
+                <a:schemeClr val="bg1">
+                  <a:lumMod val="85000"/>
+                </a:schemeClr>
               </a:solidFill>
               <a:latin typeface="Corbel" charset="0"/>
               <a:ea typeface="Corbel" charset="0"/>
@@ -11740,7 +11654,9 @@
             <a:r>
               <a:rPr lang="en-US" sz="2400" dirty="0" smtClean="0">
                 <a:solidFill>
-                  <a:srgbClr val="E0E0E0"/>
+                  <a:schemeClr val="bg1">
+                    <a:lumMod val="85000"/>
+                  </a:schemeClr>
                 </a:solidFill>
                 <a:latin typeface="Corbel" charset="0"/>
                 <a:ea typeface="Corbel" charset="0"/>
@@ -11753,7 +11669,9 @@
             <a:r>
               <a:rPr lang="en-US" sz="2400" dirty="0" smtClean="0">
                 <a:solidFill>
-                  <a:srgbClr val="E0E0E0"/>
+                  <a:schemeClr val="bg1">
+                    <a:lumMod val="85000"/>
+                  </a:schemeClr>
                 </a:solidFill>
                 <a:latin typeface="Corbel" charset="0"/>
                 <a:ea typeface="Corbel" charset="0"/>
@@ -11792,7 +11710,9 @@
             <a:r>
               <a:rPr lang="en-US" sz="2000" dirty="0" smtClean="0">
                 <a:solidFill>
-                  <a:srgbClr val="37474F"/>
+                  <a:schemeClr val="bg1">
+                    <a:lumMod val="95000"/>
+                  </a:schemeClr>
                 </a:solidFill>
                 <a:latin typeface="Corbel" charset="0"/>
                 <a:ea typeface="Corbel" charset="0"/>
@@ -11803,7 +11723,9 @@
             <a:r>
               <a:rPr lang="en-US" sz="500" dirty="0">
                 <a:solidFill>
-                  <a:srgbClr val="37474F"/>
+                  <a:schemeClr val="bg1">
+                    <a:lumMod val="95000"/>
+                  </a:schemeClr>
                 </a:solidFill>
                 <a:latin typeface="Corbel" charset="0"/>
                 <a:ea typeface="Corbel" charset="0"/>
@@ -11814,7 +11736,9 @@
             <a:r>
               <a:rPr lang="en-US" sz="500" dirty="0" smtClean="0">
                 <a:solidFill>
-                  <a:srgbClr val="37474F"/>
+                  <a:schemeClr val="bg1">
+                    <a:lumMod val="95000"/>
+                  </a:schemeClr>
                 </a:solidFill>
                 <a:latin typeface="Corbel" charset="0"/>
                 <a:ea typeface="Corbel" charset="0"/>
@@ -11825,7 +11749,9 @@
             <a:r>
               <a:rPr lang="en-US" sz="2000" dirty="0" smtClean="0">
                 <a:solidFill>
-                  <a:srgbClr val="37474F"/>
+                  <a:schemeClr val="bg1">
+                    <a:lumMod val="95000"/>
+                  </a:schemeClr>
                 </a:solidFill>
                 <a:latin typeface="Corbel" charset="0"/>
                 <a:ea typeface="Corbel" charset="0"/>
@@ -11836,7 +11762,10 @@
             <a:r>
               <a:rPr lang="en-US" sz="2000" dirty="0">
                 <a:solidFill>
-                  <a:srgbClr val="FFD966"/>
+                  <a:schemeClr val="tx2">
+                    <a:lumMod val="40000"/>
+                    <a:lumOff val="60000"/>
+                  </a:schemeClr>
                 </a:solidFill>
                 <a:latin typeface="Consolas" charset="0"/>
                 <a:ea typeface="Consolas" charset="0"/>
@@ -11847,7 +11776,10 @@
             <a:r>
               <a:rPr lang="en-US" sz="2000" dirty="0" err="1">
                 <a:solidFill>
-                  <a:srgbClr val="FFD966"/>
+                  <a:schemeClr val="tx2">
+                    <a:lumMod val="40000"/>
+                    <a:lumOff val="60000"/>
+                  </a:schemeClr>
                 </a:solidFill>
                 <a:latin typeface="Consolas" charset="0"/>
                 <a:ea typeface="Consolas" charset="0"/>
@@ -11858,7 +11790,10 @@
             <a:r>
               <a:rPr lang="en-US" sz="2000" dirty="0">
                 <a:solidFill>
-                  <a:srgbClr val="FFD966"/>
+                  <a:schemeClr val="tx2">
+                    <a:lumMod val="40000"/>
+                    <a:lumOff val="60000"/>
+                  </a:schemeClr>
                 </a:solidFill>
                 <a:latin typeface="Consolas" charset="0"/>
                 <a:ea typeface="Consolas" charset="0"/>
@@ -11869,7 +11804,9 @@
             <a:r>
               <a:rPr lang="en-US" sz="2000" dirty="0" smtClean="0">
                 <a:solidFill>
-                  <a:srgbClr val="37474F"/>
+                  <a:schemeClr val="bg1">
+                    <a:lumMod val="95000"/>
+                  </a:schemeClr>
                 </a:solidFill>
                 <a:latin typeface="Corbel" charset="0"/>
                 <a:ea typeface="Corbel" charset="0"/>
@@ -11879,7 +11816,9 @@
             </a:r>
             <a:endParaRPr lang="en-US" sz="2000" dirty="0">
               <a:solidFill>
-                <a:srgbClr val="37474F"/>
+                <a:schemeClr val="bg1">
+                  <a:lumMod val="95000"/>
+                </a:schemeClr>
               </a:solidFill>
               <a:latin typeface="Corbel" charset="0"/>
               <a:ea typeface="Corbel" charset="0"/>
@@ -11917,7 +11856,7 @@
             <a:r>
               <a:rPr lang="en-US" sz="2800" dirty="0" smtClean="0">
                 <a:solidFill>
-                  <a:srgbClr val="37474F"/>
+                  <a:srgbClr val="73626E"/>
                 </a:solidFill>
                 <a:latin typeface="Corbel" charset="0"/>
                 <a:ea typeface="Corbel" charset="0"/>
@@ -11957,7 +11896,7 @@
             <a:r>
               <a:rPr lang="en-US" sz="2000" b="1" dirty="0" smtClean="0">
                 <a:solidFill>
-                  <a:srgbClr val="37474F"/>
+                  <a:srgbClr val="73626E"/>
                 </a:solidFill>
                 <a:latin typeface="Corbel" charset="0"/>
                 <a:ea typeface="Corbel" charset="0"/>
@@ -11967,7 +11906,7 @@
             </a:r>
             <a:endParaRPr lang="en-US" sz="2000" b="1" dirty="0">
               <a:solidFill>
-                <a:srgbClr val="37474F"/>
+                <a:srgbClr val="73626E"/>
               </a:solidFill>
               <a:latin typeface="Corbel" charset="0"/>
               <a:ea typeface="Corbel" charset="0"/>
@@ -12005,7 +11944,7 @@
             <a:r>
               <a:rPr lang="en-US" sz="2000" b="1" dirty="0" smtClean="0">
                 <a:solidFill>
-                  <a:srgbClr val="37474F"/>
+                  <a:srgbClr val="73626E"/>
                 </a:solidFill>
                 <a:latin typeface="Corbel" charset="0"/>
                 <a:ea typeface="Corbel" charset="0"/>
@@ -12045,7 +11984,7 @@
             <a:r>
               <a:rPr lang="en-US" sz="2800" dirty="0" smtClean="0">
                 <a:solidFill>
-                  <a:srgbClr val="37474F"/>
+                  <a:srgbClr val="73626E"/>
                 </a:solidFill>
                 <a:latin typeface="Corbel" charset="0"/>
                 <a:ea typeface="Corbel" charset="0"/>
@@ -12085,7 +12024,7 @@
             <a:r>
               <a:rPr lang="en-US" sz="2000" b="1" dirty="0" smtClean="0">
                 <a:solidFill>
-                  <a:srgbClr val="37474F"/>
+                  <a:srgbClr val="73626E"/>
                 </a:solidFill>
                 <a:latin typeface="Corbel" charset="0"/>
                 <a:ea typeface="Corbel" charset="0"/>
@@ -12125,7 +12064,7 @@
             <a:r>
               <a:rPr lang="en-US" sz="2800" dirty="0" smtClean="0">
                 <a:solidFill>
-                  <a:srgbClr val="37474F"/>
+                  <a:srgbClr val="73626E"/>
                 </a:solidFill>
                 <a:latin typeface="Corbel" charset="0"/>
                 <a:ea typeface="Corbel" charset="0"/>
@@ -12406,11 +12345,10 @@
           </a:bodyPr>
           <a:lstStyle/>
           <a:p>
-            <a:pPr algn="ctr"/>
             <a:r>
               <a:rPr lang="en-US" sz="2000" b="1" dirty="0" smtClean="0">
                 <a:solidFill>
-                  <a:srgbClr val="37474F"/>
+                  <a:srgbClr val="73626E"/>
                 </a:solidFill>
                 <a:latin typeface="Corbel" charset="0"/>
                 <a:ea typeface="Corbel" charset="0"/>
@@ -12427,7 +12365,7 @@
             <a:r>
               <a:rPr lang="en-US" sz="1800" dirty="0" smtClean="0">
                 <a:solidFill>
-                  <a:srgbClr val="37474F"/>
+                  <a:srgbClr val="73626E"/>
                 </a:solidFill>
                 <a:latin typeface="Corbel" charset="0"/>
                 <a:ea typeface="Corbel" charset="0"/>
@@ -12444,7 +12382,7 @@
             <a:r>
               <a:rPr lang="en-US" sz="1800" dirty="0" smtClean="0">
                 <a:solidFill>
-                  <a:srgbClr val="37474F"/>
+                  <a:srgbClr val="73626E"/>
                 </a:solidFill>
                 <a:latin typeface="Corbel" charset="0"/>
                 <a:ea typeface="Corbel" charset="0"/>
@@ -12454,7 +12392,7 @@
             </a:r>
             <a:endParaRPr lang="en-US" sz="1800" dirty="0">
               <a:solidFill>
-                <a:srgbClr val="37474F"/>
+                <a:srgbClr val="73626E"/>
               </a:solidFill>
               <a:latin typeface="Corbel" charset="0"/>
               <a:ea typeface="Corbel" charset="0"/>
@@ -12472,7 +12410,7 @@
         <p:spPr>
           <a:xfrm>
             <a:off x="6297215" y="14280935"/>
-            <a:ext cx="3600400" cy="2161818"/>
+            <a:ext cx="3600400" cy="2281476"/>
           </a:xfrm>
           <a:prstGeom prst="roundRect">
             <a:avLst>
@@ -12494,11 +12432,10 @@
           </a:bodyPr>
           <a:lstStyle/>
           <a:p>
-            <a:pPr algn="ctr"/>
             <a:r>
               <a:rPr lang="en-US" sz="2000" b="1" dirty="0" smtClean="0">
                 <a:solidFill>
-                  <a:srgbClr val="37474F"/>
+                  <a:srgbClr val="73626E"/>
                 </a:solidFill>
                 <a:latin typeface="Corbel" charset="0"/>
                 <a:ea typeface="Corbel" charset="0"/>
@@ -12515,7 +12452,7 @@
             <a:r>
               <a:rPr lang="en-US" sz="1800" dirty="0" smtClean="0">
                 <a:solidFill>
-                  <a:srgbClr val="37474F"/>
+                  <a:srgbClr val="73626E"/>
                 </a:solidFill>
                 <a:latin typeface="Corbel" charset="0"/>
                 <a:ea typeface="Corbel" charset="0"/>
@@ -12532,7 +12469,7 @@
             <a:r>
               <a:rPr lang="en-US" sz="1800" dirty="0" smtClean="0">
                 <a:solidFill>
-                  <a:srgbClr val="37474F"/>
+                  <a:srgbClr val="73626E"/>
                 </a:solidFill>
                 <a:latin typeface="Corbel" charset="0"/>
                 <a:ea typeface="Corbel" charset="0"/>
@@ -12549,7 +12486,7 @@
             <a:r>
               <a:rPr lang="en-US" sz="1800" dirty="0" smtClean="0">
                 <a:solidFill>
-                  <a:srgbClr val="37474F"/>
+                  <a:srgbClr val="73626E"/>
                 </a:solidFill>
                 <a:latin typeface="Corbel" charset="0"/>
                 <a:ea typeface="Corbel" charset="0"/>
@@ -12566,7 +12503,7 @@
             <a:r>
               <a:rPr lang="en-US" sz="1800" dirty="0" smtClean="0">
                 <a:solidFill>
-                  <a:srgbClr val="37474F"/>
+                  <a:srgbClr val="73626E"/>
                 </a:solidFill>
                 <a:latin typeface="Corbel" charset="0"/>
                 <a:ea typeface="Corbel" charset="0"/>
@@ -12583,7 +12520,7 @@
             <a:r>
               <a:rPr lang="en-US" sz="1800" dirty="0" smtClean="0">
                 <a:solidFill>
-                  <a:srgbClr val="37474F"/>
+                  <a:srgbClr val="73626E"/>
                 </a:solidFill>
                 <a:latin typeface="Corbel" charset="0"/>
                 <a:ea typeface="Corbel" charset="0"/>
@@ -12593,7 +12530,7 @@
             </a:r>
             <a:endParaRPr lang="en-US" sz="1800" dirty="0">
               <a:solidFill>
-                <a:srgbClr val="37474F"/>
+                <a:srgbClr val="73626E"/>
               </a:solidFill>
               <a:latin typeface="Corbel" charset="0"/>
               <a:ea typeface="Corbel" charset="0"/>
@@ -12663,8 +12600,8 @@
         </p:nvSpPr>
         <p:spPr>
           <a:xfrm>
-            <a:off x="914807" y="7993459"/>
-            <a:ext cx="2804933" cy="1975009"/>
+            <a:off x="914807" y="8137475"/>
+            <a:ext cx="2804933" cy="1464231"/>
           </a:xfrm>
           <a:prstGeom prst="roundRect">
             <a:avLst/>
@@ -12683,38 +12620,16 @@
           <a:p>
             <a:pPr algn="ctr"/>
             <a:r>
-              <a:rPr lang="en-US" sz="2000" b="1" dirty="0">
-                <a:solidFill>
-                  <a:srgbClr val="37474F"/>
+              <a:rPr lang="en-US" sz="2000" b="1" dirty="0" smtClean="0">
+                <a:solidFill>
+                  <a:srgbClr val="73626E"/>
                 </a:solidFill>
                 <a:latin typeface="Corbel" charset="0"/>
                 <a:ea typeface="Corbel" charset="0"/>
                 <a:cs typeface="Corbel" charset="0"/>
               </a:rPr>
-              <a:t>🛠 </a:t>
-            </a:r>
-            <a:r>
-              <a:rPr lang="en-US" sz="2000" b="1" dirty="0" smtClean="0">
-                <a:solidFill>
-                  <a:srgbClr val="37474F"/>
-                </a:solidFill>
-                <a:latin typeface="Corbel" charset="0"/>
-                <a:ea typeface="Corbel" charset="0"/>
-                <a:cs typeface="Corbel" charset="0"/>
-              </a:rPr>
-              <a:t>Configure</a:t>
-            </a:r>
-          </a:p>
-          <a:p>
-            <a:pPr algn="ctr"/>
-            <a:endParaRPr lang="en-US" sz="1000" b="1" dirty="0" smtClean="0">
-              <a:solidFill>
-                <a:srgbClr val="37474F"/>
-              </a:solidFill>
-              <a:latin typeface="Corbel" charset="0"/>
-              <a:ea typeface="Corbel" charset="0"/>
-              <a:cs typeface="Corbel" charset="0"/>
-            </a:endParaRPr>
+              <a:t>{ Configure 🛠 }</a:t>
+            </a:r>
           </a:p>
           <a:p>
             <a:pPr marL="342900" indent="-342900">
@@ -12724,13 +12639,13 @@
             <a:r>
               <a:rPr lang="en-US" sz="2000" dirty="0" smtClean="0">
                 <a:solidFill>
-                  <a:srgbClr val="37474F"/>
+                  <a:srgbClr val="73626E"/>
                 </a:solidFill>
                 <a:latin typeface="Corbel" charset="0"/>
                 <a:ea typeface="Corbel" charset="0"/>
                 <a:cs typeface="Corbel" charset="0"/>
               </a:rPr>
-              <a:t>Curate data</a:t>
+              <a:t>Manage users</a:t>
             </a:r>
           </a:p>
           <a:p>
@@ -12741,24 +12656,13 @@
             <a:r>
               <a:rPr lang="en-US" sz="2000" dirty="0" smtClean="0">
                 <a:solidFill>
-                  <a:srgbClr val="37474F"/>
+                  <a:srgbClr val="73626E"/>
                 </a:solidFill>
                 <a:latin typeface="Corbel" charset="0"/>
                 <a:ea typeface="Corbel" charset="0"/>
                 <a:cs typeface="Corbel" charset="0"/>
               </a:rPr>
-              <a:t>Manage </a:t>
-            </a:r>
-            <a:r>
-              <a:rPr lang="en-US" sz="2000" dirty="0" smtClean="0">
-                <a:solidFill>
-                  <a:srgbClr val="37474F"/>
-                </a:solidFill>
-                <a:latin typeface="Corbel" charset="0"/>
-                <a:ea typeface="Corbel" charset="0"/>
-                <a:cs typeface="Corbel" charset="0"/>
-              </a:rPr>
-              <a:t>users</a:t>
+              <a:t>Model metadata</a:t>
             </a:r>
           </a:p>
           <a:p>
@@ -12769,34 +12673,17 @@
             <a:r>
               <a:rPr lang="en-US" sz="2000" dirty="0" smtClean="0">
                 <a:solidFill>
-                  <a:srgbClr val="37474F"/>
+                  <a:srgbClr val="73626E"/>
                 </a:solidFill>
                 <a:latin typeface="Corbel" charset="0"/>
                 <a:ea typeface="Corbel" charset="0"/>
                 <a:cs typeface="Corbel" charset="0"/>
               </a:rPr>
-              <a:t>Model metadata</a:t>
-            </a:r>
-          </a:p>
-          <a:p>
-            <a:pPr marL="342900" indent="-342900">
-              <a:buFont typeface="Arial" charset="0"/>
-              <a:buChar char="•"/>
-            </a:pPr>
-            <a:r>
-              <a:rPr lang="en-US" sz="2000" dirty="0" smtClean="0">
-                <a:solidFill>
-                  <a:srgbClr val="37474F"/>
-                </a:solidFill>
-                <a:latin typeface="Corbel" charset="0"/>
-                <a:ea typeface="Corbel" charset="0"/>
-                <a:cs typeface="Corbel" charset="0"/>
-              </a:rPr>
               <a:t>Configure workflow</a:t>
             </a:r>
             <a:endParaRPr lang="en-US" sz="2000" dirty="0">
               <a:solidFill>
-                <a:srgbClr val="37474F"/>
+                <a:srgbClr val="73626E"/>
               </a:solidFill>
               <a:latin typeface="Corbel" charset="0"/>
               <a:ea typeface="Corbel" charset="0"/>
@@ -12853,7 +12740,9 @@
             <a:avLst/>
           </a:prstGeom>
           <a:solidFill>
-            <a:srgbClr val="73626E"/>
+            <a:schemeClr val="bg1">
+              <a:lumMod val="85000"/>
+            </a:schemeClr>
           </a:solidFill>
           <a:ln>
             <a:noFill/>
@@ -12883,7 +12772,7 @@
             <a:r>
               <a:rPr lang="en-US" sz="1800" dirty="0" smtClean="0">
                 <a:solidFill>
-                  <a:srgbClr val="E0E0E0"/>
+                  <a:srgbClr val="73626E"/>
                 </a:solidFill>
                 <a:latin typeface="Corbel" charset="0"/>
                 <a:ea typeface="Corbel" charset="0"/>
@@ -12893,7 +12782,7 @@
             </a:r>
             <a:endParaRPr lang="en-US" sz="1800" dirty="0">
               <a:solidFill>
-                <a:srgbClr val="E0E0E0"/>
+                <a:srgbClr val="73626E"/>
               </a:solidFill>
               <a:latin typeface="Corbel" charset="0"/>
               <a:ea typeface="Corbel" charset="0"/>
@@ -12917,7 +12806,9 @@
             <a:avLst/>
           </a:prstGeom>
           <a:solidFill>
-            <a:srgbClr val="73626E"/>
+            <a:schemeClr val="bg1">
+              <a:lumMod val="85000"/>
+            </a:schemeClr>
           </a:solidFill>
           <a:ln>
             <a:noFill/>
@@ -12947,7 +12838,7 @@
             <a:r>
               <a:rPr lang="en-US" sz="1800" dirty="0" smtClean="0">
                 <a:solidFill>
-                  <a:srgbClr val="E0E0E0"/>
+                  <a:srgbClr val="73626E"/>
                 </a:solidFill>
                 <a:latin typeface="Corbel" charset="0"/>
                 <a:ea typeface="Corbel" charset="0"/>
@@ -12957,7 +12848,7 @@
             </a:r>
             <a:endParaRPr lang="en-US" sz="1800" dirty="0">
               <a:solidFill>
-                <a:srgbClr val="E0E0E0"/>
+                <a:srgbClr val="73626E"/>
               </a:solidFill>
               <a:latin typeface="Corbel" charset="0"/>
               <a:ea typeface="Corbel" charset="0"/>
@@ -13013,7 +12904,7 @@
             <a:r>
               <a:rPr lang="en-US" sz="1800" dirty="0" smtClean="0">
                 <a:solidFill>
-                  <a:srgbClr val="37474F"/>
+                  <a:srgbClr val="73626E"/>
                 </a:solidFill>
                 <a:latin typeface="Corbel" charset="0"/>
                 <a:ea typeface="Corbel" charset="0"/>
@@ -13023,7 +12914,7 @@
             </a:r>
             <a:endParaRPr lang="en-US" sz="1800" dirty="0">
               <a:solidFill>
-                <a:srgbClr val="37474F"/>
+                <a:srgbClr val="73626E"/>
               </a:solidFill>
               <a:latin typeface="Corbel" charset="0"/>
               <a:ea typeface="Corbel" charset="0"/>
@@ -13079,7 +12970,7 @@
             <a:r>
               <a:rPr lang="en-US" sz="1800" smtClean="0">
                 <a:solidFill>
-                  <a:srgbClr val="37474F"/>
+                  <a:srgbClr val="73626E"/>
                 </a:solidFill>
                 <a:latin typeface="Corbel" charset="0"/>
                 <a:ea typeface="Corbel" charset="0"/>
@@ -13089,7 +12980,7 @@
             </a:r>
             <a:endParaRPr lang="en-US" sz="1800" dirty="0">
               <a:solidFill>
-                <a:srgbClr val="37474F"/>
+                <a:srgbClr val="73626E"/>
               </a:solidFill>
               <a:latin typeface="Corbel" charset="0"/>
               <a:ea typeface="Corbel" charset="0"/>
@@ -13113,7 +13004,9 @@
             <a:avLst/>
           </a:prstGeom>
           <a:solidFill>
-            <a:srgbClr val="64FFDA"/>
+            <a:schemeClr val="bg1">
+              <a:lumMod val="85000"/>
+            </a:schemeClr>
           </a:solidFill>
           <a:ln>
             <a:noFill/>
@@ -13143,7 +13036,7 @@
             <a:r>
               <a:rPr lang="en-US" sz="1800" dirty="0" smtClean="0">
                 <a:solidFill>
-                  <a:srgbClr val="37474F"/>
+                  <a:srgbClr val="73626E"/>
                 </a:solidFill>
                 <a:latin typeface="Corbel" charset="0"/>
                 <a:ea typeface="Corbel" charset="0"/>
@@ -13153,7 +13046,7 @@
             </a:r>
             <a:endParaRPr lang="en-US" sz="1800" dirty="0">
               <a:solidFill>
-                <a:srgbClr val="37474F"/>
+                <a:srgbClr val="73626E"/>
               </a:solidFill>
               <a:latin typeface="Corbel" charset="0"/>
               <a:ea typeface="Corbel" charset="0"/>
@@ -13177,7 +13070,9 @@
             <a:avLst/>
           </a:prstGeom>
           <a:solidFill>
-            <a:srgbClr val="64FFDA"/>
+            <a:schemeClr val="bg1">
+              <a:lumMod val="85000"/>
+            </a:schemeClr>
           </a:solidFill>
           <a:ln>
             <a:noFill/>
@@ -13207,7 +13102,7 @@
             <a:r>
               <a:rPr lang="en-US" sz="1800" smtClean="0">
                 <a:solidFill>
-                  <a:srgbClr val="37474F"/>
+                  <a:srgbClr val="73626E"/>
                 </a:solidFill>
                 <a:latin typeface="Corbel" charset="0"/>
                 <a:ea typeface="Corbel" charset="0"/>
@@ -13217,7 +13112,7 @@
             </a:r>
             <a:endParaRPr lang="en-US" sz="1800" dirty="0">
               <a:solidFill>
-                <a:srgbClr val="37474F"/>
+                <a:srgbClr val="73626E"/>
               </a:solidFill>
               <a:latin typeface="Corbel" charset="0"/>
               <a:ea typeface="Corbel" charset="0"/>
@@ -13241,7 +13136,9 @@
             <a:avLst/>
           </a:prstGeom>
           <a:solidFill>
-            <a:srgbClr val="64FFDA"/>
+            <a:schemeClr val="bg1">
+              <a:lumMod val="85000"/>
+            </a:schemeClr>
           </a:solidFill>
           <a:ln>
             <a:noFill/>
@@ -13271,7 +13168,7 @@
             <a:r>
               <a:rPr lang="en-US" sz="1800" smtClean="0">
                 <a:solidFill>
-                  <a:srgbClr val="37474F"/>
+                  <a:srgbClr val="73626E"/>
                 </a:solidFill>
                 <a:latin typeface="Corbel" charset="0"/>
                 <a:ea typeface="Corbel" charset="0"/>
@@ -13281,7 +13178,7 @@
             </a:r>
             <a:endParaRPr lang="en-US" sz="1800" dirty="0">
               <a:solidFill>
-                <a:srgbClr val="37474F"/>
+                <a:srgbClr val="73626E"/>
               </a:solidFill>
               <a:latin typeface="Corbel" charset="0"/>
               <a:ea typeface="Corbel" charset="0"/>
@@ -13308,7 +13205,9 @@
           </a:prstGeom>
           <a:ln w="25400">
             <a:solidFill>
-              <a:schemeClr val="bg1"/>
+              <a:schemeClr val="bg1">
+                <a:lumMod val="85000"/>
+              </a:schemeClr>
             </a:solidFill>
             <a:headEnd type="arrow" w="sm" len="sm"/>
             <a:tailEnd type="none" w="med" len="med"/>
@@ -13350,7 +13249,9 @@
           </a:prstGeom>
           <a:ln w="25400">
             <a:solidFill>
-              <a:schemeClr val="bg1"/>
+              <a:schemeClr val="bg1">
+                <a:lumMod val="85000"/>
+              </a:schemeClr>
             </a:solidFill>
             <a:tailEnd type="arrow" w="sm" len="sm"/>
           </a:ln>
@@ -13389,7 +13290,9 @@
           </a:prstGeom>
           <a:ln w="25400">
             <a:solidFill>
-              <a:schemeClr val="bg1"/>
+              <a:schemeClr val="bg1">
+                <a:lumMod val="85000"/>
+              </a:schemeClr>
             </a:solidFill>
             <a:headEnd type="arrow" w="sm" len="sm"/>
             <a:tailEnd type="arrow" w="sm" len="sm"/>
@@ -13418,8 +13321,8 @@
         </p:nvSpPr>
         <p:spPr>
           <a:xfrm>
-            <a:off x="5598706" y="9974127"/>
-            <a:ext cx="3650837" cy="1547724"/>
+            <a:off x="5886738" y="9829216"/>
+            <a:ext cx="3888432" cy="1656184"/>
           </a:xfrm>
           <a:prstGeom prst="roundRect">
             <a:avLst/>
@@ -13466,8 +13369,8 @@
         </p:nvSpPr>
         <p:spPr>
           <a:xfrm>
-            <a:off x="1976735" y="10227880"/>
-            <a:ext cx="2448272" cy="1293971"/>
+            <a:off x="1976735" y="10110107"/>
+            <a:ext cx="2664296" cy="1123712"/>
           </a:xfrm>
           <a:prstGeom prst="roundRect">
             <a:avLst/>
@@ -13486,38 +13389,16 @@
           <a:p>
             <a:pPr algn="ctr"/>
             <a:r>
-              <a:rPr lang="en-US" sz="2000" b="1" dirty="0">
-                <a:solidFill>
-                  <a:srgbClr val="37474F"/>
+              <a:rPr lang="en-US" sz="2000" b="1" dirty="0" smtClean="0">
+                <a:solidFill>
+                  <a:srgbClr val="73626E"/>
                 </a:solidFill>
                 <a:latin typeface="Corbel" charset="0"/>
                 <a:ea typeface="Corbel" charset="0"/>
                 <a:cs typeface="Corbel" charset="0"/>
               </a:rPr>
-              <a:t>📮 </a:t>
-            </a:r>
-            <a:r>
-              <a:rPr lang="en-US" sz="2000" b="1" dirty="0" smtClean="0">
-                <a:solidFill>
-                  <a:srgbClr val="37474F"/>
-                </a:solidFill>
-                <a:latin typeface="Corbel" charset="0"/>
-                <a:ea typeface="Corbel" charset="0"/>
-                <a:cs typeface="Corbel" charset="0"/>
-              </a:rPr>
-              <a:t>Submit</a:t>
-            </a:r>
-          </a:p>
-          <a:p>
-            <a:pPr algn="ctr"/>
-            <a:endParaRPr lang="en-US" sz="1000" b="1" dirty="0" smtClean="0">
-              <a:solidFill>
-                <a:srgbClr val="37474F"/>
-              </a:solidFill>
-              <a:latin typeface="Corbel" charset="0"/>
-              <a:ea typeface="Corbel" charset="0"/>
-              <a:cs typeface="Corbel" charset="0"/>
-            </a:endParaRPr>
+              <a:t>{ Submit 📮 }</a:t>
+            </a:r>
           </a:p>
           <a:p>
             <a:pPr marL="342900" indent="-342900">
@@ -13527,7 +13408,7 @@
             <a:r>
               <a:rPr lang="en-US" sz="2000" dirty="0" smtClean="0">
                 <a:solidFill>
-                  <a:srgbClr val="37474F"/>
+                  <a:srgbClr val="73626E"/>
                 </a:solidFill>
                 <a:latin typeface="Corbel" charset="0"/>
                 <a:ea typeface="Corbel" charset="0"/>
@@ -13544,7 +13425,7 @@
             <a:r>
               <a:rPr lang="en-US" sz="2000" dirty="0" smtClean="0">
                 <a:solidFill>
-                  <a:srgbClr val="37474F"/>
+                  <a:srgbClr val="73626E"/>
                 </a:solidFill>
                 <a:latin typeface="Corbel" charset="0"/>
                 <a:ea typeface="Corbel" charset="0"/>
@@ -13563,7 +13444,7 @@
         </p:nvSpPr>
         <p:spPr>
           <a:xfrm>
-            <a:off x="5577135" y="10369723"/>
+            <a:off x="6030754" y="10333272"/>
             <a:ext cx="3672408" cy="1123712"/>
           </a:xfrm>
           <a:prstGeom prst="roundRect">
@@ -13584,7 +13465,7 @@
             <a:r>
               <a:rPr lang="en-US" sz="2000" dirty="0" smtClean="0">
                 <a:solidFill>
-                  <a:srgbClr val="37474F"/>
+                  <a:srgbClr val="73626E"/>
                 </a:solidFill>
                 <a:latin typeface="Corbel" charset="0"/>
                 <a:ea typeface="Corbel" charset="0"/>
@@ -13601,7 +13482,7 @@
             <a:r>
               <a:rPr lang="en-US" sz="2000" dirty="0" smtClean="0">
                 <a:solidFill>
-                  <a:srgbClr val="37474F"/>
+                  <a:srgbClr val="73626E"/>
                 </a:solidFill>
                 <a:latin typeface="Corbel" charset="0"/>
                 <a:ea typeface="Corbel" charset="0"/>
@@ -13618,7 +13499,7 @@
             <a:r>
               <a:rPr lang="en-US" sz="2000" dirty="0" smtClean="0">
                 <a:solidFill>
-                  <a:srgbClr val="37474F"/>
+                  <a:srgbClr val="73626E"/>
                 </a:solidFill>
                 <a:latin typeface="Corbel" charset="0"/>
                 <a:ea typeface="Corbel" charset="0"/>
@@ -13635,7 +13516,7 @@
             <a:r>
               <a:rPr lang="en-US" sz="2000" dirty="0" smtClean="0">
                 <a:solidFill>
-                  <a:srgbClr val="37474F"/>
+                  <a:srgbClr val="73626E"/>
                 </a:solidFill>
                 <a:latin typeface="Corbel" charset="0"/>
                 <a:ea typeface="Corbel" charset="0"/>
@@ -13652,7 +13533,7 @@
             <a:r>
               <a:rPr lang="en-US" sz="2000" dirty="0" smtClean="0">
                 <a:solidFill>
-                  <a:srgbClr val="37474F"/>
+                  <a:srgbClr val="73626E"/>
                 </a:solidFill>
                 <a:latin typeface="Corbel" charset="0"/>
                 <a:ea typeface="Corbel" charset="0"/>
@@ -13662,7 +13543,7 @@
             </a:r>
             <a:endParaRPr lang="en-US" sz="2000" dirty="0">
               <a:solidFill>
-                <a:srgbClr val="37474F"/>
+                <a:srgbClr val="73626E"/>
               </a:solidFill>
               <a:latin typeface="Corbel" charset="0"/>
               <a:ea typeface="Corbel" charset="0"/>
@@ -13722,7 +13603,9 @@
           </a:prstGeom>
           <a:ln w="25400">
             <a:solidFill>
-              <a:schemeClr val="bg1"/>
+              <a:schemeClr val="bg1">
+                <a:lumMod val="85000"/>
+              </a:schemeClr>
             </a:solidFill>
             <a:headEnd type="arrow" w="sm" len="sm"/>
             <a:tailEnd type="none" w="med" len="med"/>
@@ -13759,7 +13642,9 @@
           </a:prstGeom>
           <a:ln w="25400">
             <a:solidFill>
-              <a:schemeClr val="bg1"/>
+              <a:schemeClr val="bg1">
+                <a:lumMod val="85000"/>
+              </a:schemeClr>
             </a:solidFill>
             <a:headEnd type="none" w="sm" len="sm"/>
             <a:tailEnd type="none" w="med" len="med"/>
@@ -13799,7 +13684,9 @@
           </a:prstGeom>
           <a:ln w="25400">
             <a:solidFill>
-              <a:schemeClr val="bg1"/>
+              <a:schemeClr val="bg1">
+                <a:lumMod val="85000"/>
+              </a:schemeClr>
             </a:solidFill>
             <a:tailEnd type="arrow" w="sm" len="sm"/>
           </a:ln>
@@ -13840,7 +13727,9 @@
           </a:prstGeom>
           <a:ln w="25400">
             <a:solidFill>
-              <a:schemeClr val="bg1"/>
+              <a:schemeClr val="bg1">
+                <a:lumMod val="85000"/>
+              </a:schemeClr>
             </a:solidFill>
             <a:headEnd type="arrow" w="sm" len="sm"/>
             <a:tailEnd type="arrow" w="sm" len="sm"/>
@@ -13877,7 +13766,9 @@
           </a:prstGeom>
           <a:ln w="25400">
             <a:solidFill>
-              <a:schemeClr val="bg1"/>
+              <a:schemeClr val="bg1">
+                <a:lumMod val="85000"/>
+              </a:schemeClr>
             </a:solidFill>
             <a:headEnd type="arrow" w="sm" len="sm"/>
             <a:tailEnd type="none" w="med" len="med"/>
@@ -13927,7 +13818,9 @@
             <a:r>
               <a:rPr lang="en-US" sz="1600" i="1" dirty="0" smtClean="0">
                 <a:solidFill>
-                  <a:srgbClr val="37474F"/>
+                  <a:schemeClr val="bg1">
+                    <a:lumMod val="85000"/>
+                  </a:schemeClr>
                 </a:solidFill>
                 <a:latin typeface="Corbel" charset="0"/>
                 <a:ea typeface="Corbel" charset="0"/>
@@ -13937,7 +13830,9 @@
             </a:r>
             <a:endParaRPr lang="en-US" sz="1600" i="1" dirty="0">
               <a:solidFill>
-                <a:srgbClr val="37474F"/>
+                <a:schemeClr val="bg1">
+                  <a:lumMod val="85000"/>
+                </a:schemeClr>
               </a:solidFill>
               <a:latin typeface="Corbel" charset="0"/>
               <a:ea typeface="Corbel" charset="0"/>
@@ -14276,7 +14171,7 @@
             <a:r>
               <a:rPr lang="en-US" sz="2800" dirty="0" smtClean="0">
                 <a:solidFill>
-                  <a:srgbClr val="37474F"/>
+                  <a:srgbClr val="73626E"/>
                 </a:solidFill>
                 <a:latin typeface="Corbel" charset="0"/>
                 <a:ea typeface="Corbel" charset="0"/>
@@ -14447,7 +14342,7 @@
             <a:r>
               <a:rPr lang="en-US" sz="2000" b="1" dirty="0" smtClean="0">
                 <a:solidFill>
-                  <a:srgbClr val="37474F"/>
+                  <a:srgbClr val="73626E"/>
                 </a:solidFill>
                 <a:latin typeface="Corbel" charset="0"/>
                 <a:ea typeface="Corbel" charset="0"/>
@@ -14473,7 +14368,9 @@
             <a:avLst/>
           </a:prstGeom>
           <a:solidFill>
-            <a:srgbClr val="FFD966"/>
+            <a:schemeClr val="bg1">
+              <a:lumMod val="85000"/>
+            </a:schemeClr>
           </a:solidFill>
           <a:ln>
             <a:noFill/>
@@ -14503,7 +14400,7 @@
             <a:r>
               <a:rPr lang="en-US" sz="1800" dirty="0" smtClean="0">
                 <a:solidFill>
-                  <a:srgbClr val="37474F"/>
+                  <a:srgbClr val="73626E"/>
                 </a:solidFill>
                 <a:latin typeface="Corbel" charset="0"/>
                 <a:ea typeface="Corbel" charset="0"/>
@@ -14513,7 +14410,7 @@
             </a:r>
             <a:endParaRPr lang="en-US" sz="1800" dirty="0">
               <a:solidFill>
-                <a:srgbClr val="37474F"/>
+                <a:srgbClr val="73626E"/>
               </a:solidFill>
               <a:latin typeface="Corbel" charset="0"/>
               <a:ea typeface="Corbel" charset="0"/>
@@ -14540,7 +14437,9 @@
           </a:prstGeom>
           <a:ln w="25400">
             <a:solidFill>
-              <a:schemeClr val="bg1"/>
+              <a:schemeClr val="bg1">
+                <a:lumMod val="85000"/>
+              </a:schemeClr>
             </a:solidFill>
             <a:headEnd type="arrow" w="sm" len="sm"/>
             <a:tailEnd type="arrow" w="sm" len="sm"/>
@@ -14590,11 +14489,10 @@
           </a:bodyPr>
           <a:lstStyle/>
           <a:p>
-            <a:pPr algn="ctr"/>
             <a:r>
               <a:rPr lang="en-US" sz="2000" b="1" dirty="0" smtClean="0">
                 <a:solidFill>
-                  <a:srgbClr val="37474F"/>
+                  <a:srgbClr val="73626E"/>
                 </a:solidFill>
                 <a:latin typeface="Corbel" charset="0"/>
                 <a:ea typeface="Corbel" charset="0"/>
@@ -14611,7 +14509,7 @@
             <a:r>
               <a:rPr lang="en-US" sz="1800" dirty="0" smtClean="0">
                 <a:solidFill>
-                  <a:srgbClr val="37474F"/>
+                  <a:srgbClr val="73626E"/>
                 </a:solidFill>
                 <a:latin typeface="Corbel" charset="0"/>
                 <a:ea typeface="Corbel" charset="0"/>
@@ -14621,7 +14519,7 @@
             </a:r>
             <a:endParaRPr lang="en-US" sz="1800" dirty="0">
               <a:solidFill>
-                <a:srgbClr val="37474F"/>
+                <a:srgbClr val="73626E"/>
               </a:solidFill>
               <a:latin typeface="Corbel" charset="0"/>
               <a:ea typeface="Corbel" charset="0"/>
@@ -14661,11 +14559,10 @@
           </a:bodyPr>
           <a:lstStyle/>
           <a:p>
-            <a:pPr algn="ctr"/>
             <a:r>
               <a:rPr lang="en-US" sz="2000" b="1" dirty="0" smtClean="0">
                 <a:solidFill>
-                  <a:srgbClr val="37474F"/>
+                  <a:srgbClr val="73626E"/>
                 </a:solidFill>
                 <a:latin typeface="Corbel" charset="0"/>
                 <a:ea typeface="Corbel" charset="0"/>
@@ -14682,7 +14579,7 @@
             <a:r>
               <a:rPr lang="en-US" sz="1800" dirty="0" smtClean="0">
                 <a:solidFill>
-                  <a:srgbClr val="37474F"/>
+                  <a:srgbClr val="73626E"/>
                 </a:solidFill>
                 <a:latin typeface="Corbel" charset="0"/>
                 <a:ea typeface="Corbel" charset="0"/>
@@ -14699,7 +14596,7 @@
             <a:r>
               <a:rPr lang="en-US" sz="1800" dirty="0" smtClean="0">
                 <a:solidFill>
-                  <a:srgbClr val="37474F"/>
+                  <a:srgbClr val="73626E"/>
                 </a:solidFill>
                 <a:latin typeface="Corbel" charset="0"/>
                 <a:ea typeface="Corbel" charset="0"/>
@@ -14716,7 +14613,7 @@
             <a:r>
               <a:rPr lang="en-US" sz="1800" dirty="0" smtClean="0">
                 <a:solidFill>
-                  <a:srgbClr val="37474F"/>
+                  <a:srgbClr val="73626E"/>
                 </a:solidFill>
                 <a:latin typeface="Corbel" charset="0"/>
                 <a:ea typeface="Corbel" charset="0"/>
@@ -14726,7 +14623,7 @@
             </a:r>
             <a:endParaRPr lang="en-US" sz="1800" dirty="0">
               <a:solidFill>
-                <a:srgbClr val="37474F"/>
+                <a:srgbClr val="73626E"/>
               </a:solidFill>
               <a:latin typeface="Corbel" charset="0"/>
               <a:ea typeface="Corbel" charset="0"/>
@@ -14743,13 +14640,17 @@
         </p:nvSpPr>
         <p:spPr>
           <a:xfrm>
-            <a:off x="5577135" y="9963501"/>
+            <a:off x="6030754" y="9901224"/>
             <a:ext cx="3672408" cy="442674"/>
           </a:xfrm>
           <a:prstGeom prst="roundRect">
             <a:avLst/>
           </a:prstGeom>
-          <a:noFill/>
+          <a:solidFill>
+            <a:schemeClr val="bg1">
+              <a:lumMod val="85000"/>
+            </a:schemeClr>
+          </a:solidFill>
         </p:spPr>
         <p:txBody>
           <a:bodyPr wrap="square" rtlCol="0">
@@ -14761,28 +14662,28 @@
             <a:r>
               <a:rPr lang="en-US" sz="2000" b="1" dirty="0">
                 <a:solidFill>
-                  <a:srgbClr val="37474F"/>
+                  <a:srgbClr val="73626E"/>
                 </a:solidFill>
                 <a:latin typeface="Corbel" charset="0"/>
                 <a:ea typeface="Corbel" charset="0"/>
                 <a:cs typeface="Corbel" charset="0"/>
               </a:rPr>
-              <a:t>✏️ </a:t>
+              <a:t>{ </a:t>
             </a:r>
             <a:r>
               <a:rPr lang="en-US" sz="2000" b="1" dirty="0" smtClean="0">
                 <a:solidFill>
-                  <a:srgbClr val="37474F"/>
+                  <a:srgbClr val="73626E"/>
                 </a:solidFill>
                 <a:latin typeface="Corbel" charset="0"/>
                 <a:ea typeface="Corbel" charset="0"/>
                 <a:cs typeface="Corbel" charset="0"/>
               </a:rPr>
-              <a:t>Edit</a:t>
+              <a:t>Edit ✏️ }</a:t>
             </a:r>
             <a:endParaRPr lang="en-US" sz="2000" b="1" dirty="0">
               <a:solidFill>
-                <a:srgbClr val="37474F"/>
+                <a:srgbClr val="73626E"/>
               </a:solidFill>
               <a:latin typeface="Corbel" charset="0"/>
               <a:ea typeface="Corbel" charset="0"/>
@@ -14806,7 +14707,9 @@
             <a:avLst/>
           </a:prstGeom>
           <a:solidFill>
-            <a:srgbClr val="FFD966"/>
+            <a:schemeClr val="bg1">
+              <a:lumMod val="85000"/>
+            </a:schemeClr>
           </a:solidFill>
           <a:ln>
             <a:noFill/>
@@ -14836,7 +14739,7 @@
             <a:r>
               <a:rPr lang="en-US" sz="1800" dirty="0" smtClean="0">
                 <a:solidFill>
-                  <a:srgbClr val="37474F"/>
+                  <a:srgbClr val="73626E"/>
                 </a:solidFill>
                 <a:latin typeface="Corbel" charset="0"/>
                 <a:ea typeface="Corbel" charset="0"/>
@@ -14846,7 +14749,7 @@
             </a:r>
             <a:endParaRPr lang="en-US" sz="1800" dirty="0">
               <a:solidFill>
-                <a:srgbClr val="37474F"/>
+                <a:srgbClr val="73626E"/>
               </a:solidFill>
               <a:latin typeface="Corbel" charset="0"/>
               <a:ea typeface="Corbel" charset="0"/>
@@ -14855,6 +14758,45 @@
           </a:p>
         </p:txBody>
       </p:sp>
+      <p:cxnSp>
+        <p:nvCxnSpPr>
+          <p:cNvPr id="119" name="Straight Arrow Connector 118"/>
+          <p:cNvCxnSpPr/>
+          <p:nvPr/>
+        </p:nvCxnSpPr>
+        <p:spPr>
+          <a:xfrm>
+            <a:off x="6894850" y="7957008"/>
+            <a:ext cx="481982" cy="0"/>
+          </a:xfrm>
+          <a:prstGeom prst="straightConnector1">
+            <a:avLst/>
+          </a:prstGeom>
+          <a:ln w="25400">
+            <a:solidFill>
+              <a:schemeClr val="bg1">
+                <a:lumMod val="85000"/>
+              </a:schemeClr>
+            </a:solidFill>
+            <a:headEnd type="none" w="sm" len="sm"/>
+            <a:tailEnd type="arrow" w="med" len="med"/>
+          </a:ln>
+        </p:spPr>
+        <p:style>
+          <a:lnRef idx="1">
+            <a:schemeClr val="accent1"/>
+          </a:lnRef>
+          <a:fillRef idx="0">
+            <a:schemeClr val="accent1"/>
+          </a:fillRef>
+          <a:effectRef idx="0">
+            <a:schemeClr val="accent1"/>
+          </a:effectRef>
+          <a:fontRef idx="minor">
+            <a:schemeClr val="tx1"/>
+          </a:fontRef>
+        </p:style>
+      </p:cxnSp>
       <p:pic>
         <p:nvPicPr>
           <p:cNvPr id="33" name="Picture 32"/>
@@ -14901,7 +14843,7 @@
           </a:prstGeom>
           <a:ln w="15875">
             <a:solidFill>
-              <a:srgbClr val="78909C"/>
+              <a:srgbClr val="73626E"/>
             </a:solidFill>
             <a:prstDash val="sysDot"/>
           </a:ln>
@@ -14937,7 +14879,7 @@
           </a:prstGeom>
           <a:ln w="15875">
             <a:solidFill>
-              <a:srgbClr val="78909C"/>
+              <a:srgbClr val="73626E"/>
             </a:solidFill>
             <a:prstDash val="sysDot"/>
           </a:ln>
@@ -14973,7 +14915,7 @@
           </a:prstGeom>
           <a:ln w="15875">
             <a:solidFill>
-              <a:srgbClr val="78909C"/>
+              <a:srgbClr val="73626E"/>
             </a:solidFill>
             <a:prstDash val="sysDot"/>
           </a:ln>
@@ -15026,7 +14968,7 @@
     </p:spTree>
     <p:extLst>
       <p:ext uri="{BB962C8B-B14F-4D97-AF65-F5344CB8AC3E}">
-        <p14:creationId xmlns:p14="http://schemas.microsoft.com/office/powerpoint/2010/main" val="708472350"/>
+        <p14:creationId xmlns:p14="http://schemas.microsoft.com/office/powerpoint/2010/main" val="1324883656"/>
       </p:ext>
     </p:extLst>
   </p:cSld>

--- a/Open Repositories 2017/Charon Poster/OR2017_Charon_Poster_Working.pptx
+++ b/Open Repositories 2017/Charon Poster/OR2017_Charon_Poster_Working.pptx
@@ -394,7 +394,7 @@
           <a:p>
             <a:fld id="{60829E41-64EF-604D-A40A-7DA186A06455}" type="datetimeFigureOut">
               <a:rPr lang="en-US" smtClean="0"/>
-              <a:t>6/1/17</a:t>
+              <a:t>6/5/17</a:t>
             </a:fld>
             <a:endParaRPr lang="en-US"/>
           </a:p>
@@ -1640,7 +1640,7 @@
             <a:fld id="{E8B92B60-3ACF-4E3B-ACCA-3CF86291A092}" type="datetimeFigureOut">
               <a:rPr lang="en-AU" smtClean="0"/>
               <a:pPr/>
-              <a:t>1/06/2017</a:t>
+              <a:t>5/06/2017</a:t>
             </a:fld>
             <a:endParaRPr lang="en-AU"/>
           </a:p>
@@ -1807,7 +1807,7 @@
             <a:fld id="{E8B92B60-3ACF-4E3B-ACCA-3CF86291A092}" type="datetimeFigureOut">
               <a:rPr lang="en-AU" smtClean="0"/>
               <a:pPr/>
-              <a:t>1/06/2017</a:t>
+              <a:t>5/06/2017</a:t>
             </a:fld>
             <a:endParaRPr lang="en-AU"/>
           </a:p>
@@ -1984,7 +1984,7 @@
             <a:fld id="{E8B92B60-3ACF-4E3B-ACCA-3CF86291A092}" type="datetimeFigureOut">
               <a:rPr lang="en-AU" smtClean="0"/>
               <a:pPr/>
-              <a:t>1/06/2017</a:t>
+              <a:t>5/06/2017</a:t>
             </a:fld>
             <a:endParaRPr lang="en-AU"/>
           </a:p>
@@ -2151,7 +2151,7 @@
             <a:fld id="{E8B92B60-3ACF-4E3B-ACCA-3CF86291A092}" type="datetimeFigureOut">
               <a:rPr lang="en-AU" smtClean="0"/>
               <a:pPr/>
-              <a:t>1/06/2017</a:t>
+              <a:t>5/06/2017</a:t>
             </a:fld>
             <a:endParaRPr lang="en-AU"/>
           </a:p>
@@ -2394,7 +2394,7 @@
             <a:fld id="{E8B92B60-3ACF-4E3B-ACCA-3CF86291A092}" type="datetimeFigureOut">
               <a:rPr lang="en-AU" smtClean="0"/>
               <a:pPr/>
-              <a:t>1/06/2017</a:t>
+              <a:t>5/06/2017</a:t>
             </a:fld>
             <a:endParaRPr lang="en-AU"/>
           </a:p>
@@ -2679,7 +2679,7 @@
             <a:fld id="{E8B92B60-3ACF-4E3B-ACCA-3CF86291A092}" type="datetimeFigureOut">
               <a:rPr lang="en-AU" smtClean="0"/>
               <a:pPr/>
-              <a:t>1/06/2017</a:t>
+              <a:t>5/06/2017</a:t>
             </a:fld>
             <a:endParaRPr lang="en-AU"/>
           </a:p>
@@ -3103,7 +3103,7 @@
             <a:fld id="{E8B92B60-3ACF-4E3B-ACCA-3CF86291A092}" type="datetimeFigureOut">
               <a:rPr lang="en-AU" smtClean="0"/>
               <a:pPr/>
-              <a:t>1/06/2017</a:t>
+              <a:t>5/06/2017</a:t>
             </a:fld>
             <a:endParaRPr lang="en-AU"/>
           </a:p>
@@ -3218,7 +3218,7 @@
             <a:fld id="{E8B92B60-3ACF-4E3B-ACCA-3CF86291A092}" type="datetimeFigureOut">
               <a:rPr lang="en-AU" smtClean="0"/>
               <a:pPr/>
-              <a:t>1/06/2017</a:t>
+              <a:t>5/06/2017</a:t>
             </a:fld>
             <a:endParaRPr lang="en-AU"/>
           </a:p>
@@ -3310,7 +3310,7 @@
             <a:fld id="{E8B92B60-3ACF-4E3B-ACCA-3CF86291A092}" type="datetimeFigureOut">
               <a:rPr lang="en-AU" smtClean="0"/>
               <a:pPr/>
-              <a:t>1/06/2017</a:t>
+              <a:t>5/06/2017</a:t>
             </a:fld>
             <a:endParaRPr lang="en-AU"/>
           </a:p>
@@ -3584,7 +3584,7 @@
             <a:fld id="{E8B92B60-3ACF-4E3B-ACCA-3CF86291A092}" type="datetimeFigureOut">
               <a:rPr lang="en-AU" smtClean="0"/>
               <a:pPr/>
-              <a:t>1/06/2017</a:t>
+              <a:t>5/06/2017</a:t>
             </a:fld>
             <a:endParaRPr lang="en-AU"/>
           </a:p>
@@ -3834,7 +3834,7 @@
             <a:fld id="{E8B92B60-3ACF-4E3B-ACCA-3CF86291A092}" type="datetimeFigureOut">
               <a:rPr lang="en-AU" smtClean="0"/>
               <a:pPr/>
-              <a:t>1/06/2017</a:t>
+              <a:t>5/06/2017</a:t>
             </a:fld>
             <a:endParaRPr lang="en-AU"/>
           </a:p>
@@ -4044,7 +4044,7 @@
             <a:fld id="{E8B92B60-3ACF-4E3B-ACCA-3CF86291A092}" type="datetimeFigureOut">
               <a:rPr lang="en-AU" smtClean="0"/>
               <a:pPr/>
-              <a:t>1/06/2017</a:t>
+              <a:t>5/06/2017</a:t>
             </a:fld>
             <a:endParaRPr lang="en-AU"/>
           </a:p>
@@ -4653,1251 +4653,6 @@
           </a:p>
         </p:txBody>
       </p:sp>
-      <p:sp>
-        <p:nvSpPr>
-          <p:cNvPr id="115" name="Rounded Rectangle 114"/>
-          <p:cNvSpPr/>
-          <p:nvPr/>
-        </p:nvSpPr>
-        <p:spPr>
-          <a:xfrm>
-            <a:off x="270114" y="6985347"/>
-            <a:ext cx="9573685" cy="4680520"/>
-          </a:xfrm>
-          <a:prstGeom prst="roundRect">
-            <a:avLst>
-              <a:gd name="adj" fmla="val 10378"/>
-            </a:avLst>
-          </a:prstGeom>
-          <a:solidFill>
-            <a:schemeClr val="bg1">
-              <a:lumMod val="85000"/>
-            </a:schemeClr>
-          </a:solidFill>
-          <a:ln w="63500">
-            <a:solidFill>
-              <a:schemeClr val="bg1">
-                <a:lumMod val="85000"/>
-              </a:schemeClr>
-            </a:solidFill>
-          </a:ln>
-        </p:spPr>
-        <p:style>
-          <a:lnRef idx="2">
-            <a:schemeClr val="accent1">
-              <a:shade val="50000"/>
-            </a:schemeClr>
-          </a:lnRef>
-          <a:fillRef idx="1">
-            <a:schemeClr val="accent1"/>
-          </a:fillRef>
-          <a:effectRef idx="0">
-            <a:schemeClr val="accent1"/>
-          </a:effectRef>
-          <a:fontRef idx="minor">
-            <a:schemeClr val="lt1"/>
-          </a:fontRef>
-        </p:style>
-        <p:txBody>
-          <a:bodyPr rtlCol="0" anchor="ctr"/>
-          <a:lstStyle/>
-          <a:p>
-            <a:pPr algn="ctr"/>
-            <a:endParaRPr lang="en-US">
-              <a:latin typeface="Corbel" charset="0"/>
-              <a:ea typeface="Corbel" charset="0"/>
-              <a:cs typeface="Corbel" charset="0"/>
-            </a:endParaRPr>
-          </a:p>
-        </p:txBody>
-      </p:sp>
-      <p:sp>
-        <p:nvSpPr>
-          <p:cNvPr id="116" name="Round Same Side Corner Rectangle 115"/>
-          <p:cNvSpPr/>
-          <p:nvPr/>
-        </p:nvSpPr>
-        <p:spPr>
-          <a:xfrm rot="5400000">
-            <a:off x="3075270" y="4681314"/>
-            <a:ext cx="4680520" cy="9288585"/>
-          </a:xfrm>
-          <a:prstGeom prst="round2SameRect">
-            <a:avLst>
-              <a:gd name="adj1" fmla="val 11193"/>
-              <a:gd name="adj2" fmla="val 0"/>
-            </a:avLst>
-          </a:prstGeom>
-          <a:solidFill>
-            <a:srgbClr val="78909C"/>
-          </a:solidFill>
-          <a:ln w="63500">
-            <a:solidFill>
-              <a:schemeClr val="bg1">
-                <a:lumMod val="85000"/>
-              </a:schemeClr>
-            </a:solidFill>
-          </a:ln>
-        </p:spPr>
-        <p:style>
-          <a:lnRef idx="2">
-            <a:schemeClr val="accent1">
-              <a:shade val="50000"/>
-            </a:schemeClr>
-          </a:lnRef>
-          <a:fillRef idx="1">
-            <a:schemeClr val="accent1"/>
-          </a:fillRef>
-          <a:effectRef idx="0">
-            <a:schemeClr val="accent1"/>
-          </a:effectRef>
-          <a:fontRef idx="minor">
-            <a:schemeClr val="lt1"/>
-          </a:fontRef>
-        </p:style>
-        <p:txBody>
-          <a:bodyPr rtlCol="0" anchor="ctr"/>
-          <a:lstStyle/>
-          <a:p>
-            <a:pPr algn="ctr"/>
-            <a:endParaRPr lang="en-US">
-              <a:latin typeface="Corbel" charset="0"/>
-              <a:ea typeface="Corbel" charset="0"/>
-              <a:cs typeface="Corbel" charset="0"/>
-            </a:endParaRPr>
-          </a:p>
-        </p:txBody>
-      </p:sp>
-      <p:sp>
-        <p:nvSpPr>
-          <p:cNvPr id="95" name="Rounded Rectangle 94"/>
-          <p:cNvSpPr/>
-          <p:nvPr/>
-        </p:nvSpPr>
-        <p:spPr>
-          <a:xfrm>
-            <a:off x="249357" y="3312939"/>
-            <a:ext cx="9793088" cy="3456384"/>
-          </a:xfrm>
-          <a:prstGeom prst="roundRect">
-            <a:avLst>
-              <a:gd name="adj" fmla="val 16045"/>
-            </a:avLst>
-          </a:prstGeom>
-          <a:solidFill>
-            <a:schemeClr val="bg1">
-              <a:lumMod val="85000"/>
-            </a:schemeClr>
-          </a:solidFill>
-          <a:ln w="63500">
-            <a:solidFill>
-              <a:schemeClr val="bg1">
-                <a:lumMod val="85000"/>
-              </a:schemeClr>
-            </a:solidFill>
-          </a:ln>
-        </p:spPr>
-        <p:style>
-          <a:lnRef idx="2">
-            <a:schemeClr val="accent1">
-              <a:shade val="50000"/>
-            </a:schemeClr>
-          </a:lnRef>
-          <a:fillRef idx="1">
-            <a:schemeClr val="accent1"/>
-          </a:fillRef>
-          <a:effectRef idx="0">
-            <a:schemeClr val="accent1"/>
-          </a:effectRef>
-          <a:fontRef idx="minor">
-            <a:schemeClr val="lt1"/>
-          </a:fontRef>
-        </p:style>
-        <p:txBody>
-          <a:bodyPr rtlCol="0" anchor="ctr"/>
-          <a:lstStyle/>
-          <a:p>
-            <a:pPr algn="ctr"/>
-            <a:endParaRPr lang="en-US">
-              <a:latin typeface="Corbel" charset="0"/>
-              <a:ea typeface="Corbel" charset="0"/>
-              <a:cs typeface="Corbel" charset="0"/>
-            </a:endParaRPr>
-          </a:p>
-        </p:txBody>
-      </p:sp>
-      <p:cxnSp>
-        <p:nvCxnSpPr>
-          <p:cNvPr id="119" name="Straight Arrow Connector 118"/>
-          <p:cNvCxnSpPr/>
-          <p:nvPr/>
-        </p:nvCxnSpPr>
-        <p:spPr>
-          <a:xfrm>
-            <a:off x="6894850" y="7957008"/>
-            <a:ext cx="481982" cy="0"/>
-          </a:xfrm>
-          <a:prstGeom prst="straightConnector1">
-            <a:avLst/>
-          </a:prstGeom>
-          <a:ln w="25400">
-            <a:solidFill>
-              <a:schemeClr val="bg1"/>
-            </a:solidFill>
-            <a:headEnd type="none" w="sm" len="sm"/>
-            <a:tailEnd type="arrow" w="sm" len="sm"/>
-          </a:ln>
-        </p:spPr>
-        <p:style>
-          <a:lnRef idx="1">
-            <a:schemeClr val="accent1"/>
-          </a:lnRef>
-          <a:fillRef idx="0">
-            <a:schemeClr val="accent1"/>
-          </a:fillRef>
-          <a:effectRef idx="0">
-            <a:schemeClr val="accent1"/>
-          </a:effectRef>
-          <a:fontRef idx="minor">
-            <a:schemeClr val="tx1"/>
-          </a:fontRef>
-        </p:style>
-      </p:cxnSp>
-      <p:sp>
-        <p:nvSpPr>
-          <p:cNvPr id="6" name="Round Same Side Corner Rectangle 5"/>
-          <p:cNvSpPr/>
-          <p:nvPr/>
-        </p:nvSpPr>
-        <p:spPr>
-          <a:xfrm rot="5400000">
-            <a:off x="3678364" y="387987"/>
-            <a:ext cx="3456384" cy="9306287"/>
-          </a:xfrm>
-          <a:prstGeom prst="round2SameRect">
-            <a:avLst/>
-          </a:prstGeom>
-          <a:solidFill>
-            <a:srgbClr val="78909C"/>
-          </a:solidFill>
-          <a:ln w="63500">
-            <a:solidFill>
-              <a:schemeClr val="bg1">
-                <a:lumMod val="85000"/>
-              </a:schemeClr>
-            </a:solidFill>
-          </a:ln>
-        </p:spPr>
-        <p:style>
-          <a:lnRef idx="2">
-            <a:schemeClr val="accent1">
-              <a:shade val="50000"/>
-            </a:schemeClr>
-          </a:lnRef>
-          <a:fillRef idx="1">
-            <a:schemeClr val="accent1"/>
-          </a:fillRef>
-          <a:effectRef idx="0">
-            <a:schemeClr val="accent1"/>
-          </a:effectRef>
-          <a:fontRef idx="minor">
-            <a:schemeClr val="lt1"/>
-          </a:fontRef>
-        </p:style>
-        <p:txBody>
-          <a:bodyPr rtlCol="0" anchor="ctr"/>
-          <a:lstStyle/>
-          <a:p>
-            <a:pPr algn="ctr"/>
-            <a:endParaRPr lang="en-US">
-              <a:latin typeface="Corbel" charset="0"/>
-              <a:ea typeface="Corbel" charset="0"/>
-              <a:cs typeface="Corbel" charset="0"/>
-            </a:endParaRPr>
-          </a:p>
-        </p:txBody>
-      </p:sp>
-      <p:sp>
-        <p:nvSpPr>
-          <p:cNvPr id="67" name="Rounded Rectangle 66"/>
-          <p:cNvSpPr/>
-          <p:nvPr/>
-        </p:nvSpPr>
-        <p:spPr>
-          <a:xfrm>
-            <a:off x="968622" y="3456955"/>
-            <a:ext cx="4176465" cy="3168352"/>
-          </a:xfrm>
-          <a:prstGeom prst="roundRect">
-            <a:avLst/>
-          </a:prstGeom>
-          <a:solidFill>
-            <a:schemeClr val="bg1">
-              <a:lumMod val="85000"/>
-            </a:schemeClr>
-          </a:solidFill>
-          <a:ln w="15875">
-            <a:solidFill>
-              <a:srgbClr val="78909C"/>
-            </a:solidFill>
-            <a:prstDash val="sysDot"/>
-          </a:ln>
-        </p:spPr>
-        <p:style>
-          <a:lnRef idx="2">
-            <a:schemeClr val="accent1">
-              <a:shade val="50000"/>
-            </a:schemeClr>
-          </a:lnRef>
-          <a:fillRef idx="1">
-            <a:schemeClr val="accent1"/>
-          </a:fillRef>
-          <a:effectRef idx="0">
-            <a:schemeClr val="accent1"/>
-          </a:effectRef>
-          <a:fontRef idx="minor">
-            <a:schemeClr val="lt1"/>
-          </a:fontRef>
-        </p:style>
-        <p:txBody>
-          <a:bodyPr lIns="0" tIns="18288" rIns="0" bIns="18288" rtlCol="0" anchor="ctr"/>
-          <a:lstStyle/>
-          <a:p>
-            <a:pPr algn="ctr"/>
-            <a:endParaRPr lang="en-US" sz="2000">
-              <a:solidFill>
-                <a:schemeClr val="bg1">
-                  <a:lumMod val="85000"/>
-                </a:schemeClr>
-              </a:solidFill>
-              <a:latin typeface="Corbel" charset="0"/>
-              <a:ea typeface="Corbel" charset="0"/>
-              <a:cs typeface="Corbel" charset="0"/>
-            </a:endParaRPr>
-          </a:p>
-        </p:txBody>
-      </p:sp>
-      <p:sp>
-        <p:nvSpPr>
-          <p:cNvPr id="24" name="TextBox 23"/>
-          <p:cNvSpPr txBox="1"/>
-          <p:nvPr/>
-        </p:nvSpPr>
-        <p:spPr>
-          <a:xfrm>
-            <a:off x="5289103" y="3456955"/>
-            <a:ext cx="4608512" cy="3262432"/>
-          </a:xfrm>
-          <a:prstGeom prst="rect">
-            <a:avLst/>
-          </a:prstGeom>
-          <a:noFill/>
-          <a:ln>
-            <a:noFill/>
-          </a:ln>
-        </p:spPr>
-        <p:txBody>
-          <a:bodyPr wrap="square" lIns="91440" tIns="91440" rIns="91440" bIns="91440" rtlCol="0">
-            <a:spAutoFit/>
-          </a:bodyPr>
-          <a:lstStyle/>
-          <a:p>
-            <a:r>
-              <a:rPr lang="en-US" sz="2000" dirty="0" smtClean="0">
-                <a:solidFill>
-                  <a:srgbClr val="37474F"/>
-                </a:solidFill>
-                <a:latin typeface="Corbel" charset="0"/>
-                <a:ea typeface="Corbel" charset="0"/>
-                <a:cs typeface="Corbel" charset="0"/>
-              </a:rPr>
-              <a:t>How can Hydra be used </a:t>
-            </a:r>
-            <a:r>
-              <a:rPr lang="en-US" sz="2000" dirty="0">
-                <a:solidFill>
-                  <a:srgbClr val="37474F"/>
-                </a:solidFill>
-                <a:latin typeface="Corbel" charset="0"/>
-                <a:ea typeface="Corbel" charset="0"/>
-                <a:cs typeface="Corbel" charset="0"/>
-              </a:rPr>
-              <a:t>to enable </a:t>
-            </a:r>
-            <a:r>
-              <a:rPr lang="en-US" sz="2000" dirty="0" smtClean="0">
-                <a:solidFill>
-                  <a:srgbClr val="37474F"/>
-                </a:solidFill>
-                <a:latin typeface="Corbel" charset="0"/>
-                <a:ea typeface="Corbel" charset="0"/>
-                <a:cs typeface="Corbel" charset="0"/>
-              </a:rPr>
-              <a:t>the creation</a:t>
-            </a:r>
-            <a:r>
-              <a:rPr lang="en-US" sz="2000" dirty="0">
-                <a:solidFill>
-                  <a:srgbClr val="37474F"/>
-                </a:solidFill>
-                <a:latin typeface="Corbel" charset="0"/>
-                <a:ea typeface="Corbel" charset="0"/>
-                <a:cs typeface="Corbel" charset="0"/>
-              </a:rPr>
-              <a:t>, </a:t>
-            </a:r>
-            <a:r>
-              <a:rPr lang="en-US" sz="2000" dirty="0" smtClean="0">
-                <a:solidFill>
-                  <a:srgbClr val="37474F"/>
-                </a:solidFill>
-                <a:latin typeface="Corbel" charset="0"/>
-                <a:ea typeface="Corbel" charset="0"/>
-                <a:cs typeface="Corbel" charset="0"/>
-              </a:rPr>
-              <a:t>curation, dissemination</a:t>
-            </a:r>
-            <a:r>
-              <a:rPr lang="en-US" sz="2000" dirty="0">
-                <a:solidFill>
-                  <a:srgbClr val="37474F"/>
-                </a:solidFill>
-                <a:latin typeface="Corbel" charset="0"/>
-                <a:ea typeface="Corbel" charset="0"/>
-                <a:cs typeface="Corbel" charset="0"/>
-              </a:rPr>
-              <a:t>, and </a:t>
-            </a:r>
-            <a:r>
-              <a:rPr lang="en-US" sz="2000" dirty="0" smtClean="0">
-                <a:solidFill>
-                  <a:srgbClr val="37474F"/>
-                </a:solidFill>
-                <a:latin typeface="Corbel" charset="0"/>
-                <a:ea typeface="Corbel" charset="0"/>
-                <a:cs typeface="Corbel" charset="0"/>
-              </a:rPr>
-              <a:t>long-term </a:t>
-            </a:r>
-            <a:r>
-              <a:rPr lang="en-US" sz="2000" dirty="0">
-                <a:solidFill>
-                  <a:srgbClr val="37474F"/>
-                </a:solidFill>
-                <a:latin typeface="Corbel" charset="0"/>
-                <a:ea typeface="Corbel" charset="0"/>
-                <a:cs typeface="Corbel" charset="0"/>
-              </a:rPr>
-              <a:t>support of </a:t>
-            </a:r>
-            <a:r>
-              <a:rPr lang="en-US" sz="2000" dirty="0" smtClean="0">
-                <a:solidFill>
-                  <a:srgbClr val="37474F"/>
-                </a:solidFill>
-                <a:latin typeface="Corbel" charset="0"/>
-                <a:ea typeface="Corbel" charset="0"/>
-                <a:cs typeface="Corbel" charset="0"/>
-              </a:rPr>
-              <a:t>digital humanities (DH) projects </a:t>
-            </a:r>
-            <a:r>
-              <a:rPr lang="en-US" sz="2000" dirty="0">
-                <a:solidFill>
-                  <a:srgbClr val="37474F"/>
-                </a:solidFill>
-                <a:latin typeface="Corbel" charset="0"/>
-                <a:ea typeface="Corbel" charset="0"/>
-                <a:cs typeface="Corbel" charset="0"/>
-              </a:rPr>
-              <a:t>and </a:t>
-            </a:r>
-            <a:r>
-              <a:rPr lang="en-US" sz="2000" dirty="0" smtClean="0">
-                <a:solidFill>
-                  <a:srgbClr val="37474F"/>
-                </a:solidFill>
-                <a:latin typeface="Corbel" charset="0"/>
-                <a:ea typeface="Corbel" charset="0"/>
-                <a:cs typeface="Corbel" charset="0"/>
-              </a:rPr>
-              <a:t>publications? NUL's Digital Scholarship Group seeks </a:t>
-            </a:r>
-            <a:r>
-              <a:rPr lang="en-US" sz="2000" dirty="0">
-                <a:solidFill>
-                  <a:srgbClr val="37474F"/>
-                </a:solidFill>
-                <a:latin typeface="Corbel" charset="0"/>
-                <a:ea typeface="Corbel" charset="0"/>
-                <a:cs typeface="Corbel" charset="0"/>
-              </a:rPr>
-              <a:t>to answer this question by developing a </a:t>
-            </a:r>
-            <a:r>
-              <a:rPr lang="en-US" sz="2000" dirty="0" smtClean="0">
-                <a:solidFill>
-                  <a:srgbClr val="37474F"/>
-                </a:solidFill>
-                <a:latin typeface="Corbel" charset="0"/>
-                <a:ea typeface="Corbel" charset="0"/>
-                <a:cs typeface="Corbel" charset="0"/>
-              </a:rPr>
-              <a:t>digital </a:t>
-            </a:r>
-            <a:r>
-              <a:rPr lang="en-US" sz="2000" dirty="0" smtClean="0">
-                <a:solidFill>
-                  <a:srgbClr val="37474F"/>
-                </a:solidFill>
-                <a:latin typeface="Corbel" charset="0"/>
-                <a:ea typeface="Corbel" charset="0"/>
-                <a:cs typeface="Corbel" charset="0"/>
-              </a:rPr>
-              <a:t>curation framework that provides </a:t>
-            </a:r>
-            <a:r>
-              <a:rPr lang="en-US" sz="2000" dirty="0" smtClean="0">
-                <a:solidFill>
-                  <a:srgbClr val="37474F"/>
-                </a:solidFill>
-                <a:latin typeface="Corbel" charset="0"/>
-                <a:ea typeface="Corbel" charset="0"/>
-                <a:cs typeface="Corbel" charset="0"/>
-              </a:rPr>
-              <a:t>workflow </a:t>
-            </a:r>
-            <a:r>
-              <a:rPr lang="en-US" sz="2000" dirty="0">
-                <a:solidFill>
-                  <a:srgbClr val="37474F"/>
-                </a:solidFill>
-                <a:latin typeface="Corbel" charset="0"/>
-                <a:ea typeface="Corbel" charset="0"/>
-                <a:cs typeface="Corbel" charset="0"/>
-              </a:rPr>
-              <a:t>management </a:t>
-            </a:r>
-            <a:r>
-              <a:rPr lang="en-US" sz="2000" dirty="0" smtClean="0">
-                <a:solidFill>
-                  <a:srgbClr val="37474F"/>
-                </a:solidFill>
-                <a:latin typeface="Corbel" charset="0"/>
-                <a:ea typeface="Corbel" charset="0"/>
-                <a:cs typeface="Corbel" charset="0"/>
-              </a:rPr>
-              <a:t>tools </a:t>
-            </a:r>
-            <a:r>
-              <a:rPr lang="en-US" sz="2000" dirty="0" smtClean="0">
-                <a:solidFill>
-                  <a:srgbClr val="37474F"/>
-                </a:solidFill>
-                <a:latin typeface="Corbel" charset="0"/>
-                <a:ea typeface="Corbel" charset="0"/>
-                <a:cs typeface="Corbel" charset="0"/>
-              </a:rPr>
-              <a:t>to support common DH </a:t>
-            </a:r>
-            <a:r>
-              <a:rPr lang="en-US" sz="2000" dirty="0" smtClean="0">
-                <a:solidFill>
-                  <a:srgbClr val="37474F"/>
-                </a:solidFill>
-                <a:latin typeface="Corbel" charset="0"/>
-                <a:ea typeface="Corbel" charset="0"/>
-                <a:cs typeface="Corbel" charset="0"/>
-              </a:rPr>
-              <a:t>project </a:t>
-            </a:r>
-            <a:r>
-              <a:rPr lang="en-US" sz="2000" dirty="0" smtClean="0">
-                <a:solidFill>
-                  <a:srgbClr val="37474F"/>
-                </a:solidFill>
-                <a:latin typeface="Corbel" charset="0"/>
-                <a:ea typeface="Corbel" charset="0"/>
-                <a:cs typeface="Corbel" charset="0"/>
-              </a:rPr>
-              <a:t>activities, such as text transcription and encoding.</a:t>
-            </a:r>
-            <a:endParaRPr lang="en-US" sz="2000" dirty="0">
-              <a:solidFill>
-                <a:srgbClr val="37474F"/>
-              </a:solidFill>
-              <a:latin typeface="Corbel" charset="0"/>
-              <a:ea typeface="Corbel" charset="0"/>
-              <a:cs typeface="Corbel" charset="0"/>
-            </a:endParaRPr>
-          </a:p>
-        </p:txBody>
-      </p:sp>
-      <p:sp>
-        <p:nvSpPr>
-          <p:cNvPr id="80" name="Rectangle 79"/>
-          <p:cNvSpPr/>
-          <p:nvPr/>
-        </p:nvSpPr>
-        <p:spPr>
-          <a:xfrm>
-            <a:off x="249357" y="3312939"/>
-            <a:ext cx="5184576" cy="3240360"/>
-          </a:xfrm>
-          <a:prstGeom prst="rect">
-            <a:avLst/>
-          </a:prstGeom>
-          <a:noFill/>
-          <a:ln cap="rnd">
-            <a:noFill/>
-            <a:prstDash val="solid"/>
-          </a:ln>
-        </p:spPr>
-        <p:style>
-          <a:lnRef idx="2">
-            <a:schemeClr val="accent1">
-              <a:shade val="50000"/>
-            </a:schemeClr>
-          </a:lnRef>
-          <a:fillRef idx="1">
-            <a:schemeClr val="accent1"/>
-          </a:fillRef>
-          <a:effectRef idx="0">
-            <a:schemeClr val="accent1"/>
-          </a:effectRef>
-          <a:fontRef idx="minor">
-            <a:schemeClr val="lt1"/>
-          </a:fontRef>
-        </p:style>
-        <p:txBody>
-          <a:bodyPr rtlCol="0" anchor="ctr"/>
-          <a:lstStyle/>
-          <a:p>
-            <a:pPr algn="ctr"/>
-            <a:endParaRPr lang="en-US">
-              <a:latin typeface="Corbel" charset="0"/>
-              <a:ea typeface="Corbel" charset="0"/>
-              <a:cs typeface="Corbel" charset="0"/>
-            </a:endParaRPr>
-          </a:p>
-        </p:txBody>
-      </p:sp>
-      <p:sp>
-        <p:nvSpPr>
-          <p:cNvPr id="7" name="TextBox 6"/>
-          <p:cNvSpPr txBox="1"/>
-          <p:nvPr/>
-        </p:nvSpPr>
-        <p:spPr>
-          <a:xfrm>
-            <a:off x="8625343" y="0"/>
-            <a:ext cx="1688704" cy="1446550"/>
-          </a:xfrm>
-          <a:prstGeom prst="rect">
-            <a:avLst/>
-          </a:prstGeom>
-          <a:solidFill>
-            <a:schemeClr val="bg1">
-              <a:lumMod val="85000"/>
-            </a:schemeClr>
-          </a:solidFill>
-        </p:spPr>
-        <p:txBody>
-          <a:bodyPr wrap="square" rtlCol="0">
-            <a:spAutoFit/>
-          </a:bodyPr>
-          <a:lstStyle/>
-          <a:p>
-            <a:pPr algn="ctr"/>
-            <a:endParaRPr lang="en-AU" sz="2800" dirty="0" smtClean="0">
-              <a:latin typeface="Corbel" charset="0"/>
-              <a:ea typeface="Corbel" charset="0"/>
-              <a:cs typeface="Corbel" charset="0"/>
-            </a:endParaRPr>
-          </a:p>
-          <a:p>
-            <a:pPr algn="ctr"/>
-            <a:r>
-              <a:rPr lang="en-AU" sz="3200" b="1" dirty="0" smtClean="0">
-                <a:latin typeface="Corbel" charset="0"/>
-                <a:ea typeface="Corbel" charset="0"/>
-                <a:cs typeface="Corbel" charset="0"/>
-              </a:rPr>
-              <a:t>115</a:t>
-            </a:r>
-          </a:p>
-          <a:p>
-            <a:pPr algn="ctr"/>
-            <a:endParaRPr lang="en-AU" sz="2800" dirty="0" smtClean="0">
-              <a:solidFill>
-                <a:schemeClr val="bg1"/>
-              </a:solidFill>
-              <a:latin typeface="Corbel" charset="0"/>
-              <a:ea typeface="Corbel" charset="0"/>
-              <a:cs typeface="Corbel" charset="0"/>
-            </a:endParaRPr>
-          </a:p>
-        </p:txBody>
-      </p:sp>
-      <p:sp>
-        <p:nvSpPr>
-          <p:cNvPr id="3" name="TextBox 2"/>
-          <p:cNvSpPr txBox="1"/>
-          <p:nvPr/>
-        </p:nvSpPr>
-        <p:spPr>
-          <a:xfrm>
-            <a:off x="0" y="1440731"/>
-            <a:ext cx="10290175" cy="1815882"/>
-          </a:xfrm>
-          <a:prstGeom prst="rect">
-            <a:avLst/>
-          </a:prstGeom>
-          <a:noFill/>
-          <a:ln>
-            <a:noFill/>
-          </a:ln>
-        </p:spPr>
-        <p:txBody>
-          <a:bodyPr wrap="square" lIns="0" tIns="0" rIns="0" bIns="0" rtlCol="0">
-            <a:spAutoFit/>
-          </a:bodyPr>
-          <a:lstStyle/>
-          <a:p>
-            <a:pPr algn="ctr"/>
-            <a:r>
-              <a:rPr lang="en-US" sz="6000" dirty="0">
-                <a:solidFill>
-                  <a:srgbClr val="FFD966"/>
-                </a:solidFill>
-                <a:latin typeface="Corbel" charset="0"/>
-                <a:ea typeface="Corbel" charset="0"/>
-                <a:cs typeface="Corbel" charset="0"/>
-              </a:rPr>
-              <a:t>Charon: </a:t>
-            </a:r>
-            <a:r>
-              <a:rPr lang="en-US" sz="5800" dirty="0" smtClean="0">
-                <a:solidFill>
-                  <a:srgbClr val="FFD966"/>
-                </a:solidFill>
-                <a:latin typeface="Corbel" charset="0"/>
-                <a:ea typeface="Corbel" charset="0"/>
-                <a:cs typeface="Corbel" charset="0"/>
-              </a:rPr>
-              <a:t>A </a:t>
-            </a:r>
-            <a:r>
-              <a:rPr lang="en-US" sz="5800" dirty="0">
-                <a:solidFill>
-                  <a:srgbClr val="FFD966"/>
-                </a:solidFill>
-                <a:latin typeface="Corbel" charset="0"/>
-                <a:ea typeface="Corbel" charset="0"/>
-                <a:cs typeface="Corbel" charset="0"/>
-              </a:rPr>
-              <a:t>Repository </a:t>
-            </a:r>
-            <a:r>
-              <a:rPr lang="en-US" sz="5800" dirty="0" smtClean="0">
-                <a:solidFill>
-                  <a:srgbClr val="FFD966"/>
-                </a:solidFill>
-                <a:latin typeface="Corbel" charset="0"/>
-                <a:ea typeface="Corbel" charset="0"/>
-                <a:cs typeface="Corbel" charset="0"/>
-              </a:rPr>
-              <a:t>for Digital </a:t>
-            </a:r>
-            <a:r>
-              <a:rPr lang="en-US" sz="5800" dirty="0" smtClean="0">
-                <a:solidFill>
-                  <a:srgbClr val="FFD966"/>
-                </a:solidFill>
-                <a:latin typeface="Corbel" charset="0"/>
-                <a:ea typeface="Corbel" charset="0"/>
-                <a:cs typeface="Corbel" charset="0"/>
-              </a:rPr>
-              <a:t>Humanities </a:t>
-            </a:r>
-            <a:r>
-              <a:rPr lang="en-US" sz="5800" dirty="0" smtClean="0">
-                <a:solidFill>
-                  <a:srgbClr val="FFD966"/>
-                </a:solidFill>
-                <a:latin typeface="Corbel" charset="0"/>
-                <a:ea typeface="Corbel" charset="0"/>
-                <a:cs typeface="Corbel" charset="0"/>
-              </a:rPr>
-              <a:t>Projects</a:t>
-            </a:r>
-            <a:endParaRPr lang="en-US" sz="5800" dirty="0">
-              <a:solidFill>
-                <a:srgbClr val="FFD966"/>
-              </a:solidFill>
-              <a:latin typeface="Corbel" charset="0"/>
-              <a:ea typeface="Corbel" charset="0"/>
-              <a:cs typeface="Corbel" charset="0"/>
-            </a:endParaRPr>
-          </a:p>
-        </p:txBody>
-      </p:sp>
-      <p:sp>
-        <p:nvSpPr>
-          <p:cNvPr id="19" name="TextBox 18"/>
-          <p:cNvSpPr txBox="1"/>
-          <p:nvPr/>
-        </p:nvSpPr>
-        <p:spPr>
-          <a:xfrm>
-            <a:off x="248543" y="288603"/>
-            <a:ext cx="8280919" cy="1107996"/>
-          </a:xfrm>
-          <a:prstGeom prst="rect">
-            <a:avLst/>
-          </a:prstGeom>
-          <a:noFill/>
-          <a:ln>
-            <a:noFill/>
-          </a:ln>
-        </p:spPr>
-        <p:txBody>
-          <a:bodyPr wrap="square" lIns="0" tIns="0" rIns="0" bIns="0" rtlCol="0">
-            <a:spAutoFit/>
-          </a:bodyPr>
-          <a:lstStyle/>
-          <a:p>
-            <a:r>
-              <a:rPr lang="en-US" sz="2400" dirty="0">
-                <a:solidFill>
-                  <a:srgbClr val="E0E0E0"/>
-                </a:solidFill>
-                <a:latin typeface="Corbel" charset="0"/>
-                <a:ea typeface="Corbel" charset="0"/>
-                <a:cs typeface="Corbel" charset="0"/>
-              </a:rPr>
-              <a:t>Sarah Sweeney, </a:t>
-            </a:r>
-            <a:r>
-              <a:rPr lang="en-US" sz="2400" dirty="0" err="1">
-                <a:solidFill>
-                  <a:srgbClr val="E0E0E0"/>
-                </a:solidFill>
-                <a:latin typeface="Corbel" charset="0"/>
-                <a:ea typeface="Corbel" charset="0"/>
-                <a:cs typeface="Corbel" charset="0"/>
-              </a:rPr>
-              <a:t>sj.sweeney@northeastern.edu</a:t>
-            </a:r>
-            <a:endParaRPr lang="en-US" sz="2400" dirty="0">
-              <a:solidFill>
-                <a:srgbClr val="E0E0E0"/>
-              </a:solidFill>
-              <a:latin typeface="Corbel" charset="0"/>
-              <a:ea typeface="Corbel" charset="0"/>
-              <a:cs typeface="Corbel" charset="0"/>
-            </a:endParaRPr>
-          </a:p>
-          <a:p>
-            <a:r>
-              <a:rPr lang="en-US" sz="2400" dirty="0" smtClean="0">
-                <a:solidFill>
-                  <a:srgbClr val="E0E0E0"/>
-                </a:solidFill>
-                <a:latin typeface="Corbel" charset="0"/>
-                <a:ea typeface="Corbel" charset="0"/>
-                <a:cs typeface="Corbel" charset="0"/>
-              </a:rPr>
-              <a:t>Northeastern University Libraries</a:t>
-            </a:r>
-          </a:p>
-          <a:p>
-            <a:r>
-              <a:rPr lang="en-US" sz="2400" dirty="0" smtClean="0">
-                <a:solidFill>
-                  <a:srgbClr val="E0E0E0"/>
-                </a:solidFill>
-                <a:latin typeface="Corbel" charset="0"/>
-                <a:ea typeface="Corbel" charset="0"/>
-                <a:cs typeface="Corbel" charset="0"/>
-              </a:rPr>
-              <a:t>Digital Scholarship Group</a:t>
-            </a:r>
-          </a:p>
-        </p:txBody>
-      </p:sp>
-      <p:sp>
-        <p:nvSpPr>
-          <p:cNvPr id="45" name="TextBox 44"/>
-          <p:cNvSpPr txBox="1"/>
-          <p:nvPr/>
-        </p:nvSpPr>
-        <p:spPr>
-          <a:xfrm>
-            <a:off x="896615" y="17138475"/>
-            <a:ext cx="8064896" cy="923330"/>
-          </a:xfrm>
-          <a:prstGeom prst="rect">
-            <a:avLst/>
-          </a:prstGeom>
-          <a:noFill/>
-          <a:ln>
-            <a:noFill/>
-          </a:ln>
-        </p:spPr>
-        <p:txBody>
-          <a:bodyPr wrap="square" lIns="0" tIns="0" rIns="0" bIns="0" rtlCol="0">
-            <a:spAutoFit/>
-          </a:bodyPr>
-          <a:lstStyle/>
-          <a:p>
-            <a:r>
-              <a:rPr lang="en-US" sz="2000" dirty="0" smtClean="0">
-                <a:solidFill>
-                  <a:srgbClr val="37474F"/>
-                </a:solidFill>
-                <a:latin typeface="Corbel" charset="0"/>
-                <a:ea typeface="Corbel" charset="0"/>
-                <a:cs typeface="Corbel" charset="0"/>
-              </a:rPr>
-              <a:t>This project is still in development and we would like your input!</a:t>
-            </a:r>
-            <a:r>
-              <a:rPr lang="en-US" sz="500" dirty="0">
-                <a:solidFill>
-                  <a:srgbClr val="37474F"/>
-                </a:solidFill>
-                <a:latin typeface="Corbel" charset="0"/>
-                <a:ea typeface="Corbel" charset="0"/>
-                <a:cs typeface="Corbel" charset="0"/>
-              </a:rPr>
-              <a:t> </a:t>
-            </a:r>
-            <a:r>
-              <a:rPr lang="en-US" sz="500" dirty="0" smtClean="0">
-                <a:solidFill>
-                  <a:srgbClr val="37474F"/>
-                </a:solidFill>
-                <a:latin typeface="Corbel" charset="0"/>
-                <a:ea typeface="Corbel" charset="0"/>
-                <a:cs typeface="Corbel" charset="0"/>
-              </a:rPr>
-              <a:t> </a:t>
-            </a:r>
-            <a:r>
-              <a:rPr lang="en-US" sz="2000" dirty="0" smtClean="0">
-                <a:solidFill>
-                  <a:srgbClr val="37474F"/>
-                </a:solidFill>
-                <a:latin typeface="Corbel" charset="0"/>
-                <a:ea typeface="Corbel" charset="0"/>
-                <a:cs typeface="Corbel" charset="0"/>
-              </a:rPr>
-              <a:t>Scan the QR code on the right or visit </a:t>
-            </a:r>
-            <a:r>
-              <a:rPr lang="en-US" sz="2000" dirty="0">
-                <a:solidFill>
-                  <a:srgbClr val="FFD966"/>
-                </a:solidFill>
-                <a:latin typeface="Consolas" charset="0"/>
-                <a:ea typeface="Consolas" charset="0"/>
-                <a:cs typeface="Consolas" charset="0"/>
-              </a:rPr>
-              <a:t>https://</a:t>
-            </a:r>
-            <a:r>
-              <a:rPr lang="en-US" sz="2000" dirty="0" err="1">
-                <a:solidFill>
-                  <a:srgbClr val="FFD966"/>
-                </a:solidFill>
-                <a:latin typeface="Consolas" charset="0"/>
-                <a:ea typeface="Consolas" charset="0"/>
-                <a:cs typeface="Consolas" charset="0"/>
-              </a:rPr>
-              <a:t>goo.gl</a:t>
-            </a:r>
-            <a:r>
-              <a:rPr lang="en-US" sz="2000" dirty="0">
-                <a:solidFill>
-                  <a:srgbClr val="FFD966"/>
-                </a:solidFill>
-                <a:latin typeface="Consolas" charset="0"/>
-                <a:ea typeface="Consolas" charset="0"/>
-                <a:cs typeface="Consolas" charset="0"/>
-              </a:rPr>
-              <a:t>/PT1IhE</a:t>
-            </a:r>
-            <a:r>
-              <a:rPr lang="en-US" sz="2000" dirty="0" smtClean="0">
-                <a:solidFill>
-                  <a:srgbClr val="37474F"/>
-                </a:solidFill>
-                <a:latin typeface="Corbel" charset="0"/>
-                <a:ea typeface="Corbel" charset="0"/>
-                <a:cs typeface="Corbel" charset="0"/>
-              </a:rPr>
-              <a:t> to review and comment on the Charon technical specification. Any and all feedback is welcome!</a:t>
-            </a:r>
-            <a:endParaRPr lang="en-US" sz="2000" dirty="0">
-              <a:solidFill>
-                <a:srgbClr val="37474F"/>
-              </a:solidFill>
-              <a:latin typeface="Corbel" charset="0"/>
-              <a:ea typeface="Corbel" charset="0"/>
-              <a:cs typeface="Corbel" charset="0"/>
-            </a:endParaRPr>
-          </a:p>
-        </p:txBody>
-      </p:sp>
-      <p:sp>
-        <p:nvSpPr>
-          <p:cNvPr id="27" name="TextBox 26"/>
-          <p:cNvSpPr txBox="1"/>
-          <p:nvPr/>
-        </p:nvSpPr>
-        <p:spPr>
-          <a:xfrm rot="16200000">
-            <a:off x="-57375" y="17336613"/>
-            <a:ext cx="1152128" cy="467820"/>
-          </a:xfrm>
-          <a:prstGeom prst="rect">
-            <a:avLst/>
-          </a:prstGeom>
-          <a:noFill/>
-          <a:ln w="19050">
-            <a:noFill/>
-          </a:ln>
-        </p:spPr>
-        <p:txBody>
-          <a:bodyPr wrap="square" lIns="0" tIns="18288" rIns="0" bIns="18288" rtlCol="0">
-            <a:spAutoFit/>
-          </a:bodyPr>
-          <a:lstStyle/>
-          <a:p>
-            <a:pPr algn="ctr"/>
-            <a:r>
-              <a:rPr lang="en-US" sz="2800" dirty="0" smtClean="0">
-                <a:solidFill>
-                  <a:srgbClr val="37474F"/>
-                </a:solidFill>
-                <a:latin typeface="Corbel" charset="0"/>
-                <a:ea typeface="Corbel" charset="0"/>
-                <a:cs typeface="Corbel" charset="0"/>
-              </a:rPr>
-              <a:t>You!</a:t>
-            </a:r>
-          </a:p>
-        </p:txBody>
-      </p:sp>
-      <p:sp>
-        <p:nvSpPr>
-          <p:cNvPr id="64" name="TextBox 63"/>
-          <p:cNvSpPr txBox="1"/>
-          <p:nvPr/>
-        </p:nvSpPr>
-        <p:spPr>
-          <a:xfrm>
-            <a:off x="969391" y="6265267"/>
-            <a:ext cx="4391719" cy="381381"/>
-          </a:xfrm>
-          <a:prstGeom prst="roundRect">
-            <a:avLst/>
-          </a:prstGeom>
-          <a:noFill/>
-          <a:ln w="19050">
-            <a:noFill/>
-          </a:ln>
-        </p:spPr>
-        <p:txBody>
-          <a:bodyPr wrap="square" lIns="0" tIns="18288" rIns="0" bIns="18288" rtlCol="0">
-            <a:spAutoFit/>
-          </a:bodyPr>
-          <a:lstStyle/>
-          <a:p>
-            <a:pPr algn="ctr"/>
-            <a:r>
-              <a:rPr lang="en-US" sz="2000" b="1" dirty="0" smtClean="0">
-                <a:solidFill>
-                  <a:srgbClr val="37474F"/>
-                </a:solidFill>
-                <a:latin typeface="Corbel" charset="0"/>
-                <a:ea typeface="Corbel" charset="0"/>
-                <a:cs typeface="Corbel" charset="0"/>
-              </a:rPr>
-              <a:t>Fedora 4</a:t>
-            </a:r>
-            <a:endParaRPr lang="en-US" sz="2000" b="1" dirty="0">
-              <a:solidFill>
-                <a:srgbClr val="37474F"/>
-              </a:solidFill>
-              <a:latin typeface="Corbel" charset="0"/>
-              <a:ea typeface="Corbel" charset="0"/>
-              <a:cs typeface="Corbel" charset="0"/>
-            </a:endParaRPr>
-          </a:p>
-        </p:txBody>
-      </p:sp>
-      <p:sp>
-        <p:nvSpPr>
-          <p:cNvPr id="66" name="TextBox 65"/>
-          <p:cNvSpPr txBox="1"/>
-          <p:nvPr/>
-        </p:nvSpPr>
-        <p:spPr>
-          <a:xfrm>
-            <a:off x="968623" y="3456955"/>
-            <a:ext cx="4392488" cy="381381"/>
-          </a:xfrm>
-          <a:prstGeom prst="roundRect">
-            <a:avLst/>
-          </a:prstGeom>
-          <a:noFill/>
-          <a:ln w="19050">
-            <a:noFill/>
-          </a:ln>
-        </p:spPr>
-        <p:txBody>
-          <a:bodyPr wrap="square" lIns="0" tIns="18288" rIns="0" bIns="18288" rtlCol="0">
-            <a:spAutoFit/>
-          </a:bodyPr>
-          <a:lstStyle/>
-          <a:p>
-            <a:pPr algn="ctr"/>
-            <a:r>
-              <a:rPr lang="en-US" sz="2000" b="1" dirty="0" smtClean="0">
-                <a:solidFill>
-                  <a:srgbClr val="37474F"/>
-                </a:solidFill>
-                <a:latin typeface="Corbel" charset="0"/>
-                <a:ea typeface="Corbel" charset="0"/>
-                <a:cs typeface="Corbel" charset="0"/>
-              </a:rPr>
-              <a:t>CERES Publisher</a:t>
-            </a:r>
-          </a:p>
-        </p:txBody>
-      </p:sp>
-      <p:sp>
-        <p:nvSpPr>
-          <p:cNvPr id="78" name="TextBox 77"/>
-          <p:cNvSpPr txBox="1"/>
-          <p:nvPr/>
-        </p:nvSpPr>
-        <p:spPr>
-          <a:xfrm rot="16200000">
-            <a:off x="-1839615" y="9091697"/>
-            <a:ext cx="4680520" cy="467820"/>
-          </a:xfrm>
-          <a:prstGeom prst="rect">
-            <a:avLst/>
-          </a:prstGeom>
-          <a:noFill/>
-          <a:ln w="19050">
-            <a:noFill/>
-          </a:ln>
-        </p:spPr>
-        <p:txBody>
-          <a:bodyPr wrap="square" lIns="0" tIns="18288" rIns="0" bIns="18288" rtlCol="0">
-            <a:spAutoFit/>
-          </a:bodyPr>
-          <a:lstStyle/>
-          <a:p>
-            <a:pPr algn="ctr"/>
-            <a:r>
-              <a:rPr lang="en-US" sz="2800" dirty="0" smtClean="0">
-                <a:solidFill>
-                  <a:srgbClr val="37474F"/>
-                </a:solidFill>
-                <a:latin typeface="Corbel" charset="0"/>
-                <a:ea typeface="Corbel" charset="0"/>
-                <a:cs typeface="Corbel" charset="0"/>
-              </a:rPr>
-              <a:t>Workflows and Interfaces</a:t>
-            </a:r>
-          </a:p>
-        </p:txBody>
-      </p:sp>
-      <p:sp>
-        <p:nvSpPr>
-          <p:cNvPr id="75" name="TextBox 74"/>
-          <p:cNvSpPr txBox="1"/>
-          <p:nvPr/>
-        </p:nvSpPr>
-        <p:spPr>
-          <a:xfrm>
-            <a:off x="968622" y="3816995"/>
-            <a:ext cx="4392489" cy="381381"/>
-          </a:xfrm>
-          <a:prstGeom prst="roundRect">
-            <a:avLst/>
-          </a:prstGeom>
-          <a:noFill/>
-          <a:ln w="19050">
-            <a:noFill/>
-          </a:ln>
-        </p:spPr>
-        <p:txBody>
-          <a:bodyPr wrap="square" lIns="0" tIns="18288" rIns="0" bIns="18288" rtlCol="0">
-            <a:spAutoFit/>
-          </a:bodyPr>
-          <a:lstStyle/>
-          <a:p>
-            <a:pPr algn="ctr"/>
-            <a:r>
-              <a:rPr lang="en-US" sz="2000" b="1" dirty="0" smtClean="0">
-                <a:solidFill>
-                  <a:srgbClr val="37474F"/>
-                </a:solidFill>
-                <a:latin typeface="Corbel" charset="0"/>
-                <a:ea typeface="Corbel" charset="0"/>
-                <a:cs typeface="Corbel" charset="0"/>
-              </a:rPr>
-              <a:t>REST API</a:t>
-            </a:r>
-          </a:p>
-        </p:txBody>
-      </p:sp>
-      <p:sp>
-        <p:nvSpPr>
-          <p:cNvPr id="79" name="TextBox 78"/>
-          <p:cNvSpPr txBox="1"/>
-          <p:nvPr/>
-        </p:nvSpPr>
-        <p:spPr>
-          <a:xfrm rot="16200000">
-            <a:off x="-1947627" y="14096253"/>
-            <a:ext cx="4896544" cy="467820"/>
-          </a:xfrm>
-          <a:prstGeom prst="rect">
-            <a:avLst/>
-          </a:prstGeom>
-          <a:noFill/>
-          <a:ln w="19050">
-            <a:noFill/>
-          </a:ln>
-        </p:spPr>
-        <p:txBody>
-          <a:bodyPr wrap="square" lIns="0" tIns="18288" rIns="0" bIns="18288" rtlCol="0">
-            <a:spAutoFit/>
-          </a:bodyPr>
-          <a:lstStyle/>
-          <a:p>
-            <a:pPr algn="ctr"/>
-            <a:r>
-              <a:rPr lang="en-US" sz="2800" dirty="0" smtClean="0">
-                <a:solidFill>
-                  <a:srgbClr val="37474F"/>
-                </a:solidFill>
-                <a:latin typeface="Corbel" charset="0"/>
-                <a:ea typeface="Corbel" charset="0"/>
-                <a:cs typeface="Corbel" charset="0"/>
-              </a:rPr>
-              <a:t>User Roles</a:t>
-            </a:r>
-          </a:p>
-        </p:txBody>
-      </p:sp>
       <p:pic>
         <p:nvPicPr>
           <p:cNvPr id="42" name="Picture 41"/>
@@ -5919,7 +4674,7 @@
         </p:blipFill>
         <p:spPr>
           <a:xfrm>
-            <a:off x="896615" y="13754099"/>
+            <a:off x="968623" y="13754099"/>
             <a:ext cx="5112568" cy="2889794"/>
           </a:xfrm>
           <a:prstGeom prst="rect">
@@ -5929,42 +4684,47 @@
       </p:pic>
       <p:sp>
         <p:nvSpPr>
-          <p:cNvPr id="86" name="Arc 85"/>
+          <p:cNvPr id="115" name="Rounded Rectangle 114"/>
           <p:cNvSpPr/>
           <p:nvPr/>
         </p:nvSpPr>
         <p:spPr>
-          <a:xfrm rot="10800000" flipV="1">
-            <a:off x="4136975" y="12673979"/>
-            <a:ext cx="6153200" cy="3672408"/>
-          </a:xfrm>
-          <a:prstGeom prst="arc">
+          <a:xfrm>
+            <a:off x="270114" y="6985347"/>
+            <a:ext cx="9573685" cy="4680520"/>
+          </a:xfrm>
+          <a:prstGeom prst="roundRect">
             <a:avLst>
-              <a:gd name="adj1" fmla="val 16273522"/>
-              <a:gd name="adj2" fmla="val 21022623"/>
+              <a:gd name="adj" fmla="val 10378"/>
             </a:avLst>
           </a:prstGeom>
-          <a:ln w="53975">
+          <a:solidFill>
+            <a:schemeClr val="bg1">
+              <a:lumMod val="85000"/>
+            </a:schemeClr>
+          </a:solidFill>
+          <a:ln w="63500">
             <a:solidFill>
               <a:schemeClr val="bg1">
                 <a:lumMod val="85000"/>
               </a:schemeClr>
             </a:solidFill>
-            <a:tailEnd type="arrow" w="med" len="med"/>
           </a:ln>
         </p:spPr>
         <p:style>
-          <a:lnRef idx="1">
-            <a:schemeClr val="accent1"/>
+          <a:lnRef idx="2">
+            <a:schemeClr val="accent1">
+              <a:shade val="50000"/>
+            </a:schemeClr>
           </a:lnRef>
-          <a:fillRef idx="0">
+          <a:fillRef idx="1">
             <a:schemeClr val="accent1"/>
           </a:fillRef>
           <a:effectRef idx="0">
             <a:schemeClr val="accent1"/>
           </a:effectRef>
           <a:fontRef idx="minor">
-            <a:schemeClr val="tx1"/>
+            <a:schemeClr val="lt1"/>
           </a:fontRef>
         </p:style>
         <p:txBody>
@@ -5982,42 +4742,46 @@
       </p:sp>
       <p:sp>
         <p:nvSpPr>
-          <p:cNvPr id="87" name="Arc 86"/>
+          <p:cNvPr id="116" name="Round Same Side Corner Rectangle 115"/>
           <p:cNvSpPr/>
           <p:nvPr/>
         </p:nvSpPr>
         <p:spPr>
-          <a:xfrm rot="10800000" flipV="1">
-            <a:off x="4352999" y="13394059"/>
-            <a:ext cx="5472608" cy="2232248"/>
-          </a:xfrm>
-          <a:prstGeom prst="arc">
+          <a:xfrm rot="5400000">
+            <a:off x="3075270" y="4681314"/>
+            <a:ext cx="4680520" cy="9288585"/>
+          </a:xfrm>
+          <a:prstGeom prst="round2SameRect">
             <a:avLst>
-              <a:gd name="adj1" fmla="val 16200000"/>
-              <a:gd name="adj2" fmla="val 21170846"/>
+              <a:gd name="adj1" fmla="val 11193"/>
+              <a:gd name="adj2" fmla="val 0"/>
             </a:avLst>
           </a:prstGeom>
-          <a:ln w="53975">
+          <a:solidFill>
+            <a:srgbClr val="78909C"/>
+          </a:solidFill>
+          <a:ln w="63500">
             <a:solidFill>
               <a:schemeClr val="bg1">
                 <a:lumMod val="85000"/>
               </a:schemeClr>
             </a:solidFill>
-            <a:tailEnd type="arrow" w="med" len="med"/>
           </a:ln>
         </p:spPr>
         <p:style>
-          <a:lnRef idx="1">
-            <a:schemeClr val="accent1"/>
+          <a:lnRef idx="2">
+            <a:schemeClr val="accent1">
+              <a:shade val="50000"/>
+            </a:schemeClr>
           </a:lnRef>
-          <a:fillRef idx="0">
+          <a:fillRef idx="1">
             <a:schemeClr val="accent1"/>
           </a:fillRef>
           <a:effectRef idx="0">
             <a:schemeClr val="accent1"/>
           </a:effectRef>
           <a:fontRef idx="minor">
-            <a:schemeClr val="tx1"/>
+            <a:schemeClr val="lt1"/>
           </a:fontRef>
         </p:style>
         <p:txBody>
@@ -6035,42 +4799,47 @@
       </p:sp>
       <p:sp>
         <p:nvSpPr>
-          <p:cNvPr id="88" name="Arc 87"/>
+          <p:cNvPr id="95" name="Rounded Rectangle 94"/>
           <p:cNvSpPr/>
           <p:nvPr/>
         </p:nvSpPr>
         <p:spPr>
-          <a:xfrm rot="12739462" flipV="1">
-            <a:off x="5622239" y="14563975"/>
-            <a:ext cx="1728192" cy="2016224"/>
-          </a:xfrm>
-          <a:prstGeom prst="arc">
+          <a:xfrm>
+            <a:off x="249357" y="3312939"/>
+            <a:ext cx="9793088" cy="3456384"/>
+          </a:xfrm>
+          <a:prstGeom prst="roundRect">
             <a:avLst>
-              <a:gd name="adj1" fmla="val 16200000"/>
-              <a:gd name="adj2" fmla="val 75559"/>
+              <a:gd name="adj" fmla="val 16045"/>
             </a:avLst>
           </a:prstGeom>
-          <a:ln w="53975">
+          <a:solidFill>
+            <a:schemeClr val="bg1">
+              <a:lumMod val="85000"/>
+            </a:schemeClr>
+          </a:solidFill>
+          <a:ln w="63500">
             <a:solidFill>
               <a:schemeClr val="bg1">
                 <a:lumMod val="85000"/>
               </a:schemeClr>
             </a:solidFill>
-            <a:tailEnd type="arrow" w="med" len="med"/>
           </a:ln>
         </p:spPr>
         <p:style>
-          <a:lnRef idx="1">
-            <a:schemeClr val="accent1"/>
+          <a:lnRef idx="2">
+            <a:schemeClr val="accent1">
+              <a:shade val="50000"/>
+            </a:schemeClr>
           </a:lnRef>
-          <a:fillRef idx="0">
+          <a:fillRef idx="1">
             <a:schemeClr val="accent1"/>
           </a:fillRef>
           <a:effectRef idx="0">
             <a:schemeClr val="accent1"/>
           </a:effectRef>
           <a:fontRef idx="minor">
-            <a:schemeClr val="tx1"/>
+            <a:schemeClr val="lt1"/>
           </a:fontRef>
         </p:style>
         <p:txBody>
@@ -6086,44 +4855,82 @@
           </a:p>
         </p:txBody>
       </p:sp>
-      <p:sp>
-        <p:nvSpPr>
-          <p:cNvPr id="89" name="Arc 88"/>
+      <p:cxnSp>
+        <p:nvCxnSpPr>
+          <p:cNvPr id="119" name="Straight Arrow Connector 118"/>
+          <p:cNvCxnSpPr/>
+          <p:nvPr/>
+        </p:nvCxnSpPr>
+        <p:spPr>
+          <a:xfrm>
+            <a:off x="6894850" y="7957008"/>
+            <a:ext cx="481982" cy="0"/>
+          </a:xfrm>
+          <a:prstGeom prst="straightConnector1">
+            <a:avLst/>
+          </a:prstGeom>
+          <a:ln w="25400">
+            <a:solidFill>
+              <a:schemeClr val="bg1"/>
+            </a:solidFill>
+            <a:headEnd type="none" w="sm" len="sm"/>
+            <a:tailEnd type="arrow" w="sm" len="sm"/>
+          </a:ln>
+        </p:spPr>
+        <p:style>
+          <a:lnRef idx="1">
+            <a:schemeClr val="accent1"/>
+          </a:lnRef>
+          <a:fillRef idx="0">
+            <a:schemeClr val="accent1"/>
+          </a:fillRef>
+          <a:effectRef idx="0">
+            <a:schemeClr val="accent1"/>
+          </a:effectRef>
+          <a:fontRef idx="minor">
+            <a:schemeClr val="tx1"/>
+          </a:fontRef>
+        </p:style>
+      </p:cxnSp>
+      <p:sp>
+        <p:nvSpPr>
+          <p:cNvPr id="6" name="Round Same Side Corner Rectangle 5"/>
           <p:cNvSpPr/>
           <p:nvPr/>
         </p:nvSpPr>
         <p:spPr>
-          <a:xfrm rot="10800000" flipV="1">
-            <a:off x="4715597" y="13322051"/>
-            <a:ext cx="5149499" cy="2808312"/>
-          </a:xfrm>
-          <a:prstGeom prst="arc">
-            <a:avLst>
-              <a:gd name="adj1" fmla="val 16200000"/>
-              <a:gd name="adj2" fmla="val 21319761"/>
-            </a:avLst>
-          </a:prstGeom>
-          <a:ln w="53975">
+          <a:xfrm rot="5400000">
+            <a:off x="3678364" y="387987"/>
+            <a:ext cx="3456384" cy="9306287"/>
+          </a:xfrm>
+          <a:prstGeom prst="round2SameRect">
+            <a:avLst/>
+          </a:prstGeom>
+          <a:solidFill>
+            <a:srgbClr val="78909C"/>
+          </a:solidFill>
+          <a:ln w="63500">
             <a:solidFill>
               <a:schemeClr val="bg1">
                 <a:lumMod val="85000"/>
               </a:schemeClr>
             </a:solidFill>
-            <a:tailEnd type="arrow" w="med" len="med"/>
           </a:ln>
         </p:spPr>
         <p:style>
-          <a:lnRef idx="1">
-            <a:schemeClr val="accent1"/>
+          <a:lnRef idx="2">
+            <a:schemeClr val="accent1">
+              <a:shade val="50000"/>
+            </a:schemeClr>
           </a:lnRef>
-          <a:fillRef idx="0">
+          <a:fillRef idx="1">
             <a:schemeClr val="accent1"/>
           </a:fillRef>
           <a:effectRef idx="0">
             <a:schemeClr val="accent1"/>
           </a:effectRef>
           <a:fontRef idx="minor">
-            <a:schemeClr val="tx1"/>
+            <a:schemeClr val="lt1"/>
           </a:fontRef>
         </p:style>
         <p:txBody>
@@ -6141,82 +4948,52 @@
       </p:sp>
       <p:sp>
         <p:nvSpPr>
-          <p:cNvPr id="82" name="TextBox 81"/>
-          <p:cNvSpPr txBox="1"/>
-          <p:nvPr/>
-        </p:nvSpPr>
-        <p:spPr>
-          <a:xfrm>
-            <a:off x="6297215" y="13106027"/>
-            <a:ext cx="3600400" cy="1055608"/>
+          <p:cNvPr id="67" name="Rounded Rectangle 66"/>
+          <p:cNvSpPr/>
+          <p:nvPr/>
+        </p:nvSpPr>
+        <p:spPr>
+          <a:xfrm>
+            <a:off x="968622" y="3456955"/>
+            <a:ext cx="4176465" cy="3168352"/>
           </a:xfrm>
           <a:prstGeom prst="roundRect">
             <a:avLst/>
           </a:prstGeom>
           <a:solidFill>
-            <a:schemeClr val="bg1">
-              <a:lumMod val="85000"/>
+            <a:srgbClr val="37474F"/>
+          </a:solidFill>
+          <a:ln w="15875">
+            <a:solidFill>
+              <a:srgbClr val="78909C"/>
+            </a:solidFill>
+            <a:prstDash val="sysDot"/>
+          </a:ln>
+        </p:spPr>
+        <p:style>
+          <a:lnRef idx="2">
+            <a:schemeClr val="accent1">
+              <a:shade val="50000"/>
             </a:schemeClr>
-          </a:solidFill>
-          <a:ln>
-            <a:noFill/>
-          </a:ln>
-        </p:spPr>
-        <p:txBody>
-          <a:bodyPr wrap="square" rtlCol="0">
-            <a:spAutoFit/>
-          </a:bodyPr>
+          </a:lnRef>
+          <a:fillRef idx="1">
+            <a:schemeClr val="accent1"/>
+          </a:fillRef>
+          <a:effectRef idx="0">
+            <a:schemeClr val="accent1"/>
+          </a:effectRef>
+          <a:fontRef idx="minor">
+            <a:schemeClr val="lt1"/>
+          </a:fontRef>
+        </p:style>
+        <p:txBody>
+          <a:bodyPr lIns="0" tIns="18288" rIns="0" bIns="18288" rtlCol="0" anchor="ctr"/>
           <a:lstStyle/>
           <a:p>
             <a:pPr algn="ctr"/>
-            <a:r>
-              <a:rPr lang="en-US" sz="2000" b="1" dirty="0" smtClean="0">
-                <a:solidFill>
-                  <a:srgbClr val="37474F"/>
-                </a:solidFill>
-                <a:latin typeface="Corbel" charset="0"/>
-                <a:ea typeface="Corbel" charset="0"/>
-                <a:cs typeface="Corbel" charset="0"/>
-              </a:rPr>
-              <a:t>Creators</a:t>
-            </a:r>
-          </a:p>
-          <a:p>
-            <a:pPr marL="342900" indent="-342900">
-              <a:buFont typeface="Arial" charset="0"/>
-              <a:buChar char="•"/>
-            </a:pPr>
-            <a:r>
-              <a:rPr lang="en-US" sz="1800" dirty="0" smtClean="0">
-                <a:solidFill>
-                  <a:srgbClr val="37474F"/>
-                </a:solidFill>
-                <a:latin typeface="Corbel" charset="0"/>
-                <a:ea typeface="Corbel" charset="0"/>
-                <a:cs typeface="Corbel" charset="0"/>
-              </a:rPr>
-              <a:t>Contribute files and metadata</a:t>
-            </a:r>
-          </a:p>
-          <a:p>
-            <a:pPr marL="342900" indent="-342900">
-              <a:buFont typeface="Arial" charset="0"/>
-              <a:buChar char="•"/>
-            </a:pPr>
-            <a:r>
-              <a:rPr lang="en-US" sz="1800" dirty="0" smtClean="0">
-                <a:solidFill>
-                  <a:srgbClr val="37474F"/>
-                </a:solidFill>
-                <a:latin typeface="Corbel" charset="0"/>
-                <a:ea typeface="Corbel" charset="0"/>
-                <a:cs typeface="Corbel" charset="0"/>
-              </a:rPr>
-              <a:t>Claim and execute tasks</a:t>
-            </a:r>
-            <a:endParaRPr lang="en-US" sz="1800" dirty="0">
+            <a:endParaRPr lang="en-US" sz="2000">
               <a:solidFill>
-                <a:srgbClr val="37474F"/>
+                <a:srgbClr val="FFD966"/>
               </a:solidFill>
               <a:latin typeface="Corbel" charset="0"/>
               <a:ea typeface="Corbel" charset="0"/>
@@ -6227,135 +5004,197 @@
       </p:sp>
       <p:sp>
         <p:nvSpPr>
-          <p:cNvPr id="84" name="TextBox 83"/>
+          <p:cNvPr id="24" name="TextBox 23"/>
           <p:cNvSpPr txBox="1"/>
           <p:nvPr/>
         </p:nvSpPr>
         <p:spPr>
           <a:xfrm>
-            <a:off x="6297215" y="14280935"/>
-            <a:ext cx="3600400" cy="2161818"/>
-          </a:xfrm>
-          <a:prstGeom prst="roundRect">
-            <a:avLst>
-              <a:gd name="adj" fmla="val 8317"/>
-            </a:avLst>
-          </a:prstGeom>
-          <a:solidFill>
-            <a:schemeClr val="bg1">
-              <a:lumMod val="85000"/>
-            </a:schemeClr>
-          </a:solidFill>
+            <a:off x="5289103" y="3456955"/>
+            <a:ext cx="4608512" cy="3262432"/>
+          </a:xfrm>
+          <a:prstGeom prst="rect">
+            <a:avLst/>
+          </a:prstGeom>
+          <a:noFill/>
           <a:ln>
             <a:noFill/>
           </a:ln>
         </p:spPr>
         <p:txBody>
-          <a:bodyPr wrap="square" rtlCol="0">
+          <a:bodyPr wrap="square" lIns="91440" tIns="91440" rIns="91440" bIns="91440" rtlCol="0">
             <a:spAutoFit/>
           </a:bodyPr>
           <a:lstStyle/>
           <a:p>
-            <a:pPr algn="ctr"/>
-            <a:r>
-              <a:rPr lang="en-US" sz="2000" b="1" dirty="0" smtClean="0">
-                <a:solidFill>
-                  <a:srgbClr val="37474F"/>
-                </a:solidFill>
-                <a:latin typeface="Corbel" charset="0"/>
-                <a:ea typeface="Corbel" charset="0"/>
-                <a:cs typeface="Corbel" charset="0"/>
-              </a:rPr>
-              <a:t>Administrator(s)</a:t>
-            </a:r>
-          </a:p>
-          <a:p>
-            <a:pPr marL="342900" indent="-342900">
-              <a:buFont typeface="Arial" charset="0"/>
-              <a:buChar char="•"/>
-            </a:pPr>
-            <a:r>
-              <a:rPr lang="en-US" sz="1800" dirty="0" smtClean="0">
-                <a:solidFill>
-                  <a:srgbClr val="37474F"/>
-                </a:solidFill>
-                <a:latin typeface="Corbel" charset="0"/>
-                <a:ea typeface="Corbel" charset="0"/>
-                <a:cs typeface="Corbel" charset="0"/>
-              </a:rPr>
-              <a:t>Contribute files and metadata</a:t>
-            </a:r>
-          </a:p>
-          <a:p>
-            <a:pPr marL="342900" indent="-342900">
-              <a:buFont typeface="Arial" charset="0"/>
-              <a:buChar char="•"/>
-            </a:pPr>
-            <a:r>
-              <a:rPr lang="en-US" sz="1800" dirty="0" smtClean="0">
-                <a:solidFill>
-                  <a:srgbClr val="37474F"/>
-                </a:solidFill>
-                <a:latin typeface="Corbel" charset="0"/>
-                <a:ea typeface="Corbel" charset="0"/>
-                <a:cs typeface="Corbel" charset="0"/>
-              </a:rPr>
-              <a:t>Claim and execute tasks</a:t>
-            </a:r>
-          </a:p>
-          <a:p>
-            <a:pPr marL="342900" indent="-342900">
-              <a:buFont typeface="Arial" charset="0"/>
-              <a:buChar char="•"/>
-            </a:pPr>
-            <a:r>
-              <a:rPr lang="en-US" sz="1800" dirty="0" smtClean="0">
-                <a:solidFill>
-                  <a:srgbClr val="37474F"/>
-                </a:solidFill>
-                <a:latin typeface="Corbel" charset="0"/>
-                <a:ea typeface="Corbel" charset="0"/>
-                <a:cs typeface="Corbel" charset="0"/>
-              </a:rPr>
-              <a:t>Accept and reject deposits</a:t>
-            </a:r>
-          </a:p>
-          <a:p>
-            <a:pPr marL="342900" indent="-342900">
-              <a:buFont typeface="Arial" charset="0"/>
-              <a:buChar char="•"/>
-            </a:pPr>
-            <a:r>
-              <a:rPr lang="en-US" sz="1800" dirty="0" smtClean="0">
-                <a:solidFill>
-                  <a:srgbClr val="37474F"/>
-                </a:solidFill>
-                <a:latin typeface="Corbel" charset="0"/>
-                <a:ea typeface="Corbel" charset="0"/>
-                <a:cs typeface="Corbel" charset="0"/>
-              </a:rPr>
-              <a:t>Configure users, models, and workflows</a:t>
-            </a:r>
-          </a:p>
-          <a:p>
-            <a:pPr marL="342900" indent="-342900">
-              <a:buFont typeface="Arial" charset="0"/>
-              <a:buChar char="•"/>
-            </a:pPr>
-            <a:r>
-              <a:rPr lang="en-US" sz="1800" dirty="0" smtClean="0">
-                <a:solidFill>
-                  <a:srgbClr val="37474F"/>
-                </a:solidFill>
-                <a:latin typeface="Corbel" charset="0"/>
-                <a:ea typeface="Corbel" charset="0"/>
-                <a:cs typeface="Corbel" charset="0"/>
-              </a:rPr>
-              <a:t>Bulk review and processing</a:t>
-            </a:r>
-            <a:endParaRPr lang="en-US" sz="1800" dirty="0">
+            <a:r>
+              <a:rPr lang="en-US" sz="2000" dirty="0" smtClean="0">
+                <a:solidFill>
+                  <a:srgbClr val="E0E0E0"/>
+                </a:solidFill>
+                <a:latin typeface="Corbel" charset="0"/>
+                <a:ea typeface="Corbel" charset="0"/>
+                <a:cs typeface="Corbel" charset="0"/>
+              </a:rPr>
+              <a:t>How can Hydra be used </a:t>
+            </a:r>
+            <a:r>
+              <a:rPr lang="en-US" sz="2000" dirty="0">
+                <a:solidFill>
+                  <a:srgbClr val="E0E0E0"/>
+                </a:solidFill>
+                <a:latin typeface="Corbel" charset="0"/>
+                <a:ea typeface="Corbel" charset="0"/>
+                <a:cs typeface="Corbel" charset="0"/>
+              </a:rPr>
+              <a:t>to enable </a:t>
+            </a:r>
+            <a:r>
+              <a:rPr lang="en-US" sz="2000" dirty="0" smtClean="0">
+                <a:solidFill>
+                  <a:srgbClr val="E0E0E0"/>
+                </a:solidFill>
+                <a:latin typeface="Corbel" charset="0"/>
+                <a:ea typeface="Corbel" charset="0"/>
+                <a:cs typeface="Corbel" charset="0"/>
+              </a:rPr>
+              <a:t>the creation</a:t>
+            </a:r>
+            <a:r>
+              <a:rPr lang="en-US" sz="2000" dirty="0">
+                <a:solidFill>
+                  <a:srgbClr val="E0E0E0"/>
+                </a:solidFill>
+                <a:latin typeface="Corbel" charset="0"/>
+                <a:ea typeface="Corbel" charset="0"/>
+                <a:cs typeface="Corbel" charset="0"/>
+              </a:rPr>
+              <a:t>, </a:t>
+            </a:r>
+            <a:r>
+              <a:rPr lang="en-US" sz="2000" dirty="0" smtClean="0">
+                <a:solidFill>
+                  <a:srgbClr val="E0E0E0"/>
+                </a:solidFill>
+                <a:latin typeface="Corbel" charset="0"/>
+                <a:ea typeface="Corbel" charset="0"/>
+                <a:cs typeface="Corbel" charset="0"/>
+              </a:rPr>
+              <a:t>curation, dissemination</a:t>
+            </a:r>
+            <a:r>
+              <a:rPr lang="en-US" sz="2000" dirty="0">
+                <a:solidFill>
+                  <a:srgbClr val="E0E0E0"/>
+                </a:solidFill>
+                <a:latin typeface="Corbel" charset="0"/>
+                <a:ea typeface="Corbel" charset="0"/>
+                <a:cs typeface="Corbel" charset="0"/>
+              </a:rPr>
+              <a:t>, and </a:t>
+            </a:r>
+            <a:r>
+              <a:rPr lang="en-US" sz="2000" dirty="0" smtClean="0">
+                <a:solidFill>
+                  <a:srgbClr val="E0E0E0"/>
+                </a:solidFill>
+                <a:latin typeface="Corbel" charset="0"/>
+                <a:ea typeface="Corbel" charset="0"/>
+                <a:cs typeface="Corbel" charset="0"/>
+              </a:rPr>
+              <a:t>long-term </a:t>
+            </a:r>
+            <a:r>
+              <a:rPr lang="en-US" sz="2000" dirty="0">
+                <a:solidFill>
+                  <a:srgbClr val="E0E0E0"/>
+                </a:solidFill>
+                <a:latin typeface="Corbel" charset="0"/>
+                <a:ea typeface="Corbel" charset="0"/>
+                <a:cs typeface="Corbel" charset="0"/>
+              </a:rPr>
+              <a:t>support of </a:t>
+            </a:r>
+            <a:r>
+              <a:rPr lang="en-US" sz="2000" dirty="0" smtClean="0">
+                <a:solidFill>
+                  <a:srgbClr val="E0E0E0"/>
+                </a:solidFill>
+                <a:latin typeface="Corbel" charset="0"/>
+                <a:ea typeface="Corbel" charset="0"/>
+                <a:cs typeface="Corbel" charset="0"/>
+              </a:rPr>
+              <a:t>digital humanities (DH) projects </a:t>
+            </a:r>
+            <a:r>
+              <a:rPr lang="en-US" sz="2000" dirty="0">
+                <a:solidFill>
+                  <a:srgbClr val="E0E0E0"/>
+                </a:solidFill>
+                <a:latin typeface="Corbel" charset="0"/>
+                <a:ea typeface="Corbel" charset="0"/>
+                <a:cs typeface="Corbel" charset="0"/>
+              </a:rPr>
+              <a:t>and </a:t>
+            </a:r>
+            <a:r>
+              <a:rPr lang="en-US" sz="2000" dirty="0" smtClean="0">
+                <a:solidFill>
+                  <a:srgbClr val="E0E0E0"/>
+                </a:solidFill>
+                <a:latin typeface="Corbel" charset="0"/>
+                <a:ea typeface="Corbel" charset="0"/>
+                <a:cs typeface="Corbel" charset="0"/>
+              </a:rPr>
+              <a:t>publications? NUL's Digital Scholarship Group seeks </a:t>
+            </a:r>
+            <a:r>
+              <a:rPr lang="en-US" sz="2000" dirty="0">
+                <a:solidFill>
+                  <a:srgbClr val="E0E0E0"/>
+                </a:solidFill>
+                <a:latin typeface="Corbel" charset="0"/>
+                <a:ea typeface="Corbel" charset="0"/>
+                <a:cs typeface="Corbel" charset="0"/>
+              </a:rPr>
+              <a:t>to answer this question by developing a </a:t>
+            </a:r>
+            <a:r>
+              <a:rPr lang="en-US" sz="2000" dirty="0" smtClean="0">
+                <a:solidFill>
+                  <a:srgbClr val="E0E0E0"/>
+                </a:solidFill>
+                <a:latin typeface="Corbel" charset="0"/>
+                <a:ea typeface="Corbel" charset="0"/>
+                <a:cs typeface="Corbel" charset="0"/>
+              </a:rPr>
+              <a:t>digital curation framework that provides workflow </a:t>
+            </a:r>
+            <a:r>
+              <a:rPr lang="en-US" sz="2000" dirty="0">
+                <a:solidFill>
+                  <a:srgbClr val="E0E0E0"/>
+                </a:solidFill>
+                <a:latin typeface="Corbel" charset="0"/>
+                <a:ea typeface="Corbel" charset="0"/>
+                <a:cs typeface="Corbel" charset="0"/>
+              </a:rPr>
+              <a:t>management </a:t>
+            </a:r>
+            <a:r>
+              <a:rPr lang="en-US" sz="2000" dirty="0" smtClean="0">
+                <a:solidFill>
+                  <a:srgbClr val="E0E0E0"/>
+                </a:solidFill>
+                <a:latin typeface="Corbel" charset="0"/>
+                <a:ea typeface="Corbel" charset="0"/>
+                <a:cs typeface="Corbel" charset="0"/>
+              </a:rPr>
+              <a:t>tools to support common DH project activities, such as text transcription and encoding.</a:t>
+            </a:r>
+            <a:endParaRPr lang="en-US" sz="2000" dirty="0">
               <a:solidFill>
-                <a:srgbClr val="37474F"/>
+                <a:srgbClr val="E0E0E0"/>
               </a:solidFill>
               <a:latin typeface="Corbel" charset="0"/>
               <a:ea typeface="Corbel" charset="0"/>
@@ -6366,42 +5205,38 @@
       </p:sp>
       <p:sp>
         <p:nvSpPr>
-          <p:cNvPr id="93" name="Arc 92"/>
+          <p:cNvPr id="80" name="Rectangle 79"/>
           <p:cNvSpPr/>
           <p:nvPr/>
         </p:nvSpPr>
         <p:spPr>
-          <a:xfrm rot="10800000" flipV="1">
-            <a:off x="3992959" y="12745987"/>
-            <a:ext cx="5256584" cy="2880320"/>
-          </a:xfrm>
-          <a:prstGeom prst="arc">
-            <a:avLst>
-              <a:gd name="adj1" fmla="val 16922661"/>
-              <a:gd name="adj2" fmla="val 21241058"/>
-            </a:avLst>
-          </a:prstGeom>
-          <a:ln w="53975">
-            <a:solidFill>
-              <a:schemeClr val="bg1">
-                <a:lumMod val="85000"/>
-              </a:schemeClr>
-            </a:solidFill>
-            <a:tailEnd type="arrow" w="med" len="med"/>
+          <a:xfrm>
+            <a:off x="249357" y="3312939"/>
+            <a:ext cx="5184576" cy="3240360"/>
+          </a:xfrm>
+          <a:prstGeom prst="rect">
+            <a:avLst/>
+          </a:prstGeom>
+          <a:noFill/>
+          <a:ln cap="rnd">
+            <a:noFill/>
+            <a:prstDash val="solid"/>
           </a:ln>
         </p:spPr>
         <p:style>
-          <a:lnRef idx="1">
-            <a:schemeClr val="accent1"/>
+          <a:lnRef idx="2">
+            <a:schemeClr val="accent1">
+              <a:shade val="50000"/>
+            </a:schemeClr>
           </a:lnRef>
-          <a:fillRef idx="0">
+          <a:fillRef idx="1">
             <a:schemeClr val="accent1"/>
           </a:fillRef>
           <a:effectRef idx="0">
             <a:schemeClr val="accent1"/>
           </a:effectRef>
           <a:fontRef idx="minor">
-            <a:schemeClr val="tx1"/>
+            <a:schemeClr val="lt1"/>
           </a:fontRef>
         </p:style>
         <p:txBody>
@@ -6419,16 +5254,16 @@
       </p:sp>
       <p:sp>
         <p:nvSpPr>
-          <p:cNvPr id="94" name="TextBox 93"/>
+          <p:cNvPr id="7" name="TextBox 6"/>
           <p:cNvSpPr txBox="1"/>
           <p:nvPr/>
         </p:nvSpPr>
         <p:spPr>
           <a:xfrm>
-            <a:off x="914807" y="7921451"/>
-            <a:ext cx="2804933" cy="1975009"/>
-          </a:xfrm>
-          <a:prstGeom prst="roundRect">
+            <a:off x="8625343" y="0"/>
+            <a:ext cx="1688704" cy="1446550"/>
+          </a:xfrm>
+          <a:prstGeom prst="rect">
             <a:avLst/>
           </a:prstGeom>
           <a:solidFill>
@@ -6444,52 +5279,854 @@
           <a:lstStyle/>
           <a:p>
             <a:pPr algn="ctr"/>
-            <a:r>
-              <a:rPr lang="en-US" sz="2000" b="1" dirty="0" smtClean="0">
-                <a:solidFill>
-                  <a:srgbClr val="37474F"/>
-                </a:solidFill>
-                <a:latin typeface="Corbel" charset="0"/>
-                <a:ea typeface="Corbel" charset="0"/>
-                <a:cs typeface="Corbel" charset="0"/>
-              </a:rPr>
-              <a:t>🛠 Configure</a:t>
-            </a:r>
-            <a:endParaRPr lang="en-US" sz="2000" b="1" dirty="0" smtClean="0">
+            <a:endParaRPr lang="en-AU" sz="2800" dirty="0" smtClean="0">
+              <a:latin typeface="Corbel" charset="0"/>
+              <a:ea typeface="Corbel" charset="0"/>
+              <a:cs typeface="Corbel" charset="0"/>
+            </a:endParaRPr>
+          </a:p>
+          <a:p>
+            <a:pPr algn="ctr"/>
+            <a:r>
+              <a:rPr lang="en-AU" sz="3200" b="1" dirty="0" smtClean="0">
+                <a:latin typeface="Corbel" charset="0"/>
+                <a:ea typeface="Corbel" charset="0"/>
+                <a:cs typeface="Corbel" charset="0"/>
+              </a:rPr>
+              <a:t>115</a:t>
+            </a:r>
+          </a:p>
+          <a:p>
+            <a:pPr algn="ctr"/>
+            <a:endParaRPr lang="en-AU" sz="2800" dirty="0" smtClean="0">
               <a:solidFill>
-                <a:srgbClr val="37474F"/>
+                <a:schemeClr val="bg1"/>
               </a:solidFill>
               <a:latin typeface="Corbel" charset="0"/>
               <a:ea typeface="Corbel" charset="0"/>
               <a:cs typeface="Corbel" charset="0"/>
             </a:endParaRPr>
           </a:p>
+        </p:txBody>
+      </p:sp>
+      <p:sp>
+        <p:nvSpPr>
+          <p:cNvPr id="3" name="TextBox 2"/>
+          <p:cNvSpPr txBox="1"/>
+          <p:nvPr/>
+        </p:nvSpPr>
+        <p:spPr>
+          <a:xfrm>
+            <a:off x="0" y="1440731"/>
+            <a:ext cx="10290175" cy="1815882"/>
+          </a:xfrm>
+          <a:prstGeom prst="rect">
+            <a:avLst/>
+          </a:prstGeom>
+          <a:noFill/>
+          <a:ln>
+            <a:noFill/>
+          </a:ln>
+        </p:spPr>
+        <p:txBody>
+          <a:bodyPr wrap="square" lIns="0" tIns="0" rIns="0" bIns="0" rtlCol="0">
+            <a:spAutoFit/>
+          </a:bodyPr>
+          <a:lstStyle/>
           <a:p>
             <a:pPr algn="ctr"/>
-            <a:endParaRPr lang="en-US" sz="1000" b="1" dirty="0" smtClean="0">
+            <a:r>
+              <a:rPr lang="en-US" sz="6000" dirty="0">
+                <a:solidFill>
+                  <a:srgbClr val="FFD966"/>
+                </a:solidFill>
+                <a:latin typeface="Corbel" charset="0"/>
+                <a:ea typeface="Corbel" charset="0"/>
+                <a:cs typeface="Corbel" charset="0"/>
+              </a:rPr>
+              <a:t>Charon: </a:t>
+            </a:r>
+            <a:r>
+              <a:rPr lang="en-US" sz="5800" dirty="0" smtClean="0">
+                <a:solidFill>
+                  <a:srgbClr val="FFD966"/>
+                </a:solidFill>
+                <a:latin typeface="Corbel" charset="0"/>
+                <a:ea typeface="Corbel" charset="0"/>
+                <a:cs typeface="Corbel" charset="0"/>
+              </a:rPr>
+              <a:t>A </a:t>
+            </a:r>
+            <a:r>
+              <a:rPr lang="en-US" sz="5800" dirty="0">
+                <a:solidFill>
+                  <a:srgbClr val="FFD966"/>
+                </a:solidFill>
+                <a:latin typeface="Corbel" charset="0"/>
+                <a:ea typeface="Corbel" charset="0"/>
+                <a:cs typeface="Corbel" charset="0"/>
+              </a:rPr>
+              <a:t>Repository </a:t>
+            </a:r>
+            <a:r>
+              <a:rPr lang="en-US" sz="5800" dirty="0" smtClean="0">
+                <a:solidFill>
+                  <a:srgbClr val="FFD966"/>
+                </a:solidFill>
+                <a:latin typeface="Corbel" charset="0"/>
+                <a:ea typeface="Corbel" charset="0"/>
+                <a:cs typeface="Corbel" charset="0"/>
+              </a:rPr>
+              <a:t>for Digital Humanities Projects</a:t>
+            </a:r>
+            <a:endParaRPr lang="en-US" sz="5800" dirty="0">
               <a:solidFill>
-                <a:srgbClr val="37474F"/>
+                <a:srgbClr val="FFD966"/>
               </a:solidFill>
               <a:latin typeface="Corbel" charset="0"/>
               <a:ea typeface="Corbel" charset="0"/>
               <a:cs typeface="Corbel" charset="0"/>
             </a:endParaRPr>
           </a:p>
+        </p:txBody>
+      </p:sp>
+      <p:sp>
+        <p:nvSpPr>
+          <p:cNvPr id="19" name="TextBox 18"/>
+          <p:cNvSpPr txBox="1"/>
+          <p:nvPr/>
+        </p:nvSpPr>
+        <p:spPr>
+          <a:xfrm>
+            <a:off x="248543" y="288603"/>
+            <a:ext cx="8280919" cy="1107996"/>
+          </a:xfrm>
+          <a:prstGeom prst="rect">
+            <a:avLst/>
+          </a:prstGeom>
+          <a:noFill/>
+          <a:ln>
+            <a:noFill/>
+          </a:ln>
+        </p:spPr>
+        <p:txBody>
+          <a:bodyPr wrap="square" lIns="0" tIns="0" rIns="0" bIns="0" rtlCol="0">
+            <a:spAutoFit/>
+          </a:bodyPr>
+          <a:lstStyle/>
+          <a:p>
+            <a:r>
+              <a:rPr lang="en-US" sz="2400" dirty="0">
+                <a:solidFill>
+                  <a:srgbClr val="E0E0E0"/>
+                </a:solidFill>
+                <a:latin typeface="Corbel" charset="0"/>
+                <a:ea typeface="Corbel" charset="0"/>
+                <a:cs typeface="Corbel" charset="0"/>
+              </a:rPr>
+              <a:t>Sarah Sweeney, </a:t>
+            </a:r>
+            <a:r>
+              <a:rPr lang="en-US" sz="2400" dirty="0" err="1">
+                <a:solidFill>
+                  <a:srgbClr val="E0E0E0"/>
+                </a:solidFill>
+                <a:latin typeface="Corbel" charset="0"/>
+                <a:ea typeface="Corbel" charset="0"/>
+                <a:cs typeface="Corbel" charset="0"/>
+              </a:rPr>
+              <a:t>sj.sweeney@northeastern.edu</a:t>
+            </a:r>
+            <a:endParaRPr lang="en-US" sz="2400" dirty="0">
+              <a:solidFill>
+                <a:srgbClr val="E0E0E0"/>
+              </a:solidFill>
+              <a:latin typeface="Corbel" charset="0"/>
+              <a:ea typeface="Corbel" charset="0"/>
+              <a:cs typeface="Corbel" charset="0"/>
+            </a:endParaRPr>
+          </a:p>
+          <a:p>
+            <a:r>
+              <a:rPr lang="en-US" sz="2400" dirty="0" smtClean="0">
+                <a:solidFill>
+                  <a:srgbClr val="E0E0E0"/>
+                </a:solidFill>
+                <a:latin typeface="Corbel" charset="0"/>
+                <a:ea typeface="Corbel" charset="0"/>
+                <a:cs typeface="Corbel" charset="0"/>
+              </a:rPr>
+              <a:t>Northeastern University Libraries</a:t>
+            </a:r>
+          </a:p>
+          <a:p>
+            <a:r>
+              <a:rPr lang="en-US" sz="2400" dirty="0" smtClean="0">
+                <a:solidFill>
+                  <a:srgbClr val="E0E0E0"/>
+                </a:solidFill>
+                <a:latin typeface="Corbel" charset="0"/>
+                <a:ea typeface="Corbel" charset="0"/>
+                <a:cs typeface="Corbel" charset="0"/>
+              </a:rPr>
+              <a:t>Digital Scholarship Group</a:t>
+            </a:r>
+          </a:p>
+        </p:txBody>
+      </p:sp>
+      <p:sp>
+        <p:nvSpPr>
+          <p:cNvPr id="45" name="TextBox 44"/>
+          <p:cNvSpPr txBox="1"/>
+          <p:nvPr/>
+        </p:nvSpPr>
+        <p:spPr>
+          <a:xfrm>
+            <a:off x="896615" y="17138475"/>
+            <a:ext cx="7848872" cy="923330"/>
+          </a:xfrm>
+          <a:prstGeom prst="rect">
+            <a:avLst/>
+          </a:prstGeom>
+          <a:noFill/>
+          <a:ln>
+            <a:noFill/>
+          </a:ln>
+        </p:spPr>
+        <p:txBody>
+          <a:bodyPr wrap="square" lIns="0" tIns="0" rIns="0" bIns="0" rtlCol="0">
+            <a:spAutoFit/>
+          </a:bodyPr>
+          <a:lstStyle/>
+          <a:p>
+            <a:r>
+              <a:rPr lang="en-US" sz="2000" dirty="0" smtClean="0">
+                <a:solidFill>
+                  <a:srgbClr val="E0E0E0"/>
+                </a:solidFill>
+                <a:latin typeface="Corbel" charset="0"/>
+                <a:ea typeface="Corbel" charset="0"/>
+                <a:cs typeface="Corbel" charset="0"/>
+              </a:rPr>
+              <a:t>This project is still in development and we would like your input!</a:t>
+            </a:r>
+            <a:r>
+              <a:rPr lang="en-US" sz="500" dirty="0">
+                <a:solidFill>
+                  <a:srgbClr val="E0E0E0"/>
+                </a:solidFill>
+                <a:latin typeface="Corbel" charset="0"/>
+                <a:ea typeface="Corbel" charset="0"/>
+                <a:cs typeface="Corbel" charset="0"/>
+              </a:rPr>
+              <a:t> </a:t>
+            </a:r>
+            <a:r>
+              <a:rPr lang="en-US" sz="500" dirty="0" smtClean="0">
+                <a:solidFill>
+                  <a:srgbClr val="E0E0E0"/>
+                </a:solidFill>
+                <a:latin typeface="Corbel" charset="0"/>
+                <a:ea typeface="Corbel" charset="0"/>
+                <a:cs typeface="Corbel" charset="0"/>
+              </a:rPr>
+              <a:t> </a:t>
+            </a:r>
+            <a:r>
+              <a:rPr lang="en-US" sz="2000" dirty="0" smtClean="0">
+                <a:solidFill>
+                  <a:srgbClr val="E0E0E0"/>
+                </a:solidFill>
+                <a:latin typeface="Corbel" charset="0"/>
+                <a:ea typeface="Corbel" charset="0"/>
+                <a:cs typeface="Corbel" charset="0"/>
+              </a:rPr>
+              <a:t>Scan the QR code on the right or visit </a:t>
+            </a:r>
+            <a:r>
+              <a:rPr lang="en-US" sz="2000" dirty="0">
+                <a:solidFill>
+                  <a:srgbClr val="FFD966"/>
+                </a:solidFill>
+                <a:latin typeface="Corbel" charset="0"/>
+                <a:ea typeface="Corbel" charset="0"/>
+                <a:cs typeface="Corbel" charset="0"/>
+              </a:rPr>
+              <a:t>https://</a:t>
+            </a:r>
+            <a:r>
+              <a:rPr lang="en-US" sz="2000" dirty="0" err="1">
+                <a:solidFill>
+                  <a:srgbClr val="FFD966"/>
+                </a:solidFill>
+                <a:latin typeface="Corbel" charset="0"/>
+                <a:ea typeface="Corbel" charset="0"/>
+                <a:cs typeface="Corbel" charset="0"/>
+              </a:rPr>
+              <a:t>goo.gl</a:t>
+            </a:r>
+            <a:r>
+              <a:rPr lang="en-US" sz="2000" dirty="0">
+                <a:solidFill>
+                  <a:srgbClr val="FFD966"/>
+                </a:solidFill>
+                <a:latin typeface="Corbel" charset="0"/>
+                <a:ea typeface="Corbel" charset="0"/>
+                <a:cs typeface="Corbel" charset="0"/>
+              </a:rPr>
+              <a:t>/</a:t>
+            </a:r>
+            <a:r>
+              <a:rPr lang="en-US" sz="2000" dirty="0">
+                <a:solidFill>
+                  <a:srgbClr val="FFD966"/>
+                </a:solidFill>
+                <a:latin typeface="Consolas" charset="0"/>
+                <a:ea typeface="Consolas" charset="0"/>
+                <a:cs typeface="Consolas" charset="0"/>
+              </a:rPr>
+              <a:t>PT1IhE</a:t>
+            </a:r>
+            <a:r>
+              <a:rPr lang="en-US" sz="2000" dirty="0" smtClean="0">
+                <a:solidFill>
+                  <a:srgbClr val="E0E0E0"/>
+                </a:solidFill>
+                <a:latin typeface="Corbel" charset="0"/>
+                <a:ea typeface="Corbel" charset="0"/>
+                <a:cs typeface="Corbel" charset="0"/>
+              </a:rPr>
+              <a:t> to review and comment on the Charon technical specification. Any and all feedback is welcome!</a:t>
+            </a:r>
+            <a:endParaRPr lang="en-US" sz="2000" dirty="0">
+              <a:solidFill>
+                <a:srgbClr val="E0E0E0"/>
+              </a:solidFill>
+              <a:latin typeface="Corbel" charset="0"/>
+              <a:ea typeface="Corbel" charset="0"/>
+              <a:cs typeface="Corbel" charset="0"/>
+            </a:endParaRPr>
+          </a:p>
+        </p:txBody>
+      </p:sp>
+      <p:sp>
+        <p:nvSpPr>
+          <p:cNvPr id="27" name="TextBox 26"/>
+          <p:cNvSpPr txBox="1"/>
+          <p:nvPr/>
+        </p:nvSpPr>
+        <p:spPr>
+          <a:xfrm rot="16200000">
+            <a:off x="-58189" y="17336613"/>
+            <a:ext cx="1152128" cy="467820"/>
+          </a:xfrm>
+          <a:prstGeom prst="rect">
+            <a:avLst/>
+          </a:prstGeom>
+          <a:noFill/>
+          <a:ln w="19050">
+            <a:noFill/>
+          </a:ln>
+        </p:spPr>
+        <p:txBody>
+          <a:bodyPr wrap="square" lIns="0" tIns="18288" rIns="0" bIns="18288" rtlCol="0">
+            <a:spAutoFit/>
+          </a:bodyPr>
+          <a:lstStyle/>
+          <a:p>
+            <a:pPr algn="ctr"/>
+            <a:r>
+              <a:rPr lang="en-US" sz="2800" dirty="0" smtClean="0">
+                <a:solidFill>
+                  <a:srgbClr val="37474F"/>
+                </a:solidFill>
+                <a:latin typeface="Corbel" charset="0"/>
+                <a:ea typeface="Corbel" charset="0"/>
+                <a:cs typeface="Corbel" charset="0"/>
+              </a:rPr>
+              <a:t>You!</a:t>
+            </a:r>
+          </a:p>
+        </p:txBody>
+      </p:sp>
+      <p:sp>
+        <p:nvSpPr>
+          <p:cNvPr id="64" name="TextBox 63"/>
+          <p:cNvSpPr txBox="1"/>
+          <p:nvPr/>
+        </p:nvSpPr>
+        <p:spPr>
+          <a:xfrm>
+            <a:off x="897383" y="6265267"/>
+            <a:ext cx="4391719" cy="381381"/>
+          </a:xfrm>
+          <a:prstGeom prst="roundRect">
+            <a:avLst/>
+          </a:prstGeom>
+          <a:noFill/>
+          <a:ln w="19050">
+            <a:noFill/>
+          </a:ln>
+        </p:spPr>
+        <p:txBody>
+          <a:bodyPr wrap="square" lIns="0" tIns="18288" rIns="0" bIns="18288" rtlCol="0">
+            <a:spAutoFit/>
+          </a:bodyPr>
+          <a:lstStyle/>
+          <a:p>
+            <a:pPr algn="ctr"/>
+            <a:r>
+              <a:rPr lang="en-US" sz="2000" b="1" dirty="0" smtClean="0">
+                <a:solidFill>
+                  <a:srgbClr val="E0E0E0"/>
+                </a:solidFill>
+                <a:latin typeface="Corbel" charset="0"/>
+                <a:ea typeface="Corbel" charset="0"/>
+                <a:cs typeface="Corbel" charset="0"/>
+              </a:rPr>
+              <a:t>Fedora 4</a:t>
+            </a:r>
+            <a:endParaRPr lang="en-US" sz="2000" b="1" dirty="0">
+              <a:solidFill>
+                <a:srgbClr val="E0E0E0"/>
+              </a:solidFill>
+              <a:latin typeface="Corbel" charset="0"/>
+              <a:ea typeface="Corbel" charset="0"/>
+              <a:cs typeface="Corbel" charset="0"/>
+            </a:endParaRPr>
+          </a:p>
+        </p:txBody>
+      </p:sp>
+      <p:sp>
+        <p:nvSpPr>
+          <p:cNvPr id="66" name="TextBox 65"/>
+          <p:cNvSpPr txBox="1"/>
+          <p:nvPr/>
+        </p:nvSpPr>
+        <p:spPr>
+          <a:xfrm>
+            <a:off x="896615" y="3456955"/>
+            <a:ext cx="4392488" cy="381381"/>
+          </a:xfrm>
+          <a:prstGeom prst="roundRect">
+            <a:avLst/>
+          </a:prstGeom>
+          <a:noFill/>
+          <a:ln w="19050">
+            <a:noFill/>
+          </a:ln>
+        </p:spPr>
+        <p:txBody>
+          <a:bodyPr wrap="square" lIns="0" tIns="18288" rIns="0" bIns="18288" rtlCol="0">
+            <a:spAutoFit/>
+          </a:bodyPr>
+          <a:lstStyle/>
+          <a:p>
+            <a:pPr algn="ctr"/>
+            <a:r>
+              <a:rPr lang="en-US" sz="2000" b="1" dirty="0" smtClean="0">
+                <a:solidFill>
+                  <a:srgbClr val="E0E0E0"/>
+                </a:solidFill>
+                <a:latin typeface="Corbel" charset="0"/>
+                <a:ea typeface="Corbel" charset="0"/>
+                <a:cs typeface="Corbel" charset="0"/>
+              </a:rPr>
+              <a:t>CERES Publisher</a:t>
+            </a:r>
+          </a:p>
+        </p:txBody>
+      </p:sp>
+      <p:sp>
+        <p:nvSpPr>
+          <p:cNvPr id="78" name="TextBox 77"/>
+          <p:cNvSpPr txBox="1"/>
+          <p:nvPr/>
+        </p:nvSpPr>
+        <p:spPr>
+          <a:xfrm rot="16200000">
+            <a:off x="-1840429" y="9091697"/>
+            <a:ext cx="4680520" cy="467820"/>
+          </a:xfrm>
+          <a:prstGeom prst="rect">
+            <a:avLst/>
+          </a:prstGeom>
+          <a:noFill/>
+          <a:ln w="19050">
+            <a:noFill/>
+          </a:ln>
+        </p:spPr>
+        <p:txBody>
+          <a:bodyPr wrap="square" lIns="0" tIns="18288" rIns="0" bIns="18288" rtlCol="0">
+            <a:spAutoFit/>
+          </a:bodyPr>
+          <a:lstStyle/>
+          <a:p>
+            <a:pPr algn="ctr"/>
+            <a:r>
+              <a:rPr lang="en-US" sz="2800" dirty="0" smtClean="0">
+                <a:solidFill>
+                  <a:srgbClr val="37474F"/>
+                </a:solidFill>
+                <a:latin typeface="Corbel" charset="0"/>
+                <a:ea typeface="Corbel" charset="0"/>
+                <a:cs typeface="Corbel" charset="0"/>
+              </a:rPr>
+              <a:t>Workflows and Interfaces</a:t>
+            </a:r>
+          </a:p>
+        </p:txBody>
+      </p:sp>
+      <p:sp>
+        <p:nvSpPr>
+          <p:cNvPr id="75" name="TextBox 74"/>
+          <p:cNvSpPr txBox="1"/>
+          <p:nvPr/>
+        </p:nvSpPr>
+        <p:spPr>
+          <a:xfrm>
+            <a:off x="896614" y="3816995"/>
+            <a:ext cx="4392489" cy="381381"/>
+          </a:xfrm>
+          <a:prstGeom prst="roundRect">
+            <a:avLst/>
+          </a:prstGeom>
+          <a:noFill/>
+          <a:ln w="19050">
+            <a:noFill/>
+          </a:ln>
+        </p:spPr>
+        <p:txBody>
+          <a:bodyPr wrap="square" lIns="0" tIns="18288" rIns="0" bIns="18288" rtlCol="0">
+            <a:spAutoFit/>
+          </a:bodyPr>
+          <a:lstStyle/>
+          <a:p>
+            <a:pPr algn="ctr"/>
+            <a:r>
+              <a:rPr lang="en-US" sz="2000" b="1" dirty="0" smtClean="0">
+                <a:solidFill>
+                  <a:srgbClr val="E0E0E0"/>
+                </a:solidFill>
+                <a:latin typeface="Corbel" charset="0"/>
+                <a:ea typeface="Corbel" charset="0"/>
+                <a:cs typeface="Corbel" charset="0"/>
+              </a:rPr>
+              <a:t>REST API</a:t>
+            </a:r>
+          </a:p>
+        </p:txBody>
+      </p:sp>
+      <p:sp>
+        <p:nvSpPr>
+          <p:cNvPr id="79" name="TextBox 78"/>
+          <p:cNvSpPr txBox="1"/>
+          <p:nvPr/>
+        </p:nvSpPr>
+        <p:spPr>
+          <a:xfrm rot="16200000">
+            <a:off x="-1948441" y="14096253"/>
+            <a:ext cx="4896544" cy="467820"/>
+          </a:xfrm>
+          <a:prstGeom prst="rect">
+            <a:avLst/>
+          </a:prstGeom>
+          <a:noFill/>
+          <a:ln w="19050">
+            <a:noFill/>
+          </a:ln>
+        </p:spPr>
+        <p:txBody>
+          <a:bodyPr wrap="square" lIns="0" tIns="18288" rIns="0" bIns="18288" rtlCol="0">
+            <a:spAutoFit/>
+          </a:bodyPr>
+          <a:lstStyle/>
+          <a:p>
+            <a:pPr algn="ctr"/>
+            <a:r>
+              <a:rPr lang="en-US" sz="2800" dirty="0" smtClean="0">
+                <a:solidFill>
+                  <a:srgbClr val="37474F"/>
+                </a:solidFill>
+                <a:latin typeface="Corbel" charset="0"/>
+                <a:ea typeface="Corbel" charset="0"/>
+                <a:cs typeface="Corbel" charset="0"/>
+              </a:rPr>
+              <a:t>User Roles</a:t>
+            </a:r>
+          </a:p>
+        </p:txBody>
+      </p:sp>
+      <p:sp>
+        <p:nvSpPr>
+          <p:cNvPr id="86" name="Arc 85"/>
+          <p:cNvSpPr/>
+          <p:nvPr/>
+        </p:nvSpPr>
+        <p:spPr>
+          <a:xfrm rot="10800000" flipV="1">
+            <a:off x="4136975" y="12673979"/>
+            <a:ext cx="6153200" cy="3672408"/>
+          </a:xfrm>
+          <a:prstGeom prst="arc">
+            <a:avLst>
+              <a:gd name="adj1" fmla="val 16273522"/>
+              <a:gd name="adj2" fmla="val 21022623"/>
+            </a:avLst>
+          </a:prstGeom>
+          <a:ln w="53975">
+            <a:solidFill>
+              <a:srgbClr val="FFD966"/>
+            </a:solidFill>
+            <a:tailEnd type="arrow" w="med" len="med"/>
+          </a:ln>
+        </p:spPr>
+        <p:style>
+          <a:lnRef idx="1">
+            <a:schemeClr val="accent1"/>
+          </a:lnRef>
+          <a:fillRef idx="0">
+            <a:schemeClr val="accent1"/>
+          </a:fillRef>
+          <a:effectRef idx="0">
+            <a:schemeClr val="accent1"/>
+          </a:effectRef>
+          <a:fontRef idx="minor">
+            <a:schemeClr val="tx1"/>
+          </a:fontRef>
+        </p:style>
+        <p:txBody>
+          <a:bodyPr rtlCol="0" anchor="ctr"/>
+          <a:lstStyle/>
+          <a:p>
+            <a:pPr algn="ctr"/>
+            <a:endParaRPr lang="en-US">
+              <a:latin typeface="Corbel" charset="0"/>
+              <a:ea typeface="Corbel" charset="0"/>
+              <a:cs typeface="Corbel" charset="0"/>
+            </a:endParaRPr>
+          </a:p>
+        </p:txBody>
+      </p:sp>
+      <p:sp>
+        <p:nvSpPr>
+          <p:cNvPr id="87" name="Arc 86"/>
+          <p:cNvSpPr/>
+          <p:nvPr/>
+        </p:nvSpPr>
+        <p:spPr>
+          <a:xfrm rot="10800000" flipV="1">
+            <a:off x="4352999" y="13394059"/>
+            <a:ext cx="5472608" cy="2232248"/>
+          </a:xfrm>
+          <a:prstGeom prst="arc">
+            <a:avLst>
+              <a:gd name="adj1" fmla="val 16200000"/>
+              <a:gd name="adj2" fmla="val 21170846"/>
+            </a:avLst>
+          </a:prstGeom>
+          <a:ln w="53975">
+            <a:solidFill>
+              <a:srgbClr val="FFD966"/>
+            </a:solidFill>
+            <a:tailEnd type="arrow" w="med" len="med"/>
+          </a:ln>
+        </p:spPr>
+        <p:style>
+          <a:lnRef idx="1">
+            <a:schemeClr val="accent1"/>
+          </a:lnRef>
+          <a:fillRef idx="0">
+            <a:schemeClr val="accent1"/>
+          </a:fillRef>
+          <a:effectRef idx="0">
+            <a:schemeClr val="accent1"/>
+          </a:effectRef>
+          <a:fontRef idx="minor">
+            <a:schemeClr val="tx1"/>
+          </a:fontRef>
+        </p:style>
+        <p:txBody>
+          <a:bodyPr rtlCol="0" anchor="ctr"/>
+          <a:lstStyle/>
+          <a:p>
+            <a:pPr algn="ctr"/>
+            <a:endParaRPr lang="en-US">
+              <a:latin typeface="Corbel" charset="0"/>
+              <a:ea typeface="Corbel" charset="0"/>
+              <a:cs typeface="Corbel" charset="0"/>
+            </a:endParaRPr>
+          </a:p>
+        </p:txBody>
+      </p:sp>
+      <p:sp>
+        <p:nvSpPr>
+          <p:cNvPr id="88" name="Arc 87"/>
+          <p:cNvSpPr/>
+          <p:nvPr/>
+        </p:nvSpPr>
+        <p:spPr>
+          <a:xfrm rot="12739462" flipV="1">
+            <a:off x="5622239" y="14563975"/>
+            <a:ext cx="1728192" cy="2016224"/>
+          </a:xfrm>
+          <a:prstGeom prst="arc">
+            <a:avLst>
+              <a:gd name="adj1" fmla="val 16200000"/>
+              <a:gd name="adj2" fmla="val 75559"/>
+            </a:avLst>
+          </a:prstGeom>
+          <a:ln w="53975">
+            <a:solidFill>
+              <a:srgbClr val="FFD966"/>
+            </a:solidFill>
+            <a:tailEnd type="arrow" w="med" len="med"/>
+          </a:ln>
+        </p:spPr>
+        <p:style>
+          <a:lnRef idx="1">
+            <a:schemeClr val="accent1"/>
+          </a:lnRef>
+          <a:fillRef idx="0">
+            <a:schemeClr val="accent1"/>
+          </a:fillRef>
+          <a:effectRef idx="0">
+            <a:schemeClr val="accent1"/>
+          </a:effectRef>
+          <a:fontRef idx="minor">
+            <a:schemeClr val="tx1"/>
+          </a:fontRef>
+        </p:style>
+        <p:txBody>
+          <a:bodyPr rtlCol="0" anchor="ctr"/>
+          <a:lstStyle/>
+          <a:p>
+            <a:pPr algn="ctr"/>
+            <a:endParaRPr lang="en-US">
+              <a:latin typeface="Corbel" charset="0"/>
+              <a:ea typeface="Corbel" charset="0"/>
+              <a:cs typeface="Corbel" charset="0"/>
+            </a:endParaRPr>
+          </a:p>
+        </p:txBody>
+      </p:sp>
+      <p:sp>
+        <p:nvSpPr>
+          <p:cNvPr id="89" name="Arc 88"/>
+          <p:cNvSpPr/>
+          <p:nvPr/>
+        </p:nvSpPr>
+        <p:spPr>
+          <a:xfrm rot="10800000" flipV="1">
+            <a:off x="4715597" y="13322051"/>
+            <a:ext cx="5149499" cy="2808312"/>
+          </a:xfrm>
+          <a:prstGeom prst="arc">
+            <a:avLst>
+              <a:gd name="adj1" fmla="val 16200000"/>
+              <a:gd name="adj2" fmla="val 21319761"/>
+            </a:avLst>
+          </a:prstGeom>
+          <a:ln w="53975">
+            <a:solidFill>
+              <a:srgbClr val="FFD966"/>
+            </a:solidFill>
+            <a:tailEnd type="arrow" w="med" len="med"/>
+          </a:ln>
+        </p:spPr>
+        <p:style>
+          <a:lnRef idx="1">
+            <a:schemeClr val="accent1"/>
+          </a:lnRef>
+          <a:fillRef idx="0">
+            <a:schemeClr val="accent1"/>
+          </a:fillRef>
+          <a:effectRef idx="0">
+            <a:schemeClr val="accent1"/>
+          </a:effectRef>
+          <a:fontRef idx="minor">
+            <a:schemeClr val="tx1"/>
+          </a:fontRef>
+        </p:style>
+        <p:txBody>
+          <a:bodyPr rtlCol="0" anchor="ctr"/>
+          <a:lstStyle/>
+          <a:p>
+            <a:pPr algn="ctr"/>
+            <a:endParaRPr lang="en-US">
+              <a:latin typeface="Corbel" charset="0"/>
+              <a:ea typeface="Corbel" charset="0"/>
+              <a:cs typeface="Corbel" charset="0"/>
+            </a:endParaRPr>
+          </a:p>
+        </p:txBody>
+      </p:sp>
+      <p:sp>
+        <p:nvSpPr>
+          <p:cNvPr id="82" name="TextBox 81"/>
+          <p:cNvSpPr txBox="1"/>
+          <p:nvPr/>
+        </p:nvSpPr>
+        <p:spPr>
+          <a:xfrm>
+            <a:off x="6297215" y="13034019"/>
+            <a:ext cx="3600400" cy="1140738"/>
+          </a:xfrm>
+          <a:prstGeom prst="roundRect">
+            <a:avLst/>
+          </a:prstGeom>
+          <a:solidFill>
+            <a:srgbClr val="37474F"/>
+          </a:solidFill>
+          <a:ln>
+            <a:noFill/>
+          </a:ln>
+        </p:spPr>
+        <p:txBody>
+          <a:bodyPr wrap="square" rtlCol="0">
+            <a:spAutoFit/>
+          </a:bodyPr>
+          <a:lstStyle/>
+          <a:p>
+            <a:pPr algn="ctr"/>
+            <a:r>
+              <a:rPr lang="en-US" sz="2000" b="1" dirty="0" smtClean="0">
+                <a:solidFill>
+                  <a:srgbClr val="FFD966"/>
+                </a:solidFill>
+                <a:latin typeface="Corbel" charset="0"/>
+                <a:ea typeface="Corbel" charset="0"/>
+                <a:cs typeface="Corbel" charset="0"/>
+              </a:rPr>
+              <a:t>Creators</a:t>
+            </a:r>
+          </a:p>
+          <a:p>
+            <a:pPr algn="ctr"/>
+            <a:endParaRPr lang="en-US" sz="500" b="1" dirty="0" smtClean="0">
+              <a:solidFill>
+                <a:srgbClr val="E0E0E0"/>
+              </a:solidFill>
+              <a:latin typeface="Corbel" charset="0"/>
+              <a:ea typeface="Corbel" charset="0"/>
+              <a:cs typeface="Corbel" charset="0"/>
+            </a:endParaRPr>
+          </a:p>
           <a:p>
             <a:pPr marL="342900" indent="-342900">
               <a:buFont typeface="Arial" charset="0"/>
               <a:buChar char="•"/>
             </a:pPr>
             <a:r>
-              <a:rPr lang="en-US" sz="2000" dirty="0" smtClean="0">
-                <a:solidFill>
-                  <a:srgbClr val="37474F"/>
-                </a:solidFill>
-                <a:latin typeface="Corbel" charset="0"/>
-                <a:ea typeface="Corbel" charset="0"/>
-                <a:cs typeface="Corbel" charset="0"/>
-              </a:rPr>
-              <a:t>Curate data</a:t>
+              <a:rPr lang="en-US" sz="1800" dirty="0" smtClean="0">
+                <a:solidFill>
+                  <a:srgbClr val="E0E0E0"/>
+                </a:solidFill>
+                <a:latin typeface="Corbel" charset="0"/>
+                <a:ea typeface="Corbel" charset="0"/>
+                <a:cs typeface="Corbel" charset="0"/>
+              </a:rPr>
+              <a:t>Contribute files and metadata</a:t>
             </a:r>
           </a:p>
           <a:p>
@@ -6498,16 +6135,90 @@
               <a:buChar char="•"/>
             </a:pPr>
             <a:r>
-              <a:rPr lang="en-US" sz="2000" dirty="0" smtClean="0">
-                <a:solidFill>
-                  <a:srgbClr val="37474F"/>
-                </a:solidFill>
-                <a:latin typeface="Corbel" charset="0"/>
-                <a:ea typeface="Corbel" charset="0"/>
-                <a:cs typeface="Corbel" charset="0"/>
-              </a:rPr>
-              <a:t>Manage users</a:t>
-            </a:r>
+              <a:rPr lang="en-US" sz="1800" dirty="0" smtClean="0">
+                <a:solidFill>
+                  <a:srgbClr val="E0E0E0"/>
+                </a:solidFill>
+                <a:latin typeface="Corbel" charset="0"/>
+                <a:ea typeface="Corbel" charset="0"/>
+                <a:cs typeface="Corbel" charset="0"/>
+              </a:rPr>
+              <a:t>Claim and execute tasks</a:t>
+            </a:r>
+            <a:endParaRPr lang="en-US" sz="1800" dirty="0">
+              <a:solidFill>
+                <a:srgbClr val="E0E0E0"/>
+              </a:solidFill>
+              <a:latin typeface="Corbel" charset="0"/>
+              <a:ea typeface="Corbel" charset="0"/>
+              <a:cs typeface="Corbel" charset="0"/>
+            </a:endParaRPr>
+          </a:p>
+        </p:txBody>
+      </p:sp>
+      <p:sp>
+        <p:nvSpPr>
+          <p:cNvPr id="84" name="TextBox 83"/>
+          <p:cNvSpPr txBox="1"/>
+          <p:nvPr/>
+        </p:nvSpPr>
+        <p:spPr>
+          <a:xfrm>
+            <a:off x="6297215" y="14330163"/>
+            <a:ext cx="3600400" cy="2323148"/>
+          </a:xfrm>
+          <a:prstGeom prst="roundRect">
+            <a:avLst>
+              <a:gd name="adj" fmla="val 8317"/>
+            </a:avLst>
+          </a:prstGeom>
+          <a:solidFill>
+            <a:srgbClr val="37474F"/>
+          </a:solidFill>
+          <a:ln>
+            <a:noFill/>
+          </a:ln>
+        </p:spPr>
+        <p:txBody>
+          <a:bodyPr wrap="square" rtlCol="0">
+            <a:spAutoFit/>
+          </a:bodyPr>
+          <a:lstStyle/>
+          <a:p>
+            <a:pPr algn="ctr"/>
+            <a:r>
+              <a:rPr lang="en-US" sz="2000" b="1" dirty="0" smtClean="0">
+                <a:solidFill>
+                  <a:srgbClr val="FFD966"/>
+                </a:solidFill>
+                <a:latin typeface="Corbel" charset="0"/>
+                <a:ea typeface="Corbel" charset="0"/>
+                <a:cs typeface="Corbel" charset="0"/>
+              </a:rPr>
+              <a:t>Administrator(s</a:t>
+            </a:r>
+            <a:r>
+              <a:rPr lang="en-US" sz="2000" b="1" dirty="0" smtClean="0">
+                <a:solidFill>
+                  <a:srgbClr val="FFD966"/>
+                </a:solidFill>
+                <a:latin typeface="Corbel" charset="0"/>
+                <a:ea typeface="Corbel" charset="0"/>
+                <a:cs typeface="Corbel" charset="0"/>
+              </a:rPr>
+              <a:t>)</a:t>
+            </a:r>
+          </a:p>
+          <a:p>
+            <a:pPr algn="ctr"/>
+            <a:endParaRPr lang="en-US" sz="500" b="1" dirty="0" smtClean="0">
+              <a:solidFill>
+                <a:srgbClr val="E0E0E0"/>
+              </a:solidFill>
+              <a:latin typeface="Corbel" charset="0"/>
+              <a:ea typeface="Corbel" charset="0"/>
+              <a:cs typeface="Corbel" charset="0"/>
+            </a:endParaRPr>
           </a:p>
           <a:p>
             <a:pPr marL="342900" indent="-342900">
@@ -6515,15 +6226,15 @@
               <a:buChar char="•"/>
             </a:pPr>
             <a:r>
-              <a:rPr lang="en-US" sz="2000" dirty="0" smtClean="0">
-                <a:solidFill>
-                  <a:srgbClr val="37474F"/>
-                </a:solidFill>
-                <a:latin typeface="Corbel" charset="0"/>
-                <a:ea typeface="Corbel" charset="0"/>
-                <a:cs typeface="Corbel" charset="0"/>
-              </a:rPr>
-              <a:t>Model metadata</a:t>
+              <a:rPr lang="en-US" sz="1800" dirty="0" smtClean="0">
+                <a:solidFill>
+                  <a:srgbClr val="E0E0E0"/>
+                </a:solidFill>
+                <a:latin typeface="Corbel" charset="0"/>
+                <a:ea typeface="Corbel" charset="0"/>
+                <a:cs typeface="Corbel" charset="0"/>
+              </a:rPr>
+              <a:t>Contribute files and metadata</a:t>
             </a:r>
           </a:p>
           <a:p>
@@ -6532,9 +6243,237 @@
               <a:buChar char="•"/>
             </a:pPr>
             <a:r>
+              <a:rPr lang="en-US" sz="1800" dirty="0" smtClean="0">
+                <a:solidFill>
+                  <a:srgbClr val="E0E0E0"/>
+                </a:solidFill>
+                <a:latin typeface="Corbel" charset="0"/>
+                <a:ea typeface="Corbel" charset="0"/>
+                <a:cs typeface="Corbel" charset="0"/>
+              </a:rPr>
+              <a:t>Claim and execute tasks</a:t>
+            </a:r>
+          </a:p>
+          <a:p>
+            <a:pPr marL="342900" indent="-342900">
+              <a:buFont typeface="Arial" charset="0"/>
+              <a:buChar char="•"/>
+            </a:pPr>
+            <a:r>
+              <a:rPr lang="en-US" sz="1800" dirty="0" smtClean="0">
+                <a:solidFill>
+                  <a:srgbClr val="E0E0E0"/>
+                </a:solidFill>
+                <a:latin typeface="Corbel" charset="0"/>
+                <a:ea typeface="Corbel" charset="0"/>
+                <a:cs typeface="Corbel" charset="0"/>
+              </a:rPr>
+              <a:t>Accept and reject deposits</a:t>
+            </a:r>
+          </a:p>
+          <a:p>
+            <a:pPr marL="342900" indent="-342900">
+              <a:buFont typeface="Arial" charset="0"/>
+              <a:buChar char="•"/>
+            </a:pPr>
+            <a:r>
+              <a:rPr lang="en-US" sz="1800" dirty="0" smtClean="0">
+                <a:solidFill>
+                  <a:srgbClr val="E0E0E0"/>
+                </a:solidFill>
+                <a:latin typeface="Corbel" charset="0"/>
+                <a:ea typeface="Corbel" charset="0"/>
+                <a:cs typeface="Corbel" charset="0"/>
+              </a:rPr>
+              <a:t>Configure users, models, and workflows</a:t>
+            </a:r>
+          </a:p>
+          <a:p>
+            <a:pPr marL="342900" indent="-342900">
+              <a:buFont typeface="Arial" charset="0"/>
+              <a:buChar char="•"/>
+            </a:pPr>
+            <a:r>
+              <a:rPr lang="en-US" sz="1800" dirty="0" smtClean="0">
+                <a:solidFill>
+                  <a:srgbClr val="E0E0E0"/>
+                </a:solidFill>
+                <a:latin typeface="Corbel" charset="0"/>
+                <a:ea typeface="Corbel" charset="0"/>
+                <a:cs typeface="Corbel" charset="0"/>
+              </a:rPr>
+              <a:t>Bulk review and processing</a:t>
+            </a:r>
+            <a:endParaRPr lang="en-US" sz="1800" dirty="0">
+              <a:solidFill>
+                <a:srgbClr val="E0E0E0"/>
+              </a:solidFill>
+              <a:latin typeface="Corbel" charset="0"/>
+              <a:ea typeface="Corbel" charset="0"/>
+              <a:cs typeface="Corbel" charset="0"/>
+            </a:endParaRPr>
+          </a:p>
+        </p:txBody>
+      </p:sp>
+      <p:sp>
+        <p:nvSpPr>
+          <p:cNvPr id="93" name="Arc 92"/>
+          <p:cNvSpPr/>
+          <p:nvPr/>
+        </p:nvSpPr>
+        <p:spPr>
+          <a:xfrm rot="10800000" flipV="1">
+            <a:off x="4064967" y="12745987"/>
+            <a:ext cx="5256584" cy="2880320"/>
+          </a:xfrm>
+          <a:prstGeom prst="arc">
+            <a:avLst>
+              <a:gd name="adj1" fmla="val 16922661"/>
+              <a:gd name="adj2" fmla="val 21241058"/>
+            </a:avLst>
+          </a:prstGeom>
+          <a:ln w="53975">
+            <a:solidFill>
+              <a:srgbClr val="FFD966"/>
+            </a:solidFill>
+            <a:tailEnd type="arrow" w="med" len="med"/>
+          </a:ln>
+        </p:spPr>
+        <p:style>
+          <a:lnRef idx="1">
+            <a:schemeClr val="accent1"/>
+          </a:lnRef>
+          <a:fillRef idx="0">
+            <a:schemeClr val="accent1"/>
+          </a:fillRef>
+          <a:effectRef idx="0">
+            <a:schemeClr val="accent1"/>
+          </a:effectRef>
+          <a:fontRef idx="minor">
+            <a:schemeClr val="tx1"/>
+          </a:fontRef>
+        </p:style>
+        <p:txBody>
+          <a:bodyPr rtlCol="0" anchor="ctr"/>
+          <a:lstStyle/>
+          <a:p>
+            <a:pPr algn="ctr"/>
+            <a:endParaRPr lang="en-US">
+              <a:latin typeface="Corbel" charset="0"/>
+              <a:ea typeface="Corbel" charset="0"/>
+              <a:cs typeface="Corbel" charset="0"/>
+            </a:endParaRPr>
+          </a:p>
+        </p:txBody>
+      </p:sp>
+      <p:sp>
+        <p:nvSpPr>
+          <p:cNvPr id="94" name="TextBox 93"/>
+          <p:cNvSpPr txBox="1"/>
+          <p:nvPr/>
+        </p:nvSpPr>
+        <p:spPr>
+          <a:xfrm>
+            <a:off x="914807" y="7921451"/>
+            <a:ext cx="2804933" cy="1975009"/>
+          </a:xfrm>
+          <a:prstGeom prst="roundRect">
+            <a:avLst/>
+          </a:prstGeom>
+          <a:solidFill>
+            <a:srgbClr val="37474F"/>
+          </a:solidFill>
+        </p:spPr>
+        <p:txBody>
+          <a:bodyPr wrap="square" rtlCol="0">
+            <a:spAutoFit/>
+          </a:bodyPr>
+          <a:lstStyle/>
+          <a:p>
+            <a:pPr algn="ctr"/>
+            <a:r>
+              <a:rPr lang="en-US" sz="2000" b="1" dirty="0" smtClean="0">
+                <a:solidFill>
+                  <a:srgbClr val="FFD966"/>
+                </a:solidFill>
+                <a:latin typeface="Corbel" charset="0"/>
+                <a:ea typeface="Corbel" charset="0"/>
+                <a:cs typeface="Corbel" charset="0"/>
+              </a:rPr>
+              <a:t>🛠 Configure</a:t>
+            </a:r>
+          </a:p>
+          <a:p>
+            <a:pPr algn="ctr"/>
+            <a:endParaRPr lang="en-US" sz="1000" b="1" dirty="0" smtClean="0">
+              <a:solidFill>
+                <a:srgbClr val="E0E0E0"/>
+              </a:solidFill>
+              <a:latin typeface="Corbel" charset="0"/>
+              <a:ea typeface="Corbel" charset="0"/>
+              <a:cs typeface="Corbel" charset="0"/>
+            </a:endParaRPr>
+          </a:p>
+          <a:p>
+            <a:pPr marL="342900" indent="-342900">
+              <a:buFont typeface="Arial" charset="0"/>
+              <a:buChar char="•"/>
+            </a:pPr>
+            <a:r>
               <a:rPr lang="en-US" sz="2000" dirty="0" smtClean="0">
                 <a:solidFill>
-                  <a:srgbClr val="37474F"/>
+                  <a:srgbClr val="E0E0E0"/>
+                </a:solidFill>
+                <a:latin typeface="Corbel" charset="0"/>
+                <a:ea typeface="Corbel" charset="0"/>
+                <a:cs typeface="Corbel" charset="0"/>
+              </a:rPr>
+              <a:t>Curate data</a:t>
+            </a:r>
+          </a:p>
+          <a:p>
+            <a:pPr marL="342900" indent="-342900">
+              <a:buFont typeface="Arial" charset="0"/>
+              <a:buChar char="•"/>
+            </a:pPr>
+            <a:r>
+              <a:rPr lang="en-US" sz="2000" dirty="0" smtClean="0">
+                <a:solidFill>
+                  <a:srgbClr val="E0E0E0"/>
+                </a:solidFill>
+                <a:latin typeface="Corbel" charset="0"/>
+                <a:ea typeface="Corbel" charset="0"/>
+                <a:cs typeface="Corbel" charset="0"/>
+              </a:rPr>
+              <a:t>Manage users</a:t>
+            </a:r>
+          </a:p>
+          <a:p>
+            <a:pPr marL="342900" indent="-342900">
+              <a:buFont typeface="Arial" charset="0"/>
+              <a:buChar char="•"/>
+            </a:pPr>
+            <a:r>
+              <a:rPr lang="en-US" sz="2000" dirty="0" smtClean="0">
+                <a:solidFill>
+                  <a:srgbClr val="E0E0E0"/>
+                </a:solidFill>
+                <a:latin typeface="Corbel" charset="0"/>
+                <a:ea typeface="Corbel" charset="0"/>
+                <a:cs typeface="Corbel" charset="0"/>
+              </a:rPr>
+              <a:t>Model metadata</a:t>
+            </a:r>
+          </a:p>
+          <a:p>
+            <a:pPr marL="342900" indent="-342900">
+              <a:buFont typeface="Arial" charset="0"/>
+              <a:buChar char="•"/>
+            </a:pPr>
+            <a:r>
+              <a:rPr lang="en-US" sz="2000" dirty="0" smtClean="0">
+                <a:solidFill>
+                  <a:srgbClr val="E0E0E0"/>
                 </a:solidFill>
                 <a:latin typeface="Corbel" charset="0"/>
                 <a:ea typeface="Corbel" charset="0"/>
@@ -6544,7 +6483,7 @@
             </a:r>
             <a:endParaRPr lang="en-US" sz="2000" dirty="0">
               <a:solidFill>
-                <a:srgbClr val="37474F"/>
+                <a:srgbClr val="E0E0E0"/>
               </a:solidFill>
               <a:latin typeface="Corbel" charset="0"/>
               <a:ea typeface="Corbel" charset="0"/>
@@ -7173,9 +7112,7 @@
             <a:avLst/>
           </a:prstGeom>
           <a:solidFill>
-            <a:schemeClr val="bg1">
-              <a:lumMod val="85000"/>
-            </a:schemeClr>
+            <a:srgbClr val="37474F"/>
           </a:solidFill>
           <a:ln>
             <a:noFill/>
@@ -7221,9 +7158,7 @@
             <a:avLst/>
           </a:prstGeom>
           <a:solidFill>
-            <a:schemeClr val="bg1">
-              <a:lumMod val="85000"/>
-            </a:schemeClr>
+            <a:srgbClr val="37474F"/>
           </a:solidFill>
         </p:spPr>
         <p:txBody>
@@ -7236,7 +7171,7 @@
             <a:r>
               <a:rPr lang="en-US" sz="2000" b="1" dirty="0">
                 <a:solidFill>
-                  <a:srgbClr val="37474F"/>
+                  <a:srgbClr val="FFD966"/>
                 </a:solidFill>
                 <a:latin typeface="Corbel" charset="0"/>
                 <a:ea typeface="Corbel" charset="0"/>
@@ -7247,7 +7182,7 @@
             <a:r>
               <a:rPr lang="en-US" sz="2000" b="1" dirty="0" smtClean="0">
                 <a:solidFill>
-                  <a:srgbClr val="37474F"/>
+                  <a:srgbClr val="FFD966"/>
                 </a:solidFill>
                 <a:latin typeface="Corbel" charset="0"/>
                 <a:ea typeface="Corbel" charset="0"/>
@@ -7260,7 +7195,7 @@
             <a:pPr algn="ctr"/>
             <a:endParaRPr lang="en-US" sz="1000" b="1" dirty="0" smtClean="0">
               <a:solidFill>
-                <a:srgbClr val="37474F"/>
+                <a:srgbClr val="E0E0E0"/>
               </a:solidFill>
               <a:latin typeface="Corbel" charset="0"/>
               <a:ea typeface="Corbel" charset="0"/>
@@ -7275,7 +7210,7 @@
             <a:r>
               <a:rPr lang="en-US" sz="2000" dirty="0" smtClean="0">
                 <a:solidFill>
-                  <a:srgbClr val="37474F"/>
+                  <a:srgbClr val="E0E0E0"/>
                 </a:solidFill>
                 <a:latin typeface="Corbel" charset="0"/>
                 <a:ea typeface="Corbel" charset="0"/>
@@ -7292,7 +7227,7 @@
             <a:r>
               <a:rPr lang="en-US" sz="2000" dirty="0" smtClean="0">
                 <a:solidFill>
-                  <a:srgbClr val="37474F"/>
+                  <a:srgbClr val="E0E0E0"/>
                 </a:solidFill>
                 <a:latin typeface="Corbel" charset="0"/>
                 <a:ea typeface="Corbel" charset="0"/>
@@ -7300,14 +7235,6 @@
               </a:rPr>
               <a:t>Create metadata</a:t>
             </a:r>
-            <a:endParaRPr lang="en-US" sz="2000" dirty="0" smtClean="0">
-              <a:solidFill>
-                <a:srgbClr val="37474F"/>
-              </a:solidFill>
-              <a:latin typeface="Corbel" charset="0"/>
-              <a:ea typeface="Corbel" charset="0"/>
-              <a:cs typeface="Corbel" charset="0"/>
-            </a:endParaRPr>
           </a:p>
         </p:txBody>
       </p:sp>
@@ -7340,7 +7267,7 @@
             <a:r>
               <a:rPr lang="en-US" sz="2000" dirty="0" smtClean="0">
                 <a:solidFill>
-                  <a:srgbClr val="37474F"/>
+                  <a:srgbClr val="E0E0E0"/>
                 </a:solidFill>
                 <a:latin typeface="Corbel" charset="0"/>
                 <a:ea typeface="Corbel" charset="0"/>
@@ -7357,7 +7284,7 @@
             <a:r>
               <a:rPr lang="en-US" sz="2000" dirty="0" smtClean="0">
                 <a:solidFill>
-                  <a:srgbClr val="37474F"/>
+                  <a:srgbClr val="E0E0E0"/>
                 </a:solidFill>
                 <a:latin typeface="Corbel" charset="0"/>
                 <a:ea typeface="Corbel" charset="0"/>
@@ -7374,7 +7301,7 @@
             <a:r>
               <a:rPr lang="en-US" sz="2000" dirty="0" smtClean="0">
                 <a:solidFill>
-                  <a:srgbClr val="37474F"/>
+                  <a:srgbClr val="E0E0E0"/>
                 </a:solidFill>
                 <a:latin typeface="Corbel" charset="0"/>
                 <a:ea typeface="Corbel" charset="0"/>
@@ -7391,7 +7318,7 @@
             <a:r>
               <a:rPr lang="en-US" sz="2000" dirty="0" smtClean="0">
                 <a:solidFill>
-                  <a:srgbClr val="37474F"/>
+                  <a:srgbClr val="E0E0E0"/>
                 </a:solidFill>
                 <a:latin typeface="Corbel" charset="0"/>
                 <a:ea typeface="Corbel" charset="0"/>
@@ -7408,7 +7335,7 @@
             <a:r>
               <a:rPr lang="en-US" sz="2000" dirty="0" smtClean="0">
                 <a:solidFill>
-                  <a:srgbClr val="37474F"/>
+                  <a:srgbClr val="E0E0E0"/>
                 </a:solidFill>
                 <a:latin typeface="Corbel" charset="0"/>
                 <a:ea typeface="Corbel" charset="0"/>
@@ -7418,7 +7345,7 @@
             </a:r>
             <a:endParaRPr lang="en-US" sz="2000" dirty="0">
               <a:solidFill>
-                <a:srgbClr val="37474F"/>
+                <a:srgbClr val="E0E0E0"/>
               </a:solidFill>
               <a:latin typeface="Corbel" charset="0"/>
               <a:ea typeface="Corbel" charset="0"/>
@@ -7683,7 +7610,7 @@
             <a:r>
               <a:rPr lang="en-US" sz="1600" i="1" dirty="0" smtClean="0">
                 <a:solidFill>
-                  <a:srgbClr val="37474F"/>
+                  <a:srgbClr val="E0E0E0"/>
                 </a:solidFill>
                 <a:latin typeface="Corbel" charset="0"/>
                 <a:ea typeface="Corbel" charset="0"/>
@@ -7693,7 +7620,7 @@
             </a:r>
             <a:endParaRPr lang="en-US" sz="1600" i="1" dirty="0">
               <a:solidFill>
-                <a:srgbClr val="37474F"/>
+                <a:srgbClr val="E0E0E0"/>
               </a:solidFill>
               <a:latin typeface="Corbel" charset="0"/>
               <a:ea typeface="Corbel" charset="0"/>
@@ -7751,9 +7678,7 @@
           </a:prstGeom>
           <a:ln w="53975">
             <a:solidFill>
-              <a:schemeClr val="bg1">
-                <a:lumMod val="85000"/>
-              </a:schemeClr>
+              <a:srgbClr val="FFD966"/>
             </a:solidFill>
             <a:tailEnd type="arrow" w="med" len="med"/>
           </a:ln>
@@ -7804,9 +7729,7 @@
           </a:prstGeom>
           <a:ln w="53975">
             <a:solidFill>
-              <a:schemeClr val="bg1">
-                <a:lumMod val="85000"/>
-              </a:schemeClr>
+              <a:srgbClr val="FFD966"/>
             </a:solidFill>
             <a:tailEnd type="arrow" w="med" len="med"/>
           </a:ln>
@@ -7857,9 +7780,7 @@
           </a:prstGeom>
           <a:ln w="53975">
             <a:solidFill>
-              <a:schemeClr val="bg1">
-                <a:lumMod val="85000"/>
-              </a:schemeClr>
+              <a:srgbClr val="FFD966"/>
             </a:solidFill>
             <a:tailEnd type="arrow" w="med" len="med"/>
           </a:ln>
@@ -7910,9 +7831,7 @@
           </a:prstGeom>
           <a:ln w="53975">
             <a:solidFill>
-              <a:schemeClr val="bg1">
-                <a:lumMod val="85000"/>
-              </a:schemeClr>
+              <a:srgbClr val="FFD966"/>
             </a:solidFill>
             <a:tailEnd type="arrow" w="med" len="med"/>
           </a:ln>
@@ -8011,7 +7930,7 @@
         </p:nvSpPr>
         <p:spPr>
           <a:xfrm rot="16200000">
-            <a:off x="-1233614" y="4795910"/>
+            <a:off x="-1234428" y="4795910"/>
             <a:ext cx="3456384" cy="490442"/>
           </a:xfrm>
           <a:prstGeom prst="round2SameRect">
@@ -8182,7 +8101,7 @@
         </p:nvSpPr>
         <p:spPr>
           <a:xfrm>
-            <a:off x="969391" y="4177035"/>
+            <a:off x="897383" y="4177035"/>
             <a:ext cx="4391719" cy="381381"/>
           </a:xfrm>
           <a:prstGeom prst="roundRect">
@@ -8203,7 +8122,7 @@
             <a:r>
               <a:rPr lang="en-US" sz="2000" b="1" dirty="0" smtClean="0">
                 <a:solidFill>
-                  <a:srgbClr val="37474F"/>
+                  <a:srgbClr val="E0E0E0"/>
                 </a:solidFill>
                 <a:latin typeface="Corbel" charset="0"/>
                 <a:ea typeface="Corbel" charset="0"/>
@@ -8325,16 +8244,14 @@
         </p:nvSpPr>
         <p:spPr>
           <a:xfrm>
-            <a:off x="6297215" y="12212870"/>
-            <a:ext cx="3600848" cy="749141"/>
+            <a:off x="5145087" y="12025907"/>
+            <a:ext cx="3600848" cy="834271"/>
           </a:xfrm>
           <a:prstGeom prst="roundRect">
             <a:avLst/>
           </a:prstGeom>
           <a:solidFill>
-            <a:schemeClr val="bg1">
-              <a:lumMod val="85000"/>
-            </a:schemeClr>
+            <a:srgbClr val="37474F"/>
           </a:solidFill>
           <a:ln>
             <a:noFill/>
@@ -8350,7 +8267,7 @@
             <a:r>
               <a:rPr lang="en-US" sz="2000" b="1" dirty="0" smtClean="0">
                 <a:solidFill>
-                  <a:srgbClr val="37474F"/>
+                  <a:srgbClr val="FFD966"/>
                 </a:solidFill>
                 <a:latin typeface="Corbel" charset="0"/>
                 <a:ea typeface="Corbel" charset="0"/>
@@ -8360,76 +8277,16 @@
             </a:r>
           </a:p>
           <a:p>
-            <a:pPr marL="342900" indent="-342900">
-              <a:buFont typeface="Arial" charset="0"/>
-              <a:buChar char="•"/>
-            </a:pPr>
-            <a:r>
-              <a:rPr lang="en-US" sz="1800" dirty="0" smtClean="0">
-                <a:solidFill>
-                  <a:srgbClr val="37474F"/>
-                </a:solidFill>
-                <a:latin typeface="Corbel" charset="0"/>
-                <a:ea typeface="Corbel" charset="0"/>
-                <a:cs typeface="Corbel" charset="0"/>
-              </a:rPr>
-              <a:t>Contribute files and metadata</a:t>
-            </a:r>
-            <a:endParaRPr lang="en-US" sz="1800" dirty="0">
+            <a:pPr algn="ctr"/>
+            <a:endParaRPr lang="en-US" sz="500" b="1" dirty="0" smtClean="0">
               <a:solidFill>
-                <a:srgbClr val="37474F"/>
+                <a:srgbClr val="E0E0E0"/>
               </a:solidFill>
               <a:latin typeface="Corbel" charset="0"/>
               <a:ea typeface="Corbel" charset="0"/>
               <a:cs typeface="Corbel" charset="0"/>
             </a:endParaRPr>
           </a:p>
-        </p:txBody>
-      </p:sp>
-      <p:sp>
-        <p:nvSpPr>
-          <p:cNvPr id="83" name="TextBox 82"/>
-          <p:cNvSpPr txBox="1"/>
-          <p:nvPr/>
-        </p:nvSpPr>
-        <p:spPr>
-          <a:xfrm>
-            <a:off x="896615" y="12025907"/>
-            <a:ext cx="3528392" cy="1362075"/>
-          </a:xfrm>
-          <a:prstGeom prst="roundRect">
-            <a:avLst>
-              <a:gd name="adj" fmla="val 11073"/>
-            </a:avLst>
-          </a:prstGeom>
-          <a:solidFill>
-            <a:schemeClr val="bg1">
-              <a:lumMod val="85000"/>
-            </a:schemeClr>
-          </a:solidFill>
-          <a:ln>
-            <a:noFill/>
-          </a:ln>
-        </p:spPr>
-        <p:txBody>
-          <a:bodyPr wrap="square" rtlCol="0">
-            <a:spAutoFit/>
-          </a:bodyPr>
-          <a:lstStyle/>
-          <a:p>
-            <a:pPr algn="ctr"/>
-            <a:r>
-              <a:rPr lang="en-US" sz="2000" b="1" dirty="0" smtClean="0">
-                <a:solidFill>
-                  <a:srgbClr val="37474F"/>
-                </a:solidFill>
-                <a:latin typeface="Corbel" charset="0"/>
-                <a:ea typeface="Corbel" charset="0"/>
-                <a:cs typeface="Corbel" charset="0"/>
-              </a:rPr>
-              <a:t>Editors</a:t>
-            </a:r>
-          </a:p>
           <a:p>
             <a:pPr marL="342900" indent="-342900">
               <a:buFont typeface="Arial" charset="0"/>
@@ -8438,51 +8295,17 @@
             <a:r>
               <a:rPr lang="en-US" sz="1800" dirty="0" smtClean="0">
                 <a:solidFill>
-                  <a:srgbClr val="37474F"/>
+                  <a:srgbClr val="E0E0E0"/>
                 </a:solidFill>
                 <a:latin typeface="Corbel" charset="0"/>
                 <a:ea typeface="Corbel" charset="0"/>
                 <a:cs typeface="Corbel" charset="0"/>
               </a:rPr>
               <a:t>Contribute files and metadata</a:t>
-            </a:r>
-          </a:p>
-          <a:p>
-            <a:pPr marL="342900" indent="-342900">
-              <a:buFont typeface="Arial" charset="0"/>
-              <a:buChar char="•"/>
-            </a:pPr>
-            <a:r>
-              <a:rPr lang="en-US" sz="1800" dirty="0" smtClean="0">
-                <a:solidFill>
-                  <a:srgbClr val="37474F"/>
-                </a:solidFill>
-                <a:latin typeface="Corbel" charset="0"/>
-                <a:ea typeface="Corbel" charset="0"/>
-                <a:cs typeface="Corbel" charset="0"/>
-              </a:rPr>
-              <a:t>Claim and execute tasks</a:t>
-            </a:r>
-          </a:p>
-          <a:p>
-            <a:pPr marL="342900" indent="-342900">
-              <a:buFont typeface="Arial" charset="0"/>
-              <a:buChar char="•"/>
-            </a:pPr>
-            <a:r>
-              <a:rPr lang="en-US" sz="1800" dirty="0" smtClean="0">
-                <a:solidFill>
-                  <a:srgbClr val="37474F"/>
-                </a:solidFill>
-                <a:latin typeface="Corbel" charset="0"/>
-                <a:ea typeface="Corbel" charset="0"/>
-                <a:cs typeface="Corbel" charset="0"/>
-              </a:rPr>
-              <a:t>Accept and reject deposits</a:t>
             </a:r>
             <a:endParaRPr lang="en-US" sz="1800" dirty="0">
               <a:solidFill>
-                <a:srgbClr val="37474F"/>
+                <a:srgbClr val="E0E0E0"/>
               </a:solidFill>
               <a:latin typeface="Corbel" charset="0"/>
               <a:ea typeface="Corbel" charset="0"/>
@@ -8493,19 +8316,26 @@
       </p:sp>
       <p:sp>
         <p:nvSpPr>
-          <p:cNvPr id="13" name="TextBox 12"/>
+          <p:cNvPr id="83" name="TextBox 82"/>
           <p:cNvSpPr txBox="1"/>
           <p:nvPr/>
         </p:nvSpPr>
         <p:spPr>
           <a:xfrm>
-            <a:off x="5577135" y="9963501"/>
-            <a:ext cx="3672408" cy="442674"/>
+            <a:off x="896615" y="12025907"/>
+            <a:ext cx="3528392" cy="1396603"/>
           </a:xfrm>
           <a:prstGeom prst="roundRect">
-            <a:avLst/>
-          </a:prstGeom>
-          <a:noFill/>
+            <a:avLst>
+              <a:gd name="adj" fmla="val 11073"/>
+            </a:avLst>
+          </a:prstGeom>
+          <a:solidFill>
+            <a:srgbClr val="37474F"/>
+          </a:solidFill>
+          <a:ln>
+            <a:noFill/>
+          </a:ln>
         </p:spPr>
         <p:txBody>
           <a:bodyPr wrap="square" rtlCol="0">
@@ -8515,9 +8345,116 @@
           <a:p>
             <a:pPr algn="ctr"/>
             <a:r>
+              <a:rPr lang="en-US" sz="2000" b="1" dirty="0" smtClean="0">
+                <a:solidFill>
+                  <a:srgbClr val="FFD966"/>
+                </a:solidFill>
+                <a:latin typeface="Corbel" charset="0"/>
+                <a:ea typeface="Corbel" charset="0"/>
+                <a:cs typeface="Corbel" charset="0"/>
+              </a:rPr>
+              <a:t>Editors</a:t>
+            </a:r>
+          </a:p>
+          <a:p>
+            <a:pPr algn="ctr"/>
+            <a:endParaRPr lang="en-US" sz="500" b="1" dirty="0" smtClean="0">
+              <a:solidFill>
+                <a:srgbClr val="E0E0E0"/>
+              </a:solidFill>
+              <a:latin typeface="Corbel" charset="0"/>
+              <a:ea typeface="Corbel" charset="0"/>
+              <a:cs typeface="Corbel" charset="0"/>
+            </a:endParaRPr>
+          </a:p>
+          <a:p>
+            <a:pPr marL="342900" indent="-342900">
+              <a:buFont typeface="Arial" charset="0"/>
+              <a:buChar char="•"/>
+            </a:pPr>
+            <a:r>
+              <a:rPr lang="en-US" sz="1800" dirty="0" smtClean="0">
+                <a:solidFill>
+                  <a:srgbClr val="E0E0E0"/>
+                </a:solidFill>
+                <a:latin typeface="Corbel" charset="0"/>
+                <a:ea typeface="Corbel" charset="0"/>
+                <a:cs typeface="Corbel" charset="0"/>
+              </a:rPr>
+              <a:t>Contribute files and metadata</a:t>
+            </a:r>
+          </a:p>
+          <a:p>
+            <a:pPr marL="342900" indent="-342900">
+              <a:buFont typeface="Arial" charset="0"/>
+              <a:buChar char="•"/>
+            </a:pPr>
+            <a:r>
+              <a:rPr lang="en-US" sz="1800" dirty="0" smtClean="0">
+                <a:solidFill>
+                  <a:srgbClr val="E0E0E0"/>
+                </a:solidFill>
+                <a:latin typeface="Corbel" charset="0"/>
+                <a:ea typeface="Corbel" charset="0"/>
+                <a:cs typeface="Corbel" charset="0"/>
+              </a:rPr>
+              <a:t>Claim and execute tasks</a:t>
+            </a:r>
+          </a:p>
+          <a:p>
+            <a:pPr marL="342900" indent="-342900">
+              <a:buFont typeface="Arial" charset="0"/>
+              <a:buChar char="•"/>
+            </a:pPr>
+            <a:r>
+              <a:rPr lang="en-US" sz="1800" dirty="0" smtClean="0">
+                <a:solidFill>
+                  <a:srgbClr val="E0E0E0"/>
+                </a:solidFill>
+                <a:latin typeface="Corbel" charset="0"/>
+                <a:ea typeface="Corbel" charset="0"/>
+                <a:cs typeface="Corbel" charset="0"/>
+              </a:rPr>
+              <a:t>Accept and reject deposits</a:t>
+            </a:r>
+            <a:endParaRPr lang="en-US" sz="1800" dirty="0">
+              <a:solidFill>
+                <a:srgbClr val="E0E0E0"/>
+              </a:solidFill>
+              <a:latin typeface="Corbel" charset="0"/>
+              <a:ea typeface="Corbel" charset="0"/>
+              <a:cs typeface="Corbel" charset="0"/>
+            </a:endParaRPr>
+          </a:p>
+        </p:txBody>
+      </p:sp>
+      <p:sp>
+        <p:nvSpPr>
+          <p:cNvPr id="13" name="TextBox 12"/>
+          <p:cNvSpPr txBox="1"/>
+          <p:nvPr/>
+        </p:nvSpPr>
+        <p:spPr>
+          <a:xfrm>
+            <a:off x="5577135" y="9963501"/>
+            <a:ext cx="3672408" cy="442674"/>
+          </a:xfrm>
+          <a:prstGeom prst="roundRect">
+            <a:avLst/>
+          </a:prstGeom>
+          <a:noFill/>
+        </p:spPr>
+        <p:txBody>
+          <a:bodyPr wrap="square" rtlCol="0">
+            <a:spAutoFit/>
+          </a:bodyPr>
+          <a:lstStyle/>
+          <a:p>
+            <a:pPr algn="ctr"/>
+            <a:r>
               <a:rPr lang="en-US" sz="2000" b="1" dirty="0">
                 <a:solidFill>
-                  <a:srgbClr val="37474F"/>
+                  <a:srgbClr val="FFD966"/>
                 </a:solidFill>
                 <a:latin typeface="Corbel" charset="0"/>
                 <a:ea typeface="Corbel" charset="0"/>
@@ -8528,7 +8465,7 @@
             <a:r>
               <a:rPr lang="en-US" sz="2000" b="1" dirty="0" smtClean="0">
                 <a:solidFill>
-                  <a:srgbClr val="37474F"/>
+                  <a:srgbClr val="FFD966"/>
                 </a:solidFill>
                 <a:latin typeface="Corbel" charset="0"/>
                 <a:ea typeface="Corbel" charset="0"/>
@@ -8538,7 +8475,7 @@
             </a:r>
             <a:endParaRPr lang="en-US" sz="2000" b="1" dirty="0">
               <a:solidFill>
-                <a:srgbClr val="37474F"/>
+                <a:srgbClr val="FFD966"/>
               </a:solidFill>
               <a:latin typeface="Corbel" charset="0"/>
               <a:ea typeface="Corbel" charset="0"/>
@@ -8633,8 +8570,8 @@
         </p:blipFill>
         <p:spPr>
           <a:xfrm>
-            <a:off x="9033519" y="17121064"/>
-            <a:ext cx="882079" cy="882079"/>
+            <a:off x="8889503" y="17120492"/>
+            <a:ext cx="954087" cy="954087"/>
           </a:xfrm>
           <a:prstGeom prst="rect">
             <a:avLst/>
@@ -8659,7 +8596,7 @@
             <a:solidFill>
               <a:srgbClr val="78909C"/>
             </a:solidFill>
-            <a:prstDash val="sysDot"/>
+            <a:prstDash val="sysDash"/>
           </a:ln>
         </p:spPr>
         <p:style>
@@ -8695,7 +8632,7 @@
             <a:solidFill>
               <a:srgbClr val="78909C"/>
             </a:solidFill>
-            <a:prstDash val="sysDot"/>
+            <a:prstDash val="sysDash"/>
           </a:ln>
         </p:spPr>
         <p:style>
@@ -8731,7 +8668,7 @@
             <a:solidFill>
               <a:srgbClr val="78909C"/>
             </a:solidFill>
-            <a:prstDash val="sysDot"/>
+            <a:prstDash val="sysDash"/>
           </a:ln>
         </p:spPr>
         <p:style>
@@ -10222,8 +10159,8 @@
         </p:nvSpPr>
         <p:spPr>
           <a:xfrm>
-            <a:off x="392559" y="360611"/>
-            <a:ext cx="5832648" cy="2339102"/>
+            <a:off x="608583" y="432619"/>
+            <a:ext cx="7848872" cy="6986528"/>
           </a:xfrm>
           <a:prstGeom prst="rect">
             <a:avLst/>
@@ -10309,8 +10246,385 @@
                   <a:srgbClr val="F7E4BE"/>
                 </a:solidFill>
               </a:rPr>
-              <a:t>Item 3</a:t>
-            </a:r>
+              <a:t>Item </a:t>
+            </a:r>
+            <a:r>
+              <a:rPr lang="en-US" sz="2200" dirty="0" smtClean="0">
+                <a:solidFill>
+                  <a:srgbClr val="F7E4BE"/>
+                </a:solidFill>
+              </a:rPr>
+              <a:t>3</a:t>
+            </a:r>
+          </a:p>
+          <a:p>
+            <a:pPr marL="342900" indent="-342900">
+              <a:buFont typeface="Arial" charset="0"/>
+              <a:buChar char="•"/>
+            </a:pPr>
+            <a:endParaRPr lang="en-US" sz="2200" dirty="0">
+              <a:solidFill>
+                <a:srgbClr val="F7E4BE"/>
+              </a:solidFill>
+            </a:endParaRPr>
+          </a:p>
+          <a:p>
+            <a:pPr marL="342900" indent="-342900">
+              <a:buFont typeface="Arial" charset="0"/>
+              <a:buChar char="•"/>
+            </a:pPr>
+            <a:endParaRPr lang="en-US" sz="2200" dirty="0" smtClean="0">
+              <a:solidFill>
+                <a:srgbClr val="F7E4BE"/>
+              </a:solidFill>
+            </a:endParaRPr>
+          </a:p>
+          <a:p>
+            <a:pPr marL="342900" indent="-342900">
+              <a:buFont typeface="Arial" charset="0"/>
+              <a:buChar char="•"/>
+            </a:pPr>
+            <a:endParaRPr lang="en-US" sz="2200" dirty="0">
+              <a:solidFill>
+                <a:srgbClr val="F7E4BE"/>
+              </a:solidFill>
+            </a:endParaRPr>
+          </a:p>
+          <a:p>
+            <a:pPr marL="342900" indent="-342900">
+              <a:buFont typeface="Arial" charset="0"/>
+              <a:buChar char="•"/>
+            </a:pPr>
+            <a:endParaRPr lang="en-US" sz="2200" dirty="0" smtClean="0">
+              <a:solidFill>
+                <a:srgbClr val="F7E4BE"/>
+              </a:solidFill>
+            </a:endParaRPr>
+          </a:p>
+          <a:p>
+            <a:pPr marL="342900" indent="-342900">
+              <a:buFont typeface="Arial" charset="0"/>
+              <a:buChar char="•"/>
+            </a:pPr>
+            <a:r>
+              <a:rPr lang="en-US" sz="2400" dirty="0" smtClean="0">
+                <a:solidFill>
+                  <a:srgbClr val="FFD966"/>
+                </a:solidFill>
+                <a:latin typeface="Consolas" charset="0"/>
+                <a:ea typeface="Consolas" charset="0"/>
+                <a:cs typeface="Consolas" charset="0"/>
+              </a:rPr>
+              <a:t>Consolas: 	https</a:t>
+            </a:r>
+            <a:r>
+              <a:rPr lang="en-US" sz="2400" dirty="0">
+                <a:solidFill>
+                  <a:srgbClr val="FFD966"/>
+                </a:solidFill>
+                <a:latin typeface="Consolas" charset="0"/>
+                <a:ea typeface="Consolas" charset="0"/>
+                <a:cs typeface="Consolas" charset="0"/>
+              </a:rPr>
+              <a:t>://</a:t>
+            </a:r>
+            <a:r>
+              <a:rPr lang="en-US" sz="2400" dirty="0" smtClean="0">
+                <a:solidFill>
+                  <a:srgbClr val="FFD966"/>
+                </a:solidFill>
+                <a:latin typeface="Consolas" charset="0"/>
+                <a:ea typeface="Consolas" charset="0"/>
+                <a:cs typeface="Consolas" charset="0"/>
+              </a:rPr>
+              <a:t>goo.gl/PT1IhE</a:t>
+            </a:r>
+          </a:p>
+          <a:p>
+            <a:pPr marL="342900" indent="-342900">
+              <a:buFont typeface="Arial" charset="0"/>
+              <a:buChar char="•"/>
+            </a:pPr>
+            <a:r>
+              <a:rPr lang="en-US" sz="2400" dirty="0" smtClean="0">
+                <a:solidFill>
+                  <a:srgbClr val="FFD966"/>
+                </a:solidFill>
+                <a:latin typeface="Corbel" charset="0"/>
+                <a:ea typeface="Corbel" charset="0"/>
+                <a:cs typeface="Corbel" charset="0"/>
+              </a:rPr>
+              <a:t>Corbel:		https</a:t>
+            </a:r>
+            <a:r>
+              <a:rPr lang="en-US" sz="2400" dirty="0">
+                <a:solidFill>
+                  <a:srgbClr val="FFD966"/>
+                </a:solidFill>
+                <a:latin typeface="Corbel" charset="0"/>
+                <a:ea typeface="Corbel" charset="0"/>
+                <a:cs typeface="Corbel" charset="0"/>
+              </a:rPr>
+              <a:t>://</a:t>
+            </a:r>
+            <a:r>
+              <a:rPr lang="en-US" sz="2400" dirty="0" err="1" smtClean="0">
+                <a:solidFill>
+                  <a:srgbClr val="FFD966"/>
+                </a:solidFill>
+                <a:latin typeface="Corbel" charset="0"/>
+                <a:ea typeface="Corbel" charset="0"/>
+                <a:cs typeface="Corbel" charset="0"/>
+              </a:rPr>
+              <a:t>goo.gl</a:t>
+            </a:r>
+            <a:r>
+              <a:rPr lang="en-US" sz="2400" dirty="0" smtClean="0">
+                <a:solidFill>
+                  <a:srgbClr val="FFD966"/>
+                </a:solidFill>
+                <a:latin typeface="Corbel" charset="0"/>
+                <a:ea typeface="Corbel" charset="0"/>
+                <a:cs typeface="Corbel" charset="0"/>
+              </a:rPr>
+              <a:t>/PT1IhE</a:t>
+            </a:r>
+            <a:endParaRPr lang="en-US" sz="2400" dirty="0">
+              <a:solidFill>
+                <a:srgbClr val="FFD966"/>
+              </a:solidFill>
+              <a:latin typeface="Corbel" charset="0"/>
+              <a:ea typeface="Corbel" charset="0"/>
+              <a:cs typeface="Corbel" charset="0"/>
+            </a:endParaRPr>
+          </a:p>
+          <a:p>
+            <a:pPr marL="342900" indent="-342900">
+              <a:buFont typeface="Arial" charset="0"/>
+              <a:buChar char="•"/>
+            </a:pPr>
+            <a:r>
+              <a:rPr lang="en-US" sz="2400" dirty="0" smtClean="0">
+                <a:solidFill>
+                  <a:srgbClr val="FFD966"/>
+                </a:solidFill>
+                <a:latin typeface="Corbel" charset="0"/>
+                <a:ea typeface="Corbel" charset="0"/>
+                <a:cs typeface="Corbel" charset="0"/>
+              </a:rPr>
+              <a:t>Corbel/Adjusted:	</a:t>
+            </a:r>
+            <a:r>
+              <a:rPr lang="en-US" sz="2400" dirty="0">
+                <a:solidFill>
+                  <a:srgbClr val="FFD966"/>
+                </a:solidFill>
+                <a:latin typeface="Corbel" charset="0"/>
+                <a:ea typeface="Corbel" charset="0"/>
+                <a:cs typeface="Corbel" charset="0"/>
+              </a:rPr>
+              <a:t>https://</a:t>
+            </a:r>
+            <a:r>
+              <a:rPr lang="en-US" sz="2400" dirty="0" err="1" smtClean="0">
+                <a:solidFill>
+                  <a:srgbClr val="FFD966"/>
+                </a:solidFill>
+                <a:latin typeface="Corbel" charset="0"/>
+                <a:ea typeface="Corbel" charset="0"/>
+                <a:cs typeface="Corbel" charset="0"/>
+              </a:rPr>
+              <a:t>goo.gl</a:t>
+            </a:r>
+            <a:r>
+              <a:rPr lang="en-US" sz="2400" dirty="0" smtClean="0">
+                <a:solidFill>
+                  <a:srgbClr val="FFD966"/>
+                </a:solidFill>
+                <a:latin typeface="Corbel" charset="0"/>
+                <a:ea typeface="Corbel" charset="0"/>
+                <a:cs typeface="Corbel" charset="0"/>
+              </a:rPr>
+              <a:t>/PT</a:t>
+            </a:r>
+            <a:r>
+              <a:rPr lang="en-US" sz="2400" dirty="0" smtClean="0">
+                <a:solidFill>
+                  <a:srgbClr val="FFD966"/>
+                </a:solidFill>
+                <a:latin typeface="Consolas" charset="0"/>
+                <a:ea typeface="Consolas" charset="0"/>
+                <a:cs typeface="Consolas" charset="0"/>
+              </a:rPr>
+              <a:t>1I</a:t>
+            </a:r>
+            <a:r>
+              <a:rPr lang="en-US" sz="2400" dirty="0" smtClean="0">
+                <a:solidFill>
+                  <a:srgbClr val="FFD966"/>
+                </a:solidFill>
+                <a:latin typeface="Corbel" charset="0"/>
+                <a:ea typeface="Corbel" charset="0"/>
+                <a:cs typeface="Corbel" charset="0"/>
+              </a:rPr>
+              <a:t>hE</a:t>
+            </a:r>
+          </a:p>
+          <a:p>
+            <a:pPr marL="342900" indent="-342900">
+              <a:buFont typeface="Arial" charset="0"/>
+              <a:buChar char="•"/>
+            </a:pPr>
+            <a:r>
+              <a:rPr lang="en-US" sz="2400" dirty="0" smtClean="0">
+                <a:solidFill>
+                  <a:srgbClr val="FFD966"/>
+                </a:solidFill>
+                <a:ea typeface="Corbel" charset="0"/>
+                <a:cs typeface="Corbel" charset="0"/>
+              </a:rPr>
+              <a:t>Calibri:		</a:t>
+            </a:r>
+            <a:r>
+              <a:rPr lang="en-US" sz="2400" dirty="0">
+                <a:solidFill>
+                  <a:srgbClr val="FFD966"/>
+                </a:solidFill>
+                <a:ea typeface="Consolas" charset="0"/>
+                <a:cs typeface="Consolas" charset="0"/>
+              </a:rPr>
+              <a:t>https://</a:t>
+            </a:r>
+            <a:r>
+              <a:rPr lang="en-US" sz="2400" dirty="0" err="1" smtClean="0">
+                <a:solidFill>
+                  <a:srgbClr val="FFD966"/>
+                </a:solidFill>
+                <a:ea typeface="Consolas" charset="0"/>
+                <a:cs typeface="Consolas" charset="0"/>
+              </a:rPr>
+              <a:t>goo.gl</a:t>
+            </a:r>
+            <a:r>
+              <a:rPr lang="en-US" sz="2400" dirty="0" smtClean="0">
+                <a:solidFill>
+                  <a:srgbClr val="FFD966"/>
+                </a:solidFill>
+                <a:ea typeface="Consolas" charset="0"/>
+                <a:cs typeface="Consolas" charset="0"/>
+              </a:rPr>
+              <a:t>/PT1IhE</a:t>
+            </a:r>
+            <a:endParaRPr lang="en-US" sz="2400" dirty="0" smtClean="0">
+              <a:solidFill>
+                <a:srgbClr val="FFD966"/>
+              </a:solidFill>
+              <a:ea typeface="Corbel" charset="0"/>
+              <a:cs typeface="Corbel" charset="0"/>
+            </a:endParaRPr>
+          </a:p>
+          <a:p>
+            <a:pPr marL="342900" indent="-342900">
+              <a:buFont typeface="Arial" charset="0"/>
+              <a:buChar char="•"/>
+            </a:pPr>
+            <a:r>
+              <a:rPr lang="en-US" sz="2400" dirty="0" smtClean="0">
+                <a:solidFill>
+                  <a:srgbClr val="FFD966"/>
+                </a:solidFill>
+                <a:latin typeface="Arial" charset="0"/>
+                <a:ea typeface="Arial" charset="0"/>
+                <a:cs typeface="Arial" charset="0"/>
+              </a:rPr>
+              <a:t>Arial:		https</a:t>
+            </a:r>
+            <a:r>
+              <a:rPr lang="en-US" sz="2400" dirty="0">
+                <a:solidFill>
+                  <a:srgbClr val="FFD966"/>
+                </a:solidFill>
+                <a:latin typeface="Arial" charset="0"/>
+                <a:ea typeface="Arial" charset="0"/>
+                <a:cs typeface="Arial" charset="0"/>
+              </a:rPr>
+              <a:t>://</a:t>
+            </a:r>
+            <a:r>
+              <a:rPr lang="en-US" sz="2400" dirty="0" err="1" smtClean="0">
+                <a:solidFill>
+                  <a:srgbClr val="FFD966"/>
+                </a:solidFill>
+                <a:latin typeface="Arial" charset="0"/>
+                <a:ea typeface="Arial" charset="0"/>
+                <a:cs typeface="Arial" charset="0"/>
+              </a:rPr>
+              <a:t>goo.gl</a:t>
+            </a:r>
+            <a:r>
+              <a:rPr lang="en-US" sz="2400" dirty="0" smtClean="0">
+                <a:solidFill>
+                  <a:srgbClr val="FFD966"/>
+                </a:solidFill>
+                <a:latin typeface="Arial" charset="0"/>
+                <a:ea typeface="Arial" charset="0"/>
+                <a:cs typeface="Arial" charset="0"/>
+              </a:rPr>
+              <a:t>/PT1IhE</a:t>
+            </a:r>
+          </a:p>
+          <a:p>
+            <a:pPr marL="342900" indent="-342900">
+              <a:buFont typeface="Arial" charset="0"/>
+              <a:buChar char="•"/>
+            </a:pPr>
+            <a:endParaRPr lang="en-US" sz="2400" dirty="0">
+              <a:solidFill>
+                <a:srgbClr val="FFD966"/>
+              </a:solidFill>
+              <a:latin typeface="Arial" charset="0"/>
+              <a:ea typeface="Arial" charset="0"/>
+              <a:cs typeface="Arial" charset="0"/>
+            </a:endParaRPr>
+          </a:p>
+          <a:p>
+            <a:pPr marL="342900" indent="-342900">
+              <a:buFont typeface="Arial" charset="0"/>
+              <a:buChar char="•"/>
+            </a:pPr>
+            <a:endParaRPr lang="en-US" sz="2400" dirty="0">
+              <a:solidFill>
+                <a:srgbClr val="FFD966"/>
+              </a:solidFill>
+              <a:latin typeface="Consolas" charset="0"/>
+              <a:ea typeface="Consolas" charset="0"/>
+              <a:cs typeface="Consolas" charset="0"/>
+            </a:endParaRPr>
+          </a:p>
+          <a:p>
+            <a:pPr marL="342900" indent="-342900">
+              <a:buFont typeface="Arial" charset="0"/>
+              <a:buChar char="•"/>
+            </a:pPr>
+            <a:endParaRPr lang="en-US" sz="2400" dirty="0" smtClean="0">
+              <a:solidFill>
+                <a:srgbClr val="FFD966"/>
+              </a:solidFill>
+              <a:latin typeface="Consolas" charset="0"/>
+              <a:ea typeface="Consolas" charset="0"/>
+              <a:cs typeface="Consolas" charset="0"/>
+            </a:endParaRPr>
+          </a:p>
+          <a:p>
+            <a:pPr marL="342900" indent="-342900">
+              <a:buFont typeface="Arial" charset="0"/>
+              <a:buChar char="•"/>
+            </a:pPr>
+            <a:endParaRPr lang="en-US" sz="2200" dirty="0" smtClean="0">
+              <a:solidFill>
+                <a:srgbClr val="F7E4BE"/>
+              </a:solidFill>
+            </a:endParaRPr>
           </a:p>
         </p:txBody>
       </p:sp>
@@ -10370,7 +10684,7 @@
         </p:nvSpPr>
         <p:spPr>
           <a:xfrm>
-            <a:off x="4092925" y="10801771"/>
+            <a:off x="7782136" y="12962011"/>
             <a:ext cx="2107500" cy="677108"/>
           </a:xfrm>
           <a:prstGeom prst="rect">
@@ -10408,7 +10722,7 @@
         </p:nvSpPr>
         <p:spPr>
           <a:xfrm>
-            <a:off x="4353028" y="8808621"/>
+            <a:off x="8042239" y="10968861"/>
             <a:ext cx="1587294" cy="677108"/>
           </a:xfrm>
           <a:prstGeom prst="rect">
@@ -10446,7 +10760,7 @@
         </p:nvSpPr>
         <p:spPr>
           <a:xfrm>
-            <a:off x="4673019" y="6841331"/>
+            <a:off x="8362230" y="9001571"/>
             <a:ext cx="947311" cy="677108"/>
           </a:xfrm>
           <a:prstGeom prst="rect">
@@ -10484,7 +10798,7 @@
         </p:nvSpPr>
         <p:spPr>
           <a:xfrm>
-            <a:off x="4336196" y="4825107"/>
+            <a:off x="8025407" y="6985347"/>
             <a:ext cx="1620957" cy="677108"/>
           </a:xfrm>
           <a:prstGeom prst="rect">
@@ -10522,7 +10836,7 @@
         </p:nvCxnSpPr>
         <p:spPr>
           <a:xfrm flipV="1">
-            <a:off x="5146675" y="9505627"/>
+            <a:off x="8835886" y="11665867"/>
             <a:ext cx="0" cy="1224136"/>
           </a:xfrm>
           <a:prstGeom prst="straightConnector1">
@@ -10558,7 +10872,7 @@
         </p:nvCxnSpPr>
         <p:spPr>
           <a:xfrm flipV="1">
-            <a:off x="5092674" y="5545187"/>
+            <a:off x="8781885" y="7705427"/>
             <a:ext cx="0" cy="1224136"/>
           </a:xfrm>
           <a:prstGeom prst="straightConnector1">
@@ -10594,7 +10908,7 @@
         </p:nvCxnSpPr>
         <p:spPr>
           <a:xfrm flipV="1">
-            <a:off x="5147538" y="7561411"/>
+            <a:off x="8836749" y="9721651"/>
             <a:ext cx="0" cy="1224136"/>
           </a:xfrm>
           <a:prstGeom prst="straightConnector1">

--- a/Open Repositories 2017/Charon Poster/OR2017_Charon_Poster_Working.pptx
+++ b/Open Repositories 2017/Charon Poster/OR2017_Charon_Poster_Working.pptx
@@ -121,7 +121,18 @@
   </p:defaultTextStyle>
   <p:extLst>
     <p:ext uri="{EFAFB233-063F-42B5-8137-9DF3F51BA10A}">
-      <p15:sldGuideLst xmlns:p15="http://schemas.microsoft.com/office/powerpoint/2012/main"/>
+      <p15:sldGuideLst xmlns:p15="http://schemas.microsoft.com/office/powerpoint/2012/main">
+        <p15:guide id="1" pos="1653" userDrawn="1">
+          <p15:clr>
+            <a:srgbClr val="A4A3A4"/>
+          </p15:clr>
+        </p15:guide>
+        <p15:guide id="2" orient="horz" pos="6759" userDrawn="1">
+          <p15:clr>
+            <a:srgbClr val="A4A3A4"/>
+          </p15:clr>
+        </p15:guide>
+      </p15:sldGuideLst>
     </p:ext>
     <p:ext uri="{2D200454-40CA-4A62-9FC3-DE9A4176ACB9}">
       <p15:notesGuideLst xmlns:p15="http://schemas.microsoft.com/office/powerpoint/2012/main">
@@ -395,7 +406,7 @@
           <a:p>
             <a:fld id="{60829E41-64EF-604D-A40A-7DA186A06455}" type="datetimeFigureOut">
               <a:rPr lang="en-US" smtClean="0"/>
-              <a:t>6/5/17</a:t>
+              <a:t>6/6/17</a:t>
             </a:fld>
             <a:endParaRPr lang="en-US"/>
           </a:p>
@@ -707,26 +718,6 @@
           <a:bodyPr/>
           <a:lstStyle/>
           <a:p>
-            <a:r>
-              <a:rPr lang="en-US" dirty="0" smtClean="0"/>
-              <a:t>https://</a:t>
-            </a:r>
-            <a:r>
-              <a:rPr lang="en-US" dirty="0" err="1" smtClean="0"/>
-              <a:t>docs.google.com</a:t>
-            </a:r>
-            <a:r>
-              <a:rPr lang="en-US" dirty="0" smtClean="0"/>
-              <a:t>/document/d/1krYggmrZpcoGa6PuzfrQxmmWE4zNlrFjZaDDdConaHA/</a:t>
-            </a:r>
-            <a:r>
-              <a:rPr lang="en-US" dirty="0" err="1" smtClean="0"/>
-              <a:t>edit?usp</a:t>
-            </a:r>
-            <a:r>
-              <a:rPr lang="en-US" dirty="0" smtClean="0"/>
-              <a:t>=sharing</a:t>
-            </a:r>
             <a:endParaRPr lang="en-US" dirty="0"/>
           </a:p>
         </p:txBody>
@@ -1745,7 +1736,7 @@
             <a:fld id="{E8B92B60-3ACF-4E3B-ACCA-3CF86291A092}" type="datetimeFigureOut">
               <a:rPr lang="en-AU" smtClean="0"/>
               <a:pPr/>
-              <a:t>5/06/2017</a:t>
+              <a:t>6/06/2017</a:t>
             </a:fld>
             <a:endParaRPr lang="en-AU"/>
           </a:p>
@@ -1912,7 +1903,7 @@
             <a:fld id="{E8B92B60-3ACF-4E3B-ACCA-3CF86291A092}" type="datetimeFigureOut">
               <a:rPr lang="en-AU" smtClean="0"/>
               <a:pPr/>
-              <a:t>5/06/2017</a:t>
+              <a:t>6/06/2017</a:t>
             </a:fld>
             <a:endParaRPr lang="en-AU"/>
           </a:p>
@@ -2089,7 +2080,7 @@
             <a:fld id="{E8B92B60-3ACF-4E3B-ACCA-3CF86291A092}" type="datetimeFigureOut">
               <a:rPr lang="en-AU" smtClean="0"/>
               <a:pPr/>
-              <a:t>5/06/2017</a:t>
+              <a:t>6/06/2017</a:t>
             </a:fld>
             <a:endParaRPr lang="en-AU"/>
           </a:p>
@@ -2203,38 +2194,38 @@
           <a:p>
             <a:pPr lvl="0"/>
             <a:r>
-              <a:rPr lang="en-US"/>
+              <a:rPr lang="en-US" dirty="0"/>
               <a:t>Click to edit Master text styles</a:t>
             </a:r>
           </a:p>
           <a:p>
             <a:pPr lvl="1"/>
             <a:r>
-              <a:rPr lang="en-US"/>
+              <a:rPr lang="en-US" dirty="0"/>
               <a:t>Second level</a:t>
             </a:r>
           </a:p>
           <a:p>
             <a:pPr lvl="2"/>
             <a:r>
-              <a:rPr lang="en-US"/>
+              <a:rPr lang="en-US" dirty="0"/>
               <a:t>Third level</a:t>
             </a:r>
           </a:p>
           <a:p>
             <a:pPr lvl="3"/>
             <a:r>
-              <a:rPr lang="en-US"/>
+              <a:rPr lang="en-US" dirty="0"/>
               <a:t>Fourth level</a:t>
             </a:r>
           </a:p>
           <a:p>
             <a:pPr lvl="4"/>
             <a:r>
-              <a:rPr lang="en-US"/>
+              <a:rPr lang="en-US" dirty="0"/>
               <a:t>Fifth level</a:t>
             </a:r>
-            <a:endParaRPr lang="en-AU"/>
+            <a:endParaRPr lang="en-AU" dirty="0"/>
           </a:p>
         </p:txBody>
       </p:sp>
@@ -2256,7 +2247,7 @@
             <a:fld id="{E8B92B60-3ACF-4E3B-ACCA-3CF86291A092}" type="datetimeFigureOut">
               <a:rPr lang="en-AU" smtClean="0"/>
               <a:pPr/>
-              <a:t>5/06/2017</a:t>
+              <a:t>6/06/2017</a:t>
             </a:fld>
             <a:endParaRPr lang="en-AU"/>
           </a:p>
@@ -2499,7 +2490,7 @@
             <a:fld id="{E8B92B60-3ACF-4E3B-ACCA-3CF86291A092}" type="datetimeFigureOut">
               <a:rPr lang="en-AU" smtClean="0"/>
               <a:pPr/>
-              <a:t>5/06/2017</a:t>
+              <a:t>6/06/2017</a:t>
             </a:fld>
             <a:endParaRPr lang="en-AU"/>
           </a:p>
@@ -2784,7 +2775,7 @@
             <a:fld id="{E8B92B60-3ACF-4E3B-ACCA-3CF86291A092}" type="datetimeFigureOut">
               <a:rPr lang="en-AU" smtClean="0"/>
               <a:pPr/>
-              <a:t>5/06/2017</a:t>
+              <a:t>6/06/2017</a:t>
             </a:fld>
             <a:endParaRPr lang="en-AU"/>
           </a:p>
@@ -3208,7 +3199,7 @@
             <a:fld id="{E8B92B60-3ACF-4E3B-ACCA-3CF86291A092}" type="datetimeFigureOut">
               <a:rPr lang="en-AU" smtClean="0"/>
               <a:pPr/>
-              <a:t>5/06/2017</a:t>
+              <a:t>6/06/2017</a:t>
             </a:fld>
             <a:endParaRPr lang="en-AU"/>
           </a:p>
@@ -3323,7 +3314,7 @@
             <a:fld id="{E8B92B60-3ACF-4E3B-ACCA-3CF86291A092}" type="datetimeFigureOut">
               <a:rPr lang="en-AU" smtClean="0"/>
               <a:pPr/>
-              <a:t>5/06/2017</a:t>
+              <a:t>6/06/2017</a:t>
             </a:fld>
             <a:endParaRPr lang="en-AU"/>
           </a:p>
@@ -3415,7 +3406,7 @@
             <a:fld id="{E8B92B60-3ACF-4E3B-ACCA-3CF86291A092}" type="datetimeFigureOut">
               <a:rPr lang="en-AU" smtClean="0"/>
               <a:pPr/>
-              <a:t>5/06/2017</a:t>
+              <a:t>6/06/2017</a:t>
             </a:fld>
             <a:endParaRPr lang="en-AU"/>
           </a:p>
@@ -3689,7 +3680,7 @@
             <a:fld id="{E8B92B60-3ACF-4E3B-ACCA-3CF86291A092}" type="datetimeFigureOut">
               <a:rPr lang="en-AU" smtClean="0"/>
               <a:pPr/>
-              <a:t>5/06/2017</a:t>
+              <a:t>6/06/2017</a:t>
             </a:fld>
             <a:endParaRPr lang="en-AU"/>
           </a:p>
@@ -3939,7 +3930,7 @@
             <a:fld id="{E8B92B60-3ACF-4E3B-ACCA-3CF86291A092}" type="datetimeFigureOut">
               <a:rPr lang="en-AU" smtClean="0"/>
               <a:pPr/>
-              <a:t>5/06/2017</a:t>
+              <a:t>6/06/2017</a:t>
             </a:fld>
             <a:endParaRPr lang="en-AU"/>
           </a:p>
@@ -4149,7 +4140,7 @@
             <a:fld id="{E8B92B60-3ACF-4E3B-ACCA-3CF86291A092}" type="datetimeFigureOut">
               <a:rPr lang="en-AU" smtClean="0"/>
               <a:pPr/>
-              <a:t>5/06/2017</a:t>
+              <a:t>6/06/2017</a:t>
             </a:fld>
             <a:endParaRPr lang="en-AU"/>
           </a:p>
@@ -4968,8 +4959,8 @@
         </p:nvCxnSpPr>
         <p:spPr>
           <a:xfrm>
-            <a:off x="6894850" y="7957008"/>
-            <a:ext cx="481982" cy="0"/>
+            <a:off x="5073079" y="7924023"/>
+            <a:ext cx="864096" cy="0"/>
           </a:xfrm>
           <a:prstGeom prst="straightConnector1">
             <a:avLst/>
@@ -5842,13 +5833,13 @@
         </p:nvSpPr>
         <p:spPr>
           <a:xfrm rot="10800000" flipV="1">
-            <a:off x="4136975" y="12673979"/>
-            <a:ext cx="6153200" cy="3672408"/>
+            <a:off x="4248471" y="12601971"/>
+            <a:ext cx="4785048" cy="3672408"/>
           </a:xfrm>
           <a:prstGeom prst="arc">
             <a:avLst>
-              <a:gd name="adj1" fmla="val 16273522"/>
-              <a:gd name="adj2" fmla="val 21022623"/>
+              <a:gd name="adj1" fmla="val 17427848"/>
+              <a:gd name="adj2" fmla="val 20934109"/>
             </a:avLst>
           </a:prstGeom>
           <a:ln w="53975">
@@ -5893,13 +5884,13 @@
         </p:nvSpPr>
         <p:spPr>
           <a:xfrm rot="10800000" flipV="1">
-            <a:off x="4352999" y="13394059"/>
-            <a:ext cx="5472608" cy="2232248"/>
+            <a:off x="4425007" y="13394059"/>
+            <a:ext cx="4968552" cy="2088232"/>
           </a:xfrm>
           <a:prstGeom prst="arc">
             <a:avLst>
-              <a:gd name="adj1" fmla="val 16200000"/>
-              <a:gd name="adj2" fmla="val 21170846"/>
+              <a:gd name="adj1" fmla="val 17296350"/>
+              <a:gd name="adj2" fmla="val 21207025"/>
             </a:avLst>
           </a:prstGeom>
           <a:ln w="53975">
@@ -5995,8 +5986,8 @@
         </p:nvSpPr>
         <p:spPr>
           <a:xfrm rot="10800000" flipV="1">
-            <a:off x="4715597" y="13322051"/>
-            <a:ext cx="5149499" cy="2808312"/>
+            <a:off x="4715596" y="13322051"/>
+            <a:ext cx="5182018" cy="2808312"/>
           </a:xfrm>
           <a:prstGeom prst="arc">
             <a:avLst>
@@ -6046,11 +6037,13 @@
         </p:nvSpPr>
         <p:spPr>
           <a:xfrm>
-            <a:off x="6297215" y="13034019"/>
-            <a:ext cx="3600400" cy="1140738"/>
+            <a:off x="6369223" y="13034019"/>
+            <a:ext cx="3456384" cy="1210538"/>
           </a:xfrm>
           <a:prstGeom prst="roundRect">
-            <a:avLst/>
+            <a:avLst>
+              <a:gd name="adj" fmla="val 26687"/>
+            </a:avLst>
           </a:prstGeom>
           <a:solidFill>
             <a:srgbClr val="37474F"/>
@@ -6075,8 +6068,16 @@
                 <a:ea typeface="Corbel" charset="0"/>
                 <a:cs typeface="Corbel" charset="0"/>
               </a:rPr>
-              <a:t>Creators</a:t>
-            </a:r>
+              <a:t> 💡 Creators</a:t>
+            </a:r>
+            <a:endParaRPr lang="en-US" sz="2000" b="1" dirty="0" smtClean="0">
+              <a:solidFill>
+                <a:srgbClr val="FFD966"/>
+              </a:solidFill>
+              <a:latin typeface="Corbel" charset="0"/>
+              <a:ea typeface="Corbel" charset="0"/>
+              <a:cs typeface="Corbel" charset="0"/>
+            </a:endParaRPr>
           </a:p>
           <a:p>
             <a:pPr algn="ctr"/>
@@ -6090,7 +6091,7 @@
             </a:endParaRPr>
           </a:p>
           <a:p>
-            <a:pPr marL="342900" indent="-342900">
+            <a:pPr marL="231775" indent="-231775">
               <a:buFont typeface="Arial" charset="0"/>
               <a:buChar char="•"/>
             </a:pPr>
@@ -6107,7 +6108,7 @@
             </a:r>
           </a:p>
           <a:p>
-            <a:pPr marL="342900" indent="-342900">
+            <a:pPr marL="231775" indent="-231775">
               <a:buFont typeface="Arial" charset="0"/>
               <a:buChar char="•"/>
             </a:pPr>
@@ -6141,12 +6142,12 @@
         </p:nvSpPr>
         <p:spPr>
           <a:xfrm>
-            <a:off x="6297215" y="14330163"/>
-            <a:ext cx="3600400" cy="2323148"/>
+            <a:off x="6369223" y="14330163"/>
+            <a:ext cx="3456384" cy="2345918"/>
           </a:xfrm>
           <a:prstGeom prst="roundRect">
             <a:avLst>
-              <a:gd name="adj" fmla="val 8317"/>
+              <a:gd name="adj" fmla="val 15346"/>
             </a:avLst>
           </a:prstGeom>
           <a:solidFill>
@@ -6163,6 +6164,17 @@
           <a:lstStyle/>
           <a:p>
             <a:pPr algn="ctr"/>
+            <a:r>
+              <a:rPr lang="en-US" sz="2000" b="1" dirty="0">
+                <a:solidFill>
+                  <a:srgbClr val="FFD966"/>
+                </a:solidFill>
+                <a:latin typeface="Corbel" charset="0"/>
+                <a:ea typeface="Corbel" charset="0"/>
+                <a:cs typeface="Corbel" charset="0"/>
+              </a:rPr>
+              <a:t>🛠  </a:t>
+            </a:r>
             <a:r>
               <a:rPr lang="en-US" sz="2000" b="1" dirty="0" smtClean="0">
                 <a:solidFill>
@@ -6198,7 +6210,7 @@
             </a:endParaRPr>
           </a:p>
           <a:p>
-            <a:pPr marL="342900" indent="-342900">
+            <a:pPr marL="231775" indent="-231775">
               <a:buFont typeface="Arial" charset="0"/>
               <a:buChar char="•"/>
             </a:pPr>
@@ -6215,7 +6227,7 @@
             </a:r>
           </a:p>
           <a:p>
-            <a:pPr marL="342900" indent="-342900">
+            <a:pPr marL="231775" indent="-231775">
               <a:buFont typeface="Arial" charset="0"/>
               <a:buChar char="•"/>
             </a:pPr>
@@ -6232,7 +6244,7 @@
             </a:r>
           </a:p>
           <a:p>
-            <a:pPr marL="342900" indent="-342900">
+            <a:pPr marL="231775" indent="-231775">
               <a:buFont typeface="Arial" charset="0"/>
               <a:buChar char="•"/>
             </a:pPr>
@@ -6249,7 +6261,7 @@
             </a:r>
           </a:p>
           <a:p>
-            <a:pPr marL="342900" indent="-342900">
+            <a:pPr marL="231775" indent="-231775">
               <a:buFont typeface="Arial" charset="0"/>
               <a:buChar char="•"/>
             </a:pPr>
@@ -6266,7 +6278,7 @@
             </a:r>
           </a:p>
           <a:p>
-            <a:pPr marL="342900" indent="-342900">
+            <a:pPr marL="231775" indent="-231775">
               <a:buFont typeface="Arial" charset="0"/>
               <a:buChar char="•"/>
             </a:pPr>
@@ -6300,13 +6312,13 @@
         </p:nvSpPr>
         <p:spPr>
           <a:xfrm rot="10800000" flipV="1">
-            <a:off x="4064967" y="12745987"/>
-            <a:ext cx="5256584" cy="2880320"/>
+            <a:off x="4064967" y="12673979"/>
+            <a:ext cx="5256584" cy="2952328"/>
           </a:xfrm>
           <a:prstGeom prst="arc">
             <a:avLst>
-              <a:gd name="adj1" fmla="val 16922661"/>
-              <a:gd name="adj2" fmla="val 21241058"/>
+              <a:gd name="adj1" fmla="val 17836092"/>
+              <a:gd name="adj2" fmla="val 21297843"/>
             </a:avLst>
           </a:prstGeom>
           <a:ln w="53975">
@@ -6336,132 +6348,6 @@
           <a:p>
             <a:pPr algn="ctr"/>
             <a:endParaRPr lang="en-US">
-              <a:latin typeface="Corbel" charset="0"/>
-              <a:ea typeface="Corbel" charset="0"/>
-              <a:cs typeface="Corbel" charset="0"/>
-            </a:endParaRPr>
-          </a:p>
-        </p:txBody>
-      </p:sp>
-      <p:sp>
-        <p:nvSpPr>
-          <p:cNvPr id="94" name="TextBox 93"/>
-          <p:cNvSpPr txBox="1"/>
-          <p:nvPr/>
-        </p:nvSpPr>
-        <p:spPr>
-          <a:xfrm>
-            <a:off x="914807" y="7921451"/>
-            <a:ext cx="2804933" cy="1975009"/>
-          </a:xfrm>
-          <a:prstGeom prst="roundRect">
-            <a:avLst/>
-          </a:prstGeom>
-          <a:solidFill>
-            <a:srgbClr val="37474F"/>
-          </a:solidFill>
-        </p:spPr>
-        <p:txBody>
-          <a:bodyPr wrap="square" rtlCol="0">
-            <a:spAutoFit/>
-          </a:bodyPr>
-          <a:lstStyle/>
-          <a:p>
-            <a:pPr algn="ctr"/>
-            <a:r>
-              <a:rPr lang="en-US" sz="2000" b="1" dirty="0" smtClean="0">
-                <a:solidFill>
-                  <a:srgbClr val="FFD966"/>
-                </a:solidFill>
-                <a:latin typeface="Corbel" charset="0"/>
-                <a:ea typeface="Corbel" charset="0"/>
-                <a:cs typeface="Corbel" charset="0"/>
-              </a:rPr>
-              <a:t>🛠 Configure</a:t>
-            </a:r>
-          </a:p>
-          <a:p>
-            <a:pPr algn="ctr"/>
-            <a:endParaRPr lang="en-US" sz="1000" b="1" dirty="0" smtClean="0">
-              <a:solidFill>
-                <a:srgbClr val="E0E0E0"/>
-              </a:solidFill>
-              <a:latin typeface="Corbel" charset="0"/>
-              <a:ea typeface="Corbel" charset="0"/>
-              <a:cs typeface="Corbel" charset="0"/>
-            </a:endParaRPr>
-          </a:p>
-          <a:p>
-            <a:pPr marL="342900" indent="-342900">
-              <a:buFont typeface="Arial" charset="0"/>
-              <a:buChar char="•"/>
-            </a:pPr>
-            <a:r>
-              <a:rPr lang="en-US" sz="2000" dirty="0" smtClean="0">
-                <a:solidFill>
-                  <a:srgbClr val="E0E0E0"/>
-                </a:solidFill>
-                <a:latin typeface="Corbel" charset="0"/>
-                <a:ea typeface="Corbel" charset="0"/>
-                <a:cs typeface="Corbel" charset="0"/>
-              </a:rPr>
-              <a:t>Curate data</a:t>
-            </a:r>
-          </a:p>
-          <a:p>
-            <a:pPr marL="342900" indent="-342900">
-              <a:buFont typeface="Arial" charset="0"/>
-              <a:buChar char="•"/>
-            </a:pPr>
-            <a:r>
-              <a:rPr lang="en-US" sz="2000" dirty="0" smtClean="0">
-                <a:solidFill>
-                  <a:srgbClr val="E0E0E0"/>
-                </a:solidFill>
-                <a:latin typeface="Corbel" charset="0"/>
-                <a:ea typeface="Corbel" charset="0"/>
-                <a:cs typeface="Corbel" charset="0"/>
-              </a:rPr>
-              <a:t>Manage users</a:t>
-            </a:r>
-          </a:p>
-          <a:p>
-            <a:pPr marL="342900" indent="-342900">
-              <a:buFont typeface="Arial" charset="0"/>
-              <a:buChar char="•"/>
-            </a:pPr>
-            <a:r>
-              <a:rPr lang="en-US" sz="2000" dirty="0" smtClean="0">
-                <a:solidFill>
-                  <a:srgbClr val="E0E0E0"/>
-                </a:solidFill>
-                <a:latin typeface="Corbel" charset="0"/>
-                <a:ea typeface="Corbel" charset="0"/>
-                <a:cs typeface="Corbel" charset="0"/>
-              </a:rPr>
-              <a:t>Model metadata</a:t>
-            </a:r>
-          </a:p>
-          <a:p>
-            <a:pPr marL="342900" indent="-342900">
-              <a:buFont typeface="Arial" charset="0"/>
-              <a:buChar char="•"/>
-            </a:pPr>
-            <a:r>
-              <a:rPr lang="en-US" sz="2000" dirty="0" smtClean="0">
-                <a:solidFill>
-                  <a:srgbClr val="E0E0E0"/>
-                </a:solidFill>
-                <a:latin typeface="Corbel" charset="0"/>
-                <a:ea typeface="Corbel" charset="0"/>
-                <a:cs typeface="Corbel" charset="0"/>
-              </a:rPr>
-              <a:t>Configure workflow</a:t>
-            </a:r>
-            <a:endParaRPr lang="en-US" sz="2000" dirty="0">
-              <a:solidFill>
-                <a:srgbClr val="E0E0E0"/>
-              </a:solidFill>
               <a:latin typeface="Corbel" charset="0"/>
               <a:ea typeface="Corbel" charset="0"/>
               <a:cs typeface="Corbel" charset="0"/>
@@ -6491,7 +6377,7 @@
         </p:blipFill>
         <p:spPr>
           <a:xfrm>
-            <a:off x="3870514" y="8101024"/>
+            <a:off x="1976735" y="8136831"/>
             <a:ext cx="707875" cy="576064"/>
           </a:xfrm>
           <a:prstGeom prst="rect">
@@ -6510,7 +6396,7 @@
         </p:nvSpPr>
         <p:spPr>
           <a:xfrm>
-            <a:off x="6318786" y="7596968"/>
+            <a:off x="4641031" y="7578725"/>
             <a:ext cx="685800" cy="685800"/>
           </a:xfrm>
           <a:prstGeom prst="rect">
@@ -6574,7 +6460,7 @@
         </p:nvSpPr>
         <p:spPr>
           <a:xfrm>
-            <a:off x="6318786" y="8493620"/>
+            <a:off x="4640263" y="8586788"/>
             <a:ext cx="685800" cy="685800"/>
           </a:xfrm>
           <a:prstGeom prst="rect">
@@ -6638,7 +6524,7 @@
         </p:nvSpPr>
         <p:spPr>
           <a:xfrm>
-            <a:off x="7377335" y="7596968"/>
+            <a:off x="5937175" y="7578725"/>
             <a:ext cx="1152128" cy="685800"/>
           </a:xfrm>
           <a:prstGeom prst="rect">
@@ -6704,7 +6590,7 @@
         </p:nvSpPr>
         <p:spPr>
           <a:xfrm>
-            <a:off x="7377335" y="8821104"/>
+            <a:off x="5937175" y="8785547"/>
             <a:ext cx="1152128" cy="685800"/>
           </a:xfrm>
           <a:prstGeom prst="rect">
@@ -6770,7 +6656,7 @@
         </p:nvSpPr>
         <p:spPr>
           <a:xfrm>
-            <a:off x="9017362" y="7236928"/>
+            <a:off x="8059687" y="7129363"/>
             <a:ext cx="685800" cy="685800"/>
           </a:xfrm>
           <a:prstGeom prst="rect">
@@ -6834,7 +6720,7 @@
         </p:nvSpPr>
         <p:spPr>
           <a:xfrm>
-            <a:off x="9017362" y="8029016"/>
+            <a:off x="8059687" y="7955731"/>
             <a:ext cx="685800" cy="685800"/>
           </a:xfrm>
           <a:prstGeom prst="rect">
@@ -6898,7 +6784,7 @@
         </p:nvSpPr>
         <p:spPr>
           <a:xfrm>
-            <a:off x="9017361" y="8821104"/>
+            <a:off x="8059687" y="8785547"/>
             <a:ext cx="685800" cy="685800"/>
           </a:xfrm>
           <a:prstGeom prst="rect">
@@ -6957,14 +6843,12 @@
       <p:cxnSp>
         <p:nvCxnSpPr>
           <p:cNvPr id="109" name="Straight Arrow Connector 108"/>
-          <p:cNvCxnSpPr>
-            <a:stCxn id="97" idx="3"/>
-          </p:cNvCxnSpPr>
+          <p:cNvCxnSpPr/>
           <p:nvPr/>
         </p:nvCxnSpPr>
         <p:spPr>
           <a:xfrm>
-            <a:off x="4578389" y="8389056"/>
+            <a:off x="2624807" y="8424863"/>
             <a:ext cx="481982" cy="0"/>
           </a:xfrm>
           <a:prstGeom prst="straightConnector1">
@@ -7004,8 +6888,8 @@
         </p:nvCxnSpPr>
         <p:spPr>
           <a:xfrm>
-            <a:off x="7004586" y="8836520"/>
-            <a:ext cx="372749" cy="327484"/>
+            <a:off x="5326063" y="8929688"/>
+            <a:ext cx="611112" cy="198759"/>
           </a:xfrm>
           <a:prstGeom prst="bentConnector3">
             <a:avLst>
@@ -7045,8 +6929,8 @@
         </p:nvCxnSpPr>
         <p:spPr>
           <a:xfrm flipH="1">
-            <a:off x="8529463" y="9164004"/>
-            <a:ext cx="487898" cy="0"/>
+            <a:off x="7089303" y="9128447"/>
+            <a:ext cx="970384" cy="0"/>
           </a:xfrm>
           <a:prstGeom prst="straightConnector1">
             <a:avLst/>
@@ -7074,263 +6958,6 @@
           </a:fontRef>
         </p:style>
       </p:cxnSp>
-      <p:sp>
-        <p:nvSpPr>
-          <p:cNvPr id="21" name="Rounded Rectangle 20"/>
-          <p:cNvSpPr/>
-          <p:nvPr/>
-        </p:nvSpPr>
-        <p:spPr>
-          <a:xfrm>
-            <a:off x="5598706" y="9974127"/>
-            <a:ext cx="3650837" cy="1547724"/>
-          </a:xfrm>
-          <a:prstGeom prst="roundRect">
-            <a:avLst/>
-          </a:prstGeom>
-          <a:solidFill>
-            <a:srgbClr val="37474F"/>
-          </a:solidFill>
-          <a:ln>
-            <a:noFill/>
-          </a:ln>
-        </p:spPr>
-        <p:style>
-          <a:lnRef idx="2">
-            <a:schemeClr val="accent1">
-              <a:shade val="50000"/>
-            </a:schemeClr>
-          </a:lnRef>
-          <a:fillRef idx="1">
-            <a:schemeClr val="accent1"/>
-          </a:fillRef>
-          <a:effectRef idx="0">
-            <a:schemeClr val="accent1"/>
-          </a:effectRef>
-          <a:fontRef idx="minor">
-            <a:schemeClr val="lt1"/>
-          </a:fontRef>
-        </p:style>
-        <p:txBody>
-          <a:bodyPr rtlCol="0" anchor="ctr"/>
-          <a:lstStyle/>
-          <a:p>
-            <a:pPr algn="ctr"/>
-            <a:endParaRPr lang="en-US"/>
-          </a:p>
-        </p:txBody>
-      </p:sp>
-      <p:sp>
-        <p:nvSpPr>
-          <p:cNvPr id="171" name="TextBox 170"/>
-          <p:cNvSpPr txBox="1"/>
-          <p:nvPr/>
-        </p:nvSpPr>
-        <p:spPr>
-          <a:xfrm>
-            <a:off x="1976735" y="10227880"/>
-            <a:ext cx="2448272" cy="1293971"/>
-          </a:xfrm>
-          <a:prstGeom prst="roundRect">
-            <a:avLst/>
-          </a:prstGeom>
-          <a:solidFill>
-            <a:srgbClr val="37474F"/>
-          </a:solidFill>
-        </p:spPr>
-        <p:txBody>
-          <a:bodyPr wrap="square" rtlCol="0">
-            <a:spAutoFit/>
-          </a:bodyPr>
-          <a:lstStyle/>
-          <a:p>
-            <a:pPr algn="ctr"/>
-            <a:r>
-              <a:rPr lang="en-US" sz="2000" b="1" dirty="0">
-                <a:solidFill>
-                  <a:srgbClr val="FFD966"/>
-                </a:solidFill>
-                <a:latin typeface="Corbel" charset="0"/>
-                <a:ea typeface="Corbel" charset="0"/>
-                <a:cs typeface="Corbel" charset="0"/>
-              </a:rPr>
-              <a:t>📮 </a:t>
-            </a:r>
-            <a:r>
-              <a:rPr lang="en-US" sz="2000" b="1" dirty="0" smtClean="0">
-                <a:solidFill>
-                  <a:srgbClr val="FFD966"/>
-                </a:solidFill>
-                <a:latin typeface="Corbel" charset="0"/>
-                <a:ea typeface="Corbel" charset="0"/>
-                <a:cs typeface="Corbel" charset="0"/>
-              </a:rPr>
-              <a:t>Submit</a:t>
-            </a:r>
-          </a:p>
-          <a:p>
-            <a:pPr algn="ctr"/>
-            <a:endParaRPr lang="en-US" sz="1000" b="1" dirty="0" smtClean="0">
-              <a:solidFill>
-                <a:srgbClr val="E0E0E0"/>
-              </a:solidFill>
-              <a:latin typeface="Corbel" charset="0"/>
-              <a:ea typeface="Corbel" charset="0"/>
-              <a:cs typeface="Corbel" charset="0"/>
-            </a:endParaRPr>
-          </a:p>
-          <a:p>
-            <a:pPr marL="342900" indent="-342900">
-              <a:buFont typeface="Arial" charset="0"/>
-              <a:buChar char="•"/>
-            </a:pPr>
-            <a:r>
-              <a:rPr lang="en-US" sz="2000" dirty="0" smtClean="0">
-                <a:solidFill>
-                  <a:srgbClr val="E0E0E0"/>
-                </a:solidFill>
-                <a:latin typeface="Corbel" charset="0"/>
-                <a:ea typeface="Corbel" charset="0"/>
-                <a:cs typeface="Corbel" charset="0"/>
-              </a:rPr>
-              <a:t>Deposit files</a:t>
-            </a:r>
-          </a:p>
-          <a:p>
-            <a:pPr marL="342900" indent="-342900">
-              <a:buFont typeface="Arial" charset="0"/>
-              <a:buChar char="•"/>
-            </a:pPr>
-            <a:r>
-              <a:rPr lang="en-US" sz="2000" dirty="0" smtClean="0">
-                <a:solidFill>
-                  <a:srgbClr val="E0E0E0"/>
-                </a:solidFill>
-                <a:latin typeface="Corbel" charset="0"/>
-                <a:ea typeface="Corbel" charset="0"/>
-                <a:cs typeface="Corbel" charset="0"/>
-              </a:rPr>
-              <a:t>Create metadata</a:t>
-            </a:r>
-          </a:p>
-        </p:txBody>
-      </p:sp>
-      <p:sp>
-        <p:nvSpPr>
-          <p:cNvPr id="172" name="TextBox 171"/>
-          <p:cNvSpPr txBox="1"/>
-          <p:nvPr/>
-        </p:nvSpPr>
-        <p:spPr>
-          <a:xfrm>
-            <a:off x="5577135" y="10369723"/>
-            <a:ext cx="3672408" cy="1123712"/>
-          </a:xfrm>
-          <a:prstGeom prst="roundRect">
-            <a:avLst/>
-          </a:prstGeom>
-          <a:noFill/>
-        </p:spPr>
-        <p:txBody>
-          <a:bodyPr wrap="square" numCol="2" rtlCol="0">
-            <a:spAutoFit/>
-          </a:bodyPr>
-          <a:lstStyle/>
-          <a:p>
-            <a:pPr marL="342900" indent="-342900">
-              <a:buFont typeface="Arial" charset="0"/>
-              <a:buChar char="•"/>
-            </a:pPr>
-            <a:r>
-              <a:rPr lang="en-US" sz="2000" dirty="0" smtClean="0">
-                <a:solidFill>
-                  <a:srgbClr val="E0E0E0"/>
-                </a:solidFill>
-                <a:latin typeface="Corbel" charset="0"/>
-                <a:ea typeface="Corbel" charset="0"/>
-                <a:cs typeface="Corbel" charset="0"/>
-              </a:rPr>
-              <a:t>Catalog</a:t>
-            </a:r>
-          </a:p>
-          <a:p>
-            <a:pPr marL="342900" indent="-342900">
-              <a:buFont typeface="Arial" charset="0"/>
-              <a:buChar char="•"/>
-            </a:pPr>
-            <a:r>
-              <a:rPr lang="en-US" sz="2000" dirty="0" smtClean="0">
-                <a:solidFill>
-                  <a:srgbClr val="E0E0E0"/>
-                </a:solidFill>
-                <a:latin typeface="Corbel" charset="0"/>
-                <a:ea typeface="Corbel" charset="0"/>
-                <a:cs typeface="Corbel" charset="0"/>
-              </a:rPr>
-              <a:t>Transcribe</a:t>
-            </a:r>
-          </a:p>
-          <a:p>
-            <a:pPr marL="342900" indent="-342900">
-              <a:buFont typeface="Arial" charset="0"/>
-              <a:buChar char="•"/>
-            </a:pPr>
-            <a:r>
-              <a:rPr lang="en-US" sz="2000" dirty="0" smtClean="0">
-                <a:solidFill>
-                  <a:srgbClr val="E0E0E0"/>
-                </a:solidFill>
-                <a:latin typeface="Corbel" charset="0"/>
-                <a:ea typeface="Corbel" charset="0"/>
-                <a:cs typeface="Corbel" charset="0"/>
-              </a:rPr>
-              <a:t>Encode</a:t>
-            </a:r>
-          </a:p>
-          <a:p>
-            <a:pPr marL="342900" indent="-342900">
-              <a:buFont typeface="Arial" charset="0"/>
-              <a:buChar char="•"/>
-            </a:pPr>
-            <a:r>
-              <a:rPr lang="en-US" sz="2000" dirty="0" smtClean="0">
-                <a:solidFill>
-                  <a:srgbClr val="E0E0E0"/>
-                </a:solidFill>
-                <a:latin typeface="Corbel" charset="0"/>
-                <a:ea typeface="Corbel" charset="0"/>
-                <a:cs typeface="Corbel" charset="0"/>
-              </a:rPr>
-              <a:t>Translate</a:t>
-            </a:r>
-          </a:p>
-          <a:p>
-            <a:pPr marL="342900" indent="-342900">
-              <a:buFont typeface="Arial" charset="0"/>
-              <a:buChar char="•"/>
-            </a:pPr>
-            <a:r>
-              <a:rPr lang="en-US" sz="2000" dirty="0" smtClean="0">
-                <a:solidFill>
-                  <a:srgbClr val="E0E0E0"/>
-                </a:solidFill>
-                <a:latin typeface="Corbel" charset="0"/>
-                <a:ea typeface="Corbel" charset="0"/>
-                <a:cs typeface="Corbel" charset="0"/>
-              </a:rPr>
-              <a:t>Transliterate</a:t>
-            </a:r>
-            <a:endParaRPr lang="en-US" sz="2000" dirty="0">
-              <a:solidFill>
-                <a:srgbClr val="E0E0E0"/>
-              </a:solidFill>
-              <a:latin typeface="Corbel" charset="0"/>
-              <a:ea typeface="Corbel" charset="0"/>
-              <a:cs typeface="Corbel" charset="0"/>
-            </a:endParaRPr>
-          </a:p>
-        </p:txBody>
-      </p:sp>
       <p:pic>
         <p:nvPicPr>
           <p:cNvPr id="190" name="Picture 189"/>
@@ -7353,7 +6980,7 @@
         </p:blipFill>
         <p:spPr>
           <a:xfrm>
-            <a:off x="3870514" y="9109136"/>
+            <a:off x="1976735" y="9289356"/>
             <a:ext cx="707875" cy="576064"/>
           </a:xfrm>
           <a:prstGeom prst="rect">
@@ -7367,14 +6994,12 @@
       <p:cxnSp>
         <p:nvCxnSpPr>
           <p:cNvPr id="196" name="Straight Arrow Connector 195"/>
-          <p:cNvCxnSpPr>
-            <a:stCxn id="190" idx="3"/>
-          </p:cNvCxnSpPr>
+          <p:cNvCxnSpPr/>
           <p:nvPr/>
         </p:nvCxnSpPr>
         <p:spPr>
           <a:xfrm>
-            <a:off x="4578389" y="9397168"/>
+            <a:off x="2624138" y="9577635"/>
             <a:ext cx="384450" cy="0"/>
           </a:xfrm>
           <a:prstGeom prst="straightConnector1">
@@ -7410,9 +7035,9 @@
           <p:nvPr/>
         </p:nvCxnSpPr>
         <p:spPr>
-          <a:xfrm flipH="1">
-            <a:off x="5501174" y="8386885"/>
-            <a:ext cx="457572" cy="0"/>
+          <a:xfrm flipH="1" flipV="1">
+            <a:off x="3776935" y="8425507"/>
+            <a:ext cx="576064" cy="2410"/>
           </a:xfrm>
           <a:prstGeom prst="straightConnector1">
             <a:avLst/>
@@ -7444,15 +7069,14 @@
         <p:nvCxnSpPr>
           <p:cNvPr id="220" name="Elbow Connector 219"/>
           <p:cNvCxnSpPr>
-            <a:stCxn id="117" idx="3"/>
             <a:endCxn id="100" idx="2"/>
           </p:cNvCxnSpPr>
           <p:nvPr/>
         </p:nvCxnSpPr>
         <p:spPr>
           <a:xfrm flipV="1">
-            <a:off x="5742722" y="9179420"/>
-            <a:ext cx="918964" cy="217748"/>
+            <a:off x="3632919" y="9272588"/>
+            <a:ext cx="1350244" cy="305047"/>
           </a:xfrm>
           <a:prstGeom prst="bentConnector2">
             <a:avLst/>
@@ -7490,12 +7114,12 @@
         </p:nvCxnSpPr>
         <p:spPr>
           <a:xfrm rot="10800000" flipV="1">
-            <a:off x="9017362" y="7579828"/>
-            <a:ext cx="12700" cy="792088"/>
+            <a:off x="8059687" y="7472263"/>
+            <a:ext cx="12700" cy="826368"/>
           </a:xfrm>
           <a:prstGeom prst="bentConnector3">
             <a:avLst>
-              <a:gd name="adj1" fmla="val 1639661"/>
+              <a:gd name="adj1" fmla="val 3130441"/>
             </a:avLst>
           </a:prstGeom>
           <a:ln w="25400">
@@ -7528,9 +7152,9 @@
           <p:nvPr/>
         </p:nvCxnSpPr>
         <p:spPr>
-          <a:xfrm rot="-600000">
-            <a:off x="8526997" y="7939868"/>
-            <a:ext cx="288032" cy="53591"/>
+          <a:xfrm rot="120000" flipV="1">
+            <a:off x="7089303" y="7921625"/>
+            <a:ext cx="576064" cy="16966"/>
           </a:xfrm>
           <a:prstGeom prst="straightConnector1">
             <a:avLst/>
@@ -7566,7 +7190,7 @@
         </p:nvSpPr>
         <p:spPr>
           <a:xfrm>
-            <a:off x="1544687" y="7201371"/>
+            <a:off x="752599" y="7129363"/>
             <a:ext cx="3528392" cy="529376"/>
           </a:xfrm>
           <a:prstGeom prst="rect">
@@ -7862,7 +7486,7 @@
         </p:blipFill>
         <p:spPr>
           <a:xfrm>
-            <a:off x="3686924" y="4177035"/>
+            <a:off x="3254108" y="5977235"/>
             <a:ext cx="1386155" cy="504056"/>
           </a:xfrm>
           <a:prstGeom prst="rect">
@@ -7891,8 +7515,8 @@
         </p:blipFill>
         <p:spPr>
           <a:xfrm>
-            <a:off x="1904727" y="4969123"/>
-            <a:ext cx="1484389" cy="1111532"/>
+            <a:off x="1652961" y="5401171"/>
+            <a:ext cx="1153952" cy="864096"/>
           </a:xfrm>
           <a:prstGeom prst="rect">
             <a:avLst/>
@@ -7936,14 +7560,6 @@
               </a:rPr>
               <a:t>System: Charon</a:t>
             </a:r>
-            <a:endParaRPr lang="en-US" sz="2800" dirty="0" smtClean="0">
-              <a:solidFill>
-                <a:srgbClr val="37474F"/>
-              </a:solidFill>
-              <a:latin typeface="Corbel" charset="0"/>
-              <a:ea typeface="Corbel" charset="0"/>
-              <a:cs typeface="Corbel" charset="0"/>
-            </a:endParaRPr>
           </a:p>
         </p:txBody>
       </p:sp>
@@ -7969,8 +7585,8 @@
         </p:blipFill>
         <p:spPr>
           <a:xfrm>
-            <a:off x="968623" y="3744987"/>
-            <a:ext cx="1440160" cy="1440160"/>
+            <a:off x="1400671" y="4177035"/>
+            <a:ext cx="1080120" cy="1080120"/>
           </a:xfrm>
           <a:prstGeom prst="rect">
             <a:avLst/>
@@ -7999,7 +7615,7 @@
         </p:blipFill>
         <p:spPr>
           <a:xfrm>
-            <a:off x="2624807" y="4249043"/>
+            <a:off x="4208477" y="5401171"/>
             <a:ext cx="792088" cy="519234"/>
           </a:xfrm>
           <a:prstGeom prst="rect">
@@ -8029,7 +7645,7 @@
         </p:blipFill>
         <p:spPr>
           <a:xfrm>
-            <a:off x="3632919" y="5473179"/>
+            <a:off x="3128863" y="4321051"/>
             <a:ext cx="1249754" cy="720080"/>
           </a:xfrm>
           <a:prstGeom prst="rect">
@@ -8045,7 +7661,7 @@
         </p:nvSpPr>
         <p:spPr>
           <a:xfrm>
-            <a:off x="3776935" y="4897115"/>
+            <a:off x="2085009" y="6193259"/>
             <a:ext cx="1025179" cy="338554"/>
           </a:xfrm>
           <a:prstGeom prst="rect">
@@ -8121,6 +7737,114 @@
               </a:rPr>
               <a:t>Components</a:t>
             </a:r>
+          </a:p>
+        </p:txBody>
+      </p:sp>
+      <p:sp>
+        <p:nvSpPr>
+          <p:cNvPr id="117" name="Diamond 116"/>
+          <p:cNvSpPr/>
+          <p:nvPr/>
+        </p:nvSpPr>
+        <p:spPr>
+          <a:xfrm>
+            <a:off x="2984847" y="9145340"/>
+            <a:ext cx="864096" cy="864096"/>
+          </a:xfrm>
+          <a:prstGeom prst="diamond">
+            <a:avLst/>
+          </a:prstGeom>
+          <a:solidFill>
+            <a:srgbClr val="FFD966"/>
+          </a:solidFill>
+          <a:ln>
+            <a:noFill/>
+          </a:ln>
+        </p:spPr>
+        <p:style>
+          <a:lnRef idx="2">
+            <a:schemeClr val="accent1">
+              <a:shade val="50000"/>
+            </a:schemeClr>
+          </a:lnRef>
+          <a:fillRef idx="1">
+            <a:schemeClr val="accent1"/>
+          </a:fillRef>
+          <a:effectRef idx="0">
+            <a:schemeClr val="accent1"/>
+          </a:effectRef>
+          <a:fontRef idx="minor">
+            <a:schemeClr val="lt1"/>
+          </a:fontRef>
+        </p:style>
+        <p:txBody>
+          <a:bodyPr lIns="0" tIns="0" rIns="0" bIns="0" rtlCol="0" anchor="ctr"/>
+          <a:lstStyle/>
+          <a:p>
+            <a:pPr algn="ctr"/>
+            <a:r>
+              <a:rPr lang="en-US" sz="1800" dirty="0" smtClean="0">
+                <a:solidFill>
+                  <a:srgbClr val="37474F"/>
+                </a:solidFill>
+                <a:latin typeface="Corbel" charset="0"/>
+                <a:ea typeface="Corbel" charset="0"/>
+                <a:cs typeface="Corbel" charset="0"/>
+              </a:rPr>
+              <a:t>Role</a:t>
+            </a:r>
+            <a:endParaRPr lang="en-US" sz="1800" dirty="0">
+              <a:solidFill>
+                <a:srgbClr val="37474F"/>
+              </a:solidFill>
+              <a:latin typeface="Corbel" charset="0"/>
+              <a:ea typeface="Corbel" charset="0"/>
+              <a:cs typeface="Corbel" charset="0"/>
+            </a:endParaRPr>
+          </a:p>
+        </p:txBody>
+      </p:sp>
+      <p:sp>
+        <p:nvSpPr>
+          <p:cNvPr id="14" name="TextBox 13"/>
+          <p:cNvSpPr txBox="1"/>
+          <p:nvPr/>
+        </p:nvSpPr>
+        <p:spPr>
+          <a:xfrm>
+            <a:off x="5217095" y="12025907"/>
+            <a:ext cx="3456384" cy="914489"/>
+          </a:xfrm>
+          <a:prstGeom prst="roundRect">
+            <a:avLst>
+              <a:gd name="adj" fmla="val 30368"/>
+            </a:avLst>
+          </a:prstGeom>
+          <a:solidFill>
+            <a:srgbClr val="37474F"/>
+          </a:solidFill>
+          <a:ln>
+            <a:noFill/>
+          </a:ln>
+        </p:spPr>
+        <p:txBody>
+          <a:bodyPr wrap="square" rtlCol="0">
+            <a:spAutoFit/>
+          </a:bodyPr>
+          <a:lstStyle/>
+          <a:p>
+            <a:pPr algn="ctr"/>
+            <a:r>
+              <a:rPr lang="en-US" sz="2000" b="1" dirty="0" smtClean="0">
+                <a:solidFill>
+                  <a:srgbClr val="FFD966"/>
+                </a:solidFill>
+                <a:latin typeface="Corbel" charset="0"/>
+                <a:ea typeface="Corbel" charset="0"/>
+                <a:cs typeface="Corbel" charset="0"/>
+              </a:rPr>
+              <a:t>🗄 Depositors</a:t>
+            </a:r>
             <a:endParaRPr lang="en-US" sz="2000" b="1" dirty="0" smtClean="0">
               <a:solidFill>
                 <a:srgbClr val="FFD966"/>
@@ -8129,151 +7853,6 @@
               <a:ea typeface="Corbel" charset="0"/>
               <a:cs typeface="Corbel" charset="0"/>
             </a:endParaRPr>
-          </a:p>
-        </p:txBody>
-      </p:sp>
-      <p:sp>
-        <p:nvSpPr>
-          <p:cNvPr id="117" name="Diamond 116"/>
-          <p:cNvSpPr/>
-          <p:nvPr/>
-        </p:nvSpPr>
-        <p:spPr>
-          <a:xfrm>
-            <a:off x="4878626" y="8965120"/>
-            <a:ext cx="864096" cy="864096"/>
-          </a:xfrm>
-          <a:prstGeom prst="diamond">
-            <a:avLst/>
-          </a:prstGeom>
-          <a:solidFill>
-            <a:srgbClr val="FFD966"/>
-          </a:solidFill>
-          <a:ln>
-            <a:noFill/>
-          </a:ln>
-        </p:spPr>
-        <p:style>
-          <a:lnRef idx="2">
-            <a:schemeClr val="accent1">
-              <a:shade val="50000"/>
-            </a:schemeClr>
-          </a:lnRef>
-          <a:fillRef idx="1">
-            <a:schemeClr val="accent1"/>
-          </a:fillRef>
-          <a:effectRef idx="0">
-            <a:schemeClr val="accent1"/>
-          </a:effectRef>
-          <a:fontRef idx="minor">
-            <a:schemeClr val="lt1"/>
-          </a:fontRef>
-        </p:style>
-        <p:txBody>
-          <a:bodyPr lIns="0" tIns="0" rIns="0" bIns="0" rtlCol="0" anchor="ctr"/>
-          <a:lstStyle/>
-          <a:p>
-            <a:pPr algn="ctr"/>
-            <a:r>
-              <a:rPr lang="en-US" sz="1800" dirty="0" smtClean="0">
-                <a:solidFill>
-                  <a:srgbClr val="37474F"/>
-                </a:solidFill>
-                <a:latin typeface="Corbel" charset="0"/>
-                <a:ea typeface="Corbel" charset="0"/>
-                <a:cs typeface="Corbel" charset="0"/>
-              </a:rPr>
-              <a:t>Role</a:t>
-            </a:r>
-            <a:endParaRPr lang="en-US" sz="1800" dirty="0">
-              <a:solidFill>
-                <a:srgbClr val="37474F"/>
-              </a:solidFill>
-              <a:latin typeface="Corbel" charset="0"/>
-              <a:ea typeface="Corbel" charset="0"/>
-              <a:cs typeface="Corbel" charset="0"/>
-            </a:endParaRPr>
-          </a:p>
-        </p:txBody>
-      </p:sp>
-      <p:cxnSp>
-        <p:nvCxnSpPr>
-          <p:cNvPr id="118" name="Elbow Connector 117"/>
-          <p:cNvCxnSpPr/>
-          <p:nvPr/>
-        </p:nvCxnSpPr>
-        <p:spPr>
-          <a:xfrm flipH="1" flipV="1">
-            <a:off x="6300498" y="7957008"/>
-            <a:ext cx="18288" cy="936104"/>
-          </a:xfrm>
-          <a:prstGeom prst="bentConnector3">
-            <a:avLst>
-              <a:gd name="adj1" fmla="val 1800000"/>
-            </a:avLst>
-          </a:prstGeom>
-          <a:ln w="25400">
-            <a:solidFill>
-              <a:schemeClr val="bg1"/>
-            </a:solidFill>
-            <a:headEnd type="arrow" w="sm" len="sm"/>
-            <a:tailEnd type="arrow" w="sm" len="sm"/>
-          </a:ln>
-        </p:spPr>
-        <p:style>
-          <a:lnRef idx="1">
-            <a:schemeClr val="accent1"/>
-          </a:lnRef>
-          <a:fillRef idx="0">
-            <a:schemeClr val="accent1"/>
-          </a:fillRef>
-          <a:effectRef idx="0">
-            <a:schemeClr val="accent1"/>
-          </a:effectRef>
-          <a:fontRef idx="minor">
-            <a:schemeClr val="tx1"/>
-          </a:fontRef>
-        </p:style>
-      </p:cxnSp>
-      <p:sp>
-        <p:nvSpPr>
-          <p:cNvPr id="14" name="TextBox 13"/>
-          <p:cNvSpPr txBox="1"/>
-          <p:nvPr/>
-        </p:nvSpPr>
-        <p:spPr>
-          <a:xfrm>
-            <a:off x="5145087" y="12025907"/>
-            <a:ext cx="3600848" cy="834271"/>
-          </a:xfrm>
-          <a:prstGeom prst="roundRect">
-            <a:avLst/>
-          </a:prstGeom>
-          <a:solidFill>
-            <a:srgbClr val="37474F"/>
-          </a:solidFill>
-          <a:ln>
-            <a:noFill/>
-          </a:ln>
-        </p:spPr>
-        <p:txBody>
-          <a:bodyPr wrap="square" rtlCol="0">
-            <a:spAutoFit/>
-          </a:bodyPr>
-          <a:lstStyle/>
-          <a:p>
-            <a:pPr algn="ctr"/>
-            <a:r>
-              <a:rPr lang="en-US" sz="2000" b="1" dirty="0" smtClean="0">
-                <a:solidFill>
-                  <a:srgbClr val="FFD966"/>
-                </a:solidFill>
-                <a:latin typeface="Corbel" charset="0"/>
-                <a:ea typeface="Corbel" charset="0"/>
-                <a:cs typeface="Corbel" charset="0"/>
-              </a:rPr>
-              <a:t>Depositors</a:t>
-            </a:r>
           </a:p>
           <a:p>
             <a:pPr algn="ctr"/>
@@ -8287,7 +7866,7 @@
             </a:endParaRPr>
           </a:p>
           <a:p>
-            <a:pPr marL="342900" indent="-342900">
+            <a:pPr marL="231775" indent="-231775">
               <a:buFont typeface="Arial" charset="0"/>
               <a:buChar char="•"/>
             </a:pPr>
@@ -8321,12 +7900,12 @@
         </p:nvSpPr>
         <p:spPr>
           <a:xfrm>
-            <a:off x="896615" y="12025907"/>
-            <a:ext cx="3528392" cy="1396603"/>
+            <a:off x="968623" y="12025907"/>
+            <a:ext cx="3456384" cy="1472505"/>
           </a:xfrm>
           <a:prstGeom prst="roundRect">
             <a:avLst>
-              <a:gd name="adj" fmla="val 11073"/>
+              <a:gd name="adj" fmla="val 20426"/>
             </a:avLst>
           </a:prstGeom>
           <a:solidFill>
@@ -8344,7 +7923,7 @@
           <a:p>
             <a:pPr algn="ctr"/>
             <a:r>
-              <a:rPr lang="en-US" sz="2000" b="1" dirty="0" smtClean="0">
+              <a:rPr lang="en-US" sz="2000" b="1" dirty="0">
                 <a:solidFill>
                   <a:srgbClr val="FFD966"/>
                 </a:solidFill>
@@ -8352,8 +7931,16 @@
                 <a:ea typeface="Corbel" charset="0"/>
                 <a:cs typeface="Corbel" charset="0"/>
               </a:rPr>
-              <a:t>Editors</a:t>
-            </a:r>
+              <a:t> ✏️ Editors</a:t>
+            </a:r>
+            <a:endParaRPr lang="en-US" sz="2000" b="1" dirty="0" smtClean="0">
+              <a:solidFill>
+                <a:srgbClr val="FFD966"/>
+              </a:solidFill>
+              <a:latin typeface="Corbel" charset="0"/>
+              <a:ea typeface="Corbel" charset="0"/>
+              <a:cs typeface="Corbel" charset="0"/>
+            </a:endParaRPr>
           </a:p>
           <a:p>
             <a:pPr algn="ctr"/>
@@ -8367,7 +7954,7 @@
             </a:endParaRPr>
           </a:p>
           <a:p>
-            <a:pPr marL="342900" indent="-342900">
+            <a:pPr marL="231775" indent="-231775">
               <a:buFont typeface="Arial" charset="0"/>
               <a:buChar char="•"/>
             </a:pPr>
@@ -8384,7 +7971,7 @@
             </a:r>
           </a:p>
           <a:p>
-            <a:pPr marL="342900" indent="-342900">
+            <a:pPr marL="231775" indent="-231775">
               <a:buFont typeface="Arial" charset="0"/>
               <a:buChar char="•"/>
             </a:pPr>
@@ -8401,7 +7988,7 @@
             </a:r>
           </a:p>
           <a:p>
-            <a:pPr marL="342900" indent="-342900">
+            <a:pPr marL="231775" indent="-231775">
               <a:buFont typeface="Arial" charset="0"/>
               <a:buChar char="•"/>
             </a:pPr>
@@ -8429,69 +8016,13 @@
       </p:sp>
       <p:sp>
         <p:nvSpPr>
-          <p:cNvPr id="13" name="TextBox 12"/>
-          <p:cNvSpPr txBox="1"/>
-          <p:nvPr/>
-        </p:nvSpPr>
-        <p:spPr>
-          <a:xfrm>
-            <a:off x="5577135" y="9963501"/>
-            <a:ext cx="3672408" cy="442674"/>
-          </a:xfrm>
-          <a:prstGeom prst="roundRect">
-            <a:avLst/>
-          </a:prstGeom>
-          <a:noFill/>
-        </p:spPr>
-        <p:txBody>
-          <a:bodyPr wrap="square" rtlCol="0">
-            <a:spAutoFit/>
-          </a:bodyPr>
-          <a:lstStyle/>
-          <a:p>
-            <a:pPr algn="ctr"/>
-            <a:r>
-              <a:rPr lang="en-US" sz="2000" b="1" dirty="0">
-                <a:solidFill>
-                  <a:srgbClr val="FFD966"/>
-                </a:solidFill>
-                <a:latin typeface="Corbel" charset="0"/>
-                <a:ea typeface="Corbel" charset="0"/>
-                <a:cs typeface="Corbel" charset="0"/>
-              </a:rPr>
-              <a:t>✏️ </a:t>
-            </a:r>
-            <a:r>
-              <a:rPr lang="en-US" sz="2000" b="1" dirty="0" smtClean="0">
-                <a:solidFill>
-                  <a:srgbClr val="FFD966"/>
-                </a:solidFill>
-                <a:latin typeface="Corbel" charset="0"/>
-                <a:ea typeface="Corbel" charset="0"/>
-                <a:cs typeface="Corbel" charset="0"/>
-              </a:rPr>
-              <a:t>Edit</a:t>
-            </a:r>
-            <a:endParaRPr lang="en-US" sz="2000" b="1" dirty="0">
-              <a:solidFill>
-                <a:srgbClr val="FFD966"/>
-              </a:solidFill>
-              <a:latin typeface="Corbel" charset="0"/>
-              <a:ea typeface="Corbel" charset="0"/>
-              <a:cs typeface="Corbel" charset="0"/>
-            </a:endParaRPr>
-          </a:p>
-        </p:txBody>
-      </p:sp>
-      <p:sp>
-        <p:nvSpPr>
           <p:cNvPr id="98" name="Diamond 97"/>
           <p:cNvSpPr/>
           <p:nvPr/>
         </p:nvSpPr>
         <p:spPr>
           <a:xfrm>
-            <a:off x="4878626" y="7957008"/>
+            <a:off x="2984847" y="7992815"/>
             <a:ext cx="864096" cy="864096"/>
           </a:xfrm>
           <a:prstGeom prst="diamond">
@@ -8599,7 +8130,7 @@
         </p:blipFill>
         <p:spPr>
           <a:xfrm>
-            <a:off x="1256655" y="5257155"/>
+            <a:off x="1148905" y="5401171"/>
             <a:ext cx="648072" cy="860834"/>
           </a:xfrm>
           <a:prstGeom prst="rect">
@@ -8629,7 +8160,7 @@
         </p:blipFill>
         <p:spPr>
           <a:xfrm>
-            <a:off x="2264767" y="6049243"/>
+            <a:off x="2862659" y="5587727"/>
             <a:ext cx="1130300" cy="317500"/>
           </a:xfrm>
           <a:prstGeom prst="rect">
@@ -8637,6 +8168,962 @@
           </a:prstGeom>
         </p:spPr>
       </p:pic>
+      <p:sp>
+        <p:nvSpPr>
+          <p:cNvPr id="74" name="Rounded Rectangle 73"/>
+          <p:cNvSpPr/>
+          <p:nvPr/>
+        </p:nvSpPr>
+        <p:spPr>
+          <a:xfrm>
+            <a:off x="896615" y="10225707"/>
+            <a:ext cx="9001000" cy="1296144"/>
+          </a:xfrm>
+          <a:prstGeom prst="roundRect">
+            <a:avLst>
+              <a:gd name="adj" fmla="val 25485"/>
+            </a:avLst>
+          </a:prstGeom>
+          <a:solidFill>
+            <a:srgbClr val="37474F"/>
+          </a:solidFill>
+          <a:ln w="15875">
+            <a:solidFill>
+              <a:srgbClr val="78909C"/>
+            </a:solidFill>
+            <a:prstDash val="sysDot"/>
+          </a:ln>
+        </p:spPr>
+        <p:style>
+          <a:lnRef idx="2">
+            <a:schemeClr val="accent1">
+              <a:shade val="50000"/>
+            </a:schemeClr>
+          </a:lnRef>
+          <a:fillRef idx="1">
+            <a:schemeClr val="accent1"/>
+          </a:fillRef>
+          <a:effectRef idx="0">
+            <a:schemeClr val="accent1"/>
+          </a:effectRef>
+          <a:fontRef idx="minor">
+            <a:schemeClr val="lt1"/>
+          </a:fontRef>
+        </p:style>
+        <p:txBody>
+          <a:bodyPr lIns="0" tIns="18288" rIns="0" bIns="18288" rtlCol="0" anchor="ctr"/>
+          <a:lstStyle/>
+          <a:p>
+            <a:pPr algn="ctr"/>
+            <a:endParaRPr lang="en-US" sz="2000">
+              <a:solidFill>
+                <a:srgbClr val="FFD966"/>
+              </a:solidFill>
+              <a:latin typeface="Corbel" charset="0"/>
+              <a:ea typeface="Corbel" charset="0"/>
+              <a:cs typeface="Corbel" charset="0"/>
+            </a:endParaRPr>
+          </a:p>
+        </p:txBody>
+      </p:sp>
+      <p:sp>
+        <p:nvSpPr>
+          <p:cNvPr id="94" name="TextBox 93"/>
+          <p:cNvSpPr txBox="1"/>
+          <p:nvPr/>
+        </p:nvSpPr>
+        <p:spPr>
+          <a:xfrm>
+            <a:off x="899994" y="10306610"/>
+            <a:ext cx="2228869" cy="442674"/>
+          </a:xfrm>
+          <a:prstGeom prst="roundRect">
+            <a:avLst/>
+          </a:prstGeom>
+          <a:noFill/>
+          <a:ln>
+            <a:noFill/>
+          </a:ln>
+        </p:spPr>
+        <p:txBody>
+          <a:bodyPr wrap="square" rtlCol="0">
+            <a:spAutoFit/>
+          </a:bodyPr>
+          <a:lstStyle/>
+          <a:p>
+            <a:pPr algn="ctr"/>
+            <a:r>
+              <a:rPr lang="en-US" sz="2000" b="1" dirty="0" smtClean="0">
+                <a:solidFill>
+                  <a:srgbClr val="FFD966"/>
+                </a:solidFill>
+                <a:latin typeface="Corbel" charset="0"/>
+                <a:ea typeface="Corbel" charset="0"/>
+                <a:cs typeface="Corbel" charset="0"/>
+              </a:rPr>
+              <a:t>Configure</a:t>
+            </a:r>
+            <a:endParaRPr lang="en-US" sz="2000" b="1" dirty="0" smtClean="0">
+              <a:solidFill>
+                <a:srgbClr val="FFD966"/>
+              </a:solidFill>
+              <a:latin typeface="Corbel" charset="0"/>
+              <a:ea typeface="Corbel" charset="0"/>
+              <a:cs typeface="Corbel" charset="0"/>
+            </a:endParaRPr>
+          </a:p>
+        </p:txBody>
+      </p:sp>
+      <p:sp>
+        <p:nvSpPr>
+          <p:cNvPr id="171" name="TextBox 170"/>
+          <p:cNvSpPr txBox="1"/>
+          <p:nvPr/>
+        </p:nvSpPr>
+        <p:spPr>
+          <a:xfrm>
+            <a:off x="3128540" y="10306610"/>
+            <a:ext cx="2304579" cy="442674"/>
+          </a:xfrm>
+          <a:prstGeom prst="roundRect">
+            <a:avLst/>
+          </a:prstGeom>
+          <a:noFill/>
+          <a:ln>
+            <a:noFill/>
+          </a:ln>
+        </p:spPr>
+        <p:txBody>
+          <a:bodyPr wrap="square" rtlCol="0">
+            <a:spAutoFit/>
+          </a:bodyPr>
+          <a:lstStyle/>
+          <a:p>
+            <a:pPr algn="ctr"/>
+            <a:r>
+              <a:rPr lang="en-US" sz="2000" b="1" dirty="0" smtClean="0">
+                <a:solidFill>
+                  <a:srgbClr val="FFD966"/>
+                </a:solidFill>
+                <a:latin typeface="Corbel" charset="0"/>
+                <a:ea typeface="Corbel" charset="0"/>
+                <a:cs typeface="Corbel" charset="0"/>
+              </a:rPr>
+              <a:t>Submit</a:t>
+            </a:r>
+            <a:endParaRPr lang="en-US" sz="2000" b="1" dirty="0" smtClean="0">
+              <a:solidFill>
+                <a:srgbClr val="FFD966"/>
+              </a:solidFill>
+              <a:latin typeface="Corbel" charset="0"/>
+              <a:ea typeface="Corbel" charset="0"/>
+              <a:cs typeface="Corbel" charset="0"/>
+            </a:endParaRPr>
+          </a:p>
+        </p:txBody>
+      </p:sp>
+      <p:sp>
+        <p:nvSpPr>
+          <p:cNvPr id="172" name="TextBox 171"/>
+          <p:cNvSpPr txBox="1"/>
+          <p:nvPr/>
+        </p:nvSpPr>
+        <p:spPr>
+          <a:xfrm>
+            <a:off x="5436349" y="10729763"/>
+            <a:ext cx="1861628" cy="783193"/>
+          </a:xfrm>
+          <a:prstGeom prst="roundRect">
+            <a:avLst/>
+          </a:prstGeom>
+          <a:noFill/>
+          <a:ln>
+            <a:noFill/>
+          </a:ln>
+        </p:spPr>
+        <p:txBody>
+          <a:bodyPr wrap="square" numCol="1" rtlCol="0">
+            <a:spAutoFit/>
+          </a:bodyPr>
+          <a:lstStyle/>
+          <a:p>
+            <a:pPr marL="231775" indent="-231775">
+              <a:buFont typeface="Arial" charset="0"/>
+              <a:buChar char="•"/>
+            </a:pPr>
+            <a:r>
+              <a:rPr lang="en-US" sz="2000" dirty="0" smtClean="0">
+                <a:solidFill>
+                  <a:srgbClr val="E0E0E0"/>
+                </a:solidFill>
+                <a:latin typeface="Corbel" charset="0"/>
+                <a:ea typeface="Corbel" charset="0"/>
+                <a:cs typeface="Corbel" charset="0"/>
+              </a:rPr>
+              <a:t>Catalog</a:t>
+            </a:r>
+          </a:p>
+          <a:p>
+            <a:pPr marL="231775" indent="-231775">
+              <a:buFont typeface="Arial" charset="0"/>
+              <a:buChar char="•"/>
+            </a:pPr>
+            <a:r>
+              <a:rPr lang="en-US" sz="2000" dirty="0" smtClean="0">
+                <a:solidFill>
+                  <a:srgbClr val="E0E0E0"/>
+                </a:solidFill>
+                <a:latin typeface="Corbel" charset="0"/>
+                <a:ea typeface="Corbel" charset="0"/>
+                <a:cs typeface="Corbel" charset="0"/>
+              </a:rPr>
+              <a:t>Encode</a:t>
+            </a:r>
+          </a:p>
+        </p:txBody>
+      </p:sp>
+      <p:sp>
+        <p:nvSpPr>
+          <p:cNvPr id="13" name="TextBox 12"/>
+          <p:cNvSpPr txBox="1"/>
+          <p:nvPr/>
+        </p:nvSpPr>
+        <p:spPr>
+          <a:xfrm>
+            <a:off x="5433267" y="10306610"/>
+            <a:ext cx="3024188" cy="442674"/>
+          </a:xfrm>
+          <a:prstGeom prst="roundRect">
+            <a:avLst/>
+          </a:prstGeom>
+          <a:noFill/>
+          <a:ln>
+            <a:noFill/>
+          </a:ln>
+        </p:spPr>
+        <p:txBody>
+          <a:bodyPr wrap="square" rtlCol="0">
+            <a:spAutoFit/>
+          </a:bodyPr>
+          <a:lstStyle/>
+          <a:p>
+            <a:pPr algn="ctr"/>
+            <a:r>
+              <a:rPr lang="en-US" sz="2000" b="1" dirty="0" smtClean="0">
+                <a:solidFill>
+                  <a:srgbClr val="FFD966"/>
+                </a:solidFill>
+                <a:latin typeface="Corbel" charset="0"/>
+                <a:ea typeface="Corbel" charset="0"/>
+                <a:cs typeface="Corbel" charset="0"/>
+              </a:rPr>
+              <a:t>Edit</a:t>
+            </a:r>
+            <a:endParaRPr lang="en-US" sz="2000" b="1" dirty="0">
+              <a:solidFill>
+                <a:srgbClr val="FFD966"/>
+              </a:solidFill>
+              <a:latin typeface="Corbel" charset="0"/>
+              <a:ea typeface="Corbel" charset="0"/>
+              <a:cs typeface="Corbel" charset="0"/>
+            </a:endParaRPr>
+          </a:p>
+        </p:txBody>
+      </p:sp>
+      <p:sp>
+        <p:nvSpPr>
+          <p:cNvPr id="75" name="TextBox 74"/>
+          <p:cNvSpPr txBox="1"/>
+          <p:nvPr/>
+        </p:nvSpPr>
+        <p:spPr>
+          <a:xfrm>
+            <a:off x="6801095" y="10729763"/>
+            <a:ext cx="1656184" cy="783193"/>
+          </a:xfrm>
+          <a:prstGeom prst="roundRect">
+            <a:avLst/>
+          </a:prstGeom>
+          <a:noFill/>
+          <a:ln>
+            <a:noFill/>
+          </a:ln>
+        </p:spPr>
+        <p:txBody>
+          <a:bodyPr wrap="square" numCol="1" rtlCol="0">
+            <a:spAutoFit/>
+          </a:bodyPr>
+          <a:lstStyle/>
+          <a:p>
+            <a:pPr marL="231775" indent="-231775">
+              <a:buFont typeface="Arial" charset="0"/>
+              <a:buChar char="•"/>
+            </a:pPr>
+            <a:r>
+              <a:rPr lang="en-US" sz="2000" dirty="0" smtClean="0">
+                <a:solidFill>
+                  <a:srgbClr val="E0E0E0"/>
+                </a:solidFill>
+                <a:latin typeface="Corbel" charset="0"/>
+                <a:ea typeface="Corbel" charset="0"/>
+                <a:cs typeface="Corbel" charset="0"/>
+              </a:rPr>
+              <a:t>Transcribe</a:t>
+            </a:r>
+            <a:endParaRPr lang="en-US" sz="2000" dirty="0" smtClean="0">
+              <a:solidFill>
+                <a:srgbClr val="E0E0E0"/>
+              </a:solidFill>
+              <a:latin typeface="Corbel" charset="0"/>
+              <a:ea typeface="Corbel" charset="0"/>
+              <a:cs typeface="Corbel" charset="0"/>
+            </a:endParaRPr>
+          </a:p>
+          <a:p>
+            <a:pPr marL="231775" indent="-231775">
+              <a:buFont typeface="Arial" charset="0"/>
+              <a:buChar char="•"/>
+            </a:pPr>
+            <a:r>
+              <a:rPr lang="en-US" sz="2000" dirty="0" smtClean="0">
+                <a:solidFill>
+                  <a:srgbClr val="E0E0E0"/>
+                </a:solidFill>
+                <a:latin typeface="Corbel" charset="0"/>
+                <a:ea typeface="Corbel" charset="0"/>
+                <a:cs typeface="Corbel" charset="0"/>
+              </a:rPr>
+              <a:t>Translate</a:t>
+            </a:r>
+            <a:endParaRPr lang="en-US" sz="2000" dirty="0" smtClean="0">
+              <a:solidFill>
+                <a:srgbClr val="E0E0E0"/>
+              </a:solidFill>
+              <a:latin typeface="Corbel" charset="0"/>
+              <a:ea typeface="Corbel" charset="0"/>
+              <a:cs typeface="Corbel" charset="0"/>
+            </a:endParaRPr>
+          </a:p>
+        </p:txBody>
+      </p:sp>
+      <p:sp>
+        <p:nvSpPr>
+          <p:cNvPr id="76" name="TextBox 75"/>
+          <p:cNvSpPr txBox="1"/>
+          <p:nvPr/>
+        </p:nvSpPr>
+        <p:spPr>
+          <a:xfrm>
+            <a:off x="899994" y="10738658"/>
+            <a:ext cx="2228869" cy="783193"/>
+          </a:xfrm>
+          <a:prstGeom prst="roundRect">
+            <a:avLst/>
+          </a:prstGeom>
+          <a:noFill/>
+          <a:ln>
+            <a:noFill/>
+          </a:ln>
+        </p:spPr>
+        <p:txBody>
+          <a:bodyPr wrap="square" rtlCol="0">
+            <a:spAutoFit/>
+          </a:bodyPr>
+          <a:lstStyle/>
+          <a:p>
+            <a:pPr marL="231775" indent="-231775">
+              <a:buFont typeface="Arial" charset="0"/>
+              <a:buChar char="•"/>
+            </a:pPr>
+            <a:r>
+              <a:rPr lang="en-US" sz="2000" dirty="0" smtClean="0">
+                <a:solidFill>
+                  <a:srgbClr val="E0E0E0"/>
+                </a:solidFill>
+                <a:latin typeface="Corbel" charset="0"/>
+                <a:ea typeface="Corbel" charset="0"/>
+                <a:cs typeface="Corbel" charset="0"/>
+              </a:rPr>
+              <a:t>Curate </a:t>
+            </a:r>
+            <a:r>
+              <a:rPr lang="en-US" sz="2000" dirty="0" smtClean="0">
+                <a:solidFill>
+                  <a:srgbClr val="E0E0E0"/>
+                </a:solidFill>
+                <a:latin typeface="Corbel" charset="0"/>
+                <a:ea typeface="Corbel" charset="0"/>
+                <a:cs typeface="Corbel" charset="0"/>
+              </a:rPr>
+              <a:t>data</a:t>
+            </a:r>
+          </a:p>
+          <a:p>
+            <a:pPr marL="231775" indent="-231775">
+              <a:buFont typeface="Arial" charset="0"/>
+              <a:buChar char="•"/>
+            </a:pPr>
+            <a:r>
+              <a:rPr lang="en-US" sz="2000" dirty="0" smtClean="0">
+                <a:solidFill>
+                  <a:srgbClr val="E0E0E0"/>
+                </a:solidFill>
+                <a:latin typeface="Corbel" charset="0"/>
+                <a:ea typeface="Corbel" charset="0"/>
+                <a:cs typeface="Corbel" charset="0"/>
+              </a:rPr>
+              <a:t>Create </a:t>
+            </a:r>
+            <a:r>
+              <a:rPr lang="en-US" sz="2000" dirty="0" smtClean="0">
+                <a:solidFill>
+                  <a:srgbClr val="E0E0E0"/>
+                </a:solidFill>
+                <a:latin typeface="Corbel" charset="0"/>
+                <a:ea typeface="Corbel" charset="0"/>
+                <a:cs typeface="Corbel" charset="0"/>
+              </a:rPr>
+              <a:t>workflow</a:t>
+            </a:r>
+            <a:endParaRPr lang="en-US" sz="2000" dirty="0">
+              <a:solidFill>
+                <a:srgbClr val="E0E0E0"/>
+              </a:solidFill>
+              <a:latin typeface="Corbel" charset="0"/>
+              <a:ea typeface="Corbel" charset="0"/>
+              <a:cs typeface="Corbel" charset="0"/>
+            </a:endParaRPr>
+          </a:p>
+        </p:txBody>
+      </p:sp>
+      <p:sp>
+        <p:nvSpPr>
+          <p:cNvPr id="81" name="TextBox 80"/>
+          <p:cNvSpPr txBox="1"/>
+          <p:nvPr/>
+        </p:nvSpPr>
+        <p:spPr>
+          <a:xfrm>
+            <a:off x="3128540" y="10738658"/>
+            <a:ext cx="2304256" cy="783193"/>
+          </a:xfrm>
+          <a:prstGeom prst="roundRect">
+            <a:avLst/>
+          </a:prstGeom>
+          <a:noFill/>
+          <a:ln>
+            <a:noFill/>
+          </a:ln>
+        </p:spPr>
+        <p:txBody>
+          <a:bodyPr wrap="square" rtlCol="0">
+            <a:spAutoFit/>
+          </a:bodyPr>
+          <a:lstStyle/>
+          <a:p>
+            <a:pPr marL="231775" indent="-231775">
+              <a:buFont typeface="Arial" charset="0"/>
+              <a:buChar char="•"/>
+            </a:pPr>
+            <a:r>
+              <a:rPr lang="en-US" sz="2000" dirty="0" smtClean="0">
+                <a:solidFill>
+                  <a:srgbClr val="E0E0E0"/>
+                </a:solidFill>
+                <a:latin typeface="Corbel" charset="0"/>
+                <a:ea typeface="Corbel" charset="0"/>
+                <a:cs typeface="Corbel" charset="0"/>
+              </a:rPr>
+              <a:t>Deposit files</a:t>
+            </a:r>
+          </a:p>
+          <a:p>
+            <a:pPr marL="231775" indent="-231775">
+              <a:buFont typeface="Arial" charset="0"/>
+              <a:buChar char="•"/>
+            </a:pPr>
+            <a:r>
+              <a:rPr lang="en-US" sz="2000" dirty="0" smtClean="0">
+                <a:solidFill>
+                  <a:srgbClr val="E0E0E0"/>
+                </a:solidFill>
+                <a:latin typeface="Corbel" charset="0"/>
+                <a:ea typeface="Corbel" charset="0"/>
+                <a:cs typeface="Corbel" charset="0"/>
+              </a:rPr>
+              <a:t>Create </a:t>
+            </a:r>
+            <a:r>
+              <a:rPr lang="en-US" sz="2000" dirty="0" smtClean="0">
+                <a:solidFill>
+                  <a:srgbClr val="E0E0E0"/>
+                </a:solidFill>
+                <a:latin typeface="Corbel" charset="0"/>
+                <a:ea typeface="Corbel" charset="0"/>
+                <a:cs typeface="Corbel" charset="0"/>
+              </a:rPr>
+              <a:t>metadata</a:t>
+            </a:r>
+          </a:p>
+        </p:txBody>
+      </p:sp>
+      <p:sp>
+        <p:nvSpPr>
+          <p:cNvPr id="46" name="TextBox 45"/>
+          <p:cNvSpPr txBox="1"/>
+          <p:nvPr/>
+        </p:nvSpPr>
+        <p:spPr>
+          <a:xfrm>
+            <a:off x="12560595" y="13432465"/>
+            <a:ext cx="184731" cy="646331"/>
+          </a:xfrm>
+          <a:prstGeom prst="rect">
+            <a:avLst/>
+          </a:prstGeom>
+          <a:noFill/>
+        </p:spPr>
+        <p:txBody>
+          <a:bodyPr wrap="none" rtlCol="0">
+            <a:spAutoFit/>
+          </a:bodyPr>
+          <a:lstStyle/>
+          <a:p>
+            <a:endParaRPr lang="en-US"/>
+          </a:p>
+        </p:txBody>
+      </p:sp>
+      <p:cxnSp>
+        <p:nvCxnSpPr>
+          <p:cNvPr id="122" name="Elbow Connector 121"/>
+          <p:cNvCxnSpPr/>
+          <p:nvPr/>
+        </p:nvCxnSpPr>
+        <p:spPr>
+          <a:xfrm rot="10800000" flipV="1">
+            <a:off x="4631119" y="7927171"/>
+            <a:ext cx="9144" cy="1005840"/>
+          </a:xfrm>
+          <a:prstGeom prst="bentConnector3">
+            <a:avLst>
+              <a:gd name="adj1" fmla="val 3130441"/>
+            </a:avLst>
+          </a:prstGeom>
+          <a:ln w="25400">
+            <a:solidFill>
+              <a:schemeClr val="bg1"/>
+            </a:solidFill>
+            <a:headEnd type="arrow" w="sm" len="sm"/>
+            <a:tailEnd type="arrow" w="sm" len="sm"/>
+          </a:ln>
+        </p:spPr>
+        <p:style>
+          <a:lnRef idx="1">
+            <a:schemeClr val="accent1"/>
+          </a:lnRef>
+          <a:fillRef idx="0">
+            <a:schemeClr val="accent1"/>
+          </a:fillRef>
+          <a:effectRef idx="0">
+            <a:schemeClr val="accent1"/>
+          </a:effectRef>
+          <a:fontRef idx="minor">
+            <a:schemeClr val="tx1"/>
+          </a:fontRef>
+        </p:style>
+      </p:cxnSp>
+      <p:sp>
+        <p:nvSpPr>
+          <p:cNvPr id="131" name="TextBox 130"/>
+          <p:cNvSpPr txBox="1"/>
+          <p:nvPr/>
+        </p:nvSpPr>
+        <p:spPr>
+          <a:xfrm>
+            <a:off x="968623" y="5113139"/>
+            <a:ext cx="4176464" cy="347329"/>
+          </a:xfrm>
+          <a:prstGeom prst="roundRect">
+            <a:avLst/>
+          </a:prstGeom>
+          <a:noFill/>
+          <a:ln w="19050">
+            <a:noFill/>
+          </a:ln>
+        </p:spPr>
+        <p:txBody>
+          <a:bodyPr wrap="square" lIns="0" tIns="18288" rIns="0" bIns="18288" rtlCol="0">
+            <a:spAutoFit/>
+          </a:bodyPr>
+          <a:lstStyle/>
+          <a:p>
+            <a:pPr algn="ctr"/>
+            <a:r>
+              <a:rPr lang="en-US" sz="1800" b="1" dirty="0" smtClean="0">
+                <a:solidFill>
+                  <a:srgbClr val="64FFDA"/>
+                </a:solidFill>
+                <a:latin typeface="Corbel" charset="0"/>
+                <a:ea typeface="Corbel" charset="0"/>
+                <a:cs typeface="Corbel" charset="0"/>
+              </a:rPr>
+              <a:t>Infrastructure</a:t>
+            </a:r>
+            <a:endParaRPr lang="en-US" sz="1800" b="1" dirty="0" smtClean="0">
+              <a:solidFill>
+                <a:srgbClr val="64FFDA"/>
+              </a:solidFill>
+              <a:latin typeface="Corbel" charset="0"/>
+              <a:ea typeface="Corbel" charset="0"/>
+              <a:cs typeface="Corbel" charset="0"/>
+            </a:endParaRPr>
+          </a:p>
+        </p:txBody>
+      </p:sp>
+      <p:sp>
+        <p:nvSpPr>
+          <p:cNvPr id="132" name="TextBox 131"/>
+          <p:cNvSpPr txBox="1"/>
+          <p:nvPr/>
+        </p:nvSpPr>
+        <p:spPr>
+          <a:xfrm>
+            <a:off x="968623" y="3961011"/>
+            <a:ext cx="4176464" cy="347329"/>
+          </a:xfrm>
+          <a:prstGeom prst="roundRect">
+            <a:avLst/>
+          </a:prstGeom>
+          <a:noFill/>
+          <a:ln w="19050">
+            <a:noFill/>
+          </a:ln>
+        </p:spPr>
+        <p:txBody>
+          <a:bodyPr wrap="square" lIns="0" tIns="18288" rIns="0" bIns="18288" rtlCol="0">
+            <a:spAutoFit/>
+          </a:bodyPr>
+          <a:lstStyle/>
+          <a:p>
+            <a:pPr algn="ctr"/>
+            <a:r>
+              <a:rPr lang="en-US" sz="1800" b="1" dirty="0" smtClean="0">
+                <a:solidFill>
+                  <a:srgbClr val="64FFDA"/>
+                </a:solidFill>
+                <a:latin typeface="Corbel" charset="0"/>
+                <a:ea typeface="Corbel" charset="0"/>
+                <a:cs typeface="Corbel" charset="0"/>
+              </a:rPr>
+              <a:t>Editorial Tools</a:t>
+            </a:r>
+            <a:endParaRPr lang="en-US" sz="1800" b="1" dirty="0" smtClean="0">
+              <a:solidFill>
+                <a:srgbClr val="64FFDA"/>
+              </a:solidFill>
+              <a:latin typeface="Corbel" charset="0"/>
+              <a:ea typeface="Corbel" charset="0"/>
+              <a:cs typeface="Corbel" charset="0"/>
+            </a:endParaRPr>
+          </a:p>
+        </p:txBody>
+      </p:sp>
+      <p:cxnSp>
+        <p:nvCxnSpPr>
+          <p:cNvPr id="66" name="Straight Connector 65"/>
+          <p:cNvCxnSpPr/>
+          <p:nvPr/>
+        </p:nvCxnSpPr>
+        <p:spPr>
+          <a:xfrm>
+            <a:off x="968623" y="3961011"/>
+            <a:ext cx="4176464" cy="0"/>
+          </a:xfrm>
+          <a:prstGeom prst="line">
+            <a:avLst/>
+          </a:prstGeom>
+          <a:ln w="12700">
+            <a:solidFill>
+              <a:srgbClr val="78909C"/>
+            </a:solidFill>
+            <a:prstDash val="sysDot"/>
+          </a:ln>
+        </p:spPr>
+        <p:style>
+          <a:lnRef idx="1">
+            <a:schemeClr val="accent1"/>
+          </a:lnRef>
+          <a:fillRef idx="0">
+            <a:schemeClr val="accent1"/>
+          </a:fillRef>
+          <a:effectRef idx="0">
+            <a:schemeClr val="accent1"/>
+          </a:effectRef>
+          <a:fontRef idx="minor">
+            <a:schemeClr val="tx1"/>
+          </a:fontRef>
+        </p:style>
+      </p:cxnSp>
+      <p:cxnSp>
+        <p:nvCxnSpPr>
+          <p:cNvPr id="137" name="Straight Connector 136"/>
+          <p:cNvCxnSpPr/>
+          <p:nvPr/>
+        </p:nvCxnSpPr>
+        <p:spPr>
+          <a:xfrm>
+            <a:off x="968623" y="5113139"/>
+            <a:ext cx="4176464" cy="0"/>
+          </a:xfrm>
+          <a:prstGeom prst="line">
+            <a:avLst/>
+          </a:prstGeom>
+          <a:ln w="12700">
+            <a:solidFill>
+              <a:srgbClr val="78909C"/>
+            </a:solidFill>
+            <a:prstDash val="sysDot"/>
+          </a:ln>
+        </p:spPr>
+        <p:style>
+          <a:lnRef idx="1">
+            <a:schemeClr val="accent1"/>
+          </a:lnRef>
+          <a:fillRef idx="0">
+            <a:schemeClr val="accent1"/>
+          </a:fillRef>
+          <a:effectRef idx="0">
+            <a:schemeClr val="accent1"/>
+          </a:effectRef>
+          <a:fontRef idx="minor">
+            <a:schemeClr val="tx1"/>
+          </a:fontRef>
+        </p:style>
+      </p:cxnSp>
+      <p:cxnSp>
+        <p:nvCxnSpPr>
+          <p:cNvPr id="140" name="Straight Connector 139"/>
+          <p:cNvCxnSpPr/>
+          <p:nvPr/>
+        </p:nvCxnSpPr>
+        <p:spPr>
+          <a:xfrm flipV="1">
+            <a:off x="3128863" y="10153699"/>
+            <a:ext cx="0" cy="1368152"/>
+          </a:xfrm>
+          <a:prstGeom prst="line">
+            <a:avLst/>
+          </a:prstGeom>
+          <a:ln w="12700">
+            <a:solidFill>
+              <a:srgbClr val="78909C"/>
+            </a:solidFill>
+            <a:prstDash val="sysDot"/>
+          </a:ln>
+        </p:spPr>
+        <p:style>
+          <a:lnRef idx="1">
+            <a:schemeClr val="accent1"/>
+          </a:lnRef>
+          <a:fillRef idx="0">
+            <a:schemeClr val="accent1"/>
+          </a:fillRef>
+          <a:effectRef idx="0">
+            <a:schemeClr val="accent1"/>
+          </a:effectRef>
+          <a:fontRef idx="minor">
+            <a:schemeClr val="tx1"/>
+          </a:fontRef>
+        </p:style>
+      </p:cxnSp>
+      <p:cxnSp>
+        <p:nvCxnSpPr>
+          <p:cNvPr id="143" name="Straight Connector 142"/>
+          <p:cNvCxnSpPr/>
+          <p:nvPr/>
+        </p:nvCxnSpPr>
+        <p:spPr>
+          <a:xfrm flipV="1">
+            <a:off x="5433119" y="10153699"/>
+            <a:ext cx="0" cy="1368152"/>
+          </a:xfrm>
+          <a:prstGeom prst="line">
+            <a:avLst/>
+          </a:prstGeom>
+          <a:ln w="12700">
+            <a:solidFill>
+              <a:srgbClr val="78909C"/>
+            </a:solidFill>
+            <a:prstDash val="sysDot"/>
+          </a:ln>
+        </p:spPr>
+        <p:style>
+          <a:lnRef idx="1">
+            <a:schemeClr val="accent1"/>
+          </a:lnRef>
+          <a:fillRef idx="0">
+            <a:schemeClr val="accent1"/>
+          </a:fillRef>
+          <a:effectRef idx="0">
+            <a:schemeClr val="accent1"/>
+          </a:effectRef>
+          <a:fontRef idx="minor">
+            <a:schemeClr val="tx1"/>
+          </a:fontRef>
+        </p:style>
+      </p:cxnSp>
+      <p:cxnSp>
+        <p:nvCxnSpPr>
+          <p:cNvPr id="144" name="Straight Connector 143"/>
+          <p:cNvCxnSpPr/>
+          <p:nvPr/>
+        </p:nvCxnSpPr>
+        <p:spPr>
+          <a:xfrm flipV="1">
+            <a:off x="8457455" y="10225707"/>
+            <a:ext cx="0" cy="1368152"/>
+          </a:xfrm>
+          <a:prstGeom prst="line">
+            <a:avLst/>
+          </a:prstGeom>
+          <a:ln w="12700">
+            <a:solidFill>
+              <a:srgbClr val="78909C"/>
+            </a:solidFill>
+            <a:prstDash val="sysDot"/>
+          </a:ln>
+        </p:spPr>
+        <p:style>
+          <a:lnRef idx="1">
+            <a:schemeClr val="accent1"/>
+          </a:lnRef>
+          <a:fillRef idx="0">
+            <a:schemeClr val="accent1"/>
+          </a:fillRef>
+          <a:effectRef idx="0">
+            <a:schemeClr val="accent1"/>
+          </a:effectRef>
+          <a:fontRef idx="minor">
+            <a:schemeClr val="tx1"/>
+          </a:fontRef>
+        </p:style>
+      </p:cxnSp>
+      <p:sp>
+        <p:nvSpPr>
+          <p:cNvPr id="145" name="TextBox 144"/>
+          <p:cNvSpPr txBox="1"/>
+          <p:nvPr/>
+        </p:nvSpPr>
+        <p:spPr>
+          <a:xfrm>
+            <a:off x="8456655" y="10297715"/>
+            <a:ext cx="1368952" cy="442674"/>
+          </a:xfrm>
+          <a:prstGeom prst="roundRect">
+            <a:avLst/>
+          </a:prstGeom>
+          <a:noFill/>
+          <a:ln>
+            <a:noFill/>
+          </a:ln>
+        </p:spPr>
+        <p:txBody>
+          <a:bodyPr wrap="square" rtlCol="0">
+            <a:spAutoFit/>
+          </a:bodyPr>
+          <a:lstStyle/>
+          <a:p>
+            <a:pPr algn="ctr"/>
+            <a:r>
+              <a:rPr lang="en-US" sz="2000" b="1" dirty="0" smtClean="0">
+                <a:solidFill>
+                  <a:srgbClr val="FFD966"/>
+                </a:solidFill>
+                <a:latin typeface="Corbel" charset="0"/>
+                <a:ea typeface="Corbel" charset="0"/>
+                <a:cs typeface="Corbel" charset="0"/>
+              </a:rPr>
+              <a:t>Publish</a:t>
+            </a:r>
+            <a:endParaRPr lang="en-US" sz="2000" b="1" dirty="0">
+              <a:solidFill>
+                <a:srgbClr val="FFD966"/>
+              </a:solidFill>
+              <a:latin typeface="Corbel" charset="0"/>
+              <a:ea typeface="Corbel" charset="0"/>
+              <a:cs typeface="Corbel" charset="0"/>
+            </a:endParaRPr>
+          </a:p>
+        </p:txBody>
+      </p:sp>
+      <p:sp>
+        <p:nvSpPr>
+          <p:cNvPr id="146" name="TextBox 145"/>
+          <p:cNvSpPr txBox="1"/>
+          <p:nvPr/>
+        </p:nvSpPr>
+        <p:spPr>
+          <a:xfrm>
+            <a:off x="8457630" y="10729763"/>
+            <a:ext cx="1367977" cy="783193"/>
+          </a:xfrm>
+          <a:prstGeom prst="roundRect">
+            <a:avLst/>
+          </a:prstGeom>
+          <a:noFill/>
+          <a:ln>
+            <a:noFill/>
+          </a:ln>
+        </p:spPr>
+        <p:txBody>
+          <a:bodyPr wrap="square" rtlCol="0">
+            <a:spAutoFit/>
+          </a:bodyPr>
+          <a:lstStyle/>
+          <a:p>
+            <a:pPr marL="231775" indent="-231775">
+              <a:buFont typeface="Arial" charset="0"/>
+              <a:buChar char="•"/>
+            </a:pPr>
+            <a:r>
+              <a:rPr lang="en-US" sz="2000" dirty="0" smtClean="0">
+                <a:solidFill>
+                  <a:srgbClr val="E0E0E0"/>
+                </a:solidFill>
+                <a:latin typeface="Corbel" charset="0"/>
+                <a:ea typeface="Corbel" charset="0"/>
+                <a:cs typeface="Corbel" charset="0"/>
+              </a:rPr>
+              <a:t>Design</a:t>
+            </a:r>
+          </a:p>
+          <a:p>
+            <a:pPr marL="231775" indent="-231775">
+              <a:buFont typeface="Arial" charset="0"/>
+              <a:buChar char="•"/>
+            </a:pPr>
+            <a:r>
+              <a:rPr lang="en-US" sz="2000" dirty="0" smtClean="0">
+                <a:solidFill>
+                  <a:srgbClr val="E0E0E0"/>
+                </a:solidFill>
+                <a:latin typeface="Corbel" charset="0"/>
+                <a:ea typeface="Corbel" charset="0"/>
+                <a:cs typeface="Corbel" charset="0"/>
+              </a:rPr>
+              <a:t>Build</a:t>
+            </a:r>
+            <a:endParaRPr lang="en-US" sz="2000" dirty="0" smtClean="0">
+              <a:solidFill>
+                <a:srgbClr val="E0E0E0"/>
+              </a:solidFill>
+              <a:latin typeface="Corbel" charset="0"/>
+              <a:ea typeface="Corbel" charset="0"/>
+              <a:cs typeface="Corbel" charset="0"/>
+            </a:endParaRPr>
+          </a:p>
+        </p:txBody>
+      </p:sp>
     </p:spTree>
     <p:extLst>
       <p:ext uri="{BB962C8B-B14F-4D97-AF65-F5344CB8AC3E}">
@@ -11043,15 +11530,7 @@
                   <a:srgbClr val="F7E4BE"/>
                 </a:solidFill>
               </a:rPr>
-              <a:t>Item </a:t>
-            </a:r>
-            <a:r>
-              <a:rPr lang="en-US" sz="2200" dirty="0" smtClean="0">
-                <a:solidFill>
-                  <a:srgbClr val="F7E4BE"/>
-                </a:solidFill>
-              </a:rPr>
-              <a:t>3</a:t>
+              <a:t>Item 3</a:t>
             </a:r>
           </a:p>
           <a:p>
@@ -13550,18 +14029,7 @@
                 <a:ea typeface="Corbel" charset="0"/>
                 <a:cs typeface="Corbel" charset="0"/>
               </a:rPr>
-              <a:t>Administrator(s</a:t>
-            </a:r>
-            <a:r>
-              <a:rPr lang="en-US" sz="2000" b="1" dirty="0" smtClean="0">
-                <a:solidFill>
-                  <a:srgbClr val="FFD966"/>
-                </a:solidFill>
-                <a:latin typeface="Corbel" charset="0"/>
-                <a:ea typeface="Corbel" charset="0"/>
-                <a:cs typeface="Corbel" charset="0"/>
-              </a:rPr>
-              <a:t>)</a:t>
+              <a:t>Administrator(s)</a:t>
             </a:r>
           </a:p>
           <a:p>

--- a/Open Repositories 2017/Charon Poster/OR2017_Charon_Poster_Working.pptx
+++ b/Open Repositories 2017/Charon Poster/OR2017_Charon_Poster_Working.pptx
@@ -122,12 +122,12 @@
   <p:extLst>
     <p:ext uri="{EFAFB233-063F-42B5-8137-9DF3F51BA10A}">
       <p15:sldGuideLst xmlns:p15="http://schemas.microsoft.com/office/powerpoint/2012/main">
-        <p15:guide id="1" pos="1653" userDrawn="1">
+        <p15:guide id="1" pos="1699" userDrawn="1">
           <p15:clr>
             <a:srgbClr val="A4A3A4"/>
           </p15:clr>
         </p15:guide>
-        <p15:guide id="2" orient="horz" pos="6759" userDrawn="1">
+        <p15:guide id="4" orient="horz" pos="4173" userDrawn="1">
           <p15:clr>
             <a:srgbClr val="A4A3A4"/>
           </p15:clr>
@@ -406,7 +406,7 @@
           <a:p>
             <a:fld id="{60829E41-64EF-604D-A40A-7DA186A06455}" type="datetimeFigureOut">
               <a:rPr lang="en-US" smtClean="0"/>
-              <a:t>6/6/17</a:t>
+              <a:t>6/7/17</a:t>
             </a:fld>
             <a:endParaRPr lang="en-US"/>
           </a:p>
@@ -1736,7 +1736,7 @@
             <a:fld id="{E8B92B60-3ACF-4E3B-ACCA-3CF86291A092}" type="datetimeFigureOut">
               <a:rPr lang="en-AU" smtClean="0"/>
               <a:pPr/>
-              <a:t>6/06/2017</a:t>
+              <a:t>7/06/2017</a:t>
             </a:fld>
             <a:endParaRPr lang="en-AU"/>
           </a:p>
@@ -1903,7 +1903,7 @@
             <a:fld id="{E8B92B60-3ACF-4E3B-ACCA-3CF86291A092}" type="datetimeFigureOut">
               <a:rPr lang="en-AU" smtClean="0"/>
               <a:pPr/>
-              <a:t>6/06/2017</a:t>
+              <a:t>7/06/2017</a:t>
             </a:fld>
             <a:endParaRPr lang="en-AU"/>
           </a:p>
@@ -2080,7 +2080,7 @@
             <a:fld id="{E8B92B60-3ACF-4E3B-ACCA-3CF86291A092}" type="datetimeFigureOut">
               <a:rPr lang="en-AU" smtClean="0"/>
               <a:pPr/>
-              <a:t>6/06/2017</a:t>
+              <a:t>7/06/2017</a:t>
             </a:fld>
             <a:endParaRPr lang="en-AU"/>
           </a:p>
@@ -2247,7 +2247,7 @@
             <a:fld id="{E8B92B60-3ACF-4E3B-ACCA-3CF86291A092}" type="datetimeFigureOut">
               <a:rPr lang="en-AU" smtClean="0"/>
               <a:pPr/>
-              <a:t>6/06/2017</a:t>
+              <a:t>7/06/2017</a:t>
             </a:fld>
             <a:endParaRPr lang="en-AU"/>
           </a:p>
@@ -2490,7 +2490,7 @@
             <a:fld id="{E8B92B60-3ACF-4E3B-ACCA-3CF86291A092}" type="datetimeFigureOut">
               <a:rPr lang="en-AU" smtClean="0"/>
               <a:pPr/>
-              <a:t>6/06/2017</a:t>
+              <a:t>7/06/2017</a:t>
             </a:fld>
             <a:endParaRPr lang="en-AU"/>
           </a:p>
@@ -2775,7 +2775,7 @@
             <a:fld id="{E8B92B60-3ACF-4E3B-ACCA-3CF86291A092}" type="datetimeFigureOut">
               <a:rPr lang="en-AU" smtClean="0"/>
               <a:pPr/>
-              <a:t>6/06/2017</a:t>
+              <a:t>7/06/2017</a:t>
             </a:fld>
             <a:endParaRPr lang="en-AU"/>
           </a:p>
@@ -3199,7 +3199,7 @@
             <a:fld id="{E8B92B60-3ACF-4E3B-ACCA-3CF86291A092}" type="datetimeFigureOut">
               <a:rPr lang="en-AU" smtClean="0"/>
               <a:pPr/>
-              <a:t>6/06/2017</a:t>
+              <a:t>7/06/2017</a:t>
             </a:fld>
             <a:endParaRPr lang="en-AU"/>
           </a:p>
@@ -3314,7 +3314,7 @@
             <a:fld id="{E8B92B60-3ACF-4E3B-ACCA-3CF86291A092}" type="datetimeFigureOut">
               <a:rPr lang="en-AU" smtClean="0"/>
               <a:pPr/>
-              <a:t>6/06/2017</a:t>
+              <a:t>7/06/2017</a:t>
             </a:fld>
             <a:endParaRPr lang="en-AU"/>
           </a:p>
@@ -3406,7 +3406,7 @@
             <a:fld id="{E8B92B60-3ACF-4E3B-ACCA-3CF86291A092}" type="datetimeFigureOut">
               <a:rPr lang="en-AU" smtClean="0"/>
               <a:pPr/>
-              <a:t>6/06/2017</a:t>
+              <a:t>7/06/2017</a:t>
             </a:fld>
             <a:endParaRPr lang="en-AU"/>
           </a:p>
@@ -3680,7 +3680,7 @@
             <a:fld id="{E8B92B60-3ACF-4E3B-ACCA-3CF86291A092}" type="datetimeFigureOut">
               <a:rPr lang="en-AU" smtClean="0"/>
               <a:pPr/>
-              <a:t>6/06/2017</a:t>
+              <a:t>7/06/2017</a:t>
             </a:fld>
             <a:endParaRPr lang="en-AU"/>
           </a:p>
@@ -3930,7 +3930,7 @@
             <a:fld id="{E8B92B60-3ACF-4E3B-ACCA-3CF86291A092}" type="datetimeFigureOut">
               <a:rPr lang="en-AU" smtClean="0"/>
               <a:pPr/>
-              <a:t>6/06/2017</a:t>
+              <a:t>7/06/2017</a:t>
             </a:fld>
             <a:endParaRPr lang="en-AU"/>
           </a:p>
@@ -4140,7 +4140,7 @@
             <a:fld id="{E8B92B60-3ACF-4E3B-ACCA-3CF86291A092}" type="datetimeFigureOut">
               <a:rPr lang="en-AU" smtClean="0"/>
               <a:pPr/>
-              <a:t>6/06/2017</a:t>
+              <a:t>7/06/2017</a:t>
             </a:fld>
             <a:endParaRPr lang="en-AU"/>
           </a:p>
@@ -4532,7 +4532,7 @@
           </a:xfrm>
           <a:prstGeom prst="roundRect">
             <a:avLst>
-              <a:gd name="adj" fmla="val 10378"/>
+              <a:gd name="adj" fmla="val 32366"/>
             </a:avLst>
           </a:prstGeom>
           <a:solidFill>
@@ -4642,8 +4642,8 @@
         </p:nvSpPr>
         <p:spPr>
           <a:xfrm>
-            <a:off x="248543" y="11881891"/>
-            <a:ext cx="9793088" cy="4896544"/>
+            <a:off x="248543" y="11809883"/>
+            <a:ext cx="9793088" cy="5040560"/>
           </a:xfrm>
           <a:prstGeom prst="roundRect">
             <a:avLst>
@@ -4700,8 +4700,8 @@
         </p:nvSpPr>
         <p:spPr>
           <a:xfrm rot="5400000">
-            <a:off x="2957878" y="9676612"/>
-            <a:ext cx="4896544" cy="9307101"/>
+            <a:off x="2885869" y="9676613"/>
+            <a:ext cx="5040559" cy="9307101"/>
           </a:xfrm>
           <a:prstGeom prst="round2SameRect">
             <a:avLst>
@@ -4770,7 +4770,7 @@
         </p:blipFill>
         <p:spPr>
           <a:xfrm>
-            <a:off x="968623" y="13754099"/>
+            <a:off x="968623" y="13816633"/>
             <a:ext cx="5112568" cy="2889794"/>
           </a:xfrm>
           <a:prstGeom prst="rect">
@@ -4786,8 +4786,8 @@
         </p:nvSpPr>
         <p:spPr>
           <a:xfrm>
-            <a:off x="270114" y="6985347"/>
-            <a:ext cx="9573685" cy="4680520"/>
+            <a:off x="270114" y="6769323"/>
+            <a:ext cx="9573685" cy="4896544"/>
           </a:xfrm>
           <a:prstGeom prst="roundRect">
             <a:avLst>
@@ -4844,8 +4844,8 @@
         </p:nvSpPr>
         <p:spPr>
           <a:xfrm rot="5400000">
-            <a:off x="3075270" y="4681314"/>
-            <a:ext cx="4680520" cy="9288585"/>
+            <a:off x="2967258" y="4573303"/>
+            <a:ext cx="4896543" cy="9288585"/>
           </a:xfrm>
           <a:prstGeom prst="round2SameRect">
             <a:avLst>
@@ -4902,7 +4902,7 @@
         <p:spPr>
           <a:xfrm>
             <a:off x="249357" y="3312939"/>
-            <a:ext cx="9793088" cy="3456384"/>
+            <a:ext cx="9793088" cy="3312368"/>
           </a:xfrm>
           <a:prstGeom prst="roundRect">
             <a:avLst>
@@ -4959,7 +4959,7 @@
         </p:nvCxnSpPr>
         <p:spPr>
           <a:xfrm>
-            <a:off x="5073079" y="7924023"/>
+            <a:off x="5001071" y="8428079"/>
             <a:ext cx="864096" cy="0"/>
           </a:xfrm>
           <a:prstGeom prst="straightConnector1">
@@ -4996,8 +4996,8 @@
         </p:nvSpPr>
         <p:spPr>
           <a:xfrm rot="5400000">
-            <a:off x="3678364" y="387987"/>
-            <a:ext cx="3456384" cy="9306287"/>
+            <a:off x="3750371" y="315980"/>
+            <a:ext cx="3312370" cy="9306287"/>
           </a:xfrm>
           <a:prstGeom prst="round2SameRect">
             <a:avLst/>
@@ -5050,7 +5050,7 @@
         </p:nvSpPr>
         <p:spPr>
           <a:xfrm>
-            <a:off x="968623" y="3528963"/>
+            <a:off x="896615" y="3456955"/>
             <a:ext cx="4176465" cy="3024336"/>
           </a:xfrm>
           <a:prstGeom prst="roundRect">
@@ -5106,8 +5106,8 @@
         </p:nvSpPr>
         <p:spPr>
           <a:xfrm>
-            <a:off x="5289103" y="3456955"/>
-            <a:ext cx="4608512" cy="3262432"/>
+            <a:off x="5145087" y="3384947"/>
+            <a:ext cx="4896544" cy="3262432"/>
           </a:xfrm>
           <a:prstGeom prst="rect">
             <a:avLst/>
@@ -5253,7 +5253,7 @@
                 <a:ea typeface="Corbel" charset="0"/>
                 <a:cs typeface="Corbel" charset="0"/>
               </a:rPr>
-              <a:t>to answer this question by developing a </a:t>
+              <a:t>to answer this question by </a:t>
             </a:r>
             <a:r>
               <a:rPr lang="en-US" sz="2000" dirty="0" smtClean="0">
@@ -5264,10 +5264,10 @@
                 <a:ea typeface="Corbel" charset="0"/>
                 <a:cs typeface="Corbel" charset="0"/>
               </a:rPr>
-              <a:t>digital curation framework that provides workflow </a:t>
-            </a:r>
-            <a:r>
-              <a:rPr lang="en-US" sz="2000" dirty="0">
+              <a:t>using Hydra to develop Charon, a </a:t>
+            </a:r>
+            <a:r>
+              <a:rPr lang="en-US" sz="2000" dirty="0" smtClean="0">
                 <a:solidFill>
                   <a:srgbClr val="E0E0E0"/>
                 </a:solidFill>
@@ -5275,7 +5275,7 @@
                 <a:ea typeface="Corbel" charset="0"/>
                 <a:cs typeface="Corbel" charset="0"/>
               </a:rPr>
-              <a:t>management </a:t>
+              <a:t>digital curation framework </a:t>
             </a:r>
             <a:r>
               <a:rPr lang="en-US" sz="2000" dirty="0" smtClean="0">
@@ -5286,7 +5286,73 @@
                 <a:ea typeface="Corbel" charset="0"/>
                 <a:cs typeface="Corbel" charset="0"/>
               </a:rPr>
-              <a:t>tools to support common DH project activities, such as text transcription and encoding.</a:t>
+              <a:t>that provides </a:t>
+            </a:r>
+            <a:r>
+              <a:rPr lang="en-US" sz="2000" dirty="0" smtClean="0">
+                <a:solidFill>
+                  <a:srgbClr val="E0E0E0"/>
+                </a:solidFill>
+                <a:latin typeface="Corbel" charset="0"/>
+                <a:ea typeface="Corbel" charset="0"/>
+                <a:cs typeface="Corbel" charset="0"/>
+              </a:rPr>
+              <a:t>project teams with </a:t>
+            </a:r>
+            <a:r>
+              <a:rPr lang="en-US" sz="2000" dirty="0" smtClean="0">
+                <a:solidFill>
+                  <a:srgbClr val="E0E0E0"/>
+                </a:solidFill>
+                <a:latin typeface="Corbel" charset="0"/>
+                <a:ea typeface="Corbel" charset="0"/>
+                <a:cs typeface="Corbel" charset="0"/>
+              </a:rPr>
+              <a:t>tools to perform common </a:t>
+            </a:r>
+            <a:r>
+              <a:rPr lang="en-US" sz="2000" dirty="0" smtClean="0">
+                <a:solidFill>
+                  <a:srgbClr val="E0E0E0"/>
+                </a:solidFill>
+                <a:latin typeface="Corbel" charset="0"/>
+                <a:ea typeface="Corbel" charset="0"/>
+                <a:cs typeface="Corbel" charset="0"/>
+              </a:rPr>
+              <a:t>DH </a:t>
+            </a:r>
+            <a:r>
+              <a:rPr lang="en-US" sz="2000" dirty="0" smtClean="0">
+                <a:solidFill>
+                  <a:srgbClr val="E0E0E0"/>
+                </a:solidFill>
+                <a:latin typeface="Corbel" charset="0"/>
+                <a:ea typeface="Corbel" charset="0"/>
+                <a:cs typeface="Corbel" charset="0"/>
+              </a:rPr>
+              <a:t>research tasks, </a:t>
+            </a:r>
+            <a:r>
+              <a:rPr lang="en-US" sz="2000" dirty="0" smtClean="0">
+                <a:solidFill>
+                  <a:srgbClr val="E0E0E0"/>
+                </a:solidFill>
+                <a:latin typeface="Corbel" charset="0"/>
+                <a:ea typeface="Corbel" charset="0"/>
+                <a:cs typeface="Corbel" charset="0"/>
+              </a:rPr>
+              <a:t>including cataloging, </a:t>
+            </a:r>
+            <a:r>
+              <a:rPr lang="en-US" sz="2000" dirty="0" smtClean="0">
+                <a:solidFill>
+                  <a:srgbClr val="E0E0E0"/>
+                </a:solidFill>
+                <a:latin typeface="Corbel" charset="0"/>
+                <a:ea typeface="Corbel" charset="0"/>
+                <a:cs typeface="Corbel" charset="0"/>
+              </a:rPr>
+              <a:t>text encoding, transcription, and translation.</a:t>
             </a:r>
             <a:endParaRPr lang="en-US" sz="2000" dirty="0">
               <a:solidFill>
@@ -5607,7 +5673,7 @@
               <a:t>This project is still in development and we would like your input!</a:t>
             </a:r>
             <a:r>
-              <a:rPr lang="en-US" sz="500" dirty="0">
+              <a:rPr lang="en-US" sz="2000" dirty="0">
                 <a:solidFill>
                   <a:srgbClr val="E0E0E0"/>
                 </a:solidFill>
@@ -5618,7 +5684,7 @@
               <a:t> </a:t>
             </a:r>
             <a:r>
-              <a:rPr lang="en-US" sz="500" dirty="0" smtClean="0">
+              <a:rPr lang="en-US" sz="2000" dirty="0" smtClean="0">
                 <a:solidFill>
                   <a:srgbClr val="E0E0E0"/>
                 </a:solidFill>
@@ -5626,18 +5692,7 @@
                 <a:ea typeface="Corbel" charset="0"/>
                 <a:cs typeface="Corbel" charset="0"/>
               </a:rPr>
-              <a:t> </a:t>
-            </a:r>
-            <a:r>
-              <a:rPr lang="en-US" sz="2000" dirty="0" smtClean="0">
-                <a:solidFill>
-                  <a:srgbClr val="E0E0E0"/>
-                </a:solidFill>
-                <a:latin typeface="Corbel" charset="0"/>
-                <a:ea typeface="Corbel" charset="0"/>
-                <a:cs typeface="Corbel" charset="0"/>
-              </a:rPr>
-              <a:t>Scan the QR code on the right or visit </a:t>
+              <a:t> Scan the QR code on the right or visit </a:t>
             </a:r>
             <a:r>
               <a:rPr lang="en-US" sz="2000" dirty="0">
@@ -5753,8 +5808,8 @@
         </p:nvSpPr>
         <p:spPr>
           <a:xfrm rot="16200000">
-            <a:off x="-1840429" y="9091697"/>
-            <a:ext cx="4680520" cy="467820"/>
+            <a:off x="-1948441" y="8983685"/>
+            <a:ext cx="4896544" cy="467820"/>
           </a:xfrm>
           <a:prstGeom prst="rect">
             <a:avLst/>
@@ -6037,7 +6092,7 @@
         </p:nvSpPr>
         <p:spPr>
           <a:xfrm>
-            <a:off x="6369223" y="13034019"/>
+            <a:off x="6369223" y="12962011"/>
             <a:ext cx="3456384" cy="1210538"/>
           </a:xfrm>
           <a:prstGeom prst="roundRect">
@@ -6070,14 +6125,6 @@
               </a:rPr>
               <a:t> 💡 Creators</a:t>
             </a:r>
-            <a:endParaRPr lang="en-US" sz="2000" b="1" dirty="0" smtClean="0">
-              <a:solidFill>
-                <a:srgbClr val="FFD966"/>
-              </a:solidFill>
-              <a:latin typeface="Corbel" charset="0"/>
-              <a:ea typeface="Corbel" charset="0"/>
-              <a:cs typeface="Corbel" charset="0"/>
-            </a:endParaRPr>
           </a:p>
           <a:p>
             <a:pPr algn="ctr"/>
@@ -6142,8 +6189,8 @@
         </p:nvSpPr>
         <p:spPr>
           <a:xfrm>
-            <a:off x="6369223" y="14330163"/>
-            <a:ext cx="3456384" cy="2345918"/>
+            <a:off x="6225207" y="14360509"/>
+            <a:ext cx="3600400" cy="2345918"/>
           </a:xfrm>
           <a:prstGeom prst="roundRect">
             <a:avLst>
@@ -6184,18 +6231,7 @@
                 <a:ea typeface="Corbel" charset="0"/>
                 <a:cs typeface="Corbel" charset="0"/>
               </a:rPr>
-              <a:t>Administrator(s</a:t>
-            </a:r>
-            <a:r>
-              <a:rPr lang="en-US" sz="2000" b="1" dirty="0" smtClean="0">
-                <a:solidFill>
-                  <a:srgbClr val="FFD966"/>
-                </a:solidFill>
-                <a:latin typeface="Corbel" charset="0"/>
-                <a:ea typeface="Corbel" charset="0"/>
-                <a:cs typeface="Corbel" charset="0"/>
-              </a:rPr>
-              <a:t>)</a:t>
+              <a:t>Administrator(s)</a:t>
             </a:r>
           </a:p>
           <a:p>
@@ -6274,7 +6310,40 @@
                 <a:ea typeface="Corbel" charset="0"/>
                 <a:cs typeface="Corbel" charset="0"/>
               </a:rPr>
-              <a:t>Configure users, models, and workflows</a:t>
+              <a:t>Configure </a:t>
+            </a:r>
+            <a:r>
+              <a:rPr lang="en-US" sz="1800" dirty="0" smtClean="0">
+                <a:solidFill>
+                  <a:srgbClr val="E0E0E0"/>
+                </a:solidFill>
+                <a:latin typeface="Corbel" charset="0"/>
+                <a:ea typeface="Corbel" charset="0"/>
+                <a:cs typeface="Corbel" charset="0"/>
+              </a:rPr>
+              <a:t>tasks </a:t>
+            </a:r>
+            <a:r>
+              <a:rPr lang="en-US" sz="1800" dirty="0" smtClean="0">
+                <a:solidFill>
+                  <a:srgbClr val="E0E0E0"/>
+                </a:solidFill>
+                <a:latin typeface="Corbel" charset="0"/>
+                <a:ea typeface="Corbel" charset="0"/>
+                <a:cs typeface="Corbel" charset="0"/>
+              </a:rPr>
+              <a:t>and </a:t>
+            </a:r>
+            <a:r>
+              <a:rPr lang="en-US" sz="1800" dirty="0" smtClean="0">
+                <a:solidFill>
+                  <a:srgbClr val="E0E0E0"/>
+                </a:solidFill>
+                <a:latin typeface="Corbel" charset="0"/>
+                <a:ea typeface="Corbel" charset="0"/>
+                <a:cs typeface="Corbel" charset="0"/>
+              </a:rPr>
+              <a:t>workflows</a:t>
             </a:r>
           </a:p>
           <a:p>
@@ -6291,7 +6360,57 @@
                 <a:ea typeface="Corbel" charset="0"/>
                 <a:cs typeface="Corbel" charset="0"/>
               </a:rPr>
-              <a:t>Bulk review and processing</a:t>
+              <a:t>Bulk </a:t>
+            </a:r>
+            <a:r>
+              <a:rPr lang="en-US" sz="1800" dirty="0" smtClean="0">
+                <a:solidFill>
+                  <a:srgbClr val="E0E0E0"/>
+                </a:solidFill>
+                <a:latin typeface="Corbel" charset="0"/>
+                <a:ea typeface="Corbel" charset="0"/>
+                <a:cs typeface="Corbel" charset="0"/>
+              </a:rPr>
+              <a:t>review and </a:t>
+            </a:r>
+            <a:r>
+              <a:rPr lang="en-US" sz="1800" dirty="0" smtClean="0">
+                <a:solidFill>
+                  <a:srgbClr val="E0E0E0"/>
+                </a:solidFill>
+                <a:latin typeface="Corbel" charset="0"/>
+                <a:ea typeface="Corbel" charset="0"/>
+                <a:cs typeface="Corbel" charset="0"/>
+              </a:rPr>
+              <a:t>file processing</a:t>
+            </a:r>
+          </a:p>
+          <a:p>
+            <a:pPr marL="231775" indent="-231775">
+              <a:buFont typeface="Arial" charset="0"/>
+              <a:buChar char="•"/>
+            </a:pPr>
+            <a:r>
+              <a:rPr lang="en-US" sz="1800" dirty="0">
+                <a:solidFill>
+                  <a:srgbClr val="E0E0E0"/>
+                </a:solidFill>
+                <a:latin typeface="Corbel" charset="0"/>
+                <a:ea typeface="Corbel" charset="0"/>
+                <a:cs typeface="Corbel" charset="0"/>
+              </a:rPr>
+              <a:t>Manage </a:t>
+            </a:r>
+            <a:r>
+              <a:rPr lang="en-US" sz="1800" dirty="0" smtClean="0">
+                <a:solidFill>
+                  <a:srgbClr val="E0E0E0"/>
+                </a:solidFill>
+                <a:latin typeface="Corbel" charset="0"/>
+                <a:ea typeface="Corbel" charset="0"/>
+                <a:cs typeface="Corbel" charset="0"/>
+              </a:rPr>
+              <a:t>users</a:t>
             </a:r>
             <a:endParaRPr lang="en-US" sz="1800" dirty="0">
               <a:solidFill>
@@ -6377,7 +6496,7 @@
         </p:blipFill>
         <p:spPr>
           <a:xfrm>
-            <a:off x="1976735" y="8136831"/>
+            <a:off x="1904727" y="8281094"/>
             <a:ext cx="707875" cy="576064"/>
           </a:xfrm>
           <a:prstGeom prst="rect">
@@ -6396,7 +6515,7 @@
         </p:nvSpPr>
         <p:spPr>
           <a:xfrm>
-            <a:off x="4641031" y="7578725"/>
+            <a:off x="4569023" y="8082781"/>
             <a:ext cx="685800" cy="685800"/>
           </a:xfrm>
           <a:prstGeom prst="rect">
@@ -6460,7 +6579,7 @@
         </p:nvSpPr>
         <p:spPr>
           <a:xfrm>
-            <a:off x="4640263" y="8586788"/>
+            <a:off x="4568255" y="9090844"/>
             <a:ext cx="685800" cy="685800"/>
           </a:xfrm>
           <a:prstGeom prst="rect">
@@ -6524,7 +6643,7 @@
         </p:nvSpPr>
         <p:spPr>
           <a:xfrm>
-            <a:off x="5937175" y="7578725"/>
+            <a:off x="5865167" y="8082781"/>
             <a:ext cx="1152128" cy="685800"/>
           </a:xfrm>
           <a:prstGeom prst="rect">
@@ -6590,7 +6709,7 @@
         </p:nvSpPr>
         <p:spPr>
           <a:xfrm>
-            <a:off x="5937175" y="8785547"/>
+            <a:off x="5865167" y="9289603"/>
             <a:ext cx="1152128" cy="685800"/>
           </a:xfrm>
           <a:prstGeom prst="rect">
@@ -6656,7 +6775,7 @@
         </p:nvSpPr>
         <p:spPr>
           <a:xfrm>
-            <a:off x="8059687" y="7129363"/>
+            <a:off x="7987679" y="7633419"/>
             <a:ext cx="685800" cy="685800"/>
           </a:xfrm>
           <a:prstGeom prst="rect">
@@ -6720,7 +6839,7 @@
         </p:nvSpPr>
         <p:spPr>
           <a:xfrm>
-            <a:off x="8059687" y="7955731"/>
+            <a:off x="7987679" y="8459787"/>
             <a:ext cx="685800" cy="685800"/>
           </a:xfrm>
           <a:prstGeom prst="rect">
@@ -6784,7 +6903,7 @@
         </p:nvSpPr>
         <p:spPr>
           <a:xfrm>
-            <a:off x="8059687" y="8785547"/>
+            <a:off x="7987679" y="9289603"/>
             <a:ext cx="685800" cy="685800"/>
           </a:xfrm>
           <a:prstGeom prst="rect">
@@ -6848,7 +6967,7 @@
         </p:nvCxnSpPr>
         <p:spPr>
           <a:xfrm>
-            <a:off x="2624807" y="8424863"/>
+            <a:off x="2552799" y="8569126"/>
             <a:ext cx="481982" cy="0"/>
           </a:xfrm>
           <a:prstGeom prst="straightConnector1">
@@ -6888,7 +7007,7 @@
         </p:nvCxnSpPr>
         <p:spPr>
           <a:xfrm>
-            <a:off x="5326063" y="8929688"/>
+            <a:off x="5254055" y="9433744"/>
             <a:ext cx="611112" cy="198759"/>
           </a:xfrm>
           <a:prstGeom prst="bentConnector3">
@@ -6929,7 +7048,7 @@
         </p:nvCxnSpPr>
         <p:spPr>
           <a:xfrm flipH="1">
-            <a:off x="7089303" y="9128447"/>
+            <a:off x="7017295" y="9632503"/>
             <a:ext cx="970384" cy="0"/>
           </a:xfrm>
           <a:prstGeom prst="straightConnector1">
@@ -6980,7 +7099,7 @@
         </p:blipFill>
         <p:spPr>
           <a:xfrm>
-            <a:off x="1976735" y="9289356"/>
+            <a:off x="1904727" y="9361611"/>
             <a:ext cx="707875" cy="576064"/>
           </a:xfrm>
           <a:prstGeom prst="rect">
@@ -6999,7 +7118,7 @@
         </p:nvCxnSpPr>
         <p:spPr>
           <a:xfrm>
-            <a:off x="2624138" y="9577635"/>
+            <a:off x="2552130" y="9649890"/>
             <a:ext cx="384450" cy="0"/>
           </a:xfrm>
           <a:prstGeom prst="straightConnector1">
@@ -7036,7 +7155,7 @@
         </p:nvCxnSpPr>
         <p:spPr>
           <a:xfrm flipH="1" flipV="1">
-            <a:off x="3776935" y="8425507"/>
+            <a:off x="3704927" y="8569770"/>
             <a:ext cx="576064" cy="2410"/>
           </a:xfrm>
           <a:prstGeom prst="straightConnector1">
@@ -7068,18 +7187,18 @@
       <p:cxnSp>
         <p:nvCxnSpPr>
           <p:cNvPr id="220" name="Elbow Connector 219"/>
-          <p:cNvCxnSpPr>
-            <a:endCxn id="100" idx="2"/>
-          </p:cNvCxnSpPr>
+          <p:cNvCxnSpPr/>
           <p:nvPr/>
         </p:nvCxnSpPr>
         <p:spPr>
-          <a:xfrm flipV="1">
-            <a:off x="3632919" y="9272588"/>
-            <a:ext cx="1350244" cy="305047"/>
-          </a:xfrm>
-          <a:prstGeom prst="bentConnector2">
-            <a:avLst/>
+          <a:xfrm>
+            <a:off x="3632919" y="9649643"/>
+            <a:ext cx="936104" cy="2"/>
+          </a:xfrm>
+          <a:prstGeom prst="bentConnector3">
+            <a:avLst>
+              <a:gd name="adj1" fmla="val 50000"/>
+            </a:avLst>
           </a:prstGeom>
           <a:ln w="25400">
             <a:solidFill>
@@ -7114,7 +7233,7 @@
         </p:nvCxnSpPr>
         <p:spPr>
           <a:xfrm rot="10800000" flipV="1">
-            <a:off x="8059687" y="7472263"/>
+            <a:off x="7987679" y="7976319"/>
             <a:ext cx="12700" cy="826368"/>
           </a:xfrm>
           <a:prstGeom prst="bentConnector3">
@@ -7153,7 +7272,7 @@
         </p:nvCxnSpPr>
         <p:spPr>
           <a:xfrm rot="120000" flipV="1">
-            <a:off x="7089303" y="7921625"/>
+            <a:off x="7017295" y="8425681"/>
             <a:ext cx="576064" cy="16966"/>
           </a:xfrm>
           <a:prstGeom prst="straightConnector1">
@@ -7190,8 +7309,8 @@
         </p:nvSpPr>
         <p:spPr>
           <a:xfrm>
-            <a:off x="752599" y="7129363"/>
-            <a:ext cx="3528392" cy="529376"/>
+            <a:off x="968623" y="6913339"/>
+            <a:ext cx="8856984" cy="867930"/>
           </a:xfrm>
           <a:prstGeom prst="rect">
             <a:avLst/>
@@ -7207,9 +7326,8 @@
           </a:bodyPr>
           <a:lstStyle/>
           <a:p>
-            <a:pPr algn="ctr"/>
-            <a:r>
-              <a:rPr lang="en-US" sz="1600" i="1" dirty="0" smtClean="0">
+            <a:r>
+              <a:rPr lang="en-US" sz="1800" dirty="0" smtClean="0">
                 <a:solidFill>
                   <a:srgbClr val="E0E0E0"/>
                 </a:solidFill>
@@ -7217,9 +7335,9 @@
                 <a:ea typeface="Corbel" charset="0"/>
                 <a:cs typeface="Corbel" charset="0"/>
               </a:rPr>
-              <a:t>Relationships between team members, roles, tasks, interfaces, and tools</a:t>
-            </a:r>
-            <a:endParaRPr lang="en-US" sz="1600" i="1" dirty="0">
+              <a:t>In Charon, team members are assigned roles and have access to project tasks, which are performed using open source editorial tools embedded in a web interface. Workflows, tools, and task procedures are configured by the project administrator. </a:t>
+            </a:r>
+            <a:endParaRPr lang="en-US" sz="1800" dirty="0">
               <a:solidFill>
                 <a:srgbClr val="E0E0E0"/>
               </a:solidFill>
@@ -7238,7 +7356,7 @@
         </p:nvSpPr>
         <p:spPr>
           <a:xfrm>
-            <a:off x="2046652" y="5682394"/>
+            <a:off x="1974644" y="5610386"/>
             <a:ext cx="184731" cy="646331"/>
           </a:xfrm>
           <a:prstGeom prst="rect">
@@ -7486,7 +7604,7 @@
         </p:blipFill>
         <p:spPr>
           <a:xfrm>
-            <a:off x="3254108" y="5977235"/>
+            <a:off x="3182100" y="5905227"/>
             <a:ext cx="1386155" cy="504056"/>
           </a:xfrm>
           <a:prstGeom prst="rect">
@@ -7515,7 +7633,7 @@
         </p:blipFill>
         <p:spPr>
           <a:xfrm>
-            <a:off x="1652961" y="5401171"/>
+            <a:off x="1580953" y="5329163"/>
             <a:ext cx="1153952" cy="864096"/>
           </a:xfrm>
           <a:prstGeom prst="rect">
@@ -7531,8 +7649,8 @@
         </p:nvSpPr>
         <p:spPr>
           <a:xfrm rot="16200000">
-            <a:off x="-1234428" y="4795910"/>
-            <a:ext cx="3456384" cy="490442"/>
+            <a:off x="-1162420" y="4723902"/>
+            <a:ext cx="3312368" cy="490442"/>
           </a:xfrm>
           <a:prstGeom prst="round2SameRect">
             <a:avLst/>
@@ -7585,7 +7703,7 @@
         </p:blipFill>
         <p:spPr>
           <a:xfrm>
-            <a:off x="1400671" y="4177035"/>
+            <a:off x="1328663" y="4105027"/>
             <a:ext cx="1080120" cy="1080120"/>
           </a:xfrm>
           <a:prstGeom prst="rect">
@@ -7615,7 +7733,7 @@
         </p:blipFill>
         <p:spPr>
           <a:xfrm>
-            <a:off x="4208477" y="5401171"/>
+            <a:off x="4136469" y="5329163"/>
             <a:ext cx="792088" cy="519234"/>
           </a:xfrm>
           <a:prstGeom prst="rect">
@@ -7645,7 +7763,7 @@
         </p:blipFill>
         <p:spPr>
           <a:xfrm>
-            <a:off x="3128863" y="4321051"/>
+            <a:off x="3056855" y="4249043"/>
             <a:ext cx="1249754" cy="720080"/>
           </a:xfrm>
           <a:prstGeom prst="rect">
@@ -7661,7 +7779,7 @@
         </p:nvSpPr>
         <p:spPr>
           <a:xfrm>
-            <a:off x="2085009" y="6193259"/>
+            <a:off x="2013001" y="6121251"/>
             <a:ext cx="1025179" cy="338554"/>
           </a:xfrm>
           <a:prstGeom prst="rect">
@@ -7708,7 +7826,7 @@
         </p:nvSpPr>
         <p:spPr>
           <a:xfrm>
-            <a:off x="968623" y="3600971"/>
+            <a:off x="896615" y="3528963"/>
             <a:ext cx="4176464" cy="381381"/>
           </a:xfrm>
           <a:prstGeom prst="roundRect">
@@ -7748,7 +7866,7 @@
         </p:nvSpPr>
         <p:spPr>
           <a:xfrm>
-            <a:off x="2984847" y="9145340"/>
+            <a:off x="2912839" y="9217595"/>
             <a:ext cx="864096" cy="864096"/>
           </a:xfrm>
           <a:prstGeom prst="diamond">
@@ -7812,7 +7930,7 @@
         </p:nvSpPr>
         <p:spPr>
           <a:xfrm>
-            <a:off x="5217095" y="12025907"/>
+            <a:off x="5289103" y="11953899"/>
             <a:ext cx="3456384" cy="914489"/>
           </a:xfrm>
           <a:prstGeom prst="roundRect">
@@ -7845,14 +7963,6 @@
               </a:rPr>
               <a:t>🗄 Depositors</a:t>
             </a:r>
-            <a:endParaRPr lang="en-US" sz="2000" b="1" dirty="0" smtClean="0">
-              <a:solidFill>
-                <a:srgbClr val="FFD966"/>
-              </a:solidFill>
-              <a:latin typeface="Corbel" charset="0"/>
-              <a:ea typeface="Corbel" charset="0"/>
-              <a:cs typeface="Corbel" charset="0"/>
-            </a:endParaRPr>
           </a:p>
           <a:p>
             <a:pPr algn="ctr"/>
@@ -7900,7 +8010,7 @@
         </p:nvSpPr>
         <p:spPr>
           <a:xfrm>
-            <a:off x="968623" y="12025907"/>
+            <a:off x="968623" y="11953899"/>
             <a:ext cx="3456384" cy="1472505"/>
           </a:xfrm>
           <a:prstGeom prst="roundRect">
@@ -8022,7 +8132,7 @@
         </p:nvSpPr>
         <p:spPr>
           <a:xfrm>
-            <a:off x="2984847" y="7992815"/>
+            <a:off x="2912839" y="8137078"/>
             <a:ext cx="864096" cy="864096"/>
           </a:xfrm>
           <a:prstGeom prst="diamond">
@@ -8130,7 +8240,7 @@
         </p:blipFill>
         <p:spPr>
           <a:xfrm>
-            <a:off x="1148905" y="5401171"/>
+            <a:off x="1076897" y="5329163"/>
             <a:ext cx="648072" cy="860834"/>
           </a:xfrm>
           <a:prstGeom prst="rect">
@@ -8160,7 +8270,7 @@
         </p:blipFill>
         <p:spPr>
           <a:xfrm>
-            <a:off x="2862659" y="5587727"/>
+            <a:off x="2790651" y="5515719"/>
             <a:ext cx="1130300" cy="317500"/>
           </a:xfrm>
           <a:prstGeom prst="rect">
@@ -8263,14 +8373,6 @@
               </a:rPr>
               <a:t>Configure</a:t>
             </a:r>
-            <a:endParaRPr lang="en-US" sz="2000" b="1" dirty="0" smtClean="0">
-              <a:solidFill>
-                <a:srgbClr val="FFD966"/>
-              </a:solidFill>
-              <a:latin typeface="Corbel" charset="0"/>
-              <a:ea typeface="Corbel" charset="0"/>
-              <a:cs typeface="Corbel" charset="0"/>
-            </a:endParaRPr>
           </a:p>
         </p:txBody>
       </p:sp>
@@ -8311,14 +8413,6 @@
               </a:rPr>
               <a:t>Submit</a:t>
             </a:r>
-            <a:endParaRPr lang="en-US" sz="2000" b="1" dirty="0" smtClean="0">
-              <a:solidFill>
-                <a:srgbClr val="FFD966"/>
-              </a:solidFill>
-              <a:latin typeface="Corbel" charset="0"/>
-              <a:ea typeface="Corbel" charset="0"/>
-              <a:cs typeface="Corbel" charset="0"/>
-            </a:endParaRPr>
           </a:p>
         </p:txBody>
       </p:sp>
@@ -8330,7 +8424,7 @@
         </p:nvSpPr>
         <p:spPr>
           <a:xfrm>
-            <a:off x="5436349" y="10729763"/>
+            <a:off x="5436349" y="10657755"/>
             <a:ext cx="1861628" cy="783193"/>
           </a:xfrm>
           <a:prstGeom prst="roundRect">
@@ -8438,7 +8532,7 @@
         </p:nvSpPr>
         <p:spPr>
           <a:xfrm>
-            <a:off x="6801095" y="10729763"/>
+            <a:off x="6657255" y="10657755"/>
             <a:ext cx="1656184" cy="783193"/>
           </a:xfrm>
           <a:prstGeom prst="roundRect">
@@ -8470,14 +8564,6 @@
               </a:rPr>
               <a:t>Transcribe</a:t>
             </a:r>
-            <a:endParaRPr lang="en-US" sz="2000" dirty="0" smtClean="0">
-              <a:solidFill>
-                <a:srgbClr val="E0E0E0"/>
-              </a:solidFill>
-              <a:latin typeface="Corbel" charset="0"/>
-              <a:ea typeface="Corbel" charset="0"/>
-              <a:cs typeface="Corbel" charset="0"/>
-            </a:endParaRPr>
           </a:p>
           <a:p>
             <a:pPr marL="231775" indent="-231775">
@@ -8495,14 +8581,6 @@
               </a:rPr>
               <a:t>Translate</a:t>
             </a:r>
-            <a:endParaRPr lang="en-US" sz="2000" dirty="0" smtClean="0">
-              <a:solidFill>
-                <a:srgbClr val="E0E0E0"/>
-              </a:solidFill>
-              <a:latin typeface="Corbel" charset="0"/>
-              <a:ea typeface="Corbel" charset="0"/>
-              <a:cs typeface="Corbel" charset="0"/>
-            </a:endParaRPr>
           </a:p>
         </p:txBody>
       </p:sp>
@@ -8514,7 +8592,7 @@
         </p:nvSpPr>
         <p:spPr>
           <a:xfrm>
-            <a:off x="899994" y="10738658"/>
+            <a:off x="899994" y="10666650"/>
             <a:ext cx="2228869" cy="783193"/>
           </a:xfrm>
           <a:prstGeom prst="roundRect">
@@ -8544,18 +8622,7 @@
                 <a:ea typeface="Corbel" charset="0"/>
                 <a:cs typeface="Corbel" charset="0"/>
               </a:rPr>
-              <a:t>Curate </a:t>
-            </a:r>
-            <a:r>
-              <a:rPr lang="en-US" sz="2000" dirty="0" smtClean="0">
-                <a:solidFill>
-                  <a:srgbClr val="E0E0E0"/>
-                </a:solidFill>
-                <a:latin typeface="Corbel" charset="0"/>
-                <a:ea typeface="Corbel" charset="0"/>
-                <a:cs typeface="Corbel" charset="0"/>
-              </a:rPr>
-              <a:t>data</a:t>
+              <a:t>Curate data</a:t>
             </a:r>
           </a:p>
           <a:p>
@@ -8572,18 +8639,7 @@
                 <a:ea typeface="Corbel" charset="0"/>
                 <a:cs typeface="Corbel" charset="0"/>
               </a:rPr>
-              <a:t>Create </a:t>
-            </a:r>
-            <a:r>
-              <a:rPr lang="en-US" sz="2000" dirty="0" smtClean="0">
-                <a:solidFill>
-                  <a:srgbClr val="E0E0E0"/>
-                </a:solidFill>
-                <a:latin typeface="Corbel" charset="0"/>
-                <a:ea typeface="Corbel" charset="0"/>
-                <a:cs typeface="Corbel" charset="0"/>
-              </a:rPr>
-              <a:t>workflow</a:t>
+              <a:t>Define workflow</a:t>
             </a:r>
             <a:endParaRPr lang="en-US" sz="2000" dirty="0">
               <a:solidFill>
@@ -8604,7 +8660,7 @@
         </p:nvSpPr>
         <p:spPr>
           <a:xfrm>
-            <a:off x="3128540" y="10738658"/>
+            <a:off x="3128540" y="10666650"/>
             <a:ext cx="2304256" cy="783193"/>
           </a:xfrm>
           <a:prstGeom prst="roundRect">
@@ -8651,18 +8707,7 @@
                 <a:ea typeface="Corbel" charset="0"/>
                 <a:cs typeface="Corbel" charset="0"/>
               </a:rPr>
-              <a:t>Create </a:t>
-            </a:r>
-            <a:r>
-              <a:rPr lang="en-US" sz="2000" dirty="0" smtClean="0">
-                <a:solidFill>
-                  <a:srgbClr val="E0E0E0"/>
-                </a:solidFill>
-                <a:latin typeface="Corbel" charset="0"/>
-                <a:ea typeface="Corbel" charset="0"/>
-                <a:cs typeface="Corbel" charset="0"/>
-              </a:rPr>
-              <a:t>metadata</a:t>
+              <a:t>Create metadata</a:t>
             </a:r>
           </a:p>
         </p:txBody>
@@ -8701,7 +8746,7 @@
         </p:nvCxnSpPr>
         <p:spPr>
           <a:xfrm rot="10800000" flipV="1">
-            <a:off x="4631119" y="7927171"/>
+            <a:off x="4559111" y="8431227"/>
             <a:ext cx="9144" cy="1005840"/>
           </a:xfrm>
           <a:prstGeom prst="bentConnector3">
@@ -8740,7 +8785,7 @@
         </p:nvSpPr>
         <p:spPr>
           <a:xfrm>
-            <a:off x="968623" y="5113139"/>
+            <a:off x="896615" y="5041131"/>
             <a:ext cx="4176464" cy="347329"/>
           </a:xfrm>
           <a:prstGeom prst="roundRect">
@@ -8769,14 +8814,6 @@
               </a:rPr>
               <a:t>Infrastructure</a:t>
             </a:r>
-            <a:endParaRPr lang="en-US" sz="1800" b="1" dirty="0" smtClean="0">
-              <a:solidFill>
-                <a:srgbClr val="64FFDA"/>
-              </a:solidFill>
-              <a:latin typeface="Corbel" charset="0"/>
-              <a:ea typeface="Corbel" charset="0"/>
-              <a:cs typeface="Corbel" charset="0"/>
-            </a:endParaRPr>
           </a:p>
         </p:txBody>
       </p:sp>
@@ -8788,7 +8825,7 @@
         </p:nvSpPr>
         <p:spPr>
           <a:xfrm>
-            <a:off x="968623" y="3961011"/>
+            <a:off x="896615" y="3889003"/>
             <a:ext cx="4176464" cy="347329"/>
           </a:xfrm>
           <a:prstGeom prst="roundRect">
@@ -8817,14 +8854,6 @@
               </a:rPr>
               <a:t>Editorial Tools</a:t>
             </a:r>
-            <a:endParaRPr lang="en-US" sz="1800" b="1" dirty="0" smtClean="0">
-              <a:solidFill>
-                <a:srgbClr val="64FFDA"/>
-              </a:solidFill>
-              <a:latin typeface="Corbel" charset="0"/>
-              <a:ea typeface="Corbel" charset="0"/>
-              <a:cs typeface="Corbel" charset="0"/>
-            </a:endParaRPr>
           </a:p>
         </p:txBody>
       </p:sp>
@@ -8836,7 +8865,7 @@
         </p:nvCxnSpPr>
         <p:spPr>
           <a:xfrm>
-            <a:off x="968623" y="3961011"/>
+            <a:off x="896615" y="3889003"/>
             <a:ext cx="4176464" cy="0"/>
           </a:xfrm>
           <a:prstGeom prst="line">
@@ -8872,7 +8901,7 @@
         </p:nvCxnSpPr>
         <p:spPr>
           <a:xfrm>
-            <a:off x="968623" y="5113139"/>
+            <a:off x="896615" y="5041131"/>
             <a:ext cx="4176464" cy="0"/>
           </a:xfrm>
           <a:prstGeom prst="line">
@@ -8980,7 +9009,7 @@
         </p:nvCxnSpPr>
         <p:spPr>
           <a:xfrm flipV="1">
-            <a:off x="8457455" y="10225707"/>
+            <a:off x="8313439" y="10225707"/>
             <a:ext cx="0" cy="1368152"/>
           </a:xfrm>
           <a:prstGeom prst="line">
@@ -9016,8 +9045,8 @@
         </p:nvSpPr>
         <p:spPr>
           <a:xfrm>
-            <a:off x="8456655" y="10297715"/>
-            <a:ext cx="1368952" cy="442674"/>
+            <a:off x="8313738" y="10297715"/>
+            <a:ext cx="1583877" cy="442674"/>
           </a:xfrm>
           <a:prstGeom prst="roundRect">
             <a:avLst/>
@@ -9064,8 +9093,8 @@
         </p:nvSpPr>
         <p:spPr>
           <a:xfrm>
-            <a:off x="8457630" y="10729763"/>
-            <a:ext cx="1367977" cy="783193"/>
+            <a:off x="8313439" y="10657755"/>
+            <a:ext cx="1583877" cy="783193"/>
           </a:xfrm>
           <a:prstGeom prst="roundRect">
             <a:avLst/>
@@ -9113,14 +9142,6 @@
               </a:rPr>
               <a:t>Build</a:t>
             </a:r>
-            <a:endParaRPr lang="en-US" sz="2000" dirty="0" smtClean="0">
-              <a:solidFill>
-                <a:srgbClr val="E0E0E0"/>
-              </a:solidFill>
-              <a:latin typeface="Corbel" charset="0"/>
-              <a:ea typeface="Corbel" charset="0"/>
-              <a:cs typeface="Corbel" charset="0"/>
-            </a:endParaRPr>
           </a:p>
         </p:txBody>
       </p:sp>
